--- a/Presentation/2uzuBook _1011.pptx
+++ b/Presentation/2uzuBook _1011.pptx
@@ -5,7 +5,7 @@
     <p:sldMasterId id="2147483648" r:id="rId1"/>
   </p:sldMasterIdLst>
   <p:notesMasterIdLst>
-    <p:notesMasterId r:id="rId23"/>
+    <p:notesMasterId r:id="rId24"/>
   </p:notesMasterIdLst>
   <p:sldIdLst>
     <p:sldId id="256" r:id="rId2"/>
@@ -21,14 +21,15 @@
     <p:sldId id="301" r:id="rId12"/>
     <p:sldId id="310" r:id="rId13"/>
     <p:sldId id="311" r:id="rId14"/>
-    <p:sldId id="304" r:id="rId15"/>
-    <p:sldId id="286" r:id="rId16"/>
-    <p:sldId id="303" r:id="rId17"/>
-    <p:sldId id="305" r:id="rId18"/>
-    <p:sldId id="306" r:id="rId19"/>
-    <p:sldId id="307" r:id="rId20"/>
-    <p:sldId id="309" r:id="rId21"/>
-    <p:sldId id="294" r:id="rId22"/>
+    <p:sldId id="313" r:id="rId15"/>
+    <p:sldId id="304" r:id="rId16"/>
+    <p:sldId id="286" r:id="rId17"/>
+    <p:sldId id="303" r:id="rId18"/>
+    <p:sldId id="305" r:id="rId19"/>
+    <p:sldId id="306" r:id="rId20"/>
+    <p:sldId id="307" r:id="rId21"/>
+    <p:sldId id="309" r:id="rId22"/>
+    <p:sldId id="294" r:id="rId23"/>
   </p:sldIdLst>
   <p:sldSz cx="12192000" cy="6858000"/>
   <p:notesSz cx="6858000" cy="9144000"/>
@@ -1633,7 +1634,7 @@
                 <a:ea typeface="+mn-ea"/>
                 <a:cs typeface="+mn-cs"/>
               </a:rPr>
-              <a:t>25 ~ 32 . </a:t>
+              <a:t>24. </a:t>
             </a:r>
             <a:r>
               <a:rPr lang="ko-KR" altLang="en-US" sz="1200" b="0" i="0" kern="1200" dirty="0">
@@ -1669,10 +1670,10 @@
                 <a:ea typeface="+mn-ea"/>
                 <a:cs typeface="+mn-cs"/>
               </a:rPr>
-              <a:t> 시나리오 인데요 </a:t>
-            </a:r>
-            <a:r>
-              <a:rPr lang="en-US" altLang="ko-KR" sz="1200" b="0" i="0" kern="1200" dirty="0">
+              <a:t> 사용자 다이어그램 인데요 </a:t>
+            </a:r>
+            <a:r>
+              <a:rPr lang="ko-KR" altLang="en-US" sz="1200" b="0" i="0" kern="1200" dirty="0" err="1">
                 <a:solidFill>
                   <a:schemeClr val="tx1"/>
                 </a:solidFill>
@@ -1681,7 +1682,7 @@
                 <a:ea typeface="+mn-ea"/>
                 <a:cs typeface="+mn-cs"/>
               </a:rPr>
-              <a:t>( </a:t>
+              <a:t>액터는</a:t>
             </a:r>
             <a:r>
               <a:rPr lang="ko-KR" altLang="en-US" sz="1200" b="0" i="0" kern="1200" dirty="0">
@@ -1693,10 +1694,10 @@
                 <a:ea typeface="+mn-ea"/>
                 <a:cs typeface="+mn-cs"/>
               </a:rPr>
-              <a:t>읽어주기</a:t>
-            </a:r>
-            <a:r>
-              <a:rPr lang="en-US" altLang="ko-KR" sz="1200" b="0" i="0" kern="1200" dirty="0">
+              <a:t> </a:t>
+            </a:r>
+            <a:r>
+              <a:rPr lang="ko-KR" altLang="en-US" sz="1200" b="0" i="0" kern="1200" dirty="0" err="1">
                 <a:solidFill>
                   <a:schemeClr val="tx1"/>
                 </a:solidFill>
@@ -1705,7 +1706,55 @@
                 <a:ea typeface="+mn-ea"/>
                 <a:cs typeface="+mn-cs"/>
               </a:rPr>
-              <a:t>) </a:t>
+              <a:t>대마고</a:t>
+            </a:r>
+            <a:r>
+              <a:rPr lang="ko-KR" altLang="en-US" sz="1200" b="0" i="0" kern="1200" dirty="0">
+                <a:solidFill>
+                  <a:schemeClr val="tx1"/>
+                </a:solidFill>
+                <a:effectLst/>
+                <a:latin typeface="+mn-lt"/>
+                <a:ea typeface="+mn-ea"/>
+                <a:cs typeface="+mn-cs"/>
+              </a:rPr>
+              <a:t> 학생 </a:t>
+            </a:r>
+            <a:r>
+              <a:rPr lang="en-US" altLang="ko-KR" sz="1200" b="0" i="0" kern="1200" dirty="0">
+                <a:solidFill>
+                  <a:schemeClr val="tx1"/>
+                </a:solidFill>
+                <a:effectLst/>
+                <a:latin typeface="+mn-lt"/>
+                <a:ea typeface="+mn-ea"/>
+                <a:cs typeface="+mn-cs"/>
+              </a:rPr>
+              <a:t>~~~(</a:t>
+            </a:r>
+            <a:r>
+              <a:rPr lang="ko-KR" altLang="en-US" sz="1200" b="0" i="0" kern="1200" dirty="0">
+                <a:solidFill>
+                  <a:schemeClr val="tx1"/>
+                </a:solidFill>
+                <a:effectLst/>
+                <a:latin typeface="+mn-lt"/>
+                <a:ea typeface="+mn-ea"/>
+                <a:cs typeface="+mn-cs"/>
+              </a:rPr>
+              <a:t>읽어주기</a:t>
+            </a:r>
+            <a:r>
+              <a:rPr lang="en-US" altLang="ko-KR" sz="1200" b="0" i="0" kern="1200" dirty="0">
+                <a:solidFill>
+                  <a:schemeClr val="tx1"/>
+                </a:solidFill>
+                <a:effectLst/>
+                <a:latin typeface="+mn-lt"/>
+                <a:ea typeface="+mn-ea"/>
+                <a:cs typeface="+mn-cs"/>
+              </a:rPr>
+              <a:t>)</a:t>
             </a:r>
             <a:endParaRPr lang="ko-KR" altLang="en-US" dirty="0"/>
           </a:p>
@@ -1729,6 +1778,174 @@
             <a:fld id="{EEF45E8E-B871-465E-A211-1FB7C7D4BEA7}" type="slidenum">
               <a:rPr lang="ko-KR" altLang="en-US" smtClean="0"/>
               <a:t>14</a:t>
+            </a:fld>
+            <a:endParaRPr lang="ko-KR" altLang="en-US"/>
+          </a:p>
+        </p:txBody>
+      </p:sp>
+    </p:spTree>
+    <p:extLst>
+      <p:ext uri="{BB962C8B-B14F-4D97-AF65-F5344CB8AC3E}">
+        <p14:creationId xmlns:p14="http://schemas.microsoft.com/office/powerpoint/2010/main" val="3632035278"/>
+      </p:ext>
+    </p:extLst>
+  </p:cSld>
+  <p:clrMapOvr>
+    <a:masterClrMapping/>
+  </p:clrMapOvr>
+</p:notes>
+</file>
+
+<file path=ppt/notesSlides/notesSlide15.xml><?xml version="1.0" encoding="utf-8"?>
+<p:notes xmlns:a="http://schemas.openxmlformats.org/drawingml/2006/main" xmlns:r="http://schemas.openxmlformats.org/officeDocument/2006/relationships" xmlns:p="http://schemas.openxmlformats.org/presentationml/2006/main">
+  <p:cSld>
+    <p:spTree>
+      <p:nvGrpSpPr>
+        <p:cNvPr id="1" name=""/>
+        <p:cNvGrpSpPr/>
+        <p:nvPr/>
+      </p:nvGrpSpPr>
+      <p:grpSpPr>
+        <a:xfrm>
+          <a:off x="0" y="0"/>
+          <a:ext cx="0" cy="0"/>
+          <a:chOff x="0" y="0"/>
+          <a:chExt cx="0" cy="0"/>
+        </a:xfrm>
+      </p:grpSpPr>
+      <p:sp>
+        <p:nvSpPr>
+          <p:cNvPr id="2" name="슬라이드 이미지 개체 틀 1"/>
+          <p:cNvSpPr>
+            <a:spLocks noGrp="1" noRot="1" noChangeAspect="1"/>
+          </p:cNvSpPr>
+          <p:nvPr>
+            <p:ph type="sldImg"/>
+          </p:nvPr>
+        </p:nvSpPr>
+        <p:spPr/>
+      </p:sp>
+      <p:sp>
+        <p:nvSpPr>
+          <p:cNvPr id="3" name="슬라이드 노트 개체 틀 2"/>
+          <p:cNvSpPr>
+            <a:spLocks noGrp="1"/>
+          </p:cNvSpPr>
+          <p:nvPr>
+            <p:ph type="body" idx="1"/>
+          </p:nvPr>
+        </p:nvSpPr>
+        <p:spPr/>
+        <p:txBody>
+          <a:bodyPr/>
+          <a:lstStyle/>
+          <a:p>
+            <a:r>
+              <a:rPr lang="en-US" altLang="ko-KR" sz="1200" b="0" i="0" kern="1200" dirty="0">
+                <a:solidFill>
+                  <a:schemeClr val="tx1"/>
+                </a:solidFill>
+                <a:effectLst/>
+                <a:latin typeface="+mn-lt"/>
+                <a:ea typeface="+mn-ea"/>
+                <a:cs typeface="+mn-cs"/>
+              </a:rPr>
+              <a:t>25 ~ 32 . </a:t>
+            </a:r>
+            <a:r>
+              <a:rPr lang="ko-KR" altLang="en-US" sz="1200" b="0" i="0" kern="1200" dirty="0">
+                <a:solidFill>
+                  <a:schemeClr val="tx1"/>
+                </a:solidFill>
+                <a:effectLst/>
+                <a:latin typeface="+mn-lt"/>
+                <a:ea typeface="+mn-ea"/>
+                <a:cs typeface="+mn-cs"/>
+              </a:rPr>
+              <a:t>저희의 </a:t>
+            </a:r>
+            <a:r>
+              <a:rPr lang="ko-KR" altLang="en-US" sz="1200" b="0" i="0" kern="1200" dirty="0" err="1">
+                <a:solidFill>
+                  <a:schemeClr val="tx1"/>
+                </a:solidFill>
+                <a:effectLst/>
+                <a:latin typeface="+mn-lt"/>
+                <a:ea typeface="+mn-ea"/>
+                <a:cs typeface="+mn-cs"/>
+              </a:rPr>
+              <a:t>유스케이스</a:t>
+            </a:r>
+            <a:r>
+              <a:rPr lang="ko-KR" altLang="en-US" sz="1200" b="0" i="0" kern="1200" dirty="0">
+                <a:solidFill>
+                  <a:schemeClr val="tx1"/>
+                </a:solidFill>
+                <a:effectLst/>
+                <a:latin typeface="+mn-lt"/>
+                <a:ea typeface="+mn-ea"/>
+                <a:cs typeface="+mn-cs"/>
+              </a:rPr>
+              <a:t> 시나리오 인데요 </a:t>
+            </a:r>
+            <a:r>
+              <a:rPr lang="en-US" altLang="ko-KR" sz="1200" b="0" i="0" kern="1200" dirty="0">
+                <a:solidFill>
+                  <a:schemeClr val="tx1"/>
+                </a:solidFill>
+                <a:effectLst/>
+                <a:latin typeface="+mn-lt"/>
+                <a:ea typeface="+mn-ea"/>
+                <a:cs typeface="+mn-cs"/>
+              </a:rPr>
+              <a:t>( </a:t>
+            </a:r>
+            <a:r>
+              <a:rPr lang="ko-KR" altLang="en-US" sz="1200" b="0" i="0" kern="1200" dirty="0">
+                <a:solidFill>
+                  <a:schemeClr val="tx1"/>
+                </a:solidFill>
+                <a:effectLst/>
+                <a:latin typeface="+mn-lt"/>
+                <a:ea typeface="+mn-ea"/>
+                <a:cs typeface="+mn-cs"/>
+              </a:rPr>
+              <a:t>읽어주기</a:t>
+            </a:r>
+            <a:r>
+              <a:rPr lang="en-US" altLang="ko-KR" sz="1200" b="0" i="0" kern="1200" dirty="0">
+                <a:solidFill>
+                  <a:schemeClr val="tx1"/>
+                </a:solidFill>
+                <a:effectLst/>
+                <a:latin typeface="+mn-lt"/>
+                <a:ea typeface="+mn-ea"/>
+                <a:cs typeface="+mn-cs"/>
+              </a:rPr>
+              <a:t>) </a:t>
+            </a:r>
+            <a:endParaRPr lang="ko-KR" altLang="en-US" dirty="0"/>
+          </a:p>
+        </p:txBody>
+      </p:sp>
+      <p:sp>
+        <p:nvSpPr>
+          <p:cNvPr id="4" name="슬라이드 번호 개체 틀 3"/>
+          <p:cNvSpPr>
+            <a:spLocks noGrp="1"/>
+          </p:cNvSpPr>
+          <p:nvPr>
+            <p:ph type="sldNum" sz="quarter" idx="10"/>
+          </p:nvPr>
+        </p:nvSpPr>
+        <p:spPr/>
+        <p:txBody>
+          <a:bodyPr/>
+          <a:lstStyle/>
+          <a:p>
+            <a:fld id="{EEF45E8E-B871-465E-A211-1FB7C7D4BEA7}" type="slidenum">
+              <a:rPr lang="ko-KR" altLang="en-US" smtClean="0"/>
+              <a:t>15</a:t>
             </a:fld>
             <a:endParaRPr lang="ko-KR" altLang="en-US"/>
           </a:p>
@@ -8360,6 +8577,144 @@
           </a:p>
         </p:txBody>
       </p:sp>
+      <p:pic>
+        <p:nvPicPr>
+          <p:cNvPr id="4" name="그림 3">
+            <a:extLst>
+              <a:ext uri="{FF2B5EF4-FFF2-40B4-BE49-F238E27FC236}">
+                <a16:creationId xmlns:a16="http://schemas.microsoft.com/office/drawing/2014/main" id="{D538BB8B-3DBC-4776-A814-67667C7D4996}"/>
+              </a:ext>
+            </a:extLst>
+          </p:cNvPr>
+          <p:cNvPicPr>
+            <a:picLocks noChangeAspect="1"/>
+          </p:cNvPicPr>
+          <p:nvPr/>
+        </p:nvPicPr>
+        <p:blipFill>
+          <a:blip r:embed="rId3">
+            <a:extLst>
+              <a:ext uri="{28A0092B-C50C-407E-A947-70E740481C1C}">
+                <a14:useLocalDpi xmlns:a14="http://schemas.microsoft.com/office/drawing/2010/main" val="0"/>
+              </a:ext>
+            </a:extLst>
+          </a:blip>
+          <a:stretch>
+            <a:fillRect/>
+          </a:stretch>
+        </p:blipFill>
+        <p:spPr>
+          <a:xfrm>
+            <a:off x="8247720" y="658091"/>
+            <a:ext cx="3033023" cy="5563082"/>
+          </a:xfrm>
+          <a:prstGeom prst="rect">
+            <a:avLst/>
+          </a:prstGeom>
+        </p:spPr>
+      </p:pic>
+      <p:sp>
+        <p:nvSpPr>
+          <p:cNvPr id="5" name="TextBox 4">
+            <a:extLst>
+              <a:ext uri="{FF2B5EF4-FFF2-40B4-BE49-F238E27FC236}">
+                <a16:creationId xmlns:a16="http://schemas.microsoft.com/office/drawing/2014/main" id="{F9F59D1B-47B7-4FE6-8A72-7E4AEB409528}"/>
+              </a:ext>
+            </a:extLst>
+          </p:cNvPr>
+          <p:cNvSpPr txBox="1"/>
+          <p:nvPr/>
+        </p:nvSpPr>
+        <p:spPr>
+          <a:xfrm>
+            <a:off x="2691672" y="2509284"/>
+            <a:ext cx="5358809" cy="369332"/>
+          </a:xfrm>
+          <a:prstGeom prst="rect">
+            <a:avLst/>
+          </a:prstGeom>
+          <a:noFill/>
+        </p:spPr>
+        <p:txBody>
+          <a:bodyPr wrap="square" rtlCol="0">
+            <a:spAutoFit/>
+          </a:bodyPr>
+          <a:lstStyle/>
+          <a:p>
+            <a:r>
+              <a:rPr lang="en-US" altLang="ko-KR" dirty="0"/>
+              <a:t>JSP/SERVERT </a:t>
+            </a:r>
+            <a:r>
+              <a:rPr lang="ko-KR" altLang="en-US" dirty="0"/>
+              <a:t>구조의 </a:t>
+            </a:r>
+            <a:r>
+              <a:rPr lang="ko-KR" altLang="en-US" dirty="0" err="1"/>
+              <a:t>시퀸스</a:t>
+            </a:r>
+            <a:r>
+              <a:rPr lang="ko-KR" altLang="en-US" dirty="0"/>
+              <a:t> 다이어그램</a:t>
+            </a:r>
+          </a:p>
+        </p:txBody>
+      </p:sp>
+      <p:sp>
+        <p:nvSpPr>
+          <p:cNvPr id="14" name="TextBox 13">
+            <a:extLst>
+              <a:ext uri="{FF2B5EF4-FFF2-40B4-BE49-F238E27FC236}">
+                <a16:creationId xmlns:a16="http://schemas.microsoft.com/office/drawing/2014/main" id="{134537BC-109E-4042-A588-82884F23173F}"/>
+              </a:ext>
+            </a:extLst>
+          </p:cNvPr>
+          <p:cNvSpPr txBox="1"/>
+          <p:nvPr/>
+        </p:nvSpPr>
+        <p:spPr>
+          <a:xfrm>
+            <a:off x="2730701" y="3852936"/>
+            <a:ext cx="5358809" cy="369332"/>
+          </a:xfrm>
+          <a:prstGeom prst="rect">
+            <a:avLst/>
+          </a:prstGeom>
+          <a:noFill/>
+        </p:spPr>
+        <p:txBody>
+          <a:bodyPr wrap="square" rtlCol="0">
+            <a:spAutoFit/>
+          </a:bodyPr>
+          <a:lstStyle/>
+          <a:p>
+            <a:r>
+              <a:rPr lang="ko-KR" altLang="en-US" dirty="0"/>
+              <a:t>페이지 </a:t>
+            </a:r>
+            <a:r>
+              <a:rPr lang="en-US" altLang="ko-KR" dirty="0"/>
+              <a:t>-&gt; </a:t>
+            </a:r>
+            <a:r>
+              <a:rPr lang="ko-KR" altLang="en-US" dirty="0" err="1"/>
+              <a:t>서블릿</a:t>
+            </a:r>
+            <a:r>
+              <a:rPr lang="ko-KR" altLang="en-US" dirty="0"/>
+              <a:t> </a:t>
+            </a:r>
+            <a:r>
+              <a:rPr lang="en-US" altLang="ko-KR" dirty="0"/>
+              <a:t>-&gt; </a:t>
+            </a:r>
+            <a:r>
+              <a:rPr lang="ko-KR" altLang="en-US" dirty="0"/>
+              <a:t>데이터베이스 </a:t>
+            </a:r>
+          </a:p>
+        </p:txBody>
+      </p:sp>
     </p:spTree>
     <p:extLst>
       <p:ext uri="{BB962C8B-B14F-4D97-AF65-F5344CB8AC3E}">
@@ -8853,7 +9208,9 @@
             <a:r>
               <a:rPr lang="en-US" altLang="ko-KR" sz="1100" b="1" dirty="0">
                 <a:solidFill>
-                  <a:schemeClr val="bg1"/>
+                  <a:schemeClr val="bg2">
+                    <a:lumMod val="75000"/>
+                  </a:schemeClr>
                 </a:solidFill>
                 <a:latin typeface="Noto Sans CJK KR Medium" panose="020B0600000000000000" pitchFamily="34" charset="-127"/>
                 <a:ea typeface="Noto Sans CJK KR Medium" panose="020B0600000000000000" pitchFamily="34" charset="-127"/>
@@ -8861,22 +9218,29 @@
               <a:t>03 </a:t>
             </a:r>
             <a:r>
-              <a:rPr lang="ko-KR" altLang="en-US" sz="1100" b="1" dirty="0">
-                <a:solidFill>
-                  <a:schemeClr val="bg1"/>
+              <a:rPr lang="ko-KR" altLang="en-US" sz="1100" b="1" dirty="0" err="1">
+                <a:solidFill>
+                  <a:schemeClr val="bg2">
+                    <a:lumMod val="75000"/>
+                  </a:schemeClr>
                 </a:solidFill>
                 <a:latin typeface="Noto Sans CJK KR Medium" panose="020B0600000000000000" pitchFamily="34" charset="-127"/>
                 <a:ea typeface="Noto Sans CJK KR Medium" panose="020B0600000000000000" pitchFamily="34" charset="-127"/>
               </a:rPr>
-              <a:t>사용사례 작성</a:t>
-            </a:r>
-            <a:endParaRPr lang="en-US" altLang="ko-KR" sz="1100" b="1" dirty="0">
-              <a:solidFill>
-                <a:schemeClr val="bg1"/>
-              </a:solidFill>
-              <a:latin typeface="Noto Sans CJK KR Medium" panose="020B0600000000000000" pitchFamily="34" charset="-127"/>
-              <a:ea typeface="Noto Sans CJK KR Medium" panose="020B0600000000000000" pitchFamily="34" charset="-127"/>
-            </a:endParaRPr>
+              <a:t>사용사례</a:t>
+            </a:r>
+            <a:r>
+              <a:rPr lang="ko-KR" altLang="en-US" sz="1100" b="1" dirty="0">
+                <a:solidFill>
+                  <a:schemeClr val="bg2">
+                    <a:lumMod val="75000"/>
+                  </a:schemeClr>
+                </a:solidFill>
+                <a:latin typeface="Noto Sans CJK KR Medium" panose="020B0600000000000000" pitchFamily="34" charset="-127"/>
+                <a:ea typeface="Noto Sans CJK KR Medium" panose="020B0600000000000000" pitchFamily="34" charset="-127"/>
+              </a:rPr>
+              <a:t> 작성</a:t>
+            </a:r>
           </a:p>
           <a:p>
             <a:pPr marL="0" indent="0">
@@ -8886,11 +9250,9 @@
               <a:buNone/>
             </a:pPr>
             <a:r>
-              <a:rPr lang="en-US" altLang="ko-KR" sz="1100" dirty="0">
-                <a:solidFill>
-                  <a:schemeClr val="bg2">
-                    <a:lumMod val="75000"/>
-                  </a:schemeClr>
+              <a:rPr lang="en-US" altLang="ko-KR" sz="1100" b="1" dirty="0">
+                <a:solidFill>
+                  <a:schemeClr val="bg1"/>
                 </a:solidFill>
                 <a:latin typeface="Noto Sans CJK KR Medium" panose="020B0600000000000000" pitchFamily="34" charset="-127"/>
                 <a:ea typeface="Noto Sans CJK KR Medium" panose="020B0600000000000000" pitchFamily="34" charset="-127"/>
@@ -8898,35 +9260,49 @@
               <a:t>04 </a:t>
             </a:r>
             <a:r>
-              <a:rPr lang="ko-KR" altLang="en-US" sz="1100" dirty="0">
-                <a:solidFill>
-                  <a:schemeClr val="bg2">
-                    <a:lumMod val="75000"/>
-                  </a:schemeClr>
+              <a:rPr lang="ko-KR" altLang="en-US" sz="1100" b="1" dirty="0">
+                <a:solidFill>
+                  <a:schemeClr val="bg1"/>
                 </a:solidFill>
                 <a:latin typeface="Noto Sans CJK KR Medium" panose="020B0600000000000000" pitchFamily="34" charset="-127"/>
                 <a:ea typeface="Noto Sans CJK KR Medium" panose="020B0600000000000000" pitchFamily="34" charset="-127"/>
               </a:rPr>
-              <a:t>요구사항 분석서 </a:t>
-            </a:r>
-            <a:r>
-              <a:rPr lang="en-US" altLang="ko-KR" sz="1100" dirty="0">
-                <a:solidFill>
-                  <a:schemeClr val="bg2">
-                    <a:lumMod val="75000"/>
-                  </a:schemeClr>
+              <a:t>요구사항 </a:t>
+            </a:r>
+            <a:r>
+              <a:rPr lang="ko-KR" altLang="en-US" sz="1100" b="1" dirty="0" err="1">
+                <a:solidFill>
+                  <a:schemeClr val="bg1"/>
                 </a:solidFill>
                 <a:latin typeface="Noto Sans CJK KR Medium" panose="020B0600000000000000" pitchFamily="34" charset="-127"/>
                 <a:ea typeface="Noto Sans CJK KR Medium" panose="020B0600000000000000" pitchFamily="34" charset="-127"/>
               </a:rPr>
+              <a:t>분석서</a:t>
+            </a:r>
+            <a:r>
+              <a:rPr lang="ko-KR" altLang="en-US" sz="1100" b="1" dirty="0">
+                <a:solidFill>
+                  <a:schemeClr val="bg1"/>
+                </a:solidFill>
+                <a:latin typeface="Noto Sans CJK KR Medium" panose="020B0600000000000000" pitchFamily="34" charset="-127"/>
+                <a:ea typeface="Noto Sans CJK KR Medium" panose="020B0600000000000000" pitchFamily="34" charset="-127"/>
+              </a:rPr>
+              <a:t> </a:t>
+            </a:r>
+            <a:r>
+              <a:rPr lang="en-US" altLang="ko-KR" sz="1100" b="1" dirty="0">
+                <a:solidFill>
+                  <a:schemeClr val="bg1"/>
+                </a:solidFill>
+                <a:latin typeface="Noto Sans CJK KR Medium" panose="020B0600000000000000" pitchFamily="34" charset="-127"/>
+                <a:ea typeface="Noto Sans CJK KR Medium" panose="020B0600000000000000" pitchFamily="34" charset="-127"/>
+              </a:rPr>
               <a:t>&amp; </a:t>
             </a:r>
             <a:r>
-              <a:rPr lang="ko-KR" altLang="en-US" sz="1100" dirty="0">
-                <a:solidFill>
-                  <a:schemeClr val="bg2">
-                    <a:lumMod val="75000"/>
-                  </a:schemeClr>
+              <a:rPr lang="ko-KR" altLang="en-US" sz="1100" b="1" dirty="0">
+                <a:solidFill>
+                  <a:schemeClr val="bg1"/>
                 </a:solidFill>
                 <a:latin typeface="Noto Sans CJK KR Medium" panose="020B0600000000000000" pitchFamily="34" charset="-127"/>
                 <a:ea typeface="Noto Sans CJK KR Medium" panose="020B0600000000000000" pitchFamily="34" charset="-127"/>
@@ -8993,7 +9369,7 @@
         <p:spPr>
           <a:xfrm>
             <a:off x="2752167" y="1089843"/>
-            <a:ext cx="4115229" cy="461665"/>
+            <a:ext cx="5101076" cy="461665"/>
           </a:xfrm>
           <a:prstGeom prst="rect">
             <a:avLst/>
@@ -9025,7 +9401,7 @@
                 <a:latin typeface="Noto Sans CJK KR Medium" panose="020B0600000000000000" pitchFamily="34" charset="-127"/>
                 <a:ea typeface="Noto Sans CJK KR Medium" panose="020B0600000000000000" pitchFamily="34" charset="-127"/>
               </a:rPr>
-              <a:t>사용사례 작성 </a:t>
+              <a:t>요구사항 분석서 </a:t>
             </a:r>
             <a:r>
               <a:rPr lang="en-US" altLang="ko-KR" sz="2400" spc="-150" dirty="0">
@@ -9045,6 +9421,23 @@
               <a:t>– </a:t>
             </a:r>
             <a:r>
+              <a:rPr lang="ko-KR" altLang="en-US" sz="2400" spc="-150" dirty="0" err="1">
+                <a:ln>
+                  <a:solidFill>
+                    <a:schemeClr val="accent1">
+                      <a:alpha val="0"/>
+                    </a:schemeClr>
+                  </a:solidFill>
+                </a:ln>
+                <a:solidFill>
+                  <a:srgbClr val="282421"/>
+                </a:solidFill>
+                <a:latin typeface="Noto Sans CJK KR Medium" panose="020B0600000000000000" pitchFamily="34" charset="-127"/>
+                <a:ea typeface="Noto Sans CJK KR Medium" panose="020B0600000000000000" pitchFamily="34" charset="-127"/>
+              </a:rPr>
+              <a:t>시퀸스</a:t>
+            </a:r>
+            <a:r>
               <a:rPr lang="ko-KR" altLang="en-US" sz="2400" spc="-150" dirty="0">
                 <a:ln>
                   <a:solidFill>
@@ -9059,7 +9452,7 @@
                 <a:latin typeface="Noto Sans CJK KR Medium" panose="020B0600000000000000" pitchFamily="34" charset="-127"/>
                 <a:ea typeface="Noto Sans CJK KR Medium" panose="020B0600000000000000" pitchFamily="34" charset="-127"/>
               </a:rPr>
-              <a:t>시나리오 작성</a:t>
+              <a:t> 다이어그램 </a:t>
             </a:r>
             <a:endParaRPr lang="en-US" altLang="ko-KR" sz="2400" spc="-150" dirty="0">
               <a:ln>
@@ -9078,866 +9471,15 @@
           </a:p>
         </p:txBody>
       </p:sp>
-      <p:graphicFrame>
-        <p:nvGraphicFramePr>
-          <p:cNvPr id="12" name="내용 개체 틀 4"/>
-          <p:cNvGraphicFramePr>
-            <a:graphicFrameLocks/>
-          </p:cNvGraphicFramePr>
-          <p:nvPr>
-            <p:extLst>
-              <p:ext uri="{D42A27DB-BD31-4B8C-83A1-F6EECF244321}">
-                <p14:modId xmlns:p14="http://schemas.microsoft.com/office/powerpoint/2010/main" val="1232235331"/>
-              </p:ext>
-            </p:extLst>
-          </p:nvPr>
-        </p:nvGraphicFramePr>
-        <p:xfrm>
-          <a:off x="2574745" y="2107300"/>
-          <a:ext cx="9257167" cy="4285962"/>
-        </p:xfrm>
-        <a:graphic>
-          <a:graphicData uri="http://schemas.openxmlformats.org/drawingml/2006/table">
-            <a:tbl>
-              <a:tblPr firstRow="1" bandRow="1">
-                <a:tableStyleId>{3B4B98B0-60AC-42C2-AFA5-B58CD77FA1E5}</a:tableStyleId>
-              </a:tblPr>
-              <a:tblGrid>
-                <a:gridCol w="1466806">
-                  <a:extLst>
-                    <a:ext uri="{9D8B030D-6E8A-4147-A177-3AD203B41FA5}">
-                      <a16:colId xmlns:a16="http://schemas.microsoft.com/office/drawing/2014/main" val="20000"/>
-                    </a:ext>
-                  </a:extLst>
-                </a:gridCol>
-                <a:gridCol w="7790361">
-                  <a:extLst>
-                    <a:ext uri="{9D8B030D-6E8A-4147-A177-3AD203B41FA5}">
-                      <a16:colId xmlns:a16="http://schemas.microsoft.com/office/drawing/2014/main" val="20001"/>
-                    </a:ext>
-                  </a:extLst>
-                </a:gridCol>
-              </a:tblGrid>
-              <a:tr h="600289">
-                <a:tc>
-                  <a:txBody>
-                    <a:bodyPr/>
-                    <a:lstStyle/>
-                    <a:p>
-                      <a:pPr algn="ctr" latinLnBrk="1"/>
-                      <a:r>
-                        <a:rPr lang="ko-KR" altLang="en-US" b="1" dirty="0">
-                          <a:solidFill>
-                            <a:schemeClr val="tx1">
-                              <a:lumMod val="85000"/>
-                              <a:lumOff val="15000"/>
-                            </a:schemeClr>
-                          </a:solidFill>
-                          <a:latin typeface="HY헤드라인M" pitchFamily="18" charset="-127"/>
-                          <a:ea typeface="HY헤드라인M" pitchFamily="18" charset="-127"/>
-                        </a:rPr>
-                        <a:t>시나리오 이름</a:t>
-                      </a:r>
-                    </a:p>
-                  </a:txBody>
-                  <a:tcPr/>
-                </a:tc>
-                <a:tc>
-                  <a:txBody>
-                    <a:bodyPr/>
-                    <a:lstStyle/>
-                    <a:p>
-                      <a:r>
-                        <a:rPr lang="ko-KR" altLang="en-US" sz="1800" b="0" kern="1200" dirty="0">
-                          <a:solidFill>
-                            <a:schemeClr val="tx1">
-                              <a:lumMod val="85000"/>
-                              <a:lumOff val="15000"/>
-                            </a:schemeClr>
-                          </a:solidFill>
-                          <a:latin typeface="HY헤드라인M" pitchFamily="18" charset="-127"/>
-                          <a:ea typeface="HY헤드라인M" pitchFamily="18" charset="-127"/>
-                          <a:cs typeface="+mn-cs"/>
-                        </a:rPr>
-                        <a:t>학생 로그인</a:t>
-                      </a:r>
-                      <a:endParaRPr lang="en-US" sz="1800" b="0" kern="1200" dirty="0">
-                        <a:solidFill>
-                          <a:schemeClr val="tx1">
-                            <a:lumMod val="85000"/>
-                            <a:lumOff val="15000"/>
-                          </a:schemeClr>
-                        </a:solidFill>
-                        <a:latin typeface="HY헤드라인M" pitchFamily="18" charset="-127"/>
-                        <a:ea typeface="HY헤드라인M" pitchFamily="18" charset="-127"/>
-                        <a:cs typeface="+mn-cs"/>
-                      </a:endParaRPr>
-                    </a:p>
-                  </a:txBody>
-                  <a:tcPr/>
-                </a:tc>
-                <a:extLst>
-                  <a:ext uri="{0D108BD9-81ED-4DB2-BD59-A6C34878D82A}">
-                    <a16:rowId xmlns:a16="http://schemas.microsoft.com/office/drawing/2014/main" val="10000"/>
-                  </a:ext>
-                </a:extLst>
-              </a:tr>
-              <a:tr h="343022">
-                <a:tc>
-                  <a:txBody>
-                    <a:bodyPr/>
-                    <a:lstStyle/>
-                    <a:p>
-                      <a:pPr algn="ctr" latinLnBrk="1"/>
-                      <a:r>
-                        <a:rPr lang="ko-KR" altLang="en-US" b="1" dirty="0">
-                          <a:solidFill>
-                            <a:schemeClr val="tx1">
-                              <a:lumMod val="85000"/>
-                              <a:lumOff val="15000"/>
-                            </a:schemeClr>
-                          </a:solidFill>
-                          <a:latin typeface="HY헤드라인M" pitchFamily="18" charset="-127"/>
-                          <a:ea typeface="HY헤드라인M" pitchFamily="18" charset="-127"/>
-                        </a:rPr>
-                        <a:t> </a:t>
-                      </a:r>
-                      <a:r>
-                        <a:rPr lang="ko-KR" altLang="en-US" b="1" dirty="0" err="1">
-                          <a:solidFill>
-                            <a:schemeClr val="tx1">
-                              <a:lumMod val="85000"/>
-                              <a:lumOff val="15000"/>
-                            </a:schemeClr>
-                          </a:solidFill>
-                          <a:latin typeface="HY헤드라인M" pitchFamily="18" charset="-127"/>
-                          <a:ea typeface="HY헤드라인M" pitchFamily="18" charset="-127"/>
-                        </a:rPr>
-                        <a:t>액터</a:t>
-                      </a:r>
-                      <a:r>
-                        <a:rPr lang="ko-KR" altLang="en-US" b="1" dirty="0">
-                          <a:solidFill>
-                            <a:schemeClr val="tx1">
-                              <a:lumMod val="85000"/>
-                              <a:lumOff val="15000"/>
-                            </a:schemeClr>
-                          </a:solidFill>
-                          <a:latin typeface="HY헤드라인M" pitchFamily="18" charset="-127"/>
-                          <a:ea typeface="HY헤드라인M" pitchFamily="18" charset="-127"/>
-                        </a:rPr>
-                        <a:t> 명</a:t>
-                      </a:r>
-                    </a:p>
-                  </a:txBody>
-                  <a:tcPr/>
-                </a:tc>
-                <a:tc>
-                  <a:txBody>
-                    <a:bodyPr/>
-                    <a:lstStyle/>
-                    <a:p>
-                      <a:r>
-                        <a:rPr lang="ko-KR" altLang="en-US" sz="1800" kern="1200" dirty="0">
-                          <a:solidFill>
-                            <a:schemeClr val="tx1">
-                              <a:lumMod val="85000"/>
-                              <a:lumOff val="15000"/>
-                            </a:schemeClr>
-                          </a:solidFill>
-                          <a:latin typeface="HY헤드라인M" pitchFamily="18" charset="-127"/>
-                          <a:ea typeface="HY헤드라인M" pitchFamily="18" charset="-127"/>
-                          <a:cs typeface="+mn-cs"/>
-                        </a:rPr>
-                        <a:t>사용자</a:t>
-                      </a:r>
-                      <a:endParaRPr lang="en-US" sz="1800" kern="1200" dirty="0">
-                        <a:solidFill>
-                          <a:schemeClr val="tx1">
-                            <a:lumMod val="85000"/>
-                            <a:lumOff val="15000"/>
-                          </a:schemeClr>
-                        </a:solidFill>
-                        <a:latin typeface="HY헤드라인M" pitchFamily="18" charset="-127"/>
-                        <a:ea typeface="HY헤드라인M" pitchFamily="18" charset="-127"/>
-                        <a:cs typeface="+mn-cs"/>
-                      </a:endParaRPr>
-                    </a:p>
-                  </a:txBody>
-                  <a:tcPr/>
-                </a:tc>
-                <a:extLst>
-                  <a:ext uri="{0D108BD9-81ED-4DB2-BD59-A6C34878D82A}">
-                    <a16:rowId xmlns:a16="http://schemas.microsoft.com/office/drawing/2014/main" val="10001"/>
-                  </a:ext>
-                </a:extLst>
-              </a:tr>
-              <a:tr h="343022">
-                <a:tc>
-                  <a:txBody>
-                    <a:bodyPr/>
-                    <a:lstStyle/>
-                    <a:p>
-                      <a:pPr algn="ctr" latinLnBrk="1"/>
-                      <a:r>
-                        <a:rPr lang="ko-KR" altLang="en-US" b="1" dirty="0">
-                          <a:solidFill>
-                            <a:schemeClr val="tx1">
-                              <a:lumMod val="85000"/>
-                              <a:lumOff val="15000"/>
-                            </a:schemeClr>
-                          </a:solidFill>
-                          <a:latin typeface="HY헤드라인M" pitchFamily="18" charset="-127"/>
-                          <a:ea typeface="HY헤드라인M" pitchFamily="18" charset="-127"/>
-                        </a:rPr>
-                        <a:t>시작 조건</a:t>
-                      </a:r>
-                    </a:p>
-                  </a:txBody>
-                  <a:tcPr/>
-                </a:tc>
-                <a:tc>
-                  <a:txBody>
-                    <a:bodyPr/>
-                    <a:lstStyle/>
-                    <a:p>
-                      <a:pPr marL="0" marR="0" indent="0" algn="l" defTabSz="914400" rtl="0" eaLnBrk="1" fontAlgn="auto" latinLnBrk="1" hangingPunct="1">
-                        <a:lnSpc>
-                          <a:spcPct val="100000"/>
-                        </a:lnSpc>
-                        <a:spcBef>
-                          <a:spcPts val="0"/>
-                        </a:spcBef>
-                        <a:spcAft>
-                          <a:spcPts val="0"/>
-                        </a:spcAft>
-                        <a:buClrTx/>
-                        <a:buSzTx/>
-                        <a:buFontTx/>
-                        <a:buNone/>
-                        <a:tabLst/>
-                        <a:defRPr/>
-                      </a:pPr>
-                      <a:r>
-                        <a:rPr lang="ko-KR" altLang="en-US" sz="1800" kern="1200" dirty="0">
-                          <a:solidFill>
-                            <a:schemeClr val="tx1">
-                              <a:lumMod val="85000"/>
-                              <a:lumOff val="15000"/>
-                            </a:schemeClr>
-                          </a:solidFill>
-                          <a:latin typeface="HY헤드라인M" pitchFamily="18" charset="-127"/>
-                          <a:ea typeface="HY헤드라인M" pitchFamily="18" charset="-127"/>
-                          <a:cs typeface="+mn-cs"/>
-                        </a:rPr>
-                        <a:t> 학생</a:t>
-                      </a:r>
-                      <a:r>
-                        <a:rPr lang="en-US" altLang="ko-KR" sz="1800" kern="1200" dirty="0">
-                          <a:solidFill>
-                            <a:schemeClr val="tx1">
-                              <a:lumMod val="85000"/>
-                              <a:lumOff val="15000"/>
-                            </a:schemeClr>
-                          </a:solidFill>
-                          <a:latin typeface="HY헤드라인M" pitchFamily="18" charset="-127"/>
-                          <a:ea typeface="HY헤드라인M" pitchFamily="18" charset="-127"/>
-                          <a:cs typeface="+mn-cs"/>
-                        </a:rPr>
-                        <a:t>- DSM </a:t>
-                      </a:r>
-                      <a:r>
-                        <a:rPr lang="ko-KR" altLang="en-US" sz="1800" kern="1200" dirty="0" err="1">
-                          <a:solidFill>
-                            <a:schemeClr val="tx1">
-                              <a:lumMod val="85000"/>
-                              <a:lumOff val="15000"/>
-                            </a:schemeClr>
-                          </a:solidFill>
-                          <a:latin typeface="HY헤드라인M" pitchFamily="18" charset="-127"/>
-                          <a:ea typeface="HY헤드라인M" pitchFamily="18" charset="-127"/>
-                          <a:cs typeface="+mn-cs"/>
-                        </a:rPr>
-                        <a:t>연장신청</a:t>
-                      </a:r>
-                      <a:r>
-                        <a:rPr lang="ko-KR" altLang="en-US" sz="1800" kern="1200" dirty="0">
-                          <a:solidFill>
-                            <a:schemeClr val="tx1">
-                              <a:lumMod val="85000"/>
-                              <a:lumOff val="15000"/>
-                            </a:schemeClr>
-                          </a:solidFill>
-                          <a:latin typeface="HY헤드라인M" pitchFamily="18" charset="-127"/>
-                          <a:ea typeface="HY헤드라인M" pitchFamily="18" charset="-127"/>
-                          <a:cs typeface="+mn-cs"/>
-                        </a:rPr>
-                        <a:t> 페이지 가입이 되어 있어야 한다</a:t>
-                      </a:r>
-                      <a:r>
-                        <a:rPr lang="en-US" altLang="ko-KR" sz="1800" kern="1200" dirty="0">
-                          <a:solidFill>
-                            <a:schemeClr val="tx1">
-                              <a:lumMod val="85000"/>
-                              <a:lumOff val="15000"/>
-                            </a:schemeClr>
-                          </a:solidFill>
-                          <a:latin typeface="HY헤드라인M" pitchFamily="18" charset="-127"/>
-                          <a:ea typeface="HY헤드라인M" pitchFamily="18" charset="-127"/>
-                          <a:cs typeface="+mn-cs"/>
-                        </a:rPr>
-                        <a:t>..</a:t>
-                      </a:r>
-                    </a:p>
-                  </a:txBody>
-                  <a:tcPr/>
-                </a:tc>
-                <a:extLst>
-                  <a:ext uri="{0D108BD9-81ED-4DB2-BD59-A6C34878D82A}">
-                    <a16:rowId xmlns:a16="http://schemas.microsoft.com/office/drawing/2014/main" val="10002"/>
-                  </a:ext>
-                </a:extLst>
-              </a:tr>
-              <a:tr h="1451322">
-                <a:tc>
-                  <a:txBody>
-                    <a:bodyPr/>
-                    <a:lstStyle/>
-                    <a:p>
-                      <a:pPr algn="ctr" latinLnBrk="1"/>
-                      <a:r>
-                        <a:rPr lang="ko-KR" altLang="en-US" b="1" dirty="0">
-                          <a:solidFill>
-                            <a:schemeClr val="tx1">
-                              <a:lumMod val="85000"/>
-                              <a:lumOff val="15000"/>
-                            </a:schemeClr>
-                          </a:solidFill>
-                          <a:latin typeface="HY헤드라인M" pitchFamily="18" charset="-127"/>
-                          <a:ea typeface="HY헤드라인M" pitchFamily="18" charset="-127"/>
-                        </a:rPr>
-                        <a:t>정상 흐름</a:t>
-                      </a:r>
-                    </a:p>
-                  </a:txBody>
-                  <a:tcPr/>
-                </a:tc>
-                <a:tc>
-                  <a:txBody>
-                    <a:bodyPr/>
-                    <a:lstStyle/>
-                    <a:p>
-                      <a:pPr marL="342900" lvl="0" indent="-342900" fontAlgn="base" latinLnBrk="1">
-                        <a:buFont typeface="+mj-lt"/>
-                        <a:buAutoNum type="arabicPeriod"/>
-                      </a:pPr>
-                      <a:r>
-                        <a:rPr lang="ko-KR" altLang="en-US" sz="1800" kern="1200" dirty="0">
-                          <a:solidFill>
-                            <a:schemeClr val="tx1">
-                              <a:lumMod val="85000"/>
-                              <a:lumOff val="15000"/>
-                            </a:schemeClr>
-                          </a:solidFill>
-                          <a:effectLst/>
-                          <a:latin typeface="배달의민족 도현" pitchFamily="50" charset="-127"/>
-                          <a:ea typeface="배달의민족 도현" pitchFamily="50" charset="-127"/>
-                          <a:cs typeface="+mn-cs"/>
-                        </a:rPr>
-                        <a:t>로그인 버튼을 클릭한다</a:t>
-                      </a:r>
-                      <a:r>
-                        <a:rPr lang="en-US" altLang="ko-KR" sz="1800" kern="1200" dirty="0">
-                          <a:solidFill>
-                            <a:schemeClr val="tx1">
-                              <a:lumMod val="85000"/>
-                              <a:lumOff val="15000"/>
-                            </a:schemeClr>
-                          </a:solidFill>
-                          <a:effectLst/>
-                          <a:latin typeface="배달의민족 도현" pitchFamily="50" charset="-127"/>
-                          <a:ea typeface="배달의민족 도현" pitchFamily="50" charset="-127"/>
-                          <a:cs typeface="+mn-cs"/>
-                        </a:rPr>
-                        <a:t>. (</a:t>
-                      </a:r>
-                      <a:r>
-                        <a:rPr lang="ko-KR" altLang="en-US" sz="1800" kern="1200" dirty="0" err="1">
-                          <a:solidFill>
-                            <a:schemeClr val="tx1">
-                              <a:lumMod val="85000"/>
-                              <a:lumOff val="15000"/>
-                            </a:schemeClr>
-                          </a:solidFill>
-                          <a:effectLst/>
-                          <a:latin typeface="배달의민족 도현" pitchFamily="50" charset="-127"/>
-                          <a:ea typeface="배달의민족 도현" pitchFamily="50" charset="-127"/>
-                          <a:cs typeface="+mn-cs"/>
-                        </a:rPr>
-                        <a:t>액터</a:t>
-                      </a:r>
-                      <a:r>
-                        <a:rPr lang="en-US" altLang="ko-KR" sz="1800" kern="1200" dirty="0">
-                          <a:solidFill>
-                            <a:schemeClr val="tx1">
-                              <a:lumMod val="85000"/>
-                              <a:lumOff val="15000"/>
-                            </a:schemeClr>
-                          </a:solidFill>
-                          <a:effectLst/>
-                          <a:latin typeface="배달의민족 도현" pitchFamily="50" charset="-127"/>
-                          <a:ea typeface="배달의민족 도현" pitchFamily="50" charset="-127"/>
-                          <a:cs typeface="+mn-cs"/>
-                        </a:rPr>
-                        <a:t>)</a:t>
-                      </a:r>
-                    </a:p>
-                    <a:p>
-                      <a:pPr marL="342900" lvl="0" indent="-342900" fontAlgn="base" latinLnBrk="1">
-                        <a:buFont typeface="+mj-lt"/>
-                        <a:buAutoNum type="arabicPeriod"/>
-                      </a:pPr>
-                      <a:r>
-                        <a:rPr lang="ko-KR" altLang="en-US" sz="1800" kern="1200" dirty="0">
-                          <a:solidFill>
-                            <a:schemeClr val="tx1">
-                              <a:lumMod val="85000"/>
-                              <a:lumOff val="15000"/>
-                            </a:schemeClr>
-                          </a:solidFill>
-                          <a:effectLst/>
-                          <a:latin typeface="배달의민족 도현" pitchFamily="50" charset="-127"/>
-                          <a:ea typeface="배달의민족 도현" pitchFamily="50" charset="-127"/>
-                          <a:cs typeface="+mn-cs"/>
-                        </a:rPr>
-                        <a:t>로그인 창을 띄운다</a:t>
-                      </a:r>
-                      <a:r>
-                        <a:rPr lang="en-US" altLang="ko-KR" sz="1800" kern="1200" dirty="0">
-                          <a:solidFill>
-                            <a:schemeClr val="tx1">
-                              <a:lumMod val="85000"/>
-                              <a:lumOff val="15000"/>
-                            </a:schemeClr>
-                          </a:solidFill>
-                          <a:effectLst/>
-                          <a:latin typeface="배달의민족 도현" pitchFamily="50" charset="-127"/>
-                          <a:ea typeface="배달의민족 도현" pitchFamily="50" charset="-127"/>
-                          <a:cs typeface="+mn-cs"/>
-                        </a:rPr>
-                        <a:t>. (</a:t>
-                      </a:r>
-                      <a:r>
-                        <a:rPr lang="ko-KR" altLang="en-US" sz="1800" kern="1200" dirty="0">
-                          <a:solidFill>
-                            <a:schemeClr val="tx1">
-                              <a:lumMod val="85000"/>
-                              <a:lumOff val="15000"/>
-                            </a:schemeClr>
-                          </a:solidFill>
-                          <a:effectLst/>
-                          <a:latin typeface="배달의민족 도현" pitchFamily="50" charset="-127"/>
-                          <a:ea typeface="배달의민족 도현" pitchFamily="50" charset="-127"/>
-                          <a:cs typeface="+mn-cs"/>
-                        </a:rPr>
-                        <a:t>시스템</a:t>
-                      </a:r>
-                      <a:r>
-                        <a:rPr lang="en-US" altLang="ko-KR" sz="1800" kern="1200" dirty="0">
-                          <a:solidFill>
-                            <a:schemeClr val="tx1">
-                              <a:lumMod val="85000"/>
-                              <a:lumOff val="15000"/>
-                            </a:schemeClr>
-                          </a:solidFill>
-                          <a:effectLst/>
-                          <a:latin typeface="배달의민족 도현" pitchFamily="50" charset="-127"/>
-                          <a:ea typeface="배달의민족 도현" pitchFamily="50" charset="-127"/>
-                          <a:cs typeface="+mn-cs"/>
-                        </a:rPr>
-                        <a:t>) </a:t>
-                      </a:r>
-                    </a:p>
-                    <a:p>
-                      <a:pPr marL="342900" lvl="0" indent="-342900" fontAlgn="base" latinLnBrk="1">
-                        <a:buFont typeface="+mj-lt"/>
-                        <a:buAutoNum type="arabicPeriod"/>
-                      </a:pPr>
-                      <a:r>
-                        <a:rPr lang="ko-KR" altLang="en-US" sz="1800" kern="1200" dirty="0">
-                          <a:solidFill>
-                            <a:schemeClr val="tx1">
-                              <a:lumMod val="85000"/>
-                              <a:lumOff val="15000"/>
-                            </a:schemeClr>
-                          </a:solidFill>
-                          <a:effectLst/>
-                          <a:latin typeface="배달의민족 도현" pitchFamily="50" charset="-127"/>
-                          <a:ea typeface="배달의민족 도현" pitchFamily="50" charset="-127"/>
-                          <a:cs typeface="+mn-cs"/>
-                        </a:rPr>
-                        <a:t>아이디와 패스워드를 입력한다</a:t>
-                      </a:r>
-                      <a:r>
-                        <a:rPr lang="en-US" altLang="ko-KR" sz="1800" kern="1200" dirty="0">
-                          <a:solidFill>
-                            <a:schemeClr val="tx1">
-                              <a:lumMod val="85000"/>
-                              <a:lumOff val="15000"/>
-                            </a:schemeClr>
-                          </a:solidFill>
-                          <a:effectLst/>
-                          <a:latin typeface="배달의민족 도현" pitchFamily="50" charset="-127"/>
-                          <a:ea typeface="배달의민족 도현" pitchFamily="50" charset="-127"/>
-                          <a:cs typeface="+mn-cs"/>
-                        </a:rPr>
-                        <a:t>. (</a:t>
-                      </a:r>
-                      <a:r>
-                        <a:rPr lang="ko-KR" altLang="en-US" sz="1800" kern="1200" dirty="0" err="1">
-                          <a:solidFill>
-                            <a:schemeClr val="tx1">
-                              <a:lumMod val="85000"/>
-                              <a:lumOff val="15000"/>
-                            </a:schemeClr>
-                          </a:solidFill>
-                          <a:effectLst/>
-                          <a:latin typeface="배달의민족 도현" pitchFamily="50" charset="-127"/>
-                          <a:ea typeface="배달의민족 도현" pitchFamily="50" charset="-127"/>
-                          <a:cs typeface="+mn-cs"/>
-                        </a:rPr>
-                        <a:t>액터</a:t>
-                      </a:r>
-                      <a:r>
-                        <a:rPr lang="en-US" altLang="ko-KR" sz="1800" kern="1200" dirty="0">
-                          <a:solidFill>
-                            <a:schemeClr val="tx1">
-                              <a:lumMod val="85000"/>
-                              <a:lumOff val="15000"/>
-                            </a:schemeClr>
-                          </a:solidFill>
-                          <a:effectLst/>
-                          <a:latin typeface="배달의민족 도현" pitchFamily="50" charset="-127"/>
-                          <a:ea typeface="배달의민족 도현" pitchFamily="50" charset="-127"/>
-                          <a:cs typeface="+mn-cs"/>
-                        </a:rPr>
-                        <a:t>)</a:t>
-                      </a:r>
-                    </a:p>
-                    <a:p>
-                      <a:pPr marL="342900" lvl="0" indent="-342900" fontAlgn="base" latinLnBrk="1">
-                        <a:buFont typeface="+mj-lt"/>
-                        <a:buAutoNum type="arabicPeriod"/>
-                      </a:pPr>
-                      <a:r>
-                        <a:rPr lang="ko-KR" altLang="en-US" sz="1800" kern="1200" dirty="0">
-                          <a:solidFill>
-                            <a:schemeClr val="tx1">
-                              <a:lumMod val="85000"/>
-                              <a:lumOff val="15000"/>
-                            </a:schemeClr>
-                          </a:solidFill>
-                          <a:effectLst/>
-                          <a:latin typeface="배달의민족 도현" pitchFamily="50" charset="-127"/>
-                          <a:ea typeface="배달의민족 도현" pitchFamily="50" charset="-127"/>
-                          <a:cs typeface="+mn-cs"/>
-                        </a:rPr>
-                        <a:t>저장 되어 있는 </a:t>
-                      </a:r>
-                      <a:r>
-                        <a:rPr lang="en-US" altLang="ko-KR" sz="1800" kern="1200" dirty="0">
-                          <a:solidFill>
-                            <a:schemeClr val="tx1">
-                              <a:lumMod val="85000"/>
-                              <a:lumOff val="15000"/>
-                            </a:schemeClr>
-                          </a:solidFill>
-                          <a:effectLst/>
-                          <a:latin typeface="배달의민족 도현" pitchFamily="50" charset="-127"/>
-                          <a:ea typeface="배달의민족 도현" pitchFamily="50" charset="-127"/>
-                          <a:cs typeface="+mn-cs"/>
-                        </a:rPr>
-                        <a:t>DB</a:t>
-                      </a:r>
-                      <a:r>
-                        <a:rPr lang="ko-KR" altLang="en-US" sz="1800" kern="1200" dirty="0">
-                          <a:solidFill>
-                            <a:schemeClr val="tx1">
-                              <a:lumMod val="85000"/>
-                              <a:lumOff val="15000"/>
-                            </a:schemeClr>
-                          </a:solidFill>
-                          <a:effectLst/>
-                          <a:latin typeface="배달의민족 도현" pitchFamily="50" charset="-127"/>
-                          <a:ea typeface="배달의민족 도현" pitchFamily="50" charset="-127"/>
-                          <a:cs typeface="+mn-cs"/>
-                        </a:rPr>
-                        <a:t>와 일치하는지 매치한다</a:t>
-                      </a:r>
-                      <a:r>
-                        <a:rPr lang="en-US" altLang="ko-KR" sz="1800" kern="1200" dirty="0">
-                          <a:solidFill>
-                            <a:schemeClr val="tx1">
-                              <a:lumMod val="85000"/>
-                              <a:lumOff val="15000"/>
-                            </a:schemeClr>
-                          </a:solidFill>
-                          <a:effectLst/>
-                          <a:latin typeface="배달의민족 도현" pitchFamily="50" charset="-127"/>
-                          <a:ea typeface="배달의민족 도현" pitchFamily="50" charset="-127"/>
-                          <a:cs typeface="+mn-cs"/>
-                        </a:rPr>
-                        <a:t>. (</a:t>
-                      </a:r>
-                      <a:r>
-                        <a:rPr lang="ko-KR" altLang="en-US" sz="1800" kern="1200" dirty="0">
-                          <a:solidFill>
-                            <a:schemeClr val="tx1">
-                              <a:lumMod val="85000"/>
-                              <a:lumOff val="15000"/>
-                            </a:schemeClr>
-                          </a:solidFill>
-                          <a:effectLst/>
-                          <a:latin typeface="배달의민족 도현" pitchFamily="50" charset="-127"/>
-                          <a:ea typeface="배달의민족 도현" pitchFamily="50" charset="-127"/>
-                          <a:cs typeface="+mn-cs"/>
-                        </a:rPr>
-                        <a:t>시스템</a:t>
-                      </a:r>
-                      <a:r>
-                        <a:rPr lang="en-US" altLang="ko-KR" sz="1800" kern="1200" dirty="0">
-                          <a:solidFill>
-                            <a:schemeClr val="tx1">
-                              <a:lumMod val="85000"/>
-                              <a:lumOff val="15000"/>
-                            </a:schemeClr>
-                          </a:solidFill>
-                          <a:effectLst/>
-                          <a:latin typeface="배달의민족 도현" pitchFamily="50" charset="-127"/>
-                          <a:ea typeface="배달의민족 도현" pitchFamily="50" charset="-127"/>
-                          <a:cs typeface="+mn-cs"/>
-                        </a:rPr>
-                        <a:t>)</a:t>
-                      </a:r>
-                    </a:p>
-                    <a:p>
-                      <a:pPr marL="342900" lvl="0" indent="-342900" fontAlgn="base" latinLnBrk="1">
-                        <a:buFont typeface="+mj-lt"/>
-                        <a:buAutoNum type="arabicPeriod"/>
-                      </a:pPr>
-                      <a:r>
-                        <a:rPr lang="ko-KR" altLang="en-US" sz="1800" kern="1200" dirty="0">
-                          <a:solidFill>
-                            <a:schemeClr val="tx1">
-                              <a:lumMod val="85000"/>
-                              <a:lumOff val="15000"/>
-                            </a:schemeClr>
-                          </a:solidFill>
-                          <a:effectLst/>
-                          <a:latin typeface="배달의민족 도현" pitchFamily="50" charset="-127"/>
-                          <a:ea typeface="배달의민족 도현" pitchFamily="50" charset="-127"/>
-                          <a:cs typeface="+mn-cs"/>
-                        </a:rPr>
-                        <a:t>정상적으로 로그인 후 메인 페이지로 넘어간다</a:t>
-                      </a:r>
-                      <a:r>
-                        <a:rPr lang="en-US" altLang="ko-KR" sz="1800" kern="1200" dirty="0">
-                          <a:solidFill>
-                            <a:schemeClr val="tx1">
-                              <a:lumMod val="85000"/>
-                              <a:lumOff val="15000"/>
-                            </a:schemeClr>
-                          </a:solidFill>
-                          <a:effectLst/>
-                          <a:latin typeface="배달의민족 도현" pitchFamily="50" charset="-127"/>
-                          <a:ea typeface="배달의민족 도현" pitchFamily="50" charset="-127"/>
-                          <a:cs typeface="+mn-cs"/>
-                        </a:rPr>
-                        <a:t>. (</a:t>
-                      </a:r>
-                      <a:r>
-                        <a:rPr lang="ko-KR" altLang="en-US" sz="1800" kern="1200" dirty="0">
-                          <a:solidFill>
-                            <a:schemeClr val="tx1">
-                              <a:lumMod val="85000"/>
-                              <a:lumOff val="15000"/>
-                            </a:schemeClr>
-                          </a:solidFill>
-                          <a:effectLst/>
-                          <a:latin typeface="배달의민족 도현" pitchFamily="50" charset="-127"/>
-                          <a:ea typeface="배달의민족 도현" pitchFamily="50" charset="-127"/>
-                          <a:cs typeface="+mn-cs"/>
-                        </a:rPr>
-                        <a:t>시스템</a:t>
-                      </a:r>
-                      <a:r>
-                        <a:rPr lang="en-US" altLang="ko-KR" sz="1800" kern="1200" dirty="0">
-                          <a:solidFill>
-                            <a:schemeClr val="tx1">
-                              <a:lumMod val="85000"/>
-                              <a:lumOff val="15000"/>
-                            </a:schemeClr>
-                          </a:solidFill>
-                          <a:effectLst/>
-                          <a:latin typeface="배달의민족 도현" pitchFamily="50" charset="-127"/>
-                          <a:ea typeface="배달의민족 도현" pitchFamily="50" charset="-127"/>
-                          <a:cs typeface="+mn-cs"/>
-                        </a:rPr>
-                        <a:t>)</a:t>
-                      </a:r>
-                      <a:endParaRPr lang="ko-KR" altLang="en-US" sz="1800" kern="1200" dirty="0">
-                        <a:solidFill>
-                          <a:schemeClr val="tx1">
-                            <a:lumMod val="85000"/>
-                            <a:lumOff val="15000"/>
-                          </a:schemeClr>
-                        </a:solidFill>
-                        <a:effectLst/>
-                        <a:latin typeface="배달의민족 도현" pitchFamily="50" charset="-127"/>
-                        <a:ea typeface="배달의민족 도현" pitchFamily="50" charset="-127"/>
-                        <a:cs typeface="+mn-cs"/>
-                      </a:endParaRPr>
-                    </a:p>
-                  </a:txBody>
-                  <a:tcPr/>
-                </a:tc>
-                <a:extLst>
-                  <a:ext uri="{0D108BD9-81ED-4DB2-BD59-A6C34878D82A}">
-                    <a16:rowId xmlns:a16="http://schemas.microsoft.com/office/drawing/2014/main" val="10003"/>
-                  </a:ext>
-                </a:extLst>
-              </a:tr>
-              <a:tr h="1451322">
-                <a:tc>
-                  <a:txBody>
-                    <a:bodyPr/>
-                    <a:lstStyle/>
-                    <a:p>
-                      <a:pPr algn="ctr" latinLnBrk="1"/>
-                      <a:r>
-                        <a:rPr lang="ko-KR" altLang="en-US" b="1" dirty="0">
-                          <a:solidFill>
-                            <a:schemeClr val="tx1">
-                              <a:lumMod val="85000"/>
-                              <a:lumOff val="15000"/>
-                            </a:schemeClr>
-                          </a:solidFill>
-                          <a:latin typeface="HY헤드라인M" pitchFamily="18" charset="-127"/>
-                          <a:ea typeface="HY헤드라인M" pitchFamily="18" charset="-127"/>
-                        </a:rPr>
-                        <a:t>선택흐름</a:t>
-                      </a:r>
-                    </a:p>
-                  </a:txBody>
-                  <a:tcPr/>
-                </a:tc>
-                <a:tc>
-                  <a:txBody>
-                    <a:bodyPr/>
-                    <a:lstStyle/>
-                    <a:p>
-                      <a:pPr marL="285750" lvl="0" indent="-285750" fontAlgn="base" latinLnBrk="1">
-                        <a:buFontTx/>
-                        <a:buChar char="-"/>
-                      </a:pPr>
-                      <a:r>
-                        <a:rPr lang="ko-KR" altLang="en-US" sz="1800" kern="1200" dirty="0">
-                          <a:solidFill>
-                            <a:schemeClr val="tx1">
-                              <a:lumMod val="85000"/>
-                              <a:lumOff val="15000"/>
-                            </a:schemeClr>
-                          </a:solidFill>
-                          <a:effectLst/>
-                          <a:latin typeface="배달의민족 도현" pitchFamily="50" charset="-127"/>
-                          <a:ea typeface="배달의민족 도현" pitchFamily="50" charset="-127"/>
-                          <a:cs typeface="+mn-cs"/>
-                        </a:rPr>
-                        <a:t>아이디나 패스워드가 맞지 않으면 “아이디나 패스워드를 </a:t>
-                      </a:r>
-                      <a:r>
-                        <a:rPr lang="ko-KR" altLang="en-US" sz="1800" kern="1200" dirty="0" err="1">
-                          <a:solidFill>
-                            <a:schemeClr val="tx1">
-                              <a:lumMod val="85000"/>
-                              <a:lumOff val="15000"/>
-                            </a:schemeClr>
-                          </a:solidFill>
-                          <a:effectLst/>
-                          <a:latin typeface="배달의민족 도현" pitchFamily="50" charset="-127"/>
-                          <a:ea typeface="배달의민족 도현" pitchFamily="50" charset="-127"/>
-                          <a:cs typeface="+mn-cs"/>
-                        </a:rPr>
-                        <a:t>잘못입력했거나</a:t>
-                      </a:r>
-                      <a:r>
-                        <a:rPr lang="ko-KR" altLang="en-US" sz="1800" kern="1200" dirty="0">
-                          <a:solidFill>
-                            <a:schemeClr val="tx1">
-                              <a:lumMod val="85000"/>
-                              <a:lumOff val="15000"/>
-                            </a:schemeClr>
-                          </a:solidFill>
-                          <a:effectLst/>
-                          <a:latin typeface="배달의민족 도현" pitchFamily="50" charset="-127"/>
-                          <a:ea typeface="배달의민족 도현" pitchFamily="50" charset="-127"/>
-                          <a:cs typeface="+mn-cs"/>
-                        </a:rPr>
-                        <a:t> 등록되지 않은 아이디 입니다</a:t>
-                      </a:r>
-                      <a:r>
-                        <a:rPr lang="en-US" altLang="ko-KR" sz="1800" kern="1200" dirty="0">
-                          <a:solidFill>
-                            <a:schemeClr val="tx1">
-                              <a:lumMod val="85000"/>
-                              <a:lumOff val="15000"/>
-                            </a:schemeClr>
-                          </a:solidFill>
-                          <a:effectLst/>
-                          <a:latin typeface="배달의민족 도현" pitchFamily="50" charset="-127"/>
-                          <a:ea typeface="배달의민족 도현" pitchFamily="50" charset="-127"/>
-                          <a:cs typeface="+mn-cs"/>
-                        </a:rPr>
-                        <a:t>.”</a:t>
-                      </a:r>
-                      <a:r>
-                        <a:rPr lang="ko-KR" altLang="en-US" sz="1800" kern="1200" dirty="0">
-                          <a:solidFill>
-                            <a:schemeClr val="tx1">
-                              <a:lumMod val="85000"/>
-                              <a:lumOff val="15000"/>
-                            </a:schemeClr>
-                          </a:solidFill>
-                          <a:effectLst/>
-                          <a:latin typeface="배달의민족 도현" pitchFamily="50" charset="-127"/>
-                          <a:ea typeface="배달의민족 도현" pitchFamily="50" charset="-127"/>
-                          <a:cs typeface="+mn-cs"/>
-                        </a:rPr>
-                        <a:t>메시지 출력</a:t>
-                      </a:r>
-                    </a:p>
-                  </a:txBody>
-                  <a:tcPr/>
-                </a:tc>
-                <a:extLst>
-                  <a:ext uri="{0D108BD9-81ED-4DB2-BD59-A6C34878D82A}">
-                    <a16:rowId xmlns:a16="http://schemas.microsoft.com/office/drawing/2014/main" val="994516010"/>
-                  </a:ext>
-                </a:extLst>
-              </a:tr>
-            </a:tbl>
-          </a:graphicData>
-        </a:graphic>
-      </p:graphicFrame>
       <p:sp>
         <p:nvSpPr>
-          <p:cNvPr id="11" name="TextBox 10"/>
+          <p:cNvPr id="13" name="TextBox 12"/>
           <p:cNvSpPr txBox="1"/>
           <p:nvPr/>
         </p:nvSpPr>
         <p:spPr>
           <a:xfrm>
-            <a:off x="2752863" y="792222"/>
+            <a:off x="2752167" y="796300"/>
             <a:ext cx="5315879" cy="369332"/>
           </a:xfrm>
           <a:prstGeom prst="rect">
@@ -10046,148 +9588,52 @@
           </a:p>
         </p:txBody>
       </p:sp>
+      <p:pic>
+        <p:nvPicPr>
+          <p:cNvPr id="9" name="그림 8">
+            <a:extLst>
+              <a:ext uri="{FF2B5EF4-FFF2-40B4-BE49-F238E27FC236}">
+                <a16:creationId xmlns:a16="http://schemas.microsoft.com/office/drawing/2014/main" id="{4515DA4B-1ACD-467E-B48F-E4E8A25355F1}"/>
+              </a:ext>
+            </a:extLst>
+          </p:cNvPr>
+          <p:cNvPicPr>
+            <a:picLocks noChangeAspect="1"/>
+          </p:cNvPicPr>
+          <p:nvPr/>
+        </p:nvPicPr>
+        <p:blipFill>
+          <a:blip r:embed="rId3">
+            <a:extLst>
+              <a:ext uri="{28A0092B-C50C-407E-A947-70E740481C1C}">
+                <a14:useLocalDpi xmlns:a14="http://schemas.microsoft.com/office/drawing/2010/main" val="0"/>
+              </a:ext>
+            </a:extLst>
+          </a:blip>
+          <a:stretch>
+            <a:fillRect/>
+          </a:stretch>
+        </p:blipFill>
+        <p:spPr>
+          <a:xfrm>
+            <a:off x="2939338" y="1845052"/>
+            <a:ext cx="8553746" cy="4396260"/>
+          </a:xfrm>
+          <a:prstGeom prst="rect">
+            <a:avLst/>
+          </a:prstGeom>
+        </p:spPr>
+      </p:pic>
     </p:spTree>
     <p:extLst>
       <p:ext uri="{BB962C8B-B14F-4D97-AF65-F5344CB8AC3E}">
-        <p14:creationId xmlns:p14="http://schemas.microsoft.com/office/powerpoint/2010/main" val="508042728"/>
+        <p14:creationId xmlns:p14="http://schemas.microsoft.com/office/powerpoint/2010/main" val="3769380109"/>
       </p:ext>
     </p:extLst>
   </p:cSld>
   <p:clrMapOvr>
     <a:masterClrMapping/>
   </p:clrMapOvr>
-  <p:timing>
-    <p:tnLst>
-      <p:par>
-        <p:cTn id="1" dur="indefinite" restart="never" nodeType="tmRoot">
-          <p:childTnLst>
-            <p:seq concurrent="1" nextAc="seek">
-              <p:cTn id="2" dur="indefinite" nodeType="mainSeq">
-                <p:childTnLst>
-                  <p:par>
-                    <p:cTn id="3" fill="hold">
-                      <p:stCondLst>
-                        <p:cond delay="indefinite"/>
-                        <p:cond evt="onBegin" delay="0">
-                          <p:tn val="2"/>
-                        </p:cond>
-                      </p:stCondLst>
-                      <p:childTnLst>
-                        <p:par>
-                          <p:cTn id="4" fill="hold">
-                            <p:stCondLst>
-                              <p:cond delay="0"/>
-                            </p:stCondLst>
-                            <p:childTnLst>
-                              <p:par>
-                                <p:cTn id="5" presetID="42" presetClass="entr" presetSubtype="0" fill="hold" nodeType="afterEffect">
-                                  <p:stCondLst>
-                                    <p:cond delay="0"/>
-                                  </p:stCondLst>
-                                  <p:childTnLst>
-                                    <p:set>
-                                      <p:cBhvr>
-                                        <p:cTn id="6" dur="1" fill="hold">
-                                          <p:stCondLst>
-                                            <p:cond delay="0"/>
-                                          </p:stCondLst>
-                                        </p:cTn>
-                                        <p:tgtEl>
-                                          <p:spTgt spid="12"/>
-                                        </p:tgtEl>
-                                        <p:attrNameLst>
-                                          <p:attrName>style.visibility</p:attrName>
-                                        </p:attrNameLst>
-                                      </p:cBhvr>
-                                      <p:to>
-                                        <p:strVal val="visible"/>
-                                      </p:to>
-                                    </p:set>
-                                    <p:animEffect transition="in" filter="fade">
-                                      <p:cBhvr>
-                                        <p:cTn id="7" dur="1000"/>
-                                        <p:tgtEl>
-                                          <p:spTgt spid="12"/>
-                                        </p:tgtEl>
-                                      </p:cBhvr>
-                                    </p:animEffect>
-                                    <p:anim calcmode="lin" valueType="num">
-                                      <p:cBhvr>
-                                        <p:cTn id="8" dur="1000" fill="hold"/>
-                                        <p:tgtEl>
-                                          <p:spTgt spid="12"/>
-                                        </p:tgtEl>
-                                        <p:attrNameLst>
-                                          <p:attrName>ppt_x</p:attrName>
-                                        </p:attrNameLst>
-                                      </p:cBhvr>
-                                      <p:tavLst>
-                                        <p:tav tm="0">
-                                          <p:val>
-                                            <p:strVal val="#ppt_x"/>
-                                          </p:val>
-                                        </p:tav>
-                                        <p:tav tm="100000">
-                                          <p:val>
-                                            <p:strVal val="#ppt_x"/>
-                                          </p:val>
-                                        </p:tav>
-                                      </p:tavLst>
-                                    </p:anim>
-                                    <p:anim calcmode="lin" valueType="num">
-                                      <p:cBhvr>
-                                        <p:cTn id="9" dur="1000" fill="hold"/>
-                                        <p:tgtEl>
-                                          <p:spTgt spid="12"/>
-                                        </p:tgtEl>
-                                        <p:attrNameLst>
-                                          <p:attrName>ppt_y</p:attrName>
-                                        </p:attrNameLst>
-                                      </p:cBhvr>
-                                      <p:tavLst>
-                                        <p:tav tm="0">
-                                          <p:val>
-                                            <p:strVal val="#ppt_y+.1"/>
-                                          </p:val>
-                                        </p:tav>
-                                        <p:tav tm="100000">
-                                          <p:val>
-                                            <p:strVal val="#ppt_y"/>
-                                          </p:val>
-                                        </p:tav>
-                                      </p:tavLst>
-                                    </p:anim>
-                                  </p:childTnLst>
-                                </p:cTn>
-                              </p:par>
-                            </p:childTnLst>
-                          </p:cTn>
-                        </p:par>
-                      </p:childTnLst>
-                    </p:cTn>
-                  </p:par>
-                </p:childTnLst>
-              </p:cTn>
-              <p:prevCondLst>
-                <p:cond evt="onPrev" delay="0">
-                  <p:tgtEl>
-                    <p:sldTgt/>
-                  </p:tgtEl>
-                </p:cond>
-              </p:prevCondLst>
-              <p:nextCondLst>
-                <p:cond evt="onNext" delay="0">
-                  <p:tgtEl>
-                    <p:sldTgt/>
-                  </p:tgtEl>
-                </p:cond>
-              </p:nextCondLst>
-            </p:seq>
-          </p:childTnLst>
-        </p:cTn>
-      </p:par>
-    </p:tnLst>
-  </p:timing>
 </p:sld>
 </file>
 
@@ -10905,7 +10351,7 @@
           <p:nvPr>
             <p:extLst>
               <p:ext uri="{D42A27DB-BD31-4B8C-83A1-F6EECF244321}">
-                <p14:modId xmlns:p14="http://schemas.microsoft.com/office/powerpoint/2010/main" val="3775273345"/>
+                <p14:modId xmlns:p14="http://schemas.microsoft.com/office/powerpoint/2010/main" val="1232235331"/>
               </p:ext>
             </p:extLst>
           </p:nvPr>
@@ -10966,20 +10412,6 @@
                     <a:lstStyle/>
                     <a:p>
                       <a:r>
-                        <a:rPr lang="ko-KR" altLang="en-US" sz="1800" b="0" kern="1200" dirty="0" err="1">
-                          <a:solidFill>
-                            <a:schemeClr val="tx1">
-                              <a:lumMod val="85000"/>
-                              <a:lumOff val="15000"/>
-                            </a:schemeClr>
-                          </a:solidFill>
-                          <a:latin typeface="HY헤드라인M" pitchFamily="18" charset="-127"/>
-                          <a:ea typeface="HY헤드라인M" pitchFamily="18" charset="-127"/>
-                          <a:cs typeface="+mn-cs"/>
-                        </a:rPr>
-                        <a:t>레주매</a:t>
-                      </a:r>
-                      <a:r>
                         <a:rPr lang="ko-KR" altLang="en-US" sz="1800" b="0" kern="1200" dirty="0">
                           <a:solidFill>
                             <a:schemeClr val="tx1">
@@ -10991,7 +10423,7 @@
                           <a:ea typeface="HY헤드라인M" pitchFamily="18" charset="-127"/>
                           <a:cs typeface="+mn-cs"/>
                         </a:rPr>
-                        <a:t> 작성 및 수정</a:t>
+                        <a:t>학생 로그인</a:t>
                       </a:r>
                       <a:endParaRPr lang="en-US" sz="1800" b="0" kern="1200" dirty="0">
                         <a:solidFill>
@@ -11032,7 +10464,7 @@
                           <a:latin typeface="HY헤드라인M" pitchFamily="18" charset="-127"/>
                           <a:ea typeface="HY헤드라인M" pitchFamily="18" charset="-127"/>
                         </a:rPr>
-                        <a:t>참여 </a:t>
+                        <a:t> </a:t>
                       </a:r>
                       <a:r>
                         <a:rPr lang="ko-KR" altLang="en-US" b="1" dirty="0" err="1">
@@ -11047,16 +10479,19 @@
                         </a:rPr>
                         <a:t>액터</a:t>
                       </a:r>
-                      <a:endParaRPr lang="ko-KR" altLang="en-US" b="1" dirty="0">
-                        <a:solidFill>
-                          <a:schemeClr val="tx1">
-                            <a:lumMod val="85000"/>
-                            <a:lumOff val="15000"/>
-                          </a:schemeClr>
-                        </a:solidFill>
-                        <a:latin typeface="HY헤드라인M" pitchFamily="18" charset="-127"/>
-                        <a:ea typeface="HY헤드라인M" pitchFamily="18" charset="-127"/>
-                      </a:endParaRPr>
+                      <a:r>
+                        <a:rPr lang="ko-KR" altLang="en-US" b="1" dirty="0">
+                          <a:solidFill>
+                            <a:schemeClr val="tx1">
+                              <a:lumMod val="85000"/>
+                              <a:lumOff val="15000"/>
+                            </a:schemeClr>
+                          </a:solidFill>
+                          <a:latin typeface="HY헤드라인M" pitchFamily="18" charset="-127"/>
+                          <a:ea typeface="HY헤드라인M" pitchFamily="18" charset="-127"/>
+                        </a:rPr>
+                        <a:t> 명</a:t>
+                      </a:r>
                     </a:p>
                   </a:txBody>
                   <a:tcPr/>
@@ -11067,7 +10502,7 @@
                     <a:lstStyle/>
                     <a:p>
                       <a:r>
-                        <a:rPr lang="en-US" sz="1800" kern="1200" dirty="0">
+                        <a:rPr lang="ko-KR" altLang="en-US" sz="1800" kern="1200" dirty="0">
                           <a:solidFill>
                             <a:schemeClr val="tx1">
                               <a:lumMod val="85000"/>
@@ -11078,8 +10513,19 @@
                           <a:ea typeface="HY헤드라인M" pitchFamily="18" charset="-127"/>
                           <a:cs typeface="+mn-cs"/>
                         </a:rPr>
-                        <a:t>DSM Student </a:t>
-                      </a:r>
+                        <a:t>사용자</a:t>
+                      </a:r>
+                      <a:endParaRPr lang="en-US" sz="1800" kern="1200" dirty="0">
+                        <a:solidFill>
+                          <a:schemeClr val="tx1">
+                            <a:lumMod val="85000"/>
+                            <a:lumOff val="15000"/>
+                          </a:schemeClr>
+                        </a:solidFill>
+                        <a:latin typeface="HY헤드라인M" pitchFamily="18" charset="-127"/>
+                        <a:ea typeface="HY헤드라인M" pitchFamily="18" charset="-127"/>
+                        <a:cs typeface="+mn-cs"/>
+                      </a:endParaRPr>
                     </a:p>
                   </a:txBody>
                   <a:tcPr/>
@@ -11148,7 +10594,7 @@
                           <a:ea typeface="HY헤드라인M" pitchFamily="18" charset="-127"/>
                           <a:cs typeface="+mn-cs"/>
                         </a:rPr>
-                        <a:t>가입이 되어 있는 상태여야 한다</a:t>
+                        <a:t> 학생</a:t>
                       </a:r>
                       <a:r>
                         <a:rPr lang="en-US" altLang="ko-KR" sz="1800" kern="1200" dirty="0">
@@ -11162,7 +10608,49 @@
                           <a:ea typeface="HY헤드라인M" pitchFamily="18" charset="-127"/>
                           <a:cs typeface="+mn-cs"/>
                         </a:rPr>
-                        <a:t>.</a:t>
+                        <a:t>- DSM </a:t>
+                      </a:r>
+                      <a:r>
+                        <a:rPr lang="ko-KR" altLang="en-US" sz="1800" kern="1200" dirty="0" err="1">
+                          <a:solidFill>
+                            <a:schemeClr val="tx1">
+                              <a:lumMod val="85000"/>
+                              <a:lumOff val="15000"/>
+                            </a:schemeClr>
+                          </a:solidFill>
+                          <a:latin typeface="HY헤드라인M" pitchFamily="18" charset="-127"/>
+                          <a:ea typeface="HY헤드라인M" pitchFamily="18" charset="-127"/>
+                          <a:cs typeface="+mn-cs"/>
+                        </a:rPr>
+                        <a:t>연장신청</a:t>
+                      </a:r>
+                      <a:r>
+                        <a:rPr lang="ko-KR" altLang="en-US" sz="1800" kern="1200" dirty="0">
+                          <a:solidFill>
+                            <a:schemeClr val="tx1">
+                              <a:lumMod val="85000"/>
+                              <a:lumOff val="15000"/>
+                            </a:schemeClr>
+                          </a:solidFill>
+                          <a:latin typeface="HY헤드라인M" pitchFamily="18" charset="-127"/>
+                          <a:ea typeface="HY헤드라인M" pitchFamily="18" charset="-127"/>
+                          <a:cs typeface="+mn-cs"/>
+                        </a:rPr>
+                        <a:t> 페이지 가입이 되어 있어야 한다</a:t>
+                      </a:r>
+                      <a:r>
+                        <a:rPr lang="en-US" altLang="ko-KR" sz="1800" kern="1200" dirty="0">
+                          <a:solidFill>
+                            <a:schemeClr val="tx1">
+                              <a:lumMod val="85000"/>
+                              <a:lumOff val="15000"/>
+                            </a:schemeClr>
+                          </a:solidFill>
+                          <a:latin typeface="HY헤드라인M" pitchFamily="18" charset="-127"/>
+                          <a:ea typeface="HY헤드라인M" pitchFamily="18" charset="-127"/>
+                          <a:cs typeface="+mn-cs"/>
+                        </a:rPr>
+                        <a:t>..</a:t>
                       </a:r>
                     </a:p>
                   </a:txBody>
@@ -11220,7 +10708,7 @@
                           <a:ea typeface="배달의민족 도현" pitchFamily="50" charset="-127"/>
                           <a:cs typeface="+mn-cs"/>
                         </a:rPr>
-                        <a:t>로그인을 한다</a:t>
+                        <a:t>로그인 버튼을 클릭한다</a:t>
                       </a:r>
                       <a:r>
                         <a:rPr lang="en-US" altLang="ko-KR" sz="1800" kern="1200" dirty="0">
@@ -11235,7 +10723,7 @@
                           <a:ea typeface="배달의민족 도현" pitchFamily="50" charset="-127"/>
                           <a:cs typeface="+mn-cs"/>
                         </a:rPr>
-                        <a:t>(</a:t>
+                        <a:t>. (</a:t>
                       </a:r>
                       <a:r>
                         <a:rPr lang="ko-KR" altLang="en-US" sz="1800" kern="1200" dirty="0" err="1">
@@ -11267,24 +10755,27 @@
                         </a:rPr>
                         <a:t>)</a:t>
                       </a:r>
-                      <a:endParaRPr lang="ko-KR" altLang="en-US" sz="1800" kern="1200" dirty="0">
-                        <a:solidFill>
-                          <a:schemeClr val="tx1">
-                            <a:lumMod val="85000"/>
-                            <a:lumOff val="15000"/>
-                          </a:schemeClr>
-                        </a:solidFill>
-                        <a:effectLst/>
-                        <a:latin typeface="배달의민족 도현" pitchFamily="50" charset="-127"/>
-                        <a:ea typeface="배달의민족 도현" pitchFamily="50" charset="-127"/>
-                        <a:cs typeface="+mn-cs"/>
-                      </a:endParaRPr>
                     </a:p>
                     <a:p>
                       <a:pPr marL="342900" lvl="0" indent="-342900" fontAlgn="base" latinLnBrk="1">
                         <a:buFont typeface="+mj-lt"/>
                         <a:buAutoNum type="arabicPeriod"/>
                       </a:pPr>
+                      <a:r>
+                        <a:rPr lang="ko-KR" altLang="en-US" sz="1800" kern="1200" dirty="0">
+                          <a:solidFill>
+                            <a:schemeClr val="tx1">
+                              <a:lumMod val="85000"/>
+                              <a:lumOff val="15000"/>
+                            </a:schemeClr>
+                          </a:solidFill>
+                          <a:effectLst/>
+                          <a:latin typeface="배달의민족 도현" pitchFamily="50" charset="-127"/>
+                          <a:ea typeface="배달의민족 도현" pitchFamily="50" charset="-127"/>
+                          <a:cs typeface="+mn-cs"/>
+                        </a:rPr>
+                        <a:t>로그인 창을 띄운다</a:t>
+                      </a:r>
                       <a:r>
                         <a:rPr lang="en-US" altLang="ko-KR" sz="1800" kern="1200" dirty="0">
                           <a:solidFill>
@@ -11298,7 +10789,7 @@
                           <a:ea typeface="배달의민족 도현" pitchFamily="50" charset="-127"/>
                           <a:cs typeface="+mn-cs"/>
                         </a:rPr>
-                        <a:t>“</a:t>
+                        <a:t>. (</a:t>
                       </a:r>
                       <a:r>
                         <a:rPr lang="ko-KR" altLang="en-US" sz="1800" kern="1200" dirty="0">
@@ -11313,7 +10804,58 @@
                           <a:ea typeface="배달의민족 도현" pitchFamily="50" charset="-127"/>
                           <a:cs typeface="+mn-cs"/>
                         </a:rPr>
-                        <a:t>나의 </a:t>
+                        <a:t>시스템</a:t>
+                      </a:r>
+                      <a:r>
+                        <a:rPr lang="en-US" altLang="ko-KR" sz="1800" kern="1200" dirty="0">
+                          <a:solidFill>
+                            <a:schemeClr val="tx1">
+                              <a:lumMod val="85000"/>
+                              <a:lumOff val="15000"/>
+                            </a:schemeClr>
+                          </a:solidFill>
+                          <a:effectLst/>
+                          <a:latin typeface="배달의민족 도현" pitchFamily="50" charset="-127"/>
+                          <a:ea typeface="배달의민족 도현" pitchFamily="50" charset="-127"/>
+                          <a:cs typeface="+mn-cs"/>
+                        </a:rPr>
+                        <a:t>) </a:t>
+                      </a:r>
+                    </a:p>
+                    <a:p>
+                      <a:pPr marL="342900" lvl="0" indent="-342900" fontAlgn="base" latinLnBrk="1">
+                        <a:buFont typeface="+mj-lt"/>
+                        <a:buAutoNum type="arabicPeriod"/>
+                      </a:pPr>
+                      <a:r>
+                        <a:rPr lang="ko-KR" altLang="en-US" sz="1800" kern="1200" dirty="0">
+                          <a:solidFill>
+                            <a:schemeClr val="tx1">
+                              <a:lumMod val="85000"/>
+                              <a:lumOff val="15000"/>
+                            </a:schemeClr>
+                          </a:solidFill>
+                          <a:effectLst/>
+                          <a:latin typeface="배달의민족 도현" pitchFamily="50" charset="-127"/>
+                          <a:ea typeface="배달의민족 도현" pitchFamily="50" charset="-127"/>
+                          <a:cs typeface="+mn-cs"/>
+                        </a:rPr>
+                        <a:t>아이디와 패스워드를 입력한다</a:t>
+                      </a:r>
+                      <a:r>
+                        <a:rPr lang="en-US" altLang="ko-KR" sz="1800" kern="1200" dirty="0">
+                          <a:solidFill>
+                            <a:schemeClr val="tx1">
+                              <a:lumMod val="85000"/>
+                              <a:lumOff val="15000"/>
+                            </a:schemeClr>
+                          </a:solidFill>
+                          <a:effectLst/>
+                          <a:latin typeface="배달의민족 도현" pitchFamily="50" charset="-127"/>
+                          <a:ea typeface="배달의민족 도현" pitchFamily="50" charset="-127"/>
+                          <a:cs typeface="+mn-cs"/>
+                        </a:rPr>
+                        <a:t>. (</a:t>
                       </a:r>
                       <a:r>
                         <a:rPr lang="ko-KR" altLang="en-US" sz="1800" kern="1200" dirty="0" err="1">
@@ -11328,8 +10870,29 @@
                           <a:ea typeface="배달의민족 도현" pitchFamily="50" charset="-127"/>
                           <a:cs typeface="+mn-cs"/>
                         </a:rPr>
-                        <a:t>레주매</a:t>
-                      </a:r>
+                        <a:t>액터</a:t>
+                      </a:r>
+                      <a:r>
+                        <a:rPr lang="en-US" altLang="ko-KR" sz="1800" kern="1200" dirty="0">
+                          <a:solidFill>
+                            <a:schemeClr val="tx1">
+                              <a:lumMod val="85000"/>
+                              <a:lumOff val="15000"/>
+                            </a:schemeClr>
+                          </a:solidFill>
+                          <a:effectLst/>
+                          <a:latin typeface="배달의민족 도현" pitchFamily="50" charset="-127"/>
+                          <a:ea typeface="배달의민족 도현" pitchFamily="50" charset="-127"/>
+                          <a:cs typeface="+mn-cs"/>
+                        </a:rPr>
+                        <a:t>)</a:t>
+                      </a:r>
+                    </a:p>
+                    <a:p>
+                      <a:pPr marL="342900" lvl="0" indent="-342900" fontAlgn="base" latinLnBrk="1">
+                        <a:buFont typeface="+mj-lt"/>
+                        <a:buAutoNum type="arabicPeriod"/>
+                      </a:pPr>
                       <a:r>
                         <a:rPr lang="ko-KR" altLang="en-US" sz="1800" kern="1200" dirty="0">
                           <a:solidFill>
@@ -11343,7 +10906,7 @@
                           <a:ea typeface="배달의민족 도현" pitchFamily="50" charset="-127"/>
                           <a:cs typeface="+mn-cs"/>
                         </a:rPr>
-                        <a:t> 버튼 클릭“</a:t>
+                        <a:t>저장 되어 있는 </a:t>
                       </a:r>
                       <a:r>
                         <a:rPr lang="en-US" altLang="ko-KR" sz="1800" kern="1200" dirty="0">
@@ -11358,10 +10921,10 @@
                           <a:ea typeface="배달의민족 도현" pitchFamily="50" charset="-127"/>
                           <a:cs typeface="+mn-cs"/>
                         </a:rPr>
-                        <a:t>. (</a:t>
-                      </a:r>
-                      <a:r>
-                        <a:rPr lang="ko-KR" altLang="en-US" sz="1800" kern="1200" dirty="0" err="1">
+                        <a:t>DB</a:t>
+                      </a:r>
+                      <a:r>
+                        <a:rPr lang="ko-KR" altLang="en-US" sz="1800" kern="1200" dirty="0">
                           <a:solidFill>
                             <a:schemeClr val="tx1">
                               <a:lumMod val="85000"/>
@@ -11373,7 +10936,7 @@
                           <a:ea typeface="배달의민족 도현" pitchFamily="50" charset="-127"/>
                           <a:cs typeface="+mn-cs"/>
                         </a:rPr>
-                        <a:t>액터</a:t>
+                        <a:t>와 일치하는지 매치한다</a:t>
                       </a:r>
                       <a:r>
                         <a:rPr lang="en-US" altLang="ko-KR" sz="1800" kern="1200" dirty="0">
@@ -11388,26 +10951,8 @@
                           <a:ea typeface="배달의민족 도현" pitchFamily="50" charset="-127"/>
                           <a:cs typeface="+mn-cs"/>
                         </a:rPr>
-                        <a:t>)</a:t>
-                      </a:r>
-                      <a:endParaRPr lang="ko-KR" altLang="en-US" sz="1800" kern="1200" dirty="0">
-                        <a:solidFill>
-                          <a:schemeClr val="tx1">
-                            <a:lumMod val="85000"/>
-                            <a:lumOff val="15000"/>
-                          </a:schemeClr>
-                        </a:solidFill>
-                        <a:effectLst/>
-                        <a:latin typeface="배달의민족 도현" pitchFamily="50" charset="-127"/>
-                        <a:ea typeface="배달의민족 도현" pitchFamily="50" charset="-127"/>
-                        <a:cs typeface="+mn-cs"/>
-                      </a:endParaRPr>
-                    </a:p>
-                    <a:p>
-                      <a:pPr marL="342900" lvl="0" indent="-342900" fontAlgn="base" latinLnBrk="1">
-                        <a:buFont typeface="+mj-lt"/>
-                        <a:buAutoNum type="arabicPeriod"/>
-                      </a:pPr>
+                        <a:t>. (</a:t>
+                      </a:r>
                       <a:r>
                         <a:rPr lang="ko-KR" altLang="en-US" sz="1800" kern="1200" dirty="0">
                           <a:solidFill>
@@ -11421,7 +10966,7 @@
                           <a:ea typeface="배달의민족 도현" pitchFamily="50" charset="-127"/>
                           <a:cs typeface="+mn-cs"/>
                         </a:rPr>
-                        <a:t>수정</a:t>
+                        <a:t>시스템</a:t>
                       </a:r>
                       <a:r>
                         <a:rPr lang="en-US" altLang="ko-KR" sz="1800" kern="1200" dirty="0">
@@ -11436,8 +10981,14 @@
                           <a:ea typeface="배달의민족 도현" pitchFamily="50" charset="-127"/>
                           <a:cs typeface="+mn-cs"/>
                         </a:rPr>
-                        <a:t>/</a:t>
-                      </a:r>
+                        <a:t>)</a:t>
+                      </a:r>
+                    </a:p>
+                    <a:p>
+                      <a:pPr marL="342900" lvl="0" indent="-342900" fontAlgn="base" latinLnBrk="1">
+                        <a:buFont typeface="+mj-lt"/>
+                        <a:buAutoNum type="arabicPeriod"/>
+                      </a:pPr>
                       <a:r>
                         <a:rPr lang="ko-KR" altLang="en-US" sz="1800" kern="1200" dirty="0">
                           <a:solidFill>
@@ -11451,7 +11002,7 @@
                           <a:ea typeface="배달의민족 도현" pitchFamily="50" charset="-127"/>
                           <a:cs typeface="+mn-cs"/>
                         </a:rPr>
-                        <a:t>등록 중 선택</a:t>
+                        <a:t>정상적으로 로그인 후 메인 페이지로 넘어간다</a:t>
                       </a:r>
                       <a:r>
                         <a:rPr lang="en-US" altLang="ko-KR" sz="1800" kern="1200" dirty="0">
@@ -11466,169 +11017,7 @@
                           <a:ea typeface="배달의민족 도현" pitchFamily="50" charset="-127"/>
                           <a:cs typeface="+mn-cs"/>
                         </a:rPr>
-                        <a:t>(</a:t>
-                      </a:r>
-                      <a:r>
-                        <a:rPr lang="ko-KR" altLang="en-US" sz="1800" kern="1200" dirty="0" err="1">
-                          <a:solidFill>
-                            <a:schemeClr val="tx1">
-                              <a:lumMod val="85000"/>
-                              <a:lumOff val="15000"/>
-                            </a:schemeClr>
-                          </a:solidFill>
-                          <a:effectLst/>
-                          <a:latin typeface="배달의민족 도현" pitchFamily="50" charset="-127"/>
-                          <a:ea typeface="배달의민족 도현" pitchFamily="50" charset="-127"/>
-                          <a:cs typeface="+mn-cs"/>
-                        </a:rPr>
-                        <a:t>액터</a:t>
-                      </a:r>
-                      <a:r>
-                        <a:rPr lang="en-US" altLang="ko-KR" sz="1800" kern="1200" dirty="0">
-                          <a:solidFill>
-                            <a:schemeClr val="tx1">
-                              <a:lumMod val="85000"/>
-                              <a:lumOff val="15000"/>
-                            </a:schemeClr>
-                          </a:solidFill>
-                          <a:effectLst/>
-                          <a:latin typeface="배달의민족 도현" pitchFamily="50" charset="-127"/>
-                          <a:ea typeface="배달의민족 도현" pitchFamily="50" charset="-127"/>
-                          <a:cs typeface="+mn-cs"/>
-                        </a:rPr>
-                        <a:t>)</a:t>
-                      </a:r>
-                    </a:p>
-                    <a:p>
-                      <a:pPr marL="342900" lvl="0" indent="-342900" fontAlgn="base" latinLnBrk="1">
-                        <a:buFont typeface="+mj-lt"/>
-                        <a:buAutoNum type="arabicPeriod"/>
-                      </a:pPr>
-                      <a:r>
-                        <a:rPr lang="ko-KR" altLang="en-US" sz="1800" kern="1200" dirty="0" err="1">
-                          <a:solidFill>
-                            <a:schemeClr val="tx1">
-                              <a:lumMod val="85000"/>
-                              <a:lumOff val="15000"/>
-                            </a:schemeClr>
-                          </a:solidFill>
-                          <a:effectLst/>
-                          <a:latin typeface="배달의민족 도현" pitchFamily="50" charset="-127"/>
-                          <a:ea typeface="배달의민족 도현" pitchFamily="50" charset="-127"/>
-                          <a:cs typeface="+mn-cs"/>
-                        </a:rPr>
-                        <a:t>레주메</a:t>
-                      </a:r>
-                      <a:r>
-                        <a:rPr lang="ko-KR" altLang="en-US" sz="1800" kern="1200" dirty="0">
-                          <a:solidFill>
-                            <a:schemeClr val="tx1">
-                              <a:lumMod val="85000"/>
-                              <a:lumOff val="15000"/>
-                            </a:schemeClr>
-                          </a:solidFill>
-                          <a:effectLst/>
-                          <a:latin typeface="배달의민족 도현" pitchFamily="50" charset="-127"/>
-                          <a:ea typeface="배달의민족 도현" pitchFamily="50" charset="-127"/>
-                          <a:cs typeface="+mn-cs"/>
-                        </a:rPr>
-                        <a:t> 수정 및 작성</a:t>
-                      </a:r>
-                      <a:r>
-                        <a:rPr lang="en-US" altLang="ko-KR" sz="1800" kern="1200" dirty="0">
-                          <a:solidFill>
-                            <a:schemeClr val="tx1">
-                              <a:lumMod val="85000"/>
-                              <a:lumOff val="15000"/>
-                            </a:schemeClr>
-                          </a:solidFill>
-                          <a:effectLst/>
-                          <a:latin typeface="배달의민족 도현" pitchFamily="50" charset="-127"/>
-                          <a:ea typeface="배달의민족 도현" pitchFamily="50" charset="-127"/>
-                          <a:cs typeface="+mn-cs"/>
-                        </a:rPr>
-                        <a:t>(</a:t>
-                      </a:r>
-                      <a:r>
-                        <a:rPr lang="ko-KR" altLang="en-US" sz="1800" kern="1200" dirty="0" err="1">
-                          <a:solidFill>
-                            <a:schemeClr val="tx1">
-                              <a:lumMod val="85000"/>
-                              <a:lumOff val="15000"/>
-                            </a:schemeClr>
-                          </a:solidFill>
-                          <a:effectLst/>
-                          <a:latin typeface="배달의민족 도현" pitchFamily="50" charset="-127"/>
-                          <a:ea typeface="배달의민족 도현" pitchFamily="50" charset="-127"/>
-                          <a:cs typeface="+mn-cs"/>
-                        </a:rPr>
-                        <a:t>액터</a:t>
-                      </a:r>
-                      <a:r>
-                        <a:rPr lang="en-US" altLang="ko-KR" sz="1800" kern="1200" dirty="0">
-                          <a:solidFill>
-                            <a:schemeClr val="tx1">
-                              <a:lumMod val="85000"/>
-                              <a:lumOff val="15000"/>
-                            </a:schemeClr>
-                          </a:solidFill>
-                          <a:effectLst/>
-                          <a:latin typeface="배달의민족 도현" pitchFamily="50" charset="-127"/>
-                          <a:ea typeface="배달의민족 도현" pitchFamily="50" charset="-127"/>
-                          <a:cs typeface="+mn-cs"/>
-                        </a:rPr>
-                        <a:t>)</a:t>
-                      </a:r>
-                    </a:p>
-                    <a:p>
-                      <a:pPr marL="342900" lvl="0" indent="-342900" fontAlgn="base" latinLnBrk="1">
-                        <a:buFont typeface="+mj-lt"/>
-                        <a:buAutoNum type="arabicPeriod"/>
-                      </a:pPr>
-                      <a:r>
-                        <a:rPr lang="ko-KR" altLang="en-US" sz="1800" kern="1200" dirty="0" err="1">
-                          <a:solidFill>
-                            <a:schemeClr val="tx1">
-                              <a:lumMod val="85000"/>
-                              <a:lumOff val="15000"/>
-                            </a:schemeClr>
-                          </a:solidFill>
-                          <a:effectLst/>
-                          <a:latin typeface="배달의민족 도현" pitchFamily="50" charset="-127"/>
-                          <a:ea typeface="배달의민족 도현" pitchFamily="50" charset="-127"/>
-                          <a:cs typeface="+mn-cs"/>
-                        </a:rPr>
-                        <a:t>레주메</a:t>
-                      </a:r>
-                      <a:r>
-                        <a:rPr lang="ko-KR" altLang="en-US" sz="1800" kern="1200" dirty="0">
-                          <a:solidFill>
-                            <a:schemeClr val="tx1">
-                              <a:lumMod val="85000"/>
-                              <a:lumOff val="15000"/>
-                            </a:schemeClr>
-                          </a:solidFill>
-                          <a:effectLst/>
-                          <a:latin typeface="배달의민족 도현" pitchFamily="50" charset="-127"/>
-                          <a:ea typeface="배달의민족 도현" pitchFamily="50" charset="-127"/>
-                          <a:cs typeface="+mn-cs"/>
-                        </a:rPr>
-                        <a:t> 저장하고 등록완료 </a:t>
-                      </a:r>
-                      <a:r>
-                        <a:rPr lang="en-US" altLang="ko-KR" sz="1800" kern="1200" dirty="0">
-                          <a:solidFill>
-                            <a:schemeClr val="tx1">
-                              <a:lumMod val="85000"/>
-                              <a:lumOff val="15000"/>
-                            </a:schemeClr>
-                          </a:solidFill>
-                          <a:effectLst/>
-                          <a:latin typeface="배달의민족 도현" pitchFamily="50" charset="-127"/>
-                          <a:ea typeface="배달의민족 도현" pitchFamily="50" charset="-127"/>
-                          <a:cs typeface="+mn-cs"/>
-                        </a:rPr>
-                        <a:t>(</a:t>
+                        <a:t>. (</a:t>
                       </a:r>
                       <a:r>
                         <a:rPr lang="ko-KR" altLang="en-US" sz="1800" kern="1200" dirty="0">
@@ -11728,7 +11117,37 @@
                           <a:ea typeface="배달의민족 도현" pitchFamily="50" charset="-127"/>
                           <a:cs typeface="+mn-cs"/>
                         </a:rPr>
-                        <a:t>로그인이 되지 않았을 경우 “로그인 후 작성 가능합니다</a:t>
+                        <a:t>아이디나 패스워드가 맞지 않으면 “아이디나 패스워드를 </a:t>
+                      </a:r>
+                      <a:r>
+                        <a:rPr lang="ko-KR" altLang="en-US" sz="1800" kern="1200" dirty="0" err="1">
+                          <a:solidFill>
+                            <a:schemeClr val="tx1">
+                              <a:lumMod val="85000"/>
+                              <a:lumOff val="15000"/>
+                            </a:schemeClr>
+                          </a:solidFill>
+                          <a:effectLst/>
+                          <a:latin typeface="배달의민족 도현" pitchFamily="50" charset="-127"/>
+                          <a:ea typeface="배달의민족 도현" pitchFamily="50" charset="-127"/>
+                          <a:cs typeface="+mn-cs"/>
+                        </a:rPr>
+                        <a:t>잘못입력했거나</a:t>
+                      </a:r>
+                      <a:r>
+                        <a:rPr lang="ko-KR" altLang="en-US" sz="1800" kern="1200" dirty="0">
+                          <a:solidFill>
+                            <a:schemeClr val="tx1">
+                              <a:lumMod val="85000"/>
+                              <a:lumOff val="15000"/>
+                            </a:schemeClr>
+                          </a:solidFill>
+                          <a:effectLst/>
+                          <a:latin typeface="배달의민족 도현" pitchFamily="50" charset="-127"/>
+                          <a:ea typeface="배달의민족 도현" pitchFamily="50" charset="-127"/>
+                          <a:cs typeface="+mn-cs"/>
+                        </a:rPr>
+                        <a:t> 등록되지 않은 아이디 입니다</a:t>
                       </a:r>
                       <a:r>
                         <a:rPr lang="en-US" altLang="ko-KR" sz="1800" kern="1200" dirty="0">
@@ -11743,145 +11162,7 @@
                           <a:ea typeface="배달의민족 도현" pitchFamily="50" charset="-127"/>
                           <a:cs typeface="+mn-cs"/>
                         </a:rPr>
-                        <a:t>”. </a:t>
-                      </a:r>
-                      <a:r>
-                        <a:rPr lang="ko-KR" altLang="en-US" sz="1800" kern="1200" dirty="0">
-                          <a:solidFill>
-                            <a:schemeClr val="tx1">
-                              <a:lumMod val="85000"/>
-                              <a:lumOff val="15000"/>
-                            </a:schemeClr>
-                          </a:solidFill>
-                          <a:effectLst/>
-                          <a:latin typeface="배달의민족 도현" pitchFamily="50" charset="-127"/>
-                          <a:ea typeface="배달의민족 도현" pitchFamily="50" charset="-127"/>
-                          <a:cs typeface="+mn-cs"/>
-                        </a:rPr>
-                        <a:t>메시지 출력</a:t>
-                      </a:r>
-                      <a:endParaRPr lang="en-US" altLang="ko-KR" sz="1800" kern="1200" dirty="0">
-                        <a:solidFill>
-                          <a:schemeClr val="tx1">
-                            <a:lumMod val="85000"/>
-                            <a:lumOff val="15000"/>
-                          </a:schemeClr>
-                        </a:solidFill>
-                        <a:effectLst/>
-                        <a:latin typeface="배달의민족 도현" pitchFamily="50" charset="-127"/>
-                        <a:ea typeface="배달의민족 도현" pitchFamily="50" charset="-127"/>
-                        <a:cs typeface="+mn-cs"/>
-                      </a:endParaRPr>
-                    </a:p>
-                    <a:p>
-                      <a:pPr marL="285750" lvl="0" indent="-285750" fontAlgn="base" latinLnBrk="1">
-                        <a:buFontTx/>
-                        <a:buChar char="-"/>
-                      </a:pPr>
-                      <a:r>
-                        <a:rPr lang="ko-KR" altLang="en-US" sz="1800" kern="1200" dirty="0" err="1">
-                          <a:solidFill>
-                            <a:schemeClr val="tx1">
-                              <a:lumMod val="85000"/>
-                              <a:lumOff val="15000"/>
-                            </a:schemeClr>
-                          </a:solidFill>
-                          <a:effectLst/>
-                          <a:latin typeface="배달의민족 도현" pitchFamily="50" charset="-127"/>
-                          <a:ea typeface="배달의민족 도현" pitchFamily="50" charset="-127"/>
-                          <a:cs typeface="+mn-cs"/>
-                        </a:rPr>
-                        <a:t>레주메</a:t>
-                      </a:r>
-                      <a:r>
-                        <a:rPr lang="ko-KR" altLang="en-US" sz="1800" kern="1200" dirty="0">
-                          <a:solidFill>
-                            <a:schemeClr val="tx1">
-                              <a:lumMod val="85000"/>
-                              <a:lumOff val="15000"/>
-                            </a:schemeClr>
-                          </a:solidFill>
-                          <a:effectLst/>
-                          <a:latin typeface="배달의민족 도현" pitchFamily="50" charset="-127"/>
-                          <a:ea typeface="배달의민족 도현" pitchFamily="50" charset="-127"/>
-                          <a:cs typeface="+mn-cs"/>
-                        </a:rPr>
-                        <a:t> 저장 </a:t>
-                      </a:r>
-                      <a:r>
-                        <a:rPr lang="ko-KR" altLang="en-US" sz="1800" kern="1200" dirty="0" err="1">
-                          <a:solidFill>
-                            <a:schemeClr val="tx1">
-                              <a:lumMod val="85000"/>
-                              <a:lumOff val="15000"/>
-                            </a:schemeClr>
-                          </a:solidFill>
-                          <a:effectLst/>
-                          <a:latin typeface="배달의민족 도현" pitchFamily="50" charset="-127"/>
-                          <a:ea typeface="배달의민족 도현" pitchFamily="50" charset="-127"/>
-                          <a:cs typeface="+mn-cs"/>
-                        </a:rPr>
-                        <a:t>오류시</a:t>
-                      </a:r>
-                      <a:r>
-                        <a:rPr lang="ko-KR" altLang="en-US" sz="1800" kern="1200" dirty="0">
-                          <a:solidFill>
-                            <a:schemeClr val="tx1">
-                              <a:lumMod val="85000"/>
-                              <a:lumOff val="15000"/>
-                            </a:schemeClr>
-                          </a:solidFill>
-                          <a:effectLst/>
-                          <a:latin typeface="배달의민족 도현" pitchFamily="50" charset="-127"/>
-                          <a:ea typeface="배달의민족 도현" pitchFamily="50" charset="-127"/>
-                          <a:cs typeface="+mn-cs"/>
-                        </a:rPr>
-                        <a:t> </a:t>
-                      </a:r>
-                      <a:r>
-                        <a:rPr lang="en-US" altLang="ko-KR" sz="1800" kern="1200" dirty="0">
-                          <a:solidFill>
-                            <a:schemeClr val="tx1">
-                              <a:lumMod val="85000"/>
-                              <a:lumOff val="15000"/>
-                            </a:schemeClr>
-                          </a:solidFill>
-                          <a:effectLst/>
-                          <a:latin typeface="배달의민족 도현" pitchFamily="50" charset="-127"/>
-                          <a:ea typeface="배달의민족 도현" pitchFamily="50" charset="-127"/>
-                          <a:cs typeface="+mn-cs"/>
-                        </a:rPr>
-                        <a:t>“</a:t>
-                      </a:r>
-                      <a:r>
-                        <a:rPr lang="ko-KR" altLang="en-US" sz="1800" kern="1200" dirty="0">
-                          <a:solidFill>
-                            <a:schemeClr val="tx1">
-                              <a:lumMod val="85000"/>
-                              <a:lumOff val="15000"/>
-                            </a:schemeClr>
-                          </a:solidFill>
-                          <a:effectLst/>
-                          <a:latin typeface="배달의민족 도현" pitchFamily="50" charset="-127"/>
-                          <a:ea typeface="배달의민족 도현" pitchFamily="50" charset="-127"/>
-                          <a:cs typeface="+mn-cs"/>
-                        </a:rPr>
-                        <a:t>저장에 실패하였습니다</a:t>
-                      </a:r>
-                      <a:r>
-                        <a:rPr lang="en-US" altLang="ko-KR" sz="1800" kern="1200" dirty="0">
-                          <a:solidFill>
-                            <a:schemeClr val="tx1">
-                              <a:lumMod val="85000"/>
-                              <a:lumOff val="15000"/>
-                            </a:schemeClr>
-                          </a:solidFill>
-                          <a:effectLst/>
-                          <a:latin typeface="배달의민족 도현" pitchFamily="50" charset="-127"/>
-                          <a:ea typeface="배달의민족 도현" pitchFamily="50" charset="-127"/>
-                          <a:cs typeface="+mn-cs"/>
-                        </a:rPr>
-                        <a:t>.” </a:t>
+                        <a:t>.”</a:t>
                       </a:r>
                       <a:r>
                         <a:rPr lang="ko-KR" altLang="en-US" sz="1800" kern="1200" dirty="0">
@@ -12032,7 +11313,7 @@
     </p:spTree>
     <p:extLst>
       <p:ext uri="{BB962C8B-B14F-4D97-AF65-F5344CB8AC3E}">
-        <p14:creationId xmlns:p14="http://schemas.microsoft.com/office/powerpoint/2010/main" val="4220013362"/>
+        <p14:creationId xmlns:p14="http://schemas.microsoft.com/office/powerpoint/2010/main" val="508042728"/>
       </p:ext>
     </p:extLst>
   </p:cSld>
@@ -12888,14 +12169,14 @@
           <p:nvPr>
             <p:extLst>
               <p:ext uri="{D42A27DB-BD31-4B8C-83A1-F6EECF244321}">
-                <p14:modId xmlns:p14="http://schemas.microsoft.com/office/powerpoint/2010/main" val="1720039726"/>
+                <p14:modId xmlns:p14="http://schemas.microsoft.com/office/powerpoint/2010/main" val="3775273345"/>
               </p:ext>
             </p:extLst>
           </p:nvPr>
         </p:nvGraphicFramePr>
         <p:xfrm>
           <a:off x="2574745" y="2107300"/>
-          <a:ext cx="9257167" cy="4274244"/>
+          <a:ext cx="9257167" cy="4285962"/>
         </p:xfrm>
         <a:graphic>
           <a:graphicData uri="http://schemas.openxmlformats.org/drawingml/2006/table">
@@ -12949,6 +12230,20 @@
                     <a:lstStyle/>
                     <a:p>
                       <a:r>
+                        <a:rPr lang="ko-KR" altLang="en-US" sz="1800" b="0" kern="1200" dirty="0" err="1">
+                          <a:solidFill>
+                            <a:schemeClr val="tx1">
+                              <a:lumMod val="85000"/>
+                              <a:lumOff val="15000"/>
+                            </a:schemeClr>
+                          </a:solidFill>
+                          <a:latin typeface="HY헤드라인M" pitchFamily="18" charset="-127"/>
+                          <a:ea typeface="HY헤드라인M" pitchFamily="18" charset="-127"/>
+                          <a:cs typeface="+mn-cs"/>
+                        </a:rPr>
+                        <a:t>레주매</a:t>
+                      </a:r>
+                      <a:r>
                         <a:rPr lang="ko-KR" altLang="en-US" sz="1800" b="0" kern="1200" dirty="0">
                           <a:solidFill>
                             <a:schemeClr val="tx1">
@@ -12960,7 +12255,7 @@
                           <a:ea typeface="HY헤드라인M" pitchFamily="18" charset="-127"/>
                           <a:cs typeface="+mn-cs"/>
                         </a:rPr>
-                        <a:t>시리얼 키를 받은 회사의 로그인</a:t>
+                        <a:t> 작성 및 수정</a:t>
                       </a:r>
                       <a:endParaRPr lang="en-US" sz="1800" b="0" kern="1200" dirty="0">
                         <a:solidFill>
@@ -13036,7 +12331,7 @@
                     <a:lstStyle/>
                     <a:p>
                       <a:r>
-                        <a:rPr lang="ko-KR" altLang="en-US" sz="1800" kern="1200" dirty="0">
+                        <a:rPr lang="en-US" sz="1800" kern="1200" dirty="0">
                           <a:solidFill>
                             <a:schemeClr val="tx1">
                               <a:lumMod val="85000"/>
@@ -13047,19 +12342,8 @@
                           <a:ea typeface="HY헤드라인M" pitchFamily="18" charset="-127"/>
                           <a:cs typeface="+mn-cs"/>
                         </a:rPr>
-                        <a:t>학생에 관심이 있는 회사</a:t>
-                      </a:r>
-                      <a:endParaRPr lang="en-US" sz="1800" kern="1200" dirty="0">
-                        <a:solidFill>
-                          <a:schemeClr val="tx1">
-                            <a:lumMod val="85000"/>
-                            <a:lumOff val="15000"/>
-                          </a:schemeClr>
-                        </a:solidFill>
-                        <a:latin typeface="HY헤드라인M" pitchFamily="18" charset="-127"/>
-                        <a:ea typeface="HY헤드라인M" pitchFamily="18" charset="-127"/>
-                        <a:cs typeface="+mn-cs"/>
-                      </a:endParaRPr>
+                        <a:t>DSM Student </a:t>
+                      </a:r>
                     </a:p>
                   </a:txBody>
                   <a:tcPr/>
@@ -13128,35 +12412,7 @@
                           <a:ea typeface="HY헤드라인M" pitchFamily="18" charset="-127"/>
                           <a:cs typeface="+mn-cs"/>
                         </a:rPr>
-                        <a:t>학교로부터 시리얼키를 </a:t>
-                      </a:r>
-                      <a:r>
-                        <a:rPr lang="ko-KR" altLang="en-US" sz="1800" kern="1200" dirty="0" err="1">
-                          <a:solidFill>
-                            <a:schemeClr val="tx1">
-                              <a:lumMod val="85000"/>
-                              <a:lumOff val="15000"/>
-                            </a:schemeClr>
-                          </a:solidFill>
-                          <a:latin typeface="HY헤드라인M" pitchFamily="18" charset="-127"/>
-                          <a:ea typeface="HY헤드라인M" pitchFamily="18" charset="-127"/>
-                          <a:cs typeface="+mn-cs"/>
-                        </a:rPr>
-                        <a:t>받아놓은</a:t>
-                      </a:r>
-                      <a:r>
-                        <a:rPr lang="ko-KR" altLang="en-US" sz="1800" kern="1200" dirty="0">
-                          <a:solidFill>
-                            <a:schemeClr val="tx1">
-                              <a:lumMod val="85000"/>
-                              <a:lumOff val="15000"/>
-                            </a:schemeClr>
-                          </a:solidFill>
-                          <a:latin typeface="HY헤드라인M" pitchFamily="18" charset="-127"/>
-                          <a:ea typeface="HY헤드라인M" pitchFamily="18" charset="-127"/>
-                          <a:cs typeface="+mn-cs"/>
-                        </a:rPr>
-                        <a:t> 상태여야 한다</a:t>
+                        <a:t>가입이 되어 있는 상태여야 한다</a:t>
                       </a:r>
                       <a:r>
                         <a:rPr lang="en-US" altLang="ko-KR" sz="1800" kern="1200" dirty="0">
@@ -13228,7 +12484,7 @@
                           <a:ea typeface="배달의민족 도현" pitchFamily="50" charset="-127"/>
                           <a:cs typeface="+mn-cs"/>
                         </a:rPr>
-                        <a:t>시리얼키를 입력한다</a:t>
+                        <a:t>로그인을 한다</a:t>
                       </a:r>
                       <a:r>
                         <a:rPr lang="en-US" altLang="ko-KR" sz="1800" kern="1200" dirty="0">
@@ -13243,7 +12499,7 @@
                           <a:ea typeface="배달의민족 도현" pitchFamily="50" charset="-127"/>
                           <a:cs typeface="+mn-cs"/>
                         </a:rPr>
-                        <a:t>.(</a:t>
+                        <a:t>(</a:t>
                       </a:r>
                       <a:r>
                         <a:rPr lang="ko-KR" altLang="en-US" sz="1800" kern="1200" dirty="0" err="1">
@@ -13294,6 +12550,21 @@
                         <a:buAutoNum type="arabicPeriod"/>
                       </a:pPr>
                       <a:r>
+                        <a:rPr lang="en-US" altLang="ko-KR" sz="1800" kern="1200" dirty="0">
+                          <a:solidFill>
+                            <a:schemeClr val="tx1">
+                              <a:lumMod val="85000"/>
+                              <a:lumOff val="15000"/>
+                            </a:schemeClr>
+                          </a:solidFill>
+                          <a:effectLst/>
+                          <a:latin typeface="배달의민족 도현" pitchFamily="50" charset="-127"/>
+                          <a:ea typeface="배달의민족 도현" pitchFamily="50" charset="-127"/>
+                          <a:cs typeface="+mn-cs"/>
+                        </a:rPr>
+                        <a:t>“</a:t>
+                      </a:r>
+                      <a:r>
                         <a:rPr lang="ko-KR" altLang="en-US" sz="1800" kern="1200" dirty="0">
                           <a:solidFill>
                             <a:schemeClr val="tx1">
@@ -13306,7 +12577,7 @@
                           <a:ea typeface="배달의민족 도현" pitchFamily="50" charset="-127"/>
                           <a:cs typeface="+mn-cs"/>
                         </a:rPr>
-                        <a:t>학생 </a:t>
+                        <a:t>나의 </a:t>
                       </a:r>
                       <a:r>
                         <a:rPr lang="ko-KR" altLang="en-US" sz="1800" kern="1200" dirty="0" err="1">
@@ -13321,7 +12592,7 @@
                           <a:ea typeface="배달의민족 도현" pitchFamily="50" charset="-127"/>
                           <a:cs typeface="+mn-cs"/>
                         </a:rPr>
-                        <a:t>레주메</a:t>
+                        <a:t>레주매</a:t>
                       </a:r>
                       <a:r>
                         <a:rPr lang="ko-KR" altLang="en-US" sz="1800" kern="1200" dirty="0">
@@ -13336,7 +12607,7 @@
                           <a:ea typeface="배달의민족 도현" pitchFamily="50" charset="-127"/>
                           <a:cs typeface="+mn-cs"/>
                         </a:rPr>
-                        <a:t> 페이지로 이동</a:t>
+                        <a:t> 버튼 클릭“</a:t>
                       </a:r>
                       <a:r>
                         <a:rPr lang="en-US" altLang="ko-KR" sz="1800" kern="1200" dirty="0">
@@ -13351,10 +12622,10 @@
                           <a:ea typeface="배달의민족 도현" pitchFamily="50" charset="-127"/>
                           <a:cs typeface="+mn-cs"/>
                         </a:rPr>
-                        <a:t>(</a:t>
-                      </a:r>
-                      <a:r>
-                        <a:rPr lang="ko-KR" altLang="en-US" sz="1800" kern="1200" dirty="0">
+                        <a:t>. (</a:t>
+                      </a:r>
+                      <a:r>
+                        <a:rPr lang="ko-KR" altLang="en-US" sz="1800" kern="1200" dirty="0" err="1">
                           <a:solidFill>
                             <a:schemeClr val="tx1">
                               <a:lumMod val="85000"/>
@@ -13366,7 +12637,7 @@
                           <a:ea typeface="배달의민족 도현" pitchFamily="50" charset="-127"/>
                           <a:cs typeface="+mn-cs"/>
                         </a:rPr>
-                        <a:t>시스템</a:t>
+                        <a:t>액터</a:t>
                       </a:r>
                       <a:r>
                         <a:rPr lang="en-US" altLang="ko-KR" sz="1800" kern="1200" dirty="0">
@@ -13414,7 +12685,7 @@
                           <a:ea typeface="배달의민족 도현" pitchFamily="50" charset="-127"/>
                           <a:cs typeface="+mn-cs"/>
                         </a:rPr>
-                        <a:t>보고싶은 학생을 클릭한다</a:t>
+                        <a:t>수정</a:t>
                       </a:r>
                       <a:r>
                         <a:rPr lang="en-US" altLang="ko-KR" sz="1800" kern="1200" dirty="0">
@@ -13429,7 +12700,37 @@
                           <a:ea typeface="배달의민족 도현" pitchFamily="50" charset="-127"/>
                           <a:cs typeface="+mn-cs"/>
                         </a:rPr>
-                        <a:t>.(</a:t>
+                        <a:t>/</a:t>
+                      </a:r>
+                      <a:r>
+                        <a:rPr lang="ko-KR" altLang="en-US" sz="1800" kern="1200" dirty="0">
+                          <a:solidFill>
+                            <a:schemeClr val="tx1">
+                              <a:lumMod val="85000"/>
+                              <a:lumOff val="15000"/>
+                            </a:schemeClr>
+                          </a:solidFill>
+                          <a:effectLst/>
+                          <a:latin typeface="배달의민족 도현" pitchFamily="50" charset="-127"/>
+                          <a:ea typeface="배달의민족 도현" pitchFamily="50" charset="-127"/>
+                          <a:cs typeface="+mn-cs"/>
+                        </a:rPr>
+                        <a:t>등록 중 선택</a:t>
+                      </a:r>
+                      <a:r>
+                        <a:rPr lang="en-US" altLang="ko-KR" sz="1800" kern="1200" dirty="0">
+                          <a:solidFill>
+                            <a:schemeClr val="tx1">
+                              <a:lumMod val="85000"/>
+                              <a:lumOff val="15000"/>
+                            </a:schemeClr>
+                          </a:solidFill>
+                          <a:effectLst/>
+                          <a:latin typeface="배달의민족 도현" pitchFamily="50" charset="-127"/>
+                          <a:ea typeface="배달의민족 도현" pitchFamily="50" charset="-127"/>
+                          <a:cs typeface="+mn-cs"/>
+                        </a:rPr>
+                        <a:t>(</a:t>
                       </a:r>
                       <a:r>
                         <a:rPr lang="ko-KR" altLang="en-US" sz="1800" kern="1200" dirty="0" err="1">
@@ -13468,6 +12769,21 @@
                         <a:buAutoNum type="arabicPeriod"/>
                       </a:pPr>
                       <a:r>
+                        <a:rPr lang="ko-KR" altLang="en-US" sz="1800" kern="1200" dirty="0" err="1">
+                          <a:solidFill>
+                            <a:schemeClr val="tx1">
+                              <a:lumMod val="85000"/>
+                              <a:lumOff val="15000"/>
+                            </a:schemeClr>
+                          </a:solidFill>
+                          <a:effectLst/>
+                          <a:latin typeface="배달의민족 도현" pitchFamily="50" charset="-127"/>
+                          <a:ea typeface="배달의민족 도현" pitchFamily="50" charset="-127"/>
+                          <a:cs typeface="+mn-cs"/>
+                        </a:rPr>
+                        <a:t>레주메</a:t>
+                      </a:r>
+                      <a:r>
                         <a:rPr lang="ko-KR" altLang="en-US" sz="1800" kern="1200" dirty="0">
                           <a:solidFill>
                             <a:schemeClr val="tx1">
@@ -13480,7 +12796,22 @@
                           <a:ea typeface="배달의민족 도현" pitchFamily="50" charset="-127"/>
                           <a:cs typeface="+mn-cs"/>
                         </a:rPr>
-                        <a:t>학생의 </a:t>
+                        <a:t> 수정 및 작성</a:t>
+                      </a:r>
+                      <a:r>
+                        <a:rPr lang="en-US" altLang="ko-KR" sz="1800" kern="1200" dirty="0">
+                          <a:solidFill>
+                            <a:schemeClr val="tx1">
+                              <a:lumMod val="85000"/>
+                              <a:lumOff val="15000"/>
+                            </a:schemeClr>
+                          </a:solidFill>
+                          <a:effectLst/>
+                          <a:latin typeface="배달의민족 도현" pitchFamily="50" charset="-127"/>
+                          <a:ea typeface="배달의민족 도현" pitchFamily="50" charset="-127"/>
+                          <a:cs typeface="+mn-cs"/>
+                        </a:rPr>
+                        <a:t>(</a:t>
                       </a:r>
                       <a:r>
                         <a:rPr lang="ko-KR" altLang="en-US" sz="1800" kern="1200" dirty="0" err="1">
@@ -13495,7 +12826,43 @@
                           <a:ea typeface="배달의민족 도현" pitchFamily="50" charset="-127"/>
                           <a:cs typeface="+mn-cs"/>
                         </a:rPr>
-                        <a:t>레주메를</a:t>
+                        <a:t>액터</a:t>
+                      </a:r>
+                      <a:r>
+                        <a:rPr lang="en-US" altLang="ko-KR" sz="1800" kern="1200" dirty="0">
+                          <a:solidFill>
+                            <a:schemeClr val="tx1">
+                              <a:lumMod val="85000"/>
+                              <a:lumOff val="15000"/>
+                            </a:schemeClr>
+                          </a:solidFill>
+                          <a:effectLst/>
+                          <a:latin typeface="배달의민족 도현" pitchFamily="50" charset="-127"/>
+                          <a:ea typeface="배달의민족 도현" pitchFamily="50" charset="-127"/>
+                          <a:cs typeface="+mn-cs"/>
+                        </a:rPr>
+                        <a:t>)</a:t>
+                      </a:r>
+                    </a:p>
+                    <a:p>
+                      <a:pPr marL="342900" lvl="0" indent="-342900" fontAlgn="base" latinLnBrk="1">
+                        <a:buFont typeface="+mj-lt"/>
+                        <a:buAutoNum type="arabicPeriod"/>
+                      </a:pPr>
+                      <a:r>
+                        <a:rPr lang="ko-KR" altLang="en-US" sz="1800" kern="1200" dirty="0" err="1">
+                          <a:solidFill>
+                            <a:schemeClr val="tx1">
+                              <a:lumMod val="85000"/>
+                              <a:lumOff val="15000"/>
+                            </a:schemeClr>
+                          </a:solidFill>
+                          <a:effectLst/>
+                          <a:latin typeface="배달의민족 도현" pitchFamily="50" charset="-127"/>
+                          <a:ea typeface="배달의민족 도현" pitchFamily="50" charset="-127"/>
+                          <a:cs typeface="+mn-cs"/>
+                        </a:rPr>
+                        <a:t>레주메</a:t>
                       </a:r>
                       <a:r>
                         <a:rPr lang="ko-KR" altLang="en-US" sz="1800" kern="1200" dirty="0">
@@ -13510,7 +12877,7 @@
                           <a:ea typeface="배달의민족 도현" pitchFamily="50" charset="-127"/>
                           <a:cs typeface="+mn-cs"/>
                         </a:rPr>
-                        <a:t> 열람한다</a:t>
+                        <a:t> 저장하고 등록완료 </a:t>
                       </a:r>
                       <a:r>
                         <a:rPr lang="en-US" altLang="ko-KR" sz="1800" kern="1200" dirty="0">
@@ -13525,10 +12892,10 @@
                           <a:ea typeface="배달의민족 도현" pitchFamily="50" charset="-127"/>
                           <a:cs typeface="+mn-cs"/>
                         </a:rPr>
-                        <a:t>. (</a:t>
-                      </a:r>
-                      <a:r>
-                        <a:rPr lang="ko-KR" altLang="en-US" sz="1800" kern="1200" dirty="0" err="1">
+                        <a:t>(</a:t>
+                      </a:r>
+                      <a:r>
+                        <a:rPr lang="ko-KR" altLang="en-US" sz="1800" kern="1200" dirty="0">
                           <a:solidFill>
                             <a:schemeClr val="tx1">
                               <a:lumMod val="85000"/>
@@ -13540,7 +12907,7 @@
                           <a:ea typeface="배달의민족 도현" pitchFamily="50" charset="-127"/>
                           <a:cs typeface="+mn-cs"/>
                         </a:rPr>
-                        <a:t>액터</a:t>
+                        <a:t>시스템</a:t>
                       </a:r>
                       <a:r>
                         <a:rPr lang="en-US" altLang="ko-KR" sz="1800" kern="1200" dirty="0">
@@ -13557,6 +12924,18 @@
                         </a:rPr>
                         <a:t>)</a:t>
                       </a:r>
+                      <a:endParaRPr lang="ko-KR" altLang="en-US" sz="1800" kern="1200" dirty="0">
+                        <a:solidFill>
+                          <a:schemeClr val="tx1">
+                            <a:lumMod val="85000"/>
+                            <a:lumOff val="15000"/>
+                          </a:schemeClr>
+                        </a:solidFill>
+                        <a:effectLst/>
+                        <a:latin typeface="배달의민족 도현" pitchFamily="50" charset="-127"/>
+                        <a:ea typeface="배달의민족 도현" pitchFamily="50" charset="-127"/>
+                        <a:cs typeface="+mn-cs"/>
+                      </a:endParaRPr>
                     </a:p>
                   </a:txBody>
                   <a:tcPr/>
@@ -13596,235 +12975,56 @@
                     <a:bodyPr/>
                     <a:lstStyle/>
                     <a:p>
-                      <a:pPr marL="285750" marR="0" lvl="0" indent="-285750" algn="l" defTabSz="914400" rtl="0" eaLnBrk="1" fontAlgn="base" latinLnBrk="1" hangingPunct="1">
-                        <a:lnSpc>
-                          <a:spcPct val="100000"/>
-                        </a:lnSpc>
-                        <a:spcBef>
-                          <a:spcPts val="0"/>
-                        </a:spcBef>
-                        <a:spcAft>
-                          <a:spcPts val="0"/>
-                        </a:spcAft>
-                        <a:buClrTx/>
-                        <a:buSzTx/>
-                        <a:buFontTx/>
-                        <a:buChar char="-"/>
-                        <a:tabLst/>
-                        <a:defRPr/>
-                      </a:pPr>
-                      <a:r>
-                        <a:rPr lang="ko-KR" altLang="ko-KR" sz="1800" kern="1200" dirty="0">
-                          <a:solidFill>
-                            <a:schemeClr val="tx1"/>
-                          </a:solidFill>
-                          <a:effectLst/>
-                          <a:latin typeface="+mn-lt"/>
-                          <a:ea typeface="+mn-ea"/>
-                          <a:cs typeface="+mn-cs"/>
-                        </a:rPr>
-                        <a:t>시리얼키가 등록되지 않았을</a:t>
-                      </a:r>
-                      <a:r>
-                        <a:rPr lang="en-US" altLang="ko-KR" sz="1800" kern="1200" dirty="0">
-                          <a:solidFill>
-                            <a:schemeClr val="tx1"/>
-                          </a:solidFill>
-                          <a:effectLst/>
-                          <a:latin typeface="+mn-lt"/>
-                          <a:ea typeface="+mn-ea"/>
-                          <a:cs typeface="+mn-cs"/>
-                        </a:rPr>
-                        <a:t> </a:t>
-                      </a:r>
-                      <a:r>
-                        <a:rPr lang="ko-KR" altLang="ko-KR" sz="1800" kern="1200" dirty="0">
-                          <a:solidFill>
-                            <a:schemeClr val="tx1"/>
-                          </a:solidFill>
-                          <a:effectLst/>
-                          <a:latin typeface="+mn-lt"/>
-                          <a:ea typeface="+mn-ea"/>
-                          <a:cs typeface="+mn-cs"/>
-                        </a:rPr>
-                        <a:t>경우 </a:t>
-                      </a:r>
-                      <a:r>
-                        <a:rPr lang="en-US" altLang="ko-KR" sz="1800" kern="1200" dirty="0">
-                          <a:solidFill>
-                            <a:schemeClr val="tx1"/>
-                          </a:solidFill>
-                          <a:effectLst/>
-                          <a:latin typeface="+mn-lt"/>
-                          <a:ea typeface="+mn-ea"/>
-                          <a:cs typeface="+mn-cs"/>
-                        </a:rPr>
-                        <a:t>“ </a:t>
-                      </a:r>
-                      <a:r>
-                        <a:rPr lang="ko-KR" altLang="ko-KR" sz="1800" kern="1200" dirty="0">
-                          <a:solidFill>
-                            <a:schemeClr val="tx1"/>
-                          </a:solidFill>
-                          <a:effectLst/>
-                          <a:latin typeface="+mn-lt"/>
-                          <a:ea typeface="+mn-ea"/>
-                          <a:cs typeface="+mn-cs"/>
-                        </a:rPr>
-                        <a:t>등록되지 않은 시리얼 키입니다</a:t>
-                      </a:r>
-                      <a:r>
-                        <a:rPr lang="en-US" altLang="ko-KR" sz="1800" kern="1200" dirty="0">
-                          <a:solidFill>
-                            <a:schemeClr val="tx1"/>
-                          </a:solidFill>
-                          <a:effectLst/>
-                          <a:latin typeface="+mn-lt"/>
-                          <a:ea typeface="+mn-ea"/>
-                          <a:cs typeface="+mn-cs"/>
-                        </a:rPr>
-                        <a:t>. </a:t>
-                      </a:r>
-                      <a:r>
-                        <a:rPr lang="ko-KR" altLang="ko-KR" sz="1800" kern="1200" dirty="0">
-                          <a:solidFill>
-                            <a:schemeClr val="tx1"/>
-                          </a:solidFill>
-                          <a:effectLst/>
-                          <a:latin typeface="+mn-lt"/>
-                          <a:ea typeface="+mn-ea"/>
-                          <a:cs typeface="+mn-cs"/>
-                        </a:rPr>
-                        <a:t>시리얼 키를 학교로부터 받아</a:t>
-                      </a:r>
-                      <a:r>
-                        <a:rPr lang="en-US" altLang="ko-KR" sz="1800" kern="1200" dirty="0">
-                          <a:solidFill>
-                            <a:schemeClr val="tx1"/>
-                          </a:solidFill>
-                          <a:effectLst/>
-                          <a:latin typeface="+mn-lt"/>
-                          <a:ea typeface="+mn-ea"/>
-                          <a:cs typeface="+mn-cs"/>
-                        </a:rPr>
-                        <a:t> </a:t>
-                      </a:r>
-                      <a:r>
-                        <a:rPr lang="ko-KR" altLang="ko-KR" sz="1800" kern="1200" dirty="0">
-                          <a:solidFill>
-                            <a:schemeClr val="tx1"/>
-                          </a:solidFill>
-                          <a:effectLst/>
-                          <a:latin typeface="+mn-lt"/>
-                          <a:ea typeface="+mn-ea"/>
-                          <a:cs typeface="+mn-cs"/>
-                        </a:rPr>
-                        <a:t>야지 학생들의 </a:t>
-                      </a:r>
-                      <a:r>
-                        <a:rPr lang="ko-KR" altLang="ko-KR" sz="1800" kern="1200" dirty="0" err="1">
-                          <a:solidFill>
-                            <a:schemeClr val="tx1"/>
-                          </a:solidFill>
-                          <a:effectLst/>
-                          <a:latin typeface="+mn-lt"/>
-                          <a:ea typeface="+mn-ea"/>
-                          <a:cs typeface="+mn-cs"/>
-                        </a:rPr>
-                        <a:t>레주메를</a:t>
-                      </a:r>
-                      <a:r>
-                        <a:rPr lang="ko-KR" altLang="ko-KR" sz="1800" kern="1200" dirty="0">
-                          <a:solidFill>
-                            <a:schemeClr val="tx1"/>
-                          </a:solidFill>
-                          <a:effectLst/>
-                          <a:latin typeface="+mn-lt"/>
-                          <a:ea typeface="+mn-ea"/>
-                          <a:cs typeface="+mn-cs"/>
-                        </a:rPr>
-                        <a:t> 열람 가능합니다</a:t>
-                      </a:r>
-                      <a:r>
-                        <a:rPr lang="en-US" altLang="ko-KR" sz="1800" kern="1200" dirty="0">
-                          <a:solidFill>
-                            <a:schemeClr val="tx1"/>
-                          </a:solidFill>
-                          <a:effectLst/>
-                          <a:latin typeface="+mn-lt"/>
-                          <a:ea typeface="+mn-ea"/>
-                          <a:cs typeface="+mn-cs"/>
-                        </a:rPr>
-                        <a:t>. *</a:t>
-                      </a:r>
-                      <a:r>
-                        <a:rPr lang="en-US" altLang="ko-KR" sz="1800" u="sng" kern="1200" dirty="0">
-                          <a:solidFill>
-                            <a:schemeClr val="tx1"/>
-                          </a:solidFill>
-                          <a:effectLst/>
-                          <a:latin typeface="+mn-lt"/>
-                          <a:ea typeface="+mn-ea"/>
-                          <a:cs typeface="+mn-cs"/>
-                          <a:hlinkClick r:id="rId2"/>
-                        </a:rPr>
-                        <a:t>Dsm@naevr.com</a:t>
-                      </a:r>
-                      <a:r>
-                        <a:rPr lang="en-US" altLang="ko-KR" sz="1800" kern="1200" dirty="0">
-                          <a:solidFill>
-                            <a:schemeClr val="tx1"/>
-                          </a:solidFill>
-                          <a:effectLst/>
-                          <a:latin typeface="+mn-lt"/>
-                          <a:ea typeface="+mn-ea"/>
-                          <a:cs typeface="+mn-cs"/>
-                        </a:rPr>
-                        <a:t> </a:t>
-                      </a:r>
-                      <a:r>
-                        <a:rPr lang="ko-KR" altLang="ko-KR" sz="1800" kern="1200" dirty="0">
-                          <a:solidFill>
-                            <a:schemeClr val="tx1"/>
-                          </a:solidFill>
-                          <a:effectLst/>
-                          <a:latin typeface="+mn-lt"/>
-                          <a:ea typeface="+mn-ea"/>
-                          <a:cs typeface="+mn-cs"/>
-                        </a:rPr>
-                        <a:t>으로 연락주세요</a:t>
-                      </a:r>
-                      <a:r>
-                        <a:rPr lang="en-US" altLang="ko-KR" sz="1800" kern="1200" dirty="0">
-                          <a:solidFill>
-                            <a:schemeClr val="tx1"/>
-                          </a:solidFill>
-                          <a:effectLst/>
-                          <a:latin typeface="+mn-lt"/>
-                          <a:ea typeface="+mn-ea"/>
-                          <a:cs typeface="+mn-cs"/>
-                        </a:rPr>
-                        <a:t>.” </a:t>
-                      </a:r>
-                      <a:r>
-                        <a:rPr lang="ko-KR" altLang="ko-KR" sz="1800" kern="1200" dirty="0">
-                          <a:solidFill>
-                            <a:schemeClr val="tx1"/>
-                          </a:solidFill>
-                          <a:effectLst/>
-                          <a:latin typeface="+mn-lt"/>
-                          <a:ea typeface="+mn-ea"/>
-                          <a:cs typeface="+mn-cs"/>
-                        </a:rPr>
-                        <a:t>메시지 출력</a:t>
-                      </a:r>
-                    </a:p>
-                    <a:p>
                       <a:pPr marL="285750" lvl="0" indent="-285750" fontAlgn="base" latinLnBrk="1">
                         <a:buFontTx/>
                         <a:buChar char="-"/>
                       </a:pPr>
-                      <a:endParaRPr lang="ko-KR" altLang="en-US" sz="1800" kern="1200" dirty="0">
+                      <a:r>
+                        <a:rPr lang="ko-KR" altLang="en-US" sz="1800" kern="1200" dirty="0">
+                          <a:solidFill>
+                            <a:schemeClr val="tx1">
+                              <a:lumMod val="85000"/>
+                              <a:lumOff val="15000"/>
+                            </a:schemeClr>
+                          </a:solidFill>
+                          <a:effectLst/>
+                          <a:latin typeface="배달의민족 도현" pitchFamily="50" charset="-127"/>
+                          <a:ea typeface="배달의민족 도현" pitchFamily="50" charset="-127"/>
+                          <a:cs typeface="+mn-cs"/>
+                        </a:rPr>
+                        <a:t>로그인이 되지 않았을 경우 “로그인 후 작성 가능합니다</a:t>
+                      </a:r>
+                      <a:r>
+                        <a:rPr lang="en-US" altLang="ko-KR" sz="1800" kern="1200" dirty="0">
+                          <a:solidFill>
+                            <a:schemeClr val="tx1">
+                              <a:lumMod val="85000"/>
+                              <a:lumOff val="15000"/>
+                            </a:schemeClr>
+                          </a:solidFill>
+                          <a:effectLst/>
+                          <a:latin typeface="배달의민족 도현" pitchFamily="50" charset="-127"/>
+                          <a:ea typeface="배달의민족 도현" pitchFamily="50" charset="-127"/>
+                          <a:cs typeface="+mn-cs"/>
+                        </a:rPr>
+                        <a:t>”. </a:t>
+                      </a:r>
+                      <a:r>
+                        <a:rPr lang="ko-KR" altLang="en-US" sz="1800" kern="1200" dirty="0">
+                          <a:solidFill>
+                            <a:schemeClr val="tx1">
+                              <a:lumMod val="85000"/>
+                              <a:lumOff val="15000"/>
+                            </a:schemeClr>
+                          </a:solidFill>
+                          <a:effectLst/>
+                          <a:latin typeface="배달의민족 도현" pitchFamily="50" charset="-127"/>
+                          <a:ea typeface="배달의민족 도현" pitchFamily="50" charset="-127"/>
+                          <a:cs typeface="+mn-cs"/>
+                        </a:rPr>
+                        <a:t>메시지 출력</a:t>
+                      </a:r>
+                      <a:endParaRPr lang="en-US" altLang="ko-KR" sz="1800" kern="1200" dirty="0">
                         <a:solidFill>
                           <a:schemeClr val="tx1">
                             <a:lumMod val="85000"/>
@@ -13836,6 +13036,132 @@
                         <a:ea typeface="배달의민족 도현" pitchFamily="50" charset="-127"/>
                         <a:cs typeface="+mn-cs"/>
                       </a:endParaRPr>
+                    </a:p>
+                    <a:p>
+                      <a:pPr marL="285750" lvl="0" indent="-285750" fontAlgn="base" latinLnBrk="1">
+                        <a:buFontTx/>
+                        <a:buChar char="-"/>
+                      </a:pPr>
+                      <a:r>
+                        <a:rPr lang="ko-KR" altLang="en-US" sz="1800" kern="1200" dirty="0" err="1">
+                          <a:solidFill>
+                            <a:schemeClr val="tx1">
+                              <a:lumMod val="85000"/>
+                              <a:lumOff val="15000"/>
+                            </a:schemeClr>
+                          </a:solidFill>
+                          <a:effectLst/>
+                          <a:latin typeface="배달의민족 도현" pitchFamily="50" charset="-127"/>
+                          <a:ea typeface="배달의민족 도현" pitchFamily="50" charset="-127"/>
+                          <a:cs typeface="+mn-cs"/>
+                        </a:rPr>
+                        <a:t>레주메</a:t>
+                      </a:r>
+                      <a:r>
+                        <a:rPr lang="ko-KR" altLang="en-US" sz="1800" kern="1200" dirty="0">
+                          <a:solidFill>
+                            <a:schemeClr val="tx1">
+                              <a:lumMod val="85000"/>
+                              <a:lumOff val="15000"/>
+                            </a:schemeClr>
+                          </a:solidFill>
+                          <a:effectLst/>
+                          <a:latin typeface="배달의민족 도현" pitchFamily="50" charset="-127"/>
+                          <a:ea typeface="배달의민족 도현" pitchFamily="50" charset="-127"/>
+                          <a:cs typeface="+mn-cs"/>
+                        </a:rPr>
+                        <a:t> 저장 </a:t>
+                      </a:r>
+                      <a:r>
+                        <a:rPr lang="ko-KR" altLang="en-US" sz="1800" kern="1200" dirty="0" err="1">
+                          <a:solidFill>
+                            <a:schemeClr val="tx1">
+                              <a:lumMod val="85000"/>
+                              <a:lumOff val="15000"/>
+                            </a:schemeClr>
+                          </a:solidFill>
+                          <a:effectLst/>
+                          <a:latin typeface="배달의민족 도현" pitchFamily="50" charset="-127"/>
+                          <a:ea typeface="배달의민족 도현" pitchFamily="50" charset="-127"/>
+                          <a:cs typeface="+mn-cs"/>
+                        </a:rPr>
+                        <a:t>오류시</a:t>
+                      </a:r>
+                      <a:r>
+                        <a:rPr lang="ko-KR" altLang="en-US" sz="1800" kern="1200" dirty="0">
+                          <a:solidFill>
+                            <a:schemeClr val="tx1">
+                              <a:lumMod val="85000"/>
+                              <a:lumOff val="15000"/>
+                            </a:schemeClr>
+                          </a:solidFill>
+                          <a:effectLst/>
+                          <a:latin typeface="배달의민족 도현" pitchFamily="50" charset="-127"/>
+                          <a:ea typeface="배달의민족 도현" pitchFamily="50" charset="-127"/>
+                          <a:cs typeface="+mn-cs"/>
+                        </a:rPr>
+                        <a:t> </a:t>
+                      </a:r>
+                      <a:r>
+                        <a:rPr lang="en-US" altLang="ko-KR" sz="1800" kern="1200" dirty="0">
+                          <a:solidFill>
+                            <a:schemeClr val="tx1">
+                              <a:lumMod val="85000"/>
+                              <a:lumOff val="15000"/>
+                            </a:schemeClr>
+                          </a:solidFill>
+                          <a:effectLst/>
+                          <a:latin typeface="배달의민족 도현" pitchFamily="50" charset="-127"/>
+                          <a:ea typeface="배달의민족 도현" pitchFamily="50" charset="-127"/>
+                          <a:cs typeface="+mn-cs"/>
+                        </a:rPr>
+                        <a:t>“</a:t>
+                      </a:r>
+                      <a:r>
+                        <a:rPr lang="ko-KR" altLang="en-US" sz="1800" kern="1200" dirty="0">
+                          <a:solidFill>
+                            <a:schemeClr val="tx1">
+                              <a:lumMod val="85000"/>
+                              <a:lumOff val="15000"/>
+                            </a:schemeClr>
+                          </a:solidFill>
+                          <a:effectLst/>
+                          <a:latin typeface="배달의민족 도현" pitchFamily="50" charset="-127"/>
+                          <a:ea typeface="배달의민족 도현" pitchFamily="50" charset="-127"/>
+                          <a:cs typeface="+mn-cs"/>
+                        </a:rPr>
+                        <a:t>저장에 실패하였습니다</a:t>
+                      </a:r>
+                      <a:r>
+                        <a:rPr lang="en-US" altLang="ko-KR" sz="1800" kern="1200" dirty="0">
+                          <a:solidFill>
+                            <a:schemeClr val="tx1">
+                              <a:lumMod val="85000"/>
+                              <a:lumOff val="15000"/>
+                            </a:schemeClr>
+                          </a:solidFill>
+                          <a:effectLst/>
+                          <a:latin typeface="배달의민족 도현" pitchFamily="50" charset="-127"/>
+                          <a:ea typeface="배달의민족 도현" pitchFamily="50" charset="-127"/>
+                          <a:cs typeface="+mn-cs"/>
+                        </a:rPr>
+                        <a:t>.” </a:t>
+                      </a:r>
+                      <a:r>
+                        <a:rPr lang="ko-KR" altLang="en-US" sz="1800" kern="1200" dirty="0">
+                          <a:solidFill>
+                            <a:schemeClr val="tx1">
+                              <a:lumMod val="85000"/>
+                              <a:lumOff val="15000"/>
+                            </a:schemeClr>
+                          </a:solidFill>
+                          <a:effectLst/>
+                          <a:latin typeface="배달의민족 도현" pitchFamily="50" charset="-127"/>
+                          <a:ea typeface="배달의민족 도현" pitchFamily="50" charset="-127"/>
+                          <a:cs typeface="+mn-cs"/>
+                        </a:rPr>
+                        <a:t>메시지 출력</a:t>
+                      </a:r>
                     </a:p>
                   </a:txBody>
                   <a:tcPr/>
@@ -13970,7 +13296,7 @@
     </p:spTree>
     <p:extLst>
       <p:ext uri="{BB962C8B-B14F-4D97-AF65-F5344CB8AC3E}">
-        <p14:creationId xmlns:p14="http://schemas.microsoft.com/office/powerpoint/2010/main" val="1308434894"/>
+        <p14:creationId xmlns:p14="http://schemas.microsoft.com/office/powerpoint/2010/main" val="4220013362"/>
       </p:ext>
     </p:extLst>
   </p:cSld>
@@ -14001,7 +13327,7 @@
                             </p:stCondLst>
                             <p:childTnLst>
                               <p:par>
-                                <p:cTn id="5" presetID="2" presetClass="entr" presetSubtype="4" fill="hold" nodeType="afterEffect">
+                                <p:cTn id="5" presetID="42" presetClass="entr" presetSubtype="0" fill="hold" nodeType="afterEffect">
                                   <p:stCondLst>
                                     <p:cond delay="0"/>
                                   </p:stCondLst>
@@ -14024,9 +13350,17 @@
                                         <p:strVal val="visible"/>
                                       </p:to>
                                     </p:set>
+                                    <p:animEffect transition="in" filter="fade">
+                                      <p:cBhvr>
+                                        <p:cTn id="7" dur="1000"/>
+                                        <p:tgtEl>
+                                          <p:spTgt spid="12"/>
+                                        </p:tgtEl>
+                                      </p:cBhvr>
+                                    </p:animEffect>
                                     <p:anim calcmode="lin" valueType="num">
-                                      <p:cBhvr additive="base">
-                                        <p:cTn id="7" dur="500" fill="hold"/>
+                                      <p:cBhvr>
+                                        <p:cTn id="8" dur="1000" fill="hold"/>
                                         <p:tgtEl>
                                           <p:spTgt spid="12"/>
                                         </p:tgtEl>
@@ -14048,8 +13382,8 @@
                                       </p:tavLst>
                                     </p:anim>
                                     <p:anim calcmode="lin" valueType="num">
-                                      <p:cBhvr additive="base">
-                                        <p:cTn id="8" dur="500" fill="hold"/>
+                                      <p:cBhvr>
+                                        <p:cTn id="9" dur="1000" fill="hold"/>
                                         <p:tgtEl>
                                           <p:spTgt spid="12"/>
                                         </p:tgtEl>
@@ -14060,7 +13394,7 @@
                                       <p:tavLst>
                                         <p:tav tm="0">
                                           <p:val>
-                                            <p:strVal val="1+#ppt_h/2"/>
+                                            <p:strVal val="#ppt_y+.1"/>
                                           </p:val>
                                         </p:tav>
                                         <p:tav tm="100000">
@@ -14818,14 +14152,14 @@
           <p:nvPr>
             <p:extLst>
               <p:ext uri="{D42A27DB-BD31-4B8C-83A1-F6EECF244321}">
-                <p14:modId xmlns:p14="http://schemas.microsoft.com/office/powerpoint/2010/main" val="1999753906"/>
+                <p14:modId xmlns:p14="http://schemas.microsoft.com/office/powerpoint/2010/main" val="1720039726"/>
               </p:ext>
             </p:extLst>
           </p:nvPr>
         </p:nvGraphicFramePr>
         <p:xfrm>
           <a:off x="2574745" y="2107300"/>
-          <a:ext cx="9257167" cy="4285962"/>
+          <a:ext cx="9257167" cy="4274244"/>
         </p:xfrm>
         <a:graphic>
           <a:graphicData uri="http://schemas.openxmlformats.org/drawingml/2006/table">
@@ -14890,7 +14224,7 @@
                           <a:ea typeface="HY헤드라인M" pitchFamily="18" charset="-127"/>
                           <a:cs typeface="+mn-cs"/>
                         </a:rPr>
-                        <a:t>검색</a:t>
+                        <a:t>시리얼 키를 받은 회사의 로그인</a:t>
                       </a:r>
                       <a:endParaRPr lang="en-US" sz="1800" b="0" kern="1200" dirty="0">
                         <a:solidFill>
@@ -14977,7 +14311,7 @@
                           <a:ea typeface="HY헤드라인M" pitchFamily="18" charset="-127"/>
                           <a:cs typeface="+mn-cs"/>
                         </a:rPr>
-                        <a:t>사이트 사용자</a:t>
+                        <a:t>학생에 관심이 있는 회사</a:t>
                       </a:r>
                       <a:endParaRPr lang="en-US" sz="1800" kern="1200" dirty="0">
                         <a:solidFill>
@@ -15047,6 +14381,20 @@
                         <a:defRPr/>
                       </a:pPr>
                       <a:r>
+                        <a:rPr lang="ko-KR" altLang="en-US" sz="1800" kern="1200" dirty="0">
+                          <a:solidFill>
+                            <a:schemeClr val="tx1">
+                              <a:lumMod val="85000"/>
+                              <a:lumOff val="15000"/>
+                            </a:schemeClr>
+                          </a:solidFill>
+                          <a:latin typeface="HY헤드라인M" pitchFamily="18" charset="-127"/>
+                          <a:ea typeface="HY헤드라인M" pitchFamily="18" charset="-127"/>
+                          <a:cs typeface="+mn-cs"/>
+                        </a:rPr>
+                        <a:t>학교로부터 시리얼키를 </a:t>
+                      </a:r>
+                      <a:r>
                         <a:rPr lang="ko-KR" altLang="en-US" sz="1800" kern="1200" dirty="0" err="1">
                           <a:solidFill>
                             <a:schemeClr val="tx1">
@@ -15058,7 +14406,7 @@
                           <a:ea typeface="HY헤드라인M" pitchFamily="18" charset="-127"/>
                           <a:cs typeface="+mn-cs"/>
                         </a:rPr>
-                        <a:t>로그인이</a:t>
+                        <a:t>받아놓은</a:t>
                       </a:r>
                       <a:r>
                         <a:rPr lang="ko-KR" altLang="en-US" sz="1800" kern="1200" dirty="0">
@@ -15072,7 +14420,7 @@
                           <a:ea typeface="HY헤드라인M" pitchFamily="18" charset="-127"/>
                           <a:cs typeface="+mn-cs"/>
                         </a:rPr>
-                        <a:t> 되어 있는 상태여야 한다</a:t>
+                        <a:t> 상태여야 한다</a:t>
                       </a:r>
                       <a:r>
                         <a:rPr lang="en-US" altLang="ko-KR" sz="1800" kern="1200" dirty="0">
@@ -15127,363 +14475,288 @@
                     <a:bodyPr/>
                     <a:lstStyle/>
                     <a:p>
-                      <a:pPr fontAlgn="base" latinLnBrk="1"/>
+                      <a:pPr marL="342900" lvl="0" indent="-342900" fontAlgn="base" latinLnBrk="1">
+                        <a:buFont typeface="+mj-lt"/>
+                        <a:buAutoNum type="arabicPeriod"/>
+                      </a:pPr>
+                      <a:r>
+                        <a:rPr lang="ko-KR" altLang="en-US" sz="1800" kern="1200" dirty="0">
+                          <a:solidFill>
+                            <a:schemeClr val="tx1">
+                              <a:lumMod val="85000"/>
+                              <a:lumOff val="15000"/>
+                            </a:schemeClr>
+                          </a:solidFill>
+                          <a:effectLst/>
+                          <a:latin typeface="배달의민족 도현" pitchFamily="50" charset="-127"/>
+                          <a:ea typeface="배달의민족 도현" pitchFamily="50" charset="-127"/>
+                          <a:cs typeface="+mn-cs"/>
+                        </a:rPr>
+                        <a:t>시리얼키를 입력한다</a:t>
+                      </a:r>
                       <a:r>
                         <a:rPr lang="en-US" altLang="ko-KR" sz="1800" kern="1200" dirty="0">
                           <a:solidFill>
-                            <a:schemeClr val="tx1"/>
+                            <a:schemeClr val="tx1">
+                              <a:lumMod val="85000"/>
+                              <a:lumOff val="15000"/>
+                            </a:schemeClr>
                           </a:solidFill>
                           <a:effectLst/>
-                          <a:latin typeface="+mn-lt"/>
-                          <a:ea typeface="+mn-ea"/>
+                          <a:latin typeface="배달의민족 도현" pitchFamily="50" charset="-127"/>
+                          <a:ea typeface="배달의민족 도현" pitchFamily="50" charset="-127"/>
                           <a:cs typeface="+mn-cs"/>
                         </a:rPr>
-                        <a:t>1. </a:t>
+                        <a:t>.(</a:t>
                       </a:r>
                       <a:r>
                         <a:rPr lang="ko-KR" altLang="en-US" sz="1800" kern="1200" dirty="0" err="1">
                           <a:solidFill>
-                            <a:schemeClr val="tx1"/>
+                            <a:schemeClr val="tx1">
+                              <a:lumMod val="85000"/>
+                              <a:lumOff val="15000"/>
+                            </a:schemeClr>
                           </a:solidFill>
                           <a:effectLst/>
-                          <a:latin typeface="+mn-lt"/>
-                          <a:ea typeface="+mn-ea"/>
+                          <a:latin typeface="배달의민족 도현" pitchFamily="50" charset="-127"/>
+                          <a:ea typeface="배달의민족 도현" pitchFamily="50" charset="-127"/>
                           <a:cs typeface="+mn-cs"/>
                         </a:rPr>
-                        <a:t>검색란에</a:t>
-                      </a:r>
-                      <a:r>
-                        <a:rPr lang="ko-KR" altLang="en-US" sz="1800" kern="1200" dirty="0">
-                          <a:solidFill>
-                            <a:schemeClr val="tx1"/>
-                          </a:solidFill>
-                          <a:effectLst/>
-                          <a:latin typeface="+mn-lt"/>
-                          <a:ea typeface="+mn-ea"/>
-                          <a:cs typeface="+mn-cs"/>
-                        </a:rPr>
-                        <a:t> 학생의 이름이나 학번</a:t>
+                        <a:t>액터</a:t>
                       </a:r>
                       <a:r>
                         <a:rPr lang="en-US" altLang="ko-KR" sz="1800" kern="1200" dirty="0">
                           <a:solidFill>
-                            <a:schemeClr val="tx1"/>
+                            <a:schemeClr val="tx1">
+                              <a:lumMod val="85000"/>
+                              <a:lumOff val="15000"/>
+                            </a:schemeClr>
                           </a:solidFill>
                           <a:effectLst/>
-                          <a:latin typeface="+mn-lt"/>
-                          <a:ea typeface="+mn-ea"/>
-                          <a:cs typeface="+mn-cs"/>
-                        </a:rPr>
-                        <a:t>, </a:t>
-                      </a:r>
-                      <a:r>
-                        <a:rPr lang="ko-KR" altLang="en-US" sz="1800" kern="1200" dirty="0">
-                          <a:solidFill>
-                            <a:schemeClr val="tx1"/>
-                          </a:solidFill>
-                          <a:effectLst/>
-                          <a:latin typeface="+mn-lt"/>
-                          <a:ea typeface="+mn-ea"/>
-                          <a:cs typeface="+mn-cs"/>
-                        </a:rPr>
-                        <a:t>과</a:t>
-                      </a:r>
-                      <a:r>
-                        <a:rPr lang="en-US" altLang="ko-KR" sz="1800" kern="1200" dirty="0">
-                          <a:solidFill>
-                            <a:schemeClr val="tx1"/>
-                          </a:solidFill>
-                          <a:effectLst/>
-                          <a:latin typeface="+mn-lt"/>
-                          <a:ea typeface="+mn-ea"/>
-                          <a:cs typeface="+mn-cs"/>
-                        </a:rPr>
-                        <a:t>, </a:t>
-                      </a:r>
-                      <a:r>
-                        <a:rPr lang="ko-KR" altLang="en-US" sz="1800" kern="1200" dirty="0">
-                          <a:solidFill>
-                            <a:schemeClr val="tx1"/>
-                          </a:solidFill>
-                          <a:effectLst/>
-                          <a:latin typeface="+mn-lt"/>
-                          <a:ea typeface="+mn-ea"/>
-                          <a:cs typeface="+mn-cs"/>
-                        </a:rPr>
-                        <a:t>전공</a:t>
-                      </a:r>
-                      <a:r>
-                        <a:rPr lang="en-US" altLang="ko-KR" sz="1800" kern="1200" dirty="0">
-                          <a:solidFill>
-                            <a:schemeClr val="tx1"/>
-                          </a:solidFill>
-                          <a:effectLst/>
-                          <a:latin typeface="+mn-lt"/>
-                          <a:ea typeface="+mn-ea"/>
-                          <a:cs typeface="+mn-cs"/>
-                        </a:rPr>
-                        <a:t>, </a:t>
-                      </a:r>
-                      <a:r>
-                        <a:rPr lang="ko-KR" altLang="en-US" sz="1800" kern="1200" dirty="0">
-                          <a:solidFill>
-                            <a:schemeClr val="tx1"/>
-                          </a:solidFill>
-                          <a:effectLst/>
-                          <a:latin typeface="+mn-lt"/>
-                          <a:ea typeface="+mn-ea"/>
-                          <a:cs typeface="+mn-cs"/>
-                        </a:rPr>
-                        <a:t>학년</a:t>
-                      </a:r>
-                      <a:r>
-                        <a:rPr lang="en-US" altLang="ko-KR" sz="1800" kern="1200" dirty="0">
-                          <a:solidFill>
-                            <a:schemeClr val="tx1"/>
-                          </a:solidFill>
-                          <a:effectLst/>
-                          <a:latin typeface="+mn-lt"/>
-                          <a:ea typeface="+mn-ea"/>
-                          <a:cs typeface="+mn-cs"/>
-                        </a:rPr>
-                        <a:t>, </a:t>
-                      </a:r>
-                      <a:r>
-                        <a:rPr lang="ko-KR" altLang="en-US" sz="1800" kern="1200" dirty="0">
-                          <a:solidFill>
-                            <a:schemeClr val="tx1"/>
-                          </a:solidFill>
-                          <a:effectLst/>
-                          <a:latin typeface="+mn-lt"/>
-                          <a:ea typeface="+mn-ea"/>
-                          <a:cs typeface="+mn-cs"/>
-                        </a:rPr>
-                        <a:t>사용 가능 프로그래밍 언어</a:t>
-                      </a:r>
-                      <a:r>
-                        <a:rPr lang="en-US" altLang="ko-KR" sz="1800" kern="1200" dirty="0">
-                          <a:solidFill>
-                            <a:schemeClr val="tx1"/>
-                          </a:solidFill>
-                          <a:effectLst/>
-                          <a:latin typeface="+mn-lt"/>
-                          <a:ea typeface="+mn-ea"/>
-                          <a:cs typeface="+mn-cs"/>
-                        </a:rPr>
-                        <a:t>, </a:t>
-                      </a:r>
-                      <a:r>
-                        <a:rPr lang="ko-KR" altLang="en-US" sz="1800" kern="1200" dirty="0">
-                          <a:solidFill>
-                            <a:schemeClr val="tx1"/>
-                          </a:solidFill>
-                          <a:effectLst/>
-                          <a:latin typeface="+mn-lt"/>
-                          <a:ea typeface="+mn-ea"/>
-                          <a:cs typeface="+mn-cs"/>
-                        </a:rPr>
-                        <a:t>성별 등을 검색한다</a:t>
-                      </a:r>
-                      <a:r>
-                        <a:rPr lang="en-US" altLang="ko-KR" sz="1800" kern="1200" dirty="0">
-                          <a:solidFill>
-                            <a:schemeClr val="tx1"/>
-                          </a:solidFill>
-                          <a:effectLst/>
-                          <a:latin typeface="+mn-lt"/>
-                          <a:ea typeface="+mn-ea"/>
-                          <a:cs typeface="+mn-cs"/>
-                        </a:rPr>
-                        <a:t>. (</a:t>
-                      </a:r>
-                      <a:r>
-                        <a:rPr lang="ko-KR" altLang="en-US" sz="1800" kern="1200" dirty="0" err="1">
-                          <a:solidFill>
-                            <a:schemeClr val="tx1"/>
-                          </a:solidFill>
-                          <a:effectLst/>
-                          <a:latin typeface="+mn-lt"/>
-                          <a:ea typeface="+mn-ea"/>
-                          <a:cs typeface="+mn-cs"/>
-                        </a:rPr>
-                        <a:t>액터</a:t>
-                      </a:r>
-                      <a:r>
-                        <a:rPr lang="en-US" altLang="ko-KR" sz="1800" kern="1200" dirty="0">
-                          <a:solidFill>
-                            <a:schemeClr val="tx1"/>
-                          </a:solidFill>
-                          <a:effectLst/>
-                          <a:latin typeface="+mn-lt"/>
-                          <a:ea typeface="+mn-ea"/>
+                          <a:latin typeface="배달의민족 도현" pitchFamily="50" charset="-127"/>
+                          <a:ea typeface="배달의민족 도현" pitchFamily="50" charset="-127"/>
                           <a:cs typeface="+mn-cs"/>
                         </a:rPr>
                         <a:t>)</a:t>
                       </a:r>
                       <a:endParaRPr lang="ko-KR" altLang="en-US" sz="1800" kern="1200" dirty="0">
                         <a:solidFill>
-                          <a:schemeClr val="tx1"/>
+                          <a:schemeClr val="tx1">
+                            <a:lumMod val="85000"/>
+                            <a:lumOff val="15000"/>
+                          </a:schemeClr>
                         </a:solidFill>
                         <a:effectLst/>
-                        <a:latin typeface="+mn-lt"/>
-                        <a:ea typeface="+mn-ea"/>
+                        <a:latin typeface="배달의민족 도현" pitchFamily="50" charset="-127"/>
+                        <a:ea typeface="배달의민족 도현" pitchFamily="50" charset="-127"/>
                         <a:cs typeface="+mn-cs"/>
                       </a:endParaRPr>
                     </a:p>
                     <a:p>
-                      <a:pPr fontAlgn="base" latinLnBrk="1"/>
+                      <a:pPr marL="342900" lvl="0" indent="-342900" fontAlgn="base" latinLnBrk="1">
+                        <a:buFont typeface="+mj-lt"/>
+                        <a:buAutoNum type="arabicPeriod"/>
+                      </a:pPr>
+                      <a:r>
+                        <a:rPr lang="ko-KR" altLang="en-US" sz="1800" kern="1200" dirty="0">
+                          <a:solidFill>
+                            <a:schemeClr val="tx1">
+                              <a:lumMod val="85000"/>
+                              <a:lumOff val="15000"/>
+                            </a:schemeClr>
+                          </a:solidFill>
+                          <a:effectLst/>
+                          <a:latin typeface="배달의민족 도현" pitchFamily="50" charset="-127"/>
+                          <a:ea typeface="배달의민족 도현" pitchFamily="50" charset="-127"/>
+                          <a:cs typeface="+mn-cs"/>
+                        </a:rPr>
+                        <a:t>학생 </a:t>
+                      </a:r>
+                      <a:r>
+                        <a:rPr lang="ko-KR" altLang="en-US" sz="1800" kern="1200" dirty="0" err="1">
+                          <a:solidFill>
+                            <a:schemeClr val="tx1">
+                              <a:lumMod val="85000"/>
+                              <a:lumOff val="15000"/>
+                            </a:schemeClr>
+                          </a:solidFill>
+                          <a:effectLst/>
+                          <a:latin typeface="배달의민족 도현" pitchFamily="50" charset="-127"/>
+                          <a:ea typeface="배달의민족 도현" pitchFamily="50" charset="-127"/>
+                          <a:cs typeface="+mn-cs"/>
+                        </a:rPr>
+                        <a:t>레주메</a:t>
+                      </a:r>
+                      <a:r>
+                        <a:rPr lang="ko-KR" altLang="en-US" sz="1800" kern="1200" dirty="0">
+                          <a:solidFill>
+                            <a:schemeClr val="tx1">
+                              <a:lumMod val="85000"/>
+                              <a:lumOff val="15000"/>
+                            </a:schemeClr>
+                          </a:solidFill>
+                          <a:effectLst/>
+                          <a:latin typeface="배달의민족 도현" pitchFamily="50" charset="-127"/>
+                          <a:ea typeface="배달의민족 도현" pitchFamily="50" charset="-127"/>
+                          <a:cs typeface="+mn-cs"/>
+                        </a:rPr>
+                        <a:t> 페이지로 이동</a:t>
+                      </a:r>
                       <a:r>
                         <a:rPr lang="en-US" altLang="ko-KR" sz="1800" kern="1200" dirty="0">
                           <a:solidFill>
-                            <a:schemeClr val="tx1"/>
+                            <a:schemeClr val="tx1">
+                              <a:lumMod val="85000"/>
+                              <a:lumOff val="15000"/>
+                            </a:schemeClr>
                           </a:solidFill>
                           <a:effectLst/>
-                          <a:latin typeface="+mn-lt"/>
-                          <a:ea typeface="+mn-ea"/>
+                          <a:latin typeface="배달의민족 도현" pitchFamily="50" charset="-127"/>
+                          <a:ea typeface="배달의민족 도현" pitchFamily="50" charset="-127"/>
                           <a:cs typeface="+mn-cs"/>
                         </a:rPr>
-                        <a:t>2.  </a:t>
+                        <a:t>(</a:t>
                       </a:r>
                       <a:r>
                         <a:rPr lang="ko-KR" altLang="en-US" sz="1800" kern="1200" dirty="0">
                           <a:solidFill>
-                            <a:schemeClr val="tx1"/>
+                            <a:schemeClr val="tx1">
+                              <a:lumMod val="85000"/>
+                              <a:lumOff val="15000"/>
+                            </a:schemeClr>
                           </a:solidFill>
                           <a:effectLst/>
-                          <a:latin typeface="+mn-lt"/>
-                          <a:ea typeface="+mn-ea"/>
+                          <a:latin typeface="배달의민족 도현" pitchFamily="50" charset="-127"/>
+                          <a:ea typeface="배달의민족 도현" pitchFamily="50" charset="-127"/>
                           <a:cs typeface="+mn-cs"/>
                         </a:rPr>
-                        <a:t>검색 키워드와 </a:t>
-                      </a:r>
-                      <a:r>
-                        <a:rPr lang="ko-KR" altLang="en-US" sz="1800" kern="1200" dirty="0" err="1">
-                          <a:solidFill>
-                            <a:schemeClr val="tx1"/>
-                          </a:solidFill>
-                          <a:effectLst/>
-                          <a:latin typeface="+mn-lt"/>
-                          <a:ea typeface="+mn-ea"/>
-                          <a:cs typeface="+mn-cs"/>
-                        </a:rPr>
-                        <a:t>관련있는</a:t>
-                      </a:r>
-                      <a:r>
-                        <a:rPr lang="ko-KR" altLang="en-US" sz="1800" kern="1200" dirty="0">
-                          <a:solidFill>
-                            <a:schemeClr val="tx1"/>
-                          </a:solidFill>
-                          <a:effectLst/>
-                          <a:latin typeface="+mn-lt"/>
-                          <a:ea typeface="+mn-ea"/>
-                          <a:cs typeface="+mn-cs"/>
-                        </a:rPr>
-                        <a:t> </a:t>
-                      </a:r>
-                      <a:r>
-                        <a:rPr lang="ko-KR" altLang="en-US" sz="1800" kern="1200" dirty="0" err="1">
-                          <a:solidFill>
-                            <a:schemeClr val="tx1"/>
-                          </a:solidFill>
-                          <a:effectLst/>
-                          <a:latin typeface="+mn-lt"/>
-                          <a:ea typeface="+mn-ea"/>
-                          <a:cs typeface="+mn-cs"/>
-                        </a:rPr>
-                        <a:t>레주메</a:t>
-                      </a:r>
-                      <a:r>
-                        <a:rPr lang="ko-KR" altLang="en-US" sz="1800" kern="1200" dirty="0">
-                          <a:solidFill>
-                            <a:schemeClr val="tx1"/>
-                          </a:solidFill>
-                          <a:effectLst/>
-                          <a:latin typeface="+mn-lt"/>
-                          <a:ea typeface="+mn-ea"/>
-                          <a:cs typeface="+mn-cs"/>
-                        </a:rPr>
-                        <a:t> 리스트를 나열한다</a:t>
+                        <a:t>시스템</a:t>
                       </a:r>
                       <a:r>
                         <a:rPr lang="en-US" altLang="ko-KR" sz="1800" kern="1200" dirty="0">
                           <a:solidFill>
-                            <a:schemeClr val="tx1"/>
+                            <a:schemeClr val="tx1">
+                              <a:lumMod val="85000"/>
+                              <a:lumOff val="15000"/>
+                            </a:schemeClr>
                           </a:solidFill>
                           <a:effectLst/>
-                          <a:latin typeface="+mn-lt"/>
-                          <a:ea typeface="+mn-ea"/>
+                          <a:latin typeface="배달의민족 도현" pitchFamily="50" charset="-127"/>
+                          <a:ea typeface="배달의민족 도현" pitchFamily="50" charset="-127"/>
                           <a:cs typeface="+mn-cs"/>
                         </a:rPr>
-                        <a:t>. (</a:t>
-                      </a:r>
-                      <a:r>
-                        <a:rPr lang="ko-KR" altLang="en-US" sz="1800" kern="1200" dirty="0">
-                          <a:solidFill>
-                            <a:schemeClr val="tx1"/>
-                          </a:solidFill>
-                          <a:effectLst/>
-                          <a:latin typeface="+mn-lt"/>
-                          <a:ea typeface="+mn-ea"/>
-                          <a:cs typeface="+mn-cs"/>
-                        </a:rPr>
-                        <a:t>시스템</a:t>
-                      </a:r>
-                      <a:r>
-                        <a:rPr lang="en-US" altLang="ko-KR" sz="1800" kern="1200" dirty="0">
-                          <a:solidFill>
-                            <a:schemeClr val="tx1"/>
-                          </a:solidFill>
-                          <a:effectLst/>
-                          <a:latin typeface="+mn-lt"/>
-                          <a:ea typeface="+mn-ea"/>
-                          <a:cs typeface="+mn-cs"/>
-                        </a:rPr>
-                        <a:t>) </a:t>
+                        <a:t>)</a:t>
                       </a:r>
                       <a:endParaRPr lang="ko-KR" altLang="en-US" sz="1800" kern="1200" dirty="0">
                         <a:solidFill>
-                          <a:schemeClr val="tx1"/>
+                          <a:schemeClr val="tx1">
+                            <a:lumMod val="85000"/>
+                            <a:lumOff val="15000"/>
+                          </a:schemeClr>
                         </a:solidFill>
                         <a:effectLst/>
-                        <a:latin typeface="+mn-lt"/>
-                        <a:ea typeface="+mn-ea"/>
+                        <a:latin typeface="배달의민족 도현" pitchFamily="50" charset="-127"/>
+                        <a:ea typeface="배달의민족 도현" pitchFamily="50" charset="-127"/>
                         <a:cs typeface="+mn-cs"/>
                       </a:endParaRPr>
                     </a:p>
                     <a:p>
-                      <a:pPr fontAlgn="base" latinLnBrk="1"/>
+                      <a:pPr marL="342900" lvl="0" indent="-342900" fontAlgn="base" latinLnBrk="1">
+                        <a:buFont typeface="+mj-lt"/>
+                        <a:buAutoNum type="arabicPeriod"/>
+                      </a:pPr>
+                      <a:r>
+                        <a:rPr lang="ko-KR" altLang="en-US" sz="1800" kern="1200" dirty="0">
+                          <a:solidFill>
+                            <a:schemeClr val="tx1">
+                              <a:lumMod val="85000"/>
+                              <a:lumOff val="15000"/>
+                            </a:schemeClr>
+                          </a:solidFill>
+                          <a:effectLst/>
+                          <a:latin typeface="배달의민족 도현" pitchFamily="50" charset="-127"/>
+                          <a:ea typeface="배달의민족 도현" pitchFamily="50" charset="-127"/>
+                          <a:cs typeface="+mn-cs"/>
+                        </a:rPr>
+                        <a:t>보고싶은 학생을 클릭한다</a:t>
+                      </a:r>
                       <a:r>
                         <a:rPr lang="en-US" altLang="ko-KR" sz="1800" kern="1200" dirty="0">
                           <a:solidFill>
-                            <a:schemeClr val="tx1"/>
+                            <a:schemeClr val="tx1">
+                              <a:lumMod val="85000"/>
+                              <a:lumOff val="15000"/>
+                            </a:schemeClr>
                           </a:solidFill>
                           <a:effectLst/>
-                          <a:latin typeface="+mn-lt"/>
-                          <a:ea typeface="+mn-ea"/>
+                          <a:latin typeface="배달의민족 도현" pitchFamily="50" charset="-127"/>
+                          <a:ea typeface="배달의민족 도현" pitchFamily="50" charset="-127"/>
                           <a:cs typeface="+mn-cs"/>
                         </a:rPr>
-                        <a:t>3.  </a:t>
-                      </a:r>
+                        <a:t>.(</a:t>
+                      </a:r>
+                      <a:r>
+                        <a:rPr lang="ko-KR" altLang="en-US" sz="1800" kern="1200" dirty="0" err="1">
+                          <a:solidFill>
+                            <a:schemeClr val="tx1">
+                              <a:lumMod val="85000"/>
+                              <a:lumOff val="15000"/>
+                            </a:schemeClr>
+                          </a:solidFill>
+                          <a:effectLst/>
+                          <a:latin typeface="배달의민족 도현" pitchFamily="50" charset="-127"/>
+                          <a:ea typeface="배달의민족 도현" pitchFamily="50" charset="-127"/>
+                          <a:cs typeface="+mn-cs"/>
+                        </a:rPr>
+                        <a:t>액터</a:t>
+                      </a:r>
+                      <a:r>
+                        <a:rPr lang="en-US" altLang="ko-KR" sz="1800" kern="1200" dirty="0">
+                          <a:solidFill>
+                            <a:schemeClr val="tx1">
+                              <a:lumMod val="85000"/>
+                              <a:lumOff val="15000"/>
+                            </a:schemeClr>
+                          </a:solidFill>
+                          <a:effectLst/>
+                          <a:latin typeface="배달의민족 도현" pitchFamily="50" charset="-127"/>
+                          <a:ea typeface="배달의민족 도현" pitchFamily="50" charset="-127"/>
+                          <a:cs typeface="+mn-cs"/>
+                        </a:rPr>
+                        <a:t>)</a:t>
+                      </a:r>
+                    </a:p>
+                    <a:p>
+                      <a:pPr marL="342900" lvl="0" indent="-342900" fontAlgn="base" latinLnBrk="1">
+                        <a:buFont typeface="+mj-lt"/>
+                        <a:buAutoNum type="arabicPeriod"/>
+                      </a:pPr>
                       <a:r>
                         <a:rPr lang="ko-KR" altLang="en-US" sz="1800" kern="1200" dirty="0">
                           <a:solidFill>
-                            <a:schemeClr val="tx1"/>
+                            <a:schemeClr val="tx1">
+                              <a:lumMod val="85000"/>
+                              <a:lumOff val="15000"/>
+                            </a:schemeClr>
                           </a:solidFill>
                           <a:effectLst/>
-                          <a:latin typeface="+mn-lt"/>
-                          <a:ea typeface="+mn-ea"/>
+                          <a:latin typeface="배달의민족 도현" pitchFamily="50" charset="-127"/>
+                          <a:ea typeface="배달의민족 도현" pitchFamily="50" charset="-127"/>
                           <a:cs typeface="+mn-cs"/>
                         </a:rPr>
-                        <a:t>찾고자 하는 </a:t>
+                        <a:t>학생의 </a:t>
                       </a:r>
                       <a:r>
                         <a:rPr lang="ko-KR" altLang="en-US" sz="1800" kern="1200" dirty="0" err="1">
                           <a:solidFill>
-                            <a:schemeClr val="tx1"/>
+                            <a:schemeClr val="tx1">
+                              <a:lumMod val="85000"/>
+                              <a:lumOff val="15000"/>
+                            </a:schemeClr>
                           </a:solidFill>
                           <a:effectLst/>
-                          <a:latin typeface="+mn-lt"/>
-                          <a:ea typeface="+mn-ea"/>
+                          <a:latin typeface="배달의민족 도현" pitchFamily="50" charset="-127"/>
+                          <a:ea typeface="배달의민족 도현" pitchFamily="50" charset="-127"/>
                           <a:cs typeface="+mn-cs"/>
                         </a:rPr>
                         <a:t>레주메를</a:t>
@@ -15491,23 +14764,29 @@
                       <a:r>
                         <a:rPr lang="ko-KR" altLang="en-US" sz="1800" kern="1200" dirty="0">
                           <a:solidFill>
-                            <a:schemeClr val="tx1"/>
+                            <a:schemeClr val="tx1">
+                              <a:lumMod val="85000"/>
+                              <a:lumOff val="15000"/>
+                            </a:schemeClr>
                           </a:solidFill>
                           <a:effectLst/>
-                          <a:latin typeface="+mn-lt"/>
-                          <a:ea typeface="+mn-ea"/>
+                          <a:latin typeface="배달의민족 도현" pitchFamily="50" charset="-127"/>
+                          <a:ea typeface="배달의민족 도현" pitchFamily="50" charset="-127"/>
                           <a:cs typeface="+mn-cs"/>
                         </a:rPr>
-                        <a:t> 클릭한다</a:t>
+                        <a:t> 열람한다</a:t>
                       </a:r>
                       <a:r>
                         <a:rPr lang="en-US" altLang="ko-KR" sz="1800" kern="1200" dirty="0">
                           <a:solidFill>
-                            <a:schemeClr val="tx1"/>
+                            <a:schemeClr val="tx1">
+                              <a:lumMod val="85000"/>
+                              <a:lumOff val="15000"/>
+                            </a:schemeClr>
                           </a:solidFill>
                           <a:effectLst/>
-                          <a:latin typeface="+mn-lt"/>
-                          <a:ea typeface="+mn-ea"/>
+                          <a:latin typeface="배달의민족 도현" pitchFamily="50" charset="-127"/>
+                          <a:ea typeface="배달의민족 도현" pitchFamily="50" charset="-127"/>
                           <a:cs typeface="+mn-cs"/>
                         </a:rPr>
                         <a:t>. (</a:t>
@@ -15515,11 +14794,14 @@
                       <a:r>
                         <a:rPr lang="ko-KR" altLang="en-US" sz="1800" kern="1200" dirty="0" err="1">
                           <a:solidFill>
-                            <a:schemeClr val="tx1"/>
+                            <a:schemeClr val="tx1">
+                              <a:lumMod val="85000"/>
+                              <a:lumOff val="15000"/>
+                            </a:schemeClr>
                           </a:solidFill>
                           <a:effectLst/>
-                          <a:latin typeface="+mn-lt"/>
-                          <a:ea typeface="+mn-ea"/>
+                          <a:latin typeface="배달의민족 도현" pitchFamily="50" charset="-127"/>
+                          <a:ea typeface="배달의민족 도현" pitchFamily="50" charset="-127"/>
                           <a:cs typeface="+mn-cs"/>
                         </a:rPr>
                         <a:t>액터</a:t>
@@ -15527,120 +14809,18 @@
                       <a:r>
                         <a:rPr lang="en-US" altLang="ko-KR" sz="1800" kern="1200" dirty="0">
                           <a:solidFill>
-                            <a:schemeClr val="tx1"/>
+                            <a:schemeClr val="tx1">
+                              <a:lumMod val="85000"/>
+                              <a:lumOff val="15000"/>
+                            </a:schemeClr>
                           </a:solidFill>
                           <a:effectLst/>
-                          <a:latin typeface="+mn-lt"/>
-                          <a:ea typeface="+mn-ea"/>
+                          <a:latin typeface="배달의민족 도현" pitchFamily="50" charset="-127"/>
+                          <a:ea typeface="배달의민족 도현" pitchFamily="50" charset="-127"/>
                           <a:cs typeface="+mn-cs"/>
                         </a:rPr>
                         <a:t>)</a:t>
                       </a:r>
-                      <a:endParaRPr lang="ko-KR" altLang="en-US" sz="1800" kern="1200" dirty="0">
-                        <a:solidFill>
-                          <a:schemeClr val="tx1"/>
-                        </a:solidFill>
-                        <a:effectLst/>
-                        <a:latin typeface="+mn-lt"/>
-                        <a:ea typeface="+mn-ea"/>
-                        <a:cs typeface="+mn-cs"/>
-                      </a:endParaRPr>
-                    </a:p>
-                    <a:p>
-                      <a:pPr fontAlgn="base" latinLnBrk="1"/>
-                      <a:r>
-                        <a:rPr lang="en-US" altLang="ko-KR" sz="1800" kern="1200" dirty="0">
-                          <a:solidFill>
-                            <a:schemeClr val="tx1"/>
-                          </a:solidFill>
-                          <a:effectLst/>
-                          <a:latin typeface="+mn-lt"/>
-                          <a:ea typeface="+mn-ea"/>
-                          <a:cs typeface="+mn-cs"/>
-                        </a:rPr>
-                        <a:t>4.  </a:t>
-                      </a:r>
-                      <a:r>
-                        <a:rPr lang="ko-KR" altLang="en-US" sz="1800" kern="1200" dirty="0">
-                          <a:solidFill>
-                            <a:schemeClr val="tx1"/>
-                          </a:solidFill>
-                          <a:effectLst/>
-                          <a:latin typeface="+mn-lt"/>
-                          <a:ea typeface="+mn-ea"/>
-                          <a:cs typeface="+mn-cs"/>
-                        </a:rPr>
-                        <a:t>그 학생의 </a:t>
-                      </a:r>
-                      <a:r>
-                        <a:rPr lang="ko-KR" altLang="en-US" sz="1800" kern="1200" dirty="0" err="1">
-                          <a:solidFill>
-                            <a:schemeClr val="tx1"/>
-                          </a:solidFill>
-                          <a:effectLst/>
-                          <a:latin typeface="+mn-lt"/>
-                          <a:ea typeface="+mn-ea"/>
-                          <a:cs typeface="+mn-cs"/>
-                        </a:rPr>
-                        <a:t>레주메</a:t>
-                      </a:r>
-                      <a:r>
-                        <a:rPr lang="ko-KR" altLang="en-US" sz="1800" kern="1200" dirty="0">
-                          <a:solidFill>
-                            <a:schemeClr val="tx1"/>
-                          </a:solidFill>
-                          <a:effectLst/>
-                          <a:latin typeface="+mn-lt"/>
-                          <a:ea typeface="+mn-ea"/>
-                          <a:cs typeface="+mn-cs"/>
-                        </a:rPr>
-                        <a:t> 페이지로 넘어간다</a:t>
-                      </a:r>
-                      <a:r>
-                        <a:rPr lang="en-US" altLang="ko-KR" sz="1800" kern="1200" dirty="0">
-                          <a:solidFill>
-                            <a:schemeClr val="tx1"/>
-                          </a:solidFill>
-                          <a:effectLst/>
-                          <a:latin typeface="+mn-lt"/>
-                          <a:ea typeface="+mn-ea"/>
-                          <a:cs typeface="+mn-cs"/>
-                        </a:rPr>
-                        <a:t>. (</a:t>
-                      </a:r>
-                      <a:r>
-                        <a:rPr lang="ko-KR" altLang="en-US" sz="1800" kern="1200" dirty="0">
-                          <a:solidFill>
-                            <a:schemeClr val="tx1"/>
-                          </a:solidFill>
-                          <a:effectLst/>
-                          <a:latin typeface="+mn-lt"/>
-                          <a:ea typeface="+mn-ea"/>
-                          <a:cs typeface="+mn-cs"/>
-                        </a:rPr>
-                        <a:t>시스템</a:t>
-                      </a:r>
-                      <a:r>
-                        <a:rPr lang="en-US" altLang="ko-KR" sz="1800" kern="1200" dirty="0">
-                          <a:solidFill>
-                            <a:schemeClr val="tx1"/>
-                          </a:solidFill>
-                          <a:effectLst/>
-                          <a:latin typeface="+mn-lt"/>
-                          <a:ea typeface="+mn-ea"/>
-                          <a:cs typeface="+mn-cs"/>
-                        </a:rPr>
-                        <a:t>)</a:t>
-                      </a:r>
-                      <a:endParaRPr lang="ko-KR" altLang="en-US" sz="1800" kern="1200" dirty="0">
-                        <a:solidFill>
-                          <a:schemeClr val="tx1"/>
-                        </a:solidFill>
-                        <a:effectLst/>
-                        <a:latin typeface="+mn-lt"/>
-                        <a:ea typeface="+mn-ea"/>
-                        <a:cs typeface="+mn-cs"/>
-                      </a:endParaRPr>
                     </a:p>
                   </a:txBody>
                   <a:tcPr/>
@@ -15698,7 +14878,7 @@
                         <a:defRPr/>
                       </a:pPr>
                       <a:r>
-                        <a:rPr lang="ko-KR" altLang="en-US" sz="1800" kern="1200" dirty="0">
+                        <a:rPr lang="ko-KR" altLang="ko-KR" sz="1800" kern="1200" dirty="0">
                           <a:solidFill>
                             <a:schemeClr val="tx1"/>
                           </a:solidFill>
@@ -15707,8 +14887,207 @@
                           <a:ea typeface="+mn-ea"/>
                           <a:cs typeface="+mn-cs"/>
                         </a:rPr>
-                        <a:t>검색된 결과가 없으면 “일치하는 항목이 없습니다” 메시지 출력</a:t>
-                      </a:r>
+                        <a:t>시리얼키가 등록되지 않았을</a:t>
+                      </a:r>
+                      <a:r>
+                        <a:rPr lang="en-US" altLang="ko-KR" sz="1800" kern="1200" dirty="0">
+                          <a:solidFill>
+                            <a:schemeClr val="tx1"/>
+                          </a:solidFill>
+                          <a:effectLst/>
+                          <a:latin typeface="+mn-lt"/>
+                          <a:ea typeface="+mn-ea"/>
+                          <a:cs typeface="+mn-cs"/>
+                        </a:rPr>
+                        <a:t> </a:t>
+                      </a:r>
+                      <a:r>
+                        <a:rPr lang="ko-KR" altLang="ko-KR" sz="1800" kern="1200" dirty="0">
+                          <a:solidFill>
+                            <a:schemeClr val="tx1"/>
+                          </a:solidFill>
+                          <a:effectLst/>
+                          <a:latin typeface="+mn-lt"/>
+                          <a:ea typeface="+mn-ea"/>
+                          <a:cs typeface="+mn-cs"/>
+                        </a:rPr>
+                        <a:t>경우 </a:t>
+                      </a:r>
+                      <a:r>
+                        <a:rPr lang="en-US" altLang="ko-KR" sz="1800" kern="1200" dirty="0">
+                          <a:solidFill>
+                            <a:schemeClr val="tx1"/>
+                          </a:solidFill>
+                          <a:effectLst/>
+                          <a:latin typeface="+mn-lt"/>
+                          <a:ea typeface="+mn-ea"/>
+                          <a:cs typeface="+mn-cs"/>
+                        </a:rPr>
+                        <a:t>“ </a:t>
+                      </a:r>
+                      <a:r>
+                        <a:rPr lang="ko-KR" altLang="ko-KR" sz="1800" kern="1200" dirty="0">
+                          <a:solidFill>
+                            <a:schemeClr val="tx1"/>
+                          </a:solidFill>
+                          <a:effectLst/>
+                          <a:latin typeface="+mn-lt"/>
+                          <a:ea typeface="+mn-ea"/>
+                          <a:cs typeface="+mn-cs"/>
+                        </a:rPr>
+                        <a:t>등록되지 않은 시리얼 키입니다</a:t>
+                      </a:r>
+                      <a:r>
+                        <a:rPr lang="en-US" altLang="ko-KR" sz="1800" kern="1200" dirty="0">
+                          <a:solidFill>
+                            <a:schemeClr val="tx1"/>
+                          </a:solidFill>
+                          <a:effectLst/>
+                          <a:latin typeface="+mn-lt"/>
+                          <a:ea typeface="+mn-ea"/>
+                          <a:cs typeface="+mn-cs"/>
+                        </a:rPr>
+                        <a:t>. </a:t>
+                      </a:r>
+                      <a:r>
+                        <a:rPr lang="ko-KR" altLang="ko-KR" sz="1800" kern="1200" dirty="0">
+                          <a:solidFill>
+                            <a:schemeClr val="tx1"/>
+                          </a:solidFill>
+                          <a:effectLst/>
+                          <a:latin typeface="+mn-lt"/>
+                          <a:ea typeface="+mn-ea"/>
+                          <a:cs typeface="+mn-cs"/>
+                        </a:rPr>
+                        <a:t>시리얼 키를 학교로부터 받아</a:t>
+                      </a:r>
+                      <a:r>
+                        <a:rPr lang="en-US" altLang="ko-KR" sz="1800" kern="1200" dirty="0">
+                          <a:solidFill>
+                            <a:schemeClr val="tx1"/>
+                          </a:solidFill>
+                          <a:effectLst/>
+                          <a:latin typeface="+mn-lt"/>
+                          <a:ea typeface="+mn-ea"/>
+                          <a:cs typeface="+mn-cs"/>
+                        </a:rPr>
+                        <a:t> </a:t>
+                      </a:r>
+                      <a:r>
+                        <a:rPr lang="ko-KR" altLang="ko-KR" sz="1800" kern="1200" dirty="0">
+                          <a:solidFill>
+                            <a:schemeClr val="tx1"/>
+                          </a:solidFill>
+                          <a:effectLst/>
+                          <a:latin typeface="+mn-lt"/>
+                          <a:ea typeface="+mn-ea"/>
+                          <a:cs typeface="+mn-cs"/>
+                        </a:rPr>
+                        <a:t>야지 학생들의 </a:t>
+                      </a:r>
+                      <a:r>
+                        <a:rPr lang="ko-KR" altLang="ko-KR" sz="1800" kern="1200" dirty="0" err="1">
+                          <a:solidFill>
+                            <a:schemeClr val="tx1"/>
+                          </a:solidFill>
+                          <a:effectLst/>
+                          <a:latin typeface="+mn-lt"/>
+                          <a:ea typeface="+mn-ea"/>
+                          <a:cs typeface="+mn-cs"/>
+                        </a:rPr>
+                        <a:t>레주메를</a:t>
+                      </a:r>
+                      <a:r>
+                        <a:rPr lang="ko-KR" altLang="ko-KR" sz="1800" kern="1200" dirty="0">
+                          <a:solidFill>
+                            <a:schemeClr val="tx1"/>
+                          </a:solidFill>
+                          <a:effectLst/>
+                          <a:latin typeface="+mn-lt"/>
+                          <a:ea typeface="+mn-ea"/>
+                          <a:cs typeface="+mn-cs"/>
+                        </a:rPr>
+                        <a:t> 열람 가능합니다</a:t>
+                      </a:r>
+                      <a:r>
+                        <a:rPr lang="en-US" altLang="ko-KR" sz="1800" kern="1200" dirty="0">
+                          <a:solidFill>
+                            <a:schemeClr val="tx1"/>
+                          </a:solidFill>
+                          <a:effectLst/>
+                          <a:latin typeface="+mn-lt"/>
+                          <a:ea typeface="+mn-ea"/>
+                          <a:cs typeface="+mn-cs"/>
+                        </a:rPr>
+                        <a:t>. *</a:t>
+                      </a:r>
+                      <a:r>
+                        <a:rPr lang="en-US" altLang="ko-KR" sz="1800" u="sng" kern="1200" dirty="0">
+                          <a:solidFill>
+                            <a:schemeClr val="tx1"/>
+                          </a:solidFill>
+                          <a:effectLst/>
+                          <a:latin typeface="+mn-lt"/>
+                          <a:ea typeface="+mn-ea"/>
+                          <a:cs typeface="+mn-cs"/>
+                          <a:hlinkClick r:id="rId2"/>
+                        </a:rPr>
+                        <a:t>Dsm@naevr.com</a:t>
+                      </a:r>
+                      <a:r>
+                        <a:rPr lang="en-US" altLang="ko-KR" sz="1800" kern="1200" dirty="0">
+                          <a:solidFill>
+                            <a:schemeClr val="tx1"/>
+                          </a:solidFill>
+                          <a:effectLst/>
+                          <a:latin typeface="+mn-lt"/>
+                          <a:ea typeface="+mn-ea"/>
+                          <a:cs typeface="+mn-cs"/>
+                        </a:rPr>
+                        <a:t> </a:t>
+                      </a:r>
+                      <a:r>
+                        <a:rPr lang="ko-KR" altLang="ko-KR" sz="1800" kern="1200" dirty="0">
+                          <a:solidFill>
+                            <a:schemeClr val="tx1"/>
+                          </a:solidFill>
+                          <a:effectLst/>
+                          <a:latin typeface="+mn-lt"/>
+                          <a:ea typeface="+mn-ea"/>
+                          <a:cs typeface="+mn-cs"/>
+                        </a:rPr>
+                        <a:t>으로 연락주세요</a:t>
+                      </a:r>
+                      <a:r>
+                        <a:rPr lang="en-US" altLang="ko-KR" sz="1800" kern="1200" dirty="0">
+                          <a:solidFill>
+                            <a:schemeClr val="tx1"/>
+                          </a:solidFill>
+                          <a:effectLst/>
+                          <a:latin typeface="+mn-lt"/>
+                          <a:ea typeface="+mn-ea"/>
+                          <a:cs typeface="+mn-cs"/>
+                        </a:rPr>
+                        <a:t>.” </a:t>
+                      </a:r>
+                      <a:r>
+                        <a:rPr lang="ko-KR" altLang="ko-KR" sz="1800" kern="1200" dirty="0">
+                          <a:solidFill>
+                            <a:schemeClr val="tx1"/>
+                          </a:solidFill>
+                          <a:effectLst/>
+                          <a:latin typeface="+mn-lt"/>
+                          <a:ea typeface="+mn-ea"/>
+                          <a:cs typeface="+mn-cs"/>
+                        </a:rPr>
+                        <a:t>메시지 출력</a:t>
+                      </a:r>
+                    </a:p>
+                    <a:p>
+                      <a:pPr marL="285750" lvl="0" indent="-285750" fontAlgn="base" latinLnBrk="1">
+                        <a:buFontTx/>
+                        <a:buChar char="-"/>
+                      </a:pPr>
                       <a:endParaRPr lang="ko-KR" altLang="en-US" sz="1800" kern="1200" dirty="0">
                         <a:solidFill>
                           <a:schemeClr val="tx1">
@@ -15855,7 +15234,7 @@
     </p:spTree>
     <p:extLst>
       <p:ext uri="{BB962C8B-B14F-4D97-AF65-F5344CB8AC3E}">
-        <p14:creationId xmlns:p14="http://schemas.microsoft.com/office/powerpoint/2010/main" val="1031263194"/>
+        <p14:creationId xmlns:p14="http://schemas.microsoft.com/office/powerpoint/2010/main" val="1308434894"/>
       </p:ext>
     </p:extLst>
   </p:cSld>
@@ -16703,14 +16082,14 @@
           <p:nvPr>
             <p:extLst>
               <p:ext uri="{D42A27DB-BD31-4B8C-83A1-F6EECF244321}">
-                <p14:modId xmlns:p14="http://schemas.microsoft.com/office/powerpoint/2010/main" val="2161580460"/>
+                <p14:modId xmlns:p14="http://schemas.microsoft.com/office/powerpoint/2010/main" val="1999753906"/>
               </p:ext>
             </p:extLst>
           </p:nvPr>
         </p:nvGraphicFramePr>
         <p:xfrm>
           <a:off x="2574745" y="2107300"/>
-          <a:ext cx="9257167" cy="4274244"/>
+          <a:ext cx="9257167" cy="4285962"/>
         </p:xfrm>
         <a:graphic>
           <a:graphicData uri="http://schemas.openxmlformats.org/drawingml/2006/table">
@@ -16763,31 +16142,31 @@
                     <a:bodyPr/>
                     <a:lstStyle/>
                     <a:p>
-                      <a:pPr fontAlgn="base" latinLnBrk="1"/>
-                      <a:r>
-                        <a:rPr lang="ko-KR" altLang="en-US" sz="1800" b="1" kern="1200" dirty="0" err="1">
+                      <a:r>
+                        <a:rPr lang="ko-KR" altLang="en-US" sz="1800" b="0" kern="1200" dirty="0">
                           <a:solidFill>
-                            <a:schemeClr val="tx1"/>
+                            <a:schemeClr val="tx1">
+                              <a:lumMod val="85000"/>
+                              <a:lumOff val="15000"/>
+                            </a:schemeClr>
                           </a:solidFill>
-                          <a:effectLst/>
-                          <a:latin typeface="+mn-lt"/>
-                          <a:ea typeface="+mn-ea"/>
+                          <a:latin typeface="HY헤드라인M" pitchFamily="18" charset="-127"/>
+                          <a:ea typeface="HY헤드라인M" pitchFamily="18" charset="-127"/>
                           <a:cs typeface="+mn-cs"/>
                         </a:rPr>
-                        <a:t>레주메</a:t>
-                      </a:r>
-                      <a:r>
-                        <a:rPr lang="ko-KR" altLang="en-US" sz="1800" b="1" kern="1200" dirty="0">
-                          <a:solidFill>
-                            <a:schemeClr val="tx1"/>
-                          </a:solidFill>
-                          <a:effectLst/>
-                          <a:latin typeface="+mn-lt"/>
-                          <a:ea typeface="+mn-ea"/>
-                          <a:cs typeface="+mn-cs"/>
-                        </a:rPr>
-                        <a:t> 열람</a:t>
-                      </a:r>
+                        <a:t>검색</a:t>
+                      </a:r>
+                      <a:endParaRPr lang="en-US" sz="1800" b="0" kern="1200" dirty="0">
+                        <a:solidFill>
+                          <a:schemeClr val="tx1">
+                            <a:lumMod val="85000"/>
+                            <a:lumOff val="15000"/>
+                          </a:schemeClr>
+                        </a:solidFill>
+                        <a:latin typeface="HY헤드라인M" pitchFamily="18" charset="-127"/>
+                        <a:ea typeface="HY헤드라인M" pitchFamily="18" charset="-127"/>
+                        <a:cs typeface="+mn-cs"/>
+                      </a:endParaRPr>
                     </a:p>
                   </a:txBody>
                   <a:tcPr/>
@@ -16862,7 +16241,7 @@
                           <a:ea typeface="HY헤드라인M" pitchFamily="18" charset="-127"/>
                           <a:cs typeface="+mn-cs"/>
                         </a:rPr>
-                        <a:t>회사</a:t>
+                        <a:t>사이트 사용자</a:t>
                       </a:r>
                       <a:endParaRPr lang="en-US" sz="1800" kern="1200" dirty="0">
                         <a:solidFill>
@@ -17023,10 +16402,10 @@
                           <a:ea typeface="+mn-ea"/>
                           <a:cs typeface="+mn-cs"/>
                         </a:rPr>
-                        <a:t>1.</a:t>
-                      </a:r>
-                      <a:r>
-                        <a:rPr lang="en-US" altLang="ko-KR" sz="1800" kern="1200" baseline="0" dirty="0">
+                        <a:t>1. </a:t>
+                      </a:r>
+                      <a:r>
+                        <a:rPr lang="ko-KR" altLang="en-US" sz="1800" kern="1200" dirty="0" err="1">
                           <a:solidFill>
                             <a:schemeClr val="tx1"/>
                           </a:solidFill>
@@ -17035,7 +16414,7 @@
                           <a:ea typeface="+mn-ea"/>
                           <a:cs typeface="+mn-cs"/>
                         </a:rPr>
-                        <a:t> </a:t>
+                        <a:t>검색란에</a:t>
                       </a:r>
                       <a:r>
                         <a:rPr lang="ko-KR" altLang="en-US" sz="1800" kern="1200" dirty="0">
@@ -17047,7 +16426,127 @@
                           <a:ea typeface="+mn-ea"/>
                           <a:cs typeface="+mn-cs"/>
                         </a:rPr>
-                        <a:t>메인화면에서 학생을 검색하거나 메인화면에서 관심있는 학생을 클릭한다</a:t>
+                        <a:t> 학생의 이름이나 학번</a:t>
+                      </a:r>
+                      <a:r>
+                        <a:rPr lang="en-US" altLang="ko-KR" sz="1800" kern="1200" dirty="0">
+                          <a:solidFill>
+                            <a:schemeClr val="tx1"/>
+                          </a:solidFill>
+                          <a:effectLst/>
+                          <a:latin typeface="+mn-lt"/>
+                          <a:ea typeface="+mn-ea"/>
+                          <a:cs typeface="+mn-cs"/>
+                        </a:rPr>
+                        <a:t>, </a:t>
+                      </a:r>
+                      <a:r>
+                        <a:rPr lang="ko-KR" altLang="en-US" sz="1800" kern="1200" dirty="0">
+                          <a:solidFill>
+                            <a:schemeClr val="tx1"/>
+                          </a:solidFill>
+                          <a:effectLst/>
+                          <a:latin typeface="+mn-lt"/>
+                          <a:ea typeface="+mn-ea"/>
+                          <a:cs typeface="+mn-cs"/>
+                        </a:rPr>
+                        <a:t>과</a:t>
+                      </a:r>
+                      <a:r>
+                        <a:rPr lang="en-US" altLang="ko-KR" sz="1800" kern="1200" dirty="0">
+                          <a:solidFill>
+                            <a:schemeClr val="tx1"/>
+                          </a:solidFill>
+                          <a:effectLst/>
+                          <a:latin typeface="+mn-lt"/>
+                          <a:ea typeface="+mn-ea"/>
+                          <a:cs typeface="+mn-cs"/>
+                        </a:rPr>
+                        <a:t>, </a:t>
+                      </a:r>
+                      <a:r>
+                        <a:rPr lang="ko-KR" altLang="en-US" sz="1800" kern="1200" dirty="0">
+                          <a:solidFill>
+                            <a:schemeClr val="tx1"/>
+                          </a:solidFill>
+                          <a:effectLst/>
+                          <a:latin typeface="+mn-lt"/>
+                          <a:ea typeface="+mn-ea"/>
+                          <a:cs typeface="+mn-cs"/>
+                        </a:rPr>
+                        <a:t>전공</a:t>
+                      </a:r>
+                      <a:r>
+                        <a:rPr lang="en-US" altLang="ko-KR" sz="1800" kern="1200" dirty="0">
+                          <a:solidFill>
+                            <a:schemeClr val="tx1"/>
+                          </a:solidFill>
+                          <a:effectLst/>
+                          <a:latin typeface="+mn-lt"/>
+                          <a:ea typeface="+mn-ea"/>
+                          <a:cs typeface="+mn-cs"/>
+                        </a:rPr>
+                        <a:t>, </a:t>
+                      </a:r>
+                      <a:r>
+                        <a:rPr lang="ko-KR" altLang="en-US" sz="1800" kern="1200" dirty="0">
+                          <a:solidFill>
+                            <a:schemeClr val="tx1"/>
+                          </a:solidFill>
+                          <a:effectLst/>
+                          <a:latin typeface="+mn-lt"/>
+                          <a:ea typeface="+mn-ea"/>
+                          <a:cs typeface="+mn-cs"/>
+                        </a:rPr>
+                        <a:t>학년</a:t>
+                      </a:r>
+                      <a:r>
+                        <a:rPr lang="en-US" altLang="ko-KR" sz="1800" kern="1200" dirty="0">
+                          <a:solidFill>
+                            <a:schemeClr val="tx1"/>
+                          </a:solidFill>
+                          <a:effectLst/>
+                          <a:latin typeface="+mn-lt"/>
+                          <a:ea typeface="+mn-ea"/>
+                          <a:cs typeface="+mn-cs"/>
+                        </a:rPr>
+                        <a:t>, </a:t>
+                      </a:r>
+                      <a:r>
+                        <a:rPr lang="ko-KR" altLang="en-US" sz="1800" kern="1200" dirty="0">
+                          <a:solidFill>
+                            <a:schemeClr val="tx1"/>
+                          </a:solidFill>
+                          <a:effectLst/>
+                          <a:latin typeface="+mn-lt"/>
+                          <a:ea typeface="+mn-ea"/>
+                          <a:cs typeface="+mn-cs"/>
+                        </a:rPr>
+                        <a:t>사용 가능 프로그래밍 언어</a:t>
+                      </a:r>
+                      <a:r>
+                        <a:rPr lang="en-US" altLang="ko-KR" sz="1800" kern="1200" dirty="0">
+                          <a:solidFill>
+                            <a:schemeClr val="tx1"/>
+                          </a:solidFill>
+                          <a:effectLst/>
+                          <a:latin typeface="+mn-lt"/>
+                          <a:ea typeface="+mn-ea"/>
+                          <a:cs typeface="+mn-cs"/>
+                        </a:rPr>
+                        <a:t>, </a:t>
+                      </a:r>
+                      <a:r>
+                        <a:rPr lang="ko-KR" altLang="en-US" sz="1800" kern="1200" dirty="0">
+                          <a:solidFill>
+                            <a:schemeClr val="tx1"/>
+                          </a:solidFill>
+                          <a:effectLst/>
+                          <a:latin typeface="+mn-lt"/>
+                          <a:ea typeface="+mn-ea"/>
+                          <a:cs typeface="+mn-cs"/>
+                        </a:rPr>
+                        <a:t>성별 등을 검색한다</a:t>
                       </a:r>
                       <a:r>
                         <a:rPr lang="en-US" altLang="ko-KR" sz="1800" kern="1200" dirty="0">
@@ -17119,7 +16618,7 @@
                           <a:ea typeface="+mn-ea"/>
                           <a:cs typeface="+mn-cs"/>
                         </a:rPr>
-                        <a:t>클릭한 학생의 </a:t>
+                        <a:t>검색 키워드와 </a:t>
                       </a:r>
                       <a:r>
                         <a:rPr lang="ko-KR" altLang="en-US" sz="1800" kern="1200" dirty="0" err="1">
@@ -17131,7 +16630,7 @@
                           <a:ea typeface="+mn-ea"/>
                           <a:cs typeface="+mn-cs"/>
                         </a:rPr>
-                        <a:t>레주메를</a:t>
+                        <a:t>관련있는</a:t>
                       </a:r>
                       <a:r>
                         <a:rPr lang="ko-KR" altLang="en-US" sz="1800" kern="1200" dirty="0">
@@ -17143,7 +16642,31 @@
                           <a:ea typeface="+mn-ea"/>
                           <a:cs typeface="+mn-cs"/>
                         </a:rPr>
-                        <a:t> 보여준다</a:t>
+                        <a:t> </a:t>
+                      </a:r>
+                      <a:r>
+                        <a:rPr lang="ko-KR" altLang="en-US" sz="1800" kern="1200" dirty="0" err="1">
+                          <a:solidFill>
+                            <a:schemeClr val="tx1"/>
+                          </a:solidFill>
+                          <a:effectLst/>
+                          <a:latin typeface="+mn-lt"/>
+                          <a:ea typeface="+mn-ea"/>
+                          <a:cs typeface="+mn-cs"/>
+                        </a:rPr>
+                        <a:t>레주메</a:t>
+                      </a:r>
+                      <a:r>
+                        <a:rPr lang="ko-KR" altLang="en-US" sz="1800" kern="1200" dirty="0">
+                          <a:solidFill>
+                            <a:schemeClr val="tx1"/>
+                          </a:solidFill>
+                          <a:effectLst/>
+                          <a:latin typeface="+mn-lt"/>
+                          <a:ea typeface="+mn-ea"/>
+                          <a:cs typeface="+mn-cs"/>
+                        </a:rPr>
+                        <a:t> 리스트를 나열한다</a:t>
                       </a:r>
                       <a:r>
                         <a:rPr lang="en-US" altLang="ko-KR" sz="1800" kern="1200" dirty="0">
@@ -17206,6 +16729,18 @@
                         <a:t>3.  </a:t>
                       </a:r>
                       <a:r>
+                        <a:rPr lang="ko-KR" altLang="en-US" sz="1800" kern="1200" dirty="0">
+                          <a:solidFill>
+                            <a:schemeClr val="tx1"/>
+                          </a:solidFill>
+                          <a:effectLst/>
+                          <a:latin typeface="+mn-lt"/>
+                          <a:ea typeface="+mn-ea"/>
+                          <a:cs typeface="+mn-cs"/>
+                        </a:rPr>
+                        <a:t>찾고자 하는 </a:t>
+                      </a:r>
+                      <a:r>
                         <a:rPr lang="ko-KR" altLang="en-US" sz="1800" kern="1200" dirty="0" err="1">
                           <a:solidFill>
                             <a:schemeClr val="tx1"/>
@@ -17227,7 +16762,7 @@
                           <a:ea typeface="+mn-ea"/>
                           <a:cs typeface="+mn-cs"/>
                         </a:rPr>
-                        <a:t> 열람한다</a:t>
+                        <a:t> 클릭한다</a:t>
                       </a:r>
                       <a:r>
                         <a:rPr lang="en-US" altLang="ko-KR" sz="1800" kern="1200" dirty="0">
@@ -17252,6 +16787,102 @@
                           <a:cs typeface="+mn-cs"/>
                         </a:rPr>
                         <a:t>액터</a:t>
+                      </a:r>
+                      <a:r>
+                        <a:rPr lang="en-US" altLang="ko-KR" sz="1800" kern="1200" dirty="0">
+                          <a:solidFill>
+                            <a:schemeClr val="tx1"/>
+                          </a:solidFill>
+                          <a:effectLst/>
+                          <a:latin typeface="+mn-lt"/>
+                          <a:ea typeface="+mn-ea"/>
+                          <a:cs typeface="+mn-cs"/>
+                        </a:rPr>
+                        <a:t>)</a:t>
+                      </a:r>
+                      <a:endParaRPr lang="ko-KR" altLang="en-US" sz="1800" kern="1200" dirty="0">
+                        <a:solidFill>
+                          <a:schemeClr val="tx1"/>
+                        </a:solidFill>
+                        <a:effectLst/>
+                        <a:latin typeface="+mn-lt"/>
+                        <a:ea typeface="+mn-ea"/>
+                        <a:cs typeface="+mn-cs"/>
+                      </a:endParaRPr>
+                    </a:p>
+                    <a:p>
+                      <a:pPr fontAlgn="base" latinLnBrk="1"/>
+                      <a:r>
+                        <a:rPr lang="en-US" altLang="ko-KR" sz="1800" kern="1200" dirty="0">
+                          <a:solidFill>
+                            <a:schemeClr val="tx1"/>
+                          </a:solidFill>
+                          <a:effectLst/>
+                          <a:latin typeface="+mn-lt"/>
+                          <a:ea typeface="+mn-ea"/>
+                          <a:cs typeface="+mn-cs"/>
+                        </a:rPr>
+                        <a:t>4.  </a:t>
+                      </a:r>
+                      <a:r>
+                        <a:rPr lang="ko-KR" altLang="en-US" sz="1800" kern="1200" dirty="0">
+                          <a:solidFill>
+                            <a:schemeClr val="tx1"/>
+                          </a:solidFill>
+                          <a:effectLst/>
+                          <a:latin typeface="+mn-lt"/>
+                          <a:ea typeface="+mn-ea"/>
+                          <a:cs typeface="+mn-cs"/>
+                        </a:rPr>
+                        <a:t>그 학생의 </a:t>
+                      </a:r>
+                      <a:r>
+                        <a:rPr lang="ko-KR" altLang="en-US" sz="1800" kern="1200" dirty="0" err="1">
+                          <a:solidFill>
+                            <a:schemeClr val="tx1"/>
+                          </a:solidFill>
+                          <a:effectLst/>
+                          <a:latin typeface="+mn-lt"/>
+                          <a:ea typeface="+mn-ea"/>
+                          <a:cs typeface="+mn-cs"/>
+                        </a:rPr>
+                        <a:t>레주메</a:t>
+                      </a:r>
+                      <a:r>
+                        <a:rPr lang="ko-KR" altLang="en-US" sz="1800" kern="1200" dirty="0">
+                          <a:solidFill>
+                            <a:schemeClr val="tx1"/>
+                          </a:solidFill>
+                          <a:effectLst/>
+                          <a:latin typeface="+mn-lt"/>
+                          <a:ea typeface="+mn-ea"/>
+                          <a:cs typeface="+mn-cs"/>
+                        </a:rPr>
+                        <a:t> 페이지로 넘어간다</a:t>
+                      </a:r>
+                      <a:r>
+                        <a:rPr lang="en-US" altLang="ko-KR" sz="1800" kern="1200" dirty="0">
+                          <a:solidFill>
+                            <a:schemeClr val="tx1"/>
+                          </a:solidFill>
+                          <a:effectLst/>
+                          <a:latin typeface="+mn-lt"/>
+                          <a:ea typeface="+mn-ea"/>
+                          <a:cs typeface="+mn-cs"/>
+                        </a:rPr>
+                        <a:t>. (</a:t>
+                      </a:r>
+                      <a:r>
+                        <a:rPr lang="ko-KR" altLang="en-US" sz="1800" kern="1200" dirty="0">
+                          <a:solidFill>
+                            <a:schemeClr val="tx1"/>
+                          </a:solidFill>
+                          <a:effectLst/>
+                          <a:latin typeface="+mn-lt"/>
+                          <a:ea typeface="+mn-ea"/>
+                          <a:cs typeface="+mn-cs"/>
+                        </a:rPr>
+                        <a:t>시스템</a:t>
                       </a:r>
                       <a:r>
                         <a:rPr lang="en-US" altLang="ko-KR" sz="1800" kern="1200" dirty="0">
@@ -17488,7 +17119,7 @@
     </p:spTree>
     <p:extLst>
       <p:ext uri="{BB962C8B-B14F-4D97-AF65-F5344CB8AC3E}">
-        <p14:creationId xmlns:p14="http://schemas.microsoft.com/office/powerpoint/2010/main" val="941552456"/>
+        <p14:creationId xmlns:p14="http://schemas.microsoft.com/office/powerpoint/2010/main" val="1031263194"/>
       </p:ext>
     </p:extLst>
   </p:cSld>
@@ -18336,14 +17967,14 @@
           <p:nvPr>
             <p:extLst>
               <p:ext uri="{D42A27DB-BD31-4B8C-83A1-F6EECF244321}">
-                <p14:modId xmlns:p14="http://schemas.microsoft.com/office/powerpoint/2010/main" val="2538570514"/>
+                <p14:modId xmlns:p14="http://schemas.microsoft.com/office/powerpoint/2010/main" val="2161580460"/>
               </p:ext>
             </p:extLst>
           </p:nvPr>
         </p:nvGraphicFramePr>
         <p:xfrm>
           <a:off x="2574745" y="2107300"/>
-          <a:ext cx="9257167" cy="4560282"/>
+          <a:ext cx="9257167" cy="4274244"/>
         </p:xfrm>
         <a:graphic>
           <a:graphicData uri="http://schemas.openxmlformats.org/drawingml/2006/table">
@@ -18419,7 +18050,7 @@
                           <a:ea typeface="+mn-ea"/>
                           <a:cs typeface="+mn-cs"/>
                         </a:rPr>
-                        <a:t> 출력</a:t>
+                        <a:t> 열람</a:t>
                       </a:r>
                     </a:p>
                   </a:txBody>
@@ -18495,7 +18126,7 @@
                           <a:ea typeface="HY헤드라인M" pitchFamily="18" charset="-127"/>
                           <a:cs typeface="+mn-cs"/>
                         </a:rPr>
-                        <a:t>사이트 사용자</a:t>
+                        <a:t>회사</a:t>
                       </a:r>
                       <a:endParaRPr lang="en-US" sz="1800" kern="1200" dirty="0">
                         <a:solidFill>
@@ -18656,7 +18287,19 @@
                           <a:ea typeface="+mn-ea"/>
                           <a:cs typeface="+mn-cs"/>
                         </a:rPr>
-                        <a:t>1. </a:t>
+                        <a:t>1.</a:t>
+                      </a:r>
+                      <a:r>
+                        <a:rPr lang="en-US" altLang="ko-KR" sz="1800" kern="1200" baseline="0" dirty="0">
+                          <a:solidFill>
+                            <a:schemeClr val="tx1"/>
+                          </a:solidFill>
+                          <a:effectLst/>
+                          <a:latin typeface="+mn-lt"/>
+                          <a:ea typeface="+mn-ea"/>
+                          <a:cs typeface="+mn-cs"/>
+                        </a:rPr>
+                        <a:t> </a:t>
                       </a:r>
                       <a:r>
                         <a:rPr lang="ko-KR" altLang="en-US" sz="1800" kern="1200" dirty="0">
@@ -18705,93 +18348,6 @@
                           <a:cs typeface="+mn-cs"/>
                         </a:rPr>
                         <a:t>)</a:t>
-                      </a:r>
-                    </a:p>
-                    <a:p>
-                      <a:pPr fontAlgn="base" latinLnBrk="1"/>
-                      <a:r>
-                        <a:rPr lang="en-US" altLang="ko-KR" sz="1800" kern="1200" dirty="0">
-                          <a:solidFill>
-                            <a:schemeClr val="tx1"/>
-                          </a:solidFill>
-                          <a:effectLst/>
-                          <a:latin typeface="+mn-lt"/>
-                          <a:ea typeface="+mn-ea"/>
-                          <a:cs typeface="+mn-cs"/>
-                        </a:rPr>
-                        <a:t>2.  </a:t>
-                      </a:r>
-                      <a:r>
-                        <a:rPr lang="ko-KR" altLang="en-US" sz="1800" kern="1200" dirty="0">
-                          <a:solidFill>
-                            <a:schemeClr val="tx1"/>
-                          </a:solidFill>
-                          <a:effectLst/>
-                          <a:latin typeface="+mn-lt"/>
-                          <a:ea typeface="+mn-ea"/>
-                          <a:cs typeface="+mn-cs"/>
-                        </a:rPr>
-                        <a:t>클릭한 학생의 </a:t>
-                      </a:r>
-                      <a:r>
-                        <a:rPr lang="ko-KR" altLang="en-US" sz="1800" kern="1200" dirty="0" err="1">
-                          <a:solidFill>
-                            <a:schemeClr val="tx1"/>
-                          </a:solidFill>
-                          <a:effectLst/>
-                          <a:latin typeface="+mn-lt"/>
-                          <a:ea typeface="+mn-ea"/>
-                          <a:cs typeface="+mn-cs"/>
-                        </a:rPr>
-                        <a:t>레주메를</a:t>
-                      </a:r>
-                      <a:r>
-                        <a:rPr lang="ko-KR" altLang="en-US" sz="1800" kern="1200" dirty="0">
-                          <a:solidFill>
-                            <a:schemeClr val="tx1"/>
-                          </a:solidFill>
-                          <a:effectLst/>
-                          <a:latin typeface="+mn-lt"/>
-                          <a:ea typeface="+mn-ea"/>
-                          <a:cs typeface="+mn-cs"/>
-                        </a:rPr>
-                        <a:t> 보여준다</a:t>
-                      </a:r>
-                      <a:r>
-                        <a:rPr lang="en-US" altLang="ko-KR" sz="1800" kern="1200" dirty="0">
-                          <a:solidFill>
-                            <a:schemeClr val="tx1"/>
-                          </a:solidFill>
-                          <a:effectLst/>
-                          <a:latin typeface="+mn-lt"/>
-                          <a:ea typeface="+mn-ea"/>
-                          <a:cs typeface="+mn-cs"/>
-                        </a:rPr>
-                        <a:t>. (</a:t>
-                      </a:r>
-                      <a:r>
-                        <a:rPr lang="ko-KR" altLang="en-US" sz="1800" kern="1200" dirty="0">
-                          <a:solidFill>
-                            <a:schemeClr val="tx1"/>
-                          </a:solidFill>
-                          <a:effectLst/>
-                          <a:latin typeface="+mn-lt"/>
-                          <a:ea typeface="+mn-ea"/>
-                          <a:cs typeface="+mn-cs"/>
-                        </a:rPr>
-                        <a:t>시스템</a:t>
-                      </a:r>
-                      <a:r>
-                        <a:rPr lang="en-US" altLang="ko-KR" sz="1800" kern="1200" dirty="0">
-                          <a:solidFill>
-                            <a:schemeClr val="tx1"/>
-                          </a:solidFill>
-                          <a:effectLst/>
-                          <a:latin typeface="+mn-lt"/>
-                          <a:ea typeface="+mn-ea"/>
-                          <a:cs typeface="+mn-cs"/>
-                        </a:rPr>
-                        <a:t>) </a:t>
                       </a:r>
                       <a:endParaRPr lang="ko-KR" altLang="en-US" sz="1800" kern="1200" dirty="0">
                         <a:solidFill>
@@ -18815,7 +18371,19 @@
                           <a:ea typeface="+mn-ea"/>
                           <a:cs typeface="+mn-cs"/>
                         </a:rPr>
-                        <a:t>3.  </a:t>
+                        <a:t>2.  </a:t>
+                      </a:r>
+                      <a:r>
+                        <a:rPr lang="ko-KR" altLang="en-US" sz="1800" kern="1200" dirty="0">
+                          <a:solidFill>
+                            <a:schemeClr val="tx1"/>
+                          </a:solidFill>
+                          <a:effectLst/>
+                          <a:latin typeface="+mn-lt"/>
+                          <a:ea typeface="+mn-ea"/>
+                          <a:cs typeface="+mn-cs"/>
+                        </a:rPr>
+                        <a:t>클릭한 학생의 </a:t>
                       </a:r>
                       <a:r>
                         <a:rPr lang="ko-KR" altLang="en-US" sz="1800" kern="1200" dirty="0" err="1">
@@ -18827,7 +18395,7 @@
                           <a:ea typeface="+mn-ea"/>
                           <a:cs typeface="+mn-cs"/>
                         </a:rPr>
-                        <a:t>레주메</a:t>
+                        <a:t>레주메를</a:t>
                       </a:r>
                       <a:r>
                         <a:rPr lang="ko-KR" altLang="en-US" sz="1800" kern="1200" dirty="0">
@@ -18839,7 +18407,7 @@
                           <a:ea typeface="+mn-ea"/>
                           <a:cs typeface="+mn-cs"/>
                         </a:rPr>
-                        <a:t> 프린트 버튼을 클릭한다</a:t>
+                        <a:t> 보여준다</a:t>
                       </a:r>
                       <a:r>
                         <a:rPr lang="en-US" altLang="ko-KR" sz="1800" kern="1200" dirty="0">
@@ -18854,7 +18422,7 @@
                         <a:t>. (</a:t>
                       </a:r>
                       <a:r>
-                        <a:rPr lang="ko-KR" altLang="en-US" sz="1800" kern="1200" dirty="0" err="1">
+                        <a:rPr lang="ko-KR" altLang="en-US" sz="1800" kern="1200" dirty="0">
                           <a:solidFill>
                             <a:schemeClr val="tx1"/>
                           </a:solidFill>
@@ -18863,7 +18431,7 @@
                           <a:ea typeface="+mn-ea"/>
                           <a:cs typeface="+mn-cs"/>
                         </a:rPr>
-                        <a:t>액터</a:t>
+                        <a:t>시스템</a:t>
                       </a:r>
                       <a:r>
                         <a:rPr lang="en-US" altLang="ko-KR" sz="1800" kern="1200" dirty="0">
@@ -18875,7 +18443,7 @@
                           <a:ea typeface="+mn-ea"/>
                           <a:cs typeface="+mn-cs"/>
                         </a:rPr>
-                        <a:t>)</a:t>
+                        <a:t>) </a:t>
                       </a:r>
                       <a:endParaRPr lang="ko-KR" altLang="en-US" sz="1800" kern="1200" dirty="0">
                         <a:solidFill>
@@ -18899,7 +18467,19 @@
                           <a:ea typeface="+mn-ea"/>
                           <a:cs typeface="+mn-cs"/>
                         </a:rPr>
-                        <a:t>4.  </a:t>
+                        <a:t>3.  </a:t>
+                      </a:r>
+                      <a:r>
+                        <a:rPr lang="ko-KR" altLang="en-US" sz="1800" kern="1200" dirty="0" err="1">
+                          <a:solidFill>
+                            <a:schemeClr val="tx1"/>
+                          </a:solidFill>
+                          <a:effectLst/>
+                          <a:latin typeface="+mn-lt"/>
+                          <a:ea typeface="+mn-ea"/>
+                          <a:cs typeface="+mn-cs"/>
+                        </a:rPr>
+                        <a:t>레주메를</a:t>
                       </a:r>
                       <a:r>
                         <a:rPr lang="ko-KR" altLang="en-US" sz="1800" kern="1200" dirty="0">
@@ -18911,7 +18491,7 @@
                           <a:ea typeface="+mn-ea"/>
                           <a:cs typeface="+mn-cs"/>
                         </a:rPr>
-                        <a:t>프린트시스템으로 넘어간다</a:t>
+                        <a:t> 열람한다</a:t>
                       </a:r>
                       <a:r>
                         <a:rPr lang="en-US" altLang="ko-KR" sz="1800" kern="1200" dirty="0">
@@ -18924,102 +18504,6 @@
                           <a:cs typeface="+mn-cs"/>
                         </a:rPr>
                         <a:t>. (</a:t>
-                      </a:r>
-                      <a:r>
-                        <a:rPr lang="ko-KR" altLang="en-US" sz="1800" kern="1200" dirty="0">
-                          <a:solidFill>
-                            <a:schemeClr val="tx1"/>
-                          </a:solidFill>
-                          <a:effectLst/>
-                          <a:latin typeface="+mn-lt"/>
-                          <a:ea typeface="+mn-ea"/>
-                          <a:cs typeface="+mn-cs"/>
-                        </a:rPr>
-                        <a:t>시스템</a:t>
-                      </a:r>
-                      <a:r>
-                        <a:rPr lang="en-US" altLang="ko-KR" sz="1800" kern="1200" dirty="0">
-                          <a:solidFill>
-                            <a:schemeClr val="tx1"/>
-                          </a:solidFill>
-                          <a:effectLst/>
-                          <a:latin typeface="+mn-lt"/>
-                          <a:ea typeface="+mn-ea"/>
-                          <a:cs typeface="+mn-cs"/>
-                        </a:rPr>
-                        <a:t>) </a:t>
-                      </a:r>
-                      <a:endParaRPr lang="ko-KR" altLang="en-US" sz="1800" kern="1200" dirty="0">
-                        <a:solidFill>
-                          <a:schemeClr val="tx1"/>
-                        </a:solidFill>
-                        <a:effectLst/>
-                        <a:latin typeface="+mn-lt"/>
-                        <a:ea typeface="+mn-ea"/>
-                        <a:cs typeface="+mn-cs"/>
-                      </a:endParaRPr>
-                    </a:p>
-                    <a:p>
-                      <a:pPr fontAlgn="base" latinLnBrk="1"/>
-                      <a:r>
-                        <a:rPr lang="en-US" altLang="ko-KR" sz="1800" kern="1200" dirty="0">
-                          <a:solidFill>
-                            <a:schemeClr val="tx1"/>
-                          </a:solidFill>
-                          <a:effectLst/>
-                          <a:latin typeface="+mn-lt"/>
-                          <a:ea typeface="+mn-ea"/>
-                          <a:cs typeface="+mn-cs"/>
-                        </a:rPr>
-                        <a:t>5.</a:t>
-                      </a:r>
-                      <a:r>
-                        <a:rPr lang="en-US" altLang="ko-KR" sz="1800" kern="1200" baseline="0" dirty="0">
-                          <a:solidFill>
-                            <a:schemeClr val="tx1"/>
-                          </a:solidFill>
-                          <a:effectLst/>
-                          <a:latin typeface="+mn-lt"/>
-                          <a:ea typeface="+mn-ea"/>
-                          <a:cs typeface="+mn-cs"/>
-                        </a:rPr>
-                        <a:t> </a:t>
-                      </a:r>
-                      <a:r>
-                        <a:rPr lang="en-US" altLang="ko-KR" sz="1800" kern="1200" dirty="0">
-                          <a:solidFill>
-                            <a:schemeClr val="tx1"/>
-                          </a:solidFill>
-                          <a:effectLst/>
-                          <a:latin typeface="+mn-lt"/>
-                          <a:ea typeface="+mn-ea"/>
-                          <a:cs typeface="+mn-cs"/>
-                        </a:rPr>
-                        <a:t> </a:t>
-                      </a:r>
-                      <a:r>
-                        <a:rPr lang="ko-KR" altLang="en-US" sz="1800" kern="1200" dirty="0">
-                          <a:solidFill>
-                            <a:schemeClr val="tx1"/>
-                          </a:solidFill>
-                          <a:effectLst/>
-                          <a:latin typeface="+mn-lt"/>
-                          <a:ea typeface="+mn-ea"/>
-                          <a:cs typeface="+mn-cs"/>
-                        </a:rPr>
-                        <a:t>인쇄 설정 </a:t>
-                      </a:r>
-                      <a:r>
-                        <a:rPr lang="en-US" altLang="ko-KR" sz="1800" kern="1200" dirty="0">
-                          <a:solidFill>
-                            <a:schemeClr val="tx1"/>
-                          </a:solidFill>
-                          <a:effectLst/>
-                          <a:latin typeface="+mn-lt"/>
-                          <a:ea typeface="+mn-ea"/>
-                          <a:cs typeface="+mn-cs"/>
-                        </a:rPr>
-                        <a:t>(</a:t>
                       </a:r>
                       <a:r>
                         <a:rPr lang="ko-KR" altLang="en-US" sz="1800" kern="1200" dirty="0" err="1">
@@ -19093,7 +18577,23 @@
                     <a:bodyPr/>
                     <a:lstStyle/>
                     <a:p>
-                      <a:pPr fontAlgn="base" latinLnBrk="1"/>
+                      <a:pPr marL="285750" marR="0" lvl="0" indent="-285750" algn="l" defTabSz="914400" rtl="0" eaLnBrk="1" fontAlgn="base" latinLnBrk="1" hangingPunct="1">
+                        <a:lnSpc>
+                          <a:spcPct val="100000"/>
+                        </a:lnSpc>
+                        <a:spcBef>
+                          <a:spcPts val="0"/>
+                        </a:spcBef>
+                        <a:spcAft>
+                          <a:spcPts val="0"/>
+                        </a:spcAft>
+                        <a:buClrTx/>
+                        <a:buSzTx/>
+                        <a:buFontTx/>
+                        <a:buChar char="-"/>
+                        <a:tabLst/>
+                        <a:defRPr/>
+                      </a:pPr>
                       <a:r>
                         <a:rPr lang="ko-KR" altLang="en-US" sz="1800" kern="1200" dirty="0">
                           <a:solidFill>
@@ -19104,8 +18604,20 @@
                           <a:ea typeface="+mn-ea"/>
                           <a:cs typeface="+mn-cs"/>
                         </a:rPr>
-                        <a:t>프린트 시스템 오류 발생시 “프린트 오류 발생” 메시지 출력</a:t>
-                      </a:r>
+                        <a:t>검색된 결과가 없으면 “일치하는 항목이 없습니다” 메시지 출력</a:t>
+                      </a:r>
+                      <a:endParaRPr lang="ko-KR" altLang="en-US" sz="1800" kern="1200" dirty="0">
+                        <a:solidFill>
+                          <a:schemeClr val="tx1">
+                            <a:lumMod val="85000"/>
+                            <a:lumOff val="15000"/>
+                          </a:schemeClr>
+                        </a:solidFill>
+                        <a:effectLst/>
+                        <a:latin typeface="배달의민족 도현" pitchFamily="50" charset="-127"/>
+                        <a:ea typeface="배달의민족 도현" pitchFamily="50" charset="-127"/>
+                        <a:cs typeface="+mn-cs"/>
+                      </a:endParaRPr>
                     </a:p>
                   </a:txBody>
                   <a:tcPr/>
@@ -19240,7 +18752,7 @@
     </p:spTree>
     <p:extLst>
       <p:ext uri="{BB962C8B-B14F-4D97-AF65-F5344CB8AC3E}">
-        <p14:creationId xmlns:p14="http://schemas.microsoft.com/office/powerpoint/2010/main" val="1307446906"/>
+        <p14:creationId xmlns:p14="http://schemas.microsoft.com/office/powerpoint/2010/main" val="941552456"/>
       </p:ext>
     </p:extLst>
   </p:cSld>
@@ -21004,6 +20516,1758 @@
           <p:nvPr>
             <p:extLst>
               <p:ext uri="{D42A27DB-BD31-4B8C-83A1-F6EECF244321}">
+                <p14:modId xmlns:p14="http://schemas.microsoft.com/office/powerpoint/2010/main" val="2538570514"/>
+              </p:ext>
+            </p:extLst>
+          </p:nvPr>
+        </p:nvGraphicFramePr>
+        <p:xfrm>
+          <a:off x="2574745" y="2107300"/>
+          <a:ext cx="9257167" cy="4560282"/>
+        </p:xfrm>
+        <a:graphic>
+          <a:graphicData uri="http://schemas.openxmlformats.org/drawingml/2006/table">
+            <a:tbl>
+              <a:tblPr firstRow="1" bandRow="1">
+                <a:tableStyleId>{3B4B98B0-60AC-42C2-AFA5-B58CD77FA1E5}</a:tableStyleId>
+              </a:tblPr>
+              <a:tblGrid>
+                <a:gridCol w="1466806">
+                  <a:extLst>
+                    <a:ext uri="{9D8B030D-6E8A-4147-A177-3AD203B41FA5}">
+                      <a16:colId xmlns:a16="http://schemas.microsoft.com/office/drawing/2014/main" val="20000"/>
+                    </a:ext>
+                  </a:extLst>
+                </a:gridCol>
+                <a:gridCol w="7790361">
+                  <a:extLst>
+                    <a:ext uri="{9D8B030D-6E8A-4147-A177-3AD203B41FA5}">
+                      <a16:colId xmlns:a16="http://schemas.microsoft.com/office/drawing/2014/main" val="20001"/>
+                    </a:ext>
+                  </a:extLst>
+                </a:gridCol>
+              </a:tblGrid>
+              <a:tr h="600289">
+                <a:tc>
+                  <a:txBody>
+                    <a:bodyPr/>
+                    <a:lstStyle/>
+                    <a:p>
+                      <a:pPr algn="ctr" latinLnBrk="1"/>
+                      <a:r>
+                        <a:rPr lang="ko-KR" altLang="en-US" b="1" dirty="0">
+                          <a:solidFill>
+                            <a:schemeClr val="tx1">
+                              <a:lumMod val="85000"/>
+                              <a:lumOff val="15000"/>
+                            </a:schemeClr>
+                          </a:solidFill>
+                          <a:latin typeface="HY헤드라인M" pitchFamily="18" charset="-127"/>
+                          <a:ea typeface="HY헤드라인M" pitchFamily="18" charset="-127"/>
+                        </a:rPr>
+                        <a:t>시나리오 이름</a:t>
+                      </a:r>
+                    </a:p>
+                  </a:txBody>
+                  <a:tcPr/>
+                </a:tc>
+                <a:tc>
+                  <a:txBody>
+                    <a:bodyPr/>
+                    <a:lstStyle/>
+                    <a:p>
+                      <a:pPr fontAlgn="base" latinLnBrk="1"/>
+                      <a:r>
+                        <a:rPr lang="ko-KR" altLang="en-US" sz="1800" b="1" kern="1200" dirty="0" err="1">
+                          <a:solidFill>
+                            <a:schemeClr val="tx1"/>
+                          </a:solidFill>
+                          <a:effectLst/>
+                          <a:latin typeface="+mn-lt"/>
+                          <a:ea typeface="+mn-ea"/>
+                          <a:cs typeface="+mn-cs"/>
+                        </a:rPr>
+                        <a:t>레주메</a:t>
+                      </a:r>
+                      <a:r>
+                        <a:rPr lang="ko-KR" altLang="en-US" sz="1800" b="1" kern="1200" dirty="0">
+                          <a:solidFill>
+                            <a:schemeClr val="tx1"/>
+                          </a:solidFill>
+                          <a:effectLst/>
+                          <a:latin typeface="+mn-lt"/>
+                          <a:ea typeface="+mn-ea"/>
+                          <a:cs typeface="+mn-cs"/>
+                        </a:rPr>
+                        <a:t> 출력</a:t>
+                      </a:r>
+                    </a:p>
+                  </a:txBody>
+                  <a:tcPr/>
+                </a:tc>
+                <a:extLst>
+                  <a:ext uri="{0D108BD9-81ED-4DB2-BD59-A6C34878D82A}">
+                    <a16:rowId xmlns:a16="http://schemas.microsoft.com/office/drawing/2014/main" val="10000"/>
+                  </a:ext>
+                </a:extLst>
+              </a:tr>
+              <a:tr h="343022">
+                <a:tc>
+                  <a:txBody>
+                    <a:bodyPr/>
+                    <a:lstStyle/>
+                    <a:p>
+                      <a:pPr algn="ctr" latinLnBrk="1"/>
+                      <a:r>
+                        <a:rPr lang="ko-KR" altLang="en-US" b="1" dirty="0">
+                          <a:solidFill>
+                            <a:schemeClr val="tx1">
+                              <a:lumMod val="85000"/>
+                              <a:lumOff val="15000"/>
+                            </a:schemeClr>
+                          </a:solidFill>
+                          <a:latin typeface="HY헤드라인M" pitchFamily="18" charset="-127"/>
+                          <a:ea typeface="HY헤드라인M" pitchFamily="18" charset="-127"/>
+                        </a:rPr>
+                        <a:t>참여 </a:t>
+                      </a:r>
+                      <a:r>
+                        <a:rPr lang="ko-KR" altLang="en-US" b="1" dirty="0" err="1">
+                          <a:solidFill>
+                            <a:schemeClr val="tx1">
+                              <a:lumMod val="85000"/>
+                              <a:lumOff val="15000"/>
+                            </a:schemeClr>
+                          </a:solidFill>
+                          <a:latin typeface="HY헤드라인M" pitchFamily="18" charset="-127"/>
+                          <a:ea typeface="HY헤드라인M" pitchFamily="18" charset="-127"/>
+                        </a:rPr>
+                        <a:t>액터</a:t>
+                      </a:r>
+                      <a:endParaRPr lang="ko-KR" altLang="en-US" b="1" dirty="0">
+                        <a:solidFill>
+                          <a:schemeClr val="tx1">
+                            <a:lumMod val="85000"/>
+                            <a:lumOff val="15000"/>
+                          </a:schemeClr>
+                        </a:solidFill>
+                        <a:latin typeface="HY헤드라인M" pitchFamily="18" charset="-127"/>
+                        <a:ea typeface="HY헤드라인M" pitchFamily="18" charset="-127"/>
+                      </a:endParaRPr>
+                    </a:p>
+                  </a:txBody>
+                  <a:tcPr/>
+                </a:tc>
+                <a:tc>
+                  <a:txBody>
+                    <a:bodyPr/>
+                    <a:lstStyle/>
+                    <a:p>
+                      <a:r>
+                        <a:rPr lang="ko-KR" altLang="en-US" sz="1800" kern="1200" dirty="0">
+                          <a:solidFill>
+                            <a:schemeClr val="tx1">
+                              <a:lumMod val="85000"/>
+                              <a:lumOff val="15000"/>
+                            </a:schemeClr>
+                          </a:solidFill>
+                          <a:latin typeface="HY헤드라인M" pitchFamily="18" charset="-127"/>
+                          <a:ea typeface="HY헤드라인M" pitchFamily="18" charset="-127"/>
+                          <a:cs typeface="+mn-cs"/>
+                        </a:rPr>
+                        <a:t>사이트 사용자</a:t>
+                      </a:r>
+                      <a:endParaRPr lang="en-US" sz="1800" kern="1200" dirty="0">
+                        <a:solidFill>
+                          <a:schemeClr val="tx1">
+                            <a:lumMod val="85000"/>
+                            <a:lumOff val="15000"/>
+                          </a:schemeClr>
+                        </a:solidFill>
+                        <a:latin typeface="HY헤드라인M" pitchFamily="18" charset="-127"/>
+                        <a:ea typeface="HY헤드라인M" pitchFamily="18" charset="-127"/>
+                        <a:cs typeface="+mn-cs"/>
+                      </a:endParaRPr>
+                    </a:p>
+                  </a:txBody>
+                  <a:tcPr/>
+                </a:tc>
+                <a:extLst>
+                  <a:ext uri="{0D108BD9-81ED-4DB2-BD59-A6C34878D82A}">
+                    <a16:rowId xmlns:a16="http://schemas.microsoft.com/office/drawing/2014/main" val="10001"/>
+                  </a:ext>
+                </a:extLst>
+              </a:tr>
+              <a:tr h="343022">
+                <a:tc>
+                  <a:txBody>
+                    <a:bodyPr/>
+                    <a:lstStyle/>
+                    <a:p>
+                      <a:pPr algn="ctr" latinLnBrk="1"/>
+                      <a:r>
+                        <a:rPr lang="ko-KR" altLang="en-US" b="1" dirty="0">
+                          <a:solidFill>
+                            <a:schemeClr val="tx1">
+                              <a:lumMod val="85000"/>
+                              <a:lumOff val="15000"/>
+                            </a:schemeClr>
+                          </a:solidFill>
+                          <a:latin typeface="HY헤드라인M" pitchFamily="18" charset="-127"/>
+                          <a:ea typeface="HY헤드라인M" pitchFamily="18" charset="-127"/>
+                        </a:rPr>
+                        <a:t>시작 조건</a:t>
+                      </a:r>
+                    </a:p>
+                  </a:txBody>
+                  <a:tcPr/>
+                </a:tc>
+                <a:tc>
+                  <a:txBody>
+                    <a:bodyPr/>
+                    <a:lstStyle/>
+                    <a:p>
+                      <a:pPr marL="0" marR="0" indent="0" algn="l" defTabSz="914400" rtl="0" eaLnBrk="1" fontAlgn="auto" latinLnBrk="1" hangingPunct="1">
+                        <a:lnSpc>
+                          <a:spcPct val="100000"/>
+                        </a:lnSpc>
+                        <a:spcBef>
+                          <a:spcPts val="0"/>
+                        </a:spcBef>
+                        <a:spcAft>
+                          <a:spcPts val="0"/>
+                        </a:spcAft>
+                        <a:buClrTx/>
+                        <a:buSzTx/>
+                        <a:buFontTx/>
+                        <a:buNone/>
+                        <a:tabLst/>
+                        <a:defRPr/>
+                      </a:pPr>
+                      <a:r>
+                        <a:rPr lang="ko-KR" altLang="en-US" sz="1800" kern="1200" dirty="0" err="1">
+                          <a:solidFill>
+                            <a:schemeClr val="tx1">
+                              <a:lumMod val="85000"/>
+                              <a:lumOff val="15000"/>
+                            </a:schemeClr>
+                          </a:solidFill>
+                          <a:latin typeface="HY헤드라인M" pitchFamily="18" charset="-127"/>
+                          <a:ea typeface="HY헤드라인M" pitchFamily="18" charset="-127"/>
+                          <a:cs typeface="+mn-cs"/>
+                        </a:rPr>
+                        <a:t>로그인이</a:t>
+                      </a:r>
+                      <a:r>
+                        <a:rPr lang="ko-KR" altLang="en-US" sz="1800" kern="1200" dirty="0">
+                          <a:solidFill>
+                            <a:schemeClr val="tx1">
+                              <a:lumMod val="85000"/>
+                              <a:lumOff val="15000"/>
+                            </a:schemeClr>
+                          </a:solidFill>
+                          <a:latin typeface="HY헤드라인M" pitchFamily="18" charset="-127"/>
+                          <a:ea typeface="HY헤드라인M" pitchFamily="18" charset="-127"/>
+                          <a:cs typeface="+mn-cs"/>
+                        </a:rPr>
+                        <a:t> 되어 있는 상태여야 한다</a:t>
+                      </a:r>
+                      <a:r>
+                        <a:rPr lang="en-US" altLang="ko-KR" sz="1800" kern="1200" dirty="0">
+                          <a:solidFill>
+                            <a:schemeClr val="tx1">
+                              <a:lumMod val="85000"/>
+                              <a:lumOff val="15000"/>
+                            </a:schemeClr>
+                          </a:solidFill>
+                          <a:latin typeface="HY헤드라인M" pitchFamily="18" charset="-127"/>
+                          <a:ea typeface="HY헤드라인M" pitchFamily="18" charset="-127"/>
+                          <a:cs typeface="+mn-cs"/>
+                        </a:rPr>
+                        <a:t>.</a:t>
+                      </a:r>
+                    </a:p>
+                  </a:txBody>
+                  <a:tcPr/>
+                </a:tc>
+                <a:extLst>
+                  <a:ext uri="{0D108BD9-81ED-4DB2-BD59-A6C34878D82A}">
+                    <a16:rowId xmlns:a16="http://schemas.microsoft.com/office/drawing/2014/main" val="10002"/>
+                  </a:ext>
+                </a:extLst>
+              </a:tr>
+              <a:tr h="1451322">
+                <a:tc>
+                  <a:txBody>
+                    <a:bodyPr/>
+                    <a:lstStyle/>
+                    <a:p>
+                      <a:pPr algn="ctr" latinLnBrk="1"/>
+                      <a:r>
+                        <a:rPr lang="ko-KR" altLang="en-US" b="1" dirty="0">
+                          <a:solidFill>
+                            <a:schemeClr val="tx1">
+                              <a:lumMod val="85000"/>
+                              <a:lumOff val="15000"/>
+                            </a:schemeClr>
+                          </a:solidFill>
+                          <a:latin typeface="HY헤드라인M" pitchFamily="18" charset="-127"/>
+                          <a:ea typeface="HY헤드라인M" pitchFamily="18" charset="-127"/>
+                        </a:rPr>
+                        <a:t>정상 흐름</a:t>
+                      </a:r>
+                    </a:p>
+                  </a:txBody>
+                  <a:tcPr/>
+                </a:tc>
+                <a:tc>
+                  <a:txBody>
+                    <a:bodyPr/>
+                    <a:lstStyle/>
+                    <a:p>
+                      <a:pPr fontAlgn="base" latinLnBrk="1"/>
+                      <a:r>
+                        <a:rPr lang="en-US" altLang="ko-KR" sz="1800" kern="1200" dirty="0">
+                          <a:solidFill>
+                            <a:schemeClr val="tx1"/>
+                          </a:solidFill>
+                          <a:effectLst/>
+                          <a:latin typeface="+mn-lt"/>
+                          <a:ea typeface="+mn-ea"/>
+                          <a:cs typeface="+mn-cs"/>
+                        </a:rPr>
+                        <a:t>1. </a:t>
+                      </a:r>
+                      <a:r>
+                        <a:rPr lang="ko-KR" altLang="en-US" sz="1800" kern="1200" dirty="0">
+                          <a:solidFill>
+                            <a:schemeClr val="tx1"/>
+                          </a:solidFill>
+                          <a:effectLst/>
+                          <a:latin typeface="+mn-lt"/>
+                          <a:ea typeface="+mn-ea"/>
+                          <a:cs typeface="+mn-cs"/>
+                        </a:rPr>
+                        <a:t>메인화면에서 학생을 검색하거나 메인화면에서 관심있는 학생을 클릭한다</a:t>
+                      </a:r>
+                      <a:r>
+                        <a:rPr lang="en-US" altLang="ko-KR" sz="1800" kern="1200" dirty="0">
+                          <a:solidFill>
+                            <a:schemeClr val="tx1"/>
+                          </a:solidFill>
+                          <a:effectLst/>
+                          <a:latin typeface="+mn-lt"/>
+                          <a:ea typeface="+mn-ea"/>
+                          <a:cs typeface="+mn-cs"/>
+                        </a:rPr>
+                        <a:t>. (</a:t>
+                      </a:r>
+                      <a:r>
+                        <a:rPr lang="ko-KR" altLang="en-US" sz="1800" kern="1200" dirty="0" err="1">
+                          <a:solidFill>
+                            <a:schemeClr val="tx1"/>
+                          </a:solidFill>
+                          <a:effectLst/>
+                          <a:latin typeface="+mn-lt"/>
+                          <a:ea typeface="+mn-ea"/>
+                          <a:cs typeface="+mn-cs"/>
+                        </a:rPr>
+                        <a:t>액터</a:t>
+                      </a:r>
+                      <a:r>
+                        <a:rPr lang="en-US" altLang="ko-KR" sz="1800" kern="1200" dirty="0">
+                          <a:solidFill>
+                            <a:schemeClr val="tx1"/>
+                          </a:solidFill>
+                          <a:effectLst/>
+                          <a:latin typeface="+mn-lt"/>
+                          <a:ea typeface="+mn-ea"/>
+                          <a:cs typeface="+mn-cs"/>
+                        </a:rPr>
+                        <a:t>)</a:t>
+                      </a:r>
+                    </a:p>
+                    <a:p>
+                      <a:pPr fontAlgn="base" latinLnBrk="1"/>
+                      <a:r>
+                        <a:rPr lang="en-US" altLang="ko-KR" sz="1800" kern="1200" dirty="0">
+                          <a:solidFill>
+                            <a:schemeClr val="tx1"/>
+                          </a:solidFill>
+                          <a:effectLst/>
+                          <a:latin typeface="+mn-lt"/>
+                          <a:ea typeface="+mn-ea"/>
+                          <a:cs typeface="+mn-cs"/>
+                        </a:rPr>
+                        <a:t>2.  </a:t>
+                      </a:r>
+                      <a:r>
+                        <a:rPr lang="ko-KR" altLang="en-US" sz="1800" kern="1200" dirty="0">
+                          <a:solidFill>
+                            <a:schemeClr val="tx1"/>
+                          </a:solidFill>
+                          <a:effectLst/>
+                          <a:latin typeface="+mn-lt"/>
+                          <a:ea typeface="+mn-ea"/>
+                          <a:cs typeface="+mn-cs"/>
+                        </a:rPr>
+                        <a:t>클릭한 학생의 </a:t>
+                      </a:r>
+                      <a:r>
+                        <a:rPr lang="ko-KR" altLang="en-US" sz="1800" kern="1200" dirty="0" err="1">
+                          <a:solidFill>
+                            <a:schemeClr val="tx1"/>
+                          </a:solidFill>
+                          <a:effectLst/>
+                          <a:latin typeface="+mn-lt"/>
+                          <a:ea typeface="+mn-ea"/>
+                          <a:cs typeface="+mn-cs"/>
+                        </a:rPr>
+                        <a:t>레주메를</a:t>
+                      </a:r>
+                      <a:r>
+                        <a:rPr lang="ko-KR" altLang="en-US" sz="1800" kern="1200" dirty="0">
+                          <a:solidFill>
+                            <a:schemeClr val="tx1"/>
+                          </a:solidFill>
+                          <a:effectLst/>
+                          <a:latin typeface="+mn-lt"/>
+                          <a:ea typeface="+mn-ea"/>
+                          <a:cs typeface="+mn-cs"/>
+                        </a:rPr>
+                        <a:t> 보여준다</a:t>
+                      </a:r>
+                      <a:r>
+                        <a:rPr lang="en-US" altLang="ko-KR" sz="1800" kern="1200" dirty="0">
+                          <a:solidFill>
+                            <a:schemeClr val="tx1"/>
+                          </a:solidFill>
+                          <a:effectLst/>
+                          <a:latin typeface="+mn-lt"/>
+                          <a:ea typeface="+mn-ea"/>
+                          <a:cs typeface="+mn-cs"/>
+                        </a:rPr>
+                        <a:t>. (</a:t>
+                      </a:r>
+                      <a:r>
+                        <a:rPr lang="ko-KR" altLang="en-US" sz="1800" kern="1200" dirty="0">
+                          <a:solidFill>
+                            <a:schemeClr val="tx1"/>
+                          </a:solidFill>
+                          <a:effectLst/>
+                          <a:latin typeface="+mn-lt"/>
+                          <a:ea typeface="+mn-ea"/>
+                          <a:cs typeface="+mn-cs"/>
+                        </a:rPr>
+                        <a:t>시스템</a:t>
+                      </a:r>
+                      <a:r>
+                        <a:rPr lang="en-US" altLang="ko-KR" sz="1800" kern="1200" dirty="0">
+                          <a:solidFill>
+                            <a:schemeClr val="tx1"/>
+                          </a:solidFill>
+                          <a:effectLst/>
+                          <a:latin typeface="+mn-lt"/>
+                          <a:ea typeface="+mn-ea"/>
+                          <a:cs typeface="+mn-cs"/>
+                        </a:rPr>
+                        <a:t>) </a:t>
+                      </a:r>
+                      <a:endParaRPr lang="ko-KR" altLang="en-US" sz="1800" kern="1200" dirty="0">
+                        <a:solidFill>
+                          <a:schemeClr val="tx1"/>
+                        </a:solidFill>
+                        <a:effectLst/>
+                        <a:latin typeface="+mn-lt"/>
+                        <a:ea typeface="+mn-ea"/>
+                        <a:cs typeface="+mn-cs"/>
+                      </a:endParaRPr>
+                    </a:p>
+                    <a:p>
+                      <a:pPr fontAlgn="base" latinLnBrk="1"/>
+                      <a:r>
+                        <a:rPr lang="en-US" altLang="ko-KR" sz="1800" kern="1200" dirty="0">
+                          <a:solidFill>
+                            <a:schemeClr val="tx1"/>
+                          </a:solidFill>
+                          <a:effectLst/>
+                          <a:latin typeface="+mn-lt"/>
+                          <a:ea typeface="+mn-ea"/>
+                          <a:cs typeface="+mn-cs"/>
+                        </a:rPr>
+                        <a:t>3.  </a:t>
+                      </a:r>
+                      <a:r>
+                        <a:rPr lang="ko-KR" altLang="en-US" sz="1800" kern="1200" dirty="0" err="1">
+                          <a:solidFill>
+                            <a:schemeClr val="tx1"/>
+                          </a:solidFill>
+                          <a:effectLst/>
+                          <a:latin typeface="+mn-lt"/>
+                          <a:ea typeface="+mn-ea"/>
+                          <a:cs typeface="+mn-cs"/>
+                        </a:rPr>
+                        <a:t>레주메</a:t>
+                      </a:r>
+                      <a:r>
+                        <a:rPr lang="ko-KR" altLang="en-US" sz="1800" kern="1200" dirty="0">
+                          <a:solidFill>
+                            <a:schemeClr val="tx1"/>
+                          </a:solidFill>
+                          <a:effectLst/>
+                          <a:latin typeface="+mn-lt"/>
+                          <a:ea typeface="+mn-ea"/>
+                          <a:cs typeface="+mn-cs"/>
+                        </a:rPr>
+                        <a:t> 프린트 버튼을 클릭한다</a:t>
+                      </a:r>
+                      <a:r>
+                        <a:rPr lang="en-US" altLang="ko-KR" sz="1800" kern="1200" dirty="0">
+                          <a:solidFill>
+                            <a:schemeClr val="tx1"/>
+                          </a:solidFill>
+                          <a:effectLst/>
+                          <a:latin typeface="+mn-lt"/>
+                          <a:ea typeface="+mn-ea"/>
+                          <a:cs typeface="+mn-cs"/>
+                        </a:rPr>
+                        <a:t>. (</a:t>
+                      </a:r>
+                      <a:r>
+                        <a:rPr lang="ko-KR" altLang="en-US" sz="1800" kern="1200" dirty="0" err="1">
+                          <a:solidFill>
+                            <a:schemeClr val="tx1"/>
+                          </a:solidFill>
+                          <a:effectLst/>
+                          <a:latin typeface="+mn-lt"/>
+                          <a:ea typeface="+mn-ea"/>
+                          <a:cs typeface="+mn-cs"/>
+                        </a:rPr>
+                        <a:t>액터</a:t>
+                      </a:r>
+                      <a:r>
+                        <a:rPr lang="en-US" altLang="ko-KR" sz="1800" kern="1200" dirty="0">
+                          <a:solidFill>
+                            <a:schemeClr val="tx1"/>
+                          </a:solidFill>
+                          <a:effectLst/>
+                          <a:latin typeface="+mn-lt"/>
+                          <a:ea typeface="+mn-ea"/>
+                          <a:cs typeface="+mn-cs"/>
+                        </a:rPr>
+                        <a:t>)</a:t>
+                      </a:r>
+                      <a:endParaRPr lang="ko-KR" altLang="en-US" sz="1800" kern="1200" dirty="0">
+                        <a:solidFill>
+                          <a:schemeClr val="tx1"/>
+                        </a:solidFill>
+                        <a:effectLst/>
+                        <a:latin typeface="+mn-lt"/>
+                        <a:ea typeface="+mn-ea"/>
+                        <a:cs typeface="+mn-cs"/>
+                      </a:endParaRPr>
+                    </a:p>
+                    <a:p>
+                      <a:pPr fontAlgn="base" latinLnBrk="1"/>
+                      <a:r>
+                        <a:rPr lang="en-US" altLang="ko-KR" sz="1800" kern="1200" dirty="0">
+                          <a:solidFill>
+                            <a:schemeClr val="tx1"/>
+                          </a:solidFill>
+                          <a:effectLst/>
+                          <a:latin typeface="+mn-lt"/>
+                          <a:ea typeface="+mn-ea"/>
+                          <a:cs typeface="+mn-cs"/>
+                        </a:rPr>
+                        <a:t>4.  </a:t>
+                      </a:r>
+                      <a:r>
+                        <a:rPr lang="ko-KR" altLang="en-US" sz="1800" kern="1200" dirty="0">
+                          <a:solidFill>
+                            <a:schemeClr val="tx1"/>
+                          </a:solidFill>
+                          <a:effectLst/>
+                          <a:latin typeface="+mn-lt"/>
+                          <a:ea typeface="+mn-ea"/>
+                          <a:cs typeface="+mn-cs"/>
+                        </a:rPr>
+                        <a:t>프린트시스템으로 넘어간다</a:t>
+                      </a:r>
+                      <a:r>
+                        <a:rPr lang="en-US" altLang="ko-KR" sz="1800" kern="1200" dirty="0">
+                          <a:solidFill>
+                            <a:schemeClr val="tx1"/>
+                          </a:solidFill>
+                          <a:effectLst/>
+                          <a:latin typeface="+mn-lt"/>
+                          <a:ea typeface="+mn-ea"/>
+                          <a:cs typeface="+mn-cs"/>
+                        </a:rPr>
+                        <a:t>. (</a:t>
+                      </a:r>
+                      <a:r>
+                        <a:rPr lang="ko-KR" altLang="en-US" sz="1800" kern="1200" dirty="0">
+                          <a:solidFill>
+                            <a:schemeClr val="tx1"/>
+                          </a:solidFill>
+                          <a:effectLst/>
+                          <a:latin typeface="+mn-lt"/>
+                          <a:ea typeface="+mn-ea"/>
+                          <a:cs typeface="+mn-cs"/>
+                        </a:rPr>
+                        <a:t>시스템</a:t>
+                      </a:r>
+                      <a:r>
+                        <a:rPr lang="en-US" altLang="ko-KR" sz="1800" kern="1200" dirty="0">
+                          <a:solidFill>
+                            <a:schemeClr val="tx1"/>
+                          </a:solidFill>
+                          <a:effectLst/>
+                          <a:latin typeface="+mn-lt"/>
+                          <a:ea typeface="+mn-ea"/>
+                          <a:cs typeface="+mn-cs"/>
+                        </a:rPr>
+                        <a:t>) </a:t>
+                      </a:r>
+                      <a:endParaRPr lang="ko-KR" altLang="en-US" sz="1800" kern="1200" dirty="0">
+                        <a:solidFill>
+                          <a:schemeClr val="tx1"/>
+                        </a:solidFill>
+                        <a:effectLst/>
+                        <a:latin typeface="+mn-lt"/>
+                        <a:ea typeface="+mn-ea"/>
+                        <a:cs typeface="+mn-cs"/>
+                      </a:endParaRPr>
+                    </a:p>
+                    <a:p>
+                      <a:pPr fontAlgn="base" latinLnBrk="1"/>
+                      <a:r>
+                        <a:rPr lang="en-US" altLang="ko-KR" sz="1800" kern="1200" dirty="0">
+                          <a:solidFill>
+                            <a:schemeClr val="tx1"/>
+                          </a:solidFill>
+                          <a:effectLst/>
+                          <a:latin typeface="+mn-lt"/>
+                          <a:ea typeface="+mn-ea"/>
+                          <a:cs typeface="+mn-cs"/>
+                        </a:rPr>
+                        <a:t>5.</a:t>
+                      </a:r>
+                      <a:r>
+                        <a:rPr lang="en-US" altLang="ko-KR" sz="1800" kern="1200" baseline="0" dirty="0">
+                          <a:solidFill>
+                            <a:schemeClr val="tx1"/>
+                          </a:solidFill>
+                          <a:effectLst/>
+                          <a:latin typeface="+mn-lt"/>
+                          <a:ea typeface="+mn-ea"/>
+                          <a:cs typeface="+mn-cs"/>
+                        </a:rPr>
+                        <a:t> </a:t>
+                      </a:r>
+                      <a:r>
+                        <a:rPr lang="en-US" altLang="ko-KR" sz="1800" kern="1200" dirty="0">
+                          <a:solidFill>
+                            <a:schemeClr val="tx1"/>
+                          </a:solidFill>
+                          <a:effectLst/>
+                          <a:latin typeface="+mn-lt"/>
+                          <a:ea typeface="+mn-ea"/>
+                          <a:cs typeface="+mn-cs"/>
+                        </a:rPr>
+                        <a:t> </a:t>
+                      </a:r>
+                      <a:r>
+                        <a:rPr lang="ko-KR" altLang="en-US" sz="1800" kern="1200" dirty="0">
+                          <a:solidFill>
+                            <a:schemeClr val="tx1"/>
+                          </a:solidFill>
+                          <a:effectLst/>
+                          <a:latin typeface="+mn-lt"/>
+                          <a:ea typeface="+mn-ea"/>
+                          <a:cs typeface="+mn-cs"/>
+                        </a:rPr>
+                        <a:t>인쇄 설정 </a:t>
+                      </a:r>
+                      <a:r>
+                        <a:rPr lang="en-US" altLang="ko-KR" sz="1800" kern="1200" dirty="0">
+                          <a:solidFill>
+                            <a:schemeClr val="tx1"/>
+                          </a:solidFill>
+                          <a:effectLst/>
+                          <a:latin typeface="+mn-lt"/>
+                          <a:ea typeface="+mn-ea"/>
+                          <a:cs typeface="+mn-cs"/>
+                        </a:rPr>
+                        <a:t>(</a:t>
+                      </a:r>
+                      <a:r>
+                        <a:rPr lang="ko-KR" altLang="en-US" sz="1800" kern="1200" dirty="0" err="1">
+                          <a:solidFill>
+                            <a:schemeClr val="tx1"/>
+                          </a:solidFill>
+                          <a:effectLst/>
+                          <a:latin typeface="+mn-lt"/>
+                          <a:ea typeface="+mn-ea"/>
+                          <a:cs typeface="+mn-cs"/>
+                        </a:rPr>
+                        <a:t>액터</a:t>
+                      </a:r>
+                      <a:r>
+                        <a:rPr lang="en-US" altLang="ko-KR" sz="1800" kern="1200" dirty="0">
+                          <a:solidFill>
+                            <a:schemeClr val="tx1"/>
+                          </a:solidFill>
+                          <a:effectLst/>
+                          <a:latin typeface="+mn-lt"/>
+                          <a:ea typeface="+mn-ea"/>
+                          <a:cs typeface="+mn-cs"/>
+                        </a:rPr>
+                        <a:t>)</a:t>
+                      </a:r>
+                      <a:endParaRPr lang="ko-KR" altLang="en-US" sz="1800" kern="1200" dirty="0">
+                        <a:solidFill>
+                          <a:schemeClr val="tx1"/>
+                        </a:solidFill>
+                        <a:effectLst/>
+                        <a:latin typeface="+mn-lt"/>
+                        <a:ea typeface="+mn-ea"/>
+                        <a:cs typeface="+mn-cs"/>
+                      </a:endParaRPr>
+                    </a:p>
+                  </a:txBody>
+                  <a:tcPr/>
+                </a:tc>
+                <a:extLst>
+                  <a:ext uri="{0D108BD9-81ED-4DB2-BD59-A6C34878D82A}">
+                    <a16:rowId xmlns:a16="http://schemas.microsoft.com/office/drawing/2014/main" val="10003"/>
+                  </a:ext>
+                </a:extLst>
+              </a:tr>
+              <a:tr h="1451322">
+                <a:tc>
+                  <a:txBody>
+                    <a:bodyPr/>
+                    <a:lstStyle/>
+                    <a:p>
+                      <a:pPr algn="ctr" latinLnBrk="1"/>
+                      <a:r>
+                        <a:rPr lang="ko-KR" altLang="en-US" b="1" dirty="0">
+                          <a:solidFill>
+                            <a:schemeClr val="tx1">
+                              <a:lumMod val="85000"/>
+                              <a:lumOff val="15000"/>
+                            </a:schemeClr>
+                          </a:solidFill>
+                          <a:latin typeface="HY헤드라인M" pitchFamily="18" charset="-127"/>
+                          <a:ea typeface="HY헤드라인M" pitchFamily="18" charset="-127"/>
+                        </a:rPr>
+                        <a:t>선택흐름</a:t>
+                      </a:r>
+                    </a:p>
+                  </a:txBody>
+                  <a:tcPr/>
+                </a:tc>
+                <a:tc>
+                  <a:txBody>
+                    <a:bodyPr/>
+                    <a:lstStyle/>
+                    <a:p>
+                      <a:pPr fontAlgn="base" latinLnBrk="1"/>
+                      <a:r>
+                        <a:rPr lang="ko-KR" altLang="en-US" sz="1800" kern="1200" dirty="0">
+                          <a:solidFill>
+                            <a:schemeClr val="tx1"/>
+                          </a:solidFill>
+                          <a:effectLst/>
+                          <a:latin typeface="+mn-lt"/>
+                          <a:ea typeface="+mn-ea"/>
+                          <a:cs typeface="+mn-cs"/>
+                        </a:rPr>
+                        <a:t>프린트 시스템 오류 발생시 “프린트 오류 발생” 메시지 출력</a:t>
+                      </a:r>
+                    </a:p>
+                  </a:txBody>
+                  <a:tcPr/>
+                </a:tc>
+                <a:extLst>
+                  <a:ext uri="{0D108BD9-81ED-4DB2-BD59-A6C34878D82A}">
+                    <a16:rowId xmlns:a16="http://schemas.microsoft.com/office/drawing/2014/main" val="994516010"/>
+                  </a:ext>
+                </a:extLst>
+              </a:tr>
+            </a:tbl>
+          </a:graphicData>
+        </a:graphic>
+      </p:graphicFrame>
+      <p:sp>
+        <p:nvSpPr>
+          <p:cNvPr id="11" name="TextBox 10"/>
+          <p:cNvSpPr txBox="1"/>
+          <p:nvPr/>
+        </p:nvSpPr>
+        <p:spPr>
+          <a:xfrm>
+            <a:off x="2752863" y="792222"/>
+            <a:ext cx="5315879" cy="369332"/>
+          </a:xfrm>
+          <a:prstGeom prst="rect">
+            <a:avLst/>
+          </a:prstGeom>
+        </p:spPr>
+        <p:txBody>
+          <a:bodyPr wrap="none">
+            <a:spAutoFit/>
+          </a:bodyPr>
+          <a:lstStyle>
+            <a:defPPr>
+              <a:defRPr lang="ko-KR"/>
+            </a:defPPr>
+            <a:lvl1pPr>
+              <a:spcBef>
+                <a:spcPts val="1000"/>
+              </a:spcBef>
+              <a:defRPr sz="2000">
+                <a:ln>
+                  <a:solidFill>
+                    <a:schemeClr val="accent1">
+                      <a:alpha val="0"/>
+                    </a:schemeClr>
+                  </a:solidFill>
+                </a:ln>
+                <a:solidFill>
+                  <a:schemeClr val="bg1"/>
+                </a:solidFill>
+                <a:latin typeface="Noto Sans CJK KR Medium" panose="020B0600000000000000" pitchFamily="34" charset="-127"/>
+                <a:ea typeface="Noto Sans CJK KR Medium" panose="020B0600000000000000" pitchFamily="34" charset="-127"/>
+              </a:defRPr>
+            </a:lvl1pPr>
+          </a:lstStyle>
+          <a:p>
+            <a:r>
+              <a:rPr lang="ko-KR" altLang="en-US" sz="1800" dirty="0">
+                <a:solidFill>
+                  <a:schemeClr val="bg1">
+                    <a:lumMod val="75000"/>
+                  </a:schemeClr>
+                </a:solidFill>
+              </a:rPr>
+              <a:t>기존의 </a:t>
+            </a:r>
+            <a:r>
+              <a:rPr lang="ko-KR" altLang="en-US" sz="1800" dirty="0" err="1">
+                <a:solidFill>
+                  <a:schemeClr val="bg1">
+                    <a:lumMod val="75000"/>
+                  </a:schemeClr>
+                </a:solidFill>
+              </a:rPr>
+              <a:t>책으로된</a:t>
+            </a:r>
+            <a:r>
+              <a:rPr lang="ko-KR" altLang="en-US" sz="1800" dirty="0">
+                <a:solidFill>
+                  <a:schemeClr val="bg1">
+                    <a:lumMod val="75000"/>
+                  </a:schemeClr>
+                </a:solidFill>
+              </a:rPr>
+              <a:t> </a:t>
+            </a:r>
+            <a:r>
+              <a:rPr lang="en-US" altLang="ko-KR" sz="1800" dirty="0">
+                <a:solidFill>
+                  <a:schemeClr val="bg1">
+                    <a:lumMod val="75000"/>
+                  </a:schemeClr>
+                </a:solidFill>
+              </a:rPr>
+              <a:t>“</a:t>
+            </a:r>
+            <a:r>
+              <a:rPr lang="ko-KR" altLang="en-US" sz="1800" dirty="0" err="1">
+                <a:solidFill>
+                  <a:schemeClr val="bg1">
+                    <a:lumMod val="75000"/>
+                  </a:schemeClr>
+                </a:solidFill>
+              </a:rPr>
+              <a:t>레주메북</a:t>
+            </a:r>
+            <a:r>
+              <a:rPr lang="en-US" altLang="ko-KR" sz="1800" dirty="0">
+                <a:solidFill>
+                  <a:schemeClr val="bg1">
+                    <a:lumMod val="75000"/>
+                  </a:schemeClr>
+                </a:solidFill>
+              </a:rPr>
+              <a:t>”</a:t>
+            </a:r>
+            <a:r>
+              <a:rPr lang="ko-KR" altLang="en-US" sz="1800" dirty="0">
+                <a:solidFill>
+                  <a:schemeClr val="bg1">
+                    <a:lumMod val="75000"/>
+                  </a:schemeClr>
+                </a:solidFill>
+              </a:rPr>
+              <a:t>의 불편함을 없앤</a:t>
+            </a:r>
+          </a:p>
+        </p:txBody>
+      </p:sp>
+    </p:spTree>
+    <p:extLst>
+      <p:ext uri="{BB962C8B-B14F-4D97-AF65-F5344CB8AC3E}">
+        <p14:creationId xmlns:p14="http://schemas.microsoft.com/office/powerpoint/2010/main" val="1307446906"/>
+      </p:ext>
+    </p:extLst>
+  </p:cSld>
+  <p:clrMapOvr>
+    <a:masterClrMapping/>
+  </p:clrMapOvr>
+  <p:timing>
+    <p:tnLst>
+      <p:par>
+        <p:cTn id="1" dur="indefinite" restart="never" nodeType="tmRoot">
+          <p:childTnLst>
+            <p:seq concurrent="1" nextAc="seek">
+              <p:cTn id="2" dur="indefinite" nodeType="mainSeq">
+                <p:childTnLst>
+                  <p:par>
+                    <p:cTn id="3" fill="hold">
+                      <p:stCondLst>
+                        <p:cond delay="indefinite"/>
+                        <p:cond evt="onBegin" delay="0">
+                          <p:tn val="2"/>
+                        </p:cond>
+                      </p:stCondLst>
+                      <p:childTnLst>
+                        <p:par>
+                          <p:cTn id="4" fill="hold">
+                            <p:stCondLst>
+                              <p:cond delay="0"/>
+                            </p:stCondLst>
+                            <p:childTnLst>
+                              <p:par>
+                                <p:cTn id="5" presetID="2" presetClass="entr" presetSubtype="4" fill="hold" nodeType="afterEffect">
+                                  <p:stCondLst>
+                                    <p:cond delay="0"/>
+                                  </p:stCondLst>
+                                  <p:childTnLst>
+                                    <p:set>
+                                      <p:cBhvr>
+                                        <p:cTn id="6" dur="1" fill="hold">
+                                          <p:stCondLst>
+                                            <p:cond delay="0"/>
+                                          </p:stCondLst>
+                                        </p:cTn>
+                                        <p:tgtEl>
+                                          <p:spTgt spid="12"/>
+                                        </p:tgtEl>
+                                        <p:attrNameLst>
+                                          <p:attrName>style.visibility</p:attrName>
+                                        </p:attrNameLst>
+                                      </p:cBhvr>
+                                      <p:to>
+                                        <p:strVal val="visible"/>
+                                      </p:to>
+                                    </p:set>
+                                    <p:anim calcmode="lin" valueType="num">
+                                      <p:cBhvr additive="base">
+                                        <p:cTn id="7" dur="500" fill="hold"/>
+                                        <p:tgtEl>
+                                          <p:spTgt spid="12"/>
+                                        </p:tgtEl>
+                                        <p:attrNameLst>
+                                          <p:attrName>ppt_x</p:attrName>
+                                        </p:attrNameLst>
+                                      </p:cBhvr>
+                                      <p:tavLst>
+                                        <p:tav tm="0">
+                                          <p:val>
+                                            <p:strVal val="#ppt_x"/>
+                                          </p:val>
+                                        </p:tav>
+                                        <p:tav tm="100000">
+                                          <p:val>
+                                            <p:strVal val="#ppt_x"/>
+                                          </p:val>
+                                        </p:tav>
+                                      </p:tavLst>
+                                    </p:anim>
+                                    <p:anim calcmode="lin" valueType="num">
+                                      <p:cBhvr additive="base">
+                                        <p:cTn id="8" dur="500" fill="hold"/>
+                                        <p:tgtEl>
+                                          <p:spTgt spid="12"/>
+                                        </p:tgtEl>
+                                        <p:attrNameLst>
+                                          <p:attrName>ppt_y</p:attrName>
+                                        </p:attrNameLst>
+                                      </p:cBhvr>
+                                      <p:tavLst>
+                                        <p:tav tm="0">
+                                          <p:val>
+                                            <p:strVal val="1+#ppt_h/2"/>
+                                          </p:val>
+                                        </p:tav>
+                                        <p:tav tm="100000">
+                                          <p:val>
+                                            <p:strVal val="#ppt_y"/>
+                                          </p:val>
+                                        </p:tav>
+                                      </p:tavLst>
+                                    </p:anim>
+                                  </p:childTnLst>
+                                </p:cTn>
+                              </p:par>
+                            </p:childTnLst>
+                          </p:cTn>
+                        </p:par>
+                      </p:childTnLst>
+                    </p:cTn>
+                  </p:par>
+                </p:childTnLst>
+              </p:cTn>
+              <p:prevCondLst>
+                <p:cond evt="onPrev" delay="0">
+                  <p:tgtEl>
+                    <p:sldTgt/>
+                  </p:tgtEl>
+                </p:cond>
+              </p:prevCondLst>
+              <p:nextCondLst>
+                <p:cond evt="onNext" delay="0">
+                  <p:tgtEl>
+                    <p:sldTgt/>
+                  </p:tgtEl>
+                </p:cond>
+              </p:nextCondLst>
+            </p:seq>
+          </p:childTnLst>
+        </p:cTn>
+      </p:par>
+    </p:tnLst>
+  </p:timing>
+</p:sld>
+</file>
+
+<file path=ppt/slides/slide21.xml><?xml version="1.0" encoding="utf-8"?>
+<p:sld xmlns:a="http://schemas.openxmlformats.org/drawingml/2006/main" xmlns:r="http://schemas.openxmlformats.org/officeDocument/2006/relationships" xmlns:p="http://schemas.openxmlformats.org/presentationml/2006/main">
+  <p:cSld>
+    <p:spTree>
+      <p:nvGrpSpPr>
+        <p:cNvPr id="1" name=""/>
+        <p:cNvGrpSpPr/>
+        <p:nvPr/>
+      </p:nvGrpSpPr>
+      <p:grpSpPr>
+        <a:xfrm>
+          <a:off x="0" y="0"/>
+          <a:ext cx="0" cy="0"/>
+          <a:chOff x="0" y="0"/>
+          <a:chExt cx="0" cy="0"/>
+        </a:xfrm>
+      </p:grpSpPr>
+      <p:sp>
+        <p:nvSpPr>
+          <p:cNvPr id="2" name="제목 1" hidden="1"/>
+          <p:cNvSpPr>
+            <a:spLocks noGrp="1"/>
+          </p:cNvSpPr>
+          <p:nvPr>
+            <p:ph type="title"/>
+          </p:nvPr>
+        </p:nvSpPr>
+        <p:spPr/>
+        <p:txBody>
+          <a:bodyPr/>
+          <a:lstStyle/>
+          <a:p>
+            <a:endParaRPr lang="ko-KR" altLang="en-US"/>
+          </a:p>
+        </p:txBody>
+      </p:sp>
+      <p:cxnSp>
+        <p:nvCxnSpPr>
+          <p:cNvPr id="6" name="직선 연결선 5"/>
+          <p:cNvCxnSpPr/>
+          <p:nvPr/>
+        </p:nvCxnSpPr>
+        <p:spPr>
+          <a:xfrm>
+            <a:off x="463854" y="555894"/>
+            <a:ext cx="560439" cy="0"/>
+          </a:xfrm>
+          <a:prstGeom prst="line">
+            <a:avLst/>
+          </a:prstGeom>
+          <a:ln>
+            <a:solidFill>
+              <a:schemeClr val="bg1"/>
+            </a:solidFill>
+          </a:ln>
+        </p:spPr>
+        <p:style>
+          <a:lnRef idx="1">
+            <a:schemeClr val="accent1"/>
+          </a:lnRef>
+          <a:fillRef idx="0">
+            <a:schemeClr val="accent1"/>
+          </a:fillRef>
+          <a:effectRef idx="0">
+            <a:schemeClr val="accent1"/>
+          </a:effectRef>
+          <a:fontRef idx="minor">
+            <a:schemeClr val="tx1"/>
+          </a:fontRef>
+        </p:style>
+      </p:cxnSp>
+      <p:cxnSp>
+        <p:nvCxnSpPr>
+          <p:cNvPr id="7" name="직선 연결선 6"/>
+          <p:cNvCxnSpPr/>
+          <p:nvPr/>
+        </p:nvCxnSpPr>
+        <p:spPr>
+          <a:xfrm>
+            <a:off x="486696" y="2257425"/>
+            <a:ext cx="560439" cy="0"/>
+          </a:xfrm>
+          <a:prstGeom prst="line">
+            <a:avLst/>
+          </a:prstGeom>
+          <a:ln>
+            <a:solidFill>
+              <a:schemeClr val="bg1"/>
+            </a:solidFill>
+          </a:ln>
+        </p:spPr>
+        <p:style>
+          <a:lnRef idx="1">
+            <a:schemeClr val="accent1"/>
+          </a:lnRef>
+          <a:fillRef idx="0">
+            <a:schemeClr val="accent1"/>
+          </a:fillRef>
+          <a:effectRef idx="0">
+            <a:schemeClr val="accent1"/>
+          </a:effectRef>
+          <a:fontRef idx="minor">
+            <a:schemeClr val="tx1"/>
+          </a:fontRef>
+        </p:style>
+      </p:cxnSp>
+      <p:sp>
+        <p:nvSpPr>
+          <p:cNvPr id="8" name="TextBox 7"/>
+          <p:cNvSpPr txBox="1"/>
+          <p:nvPr/>
+        </p:nvSpPr>
+        <p:spPr>
+          <a:xfrm>
+            <a:off x="353419" y="796300"/>
+            <a:ext cx="1557774" cy="1461125"/>
+          </a:xfrm>
+          <a:prstGeom prst="rect">
+            <a:avLst/>
+          </a:prstGeom>
+        </p:spPr>
+        <p:txBody>
+          <a:bodyPr vert="horz" lIns="91440" tIns="45720" rIns="91440" bIns="45720" rtlCol="0">
+            <a:noAutofit/>
+          </a:bodyPr>
+          <a:lstStyle>
+            <a:defPPr>
+              <a:defRPr lang="ko-KR"/>
+            </a:defPPr>
+            <a:lvl1pPr indent="0">
+              <a:lnSpc>
+                <a:spcPct val="100000"/>
+              </a:lnSpc>
+              <a:spcBef>
+                <a:spcPts val="1000"/>
+              </a:spcBef>
+              <a:buFont typeface="Arial" panose="020B0604020202020204" pitchFamily="34" charset="0"/>
+              <a:buNone/>
+              <a:defRPr sz="1100">
+                <a:ln>
+                  <a:solidFill>
+                    <a:schemeClr val="accent1">
+                      <a:alpha val="0"/>
+                    </a:schemeClr>
+                  </a:solidFill>
+                </a:ln>
+                <a:solidFill>
+                  <a:schemeClr val="bg1"/>
+                </a:solidFill>
+                <a:latin typeface="-윤고딕330" panose="02030504000101010101" pitchFamily="18" charset="-127"/>
+                <a:ea typeface="-윤고딕330" panose="02030504000101010101" pitchFamily="18" charset="-127"/>
+              </a:defRPr>
+            </a:lvl1pPr>
+            <a:lvl2pPr marL="685800" indent="-228600">
+              <a:lnSpc>
+                <a:spcPct val="90000"/>
+              </a:lnSpc>
+              <a:spcBef>
+                <a:spcPts val="500"/>
+              </a:spcBef>
+              <a:buFont typeface="Arial" panose="020B0604020202020204" pitchFamily="34" charset="0"/>
+              <a:buChar char="•"/>
+              <a:defRPr sz="2400"/>
+            </a:lvl2pPr>
+            <a:lvl3pPr marL="1143000" indent="-228600">
+              <a:lnSpc>
+                <a:spcPct val="90000"/>
+              </a:lnSpc>
+              <a:spcBef>
+                <a:spcPts val="500"/>
+              </a:spcBef>
+              <a:buFont typeface="Arial" panose="020B0604020202020204" pitchFamily="34" charset="0"/>
+              <a:buChar char="•"/>
+              <a:defRPr sz="2000"/>
+            </a:lvl3pPr>
+            <a:lvl4pPr marL="1600200" indent="-228600">
+              <a:lnSpc>
+                <a:spcPct val="90000"/>
+              </a:lnSpc>
+              <a:spcBef>
+                <a:spcPts val="500"/>
+              </a:spcBef>
+              <a:buFont typeface="Arial" panose="020B0604020202020204" pitchFamily="34" charset="0"/>
+              <a:buChar char="•"/>
+            </a:lvl4pPr>
+            <a:lvl5pPr marL="2057400" indent="-228600">
+              <a:lnSpc>
+                <a:spcPct val="90000"/>
+              </a:lnSpc>
+              <a:spcBef>
+                <a:spcPts val="500"/>
+              </a:spcBef>
+              <a:buFont typeface="Arial" panose="020B0604020202020204" pitchFamily="34" charset="0"/>
+              <a:buChar char="•"/>
+            </a:lvl5pPr>
+            <a:lvl6pPr marL="2514600" indent="-228600">
+              <a:lnSpc>
+                <a:spcPct val="90000"/>
+              </a:lnSpc>
+              <a:spcBef>
+                <a:spcPts val="500"/>
+              </a:spcBef>
+              <a:buFont typeface="Arial" panose="020B0604020202020204" pitchFamily="34" charset="0"/>
+              <a:buChar char="•"/>
+            </a:lvl6pPr>
+            <a:lvl7pPr marL="2971800" indent="-228600">
+              <a:lnSpc>
+                <a:spcPct val="90000"/>
+              </a:lnSpc>
+              <a:spcBef>
+                <a:spcPts val="500"/>
+              </a:spcBef>
+              <a:buFont typeface="Arial" panose="020B0604020202020204" pitchFamily="34" charset="0"/>
+              <a:buChar char="•"/>
+            </a:lvl7pPr>
+            <a:lvl8pPr marL="3429000" indent="-228600">
+              <a:lnSpc>
+                <a:spcPct val="90000"/>
+              </a:lnSpc>
+              <a:spcBef>
+                <a:spcPts val="500"/>
+              </a:spcBef>
+              <a:buFont typeface="Arial" panose="020B0604020202020204" pitchFamily="34" charset="0"/>
+              <a:buChar char="•"/>
+            </a:lvl8pPr>
+            <a:lvl9pPr marL="3886200" indent="-228600">
+              <a:lnSpc>
+                <a:spcPct val="90000"/>
+              </a:lnSpc>
+              <a:spcBef>
+                <a:spcPts val="500"/>
+              </a:spcBef>
+              <a:buFont typeface="Arial" panose="020B0604020202020204" pitchFamily="34" charset="0"/>
+              <a:buChar char="•"/>
+            </a:lvl9pPr>
+          </a:lstStyle>
+          <a:p>
+            <a:r>
+              <a:rPr lang="en-US" altLang="ko-KR" sz="2400" dirty="0">
+                <a:latin typeface="Noto Sans CJK KR Medium" panose="020B0600000000000000" pitchFamily="34" charset="-127"/>
+                <a:ea typeface="Noto Sans CJK KR Medium" panose="020B0600000000000000" pitchFamily="34" charset="-127"/>
+              </a:rPr>
+              <a:t>04</a:t>
+            </a:r>
+          </a:p>
+          <a:p>
+            <a:r>
+              <a:rPr lang="ko-KR" altLang="en-US" sz="2400" dirty="0">
+                <a:latin typeface="Noto Sans CJK KR Medium" panose="020B0600000000000000" pitchFamily="34" charset="-127"/>
+                <a:ea typeface="Noto Sans CJK KR Medium" panose="020B0600000000000000" pitchFamily="34" charset="-127"/>
+              </a:rPr>
+              <a:t>요구분석</a:t>
+            </a:r>
+          </a:p>
+        </p:txBody>
+      </p:sp>
+      <p:sp>
+        <p:nvSpPr>
+          <p:cNvPr id="28" name="TextBox 27"/>
+          <p:cNvSpPr txBox="1"/>
+          <p:nvPr/>
+        </p:nvSpPr>
+        <p:spPr>
+          <a:xfrm>
+            <a:off x="239309" y="3707886"/>
+            <a:ext cx="1785991" cy="3087656"/>
+          </a:xfrm>
+          <a:prstGeom prst="rect">
+            <a:avLst/>
+          </a:prstGeom>
+        </p:spPr>
+        <p:txBody>
+          <a:bodyPr vert="horz" lIns="91440" tIns="45720" rIns="91440" bIns="45720" rtlCol="0">
+            <a:noAutofit/>
+          </a:bodyPr>
+          <a:lstStyle>
+            <a:defPPr>
+              <a:defRPr lang="ko-KR"/>
+            </a:defPPr>
+            <a:lvl1pPr marL="228600" indent="-228600">
+              <a:lnSpc>
+                <a:spcPct val="170000"/>
+              </a:lnSpc>
+              <a:spcBef>
+                <a:spcPts val="1000"/>
+              </a:spcBef>
+              <a:buFont typeface="Arial" panose="020B0604020202020204" pitchFamily="34" charset="0"/>
+              <a:buChar char="•"/>
+              <a:defRPr>
+                <a:ln>
+                  <a:solidFill>
+                    <a:schemeClr val="accent1">
+                      <a:alpha val="0"/>
+                    </a:schemeClr>
+                  </a:solidFill>
+                </a:ln>
+                <a:solidFill>
+                  <a:schemeClr val="bg1">
+                    <a:lumMod val="50000"/>
+                  </a:schemeClr>
+                </a:solidFill>
+                <a:latin typeface="-윤고딕330" panose="02030504000101010101" pitchFamily="18" charset="-127"/>
+                <a:ea typeface="-윤고딕330" panose="02030504000101010101" pitchFamily="18" charset="-127"/>
+              </a:defRPr>
+            </a:lvl1pPr>
+            <a:lvl2pPr marL="685800" indent="-228600">
+              <a:lnSpc>
+                <a:spcPct val="90000"/>
+              </a:lnSpc>
+              <a:spcBef>
+                <a:spcPts val="500"/>
+              </a:spcBef>
+              <a:buFont typeface="Arial" panose="020B0604020202020204" pitchFamily="34" charset="0"/>
+              <a:buChar char="•"/>
+              <a:defRPr sz="2400"/>
+            </a:lvl2pPr>
+            <a:lvl3pPr marL="1143000" indent="-228600">
+              <a:lnSpc>
+                <a:spcPct val="90000"/>
+              </a:lnSpc>
+              <a:spcBef>
+                <a:spcPts val="500"/>
+              </a:spcBef>
+              <a:buFont typeface="Arial" panose="020B0604020202020204" pitchFamily="34" charset="0"/>
+              <a:buChar char="•"/>
+              <a:defRPr sz="2000"/>
+            </a:lvl3pPr>
+            <a:lvl4pPr marL="1600200" indent="-228600">
+              <a:lnSpc>
+                <a:spcPct val="90000"/>
+              </a:lnSpc>
+              <a:spcBef>
+                <a:spcPts val="500"/>
+              </a:spcBef>
+              <a:buFont typeface="Arial" panose="020B0604020202020204" pitchFamily="34" charset="0"/>
+              <a:buChar char="•"/>
+            </a:lvl4pPr>
+            <a:lvl5pPr marL="2057400" indent="-228600">
+              <a:lnSpc>
+                <a:spcPct val="90000"/>
+              </a:lnSpc>
+              <a:spcBef>
+                <a:spcPts val="500"/>
+              </a:spcBef>
+              <a:buFont typeface="Arial" panose="020B0604020202020204" pitchFamily="34" charset="0"/>
+              <a:buChar char="•"/>
+            </a:lvl5pPr>
+            <a:lvl6pPr marL="2514600" indent="-228600">
+              <a:lnSpc>
+                <a:spcPct val="90000"/>
+              </a:lnSpc>
+              <a:spcBef>
+                <a:spcPts val="500"/>
+              </a:spcBef>
+              <a:buFont typeface="Arial" panose="020B0604020202020204" pitchFamily="34" charset="0"/>
+              <a:buChar char="•"/>
+            </a:lvl6pPr>
+            <a:lvl7pPr marL="2971800" indent="-228600">
+              <a:lnSpc>
+                <a:spcPct val="90000"/>
+              </a:lnSpc>
+              <a:spcBef>
+                <a:spcPts val="500"/>
+              </a:spcBef>
+              <a:buFont typeface="Arial" panose="020B0604020202020204" pitchFamily="34" charset="0"/>
+              <a:buChar char="•"/>
+            </a:lvl7pPr>
+            <a:lvl8pPr marL="3429000" indent="-228600">
+              <a:lnSpc>
+                <a:spcPct val="90000"/>
+              </a:lnSpc>
+              <a:spcBef>
+                <a:spcPts val="500"/>
+              </a:spcBef>
+              <a:buFont typeface="Arial" panose="020B0604020202020204" pitchFamily="34" charset="0"/>
+              <a:buChar char="•"/>
+            </a:lvl8pPr>
+            <a:lvl9pPr marL="3886200" indent="-228600">
+              <a:lnSpc>
+                <a:spcPct val="90000"/>
+              </a:lnSpc>
+              <a:spcBef>
+                <a:spcPts val="500"/>
+              </a:spcBef>
+              <a:buFont typeface="Arial" panose="020B0604020202020204" pitchFamily="34" charset="0"/>
+              <a:buChar char="•"/>
+            </a:lvl9pPr>
+          </a:lstStyle>
+          <a:p>
+            <a:pPr marL="0" indent="0">
+              <a:lnSpc>
+                <a:spcPct val="100000"/>
+              </a:lnSpc>
+              <a:buNone/>
+            </a:pPr>
+            <a:r>
+              <a:rPr lang="en-US" altLang="ko-KR" sz="1100" b="1" dirty="0">
+                <a:solidFill>
+                  <a:schemeClr val="bg2">
+                    <a:lumMod val="75000"/>
+                  </a:schemeClr>
+                </a:solidFill>
+                <a:latin typeface="Noto Sans CJK KR Medium" panose="020B0600000000000000" pitchFamily="34" charset="-127"/>
+                <a:ea typeface="Noto Sans CJK KR Medium" panose="020B0600000000000000" pitchFamily="34" charset="-127"/>
+              </a:rPr>
+              <a:t>01 </a:t>
+            </a:r>
+            <a:r>
+              <a:rPr lang="ko-KR" altLang="en-US" sz="1100" b="1" dirty="0">
+                <a:solidFill>
+                  <a:schemeClr val="bg2">
+                    <a:lumMod val="75000"/>
+                  </a:schemeClr>
+                </a:solidFill>
+                <a:latin typeface="Noto Sans CJK KR Medium" panose="020B0600000000000000" pitchFamily="34" charset="-127"/>
+                <a:ea typeface="Noto Sans CJK KR Medium" panose="020B0600000000000000" pitchFamily="34" charset="-127"/>
+              </a:rPr>
+              <a:t>요구사항 도출</a:t>
+            </a:r>
+            <a:endParaRPr lang="en-US" altLang="ko-KR" sz="1100" b="1" dirty="0">
+              <a:solidFill>
+                <a:schemeClr val="bg2">
+                  <a:lumMod val="75000"/>
+                </a:schemeClr>
+              </a:solidFill>
+              <a:latin typeface="Noto Sans CJK KR Medium" panose="020B0600000000000000" pitchFamily="34" charset="-127"/>
+              <a:ea typeface="Noto Sans CJK KR Medium" panose="020B0600000000000000" pitchFamily="34" charset="-127"/>
+            </a:endParaRPr>
+          </a:p>
+          <a:p>
+            <a:pPr marL="0" indent="0">
+              <a:lnSpc>
+                <a:spcPct val="100000"/>
+              </a:lnSpc>
+              <a:buNone/>
+            </a:pPr>
+            <a:r>
+              <a:rPr lang="en-US" altLang="ko-KR" sz="1100" b="1" dirty="0">
+                <a:solidFill>
+                  <a:schemeClr val="bg2">
+                    <a:lumMod val="75000"/>
+                  </a:schemeClr>
+                </a:solidFill>
+                <a:latin typeface="Noto Sans CJK KR Medium" panose="020B0600000000000000" pitchFamily="34" charset="-127"/>
+                <a:ea typeface="Noto Sans CJK KR Medium" panose="020B0600000000000000" pitchFamily="34" charset="-127"/>
+              </a:rPr>
+              <a:t>02 </a:t>
+            </a:r>
+            <a:r>
+              <a:rPr lang="ko-KR" altLang="en-US" sz="1100" b="1" dirty="0">
+                <a:solidFill>
+                  <a:schemeClr val="bg2">
+                    <a:lumMod val="75000"/>
+                  </a:schemeClr>
+                </a:solidFill>
+                <a:latin typeface="Noto Sans CJK KR Medium" panose="020B0600000000000000" pitchFamily="34" charset="-127"/>
+                <a:ea typeface="Noto Sans CJK KR Medium" panose="020B0600000000000000" pitchFamily="34" charset="-127"/>
+              </a:rPr>
+              <a:t>요구사항 분석</a:t>
+            </a:r>
+            <a:endParaRPr lang="en-US" altLang="ko-KR" sz="1100" b="1" dirty="0">
+              <a:solidFill>
+                <a:schemeClr val="bg2">
+                  <a:lumMod val="75000"/>
+                </a:schemeClr>
+              </a:solidFill>
+              <a:latin typeface="Noto Sans CJK KR Medium" panose="020B0600000000000000" pitchFamily="34" charset="-127"/>
+              <a:ea typeface="Noto Sans CJK KR Medium" panose="020B0600000000000000" pitchFamily="34" charset="-127"/>
+            </a:endParaRPr>
+          </a:p>
+          <a:p>
+            <a:pPr marL="0" indent="0">
+              <a:lnSpc>
+                <a:spcPct val="100000"/>
+              </a:lnSpc>
+              <a:buNone/>
+            </a:pPr>
+            <a:r>
+              <a:rPr lang="en-US" altLang="ko-KR" sz="1100" b="1" dirty="0">
+                <a:solidFill>
+                  <a:schemeClr val="bg1"/>
+                </a:solidFill>
+                <a:latin typeface="Noto Sans CJK KR Medium" panose="020B0600000000000000" pitchFamily="34" charset="-127"/>
+                <a:ea typeface="Noto Sans CJK KR Medium" panose="020B0600000000000000" pitchFamily="34" charset="-127"/>
+              </a:rPr>
+              <a:t>03 </a:t>
+            </a:r>
+            <a:r>
+              <a:rPr lang="ko-KR" altLang="en-US" sz="1100" b="1" dirty="0">
+                <a:solidFill>
+                  <a:schemeClr val="bg1"/>
+                </a:solidFill>
+                <a:latin typeface="Noto Sans CJK KR Medium" panose="020B0600000000000000" pitchFamily="34" charset="-127"/>
+                <a:ea typeface="Noto Sans CJK KR Medium" panose="020B0600000000000000" pitchFamily="34" charset="-127"/>
+              </a:rPr>
+              <a:t>사용사례 작성</a:t>
+            </a:r>
+            <a:endParaRPr lang="en-US" altLang="ko-KR" sz="1100" b="1" dirty="0">
+              <a:solidFill>
+                <a:schemeClr val="bg1"/>
+              </a:solidFill>
+              <a:latin typeface="Noto Sans CJK KR Medium" panose="020B0600000000000000" pitchFamily="34" charset="-127"/>
+              <a:ea typeface="Noto Sans CJK KR Medium" panose="020B0600000000000000" pitchFamily="34" charset="-127"/>
+            </a:endParaRPr>
+          </a:p>
+          <a:p>
+            <a:pPr marL="0" indent="0">
+              <a:lnSpc>
+                <a:spcPct val="100000"/>
+              </a:lnSpc>
+              <a:buNone/>
+            </a:pPr>
+            <a:r>
+              <a:rPr lang="en-US" altLang="ko-KR" sz="1100" dirty="0">
+                <a:solidFill>
+                  <a:schemeClr val="bg2">
+                    <a:lumMod val="75000"/>
+                  </a:schemeClr>
+                </a:solidFill>
+                <a:latin typeface="Noto Sans CJK KR Medium" panose="020B0600000000000000" pitchFamily="34" charset="-127"/>
+                <a:ea typeface="Noto Sans CJK KR Medium" panose="020B0600000000000000" pitchFamily="34" charset="-127"/>
+              </a:rPr>
+              <a:t>04 </a:t>
+            </a:r>
+            <a:r>
+              <a:rPr lang="ko-KR" altLang="en-US" sz="1100" dirty="0">
+                <a:solidFill>
+                  <a:schemeClr val="bg2">
+                    <a:lumMod val="75000"/>
+                  </a:schemeClr>
+                </a:solidFill>
+                <a:latin typeface="Noto Sans CJK KR Medium" panose="020B0600000000000000" pitchFamily="34" charset="-127"/>
+                <a:ea typeface="Noto Sans CJK KR Medium" panose="020B0600000000000000" pitchFamily="34" charset="-127"/>
+              </a:rPr>
+              <a:t>요구사항 분석서 </a:t>
+            </a:r>
+            <a:r>
+              <a:rPr lang="en-US" altLang="ko-KR" sz="1100" dirty="0">
+                <a:solidFill>
+                  <a:schemeClr val="bg2">
+                    <a:lumMod val="75000"/>
+                  </a:schemeClr>
+                </a:solidFill>
+                <a:latin typeface="Noto Sans CJK KR Medium" panose="020B0600000000000000" pitchFamily="34" charset="-127"/>
+                <a:ea typeface="Noto Sans CJK KR Medium" panose="020B0600000000000000" pitchFamily="34" charset="-127"/>
+              </a:rPr>
+              <a:t>&amp; </a:t>
+            </a:r>
+            <a:r>
+              <a:rPr lang="ko-KR" altLang="en-US" sz="1100" dirty="0">
+                <a:solidFill>
+                  <a:schemeClr val="bg2">
+                    <a:lumMod val="75000"/>
+                  </a:schemeClr>
+                </a:solidFill>
+                <a:latin typeface="Noto Sans CJK KR Medium" panose="020B0600000000000000" pitchFamily="34" charset="-127"/>
+                <a:ea typeface="Noto Sans CJK KR Medium" panose="020B0600000000000000" pitchFamily="34" charset="-127"/>
+              </a:rPr>
+              <a:t>검증 및 확인</a:t>
+            </a:r>
+          </a:p>
+        </p:txBody>
+      </p:sp>
+      <p:sp>
+        <p:nvSpPr>
+          <p:cNvPr id="29" name="직사각형 28"/>
+          <p:cNvSpPr/>
+          <p:nvPr/>
+        </p:nvSpPr>
+        <p:spPr>
+          <a:xfrm>
+            <a:off x="9291319" y="6537278"/>
+            <a:ext cx="2900681" cy="320722"/>
+          </a:xfrm>
+          <a:prstGeom prst="rect">
+            <a:avLst/>
+          </a:prstGeom>
+          <a:solidFill>
+            <a:schemeClr val="bg1"/>
+          </a:solidFill>
+          <a:ln>
+            <a:solidFill>
+              <a:schemeClr val="bg1"/>
+            </a:solidFill>
+          </a:ln>
+        </p:spPr>
+        <p:style>
+          <a:lnRef idx="2">
+            <a:schemeClr val="accent1">
+              <a:shade val="50000"/>
+            </a:schemeClr>
+          </a:lnRef>
+          <a:fillRef idx="1">
+            <a:schemeClr val="accent1"/>
+          </a:fillRef>
+          <a:effectRef idx="0">
+            <a:schemeClr val="accent1"/>
+          </a:effectRef>
+          <a:fontRef idx="minor">
+            <a:schemeClr val="lt1"/>
+          </a:fontRef>
+        </p:style>
+        <p:txBody>
+          <a:bodyPr rtlCol="0" anchor="ctr"/>
+          <a:lstStyle/>
+          <a:p>
+            <a:pPr algn="ctr"/>
+            <a:endParaRPr lang="ko-KR" altLang="en-US"/>
+          </a:p>
+        </p:txBody>
+      </p:sp>
+      <p:sp>
+        <p:nvSpPr>
+          <p:cNvPr id="31" name="직사각형 30"/>
+          <p:cNvSpPr/>
+          <p:nvPr/>
+        </p:nvSpPr>
+        <p:spPr>
+          <a:xfrm>
+            <a:off x="2752167" y="1089843"/>
+            <a:ext cx="4115229" cy="461665"/>
+          </a:xfrm>
+          <a:prstGeom prst="rect">
+            <a:avLst/>
+          </a:prstGeom>
+        </p:spPr>
+        <p:txBody>
+          <a:bodyPr wrap="none">
+            <a:spAutoFit/>
+          </a:bodyPr>
+          <a:lstStyle/>
+          <a:p>
+            <a:pPr>
+              <a:spcBef>
+                <a:spcPts val="1000"/>
+              </a:spcBef>
+            </a:pPr>
+            <a:r>
+              <a:rPr lang="ko-KR" altLang="en-US" sz="2400" spc="-150" dirty="0">
+                <a:ln>
+                  <a:solidFill>
+                    <a:schemeClr val="accent1">
+                      <a:alpha val="0"/>
+                    </a:schemeClr>
+                  </a:solidFill>
+                </a:ln>
+                <a:solidFill>
+                  <a:srgbClr val="282421"/>
+                </a:solidFill>
+                <a:latin typeface="Noto Sans CJK KR Medium" panose="020B0600000000000000" pitchFamily="34" charset="-127"/>
+                <a:ea typeface="Noto Sans CJK KR Medium" panose="020B0600000000000000" pitchFamily="34" charset="-127"/>
+              </a:rPr>
+              <a:t>사용사례 작성 </a:t>
+            </a:r>
+            <a:r>
+              <a:rPr lang="en-US" altLang="ko-KR" sz="2400" spc="-150" dirty="0">
+                <a:ln>
+                  <a:solidFill>
+                    <a:schemeClr val="accent1">
+                      <a:alpha val="0"/>
+                    </a:schemeClr>
+                  </a:solidFill>
+                </a:ln>
+                <a:solidFill>
+                  <a:srgbClr val="282421"/>
+                </a:solidFill>
+                <a:latin typeface="Noto Sans CJK KR Medium" panose="020B0600000000000000" pitchFamily="34" charset="-127"/>
+                <a:ea typeface="Noto Sans CJK KR Medium" panose="020B0600000000000000" pitchFamily="34" charset="-127"/>
+              </a:rPr>
+              <a:t>– </a:t>
+            </a:r>
+            <a:r>
+              <a:rPr lang="ko-KR" altLang="en-US" sz="2400" spc="-150" dirty="0">
+                <a:ln>
+                  <a:solidFill>
+                    <a:schemeClr val="accent1">
+                      <a:alpha val="0"/>
+                    </a:schemeClr>
+                  </a:solidFill>
+                </a:ln>
+                <a:solidFill>
+                  <a:srgbClr val="282421"/>
+                </a:solidFill>
+                <a:latin typeface="Noto Sans CJK KR Medium" panose="020B0600000000000000" pitchFamily="34" charset="-127"/>
+                <a:ea typeface="Noto Sans CJK KR Medium" panose="020B0600000000000000" pitchFamily="34" charset="-127"/>
+              </a:rPr>
+              <a:t>시나리오 작성</a:t>
+            </a:r>
+            <a:endParaRPr lang="en-US" altLang="ko-KR" sz="2400" spc="-150" dirty="0">
+              <a:ln>
+                <a:solidFill>
+                  <a:schemeClr val="accent1">
+                    <a:alpha val="0"/>
+                  </a:schemeClr>
+                </a:solidFill>
+              </a:ln>
+              <a:solidFill>
+                <a:srgbClr val="282421"/>
+              </a:solidFill>
+              <a:latin typeface="Noto Sans CJK KR Medium" panose="020B0600000000000000" pitchFamily="34" charset="-127"/>
+              <a:ea typeface="Noto Sans CJK KR Medium" panose="020B0600000000000000" pitchFamily="34" charset="-127"/>
+            </a:endParaRPr>
+          </a:p>
+        </p:txBody>
+      </p:sp>
+      <p:graphicFrame>
+        <p:nvGraphicFramePr>
+          <p:cNvPr id="12" name="내용 개체 틀 4"/>
+          <p:cNvGraphicFramePr>
+            <a:graphicFrameLocks/>
+          </p:cNvGraphicFramePr>
+          <p:nvPr>
+            <p:extLst>
+              <p:ext uri="{D42A27DB-BD31-4B8C-83A1-F6EECF244321}">
                 <p14:modId xmlns:p14="http://schemas.microsoft.com/office/powerpoint/2010/main" val="4080272202"/>
               </p:ext>
             </p:extLst>
@@ -21987,7 +23251,7 @@
 </p:sld>
 </file>
 
-<file path=ppt/slides/slide21.xml><?xml version="1.0" encoding="utf-8"?>
+<file path=ppt/slides/slide22.xml><?xml version="1.0" encoding="utf-8"?>
 <p:sld xmlns:a="http://schemas.openxmlformats.org/drawingml/2006/main" xmlns:r="http://schemas.openxmlformats.org/officeDocument/2006/relationships" xmlns:p="http://schemas.openxmlformats.org/presentationml/2006/main">
   <p:cSld>
     <p:spTree>

--- a/Presentation/2uzuBook _1011.pptx
+++ b/Presentation/2uzuBook _1011.pptx
@@ -5,7 +5,7 @@
     <p:sldMasterId id="2147483648" r:id="rId1"/>
   </p:sldMasterIdLst>
   <p:notesMasterIdLst>
-    <p:notesMasterId r:id="rId22"/>
+    <p:notesMasterId r:id="rId19"/>
   </p:notesMasterIdLst>
   <p:sldIdLst>
     <p:sldId id="256" r:id="rId2"/>
@@ -23,11 +23,8 @@
     <p:sldId id="286" r:id="rId14"/>
     <p:sldId id="303" r:id="rId15"/>
     <p:sldId id="305" r:id="rId16"/>
-    <p:sldId id="306" r:id="rId17"/>
-    <p:sldId id="307" r:id="rId18"/>
-    <p:sldId id="309" r:id="rId19"/>
-    <p:sldId id="310" r:id="rId20"/>
-    <p:sldId id="294" r:id="rId21"/>
+    <p:sldId id="307" r:id="rId17"/>
+    <p:sldId id="294" r:id="rId18"/>
   </p:sldIdLst>
   <p:sldSz cx="12192000" cy="6858000"/>
   <p:notesSz cx="6858000" cy="9144000"/>
@@ -2584,18 +2581,6 @@
             <a:endParaRPr lang="en-US" altLang="ko-KR" dirty="0" smtClean="0"/>
           </a:p>
           <a:p>
-            <a:r>
-              <a:rPr lang="ko-KR" altLang="en-US" dirty="0" smtClean="0"/>
-              <a:t>일단 웹 프론트는 </a:t>
-            </a:r>
-            <a:r>
-              <a:rPr lang="en-US" altLang="ko-KR" dirty="0" smtClean="0"/>
-              <a:t>html</a:t>
-            </a:r>
-            <a:r>
-              <a:rPr lang="ko-KR" altLang="en-US" dirty="0" smtClean="0"/>
-              <a:t>을 사용하였고 </a:t>
-            </a:r>
             <a:endParaRPr lang="ko-KR" altLang="en-US" dirty="0"/>
           </a:p>
         </p:txBody>
@@ -10083,14 +10068,14 @@
           <p:nvPr>
             <p:extLst>
               <p:ext uri="{D42A27DB-BD31-4B8C-83A1-F6EECF244321}">
-                <p14:modId xmlns:p14="http://schemas.microsoft.com/office/powerpoint/2010/main" val="3775273345"/>
+                <p14:modId xmlns:p14="http://schemas.microsoft.com/office/powerpoint/2010/main" val="4179066906"/>
               </p:ext>
             </p:extLst>
           </p:nvPr>
         </p:nvGraphicFramePr>
         <p:xfrm>
           <a:off x="2574745" y="2107300"/>
-          <a:ext cx="9257167" cy="4285962"/>
+          <a:ext cx="9257167" cy="4274244"/>
         </p:xfrm>
         <a:graphic>
           <a:graphicData uri="http://schemas.openxmlformats.org/drawingml/2006/table">
@@ -10169,7 +10154,35 @@
                           <a:ea typeface="HY헤드라인M" pitchFamily="18" charset="-127"/>
                           <a:cs typeface="+mn-cs"/>
                         </a:rPr>
-                        <a:t> 작성 및 수정</a:t>
+                        <a:t> 작성 </a:t>
+                      </a:r>
+                      <a:r>
+                        <a:rPr lang="ko-KR" altLang="en-US" sz="1800" b="0" kern="1200" dirty="0" smtClean="0">
+                          <a:solidFill>
+                            <a:schemeClr val="tx1">
+                              <a:lumMod val="85000"/>
+                              <a:lumOff val="15000"/>
+                            </a:schemeClr>
+                          </a:solidFill>
+                          <a:latin typeface="HY헤드라인M" pitchFamily="18" charset="-127"/>
+                          <a:ea typeface="HY헤드라인M" pitchFamily="18" charset="-127"/>
+                          <a:cs typeface="+mn-cs"/>
+                        </a:rPr>
+                        <a:t>및</a:t>
+                      </a:r>
+                      <a:r>
+                        <a:rPr lang="ko-KR" altLang="en-US" sz="1800" b="0" kern="1200" baseline="0" dirty="0" smtClean="0">
+                          <a:solidFill>
+                            <a:schemeClr val="tx1">
+                              <a:lumMod val="85000"/>
+                              <a:lumOff val="15000"/>
+                            </a:schemeClr>
+                          </a:solidFill>
+                          <a:latin typeface="HY헤드라인M" pitchFamily="18" charset="-127"/>
+                          <a:ea typeface="HY헤드라인M" pitchFamily="18" charset="-127"/>
+                          <a:cs typeface="+mn-cs"/>
+                        </a:rPr>
+                        <a:t> 삭제</a:t>
                       </a:r>
                       <a:endParaRPr lang="en-US" sz="1800" b="0" kern="1200" dirty="0">
                         <a:solidFill>
@@ -10587,6 +10600,36 @@
                         <a:buAutoNum type="arabicPeriod"/>
                       </a:pPr>
                       <a:r>
+                        <a:rPr lang="ko-KR" altLang="en-US" sz="1800" kern="1200" dirty="0" err="1" smtClean="0">
+                          <a:solidFill>
+                            <a:schemeClr val="tx1">
+                              <a:lumMod val="85000"/>
+                              <a:lumOff val="15000"/>
+                            </a:schemeClr>
+                          </a:solidFill>
+                          <a:effectLst/>
+                          <a:latin typeface="배달의민족 도현" pitchFamily="50" charset="-127"/>
+                          <a:ea typeface="배달의민족 도현" pitchFamily="50" charset="-127"/>
+                          <a:cs typeface="+mn-cs"/>
+                        </a:rPr>
+                        <a:t>레주메</a:t>
+                      </a:r>
+                      <a:r>
+                        <a:rPr lang="ko-KR" altLang="en-US" sz="1800" kern="1200" dirty="0" smtClean="0">
+                          <a:solidFill>
+                            <a:schemeClr val="tx1">
+                              <a:lumMod val="85000"/>
+                              <a:lumOff val="15000"/>
+                            </a:schemeClr>
+                          </a:solidFill>
+                          <a:effectLst/>
+                          <a:latin typeface="배달의민족 도현" pitchFamily="50" charset="-127"/>
+                          <a:ea typeface="배달의민족 도현" pitchFamily="50" charset="-127"/>
+                          <a:cs typeface="+mn-cs"/>
+                        </a:rPr>
+                        <a:t> </a:t>
+                      </a:r>
+                      <a:r>
                         <a:rPr lang="ko-KR" altLang="en-US" sz="1800" kern="1200" dirty="0">
                           <a:solidFill>
                             <a:schemeClr val="tx1">
@@ -10599,10 +10642,10 @@
                           <a:ea typeface="배달의민족 도현" pitchFamily="50" charset="-127"/>
                           <a:cs typeface="+mn-cs"/>
                         </a:rPr>
-                        <a:t>수정</a:t>
-                      </a:r>
-                      <a:r>
-                        <a:rPr lang="en-US" altLang="ko-KR" sz="1800" kern="1200" dirty="0">
+                        <a:t>수정 및 </a:t>
+                      </a:r>
+                      <a:r>
+                        <a:rPr lang="ko-KR" altLang="en-US" sz="1800" kern="1200" dirty="0" smtClean="0">
                           <a:solidFill>
                             <a:schemeClr val="tx1">
                               <a:lumMod val="85000"/>
@@ -10614,106 +10657,10 @@
                           <a:ea typeface="배달의민족 도현" pitchFamily="50" charset="-127"/>
                           <a:cs typeface="+mn-cs"/>
                         </a:rPr>
-                        <a:t>/</a:t>
-                      </a:r>
-                      <a:r>
-                        <a:rPr lang="ko-KR" altLang="en-US" sz="1800" kern="1200" dirty="0">
-                          <a:solidFill>
-                            <a:schemeClr val="tx1">
-                              <a:lumMod val="85000"/>
-                              <a:lumOff val="15000"/>
-                            </a:schemeClr>
-                          </a:solidFill>
-                          <a:effectLst/>
-                          <a:latin typeface="배달의민족 도현" pitchFamily="50" charset="-127"/>
-                          <a:ea typeface="배달의민족 도현" pitchFamily="50" charset="-127"/>
-                          <a:cs typeface="+mn-cs"/>
-                        </a:rPr>
-                        <a:t>등록 중 선택</a:t>
-                      </a:r>
-                      <a:r>
-                        <a:rPr lang="en-US" altLang="ko-KR" sz="1800" kern="1200" dirty="0">
-                          <a:solidFill>
-                            <a:schemeClr val="tx1">
-                              <a:lumMod val="85000"/>
-                              <a:lumOff val="15000"/>
-                            </a:schemeClr>
-                          </a:solidFill>
-                          <a:effectLst/>
-                          <a:latin typeface="배달의민족 도현" pitchFamily="50" charset="-127"/>
-                          <a:ea typeface="배달의민족 도현" pitchFamily="50" charset="-127"/>
-                          <a:cs typeface="+mn-cs"/>
-                        </a:rPr>
-                        <a:t>(</a:t>
-                      </a:r>
-                      <a:r>
-                        <a:rPr lang="ko-KR" altLang="en-US" sz="1800" kern="1200" dirty="0" err="1">
-                          <a:solidFill>
-                            <a:schemeClr val="tx1">
-                              <a:lumMod val="85000"/>
-                              <a:lumOff val="15000"/>
-                            </a:schemeClr>
-                          </a:solidFill>
-                          <a:effectLst/>
-                          <a:latin typeface="배달의민족 도현" pitchFamily="50" charset="-127"/>
-                          <a:ea typeface="배달의민족 도현" pitchFamily="50" charset="-127"/>
-                          <a:cs typeface="+mn-cs"/>
-                        </a:rPr>
-                        <a:t>액터</a:t>
-                      </a:r>
-                      <a:r>
-                        <a:rPr lang="en-US" altLang="ko-KR" sz="1800" kern="1200" dirty="0">
-                          <a:solidFill>
-                            <a:schemeClr val="tx1">
-                              <a:lumMod val="85000"/>
-                              <a:lumOff val="15000"/>
-                            </a:schemeClr>
-                          </a:solidFill>
-                          <a:effectLst/>
-                          <a:latin typeface="배달의민족 도현" pitchFamily="50" charset="-127"/>
-                          <a:ea typeface="배달의민족 도현" pitchFamily="50" charset="-127"/>
-                          <a:cs typeface="+mn-cs"/>
-                        </a:rPr>
-                        <a:t>)</a:t>
-                      </a:r>
-                    </a:p>
-                    <a:p>
-                      <a:pPr marL="342900" lvl="0" indent="-342900" fontAlgn="base" latinLnBrk="1">
-                        <a:buFont typeface="+mj-lt"/>
-                        <a:buAutoNum type="arabicPeriod"/>
-                      </a:pPr>
-                      <a:r>
-                        <a:rPr lang="ko-KR" altLang="en-US" sz="1800" kern="1200" dirty="0" err="1">
-                          <a:solidFill>
-                            <a:schemeClr val="tx1">
-                              <a:lumMod val="85000"/>
-                              <a:lumOff val="15000"/>
-                            </a:schemeClr>
-                          </a:solidFill>
-                          <a:effectLst/>
-                          <a:latin typeface="배달의민족 도현" pitchFamily="50" charset="-127"/>
-                          <a:ea typeface="배달의민족 도현" pitchFamily="50" charset="-127"/>
-                          <a:cs typeface="+mn-cs"/>
-                        </a:rPr>
-                        <a:t>레주메</a:t>
-                      </a:r>
-                      <a:r>
-                        <a:rPr lang="ko-KR" altLang="en-US" sz="1800" kern="1200" dirty="0">
-                          <a:solidFill>
-                            <a:schemeClr val="tx1">
-                              <a:lumMod val="85000"/>
-                              <a:lumOff val="15000"/>
-                            </a:schemeClr>
-                          </a:solidFill>
-                          <a:effectLst/>
-                          <a:latin typeface="배달의민족 도현" pitchFamily="50" charset="-127"/>
-                          <a:ea typeface="배달의민족 도현" pitchFamily="50" charset="-127"/>
-                          <a:cs typeface="+mn-cs"/>
-                        </a:rPr>
-                        <a:t> 수정 및 작성</a:t>
-                      </a:r>
-                      <a:r>
-                        <a:rPr lang="en-US" altLang="ko-KR" sz="1800" kern="1200" dirty="0">
+                        <a:t>삭제</a:t>
+                      </a:r>
+                      <a:r>
+                        <a:rPr lang="en-US" altLang="ko-KR" sz="1800" kern="1200" dirty="0" smtClean="0">
                           <a:solidFill>
                             <a:schemeClr val="tx1">
                               <a:lumMod val="85000"/>
@@ -12066,7 +12013,7 @@
           <p:nvPr>
             <p:extLst>
               <p:ext uri="{D42A27DB-BD31-4B8C-83A1-F6EECF244321}">
-                <p14:modId xmlns:p14="http://schemas.microsoft.com/office/powerpoint/2010/main" val="1720039726"/>
+                <p14:modId xmlns:p14="http://schemas.microsoft.com/office/powerpoint/2010/main" val="1173385993"/>
               </p:ext>
             </p:extLst>
           </p:nvPr>
@@ -12472,7 +12419,7 @@
                         <a:buAutoNum type="arabicPeriod"/>
                       </a:pPr>
                       <a:r>
-                        <a:rPr lang="ko-KR" altLang="en-US" sz="1800" kern="1200" dirty="0">
+                        <a:rPr lang="en-US" altLang="ko-KR" sz="1800" kern="1200" dirty="0" smtClean="0">
                           <a:solidFill>
                             <a:schemeClr val="tx1">
                               <a:lumMod val="85000"/>
@@ -12484,10 +12431,10 @@
                           <a:ea typeface="배달의민족 도현" pitchFamily="50" charset="-127"/>
                           <a:cs typeface="+mn-cs"/>
                         </a:rPr>
-                        <a:t>학생 </a:t>
-                      </a:r>
-                      <a:r>
-                        <a:rPr lang="ko-KR" altLang="en-US" sz="1800" kern="1200" dirty="0" err="1">
+                        <a:t>Search</a:t>
+                      </a:r>
+                      <a:r>
+                        <a:rPr lang="en-US" altLang="ko-KR" sz="1800" kern="1200" baseline="0" dirty="0" smtClean="0">
                           <a:solidFill>
                             <a:schemeClr val="tx1">
                               <a:lumMod val="85000"/>
@@ -12499,10 +12446,10 @@
                           <a:ea typeface="배달의민족 도현" pitchFamily="50" charset="-127"/>
                           <a:cs typeface="+mn-cs"/>
                         </a:rPr>
-                        <a:t>레주메</a:t>
-                      </a:r>
-                      <a:r>
-                        <a:rPr lang="ko-KR" altLang="en-US" sz="1800" kern="1200" dirty="0">
+                        <a:t> </a:t>
+                      </a:r>
+                      <a:r>
+                        <a:rPr lang="ko-KR" altLang="en-US" sz="1800" kern="1200" baseline="0" dirty="0" smtClean="0">
                           <a:solidFill>
                             <a:schemeClr val="tx1">
                               <a:lumMod val="85000"/>
@@ -12514,10 +12461,10 @@
                           <a:ea typeface="배달의민족 도현" pitchFamily="50" charset="-127"/>
                           <a:cs typeface="+mn-cs"/>
                         </a:rPr>
-                        <a:t> 페이지로 이동</a:t>
-                      </a:r>
-                      <a:r>
-                        <a:rPr lang="en-US" altLang="ko-KR" sz="1800" kern="1200" dirty="0">
+                        <a:t>페이지로 접근 </a:t>
+                      </a:r>
+                      <a:r>
+                        <a:rPr lang="en-US" altLang="ko-KR" sz="1800" kern="1200" baseline="0" dirty="0" smtClean="0">
                           <a:solidFill>
                             <a:schemeClr val="tx1">
                               <a:lumMod val="85000"/>
@@ -12532,7 +12479,7 @@
                         <a:t>(</a:t>
                       </a:r>
                       <a:r>
-                        <a:rPr lang="ko-KR" altLang="en-US" sz="1800" kern="1200" dirty="0">
+                        <a:rPr lang="ko-KR" altLang="en-US" sz="1800" kern="1200" baseline="0" dirty="0" err="1" smtClean="0">
                           <a:solidFill>
                             <a:schemeClr val="tx1">
                               <a:lumMod val="85000"/>
@@ -12544,10 +12491,10 @@
                           <a:ea typeface="배달의민족 도현" pitchFamily="50" charset="-127"/>
                           <a:cs typeface="+mn-cs"/>
                         </a:rPr>
-                        <a:t>시스템</a:t>
-                      </a:r>
-                      <a:r>
-                        <a:rPr lang="en-US" altLang="ko-KR" sz="1800" kern="1200" dirty="0">
+                        <a:t>액터</a:t>
+                      </a:r>
+                      <a:r>
+                        <a:rPr lang="en-US" altLang="ko-KR" sz="1800" kern="1200" baseline="0" dirty="0" smtClean="0">
                           <a:solidFill>
                             <a:schemeClr val="tx1">
                               <a:lumMod val="85000"/>
@@ -12561,18 +12508,6 @@
                         </a:rPr>
                         <a:t>)</a:t>
                       </a:r>
-                      <a:endParaRPr lang="ko-KR" altLang="en-US" sz="1800" kern="1200" dirty="0">
-                        <a:solidFill>
-                          <a:schemeClr val="tx1">
-                            <a:lumMod val="85000"/>
-                            <a:lumOff val="15000"/>
-                          </a:schemeClr>
-                        </a:solidFill>
-                        <a:effectLst/>
-                        <a:latin typeface="배달의민족 도현" pitchFamily="50" charset="-127"/>
-                        <a:ea typeface="배달의민족 도현" pitchFamily="50" charset="-127"/>
-                        <a:cs typeface="+mn-cs"/>
-                      </a:endParaRPr>
                     </a:p>
                     <a:p>
                       <a:pPr marL="342900" lvl="0" indent="-342900" fontAlgn="base" latinLnBrk="1">
@@ -12580,7 +12515,7 @@
                         <a:buAutoNum type="arabicPeriod"/>
                       </a:pPr>
                       <a:r>
-                        <a:rPr lang="ko-KR" altLang="en-US" sz="1800" kern="1200" dirty="0">
+                        <a:rPr lang="ko-KR" altLang="en-US" sz="1800" kern="1200" dirty="0" smtClean="0">
                           <a:solidFill>
                             <a:schemeClr val="tx1">
                               <a:lumMod val="85000"/>
@@ -12592,10 +12527,10 @@
                           <a:ea typeface="배달의민족 도현" pitchFamily="50" charset="-127"/>
                           <a:cs typeface="+mn-cs"/>
                         </a:rPr>
-                        <a:t>보고싶은 학생을 클릭한다</a:t>
-                      </a:r>
-                      <a:r>
-                        <a:rPr lang="en-US" altLang="ko-KR" sz="1800" kern="1200" dirty="0">
+                        <a:t>검색한다</a:t>
+                      </a:r>
+                      <a:r>
+                        <a:rPr lang="en-US" altLang="ko-KR" sz="1800" kern="1200" dirty="0" smtClean="0">
                           <a:solidFill>
                             <a:schemeClr val="tx1">
                               <a:lumMod val="85000"/>
@@ -13996,14 +13931,14 @@
           <p:nvPr>
             <p:extLst>
               <p:ext uri="{D42A27DB-BD31-4B8C-83A1-F6EECF244321}">
-                <p14:modId xmlns:p14="http://schemas.microsoft.com/office/powerpoint/2010/main" val="1999753906"/>
+                <p14:modId xmlns:p14="http://schemas.microsoft.com/office/powerpoint/2010/main" val="434628439"/>
               </p:ext>
             </p:extLst>
           </p:nvPr>
         </p:nvGraphicFramePr>
         <p:xfrm>
           <a:off x="2574745" y="2107300"/>
-          <a:ext cx="9257167" cy="4285962"/>
+          <a:ext cx="9257167" cy="4274244"/>
         </p:xfrm>
         <a:graphic>
           <a:graphicData uri="http://schemas.openxmlformats.org/drawingml/2006/table">
@@ -14323,11 +14258,59 @@
                             <a:schemeClr val="tx1"/>
                           </a:solidFill>
                           <a:effectLst/>
-                          <a:latin typeface="+mn-lt"/>
-                          <a:ea typeface="+mn-ea"/>
+                          <a:latin typeface="배달의민족 도현" panose="020B0600000101010101" pitchFamily="50" charset="-127"/>
+                          <a:ea typeface="배달의민족 도현" panose="020B0600000101010101" pitchFamily="50" charset="-127"/>
                           <a:cs typeface="+mn-cs"/>
                         </a:rPr>
-                        <a:t>1. </a:t>
+                        <a:t>1</a:t>
+                      </a:r>
+                      <a:r>
+                        <a:rPr lang="en-US" altLang="ko-KR" sz="1800" kern="1200" dirty="0" smtClean="0">
+                          <a:solidFill>
+                            <a:schemeClr val="tx1"/>
+                          </a:solidFill>
+                          <a:effectLst/>
+                          <a:latin typeface="배달의민족 도현" panose="020B0600000101010101" pitchFamily="50" charset="-127"/>
+                          <a:ea typeface="배달의민족 도현" panose="020B0600000101010101" pitchFamily="50" charset="-127"/>
+                          <a:cs typeface="+mn-cs"/>
+                        </a:rPr>
+                        <a:t>. </a:t>
+                      </a:r>
+                      <a:r>
+                        <a:rPr lang="ko-KR" altLang="en-US" sz="1800" kern="1200" dirty="0" smtClean="0">
+                          <a:solidFill>
+                            <a:schemeClr val="tx1"/>
+                          </a:solidFill>
+                          <a:effectLst/>
+                          <a:latin typeface="배달의민족 도현" panose="020B0600000101010101" pitchFamily="50" charset="-127"/>
+                          <a:ea typeface="배달의민족 도현" panose="020B0600000101010101" pitchFamily="50" charset="-127"/>
+                          <a:cs typeface="+mn-cs"/>
+                        </a:rPr>
+                        <a:t>키워드를 입력한다</a:t>
+                      </a:r>
+                      <a:r>
+                        <a:rPr lang="en-US" altLang="ko-KR" sz="1800" kern="1200" dirty="0" smtClean="0">
+                          <a:solidFill>
+                            <a:schemeClr val="tx1"/>
+                          </a:solidFill>
+                          <a:effectLst/>
+                          <a:latin typeface="배달의민족 도현" panose="020B0600000101010101" pitchFamily="50" charset="-127"/>
+                          <a:ea typeface="배달의민족 도현" panose="020B0600000101010101" pitchFamily="50" charset="-127"/>
+                          <a:cs typeface="+mn-cs"/>
+                        </a:rPr>
+                        <a:t>. </a:t>
+                      </a:r>
+                      <a:r>
+                        <a:rPr lang="en-US" altLang="ko-KR" sz="1800" kern="1200" dirty="0" smtClean="0">
+                          <a:solidFill>
+                            <a:schemeClr val="tx1"/>
+                          </a:solidFill>
+                          <a:effectLst/>
+                          <a:latin typeface="배달의민족 도현" panose="020B0600000101010101" pitchFamily="50" charset="-127"/>
+                          <a:ea typeface="배달의민족 도현" panose="020B0600000101010101" pitchFamily="50" charset="-127"/>
+                          <a:cs typeface="+mn-cs"/>
+                        </a:rPr>
+                        <a:t>(</a:t>
                       </a:r>
                       <a:r>
                         <a:rPr lang="ko-KR" altLang="en-US" sz="1800" kern="1200" dirty="0" err="1" smtClean="0">
@@ -14335,23 +14318,11 @@
                             <a:schemeClr val="tx1"/>
                           </a:solidFill>
                           <a:effectLst/>
-                          <a:latin typeface="+mn-lt"/>
-                          <a:ea typeface="+mn-ea"/>
+                          <a:latin typeface="배달의민족 도현" panose="020B0600000101010101" pitchFamily="50" charset="-127"/>
+                          <a:ea typeface="배달의민족 도현" panose="020B0600000101010101" pitchFamily="50" charset="-127"/>
                           <a:cs typeface="+mn-cs"/>
                         </a:rPr>
-                        <a:t>검색란에</a:t>
-                      </a:r>
-                      <a:r>
-                        <a:rPr lang="ko-KR" altLang="en-US" sz="1800" kern="1200" dirty="0" smtClean="0">
-                          <a:solidFill>
-                            <a:schemeClr val="tx1"/>
-                          </a:solidFill>
-                          <a:effectLst/>
-                          <a:latin typeface="+mn-lt"/>
-                          <a:ea typeface="+mn-ea"/>
-                          <a:cs typeface="+mn-cs"/>
-                        </a:rPr>
-                        <a:t> 학생의 이름이나 학번</a:t>
+                        <a:t>액터</a:t>
                       </a:r>
                       <a:r>
                         <a:rPr lang="en-US" altLang="ko-KR" sz="1800" kern="1200" dirty="0" smtClean="0">
@@ -14359,152 +14330,8 @@
                             <a:schemeClr val="tx1"/>
                           </a:solidFill>
                           <a:effectLst/>
-                          <a:latin typeface="+mn-lt"/>
-                          <a:ea typeface="+mn-ea"/>
-                          <a:cs typeface="+mn-cs"/>
-                        </a:rPr>
-                        <a:t>, </a:t>
-                      </a:r>
-                      <a:r>
-                        <a:rPr lang="ko-KR" altLang="en-US" sz="1800" kern="1200" dirty="0" smtClean="0">
-                          <a:solidFill>
-                            <a:schemeClr val="tx1"/>
-                          </a:solidFill>
-                          <a:effectLst/>
-                          <a:latin typeface="+mn-lt"/>
-                          <a:ea typeface="+mn-ea"/>
-                          <a:cs typeface="+mn-cs"/>
-                        </a:rPr>
-                        <a:t>과</a:t>
-                      </a:r>
-                      <a:r>
-                        <a:rPr lang="en-US" altLang="ko-KR" sz="1800" kern="1200" dirty="0" smtClean="0">
-                          <a:solidFill>
-                            <a:schemeClr val="tx1"/>
-                          </a:solidFill>
-                          <a:effectLst/>
-                          <a:latin typeface="+mn-lt"/>
-                          <a:ea typeface="+mn-ea"/>
-                          <a:cs typeface="+mn-cs"/>
-                        </a:rPr>
-                        <a:t>, </a:t>
-                      </a:r>
-                      <a:r>
-                        <a:rPr lang="ko-KR" altLang="en-US" sz="1800" kern="1200" dirty="0" smtClean="0">
-                          <a:solidFill>
-                            <a:schemeClr val="tx1"/>
-                          </a:solidFill>
-                          <a:effectLst/>
-                          <a:latin typeface="+mn-lt"/>
-                          <a:ea typeface="+mn-ea"/>
-                          <a:cs typeface="+mn-cs"/>
-                        </a:rPr>
-                        <a:t>전공</a:t>
-                      </a:r>
-                      <a:r>
-                        <a:rPr lang="en-US" altLang="ko-KR" sz="1800" kern="1200" dirty="0" smtClean="0">
-                          <a:solidFill>
-                            <a:schemeClr val="tx1"/>
-                          </a:solidFill>
-                          <a:effectLst/>
-                          <a:latin typeface="+mn-lt"/>
-                          <a:ea typeface="+mn-ea"/>
-                          <a:cs typeface="+mn-cs"/>
-                        </a:rPr>
-                        <a:t>, </a:t>
-                      </a:r>
-                      <a:r>
-                        <a:rPr lang="ko-KR" altLang="en-US" sz="1800" kern="1200" dirty="0" smtClean="0">
-                          <a:solidFill>
-                            <a:schemeClr val="tx1"/>
-                          </a:solidFill>
-                          <a:effectLst/>
-                          <a:latin typeface="+mn-lt"/>
-                          <a:ea typeface="+mn-ea"/>
-                          <a:cs typeface="+mn-cs"/>
-                        </a:rPr>
-                        <a:t>학년</a:t>
-                      </a:r>
-                      <a:r>
-                        <a:rPr lang="en-US" altLang="ko-KR" sz="1800" kern="1200" dirty="0" smtClean="0">
-                          <a:solidFill>
-                            <a:schemeClr val="tx1"/>
-                          </a:solidFill>
-                          <a:effectLst/>
-                          <a:latin typeface="+mn-lt"/>
-                          <a:ea typeface="+mn-ea"/>
-                          <a:cs typeface="+mn-cs"/>
-                        </a:rPr>
-                        <a:t>, </a:t>
-                      </a:r>
-                      <a:r>
-                        <a:rPr lang="ko-KR" altLang="en-US" sz="1800" kern="1200" dirty="0" smtClean="0">
-                          <a:solidFill>
-                            <a:schemeClr val="tx1"/>
-                          </a:solidFill>
-                          <a:effectLst/>
-                          <a:latin typeface="+mn-lt"/>
-                          <a:ea typeface="+mn-ea"/>
-                          <a:cs typeface="+mn-cs"/>
-                        </a:rPr>
-                        <a:t>사용 가능 프로그래밍 언어</a:t>
-                      </a:r>
-                      <a:r>
-                        <a:rPr lang="en-US" altLang="ko-KR" sz="1800" kern="1200" dirty="0" smtClean="0">
-                          <a:solidFill>
-                            <a:schemeClr val="tx1"/>
-                          </a:solidFill>
-                          <a:effectLst/>
-                          <a:latin typeface="+mn-lt"/>
-                          <a:ea typeface="+mn-ea"/>
-                          <a:cs typeface="+mn-cs"/>
-                        </a:rPr>
-                        <a:t>, </a:t>
-                      </a:r>
-                      <a:r>
-                        <a:rPr lang="ko-KR" altLang="en-US" sz="1800" kern="1200" dirty="0" smtClean="0">
-                          <a:solidFill>
-                            <a:schemeClr val="tx1"/>
-                          </a:solidFill>
-                          <a:effectLst/>
-                          <a:latin typeface="+mn-lt"/>
-                          <a:ea typeface="+mn-ea"/>
-                          <a:cs typeface="+mn-cs"/>
-                        </a:rPr>
-                        <a:t>성별 등을 검색한다</a:t>
-                      </a:r>
-                      <a:r>
-                        <a:rPr lang="en-US" altLang="ko-KR" sz="1800" kern="1200" dirty="0" smtClean="0">
-                          <a:solidFill>
-                            <a:schemeClr val="tx1"/>
-                          </a:solidFill>
-                          <a:effectLst/>
-                          <a:latin typeface="+mn-lt"/>
-                          <a:ea typeface="+mn-ea"/>
-                          <a:cs typeface="+mn-cs"/>
-                        </a:rPr>
-                        <a:t>. (</a:t>
-                      </a:r>
-                      <a:r>
-                        <a:rPr lang="ko-KR" altLang="en-US" sz="1800" kern="1200" dirty="0" err="1" smtClean="0">
-                          <a:solidFill>
-                            <a:schemeClr val="tx1"/>
-                          </a:solidFill>
-                          <a:effectLst/>
-                          <a:latin typeface="+mn-lt"/>
-                          <a:ea typeface="+mn-ea"/>
-                          <a:cs typeface="+mn-cs"/>
-                        </a:rPr>
-                        <a:t>액터</a:t>
-                      </a:r>
-                      <a:r>
-                        <a:rPr lang="en-US" altLang="ko-KR" sz="1800" kern="1200" dirty="0" smtClean="0">
-                          <a:solidFill>
-                            <a:schemeClr val="tx1"/>
-                          </a:solidFill>
-                          <a:effectLst/>
-                          <a:latin typeface="+mn-lt"/>
-                          <a:ea typeface="+mn-ea"/>
+                          <a:latin typeface="배달의민족 도현" panose="020B0600000101010101" pitchFamily="50" charset="-127"/>
+                          <a:ea typeface="배달의민족 도현" panose="020B0600000101010101" pitchFamily="50" charset="-127"/>
                           <a:cs typeface="+mn-cs"/>
                         </a:rPr>
                         <a:t>)</a:t>
@@ -14514,8 +14341,8 @@
                           <a:schemeClr val="tx1"/>
                         </a:solidFill>
                         <a:effectLst/>
-                        <a:latin typeface="+mn-lt"/>
-                        <a:ea typeface="+mn-ea"/>
+                        <a:latin typeface="배달의민족 도현" panose="020B0600000101010101" pitchFamily="50" charset="-127"/>
+                        <a:ea typeface="배달의민족 도현" panose="020B0600000101010101" pitchFamily="50" charset="-127"/>
                         <a:cs typeface="+mn-cs"/>
                       </a:endParaRPr>
                     </a:p>
@@ -14527,8 +14354,8 @@
                             <a:schemeClr val="tx1"/>
                           </a:solidFill>
                           <a:effectLst/>
-                          <a:latin typeface="+mn-lt"/>
-                          <a:ea typeface="+mn-ea"/>
+                          <a:latin typeface="배달의민족 도현" panose="020B0600000101010101" pitchFamily="50" charset="-127"/>
+                          <a:ea typeface="배달의민족 도현" panose="020B0600000101010101" pitchFamily="50" charset="-127"/>
                           <a:cs typeface="+mn-cs"/>
                         </a:rPr>
                         <a:t>2.  </a:t>
@@ -14539,8 +14366,8 @@
                             <a:schemeClr val="tx1"/>
                           </a:solidFill>
                           <a:effectLst/>
-                          <a:latin typeface="+mn-lt"/>
-                          <a:ea typeface="+mn-ea"/>
+                          <a:latin typeface="배달의민족 도현" panose="020B0600000101010101" pitchFamily="50" charset="-127"/>
+                          <a:ea typeface="배달의민족 도현" panose="020B0600000101010101" pitchFamily="50" charset="-127"/>
                           <a:cs typeface="+mn-cs"/>
                         </a:rPr>
                         <a:t>검색 키워드와 </a:t>
@@ -14551,8 +14378,8 @@
                             <a:schemeClr val="tx1"/>
                           </a:solidFill>
                           <a:effectLst/>
-                          <a:latin typeface="+mn-lt"/>
-                          <a:ea typeface="+mn-ea"/>
+                          <a:latin typeface="배달의민족 도현" panose="020B0600000101010101" pitchFamily="50" charset="-127"/>
+                          <a:ea typeface="배달의민족 도현" panose="020B0600000101010101" pitchFamily="50" charset="-127"/>
                           <a:cs typeface="+mn-cs"/>
                         </a:rPr>
                         <a:t>관련있는</a:t>
@@ -14563,8 +14390,8 @@
                             <a:schemeClr val="tx1"/>
                           </a:solidFill>
                           <a:effectLst/>
-                          <a:latin typeface="+mn-lt"/>
-                          <a:ea typeface="+mn-ea"/>
+                          <a:latin typeface="배달의민족 도현" panose="020B0600000101010101" pitchFamily="50" charset="-127"/>
+                          <a:ea typeface="배달의민족 도현" panose="020B0600000101010101" pitchFamily="50" charset="-127"/>
                           <a:cs typeface="+mn-cs"/>
                         </a:rPr>
                         <a:t> </a:t>
@@ -14575,8 +14402,8 @@
                             <a:schemeClr val="tx1"/>
                           </a:solidFill>
                           <a:effectLst/>
-                          <a:latin typeface="+mn-lt"/>
-                          <a:ea typeface="+mn-ea"/>
+                          <a:latin typeface="배달의민족 도현" panose="020B0600000101010101" pitchFamily="50" charset="-127"/>
+                          <a:ea typeface="배달의민족 도현" panose="020B0600000101010101" pitchFamily="50" charset="-127"/>
                           <a:cs typeface="+mn-cs"/>
                         </a:rPr>
                         <a:t>레주메</a:t>
@@ -14587,8 +14414,8 @@
                             <a:schemeClr val="tx1"/>
                           </a:solidFill>
                           <a:effectLst/>
-                          <a:latin typeface="+mn-lt"/>
-                          <a:ea typeface="+mn-ea"/>
+                          <a:latin typeface="배달의민족 도현" panose="020B0600000101010101" pitchFamily="50" charset="-127"/>
+                          <a:ea typeface="배달의민족 도현" panose="020B0600000101010101" pitchFamily="50" charset="-127"/>
                           <a:cs typeface="+mn-cs"/>
                         </a:rPr>
                         <a:t> 리스트를 나열한다</a:t>
@@ -14599,8 +14426,8 @@
                             <a:schemeClr val="tx1"/>
                           </a:solidFill>
                           <a:effectLst/>
-                          <a:latin typeface="+mn-lt"/>
-                          <a:ea typeface="+mn-ea"/>
+                          <a:latin typeface="배달의민족 도현" panose="020B0600000101010101" pitchFamily="50" charset="-127"/>
+                          <a:ea typeface="배달의민족 도현" panose="020B0600000101010101" pitchFamily="50" charset="-127"/>
                           <a:cs typeface="+mn-cs"/>
                         </a:rPr>
                         <a:t>. (</a:t>
@@ -14611,8 +14438,8 @@
                             <a:schemeClr val="tx1"/>
                           </a:solidFill>
                           <a:effectLst/>
-                          <a:latin typeface="+mn-lt"/>
-                          <a:ea typeface="+mn-ea"/>
+                          <a:latin typeface="배달의민족 도현" panose="020B0600000101010101" pitchFamily="50" charset="-127"/>
+                          <a:ea typeface="배달의민족 도현" panose="020B0600000101010101" pitchFamily="50" charset="-127"/>
                           <a:cs typeface="+mn-cs"/>
                         </a:rPr>
                         <a:t>시스템</a:t>
@@ -14623,8 +14450,8 @@
                             <a:schemeClr val="tx1"/>
                           </a:solidFill>
                           <a:effectLst/>
-                          <a:latin typeface="+mn-lt"/>
-                          <a:ea typeface="+mn-ea"/>
+                          <a:latin typeface="배달의민족 도현" panose="020B0600000101010101" pitchFamily="50" charset="-127"/>
+                          <a:ea typeface="배달의민족 도현" panose="020B0600000101010101" pitchFamily="50" charset="-127"/>
                           <a:cs typeface="+mn-cs"/>
                         </a:rPr>
                         <a:t>) </a:t>
@@ -14634,8 +14461,8 @@
                           <a:schemeClr val="tx1"/>
                         </a:solidFill>
                         <a:effectLst/>
-                        <a:latin typeface="+mn-lt"/>
-                        <a:ea typeface="+mn-ea"/>
+                        <a:latin typeface="배달의민족 도현" panose="020B0600000101010101" pitchFamily="50" charset="-127"/>
+                        <a:ea typeface="배달의민족 도현" panose="020B0600000101010101" pitchFamily="50" charset="-127"/>
                         <a:cs typeface="+mn-cs"/>
                       </a:endParaRPr>
                     </a:p>
@@ -14647,8 +14474,8 @@
                             <a:schemeClr val="tx1"/>
                           </a:solidFill>
                           <a:effectLst/>
-                          <a:latin typeface="+mn-lt"/>
-                          <a:ea typeface="+mn-ea"/>
+                          <a:latin typeface="배달의민족 도현" panose="020B0600000101010101" pitchFamily="50" charset="-127"/>
+                          <a:ea typeface="배달의민족 도현" panose="020B0600000101010101" pitchFamily="50" charset="-127"/>
                           <a:cs typeface="+mn-cs"/>
                         </a:rPr>
                         <a:t>3.  </a:t>
@@ -14659,8 +14486,8 @@
                             <a:schemeClr val="tx1"/>
                           </a:solidFill>
                           <a:effectLst/>
-                          <a:latin typeface="+mn-lt"/>
-                          <a:ea typeface="+mn-ea"/>
+                          <a:latin typeface="배달의민족 도현" panose="020B0600000101010101" pitchFamily="50" charset="-127"/>
+                          <a:ea typeface="배달의민족 도현" panose="020B0600000101010101" pitchFamily="50" charset="-127"/>
                           <a:cs typeface="+mn-cs"/>
                         </a:rPr>
                         <a:t>찾고자 하는 </a:t>
@@ -14671,8 +14498,8 @@
                             <a:schemeClr val="tx1"/>
                           </a:solidFill>
                           <a:effectLst/>
-                          <a:latin typeface="+mn-lt"/>
-                          <a:ea typeface="+mn-ea"/>
+                          <a:latin typeface="배달의민족 도현" panose="020B0600000101010101" pitchFamily="50" charset="-127"/>
+                          <a:ea typeface="배달의민족 도현" panose="020B0600000101010101" pitchFamily="50" charset="-127"/>
                           <a:cs typeface="+mn-cs"/>
                         </a:rPr>
                         <a:t>레주메를</a:t>
@@ -14683,8 +14510,8 @@
                             <a:schemeClr val="tx1"/>
                           </a:solidFill>
                           <a:effectLst/>
-                          <a:latin typeface="+mn-lt"/>
-                          <a:ea typeface="+mn-ea"/>
+                          <a:latin typeface="배달의민족 도현" panose="020B0600000101010101" pitchFamily="50" charset="-127"/>
+                          <a:ea typeface="배달의민족 도현" panose="020B0600000101010101" pitchFamily="50" charset="-127"/>
                           <a:cs typeface="+mn-cs"/>
                         </a:rPr>
                         <a:t> 클릭한다</a:t>
@@ -14695,8 +14522,8 @@
                             <a:schemeClr val="tx1"/>
                           </a:solidFill>
                           <a:effectLst/>
-                          <a:latin typeface="+mn-lt"/>
-                          <a:ea typeface="+mn-ea"/>
+                          <a:latin typeface="배달의민족 도현" panose="020B0600000101010101" pitchFamily="50" charset="-127"/>
+                          <a:ea typeface="배달의민족 도현" panose="020B0600000101010101" pitchFamily="50" charset="-127"/>
                           <a:cs typeface="+mn-cs"/>
                         </a:rPr>
                         <a:t>. (</a:t>
@@ -14707,8 +14534,8 @@
                             <a:schemeClr val="tx1"/>
                           </a:solidFill>
                           <a:effectLst/>
-                          <a:latin typeface="+mn-lt"/>
-                          <a:ea typeface="+mn-ea"/>
+                          <a:latin typeface="배달의민족 도현" panose="020B0600000101010101" pitchFamily="50" charset="-127"/>
+                          <a:ea typeface="배달의민족 도현" panose="020B0600000101010101" pitchFamily="50" charset="-127"/>
                           <a:cs typeface="+mn-cs"/>
                         </a:rPr>
                         <a:t>액터</a:t>
@@ -14719,8 +14546,8 @@
                             <a:schemeClr val="tx1"/>
                           </a:solidFill>
                           <a:effectLst/>
-                          <a:latin typeface="+mn-lt"/>
-                          <a:ea typeface="+mn-ea"/>
+                          <a:latin typeface="배달의민족 도현" panose="020B0600000101010101" pitchFamily="50" charset="-127"/>
+                          <a:ea typeface="배달의민족 도현" panose="020B0600000101010101" pitchFamily="50" charset="-127"/>
                           <a:cs typeface="+mn-cs"/>
                         </a:rPr>
                         <a:t>)</a:t>
@@ -14730,8 +14557,8 @@
                           <a:schemeClr val="tx1"/>
                         </a:solidFill>
                         <a:effectLst/>
-                        <a:latin typeface="+mn-lt"/>
-                        <a:ea typeface="+mn-ea"/>
+                        <a:latin typeface="배달의민족 도현" panose="020B0600000101010101" pitchFamily="50" charset="-127"/>
+                        <a:ea typeface="배달의민족 도현" panose="020B0600000101010101" pitchFamily="50" charset="-127"/>
                         <a:cs typeface="+mn-cs"/>
                       </a:endParaRPr>
                     </a:p>
@@ -14743,8 +14570,8 @@
                             <a:schemeClr val="tx1"/>
                           </a:solidFill>
                           <a:effectLst/>
-                          <a:latin typeface="+mn-lt"/>
-                          <a:ea typeface="+mn-ea"/>
+                          <a:latin typeface="배달의민족 도현" panose="020B0600000101010101" pitchFamily="50" charset="-127"/>
+                          <a:ea typeface="배달의민족 도현" panose="020B0600000101010101" pitchFamily="50" charset="-127"/>
                           <a:cs typeface="+mn-cs"/>
                         </a:rPr>
                         <a:t>4.  </a:t>
@@ -14755,8 +14582,8 @@
                             <a:schemeClr val="tx1"/>
                           </a:solidFill>
                           <a:effectLst/>
-                          <a:latin typeface="+mn-lt"/>
-                          <a:ea typeface="+mn-ea"/>
+                          <a:latin typeface="배달의민족 도현" panose="020B0600000101010101" pitchFamily="50" charset="-127"/>
+                          <a:ea typeface="배달의민족 도현" panose="020B0600000101010101" pitchFamily="50" charset="-127"/>
                           <a:cs typeface="+mn-cs"/>
                         </a:rPr>
                         <a:t>그 학생의 </a:t>
@@ -14767,8 +14594,8 @@
                             <a:schemeClr val="tx1"/>
                           </a:solidFill>
                           <a:effectLst/>
-                          <a:latin typeface="+mn-lt"/>
-                          <a:ea typeface="+mn-ea"/>
+                          <a:latin typeface="배달의민족 도현" panose="020B0600000101010101" pitchFamily="50" charset="-127"/>
+                          <a:ea typeface="배달의민족 도현" panose="020B0600000101010101" pitchFamily="50" charset="-127"/>
                           <a:cs typeface="+mn-cs"/>
                         </a:rPr>
                         <a:t>레주메</a:t>
@@ -14779,8 +14606,8 @@
                             <a:schemeClr val="tx1"/>
                           </a:solidFill>
                           <a:effectLst/>
-                          <a:latin typeface="+mn-lt"/>
-                          <a:ea typeface="+mn-ea"/>
+                          <a:latin typeface="배달의민족 도현" panose="020B0600000101010101" pitchFamily="50" charset="-127"/>
+                          <a:ea typeface="배달의민족 도현" panose="020B0600000101010101" pitchFamily="50" charset="-127"/>
                           <a:cs typeface="+mn-cs"/>
                         </a:rPr>
                         <a:t> 페이지로 넘어간다</a:t>
@@ -14791,8 +14618,8 @@
                             <a:schemeClr val="tx1"/>
                           </a:solidFill>
                           <a:effectLst/>
-                          <a:latin typeface="+mn-lt"/>
-                          <a:ea typeface="+mn-ea"/>
+                          <a:latin typeface="배달의민족 도현" panose="020B0600000101010101" pitchFamily="50" charset="-127"/>
+                          <a:ea typeface="배달의민족 도현" panose="020B0600000101010101" pitchFamily="50" charset="-127"/>
                           <a:cs typeface="+mn-cs"/>
                         </a:rPr>
                         <a:t>. (</a:t>
@@ -14803,8 +14630,8 @@
                             <a:schemeClr val="tx1"/>
                           </a:solidFill>
                           <a:effectLst/>
-                          <a:latin typeface="+mn-lt"/>
-                          <a:ea typeface="+mn-ea"/>
+                          <a:latin typeface="배달의민족 도현" panose="020B0600000101010101" pitchFamily="50" charset="-127"/>
+                          <a:ea typeface="배달의민족 도현" panose="020B0600000101010101" pitchFamily="50" charset="-127"/>
                           <a:cs typeface="+mn-cs"/>
                         </a:rPr>
                         <a:t>시스템</a:t>
@@ -14815,8 +14642,8 @@
                             <a:schemeClr val="tx1"/>
                           </a:solidFill>
                           <a:effectLst/>
-                          <a:latin typeface="+mn-lt"/>
-                          <a:ea typeface="+mn-ea"/>
+                          <a:latin typeface="배달의민족 도현" panose="020B0600000101010101" pitchFamily="50" charset="-127"/>
+                          <a:ea typeface="배달의민족 도현" panose="020B0600000101010101" pitchFamily="50" charset="-127"/>
                           <a:cs typeface="+mn-cs"/>
                         </a:rPr>
                         <a:t>)</a:t>
@@ -14826,8 +14653,8 @@
                           <a:schemeClr val="tx1"/>
                         </a:solidFill>
                         <a:effectLst/>
-                        <a:latin typeface="+mn-lt"/>
-                        <a:ea typeface="+mn-ea"/>
+                        <a:latin typeface="배달의민족 도현" panose="020B0600000101010101" pitchFamily="50" charset="-127"/>
+                        <a:ea typeface="배달의민족 도현" panose="020B0600000101010101" pitchFamily="50" charset="-127"/>
                         <a:cs typeface="+mn-cs"/>
                       </a:endParaRPr>
                     </a:p>
@@ -15892,7 +15719,7 @@
           <p:nvPr>
             <p:extLst>
               <p:ext uri="{D42A27DB-BD31-4B8C-83A1-F6EECF244321}">
-                <p14:modId xmlns:p14="http://schemas.microsoft.com/office/powerpoint/2010/main" val="2161580460"/>
+                <p14:modId xmlns:p14="http://schemas.microsoft.com/office/powerpoint/2010/main" val="3042097161"/>
               </p:ext>
             </p:extLst>
           </p:nvPr>
@@ -15975,7 +15802,7 @@
                           <a:ea typeface="+mn-ea"/>
                           <a:cs typeface="+mn-cs"/>
                         </a:rPr>
-                        <a:t> 열람</a:t>
+                        <a:t> 출력</a:t>
                       </a:r>
                       <a:endParaRPr lang="ko-KR" altLang="en-US" sz="1800" b="1" kern="1200" dirty="0">
                         <a:solidFill>
@@ -16060,7 +15887,7 @@
                           <a:ea typeface="HY헤드라인M" pitchFamily="18" charset="-127"/>
                           <a:cs typeface="+mn-cs"/>
                         </a:rPr>
-                        <a:t>회사</a:t>
+                        <a:t>사이트 사용자</a:t>
                       </a:r>
                       <a:endParaRPr lang="en-US" sz="1800" kern="1200" dirty="0">
                         <a:solidFill>
@@ -16130,20 +15957,6 @@
                         <a:defRPr/>
                       </a:pPr>
                       <a:r>
-                        <a:rPr lang="ko-KR" altLang="en-US" sz="1800" kern="1200" dirty="0" err="1" smtClean="0">
-                          <a:solidFill>
-                            <a:schemeClr val="tx1">
-                              <a:lumMod val="85000"/>
-                              <a:lumOff val="15000"/>
-                            </a:schemeClr>
-                          </a:solidFill>
-                          <a:latin typeface="HY헤드라인M" pitchFamily="18" charset="-127"/>
-                          <a:ea typeface="HY헤드라인M" pitchFamily="18" charset="-127"/>
-                          <a:cs typeface="+mn-cs"/>
-                        </a:rPr>
-                        <a:t>로그인이</a:t>
-                      </a:r>
-                      <a:r>
                         <a:rPr lang="ko-KR" altLang="en-US" sz="1800" kern="1200" dirty="0" smtClean="0">
                           <a:solidFill>
                             <a:schemeClr val="tx1">
@@ -16155,7 +15968,21 @@
                           <a:ea typeface="HY헤드라인M" pitchFamily="18" charset="-127"/>
                           <a:cs typeface="+mn-cs"/>
                         </a:rPr>
-                        <a:t> 되어 있는 상태여야 한다</a:t>
+                        <a:t>검색을 한 상태여야 </a:t>
+                      </a:r>
+                      <a:r>
+                        <a:rPr lang="ko-KR" altLang="en-US" sz="1800" kern="1200" dirty="0" smtClean="0">
+                          <a:solidFill>
+                            <a:schemeClr val="tx1">
+                              <a:lumMod val="85000"/>
+                              <a:lumOff val="15000"/>
+                            </a:schemeClr>
+                          </a:solidFill>
+                          <a:latin typeface="HY헤드라인M" pitchFamily="18" charset="-127"/>
+                          <a:ea typeface="HY헤드라인M" pitchFamily="18" charset="-127"/>
+                          <a:cs typeface="+mn-cs"/>
+                        </a:rPr>
+                        <a:t>한다</a:t>
                       </a:r>
                       <a:r>
                         <a:rPr lang="en-US" altLang="ko-KR" sz="1800" kern="1200" dirty="0" smtClean="0">
@@ -16228,11 +16055,59 @@
                             <a:schemeClr val="tx1"/>
                           </a:solidFill>
                           <a:effectLst/>
-                          <a:latin typeface="+mn-lt"/>
-                          <a:ea typeface="+mn-ea"/>
+                          <a:latin typeface="배달의민족 도현" panose="020B0600000101010101" pitchFamily="50" charset="-127"/>
+                          <a:ea typeface="배달의민족 도현" panose="020B0600000101010101" pitchFamily="50" charset="-127"/>
                           <a:cs typeface="+mn-cs"/>
                         </a:rPr>
-                        <a:t>1.</a:t>
+                        <a:t>1. </a:t>
+                      </a:r>
+                      <a:r>
+                        <a:rPr lang="ko-KR" altLang="en-US" sz="1800" kern="1200" dirty="0" smtClean="0">
+                          <a:solidFill>
+                            <a:schemeClr val="tx1"/>
+                          </a:solidFill>
+                          <a:effectLst/>
+                          <a:latin typeface="배달의민족 도현" panose="020B0600000101010101" pitchFamily="50" charset="-127"/>
+                          <a:ea typeface="배달의민족 도현" panose="020B0600000101010101" pitchFamily="50" charset="-127"/>
+                          <a:cs typeface="+mn-cs"/>
+                        </a:rPr>
+                        <a:t>검색 결과 창에서 전체 </a:t>
+                      </a:r>
+                      <a:r>
+                        <a:rPr lang="ko-KR" altLang="en-US" sz="1800" kern="1200" dirty="0" err="1" smtClean="0">
+                          <a:solidFill>
+                            <a:schemeClr val="tx1"/>
+                          </a:solidFill>
+                          <a:effectLst/>
+                          <a:latin typeface="배달의민족 도현" panose="020B0600000101010101" pitchFamily="50" charset="-127"/>
+                          <a:ea typeface="배달의민족 도현" panose="020B0600000101010101" pitchFamily="50" charset="-127"/>
+                          <a:cs typeface="+mn-cs"/>
+                        </a:rPr>
+                        <a:t>레주메</a:t>
+                      </a:r>
+                      <a:r>
+                        <a:rPr lang="ko-KR" altLang="en-US" sz="1800" kern="1200" dirty="0" smtClean="0">
+                          <a:solidFill>
+                            <a:schemeClr val="tx1"/>
+                          </a:solidFill>
+                          <a:effectLst/>
+                          <a:latin typeface="배달의민족 도현" panose="020B0600000101010101" pitchFamily="50" charset="-127"/>
+                          <a:ea typeface="배달의민족 도현" panose="020B0600000101010101" pitchFamily="50" charset="-127"/>
+                          <a:cs typeface="+mn-cs"/>
+                        </a:rPr>
+                        <a:t> 인쇄 버튼을 클릭한다</a:t>
+                      </a:r>
+                      <a:r>
+                        <a:rPr lang="en-US" altLang="ko-KR" sz="1800" kern="1200" dirty="0" smtClean="0">
+                          <a:solidFill>
+                            <a:schemeClr val="tx1"/>
+                          </a:solidFill>
+                          <a:effectLst/>
+                          <a:latin typeface="배달의민족 도현" panose="020B0600000101010101" pitchFamily="50" charset="-127"/>
+                          <a:ea typeface="배달의민족 도현" panose="020B0600000101010101" pitchFamily="50" charset="-127"/>
+                          <a:cs typeface="+mn-cs"/>
+                        </a:rPr>
+                        <a:t>.</a:t>
                       </a:r>
                       <a:r>
                         <a:rPr lang="en-US" altLang="ko-KR" sz="1800" kern="1200" baseline="0" dirty="0" smtClean="0">
@@ -16240,14 +16115,133 @@
                             <a:schemeClr val="tx1"/>
                           </a:solidFill>
                           <a:effectLst/>
+                          <a:latin typeface="배달의민족 도현" panose="020B0600000101010101" pitchFamily="50" charset="-127"/>
+                          <a:ea typeface="배달의민족 도현" panose="020B0600000101010101" pitchFamily="50" charset="-127"/>
+                          <a:cs typeface="+mn-cs"/>
+                        </a:rPr>
+                        <a:t> (</a:t>
+                      </a:r>
+                      <a:r>
+                        <a:rPr lang="ko-KR" altLang="en-US" sz="1800" kern="1200" baseline="0" dirty="0" err="1" smtClean="0">
+                          <a:solidFill>
+                            <a:schemeClr val="tx1"/>
+                          </a:solidFill>
+                          <a:effectLst/>
+                          <a:latin typeface="배달의민족 도현" panose="020B0600000101010101" pitchFamily="50" charset="-127"/>
+                          <a:ea typeface="배달의민족 도현" panose="020B0600000101010101" pitchFamily="50" charset="-127"/>
+                          <a:cs typeface="+mn-cs"/>
+                        </a:rPr>
+                        <a:t>액터</a:t>
+                      </a:r>
+                      <a:r>
+                        <a:rPr lang="en-US" altLang="ko-KR" sz="1800" kern="1200" baseline="0" dirty="0" smtClean="0">
+                          <a:solidFill>
+                            <a:schemeClr val="tx1"/>
+                          </a:solidFill>
+                          <a:effectLst/>
+                          <a:latin typeface="배달의민족 도현" panose="020B0600000101010101" pitchFamily="50" charset="-127"/>
+                          <a:ea typeface="배달의민족 도현" panose="020B0600000101010101" pitchFamily="50" charset="-127"/>
+                          <a:cs typeface="+mn-cs"/>
+                        </a:rPr>
+                        <a:t>)</a:t>
+                      </a:r>
+                      <a:br>
+                        <a:rPr lang="en-US" altLang="ko-KR" sz="1800" kern="1200" baseline="0" dirty="0" smtClean="0">
+                          <a:solidFill>
+                            <a:schemeClr val="tx1"/>
+                          </a:solidFill>
+                          <a:effectLst/>
+                          <a:latin typeface="배달의민족 도현" panose="020B0600000101010101" pitchFamily="50" charset="-127"/>
+                          <a:ea typeface="배달의민족 도현" panose="020B0600000101010101" pitchFamily="50" charset="-127"/>
+                          <a:cs typeface="+mn-cs"/>
+                        </a:rPr>
+                      </a:br>
+                      <a:r>
+                        <a:rPr lang="en-US" altLang="ko-KR" sz="1800" kern="1200" baseline="0" dirty="0" smtClean="0">
+                          <a:solidFill>
+                            <a:schemeClr val="tx1"/>
+                          </a:solidFill>
+                          <a:effectLst/>
+                          <a:latin typeface="배달의민족 도현" panose="020B0600000101010101" pitchFamily="50" charset="-127"/>
+                          <a:ea typeface="배달의민족 도현" panose="020B0600000101010101" pitchFamily="50" charset="-127"/>
+                          <a:cs typeface="+mn-cs"/>
+                        </a:rPr>
+                        <a:t>2. </a:t>
+                      </a:r>
+                      <a:r>
+                        <a:rPr lang="ko-KR" altLang="en-US" sz="1800" kern="1200" baseline="0" dirty="0" smtClean="0">
+                          <a:solidFill>
+                            <a:schemeClr val="tx1"/>
+                          </a:solidFill>
+                          <a:effectLst/>
+                          <a:latin typeface="배달의민족 도현" panose="020B0600000101010101" pitchFamily="50" charset="-127"/>
+                          <a:ea typeface="배달의민족 도현" panose="020B0600000101010101" pitchFamily="50" charset="-127"/>
+                          <a:cs typeface="+mn-cs"/>
+                        </a:rPr>
+                        <a:t>프린트 창을 </a:t>
+                      </a:r>
+                      <a:r>
+                        <a:rPr lang="ko-KR" altLang="en-US" sz="1800" kern="1200" baseline="0" dirty="0" err="1" smtClean="0">
+                          <a:solidFill>
+                            <a:schemeClr val="tx1"/>
+                          </a:solidFill>
+                          <a:effectLst/>
+                          <a:latin typeface="배달의민족 도현" panose="020B0600000101010101" pitchFamily="50" charset="-127"/>
+                          <a:ea typeface="배달의민족 도현" panose="020B0600000101010101" pitchFamily="50" charset="-127"/>
+                          <a:cs typeface="+mn-cs"/>
+                        </a:rPr>
+                        <a:t>띄어준다</a:t>
+                      </a:r>
+                      <a:r>
+                        <a:rPr lang="en-US" altLang="ko-KR" sz="1800" kern="1200" baseline="0" dirty="0" smtClean="0">
+                          <a:solidFill>
+                            <a:schemeClr val="tx1"/>
+                          </a:solidFill>
+                          <a:effectLst/>
+                          <a:latin typeface="배달의민족 도현" panose="020B0600000101010101" pitchFamily="50" charset="-127"/>
+                          <a:ea typeface="배달의민족 도현" panose="020B0600000101010101" pitchFamily="50" charset="-127"/>
+                          <a:cs typeface="+mn-cs"/>
+                        </a:rPr>
+                        <a:t>. (</a:t>
+                      </a:r>
+                      <a:r>
+                        <a:rPr lang="ko-KR" altLang="en-US" sz="1800" kern="1200" baseline="0" dirty="0" smtClean="0">
+                          <a:solidFill>
+                            <a:schemeClr val="tx1"/>
+                          </a:solidFill>
+                          <a:effectLst/>
+                          <a:latin typeface="배달의민족 도현" panose="020B0600000101010101" pitchFamily="50" charset="-127"/>
+                          <a:ea typeface="배달의민족 도현" panose="020B0600000101010101" pitchFamily="50" charset="-127"/>
+                          <a:cs typeface="+mn-cs"/>
+                        </a:rPr>
+                        <a:t>시스템</a:t>
+                      </a:r>
+                      <a:r>
+                        <a:rPr lang="en-US" altLang="ko-KR" sz="1800" kern="1200" baseline="0" dirty="0" smtClean="0">
+                          <a:solidFill>
+                            <a:schemeClr val="tx1"/>
+                          </a:solidFill>
+                          <a:effectLst/>
+                          <a:latin typeface="배달의민족 도현" panose="020B0600000101010101" pitchFamily="50" charset="-127"/>
+                          <a:ea typeface="배달의민족 도현" panose="020B0600000101010101" pitchFamily="50" charset="-127"/>
+                          <a:cs typeface="+mn-cs"/>
+                        </a:rPr>
+                        <a:t>)</a:t>
+                      </a:r>
+                      <a:r>
+                        <a:rPr lang="en-US" altLang="ko-KR" sz="1800" kern="1200" baseline="0" dirty="0" smtClean="0">
+                          <a:solidFill>
+                            <a:schemeClr val="tx1"/>
+                          </a:solidFill>
+                          <a:effectLst/>
                           <a:latin typeface="+mn-lt"/>
                           <a:ea typeface="+mn-ea"/>
                           <a:cs typeface="+mn-cs"/>
                         </a:rPr>
-                        <a:t> </a:t>
-                      </a:r>
-                      <a:r>
-                        <a:rPr lang="ko-KR" altLang="en-US" sz="1800" kern="1200" dirty="0" smtClean="0">
+                        <a:t/>
+                      </a:r>
+                      <a:br>
+                        <a:rPr lang="en-US" altLang="ko-KR" sz="1800" kern="1200" baseline="0" dirty="0" smtClean="0">
                           <a:solidFill>
                             <a:schemeClr val="tx1"/>
                           </a:solidFill>
@@ -16256,225 +16250,8 @@
                           <a:ea typeface="+mn-ea"/>
                           <a:cs typeface="+mn-cs"/>
                         </a:rPr>
-                        <a:t>메인화면에서 학생을 검색하거나 메인화면에서 관심있는 학생을 클릭한다</a:t>
-                      </a:r>
-                      <a:r>
-                        <a:rPr lang="en-US" altLang="ko-KR" sz="1800" kern="1200" dirty="0" smtClean="0">
-                          <a:solidFill>
-                            <a:schemeClr val="tx1"/>
-                          </a:solidFill>
-                          <a:effectLst/>
-                          <a:latin typeface="+mn-lt"/>
-                          <a:ea typeface="+mn-ea"/>
-                          <a:cs typeface="+mn-cs"/>
-                        </a:rPr>
-                        <a:t>. (</a:t>
-                      </a:r>
-                      <a:r>
-                        <a:rPr lang="ko-KR" altLang="en-US" sz="1800" kern="1200" dirty="0" err="1" smtClean="0">
-                          <a:solidFill>
-                            <a:schemeClr val="tx1"/>
-                          </a:solidFill>
-                          <a:effectLst/>
-                          <a:latin typeface="+mn-lt"/>
-                          <a:ea typeface="+mn-ea"/>
-                          <a:cs typeface="+mn-cs"/>
-                        </a:rPr>
-                        <a:t>액터</a:t>
-                      </a:r>
-                      <a:r>
-                        <a:rPr lang="en-US" altLang="ko-KR" sz="1800" kern="1200" dirty="0" smtClean="0">
-                          <a:solidFill>
-                            <a:schemeClr val="tx1"/>
-                          </a:solidFill>
-                          <a:effectLst/>
-                          <a:latin typeface="+mn-lt"/>
-                          <a:ea typeface="+mn-ea"/>
-                          <a:cs typeface="+mn-cs"/>
-                        </a:rPr>
-                        <a:t>)</a:t>
-                      </a:r>
-                      <a:endParaRPr lang="ko-KR" altLang="en-US" sz="1800" kern="1200" dirty="0" smtClean="0">
-                        <a:solidFill>
-                          <a:schemeClr val="tx1"/>
-                        </a:solidFill>
-                        <a:effectLst/>
-                        <a:latin typeface="+mn-lt"/>
-                        <a:ea typeface="+mn-ea"/>
-                        <a:cs typeface="+mn-cs"/>
-                      </a:endParaRPr>
-                    </a:p>
-                    <a:p>
-                      <a:pPr fontAlgn="base" latinLnBrk="1"/>
-                      <a:r>
-                        <a:rPr lang="en-US" altLang="ko-KR" sz="1800" kern="1200" dirty="0" smtClean="0">
-                          <a:solidFill>
-                            <a:schemeClr val="tx1"/>
-                          </a:solidFill>
-                          <a:effectLst/>
-                          <a:latin typeface="+mn-lt"/>
-                          <a:ea typeface="+mn-ea"/>
-                          <a:cs typeface="+mn-cs"/>
-                        </a:rPr>
-                        <a:t>2.  </a:t>
-                      </a:r>
-                      <a:r>
-                        <a:rPr lang="ko-KR" altLang="en-US" sz="1800" kern="1200" dirty="0" smtClean="0">
-                          <a:solidFill>
-                            <a:schemeClr val="tx1"/>
-                          </a:solidFill>
-                          <a:effectLst/>
-                          <a:latin typeface="+mn-lt"/>
-                          <a:ea typeface="+mn-ea"/>
-                          <a:cs typeface="+mn-cs"/>
-                        </a:rPr>
-                        <a:t>클릭한 학생의 </a:t>
-                      </a:r>
-                      <a:r>
-                        <a:rPr lang="ko-KR" altLang="en-US" sz="1800" kern="1200" dirty="0" err="1" smtClean="0">
-                          <a:solidFill>
-                            <a:schemeClr val="tx1"/>
-                          </a:solidFill>
-                          <a:effectLst/>
-                          <a:latin typeface="+mn-lt"/>
-                          <a:ea typeface="+mn-ea"/>
-                          <a:cs typeface="+mn-cs"/>
-                        </a:rPr>
-                        <a:t>레주메를</a:t>
-                      </a:r>
-                      <a:r>
-                        <a:rPr lang="ko-KR" altLang="en-US" sz="1800" kern="1200" dirty="0" smtClean="0">
-                          <a:solidFill>
-                            <a:schemeClr val="tx1"/>
-                          </a:solidFill>
-                          <a:effectLst/>
-                          <a:latin typeface="+mn-lt"/>
-                          <a:ea typeface="+mn-ea"/>
-                          <a:cs typeface="+mn-cs"/>
-                        </a:rPr>
-                        <a:t> 보여준다</a:t>
-                      </a:r>
-                      <a:r>
-                        <a:rPr lang="en-US" altLang="ko-KR" sz="1800" kern="1200" dirty="0" smtClean="0">
-                          <a:solidFill>
-                            <a:schemeClr val="tx1"/>
-                          </a:solidFill>
-                          <a:effectLst/>
-                          <a:latin typeface="+mn-lt"/>
-                          <a:ea typeface="+mn-ea"/>
-                          <a:cs typeface="+mn-cs"/>
-                        </a:rPr>
-                        <a:t>. (</a:t>
-                      </a:r>
-                      <a:r>
-                        <a:rPr lang="ko-KR" altLang="en-US" sz="1800" kern="1200" dirty="0" smtClean="0">
-                          <a:solidFill>
-                            <a:schemeClr val="tx1"/>
-                          </a:solidFill>
-                          <a:effectLst/>
-                          <a:latin typeface="+mn-lt"/>
-                          <a:ea typeface="+mn-ea"/>
-                          <a:cs typeface="+mn-cs"/>
-                        </a:rPr>
-                        <a:t>시스템</a:t>
-                      </a:r>
-                      <a:r>
-                        <a:rPr lang="en-US" altLang="ko-KR" sz="1800" kern="1200" dirty="0" smtClean="0">
-                          <a:solidFill>
-                            <a:schemeClr val="tx1"/>
-                          </a:solidFill>
-                          <a:effectLst/>
-                          <a:latin typeface="+mn-lt"/>
-                          <a:ea typeface="+mn-ea"/>
-                          <a:cs typeface="+mn-cs"/>
-                        </a:rPr>
-                        <a:t>) </a:t>
-                      </a:r>
-                      <a:endParaRPr lang="ko-KR" altLang="en-US" sz="1800" kern="1200" dirty="0" smtClean="0">
-                        <a:solidFill>
-                          <a:schemeClr val="tx1"/>
-                        </a:solidFill>
-                        <a:effectLst/>
-                        <a:latin typeface="+mn-lt"/>
-                        <a:ea typeface="+mn-ea"/>
-                        <a:cs typeface="+mn-cs"/>
-                      </a:endParaRPr>
-                    </a:p>
-                    <a:p>
-                      <a:pPr fontAlgn="base" latinLnBrk="1"/>
-                      <a:r>
-                        <a:rPr lang="en-US" altLang="ko-KR" sz="1800" kern="1200" dirty="0" smtClean="0">
-                          <a:solidFill>
-                            <a:schemeClr val="tx1"/>
-                          </a:solidFill>
-                          <a:effectLst/>
-                          <a:latin typeface="+mn-lt"/>
-                          <a:ea typeface="+mn-ea"/>
-                          <a:cs typeface="+mn-cs"/>
-                        </a:rPr>
-                        <a:t>3.  </a:t>
-                      </a:r>
-                      <a:r>
-                        <a:rPr lang="ko-KR" altLang="en-US" sz="1800" kern="1200" dirty="0" err="1" smtClean="0">
-                          <a:solidFill>
-                            <a:schemeClr val="tx1"/>
-                          </a:solidFill>
-                          <a:effectLst/>
-                          <a:latin typeface="+mn-lt"/>
-                          <a:ea typeface="+mn-ea"/>
-                          <a:cs typeface="+mn-cs"/>
-                        </a:rPr>
-                        <a:t>레주메를</a:t>
-                      </a:r>
-                      <a:r>
-                        <a:rPr lang="ko-KR" altLang="en-US" sz="1800" kern="1200" dirty="0" smtClean="0">
-                          <a:solidFill>
-                            <a:schemeClr val="tx1"/>
-                          </a:solidFill>
-                          <a:effectLst/>
-                          <a:latin typeface="+mn-lt"/>
-                          <a:ea typeface="+mn-ea"/>
-                          <a:cs typeface="+mn-cs"/>
-                        </a:rPr>
-                        <a:t> 열람한다</a:t>
-                      </a:r>
-                      <a:r>
-                        <a:rPr lang="en-US" altLang="ko-KR" sz="1800" kern="1200" dirty="0" smtClean="0">
-                          <a:solidFill>
-                            <a:schemeClr val="tx1"/>
-                          </a:solidFill>
-                          <a:effectLst/>
-                          <a:latin typeface="+mn-lt"/>
-                          <a:ea typeface="+mn-ea"/>
-                          <a:cs typeface="+mn-cs"/>
-                        </a:rPr>
-                        <a:t>. (</a:t>
-                      </a:r>
-                      <a:r>
-                        <a:rPr lang="ko-KR" altLang="en-US" sz="1800" kern="1200" dirty="0" err="1" smtClean="0">
-                          <a:solidFill>
-                            <a:schemeClr val="tx1"/>
-                          </a:solidFill>
-                          <a:effectLst/>
-                          <a:latin typeface="+mn-lt"/>
-                          <a:ea typeface="+mn-ea"/>
-                          <a:cs typeface="+mn-cs"/>
-                        </a:rPr>
-                        <a:t>액터</a:t>
-                      </a:r>
-                      <a:r>
-                        <a:rPr lang="en-US" altLang="ko-KR" sz="1800" kern="1200" dirty="0" smtClean="0">
-                          <a:solidFill>
-                            <a:schemeClr val="tx1"/>
-                          </a:solidFill>
-                          <a:effectLst/>
-                          <a:latin typeface="+mn-lt"/>
-                          <a:ea typeface="+mn-ea"/>
-                          <a:cs typeface="+mn-cs"/>
-                        </a:rPr>
-                        <a:t>)</a:t>
-                      </a:r>
-                      <a:endParaRPr lang="ko-KR" altLang="en-US" sz="1800" kern="1200" dirty="0">
+                      </a:br>
+                      <a:endParaRPr lang="en-US" altLang="ko-KR" sz="1800" kern="1200" dirty="0" smtClean="0">
                         <a:solidFill>
                           <a:schemeClr val="tx1"/>
                         </a:solidFill>
@@ -16522,23 +16299,7 @@
                     <a:bodyPr/>
                     <a:lstStyle/>
                     <a:p>
-                      <a:pPr marL="285750" marR="0" lvl="0" indent="-285750" algn="l" defTabSz="914400" rtl="0" eaLnBrk="1" fontAlgn="base" latinLnBrk="1" hangingPunct="1">
-                        <a:lnSpc>
-                          <a:spcPct val="100000"/>
-                        </a:lnSpc>
-                        <a:spcBef>
-                          <a:spcPts val="0"/>
-                        </a:spcBef>
-                        <a:spcAft>
-                          <a:spcPts val="0"/>
-                        </a:spcAft>
-                        <a:buClrTx/>
-                        <a:buSzTx/>
-                        <a:buFontTx/>
-                        <a:buChar char="-"/>
-                        <a:tabLst/>
-                        <a:defRPr/>
-                      </a:pPr>
+                      <a:pPr fontAlgn="base" latinLnBrk="1"/>
                       <a:r>
                         <a:rPr lang="ko-KR" altLang="en-US" sz="1800" kern="1200" dirty="0" smtClean="0">
                           <a:solidFill>
@@ -16549,18 +16310,15 @@
                           <a:ea typeface="+mn-ea"/>
                           <a:cs typeface="+mn-cs"/>
                         </a:rPr>
-                        <a:t>검색된 결과가 없으면 “일치하는 항목이 없습니다” 메시지 출력</a:t>
+                        <a:t>프린트 시스템 오류 발생시 “프린트 오류 발생” 메시지 출력</a:t>
                       </a:r>
                       <a:endParaRPr lang="ko-KR" altLang="en-US" sz="1800" kern="1200" dirty="0">
                         <a:solidFill>
-                          <a:schemeClr val="tx1">
-                            <a:lumMod val="85000"/>
-                            <a:lumOff val="15000"/>
-                          </a:schemeClr>
+                          <a:schemeClr val="tx1"/>
                         </a:solidFill>
                         <a:effectLst/>
-                        <a:latin typeface="배달의민족 도현" pitchFamily="50" charset="-127"/>
-                        <a:ea typeface="배달의민족 도현" pitchFamily="50" charset="-127"/>
+                        <a:latin typeface="+mn-lt"/>
+                        <a:ea typeface="+mn-ea"/>
                         <a:cs typeface="+mn-cs"/>
                       </a:endParaRPr>
                     </a:p>
@@ -16697,7 +16455,7 @@
     </p:spTree>
     <p:extLst>
       <p:ext uri="{BB962C8B-B14F-4D97-AF65-F5344CB8AC3E}">
-        <p14:creationId xmlns:p14="http://schemas.microsoft.com/office/powerpoint/2010/main" val="941552456"/>
+        <p14:creationId xmlns:p14="http://schemas.microsoft.com/office/powerpoint/2010/main" val="1307446906"/>
       </p:ext>
     </p:extLst>
   </p:cSld>
@@ -16867,1618 +16625,32 @@
           </a:p>
         </p:txBody>
       </p:sp>
-      <p:cxnSp>
-        <p:nvCxnSpPr>
-          <p:cNvPr id="6" name="직선 연결선 5"/>
-          <p:cNvCxnSpPr/>
+      <p:pic>
+        <p:nvPicPr>
+          <p:cNvPr id="3" name="그림 2"/>
+          <p:cNvPicPr/>
           <p:nvPr/>
-        </p:nvCxnSpPr>
+        </p:nvPicPr>
+        <p:blipFill>
+          <a:blip r:embed="rId2"/>
+          <a:stretch>
+            <a:fillRect/>
+          </a:stretch>
+        </p:blipFill>
         <p:spPr>
           <a:xfrm>
-            <a:off x="463854" y="555894"/>
-            <a:ext cx="560439" cy="0"/>
-          </a:xfrm>
-          <a:prstGeom prst="line">
-            <a:avLst/>
-          </a:prstGeom>
-          <a:ln>
-            <a:solidFill>
-              <a:schemeClr val="bg1"/>
-            </a:solidFill>
-          </a:ln>
-        </p:spPr>
-        <p:style>
-          <a:lnRef idx="1">
-            <a:schemeClr val="accent1"/>
-          </a:lnRef>
-          <a:fillRef idx="0">
-            <a:schemeClr val="accent1"/>
-          </a:fillRef>
-          <a:effectRef idx="0">
-            <a:schemeClr val="accent1"/>
-          </a:effectRef>
-          <a:fontRef idx="minor">
-            <a:schemeClr val="tx1"/>
-          </a:fontRef>
-        </p:style>
-      </p:cxnSp>
-      <p:cxnSp>
-        <p:nvCxnSpPr>
-          <p:cNvPr id="7" name="직선 연결선 6"/>
-          <p:cNvCxnSpPr/>
-          <p:nvPr/>
-        </p:nvCxnSpPr>
-        <p:spPr>
-          <a:xfrm>
-            <a:off x="486696" y="2257425"/>
-            <a:ext cx="560439" cy="0"/>
-          </a:xfrm>
-          <a:prstGeom prst="line">
-            <a:avLst/>
-          </a:prstGeom>
-          <a:ln>
-            <a:solidFill>
-              <a:schemeClr val="bg1"/>
-            </a:solidFill>
-          </a:ln>
-        </p:spPr>
-        <p:style>
-          <a:lnRef idx="1">
-            <a:schemeClr val="accent1"/>
-          </a:lnRef>
-          <a:fillRef idx="0">
-            <a:schemeClr val="accent1"/>
-          </a:fillRef>
-          <a:effectRef idx="0">
-            <a:schemeClr val="accent1"/>
-          </a:effectRef>
-          <a:fontRef idx="minor">
-            <a:schemeClr val="tx1"/>
-          </a:fontRef>
-        </p:style>
-      </p:cxnSp>
-      <p:sp>
-        <p:nvSpPr>
-          <p:cNvPr id="8" name="TextBox 7"/>
-          <p:cNvSpPr txBox="1"/>
-          <p:nvPr/>
-        </p:nvSpPr>
-        <p:spPr>
-          <a:xfrm>
-            <a:off x="353419" y="796300"/>
-            <a:ext cx="1557774" cy="1461125"/>
+            <a:off x="0" y="0"/>
+            <a:ext cx="12192000" cy="6858000"/>
           </a:xfrm>
           <a:prstGeom prst="rect">
             <a:avLst/>
           </a:prstGeom>
         </p:spPr>
-        <p:txBody>
-          <a:bodyPr vert="horz" lIns="91440" tIns="45720" rIns="91440" bIns="45720" rtlCol="0">
-            <a:noAutofit/>
-          </a:bodyPr>
-          <a:lstStyle>
-            <a:defPPr>
-              <a:defRPr lang="ko-KR"/>
-            </a:defPPr>
-            <a:lvl1pPr indent="0">
-              <a:lnSpc>
-                <a:spcPct val="100000"/>
-              </a:lnSpc>
-              <a:spcBef>
-                <a:spcPts val="1000"/>
-              </a:spcBef>
-              <a:buFont typeface="Arial" panose="020B0604020202020204" pitchFamily="34" charset="0"/>
-              <a:buNone/>
-              <a:defRPr sz="1100">
-                <a:ln>
-                  <a:solidFill>
-                    <a:schemeClr val="accent1">
-                      <a:alpha val="0"/>
-                    </a:schemeClr>
-                  </a:solidFill>
-                </a:ln>
-                <a:solidFill>
-                  <a:schemeClr val="bg1"/>
-                </a:solidFill>
-                <a:latin typeface="-윤고딕330" panose="02030504000101010101" pitchFamily="18" charset="-127"/>
-                <a:ea typeface="-윤고딕330" panose="02030504000101010101" pitchFamily="18" charset="-127"/>
-              </a:defRPr>
-            </a:lvl1pPr>
-            <a:lvl2pPr marL="685800" indent="-228600">
-              <a:lnSpc>
-                <a:spcPct val="90000"/>
-              </a:lnSpc>
-              <a:spcBef>
-                <a:spcPts val="500"/>
-              </a:spcBef>
-              <a:buFont typeface="Arial" panose="020B0604020202020204" pitchFamily="34" charset="0"/>
-              <a:buChar char="•"/>
-              <a:defRPr sz="2400"/>
-            </a:lvl2pPr>
-            <a:lvl3pPr marL="1143000" indent="-228600">
-              <a:lnSpc>
-                <a:spcPct val="90000"/>
-              </a:lnSpc>
-              <a:spcBef>
-                <a:spcPts val="500"/>
-              </a:spcBef>
-              <a:buFont typeface="Arial" panose="020B0604020202020204" pitchFamily="34" charset="0"/>
-              <a:buChar char="•"/>
-              <a:defRPr sz="2000"/>
-            </a:lvl3pPr>
-            <a:lvl4pPr marL="1600200" indent="-228600">
-              <a:lnSpc>
-                <a:spcPct val="90000"/>
-              </a:lnSpc>
-              <a:spcBef>
-                <a:spcPts val="500"/>
-              </a:spcBef>
-              <a:buFont typeface="Arial" panose="020B0604020202020204" pitchFamily="34" charset="0"/>
-              <a:buChar char="•"/>
-            </a:lvl4pPr>
-            <a:lvl5pPr marL="2057400" indent="-228600">
-              <a:lnSpc>
-                <a:spcPct val="90000"/>
-              </a:lnSpc>
-              <a:spcBef>
-                <a:spcPts val="500"/>
-              </a:spcBef>
-              <a:buFont typeface="Arial" panose="020B0604020202020204" pitchFamily="34" charset="0"/>
-              <a:buChar char="•"/>
-            </a:lvl5pPr>
-            <a:lvl6pPr marL="2514600" indent="-228600">
-              <a:lnSpc>
-                <a:spcPct val="90000"/>
-              </a:lnSpc>
-              <a:spcBef>
-                <a:spcPts val="500"/>
-              </a:spcBef>
-              <a:buFont typeface="Arial" panose="020B0604020202020204" pitchFamily="34" charset="0"/>
-              <a:buChar char="•"/>
-            </a:lvl6pPr>
-            <a:lvl7pPr marL="2971800" indent="-228600">
-              <a:lnSpc>
-                <a:spcPct val="90000"/>
-              </a:lnSpc>
-              <a:spcBef>
-                <a:spcPts val="500"/>
-              </a:spcBef>
-              <a:buFont typeface="Arial" panose="020B0604020202020204" pitchFamily="34" charset="0"/>
-              <a:buChar char="•"/>
-            </a:lvl7pPr>
-            <a:lvl8pPr marL="3429000" indent="-228600">
-              <a:lnSpc>
-                <a:spcPct val="90000"/>
-              </a:lnSpc>
-              <a:spcBef>
-                <a:spcPts val="500"/>
-              </a:spcBef>
-              <a:buFont typeface="Arial" panose="020B0604020202020204" pitchFamily="34" charset="0"/>
-              <a:buChar char="•"/>
-            </a:lvl8pPr>
-            <a:lvl9pPr marL="3886200" indent="-228600">
-              <a:lnSpc>
-                <a:spcPct val="90000"/>
-              </a:lnSpc>
-              <a:spcBef>
-                <a:spcPts val="500"/>
-              </a:spcBef>
-              <a:buFont typeface="Arial" panose="020B0604020202020204" pitchFamily="34" charset="0"/>
-              <a:buChar char="•"/>
-            </a:lvl9pPr>
-          </a:lstStyle>
-          <a:p>
-            <a:r>
-              <a:rPr lang="en-US" altLang="ko-KR" sz="2400" dirty="0">
-                <a:latin typeface="Noto Sans CJK KR Medium" panose="020B0600000000000000" pitchFamily="34" charset="-127"/>
-                <a:ea typeface="Noto Sans CJK KR Medium" panose="020B0600000000000000" pitchFamily="34" charset="-127"/>
-              </a:rPr>
-              <a:t>04</a:t>
-            </a:r>
-          </a:p>
-          <a:p>
-            <a:r>
-              <a:rPr lang="ko-KR" altLang="en-US" sz="2400" dirty="0">
-                <a:latin typeface="Noto Sans CJK KR Medium" panose="020B0600000000000000" pitchFamily="34" charset="-127"/>
-                <a:ea typeface="Noto Sans CJK KR Medium" panose="020B0600000000000000" pitchFamily="34" charset="-127"/>
-              </a:rPr>
-              <a:t>요구분석</a:t>
-            </a:r>
-          </a:p>
-        </p:txBody>
-      </p:sp>
-      <p:sp>
-        <p:nvSpPr>
-          <p:cNvPr id="28" name="TextBox 27"/>
-          <p:cNvSpPr txBox="1"/>
-          <p:nvPr/>
-        </p:nvSpPr>
-        <p:spPr>
-          <a:xfrm>
-            <a:off x="239309" y="3707886"/>
-            <a:ext cx="1785991" cy="3087656"/>
-          </a:xfrm>
-          <a:prstGeom prst="rect">
-            <a:avLst/>
-          </a:prstGeom>
-        </p:spPr>
-        <p:txBody>
-          <a:bodyPr vert="horz" lIns="91440" tIns="45720" rIns="91440" bIns="45720" rtlCol="0">
-            <a:noAutofit/>
-          </a:bodyPr>
-          <a:lstStyle>
-            <a:defPPr>
-              <a:defRPr lang="ko-KR"/>
-            </a:defPPr>
-            <a:lvl1pPr marL="228600" indent="-228600">
-              <a:lnSpc>
-                <a:spcPct val="170000"/>
-              </a:lnSpc>
-              <a:spcBef>
-                <a:spcPts val="1000"/>
-              </a:spcBef>
-              <a:buFont typeface="Arial" panose="020B0604020202020204" pitchFamily="34" charset="0"/>
-              <a:buChar char="•"/>
-              <a:defRPr>
-                <a:ln>
-                  <a:solidFill>
-                    <a:schemeClr val="accent1">
-                      <a:alpha val="0"/>
-                    </a:schemeClr>
-                  </a:solidFill>
-                </a:ln>
-                <a:solidFill>
-                  <a:schemeClr val="bg1">
-                    <a:lumMod val="50000"/>
-                  </a:schemeClr>
-                </a:solidFill>
-                <a:latin typeface="-윤고딕330" panose="02030504000101010101" pitchFamily="18" charset="-127"/>
-                <a:ea typeface="-윤고딕330" panose="02030504000101010101" pitchFamily="18" charset="-127"/>
-              </a:defRPr>
-            </a:lvl1pPr>
-            <a:lvl2pPr marL="685800" indent="-228600">
-              <a:lnSpc>
-                <a:spcPct val="90000"/>
-              </a:lnSpc>
-              <a:spcBef>
-                <a:spcPts val="500"/>
-              </a:spcBef>
-              <a:buFont typeface="Arial" panose="020B0604020202020204" pitchFamily="34" charset="0"/>
-              <a:buChar char="•"/>
-              <a:defRPr sz="2400"/>
-            </a:lvl2pPr>
-            <a:lvl3pPr marL="1143000" indent="-228600">
-              <a:lnSpc>
-                <a:spcPct val="90000"/>
-              </a:lnSpc>
-              <a:spcBef>
-                <a:spcPts val="500"/>
-              </a:spcBef>
-              <a:buFont typeface="Arial" panose="020B0604020202020204" pitchFamily="34" charset="0"/>
-              <a:buChar char="•"/>
-              <a:defRPr sz="2000"/>
-            </a:lvl3pPr>
-            <a:lvl4pPr marL="1600200" indent="-228600">
-              <a:lnSpc>
-                <a:spcPct val="90000"/>
-              </a:lnSpc>
-              <a:spcBef>
-                <a:spcPts val="500"/>
-              </a:spcBef>
-              <a:buFont typeface="Arial" panose="020B0604020202020204" pitchFamily="34" charset="0"/>
-              <a:buChar char="•"/>
-            </a:lvl4pPr>
-            <a:lvl5pPr marL="2057400" indent="-228600">
-              <a:lnSpc>
-                <a:spcPct val="90000"/>
-              </a:lnSpc>
-              <a:spcBef>
-                <a:spcPts val="500"/>
-              </a:spcBef>
-              <a:buFont typeface="Arial" panose="020B0604020202020204" pitchFamily="34" charset="0"/>
-              <a:buChar char="•"/>
-            </a:lvl5pPr>
-            <a:lvl6pPr marL="2514600" indent="-228600">
-              <a:lnSpc>
-                <a:spcPct val="90000"/>
-              </a:lnSpc>
-              <a:spcBef>
-                <a:spcPts val="500"/>
-              </a:spcBef>
-              <a:buFont typeface="Arial" panose="020B0604020202020204" pitchFamily="34" charset="0"/>
-              <a:buChar char="•"/>
-            </a:lvl6pPr>
-            <a:lvl7pPr marL="2971800" indent="-228600">
-              <a:lnSpc>
-                <a:spcPct val="90000"/>
-              </a:lnSpc>
-              <a:spcBef>
-                <a:spcPts val="500"/>
-              </a:spcBef>
-              <a:buFont typeface="Arial" panose="020B0604020202020204" pitchFamily="34" charset="0"/>
-              <a:buChar char="•"/>
-            </a:lvl7pPr>
-            <a:lvl8pPr marL="3429000" indent="-228600">
-              <a:lnSpc>
-                <a:spcPct val="90000"/>
-              </a:lnSpc>
-              <a:spcBef>
-                <a:spcPts val="500"/>
-              </a:spcBef>
-              <a:buFont typeface="Arial" panose="020B0604020202020204" pitchFamily="34" charset="0"/>
-              <a:buChar char="•"/>
-            </a:lvl8pPr>
-            <a:lvl9pPr marL="3886200" indent="-228600">
-              <a:lnSpc>
-                <a:spcPct val="90000"/>
-              </a:lnSpc>
-              <a:spcBef>
-                <a:spcPts val="500"/>
-              </a:spcBef>
-              <a:buFont typeface="Arial" panose="020B0604020202020204" pitchFamily="34" charset="0"/>
-              <a:buChar char="•"/>
-            </a:lvl9pPr>
-          </a:lstStyle>
-          <a:p>
-            <a:pPr marL="0" indent="0">
-              <a:lnSpc>
-                <a:spcPct val="100000"/>
-              </a:lnSpc>
-              <a:buNone/>
-            </a:pPr>
-            <a:r>
-              <a:rPr lang="en-US" altLang="ko-KR" sz="1100" b="1" dirty="0">
-                <a:solidFill>
-                  <a:schemeClr val="bg2">
-                    <a:lumMod val="75000"/>
-                  </a:schemeClr>
-                </a:solidFill>
-                <a:latin typeface="Noto Sans CJK KR Medium" panose="020B0600000000000000" pitchFamily="34" charset="-127"/>
-                <a:ea typeface="Noto Sans CJK KR Medium" panose="020B0600000000000000" pitchFamily="34" charset="-127"/>
-              </a:rPr>
-              <a:t>01 </a:t>
-            </a:r>
-            <a:r>
-              <a:rPr lang="ko-KR" altLang="en-US" sz="1100" b="1" dirty="0">
-                <a:solidFill>
-                  <a:schemeClr val="bg2">
-                    <a:lumMod val="75000"/>
-                  </a:schemeClr>
-                </a:solidFill>
-                <a:latin typeface="Noto Sans CJK KR Medium" panose="020B0600000000000000" pitchFamily="34" charset="-127"/>
-                <a:ea typeface="Noto Sans CJK KR Medium" panose="020B0600000000000000" pitchFamily="34" charset="-127"/>
-              </a:rPr>
-              <a:t>요구사항 도출</a:t>
-            </a:r>
-            <a:endParaRPr lang="en-US" altLang="ko-KR" sz="1100" b="1" dirty="0">
-              <a:solidFill>
-                <a:schemeClr val="bg2">
-                  <a:lumMod val="75000"/>
-                </a:schemeClr>
-              </a:solidFill>
-              <a:latin typeface="Noto Sans CJK KR Medium" panose="020B0600000000000000" pitchFamily="34" charset="-127"/>
-              <a:ea typeface="Noto Sans CJK KR Medium" panose="020B0600000000000000" pitchFamily="34" charset="-127"/>
-            </a:endParaRPr>
-          </a:p>
-          <a:p>
-            <a:pPr marL="0" indent="0">
-              <a:lnSpc>
-                <a:spcPct val="100000"/>
-              </a:lnSpc>
-              <a:buNone/>
-            </a:pPr>
-            <a:r>
-              <a:rPr lang="en-US" altLang="ko-KR" sz="1100" b="1" dirty="0">
-                <a:solidFill>
-                  <a:schemeClr val="bg2">
-                    <a:lumMod val="75000"/>
-                  </a:schemeClr>
-                </a:solidFill>
-                <a:latin typeface="Noto Sans CJK KR Medium" panose="020B0600000000000000" pitchFamily="34" charset="-127"/>
-                <a:ea typeface="Noto Sans CJK KR Medium" panose="020B0600000000000000" pitchFamily="34" charset="-127"/>
-              </a:rPr>
-              <a:t>02 </a:t>
-            </a:r>
-            <a:r>
-              <a:rPr lang="ko-KR" altLang="en-US" sz="1100" b="1" dirty="0">
-                <a:solidFill>
-                  <a:schemeClr val="bg2">
-                    <a:lumMod val="75000"/>
-                  </a:schemeClr>
-                </a:solidFill>
-                <a:latin typeface="Noto Sans CJK KR Medium" panose="020B0600000000000000" pitchFamily="34" charset="-127"/>
-                <a:ea typeface="Noto Sans CJK KR Medium" panose="020B0600000000000000" pitchFamily="34" charset="-127"/>
-              </a:rPr>
-              <a:t>요구사항 분석</a:t>
-            </a:r>
-            <a:endParaRPr lang="en-US" altLang="ko-KR" sz="1100" b="1" dirty="0">
-              <a:solidFill>
-                <a:schemeClr val="bg2">
-                  <a:lumMod val="75000"/>
-                </a:schemeClr>
-              </a:solidFill>
-              <a:latin typeface="Noto Sans CJK KR Medium" panose="020B0600000000000000" pitchFamily="34" charset="-127"/>
-              <a:ea typeface="Noto Sans CJK KR Medium" panose="020B0600000000000000" pitchFamily="34" charset="-127"/>
-            </a:endParaRPr>
-          </a:p>
-          <a:p>
-            <a:pPr marL="0" indent="0">
-              <a:lnSpc>
-                <a:spcPct val="100000"/>
-              </a:lnSpc>
-              <a:buNone/>
-            </a:pPr>
-            <a:r>
-              <a:rPr lang="en-US" altLang="ko-KR" sz="1100" b="1" dirty="0">
-                <a:solidFill>
-                  <a:schemeClr val="bg1"/>
-                </a:solidFill>
-                <a:latin typeface="Noto Sans CJK KR Medium" panose="020B0600000000000000" pitchFamily="34" charset="-127"/>
-                <a:ea typeface="Noto Sans CJK KR Medium" panose="020B0600000000000000" pitchFamily="34" charset="-127"/>
-              </a:rPr>
-              <a:t>03 </a:t>
-            </a:r>
-            <a:r>
-              <a:rPr lang="ko-KR" altLang="en-US" sz="1100" b="1" dirty="0">
-                <a:solidFill>
-                  <a:schemeClr val="bg1"/>
-                </a:solidFill>
-                <a:latin typeface="Noto Sans CJK KR Medium" panose="020B0600000000000000" pitchFamily="34" charset="-127"/>
-                <a:ea typeface="Noto Sans CJK KR Medium" panose="020B0600000000000000" pitchFamily="34" charset="-127"/>
-              </a:rPr>
-              <a:t>사용사례 작성</a:t>
-            </a:r>
-            <a:endParaRPr lang="en-US" altLang="ko-KR" sz="1100" b="1" dirty="0">
-              <a:solidFill>
-                <a:schemeClr val="bg1"/>
-              </a:solidFill>
-              <a:latin typeface="Noto Sans CJK KR Medium" panose="020B0600000000000000" pitchFamily="34" charset="-127"/>
-              <a:ea typeface="Noto Sans CJK KR Medium" panose="020B0600000000000000" pitchFamily="34" charset="-127"/>
-            </a:endParaRPr>
-          </a:p>
-          <a:p>
-            <a:pPr marL="0" indent="0">
-              <a:lnSpc>
-                <a:spcPct val="100000"/>
-              </a:lnSpc>
-              <a:buNone/>
-            </a:pPr>
-            <a:r>
-              <a:rPr lang="en-US" altLang="ko-KR" sz="1100" dirty="0">
-                <a:solidFill>
-                  <a:schemeClr val="bg2">
-                    <a:lumMod val="75000"/>
-                  </a:schemeClr>
-                </a:solidFill>
-                <a:latin typeface="Noto Sans CJK KR Medium" panose="020B0600000000000000" pitchFamily="34" charset="-127"/>
-                <a:ea typeface="Noto Sans CJK KR Medium" panose="020B0600000000000000" pitchFamily="34" charset="-127"/>
-              </a:rPr>
-              <a:t>04 </a:t>
-            </a:r>
-            <a:r>
-              <a:rPr lang="ko-KR" altLang="en-US" sz="1100" dirty="0">
-                <a:solidFill>
-                  <a:schemeClr val="bg2">
-                    <a:lumMod val="75000"/>
-                  </a:schemeClr>
-                </a:solidFill>
-                <a:latin typeface="Noto Sans CJK KR Medium" panose="020B0600000000000000" pitchFamily="34" charset="-127"/>
-                <a:ea typeface="Noto Sans CJK KR Medium" panose="020B0600000000000000" pitchFamily="34" charset="-127"/>
-              </a:rPr>
-              <a:t>요구사항 분석서 </a:t>
-            </a:r>
-            <a:r>
-              <a:rPr lang="en-US" altLang="ko-KR" sz="1100" dirty="0">
-                <a:solidFill>
-                  <a:schemeClr val="bg2">
-                    <a:lumMod val="75000"/>
-                  </a:schemeClr>
-                </a:solidFill>
-                <a:latin typeface="Noto Sans CJK KR Medium" panose="020B0600000000000000" pitchFamily="34" charset="-127"/>
-                <a:ea typeface="Noto Sans CJK KR Medium" panose="020B0600000000000000" pitchFamily="34" charset="-127"/>
-              </a:rPr>
-              <a:t>&amp; </a:t>
-            </a:r>
-            <a:r>
-              <a:rPr lang="ko-KR" altLang="en-US" sz="1100" dirty="0">
-                <a:solidFill>
-                  <a:schemeClr val="bg2">
-                    <a:lumMod val="75000"/>
-                  </a:schemeClr>
-                </a:solidFill>
-                <a:latin typeface="Noto Sans CJK KR Medium" panose="020B0600000000000000" pitchFamily="34" charset="-127"/>
-                <a:ea typeface="Noto Sans CJK KR Medium" panose="020B0600000000000000" pitchFamily="34" charset="-127"/>
-              </a:rPr>
-              <a:t>검증 및 확인</a:t>
-            </a:r>
-          </a:p>
-        </p:txBody>
-      </p:sp>
-      <p:sp>
-        <p:nvSpPr>
-          <p:cNvPr id="29" name="직사각형 28"/>
-          <p:cNvSpPr/>
-          <p:nvPr/>
-        </p:nvSpPr>
-        <p:spPr>
-          <a:xfrm>
-            <a:off x="9291319" y="6537278"/>
-            <a:ext cx="2900681" cy="320722"/>
-          </a:xfrm>
-          <a:prstGeom prst="rect">
-            <a:avLst/>
-          </a:prstGeom>
-          <a:solidFill>
-            <a:schemeClr val="bg1"/>
-          </a:solidFill>
-          <a:ln>
-            <a:solidFill>
-              <a:schemeClr val="bg1"/>
-            </a:solidFill>
-          </a:ln>
-        </p:spPr>
-        <p:style>
-          <a:lnRef idx="2">
-            <a:schemeClr val="accent1">
-              <a:shade val="50000"/>
-            </a:schemeClr>
-          </a:lnRef>
-          <a:fillRef idx="1">
-            <a:schemeClr val="accent1"/>
-          </a:fillRef>
-          <a:effectRef idx="0">
-            <a:schemeClr val="accent1"/>
-          </a:effectRef>
-          <a:fontRef idx="minor">
-            <a:schemeClr val="lt1"/>
-          </a:fontRef>
-        </p:style>
-        <p:txBody>
-          <a:bodyPr rtlCol="0" anchor="ctr"/>
-          <a:lstStyle/>
-          <a:p>
-            <a:pPr algn="ctr"/>
-            <a:endParaRPr lang="ko-KR" altLang="en-US"/>
-          </a:p>
-        </p:txBody>
-      </p:sp>
-      <p:sp>
-        <p:nvSpPr>
-          <p:cNvPr id="31" name="직사각형 30"/>
-          <p:cNvSpPr/>
-          <p:nvPr/>
-        </p:nvSpPr>
-        <p:spPr>
-          <a:xfrm>
-            <a:off x="2752167" y="1089843"/>
-            <a:ext cx="4115229" cy="461665"/>
-          </a:xfrm>
-          <a:prstGeom prst="rect">
-            <a:avLst/>
-          </a:prstGeom>
-        </p:spPr>
-        <p:txBody>
-          <a:bodyPr wrap="none">
-            <a:spAutoFit/>
-          </a:bodyPr>
-          <a:lstStyle/>
-          <a:p>
-            <a:pPr>
-              <a:spcBef>
-                <a:spcPts val="1000"/>
-              </a:spcBef>
-            </a:pPr>
-            <a:r>
-              <a:rPr lang="ko-KR" altLang="en-US" sz="2400" spc="-150" dirty="0">
-                <a:ln>
-                  <a:solidFill>
-                    <a:schemeClr val="accent1">
-                      <a:alpha val="0"/>
-                    </a:schemeClr>
-                  </a:solidFill>
-                </a:ln>
-                <a:solidFill>
-                  <a:srgbClr val="282421"/>
-                </a:solidFill>
-                <a:latin typeface="Noto Sans CJK KR Medium" panose="020B0600000000000000" pitchFamily="34" charset="-127"/>
-                <a:ea typeface="Noto Sans CJK KR Medium" panose="020B0600000000000000" pitchFamily="34" charset="-127"/>
-              </a:rPr>
-              <a:t>사용사례 작성 </a:t>
-            </a:r>
-            <a:r>
-              <a:rPr lang="en-US" altLang="ko-KR" sz="2400" spc="-150" dirty="0">
-                <a:ln>
-                  <a:solidFill>
-                    <a:schemeClr val="accent1">
-                      <a:alpha val="0"/>
-                    </a:schemeClr>
-                  </a:solidFill>
-                </a:ln>
-                <a:solidFill>
-                  <a:srgbClr val="282421"/>
-                </a:solidFill>
-                <a:latin typeface="Noto Sans CJK KR Medium" panose="020B0600000000000000" pitchFamily="34" charset="-127"/>
-                <a:ea typeface="Noto Sans CJK KR Medium" panose="020B0600000000000000" pitchFamily="34" charset="-127"/>
-              </a:rPr>
-              <a:t>– </a:t>
-            </a:r>
-            <a:r>
-              <a:rPr lang="ko-KR" altLang="en-US" sz="2400" spc="-150" dirty="0">
-                <a:ln>
-                  <a:solidFill>
-                    <a:schemeClr val="accent1">
-                      <a:alpha val="0"/>
-                    </a:schemeClr>
-                  </a:solidFill>
-                </a:ln>
-                <a:solidFill>
-                  <a:srgbClr val="282421"/>
-                </a:solidFill>
-                <a:latin typeface="Noto Sans CJK KR Medium" panose="020B0600000000000000" pitchFamily="34" charset="-127"/>
-                <a:ea typeface="Noto Sans CJK KR Medium" panose="020B0600000000000000" pitchFamily="34" charset="-127"/>
-              </a:rPr>
-              <a:t>시나리오 작성</a:t>
-            </a:r>
-            <a:endParaRPr lang="en-US" altLang="ko-KR" sz="2400" spc="-150" dirty="0">
-              <a:ln>
-                <a:solidFill>
-                  <a:schemeClr val="accent1">
-                    <a:alpha val="0"/>
-                  </a:schemeClr>
-                </a:solidFill>
-              </a:ln>
-              <a:solidFill>
-                <a:srgbClr val="282421"/>
-              </a:solidFill>
-              <a:latin typeface="Noto Sans CJK KR Medium" panose="020B0600000000000000" pitchFamily="34" charset="-127"/>
-              <a:ea typeface="Noto Sans CJK KR Medium" panose="020B0600000000000000" pitchFamily="34" charset="-127"/>
-            </a:endParaRPr>
-          </a:p>
-        </p:txBody>
-      </p:sp>
-      <p:graphicFrame>
-        <p:nvGraphicFramePr>
-          <p:cNvPr id="12" name="내용 개체 틀 4"/>
-          <p:cNvGraphicFramePr>
-            <a:graphicFrameLocks/>
-          </p:cNvGraphicFramePr>
-          <p:nvPr>
-            <p:extLst>
-              <p:ext uri="{D42A27DB-BD31-4B8C-83A1-F6EECF244321}">
-                <p14:modId xmlns:p14="http://schemas.microsoft.com/office/powerpoint/2010/main" val="2538570514"/>
-              </p:ext>
-            </p:extLst>
-          </p:nvPr>
-        </p:nvGraphicFramePr>
-        <p:xfrm>
-          <a:off x="2574745" y="2107300"/>
-          <a:ext cx="9257167" cy="4560282"/>
-        </p:xfrm>
-        <a:graphic>
-          <a:graphicData uri="http://schemas.openxmlformats.org/drawingml/2006/table">
-            <a:tbl>
-              <a:tblPr firstRow="1" bandRow="1">
-                <a:tableStyleId>{3B4B98B0-60AC-42C2-AFA5-B58CD77FA1E5}</a:tableStyleId>
-              </a:tblPr>
-              <a:tblGrid>
-                <a:gridCol w="1466806">
-                  <a:extLst>
-                    <a:ext uri="{9D8B030D-6E8A-4147-A177-3AD203B41FA5}">
-                      <a16:colId xmlns:a16="http://schemas.microsoft.com/office/drawing/2014/main" val="20000"/>
-                    </a:ext>
-                  </a:extLst>
-                </a:gridCol>
-                <a:gridCol w="7790361">
-                  <a:extLst>
-                    <a:ext uri="{9D8B030D-6E8A-4147-A177-3AD203B41FA5}">
-                      <a16:colId xmlns:a16="http://schemas.microsoft.com/office/drawing/2014/main" val="20001"/>
-                    </a:ext>
-                  </a:extLst>
-                </a:gridCol>
-              </a:tblGrid>
-              <a:tr h="600289">
-                <a:tc>
-                  <a:txBody>
-                    <a:bodyPr/>
-                    <a:lstStyle/>
-                    <a:p>
-                      <a:pPr algn="ctr" latinLnBrk="1"/>
-                      <a:r>
-                        <a:rPr lang="ko-KR" altLang="en-US" b="1" dirty="0">
-                          <a:solidFill>
-                            <a:schemeClr val="tx1">
-                              <a:lumMod val="85000"/>
-                              <a:lumOff val="15000"/>
-                            </a:schemeClr>
-                          </a:solidFill>
-                          <a:latin typeface="HY헤드라인M" pitchFamily="18" charset="-127"/>
-                          <a:ea typeface="HY헤드라인M" pitchFamily="18" charset="-127"/>
-                        </a:rPr>
-                        <a:t>시나리오 이름</a:t>
-                      </a:r>
-                    </a:p>
-                  </a:txBody>
-                  <a:tcPr/>
-                </a:tc>
-                <a:tc>
-                  <a:txBody>
-                    <a:bodyPr/>
-                    <a:lstStyle/>
-                    <a:p>
-                      <a:pPr fontAlgn="base" latinLnBrk="1"/>
-                      <a:r>
-                        <a:rPr lang="ko-KR" altLang="en-US" sz="1800" b="1" kern="1200" dirty="0" err="1" smtClean="0">
-                          <a:solidFill>
-                            <a:schemeClr val="tx1"/>
-                          </a:solidFill>
-                          <a:effectLst/>
-                          <a:latin typeface="+mn-lt"/>
-                          <a:ea typeface="+mn-ea"/>
-                          <a:cs typeface="+mn-cs"/>
-                        </a:rPr>
-                        <a:t>레주메</a:t>
-                      </a:r>
-                      <a:r>
-                        <a:rPr lang="ko-KR" altLang="en-US" sz="1800" b="1" kern="1200" dirty="0" smtClean="0">
-                          <a:solidFill>
-                            <a:schemeClr val="tx1"/>
-                          </a:solidFill>
-                          <a:effectLst/>
-                          <a:latin typeface="+mn-lt"/>
-                          <a:ea typeface="+mn-ea"/>
-                          <a:cs typeface="+mn-cs"/>
-                        </a:rPr>
-                        <a:t> 출력</a:t>
-                      </a:r>
-                      <a:endParaRPr lang="ko-KR" altLang="en-US" sz="1800" b="1" kern="1200" dirty="0">
-                        <a:solidFill>
-                          <a:schemeClr val="tx1"/>
-                        </a:solidFill>
-                        <a:effectLst/>
-                        <a:latin typeface="+mn-lt"/>
-                        <a:ea typeface="+mn-ea"/>
-                        <a:cs typeface="+mn-cs"/>
-                      </a:endParaRPr>
-                    </a:p>
-                  </a:txBody>
-                  <a:tcPr/>
-                </a:tc>
-                <a:extLst>
-                  <a:ext uri="{0D108BD9-81ED-4DB2-BD59-A6C34878D82A}">
-                    <a16:rowId xmlns:a16="http://schemas.microsoft.com/office/drawing/2014/main" val="10000"/>
-                  </a:ext>
-                </a:extLst>
-              </a:tr>
-              <a:tr h="343022">
-                <a:tc>
-                  <a:txBody>
-                    <a:bodyPr/>
-                    <a:lstStyle/>
-                    <a:p>
-                      <a:pPr algn="ctr" latinLnBrk="1"/>
-                      <a:r>
-                        <a:rPr lang="ko-KR" altLang="en-US" b="1" dirty="0">
-                          <a:solidFill>
-                            <a:schemeClr val="tx1">
-                              <a:lumMod val="85000"/>
-                              <a:lumOff val="15000"/>
-                            </a:schemeClr>
-                          </a:solidFill>
-                          <a:latin typeface="HY헤드라인M" pitchFamily="18" charset="-127"/>
-                          <a:ea typeface="HY헤드라인M" pitchFamily="18" charset="-127"/>
-                        </a:rPr>
-                        <a:t>참여 </a:t>
-                      </a:r>
-                      <a:r>
-                        <a:rPr lang="ko-KR" altLang="en-US" b="1" dirty="0" err="1">
-                          <a:solidFill>
-                            <a:schemeClr val="tx1">
-                              <a:lumMod val="85000"/>
-                              <a:lumOff val="15000"/>
-                            </a:schemeClr>
-                          </a:solidFill>
-                          <a:latin typeface="HY헤드라인M" pitchFamily="18" charset="-127"/>
-                          <a:ea typeface="HY헤드라인M" pitchFamily="18" charset="-127"/>
-                        </a:rPr>
-                        <a:t>액터</a:t>
-                      </a:r>
-                      <a:endParaRPr lang="ko-KR" altLang="en-US" b="1" dirty="0">
-                        <a:solidFill>
-                          <a:schemeClr val="tx1">
-                            <a:lumMod val="85000"/>
-                            <a:lumOff val="15000"/>
-                          </a:schemeClr>
-                        </a:solidFill>
-                        <a:latin typeface="HY헤드라인M" pitchFamily="18" charset="-127"/>
-                        <a:ea typeface="HY헤드라인M" pitchFamily="18" charset="-127"/>
-                      </a:endParaRPr>
-                    </a:p>
-                  </a:txBody>
-                  <a:tcPr/>
-                </a:tc>
-                <a:tc>
-                  <a:txBody>
-                    <a:bodyPr/>
-                    <a:lstStyle/>
-                    <a:p>
-                      <a:r>
-                        <a:rPr lang="ko-KR" altLang="en-US" sz="1800" kern="1200" dirty="0" smtClean="0">
-                          <a:solidFill>
-                            <a:schemeClr val="tx1">
-                              <a:lumMod val="85000"/>
-                              <a:lumOff val="15000"/>
-                            </a:schemeClr>
-                          </a:solidFill>
-                          <a:latin typeface="HY헤드라인M" pitchFamily="18" charset="-127"/>
-                          <a:ea typeface="HY헤드라인M" pitchFamily="18" charset="-127"/>
-                          <a:cs typeface="+mn-cs"/>
-                        </a:rPr>
-                        <a:t>사이트 사용자</a:t>
-                      </a:r>
-                      <a:endParaRPr lang="en-US" sz="1800" kern="1200" dirty="0">
-                        <a:solidFill>
-                          <a:schemeClr val="tx1">
-                            <a:lumMod val="85000"/>
-                            <a:lumOff val="15000"/>
-                          </a:schemeClr>
-                        </a:solidFill>
-                        <a:latin typeface="HY헤드라인M" pitchFamily="18" charset="-127"/>
-                        <a:ea typeface="HY헤드라인M" pitchFamily="18" charset="-127"/>
-                        <a:cs typeface="+mn-cs"/>
-                      </a:endParaRPr>
-                    </a:p>
-                  </a:txBody>
-                  <a:tcPr/>
-                </a:tc>
-                <a:extLst>
-                  <a:ext uri="{0D108BD9-81ED-4DB2-BD59-A6C34878D82A}">
-                    <a16:rowId xmlns:a16="http://schemas.microsoft.com/office/drawing/2014/main" val="10001"/>
-                  </a:ext>
-                </a:extLst>
-              </a:tr>
-              <a:tr h="343022">
-                <a:tc>
-                  <a:txBody>
-                    <a:bodyPr/>
-                    <a:lstStyle/>
-                    <a:p>
-                      <a:pPr algn="ctr" latinLnBrk="1"/>
-                      <a:r>
-                        <a:rPr lang="ko-KR" altLang="en-US" b="1" dirty="0">
-                          <a:solidFill>
-                            <a:schemeClr val="tx1">
-                              <a:lumMod val="85000"/>
-                              <a:lumOff val="15000"/>
-                            </a:schemeClr>
-                          </a:solidFill>
-                          <a:latin typeface="HY헤드라인M" pitchFamily="18" charset="-127"/>
-                          <a:ea typeface="HY헤드라인M" pitchFamily="18" charset="-127"/>
-                        </a:rPr>
-                        <a:t>시작 조건</a:t>
-                      </a:r>
-                    </a:p>
-                  </a:txBody>
-                  <a:tcPr/>
-                </a:tc>
-                <a:tc>
-                  <a:txBody>
-                    <a:bodyPr/>
-                    <a:lstStyle/>
-                    <a:p>
-                      <a:pPr marL="0" marR="0" indent="0" algn="l" defTabSz="914400" rtl="0" eaLnBrk="1" fontAlgn="auto" latinLnBrk="1" hangingPunct="1">
-                        <a:lnSpc>
-                          <a:spcPct val="100000"/>
-                        </a:lnSpc>
-                        <a:spcBef>
-                          <a:spcPts val="0"/>
-                        </a:spcBef>
-                        <a:spcAft>
-                          <a:spcPts val="0"/>
-                        </a:spcAft>
-                        <a:buClrTx/>
-                        <a:buSzTx/>
-                        <a:buFontTx/>
-                        <a:buNone/>
-                        <a:tabLst/>
-                        <a:defRPr/>
-                      </a:pPr>
-                      <a:r>
-                        <a:rPr lang="ko-KR" altLang="en-US" sz="1800" kern="1200" dirty="0" err="1" smtClean="0">
-                          <a:solidFill>
-                            <a:schemeClr val="tx1">
-                              <a:lumMod val="85000"/>
-                              <a:lumOff val="15000"/>
-                            </a:schemeClr>
-                          </a:solidFill>
-                          <a:latin typeface="HY헤드라인M" pitchFamily="18" charset="-127"/>
-                          <a:ea typeface="HY헤드라인M" pitchFamily="18" charset="-127"/>
-                          <a:cs typeface="+mn-cs"/>
-                        </a:rPr>
-                        <a:t>로그인이</a:t>
-                      </a:r>
-                      <a:r>
-                        <a:rPr lang="ko-KR" altLang="en-US" sz="1800" kern="1200" dirty="0" smtClean="0">
-                          <a:solidFill>
-                            <a:schemeClr val="tx1">
-                              <a:lumMod val="85000"/>
-                              <a:lumOff val="15000"/>
-                            </a:schemeClr>
-                          </a:solidFill>
-                          <a:latin typeface="HY헤드라인M" pitchFamily="18" charset="-127"/>
-                          <a:ea typeface="HY헤드라인M" pitchFamily="18" charset="-127"/>
-                          <a:cs typeface="+mn-cs"/>
-                        </a:rPr>
-                        <a:t> 되어 있는 상태여야 한다</a:t>
-                      </a:r>
-                      <a:r>
-                        <a:rPr lang="en-US" altLang="ko-KR" sz="1800" kern="1200" dirty="0" smtClean="0">
-                          <a:solidFill>
-                            <a:schemeClr val="tx1">
-                              <a:lumMod val="85000"/>
-                              <a:lumOff val="15000"/>
-                            </a:schemeClr>
-                          </a:solidFill>
-                          <a:latin typeface="HY헤드라인M" pitchFamily="18" charset="-127"/>
-                          <a:ea typeface="HY헤드라인M" pitchFamily="18" charset="-127"/>
-                          <a:cs typeface="+mn-cs"/>
-                        </a:rPr>
-                        <a:t>.</a:t>
-                      </a:r>
-                      <a:endParaRPr lang="en-US" altLang="ko-KR" sz="1800" kern="1200" dirty="0">
-                        <a:solidFill>
-                          <a:schemeClr val="tx1">
-                            <a:lumMod val="85000"/>
-                            <a:lumOff val="15000"/>
-                          </a:schemeClr>
-                        </a:solidFill>
-                        <a:latin typeface="HY헤드라인M" pitchFamily="18" charset="-127"/>
-                        <a:ea typeface="HY헤드라인M" pitchFamily="18" charset="-127"/>
-                        <a:cs typeface="+mn-cs"/>
-                      </a:endParaRPr>
-                    </a:p>
-                  </a:txBody>
-                  <a:tcPr/>
-                </a:tc>
-                <a:extLst>
-                  <a:ext uri="{0D108BD9-81ED-4DB2-BD59-A6C34878D82A}">
-                    <a16:rowId xmlns:a16="http://schemas.microsoft.com/office/drawing/2014/main" val="10002"/>
-                  </a:ext>
-                </a:extLst>
-              </a:tr>
-              <a:tr h="1451322">
-                <a:tc>
-                  <a:txBody>
-                    <a:bodyPr/>
-                    <a:lstStyle/>
-                    <a:p>
-                      <a:pPr algn="ctr" latinLnBrk="1"/>
-                      <a:r>
-                        <a:rPr lang="ko-KR" altLang="en-US" b="1" dirty="0">
-                          <a:solidFill>
-                            <a:schemeClr val="tx1">
-                              <a:lumMod val="85000"/>
-                              <a:lumOff val="15000"/>
-                            </a:schemeClr>
-                          </a:solidFill>
-                          <a:latin typeface="HY헤드라인M" pitchFamily="18" charset="-127"/>
-                          <a:ea typeface="HY헤드라인M" pitchFamily="18" charset="-127"/>
-                        </a:rPr>
-                        <a:t>정상 흐름</a:t>
-                      </a:r>
-                    </a:p>
-                  </a:txBody>
-                  <a:tcPr/>
-                </a:tc>
-                <a:tc>
-                  <a:txBody>
-                    <a:bodyPr/>
-                    <a:lstStyle/>
-                    <a:p>
-                      <a:pPr fontAlgn="base" latinLnBrk="1"/>
-                      <a:r>
-                        <a:rPr lang="en-US" altLang="ko-KR" sz="1800" kern="1200" dirty="0" smtClean="0">
-                          <a:solidFill>
-                            <a:schemeClr val="tx1"/>
-                          </a:solidFill>
-                          <a:effectLst/>
-                          <a:latin typeface="+mn-lt"/>
-                          <a:ea typeface="+mn-ea"/>
-                          <a:cs typeface="+mn-cs"/>
-                        </a:rPr>
-                        <a:t>1. </a:t>
-                      </a:r>
-                      <a:r>
-                        <a:rPr lang="ko-KR" altLang="en-US" sz="1800" kern="1200" dirty="0" smtClean="0">
-                          <a:solidFill>
-                            <a:schemeClr val="tx1"/>
-                          </a:solidFill>
-                          <a:effectLst/>
-                          <a:latin typeface="+mn-lt"/>
-                          <a:ea typeface="+mn-ea"/>
-                          <a:cs typeface="+mn-cs"/>
-                        </a:rPr>
-                        <a:t>메인화면에서 학생을 검색하거나 메인화면에서 관심있는 학생을 클릭한다</a:t>
-                      </a:r>
-                      <a:r>
-                        <a:rPr lang="en-US" altLang="ko-KR" sz="1800" kern="1200" dirty="0" smtClean="0">
-                          <a:solidFill>
-                            <a:schemeClr val="tx1"/>
-                          </a:solidFill>
-                          <a:effectLst/>
-                          <a:latin typeface="+mn-lt"/>
-                          <a:ea typeface="+mn-ea"/>
-                          <a:cs typeface="+mn-cs"/>
-                        </a:rPr>
-                        <a:t>. (</a:t>
-                      </a:r>
-                      <a:r>
-                        <a:rPr lang="ko-KR" altLang="en-US" sz="1800" kern="1200" dirty="0" err="1" smtClean="0">
-                          <a:solidFill>
-                            <a:schemeClr val="tx1"/>
-                          </a:solidFill>
-                          <a:effectLst/>
-                          <a:latin typeface="+mn-lt"/>
-                          <a:ea typeface="+mn-ea"/>
-                          <a:cs typeface="+mn-cs"/>
-                        </a:rPr>
-                        <a:t>액터</a:t>
-                      </a:r>
-                      <a:r>
-                        <a:rPr lang="en-US" altLang="ko-KR" sz="1800" kern="1200" dirty="0" smtClean="0">
-                          <a:solidFill>
-                            <a:schemeClr val="tx1"/>
-                          </a:solidFill>
-                          <a:effectLst/>
-                          <a:latin typeface="+mn-lt"/>
-                          <a:ea typeface="+mn-ea"/>
-                          <a:cs typeface="+mn-cs"/>
-                        </a:rPr>
-                        <a:t>)</a:t>
-                      </a:r>
-                    </a:p>
-                    <a:p>
-                      <a:pPr fontAlgn="base" latinLnBrk="1"/>
-                      <a:r>
-                        <a:rPr lang="en-US" altLang="ko-KR" sz="1800" kern="1200" dirty="0" smtClean="0">
-                          <a:solidFill>
-                            <a:schemeClr val="tx1"/>
-                          </a:solidFill>
-                          <a:effectLst/>
-                          <a:latin typeface="+mn-lt"/>
-                          <a:ea typeface="+mn-ea"/>
-                          <a:cs typeface="+mn-cs"/>
-                        </a:rPr>
-                        <a:t>2.  </a:t>
-                      </a:r>
-                      <a:r>
-                        <a:rPr lang="ko-KR" altLang="en-US" sz="1800" kern="1200" dirty="0" smtClean="0">
-                          <a:solidFill>
-                            <a:schemeClr val="tx1"/>
-                          </a:solidFill>
-                          <a:effectLst/>
-                          <a:latin typeface="+mn-lt"/>
-                          <a:ea typeface="+mn-ea"/>
-                          <a:cs typeface="+mn-cs"/>
-                        </a:rPr>
-                        <a:t>클릭한 학생의 </a:t>
-                      </a:r>
-                      <a:r>
-                        <a:rPr lang="ko-KR" altLang="en-US" sz="1800" kern="1200" dirty="0" err="1" smtClean="0">
-                          <a:solidFill>
-                            <a:schemeClr val="tx1"/>
-                          </a:solidFill>
-                          <a:effectLst/>
-                          <a:latin typeface="+mn-lt"/>
-                          <a:ea typeface="+mn-ea"/>
-                          <a:cs typeface="+mn-cs"/>
-                        </a:rPr>
-                        <a:t>레주메를</a:t>
-                      </a:r>
-                      <a:r>
-                        <a:rPr lang="ko-KR" altLang="en-US" sz="1800" kern="1200" dirty="0" smtClean="0">
-                          <a:solidFill>
-                            <a:schemeClr val="tx1"/>
-                          </a:solidFill>
-                          <a:effectLst/>
-                          <a:latin typeface="+mn-lt"/>
-                          <a:ea typeface="+mn-ea"/>
-                          <a:cs typeface="+mn-cs"/>
-                        </a:rPr>
-                        <a:t> 보여준다</a:t>
-                      </a:r>
-                      <a:r>
-                        <a:rPr lang="en-US" altLang="ko-KR" sz="1800" kern="1200" dirty="0" smtClean="0">
-                          <a:solidFill>
-                            <a:schemeClr val="tx1"/>
-                          </a:solidFill>
-                          <a:effectLst/>
-                          <a:latin typeface="+mn-lt"/>
-                          <a:ea typeface="+mn-ea"/>
-                          <a:cs typeface="+mn-cs"/>
-                        </a:rPr>
-                        <a:t>. (</a:t>
-                      </a:r>
-                      <a:r>
-                        <a:rPr lang="ko-KR" altLang="en-US" sz="1800" kern="1200" dirty="0" smtClean="0">
-                          <a:solidFill>
-                            <a:schemeClr val="tx1"/>
-                          </a:solidFill>
-                          <a:effectLst/>
-                          <a:latin typeface="+mn-lt"/>
-                          <a:ea typeface="+mn-ea"/>
-                          <a:cs typeface="+mn-cs"/>
-                        </a:rPr>
-                        <a:t>시스템</a:t>
-                      </a:r>
-                      <a:r>
-                        <a:rPr lang="en-US" altLang="ko-KR" sz="1800" kern="1200" dirty="0" smtClean="0">
-                          <a:solidFill>
-                            <a:schemeClr val="tx1"/>
-                          </a:solidFill>
-                          <a:effectLst/>
-                          <a:latin typeface="+mn-lt"/>
-                          <a:ea typeface="+mn-ea"/>
-                          <a:cs typeface="+mn-cs"/>
-                        </a:rPr>
-                        <a:t>) </a:t>
-                      </a:r>
-                      <a:endParaRPr lang="ko-KR" altLang="en-US" sz="1800" kern="1200" dirty="0" smtClean="0">
-                        <a:solidFill>
-                          <a:schemeClr val="tx1"/>
-                        </a:solidFill>
-                        <a:effectLst/>
-                        <a:latin typeface="+mn-lt"/>
-                        <a:ea typeface="+mn-ea"/>
-                        <a:cs typeface="+mn-cs"/>
-                      </a:endParaRPr>
-                    </a:p>
-                    <a:p>
-                      <a:pPr fontAlgn="base" latinLnBrk="1"/>
-                      <a:r>
-                        <a:rPr lang="en-US" altLang="ko-KR" sz="1800" kern="1200" dirty="0" smtClean="0">
-                          <a:solidFill>
-                            <a:schemeClr val="tx1"/>
-                          </a:solidFill>
-                          <a:effectLst/>
-                          <a:latin typeface="+mn-lt"/>
-                          <a:ea typeface="+mn-ea"/>
-                          <a:cs typeface="+mn-cs"/>
-                        </a:rPr>
-                        <a:t>3.  </a:t>
-                      </a:r>
-                      <a:r>
-                        <a:rPr lang="ko-KR" altLang="en-US" sz="1800" kern="1200" dirty="0" err="1" smtClean="0">
-                          <a:solidFill>
-                            <a:schemeClr val="tx1"/>
-                          </a:solidFill>
-                          <a:effectLst/>
-                          <a:latin typeface="+mn-lt"/>
-                          <a:ea typeface="+mn-ea"/>
-                          <a:cs typeface="+mn-cs"/>
-                        </a:rPr>
-                        <a:t>레주메</a:t>
-                      </a:r>
-                      <a:r>
-                        <a:rPr lang="ko-KR" altLang="en-US" sz="1800" kern="1200" dirty="0" smtClean="0">
-                          <a:solidFill>
-                            <a:schemeClr val="tx1"/>
-                          </a:solidFill>
-                          <a:effectLst/>
-                          <a:latin typeface="+mn-lt"/>
-                          <a:ea typeface="+mn-ea"/>
-                          <a:cs typeface="+mn-cs"/>
-                        </a:rPr>
-                        <a:t> 프린트 버튼을 클릭한다</a:t>
-                      </a:r>
-                      <a:r>
-                        <a:rPr lang="en-US" altLang="ko-KR" sz="1800" kern="1200" dirty="0" smtClean="0">
-                          <a:solidFill>
-                            <a:schemeClr val="tx1"/>
-                          </a:solidFill>
-                          <a:effectLst/>
-                          <a:latin typeface="+mn-lt"/>
-                          <a:ea typeface="+mn-ea"/>
-                          <a:cs typeface="+mn-cs"/>
-                        </a:rPr>
-                        <a:t>. (</a:t>
-                      </a:r>
-                      <a:r>
-                        <a:rPr lang="ko-KR" altLang="en-US" sz="1800" kern="1200" dirty="0" err="1" smtClean="0">
-                          <a:solidFill>
-                            <a:schemeClr val="tx1"/>
-                          </a:solidFill>
-                          <a:effectLst/>
-                          <a:latin typeface="+mn-lt"/>
-                          <a:ea typeface="+mn-ea"/>
-                          <a:cs typeface="+mn-cs"/>
-                        </a:rPr>
-                        <a:t>액터</a:t>
-                      </a:r>
-                      <a:r>
-                        <a:rPr lang="en-US" altLang="ko-KR" sz="1800" kern="1200" dirty="0" smtClean="0">
-                          <a:solidFill>
-                            <a:schemeClr val="tx1"/>
-                          </a:solidFill>
-                          <a:effectLst/>
-                          <a:latin typeface="+mn-lt"/>
-                          <a:ea typeface="+mn-ea"/>
-                          <a:cs typeface="+mn-cs"/>
-                        </a:rPr>
-                        <a:t>)</a:t>
-                      </a:r>
-                      <a:endParaRPr lang="ko-KR" altLang="en-US" sz="1800" kern="1200" dirty="0" smtClean="0">
-                        <a:solidFill>
-                          <a:schemeClr val="tx1"/>
-                        </a:solidFill>
-                        <a:effectLst/>
-                        <a:latin typeface="+mn-lt"/>
-                        <a:ea typeface="+mn-ea"/>
-                        <a:cs typeface="+mn-cs"/>
-                      </a:endParaRPr>
-                    </a:p>
-                    <a:p>
-                      <a:pPr fontAlgn="base" latinLnBrk="1"/>
-                      <a:r>
-                        <a:rPr lang="en-US" altLang="ko-KR" sz="1800" kern="1200" dirty="0" smtClean="0">
-                          <a:solidFill>
-                            <a:schemeClr val="tx1"/>
-                          </a:solidFill>
-                          <a:effectLst/>
-                          <a:latin typeface="+mn-lt"/>
-                          <a:ea typeface="+mn-ea"/>
-                          <a:cs typeface="+mn-cs"/>
-                        </a:rPr>
-                        <a:t>4.  </a:t>
-                      </a:r>
-                      <a:r>
-                        <a:rPr lang="ko-KR" altLang="en-US" sz="1800" kern="1200" dirty="0" smtClean="0">
-                          <a:solidFill>
-                            <a:schemeClr val="tx1"/>
-                          </a:solidFill>
-                          <a:effectLst/>
-                          <a:latin typeface="+mn-lt"/>
-                          <a:ea typeface="+mn-ea"/>
-                          <a:cs typeface="+mn-cs"/>
-                        </a:rPr>
-                        <a:t>프린트시스템으로 넘어간다</a:t>
-                      </a:r>
-                      <a:r>
-                        <a:rPr lang="en-US" altLang="ko-KR" sz="1800" kern="1200" dirty="0" smtClean="0">
-                          <a:solidFill>
-                            <a:schemeClr val="tx1"/>
-                          </a:solidFill>
-                          <a:effectLst/>
-                          <a:latin typeface="+mn-lt"/>
-                          <a:ea typeface="+mn-ea"/>
-                          <a:cs typeface="+mn-cs"/>
-                        </a:rPr>
-                        <a:t>. (</a:t>
-                      </a:r>
-                      <a:r>
-                        <a:rPr lang="ko-KR" altLang="en-US" sz="1800" kern="1200" dirty="0" smtClean="0">
-                          <a:solidFill>
-                            <a:schemeClr val="tx1"/>
-                          </a:solidFill>
-                          <a:effectLst/>
-                          <a:latin typeface="+mn-lt"/>
-                          <a:ea typeface="+mn-ea"/>
-                          <a:cs typeface="+mn-cs"/>
-                        </a:rPr>
-                        <a:t>시스템</a:t>
-                      </a:r>
-                      <a:r>
-                        <a:rPr lang="en-US" altLang="ko-KR" sz="1800" kern="1200" dirty="0" smtClean="0">
-                          <a:solidFill>
-                            <a:schemeClr val="tx1"/>
-                          </a:solidFill>
-                          <a:effectLst/>
-                          <a:latin typeface="+mn-lt"/>
-                          <a:ea typeface="+mn-ea"/>
-                          <a:cs typeface="+mn-cs"/>
-                        </a:rPr>
-                        <a:t>) </a:t>
-                      </a:r>
-                      <a:endParaRPr lang="ko-KR" altLang="en-US" sz="1800" kern="1200" dirty="0" smtClean="0">
-                        <a:solidFill>
-                          <a:schemeClr val="tx1"/>
-                        </a:solidFill>
-                        <a:effectLst/>
-                        <a:latin typeface="+mn-lt"/>
-                        <a:ea typeface="+mn-ea"/>
-                        <a:cs typeface="+mn-cs"/>
-                      </a:endParaRPr>
-                    </a:p>
-                    <a:p>
-                      <a:pPr fontAlgn="base" latinLnBrk="1"/>
-                      <a:r>
-                        <a:rPr lang="en-US" altLang="ko-KR" sz="1800" kern="1200" dirty="0" smtClean="0">
-                          <a:solidFill>
-                            <a:schemeClr val="tx1"/>
-                          </a:solidFill>
-                          <a:effectLst/>
-                          <a:latin typeface="+mn-lt"/>
-                          <a:ea typeface="+mn-ea"/>
-                          <a:cs typeface="+mn-cs"/>
-                        </a:rPr>
-                        <a:t>5.</a:t>
-                      </a:r>
-                      <a:r>
-                        <a:rPr lang="en-US" altLang="ko-KR" sz="1800" kern="1200" baseline="0" dirty="0" smtClean="0">
-                          <a:solidFill>
-                            <a:schemeClr val="tx1"/>
-                          </a:solidFill>
-                          <a:effectLst/>
-                          <a:latin typeface="+mn-lt"/>
-                          <a:ea typeface="+mn-ea"/>
-                          <a:cs typeface="+mn-cs"/>
-                        </a:rPr>
-                        <a:t> </a:t>
-                      </a:r>
-                      <a:r>
-                        <a:rPr lang="en-US" altLang="ko-KR" sz="1800" kern="1200" dirty="0" smtClean="0">
-                          <a:solidFill>
-                            <a:schemeClr val="tx1"/>
-                          </a:solidFill>
-                          <a:effectLst/>
-                          <a:latin typeface="+mn-lt"/>
-                          <a:ea typeface="+mn-ea"/>
-                          <a:cs typeface="+mn-cs"/>
-                        </a:rPr>
-                        <a:t> </a:t>
-                      </a:r>
-                      <a:r>
-                        <a:rPr lang="ko-KR" altLang="en-US" sz="1800" kern="1200" dirty="0" smtClean="0">
-                          <a:solidFill>
-                            <a:schemeClr val="tx1"/>
-                          </a:solidFill>
-                          <a:effectLst/>
-                          <a:latin typeface="+mn-lt"/>
-                          <a:ea typeface="+mn-ea"/>
-                          <a:cs typeface="+mn-cs"/>
-                        </a:rPr>
-                        <a:t>인쇄 설정 </a:t>
-                      </a:r>
-                      <a:r>
-                        <a:rPr lang="en-US" altLang="ko-KR" sz="1800" kern="1200" dirty="0" smtClean="0">
-                          <a:solidFill>
-                            <a:schemeClr val="tx1"/>
-                          </a:solidFill>
-                          <a:effectLst/>
-                          <a:latin typeface="+mn-lt"/>
-                          <a:ea typeface="+mn-ea"/>
-                          <a:cs typeface="+mn-cs"/>
-                        </a:rPr>
-                        <a:t>(</a:t>
-                      </a:r>
-                      <a:r>
-                        <a:rPr lang="ko-KR" altLang="en-US" sz="1800" kern="1200" dirty="0" err="1" smtClean="0">
-                          <a:solidFill>
-                            <a:schemeClr val="tx1"/>
-                          </a:solidFill>
-                          <a:effectLst/>
-                          <a:latin typeface="+mn-lt"/>
-                          <a:ea typeface="+mn-ea"/>
-                          <a:cs typeface="+mn-cs"/>
-                        </a:rPr>
-                        <a:t>액터</a:t>
-                      </a:r>
-                      <a:r>
-                        <a:rPr lang="en-US" altLang="ko-KR" sz="1800" kern="1200" dirty="0" smtClean="0">
-                          <a:solidFill>
-                            <a:schemeClr val="tx1"/>
-                          </a:solidFill>
-                          <a:effectLst/>
-                          <a:latin typeface="+mn-lt"/>
-                          <a:ea typeface="+mn-ea"/>
-                          <a:cs typeface="+mn-cs"/>
-                        </a:rPr>
-                        <a:t>)</a:t>
-                      </a:r>
-                      <a:endParaRPr lang="ko-KR" altLang="en-US" sz="1800" kern="1200" dirty="0">
-                        <a:solidFill>
-                          <a:schemeClr val="tx1"/>
-                        </a:solidFill>
-                        <a:effectLst/>
-                        <a:latin typeface="+mn-lt"/>
-                        <a:ea typeface="+mn-ea"/>
-                        <a:cs typeface="+mn-cs"/>
-                      </a:endParaRPr>
-                    </a:p>
-                  </a:txBody>
-                  <a:tcPr/>
-                </a:tc>
-                <a:extLst>
-                  <a:ext uri="{0D108BD9-81ED-4DB2-BD59-A6C34878D82A}">
-                    <a16:rowId xmlns:a16="http://schemas.microsoft.com/office/drawing/2014/main" val="10003"/>
-                  </a:ext>
-                </a:extLst>
-              </a:tr>
-              <a:tr h="1451322">
-                <a:tc>
-                  <a:txBody>
-                    <a:bodyPr/>
-                    <a:lstStyle/>
-                    <a:p>
-                      <a:pPr algn="ctr" latinLnBrk="1"/>
-                      <a:r>
-                        <a:rPr lang="ko-KR" altLang="en-US" b="1" dirty="0">
-                          <a:solidFill>
-                            <a:schemeClr val="tx1">
-                              <a:lumMod val="85000"/>
-                              <a:lumOff val="15000"/>
-                            </a:schemeClr>
-                          </a:solidFill>
-                          <a:latin typeface="HY헤드라인M" pitchFamily="18" charset="-127"/>
-                          <a:ea typeface="HY헤드라인M" pitchFamily="18" charset="-127"/>
-                        </a:rPr>
-                        <a:t>선택흐름</a:t>
-                      </a:r>
-                    </a:p>
-                  </a:txBody>
-                  <a:tcPr/>
-                </a:tc>
-                <a:tc>
-                  <a:txBody>
-                    <a:bodyPr/>
-                    <a:lstStyle/>
-                    <a:p>
-                      <a:pPr fontAlgn="base" latinLnBrk="1"/>
-                      <a:r>
-                        <a:rPr lang="ko-KR" altLang="en-US" sz="1800" kern="1200" dirty="0" smtClean="0">
-                          <a:solidFill>
-                            <a:schemeClr val="tx1"/>
-                          </a:solidFill>
-                          <a:effectLst/>
-                          <a:latin typeface="+mn-lt"/>
-                          <a:ea typeface="+mn-ea"/>
-                          <a:cs typeface="+mn-cs"/>
-                        </a:rPr>
-                        <a:t>프린트 시스템 오류 발생시 “프린트 오류 발생” 메시지 출력</a:t>
-                      </a:r>
-                      <a:endParaRPr lang="ko-KR" altLang="en-US" sz="1800" kern="1200" dirty="0">
-                        <a:solidFill>
-                          <a:schemeClr val="tx1"/>
-                        </a:solidFill>
-                        <a:effectLst/>
-                        <a:latin typeface="+mn-lt"/>
-                        <a:ea typeface="+mn-ea"/>
-                        <a:cs typeface="+mn-cs"/>
-                      </a:endParaRPr>
-                    </a:p>
-                  </a:txBody>
-                  <a:tcPr/>
-                </a:tc>
-                <a:extLst>
-                  <a:ext uri="{0D108BD9-81ED-4DB2-BD59-A6C34878D82A}">
-                    <a16:rowId xmlns:a16="http://schemas.microsoft.com/office/drawing/2014/main" val="994516010"/>
-                  </a:ext>
-                </a:extLst>
-              </a:tr>
-            </a:tbl>
-          </a:graphicData>
-        </a:graphic>
-      </p:graphicFrame>
-      <p:sp>
-        <p:nvSpPr>
-          <p:cNvPr id="11" name="TextBox 10"/>
-          <p:cNvSpPr txBox="1"/>
-          <p:nvPr/>
-        </p:nvSpPr>
-        <p:spPr>
-          <a:xfrm>
-            <a:off x="2752863" y="792222"/>
-            <a:ext cx="5315879" cy="369332"/>
-          </a:xfrm>
-          <a:prstGeom prst="rect">
-            <a:avLst/>
-          </a:prstGeom>
-        </p:spPr>
-        <p:txBody>
-          <a:bodyPr wrap="none">
-            <a:spAutoFit/>
-          </a:bodyPr>
-          <a:lstStyle>
-            <a:defPPr>
-              <a:defRPr lang="ko-KR"/>
-            </a:defPPr>
-            <a:lvl1pPr>
-              <a:spcBef>
-                <a:spcPts val="1000"/>
-              </a:spcBef>
-              <a:defRPr sz="2000">
-                <a:ln>
-                  <a:solidFill>
-                    <a:schemeClr val="accent1">
-                      <a:alpha val="0"/>
-                    </a:schemeClr>
-                  </a:solidFill>
-                </a:ln>
-                <a:solidFill>
-                  <a:schemeClr val="bg1"/>
-                </a:solidFill>
-                <a:latin typeface="Noto Sans CJK KR Medium" panose="020B0600000000000000" pitchFamily="34" charset="-127"/>
-                <a:ea typeface="Noto Sans CJK KR Medium" panose="020B0600000000000000" pitchFamily="34" charset="-127"/>
-              </a:defRPr>
-            </a:lvl1pPr>
-          </a:lstStyle>
-          <a:p>
-            <a:r>
-              <a:rPr lang="ko-KR" altLang="en-US" sz="1800" dirty="0">
-                <a:solidFill>
-                  <a:schemeClr val="bg1">
-                    <a:lumMod val="75000"/>
-                  </a:schemeClr>
-                </a:solidFill>
-              </a:rPr>
-              <a:t>기존의 </a:t>
-            </a:r>
-            <a:r>
-              <a:rPr lang="ko-KR" altLang="en-US" sz="1800" dirty="0" err="1">
-                <a:solidFill>
-                  <a:schemeClr val="bg1">
-                    <a:lumMod val="75000"/>
-                  </a:schemeClr>
-                </a:solidFill>
-              </a:rPr>
-              <a:t>책으로된</a:t>
-            </a:r>
-            <a:r>
-              <a:rPr lang="ko-KR" altLang="en-US" sz="1800" dirty="0">
-                <a:solidFill>
-                  <a:schemeClr val="bg1">
-                    <a:lumMod val="75000"/>
-                  </a:schemeClr>
-                </a:solidFill>
-              </a:rPr>
-              <a:t> </a:t>
-            </a:r>
-            <a:r>
-              <a:rPr lang="en-US" altLang="ko-KR" sz="1800" dirty="0">
-                <a:solidFill>
-                  <a:schemeClr val="bg1">
-                    <a:lumMod val="75000"/>
-                  </a:schemeClr>
-                </a:solidFill>
-              </a:rPr>
-              <a:t>“</a:t>
-            </a:r>
-            <a:r>
-              <a:rPr lang="ko-KR" altLang="en-US" sz="1800" dirty="0" err="1">
-                <a:solidFill>
-                  <a:schemeClr val="bg1">
-                    <a:lumMod val="75000"/>
-                  </a:schemeClr>
-                </a:solidFill>
-              </a:rPr>
-              <a:t>레주메북</a:t>
-            </a:r>
-            <a:r>
-              <a:rPr lang="en-US" altLang="ko-KR" sz="1800" dirty="0">
-                <a:solidFill>
-                  <a:schemeClr val="bg1">
-                    <a:lumMod val="75000"/>
-                  </a:schemeClr>
-                </a:solidFill>
-              </a:rPr>
-              <a:t>”</a:t>
-            </a:r>
-            <a:r>
-              <a:rPr lang="ko-KR" altLang="en-US" sz="1800" dirty="0">
-                <a:solidFill>
-                  <a:schemeClr val="bg1">
-                    <a:lumMod val="75000"/>
-                  </a:schemeClr>
-                </a:solidFill>
-              </a:rPr>
-              <a:t>의 불편함을 없앤</a:t>
-            </a:r>
-          </a:p>
-        </p:txBody>
-      </p:sp>
+      </p:pic>
     </p:spTree>
     <p:extLst>
       <p:ext uri="{BB962C8B-B14F-4D97-AF65-F5344CB8AC3E}">
-        <p14:creationId xmlns:p14="http://schemas.microsoft.com/office/powerpoint/2010/main" val="1307446906"/>
+        <p14:creationId xmlns:p14="http://schemas.microsoft.com/office/powerpoint/2010/main" val="315249219"/>
       </p:ext>
     </p:extLst>
   </p:cSld>
@@ -18488,3596 +16660,7 @@
   <p:timing>
     <p:tnLst>
       <p:par>
-        <p:cTn id="1" dur="indefinite" restart="never" nodeType="tmRoot">
-          <p:childTnLst>
-            <p:seq concurrent="1" nextAc="seek">
-              <p:cTn id="2" dur="indefinite" nodeType="mainSeq">
-                <p:childTnLst>
-                  <p:par>
-                    <p:cTn id="3" fill="hold">
-                      <p:stCondLst>
-                        <p:cond delay="indefinite"/>
-                        <p:cond evt="onBegin" delay="0">
-                          <p:tn val="2"/>
-                        </p:cond>
-                      </p:stCondLst>
-                      <p:childTnLst>
-                        <p:par>
-                          <p:cTn id="4" fill="hold">
-                            <p:stCondLst>
-                              <p:cond delay="0"/>
-                            </p:stCondLst>
-                            <p:childTnLst>
-                              <p:par>
-                                <p:cTn id="5" presetID="2" presetClass="entr" presetSubtype="4" fill="hold" nodeType="afterEffect">
-                                  <p:stCondLst>
-                                    <p:cond delay="0"/>
-                                  </p:stCondLst>
-                                  <p:childTnLst>
-                                    <p:set>
-                                      <p:cBhvr>
-                                        <p:cTn id="6" dur="1" fill="hold">
-                                          <p:stCondLst>
-                                            <p:cond delay="0"/>
-                                          </p:stCondLst>
-                                        </p:cTn>
-                                        <p:tgtEl>
-                                          <p:spTgt spid="12"/>
-                                        </p:tgtEl>
-                                        <p:attrNameLst>
-                                          <p:attrName>style.visibility</p:attrName>
-                                        </p:attrNameLst>
-                                      </p:cBhvr>
-                                      <p:to>
-                                        <p:strVal val="visible"/>
-                                      </p:to>
-                                    </p:set>
-                                    <p:anim calcmode="lin" valueType="num">
-                                      <p:cBhvr additive="base">
-                                        <p:cTn id="7" dur="500" fill="hold"/>
-                                        <p:tgtEl>
-                                          <p:spTgt spid="12"/>
-                                        </p:tgtEl>
-                                        <p:attrNameLst>
-                                          <p:attrName>ppt_x</p:attrName>
-                                        </p:attrNameLst>
-                                      </p:cBhvr>
-                                      <p:tavLst>
-                                        <p:tav tm="0">
-                                          <p:val>
-                                            <p:strVal val="#ppt_x"/>
-                                          </p:val>
-                                        </p:tav>
-                                        <p:tav tm="100000">
-                                          <p:val>
-                                            <p:strVal val="#ppt_x"/>
-                                          </p:val>
-                                        </p:tav>
-                                      </p:tavLst>
-                                    </p:anim>
-                                    <p:anim calcmode="lin" valueType="num">
-                                      <p:cBhvr additive="base">
-                                        <p:cTn id="8" dur="500" fill="hold"/>
-                                        <p:tgtEl>
-                                          <p:spTgt spid="12"/>
-                                        </p:tgtEl>
-                                        <p:attrNameLst>
-                                          <p:attrName>ppt_y</p:attrName>
-                                        </p:attrNameLst>
-                                      </p:cBhvr>
-                                      <p:tavLst>
-                                        <p:tav tm="0">
-                                          <p:val>
-                                            <p:strVal val="1+#ppt_h/2"/>
-                                          </p:val>
-                                        </p:tav>
-                                        <p:tav tm="100000">
-                                          <p:val>
-                                            <p:strVal val="#ppt_y"/>
-                                          </p:val>
-                                        </p:tav>
-                                      </p:tavLst>
-                                    </p:anim>
-                                  </p:childTnLst>
-                                </p:cTn>
-                              </p:par>
-                            </p:childTnLst>
-                          </p:cTn>
-                        </p:par>
-                      </p:childTnLst>
-                    </p:cTn>
-                  </p:par>
-                </p:childTnLst>
-              </p:cTn>
-              <p:prevCondLst>
-                <p:cond evt="onPrev" delay="0">
-                  <p:tgtEl>
-                    <p:sldTgt/>
-                  </p:tgtEl>
-                </p:cond>
-              </p:prevCondLst>
-              <p:nextCondLst>
-                <p:cond evt="onNext" delay="0">
-                  <p:tgtEl>
-                    <p:sldTgt/>
-                  </p:tgtEl>
-                </p:cond>
-              </p:nextCondLst>
-            </p:seq>
-          </p:childTnLst>
-        </p:cTn>
-      </p:par>
-    </p:tnLst>
-  </p:timing>
-</p:sld>
-</file>
-
-<file path=ppt/slides/slide18.xml><?xml version="1.0" encoding="utf-8"?>
-<p:sld xmlns:a="http://schemas.openxmlformats.org/drawingml/2006/main" xmlns:r="http://schemas.openxmlformats.org/officeDocument/2006/relationships" xmlns:p="http://schemas.openxmlformats.org/presentationml/2006/main">
-  <p:cSld>
-    <p:spTree>
-      <p:nvGrpSpPr>
-        <p:cNvPr id="1" name=""/>
-        <p:cNvGrpSpPr/>
-        <p:nvPr/>
-      </p:nvGrpSpPr>
-      <p:grpSpPr>
-        <a:xfrm>
-          <a:off x="0" y="0"/>
-          <a:ext cx="0" cy="0"/>
-          <a:chOff x="0" y="0"/>
-          <a:chExt cx="0" cy="0"/>
-        </a:xfrm>
-      </p:grpSpPr>
-      <p:sp>
-        <p:nvSpPr>
-          <p:cNvPr id="2" name="제목 1" hidden="1"/>
-          <p:cNvSpPr>
-            <a:spLocks noGrp="1"/>
-          </p:cNvSpPr>
-          <p:nvPr>
-            <p:ph type="title"/>
-          </p:nvPr>
-        </p:nvSpPr>
-        <p:spPr/>
-        <p:txBody>
-          <a:bodyPr/>
-          <a:lstStyle/>
-          <a:p>
-            <a:endParaRPr lang="ko-KR" altLang="en-US"/>
-          </a:p>
-        </p:txBody>
-      </p:sp>
-      <p:cxnSp>
-        <p:nvCxnSpPr>
-          <p:cNvPr id="6" name="직선 연결선 5"/>
-          <p:cNvCxnSpPr/>
-          <p:nvPr/>
-        </p:nvCxnSpPr>
-        <p:spPr>
-          <a:xfrm>
-            <a:off x="463854" y="555894"/>
-            <a:ext cx="560439" cy="0"/>
-          </a:xfrm>
-          <a:prstGeom prst="line">
-            <a:avLst/>
-          </a:prstGeom>
-          <a:ln>
-            <a:solidFill>
-              <a:schemeClr val="bg1"/>
-            </a:solidFill>
-          </a:ln>
-        </p:spPr>
-        <p:style>
-          <a:lnRef idx="1">
-            <a:schemeClr val="accent1"/>
-          </a:lnRef>
-          <a:fillRef idx="0">
-            <a:schemeClr val="accent1"/>
-          </a:fillRef>
-          <a:effectRef idx="0">
-            <a:schemeClr val="accent1"/>
-          </a:effectRef>
-          <a:fontRef idx="minor">
-            <a:schemeClr val="tx1"/>
-          </a:fontRef>
-        </p:style>
-      </p:cxnSp>
-      <p:cxnSp>
-        <p:nvCxnSpPr>
-          <p:cNvPr id="7" name="직선 연결선 6"/>
-          <p:cNvCxnSpPr/>
-          <p:nvPr/>
-        </p:nvCxnSpPr>
-        <p:spPr>
-          <a:xfrm>
-            <a:off x="486696" y="2257425"/>
-            <a:ext cx="560439" cy="0"/>
-          </a:xfrm>
-          <a:prstGeom prst="line">
-            <a:avLst/>
-          </a:prstGeom>
-          <a:ln>
-            <a:solidFill>
-              <a:schemeClr val="bg1"/>
-            </a:solidFill>
-          </a:ln>
-        </p:spPr>
-        <p:style>
-          <a:lnRef idx="1">
-            <a:schemeClr val="accent1"/>
-          </a:lnRef>
-          <a:fillRef idx="0">
-            <a:schemeClr val="accent1"/>
-          </a:fillRef>
-          <a:effectRef idx="0">
-            <a:schemeClr val="accent1"/>
-          </a:effectRef>
-          <a:fontRef idx="minor">
-            <a:schemeClr val="tx1"/>
-          </a:fontRef>
-        </p:style>
-      </p:cxnSp>
-      <p:sp>
-        <p:nvSpPr>
-          <p:cNvPr id="8" name="TextBox 7"/>
-          <p:cNvSpPr txBox="1"/>
-          <p:nvPr/>
-        </p:nvSpPr>
-        <p:spPr>
-          <a:xfrm>
-            <a:off x="353419" y="796300"/>
-            <a:ext cx="1557774" cy="1461125"/>
-          </a:xfrm>
-          <a:prstGeom prst="rect">
-            <a:avLst/>
-          </a:prstGeom>
-        </p:spPr>
-        <p:txBody>
-          <a:bodyPr vert="horz" lIns="91440" tIns="45720" rIns="91440" bIns="45720" rtlCol="0">
-            <a:noAutofit/>
-          </a:bodyPr>
-          <a:lstStyle>
-            <a:defPPr>
-              <a:defRPr lang="ko-KR"/>
-            </a:defPPr>
-            <a:lvl1pPr indent="0">
-              <a:lnSpc>
-                <a:spcPct val="100000"/>
-              </a:lnSpc>
-              <a:spcBef>
-                <a:spcPts val="1000"/>
-              </a:spcBef>
-              <a:buFont typeface="Arial" panose="020B0604020202020204" pitchFamily="34" charset="0"/>
-              <a:buNone/>
-              <a:defRPr sz="1100">
-                <a:ln>
-                  <a:solidFill>
-                    <a:schemeClr val="accent1">
-                      <a:alpha val="0"/>
-                    </a:schemeClr>
-                  </a:solidFill>
-                </a:ln>
-                <a:solidFill>
-                  <a:schemeClr val="bg1"/>
-                </a:solidFill>
-                <a:latin typeface="-윤고딕330" panose="02030504000101010101" pitchFamily="18" charset="-127"/>
-                <a:ea typeface="-윤고딕330" panose="02030504000101010101" pitchFamily="18" charset="-127"/>
-              </a:defRPr>
-            </a:lvl1pPr>
-            <a:lvl2pPr marL="685800" indent="-228600">
-              <a:lnSpc>
-                <a:spcPct val="90000"/>
-              </a:lnSpc>
-              <a:spcBef>
-                <a:spcPts val="500"/>
-              </a:spcBef>
-              <a:buFont typeface="Arial" panose="020B0604020202020204" pitchFamily="34" charset="0"/>
-              <a:buChar char="•"/>
-              <a:defRPr sz="2400"/>
-            </a:lvl2pPr>
-            <a:lvl3pPr marL="1143000" indent="-228600">
-              <a:lnSpc>
-                <a:spcPct val="90000"/>
-              </a:lnSpc>
-              <a:spcBef>
-                <a:spcPts val="500"/>
-              </a:spcBef>
-              <a:buFont typeface="Arial" panose="020B0604020202020204" pitchFamily="34" charset="0"/>
-              <a:buChar char="•"/>
-              <a:defRPr sz="2000"/>
-            </a:lvl3pPr>
-            <a:lvl4pPr marL="1600200" indent="-228600">
-              <a:lnSpc>
-                <a:spcPct val="90000"/>
-              </a:lnSpc>
-              <a:spcBef>
-                <a:spcPts val="500"/>
-              </a:spcBef>
-              <a:buFont typeface="Arial" panose="020B0604020202020204" pitchFamily="34" charset="0"/>
-              <a:buChar char="•"/>
-            </a:lvl4pPr>
-            <a:lvl5pPr marL="2057400" indent="-228600">
-              <a:lnSpc>
-                <a:spcPct val="90000"/>
-              </a:lnSpc>
-              <a:spcBef>
-                <a:spcPts val="500"/>
-              </a:spcBef>
-              <a:buFont typeface="Arial" panose="020B0604020202020204" pitchFamily="34" charset="0"/>
-              <a:buChar char="•"/>
-            </a:lvl5pPr>
-            <a:lvl6pPr marL="2514600" indent="-228600">
-              <a:lnSpc>
-                <a:spcPct val="90000"/>
-              </a:lnSpc>
-              <a:spcBef>
-                <a:spcPts val="500"/>
-              </a:spcBef>
-              <a:buFont typeface="Arial" panose="020B0604020202020204" pitchFamily="34" charset="0"/>
-              <a:buChar char="•"/>
-            </a:lvl6pPr>
-            <a:lvl7pPr marL="2971800" indent="-228600">
-              <a:lnSpc>
-                <a:spcPct val="90000"/>
-              </a:lnSpc>
-              <a:spcBef>
-                <a:spcPts val="500"/>
-              </a:spcBef>
-              <a:buFont typeface="Arial" panose="020B0604020202020204" pitchFamily="34" charset="0"/>
-              <a:buChar char="•"/>
-            </a:lvl7pPr>
-            <a:lvl8pPr marL="3429000" indent="-228600">
-              <a:lnSpc>
-                <a:spcPct val="90000"/>
-              </a:lnSpc>
-              <a:spcBef>
-                <a:spcPts val="500"/>
-              </a:spcBef>
-              <a:buFont typeface="Arial" panose="020B0604020202020204" pitchFamily="34" charset="0"/>
-              <a:buChar char="•"/>
-            </a:lvl8pPr>
-            <a:lvl9pPr marL="3886200" indent="-228600">
-              <a:lnSpc>
-                <a:spcPct val="90000"/>
-              </a:lnSpc>
-              <a:spcBef>
-                <a:spcPts val="500"/>
-              </a:spcBef>
-              <a:buFont typeface="Arial" panose="020B0604020202020204" pitchFamily="34" charset="0"/>
-              <a:buChar char="•"/>
-            </a:lvl9pPr>
-          </a:lstStyle>
-          <a:p>
-            <a:r>
-              <a:rPr lang="en-US" altLang="ko-KR" sz="2400" dirty="0">
-                <a:latin typeface="Noto Sans CJK KR Medium" panose="020B0600000000000000" pitchFamily="34" charset="-127"/>
-                <a:ea typeface="Noto Sans CJK KR Medium" panose="020B0600000000000000" pitchFamily="34" charset="-127"/>
-              </a:rPr>
-              <a:t>04</a:t>
-            </a:r>
-          </a:p>
-          <a:p>
-            <a:r>
-              <a:rPr lang="ko-KR" altLang="en-US" sz="2400" dirty="0">
-                <a:latin typeface="Noto Sans CJK KR Medium" panose="020B0600000000000000" pitchFamily="34" charset="-127"/>
-                <a:ea typeface="Noto Sans CJK KR Medium" panose="020B0600000000000000" pitchFamily="34" charset="-127"/>
-              </a:rPr>
-              <a:t>요구분석</a:t>
-            </a:r>
-          </a:p>
-        </p:txBody>
-      </p:sp>
-      <p:sp>
-        <p:nvSpPr>
-          <p:cNvPr id="28" name="TextBox 27"/>
-          <p:cNvSpPr txBox="1"/>
-          <p:nvPr/>
-        </p:nvSpPr>
-        <p:spPr>
-          <a:xfrm>
-            <a:off x="239309" y="3707886"/>
-            <a:ext cx="1785991" cy="3087656"/>
-          </a:xfrm>
-          <a:prstGeom prst="rect">
-            <a:avLst/>
-          </a:prstGeom>
-        </p:spPr>
-        <p:txBody>
-          <a:bodyPr vert="horz" lIns="91440" tIns="45720" rIns="91440" bIns="45720" rtlCol="0">
-            <a:noAutofit/>
-          </a:bodyPr>
-          <a:lstStyle>
-            <a:defPPr>
-              <a:defRPr lang="ko-KR"/>
-            </a:defPPr>
-            <a:lvl1pPr marL="228600" indent="-228600">
-              <a:lnSpc>
-                <a:spcPct val="170000"/>
-              </a:lnSpc>
-              <a:spcBef>
-                <a:spcPts val="1000"/>
-              </a:spcBef>
-              <a:buFont typeface="Arial" panose="020B0604020202020204" pitchFamily="34" charset="0"/>
-              <a:buChar char="•"/>
-              <a:defRPr>
-                <a:ln>
-                  <a:solidFill>
-                    <a:schemeClr val="accent1">
-                      <a:alpha val="0"/>
-                    </a:schemeClr>
-                  </a:solidFill>
-                </a:ln>
-                <a:solidFill>
-                  <a:schemeClr val="bg1">
-                    <a:lumMod val="50000"/>
-                  </a:schemeClr>
-                </a:solidFill>
-                <a:latin typeface="-윤고딕330" panose="02030504000101010101" pitchFamily="18" charset="-127"/>
-                <a:ea typeface="-윤고딕330" panose="02030504000101010101" pitchFamily="18" charset="-127"/>
-              </a:defRPr>
-            </a:lvl1pPr>
-            <a:lvl2pPr marL="685800" indent="-228600">
-              <a:lnSpc>
-                <a:spcPct val="90000"/>
-              </a:lnSpc>
-              <a:spcBef>
-                <a:spcPts val="500"/>
-              </a:spcBef>
-              <a:buFont typeface="Arial" panose="020B0604020202020204" pitchFamily="34" charset="0"/>
-              <a:buChar char="•"/>
-              <a:defRPr sz="2400"/>
-            </a:lvl2pPr>
-            <a:lvl3pPr marL="1143000" indent="-228600">
-              <a:lnSpc>
-                <a:spcPct val="90000"/>
-              </a:lnSpc>
-              <a:spcBef>
-                <a:spcPts val="500"/>
-              </a:spcBef>
-              <a:buFont typeface="Arial" panose="020B0604020202020204" pitchFamily="34" charset="0"/>
-              <a:buChar char="•"/>
-              <a:defRPr sz="2000"/>
-            </a:lvl3pPr>
-            <a:lvl4pPr marL="1600200" indent="-228600">
-              <a:lnSpc>
-                <a:spcPct val="90000"/>
-              </a:lnSpc>
-              <a:spcBef>
-                <a:spcPts val="500"/>
-              </a:spcBef>
-              <a:buFont typeface="Arial" panose="020B0604020202020204" pitchFamily="34" charset="0"/>
-              <a:buChar char="•"/>
-            </a:lvl4pPr>
-            <a:lvl5pPr marL="2057400" indent="-228600">
-              <a:lnSpc>
-                <a:spcPct val="90000"/>
-              </a:lnSpc>
-              <a:spcBef>
-                <a:spcPts val="500"/>
-              </a:spcBef>
-              <a:buFont typeface="Arial" panose="020B0604020202020204" pitchFamily="34" charset="0"/>
-              <a:buChar char="•"/>
-            </a:lvl5pPr>
-            <a:lvl6pPr marL="2514600" indent="-228600">
-              <a:lnSpc>
-                <a:spcPct val="90000"/>
-              </a:lnSpc>
-              <a:spcBef>
-                <a:spcPts val="500"/>
-              </a:spcBef>
-              <a:buFont typeface="Arial" panose="020B0604020202020204" pitchFamily="34" charset="0"/>
-              <a:buChar char="•"/>
-            </a:lvl6pPr>
-            <a:lvl7pPr marL="2971800" indent="-228600">
-              <a:lnSpc>
-                <a:spcPct val="90000"/>
-              </a:lnSpc>
-              <a:spcBef>
-                <a:spcPts val="500"/>
-              </a:spcBef>
-              <a:buFont typeface="Arial" panose="020B0604020202020204" pitchFamily="34" charset="0"/>
-              <a:buChar char="•"/>
-            </a:lvl7pPr>
-            <a:lvl8pPr marL="3429000" indent="-228600">
-              <a:lnSpc>
-                <a:spcPct val="90000"/>
-              </a:lnSpc>
-              <a:spcBef>
-                <a:spcPts val="500"/>
-              </a:spcBef>
-              <a:buFont typeface="Arial" panose="020B0604020202020204" pitchFamily="34" charset="0"/>
-              <a:buChar char="•"/>
-            </a:lvl8pPr>
-            <a:lvl9pPr marL="3886200" indent="-228600">
-              <a:lnSpc>
-                <a:spcPct val="90000"/>
-              </a:lnSpc>
-              <a:spcBef>
-                <a:spcPts val="500"/>
-              </a:spcBef>
-              <a:buFont typeface="Arial" panose="020B0604020202020204" pitchFamily="34" charset="0"/>
-              <a:buChar char="•"/>
-            </a:lvl9pPr>
-          </a:lstStyle>
-          <a:p>
-            <a:pPr marL="0" indent="0">
-              <a:lnSpc>
-                <a:spcPct val="100000"/>
-              </a:lnSpc>
-              <a:buNone/>
-            </a:pPr>
-            <a:r>
-              <a:rPr lang="en-US" altLang="ko-KR" sz="1100" b="1" dirty="0">
-                <a:solidFill>
-                  <a:schemeClr val="bg2">
-                    <a:lumMod val="75000"/>
-                  </a:schemeClr>
-                </a:solidFill>
-                <a:latin typeface="Noto Sans CJK KR Medium" panose="020B0600000000000000" pitchFamily="34" charset="-127"/>
-                <a:ea typeface="Noto Sans CJK KR Medium" panose="020B0600000000000000" pitchFamily="34" charset="-127"/>
-              </a:rPr>
-              <a:t>01 </a:t>
-            </a:r>
-            <a:r>
-              <a:rPr lang="ko-KR" altLang="en-US" sz="1100" b="1" dirty="0">
-                <a:solidFill>
-                  <a:schemeClr val="bg2">
-                    <a:lumMod val="75000"/>
-                  </a:schemeClr>
-                </a:solidFill>
-                <a:latin typeface="Noto Sans CJK KR Medium" panose="020B0600000000000000" pitchFamily="34" charset="-127"/>
-                <a:ea typeface="Noto Sans CJK KR Medium" panose="020B0600000000000000" pitchFamily="34" charset="-127"/>
-              </a:rPr>
-              <a:t>요구사항 도출</a:t>
-            </a:r>
-            <a:endParaRPr lang="en-US" altLang="ko-KR" sz="1100" b="1" dirty="0">
-              <a:solidFill>
-                <a:schemeClr val="bg2">
-                  <a:lumMod val="75000"/>
-                </a:schemeClr>
-              </a:solidFill>
-              <a:latin typeface="Noto Sans CJK KR Medium" panose="020B0600000000000000" pitchFamily="34" charset="-127"/>
-              <a:ea typeface="Noto Sans CJK KR Medium" panose="020B0600000000000000" pitchFamily="34" charset="-127"/>
-            </a:endParaRPr>
-          </a:p>
-          <a:p>
-            <a:pPr marL="0" indent="0">
-              <a:lnSpc>
-                <a:spcPct val="100000"/>
-              </a:lnSpc>
-              <a:buNone/>
-            </a:pPr>
-            <a:r>
-              <a:rPr lang="en-US" altLang="ko-KR" sz="1100" b="1" dirty="0">
-                <a:solidFill>
-                  <a:schemeClr val="bg2">
-                    <a:lumMod val="75000"/>
-                  </a:schemeClr>
-                </a:solidFill>
-                <a:latin typeface="Noto Sans CJK KR Medium" panose="020B0600000000000000" pitchFamily="34" charset="-127"/>
-                <a:ea typeface="Noto Sans CJK KR Medium" panose="020B0600000000000000" pitchFamily="34" charset="-127"/>
-              </a:rPr>
-              <a:t>02 </a:t>
-            </a:r>
-            <a:r>
-              <a:rPr lang="ko-KR" altLang="en-US" sz="1100" b="1" dirty="0">
-                <a:solidFill>
-                  <a:schemeClr val="bg2">
-                    <a:lumMod val="75000"/>
-                  </a:schemeClr>
-                </a:solidFill>
-                <a:latin typeface="Noto Sans CJK KR Medium" panose="020B0600000000000000" pitchFamily="34" charset="-127"/>
-                <a:ea typeface="Noto Sans CJK KR Medium" panose="020B0600000000000000" pitchFamily="34" charset="-127"/>
-              </a:rPr>
-              <a:t>요구사항 분석</a:t>
-            </a:r>
-            <a:endParaRPr lang="en-US" altLang="ko-KR" sz="1100" b="1" dirty="0">
-              <a:solidFill>
-                <a:schemeClr val="bg2">
-                  <a:lumMod val="75000"/>
-                </a:schemeClr>
-              </a:solidFill>
-              <a:latin typeface="Noto Sans CJK KR Medium" panose="020B0600000000000000" pitchFamily="34" charset="-127"/>
-              <a:ea typeface="Noto Sans CJK KR Medium" panose="020B0600000000000000" pitchFamily="34" charset="-127"/>
-            </a:endParaRPr>
-          </a:p>
-          <a:p>
-            <a:pPr marL="0" indent="0">
-              <a:lnSpc>
-                <a:spcPct val="100000"/>
-              </a:lnSpc>
-              <a:buNone/>
-            </a:pPr>
-            <a:r>
-              <a:rPr lang="en-US" altLang="ko-KR" sz="1100" b="1" dirty="0">
-                <a:solidFill>
-                  <a:schemeClr val="bg1"/>
-                </a:solidFill>
-                <a:latin typeface="Noto Sans CJK KR Medium" panose="020B0600000000000000" pitchFamily="34" charset="-127"/>
-                <a:ea typeface="Noto Sans CJK KR Medium" panose="020B0600000000000000" pitchFamily="34" charset="-127"/>
-              </a:rPr>
-              <a:t>03 </a:t>
-            </a:r>
-            <a:r>
-              <a:rPr lang="ko-KR" altLang="en-US" sz="1100" b="1" dirty="0">
-                <a:solidFill>
-                  <a:schemeClr val="bg1"/>
-                </a:solidFill>
-                <a:latin typeface="Noto Sans CJK KR Medium" panose="020B0600000000000000" pitchFamily="34" charset="-127"/>
-                <a:ea typeface="Noto Sans CJK KR Medium" panose="020B0600000000000000" pitchFamily="34" charset="-127"/>
-              </a:rPr>
-              <a:t>사용사례 작성</a:t>
-            </a:r>
-            <a:endParaRPr lang="en-US" altLang="ko-KR" sz="1100" b="1" dirty="0">
-              <a:solidFill>
-                <a:schemeClr val="bg1"/>
-              </a:solidFill>
-              <a:latin typeface="Noto Sans CJK KR Medium" panose="020B0600000000000000" pitchFamily="34" charset="-127"/>
-              <a:ea typeface="Noto Sans CJK KR Medium" panose="020B0600000000000000" pitchFamily="34" charset="-127"/>
-            </a:endParaRPr>
-          </a:p>
-          <a:p>
-            <a:pPr marL="0" indent="0">
-              <a:lnSpc>
-                <a:spcPct val="100000"/>
-              </a:lnSpc>
-              <a:buNone/>
-            </a:pPr>
-            <a:r>
-              <a:rPr lang="en-US" altLang="ko-KR" sz="1100" dirty="0">
-                <a:solidFill>
-                  <a:schemeClr val="bg2">
-                    <a:lumMod val="75000"/>
-                  </a:schemeClr>
-                </a:solidFill>
-                <a:latin typeface="Noto Sans CJK KR Medium" panose="020B0600000000000000" pitchFamily="34" charset="-127"/>
-                <a:ea typeface="Noto Sans CJK KR Medium" panose="020B0600000000000000" pitchFamily="34" charset="-127"/>
-              </a:rPr>
-              <a:t>04 </a:t>
-            </a:r>
-            <a:r>
-              <a:rPr lang="ko-KR" altLang="en-US" sz="1100" dirty="0">
-                <a:solidFill>
-                  <a:schemeClr val="bg2">
-                    <a:lumMod val="75000"/>
-                  </a:schemeClr>
-                </a:solidFill>
-                <a:latin typeface="Noto Sans CJK KR Medium" panose="020B0600000000000000" pitchFamily="34" charset="-127"/>
-                <a:ea typeface="Noto Sans CJK KR Medium" panose="020B0600000000000000" pitchFamily="34" charset="-127"/>
-              </a:rPr>
-              <a:t>요구사항 분석서 </a:t>
-            </a:r>
-            <a:r>
-              <a:rPr lang="en-US" altLang="ko-KR" sz="1100" dirty="0">
-                <a:solidFill>
-                  <a:schemeClr val="bg2">
-                    <a:lumMod val="75000"/>
-                  </a:schemeClr>
-                </a:solidFill>
-                <a:latin typeface="Noto Sans CJK KR Medium" panose="020B0600000000000000" pitchFamily="34" charset="-127"/>
-                <a:ea typeface="Noto Sans CJK KR Medium" panose="020B0600000000000000" pitchFamily="34" charset="-127"/>
-              </a:rPr>
-              <a:t>&amp; </a:t>
-            </a:r>
-            <a:r>
-              <a:rPr lang="ko-KR" altLang="en-US" sz="1100" dirty="0">
-                <a:solidFill>
-                  <a:schemeClr val="bg2">
-                    <a:lumMod val="75000"/>
-                  </a:schemeClr>
-                </a:solidFill>
-                <a:latin typeface="Noto Sans CJK KR Medium" panose="020B0600000000000000" pitchFamily="34" charset="-127"/>
-                <a:ea typeface="Noto Sans CJK KR Medium" panose="020B0600000000000000" pitchFamily="34" charset="-127"/>
-              </a:rPr>
-              <a:t>검증 및 확인</a:t>
-            </a:r>
-          </a:p>
-        </p:txBody>
-      </p:sp>
-      <p:sp>
-        <p:nvSpPr>
-          <p:cNvPr id="29" name="직사각형 28"/>
-          <p:cNvSpPr/>
-          <p:nvPr/>
-        </p:nvSpPr>
-        <p:spPr>
-          <a:xfrm>
-            <a:off x="9291319" y="6537278"/>
-            <a:ext cx="2900681" cy="320722"/>
-          </a:xfrm>
-          <a:prstGeom prst="rect">
-            <a:avLst/>
-          </a:prstGeom>
-          <a:solidFill>
-            <a:schemeClr val="bg1"/>
-          </a:solidFill>
-          <a:ln>
-            <a:solidFill>
-              <a:schemeClr val="bg1"/>
-            </a:solidFill>
-          </a:ln>
-        </p:spPr>
-        <p:style>
-          <a:lnRef idx="2">
-            <a:schemeClr val="accent1">
-              <a:shade val="50000"/>
-            </a:schemeClr>
-          </a:lnRef>
-          <a:fillRef idx="1">
-            <a:schemeClr val="accent1"/>
-          </a:fillRef>
-          <a:effectRef idx="0">
-            <a:schemeClr val="accent1"/>
-          </a:effectRef>
-          <a:fontRef idx="minor">
-            <a:schemeClr val="lt1"/>
-          </a:fontRef>
-        </p:style>
-        <p:txBody>
-          <a:bodyPr rtlCol="0" anchor="ctr"/>
-          <a:lstStyle/>
-          <a:p>
-            <a:pPr algn="ctr"/>
-            <a:endParaRPr lang="ko-KR" altLang="en-US"/>
-          </a:p>
-        </p:txBody>
-      </p:sp>
-      <p:sp>
-        <p:nvSpPr>
-          <p:cNvPr id="31" name="직사각형 30"/>
-          <p:cNvSpPr/>
-          <p:nvPr/>
-        </p:nvSpPr>
-        <p:spPr>
-          <a:xfrm>
-            <a:off x="2752167" y="1089843"/>
-            <a:ext cx="4115229" cy="461665"/>
-          </a:xfrm>
-          <a:prstGeom prst="rect">
-            <a:avLst/>
-          </a:prstGeom>
-        </p:spPr>
-        <p:txBody>
-          <a:bodyPr wrap="none">
-            <a:spAutoFit/>
-          </a:bodyPr>
-          <a:lstStyle/>
-          <a:p>
-            <a:pPr>
-              <a:spcBef>
-                <a:spcPts val="1000"/>
-              </a:spcBef>
-            </a:pPr>
-            <a:r>
-              <a:rPr lang="ko-KR" altLang="en-US" sz="2400" spc="-150" dirty="0">
-                <a:ln>
-                  <a:solidFill>
-                    <a:schemeClr val="accent1">
-                      <a:alpha val="0"/>
-                    </a:schemeClr>
-                  </a:solidFill>
-                </a:ln>
-                <a:solidFill>
-                  <a:srgbClr val="282421"/>
-                </a:solidFill>
-                <a:latin typeface="Noto Sans CJK KR Medium" panose="020B0600000000000000" pitchFamily="34" charset="-127"/>
-                <a:ea typeface="Noto Sans CJK KR Medium" panose="020B0600000000000000" pitchFamily="34" charset="-127"/>
-              </a:rPr>
-              <a:t>사용사례 작성 </a:t>
-            </a:r>
-            <a:r>
-              <a:rPr lang="en-US" altLang="ko-KR" sz="2400" spc="-150" dirty="0">
-                <a:ln>
-                  <a:solidFill>
-                    <a:schemeClr val="accent1">
-                      <a:alpha val="0"/>
-                    </a:schemeClr>
-                  </a:solidFill>
-                </a:ln>
-                <a:solidFill>
-                  <a:srgbClr val="282421"/>
-                </a:solidFill>
-                <a:latin typeface="Noto Sans CJK KR Medium" panose="020B0600000000000000" pitchFamily="34" charset="-127"/>
-                <a:ea typeface="Noto Sans CJK KR Medium" panose="020B0600000000000000" pitchFamily="34" charset="-127"/>
-              </a:rPr>
-              <a:t>– </a:t>
-            </a:r>
-            <a:r>
-              <a:rPr lang="ko-KR" altLang="en-US" sz="2400" spc="-150" dirty="0">
-                <a:ln>
-                  <a:solidFill>
-                    <a:schemeClr val="accent1">
-                      <a:alpha val="0"/>
-                    </a:schemeClr>
-                  </a:solidFill>
-                </a:ln>
-                <a:solidFill>
-                  <a:srgbClr val="282421"/>
-                </a:solidFill>
-                <a:latin typeface="Noto Sans CJK KR Medium" panose="020B0600000000000000" pitchFamily="34" charset="-127"/>
-                <a:ea typeface="Noto Sans CJK KR Medium" panose="020B0600000000000000" pitchFamily="34" charset="-127"/>
-              </a:rPr>
-              <a:t>시나리오 작성</a:t>
-            </a:r>
-            <a:endParaRPr lang="en-US" altLang="ko-KR" sz="2400" spc="-150" dirty="0">
-              <a:ln>
-                <a:solidFill>
-                  <a:schemeClr val="accent1">
-                    <a:alpha val="0"/>
-                  </a:schemeClr>
-                </a:solidFill>
-              </a:ln>
-              <a:solidFill>
-                <a:srgbClr val="282421"/>
-              </a:solidFill>
-              <a:latin typeface="Noto Sans CJK KR Medium" panose="020B0600000000000000" pitchFamily="34" charset="-127"/>
-              <a:ea typeface="Noto Sans CJK KR Medium" panose="020B0600000000000000" pitchFamily="34" charset="-127"/>
-            </a:endParaRPr>
-          </a:p>
-        </p:txBody>
-      </p:sp>
-      <p:graphicFrame>
-        <p:nvGraphicFramePr>
-          <p:cNvPr id="12" name="내용 개체 틀 4"/>
-          <p:cNvGraphicFramePr>
-            <a:graphicFrameLocks/>
-          </p:cNvGraphicFramePr>
-          <p:nvPr>
-            <p:extLst>
-              <p:ext uri="{D42A27DB-BD31-4B8C-83A1-F6EECF244321}">
-                <p14:modId xmlns:p14="http://schemas.microsoft.com/office/powerpoint/2010/main" val="4080272202"/>
-              </p:ext>
-            </p:extLst>
-          </p:nvPr>
-        </p:nvGraphicFramePr>
-        <p:xfrm>
-          <a:off x="2574745" y="2107300"/>
-          <a:ext cx="9257167" cy="4274244"/>
-        </p:xfrm>
-        <a:graphic>
-          <a:graphicData uri="http://schemas.openxmlformats.org/drawingml/2006/table">
-            <a:tbl>
-              <a:tblPr firstRow="1" bandRow="1">
-                <a:tableStyleId>{3B4B98B0-60AC-42C2-AFA5-B58CD77FA1E5}</a:tableStyleId>
-              </a:tblPr>
-              <a:tblGrid>
-                <a:gridCol w="1466806">
-                  <a:extLst>
-                    <a:ext uri="{9D8B030D-6E8A-4147-A177-3AD203B41FA5}">
-                      <a16:colId xmlns:a16="http://schemas.microsoft.com/office/drawing/2014/main" val="20000"/>
-                    </a:ext>
-                  </a:extLst>
-                </a:gridCol>
-                <a:gridCol w="7790361">
-                  <a:extLst>
-                    <a:ext uri="{9D8B030D-6E8A-4147-A177-3AD203B41FA5}">
-                      <a16:colId xmlns:a16="http://schemas.microsoft.com/office/drawing/2014/main" val="20001"/>
-                    </a:ext>
-                  </a:extLst>
-                </a:gridCol>
-              </a:tblGrid>
-              <a:tr h="600289">
-                <a:tc>
-                  <a:txBody>
-                    <a:bodyPr/>
-                    <a:lstStyle/>
-                    <a:p>
-                      <a:pPr algn="ctr" latinLnBrk="1"/>
-                      <a:r>
-                        <a:rPr lang="ko-KR" altLang="en-US" b="1" dirty="0">
-                          <a:solidFill>
-                            <a:schemeClr val="tx1">
-                              <a:lumMod val="85000"/>
-                              <a:lumOff val="15000"/>
-                            </a:schemeClr>
-                          </a:solidFill>
-                          <a:latin typeface="HY헤드라인M" pitchFamily="18" charset="-127"/>
-                          <a:ea typeface="HY헤드라인M" pitchFamily="18" charset="-127"/>
-                        </a:rPr>
-                        <a:t>시나리오 이름</a:t>
-                      </a:r>
-                    </a:p>
-                  </a:txBody>
-                  <a:tcPr/>
-                </a:tc>
-                <a:tc>
-                  <a:txBody>
-                    <a:bodyPr/>
-                    <a:lstStyle/>
-                    <a:p>
-                      <a:pPr fontAlgn="base" latinLnBrk="1"/>
-                      <a:r>
-                        <a:rPr lang="ko-KR" altLang="en-US" sz="1800" b="1" kern="1200" dirty="0" smtClean="0">
-                          <a:solidFill>
-                            <a:schemeClr val="tx1"/>
-                          </a:solidFill>
-                          <a:effectLst/>
-                          <a:latin typeface="+mn-lt"/>
-                          <a:ea typeface="+mn-ea"/>
-                          <a:cs typeface="+mn-cs"/>
-                        </a:rPr>
-                        <a:t>회사별 시리얼 키 제공 기능</a:t>
-                      </a:r>
-                      <a:endParaRPr lang="ko-KR" altLang="en-US" sz="1800" b="1" kern="1200" dirty="0">
-                        <a:solidFill>
-                          <a:schemeClr val="tx1"/>
-                        </a:solidFill>
-                        <a:effectLst/>
-                        <a:latin typeface="+mn-lt"/>
-                        <a:ea typeface="+mn-ea"/>
-                        <a:cs typeface="+mn-cs"/>
-                      </a:endParaRPr>
-                    </a:p>
-                  </a:txBody>
-                  <a:tcPr/>
-                </a:tc>
-                <a:extLst>
-                  <a:ext uri="{0D108BD9-81ED-4DB2-BD59-A6C34878D82A}">
-                    <a16:rowId xmlns:a16="http://schemas.microsoft.com/office/drawing/2014/main" val="10000"/>
-                  </a:ext>
-                </a:extLst>
-              </a:tr>
-              <a:tr h="343022">
-                <a:tc>
-                  <a:txBody>
-                    <a:bodyPr/>
-                    <a:lstStyle/>
-                    <a:p>
-                      <a:pPr algn="ctr" latinLnBrk="1"/>
-                      <a:r>
-                        <a:rPr lang="ko-KR" altLang="en-US" b="1" dirty="0">
-                          <a:solidFill>
-                            <a:schemeClr val="tx1">
-                              <a:lumMod val="85000"/>
-                              <a:lumOff val="15000"/>
-                            </a:schemeClr>
-                          </a:solidFill>
-                          <a:latin typeface="HY헤드라인M" pitchFamily="18" charset="-127"/>
-                          <a:ea typeface="HY헤드라인M" pitchFamily="18" charset="-127"/>
-                        </a:rPr>
-                        <a:t>참여 </a:t>
-                      </a:r>
-                      <a:r>
-                        <a:rPr lang="ko-KR" altLang="en-US" b="1" dirty="0" err="1">
-                          <a:solidFill>
-                            <a:schemeClr val="tx1">
-                              <a:lumMod val="85000"/>
-                              <a:lumOff val="15000"/>
-                            </a:schemeClr>
-                          </a:solidFill>
-                          <a:latin typeface="HY헤드라인M" pitchFamily="18" charset="-127"/>
-                          <a:ea typeface="HY헤드라인M" pitchFamily="18" charset="-127"/>
-                        </a:rPr>
-                        <a:t>액터</a:t>
-                      </a:r>
-                      <a:endParaRPr lang="ko-KR" altLang="en-US" b="1" dirty="0">
-                        <a:solidFill>
-                          <a:schemeClr val="tx1">
-                            <a:lumMod val="85000"/>
-                            <a:lumOff val="15000"/>
-                          </a:schemeClr>
-                        </a:solidFill>
-                        <a:latin typeface="HY헤드라인M" pitchFamily="18" charset="-127"/>
-                        <a:ea typeface="HY헤드라인M" pitchFamily="18" charset="-127"/>
-                      </a:endParaRPr>
-                    </a:p>
-                  </a:txBody>
-                  <a:tcPr/>
-                </a:tc>
-                <a:tc>
-                  <a:txBody>
-                    <a:bodyPr/>
-                    <a:lstStyle/>
-                    <a:p>
-                      <a:r>
-                        <a:rPr lang="ko-KR" altLang="en-US" sz="1800" kern="1200" dirty="0" smtClean="0">
-                          <a:solidFill>
-                            <a:schemeClr val="tx1">
-                              <a:lumMod val="85000"/>
-                              <a:lumOff val="15000"/>
-                            </a:schemeClr>
-                          </a:solidFill>
-                          <a:latin typeface="HY헤드라인M" pitchFamily="18" charset="-127"/>
-                          <a:ea typeface="HY헤드라인M" pitchFamily="18" charset="-127"/>
-                          <a:cs typeface="+mn-cs"/>
-                        </a:rPr>
-                        <a:t>사이트 사용자</a:t>
-                      </a:r>
-                      <a:r>
-                        <a:rPr lang="en-US" altLang="ko-KR" sz="1800" kern="1200" dirty="0" smtClean="0">
-                          <a:solidFill>
-                            <a:schemeClr val="tx1">
-                              <a:lumMod val="85000"/>
-                              <a:lumOff val="15000"/>
-                            </a:schemeClr>
-                          </a:solidFill>
-                          <a:latin typeface="HY헤드라인M" pitchFamily="18" charset="-127"/>
-                          <a:ea typeface="HY헤드라인M" pitchFamily="18" charset="-127"/>
-                          <a:cs typeface="+mn-cs"/>
-                        </a:rPr>
-                        <a:t>(</a:t>
-                      </a:r>
-                      <a:r>
-                        <a:rPr lang="ko-KR" altLang="en-US" sz="1800" kern="1200" dirty="0" smtClean="0">
-                          <a:solidFill>
-                            <a:schemeClr val="tx1">
-                              <a:lumMod val="85000"/>
-                              <a:lumOff val="15000"/>
-                            </a:schemeClr>
-                          </a:solidFill>
-                          <a:latin typeface="HY헤드라인M" pitchFamily="18" charset="-127"/>
-                          <a:ea typeface="HY헤드라인M" pitchFamily="18" charset="-127"/>
-                          <a:cs typeface="+mn-cs"/>
-                        </a:rPr>
-                        <a:t>학교 관계자</a:t>
-                      </a:r>
-                      <a:r>
-                        <a:rPr lang="en-US" altLang="ko-KR" sz="1800" kern="1200" dirty="0" smtClean="0">
-                          <a:solidFill>
-                            <a:schemeClr val="tx1">
-                              <a:lumMod val="85000"/>
-                              <a:lumOff val="15000"/>
-                            </a:schemeClr>
-                          </a:solidFill>
-                          <a:latin typeface="HY헤드라인M" pitchFamily="18" charset="-127"/>
-                          <a:ea typeface="HY헤드라인M" pitchFamily="18" charset="-127"/>
-                          <a:cs typeface="+mn-cs"/>
-                        </a:rPr>
-                        <a:t>)</a:t>
-                      </a:r>
-                      <a:endParaRPr lang="en-US" sz="1800" kern="1200" dirty="0">
-                        <a:solidFill>
-                          <a:schemeClr val="tx1">
-                            <a:lumMod val="85000"/>
-                            <a:lumOff val="15000"/>
-                          </a:schemeClr>
-                        </a:solidFill>
-                        <a:latin typeface="HY헤드라인M" pitchFamily="18" charset="-127"/>
-                        <a:ea typeface="HY헤드라인M" pitchFamily="18" charset="-127"/>
-                        <a:cs typeface="+mn-cs"/>
-                      </a:endParaRPr>
-                    </a:p>
-                  </a:txBody>
-                  <a:tcPr/>
-                </a:tc>
-                <a:extLst>
-                  <a:ext uri="{0D108BD9-81ED-4DB2-BD59-A6C34878D82A}">
-                    <a16:rowId xmlns:a16="http://schemas.microsoft.com/office/drawing/2014/main" val="10001"/>
-                  </a:ext>
-                </a:extLst>
-              </a:tr>
-              <a:tr h="343022">
-                <a:tc>
-                  <a:txBody>
-                    <a:bodyPr/>
-                    <a:lstStyle/>
-                    <a:p>
-                      <a:pPr algn="ctr" latinLnBrk="1"/>
-                      <a:r>
-                        <a:rPr lang="ko-KR" altLang="en-US" b="1" dirty="0">
-                          <a:solidFill>
-                            <a:schemeClr val="tx1">
-                              <a:lumMod val="85000"/>
-                              <a:lumOff val="15000"/>
-                            </a:schemeClr>
-                          </a:solidFill>
-                          <a:latin typeface="HY헤드라인M" pitchFamily="18" charset="-127"/>
-                          <a:ea typeface="HY헤드라인M" pitchFamily="18" charset="-127"/>
-                        </a:rPr>
-                        <a:t>시작 조건</a:t>
-                      </a:r>
-                    </a:p>
-                  </a:txBody>
-                  <a:tcPr/>
-                </a:tc>
-                <a:tc>
-                  <a:txBody>
-                    <a:bodyPr/>
-                    <a:lstStyle/>
-                    <a:p>
-                      <a:pPr marL="0" marR="0" indent="0" algn="l" defTabSz="914400" rtl="0" eaLnBrk="1" fontAlgn="auto" latinLnBrk="1" hangingPunct="1">
-                        <a:lnSpc>
-                          <a:spcPct val="100000"/>
-                        </a:lnSpc>
-                        <a:spcBef>
-                          <a:spcPts val="0"/>
-                        </a:spcBef>
-                        <a:spcAft>
-                          <a:spcPts val="0"/>
-                        </a:spcAft>
-                        <a:buClrTx/>
-                        <a:buSzTx/>
-                        <a:buFontTx/>
-                        <a:buNone/>
-                        <a:tabLst/>
-                        <a:defRPr/>
-                      </a:pPr>
-                      <a:r>
-                        <a:rPr lang="ko-KR" altLang="en-US" sz="1800" kern="1200" dirty="0" err="1" smtClean="0">
-                          <a:solidFill>
-                            <a:schemeClr val="tx1">
-                              <a:lumMod val="85000"/>
-                              <a:lumOff val="15000"/>
-                            </a:schemeClr>
-                          </a:solidFill>
-                          <a:latin typeface="HY헤드라인M" pitchFamily="18" charset="-127"/>
-                          <a:ea typeface="HY헤드라인M" pitchFamily="18" charset="-127"/>
-                          <a:cs typeface="+mn-cs"/>
-                        </a:rPr>
-                        <a:t>로그인이</a:t>
-                      </a:r>
-                      <a:r>
-                        <a:rPr lang="ko-KR" altLang="en-US" sz="1800" kern="1200" dirty="0" smtClean="0">
-                          <a:solidFill>
-                            <a:schemeClr val="tx1">
-                              <a:lumMod val="85000"/>
-                              <a:lumOff val="15000"/>
-                            </a:schemeClr>
-                          </a:solidFill>
-                          <a:latin typeface="HY헤드라인M" pitchFamily="18" charset="-127"/>
-                          <a:ea typeface="HY헤드라인M" pitchFamily="18" charset="-127"/>
-                          <a:cs typeface="+mn-cs"/>
-                        </a:rPr>
-                        <a:t> 되어 있는 상태여야 한다</a:t>
-                      </a:r>
-                      <a:r>
-                        <a:rPr lang="en-US" altLang="ko-KR" sz="1800" kern="1200" dirty="0" smtClean="0">
-                          <a:solidFill>
-                            <a:schemeClr val="tx1">
-                              <a:lumMod val="85000"/>
-                              <a:lumOff val="15000"/>
-                            </a:schemeClr>
-                          </a:solidFill>
-                          <a:latin typeface="HY헤드라인M" pitchFamily="18" charset="-127"/>
-                          <a:ea typeface="HY헤드라인M" pitchFamily="18" charset="-127"/>
-                          <a:cs typeface="+mn-cs"/>
-                        </a:rPr>
-                        <a:t>.</a:t>
-                      </a:r>
-                      <a:endParaRPr lang="en-US" altLang="ko-KR" sz="1800" kern="1200" dirty="0">
-                        <a:solidFill>
-                          <a:schemeClr val="tx1">
-                            <a:lumMod val="85000"/>
-                            <a:lumOff val="15000"/>
-                          </a:schemeClr>
-                        </a:solidFill>
-                        <a:latin typeface="HY헤드라인M" pitchFamily="18" charset="-127"/>
-                        <a:ea typeface="HY헤드라인M" pitchFamily="18" charset="-127"/>
-                        <a:cs typeface="+mn-cs"/>
-                      </a:endParaRPr>
-                    </a:p>
-                  </a:txBody>
-                  <a:tcPr/>
-                </a:tc>
-                <a:extLst>
-                  <a:ext uri="{0D108BD9-81ED-4DB2-BD59-A6C34878D82A}">
-                    <a16:rowId xmlns:a16="http://schemas.microsoft.com/office/drawing/2014/main" val="10002"/>
-                  </a:ext>
-                </a:extLst>
-              </a:tr>
-              <a:tr h="1451322">
-                <a:tc>
-                  <a:txBody>
-                    <a:bodyPr/>
-                    <a:lstStyle/>
-                    <a:p>
-                      <a:pPr algn="ctr" latinLnBrk="1"/>
-                      <a:r>
-                        <a:rPr lang="ko-KR" altLang="en-US" b="1" dirty="0">
-                          <a:solidFill>
-                            <a:schemeClr val="tx1">
-                              <a:lumMod val="85000"/>
-                              <a:lumOff val="15000"/>
-                            </a:schemeClr>
-                          </a:solidFill>
-                          <a:latin typeface="HY헤드라인M" pitchFamily="18" charset="-127"/>
-                          <a:ea typeface="HY헤드라인M" pitchFamily="18" charset="-127"/>
-                        </a:rPr>
-                        <a:t>정상 흐름</a:t>
-                      </a:r>
-                    </a:p>
-                  </a:txBody>
-                  <a:tcPr/>
-                </a:tc>
-                <a:tc>
-                  <a:txBody>
-                    <a:bodyPr/>
-                    <a:lstStyle/>
-                    <a:p>
-                      <a:pPr fontAlgn="base" latinLnBrk="1"/>
-                      <a:r>
-                        <a:rPr lang="en-US" altLang="ko-KR" sz="1800" kern="1200" dirty="0" smtClean="0">
-                          <a:solidFill>
-                            <a:schemeClr val="tx1"/>
-                          </a:solidFill>
-                          <a:effectLst/>
-                          <a:latin typeface="+mn-lt"/>
-                          <a:ea typeface="+mn-ea"/>
-                          <a:cs typeface="+mn-cs"/>
-                        </a:rPr>
-                        <a:t>1. </a:t>
-                      </a:r>
-                      <a:r>
-                        <a:rPr lang="en-US" altLang="ko-KR" sz="1800" kern="1200" baseline="0" dirty="0" smtClean="0">
-                          <a:solidFill>
-                            <a:schemeClr val="tx1"/>
-                          </a:solidFill>
-                          <a:effectLst/>
-                          <a:latin typeface="+mn-lt"/>
-                          <a:ea typeface="+mn-ea"/>
-                          <a:cs typeface="+mn-cs"/>
-                        </a:rPr>
-                        <a:t> </a:t>
-                      </a:r>
-                      <a:r>
-                        <a:rPr lang="ko-KR" altLang="en-US" sz="1800" kern="1200" dirty="0" smtClean="0">
-                          <a:solidFill>
-                            <a:schemeClr val="tx1"/>
-                          </a:solidFill>
-                          <a:effectLst/>
-                          <a:latin typeface="+mn-lt"/>
-                          <a:ea typeface="+mn-ea"/>
-                          <a:cs typeface="+mn-cs"/>
-                        </a:rPr>
-                        <a:t>관계자로 </a:t>
-                      </a:r>
-                      <a:r>
-                        <a:rPr lang="ko-KR" altLang="en-US" sz="1800" kern="1200" dirty="0" err="1" smtClean="0">
-                          <a:solidFill>
-                            <a:schemeClr val="tx1"/>
-                          </a:solidFill>
-                          <a:effectLst/>
-                          <a:latin typeface="+mn-lt"/>
-                          <a:ea typeface="+mn-ea"/>
-                          <a:cs typeface="+mn-cs"/>
-                        </a:rPr>
-                        <a:t>로그인을</a:t>
-                      </a:r>
-                      <a:r>
-                        <a:rPr lang="ko-KR" altLang="en-US" sz="1800" kern="1200" dirty="0" smtClean="0">
-                          <a:solidFill>
-                            <a:schemeClr val="tx1"/>
-                          </a:solidFill>
-                          <a:effectLst/>
-                          <a:latin typeface="+mn-lt"/>
-                          <a:ea typeface="+mn-ea"/>
-                          <a:cs typeface="+mn-cs"/>
-                        </a:rPr>
-                        <a:t> 한다</a:t>
-                      </a:r>
-                      <a:r>
-                        <a:rPr lang="en-US" altLang="ko-KR" sz="1800" kern="1200" dirty="0" smtClean="0">
-                          <a:solidFill>
-                            <a:schemeClr val="tx1"/>
-                          </a:solidFill>
-                          <a:effectLst/>
-                          <a:latin typeface="+mn-lt"/>
-                          <a:ea typeface="+mn-ea"/>
-                          <a:cs typeface="+mn-cs"/>
-                        </a:rPr>
-                        <a:t>. (</a:t>
-                      </a:r>
-                      <a:r>
-                        <a:rPr lang="ko-KR" altLang="en-US" sz="1800" kern="1200" dirty="0" err="1" smtClean="0">
-                          <a:solidFill>
-                            <a:schemeClr val="tx1"/>
-                          </a:solidFill>
-                          <a:effectLst/>
-                          <a:latin typeface="+mn-lt"/>
-                          <a:ea typeface="+mn-ea"/>
-                          <a:cs typeface="+mn-cs"/>
-                        </a:rPr>
-                        <a:t>액터</a:t>
-                      </a:r>
-                      <a:r>
-                        <a:rPr lang="en-US" altLang="ko-KR" sz="1800" kern="1200" dirty="0" smtClean="0">
-                          <a:solidFill>
-                            <a:schemeClr val="tx1"/>
-                          </a:solidFill>
-                          <a:effectLst/>
-                          <a:latin typeface="+mn-lt"/>
-                          <a:ea typeface="+mn-ea"/>
-                          <a:cs typeface="+mn-cs"/>
-                        </a:rPr>
-                        <a:t>)</a:t>
-                      </a:r>
-                      <a:endParaRPr lang="ko-KR" altLang="en-US" sz="1800" kern="1200" dirty="0" smtClean="0">
-                        <a:solidFill>
-                          <a:schemeClr val="tx1"/>
-                        </a:solidFill>
-                        <a:effectLst/>
-                        <a:latin typeface="+mn-lt"/>
-                        <a:ea typeface="+mn-ea"/>
-                        <a:cs typeface="+mn-cs"/>
-                      </a:endParaRPr>
-                    </a:p>
-                    <a:p>
-                      <a:pPr fontAlgn="base" latinLnBrk="1"/>
-                      <a:r>
-                        <a:rPr lang="en-US" altLang="ko-KR" sz="1800" kern="1200" dirty="0" smtClean="0">
-                          <a:solidFill>
-                            <a:schemeClr val="tx1"/>
-                          </a:solidFill>
-                          <a:effectLst/>
-                          <a:latin typeface="+mn-lt"/>
-                          <a:ea typeface="+mn-ea"/>
-                          <a:cs typeface="+mn-cs"/>
-                        </a:rPr>
-                        <a:t>2.</a:t>
-                      </a:r>
-                      <a:r>
-                        <a:rPr lang="en-US" altLang="ko-KR" sz="1800" kern="1200" baseline="0" dirty="0" smtClean="0">
-                          <a:solidFill>
-                            <a:schemeClr val="tx1"/>
-                          </a:solidFill>
-                          <a:effectLst/>
-                          <a:latin typeface="+mn-lt"/>
-                          <a:ea typeface="+mn-ea"/>
-                          <a:cs typeface="+mn-cs"/>
-                        </a:rPr>
-                        <a:t> </a:t>
-                      </a:r>
-                      <a:r>
-                        <a:rPr lang="en-US" altLang="ko-KR" sz="1800" kern="1200" dirty="0" smtClean="0">
-                          <a:solidFill>
-                            <a:schemeClr val="tx1"/>
-                          </a:solidFill>
-                          <a:effectLst/>
-                          <a:latin typeface="+mn-lt"/>
-                          <a:ea typeface="+mn-ea"/>
-                          <a:cs typeface="+mn-cs"/>
-                        </a:rPr>
-                        <a:t> </a:t>
-                      </a:r>
-                      <a:r>
-                        <a:rPr lang="ko-KR" altLang="en-US" sz="1800" kern="1200" dirty="0" smtClean="0">
-                          <a:solidFill>
-                            <a:schemeClr val="tx1"/>
-                          </a:solidFill>
-                          <a:effectLst/>
-                          <a:latin typeface="+mn-lt"/>
-                          <a:ea typeface="+mn-ea"/>
-                          <a:cs typeface="+mn-cs"/>
-                        </a:rPr>
-                        <a:t>시리얼 키 생성을 클릭한다</a:t>
-                      </a:r>
-                      <a:r>
-                        <a:rPr lang="en-US" altLang="ko-KR" sz="1800" kern="1200" dirty="0" smtClean="0">
-                          <a:solidFill>
-                            <a:schemeClr val="tx1"/>
-                          </a:solidFill>
-                          <a:effectLst/>
-                          <a:latin typeface="+mn-lt"/>
-                          <a:ea typeface="+mn-ea"/>
-                          <a:cs typeface="+mn-cs"/>
-                        </a:rPr>
-                        <a:t>.(</a:t>
-                      </a:r>
-                      <a:r>
-                        <a:rPr lang="ko-KR" altLang="en-US" sz="1800" kern="1200" dirty="0" err="1" smtClean="0">
-                          <a:solidFill>
-                            <a:schemeClr val="tx1"/>
-                          </a:solidFill>
-                          <a:effectLst/>
-                          <a:latin typeface="+mn-lt"/>
-                          <a:ea typeface="+mn-ea"/>
-                          <a:cs typeface="+mn-cs"/>
-                        </a:rPr>
-                        <a:t>액터</a:t>
-                      </a:r>
-                      <a:r>
-                        <a:rPr lang="en-US" altLang="ko-KR" sz="1800" kern="1200" dirty="0" smtClean="0">
-                          <a:solidFill>
-                            <a:schemeClr val="tx1"/>
-                          </a:solidFill>
-                          <a:effectLst/>
-                          <a:latin typeface="+mn-lt"/>
-                          <a:ea typeface="+mn-ea"/>
-                          <a:cs typeface="+mn-cs"/>
-                        </a:rPr>
-                        <a:t>)</a:t>
-                      </a:r>
-                      <a:endParaRPr lang="ko-KR" altLang="en-US" sz="1800" kern="1200" dirty="0" smtClean="0">
-                        <a:solidFill>
-                          <a:schemeClr val="tx1"/>
-                        </a:solidFill>
-                        <a:effectLst/>
-                        <a:latin typeface="+mn-lt"/>
-                        <a:ea typeface="+mn-ea"/>
-                        <a:cs typeface="+mn-cs"/>
-                      </a:endParaRPr>
-                    </a:p>
-                    <a:p>
-                      <a:pPr fontAlgn="base" latinLnBrk="1"/>
-                      <a:r>
-                        <a:rPr lang="en-US" altLang="ko-KR" sz="1800" kern="1200" dirty="0" smtClean="0">
-                          <a:solidFill>
-                            <a:schemeClr val="tx1"/>
-                          </a:solidFill>
-                          <a:effectLst/>
-                          <a:latin typeface="+mn-lt"/>
-                          <a:ea typeface="+mn-ea"/>
-                          <a:cs typeface="+mn-cs"/>
-                        </a:rPr>
-                        <a:t>3.</a:t>
-                      </a:r>
-                      <a:r>
-                        <a:rPr lang="en-US" altLang="ko-KR" sz="1800" kern="1200" baseline="0" dirty="0" smtClean="0">
-                          <a:solidFill>
-                            <a:schemeClr val="tx1"/>
-                          </a:solidFill>
-                          <a:effectLst/>
-                          <a:latin typeface="+mn-lt"/>
-                          <a:ea typeface="+mn-ea"/>
-                          <a:cs typeface="+mn-cs"/>
-                        </a:rPr>
-                        <a:t> </a:t>
-                      </a:r>
-                      <a:r>
-                        <a:rPr lang="en-US" altLang="ko-KR" sz="1800" kern="1200" dirty="0" smtClean="0">
-                          <a:solidFill>
-                            <a:schemeClr val="tx1"/>
-                          </a:solidFill>
-                          <a:effectLst/>
-                          <a:latin typeface="+mn-lt"/>
-                          <a:ea typeface="+mn-ea"/>
-                          <a:cs typeface="+mn-cs"/>
-                        </a:rPr>
-                        <a:t> </a:t>
-                      </a:r>
-                      <a:r>
-                        <a:rPr lang="ko-KR" altLang="en-US" sz="1800" kern="1200" dirty="0" smtClean="0">
-                          <a:solidFill>
-                            <a:schemeClr val="tx1"/>
-                          </a:solidFill>
-                          <a:effectLst/>
-                          <a:latin typeface="+mn-lt"/>
-                          <a:ea typeface="+mn-ea"/>
-                          <a:cs typeface="+mn-cs"/>
-                        </a:rPr>
-                        <a:t>시리얼 키를 생성한다</a:t>
-                      </a:r>
-                      <a:r>
-                        <a:rPr lang="en-US" altLang="ko-KR" sz="1800" kern="1200" dirty="0" smtClean="0">
-                          <a:solidFill>
-                            <a:schemeClr val="tx1"/>
-                          </a:solidFill>
-                          <a:effectLst/>
-                          <a:latin typeface="+mn-lt"/>
-                          <a:ea typeface="+mn-ea"/>
-                          <a:cs typeface="+mn-cs"/>
-                        </a:rPr>
-                        <a:t>.(</a:t>
-                      </a:r>
-                      <a:r>
-                        <a:rPr lang="ko-KR" altLang="en-US" sz="1800" kern="1200" dirty="0" smtClean="0">
-                          <a:solidFill>
-                            <a:schemeClr val="tx1"/>
-                          </a:solidFill>
-                          <a:effectLst/>
-                          <a:latin typeface="+mn-lt"/>
-                          <a:ea typeface="+mn-ea"/>
-                          <a:cs typeface="+mn-cs"/>
-                        </a:rPr>
-                        <a:t>시스템</a:t>
-                      </a:r>
-                      <a:r>
-                        <a:rPr lang="en-US" altLang="ko-KR" sz="1800" kern="1200" dirty="0" smtClean="0">
-                          <a:solidFill>
-                            <a:schemeClr val="tx1"/>
-                          </a:solidFill>
-                          <a:effectLst/>
-                          <a:latin typeface="+mn-lt"/>
-                          <a:ea typeface="+mn-ea"/>
-                          <a:cs typeface="+mn-cs"/>
-                        </a:rPr>
-                        <a:t>)</a:t>
-                      </a:r>
-                      <a:endParaRPr lang="ko-KR" altLang="en-US" sz="1800" kern="1200" dirty="0">
-                        <a:solidFill>
-                          <a:schemeClr val="tx1"/>
-                        </a:solidFill>
-                        <a:effectLst/>
-                        <a:latin typeface="+mn-lt"/>
-                        <a:ea typeface="+mn-ea"/>
-                        <a:cs typeface="+mn-cs"/>
-                      </a:endParaRPr>
-                    </a:p>
-                  </a:txBody>
-                  <a:tcPr/>
-                </a:tc>
-                <a:extLst>
-                  <a:ext uri="{0D108BD9-81ED-4DB2-BD59-A6C34878D82A}">
-                    <a16:rowId xmlns:a16="http://schemas.microsoft.com/office/drawing/2014/main" val="10003"/>
-                  </a:ext>
-                </a:extLst>
-              </a:tr>
-              <a:tr h="1451322">
-                <a:tc>
-                  <a:txBody>
-                    <a:bodyPr/>
-                    <a:lstStyle/>
-                    <a:p>
-                      <a:pPr algn="ctr" latinLnBrk="1"/>
-                      <a:r>
-                        <a:rPr lang="ko-KR" altLang="en-US" b="1" dirty="0">
-                          <a:solidFill>
-                            <a:schemeClr val="tx1">
-                              <a:lumMod val="85000"/>
-                              <a:lumOff val="15000"/>
-                            </a:schemeClr>
-                          </a:solidFill>
-                          <a:latin typeface="HY헤드라인M" pitchFamily="18" charset="-127"/>
-                          <a:ea typeface="HY헤드라인M" pitchFamily="18" charset="-127"/>
-                        </a:rPr>
-                        <a:t>선택흐름</a:t>
-                      </a:r>
-                    </a:p>
-                  </a:txBody>
-                  <a:tcPr/>
-                </a:tc>
-                <a:tc>
-                  <a:txBody>
-                    <a:bodyPr/>
-                    <a:lstStyle/>
-                    <a:p>
-                      <a:pPr fontAlgn="base" latinLnBrk="1"/>
-                      <a:r>
-                        <a:rPr lang="en-US" altLang="ko-KR" sz="1800" kern="1200" dirty="0" smtClean="0">
-                          <a:solidFill>
-                            <a:schemeClr val="tx1"/>
-                          </a:solidFill>
-                          <a:effectLst/>
-                          <a:latin typeface="+mn-lt"/>
-                          <a:ea typeface="+mn-ea"/>
-                          <a:cs typeface="+mn-cs"/>
-                        </a:rPr>
-                        <a:t>-</a:t>
-                      </a:r>
-                      <a:r>
-                        <a:rPr lang="ko-KR" altLang="en-US" sz="1800" kern="1200" dirty="0" smtClean="0">
-                          <a:solidFill>
-                            <a:schemeClr val="tx1"/>
-                          </a:solidFill>
-                          <a:effectLst/>
-                          <a:latin typeface="+mn-lt"/>
-                          <a:ea typeface="+mn-ea"/>
-                          <a:cs typeface="+mn-cs"/>
-                        </a:rPr>
-                        <a:t>로그인 실패 시 “다시 </a:t>
-                      </a:r>
-                      <a:r>
-                        <a:rPr lang="ko-KR" altLang="en-US" sz="1800" kern="1200" dirty="0" err="1" smtClean="0">
-                          <a:solidFill>
-                            <a:schemeClr val="tx1"/>
-                          </a:solidFill>
-                          <a:effectLst/>
-                          <a:latin typeface="+mn-lt"/>
-                          <a:ea typeface="+mn-ea"/>
-                          <a:cs typeface="+mn-cs"/>
-                        </a:rPr>
-                        <a:t>입력하시오</a:t>
-                      </a:r>
-                      <a:r>
-                        <a:rPr lang="ko-KR" altLang="en-US" sz="1800" kern="1200" dirty="0" smtClean="0">
-                          <a:solidFill>
-                            <a:schemeClr val="tx1"/>
-                          </a:solidFill>
-                          <a:effectLst/>
-                          <a:latin typeface="+mn-lt"/>
-                          <a:ea typeface="+mn-ea"/>
-                          <a:cs typeface="+mn-cs"/>
-                        </a:rPr>
-                        <a:t>”</a:t>
-                      </a:r>
-                      <a:endParaRPr lang="ko-KR" altLang="en-US" sz="1800" kern="1200" dirty="0">
-                        <a:solidFill>
-                          <a:schemeClr val="tx1"/>
-                        </a:solidFill>
-                        <a:effectLst/>
-                        <a:latin typeface="+mn-lt"/>
-                        <a:ea typeface="+mn-ea"/>
-                        <a:cs typeface="+mn-cs"/>
-                      </a:endParaRPr>
-                    </a:p>
-                  </a:txBody>
-                  <a:tcPr/>
-                </a:tc>
-                <a:extLst>
-                  <a:ext uri="{0D108BD9-81ED-4DB2-BD59-A6C34878D82A}">
-                    <a16:rowId xmlns:a16="http://schemas.microsoft.com/office/drawing/2014/main" val="994516010"/>
-                  </a:ext>
-                </a:extLst>
-              </a:tr>
-            </a:tbl>
-          </a:graphicData>
-        </a:graphic>
-      </p:graphicFrame>
-      <p:sp>
-        <p:nvSpPr>
-          <p:cNvPr id="11" name="TextBox 10"/>
-          <p:cNvSpPr txBox="1"/>
-          <p:nvPr/>
-        </p:nvSpPr>
-        <p:spPr>
-          <a:xfrm>
-            <a:off x="2752863" y="792222"/>
-            <a:ext cx="4878259" cy="369332"/>
-          </a:xfrm>
-          <a:prstGeom prst="rect">
-            <a:avLst/>
-          </a:prstGeom>
-        </p:spPr>
-        <p:txBody>
-          <a:bodyPr wrap="none">
-            <a:spAutoFit/>
-          </a:bodyPr>
-          <a:lstStyle>
-            <a:defPPr>
-              <a:defRPr lang="ko-KR"/>
-            </a:defPPr>
-            <a:lvl1pPr>
-              <a:spcBef>
-                <a:spcPts val="1000"/>
-              </a:spcBef>
-              <a:defRPr sz="2000">
-                <a:ln>
-                  <a:solidFill>
-                    <a:schemeClr val="accent1">
-                      <a:alpha val="0"/>
-                    </a:schemeClr>
-                  </a:solidFill>
-                </a:ln>
-                <a:solidFill>
-                  <a:schemeClr val="bg1"/>
-                </a:solidFill>
-                <a:latin typeface="Noto Sans CJK KR Medium" panose="020B0600000000000000" pitchFamily="34" charset="-127"/>
-                <a:ea typeface="Noto Sans CJK KR Medium" panose="020B0600000000000000" pitchFamily="34" charset="-127"/>
-              </a:defRPr>
-            </a:lvl1pPr>
-          </a:lstStyle>
-          <a:p>
-            <a:r>
-              <a:rPr lang="ko-KR" altLang="en-US" sz="1800" dirty="0">
-                <a:solidFill>
-                  <a:schemeClr val="bg1">
-                    <a:lumMod val="75000"/>
-                  </a:schemeClr>
-                </a:solidFill>
-              </a:rPr>
-              <a:t>기존의 </a:t>
-            </a:r>
-            <a:r>
-              <a:rPr lang="ko-KR" altLang="en-US" sz="1800" dirty="0" smtClean="0">
-                <a:solidFill>
-                  <a:schemeClr val="bg1">
-                    <a:lumMod val="75000"/>
-                  </a:schemeClr>
-                </a:solidFill>
-              </a:rPr>
-              <a:t>책으로 된 </a:t>
-            </a:r>
-            <a:r>
-              <a:rPr lang="en-US" altLang="ko-KR" sz="1800" dirty="0">
-                <a:solidFill>
-                  <a:schemeClr val="bg1">
-                    <a:lumMod val="75000"/>
-                  </a:schemeClr>
-                </a:solidFill>
-              </a:rPr>
-              <a:t>“</a:t>
-            </a:r>
-            <a:r>
-              <a:rPr lang="ko-KR" altLang="en-US" sz="1800" dirty="0" err="1" smtClean="0">
-                <a:solidFill>
-                  <a:schemeClr val="bg1">
-                    <a:lumMod val="75000"/>
-                  </a:schemeClr>
-                </a:solidFill>
-              </a:rPr>
-              <a:t>레주메</a:t>
-            </a:r>
-            <a:r>
-              <a:rPr lang="ko-KR" altLang="en-US" sz="1800" dirty="0" smtClean="0">
-                <a:solidFill>
-                  <a:schemeClr val="bg1">
-                    <a:lumMod val="75000"/>
-                  </a:schemeClr>
-                </a:solidFill>
-              </a:rPr>
-              <a:t> 북</a:t>
-            </a:r>
-            <a:r>
-              <a:rPr lang="en-US" altLang="ko-KR" sz="1800" dirty="0">
-                <a:solidFill>
-                  <a:schemeClr val="bg1">
-                    <a:lumMod val="75000"/>
-                  </a:schemeClr>
-                </a:solidFill>
-              </a:rPr>
-              <a:t>”</a:t>
-            </a:r>
-            <a:r>
-              <a:rPr lang="ko-KR" altLang="en-US" sz="1800" dirty="0">
-                <a:solidFill>
-                  <a:schemeClr val="bg1">
-                    <a:lumMod val="75000"/>
-                  </a:schemeClr>
-                </a:solidFill>
-              </a:rPr>
-              <a:t>의 불편함을 없앤</a:t>
-            </a:r>
-          </a:p>
-        </p:txBody>
-      </p:sp>
-    </p:spTree>
-    <p:extLst>
-      <p:ext uri="{BB962C8B-B14F-4D97-AF65-F5344CB8AC3E}">
-        <p14:creationId xmlns:p14="http://schemas.microsoft.com/office/powerpoint/2010/main" val="1906278463"/>
-      </p:ext>
-    </p:extLst>
-  </p:cSld>
-  <p:clrMapOvr>
-    <a:masterClrMapping/>
-  </p:clrMapOvr>
-  <p:timing>
-    <p:tnLst>
-      <p:par>
-        <p:cTn id="1" dur="indefinite" restart="never" nodeType="tmRoot">
-          <p:childTnLst>
-            <p:seq concurrent="1" nextAc="seek">
-              <p:cTn id="2" dur="indefinite" nodeType="mainSeq">
-                <p:childTnLst>
-                  <p:par>
-                    <p:cTn id="3" fill="hold">
-                      <p:stCondLst>
-                        <p:cond delay="indefinite"/>
-                        <p:cond evt="onBegin" delay="0">
-                          <p:tn val="2"/>
-                        </p:cond>
-                      </p:stCondLst>
-                      <p:childTnLst>
-                        <p:par>
-                          <p:cTn id="4" fill="hold">
-                            <p:stCondLst>
-                              <p:cond delay="0"/>
-                            </p:stCondLst>
-                            <p:childTnLst>
-                              <p:par>
-                                <p:cTn id="5" presetID="2" presetClass="entr" presetSubtype="4" fill="hold" nodeType="afterEffect">
-                                  <p:stCondLst>
-                                    <p:cond delay="0"/>
-                                  </p:stCondLst>
-                                  <p:childTnLst>
-                                    <p:set>
-                                      <p:cBhvr>
-                                        <p:cTn id="6" dur="1" fill="hold">
-                                          <p:stCondLst>
-                                            <p:cond delay="0"/>
-                                          </p:stCondLst>
-                                        </p:cTn>
-                                        <p:tgtEl>
-                                          <p:spTgt spid="12"/>
-                                        </p:tgtEl>
-                                        <p:attrNameLst>
-                                          <p:attrName>style.visibility</p:attrName>
-                                        </p:attrNameLst>
-                                      </p:cBhvr>
-                                      <p:to>
-                                        <p:strVal val="visible"/>
-                                      </p:to>
-                                    </p:set>
-                                    <p:anim calcmode="lin" valueType="num">
-                                      <p:cBhvr additive="base">
-                                        <p:cTn id="7" dur="500" fill="hold"/>
-                                        <p:tgtEl>
-                                          <p:spTgt spid="12"/>
-                                        </p:tgtEl>
-                                        <p:attrNameLst>
-                                          <p:attrName>ppt_x</p:attrName>
-                                        </p:attrNameLst>
-                                      </p:cBhvr>
-                                      <p:tavLst>
-                                        <p:tav tm="0">
-                                          <p:val>
-                                            <p:strVal val="#ppt_x"/>
-                                          </p:val>
-                                        </p:tav>
-                                        <p:tav tm="100000">
-                                          <p:val>
-                                            <p:strVal val="#ppt_x"/>
-                                          </p:val>
-                                        </p:tav>
-                                      </p:tavLst>
-                                    </p:anim>
-                                    <p:anim calcmode="lin" valueType="num">
-                                      <p:cBhvr additive="base">
-                                        <p:cTn id="8" dur="500" fill="hold"/>
-                                        <p:tgtEl>
-                                          <p:spTgt spid="12"/>
-                                        </p:tgtEl>
-                                        <p:attrNameLst>
-                                          <p:attrName>ppt_y</p:attrName>
-                                        </p:attrNameLst>
-                                      </p:cBhvr>
-                                      <p:tavLst>
-                                        <p:tav tm="0">
-                                          <p:val>
-                                            <p:strVal val="1+#ppt_h/2"/>
-                                          </p:val>
-                                        </p:tav>
-                                        <p:tav tm="100000">
-                                          <p:val>
-                                            <p:strVal val="#ppt_y"/>
-                                          </p:val>
-                                        </p:tav>
-                                      </p:tavLst>
-                                    </p:anim>
-                                  </p:childTnLst>
-                                </p:cTn>
-                              </p:par>
-                            </p:childTnLst>
-                          </p:cTn>
-                        </p:par>
-                      </p:childTnLst>
-                    </p:cTn>
-                  </p:par>
-                </p:childTnLst>
-              </p:cTn>
-              <p:prevCondLst>
-                <p:cond evt="onPrev" delay="0">
-                  <p:tgtEl>
-                    <p:sldTgt/>
-                  </p:tgtEl>
-                </p:cond>
-              </p:prevCondLst>
-              <p:nextCondLst>
-                <p:cond evt="onNext" delay="0">
-                  <p:tgtEl>
-                    <p:sldTgt/>
-                  </p:tgtEl>
-                </p:cond>
-              </p:nextCondLst>
-            </p:seq>
-          </p:childTnLst>
-        </p:cTn>
-      </p:par>
-    </p:tnLst>
-  </p:timing>
-</p:sld>
-</file>
-
-<file path=ppt/slides/slide19.xml><?xml version="1.0" encoding="utf-8"?>
-<p:sld xmlns:a="http://schemas.openxmlformats.org/drawingml/2006/main" xmlns:r="http://schemas.openxmlformats.org/officeDocument/2006/relationships" xmlns:p="http://schemas.openxmlformats.org/presentationml/2006/main">
-  <p:cSld>
-    <p:spTree>
-      <p:nvGrpSpPr>
-        <p:cNvPr id="1" name=""/>
-        <p:cNvGrpSpPr/>
-        <p:nvPr/>
-      </p:nvGrpSpPr>
-      <p:grpSpPr>
-        <a:xfrm>
-          <a:off x="0" y="0"/>
-          <a:ext cx="0" cy="0"/>
-          <a:chOff x="0" y="0"/>
-          <a:chExt cx="0" cy="0"/>
-        </a:xfrm>
-      </p:grpSpPr>
-      <p:sp>
-        <p:nvSpPr>
-          <p:cNvPr id="2" name="제목 1" hidden="1"/>
-          <p:cNvSpPr>
-            <a:spLocks noGrp="1"/>
-          </p:cNvSpPr>
-          <p:nvPr>
-            <p:ph type="title"/>
-          </p:nvPr>
-        </p:nvSpPr>
-        <p:spPr/>
-        <p:txBody>
-          <a:bodyPr/>
-          <a:lstStyle/>
-          <a:p>
-            <a:endParaRPr lang="ko-KR" altLang="en-US"/>
-          </a:p>
-        </p:txBody>
-      </p:sp>
-      <p:cxnSp>
-        <p:nvCxnSpPr>
-          <p:cNvPr id="6" name="직선 연결선 5"/>
-          <p:cNvCxnSpPr/>
-          <p:nvPr/>
-        </p:nvCxnSpPr>
-        <p:spPr>
-          <a:xfrm>
-            <a:off x="463854" y="555894"/>
-            <a:ext cx="560439" cy="0"/>
-          </a:xfrm>
-          <a:prstGeom prst="line">
-            <a:avLst/>
-          </a:prstGeom>
-          <a:ln>
-            <a:solidFill>
-              <a:schemeClr val="bg1"/>
-            </a:solidFill>
-          </a:ln>
-        </p:spPr>
-        <p:style>
-          <a:lnRef idx="1">
-            <a:schemeClr val="accent1"/>
-          </a:lnRef>
-          <a:fillRef idx="0">
-            <a:schemeClr val="accent1"/>
-          </a:fillRef>
-          <a:effectRef idx="0">
-            <a:schemeClr val="accent1"/>
-          </a:effectRef>
-          <a:fontRef idx="minor">
-            <a:schemeClr val="tx1"/>
-          </a:fontRef>
-        </p:style>
-      </p:cxnSp>
-      <p:cxnSp>
-        <p:nvCxnSpPr>
-          <p:cNvPr id="7" name="직선 연결선 6"/>
-          <p:cNvCxnSpPr/>
-          <p:nvPr/>
-        </p:nvCxnSpPr>
-        <p:spPr>
-          <a:xfrm>
-            <a:off x="486696" y="2257425"/>
-            <a:ext cx="560439" cy="0"/>
-          </a:xfrm>
-          <a:prstGeom prst="line">
-            <a:avLst/>
-          </a:prstGeom>
-          <a:ln>
-            <a:solidFill>
-              <a:schemeClr val="bg1"/>
-            </a:solidFill>
-          </a:ln>
-        </p:spPr>
-        <p:style>
-          <a:lnRef idx="1">
-            <a:schemeClr val="accent1"/>
-          </a:lnRef>
-          <a:fillRef idx="0">
-            <a:schemeClr val="accent1"/>
-          </a:fillRef>
-          <a:effectRef idx="0">
-            <a:schemeClr val="accent1"/>
-          </a:effectRef>
-          <a:fontRef idx="minor">
-            <a:schemeClr val="tx1"/>
-          </a:fontRef>
-        </p:style>
-      </p:cxnSp>
-      <p:sp>
-        <p:nvSpPr>
-          <p:cNvPr id="8" name="TextBox 7"/>
-          <p:cNvSpPr txBox="1"/>
-          <p:nvPr/>
-        </p:nvSpPr>
-        <p:spPr>
-          <a:xfrm>
-            <a:off x="353419" y="796300"/>
-            <a:ext cx="1557774" cy="1461125"/>
-          </a:xfrm>
-          <a:prstGeom prst="rect">
-            <a:avLst/>
-          </a:prstGeom>
-        </p:spPr>
-        <p:txBody>
-          <a:bodyPr vert="horz" lIns="91440" tIns="45720" rIns="91440" bIns="45720" rtlCol="0">
-            <a:noAutofit/>
-          </a:bodyPr>
-          <a:lstStyle>
-            <a:defPPr>
-              <a:defRPr lang="ko-KR"/>
-            </a:defPPr>
-            <a:lvl1pPr indent="0">
-              <a:lnSpc>
-                <a:spcPct val="100000"/>
-              </a:lnSpc>
-              <a:spcBef>
-                <a:spcPts val="1000"/>
-              </a:spcBef>
-              <a:buFont typeface="Arial" panose="020B0604020202020204" pitchFamily="34" charset="0"/>
-              <a:buNone/>
-              <a:defRPr sz="1100">
-                <a:ln>
-                  <a:solidFill>
-                    <a:schemeClr val="accent1">
-                      <a:alpha val="0"/>
-                    </a:schemeClr>
-                  </a:solidFill>
-                </a:ln>
-                <a:solidFill>
-                  <a:schemeClr val="bg1"/>
-                </a:solidFill>
-                <a:latin typeface="-윤고딕330" panose="02030504000101010101" pitchFamily="18" charset="-127"/>
-                <a:ea typeface="-윤고딕330" panose="02030504000101010101" pitchFamily="18" charset="-127"/>
-              </a:defRPr>
-            </a:lvl1pPr>
-            <a:lvl2pPr marL="685800" indent="-228600">
-              <a:lnSpc>
-                <a:spcPct val="90000"/>
-              </a:lnSpc>
-              <a:spcBef>
-                <a:spcPts val="500"/>
-              </a:spcBef>
-              <a:buFont typeface="Arial" panose="020B0604020202020204" pitchFamily="34" charset="0"/>
-              <a:buChar char="•"/>
-              <a:defRPr sz="2400"/>
-            </a:lvl2pPr>
-            <a:lvl3pPr marL="1143000" indent="-228600">
-              <a:lnSpc>
-                <a:spcPct val="90000"/>
-              </a:lnSpc>
-              <a:spcBef>
-                <a:spcPts val="500"/>
-              </a:spcBef>
-              <a:buFont typeface="Arial" panose="020B0604020202020204" pitchFamily="34" charset="0"/>
-              <a:buChar char="•"/>
-              <a:defRPr sz="2000"/>
-            </a:lvl3pPr>
-            <a:lvl4pPr marL="1600200" indent="-228600">
-              <a:lnSpc>
-                <a:spcPct val="90000"/>
-              </a:lnSpc>
-              <a:spcBef>
-                <a:spcPts val="500"/>
-              </a:spcBef>
-              <a:buFont typeface="Arial" panose="020B0604020202020204" pitchFamily="34" charset="0"/>
-              <a:buChar char="•"/>
-            </a:lvl4pPr>
-            <a:lvl5pPr marL="2057400" indent="-228600">
-              <a:lnSpc>
-                <a:spcPct val="90000"/>
-              </a:lnSpc>
-              <a:spcBef>
-                <a:spcPts val="500"/>
-              </a:spcBef>
-              <a:buFont typeface="Arial" panose="020B0604020202020204" pitchFamily="34" charset="0"/>
-              <a:buChar char="•"/>
-            </a:lvl5pPr>
-            <a:lvl6pPr marL="2514600" indent="-228600">
-              <a:lnSpc>
-                <a:spcPct val="90000"/>
-              </a:lnSpc>
-              <a:spcBef>
-                <a:spcPts val="500"/>
-              </a:spcBef>
-              <a:buFont typeface="Arial" panose="020B0604020202020204" pitchFamily="34" charset="0"/>
-              <a:buChar char="•"/>
-            </a:lvl6pPr>
-            <a:lvl7pPr marL="2971800" indent="-228600">
-              <a:lnSpc>
-                <a:spcPct val="90000"/>
-              </a:lnSpc>
-              <a:spcBef>
-                <a:spcPts val="500"/>
-              </a:spcBef>
-              <a:buFont typeface="Arial" panose="020B0604020202020204" pitchFamily="34" charset="0"/>
-              <a:buChar char="•"/>
-            </a:lvl7pPr>
-            <a:lvl8pPr marL="3429000" indent="-228600">
-              <a:lnSpc>
-                <a:spcPct val="90000"/>
-              </a:lnSpc>
-              <a:spcBef>
-                <a:spcPts val="500"/>
-              </a:spcBef>
-              <a:buFont typeface="Arial" panose="020B0604020202020204" pitchFamily="34" charset="0"/>
-              <a:buChar char="•"/>
-            </a:lvl8pPr>
-            <a:lvl9pPr marL="3886200" indent="-228600">
-              <a:lnSpc>
-                <a:spcPct val="90000"/>
-              </a:lnSpc>
-              <a:spcBef>
-                <a:spcPts val="500"/>
-              </a:spcBef>
-              <a:buFont typeface="Arial" panose="020B0604020202020204" pitchFamily="34" charset="0"/>
-              <a:buChar char="•"/>
-            </a:lvl9pPr>
-          </a:lstStyle>
-          <a:p>
-            <a:r>
-              <a:rPr lang="en-US" altLang="ko-KR" sz="2400" dirty="0" smtClean="0">
-                <a:latin typeface="Noto Sans CJK KR Medium" panose="020B0600000000000000" pitchFamily="34" charset="-127"/>
-                <a:ea typeface="Noto Sans CJK KR Medium" panose="020B0600000000000000" pitchFamily="34" charset="-127"/>
-              </a:rPr>
-              <a:t>0</a:t>
-            </a:r>
-            <a:endParaRPr lang="en-US" altLang="ko-KR" sz="2400" dirty="0">
-              <a:latin typeface="Noto Sans CJK KR Medium" panose="020B0600000000000000" pitchFamily="34" charset="-127"/>
-              <a:ea typeface="Noto Sans CJK KR Medium" panose="020B0600000000000000" pitchFamily="34" charset="-127"/>
-            </a:endParaRPr>
-          </a:p>
-          <a:p>
-            <a:r>
-              <a:rPr lang="ko-KR" altLang="en-US" sz="2400" dirty="0">
-                <a:latin typeface="Noto Sans CJK KR Medium" panose="020B0600000000000000" pitchFamily="34" charset="-127"/>
-                <a:ea typeface="Noto Sans CJK KR Medium" panose="020B0600000000000000" pitchFamily="34" charset="-127"/>
-              </a:rPr>
-              <a:t>요구분석</a:t>
-            </a:r>
-          </a:p>
-        </p:txBody>
-      </p:sp>
-      <p:sp>
-        <p:nvSpPr>
-          <p:cNvPr id="28" name="TextBox 27"/>
-          <p:cNvSpPr txBox="1"/>
-          <p:nvPr/>
-        </p:nvSpPr>
-        <p:spPr>
-          <a:xfrm>
-            <a:off x="239309" y="3707886"/>
-            <a:ext cx="1785991" cy="3087656"/>
-          </a:xfrm>
-          <a:prstGeom prst="rect">
-            <a:avLst/>
-          </a:prstGeom>
-        </p:spPr>
-        <p:txBody>
-          <a:bodyPr vert="horz" lIns="91440" tIns="45720" rIns="91440" bIns="45720" rtlCol="0">
-            <a:noAutofit/>
-          </a:bodyPr>
-          <a:lstStyle>
-            <a:defPPr>
-              <a:defRPr lang="ko-KR"/>
-            </a:defPPr>
-            <a:lvl1pPr marL="228600" indent="-228600">
-              <a:lnSpc>
-                <a:spcPct val="170000"/>
-              </a:lnSpc>
-              <a:spcBef>
-                <a:spcPts val="1000"/>
-              </a:spcBef>
-              <a:buFont typeface="Arial" panose="020B0604020202020204" pitchFamily="34" charset="0"/>
-              <a:buChar char="•"/>
-              <a:defRPr>
-                <a:ln>
-                  <a:solidFill>
-                    <a:schemeClr val="accent1">
-                      <a:alpha val="0"/>
-                    </a:schemeClr>
-                  </a:solidFill>
-                </a:ln>
-                <a:solidFill>
-                  <a:schemeClr val="bg1">
-                    <a:lumMod val="50000"/>
-                  </a:schemeClr>
-                </a:solidFill>
-                <a:latin typeface="-윤고딕330" panose="02030504000101010101" pitchFamily="18" charset="-127"/>
-                <a:ea typeface="-윤고딕330" panose="02030504000101010101" pitchFamily="18" charset="-127"/>
-              </a:defRPr>
-            </a:lvl1pPr>
-            <a:lvl2pPr marL="685800" indent="-228600">
-              <a:lnSpc>
-                <a:spcPct val="90000"/>
-              </a:lnSpc>
-              <a:spcBef>
-                <a:spcPts val="500"/>
-              </a:spcBef>
-              <a:buFont typeface="Arial" panose="020B0604020202020204" pitchFamily="34" charset="0"/>
-              <a:buChar char="•"/>
-              <a:defRPr sz="2400"/>
-            </a:lvl2pPr>
-            <a:lvl3pPr marL="1143000" indent="-228600">
-              <a:lnSpc>
-                <a:spcPct val="90000"/>
-              </a:lnSpc>
-              <a:spcBef>
-                <a:spcPts val="500"/>
-              </a:spcBef>
-              <a:buFont typeface="Arial" panose="020B0604020202020204" pitchFamily="34" charset="0"/>
-              <a:buChar char="•"/>
-              <a:defRPr sz="2000"/>
-            </a:lvl3pPr>
-            <a:lvl4pPr marL="1600200" indent="-228600">
-              <a:lnSpc>
-                <a:spcPct val="90000"/>
-              </a:lnSpc>
-              <a:spcBef>
-                <a:spcPts val="500"/>
-              </a:spcBef>
-              <a:buFont typeface="Arial" panose="020B0604020202020204" pitchFamily="34" charset="0"/>
-              <a:buChar char="•"/>
-            </a:lvl4pPr>
-            <a:lvl5pPr marL="2057400" indent="-228600">
-              <a:lnSpc>
-                <a:spcPct val="90000"/>
-              </a:lnSpc>
-              <a:spcBef>
-                <a:spcPts val="500"/>
-              </a:spcBef>
-              <a:buFont typeface="Arial" panose="020B0604020202020204" pitchFamily="34" charset="0"/>
-              <a:buChar char="•"/>
-            </a:lvl5pPr>
-            <a:lvl6pPr marL="2514600" indent="-228600">
-              <a:lnSpc>
-                <a:spcPct val="90000"/>
-              </a:lnSpc>
-              <a:spcBef>
-                <a:spcPts val="500"/>
-              </a:spcBef>
-              <a:buFont typeface="Arial" panose="020B0604020202020204" pitchFamily="34" charset="0"/>
-              <a:buChar char="•"/>
-            </a:lvl6pPr>
-            <a:lvl7pPr marL="2971800" indent="-228600">
-              <a:lnSpc>
-                <a:spcPct val="90000"/>
-              </a:lnSpc>
-              <a:spcBef>
-                <a:spcPts val="500"/>
-              </a:spcBef>
-              <a:buFont typeface="Arial" panose="020B0604020202020204" pitchFamily="34" charset="0"/>
-              <a:buChar char="•"/>
-            </a:lvl7pPr>
-            <a:lvl8pPr marL="3429000" indent="-228600">
-              <a:lnSpc>
-                <a:spcPct val="90000"/>
-              </a:lnSpc>
-              <a:spcBef>
-                <a:spcPts val="500"/>
-              </a:spcBef>
-              <a:buFont typeface="Arial" panose="020B0604020202020204" pitchFamily="34" charset="0"/>
-              <a:buChar char="•"/>
-            </a:lvl8pPr>
-            <a:lvl9pPr marL="3886200" indent="-228600">
-              <a:lnSpc>
-                <a:spcPct val="90000"/>
-              </a:lnSpc>
-              <a:spcBef>
-                <a:spcPts val="500"/>
-              </a:spcBef>
-              <a:buFont typeface="Arial" panose="020B0604020202020204" pitchFamily="34" charset="0"/>
-              <a:buChar char="•"/>
-            </a:lvl9pPr>
-          </a:lstStyle>
-          <a:p>
-            <a:pPr marL="0" indent="0">
-              <a:lnSpc>
-                <a:spcPct val="100000"/>
-              </a:lnSpc>
-              <a:buNone/>
-            </a:pPr>
-            <a:r>
-              <a:rPr lang="en-US" altLang="ko-KR" sz="1100" b="1" dirty="0">
-                <a:solidFill>
-                  <a:schemeClr val="bg2">
-                    <a:lumMod val="75000"/>
-                  </a:schemeClr>
-                </a:solidFill>
-                <a:latin typeface="Noto Sans CJK KR Medium" panose="020B0600000000000000" pitchFamily="34" charset="-127"/>
-                <a:ea typeface="Noto Sans CJK KR Medium" panose="020B0600000000000000" pitchFamily="34" charset="-127"/>
-              </a:rPr>
-              <a:t>01 </a:t>
-            </a:r>
-            <a:r>
-              <a:rPr lang="ko-KR" altLang="en-US" sz="1100" b="1" dirty="0">
-                <a:solidFill>
-                  <a:schemeClr val="bg2">
-                    <a:lumMod val="75000"/>
-                  </a:schemeClr>
-                </a:solidFill>
-                <a:latin typeface="Noto Sans CJK KR Medium" panose="020B0600000000000000" pitchFamily="34" charset="-127"/>
-                <a:ea typeface="Noto Sans CJK KR Medium" panose="020B0600000000000000" pitchFamily="34" charset="-127"/>
-              </a:rPr>
-              <a:t>요구사항 도출</a:t>
-            </a:r>
-            <a:endParaRPr lang="en-US" altLang="ko-KR" sz="1100" b="1" dirty="0">
-              <a:solidFill>
-                <a:schemeClr val="bg2">
-                  <a:lumMod val="75000"/>
-                </a:schemeClr>
-              </a:solidFill>
-              <a:latin typeface="Noto Sans CJK KR Medium" panose="020B0600000000000000" pitchFamily="34" charset="-127"/>
-              <a:ea typeface="Noto Sans CJK KR Medium" panose="020B0600000000000000" pitchFamily="34" charset="-127"/>
-            </a:endParaRPr>
-          </a:p>
-          <a:p>
-            <a:pPr marL="0" indent="0">
-              <a:lnSpc>
-                <a:spcPct val="100000"/>
-              </a:lnSpc>
-              <a:buNone/>
-            </a:pPr>
-            <a:r>
-              <a:rPr lang="en-US" altLang="ko-KR" sz="1100" b="1" dirty="0">
-                <a:solidFill>
-                  <a:schemeClr val="bg2">
-                    <a:lumMod val="75000"/>
-                  </a:schemeClr>
-                </a:solidFill>
-                <a:latin typeface="Noto Sans CJK KR Medium" panose="020B0600000000000000" pitchFamily="34" charset="-127"/>
-                <a:ea typeface="Noto Sans CJK KR Medium" panose="020B0600000000000000" pitchFamily="34" charset="-127"/>
-              </a:rPr>
-              <a:t>02 </a:t>
-            </a:r>
-            <a:r>
-              <a:rPr lang="ko-KR" altLang="en-US" sz="1100" b="1" dirty="0">
-                <a:solidFill>
-                  <a:schemeClr val="bg2">
-                    <a:lumMod val="75000"/>
-                  </a:schemeClr>
-                </a:solidFill>
-                <a:latin typeface="Noto Sans CJK KR Medium" panose="020B0600000000000000" pitchFamily="34" charset="-127"/>
-                <a:ea typeface="Noto Sans CJK KR Medium" panose="020B0600000000000000" pitchFamily="34" charset="-127"/>
-              </a:rPr>
-              <a:t>요구사항 분석</a:t>
-            </a:r>
-            <a:endParaRPr lang="en-US" altLang="ko-KR" sz="1100" b="1" dirty="0">
-              <a:solidFill>
-                <a:schemeClr val="bg2">
-                  <a:lumMod val="75000"/>
-                </a:schemeClr>
-              </a:solidFill>
-              <a:latin typeface="Noto Sans CJK KR Medium" panose="020B0600000000000000" pitchFamily="34" charset="-127"/>
-              <a:ea typeface="Noto Sans CJK KR Medium" panose="020B0600000000000000" pitchFamily="34" charset="-127"/>
-            </a:endParaRPr>
-          </a:p>
-          <a:p>
-            <a:pPr marL="0" indent="0">
-              <a:lnSpc>
-                <a:spcPct val="100000"/>
-              </a:lnSpc>
-              <a:buNone/>
-            </a:pPr>
-            <a:r>
-              <a:rPr lang="en-US" altLang="ko-KR" sz="1100" b="1" dirty="0">
-                <a:solidFill>
-                  <a:schemeClr val="bg1"/>
-                </a:solidFill>
-                <a:latin typeface="Noto Sans CJK KR Medium" panose="020B0600000000000000" pitchFamily="34" charset="-127"/>
-                <a:ea typeface="Noto Sans CJK KR Medium" panose="020B0600000000000000" pitchFamily="34" charset="-127"/>
-              </a:rPr>
-              <a:t>03 </a:t>
-            </a:r>
-            <a:r>
-              <a:rPr lang="ko-KR" altLang="en-US" sz="1100" b="1" dirty="0">
-                <a:solidFill>
-                  <a:schemeClr val="bg1"/>
-                </a:solidFill>
-                <a:latin typeface="Noto Sans CJK KR Medium" panose="020B0600000000000000" pitchFamily="34" charset="-127"/>
-                <a:ea typeface="Noto Sans CJK KR Medium" panose="020B0600000000000000" pitchFamily="34" charset="-127"/>
-              </a:rPr>
-              <a:t>사용사례 작성</a:t>
-            </a:r>
-            <a:endParaRPr lang="en-US" altLang="ko-KR" sz="1100" b="1" dirty="0">
-              <a:solidFill>
-                <a:schemeClr val="bg1"/>
-              </a:solidFill>
-              <a:latin typeface="Noto Sans CJK KR Medium" panose="020B0600000000000000" pitchFamily="34" charset="-127"/>
-              <a:ea typeface="Noto Sans CJK KR Medium" panose="020B0600000000000000" pitchFamily="34" charset="-127"/>
-            </a:endParaRPr>
-          </a:p>
-          <a:p>
-            <a:pPr marL="0" indent="0">
-              <a:lnSpc>
-                <a:spcPct val="100000"/>
-              </a:lnSpc>
-              <a:buNone/>
-            </a:pPr>
-            <a:r>
-              <a:rPr lang="en-US" altLang="ko-KR" sz="1100" dirty="0">
-                <a:solidFill>
-                  <a:schemeClr val="bg2">
-                    <a:lumMod val="75000"/>
-                  </a:schemeClr>
-                </a:solidFill>
-                <a:latin typeface="Noto Sans CJK KR Medium" panose="020B0600000000000000" pitchFamily="34" charset="-127"/>
-                <a:ea typeface="Noto Sans CJK KR Medium" panose="020B0600000000000000" pitchFamily="34" charset="-127"/>
-              </a:rPr>
-              <a:t>04 </a:t>
-            </a:r>
-            <a:r>
-              <a:rPr lang="ko-KR" altLang="en-US" sz="1100" dirty="0">
-                <a:solidFill>
-                  <a:schemeClr val="bg2">
-                    <a:lumMod val="75000"/>
-                  </a:schemeClr>
-                </a:solidFill>
-                <a:latin typeface="Noto Sans CJK KR Medium" panose="020B0600000000000000" pitchFamily="34" charset="-127"/>
-                <a:ea typeface="Noto Sans CJK KR Medium" panose="020B0600000000000000" pitchFamily="34" charset="-127"/>
-              </a:rPr>
-              <a:t>요구사항 분석서 </a:t>
-            </a:r>
-            <a:r>
-              <a:rPr lang="en-US" altLang="ko-KR" sz="1100" dirty="0">
-                <a:solidFill>
-                  <a:schemeClr val="bg2">
-                    <a:lumMod val="75000"/>
-                  </a:schemeClr>
-                </a:solidFill>
-                <a:latin typeface="Noto Sans CJK KR Medium" panose="020B0600000000000000" pitchFamily="34" charset="-127"/>
-                <a:ea typeface="Noto Sans CJK KR Medium" panose="020B0600000000000000" pitchFamily="34" charset="-127"/>
-              </a:rPr>
-              <a:t>&amp; </a:t>
-            </a:r>
-            <a:r>
-              <a:rPr lang="ko-KR" altLang="en-US" sz="1100" dirty="0">
-                <a:solidFill>
-                  <a:schemeClr val="bg2">
-                    <a:lumMod val="75000"/>
-                  </a:schemeClr>
-                </a:solidFill>
-                <a:latin typeface="Noto Sans CJK KR Medium" panose="020B0600000000000000" pitchFamily="34" charset="-127"/>
-                <a:ea typeface="Noto Sans CJK KR Medium" panose="020B0600000000000000" pitchFamily="34" charset="-127"/>
-              </a:rPr>
-              <a:t>검증 및 확인</a:t>
-            </a:r>
-          </a:p>
-        </p:txBody>
-      </p:sp>
-      <p:sp>
-        <p:nvSpPr>
-          <p:cNvPr id="29" name="직사각형 28"/>
-          <p:cNvSpPr/>
-          <p:nvPr/>
-        </p:nvSpPr>
-        <p:spPr>
-          <a:xfrm>
-            <a:off x="9291319" y="6537278"/>
-            <a:ext cx="2900681" cy="320722"/>
-          </a:xfrm>
-          <a:prstGeom prst="rect">
-            <a:avLst/>
-          </a:prstGeom>
-          <a:solidFill>
-            <a:schemeClr val="bg1"/>
-          </a:solidFill>
-          <a:ln>
-            <a:solidFill>
-              <a:schemeClr val="bg1"/>
-            </a:solidFill>
-          </a:ln>
-        </p:spPr>
-        <p:style>
-          <a:lnRef idx="2">
-            <a:schemeClr val="accent1">
-              <a:shade val="50000"/>
-            </a:schemeClr>
-          </a:lnRef>
-          <a:fillRef idx="1">
-            <a:schemeClr val="accent1"/>
-          </a:fillRef>
-          <a:effectRef idx="0">
-            <a:schemeClr val="accent1"/>
-          </a:effectRef>
-          <a:fontRef idx="minor">
-            <a:schemeClr val="lt1"/>
-          </a:fontRef>
-        </p:style>
-        <p:txBody>
-          <a:bodyPr rtlCol="0" anchor="ctr"/>
-          <a:lstStyle/>
-          <a:p>
-            <a:pPr algn="ctr"/>
-            <a:endParaRPr lang="ko-KR" altLang="en-US"/>
-          </a:p>
-        </p:txBody>
-      </p:sp>
-      <p:sp>
-        <p:nvSpPr>
-          <p:cNvPr id="31" name="직사각형 30"/>
-          <p:cNvSpPr/>
-          <p:nvPr/>
-        </p:nvSpPr>
-        <p:spPr>
-          <a:xfrm>
-            <a:off x="2752167" y="1089843"/>
-            <a:ext cx="4115229" cy="461665"/>
-          </a:xfrm>
-          <a:prstGeom prst="rect">
-            <a:avLst/>
-          </a:prstGeom>
-        </p:spPr>
-        <p:txBody>
-          <a:bodyPr wrap="none">
-            <a:spAutoFit/>
-          </a:bodyPr>
-          <a:lstStyle/>
-          <a:p>
-            <a:pPr>
-              <a:spcBef>
-                <a:spcPts val="1000"/>
-              </a:spcBef>
-            </a:pPr>
-            <a:r>
-              <a:rPr lang="ko-KR" altLang="en-US" sz="2400" spc="-150" dirty="0">
-                <a:ln>
-                  <a:solidFill>
-                    <a:schemeClr val="accent1">
-                      <a:alpha val="0"/>
-                    </a:schemeClr>
-                  </a:solidFill>
-                </a:ln>
-                <a:solidFill>
-                  <a:srgbClr val="282421"/>
-                </a:solidFill>
-                <a:latin typeface="Noto Sans CJK KR Medium" panose="020B0600000000000000" pitchFamily="34" charset="-127"/>
-                <a:ea typeface="Noto Sans CJK KR Medium" panose="020B0600000000000000" pitchFamily="34" charset="-127"/>
-              </a:rPr>
-              <a:t>사용사례 작성 </a:t>
-            </a:r>
-            <a:r>
-              <a:rPr lang="en-US" altLang="ko-KR" sz="2400" spc="-150" dirty="0">
-                <a:ln>
-                  <a:solidFill>
-                    <a:schemeClr val="accent1">
-                      <a:alpha val="0"/>
-                    </a:schemeClr>
-                  </a:solidFill>
-                </a:ln>
-                <a:solidFill>
-                  <a:srgbClr val="282421"/>
-                </a:solidFill>
-                <a:latin typeface="Noto Sans CJK KR Medium" panose="020B0600000000000000" pitchFamily="34" charset="-127"/>
-                <a:ea typeface="Noto Sans CJK KR Medium" panose="020B0600000000000000" pitchFamily="34" charset="-127"/>
-              </a:rPr>
-              <a:t>– </a:t>
-            </a:r>
-            <a:r>
-              <a:rPr lang="ko-KR" altLang="en-US" sz="2400" spc="-150" dirty="0">
-                <a:ln>
-                  <a:solidFill>
-                    <a:schemeClr val="accent1">
-                      <a:alpha val="0"/>
-                    </a:schemeClr>
-                  </a:solidFill>
-                </a:ln>
-                <a:solidFill>
-                  <a:srgbClr val="282421"/>
-                </a:solidFill>
-                <a:latin typeface="Noto Sans CJK KR Medium" panose="020B0600000000000000" pitchFamily="34" charset="-127"/>
-                <a:ea typeface="Noto Sans CJK KR Medium" panose="020B0600000000000000" pitchFamily="34" charset="-127"/>
-              </a:rPr>
-              <a:t>시나리오 작성</a:t>
-            </a:r>
-            <a:endParaRPr lang="en-US" altLang="ko-KR" sz="2400" spc="-150" dirty="0">
-              <a:ln>
-                <a:solidFill>
-                  <a:schemeClr val="accent1">
-                    <a:alpha val="0"/>
-                  </a:schemeClr>
-                </a:solidFill>
-              </a:ln>
-              <a:solidFill>
-                <a:srgbClr val="282421"/>
-              </a:solidFill>
-              <a:latin typeface="Noto Sans CJK KR Medium" panose="020B0600000000000000" pitchFamily="34" charset="-127"/>
-              <a:ea typeface="Noto Sans CJK KR Medium" panose="020B0600000000000000" pitchFamily="34" charset="-127"/>
-            </a:endParaRPr>
-          </a:p>
-        </p:txBody>
-      </p:sp>
-      <p:graphicFrame>
-        <p:nvGraphicFramePr>
-          <p:cNvPr id="12" name="내용 개체 틀 4"/>
-          <p:cNvGraphicFramePr>
-            <a:graphicFrameLocks/>
-          </p:cNvGraphicFramePr>
-          <p:nvPr>
-            <p:extLst/>
-          </p:nvPr>
-        </p:nvGraphicFramePr>
-        <p:xfrm>
-          <a:off x="2574745" y="2107300"/>
-          <a:ext cx="9257167" cy="4274244"/>
-        </p:xfrm>
-        <a:graphic>
-          <a:graphicData uri="http://schemas.openxmlformats.org/drawingml/2006/table">
-            <a:tbl>
-              <a:tblPr firstRow="1" bandRow="1">
-                <a:tableStyleId>{3B4B98B0-60AC-42C2-AFA5-B58CD77FA1E5}</a:tableStyleId>
-              </a:tblPr>
-              <a:tblGrid>
-                <a:gridCol w="1466806">
-                  <a:extLst>
-                    <a:ext uri="{9D8B030D-6E8A-4147-A177-3AD203B41FA5}">
-                      <a16:colId xmlns:a16="http://schemas.microsoft.com/office/drawing/2014/main" val="20000"/>
-                    </a:ext>
-                  </a:extLst>
-                </a:gridCol>
-                <a:gridCol w="7790361">
-                  <a:extLst>
-                    <a:ext uri="{9D8B030D-6E8A-4147-A177-3AD203B41FA5}">
-                      <a16:colId xmlns:a16="http://schemas.microsoft.com/office/drawing/2014/main" val="20001"/>
-                    </a:ext>
-                  </a:extLst>
-                </a:gridCol>
-              </a:tblGrid>
-              <a:tr h="600289">
-                <a:tc>
-                  <a:txBody>
-                    <a:bodyPr/>
-                    <a:lstStyle/>
-                    <a:p>
-                      <a:pPr algn="ctr" latinLnBrk="1"/>
-                      <a:r>
-                        <a:rPr lang="ko-KR" altLang="en-US" b="1" dirty="0">
-                          <a:solidFill>
-                            <a:schemeClr val="tx1">
-                              <a:lumMod val="85000"/>
-                              <a:lumOff val="15000"/>
-                            </a:schemeClr>
-                          </a:solidFill>
-                          <a:latin typeface="HY헤드라인M" pitchFamily="18" charset="-127"/>
-                          <a:ea typeface="HY헤드라인M" pitchFamily="18" charset="-127"/>
-                        </a:rPr>
-                        <a:t>시나리오 이름</a:t>
-                      </a:r>
-                    </a:p>
-                  </a:txBody>
-                  <a:tcPr/>
-                </a:tc>
-                <a:tc>
-                  <a:txBody>
-                    <a:bodyPr/>
-                    <a:lstStyle/>
-                    <a:p>
-                      <a:pPr fontAlgn="base" latinLnBrk="1"/>
-                      <a:r>
-                        <a:rPr lang="ko-KR" altLang="en-US" sz="1800" b="1" kern="1200" dirty="0" smtClean="0">
-                          <a:solidFill>
-                            <a:schemeClr val="tx1"/>
-                          </a:solidFill>
-                          <a:effectLst/>
-                          <a:latin typeface="+mn-lt"/>
-                          <a:ea typeface="+mn-ea"/>
-                          <a:cs typeface="+mn-cs"/>
-                        </a:rPr>
-                        <a:t>회사별 시리얼 키 제공 기능</a:t>
-                      </a:r>
-                      <a:endParaRPr lang="ko-KR" altLang="en-US" sz="1800" b="1" kern="1200" dirty="0">
-                        <a:solidFill>
-                          <a:schemeClr val="tx1"/>
-                        </a:solidFill>
-                        <a:effectLst/>
-                        <a:latin typeface="+mn-lt"/>
-                        <a:ea typeface="+mn-ea"/>
-                        <a:cs typeface="+mn-cs"/>
-                      </a:endParaRPr>
-                    </a:p>
-                  </a:txBody>
-                  <a:tcPr/>
-                </a:tc>
-                <a:extLst>
-                  <a:ext uri="{0D108BD9-81ED-4DB2-BD59-A6C34878D82A}">
-                    <a16:rowId xmlns:a16="http://schemas.microsoft.com/office/drawing/2014/main" val="10000"/>
-                  </a:ext>
-                </a:extLst>
-              </a:tr>
-              <a:tr h="343022">
-                <a:tc>
-                  <a:txBody>
-                    <a:bodyPr/>
-                    <a:lstStyle/>
-                    <a:p>
-                      <a:pPr algn="ctr" latinLnBrk="1"/>
-                      <a:r>
-                        <a:rPr lang="ko-KR" altLang="en-US" b="1" dirty="0">
-                          <a:solidFill>
-                            <a:schemeClr val="tx1">
-                              <a:lumMod val="85000"/>
-                              <a:lumOff val="15000"/>
-                            </a:schemeClr>
-                          </a:solidFill>
-                          <a:latin typeface="HY헤드라인M" pitchFamily="18" charset="-127"/>
-                          <a:ea typeface="HY헤드라인M" pitchFamily="18" charset="-127"/>
-                        </a:rPr>
-                        <a:t>참여 </a:t>
-                      </a:r>
-                      <a:r>
-                        <a:rPr lang="ko-KR" altLang="en-US" b="1" dirty="0" err="1">
-                          <a:solidFill>
-                            <a:schemeClr val="tx1">
-                              <a:lumMod val="85000"/>
-                              <a:lumOff val="15000"/>
-                            </a:schemeClr>
-                          </a:solidFill>
-                          <a:latin typeface="HY헤드라인M" pitchFamily="18" charset="-127"/>
-                          <a:ea typeface="HY헤드라인M" pitchFamily="18" charset="-127"/>
-                        </a:rPr>
-                        <a:t>액터</a:t>
-                      </a:r>
-                      <a:endParaRPr lang="ko-KR" altLang="en-US" b="1" dirty="0">
-                        <a:solidFill>
-                          <a:schemeClr val="tx1">
-                            <a:lumMod val="85000"/>
-                            <a:lumOff val="15000"/>
-                          </a:schemeClr>
-                        </a:solidFill>
-                        <a:latin typeface="HY헤드라인M" pitchFamily="18" charset="-127"/>
-                        <a:ea typeface="HY헤드라인M" pitchFamily="18" charset="-127"/>
-                      </a:endParaRPr>
-                    </a:p>
-                  </a:txBody>
-                  <a:tcPr/>
-                </a:tc>
-                <a:tc>
-                  <a:txBody>
-                    <a:bodyPr/>
-                    <a:lstStyle/>
-                    <a:p>
-                      <a:r>
-                        <a:rPr lang="ko-KR" altLang="en-US" sz="1800" kern="1200" dirty="0" smtClean="0">
-                          <a:solidFill>
-                            <a:schemeClr val="tx1">
-                              <a:lumMod val="85000"/>
-                              <a:lumOff val="15000"/>
-                            </a:schemeClr>
-                          </a:solidFill>
-                          <a:latin typeface="HY헤드라인M" pitchFamily="18" charset="-127"/>
-                          <a:ea typeface="HY헤드라인M" pitchFamily="18" charset="-127"/>
-                          <a:cs typeface="+mn-cs"/>
-                        </a:rPr>
-                        <a:t>사이트 사용자</a:t>
-                      </a:r>
-                      <a:r>
-                        <a:rPr lang="en-US" altLang="ko-KR" sz="1800" kern="1200" dirty="0" smtClean="0">
-                          <a:solidFill>
-                            <a:schemeClr val="tx1">
-                              <a:lumMod val="85000"/>
-                              <a:lumOff val="15000"/>
-                            </a:schemeClr>
-                          </a:solidFill>
-                          <a:latin typeface="HY헤드라인M" pitchFamily="18" charset="-127"/>
-                          <a:ea typeface="HY헤드라인M" pitchFamily="18" charset="-127"/>
-                          <a:cs typeface="+mn-cs"/>
-                        </a:rPr>
-                        <a:t>(</a:t>
-                      </a:r>
-                      <a:r>
-                        <a:rPr lang="ko-KR" altLang="en-US" sz="1800" kern="1200" dirty="0" smtClean="0">
-                          <a:solidFill>
-                            <a:schemeClr val="tx1">
-                              <a:lumMod val="85000"/>
-                              <a:lumOff val="15000"/>
-                            </a:schemeClr>
-                          </a:solidFill>
-                          <a:latin typeface="HY헤드라인M" pitchFamily="18" charset="-127"/>
-                          <a:ea typeface="HY헤드라인M" pitchFamily="18" charset="-127"/>
-                          <a:cs typeface="+mn-cs"/>
-                        </a:rPr>
-                        <a:t>학교 관계자</a:t>
-                      </a:r>
-                      <a:r>
-                        <a:rPr lang="en-US" altLang="ko-KR" sz="1800" kern="1200" dirty="0" smtClean="0">
-                          <a:solidFill>
-                            <a:schemeClr val="tx1">
-                              <a:lumMod val="85000"/>
-                              <a:lumOff val="15000"/>
-                            </a:schemeClr>
-                          </a:solidFill>
-                          <a:latin typeface="HY헤드라인M" pitchFamily="18" charset="-127"/>
-                          <a:ea typeface="HY헤드라인M" pitchFamily="18" charset="-127"/>
-                          <a:cs typeface="+mn-cs"/>
-                        </a:rPr>
-                        <a:t>)</a:t>
-                      </a:r>
-                      <a:endParaRPr lang="en-US" sz="1800" kern="1200" dirty="0">
-                        <a:solidFill>
-                          <a:schemeClr val="tx1">
-                            <a:lumMod val="85000"/>
-                            <a:lumOff val="15000"/>
-                          </a:schemeClr>
-                        </a:solidFill>
-                        <a:latin typeface="HY헤드라인M" pitchFamily="18" charset="-127"/>
-                        <a:ea typeface="HY헤드라인M" pitchFamily="18" charset="-127"/>
-                        <a:cs typeface="+mn-cs"/>
-                      </a:endParaRPr>
-                    </a:p>
-                  </a:txBody>
-                  <a:tcPr/>
-                </a:tc>
-                <a:extLst>
-                  <a:ext uri="{0D108BD9-81ED-4DB2-BD59-A6C34878D82A}">
-                    <a16:rowId xmlns:a16="http://schemas.microsoft.com/office/drawing/2014/main" val="10001"/>
-                  </a:ext>
-                </a:extLst>
-              </a:tr>
-              <a:tr h="343022">
-                <a:tc>
-                  <a:txBody>
-                    <a:bodyPr/>
-                    <a:lstStyle/>
-                    <a:p>
-                      <a:pPr algn="ctr" latinLnBrk="1"/>
-                      <a:r>
-                        <a:rPr lang="ko-KR" altLang="en-US" b="1" dirty="0">
-                          <a:solidFill>
-                            <a:schemeClr val="tx1">
-                              <a:lumMod val="85000"/>
-                              <a:lumOff val="15000"/>
-                            </a:schemeClr>
-                          </a:solidFill>
-                          <a:latin typeface="HY헤드라인M" pitchFamily="18" charset="-127"/>
-                          <a:ea typeface="HY헤드라인M" pitchFamily="18" charset="-127"/>
-                        </a:rPr>
-                        <a:t>시작 조건</a:t>
-                      </a:r>
-                    </a:p>
-                  </a:txBody>
-                  <a:tcPr/>
-                </a:tc>
-                <a:tc>
-                  <a:txBody>
-                    <a:bodyPr/>
-                    <a:lstStyle/>
-                    <a:p>
-                      <a:pPr marL="0" marR="0" indent="0" algn="l" defTabSz="914400" rtl="0" eaLnBrk="1" fontAlgn="auto" latinLnBrk="1" hangingPunct="1">
-                        <a:lnSpc>
-                          <a:spcPct val="100000"/>
-                        </a:lnSpc>
-                        <a:spcBef>
-                          <a:spcPts val="0"/>
-                        </a:spcBef>
-                        <a:spcAft>
-                          <a:spcPts val="0"/>
-                        </a:spcAft>
-                        <a:buClrTx/>
-                        <a:buSzTx/>
-                        <a:buFontTx/>
-                        <a:buNone/>
-                        <a:tabLst/>
-                        <a:defRPr/>
-                      </a:pPr>
-                      <a:r>
-                        <a:rPr lang="ko-KR" altLang="en-US" sz="1800" kern="1200" dirty="0" err="1" smtClean="0">
-                          <a:solidFill>
-                            <a:schemeClr val="tx1">
-                              <a:lumMod val="85000"/>
-                              <a:lumOff val="15000"/>
-                            </a:schemeClr>
-                          </a:solidFill>
-                          <a:latin typeface="HY헤드라인M" pitchFamily="18" charset="-127"/>
-                          <a:ea typeface="HY헤드라인M" pitchFamily="18" charset="-127"/>
-                          <a:cs typeface="+mn-cs"/>
-                        </a:rPr>
-                        <a:t>로그인이</a:t>
-                      </a:r>
-                      <a:r>
-                        <a:rPr lang="ko-KR" altLang="en-US" sz="1800" kern="1200" dirty="0" smtClean="0">
-                          <a:solidFill>
-                            <a:schemeClr val="tx1">
-                              <a:lumMod val="85000"/>
-                              <a:lumOff val="15000"/>
-                            </a:schemeClr>
-                          </a:solidFill>
-                          <a:latin typeface="HY헤드라인M" pitchFamily="18" charset="-127"/>
-                          <a:ea typeface="HY헤드라인M" pitchFamily="18" charset="-127"/>
-                          <a:cs typeface="+mn-cs"/>
-                        </a:rPr>
-                        <a:t> 되어 있는 상태여야 한다</a:t>
-                      </a:r>
-                      <a:r>
-                        <a:rPr lang="en-US" altLang="ko-KR" sz="1800" kern="1200" dirty="0" smtClean="0">
-                          <a:solidFill>
-                            <a:schemeClr val="tx1">
-                              <a:lumMod val="85000"/>
-                              <a:lumOff val="15000"/>
-                            </a:schemeClr>
-                          </a:solidFill>
-                          <a:latin typeface="HY헤드라인M" pitchFamily="18" charset="-127"/>
-                          <a:ea typeface="HY헤드라인M" pitchFamily="18" charset="-127"/>
-                          <a:cs typeface="+mn-cs"/>
-                        </a:rPr>
-                        <a:t>.</a:t>
-                      </a:r>
-                      <a:endParaRPr lang="en-US" altLang="ko-KR" sz="1800" kern="1200" dirty="0">
-                        <a:solidFill>
-                          <a:schemeClr val="tx1">
-                            <a:lumMod val="85000"/>
-                            <a:lumOff val="15000"/>
-                          </a:schemeClr>
-                        </a:solidFill>
-                        <a:latin typeface="HY헤드라인M" pitchFamily="18" charset="-127"/>
-                        <a:ea typeface="HY헤드라인M" pitchFamily="18" charset="-127"/>
-                        <a:cs typeface="+mn-cs"/>
-                      </a:endParaRPr>
-                    </a:p>
-                  </a:txBody>
-                  <a:tcPr/>
-                </a:tc>
-                <a:extLst>
-                  <a:ext uri="{0D108BD9-81ED-4DB2-BD59-A6C34878D82A}">
-                    <a16:rowId xmlns:a16="http://schemas.microsoft.com/office/drawing/2014/main" val="10002"/>
-                  </a:ext>
-                </a:extLst>
-              </a:tr>
-              <a:tr h="1451322">
-                <a:tc>
-                  <a:txBody>
-                    <a:bodyPr/>
-                    <a:lstStyle/>
-                    <a:p>
-                      <a:pPr algn="ctr" latinLnBrk="1"/>
-                      <a:r>
-                        <a:rPr lang="ko-KR" altLang="en-US" b="1" dirty="0">
-                          <a:solidFill>
-                            <a:schemeClr val="tx1">
-                              <a:lumMod val="85000"/>
-                              <a:lumOff val="15000"/>
-                            </a:schemeClr>
-                          </a:solidFill>
-                          <a:latin typeface="HY헤드라인M" pitchFamily="18" charset="-127"/>
-                          <a:ea typeface="HY헤드라인M" pitchFamily="18" charset="-127"/>
-                        </a:rPr>
-                        <a:t>정상 흐름</a:t>
-                      </a:r>
-                    </a:p>
-                  </a:txBody>
-                  <a:tcPr/>
-                </a:tc>
-                <a:tc>
-                  <a:txBody>
-                    <a:bodyPr/>
-                    <a:lstStyle/>
-                    <a:p>
-                      <a:pPr fontAlgn="base" latinLnBrk="1"/>
-                      <a:r>
-                        <a:rPr lang="en-US" altLang="ko-KR" sz="1800" kern="1200" dirty="0" smtClean="0">
-                          <a:solidFill>
-                            <a:schemeClr val="tx1"/>
-                          </a:solidFill>
-                          <a:effectLst/>
-                          <a:latin typeface="+mn-lt"/>
-                          <a:ea typeface="+mn-ea"/>
-                          <a:cs typeface="+mn-cs"/>
-                        </a:rPr>
-                        <a:t>1. </a:t>
-                      </a:r>
-                      <a:r>
-                        <a:rPr lang="en-US" altLang="ko-KR" sz="1800" kern="1200" baseline="0" dirty="0" smtClean="0">
-                          <a:solidFill>
-                            <a:schemeClr val="tx1"/>
-                          </a:solidFill>
-                          <a:effectLst/>
-                          <a:latin typeface="+mn-lt"/>
-                          <a:ea typeface="+mn-ea"/>
-                          <a:cs typeface="+mn-cs"/>
-                        </a:rPr>
-                        <a:t> </a:t>
-                      </a:r>
-                      <a:r>
-                        <a:rPr lang="ko-KR" altLang="en-US" sz="1800" kern="1200" dirty="0" smtClean="0">
-                          <a:solidFill>
-                            <a:schemeClr val="tx1"/>
-                          </a:solidFill>
-                          <a:effectLst/>
-                          <a:latin typeface="+mn-lt"/>
-                          <a:ea typeface="+mn-ea"/>
-                          <a:cs typeface="+mn-cs"/>
-                        </a:rPr>
-                        <a:t>관계자로 </a:t>
-                      </a:r>
-                      <a:r>
-                        <a:rPr lang="ko-KR" altLang="en-US" sz="1800" kern="1200" dirty="0" err="1" smtClean="0">
-                          <a:solidFill>
-                            <a:schemeClr val="tx1"/>
-                          </a:solidFill>
-                          <a:effectLst/>
-                          <a:latin typeface="+mn-lt"/>
-                          <a:ea typeface="+mn-ea"/>
-                          <a:cs typeface="+mn-cs"/>
-                        </a:rPr>
-                        <a:t>로그인을</a:t>
-                      </a:r>
-                      <a:r>
-                        <a:rPr lang="ko-KR" altLang="en-US" sz="1800" kern="1200" dirty="0" smtClean="0">
-                          <a:solidFill>
-                            <a:schemeClr val="tx1"/>
-                          </a:solidFill>
-                          <a:effectLst/>
-                          <a:latin typeface="+mn-lt"/>
-                          <a:ea typeface="+mn-ea"/>
-                          <a:cs typeface="+mn-cs"/>
-                        </a:rPr>
-                        <a:t> 한다</a:t>
-                      </a:r>
-                      <a:r>
-                        <a:rPr lang="en-US" altLang="ko-KR" sz="1800" kern="1200" dirty="0" smtClean="0">
-                          <a:solidFill>
-                            <a:schemeClr val="tx1"/>
-                          </a:solidFill>
-                          <a:effectLst/>
-                          <a:latin typeface="+mn-lt"/>
-                          <a:ea typeface="+mn-ea"/>
-                          <a:cs typeface="+mn-cs"/>
-                        </a:rPr>
-                        <a:t>. (</a:t>
-                      </a:r>
-                      <a:r>
-                        <a:rPr lang="ko-KR" altLang="en-US" sz="1800" kern="1200" dirty="0" err="1" smtClean="0">
-                          <a:solidFill>
-                            <a:schemeClr val="tx1"/>
-                          </a:solidFill>
-                          <a:effectLst/>
-                          <a:latin typeface="+mn-lt"/>
-                          <a:ea typeface="+mn-ea"/>
-                          <a:cs typeface="+mn-cs"/>
-                        </a:rPr>
-                        <a:t>액터</a:t>
-                      </a:r>
-                      <a:r>
-                        <a:rPr lang="en-US" altLang="ko-KR" sz="1800" kern="1200" dirty="0" smtClean="0">
-                          <a:solidFill>
-                            <a:schemeClr val="tx1"/>
-                          </a:solidFill>
-                          <a:effectLst/>
-                          <a:latin typeface="+mn-lt"/>
-                          <a:ea typeface="+mn-ea"/>
-                          <a:cs typeface="+mn-cs"/>
-                        </a:rPr>
-                        <a:t>)</a:t>
-                      </a:r>
-                      <a:endParaRPr lang="ko-KR" altLang="en-US" sz="1800" kern="1200" dirty="0" smtClean="0">
-                        <a:solidFill>
-                          <a:schemeClr val="tx1"/>
-                        </a:solidFill>
-                        <a:effectLst/>
-                        <a:latin typeface="+mn-lt"/>
-                        <a:ea typeface="+mn-ea"/>
-                        <a:cs typeface="+mn-cs"/>
-                      </a:endParaRPr>
-                    </a:p>
-                    <a:p>
-                      <a:pPr fontAlgn="base" latinLnBrk="1"/>
-                      <a:r>
-                        <a:rPr lang="en-US" altLang="ko-KR" sz="1800" kern="1200" dirty="0" smtClean="0">
-                          <a:solidFill>
-                            <a:schemeClr val="tx1"/>
-                          </a:solidFill>
-                          <a:effectLst/>
-                          <a:latin typeface="+mn-lt"/>
-                          <a:ea typeface="+mn-ea"/>
-                          <a:cs typeface="+mn-cs"/>
-                        </a:rPr>
-                        <a:t>2.</a:t>
-                      </a:r>
-                      <a:r>
-                        <a:rPr lang="en-US" altLang="ko-KR" sz="1800" kern="1200" baseline="0" dirty="0" smtClean="0">
-                          <a:solidFill>
-                            <a:schemeClr val="tx1"/>
-                          </a:solidFill>
-                          <a:effectLst/>
-                          <a:latin typeface="+mn-lt"/>
-                          <a:ea typeface="+mn-ea"/>
-                          <a:cs typeface="+mn-cs"/>
-                        </a:rPr>
-                        <a:t> </a:t>
-                      </a:r>
-                      <a:r>
-                        <a:rPr lang="en-US" altLang="ko-KR" sz="1800" kern="1200" dirty="0" smtClean="0">
-                          <a:solidFill>
-                            <a:schemeClr val="tx1"/>
-                          </a:solidFill>
-                          <a:effectLst/>
-                          <a:latin typeface="+mn-lt"/>
-                          <a:ea typeface="+mn-ea"/>
-                          <a:cs typeface="+mn-cs"/>
-                        </a:rPr>
-                        <a:t> </a:t>
-                      </a:r>
-                      <a:r>
-                        <a:rPr lang="ko-KR" altLang="en-US" sz="1800" kern="1200" dirty="0" smtClean="0">
-                          <a:solidFill>
-                            <a:schemeClr val="tx1"/>
-                          </a:solidFill>
-                          <a:effectLst/>
-                          <a:latin typeface="+mn-lt"/>
-                          <a:ea typeface="+mn-ea"/>
-                          <a:cs typeface="+mn-cs"/>
-                        </a:rPr>
-                        <a:t>시리얼 키 생성을 클릭한다</a:t>
-                      </a:r>
-                      <a:r>
-                        <a:rPr lang="en-US" altLang="ko-KR" sz="1800" kern="1200" dirty="0" smtClean="0">
-                          <a:solidFill>
-                            <a:schemeClr val="tx1"/>
-                          </a:solidFill>
-                          <a:effectLst/>
-                          <a:latin typeface="+mn-lt"/>
-                          <a:ea typeface="+mn-ea"/>
-                          <a:cs typeface="+mn-cs"/>
-                        </a:rPr>
-                        <a:t>.(</a:t>
-                      </a:r>
-                      <a:r>
-                        <a:rPr lang="ko-KR" altLang="en-US" sz="1800" kern="1200" dirty="0" err="1" smtClean="0">
-                          <a:solidFill>
-                            <a:schemeClr val="tx1"/>
-                          </a:solidFill>
-                          <a:effectLst/>
-                          <a:latin typeface="+mn-lt"/>
-                          <a:ea typeface="+mn-ea"/>
-                          <a:cs typeface="+mn-cs"/>
-                        </a:rPr>
-                        <a:t>액터</a:t>
-                      </a:r>
-                      <a:r>
-                        <a:rPr lang="en-US" altLang="ko-KR" sz="1800" kern="1200" dirty="0" smtClean="0">
-                          <a:solidFill>
-                            <a:schemeClr val="tx1"/>
-                          </a:solidFill>
-                          <a:effectLst/>
-                          <a:latin typeface="+mn-lt"/>
-                          <a:ea typeface="+mn-ea"/>
-                          <a:cs typeface="+mn-cs"/>
-                        </a:rPr>
-                        <a:t>)</a:t>
-                      </a:r>
-                      <a:endParaRPr lang="ko-KR" altLang="en-US" sz="1800" kern="1200" dirty="0" smtClean="0">
-                        <a:solidFill>
-                          <a:schemeClr val="tx1"/>
-                        </a:solidFill>
-                        <a:effectLst/>
-                        <a:latin typeface="+mn-lt"/>
-                        <a:ea typeface="+mn-ea"/>
-                        <a:cs typeface="+mn-cs"/>
-                      </a:endParaRPr>
-                    </a:p>
-                    <a:p>
-                      <a:pPr fontAlgn="base" latinLnBrk="1"/>
-                      <a:r>
-                        <a:rPr lang="en-US" altLang="ko-KR" sz="1800" kern="1200" dirty="0" smtClean="0">
-                          <a:solidFill>
-                            <a:schemeClr val="tx1"/>
-                          </a:solidFill>
-                          <a:effectLst/>
-                          <a:latin typeface="+mn-lt"/>
-                          <a:ea typeface="+mn-ea"/>
-                          <a:cs typeface="+mn-cs"/>
-                        </a:rPr>
-                        <a:t>3.</a:t>
-                      </a:r>
-                      <a:r>
-                        <a:rPr lang="en-US" altLang="ko-KR" sz="1800" kern="1200" baseline="0" dirty="0" smtClean="0">
-                          <a:solidFill>
-                            <a:schemeClr val="tx1"/>
-                          </a:solidFill>
-                          <a:effectLst/>
-                          <a:latin typeface="+mn-lt"/>
-                          <a:ea typeface="+mn-ea"/>
-                          <a:cs typeface="+mn-cs"/>
-                        </a:rPr>
-                        <a:t> </a:t>
-                      </a:r>
-                      <a:r>
-                        <a:rPr lang="en-US" altLang="ko-KR" sz="1800" kern="1200" dirty="0" smtClean="0">
-                          <a:solidFill>
-                            <a:schemeClr val="tx1"/>
-                          </a:solidFill>
-                          <a:effectLst/>
-                          <a:latin typeface="+mn-lt"/>
-                          <a:ea typeface="+mn-ea"/>
-                          <a:cs typeface="+mn-cs"/>
-                        </a:rPr>
-                        <a:t> </a:t>
-                      </a:r>
-                      <a:r>
-                        <a:rPr lang="ko-KR" altLang="en-US" sz="1800" kern="1200" dirty="0" smtClean="0">
-                          <a:solidFill>
-                            <a:schemeClr val="tx1"/>
-                          </a:solidFill>
-                          <a:effectLst/>
-                          <a:latin typeface="+mn-lt"/>
-                          <a:ea typeface="+mn-ea"/>
-                          <a:cs typeface="+mn-cs"/>
-                        </a:rPr>
-                        <a:t>시리얼 키를 생성한다</a:t>
-                      </a:r>
-                      <a:r>
-                        <a:rPr lang="en-US" altLang="ko-KR" sz="1800" kern="1200" dirty="0" smtClean="0">
-                          <a:solidFill>
-                            <a:schemeClr val="tx1"/>
-                          </a:solidFill>
-                          <a:effectLst/>
-                          <a:latin typeface="+mn-lt"/>
-                          <a:ea typeface="+mn-ea"/>
-                          <a:cs typeface="+mn-cs"/>
-                        </a:rPr>
-                        <a:t>.(</a:t>
-                      </a:r>
-                      <a:r>
-                        <a:rPr lang="ko-KR" altLang="en-US" sz="1800" kern="1200" dirty="0" smtClean="0">
-                          <a:solidFill>
-                            <a:schemeClr val="tx1"/>
-                          </a:solidFill>
-                          <a:effectLst/>
-                          <a:latin typeface="+mn-lt"/>
-                          <a:ea typeface="+mn-ea"/>
-                          <a:cs typeface="+mn-cs"/>
-                        </a:rPr>
-                        <a:t>시스템</a:t>
-                      </a:r>
-                      <a:r>
-                        <a:rPr lang="en-US" altLang="ko-KR" sz="1800" kern="1200" dirty="0" smtClean="0">
-                          <a:solidFill>
-                            <a:schemeClr val="tx1"/>
-                          </a:solidFill>
-                          <a:effectLst/>
-                          <a:latin typeface="+mn-lt"/>
-                          <a:ea typeface="+mn-ea"/>
-                          <a:cs typeface="+mn-cs"/>
-                        </a:rPr>
-                        <a:t>)</a:t>
-                      </a:r>
-                      <a:endParaRPr lang="ko-KR" altLang="en-US" sz="1800" kern="1200" dirty="0">
-                        <a:solidFill>
-                          <a:schemeClr val="tx1"/>
-                        </a:solidFill>
-                        <a:effectLst/>
-                        <a:latin typeface="+mn-lt"/>
-                        <a:ea typeface="+mn-ea"/>
-                        <a:cs typeface="+mn-cs"/>
-                      </a:endParaRPr>
-                    </a:p>
-                  </a:txBody>
-                  <a:tcPr/>
-                </a:tc>
-                <a:extLst>
-                  <a:ext uri="{0D108BD9-81ED-4DB2-BD59-A6C34878D82A}">
-                    <a16:rowId xmlns:a16="http://schemas.microsoft.com/office/drawing/2014/main" val="10003"/>
-                  </a:ext>
-                </a:extLst>
-              </a:tr>
-              <a:tr h="1451322">
-                <a:tc>
-                  <a:txBody>
-                    <a:bodyPr/>
-                    <a:lstStyle/>
-                    <a:p>
-                      <a:pPr algn="ctr" latinLnBrk="1"/>
-                      <a:r>
-                        <a:rPr lang="ko-KR" altLang="en-US" b="1" dirty="0">
-                          <a:solidFill>
-                            <a:schemeClr val="tx1">
-                              <a:lumMod val="85000"/>
-                              <a:lumOff val="15000"/>
-                            </a:schemeClr>
-                          </a:solidFill>
-                          <a:latin typeface="HY헤드라인M" pitchFamily="18" charset="-127"/>
-                          <a:ea typeface="HY헤드라인M" pitchFamily="18" charset="-127"/>
-                        </a:rPr>
-                        <a:t>선택흐름</a:t>
-                      </a:r>
-                    </a:p>
-                  </a:txBody>
-                  <a:tcPr/>
-                </a:tc>
-                <a:tc>
-                  <a:txBody>
-                    <a:bodyPr/>
-                    <a:lstStyle/>
-                    <a:p>
-                      <a:pPr fontAlgn="base" latinLnBrk="1"/>
-                      <a:r>
-                        <a:rPr lang="en-US" altLang="ko-KR" sz="1800" kern="1200" dirty="0" smtClean="0">
-                          <a:solidFill>
-                            <a:schemeClr val="tx1"/>
-                          </a:solidFill>
-                          <a:effectLst/>
-                          <a:latin typeface="+mn-lt"/>
-                          <a:ea typeface="+mn-ea"/>
-                          <a:cs typeface="+mn-cs"/>
-                        </a:rPr>
-                        <a:t>-</a:t>
-                      </a:r>
-                      <a:r>
-                        <a:rPr lang="ko-KR" altLang="en-US" sz="1800" kern="1200" dirty="0" smtClean="0">
-                          <a:solidFill>
-                            <a:schemeClr val="tx1"/>
-                          </a:solidFill>
-                          <a:effectLst/>
-                          <a:latin typeface="+mn-lt"/>
-                          <a:ea typeface="+mn-ea"/>
-                          <a:cs typeface="+mn-cs"/>
-                        </a:rPr>
-                        <a:t>로그인 실패 시 “다시 </a:t>
-                      </a:r>
-                      <a:r>
-                        <a:rPr lang="ko-KR" altLang="en-US" sz="1800" kern="1200" dirty="0" err="1" smtClean="0">
-                          <a:solidFill>
-                            <a:schemeClr val="tx1"/>
-                          </a:solidFill>
-                          <a:effectLst/>
-                          <a:latin typeface="+mn-lt"/>
-                          <a:ea typeface="+mn-ea"/>
-                          <a:cs typeface="+mn-cs"/>
-                        </a:rPr>
-                        <a:t>입력하시오</a:t>
-                      </a:r>
-                      <a:r>
-                        <a:rPr lang="ko-KR" altLang="en-US" sz="1800" kern="1200" dirty="0" smtClean="0">
-                          <a:solidFill>
-                            <a:schemeClr val="tx1"/>
-                          </a:solidFill>
-                          <a:effectLst/>
-                          <a:latin typeface="+mn-lt"/>
-                          <a:ea typeface="+mn-ea"/>
-                          <a:cs typeface="+mn-cs"/>
-                        </a:rPr>
-                        <a:t>”</a:t>
-                      </a:r>
-                      <a:endParaRPr lang="ko-KR" altLang="en-US" sz="1800" kern="1200" dirty="0">
-                        <a:solidFill>
-                          <a:schemeClr val="tx1"/>
-                        </a:solidFill>
-                        <a:effectLst/>
-                        <a:latin typeface="+mn-lt"/>
-                        <a:ea typeface="+mn-ea"/>
-                        <a:cs typeface="+mn-cs"/>
-                      </a:endParaRPr>
-                    </a:p>
-                  </a:txBody>
-                  <a:tcPr/>
-                </a:tc>
-                <a:extLst>
-                  <a:ext uri="{0D108BD9-81ED-4DB2-BD59-A6C34878D82A}">
-                    <a16:rowId xmlns:a16="http://schemas.microsoft.com/office/drawing/2014/main" val="994516010"/>
-                  </a:ext>
-                </a:extLst>
-              </a:tr>
-            </a:tbl>
-          </a:graphicData>
-        </a:graphic>
-      </p:graphicFrame>
-      <p:sp>
-        <p:nvSpPr>
-          <p:cNvPr id="11" name="TextBox 10"/>
-          <p:cNvSpPr txBox="1"/>
-          <p:nvPr/>
-        </p:nvSpPr>
-        <p:spPr>
-          <a:xfrm>
-            <a:off x="2752863" y="792222"/>
-            <a:ext cx="4878259" cy="369332"/>
-          </a:xfrm>
-          <a:prstGeom prst="rect">
-            <a:avLst/>
-          </a:prstGeom>
-        </p:spPr>
-        <p:txBody>
-          <a:bodyPr wrap="none">
-            <a:spAutoFit/>
-          </a:bodyPr>
-          <a:lstStyle>
-            <a:defPPr>
-              <a:defRPr lang="ko-KR"/>
-            </a:defPPr>
-            <a:lvl1pPr>
-              <a:spcBef>
-                <a:spcPts val="1000"/>
-              </a:spcBef>
-              <a:defRPr sz="2000">
-                <a:ln>
-                  <a:solidFill>
-                    <a:schemeClr val="accent1">
-                      <a:alpha val="0"/>
-                    </a:schemeClr>
-                  </a:solidFill>
-                </a:ln>
-                <a:solidFill>
-                  <a:schemeClr val="bg1"/>
-                </a:solidFill>
-                <a:latin typeface="Noto Sans CJK KR Medium" panose="020B0600000000000000" pitchFamily="34" charset="-127"/>
-                <a:ea typeface="Noto Sans CJK KR Medium" panose="020B0600000000000000" pitchFamily="34" charset="-127"/>
-              </a:defRPr>
-            </a:lvl1pPr>
-          </a:lstStyle>
-          <a:p>
-            <a:r>
-              <a:rPr lang="ko-KR" altLang="en-US" sz="1800" dirty="0">
-                <a:solidFill>
-                  <a:schemeClr val="bg1">
-                    <a:lumMod val="75000"/>
-                  </a:schemeClr>
-                </a:solidFill>
-              </a:rPr>
-              <a:t>기존의 </a:t>
-            </a:r>
-            <a:r>
-              <a:rPr lang="ko-KR" altLang="en-US" sz="1800" dirty="0" smtClean="0">
-                <a:solidFill>
-                  <a:schemeClr val="bg1">
-                    <a:lumMod val="75000"/>
-                  </a:schemeClr>
-                </a:solidFill>
-              </a:rPr>
-              <a:t>책으로 된 </a:t>
-            </a:r>
-            <a:r>
-              <a:rPr lang="en-US" altLang="ko-KR" sz="1800" dirty="0">
-                <a:solidFill>
-                  <a:schemeClr val="bg1">
-                    <a:lumMod val="75000"/>
-                  </a:schemeClr>
-                </a:solidFill>
-              </a:rPr>
-              <a:t>“</a:t>
-            </a:r>
-            <a:r>
-              <a:rPr lang="ko-KR" altLang="en-US" sz="1800" dirty="0" err="1" smtClean="0">
-                <a:solidFill>
-                  <a:schemeClr val="bg1">
-                    <a:lumMod val="75000"/>
-                  </a:schemeClr>
-                </a:solidFill>
-              </a:rPr>
-              <a:t>레주메</a:t>
-            </a:r>
-            <a:r>
-              <a:rPr lang="ko-KR" altLang="en-US" sz="1800" dirty="0" smtClean="0">
-                <a:solidFill>
-                  <a:schemeClr val="bg1">
-                    <a:lumMod val="75000"/>
-                  </a:schemeClr>
-                </a:solidFill>
-              </a:rPr>
-              <a:t> 북</a:t>
-            </a:r>
-            <a:r>
-              <a:rPr lang="en-US" altLang="ko-KR" sz="1800" dirty="0">
-                <a:solidFill>
-                  <a:schemeClr val="bg1">
-                    <a:lumMod val="75000"/>
-                  </a:schemeClr>
-                </a:solidFill>
-              </a:rPr>
-              <a:t>”</a:t>
-            </a:r>
-            <a:r>
-              <a:rPr lang="ko-KR" altLang="en-US" sz="1800" dirty="0">
-                <a:solidFill>
-                  <a:schemeClr val="bg1">
-                    <a:lumMod val="75000"/>
-                  </a:schemeClr>
-                </a:solidFill>
-              </a:rPr>
-              <a:t>의 불편함을 없앤</a:t>
-            </a:r>
-          </a:p>
-        </p:txBody>
-      </p:sp>
-    </p:spTree>
-    <p:extLst>
-      <p:ext uri="{BB962C8B-B14F-4D97-AF65-F5344CB8AC3E}">
-        <p14:creationId xmlns:p14="http://schemas.microsoft.com/office/powerpoint/2010/main" val="1237348020"/>
-      </p:ext>
-    </p:extLst>
-  </p:cSld>
-  <p:clrMapOvr>
-    <a:masterClrMapping/>
-  </p:clrMapOvr>
-  <p:timing>
-    <p:tnLst>
-      <p:par>
-        <p:cTn id="1" dur="indefinite" restart="never" nodeType="tmRoot">
-          <p:childTnLst>
-            <p:seq concurrent="1" nextAc="seek">
-              <p:cTn id="2" dur="indefinite" nodeType="mainSeq">
-                <p:childTnLst>
-                  <p:par>
-                    <p:cTn id="3" fill="hold">
-                      <p:stCondLst>
-                        <p:cond delay="indefinite"/>
-                        <p:cond evt="onBegin" delay="0">
-                          <p:tn val="2"/>
-                        </p:cond>
-                      </p:stCondLst>
-                      <p:childTnLst>
-                        <p:par>
-                          <p:cTn id="4" fill="hold">
-                            <p:stCondLst>
-                              <p:cond delay="0"/>
-                            </p:stCondLst>
-                            <p:childTnLst>
-                              <p:par>
-                                <p:cTn id="5" presetID="2" presetClass="entr" presetSubtype="4" fill="hold" nodeType="afterEffect">
-                                  <p:stCondLst>
-                                    <p:cond delay="0"/>
-                                  </p:stCondLst>
-                                  <p:childTnLst>
-                                    <p:set>
-                                      <p:cBhvr>
-                                        <p:cTn id="6" dur="1" fill="hold">
-                                          <p:stCondLst>
-                                            <p:cond delay="0"/>
-                                          </p:stCondLst>
-                                        </p:cTn>
-                                        <p:tgtEl>
-                                          <p:spTgt spid="12"/>
-                                        </p:tgtEl>
-                                        <p:attrNameLst>
-                                          <p:attrName>style.visibility</p:attrName>
-                                        </p:attrNameLst>
-                                      </p:cBhvr>
-                                      <p:to>
-                                        <p:strVal val="visible"/>
-                                      </p:to>
-                                    </p:set>
-                                    <p:anim calcmode="lin" valueType="num">
-                                      <p:cBhvr additive="base">
-                                        <p:cTn id="7" dur="500" fill="hold"/>
-                                        <p:tgtEl>
-                                          <p:spTgt spid="12"/>
-                                        </p:tgtEl>
-                                        <p:attrNameLst>
-                                          <p:attrName>ppt_x</p:attrName>
-                                        </p:attrNameLst>
-                                      </p:cBhvr>
-                                      <p:tavLst>
-                                        <p:tav tm="0">
-                                          <p:val>
-                                            <p:strVal val="#ppt_x"/>
-                                          </p:val>
-                                        </p:tav>
-                                        <p:tav tm="100000">
-                                          <p:val>
-                                            <p:strVal val="#ppt_x"/>
-                                          </p:val>
-                                        </p:tav>
-                                      </p:tavLst>
-                                    </p:anim>
-                                    <p:anim calcmode="lin" valueType="num">
-                                      <p:cBhvr additive="base">
-                                        <p:cTn id="8" dur="500" fill="hold"/>
-                                        <p:tgtEl>
-                                          <p:spTgt spid="12"/>
-                                        </p:tgtEl>
-                                        <p:attrNameLst>
-                                          <p:attrName>ppt_y</p:attrName>
-                                        </p:attrNameLst>
-                                      </p:cBhvr>
-                                      <p:tavLst>
-                                        <p:tav tm="0">
-                                          <p:val>
-                                            <p:strVal val="1+#ppt_h/2"/>
-                                          </p:val>
-                                        </p:tav>
-                                        <p:tav tm="100000">
-                                          <p:val>
-                                            <p:strVal val="#ppt_y"/>
-                                          </p:val>
-                                        </p:tav>
-                                      </p:tavLst>
-                                    </p:anim>
-                                  </p:childTnLst>
-                                </p:cTn>
-                              </p:par>
-                            </p:childTnLst>
-                          </p:cTn>
-                        </p:par>
-                      </p:childTnLst>
-                    </p:cTn>
-                  </p:par>
-                </p:childTnLst>
-              </p:cTn>
-              <p:prevCondLst>
-                <p:cond evt="onPrev" delay="0">
-                  <p:tgtEl>
-                    <p:sldTgt/>
-                  </p:tgtEl>
-                </p:cond>
-              </p:prevCondLst>
-              <p:nextCondLst>
-                <p:cond evt="onNext" delay="0">
-                  <p:tgtEl>
-                    <p:sldTgt/>
-                  </p:tgtEl>
-                </p:cond>
-              </p:nextCondLst>
-            </p:seq>
-          </p:childTnLst>
-        </p:cTn>
+        <p:cTn id="1" dur="indefinite" restart="never" nodeType="tmRoot"/>
       </p:par>
     </p:tnLst>
   </p:timing>
@@ -23030,84 +17613,6 @@
     <p:bldLst>
       <p:bldP spid="12" grpId="0"/>
     </p:bldLst>
-  </p:timing>
-</p:sld>
-</file>
-
-<file path=ppt/slides/slide20.xml><?xml version="1.0" encoding="utf-8"?>
-<p:sld xmlns:a="http://schemas.openxmlformats.org/drawingml/2006/main" xmlns:r="http://schemas.openxmlformats.org/officeDocument/2006/relationships" xmlns:p="http://schemas.openxmlformats.org/presentationml/2006/main">
-  <p:cSld>
-    <p:spTree>
-      <p:nvGrpSpPr>
-        <p:cNvPr id="1" name=""/>
-        <p:cNvGrpSpPr/>
-        <p:nvPr/>
-      </p:nvGrpSpPr>
-      <p:grpSpPr>
-        <a:xfrm>
-          <a:off x="0" y="0"/>
-          <a:ext cx="0" cy="0"/>
-          <a:chOff x="0" y="0"/>
-          <a:chExt cx="0" cy="0"/>
-        </a:xfrm>
-      </p:grpSpPr>
-      <p:sp>
-        <p:nvSpPr>
-          <p:cNvPr id="2" name="제목 1" hidden="1"/>
-          <p:cNvSpPr>
-            <a:spLocks noGrp="1"/>
-          </p:cNvSpPr>
-          <p:nvPr>
-            <p:ph type="title"/>
-          </p:nvPr>
-        </p:nvSpPr>
-        <p:spPr/>
-        <p:txBody>
-          <a:bodyPr/>
-          <a:lstStyle/>
-          <a:p>
-            <a:endParaRPr lang="ko-KR" altLang="en-US"/>
-          </a:p>
-        </p:txBody>
-      </p:sp>
-      <p:pic>
-        <p:nvPicPr>
-          <p:cNvPr id="3" name="그림 2"/>
-          <p:cNvPicPr/>
-          <p:nvPr/>
-        </p:nvPicPr>
-        <p:blipFill>
-          <a:blip r:embed="rId2"/>
-          <a:stretch>
-            <a:fillRect/>
-          </a:stretch>
-        </p:blipFill>
-        <p:spPr>
-          <a:xfrm>
-            <a:off x="0" y="0"/>
-            <a:ext cx="12192000" cy="6858000"/>
-          </a:xfrm>
-          <a:prstGeom prst="rect">
-            <a:avLst/>
-          </a:prstGeom>
-        </p:spPr>
-      </p:pic>
-    </p:spTree>
-    <p:extLst>
-      <p:ext uri="{BB962C8B-B14F-4D97-AF65-F5344CB8AC3E}">
-        <p14:creationId xmlns:p14="http://schemas.microsoft.com/office/powerpoint/2010/main" val="315249219"/>
-      </p:ext>
-    </p:extLst>
-  </p:cSld>
-  <p:clrMapOvr>
-    <a:masterClrMapping/>
-  </p:clrMapOvr>
-  <p:timing>
-    <p:tnLst>
-      <p:par>
-        <p:cTn id="1" dur="indefinite" restart="never" nodeType="tmRoot"/>
-      </p:par>
-    </p:tnLst>
   </p:timing>
 </p:sld>
 </file>
@@ -25220,7 +19725,7 @@
         <p:spPr>
           <a:xfrm>
             <a:off x="4783583" y="2733261"/>
-            <a:ext cx="2183747" cy="646331"/>
+            <a:ext cx="2183747" cy="738664"/>
           </a:xfrm>
           <a:prstGeom prst="rect">
             <a:avLst/>
@@ -25234,21 +19739,36 @@
           <a:lstStyle/>
           <a:p>
             <a:r>
-              <a:rPr lang="ko-KR" altLang="en-US" dirty="0" smtClean="0"/>
+              <a:rPr lang="ko-KR" altLang="en-US" sz="2400" dirty="0" smtClean="0">
+                <a:latin typeface="HY헤드라인M" panose="02030600000101010101" pitchFamily="18" charset="-127"/>
+                <a:ea typeface="HY헤드라인M" panose="02030600000101010101" pitchFamily="18" charset="-127"/>
+              </a:rPr>
               <a:t>박규리</a:t>
             </a:r>
-            <a:endParaRPr lang="en-US" altLang="ko-KR" dirty="0"/>
+            <a:endParaRPr lang="en-US" altLang="ko-KR" sz="2400" dirty="0">
+              <a:latin typeface="HY헤드라인M" panose="02030600000101010101" pitchFamily="18" charset="-127"/>
+              <a:ea typeface="HY헤드라인M" panose="02030600000101010101" pitchFamily="18" charset="-127"/>
+            </a:endParaRPr>
           </a:p>
           <a:p>
             <a:r>
-              <a:rPr lang="ko-KR" altLang="en-US" dirty="0" smtClean="0"/>
+              <a:rPr lang="ko-KR" altLang="en-US" dirty="0" smtClean="0">
+                <a:latin typeface="HY헤드라인M" panose="02030600000101010101" pitchFamily="18" charset="-127"/>
+                <a:ea typeface="HY헤드라인M" panose="02030600000101010101" pitchFamily="18" charset="-127"/>
+              </a:rPr>
               <a:t>프론트 </a:t>
             </a:r>
             <a:r>
-              <a:rPr lang="ko-KR" altLang="en-US" dirty="0" err="1" smtClean="0"/>
+              <a:rPr lang="ko-KR" altLang="en-US" dirty="0" err="1" smtClean="0">
+                <a:latin typeface="HY헤드라인M" panose="02030600000101010101" pitchFamily="18" charset="-127"/>
+                <a:ea typeface="HY헤드라인M" panose="02030600000101010101" pitchFamily="18" charset="-127"/>
+              </a:rPr>
               <a:t>엔드</a:t>
             </a:r>
-            <a:endParaRPr lang="ko-KR" altLang="en-US" dirty="0"/>
+            <a:endParaRPr lang="ko-KR" altLang="en-US" dirty="0">
+              <a:latin typeface="HY헤드라인M" panose="02030600000101010101" pitchFamily="18" charset="-127"/>
+              <a:ea typeface="HY헤드라인M" panose="02030600000101010101" pitchFamily="18" charset="-127"/>
+            </a:endParaRPr>
           </a:p>
         </p:txBody>
       </p:sp>
@@ -25261,7 +19781,7 @@
         <p:spPr>
           <a:xfrm>
             <a:off x="4783582" y="5131904"/>
-            <a:ext cx="2183747" cy="646331"/>
+            <a:ext cx="2183747" cy="738664"/>
           </a:xfrm>
           <a:prstGeom prst="rect">
             <a:avLst/>
@@ -25275,17 +19795,29 @@
           <a:lstStyle/>
           <a:p>
             <a:r>
-              <a:rPr lang="ko-KR" altLang="en-US" dirty="0" err="1" smtClean="0"/>
+              <a:rPr lang="ko-KR" altLang="en-US" sz="2400" dirty="0" err="1" smtClean="0">
+                <a:latin typeface="HY헤드라인M" panose="02030600000101010101" pitchFamily="18" charset="-127"/>
+                <a:ea typeface="HY헤드라인M" panose="02030600000101010101" pitchFamily="18" charset="-127"/>
+              </a:rPr>
               <a:t>윤정현</a:t>
             </a:r>
-            <a:endParaRPr lang="en-US" altLang="ko-KR" dirty="0"/>
+            <a:endParaRPr lang="en-US" altLang="ko-KR" sz="2400" dirty="0">
+              <a:latin typeface="HY헤드라인M" panose="02030600000101010101" pitchFamily="18" charset="-127"/>
+              <a:ea typeface="HY헤드라인M" panose="02030600000101010101" pitchFamily="18" charset="-127"/>
+            </a:endParaRPr>
           </a:p>
           <a:p>
             <a:r>
-              <a:rPr lang="ko-KR" altLang="en-US" dirty="0" smtClean="0"/>
+              <a:rPr lang="ko-KR" altLang="en-US" dirty="0" smtClean="0">
+                <a:latin typeface="HY헤드라인M" panose="02030600000101010101" pitchFamily="18" charset="-127"/>
+                <a:ea typeface="HY헤드라인M" panose="02030600000101010101" pitchFamily="18" charset="-127"/>
+              </a:rPr>
               <a:t>서버 </a:t>
             </a:r>
-            <a:endParaRPr lang="ko-KR" altLang="en-US" dirty="0"/>
+            <a:endParaRPr lang="ko-KR" altLang="en-US" dirty="0">
+              <a:latin typeface="HY헤드라인M" panose="02030600000101010101" pitchFamily="18" charset="-127"/>
+              <a:ea typeface="HY헤드라인M" panose="02030600000101010101" pitchFamily="18" charset="-127"/>
+            </a:endParaRPr>
           </a:p>
         </p:txBody>
       </p:sp>
@@ -25298,7 +19830,7 @@
         <p:spPr>
           <a:xfrm>
             <a:off x="9195879" y="5054125"/>
-            <a:ext cx="2183747" cy="646331"/>
+            <a:ext cx="2183747" cy="738664"/>
           </a:xfrm>
           <a:prstGeom prst="rect">
             <a:avLst/>
@@ -25312,17 +19844,29 @@
           <a:lstStyle/>
           <a:p>
             <a:r>
-              <a:rPr lang="ko-KR" altLang="en-US" dirty="0" err="1" smtClean="0"/>
+              <a:rPr lang="ko-KR" altLang="en-US" sz="2400" dirty="0" err="1" smtClean="0">
+                <a:latin typeface="HY헤드라인M" panose="02030600000101010101" pitchFamily="18" charset="-127"/>
+                <a:ea typeface="HY헤드라인M" panose="02030600000101010101" pitchFamily="18" charset="-127"/>
+              </a:rPr>
               <a:t>배용호</a:t>
             </a:r>
-            <a:endParaRPr lang="en-US" altLang="ko-KR" dirty="0"/>
+            <a:endParaRPr lang="en-US" altLang="ko-KR" sz="2400" dirty="0">
+              <a:latin typeface="HY헤드라인M" panose="02030600000101010101" pitchFamily="18" charset="-127"/>
+              <a:ea typeface="HY헤드라인M" panose="02030600000101010101" pitchFamily="18" charset="-127"/>
+            </a:endParaRPr>
           </a:p>
           <a:p>
             <a:r>
-              <a:rPr lang="ko-KR" altLang="en-US" dirty="0" smtClean="0"/>
+              <a:rPr lang="ko-KR" altLang="en-US" dirty="0" smtClean="0">
+                <a:latin typeface="HY헤드라인M" panose="02030600000101010101" pitchFamily="18" charset="-127"/>
+                <a:ea typeface="HY헤드라인M" panose="02030600000101010101" pitchFamily="18" charset="-127"/>
+              </a:rPr>
               <a:t>서버</a:t>
             </a:r>
-            <a:endParaRPr lang="ko-KR" altLang="en-US" dirty="0"/>
+            <a:endParaRPr lang="ko-KR" altLang="en-US" dirty="0">
+              <a:latin typeface="HY헤드라인M" panose="02030600000101010101" pitchFamily="18" charset="-127"/>
+              <a:ea typeface="HY헤드라인M" panose="02030600000101010101" pitchFamily="18" charset="-127"/>
+            </a:endParaRPr>
           </a:p>
         </p:txBody>
       </p:sp>
@@ -25335,7 +19879,7 @@
         <p:spPr>
           <a:xfrm>
             <a:off x="9195878" y="2656969"/>
-            <a:ext cx="2183747" cy="646331"/>
+            <a:ext cx="2183747" cy="738664"/>
           </a:xfrm>
           <a:prstGeom prst="rect">
             <a:avLst/>
@@ -25349,17 +19893,29 @@
           <a:lstStyle/>
           <a:p>
             <a:r>
-              <a:rPr lang="ko-KR" altLang="en-US" dirty="0" smtClean="0"/>
+              <a:rPr lang="ko-KR" altLang="en-US" sz="2400" dirty="0" smtClean="0">
+                <a:latin typeface="HY헤드라인M" panose="02030600000101010101" pitchFamily="18" charset="-127"/>
+                <a:ea typeface="HY헤드라인M" panose="02030600000101010101" pitchFamily="18" charset="-127"/>
+              </a:rPr>
               <a:t>김소연</a:t>
             </a:r>
-            <a:endParaRPr lang="en-US" altLang="ko-KR" dirty="0" smtClean="0"/>
+            <a:endParaRPr lang="en-US" altLang="ko-KR" sz="2400" dirty="0" smtClean="0">
+              <a:latin typeface="HY헤드라인M" panose="02030600000101010101" pitchFamily="18" charset="-127"/>
+              <a:ea typeface="HY헤드라인M" panose="02030600000101010101" pitchFamily="18" charset="-127"/>
+            </a:endParaRPr>
           </a:p>
           <a:p>
             <a:r>
-              <a:rPr lang="ko-KR" altLang="en-US" dirty="0" smtClean="0"/>
+              <a:rPr lang="ko-KR" altLang="en-US" dirty="0" smtClean="0">
+                <a:latin typeface="HY헤드라인M" panose="02030600000101010101" pitchFamily="18" charset="-127"/>
+                <a:ea typeface="HY헤드라인M" panose="02030600000101010101" pitchFamily="18" charset="-127"/>
+              </a:rPr>
               <a:t>연동</a:t>
             </a:r>
-            <a:endParaRPr lang="ko-KR" altLang="en-US" dirty="0"/>
+            <a:endParaRPr lang="ko-KR" altLang="en-US" dirty="0">
+              <a:latin typeface="HY헤드라인M" panose="02030600000101010101" pitchFamily="18" charset="-127"/>
+              <a:ea typeface="HY헤드라인M" panose="02030600000101010101" pitchFamily="18" charset="-127"/>
+            </a:endParaRPr>
           </a:p>
         </p:txBody>
       </p:sp>
@@ -25655,7 +20211,7 @@
         </p:nvSpPr>
         <p:spPr>
           <a:xfrm>
-            <a:off x="9291319" y="6599184"/>
+            <a:off x="9281487" y="6488985"/>
             <a:ext cx="2900681" cy="320722"/>
           </a:xfrm>
           <a:prstGeom prst="rect">
@@ -25923,6 +20479,202 @@
           </a:p>
         </p:txBody>
       </p:sp>
+      <p:pic>
+        <p:nvPicPr>
+          <p:cNvPr id="1030" name="Picture 6" descr="jspservlet에 대한 이미지 검색결과"/>
+          <p:cNvPicPr>
+            <a:picLocks noChangeAspect="1" noChangeArrowheads="1"/>
+          </p:cNvPicPr>
+          <p:nvPr/>
+        </p:nvPicPr>
+        <p:blipFill>
+          <a:blip r:embed="rId3">
+            <a:extLst>
+              <a:ext uri="{28A0092B-C50C-407E-A947-70E740481C1C}">
+                <a14:useLocalDpi xmlns:a14="http://schemas.microsoft.com/office/drawing/2010/main" val="0"/>
+              </a:ext>
+            </a:extLst>
+          </a:blip>
+          <a:srcRect/>
+          <a:stretch>
+            <a:fillRect/>
+          </a:stretch>
+        </p:blipFill>
+        <p:spPr bwMode="auto">
+          <a:xfrm>
+            <a:off x="2104557" y="4927618"/>
+            <a:ext cx="3388862" cy="1882089"/>
+          </a:xfrm>
+          <a:prstGeom prst="rect">
+            <a:avLst/>
+          </a:prstGeom>
+          <a:noFill/>
+          <a:extLst>
+            <a:ext uri="{909E8E84-426E-40DD-AFC4-6F175D3DCCD1}">
+              <a14:hiddenFill xmlns:a14="http://schemas.microsoft.com/office/drawing/2010/main">
+                <a:solidFill>
+                  <a:srgbClr val="FFFFFF"/>
+                </a:solidFill>
+              </a14:hiddenFill>
+            </a:ext>
+          </a:extLst>
+        </p:spPr>
+      </p:pic>
+      <p:pic>
+        <p:nvPicPr>
+          <p:cNvPr id="1032" name="Picture 8" descr="eclipse에 대한 이미지 검색결과"/>
+          <p:cNvPicPr>
+            <a:picLocks noChangeAspect="1" noChangeArrowheads="1"/>
+          </p:cNvPicPr>
+          <p:nvPr/>
+        </p:nvPicPr>
+        <p:blipFill>
+          <a:blip r:embed="rId4">
+            <a:extLst>
+              <a:ext uri="{BEBA8EAE-BF5A-486C-A8C5-ECC9F3942E4B}">
+                <a14:imgProps xmlns:a14="http://schemas.microsoft.com/office/drawing/2010/main">
+                  <a14:imgLayer r:embed="rId5">
+                    <a14:imgEffect>
+                      <a14:backgroundRemoval t="0" b="93500" l="0" r="100000">
+                        <a14:foregroundMark x1="9750" y1="48000" x2="91000" y2="50250"/>
+                        <a14:foregroundMark x1="5750" y1="39000" x2="1000" y2="69500"/>
+                        <a14:foregroundMark x1="11250" y1="50000" x2="33250" y2="57750"/>
+                        <a14:foregroundMark x1="1000" y1="37750" x2="33750" y2="50750"/>
+                        <a14:foregroundMark x1="15750" y1="41750" x2="17000" y2="58750"/>
+                        <a14:foregroundMark x1="20750" y1="39750" x2="16750" y2="65750"/>
+                        <a14:foregroundMark x1="23500" y1="38000" x2="12000" y2="66500"/>
+                        <a14:foregroundMark x1="47250" y1="39750" x2="47750" y2="63000"/>
+                        <a14:foregroundMark x1="43750" y1="38000" x2="36250" y2="60500"/>
+                        <a14:foregroundMark x1="36250" y1="37000" x2="53250" y2="51750"/>
+                        <a14:foregroundMark x1="65750" y1="42000" x2="66750" y2="49750"/>
+                        <a14:foregroundMark x1="58000" y1="27500" x2="54750" y2="54750"/>
+                        <a14:foregroundMark x1="57750" y1="38250" x2="57750" y2="51250"/>
+                        <a14:foregroundMark x1="60750" y1="43500" x2="88500" y2="49750"/>
+                        <a14:foregroundMark x1="94750" y1="47500" x2="89250" y2="58250"/>
+                        <a14:foregroundMark x1="88500" y1="42500" x2="89250" y2="58250"/>
+                        <a14:foregroundMark x1="87250" y1="52250" x2="66750" y2="58250"/>
+                        <a14:foregroundMark x1="83750" y1="50250" x2="56000" y2="62250"/>
+                        <a14:foregroundMark x1="65000" y1="53750" x2="34500" y2="59250"/>
+                        <a14:foregroundMark x1="70000" y1="53500" x2="20000" y2="52250"/>
+                        <a14:foregroundMark x1="58500" y1="39250" x2="63000" y2="38250"/>
+                        <a14:foregroundMark x1="15000" y1="50250" x2="12500" y2="60000"/>
+                      </a14:backgroundRemoval>
+                    </a14:imgEffect>
+                  </a14:imgLayer>
+                </a14:imgProps>
+              </a:ext>
+              <a:ext uri="{28A0092B-C50C-407E-A947-70E740481C1C}">
+                <a14:useLocalDpi xmlns:a14="http://schemas.microsoft.com/office/drawing/2010/main" val="0"/>
+              </a:ext>
+            </a:extLst>
+          </a:blip>
+          <a:srcRect/>
+          <a:stretch>
+            <a:fillRect/>
+          </a:stretch>
+        </p:blipFill>
+        <p:spPr bwMode="auto">
+          <a:xfrm>
+            <a:off x="6159039" y="4838914"/>
+            <a:ext cx="2447113" cy="2447113"/>
+          </a:xfrm>
+          <a:prstGeom prst="rect">
+            <a:avLst/>
+          </a:prstGeom>
+          <a:noFill/>
+          <a:extLst>
+            <a:ext uri="{909E8E84-426E-40DD-AFC4-6F175D3DCCD1}">
+              <a14:hiddenFill xmlns:a14="http://schemas.microsoft.com/office/drawing/2010/main">
+                <a:solidFill>
+                  <a:srgbClr val="FFFFFF"/>
+                </a:solidFill>
+              </a14:hiddenFill>
+            </a:ext>
+          </a:extLst>
+        </p:spPr>
+      </p:pic>
+      <p:pic>
+        <p:nvPicPr>
+          <p:cNvPr id="1034" name="Picture 10" descr="html css js에 대한 이미지 검색결과"/>
+          <p:cNvPicPr>
+            <a:picLocks noChangeAspect="1" noChangeArrowheads="1"/>
+          </p:cNvPicPr>
+          <p:nvPr/>
+        </p:nvPicPr>
+        <p:blipFill>
+          <a:blip r:embed="rId6">
+            <a:extLst>
+              <a:ext uri="{28A0092B-C50C-407E-A947-70E740481C1C}">
+                <a14:useLocalDpi xmlns:a14="http://schemas.microsoft.com/office/drawing/2010/main" val="0"/>
+              </a:ext>
+            </a:extLst>
+          </a:blip>
+          <a:srcRect/>
+          <a:stretch>
+            <a:fillRect/>
+          </a:stretch>
+        </p:blipFill>
+        <p:spPr bwMode="auto">
+          <a:xfrm>
+            <a:off x="4060723" y="1920233"/>
+            <a:ext cx="6440129" cy="3773513"/>
+          </a:xfrm>
+          <a:prstGeom prst="rect">
+            <a:avLst/>
+          </a:prstGeom>
+          <a:noFill/>
+          <a:extLst>
+            <a:ext uri="{909E8E84-426E-40DD-AFC4-6F175D3DCCD1}">
+              <a14:hiddenFill xmlns:a14="http://schemas.microsoft.com/office/drawing/2010/main">
+                <a:solidFill>
+                  <a:srgbClr val="FFFFFF"/>
+                </a:solidFill>
+              </a14:hiddenFill>
+            </a:ext>
+          </a:extLst>
+        </p:spPr>
+      </p:pic>
+      <p:pic>
+        <p:nvPicPr>
+          <p:cNvPr id="1036" name="Picture 12" descr="github에 대한 이미지 검색결과"/>
+          <p:cNvPicPr>
+            <a:picLocks noChangeAspect="1" noChangeArrowheads="1"/>
+          </p:cNvPicPr>
+          <p:nvPr/>
+        </p:nvPicPr>
+        <p:blipFill>
+          <a:blip r:embed="rId7" cstate="print">
+            <a:extLst>
+              <a:ext uri="{28A0092B-C50C-407E-A947-70E740481C1C}">
+                <a14:useLocalDpi xmlns:a14="http://schemas.microsoft.com/office/drawing/2010/main" val="0"/>
+              </a:ext>
+            </a:extLst>
+          </a:blip>
+          <a:srcRect/>
+          <a:stretch>
+            <a:fillRect/>
+          </a:stretch>
+        </p:blipFill>
+        <p:spPr bwMode="auto">
+          <a:xfrm>
+            <a:off x="9947107" y="5358461"/>
+            <a:ext cx="1338057" cy="1338057"/>
+          </a:xfrm>
+          <a:prstGeom prst="rect">
+            <a:avLst/>
+          </a:prstGeom>
+          <a:noFill/>
+          <a:extLst>
+            <a:ext uri="{909E8E84-426E-40DD-AFC4-6F175D3DCCD1}">
+              <a14:hiddenFill xmlns:a14="http://schemas.microsoft.com/office/drawing/2010/main">
+                <a:solidFill>
+                  <a:srgbClr val="FFFFFF"/>
+                </a:solidFill>
+              </a14:hiddenFill>
+            </a:ext>
+          </a:extLst>
+        </p:spPr>
+      </p:pic>
     </p:spTree>
     <p:extLst>
       <p:ext uri="{BB962C8B-B14F-4D97-AF65-F5344CB8AC3E}">
@@ -25936,7 +20688,253 @@
   <p:timing>
     <p:tnLst>
       <p:par>
-        <p:cTn id="1" dur="indefinite" restart="never" nodeType="tmRoot"/>
+        <p:cTn id="1" dur="indefinite" restart="never" nodeType="tmRoot">
+          <p:childTnLst>
+            <p:seq concurrent="1" nextAc="seek">
+              <p:cTn id="2" dur="indefinite" nodeType="mainSeq">
+                <p:childTnLst>
+                  <p:par>
+                    <p:cTn id="3" fill="hold">
+                      <p:stCondLst>
+                        <p:cond delay="indefinite"/>
+                      </p:stCondLst>
+                      <p:childTnLst>
+                        <p:par>
+                          <p:cTn id="4" fill="hold">
+                            <p:stCondLst>
+                              <p:cond delay="0"/>
+                            </p:stCondLst>
+                            <p:childTnLst>
+                              <p:par>
+                                <p:cTn id="5" presetID="2" presetClass="entr" presetSubtype="4" fill="hold" nodeType="clickEffect">
+                                  <p:stCondLst>
+                                    <p:cond delay="0"/>
+                                  </p:stCondLst>
+                                  <p:childTnLst>
+                                    <p:set>
+                                      <p:cBhvr>
+                                        <p:cTn id="6" dur="1" fill="hold">
+                                          <p:stCondLst>
+                                            <p:cond delay="0"/>
+                                          </p:stCondLst>
+                                        </p:cTn>
+                                        <p:tgtEl>
+                                          <p:spTgt spid="1034"/>
+                                        </p:tgtEl>
+                                        <p:attrNameLst>
+                                          <p:attrName>style.visibility</p:attrName>
+                                        </p:attrNameLst>
+                                      </p:cBhvr>
+                                      <p:to>
+                                        <p:strVal val="visible"/>
+                                      </p:to>
+                                    </p:set>
+                                    <p:anim calcmode="lin" valueType="num">
+                                      <p:cBhvr additive="base">
+                                        <p:cTn id="7" dur="1000" fill="hold"/>
+                                        <p:tgtEl>
+                                          <p:spTgt spid="1034"/>
+                                        </p:tgtEl>
+                                        <p:attrNameLst>
+                                          <p:attrName>ppt_x</p:attrName>
+                                        </p:attrNameLst>
+                                      </p:cBhvr>
+                                      <p:tavLst>
+                                        <p:tav tm="0">
+                                          <p:val>
+                                            <p:strVal val="#ppt_x"/>
+                                          </p:val>
+                                        </p:tav>
+                                        <p:tav tm="100000">
+                                          <p:val>
+                                            <p:strVal val="#ppt_x"/>
+                                          </p:val>
+                                        </p:tav>
+                                      </p:tavLst>
+                                    </p:anim>
+                                    <p:anim calcmode="lin" valueType="num">
+                                      <p:cBhvr additive="base">
+                                        <p:cTn id="8" dur="1000" fill="hold"/>
+                                        <p:tgtEl>
+                                          <p:spTgt spid="1034"/>
+                                        </p:tgtEl>
+                                        <p:attrNameLst>
+                                          <p:attrName>ppt_y</p:attrName>
+                                        </p:attrNameLst>
+                                      </p:cBhvr>
+                                      <p:tavLst>
+                                        <p:tav tm="0">
+                                          <p:val>
+                                            <p:strVal val="1+#ppt_h/2"/>
+                                          </p:val>
+                                        </p:tav>
+                                        <p:tav tm="100000">
+                                          <p:val>
+                                            <p:strVal val="#ppt_y"/>
+                                          </p:val>
+                                        </p:tav>
+                                      </p:tavLst>
+                                    </p:anim>
+                                  </p:childTnLst>
+                                </p:cTn>
+                              </p:par>
+                            </p:childTnLst>
+                          </p:cTn>
+                        </p:par>
+                        <p:par>
+                          <p:cTn id="9" fill="hold">
+                            <p:stCondLst>
+                              <p:cond delay="1000"/>
+                            </p:stCondLst>
+                            <p:childTnLst>
+                              <p:par>
+                                <p:cTn id="10" presetID="10" presetClass="entr" presetSubtype="0" fill="hold" nodeType="afterEffect">
+                                  <p:stCondLst>
+                                    <p:cond delay="0"/>
+                                  </p:stCondLst>
+                                  <p:childTnLst>
+                                    <p:set>
+                                      <p:cBhvr>
+                                        <p:cTn id="11" dur="1" fill="hold">
+                                          <p:stCondLst>
+                                            <p:cond delay="0"/>
+                                          </p:stCondLst>
+                                        </p:cTn>
+                                        <p:tgtEl>
+                                          <p:spTgt spid="1030"/>
+                                        </p:tgtEl>
+                                        <p:attrNameLst>
+                                          <p:attrName>style.visibility</p:attrName>
+                                        </p:attrNameLst>
+                                      </p:cBhvr>
+                                      <p:to>
+                                        <p:strVal val="visible"/>
+                                      </p:to>
+                                    </p:set>
+                                    <p:animEffect transition="in" filter="fade">
+                                      <p:cBhvr>
+                                        <p:cTn id="12" dur="500"/>
+                                        <p:tgtEl>
+                                          <p:spTgt spid="1030"/>
+                                        </p:tgtEl>
+                                      </p:cBhvr>
+                                    </p:animEffect>
+                                  </p:childTnLst>
+                                </p:cTn>
+                              </p:par>
+                            </p:childTnLst>
+                          </p:cTn>
+                        </p:par>
+                        <p:par>
+                          <p:cTn id="13" fill="hold">
+                            <p:stCondLst>
+                              <p:cond delay="1500"/>
+                            </p:stCondLst>
+                            <p:childTnLst>
+                              <p:par>
+                                <p:cTn id="14" presetID="10" presetClass="entr" presetSubtype="0" fill="hold" nodeType="afterEffect">
+                                  <p:stCondLst>
+                                    <p:cond delay="0"/>
+                                  </p:stCondLst>
+                                  <p:childTnLst>
+                                    <p:set>
+                                      <p:cBhvr>
+                                        <p:cTn id="15" dur="1" fill="hold">
+                                          <p:stCondLst>
+                                            <p:cond delay="0"/>
+                                          </p:stCondLst>
+                                        </p:cTn>
+                                        <p:tgtEl>
+                                          <p:spTgt spid="1032"/>
+                                        </p:tgtEl>
+                                        <p:attrNameLst>
+                                          <p:attrName>style.visibility</p:attrName>
+                                        </p:attrNameLst>
+                                      </p:cBhvr>
+                                      <p:to>
+                                        <p:strVal val="visible"/>
+                                      </p:to>
+                                    </p:set>
+                                    <p:animEffect transition="in" filter="fade">
+                                      <p:cBhvr>
+                                        <p:cTn id="16" dur="500"/>
+                                        <p:tgtEl>
+                                          <p:spTgt spid="1032"/>
+                                        </p:tgtEl>
+                                      </p:cBhvr>
+                                    </p:animEffect>
+                                  </p:childTnLst>
+                                </p:cTn>
+                              </p:par>
+                            </p:childTnLst>
+                          </p:cTn>
+                        </p:par>
+                        <p:par>
+                          <p:cTn id="17" fill="hold">
+                            <p:stCondLst>
+                              <p:cond delay="2000"/>
+                            </p:stCondLst>
+                            <p:childTnLst>
+                              <p:par>
+                                <p:cTn id="18" presetID="10" presetClass="entr" presetSubtype="0" fill="hold" nodeType="afterEffect">
+                                  <p:stCondLst>
+                                    <p:cond delay="0"/>
+                                  </p:stCondLst>
+                                  <p:childTnLst>
+                                    <p:set>
+                                      <p:cBhvr>
+                                        <p:cTn id="19" dur="1" fill="hold">
+                                          <p:stCondLst>
+                                            <p:cond delay="0"/>
+                                          </p:stCondLst>
+                                        </p:cTn>
+                                        <p:tgtEl>
+                                          <p:spTgt spid="1036"/>
+                                        </p:tgtEl>
+                                        <p:attrNameLst>
+                                          <p:attrName>style.visibility</p:attrName>
+                                        </p:attrNameLst>
+                                      </p:cBhvr>
+                                      <p:to>
+                                        <p:strVal val="visible"/>
+                                      </p:to>
+                                    </p:set>
+                                    <p:animEffect transition="in" filter="fade">
+                                      <p:cBhvr>
+                                        <p:cTn id="20" dur="500"/>
+                                        <p:tgtEl>
+                                          <p:spTgt spid="1036"/>
+                                        </p:tgtEl>
+                                      </p:cBhvr>
+                                    </p:animEffect>
+                                  </p:childTnLst>
+                                </p:cTn>
+                              </p:par>
+                            </p:childTnLst>
+                          </p:cTn>
+                        </p:par>
+                      </p:childTnLst>
+                    </p:cTn>
+                  </p:par>
+                </p:childTnLst>
+              </p:cTn>
+              <p:prevCondLst>
+                <p:cond evt="onPrev" delay="0">
+                  <p:tgtEl>
+                    <p:sldTgt/>
+                  </p:tgtEl>
+                </p:cond>
+              </p:prevCondLst>
+              <p:nextCondLst>
+                <p:cond evt="onNext" delay="0">
+                  <p:tgtEl>
+                    <p:sldTgt/>
+                  </p:tgtEl>
+                </p:cond>
+              </p:nextCondLst>
+            </p:seq>
+          </p:childTnLst>
+        </p:cTn>
       </p:par>
     </p:tnLst>
   </p:timing>
@@ -26450,29 +21448,6 @@
           </a:p>
         </p:txBody>
       </p:sp>
-      <p:pic>
-        <p:nvPicPr>
-          <p:cNvPr id="13" name="그림 12"/>
-          <p:cNvPicPr/>
-          <p:nvPr/>
-        </p:nvPicPr>
-        <p:blipFill>
-          <a:blip r:embed="rId3"/>
-          <a:stretch>
-            <a:fillRect/>
-          </a:stretch>
-        </p:blipFill>
-        <p:spPr>
-          <a:xfrm>
-            <a:off x="2752167" y="1794197"/>
-            <a:ext cx="8830233" cy="4688149"/>
-          </a:xfrm>
-          <a:prstGeom prst="rect">
-            <a:avLst/>
-          </a:prstGeom>
-          <a:effectLst/>
-        </p:spPr>
-      </p:pic>
       <p:sp>
         <p:nvSpPr>
           <p:cNvPr id="14" name="TextBox 13"/>
@@ -26603,132 +21578,7 @@
   <p:timing>
     <p:tnLst>
       <p:par>
-        <p:cTn id="1" dur="indefinite" restart="never" nodeType="tmRoot">
-          <p:childTnLst>
-            <p:seq concurrent="1" nextAc="seek">
-              <p:cTn id="2" dur="indefinite" nodeType="mainSeq">
-                <p:childTnLst>
-                  <p:par>
-                    <p:cTn id="3" fill="hold">
-                      <p:stCondLst>
-                        <p:cond delay="indefinite"/>
-                        <p:cond evt="onBegin" delay="0">
-                          <p:tn val="2"/>
-                        </p:cond>
-                      </p:stCondLst>
-                      <p:childTnLst>
-                        <p:par>
-                          <p:cTn id="4" fill="hold">
-                            <p:stCondLst>
-                              <p:cond delay="0"/>
-                            </p:stCondLst>
-                            <p:childTnLst>
-                              <p:par>
-                                <p:cTn id="5" presetID="42" presetClass="entr" presetSubtype="0" fill="hold" nodeType="afterEffect">
-                                  <p:stCondLst>
-                                    <p:cond delay="0"/>
-                                  </p:stCondLst>
-                                  <p:childTnLst>
-                                    <p:set>
-                                      <p:cBhvr>
-                                        <p:cTn id="6" dur="1" fill="hold">
-                                          <p:stCondLst>
-                                            <p:cond delay="0"/>
-                                          </p:stCondLst>
-                                        </p:cTn>
-                                        <p:tgtEl>
-                                          <p:spTgt spid="13"/>
-                                        </p:tgtEl>
-                                        <p:attrNameLst>
-                                          <p:attrName>style.visibility</p:attrName>
-                                        </p:attrNameLst>
-                                      </p:cBhvr>
-                                      <p:to>
-                                        <p:strVal val="visible"/>
-                                      </p:to>
-                                    </p:set>
-                                    <p:animEffect transition="in" filter="fade">
-                                      <p:cBhvr>
-                                        <p:cTn id="7" dur="1000"/>
-                                        <p:tgtEl>
-                                          <p:spTgt spid="13"/>
-                                        </p:tgtEl>
-                                      </p:cBhvr>
-                                    </p:animEffect>
-                                    <p:anim calcmode="lin" valueType="num">
-                                      <p:cBhvr>
-                                        <p:cTn id="8" dur="1000" fill="hold"/>
-                                        <p:tgtEl>
-                                          <p:spTgt spid="13"/>
-                                        </p:tgtEl>
-                                        <p:attrNameLst>
-                                          <p:attrName>ppt_x</p:attrName>
-                                        </p:attrNameLst>
-                                      </p:cBhvr>
-                                      <p:tavLst>
-                                        <p:tav tm="0">
-                                          <p:val>
-                                            <p:strVal val="#ppt_x"/>
-                                          </p:val>
-                                        </p:tav>
-                                        <p:tav tm="100000">
-                                          <p:val>
-                                            <p:strVal val="#ppt_x"/>
-                                          </p:val>
-                                        </p:tav>
-                                      </p:tavLst>
-                                    </p:anim>
-                                    <p:anim calcmode="lin" valueType="num">
-                                      <p:cBhvr>
-                                        <p:cTn id="9" dur="1000" fill="hold"/>
-                                        <p:tgtEl>
-                                          <p:spTgt spid="13"/>
-                                        </p:tgtEl>
-                                        <p:attrNameLst>
-                                          <p:attrName>ppt_y</p:attrName>
-                                        </p:attrNameLst>
-                                      </p:cBhvr>
-                                      <p:tavLst>
-                                        <p:tav tm="0">
-                                          <p:val>
-                                            <p:strVal val="#ppt_y+.1"/>
-                                          </p:val>
-                                        </p:tav>
-                                        <p:tav tm="100000">
-                                          <p:val>
-                                            <p:strVal val="#ppt_y"/>
-                                          </p:val>
-                                        </p:tav>
-                                      </p:tavLst>
-                                    </p:anim>
-                                  </p:childTnLst>
-                                </p:cTn>
-                              </p:par>
-                            </p:childTnLst>
-                          </p:cTn>
-                        </p:par>
-                      </p:childTnLst>
-                    </p:cTn>
-                  </p:par>
-                </p:childTnLst>
-              </p:cTn>
-              <p:prevCondLst>
-                <p:cond evt="onPrev" delay="0">
-                  <p:tgtEl>
-                    <p:sldTgt/>
-                  </p:tgtEl>
-                </p:cond>
-              </p:prevCondLst>
-              <p:nextCondLst>
-                <p:cond evt="onNext" delay="0">
-                  <p:tgtEl>
-                    <p:sldTgt/>
-                  </p:tgtEl>
-                </p:cond>
-              </p:nextCondLst>
-            </p:seq>
-          </p:childTnLst>
-        </p:cTn>
+        <p:cTn id="1" dur="indefinite" restart="never" nodeType="tmRoot"/>
       </p:par>
     </p:tnLst>
   </p:timing>

--- a/Presentation/2uzuBook _1011.pptx
+++ b/Presentation/2uzuBook _1011.pptx
@@ -5,7 +5,7 @@
     <p:sldMasterId id="2147483648" r:id="rId1"/>
   </p:sldMasterIdLst>
   <p:notesMasterIdLst>
-    <p:notesMasterId r:id="rId20"/>
+    <p:notesMasterId r:id="rId23"/>
   </p:notesMasterIdLst>
   <p:sldIdLst>
     <p:sldId id="256" r:id="rId2"/>
@@ -24,8 +24,11 @@
     <p:sldId id="307" r:id="rId15"/>
     <p:sldId id="301" r:id="rId16"/>
     <p:sldId id="275" r:id="rId17"/>
-    <p:sldId id="312" r:id="rId18"/>
-    <p:sldId id="294" r:id="rId19"/>
+    <p:sldId id="315" r:id="rId18"/>
+    <p:sldId id="312" r:id="rId19"/>
+    <p:sldId id="313" r:id="rId20"/>
+    <p:sldId id="314" r:id="rId21"/>
+    <p:sldId id="294" r:id="rId22"/>
   </p:sldIdLst>
   <p:sldSz cx="12192000" cy="6858000"/>
   <p:notesSz cx="6858000" cy="9144000"/>
@@ -1433,7 +1436,489 @@
     </p:spTree>
     <p:extLst>
       <p:ext uri="{BB962C8B-B14F-4D97-AF65-F5344CB8AC3E}">
+        <p14:creationId xmlns:p14="http://schemas.microsoft.com/office/powerpoint/2010/main" val="1617589121"/>
+      </p:ext>
+    </p:extLst>
+  </p:cSld>
+  <p:clrMapOvr>
+    <a:masterClrMapping/>
+  </p:clrMapOvr>
+</p:notes>
+</file>
+
+<file path=ppt/notesSlides/notesSlide14.xml><?xml version="1.0" encoding="utf-8"?>
+<p:notes xmlns:a="http://schemas.openxmlformats.org/drawingml/2006/main" xmlns:r="http://schemas.openxmlformats.org/officeDocument/2006/relationships" xmlns:p="http://schemas.openxmlformats.org/presentationml/2006/main">
+  <p:cSld>
+    <p:spTree>
+      <p:nvGrpSpPr>
+        <p:cNvPr id="1" name=""/>
+        <p:cNvGrpSpPr/>
+        <p:nvPr/>
+      </p:nvGrpSpPr>
+      <p:grpSpPr>
+        <a:xfrm>
+          <a:off x="0" y="0"/>
+          <a:ext cx="0" cy="0"/>
+          <a:chOff x="0" y="0"/>
+          <a:chExt cx="0" cy="0"/>
+        </a:xfrm>
+      </p:grpSpPr>
+      <p:sp>
+        <p:nvSpPr>
+          <p:cNvPr id="2" name="슬라이드 이미지 개체 틀 1"/>
+          <p:cNvSpPr>
+            <a:spLocks noGrp="1" noRot="1" noChangeAspect="1"/>
+          </p:cNvSpPr>
+          <p:nvPr>
+            <p:ph type="sldImg"/>
+          </p:nvPr>
+        </p:nvSpPr>
+        <p:spPr/>
+      </p:sp>
+      <p:sp>
+        <p:nvSpPr>
+          <p:cNvPr id="3" name="슬라이드 노트 개체 틀 2"/>
+          <p:cNvSpPr>
+            <a:spLocks noGrp="1"/>
+          </p:cNvSpPr>
+          <p:nvPr>
+            <p:ph type="body" idx="1"/>
+          </p:nvPr>
+        </p:nvSpPr>
+        <p:spPr/>
+        <p:txBody>
+          <a:bodyPr/>
+          <a:lstStyle/>
+          <a:p>
+            <a:r>
+              <a:rPr lang="ko-KR" altLang="en-US" dirty="0" smtClean="0"/>
+              <a:t/>
+            </a:r>
+            <a:br>
+              <a:rPr lang="ko-KR" altLang="en-US" dirty="0" smtClean="0"/>
+            </a:br>
+            <a:r>
+              <a:rPr lang="en-US" altLang="ko-KR" sz="1200" b="0" i="0" kern="1200" dirty="0" smtClean="0">
+                <a:solidFill>
+                  <a:schemeClr val="tx1"/>
+                </a:solidFill>
+                <a:effectLst/>
+                <a:latin typeface="+mn-lt"/>
+                <a:ea typeface="+mn-ea"/>
+                <a:cs typeface="+mn-cs"/>
+              </a:rPr>
+              <a:t>12. </a:t>
+            </a:r>
+            <a:r>
+              <a:rPr lang="ko-KR" altLang="en-US" sz="1200" b="0" i="0" kern="1200" dirty="0" smtClean="0">
+                <a:solidFill>
+                  <a:schemeClr val="tx1"/>
+                </a:solidFill>
+                <a:effectLst/>
+                <a:latin typeface="+mn-lt"/>
+                <a:ea typeface="+mn-ea"/>
+                <a:cs typeface="+mn-cs"/>
+              </a:rPr>
+              <a:t>저희는 </a:t>
+            </a:r>
+            <a:r>
+              <a:rPr lang="en-US" altLang="ko-KR" sz="1200" b="0" i="0" kern="1200" dirty="0" smtClean="0">
+                <a:solidFill>
+                  <a:schemeClr val="tx1"/>
+                </a:solidFill>
+                <a:effectLst/>
+                <a:latin typeface="+mn-lt"/>
+                <a:ea typeface="+mn-ea"/>
+                <a:cs typeface="+mn-cs"/>
+              </a:rPr>
+              <a:t>WBS</a:t>
+            </a:r>
+            <a:r>
+              <a:rPr lang="ko-KR" altLang="en-US" sz="1200" b="0" i="0" kern="1200" dirty="0" smtClean="0">
+                <a:solidFill>
+                  <a:schemeClr val="tx1"/>
+                </a:solidFill>
+                <a:effectLst/>
+                <a:latin typeface="+mn-lt"/>
+                <a:ea typeface="+mn-ea"/>
+                <a:cs typeface="+mn-cs"/>
+              </a:rPr>
+              <a:t>를 엑셀로 작성하고 </a:t>
+            </a:r>
+            <a:r>
+              <a:rPr lang="ko-KR" altLang="en-US" sz="1200" b="0" i="0" kern="1200" dirty="0" err="1" smtClean="0">
+                <a:solidFill>
+                  <a:schemeClr val="tx1"/>
+                </a:solidFill>
+                <a:effectLst/>
+                <a:latin typeface="+mn-lt"/>
+                <a:ea typeface="+mn-ea"/>
+                <a:cs typeface="+mn-cs"/>
+              </a:rPr>
+              <a:t>간트</a:t>
+            </a:r>
+            <a:r>
+              <a:rPr lang="ko-KR" altLang="en-US" sz="1200" b="0" i="0" kern="1200" dirty="0" smtClean="0">
+                <a:solidFill>
+                  <a:schemeClr val="tx1"/>
+                </a:solidFill>
+                <a:effectLst/>
+                <a:latin typeface="+mn-lt"/>
+                <a:ea typeface="+mn-ea"/>
+                <a:cs typeface="+mn-cs"/>
+              </a:rPr>
+              <a:t> 차트를 그려서 일정 및 인원 조직을 하였습니다</a:t>
+            </a:r>
+            <a:r>
+              <a:rPr lang="en-US" altLang="ko-KR" sz="1200" b="0" i="0" kern="1200" dirty="0" smtClean="0">
+                <a:solidFill>
+                  <a:schemeClr val="tx1"/>
+                </a:solidFill>
+                <a:effectLst/>
+                <a:latin typeface="+mn-lt"/>
+                <a:ea typeface="+mn-ea"/>
+                <a:cs typeface="+mn-cs"/>
+              </a:rPr>
+              <a:t>.</a:t>
+            </a:r>
+            <a:endParaRPr lang="ko-KR" altLang="en-US" dirty="0"/>
+          </a:p>
+        </p:txBody>
+      </p:sp>
+      <p:sp>
+        <p:nvSpPr>
+          <p:cNvPr id="4" name="슬라이드 번호 개체 틀 3"/>
+          <p:cNvSpPr>
+            <a:spLocks noGrp="1"/>
+          </p:cNvSpPr>
+          <p:nvPr>
+            <p:ph type="sldNum" sz="quarter" idx="10"/>
+          </p:nvPr>
+        </p:nvSpPr>
+        <p:spPr/>
+        <p:txBody>
+          <a:bodyPr/>
+          <a:lstStyle/>
+          <a:p>
+            <a:fld id="{EEF45E8E-B871-465E-A211-1FB7C7D4BEA7}" type="slidenum">
+              <a:rPr lang="ko-KR" altLang="en-US" smtClean="0"/>
+              <a:t>18</a:t>
+            </a:fld>
+            <a:endParaRPr lang="ko-KR" altLang="en-US"/>
+          </a:p>
+        </p:txBody>
+      </p:sp>
+    </p:spTree>
+    <p:extLst>
+      <p:ext uri="{BB962C8B-B14F-4D97-AF65-F5344CB8AC3E}">
         <p14:creationId xmlns:p14="http://schemas.microsoft.com/office/powerpoint/2010/main" val="3764223207"/>
+      </p:ext>
+    </p:extLst>
+  </p:cSld>
+  <p:clrMapOvr>
+    <a:masterClrMapping/>
+  </p:clrMapOvr>
+</p:notes>
+</file>
+
+<file path=ppt/notesSlides/notesSlide15.xml><?xml version="1.0" encoding="utf-8"?>
+<p:notes xmlns:a="http://schemas.openxmlformats.org/drawingml/2006/main" xmlns:r="http://schemas.openxmlformats.org/officeDocument/2006/relationships" xmlns:p="http://schemas.openxmlformats.org/presentationml/2006/main">
+  <p:cSld>
+    <p:spTree>
+      <p:nvGrpSpPr>
+        <p:cNvPr id="1" name=""/>
+        <p:cNvGrpSpPr/>
+        <p:nvPr/>
+      </p:nvGrpSpPr>
+      <p:grpSpPr>
+        <a:xfrm>
+          <a:off x="0" y="0"/>
+          <a:ext cx="0" cy="0"/>
+          <a:chOff x="0" y="0"/>
+          <a:chExt cx="0" cy="0"/>
+        </a:xfrm>
+      </p:grpSpPr>
+      <p:sp>
+        <p:nvSpPr>
+          <p:cNvPr id="2" name="슬라이드 이미지 개체 틀 1"/>
+          <p:cNvSpPr>
+            <a:spLocks noGrp="1" noRot="1" noChangeAspect="1"/>
+          </p:cNvSpPr>
+          <p:nvPr>
+            <p:ph type="sldImg"/>
+          </p:nvPr>
+        </p:nvSpPr>
+        <p:spPr/>
+      </p:sp>
+      <p:sp>
+        <p:nvSpPr>
+          <p:cNvPr id="3" name="슬라이드 노트 개체 틀 2"/>
+          <p:cNvSpPr>
+            <a:spLocks noGrp="1"/>
+          </p:cNvSpPr>
+          <p:nvPr>
+            <p:ph type="body" idx="1"/>
+          </p:nvPr>
+        </p:nvSpPr>
+        <p:spPr/>
+        <p:txBody>
+          <a:bodyPr/>
+          <a:lstStyle/>
+          <a:p>
+            <a:r>
+              <a:rPr lang="ko-KR" altLang="en-US" dirty="0" smtClean="0"/>
+              <a:t/>
+            </a:r>
+            <a:br>
+              <a:rPr lang="ko-KR" altLang="en-US" dirty="0" smtClean="0"/>
+            </a:br>
+            <a:r>
+              <a:rPr lang="en-US" altLang="ko-KR" sz="1200" b="0" i="0" kern="1200" dirty="0" smtClean="0">
+                <a:solidFill>
+                  <a:schemeClr val="tx1"/>
+                </a:solidFill>
+                <a:effectLst/>
+                <a:latin typeface="+mn-lt"/>
+                <a:ea typeface="+mn-ea"/>
+                <a:cs typeface="+mn-cs"/>
+              </a:rPr>
+              <a:t>12. </a:t>
+            </a:r>
+            <a:r>
+              <a:rPr lang="ko-KR" altLang="en-US" sz="1200" b="0" i="0" kern="1200" dirty="0" smtClean="0">
+                <a:solidFill>
+                  <a:schemeClr val="tx1"/>
+                </a:solidFill>
+                <a:effectLst/>
+                <a:latin typeface="+mn-lt"/>
+                <a:ea typeface="+mn-ea"/>
+                <a:cs typeface="+mn-cs"/>
+              </a:rPr>
+              <a:t>저희는 </a:t>
+            </a:r>
+            <a:r>
+              <a:rPr lang="en-US" altLang="ko-KR" sz="1200" b="0" i="0" kern="1200" dirty="0" smtClean="0">
+                <a:solidFill>
+                  <a:schemeClr val="tx1"/>
+                </a:solidFill>
+                <a:effectLst/>
+                <a:latin typeface="+mn-lt"/>
+                <a:ea typeface="+mn-ea"/>
+                <a:cs typeface="+mn-cs"/>
+              </a:rPr>
+              <a:t>WBS</a:t>
+            </a:r>
+            <a:r>
+              <a:rPr lang="ko-KR" altLang="en-US" sz="1200" b="0" i="0" kern="1200" dirty="0" smtClean="0">
+                <a:solidFill>
+                  <a:schemeClr val="tx1"/>
+                </a:solidFill>
+                <a:effectLst/>
+                <a:latin typeface="+mn-lt"/>
+                <a:ea typeface="+mn-ea"/>
+                <a:cs typeface="+mn-cs"/>
+              </a:rPr>
+              <a:t>를 엑셀로 작성하고 </a:t>
+            </a:r>
+            <a:r>
+              <a:rPr lang="ko-KR" altLang="en-US" sz="1200" b="0" i="0" kern="1200" dirty="0" err="1" smtClean="0">
+                <a:solidFill>
+                  <a:schemeClr val="tx1"/>
+                </a:solidFill>
+                <a:effectLst/>
+                <a:latin typeface="+mn-lt"/>
+                <a:ea typeface="+mn-ea"/>
+                <a:cs typeface="+mn-cs"/>
+              </a:rPr>
+              <a:t>간트</a:t>
+            </a:r>
+            <a:r>
+              <a:rPr lang="ko-KR" altLang="en-US" sz="1200" b="0" i="0" kern="1200" dirty="0" smtClean="0">
+                <a:solidFill>
+                  <a:schemeClr val="tx1"/>
+                </a:solidFill>
+                <a:effectLst/>
+                <a:latin typeface="+mn-lt"/>
+                <a:ea typeface="+mn-ea"/>
+                <a:cs typeface="+mn-cs"/>
+              </a:rPr>
+              <a:t> 차트를 그려서 일정 및 인원 조직을 하였습니다</a:t>
+            </a:r>
+            <a:r>
+              <a:rPr lang="en-US" altLang="ko-KR" sz="1200" b="0" i="0" kern="1200" dirty="0" smtClean="0">
+                <a:solidFill>
+                  <a:schemeClr val="tx1"/>
+                </a:solidFill>
+                <a:effectLst/>
+                <a:latin typeface="+mn-lt"/>
+                <a:ea typeface="+mn-ea"/>
+                <a:cs typeface="+mn-cs"/>
+              </a:rPr>
+              <a:t>.</a:t>
+            </a:r>
+            <a:endParaRPr lang="ko-KR" altLang="en-US" dirty="0"/>
+          </a:p>
+        </p:txBody>
+      </p:sp>
+      <p:sp>
+        <p:nvSpPr>
+          <p:cNvPr id="4" name="슬라이드 번호 개체 틀 3"/>
+          <p:cNvSpPr>
+            <a:spLocks noGrp="1"/>
+          </p:cNvSpPr>
+          <p:nvPr>
+            <p:ph type="sldNum" sz="quarter" idx="10"/>
+          </p:nvPr>
+        </p:nvSpPr>
+        <p:spPr/>
+        <p:txBody>
+          <a:bodyPr/>
+          <a:lstStyle/>
+          <a:p>
+            <a:fld id="{EEF45E8E-B871-465E-A211-1FB7C7D4BEA7}" type="slidenum">
+              <a:rPr lang="ko-KR" altLang="en-US" smtClean="0"/>
+              <a:t>19</a:t>
+            </a:fld>
+            <a:endParaRPr lang="ko-KR" altLang="en-US"/>
+          </a:p>
+        </p:txBody>
+      </p:sp>
+    </p:spTree>
+    <p:extLst>
+      <p:ext uri="{BB962C8B-B14F-4D97-AF65-F5344CB8AC3E}">
+        <p14:creationId xmlns:p14="http://schemas.microsoft.com/office/powerpoint/2010/main" val="3704898044"/>
+      </p:ext>
+    </p:extLst>
+  </p:cSld>
+  <p:clrMapOvr>
+    <a:masterClrMapping/>
+  </p:clrMapOvr>
+</p:notes>
+</file>
+
+<file path=ppt/notesSlides/notesSlide16.xml><?xml version="1.0" encoding="utf-8"?>
+<p:notes xmlns:a="http://schemas.openxmlformats.org/drawingml/2006/main" xmlns:r="http://schemas.openxmlformats.org/officeDocument/2006/relationships" xmlns:p="http://schemas.openxmlformats.org/presentationml/2006/main">
+  <p:cSld>
+    <p:spTree>
+      <p:nvGrpSpPr>
+        <p:cNvPr id="1" name=""/>
+        <p:cNvGrpSpPr/>
+        <p:nvPr/>
+      </p:nvGrpSpPr>
+      <p:grpSpPr>
+        <a:xfrm>
+          <a:off x="0" y="0"/>
+          <a:ext cx="0" cy="0"/>
+          <a:chOff x="0" y="0"/>
+          <a:chExt cx="0" cy="0"/>
+        </a:xfrm>
+      </p:grpSpPr>
+      <p:sp>
+        <p:nvSpPr>
+          <p:cNvPr id="2" name="슬라이드 이미지 개체 틀 1"/>
+          <p:cNvSpPr>
+            <a:spLocks noGrp="1" noRot="1" noChangeAspect="1"/>
+          </p:cNvSpPr>
+          <p:nvPr>
+            <p:ph type="sldImg"/>
+          </p:nvPr>
+        </p:nvSpPr>
+        <p:spPr/>
+      </p:sp>
+      <p:sp>
+        <p:nvSpPr>
+          <p:cNvPr id="3" name="슬라이드 노트 개체 틀 2"/>
+          <p:cNvSpPr>
+            <a:spLocks noGrp="1"/>
+          </p:cNvSpPr>
+          <p:nvPr>
+            <p:ph type="body" idx="1"/>
+          </p:nvPr>
+        </p:nvSpPr>
+        <p:spPr/>
+        <p:txBody>
+          <a:bodyPr/>
+          <a:lstStyle/>
+          <a:p>
+            <a:r>
+              <a:rPr lang="ko-KR" altLang="en-US" dirty="0" err="1" smtClean="0"/>
+              <a:t>윤정현</a:t>
+            </a:r>
+            <a:r>
+              <a:rPr lang="ko-KR" altLang="en-US" dirty="0" smtClean="0"/>
+              <a:t> </a:t>
+            </a:r>
+            <a:r>
+              <a:rPr lang="en-US" altLang="ko-KR" dirty="0" smtClean="0"/>
+              <a:t>: 4</a:t>
+            </a:r>
+            <a:r>
+              <a:rPr lang="ko-KR" altLang="en-US" dirty="0" err="1" smtClean="0"/>
+              <a:t>명이서</a:t>
+            </a:r>
+            <a:r>
+              <a:rPr lang="ko-KR" altLang="en-US" dirty="0" smtClean="0"/>
+              <a:t> 다 처음 접하는 웹프로젝트를</a:t>
+            </a:r>
+            <a:r>
+              <a:rPr lang="ko-KR" altLang="en-US" baseline="0" dirty="0" smtClean="0"/>
+              <a:t> </a:t>
+            </a:r>
+            <a:r>
+              <a:rPr lang="ko-KR" altLang="en-US" baseline="0" dirty="0" err="1" smtClean="0"/>
+              <a:t>하다보니</a:t>
+            </a:r>
+            <a:r>
+              <a:rPr lang="ko-KR" altLang="en-US" baseline="0" dirty="0" smtClean="0"/>
+              <a:t> 서로 미숙한 부분이 많았고 서로 많이 안 맞았지만 교장선생님을 위하여 </a:t>
+            </a:r>
+            <a:endParaRPr lang="en-US" altLang="ko-KR" baseline="0" dirty="0" smtClean="0"/>
+          </a:p>
+          <a:p>
+            <a:endParaRPr lang="en-US" altLang="ko-KR" baseline="0" dirty="0" smtClean="0"/>
+          </a:p>
+          <a:p>
+            <a:endParaRPr lang="en-US" altLang="ko-KR" baseline="0" dirty="0" smtClean="0"/>
+          </a:p>
+          <a:p>
+            <a:r>
+              <a:rPr lang="ko-KR" altLang="en-US" baseline="0" dirty="0" smtClean="0"/>
+              <a:t>박규리</a:t>
+            </a:r>
+            <a:r>
+              <a:rPr lang="en-US" altLang="ko-KR" baseline="0" dirty="0" smtClean="0"/>
+              <a:t>:</a:t>
+            </a:r>
+          </a:p>
+        </p:txBody>
+      </p:sp>
+      <p:sp>
+        <p:nvSpPr>
+          <p:cNvPr id="4" name="슬라이드 번호 개체 틀 3"/>
+          <p:cNvSpPr>
+            <a:spLocks noGrp="1"/>
+          </p:cNvSpPr>
+          <p:nvPr>
+            <p:ph type="sldNum" sz="quarter" idx="10"/>
+          </p:nvPr>
+        </p:nvSpPr>
+        <p:spPr/>
+        <p:txBody>
+          <a:bodyPr/>
+          <a:lstStyle/>
+          <a:p>
+            <a:fld id="{EEF45E8E-B871-465E-A211-1FB7C7D4BEA7}" type="slidenum">
+              <a:rPr lang="ko-KR" altLang="en-US" smtClean="0"/>
+              <a:t>20</a:t>
+            </a:fld>
+            <a:endParaRPr lang="ko-KR" altLang="en-US"/>
+          </a:p>
+        </p:txBody>
+      </p:sp>
+    </p:spTree>
+    <p:extLst>
+      <p:ext uri="{BB962C8B-B14F-4D97-AF65-F5344CB8AC3E}">
+        <p14:creationId xmlns:p14="http://schemas.microsoft.com/office/powerpoint/2010/main" val="44374482"/>
       </p:ext>
     </p:extLst>
   </p:cSld>
@@ -14517,9 +15002,9 @@
       </p:sp>
       <p:pic>
         <p:nvPicPr>
-          <p:cNvPr id="1028" name="Picture 4" descr="https://scontent-icn1-1.xx.fbcdn.net/v/t35.0-12/17901778_1935775050042693_495596790_o.png?oh=34897255a4fde6fbfdf23a39aa33457a&amp;oe=58ED822F"/>
+          <p:cNvPr id="3" name="그림 2"/>
           <p:cNvPicPr>
-            <a:picLocks noChangeAspect="1" noChangeArrowheads="1"/>
+            <a:picLocks noChangeAspect="1"/>
           </p:cNvPicPr>
           <p:nvPr/>
         </p:nvPicPr>
@@ -14531,29 +15016,18 @@
               </a:ext>
             </a:extLst>
           </a:blip>
-          <a:srcRect/>
           <a:stretch>
             <a:fillRect/>
           </a:stretch>
         </p:blipFill>
-        <p:spPr bwMode="auto">
+        <p:spPr>
           <a:xfrm>
-            <a:off x="2752167" y="1727045"/>
-            <a:ext cx="8359657" cy="4521998"/>
+            <a:off x="2752167" y="1551508"/>
+            <a:ext cx="9094840" cy="4909582"/>
           </a:xfrm>
           <a:prstGeom prst="rect">
             <a:avLst/>
           </a:prstGeom>
-          <a:noFill/>
-          <a:extLst>
-            <a:ext uri="{909E8E84-426E-40DD-AFC4-6F175D3DCCD1}">
-              <a14:hiddenFill xmlns:a14="http://schemas.microsoft.com/office/drawing/2010/main">
-                <a:solidFill>
-                  <a:srgbClr val="FFFFFF"/>
-                </a:solidFill>
-              </a14:hiddenFill>
-            </a:ext>
-          </a:extLst>
         </p:spPr>
       </p:pic>
     </p:spTree>
@@ -15515,7 +15989,7 @@
                 <a:latin typeface="Noto Sans CJK KR Medium" panose="020B0600000000000000" pitchFamily="34" charset="-127"/>
                 <a:ea typeface="Noto Sans CJK KR Medium" panose="020B0600000000000000" pitchFamily="34" charset="-127"/>
               </a:rPr>
-              <a:t>16</a:t>
+              <a:t>16-1</a:t>
             </a:r>
             <a:endParaRPr lang="en-US" altLang="ko-KR" sz="2400" dirty="0" smtClean="0">
               <a:latin typeface="Noto Sans CJK KR Medium" panose="020B0600000000000000" pitchFamily="34" charset="-127"/>
@@ -15890,6 +16364,721 @@
       </p:sp>
       <p:pic>
         <p:nvPicPr>
+          <p:cNvPr id="3" name="그림 2"/>
+          <p:cNvPicPr>
+            <a:picLocks noChangeAspect="1"/>
+          </p:cNvPicPr>
+          <p:nvPr/>
+        </p:nvPicPr>
+        <p:blipFill>
+          <a:blip r:embed="rId3">
+            <a:extLst>
+              <a:ext uri="{28A0092B-C50C-407E-A947-70E740481C1C}">
+                <a14:useLocalDpi xmlns:a14="http://schemas.microsoft.com/office/drawing/2010/main" val="0"/>
+              </a:ext>
+            </a:extLst>
+          </a:blip>
+          <a:stretch>
+            <a:fillRect/>
+          </a:stretch>
+        </p:blipFill>
+        <p:spPr>
+          <a:xfrm>
+            <a:off x="7846142" y="62835"/>
+            <a:ext cx="3795252" cy="6474443"/>
+          </a:xfrm>
+          <a:prstGeom prst="rect">
+            <a:avLst/>
+          </a:prstGeom>
+        </p:spPr>
+      </p:pic>
+      <p:sp>
+        <p:nvSpPr>
+          <p:cNvPr id="11" name="TextBox 10"/>
+          <p:cNvSpPr txBox="1"/>
+          <p:nvPr/>
+        </p:nvSpPr>
+        <p:spPr>
+          <a:xfrm>
+            <a:off x="2969342" y="3295418"/>
+            <a:ext cx="3510116" cy="369332"/>
+          </a:xfrm>
+          <a:prstGeom prst="rect">
+            <a:avLst/>
+          </a:prstGeom>
+          <a:noFill/>
+        </p:spPr>
+        <p:txBody>
+          <a:bodyPr wrap="square" rtlCol="0">
+            <a:spAutoFit/>
+          </a:bodyPr>
+          <a:lstStyle/>
+          <a:p>
+            <a:r>
+              <a:rPr lang="ko-KR" altLang="en-US" dirty="0" smtClean="0"/>
+              <a:t>페이지 </a:t>
+            </a:r>
+            <a:r>
+              <a:rPr lang="en-US" altLang="ko-KR" dirty="0" smtClean="0"/>
+              <a:t>-&gt; </a:t>
+            </a:r>
+            <a:r>
+              <a:rPr lang="en-US" altLang="ko-KR" dirty="0" err="1" smtClean="0"/>
+              <a:t>Servelt</a:t>
+            </a:r>
+            <a:r>
+              <a:rPr lang="en-US" altLang="ko-KR" dirty="0" smtClean="0"/>
+              <a:t> -&gt; </a:t>
+            </a:r>
+            <a:r>
+              <a:rPr lang="en-US" altLang="ko-KR" dirty="0" err="1" smtClean="0"/>
+              <a:t>Databaes</a:t>
+            </a:r>
+            <a:endParaRPr lang="ko-KR" altLang="en-US" dirty="0"/>
+          </a:p>
+        </p:txBody>
+      </p:sp>
+    </p:spTree>
+    <p:extLst>
+      <p:ext uri="{BB962C8B-B14F-4D97-AF65-F5344CB8AC3E}">
+        <p14:creationId xmlns:p14="http://schemas.microsoft.com/office/powerpoint/2010/main" val="477550634"/>
+      </p:ext>
+    </p:extLst>
+  </p:cSld>
+  <p:clrMapOvr>
+    <a:masterClrMapping/>
+  </p:clrMapOvr>
+  <p:timing>
+    <p:tnLst>
+      <p:par>
+        <p:cTn id="1" dur="indefinite" restart="never" nodeType="tmRoot"/>
+      </p:par>
+    </p:tnLst>
+  </p:timing>
+</p:sld>
+</file>
+
+<file path=ppt/slides/slide18.xml><?xml version="1.0" encoding="utf-8"?>
+<p:sld xmlns:a="http://schemas.openxmlformats.org/drawingml/2006/main" xmlns:r="http://schemas.openxmlformats.org/officeDocument/2006/relationships" xmlns:p="http://schemas.openxmlformats.org/presentationml/2006/main">
+  <p:cSld>
+    <p:spTree>
+      <p:nvGrpSpPr>
+        <p:cNvPr id="1" name=""/>
+        <p:cNvGrpSpPr/>
+        <p:nvPr/>
+      </p:nvGrpSpPr>
+      <p:grpSpPr>
+        <a:xfrm>
+          <a:off x="0" y="0"/>
+          <a:ext cx="0" cy="0"/>
+          <a:chOff x="0" y="0"/>
+          <a:chExt cx="0" cy="0"/>
+        </a:xfrm>
+      </p:grpSpPr>
+      <p:sp>
+        <p:nvSpPr>
+          <p:cNvPr id="2" name="제목 1" hidden="1"/>
+          <p:cNvSpPr>
+            <a:spLocks noGrp="1"/>
+          </p:cNvSpPr>
+          <p:nvPr>
+            <p:ph type="title"/>
+          </p:nvPr>
+        </p:nvSpPr>
+        <p:spPr/>
+        <p:txBody>
+          <a:bodyPr/>
+          <a:lstStyle/>
+          <a:p>
+            <a:r>
+              <a:rPr lang="ko-KR" altLang="en-US" dirty="0" err="1"/>
+              <a:t>ㅋ</a:t>
+            </a:r>
+            <a:endParaRPr lang="ko-KR" altLang="en-US" dirty="0"/>
+          </a:p>
+        </p:txBody>
+      </p:sp>
+      <p:cxnSp>
+        <p:nvCxnSpPr>
+          <p:cNvPr id="5" name="직선 연결선 4"/>
+          <p:cNvCxnSpPr/>
+          <p:nvPr/>
+        </p:nvCxnSpPr>
+        <p:spPr>
+          <a:xfrm>
+            <a:off x="463854" y="555894"/>
+            <a:ext cx="560439" cy="0"/>
+          </a:xfrm>
+          <a:prstGeom prst="line">
+            <a:avLst/>
+          </a:prstGeom>
+          <a:ln>
+            <a:solidFill>
+              <a:schemeClr val="bg1"/>
+            </a:solidFill>
+          </a:ln>
+        </p:spPr>
+        <p:style>
+          <a:lnRef idx="1">
+            <a:schemeClr val="accent1"/>
+          </a:lnRef>
+          <a:fillRef idx="0">
+            <a:schemeClr val="accent1"/>
+          </a:fillRef>
+          <a:effectRef idx="0">
+            <a:schemeClr val="accent1"/>
+          </a:effectRef>
+          <a:fontRef idx="minor">
+            <a:schemeClr val="tx1"/>
+          </a:fontRef>
+        </p:style>
+      </p:cxnSp>
+      <p:cxnSp>
+        <p:nvCxnSpPr>
+          <p:cNvPr id="6" name="직선 연결선 5"/>
+          <p:cNvCxnSpPr/>
+          <p:nvPr/>
+        </p:nvCxnSpPr>
+        <p:spPr>
+          <a:xfrm>
+            <a:off x="486696" y="2257425"/>
+            <a:ext cx="560439" cy="0"/>
+          </a:xfrm>
+          <a:prstGeom prst="line">
+            <a:avLst/>
+          </a:prstGeom>
+          <a:ln>
+            <a:solidFill>
+              <a:schemeClr val="bg1"/>
+            </a:solidFill>
+          </a:ln>
+        </p:spPr>
+        <p:style>
+          <a:lnRef idx="1">
+            <a:schemeClr val="accent1"/>
+          </a:lnRef>
+          <a:fillRef idx="0">
+            <a:schemeClr val="accent1"/>
+          </a:fillRef>
+          <a:effectRef idx="0">
+            <a:schemeClr val="accent1"/>
+          </a:effectRef>
+          <a:fontRef idx="minor">
+            <a:schemeClr val="tx1"/>
+          </a:fontRef>
+        </p:style>
+      </p:cxnSp>
+      <p:sp>
+        <p:nvSpPr>
+          <p:cNvPr id="7" name="TextBox 6"/>
+          <p:cNvSpPr txBox="1"/>
+          <p:nvPr/>
+        </p:nvSpPr>
+        <p:spPr>
+          <a:xfrm>
+            <a:off x="353419" y="796300"/>
+            <a:ext cx="1557774" cy="1461125"/>
+          </a:xfrm>
+          <a:prstGeom prst="rect">
+            <a:avLst/>
+          </a:prstGeom>
+        </p:spPr>
+        <p:txBody>
+          <a:bodyPr vert="horz" lIns="91440" tIns="45720" rIns="91440" bIns="45720" rtlCol="0">
+            <a:noAutofit/>
+          </a:bodyPr>
+          <a:lstStyle>
+            <a:defPPr>
+              <a:defRPr lang="ko-KR"/>
+            </a:defPPr>
+            <a:lvl1pPr indent="0">
+              <a:lnSpc>
+                <a:spcPct val="100000"/>
+              </a:lnSpc>
+              <a:spcBef>
+                <a:spcPts val="1000"/>
+              </a:spcBef>
+              <a:buFont typeface="Arial" panose="020B0604020202020204" pitchFamily="34" charset="0"/>
+              <a:buNone/>
+              <a:defRPr sz="1100">
+                <a:ln>
+                  <a:solidFill>
+                    <a:schemeClr val="accent1">
+                      <a:alpha val="0"/>
+                    </a:schemeClr>
+                  </a:solidFill>
+                </a:ln>
+                <a:solidFill>
+                  <a:schemeClr val="bg1"/>
+                </a:solidFill>
+                <a:latin typeface="-윤고딕330" panose="02030504000101010101" pitchFamily="18" charset="-127"/>
+                <a:ea typeface="-윤고딕330" panose="02030504000101010101" pitchFamily="18" charset="-127"/>
+              </a:defRPr>
+            </a:lvl1pPr>
+            <a:lvl2pPr marL="685800" indent="-228600">
+              <a:lnSpc>
+                <a:spcPct val="90000"/>
+              </a:lnSpc>
+              <a:spcBef>
+                <a:spcPts val="500"/>
+              </a:spcBef>
+              <a:buFont typeface="Arial" panose="020B0604020202020204" pitchFamily="34" charset="0"/>
+              <a:buChar char="•"/>
+              <a:defRPr sz="2400"/>
+            </a:lvl2pPr>
+            <a:lvl3pPr marL="1143000" indent="-228600">
+              <a:lnSpc>
+                <a:spcPct val="90000"/>
+              </a:lnSpc>
+              <a:spcBef>
+                <a:spcPts val="500"/>
+              </a:spcBef>
+              <a:buFont typeface="Arial" panose="020B0604020202020204" pitchFamily="34" charset="0"/>
+              <a:buChar char="•"/>
+              <a:defRPr sz="2000"/>
+            </a:lvl3pPr>
+            <a:lvl4pPr marL="1600200" indent="-228600">
+              <a:lnSpc>
+                <a:spcPct val="90000"/>
+              </a:lnSpc>
+              <a:spcBef>
+                <a:spcPts val="500"/>
+              </a:spcBef>
+              <a:buFont typeface="Arial" panose="020B0604020202020204" pitchFamily="34" charset="0"/>
+              <a:buChar char="•"/>
+            </a:lvl4pPr>
+            <a:lvl5pPr marL="2057400" indent="-228600">
+              <a:lnSpc>
+                <a:spcPct val="90000"/>
+              </a:lnSpc>
+              <a:spcBef>
+                <a:spcPts val="500"/>
+              </a:spcBef>
+              <a:buFont typeface="Arial" panose="020B0604020202020204" pitchFamily="34" charset="0"/>
+              <a:buChar char="•"/>
+            </a:lvl5pPr>
+            <a:lvl6pPr marL="2514600" indent="-228600">
+              <a:lnSpc>
+                <a:spcPct val="90000"/>
+              </a:lnSpc>
+              <a:spcBef>
+                <a:spcPts val="500"/>
+              </a:spcBef>
+              <a:buFont typeface="Arial" panose="020B0604020202020204" pitchFamily="34" charset="0"/>
+              <a:buChar char="•"/>
+            </a:lvl6pPr>
+            <a:lvl7pPr marL="2971800" indent="-228600">
+              <a:lnSpc>
+                <a:spcPct val="90000"/>
+              </a:lnSpc>
+              <a:spcBef>
+                <a:spcPts val="500"/>
+              </a:spcBef>
+              <a:buFont typeface="Arial" panose="020B0604020202020204" pitchFamily="34" charset="0"/>
+              <a:buChar char="•"/>
+            </a:lvl7pPr>
+            <a:lvl8pPr marL="3429000" indent="-228600">
+              <a:lnSpc>
+                <a:spcPct val="90000"/>
+              </a:lnSpc>
+              <a:spcBef>
+                <a:spcPts val="500"/>
+              </a:spcBef>
+              <a:buFont typeface="Arial" panose="020B0604020202020204" pitchFamily="34" charset="0"/>
+              <a:buChar char="•"/>
+            </a:lvl8pPr>
+            <a:lvl9pPr marL="3886200" indent="-228600">
+              <a:lnSpc>
+                <a:spcPct val="90000"/>
+              </a:lnSpc>
+              <a:spcBef>
+                <a:spcPts val="500"/>
+              </a:spcBef>
+              <a:buFont typeface="Arial" panose="020B0604020202020204" pitchFamily="34" charset="0"/>
+              <a:buChar char="•"/>
+            </a:lvl9pPr>
+          </a:lstStyle>
+          <a:p>
+            <a:r>
+              <a:rPr lang="en-US" altLang="ko-KR" sz="2400" dirty="0" smtClean="0">
+                <a:latin typeface="Noto Sans CJK KR Medium" panose="020B0600000000000000" pitchFamily="34" charset="-127"/>
+                <a:ea typeface="Noto Sans CJK KR Medium" panose="020B0600000000000000" pitchFamily="34" charset="-127"/>
+              </a:rPr>
+              <a:t>16-2</a:t>
+            </a:r>
+            <a:endParaRPr lang="en-US" altLang="ko-KR" sz="2400" dirty="0" smtClean="0">
+              <a:latin typeface="Noto Sans CJK KR Medium" panose="020B0600000000000000" pitchFamily="34" charset="-127"/>
+              <a:ea typeface="Noto Sans CJK KR Medium" panose="020B0600000000000000" pitchFamily="34" charset="-127"/>
+            </a:endParaRPr>
+          </a:p>
+          <a:p>
+            <a:r>
+              <a:rPr lang="ko-KR" altLang="en-US" sz="2400" dirty="0" smtClean="0">
+                <a:latin typeface="Noto Sans CJK KR Medium" panose="020B0600000000000000" pitchFamily="34" charset="-127"/>
+                <a:ea typeface="Noto Sans CJK KR Medium" panose="020B0600000000000000" pitchFamily="34" charset="-127"/>
+              </a:rPr>
+              <a:t>시퀀스 다이어그램</a:t>
+            </a:r>
+            <a:endParaRPr lang="en-US" altLang="ko-KR" sz="2400" dirty="0">
+              <a:latin typeface="Noto Sans CJK KR Medium" panose="020B0600000000000000" pitchFamily="34" charset="-127"/>
+              <a:ea typeface="Noto Sans CJK KR Medium" panose="020B0600000000000000" pitchFamily="34" charset="-127"/>
+            </a:endParaRPr>
+          </a:p>
+        </p:txBody>
+      </p:sp>
+      <p:sp>
+        <p:nvSpPr>
+          <p:cNvPr id="9" name="직사각형 8"/>
+          <p:cNvSpPr/>
+          <p:nvPr/>
+        </p:nvSpPr>
+        <p:spPr>
+          <a:xfrm>
+            <a:off x="2752166" y="1089843"/>
+            <a:ext cx="4936660" cy="461665"/>
+          </a:xfrm>
+          <a:prstGeom prst="rect">
+            <a:avLst/>
+          </a:prstGeom>
+        </p:spPr>
+        <p:txBody>
+          <a:bodyPr wrap="square">
+            <a:spAutoFit/>
+          </a:bodyPr>
+          <a:lstStyle/>
+          <a:p>
+            <a:pPr>
+              <a:spcBef>
+                <a:spcPts val="1000"/>
+              </a:spcBef>
+            </a:pPr>
+            <a:r>
+              <a:rPr lang="ko-KR" altLang="en-US" sz="2400" spc="-150" smtClean="0">
+                <a:ln>
+                  <a:solidFill>
+                    <a:schemeClr val="accent1">
+                      <a:alpha val="0"/>
+                    </a:schemeClr>
+                  </a:solidFill>
+                </a:ln>
+                <a:solidFill>
+                  <a:srgbClr val="282421"/>
+                </a:solidFill>
+                <a:latin typeface="Noto Sans CJK KR Medium" panose="020B0600000000000000" pitchFamily="34" charset="-127"/>
+                <a:ea typeface="Noto Sans CJK KR Medium" panose="020B0600000000000000" pitchFamily="34" charset="-127"/>
+              </a:rPr>
+              <a:t>시퀀스 다이어그램</a:t>
+            </a:r>
+            <a:endParaRPr lang="en-US" altLang="ko-KR" sz="2400" spc="-150" dirty="0">
+              <a:ln>
+                <a:solidFill>
+                  <a:schemeClr val="accent1">
+                    <a:alpha val="0"/>
+                  </a:schemeClr>
+                </a:solidFill>
+              </a:ln>
+              <a:solidFill>
+                <a:srgbClr val="282421"/>
+              </a:solidFill>
+              <a:latin typeface="Noto Sans CJK KR Medium" panose="020B0600000000000000" pitchFamily="34" charset="-127"/>
+              <a:ea typeface="Noto Sans CJK KR Medium" panose="020B0600000000000000" pitchFamily="34" charset="-127"/>
+            </a:endParaRPr>
+          </a:p>
+        </p:txBody>
+      </p:sp>
+      <p:sp>
+        <p:nvSpPr>
+          <p:cNvPr id="24" name="직사각형 23"/>
+          <p:cNvSpPr/>
+          <p:nvPr/>
+        </p:nvSpPr>
+        <p:spPr>
+          <a:xfrm>
+            <a:off x="9291319" y="6537278"/>
+            <a:ext cx="2900681" cy="320722"/>
+          </a:xfrm>
+          <a:prstGeom prst="rect">
+            <a:avLst/>
+          </a:prstGeom>
+          <a:solidFill>
+            <a:schemeClr val="bg1"/>
+          </a:solidFill>
+          <a:ln>
+            <a:solidFill>
+              <a:schemeClr val="bg1"/>
+            </a:solidFill>
+          </a:ln>
+        </p:spPr>
+        <p:style>
+          <a:lnRef idx="2">
+            <a:schemeClr val="accent1">
+              <a:shade val="50000"/>
+            </a:schemeClr>
+          </a:lnRef>
+          <a:fillRef idx="1">
+            <a:schemeClr val="accent1"/>
+          </a:fillRef>
+          <a:effectRef idx="0">
+            <a:schemeClr val="accent1"/>
+          </a:effectRef>
+          <a:fontRef idx="minor">
+            <a:schemeClr val="lt1"/>
+          </a:fontRef>
+        </p:style>
+        <p:txBody>
+          <a:bodyPr rtlCol="0" anchor="ctr"/>
+          <a:lstStyle/>
+          <a:p>
+            <a:pPr algn="ctr"/>
+            <a:endParaRPr lang="ko-KR" altLang="en-US"/>
+          </a:p>
+        </p:txBody>
+      </p:sp>
+      <p:sp>
+        <p:nvSpPr>
+          <p:cNvPr id="4" name="Rectangle 2"/>
+          <p:cNvSpPr>
+            <a:spLocks noChangeArrowheads="1"/>
+          </p:cNvSpPr>
+          <p:nvPr/>
+        </p:nvSpPr>
+        <p:spPr bwMode="auto">
+          <a:xfrm>
+            <a:off x="0" y="0"/>
+            <a:ext cx="12192000" cy="457200"/>
+          </a:xfrm>
+          <a:prstGeom prst="rect">
+            <a:avLst/>
+          </a:prstGeom>
+          <a:noFill/>
+          <a:ln>
+            <a:noFill/>
+          </a:ln>
+          <a:effectLst/>
+          <a:extLst>
+            <a:ext uri="{909E8E84-426E-40DD-AFC4-6F175D3DCCD1}">
+              <a14:hiddenFill xmlns:a14="http://schemas.microsoft.com/office/drawing/2010/main">
+                <a:solidFill>
+                  <a:schemeClr val="accent1"/>
+                </a:solidFill>
+              </a14:hiddenFill>
+            </a:ext>
+            <a:ext uri="{91240B29-F687-4F45-9708-019B960494DF}">
+              <a14:hiddenLine xmlns:a14="http://schemas.microsoft.com/office/drawing/2010/main" w="9525">
+                <a:solidFill>
+                  <a:schemeClr val="tx1"/>
+                </a:solidFill>
+                <a:miter lim="800000"/>
+                <a:headEnd/>
+                <a:tailEnd/>
+              </a14:hiddenLine>
+            </a:ext>
+            <a:ext uri="{AF507438-7753-43E0-B8FC-AC1667EBCBE1}">
+              <a14:hiddenEffects xmlns:a14="http://schemas.microsoft.com/office/drawing/2010/main">
+                <a:effectLst>
+                  <a:outerShdw dist="35921" dir="2700000" algn="ctr" rotWithShape="0">
+                    <a:schemeClr val="bg2"/>
+                  </a:outerShdw>
+                </a:effectLst>
+              </a14:hiddenEffects>
+            </a:ext>
+          </a:extLst>
+        </p:spPr>
+        <p:txBody>
+          <a:bodyPr vert="horz" wrap="none" lIns="91440" tIns="45720" rIns="91440" bIns="45720" numCol="1" anchor="ctr" anchorCtr="0" compatLnSpc="1">
+            <a:prstTxWarp prst="textNoShape">
+              <a:avLst/>
+            </a:prstTxWarp>
+            <a:spAutoFit/>
+          </a:bodyPr>
+          <a:lstStyle/>
+          <a:p>
+            <a:endParaRPr lang="ko-KR" altLang="en-US"/>
+          </a:p>
+        </p:txBody>
+      </p:sp>
+      <p:sp>
+        <p:nvSpPr>
+          <p:cNvPr id="10" name="Rectangle 4"/>
+          <p:cNvSpPr>
+            <a:spLocks noChangeArrowheads="1"/>
+          </p:cNvSpPr>
+          <p:nvPr/>
+        </p:nvSpPr>
+        <p:spPr bwMode="auto">
+          <a:xfrm>
+            <a:off x="0" y="0"/>
+            <a:ext cx="12192000" cy="457200"/>
+          </a:xfrm>
+          <a:prstGeom prst="rect">
+            <a:avLst/>
+          </a:prstGeom>
+          <a:noFill/>
+          <a:ln>
+            <a:noFill/>
+          </a:ln>
+          <a:effectLst/>
+          <a:extLst>
+            <a:ext uri="{909E8E84-426E-40DD-AFC4-6F175D3DCCD1}">
+              <a14:hiddenFill xmlns:a14="http://schemas.microsoft.com/office/drawing/2010/main">
+                <a:solidFill>
+                  <a:schemeClr val="accent1"/>
+                </a:solidFill>
+              </a14:hiddenFill>
+            </a:ext>
+            <a:ext uri="{91240B29-F687-4F45-9708-019B960494DF}">
+              <a14:hiddenLine xmlns:a14="http://schemas.microsoft.com/office/drawing/2010/main" w="9525">
+                <a:solidFill>
+                  <a:schemeClr val="tx1"/>
+                </a:solidFill>
+                <a:miter lim="800000"/>
+                <a:headEnd/>
+                <a:tailEnd/>
+              </a14:hiddenLine>
+            </a:ext>
+            <a:ext uri="{AF507438-7753-43E0-B8FC-AC1667EBCBE1}">
+              <a14:hiddenEffects xmlns:a14="http://schemas.microsoft.com/office/drawing/2010/main">
+                <a:effectLst>
+                  <a:outerShdw dist="35921" dir="2700000" algn="ctr" rotWithShape="0">
+                    <a:schemeClr val="bg2"/>
+                  </a:outerShdw>
+                </a:effectLst>
+              </a14:hiddenEffects>
+            </a:ext>
+          </a:extLst>
+        </p:spPr>
+        <p:txBody>
+          <a:bodyPr vert="horz" wrap="none" lIns="91440" tIns="45720" rIns="91440" bIns="45720" numCol="1" anchor="ctr" anchorCtr="0" compatLnSpc="1">
+            <a:prstTxWarp prst="textNoShape">
+              <a:avLst/>
+            </a:prstTxWarp>
+            <a:spAutoFit/>
+          </a:bodyPr>
+          <a:lstStyle/>
+          <a:p>
+            <a:endParaRPr lang="ko-KR" altLang="en-US"/>
+          </a:p>
+        </p:txBody>
+      </p:sp>
+      <p:sp>
+        <p:nvSpPr>
+          <p:cNvPr id="14" name="TextBox 13"/>
+          <p:cNvSpPr txBox="1"/>
+          <p:nvPr/>
+        </p:nvSpPr>
+        <p:spPr>
+          <a:xfrm>
+            <a:off x="2752863" y="792222"/>
+            <a:ext cx="5315879" cy="369332"/>
+          </a:xfrm>
+          <a:prstGeom prst="rect">
+            <a:avLst/>
+          </a:prstGeom>
+        </p:spPr>
+        <p:txBody>
+          <a:bodyPr wrap="none">
+            <a:spAutoFit/>
+          </a:bodyPr>
+          <a:lstStyle>
+            <a:defPPr>
+              <a:defRPr lang="ko-KR"/>
+            </a:defPPr>
+            <a:lvl1pPr>
+              <a:spcBef>
+                <a:spcPts val="1000"/>
+              </a:spcBef>
+              <a:defRPr sz="2000">
+                <a:ln>
+                  <a:solidFill>
+                    <a:schemeClr val="accent1">
+                      <a:alpha val="0"/>
+                    </a:schemeClr>
+                  </a:solidFill>
+                </a:ln>
+                <a:solidFill>
+                  <a:schemeClr val="bg1"/>
+                </a:solidFill>
+                <a:latin typeface="Noto Sans CJK KR Medium" panose="020B0600000000000000" pitchFamily="34" charset="-127"/>
+                <a:ea typeface="Noto Sans CJK KR Medium" panose="020B0600000000000000" pitchFamily="34" charset="-127"/>
+              </a:defRPr>
+            </a:lvl1pPr>
+          </a:lstStyle>
+          <a:p>
+            <a:r>
+              <a:rPr lang="ko-KR" altLang="en-US" sz="1800" dirty="0">
+                <a:solidFill>
+                  <a:schemeClr val="bg1">
+                    <a:lumMod val="75000"/>
+                  </a:schemeClr>
+                </a:solidFill>
+              </a:rPr>
+              <a:t>기존의 </a:t>
+            </a:r>
+            <a:r>
+              <a:rPr lang="ko-KR" altLang="en-US" sz="1800" dirty="0" err="1">
+                <a:solidFill>
+                  <a:schemeClr val="bg1">
+                    <a:lumMod val="75000"/>
+                  </a:schemeClr>
+                </a:solidFill>
+              </a:rPr>
+              <a:t>책으로된</a:t>
+            </a:r>
+            <a:r>
+              <a:rPr lang="ko-KR" altLang="en-US" sz="1800" dirty="0">
+                <a:solidFill>
+                  <a:schemeClr val="bg1">
+                    <a:lumMod val="75000"/>
+                  </a:schemeClr>
+                </a:solidFill>
+              </a:rPr>
+              <a:t> </a:t>
+            </a:r>
+            <a:r>
+              <a:rPr lang="en-US" altLang="ko-KR" sz="1800" dirty="0">
+                <a:solidFill>
+                  <a:schemeClr val="bg1">
+                    <a:lumMod val="75000"/>
+                  </a:schemeClr>
+                </a:solidFill>
+              </a:rPr>
+              <a:t>“</a:t>
+            </a:r>
+            <a:r>
+              <a:rPr lang="ko-KR" altLang="en-US" sz="1800" dirty="0" err="1">
+                <a:solidFill>
+                  <a:schemeClr val="bg1">
+                    <a:lumMod val="75000"/>
+                  </a:schemeClr>
+                </a:solidFill>
+              </a:rPr>
+              <a:t>레주메북</a:t>
+            </a:r>
+            <a:r>
+              <a:rPr lang="en-US" altLang="ko-KR" sz="1800" dirty="0">
+                <a:solidFill>
+                  <a:schemeClr val="bg1">
+                    <a:lumMod val="75000"/>
+                  </a:schemeClr>
+                </a:solidFill>
+              </a:rPr>
+              <a:t>”</a:t>
+            </a:r>
+            <a:r>
+              <a:rPr lang="ko-KR" altLang="en-US" sz="1800" dirty="0">
+                <a:solidFill>
+                  <a:schemeClr val="bg1">
+                    <a:lumMod val="75000"/>
+                  </a:schemeClr>
+                </a:solidFill>
+              </a:rPr>
+              <a:t>의 불편함을 없앤</a:t>
+            </a:r>
+          </a:p>
+        </p:txBody>
+      </p:sp>
+      <p:pic>
+        <p:nvPicPr>
           <p:cNvPr id="8" name="그림 7"/>
           <p:cNvPicPr>
             <a:picLocks noChangeAspect="1"/>
@@ -15938,7 +17127,7 @@
 </p:sld>
 </file>
 
-<file path=ppt/slides/slide18.xml><?xml version="1.0" encoding="utf-8"?>
+<file path=ppt/slides/slide19.xml><?xml version="1.0" encoding="utf-8"?>
 <p:sld xmlns:a="http://schemas.openxmlformats.org/drawingml/2006/main" xmlns:r="http://schemas.openxmlformats.org/officeDocument/2006/relationships" xmlns:p="http://schemas.openxmlformats.org/presentationml/2006/main">
   <p:cSld>
     <p:spTree>
@@ -15970,36 +17159,1263 @@
           <a:bodyPr/>
           <a:lstStyle/>
           <a:p>
-            <a:endParaRPr lang="ko-KR" altLang="en-US"/>
+            <a:r>
+              <a:rPr lang="ko-KR" altLang="en-US" dirty="0" err="1"/>
+              <a:t>ㅋ</a:t>
+            </a:r>
+            <a:endParaRPr lang="ko-KR" altLang="en-US" dirty="0"/>
           </a:p>
         </p:txBody>
       </p:sp>
-      <p:pic>
-        <p:nvPicPr>
-          <p:cNvPr id="3" name="그림 2"/>
-          <p:cNvPicPr/>
+      <p:cxnSp>
+        <p:nvCxnSpPr>
+          <p:cNvPr id="5" name="직선 연결선 4"/>
+          <p:cNvCxnSpPr/>
           <p:nvPr/>
-        </p:nvPicPr>
-        <p:blipFill>
-          <a:blip r:embed="rId2"/>
-          <a:stretch>
-            <a:fillRect/>
-          </a:stretch>
-        </p:blipFill>
+        </p:nvCxnSpPr>
         <p:spPr>
           <a:xfrm>
-            <a:off x="0" y="0"/>
-            <a:ext cx="12192000" cy="6858000"/>
+            <a:off x="463854" y="555894"/>
+            <a:ext cx="560439" cy="0"/>
+          </a:xfrm>
+          <a:prstGeom prst="line">
+            <a:avLst/>
+          </a:prstGeom>
+          <a:ln>
+            <a:solidFill>
+              <a:schemeClr val="bg1"/>
+            </a:solidFill>
+          </a:ln>
+        </p:spPr>
+        <p:style>
+          <a:lnRef idx="1">
+            <a:schemeClr val="accent1"/>
+          </a:lnRef>
+          <a:fillRef idx="0">
+            <a:schemeClr val="accent1"/>
+          </a:fillRef>
+          <a:effectRef idx="0">
+            <a:schemeClr val="accent1"/>
+          </a:effectRef>
+          <a:fontRef idx="minor">
+            <a:schemeClr val="tx1"/>
+          </a:fontRef>
+        </p:style>
+      </p:cxnSp>
+      <p:cxnSp>
+        <p:nvCxnSpPr>
+          <p:cNvPr id="6" name="직선 연결선 5"/>
+          <p:cNvCxnSpPr/>
+          <p:nvPr/>
+        </p:nvCxnSpPr>
+        <p:spPr>
+          <a:xfrm>
+            <a:off x="486696" y="2257425"/>
+            <a:ext cx="560439" cy="0"/>
+          </a:xfrm>
+          <a:prstGeom prst="line">
+            <a:avLst/>
+          </a:prstGeom>
+          <a:ln>
+            <a:solidFill>
+              <a:schemeClr val="bg1"/>
+            </a:solidFill>
+          </a:ln>
+        </p:spPr>
+        <p:style>
+          <a:lnRef idx="1">
+            <a:schemeClr val="accent1"/>
+          </a:lnRef>
+          <a:fillRef idx="0">
+            <a:schemeClr val="accent1"/>
+          </a:fillRef>
+          <a:effectRef idx="0">
+            <a:schemeClr val="accent1"/>
+          </a:effectRef>
+          <a:fontRef idx="minor">
+            <a:schemeClr val="tx1"/>
+          </a:fontRef>
+        </p:style>
+      </p:cxnSp>
+      <p:sp>
+        <p:nvSpPr>
+          <p:cNvPr id="7" name="TextBox 6"/>
+          <p:cNvSpPr txBox="1"/>
+          <p:nvPr/>
+        </p:nvSpPr>
+        <p:spPr>
+          <a:xfrm>
+            <a:off x="353419" y="796300"/>
+            <a:ext cx="1557774" cy="1461125"/>
           </a:xfrm>
           <a:prstGeom prst="rect">
             <a:avLst/>
           </a:prstGeom>
         </p:spPr>
-      </p:pic>
+        <p:txBody>
+          <a:bodyPr vert="horz" lIns="91440" tIns="45720" rIns="91440" bIns="45720" rtlCol="0">
+            <a:noAutofit/>
+          </a:bodyPr>
+          <a:lstStyle>
+            <a:defPPr>
+              <a:defRPr lang="ko-KR"/>
+            </a:defPPr>
+            <a:lvl1pPr indent="0">
+              <a:lnSpc>
+                <a:spcPct val="100000"/>
+              </a:lnSpc>
+              <a:spcBef>
+                <a:spcPts val="1000"/>
+              </a:spcBef>
+              <a:buFont typeface="Arial" panose="020B0604020202020204" pitchFamily="34" charset="0"/>
+              <a:buNone/>
+              <a:defRPr sz="1100">
+                <a:ln>
+                  <a:solidFill>
+                    <a:schemeClr val="accent1">
+                      <a:alpha val="0"/>
+                    </a:schemeClr>
+                  </a:solidFill>
+                </a:ln>
+                <a:solidFill>
+                  <a:schemeClr val="bg1"/>
+                </a:solidFill>
+                <a:latin typeface="-윤고딕330" panose="02030504000101010101" pitchFamily="18" charset="-127"/>
+                <a:ea typeface="-윤고딕330" panose="02030504000101010101" pitchFamily="18" charset="-127"/>
+              </a:defRPr>
+            </a:lvl1pPr>
+            <a:lvl2pPr marL="685800" indent="-228600">
+              <a:lnSpc>
+                <a:spcPct val="90000"/>
+              </a:lnSpc>
+              <a:spcBef>
+                <a:spcPts val="500"/>
+              </a:spcBef>
+              <a:buFont typeface="Arial" panose="020B0604020202020204" pitchFamily="34" charset="0"/>
+              <a:buChar char="•"/>
+              <a:defRPr sz="2400"/>
+            </a:lvl2pPr>
+            <a:lvl3pPr marL="1143000" indent="-228600">
+              <a:lnSpc>
+                <a:spcPct val="90000"/>
+              </a:lnSpc>
+              <a:spcBef>
+                <a:spcPts val="500"/>
+              </a:spcBef>
+              <a:buFont typeface="Arial" panose="020B0604020202020204" pitchFamily="34" charset="0"/>
+              <a:buChar char="•"/>
+              <a:defRPr sz="2000"/>
+            </a:lvl3pPr>
+            <a:lvl4pPr marL="1600200" indent="-228600">
+              <a:lnSpc>
+                <a:spcPct val="90000"/>
+              </a:lnSpc>
+              <a:spcBef>
+                <a:spcPts val="500"/>
+              </a:spcBef>
+              <a:buFont typeface="Arial" panose="020B0604020202020204" pitchFamily="34" charset="0"/>
+              <a:buChar char="•"/>
+            </a:lvl4pPr>
+            <a:lvl5pPr marL="2057400" indent="-228600">
+              <a:lnSpc>
+                <a:spcPct val="90000"/>
+              </a:lnSpc>
+              <a:spcBef>
+                <a:spcPts val="500"/>
+              </a:spcBef>
+              <a:buFont typeface="Arial" panose="020B0604020202020204" pitchFamily="34" charset="0"/>
+              <a:buChar char="•"/>
+            </a:lvl5pPr>
+            <a:lvl6pPr marL="2514600" indent="-228600">
+              <a:lnSpc>
+                <a:spcPct val="90000"/>
+              </a:lnSpc>
+              <a:spcBef>
+                <a:spcPts val="500"/>
+              </a:spcBef>
+              <a:buFont typeface="Arial" panose="020B0604020202020204" pitchFamily="34" charset="0"/>
+              <a:buChar char="•"/>
+            </a:lvl6pPr>
+            <a:lvl7pPr marL="2971800" indent="-228600">
+              <a:lnSpc>
+                <a:spcPct val="90000"/>
+              </a:lnSpc>
+              <a:spcBef>
+                <a:spcPts val="500"/>
+              </a:spcBef>
+              <a:buFont typeface="Arial" panose="020B0604020202020204" pitchFamily="34" charset="0"/>
+              <a:buChar char="•"/>
+            </a:lvl7pPr>
+            <a:lvl8pPr marL="3429000" indent="-228600">
+              <a:lnSpc>
+                <a:spcPct val="90000"/>
+              </a:lnSpc>
+              <a:spcBef>
+                <a:spcPts val="500"/>
+              </a:spcBef>
+              <a:buFont typeface="Arial" panose="020B0604020202020204" pitchFamily="34" charset="0"/>
+              <a:buChar char="•"/>
+            </a:lvl8pPr>
+            <a:lvl9pPr marL="3886200" indent="-228600">
+              <a:lnSpc>
+                <a:spcPct val="90000"/>
+              </a:lnSpc>
+              <a:spcBef>
+                <a:spcPts val="500"/>
+              </a:spcBef>
+              <a:buFont typeface="Arial" panose="020B0604020202020204" pitchFamily="34" charset="0"/>
+              <a:buChar char="•"/>
+            </a:lvl9pPr>
+          </a:lstStyle>
+          <a:p>
+            <a:r>
+              <a:rPr lang="en-US" altLang="ko-KR" sz="2400" dirty="0" smtClean="0">
+                <a:latin typeface="Noto Sans CJK KR Medium" panose="020B0600000000000000" pitchFamily="34" charset="-127"/>
+                <a:ea typeface="Noto Sans CJK KR Medium" panose="020B0600000000000000" pitchFamily="34" charset="-127"/>
+              </a:rPr>
+              <a:t>17</a:t>
+            </a:r>
+            <a:endParaRPr lang="en-US" altLang="ko-KR" sz="2400" dirty="0">
+              <a:latin typeface="Noto Sans CJK KR Medium" panose="020B0600000000000000" pitchFamily="34" charset="-127"/>
+              <a:ea typeface="Noto Sans CJK KR Medium" panose="020B0600000000000000" pitchFamily="34" charset="-127"/>
+            </a:endParaRPr>
+          </a:p>
+          <a:p>
+            <a:r>
+              <a:rPr lang="ko-KR" altLang="en-US" sz="2400" dirty="0" smtClean="0">
+                <a:latin typeface="Noto Sans CJK KR Medium" panose="020B0600000000000000" pitchFamily="34" charset="-127"/>
+                <a:ea typeface="Noto Sans CJK KR Medium" panose="020B0600000000000000" pitchFamily="34" charset="-127"/>
+              </a:rPr>
+              <a:t>앞으로의 계획</a:t>
+            </a:r>
+            <a:endParaRPr lang="en-US" altLang="ko-KR" sz="2400" dirty="0" smtClean="0">
+              <a:latin typeface="Noto Sans CJK KR Medium" panose="020B0600000000000000" pitchFamily="34" charset="-127"/>
+              <a:ea typeface="Noto Sans CJK KR Medium" panose="020B0600000000000000" pitchFamily="34" charset="-127"/>
+            </a:endParaRPr>
+          </a:p>
+        </p:txBody>
+      </p:sp>
+      <p:sp>
+        <p:nvSpPr>
+          <p:cNvPr id="9" name="직사각형 8"/>
+          <p:cNvSpPr/>
+          <p:nvPr/>
+        </p:nvSpPr>
+        <p:spPr>
+          <a:xfrm>
+            <a:off x="2752166" y="1089843"/>
+            <a:ext cx="8309124" cy="461665"/>
+          </a:xfrm>
+          <a:prstGeom prst="rect">
+            <a:avLst/>
+          </a:prstGeom>
+        </p:spPr>
+        <p:txBody>
+          <a:bodyPr wrap="square">
+            <a:spAutoFit/>
+          </a:bodyPr>
+          <a:lstStyle/>
+          <a:p>
+            <a:pPr>
+              <a:spcBef>
+                <a:spcPts val="1000"/>
+              </a:spcBef>
+            </a:pPr>
+            <a:r>
+              <a:rPr lang="ko-KR" altLang="en-US" sz="2400" spc="-150" dirty="0" err="1">
+                <a:ln>
+                  <a:solidFill>
+                    <a:schemeClr val="accent1">
+                      <a:alpha val="0"/>
+                    </a:schemeClr>
+                  </a:solidFill>
+                </a:ln>
+                <a:solidFill>
+                  <a:srgbClr val="282421"/>
+                </a:solidFill>
+                <a:latin typeface="Noto Sans CJK KR Medium" panose="020B0600000000000000" pitchFamily="34" charset="-127"/>
+                <a:ea typeface="Noto Sans CJK KR Medium" panose="020B0600000000000000" pitchFamily="34" charset="-127"/>
+              </a:rPr>
+              <a:t>레주메북을</a:t>
+            </a:r>
+            <a:r>
+              <a:rPr lang="ko-KR" altLang="en-US" sz="2400" spc="-150" dirty="0">
+                <a:ln>
+                  <a:solidFill>
+                    <a:schemeClr val="accent1">
+                      <a:alpha val="0"/>
+                    </a:schemeClr>
+                  </a:solidFill>
+                </a:ln>
+                <a:solidFill>
+                  <a:srgbClr val="282421"/>
+                </a:solidFill>
+                <a:latin typeface="Noto Sans CJK KR Medium" panose="020B0600000000000000" pitchFamily="34" charset="-127"/>
+                <a:ea typeface="Noto Sans CJK KR Medium" panose="020B0600000000000000" pitchFamily="34" charset="-127"/>
+              </a:rPr>
+              <a:t> </a:t>
+            </a:r>
+            <a:r>
+              <a:rPr lang="en-US" altLang="ko-KR" sz="2400" spc="-150" dirty="0">
+                <a:ln>
+                  <a:solidFill>
+                    <a:schemeClr val="accent1">
+                      <a:alpha val="0"/>
+                    </a:schemeClr>
+                  </a:solidFill>
+                </a:ln>
+                <a:solidFill>
+                  <a:srgbClr val="282421"/>
+                </a:solidFill>
+                <a:latin typeface="Noto Sans CJK KR Medium" panose="020B0600000000000000" pitchFamily="34" charset="-127"/>
+                <a:ea typeface="Noto Sans CJK KR Medium" panose="020B0600000000000000" pitchFamily="34" charset="-127"/>
+              </a:rPr>
+              <a:t>“2uzuBook”</a:t>
+            </a:r>
+            <a:r>
+              <a:rPr lang="ko-KR" altLang="en-US" sz="2400" spc="-150" dirty="0">
+                <a:ln>
+                  <a:solidFill>
+                    <a:schemeClr val="accent1">
+                      <a:alpha val="0"/>
+                    </a:schemeClr>
+                  </a:solidFill>
+                </a:ln>
+                <a:solidFill>
+                  <a:srgbClr val="282421"/>
+                </a:solidFill>
+                <a:latin typeface="Noto Sans CJK KR Medium" panose="020B0600000000000000" pitchFamily="34" charset="-127"/>
+                <a:ea typeface="Noto Sans CJK KR Medium" panose="020B0600000000000000" pitchFamily="34" charset="-127"/>
+              </a:rPr>
+              <a:t>로 </a:t>
+            </a:r>
+            <a:r>
+              <a:rPr lang="ko-KR" altLang="en-US" sz="2400" spc="-150" dirty="0" smtClean="0">
+                <a:ln>
+                  <a:solidFill>
+                    <a:schemeClr val="accent1">
+                      <a:alpha val="0"/>
+                    </a:schemeClr>
+                  </a:solidFill>
+                </a:ln>
+                <a:solidFill>
+                  <a:srgbClr val="282421"/>
+                </a:solidFill>
+                <a:latin typeface="Noto Sans CJK KR Medium" panose="020B0600000000000000" pitchFamily="34" charset="-127"/>
+                <a:ea typeface="Noto Sans CJK KR Medium" panose="020B0600000000000000" pitchFamily="34" charset="-127"/>
+              </a:rPr>
+              <a:t>바꾸다</a:t>
+            </a:r>
+            <a:r>
+              <a:rPr lang="en-US" altLang="ko-KR" sz="2400" spc="-150" dirty="0">
+                <a:ln>
+                  <a:solidFill>
+                    <a:schemeClr val="accent1">
+                      <a:alpha val="0"/>
+                    </a:schemeClr>
+                  </a:solidFill>
+                </a:ln>
+                <a:solidFill>
+                  <a:srgbClr val="282421"/>
+                </a:solidFill>
+                <a:latin typeface="Noto Sans CJK KR Medium" panose="020B0600000000000000" pitchFamily="34" charset="-127"/>
+                <a:ea typeface="Noto Sans CJK KR Medium" panose="020B0600000000000000" pitchFamily="34" charset="-127"/>
+              </a:rPr>
+              <a:t> </a:t>
+            </a:r>
+            <a:r>
+              <a:rPr lang="en-US" altLang="ko-KR" sz="2400" spc="-150" dirty="0" smtClean="0">
+                <a:ln>
+                  <a:solidFill>
+                    <a:schemeClr val="accent1">
+                      <a:alpha val="0"/>
+                    </a:schemeClr>
+                  </a:solidFill>
+                </a:ln>
+                <a:solidFill>
+                  <a:srgbClr val="282421"/>
+                </a:solidFill>
+                <a:latin typeface="Noto Sans CJK KR Medium" panose="020B0600000000000000" pitchFamily="34" charset="-127"/>
+                <a:ea typeface="Noto Sans CJK KR Medium" panose="020B0600000000000000" pitchFamily="34" charset="-127"/>
+              </a:rPr>
+              <a:t>– </a:t>
+            </a:r>
+            <a:r>
+              <a:rPr lang="ko-KR" altLang="en-US" sz="2400" spc="-150" dirty="0" smtClean="0">
+                <a:ln>
+                  <a:solidFill>
+                    <a:schemeClr val="accent1">
+                      <a:alpha val="0"/>
+                    </a:schemeClr>
+                  </a:solidFill>
+                </a:ln>
+                <a:solidFill>
+                  <a:srgbClr val="282421"/>
+                </a:solidFill>
+                <a:latin typeface="Noto Sans CJK KR Medium" panose="020B0600000000000000" pitchFamily="34" charset="-127"/>
+                <a:ea typeface="Noto Sans CJK KR Medium" panose="020B0600000000000000" pitchFamily="34" charset="-127"/>
+              </a:rPr>
+              <a:t>앞으로의 계획</a:t>
+            </a:r>
+            <a:endParaRPr lang="en-US" altLang="ko-KR" sz="2400" spc="-150" dirty="0">
+              <a:ln>
+                <a:solidFill>
+                  <a:schemeClr val="accent1">
+                    <a:alpha val="0"/>
+                  </a:schemeClr>
+                </a:solidFill>
+              </a:ln>
+              <a:solidFill>
+                <a:srgbClr val="282421"/>
+              </a:solidFill>
+              <a:latin typeface="Noto Sans CJK KR Medium" panose="020B0600000000000000" pitchFamily="34" charset="-127"/>
+              <a:ea typeface="Noto Sans CJK KR Medium" panose="020B0600000000000000" pitchFamily="34" charset="-127"/>
+            </a:endParaRPr>
+          </a:p>
+        </p:txBody>
+      </p:sp>
+      <p:sp>
+        <p:nvSpPr>
+          <p:cNvPr id="24" name="직사각형 23"/>
+          <p:cNvSpPr/>
+          <p:nvPr/>
+        </p:nvSpPr>
+        <p:spPr>
+          <a:xfrm>
+            <a:off x="9291319" y="6537278"/>
+            <a:ext cx="2900681" cy="320722"/>
+          </a:xfrm>
+          <a:prstGeom prst="rect">
+            <a:avLst/>
+          </a:prstGeom>
+          <a:solidFill>
+            <a:schemeClr val="bg1"/>
+          </a:solidFill>
+          <a:ln>
+            <a:solidFill>
+              <a:schemeClr val="bg1"/>
+            </a:solidFill>
+          </a:ln>
+        </p:spPr>
+        <p:style>
+          <a:lnRef idx="2">
+            <a:schemeClr val="accent1">
+              <a:shade val="50000"/>
+            </a:schemeClr>
+          </a:lnRef>
+          <a:fillRef idx="1">
+            <a:schemeClr val="accent1"/>
+          </a:fillRef>
+          <a:effectRef idx="0">
+            <a:schemeClr val="accent1"/>
+          </a:effectRef>
+          <a:fontRef idx="minor">
+            <a:schemeClr val="lt1"/>
+          </a:fontRef>
+        </p:style>
+        <p:txBody>
+          <a:bodyPr rtlCol="0" anchor="ctr"/>
+          <a:lstStyle/>
+          <a:p>
+            <a:pPr algn="ctr"/>
+            <a:endParaRPr lang="ko-KR" altLang="en-US"/>
+          </a:p>
+        </p:txBody>
+      </p:sp>
+      <p:sp>
+        <p:nvSpPr>
+          <p:cNvPr id="4" name="Rectangle 2"/>
+          <p:cNvSpPr>
+            <a:spLocks noChangeArrowheads="1"/>
+          </p:cNvSpPr>
+          <p:nvPr/>
+        </p:nvSpPr>
+        <p:spPr bwMode="auto">
+          <a:xfrm>
+            <a:off x="0" y="0"/>
+            <a:ext cx="12192000" cy="457200"/>
+          </a:xfrm>
+          <a:prstGeom prst="rect">
+            <a:avLst/>
+          </a:prstGeom>
+          <a:noFill/>
+          <a:ln>
+            <a:noFill/>
+          </a:ln>
+          <a:effectLst/>
+          <a:extLst>
+            <a:ext uri="{909E8E84-426E-40DD-AFC4-6F175D3DCCD1}">
+              <a14:hiddenFill xmlns:a14="http://schemas.microsoft.com/office/drawing/2010/main">
+                <a:solidFill>
+                  <a:schemeClr val="accent1"/>
+                </a:solidFill>
+              </a14:hiddenFill>
+            </a:ext>
+            <a:ext uri="{91240B29-F687-4F45-9708-019B960494DF}">
+              <a14:hiddenLine xmlns:a14="http://schemas.microsoft.com/office/drawing/2010/main" w="9525">
+                <a:solidFill>
+                  <a:schemeClr val="tx1"/>
+                </a:solidFill>
+                <a:miter lim="800000"/>
+                <a:headEnd/>
+                <a:tailEnd/>
+              </a14:hiddenLine>
+            </a:ext>
+            <a:ext uri="{AF507438-7753-43E0-B8FC-AC1667EBCBE1}">
+              <a14:hiddenEffects xmlns:a14="http://schemas.microsoft.com/office/drawing/2010/main">
+                <a:effectLst>
+                  <a:outerShdw dist="35921" dir="2700000" algn="ctr" rotWithShape="0">
+                    <a:schemeClr val="bg2"/>
+                  </a:outerShdw>
+                </a:effectLst>
+              </a14:hiddenEffects>
+            </a:ext>
+          </a:extLst>
+        </p:spPr>
+        <p:txBody>
+          <a:bodyPr vert="horz" wrap="none" lIns="91440" tIns="45720" rIns="91440" bIns="45720" numCol="1" anchor="ctr" anchorCtr="0" compatLnSpc="1">
+            <a:prstTxWarp prst="textNoShape">
+              <a:avLst/>
+            </a:prstTxWarp>
+            <a:spAutoFit/>
+          </a:bodyPr>
+          <a:lstStyle/>
+          <a:p>
+            <a:endParaRPr lang="ko-KR" altLang="en-US"/>
+          </a:p>
+        </p:txBody>
+      </p:sp>
+      <p:sp>
+        <p:nvSpPr>
+          <p:cNvPr id="10" name="Rectangle 4"/>
+          <p:cNvSpPr>
+            <a:spLocks noChangeArrowheads="1"/>
+          </p:cNvSpPr>
+          <p:nvPr/>
+        </p:nvSpPr>
+        <p:spPr bwMode="auto">
+          <a:xfrm>
+            <a:off x="0" y="0"/>
+            <a:ext cx="12192000" cy="457200"/>
+          </a:xfrm>
+          <a:prstGeom prst="rect">
+            <a:avLst/>
+          </a:prstGeom>
+          <a:noFill/>
+          <a:ln>
+            <a:noFill/>
+          </a:ln>
+          <a:effectLst/>
+          <a:extLst>
+            <a:ext uri="{909E8E84-426E-40DD-AFC4-6F175D3DCCD1}">
+              <a14:hiddenFill xmlns:a14="http://schemas.microsoft.com/office/drawing/2010/main">
+                <a:solidFill>
+                  <a:schemeClr val="accent1"/>
+                </a:solidFill>
+              </a14:hiddenFill>
+            </a:ext>
+            <a:ext uri="{91240B29-F687-4F45-9708-019B960494DF}">
+              <a14:hiddenLine xmlns:a14="http://schemas.microsoft.com/office/drawing/2010/main" w="9525">
+                <a:solidFill>
+                  <a:schemeClr val="tx1"/>
+                </a:solidFill>
+                <a:miter lim="800000"/>
+                <a:headEnd/>
+                <a:tailEnd/>
+              </a14:hiddenLine>
+            </a:ext>
+            <a:ext uri="{AF507438-7753-43E0-B8FC-AC1667EBCBE1}">
+              <a14:hiddenEffects xmlns:a14="http://schemas.microsoft.com/office/drawing/2010/main">
+                <a:effectLst>
+                  <a:outerShdw dist="35921" dir="2700000" algn="ctr" rotWithShape="0">
+                    <a:schemeClr val="bg2"/>
+                  </a:outerShdw>
+                </a:effectLst>
+              </a14:hiddenEffects>
+            </a:ext>
+          </a:extLst>
+        </p:spPr>
+        <p:txBody>
+          <a:bodyPr vert="horz" wrap="none" lIns="91440" tIns="45720" rIns="91440" bIns="45720" numCol="1" anchor="ctr" anchorCtr="0" compatLnSpc="1">
+            <a:prstTxWarp prst="textNoShape">
+              <a:avLst/>
+            </a:prstTxWarp>
+            <a:spAutoFit/>
+          </a:bodyPr>
+          <a:lstStyle/>
+          <a:p>
+            <a:endParaRPr lang="ko-KR" altLang="en-US"/>
+          </a:p>
+        </p:txBody>
+      </p:sp>
+      <p:sp>
+        <p:nvSpPr>
+          <p:cNvPr id="14" name="TextBox 13"/>
+          <p:cNvSpPr txBox="1"/>
+          <p:nvPr/>
+        </p:nvSpPr>
+        <p:spPr>
+          <a:xfrm>
+            <a:off x="2752863" y="792222"/>
+            <a:ext cx="5315879" cy="369332"/>
+          </a:xfrm>
+          <a:prstGeom prst="rect">
+            <a:avLst/>
+          </a:prstGeom>
+        </p:spPr>
+        <p:txBody>
+          <a:bodyPr wrap="none">
+            <a:spAutoFit/>
+          </a:bodyPr>
+          <a:lstStyle>
+            <a:defPPr>
+              <a:defRPr lang="ko-KR"/>
+            </a:defPPr>
+            <a:lvl1pPr>
+              <a:spcBef>
+                <a:spcPts val="1000"/>
+              </a:spcBef>
+              <a:defRPr sz="2000">
+                <a:ln>
+                  <a:solidFill>
+                    <a:schemeClr val="accent1">
+                      <a:alpha val="0"/>
+                    </a:schemeClr>
+                  </a:solidFill>
+                </a:ln>
+                <a:solidFill>
+                  <a:schemeClr val="bg1"/>
+                </a:solidFill>
+                <a:latin typeface="Noto Sans CJK KR Medium" panose="020B0600000000000000" pitchFamily="34" charset="-127"/>
+                <a:ea typeface="Noto Sans CJK KR Medium" panose="020B0600000000000000" pitchFamily="34" charset="-127"/>
+              </a:defRPr>
+            </a:lvl1pPr>
+          </a:lstStyle>
+          <a:p>
+            <a:r>
+              <a:rPr lang="ko-KR" altLang="en-US" sz="1800" dirty="0">
+                <a:solidFill>
+                  <a:schemeClr val="bg1">
+                    <a:lumMod val="75000"/>
+                  </a:schemeClr>
+                </a:solidFill>
+              </a:rPr>
+              <a:t>기존의 </a:t>
+            </a:r>
+            <a:r>
+              <a:rPr lang="ko-KR" altLang="en-US" sz="1800" dirty="0" err="1">
+                <a:solidFill>
+                  <a:schemeClr val="bg1">
+                    <a:lumMod val="75000"/>
+                  </a:schemeClr>
+                </a:solidFill>
+              </a:rPr>
+              <a:t>책으로된</a:t>
+            </a:r>
+            <a:r>
+              <a:rPr lang="ko-KR" altLang="en-US" sz="1800" dirty="0">
+                <a:solidFill>
+                  <a:schemeClr val="bg1">
+                    <a:lumMod val="75000"/>
+                  </a:schemeClr>
+                </a:solidFill>
+              </a:rPr>
+              <a:t> </a:t>
+            </a:r>
+            <a:r>
+              <a:rPr lang="en-US" altLang="ko-KR" sz="1800" dirty="0">
+                <a:solidFill>
+                  <a:schemeClr val="bg1">
+                    <a:lumMod val="75000"/>
+                  </a:schemeClr>
+                </a:solidFill>
+              </a:rPr>
+              <a:t>“</a:t>
+            </a:r>
+            <a:r>
+              <a:rPr lang="ko-KR" altLang="en-US" sz="1800" dirty="0" err="1">
+                <a:solidFill>
+                  <a:schemeClr val="bg1">
+                    <a:lumMod val="75000"/>
+                  </a:schemeClr>
+                </a:solidFill>
+              </a:rPr>
+              <a:t>레주메북</a:t>
+            </a:r>
+            <a:r>
+              <a:rPr lang="en-US" altLang="ko-KR" sz="1800" dirty="0">
+                <a:solidFill>
+                  <a:schemeClr val="bg1">
+                    <a:lumMod val="75000"/>
+                  </a:schemeClr>
+                </a:solidFill>
+              </a:rPr>
+              <a:t>”</a:t>
+            </a:r>
+            <a:r>
+              <a:rPr lang="ko-KR" altLang="en-US" sz="1800" dirty="0">
+                <a:solidFill>
+                  <a:schemeClr val="bg1">
+                    <a:lumMod val="75000"/>
+                  </a:schemeClr>
+                </a:solidFill>
+              </a:rPr>
+              <a:t>의 불편함을 없앤</a:t>
+            </a:r>
+          </a:p>
+        </p:txBody>
+      </p:sp>
+      <p:sp>
+        <p:nvSpPr>
+          <p:cNvPr id="12" name="직사각형 11"/>
+          <p:cNvSpPr/>
+          <p:nvPr/>
+        </p:nvSpPr>
+        <p:spPr>
+          <a:xfrm>
+            <a:off x="2752863" y="2010860"/>
+            <a:ext cx="5686172" cy="4252446"/>
+          </a:xfrm>
+          <a:prstGeom prst="rect">
+            <a:avLst/>
+          </a:prstGeom>
+        </p:spPr>
+        <p:txBody>
+          <a:bodyPr wrap="none">
+            <a:spAutoFit/>
+          </a:bodyPr>
+          <a:lstStyle/>
+          <a:p>
+            <a:pPr>
+              <a:spcBef>
+                <a:spcPts val="1000"/>
+              </a:spcBef>
+            </a:pPr>
+            <a:r>
+              <a:rPr lang="ko-KR" altLang="en-US" sz="3200" spc="-150" dirty="0" smtClean="0">
+                <a:ln>
+                  <a:solidFill>
+                    <a:schemeClr val="accent1">
+                      <a:alpha val="0"/>
+                    </a:schemeClr>
+                  </a:solidFill>
+                </a:ln>
+                <a:solidFill>
+                  <a:srgbClr val="282421"/>
+                </a:solidFill>
+                <a:latin typeface="a옛날사진관2" panose="02020600000000000000" pitchFamily="18" charset="-127"/>
+                <a:ea typeface="배달의민족 도현" panose="020B0600000101010101"/>
+              </a:rPr>
+              <a:t>유지보수</a:t>
+            </a:r>
+            <a:endParaRPr lang="en-US" altLang="ko-KR" sz="3200" spc="-150" dirty="0" smtClean="0">
+              <a:ln>
+                <a:solidFill>
+                  <a:schemeClr val="accent1">
+                    <a:alpha val="0"/>
+                  </a:schemeClr>
+                </a:solidFill>
+              </a:ln>
+              <a:solidFill>
+                <a:srgbClr val="282421"/>
+              </a:solidFill>
+              <a:latin typeface="a옛날사진관2" panose="02020600000000000000" pitchFamily="18" charset="-127"/>
+              <a:ea typeface="배달의민족 도현" panose="020B0600000101010101"/>
+            </a:endParaRPr>
+          </a:p>
+          <a:p>
+            <a:pPr>
+              <a:spcBef>
+                <a:spcPts val="1000"/>
+              </a:spcBef>
+            </a:pPr>
+            <a:r>
+              <a:rPr lang="en-US" altLang="ko-KR" sz="2000" spc="-150" dirty="0" smtClean="0">
+                <a:ln>
+                  <a:solidFill>
+                    <a:schemeClr val="accent1">
+                      <a:alpha val="0"/>
+                    </a:schemeClr>
+                  </a:solidFill>
+                </a:ln>
+                <a:solidFill>
+                  <a:srgbClr val="282421"/>
+                </a:solidFill>
+                <a:latin typeface="a옛날사진관2" panose="02020600000000000000" pitchFamily="18" charset="-127"/>
+                <a:ea typeface="배달의민족 도현" panose="020B0600000101010101"/>
+              </a:rPr>
+              <a:t>-&gt; </a:t>
+            </a:r>
+            <a:r>
+              <a:rPr lang="ko-KR" altLang="en-US" sz="2000" spc="-150" dirty="0" smtClean="0">
+                <a:ln>
+                  <a:solidFill>
+                    <a:schemeClr val="accent1">
+                      <a:alpha val="0"/>
+                    </a:schemeClr>
+                  </a:solidFill>
+                </a:ln>
+                <a:solidFill>
+                  <a:srgbClr val="282421"/>
+                </a:solidFill>
+                <a:latin typeface="a옛날사진관2" panose="02020600000000000000" pitchFamily="18" charset="-127"/>
+                <a:ea typeface="배달의민족 도현" panose="020B0600000101010101"/>
+              </a:rPr>
+              <a:t>수정 및 보안</a:t>
+            </a:r>
+            <a:endParaRPr lang="en-US" altLang="ko-KR" sz="2000" spc="-150" dirty="0" smtClean="0">
+              <a:ln>
+                <a:solidFill>
+                  <a:schemeClr val="accent1">
+                    <a:alpha val="0"/>
+                  </a:schemeClr>
+                </a:solidFill>
+              </a:ln>
+              <a:solidFill>
+                <a:srgbClr val="282421"/>
+              </a:solidFill>
+              <a:latin typeface="a옛날사진관2" panose="02020600000000000000" pitchFamily="18" charset="-127"/>
+              <a:ea typeface="배달의민족 도현" panose="020B0600000101010101"/>
+            </a:endParaRPr>
+          </a:p>
+          <a:p>
+            <a:pPr>
+              <a:spcBef>
+                <a:spcPts val="1000"/>
+              </a:spcBef>
+            </a:pPr>
+            <a:r>
+              <a:rPr lang="en-US" altLang="ko-KR" sz="2000" spc="-150" dirty="0" smtClean="0">
+                <a:ln>
+                  <a:solidFill>
+                    <a:schemeClr val="accent1">
+                      <a:alpha val="0"/>
+                    </a:schemeClr>
+                  </a:solidFill>
+                </a:ln>
+                <a:solidFill>
+                  <a:srgbClr val="282421"/>
+                </a:solidFill>
+                <a:latin typeface="a옛날사진관2" panose="02020600000000000000" pitchFamily="18" charset="-127"/>
+                <a:ea typeface="배달의민족 도현" panose="020B0600000101010101"/>
+              </a:rPr>
+              <a:t>-&gt; </a:t>
+            </a:r>
+            <a:r>
+              <a:rPr lang="ko-KR" altLang="en-US" sz="2000" spc="-150" dirty="0" smtClean="0">
+                <a:ln>
+                  <a:solidFill>
+                    <a:schemeClr val="accent1">
+                      <a:alpha val="0"/>
+                    </a:schemeClr>
+                  </a:solidFill>
+                </a:ln>
+                <a:solidFill>
+                  <a:srgbClr val="282421"/>
+                </a:solidFill>
+                <a:latin typeface="a옛날사진관2" panose="02020600000000000000" pitchFamily="18" charset="-127"/>
+                <a:ea typeface="배달의민족 도현" panose="020B0600000101010101"/>
+              </a:rPr>
+              <a:t>업그레이드 </a:t>
+            </a:r>
+            <a:endParaRPr lang="en-US" altLang="ko-KR" sz="2000" spc="-150" dirty="0" smtClean="0">
+              <a:ln>
+                <a:solidFill>
+                  <a:schemeClr val="accent1">
+                    <a:alpha val="0"/>
+                  </a:schemeClr>
+                </a:solidFill>
+              </a:ln>
+              <a:solidFill>
+                <a:srgbClr val="282421"/>
+              </a:solidFill>
+              <a:latin typeface="a옛날사진관2" panose="02020600000000000000" pitchFamily="18" charset="-127"/>
+              <a:ea typeface="배달의민족 도현" panose="020B0600000101010101"/>
+            </a:endParaRPr>
+          </a:p>
+          <a:p>
+            <a:pPr>
+              <a:spcBef>
+                <a:spcPts val="1000"/>
+              </a:spcBef>
+            </a:pPr>
+            <a:endParaRPr lang="en-US" altLang="ko-KR" sz="2400" spc="-150" dirty="0">
+              <a:ln>
+                <a:solidFill>
+                  <a:schemeClr val="accent1">
+                    <a:alpha val="0"/>
+                  </a:schemeClr>
+                </a:solidFill>
+              </a:ln>
+              <a:solidFill>
+                <a:srgbClr val="282421"/>
+              </a:solidFill>
+              <a:latin typeface="a옛날사진관2" panose="02020600000000000000" pitchFamily="18" charset="-127"/>
+              <a:ea typeface="배달의민족 도현" panose="020B0600000101010101"/>
+            </a:endParaRPr>
+          </a:p>
+          <a:p>
+            <a:pPr>
+              <a:spcBef>
+                <a:spcPts val="1000"/>
+              </a:spcBef>
+            </a:pPr>
+            <a:r>
+              <a:rPr lang="ko-KR" altLang="en-US" sz="3200" spc="-150" dirty="0" err="1" smtClean="0">
+                <a:ln>
+                  <a:solidFill>
+                    <a:schemeClr val="accent1">
+                      <a:alpha val="0"/>
+                    </a:schemeClr>
+                  </a:solidFill>
+                </a:ln>
+                <a:solidFill>
+                  <a:srgbClr val="282421"/>
+                </a:solidFill>
+                <a:latin typeface="a옛날사진관2" panose="02020600000000000000" pitchFamily="18" charset="-127"/>
+                <a:ea typeface="배달의민족 도현" panose="020B0600000101010101"/>
+              </a:rPr>
+              <a:t>레주메북대신</a:t>
+            </a:r>
+            <a:r>
+              <a:rPr lang="ko-KR" altLang="en-US" sz="3200" spc="-150" dirty="0" smtClean="0">
+                <a:ln>
+                  <a:solidFill>
+                    <a:schemeClr val="accent1">
+                      <a:alpha val="0"/>
+                    </a:schemeClr>
+                  </a:solidFill>
+                </a:ln>
+                <a:solidFill>
+                  <a:srgbClr val="282421"/>
+                </a:solidFill>
+                <a:latin typeface="a옛날사진관2" panose="02020600000000000000" pitchFamily="18" charset="-127"/>
+                <a:ea typeface="배달의민족 도현" panose="020B0600000101010101"/>
+              </a:rPr>
+              <a:t> 우리 </a:t>
+            </a:r>
+            <a:r>
+              <a:rPr lang="ko-KR" altLang="en-US" sz="3200" spc="-150" dirty="0" err="1" smtClean="0">
+                <a:ln>
+                  <a:solidFill>
+                    <a:schemeClr val="accent1">
+                      <a:alpha val="0"/>
+                    </a:schemeClr>
+                  </a:solidFill>
+                </a:ln>
+                <a:solidFill>
+                  <a:srgbClr val="282421"/>
+                </a:solidFill>
+                <a:latin typeface="a옛날사진관2" panose="02020600000000000000" pitchFamily="18" charset="-127"/>
+                <a:ea typeface="배달의민족 도현" panose="020B0600000101010101"/>
+              </a:rPr>
+              <a:t>웹페이지</a:t>
+            </a:r>
+            <a:r>
+              <a:rPr lang="ko-KR" altLang="en-US" sz="3200" spc="-150" dirty="0" smtClean="0">
+                <a:ln>
+                  <a:solidFill>
+                    <a:schemeClr val="accent1">
+                      <a:alpha val="0"/>
+                    </a:schemeClr>
+                  </a:solidFill>
+                </a:ln>
+                <a:solidFill>
+                  <a:srgbClr val="282421"/>
+                </a:solidFill>
+                <a:latin typeface="a옛날사진관2" panose="02020600000000000000" pitchFamily="18" charset="-127"/>
+                <a:ea typeface="배달의민족 도현" panose="020B0600000101010101"/>
+              </a:rPr>
+              <a:t> 사용</a:t>
+            </a:r>
+            <a:endParaRPr lang="en-US" altLang="ko-KR" sz="3200" spc="-150" dirty="0" smtClean="0">
+              <a:ln>
+                <a:solidFill>
+                  <a:schemeClr val="accent1">
+                    <a:alpha val="0"/>
+                  </a:schemeClr>
+                </a:solidFill>
+              </a:ln>
+              <a:solidFill>
+                <a:srgbClr val="282421"/>
+              </a:solidFill>
+              <a:latin typeface="a옛날사진관2" panose="02020600000000000000" pitchFamily="18" charset="-127"/>
+              <a:ea typeface="배달의민족 도현" panose="020B0600000101010101"/>
+            </a:endParaRPr>
+          </a:p>
+          <a:p>
+            <a:pPr>
+              <a:spcBef>
+                <a:spcPts val="1000"/>
+              </a:spcBef>
+            </a:pPr>
+            <a:r>
+              <a:rPr lang="en-US" altLang="ko-KR" sz="2000" spc="-150" dirty="0" smtClean="0">
+                <a:ln>
+                  <a:solidFill>
+                    <a:schemeClr val="accent1">
+                      <a:alpha val="0"/>
+                    </a:schemeClr>
+                  </a:solidFill>
+                </a:ln>
+                <a:solidFill>
+                  <a:srgbClr val="282421"/>
+                </a:solidFill>
+                <a:latin typeface="a옛날사진관2" panose="02020600000000000000" pitchFamily="18" charset="-127"/>
+                <a:ea typeface="배달의민족 도현" panose="020B0600000101010101"/>
+              </a:rPr>
+              <a:t>-&gt; </a:t>
+            </a:r>
+            <a:r>
+              <a:rPr lang="ko-KR" altLang="en-US" sz="2000" spc="-150" dirty="0" smtClean="0">
+                <a:ln>
+                  <a:solidFill>
+                    <a:schemeClr val="accent1">
+                      <a:alpha val="0"/>
+                    </a:schemeClr>
+                  </a:solidFill>
+                </a:ln>
+                <a:solidFill>
+                  <a:srgbClr val="282421"/>
+                </a:solidFill>
+                <a:latin typeface="a옛날사진관2" panose="02020600000000000000" pitchFamily="18" charset="-127"/>
+                <a:ea typeface="배달의민족 도현" panose="020B0600000101010101"/>
+              </a:rPr>
+              <a:t>시간</a:t>
+            </a:r>
+            <a:r>
+              <a:rPr lang="en-US" altLang="ko-KR" sz="2000" spc="-150" dirty="0" smtClean="0">
+                <a:ln>
+                  <a:solidFill>
+                    <a:schemeClr val="accent1">
+                      <a:alpha val="0"/>
+                    </a:schemeClr>
+                  </a:solidFill>
+                </a:ln>
+                <a:solidFill>
+                  <a:srgbClr val="282421"/>
+                </a:solidFill>
+                <a:latin typeface="a옛날사진관2" panose="02020600000000000000" pitchFamily="18" charset="-127"/>
+                <a:ea typeface="배달의민족 도현" panose="020B0600000101010101"/>
+              </a:rPr>
+              <a:t>, </a:t>
+            </a:r>
+            <a:r>
+              <a:rPr lang="ko-KR" altLang="en-US" sz="2000" spc="-150" dirty="0" err="1" smtClean="0">
+                <a:ln>
+                  <a:solidFill>
+                    <a:schemeClr val="accent1">
+                      <a:alpha val="0"/>
+                    </a:schemeClr>
+                  </a:solidFill>
+                </a:ln>
+                <a:solidFill>
+                  <a:srgbClr val="282421"/>
+                </a:solidFill>
+                <a:latin typeface="a옛날사진관2" panose="02020600000000000000" pitchFamily="18" charset="-127"/>
+                <a:ea typeface="배달의민족 도현" panose="020B0600000101010101"/>
+              </a:rPr>
+              <a:t>종이절약</a:t>
+            </a:r>
+            <a:r>
+              <a:rPr lang="ko-KR" altLang="en-US" sz="2000" spc="-150" dirty="0" smtClean="0">
+                <a:ln>
+                  <a:solidFill>
+                    <a:schemeClr val="accent1">
+                      <a:alpha val="0"/>
+                    </a:schemeClr>
+                  </a:solidFill>
+                </a:ln>
+                <a:solidFill>
+                  <a:srgbClr val="282421"/>
+                </a:solidFill>
+                <a:latin typeface="a옛날사진관2" panose="02020600000000000000" pitchFamily="18" charset="-127"/>
+                <a:ea typeface="배달의민족 도현" panose="020B0600000101010101"/>
+              </a:rPr>
+              <a:t> </a:t>
+            </a:r>
+            <a:r>
+              <a:rPr lang="ko-KR" altLang="en-US" sz="2000" spc="-150" dirty="0">
+                <a:ln>
+                  <a:solidFill>
+                    <a:schemeClr val="accent1">
+                      <a:alpha val="0"/>
+                    </a:schemeClr>
+                  </a:solidFill>
+                </a:ln>
+                <a:solidFill>
+                  <a:srgbClr val="282421"/>
+                </a:solidFill>
+                <a:latin typeface="a옛날사진관2" panose="02020600000000000000" pitchFamily="18" charset="-127"/>
+                <a:ea typeface="배달의민족 도현" panose="020B0600000101010101"/>
+              </a:rPr>
+              <a:t>및 </a:t>
+            </a:r>
+            <a:r>
+              <a:rPr lang="ko-KR" altLang="en-US" sz="2000" spc="-150" dirty="0" smtClean="0">
+                <a:ln>
+                  <a:solidFill>
+                    <a:schemeClr val="accent1">
+                      <a:alpha val="0"/>
+                    </a:schemeClr>
+                  </a:solidFill>
+                </a:ln>
+                <a:solidFill>
+                  <a:srgbClr val="282421"/>
+                </a:solidFill>
+                <a:latin typeface="a옛날사진관2" panose="02020600000000000000" pitchFamily="18" charset="-127"/>
+                <a:ea typeface="배달의민족 도현" panose="020B0600000101010101"/>
+              </a:rPr>
+              <a:t>홍보가 </a:t>
+            </a:r>
+            <a:r>
+              <a:rPr lang="ko-KR" altLang="en-US" sz="2000" spc="-150" dirty="0" err="1" smtClean="0">
+                <a:ln>
+                  <a:solidFill>
+                    <a:schemeClr val="accent1">
+                      <a:alpha val="0"/>
+                    </a:schemeClr>
+                  </a:solidFill>
+                </a:ln>
+                <a:solidFill>
+                  <a:srgbClr val="282421"/>
+                </a:solidFill>
+                <a:latin typeface="a옛날사진관2" panose="02020600000000000000" pitchFamily="18" charset="-127"/>
+                <a:ea typeface="배달의민족 도현" panose="020B0600000101010101"/>
+              </a:rPr>
+              <a:t>쉬워짐</a:t>
+            </a:r>
+            <a:r>
+              <a:rPr lang="ko-KR" altLang="en-US" sz="2000" spc="-150" dirty="0" smtClean="0">
+                <a:ln>
+                  <a:solidFill>
+                    <a:schemeClr val="accent1">
+                      <a:alpha val="0"/>
+                    </a:schemeClr>
+                  </a:solidFill>
+                </a:ln>
+                <a:solidFill>
+                  <a:srgbClr val="282421"/>
+                </a:solidFill>
+                <a:latin typeface="a옛날사진관2" panose="02020600000000000000" pitchFamily="18" charset="-127"/>
+                <a:ea typeface="배달의민족 도현" panose="020B0600000101010101"/>
+              </a:rPr>
+              <a:t> </a:t>
+            </a:r>
+            <a:endParaRPr lang="en-US" altLang="ko-KR" sz="2000" spc="-150" dirty="0" smtClean="0">
+              <a:ln>
+                <a:solidFill>
+                  <a:schemeClr val="accent1">
+                    <a:alpha val="0"/>
+                  </a:schemeClr>
+                </a:solidFill>
+              </a:ln>
+              <a:solidFill>
+                <a:srgbClr val="282421"/>
+              </a:solidFill>
+              <a:latin typeface="a옛날사진관2" panose="02020600000000000000" pitchFamily="18" charset="-127"/>
+              <a:ea typeface="배달의민족 도현" panose="020B0600000101010101"/>
+            </a:endParaRPr>
+          </a:p>
+          <a:p>
+            <a:pPr>
+              <a:spcBef>
+                <a:spcPts val="1000"/>
+              </a:spcBef>
+            </a:pPr>
+            <a:r>
+              <a:rPr lang="en-US" altLang="ko-KR" sz="2000" spc="-150" dirty="0">
+                <a:ln>
+                  <a:solidFill>
+                    <a:schemeClr val="accent1">
+                      <a:alpha val="0"/>
+                    </a:schemeClr>
+                  </a:solidFill>
+                </a:ln>
+                <a:solidFill>
+                  <a:srgbClr val="282421"/>
+                </a:solidFill>
+                <a:latin typeface="a옛날사진관2" panose="02020600000000000000" pitchFamily="18" charset="-127"/>
+                <a:ea typeface="배달의민족 도현" panose="020B0600000101010101"/>
+              </a:rPr>
+              <a:t>-&gt; </a:t>
+            </a:r>
+            <a:r>
+              <a:rPr lang="ko-KR" altLang="en-US" sz="2000" spc="-150" dirty="0" smtClean="0">
+                <a:ln>
+                  <a:solidFill>
+                    <a:schemeClr val="accent1">
+                      <a:alpha val="0"/>
+                    </a:schemeClr>
+                  </a:solidFill>
+                </a:ln>
+                <a:solidFill>
+                  <a:srgbClr val="282421"/>
+                </a:solidFill>
+                <a:latin typeface="a옛날사진관2" panose="02020600000000000000" pitchFamily="18" charset="-127"/>
+                <a:ea typeface="배달의민족 도현" panose="020B0600000101010101"/>
+              </a:rPr>
+              <a:t>회사입장에서는 인재를 빨리 찾을 수 있음</a:t>
+            </a:r>
+            <a:r>
+              <a:rPr lang="ko-KR" altLang="en-US" sz="3200" spc="-150" dirty="0" smtClean="0">
+                <a:ln>
+                  <a:solidFill>
+                    <a:schemeClr val="accent1">
+                      <a:alpha val="0"/>
+                    </a:schemeClr>
+                  </a:solidFill>
+                </a:ln>
+                <a:solidFill>
+                  <a:srgbClr val="282421"/>
+                </a:solidFill>
+                <a:latin typeface="a옛날사진관2" panose="02020600000000000000" pitchFamily="18" charset="-127"/>
+                <a:ea typeface="배달의민족 도현" panose="020B0600000101010101"/>
+              </a:rPr>
+              <a:t> </a:t>
+            </a:r>
+            <a:endParaRPr lang="en-US" altLang="ko-KR" sz="3200" spc="-150" dirty="0">
+              <a:ln>
+                <a:solidFill>
+                  <a:schemeClr val="accent1">
+                    <a:alpha val="0"/>
+                  </a:schemeClr>
+                </a:solidFill>
+              </a:ln>
+              <a:solidFill>
+                <a:srgbClr val="282421"/>
+              </a:solidFill>
+              <a:latin typeface="a옛날사진관2" panose="02020600000000000000" pitchFamily="18" charset="-127"/>
+              <a:ea typeface="배달의민족 도현" panose="020B0600000101010101"/>
+            </a:endParaRPr>
+          </a:p>
+          <a:p>
+            <a:pPr>
+              <a:spcBef>
+                <a:spcPts val="1000"/>
+              </a:spcBef>
+            </a:pPr>
+            <a:endParaRPr lang="en-US" altLang="ko-KR" sz="3200" spc="-150" dirty="0">
+              <a:ln>
+                <a:solidFill>
+                  <a:schemeClr val="accent1">
+                    <a:alpha val="0"/>
+                  </a:schemeClr>
+                </a:solidFill>
+              </a:ln>
+              <a:solidFill>
+                <a:srgbClr val="282421"/>
+              </a:solidFill>
+              <a:latin typeface="a옛날사진관2" panose="02020600000000000000" pitchFamily="18" charset="-127"/>
+              <a:ea typeface="배달의민족 도현" panose="020B0600000101010101"/>
+            </a:endParaRPr>
+          </a:p>
+        </p:txBody>
+      </p:sp>
     </p:spTree>
     <p:extLst>
       <p:ext uri="{BB962C8B-B14F-4D97-AF65-F5344CB8AC3E}">
-        <p14:creationId xmlns:p14="http://schemas.microsoft.com/office/powerpoint/2010/main" val="315249219"/>
+        <p14:creationId xmlns:p14="http://schemas.microsoft.com/office/powerpoint/2010/main" val="3718302309"/>
       </p:ext>
     </p:extLst>
   </p:cSld>
@@ -16009,9 +18425,134 @@
   <p:timing>
     <p:tnLst>
       <p:par>
-        <p:cTn id="1" dur="indefinite" restart="never" nodeType="tmRoot"/>
+        <p:cTn id="1" dur="indefinite" restart="never" nodeType="tmRoot">
+          <p:childTnLst>
+            <p:seq concurrent="1" nextAc="seek">
+              <p:cTn id="2" dur="indefinite" nodeType="mainSeq">
+                <p:childTnLst>
+                  <p:par>
+                    <p:cTn id="3" fill="hold">
+                      <p:stCondLst>
+                        <p:cond delay="indefinite"/>
+                      </p:stCondLst>
+                      <p:childTnLst>
+                        <p:par>
+                          <p:cTn id="4" fill="hold">
+                            <p:stCondLst>
+                              <p:cond delay="0"/>
+                            </p:stCondLst>
+                            <p:childTnLst>
+                              <p:par>
+                                <p:cTn id="5" presetID="42" presetClass="entr" presetSubtype="0" fill="hold" grpId="0" nodeType="clickEffect">
+                                  <p:stCondLst>
+                                    <p:cond delay="0"/>
+                                  </p:stCondLst>
+                                  <p:childTnLst>
+                                    <p:set>
+                                      <p:cBhvr>
+                                        <p:cTn id="6" dur="1" fill="hold">
+                                          <p:stCondLst>
+                                            <p:cond delay="0"/>
+                                          </p:stCondLst>
+                                        </p:cTn>
+                                        <p:tgtEl>
+                                          <p:spTgt spid="12"/>
+                                        </p:tgtEl>
+                                        <p:attrNameLst>
+                                          <p:attrName>style.visibility</p:attrName>
+                                        </p:attrNameLst>
+                                      </p:cBhvr>
+                                      <p:to>
+                                        <p:strVal val="visible"/>
+                                      </p:to>
+                                    </p:set>
+                                    <p:animEffect transition="in" filter="fade">
+                                      <p:cBhvr>
+                                        <p:cTn id="7" dur="1000"/>
+                                        <p:tgtEl>
+                                          <p:spTgt spid="12"/>
+                                        </p:tgtEl>
+                                      </p:cBhvr>
+                                    </p:animEffect>
+                                    <p:anim calcmode="lin" valueType="num">
+                                      <p:cBhvr>
+                                        <p:cTn id="8" dur="1000" fill="hold"/>
+                                        <p:tgtEl>
+                                          <p:spTgt spid="12"/>
+                                        </p:tgtEl>
+                                        <p:attrNameLst>
+                                          <p:attrName>ppt_x</p:attrName>
+                                        </p:attrNameLst>
+                                      </p:cBhvr>
+                                      <p:tavLst>
+                                        <p:tav tm="0">
+                                          <p:val>
+                                            <p:strVal val="#ppt_x"/>
+                                          </p:val>
+                                        </p:tav>
+                                        <p:tav tm="100000">
+                                          <p:val>
+                                            <p:strVal val="#ppt_x"/>
+                                          </p:val>
+                                        </p:tav>
+                                      </p:tavLst>
+                                    </p:anim>
+                                    <p:anim calcmode="lin" valueType="num">
+                                      <p:cBhvr>
+                                        <p:cTn id="9" dur="1000" fill="hold"/>
+                                        <p:tgtEl>
+                                          <p:spTgt spid="12"/>
+                                        </p:tgtEl>
+                                        <p:attrNameLst>
+                                          <p:attrName>ppt_y</p:attrName>
+                                        </p:attrNameLst>
+                                      </p:cBhvr>
+                                      <p:tavLst>
+                                        <p:tav tm="0">
+                                          <p:val>
+                                            <p:strVal val="#ppt_y+.1"/>
+                                          </p:val>
+                                        </p:tav>
+                                        <p:tav tm="100000">
+                                          <p:val>
+                                            <p:strVal val="#ppt_y"/>
+                                          </p:val>
+                                        </p:tav>
+                                      </p:tavLst>
+                                    </p:anim>
+                                  </p:childTnLst>
+                                </p:cTn>
+                              </p:par>
+                            </p:childTnLst>
+                          </p:cTn>
+                        </p:par>
+                      </p:childTnLst>
+                    </p:cTn>
+                  </p:par>
+                </p:childTnLst>
+              </p:cTn>
+              <p:prevCondLst>
+                <p:cond evt="onPrev" delay="0">
+                  <p:tgtEl>
+                    <p:sldTgt/>
+                  </p:tgtEl>
+                </p:cond>
+              </p:prevCondLst>
+              <p:nextCondLst>
+                <p:cond evt="onNext" delay="0">
+                  <p:tgtEl>
+                    <p:sldTgt/>
+                  </p:tgtEl>
+                </p:cond>
+              </p:nextCondLst>
+            </p:seq>
+          </p:childTnLst>
+        </p:cTn>
       </p:par>
     </p:tnLst>
+    <p:bldLst>
+      <p:bldP spid="12" grpId="0"/>
+    </p:bldLst>
   </p:timing>
 </p:sld>
 </file>
@@ -16962,6 +19503,1277 @@
     <p:bldLst>
       <p:bldP spid="12" grpId="0"/>
     </p:bldLst>
+  </p:timing>
+</p:sld>
+</file>
+
+<file path=ppt/slides/slide20.xml><?xml version="1.0" encoding="utf-8"?>
+<p:sld xmlns:a="http://schemas.openxmlformats.org/drawingml/2006/main" xmlns:r="http://schemas.openxmlformats.org/officeDocument/2006/relationships" xmlns:p="http://schemas.openxmlformats.org/presentationml/2006/main">
+  <p:cSld>
+    <p:spTree>
+      <p:nvGrpSpPr>
+        <p:cNvPr id="1" name=""/>
+        <p:cNvGrpSpPr/>
+        <p:nvPr/>
+      </p:nvGrpSpPr>
+      <p:grpSpPr>
+        <a:xfrm>
+          <a:off x="0" y="0"/>
+          <a:ext cx="0" cy="0"/>
+          <a:chOff x="0" y="0"/>
+          <a:chExt cx="0" cy="0"/>
+        </a:xfrm>
+      </p:grpSpPr>
+      <p:sp>
+        <p:nvSpPr>
+          <p:cNvPr id="2" name="제목 1" hidden="1"/>
+          <p:cNvSpPr>
+            <a:spLocks noGrp="1"/>
+          </p:cNvSpPr>
+          <p:nvPr>
+            <p:ph type="title"/>
+          </p:nvPr>
+        </p:nvSpPr>
+        <p:spPr/>
+        <p:txBody>
+          <a:bodyPr/>
+          <a:lstStyle/>
+          <a:p>
+            <a:r>
+              <a:rPr lang="ko-KR" altLang="en-US" dirty="0" err="1"/>
+              <a:t>ㅋ</a:t>
+            </a:r>
+            <a:endParaRPr lang="ko-KR" altLang="en-US" dirty="0"/>
+          </a:p>
+        </p:txBody>
+      </p:sp>
+      <p:cxnSp>
+        <p:nvCxnSpPr>
+          <p:cNvPr id="5" name="직선 연결선 4"/>
+          <p:cNvCxnSpPr/>
+          <p:nvPr/>
+        </p:nvCxnSpPr>
+        <p:spPr>
+          <a:xfrm>
+            <a:off x="463854" y="555894"/>
+            <a:ext cx="560439" cy="0"/>
+          </a:xfrm>
+          <a:prstGeom prst="line">
+            <a:avLst/>
+          </a:prstGeom>
+          <a:ln>
+            <a:solidFill>
+              <a:schemeClr val="bg1"/>
+            </a:solidFill>
+          </a:ln>
+        </p:spPr>
+        <p:style>
+          <a:lnRef idx="1">
+            <a:schemeClr val="accent1"/>
+          </a:lnRef>
+          <a:fillRef idx="0">
+            <a:schemeClr val="accent1"/>
+          </a:fillRef>
+          <a:effectRef idx="0">
+            <a:schemeClr val="accent1"/>
+          </a:effectRef>
+          <a:fontRef idx="minor">
+            <a:schemeClr val="tx1"/>
+          </a:fontRef>
+        </p:style>
+      </p:cxnSp>
+      <p:cxnSp>
+        <p:nvCxnSpPr>
+          <p:cNvPr id="6" name="직선 연결선 5"/>
+          <p:cNvCxnSpPr/>
+          <p:nvPr/>
+        </p:nvCxnSpPr>
+        <p:spPr>
+          <a:xfrm>
+            <a:off x="486696" y="2257425"/>
+            <a:ext cx="560439" cy="0"/>
+          </a:xfrm>
+          <a:prstGeom prst="line">
+            <a:avLst/>
+          </a:prstGeom>
+          <a:ln>
+            <a:solidFill>
+              <a:schemeClr val="bg1"/>
+            </a:solidFill>
+          </a:ln>
+        </p:spPr>
+        <p:style>
+          <a:lnRef idx="1">
+            <a:schemeClr val="accent1"/>
+          </a:lnRef>
+          <a:fillRef idx="0">
+            <a:schemeClr val="accent1"/>
+          </a:fillRef>
+          <a:effectRef idx="0">
+            <a:schemeClr val="accent1"/>
+          </a:effectRef>
+          <a:fontRef idx="minor">
+            <a:schemeClr val="tx1"/>
+          </a:fontRef>
+        </p:style>
+      </p:cxnSp>
+      <p:sp>
+        <p:nvSpPr>
+          <p:cNvPr id="7" name="TextBox 6"/>
+          <p:cNvSpPr txBox="1"/>
+          <p:nvPr/>
+        </p:nvSpPr>
+        <p:spPr>
+          <a:xfrm>
+            <a:off x="353419" y="796300"/>
+            <a:ext cx="1557774" cy="1461125"/>
+          </a:xfrm>
+          <a:prstGeom prst="rect">
+            <a:avLst/>
+          </a:prstGeom>
+        </p:spPr>
+        <p:txBody>
+          <a:bodyPr vert="horz" lIns="91440" tIns="45720" rIns="91440" bIns="45720" rtlCol="0">
+            <a:noAutofit/>
+          </a:bodyPr>
+          <a:lstStyle>
+            <a:defPPr>
+              <a:defRPr lang="ko-KR"/>
+            </a:defPPr>
+            <a:lvl1pPr indent="0">
+              <a:lnSpc>
+                <a:spcPct val="100000"/>
+              </a:lnSpc>
+              <a:spcBef>
+                <a:spcPts val="1000"/>
+              </a:spcBef>
+              <a:buFont typeface="Arial" panose="020B0604020202020204" pitchFamily="34" charset="0"/>
+              <a:buNone/>
+              <a:defRPr sz="1100">
+                <a:ln>
+                  <a:solidFill>
+                    <a:schemeClr val="accent1">
+                      <a:alpha val="0"/>
+                    </a:schemeClr>
+                  </a:solidFill>
+                </a:ln>
+                <a:solidFill>
+                  <a:schemeClr val="bg1"/>
+                </a:solidFill>
+                <a:latin typeface="-윤고딕330" panose="02030504000101010101" pitchFamily="18" charset="-127"/>
+                <a:ea typeface="-윤고딕330" panose="02030504000101010101" pitchFamily="18" charset="-127"/>
+              </a:defRPr>
+            </a:lvl1pPr>
+            <a:lvl2pPr marL="685800" indent="-228600">
+              <a:lnSpc>
+                <a:spcPct val="90000"/>
+              </a:lnSpc>
+              <a:spcBef>
+                <a:spcPts val="500"/>
+              </a:spcBef>
+              <a:buFont typeface="Arial" panose="020B0604020202020204" pitchFamily="34" charset="0"/>
+              <a:buChar char="•"/>
+              <a:defRPr sz="2400"/>
+            </a:lvl2pPr>
+            <a:lvl3pPr marL="1143000" indent="-228600">
+              <a:lnSpc>
+                <a:spcPct val="90000"/>
+              </a:lnSpc>
+              <a:spcBef>
+                <a:spcPts val="500"/>
+              </a:spcBef>
+              <a:buFont typeface="Arial" panose="020B0604020202020204" pitchFamily="34" charset="0"/>
+              <a:buChar char="•"/>
+              <a:defRPr sz="2000"/>
+            </a:lvl3pPr>
+            <a:lvl4pPr marL="1600200" indent="-228600">
+              <a:lnSpc>
+                <a:spcPct val="90000"/>
+              </a:lnSpc>
+              <a:spcBef>
+                <a:spcPts val="500"/>
+              </a:spcBef>
+              <a:buFont typeface="Arial" panose="020B0604020202020204" pitchFamily="34" charset="0"/>
+              <a:buChar char="•"/>
+            </a:lvl4pPr>
+            <a:lvl5pPr marL="2057400" indent="-228600">
+              <a:lnSpc>
+                <a:spcPct val="90000"/>
+              </a:lnSpc>
+              <a:spcBef>
+                <a:spcPts val="500"/>
+              </a:spcBef>
+              <a:buFont typeface="Arial" panose="020B0604020202020204" pitchFamily="34" charset="0"/>
+              <a:buChar char="•"/>
+            </a:lvl5pPr>
+            <a:lvl6pPr marL="2514600" indent="-228600">
+              <a:lnSpc>
+                <a:spcPct val="90000"/>
+              </a:lnSpc>
+              <a:spcBef>
+                <a:spcPts val="500"/>
+              </a:spcBef>
+              <a:buFont typeface="Arial" panose="020B0604020202020204" pitchFamily="34" charset="0"/>
+              <a:buChar char="•"/>
+            </a:lvl6pPr>
+            <a:lvl7pPr marL="2971800" indent="-228600">
+              <a:lnSpc>
+                <a:spcPct val="90000"/>
+              </a:lnSpc>
+              <a:spcBef>
+                <a:spcPts val="500"/>
+              </a:spcBef>
+              <a:buFont typeface="Arial" panose="020B0604020202020204" pitchFamily="34" charset="0"/>
+              <a:buChar char="•"/>
+            </a:lvl7pPr>
+            <a:lvl8pPr marL="3429000" indent="-228600">
+              <a:lnSpc>
+                <a:spcPct val="90000"/>
+              </a:lnSpc>
+              <a:spcBef>
+                <a:spcPts val="500"/>
+              </a:spcBef>
+              <a:buFont typeface="Arial" panose="020B0604020202020204" pitchFamily="34" charset="0"/>
+              <a:buChar char="•"/>
+            </a:lvl8pPr>
+            <a:lvl9pPr marL="3886200" indent="-228600">
+              <a:lnSpc>
+                <a:spcPct val="90000"/>
+              </a:lnSpc>
+              <a:spcBef>
+                <a:spcPts val="500"/>
+              </a:spcBef>
+              <a:buFont typeface="Arial" panose="020B0604020202020204" pitchFamily="34" charset="0"/>
+              <a:buChar char="•"/>
+            </a:lvl9pPr>
+          </a:lstStyle>
+          <a:p>
+            <a:r>
+              <a:rPr lang="en-US" altLang="ko-KR" sz="2400" dirty="0" smtClean="0">
+                <a:latin typeface="Noto Sans CJK KR Medium" panose="020B0600000000000000" pitchFamily="34" charset="-127"/>
+                <a:ea typeface="Noto Sans CJK KR Medium" panose="020B0600000000000000" pitchFamily="34" charset="-127"/>
+              </a:rPr>
+              <a:t>18</a:t>
+            </a:r>
+          </a:p>
+          <a:p>
+            <a:r>
+              <a:rPr lang="ko-KR" altLang="en-US" sz="2400" dirty="0" smtClean="0">
+                <a:latin typeface="Noto Sans CJK KR Medium" panose="020B0600000000000000" pitchFamily="34" charset="-127"/>
+                <a:ea typeface="Noto Sans CJK KR Medium" panose="020B0600000000000000" pitchFamily="34" charset="-127"/>
+              </a:rPr>
+              <a:t>프로젝트 </a:t>
+            </a:r>
+            <a:r>
+              <a:rPr lang="ko-KR" altLang="en-US" sz="2400" dirty="0" err="1" smtClean="0">
+                <a:latin typeface="Noto Sans CJK KR Medium" panose="020B0600000000000000" pitchFamily="34" charset="-127"/>
+                <a:ea typeface="Noto Sans CJK KR Medium" panose="020B0600000000000000" pitchFamily="34" charset="-127"/>
+              </a:rPr>
+              <a:t>느낀점</a:t>
+            </a:r>
+            <a:endParaRPr lang="en-US" altLang="ko-KR" sz="2400" dirty="0" smtClean="0">
+              <a:latin typeface="Noto Sans CJK KR Medium" panose="020B0600000000000000" pitchFamily="34" charset="-127"/>
+              <a:ea typeface="Noto Sans CJK KR Medium" panose="020B0600000000000000" pitchFamily="34" charset="-127"/>
+            </a:endParaRPr>
+          </a:p>
+        </p:txBody>
+      </p:sp>
+      <p:sp>
+        <p:nvSpPr>
+          <p:cNvPr id="9" name="직사각형 8"/>
+          <p:cNvSpPr/>
+          <p:nvPr/>
+        </p:nvSpPr>
+        <p:spPr>
+          <a:xfrm>
+            <a:off x="2752166" y="1089843"/>
+            <a:ext cx="8309124" cy="461665"/>
+          </a:xfrm>
+          <a:prstGeom prst="rect">
+            <a:avLst/>
+          </a:prstGeom>
+        </p:spPr>
+        <p:txBody>
+          <a:bodyPr wrap="square">
+            <a:spAutoFit/>
+          </a:bodyPr>
+          <a:lstStyle/>
+          <a:p>
+            <a:pPr>
+              <a:spcBef>
+                <a:spcPts val="1000"/>
+              </a:spcBef>
+            </a:pPr>
+            <a:r>
+              <a:rPr lang="ko-KR" altLang="en-US" sz="2400" spc="-150" dirty="0" err="1">
+                <a:ln>
+                  <a:solidFill>
+                    <a:schemeClr val="accent1">
+                      <a:alpha val="0"/>
+                    </a:schemeClr>
+                  </a:solidFill>
+                </a:ln>
+                <a:solidFill>
+                  <a:srgbClr val="282421"/>
+                </a:solidFill>
+                <a:latin typeface="Noto Sans CJK KR Medium" panose="020B0600000000000000" pitchFamily="34" charset="-127"/>
+                <a:ea typeface="Noto Sans CJK KR Medium" panose="020B0600000000000000" pitchFamily="34" charset="-127"/>
+              </a:rPr>
+              <a:t>레주메북을</a:t>
+            </a:r>
+            <a:r>
+              <a:rPr lang="ko-KR" altLang="en-US" sz="2400" spc="-150" dirty="0">
+                <a:ln>
+                  <a:solidFill>
+                    <a:schemeClr val="accent1">
+                      <a:alpha val="0"/>
+                    </a:schemeClr>
+                  </a:solidFill>
+                </a:ln>
+                <a:solidFill>
+                  <a:srgbClr val="282421"/>
+                </a:solidFill>
+                <a:latin typeface="Noto Sans CJK KR Medium" panose="020B0600000000000000" pitchFamily="34" charset="-127"/>
+                <a:ea typeface="Noto Sans CJK KR Medium" panose="020B0600000000000000" pitchFamily="34" charset="-127"/>
+              </a:rPr>
+              <a:t> </a:t>
+            </a:r>
+            <a:r>
+              <a:rPr lang="en-US" altLang="ko-KR" sz="2400" spc="-150" dirty="0">
+                <a:ln>
+                  <a:solidFill>
+                    <a:schemeClr val="accent1">
+                      <a:alpha val="0"/>
+                    </a:schemeClr>
+                  </a:solidFill>
+                </a:ln>
+                <a:solidFill>
+                  <a:srgbClr val="282421"/>
+                </a:solidFill>
+                <a:latin typeface="Noto Sans CJK KR Medium" panose="020B0600000000000000" pitchFamily="34" charset="-127"/>
+                <a:ea typeface="Noto Sans CJK KR Medium" panose="020B0600000000000000" pitchFamily="34" charset="-127"/>
+              </a:rPr>
+              <a:t>“2uzuBook”</a:t>
+            </a:r>
+            <a:r>
+              <a:rPr lang="ko-KR" altLang="en-US" sz="2400" spc="-150" dirty="0">
+                <a:ln>
+                  <a:solidFill>
+                    <a:schemeClr val="accent1">
+                      <a:alpha val="0"/>
+                    </a:schemeClr>
+                  </a:solidFill>
+                </a:ln>
+                <a:solidFill>
+                  <a:srgbClr val="282421"/>
+                </a:solidFill>
+                <a:latin typeface="Noto Sans CJK KR Medium" panose="020B0600000000000000" pitchFamily="34" charset="-127"/>
+                <a:ea typeface="Noto Sans CJK KR Medium" panose="020B0600000000000000" pitchFamily="34" charset="-127"/>
+              </a:rPr>
+              <a:t>로 </a:t>
+            </a:r>
+            <a:r>
+              <a:rPr lang="ko-KR" altLang="en-US" sz="2400" spc="-150" dirty="0" smtClean="0">
+                <a:ln>
+                  <a:solidFill>
+                    <a:schemeClr val="accent1">
+                      <a:alpha val="0"/>
+                    </a:schemeClr>
+                  </a:solidFill>
+                </a:ln>
+                <a:solidFill>
+                  <a:srgbClr val="282421"/>
+                </a:solidFill>
+                <a:latin typeface="Noto Sans CJK KR Medium" panose="020B0600000000000000" pitchFamily="34" charset="-127"/>
+                <a:ea typeface="Noto Sans CJK KR Medium" panose="020B0600000000000000" pitchFamily="34" charset="-127"/>
+              </a:rPr>
+              <a:t>바꾸다</a:t>
+            </a:r>
+            <a:r>
+              <a:rPr lang="en-US" altLang="ko-KR" sz="2400" spc="-150" dirty="0">
+                <a:ln>
+                  <a:solidFill>
+                    <a:schemeClr val="accent1">
+                      <a:alpha val="0"/>
+                    </a:schemeClr>
+                  </a:solidFill>
+                </a:ln>
+                <a:solidFill>
+                  <a:srgbClr val="282421"/>
+                </a:solidFill>
+                <a:latin typeface="Noto Sans CJK KR Medium" panose="020B0600000000000000" pitchFamily="34" charset="-127"/>
+                <a:ea typeface="Noto Sans CJK KR Medium" panose="020B0600000000000000" pitchFamily="34" charset="-127"/>
+              </a:rPr>
+              <a:t> </a:t>
+            </a:r>
+            <a:endParaRPr lang="en-US" altLang="ko-KR" sz="2400" spc="-150" dirty="0">
+              <a:ln>
+                <a:solidFill>
+                  <a:schemeClr val="accent1">
+                    <a:alpha val="0"/>
+                  </a:schemeClr>
+                </a:solidFill>
+              </a:ln>
+              <a:solidFill>
+                <a:srgbClr val="282421"/>
+              </a:solidFill>
+              <a:latin typeface="Noto Sans CJK KR Medium" panose="020B0600000000000000" pitchFamily="34" charset="-127"/>
+              <a:ea typeface="Noto Sans CJK KR Medium" panose="020B0600000000000000" pitchFamily="34" charset="-127"/>
+            </a:endParaRPr>
+          </a:p>
+        </p:txBody>
+      </p:sp>
+      <p:sp>
+        <p:nvSpPr>
+          <p:cNvPr id="24" name="직사각형 23"/>
+          <p:cNvSpPr/>
+          <p:nvPr/>
+        </p:nvSpPr>
+        <p:spPr>
+          <a:xfrm>
+            <a:off x="9291319" y="6537278"/>
+            <a:ext cx="2900681" cy="320722"/>
+          </a:xfrm>
+          <a:prstGeom prst="rect">
+            <a:avLst/>
+          </a:prstGeom>
+          <a:solidFill>
+            <a:schemeClr val="bg1"/>
+          </a:solidFill>
+          <a:ln>
+            <a:solidFill>
+              <a:schemeClr val="bg1"/>
+            </a:solidFill>
+          </a:ln>
+        </p:spPr>
+        <p:style>
+          <a:lnRef idx="2">
+            <a:schemeClr val="accent1">
+              <a:shade val="50000"/>
+            </a:schemeClr>
+          </a:lnRef>
+          <a:fillRef idx="1">
+            <a:schemeClr val="accent1"/>
+          </a:fillRef>
+          <a:effectRef idx="0">
+            <a:schemeClr val="accent1"/>
+          </a:effectRef>
+          <a:fontRef idx="minor">
+            <a:schemeClr val="lt1"/>
+          </a:fontRef>
+        </p:style>
+        <p:txBody>
+          <a:bodyPr rtlCol="0" anchor="ctr"/>
+          <a:lstStyle/>
+          <a:p>
+            <a:pPr algn="ctr"/>
+            <a:endParaRPr lang="ko-KR" altLang="en-US"/>
+          </a:p>
+        </p:txBody>
+      </p:sp>
+      <p:sp>
+        <p:nvSpPr>
+          <p:cNvPr id="4" name="Rectangle 2"/>
+          <p:cNvSpPr>
+            <a:spLocks noChangeArrowheads="1"/>
+          </p:cNvSpPr>
+          <p:nvPr/>
+        </p:nvSpPr>
+        <p:spPr bwMode="auto">
+          <a:xfrm>
+            <a:off x="0" y="0"/>
+            <a:ext cx="12192000" cy="457200"/>
+          </a:xfrm>
+          <a:prstGeom prst="rect">
+            <a:avLst/>
+          </a:prstGeom>
+          <a:noFill/>
+          <a:ln>
+            <a:noFill/>
+          </a:ln>
+          <a:effectLst/>
+          <a:extLst>
+            <a:ext uri="{909E8E84-426E-40DD-AFC4-6F175D3DCCD1}">
+              <a14:hiddenFill xmlns:a14="http://schemas.microsoft.com/office/drawing/2010/main">
+                <a:solidFill>
+                  <a:schemeClr val="accent1"/>
+                </a:solidFill>
+              </a14:hiddenFill>
+            </a:ext>
+            <a:ext uri="{91240B29-F687-4F45-9708-019B960494DF}">
+              <a14:hiddenLine xmlns:a14="http://schemas.microsoft.com/office/drawing/2010/main" w="9525">
+                <a:solidFill>
+                  <a:schemeClr val="tx1"/>
+                </a:solidFill>
+                <a:miter lim="800000"/>
+                <a:headEnd/>
+                <a:tailEnd/>
+              </a14:hiddenLine>
+            </a:ext>
+            <a:ext uri="{AF507438-7753-43E0-B8FC-AC1667EBCBE1}">
+              <a14:hiddenEffects xmlns:a14="http://schemas.microsoft.com/office/drawing/2010/main">
+                <a:effectLst>
+                  <a:outerShdw dist="35921" dir="2700000" algn="ctr" rotWithShape="0">
+                    <a:schemeClr val="bg2"/>
+                  </a:outerShdw>
+                </a:effectLst>
+              </a14:hiddenEffects>
+            </a:ext>
+          </a:extLst>
+        </p:spPr>
+        <p:txBody>
+          <a:bodyPr vert="horz" wrap="none" lIns="91440" tIns="45720" rIns="91440" bIns="45720" numCol="1" anchor="ctr" anchorCtr="0" compatLnSpc="1">
+            <a:prstTxWarp prst="textNoShape">
+              <a:avLst/>
+            </a:prstTxWarp>
+            <a:spAutoFit/>
+          </a:bodyPr>
+          <a:lstStyle/>
+          <a:p>
+            <a:endParaRPr lang="ko-KR" altLang="en-US"/>
+          </a:p>
+        </p:txBody>
+      </p:sp>
+      <p:sp>
+        <p:nvSpPr>
+          <p:cNvPr id="10" name="Rectangle 4"/>
+          <p:cNvSpPr>
+            <a:spLocks noChangeArrowheads="1"/>
+          </p:cNvSpPr>
+          <p:nvPr/>
+        </p:nvSpPr>
+        <p:spPr bwMode="auto">
+          <a:xfrm>
+            <a:off x="0" y="0"/>
+            <a:ext cx="12192000" cy="457200"/>
+          </a:xfrm>
+          <a:prstGeom prst="rect">
+            <a:avLst/>
+          </a:prstGeom>
+          <a:noFill/>
+          <a:ln>
+            <a:noFill/>
+          </a:ln>
+          <a:effectLst/>
+          <a:extLst>
+            <a:ext uri="{909E8E84-426E-40DD-AFC4-6F175D3DCCD1}">
+              <a14:hiddenFill xmlns:a14="http://schemas.microsoft.com/office/drawing/2010/main">
+                <a:solidFill>
+                  <a:schemeClr val="accent1"/>
+                </a:solidFill>
+              </a14:hiddenFill>
+            </a:ext>
+            <a:ext uri="{91240B29-F687-4F45-9708-019B960494DF}">
+              <a14:hiddenLine xmlns:a14="http://schemas.microsoft.com/office/drawing/2010/main" w="9525">
+                <a:solidFill>
+                  <a:schemeClr val="tx1"/>
+                </a:solidFill>
+                <a:miter lim="800000"/>
+                <a:headEnd/>
+                <a:tailEnd/>
+              </a14:hiddenLine>
+            </a:ext>
+            <a:ext uri="{AF507438-7753-43E0-B8FC-AC1667EBCBE1}">
+              <a14:hiddenEffects xmlns:a14="http://schemas.microsoft.com/office/drawing/2010/main">
+                <a:effectLst>
+                  <a:outerShdw dist="35921" dir="2700000" algn="ctr" rotWithShape="0">
+                    <a:schemeClr val="bg2"/>
+                  </a:outerShdw>
+                </a:effectLst>
+              </a14:hiddenEffects>
+            </a:ext>
+          </a:extLst>
+        </p:spPr>
+        <p:txBody>
+          <a:bodyPr vert="horz" wrap="none" lIns="91440" tIns="45720" rIns="91440" bIns="45720" numCol="1" anchor="ctr" anchorCtr="0" compatLnSpc="1">
+            <a:prstTxWarp prst="textNoShape">
+              <a:avLst/>
+            </a:prstTxWarp>
+            <a:spAutoFit/>
+          </a:bodyPr>
+          <a:lstStyle/>
+          <a:p>
+            <a:endParaRPr lang="ko-KR" altLang="en-US"/>
+          </a:p>
+        </p:txBody>
+      </p:sp>
+      <p:sp>
+        <p:nvSpPr>
+          <p:cNvPr id="14" name="TextBox 13"/>
+          <p:cNvSpPr txBox="1"/>
+          <p:nvPr/>
+        </p:nvSpPr>
+        <p:spPr>
+          <a:xfrm>
+            <a:off x="2752863" y="792222"/>
+            <a:ext cx="5315879" cy="369332"/>
+          </a:xfrm>
+          <a:prstGeom prst="rect">
+            <a:avLst/>
+          </a:prstGeom>
+        </p:spPr>
+        <p:txBody>
+          <a:bodyPr wrap="none">
+            <a:spAutoFit/>
+          </a:bodyPr>
+          <a:lstStyle>
+            <a:defPPr>
+              <a:defRPr lang="ko-KR"/>
+            </a:defPPr>
+            <a:lvl1pPr>
+              <a:spcBef>
+                <a:spcPts val="1000"/>
+              </a:spcBef>
+              <a:defRPr sz="2000">
+                <a:ln>
+                  <a:solidFill>
+                    <a:schemeClr val="accent1">
+                      <a:alpha val="0"/>
+                    </a:schemeClr>
+                  </a:solidFill>
+                </a:ln>
+                <a:solidFill>
+                  <a:schemeClr val="bg1"/>
+                </a:solidFill>
+                <a:latin typeface="Noto Sans CJK KR Medium" panose="020B0600000000000000" pitchFamily="34" charset="-127"/>
+                <a:ea typeface="Noto Sans CJK KR Medium" panose="020B0600000000000000" pitchFamily="34" charset="-127"/>
+              </a:defRPr>
+            </a:lvl1pPr>
+          </a:lstStyle>
+          <a:p>
+            <a:r>
+              <a:rPr lang="ko-KR" altLang="en-US" sz="1800" dirty="0">
+                <a:solidFill>
+                  <a:schemeClr val="bg1">
+                    <a:lumMod val="75000"/>
+                  </a:schemeClr>
+                </a:solidFill>
+              </a:rPr>
+              <a:t>기존의 </a:t>
+            </a:r>
+            <a:r>
+              <a:rPr lang="ko-KR" altLang="en-US" sz="1800" dirty="0" err="1">
+                <a:solidFill>
+                  <a:schemeClr val="bg1">
+                    <a:lumMod val="75000"/>
+                  </a:schemeClr>
+                </a:solidFill>
+              </a:rPr>
+              <a:t>책으로된</a:t>
+            </a:r>
+            <a:r>
+              <a:rPr lang="ko-KR" altLang="en-US" sz="1800" dirty="0">
+                <a:solidFill>
+                  <a:schemeClr val="bg1">
+                    <a:lumMod val="75000"/>
+                  </a:schemeClr>
+                </a:solidFill>
+              </a:rPr>
+              <a:t> </a:t>
+            </a:r>
+            <a:r>
+              <a:rPr lang="en-US" altLang="ko-KR" sz="1800" dirty="0">
+                <a:solidFill>
+                  <a:schemeClr val="bg1">
+                    <a:lumMod val="75000"/>
+                  </a:schemeClr>
+                </a:solidFill>
+              </a:rPr>
+              <a:t>“</a:t>
+            </a:r>
+            <a:r>
+              <a:rPr lang="ko-KR" altLang="en-US" sz="1800" dirty="0" err="1">
+                <a:solidFill>
+                  <a:schemeClr val="bg1">
+                    <a:lumMod val="75000"/>
+                  </a:schemeClr>
+                </a:solidFill>
+              </a:rPr>
+              <a:t>레주메북</a:t>
+            </a:r>
+            <a:r>
+              <a:rPr lang="en-US" altLang="ko-KR" sz="1800" dirty="0">
+                <a:solidFill>
+                  <a:schemeClr val="bg1">
+                    <a:lumMod val="75000"/>
+                  </a:schemeClr>
+                </a:solidFill>
+              </a:rPr>
+              <a:t>”</a:t>
+            </a:r>
+            <a:r>
+              <a:rPr lang="ko-KR" altLang="en-US" sz="1800" dirty="0">
+                <a:solidFill>
+                  <a:schemeClr val="bg1">
+                    <a:lumMod val="75000"/>
+                  </a:schemeClr>
+                </a:solidFill>
+              </a:rPr>
+              <a:t>의 불편함을 없앤</a:t>
+            </a:r>
+          </a:p>
+        </p:txBody>
+      </p:sp>
+      <p:pic>
+        <p:nvPicPr>
+          <p:cNvPr id="2050" name="Picture 2" descr="관련 이미지"/>
+          <p:cNvPicPr>
+            <a:picLocks noChangeAspect="1" noChangeArrowheads="1"/>
+          </p:cNvPicPr>
+          <p:nvPr/>
+        </p:nvPicPr>
+        <p:blipFill>
+          <a:blip r:embed="rId3">
+            <a:extLst>
+              <a:ext uri="{28A0092B-C50C-407E-A947-70E740481C1C}">
+                <a14:useLocalDpi xmlns:a14="http://schemas.microsoft.com/office/drawing/2010/main" val="0"/>
+              </a:ext>
+            </a:extLst>
+          </a:blip>
+          <a:srcRect/>
+          <a:stretch>
+            <a:fillRect/>
+          </a:stretch>
+        </p:blipFill>
+        <p:spPr bwMode="auto">
+          <a:xfrm>
+            <a:off x="2752166" y="1984119"/>
+            <a:ext cx="1666875" cy="2743201"/>
+          </a:xfrm>
+          <a:prstGeom prst="rect">
+            <a:avLst/>
+          </a:prstGeom>
+          <a:noFill/>
+          <a:extLst>
+            <a:ext uri="{909E8E84-426E-40DD-AFC4-6F175D3DCCD1}">
+              <a14:hiddenFill xmlns:a14="http://schemas.microsoft.com/office/drawing/2010/main">
+                <a:solidFill>
+                  <a:srgbClr val="FFFFFF"/>
+                </a:solidFill>
+              </a14:hiddenFill>
+            </a:ext>
+          </a:extLst>
+        </p:spPr>
+      </p:pic>
+      <p:pic>
+        <p:nvPicPr>
+          <p:cNvPr id="11" name="그림 10"/>
+          <p:cNvPicPr>
+            <a:picLocks noChangeAspect="1"/>
+          </p:cNvPicPr>
+          <p:nvPr/>
+        </p:nvPicPr>
+        <p:blipFill>
+          <a:blip r:embed="rId4"/>
+          <a:stretch>
+            <a:fillRect/>
+          </a:stretch>
+        </p:blipFill>
+        <p:spPr>
+          <a:xfrm>
+            <a:off x="8417063" y="1849129"/>
+            <a:ext cx="3363368" cy="2693374"/>
+          </a:xfrm>
+          <a:prstGeom prst="rect">
+            <a:avLst/>
+          </a:prstGeom>
+        </p:spPr>
+      </p:pic>
+      <p:pic>
+        <p:nvPicPr>
+          <p:cNvPr id="2056" name="Picture 8" descr="눈물짤에 대한 이미지 검색결과"/>
+          <p:cNvPicPr>
+            <a:picLocks noChangeAspect="1" noChangeArrowheads="1"/>
+          </p:cNvPicPr>
+          <p:nvPr/>
+        </p:nvPicPr>
+        <p:blipFill>
+          <a:blip r:embed="rId5">
+            <a:extLst>
+              <a:ext uri="{28A0092B-C50C-407E-A947-70E740481C1C}">
+                <a14:useLocalDpi xmlns:a14="http://schemas.microsoft.com/office/drawing/2010/main" val="0"/>
+              </a:ext>
+            </a:extLst>
+          </a:blip>
+          <a:srcRect/>
+          <a:stretch>
+            <a:fillRect/>
+          </a:stretch>
+        </p:blipFill>
+        <p:spPr bwMode="auto">
+          <a:xfrm>
+            <a:off x="4513052" y="1794197"/>
+            <a:ext cx="3810000" cy="4933950"/>
+          </a:xfrm>
+          <a:prstGeom prst="rect">
+            <a:avLst/>
+          </a:prstGeom>
+          <a:noFill/>
+          <a:extLst>
+            <a:ext uri="{909E8E84-426E-40DD-AFC4-6F175D3DCCD1}">
+              <a14:hiddenFill xmlns:a14="http://schemas.microsoft.com/office/drawing/2010/main">
+                <a:solidFill>
+                  <a:srgbClr val="FFFFFF"/>
+                </a:solidFill>
+              </a14:hiddenFill>
+            </a:ext>
+          </a:extLst>
+        </p:spPr>
+      </p:pic>
+      <p:pic>
+        <p:nvPicPr>
+          <p:cNvPr id="13" name="그림 12"/>
+          <p:cNvPicPr>
+            <a:picLocks noChangeAspect="1"/>
+          </p:cNvPicPr>
+          <p:nvPr/>
+        </p:nvPicPr>
+        <p:blipFill>
+          <a:blip r:embed="rId6">
+            <a:extLst>
+              <a:ext uri="{BEBA8EAE-BF5A-486C-A8C5-ECC9F3942E4B}">
+                <a14:imgProps xmlns:a14="http://schemas.microsoft.com/office/drawing/2010/main">
+                  <a14:imgLayer r:embed="rId7">
+                    <a14:imgEffect>
+                      <a14:backgroundRemoval t="10000" b="90000" l="10000" r="90000">
+                        <a14:backgroundMark x1="67344" y1="62222" x2="60938" y2="86528"/>
+                      </a14:backgroundRemoval>
+                    </a14:imgEffect>
+                  </a14:imgLayer>
+                </a14:imgProps>
+              </a:ext>
+              <a:ext uri="{28A0092B-C50C-407E-A947-70E740481C1C}">
+                <a14:useLocalDpi xmlns:a14="http://schemas.microsoft.com/office/drawing/2010/main" val="0"/>
+              </a:ext>
+            </a:extLst>
+          </a:blip>
+          <a:stretch>
+            <a:fillRect/>
+          </a:stretch>
+        </p:blipFill>
+        <p:spPr>
+          <a:xfrm>
+            <a:off x="-593758" y="-120578"/>
+            <a:ext cx="14571411" cy="8196418"/>
+          </a:xfrm>
+          <a:prstGeom prst="rect">
+            <a:avLst/>
+          </a:prstGeom>
+        </p:spPr>
+      </p:pic>
+    </p:spTree>
+    <p:extLst>
+      <p:ext uri="{BB962C8B-B14F-4D97-AF65-F5344CB8AC3E}">
+        <p14:creationId xmlns:p14="http://schemas.microsoft.com/office/powerpoint/2010/main" val="906867836"/>
+      </p:ext>
+    </p:extLst>
+  </p:cSld>
+  <p:clrMapOvr>
+    <a:masterClrMapping/>
+  </p:clrMapOvr>
+  <p:timing>
+    <p:tnLst>
+      <p:par>
+        <p:cTn id="1" dur="indefinite" restart="never" nodeType="tmRoot">
+          <p:childTnLst>
+            <p:seq concurrent="1" nextAc="seek">
+              <p:cTn id="2" dur="indefinite" nodeType="mainSeq">
+                <p:childTnLst>
+                  <p:par>
+                    <p:cTn id="3" fill="hold">
+                      <p:stCondLst>
+                        <p:cond delay="indefinite"/>
+                      </p:stCondLst>
+                      <p:childTnLst>
+                        <p:par>
+                          <p:cTn id="4" fill="hold">
+                            <p:stCondLst>
+                              <p:cond delay="0"/>
+                            </p:stCondLst>
+                            <p:childTnLst>
+                              <p:par>
+                                <p:cTn id="5" presetID="26" presetClass="entr" presetSubtype="0" fill="hold" nodeType="clickEffect">
+                                  <p:stCondLst>
+                                    <p:cond delay="0"/>
+                                  </p:stCondLst>
+                                  <p:childTnLst>
+                                    <p:set>
+                                      <p:cBhvr>
+                                        <p:cTn id="6" dur="1" fill="hold">
+                                          <p:stCondLst>
+                                            <p:cond delay="0"/>
+                                          </p:stCondLst>
+                                        </p:cTn>
+                                        <p:tgtEl>
+                                          <p:spTgt spid="13"/>
+                                        </p:tgtEl>
+                                        <p:attrNameLst>
+                                          <p:attrName>style.visibility</p:attrName>
+                                        </p:attrNameLst>
+                                      </p:cBhvr>
+                                      <p:to>
+                                        <p:strVal val="visible"/>
+                                      </p:to>
+                                    </p:set>
+                                    <p:animEffect transition="in" filter="wipe(down)">
+                                      <p:cBhvr>
+                                        <p:cTn id="7" dur="580">
+                                          <p:stCondLst>
+                                            <p:cond delay="0"/>
+                                          </p:stCondLst>
+                                        </p:cTn>
+                                        <p:tgtEl>
+                                          <p:spTgt spid="13"/>
+                                        </p:tgtEl>
+                                      </p:cBhvr>
+                                    </p:animEffect>
+                                    <p:anim calcmode="lin" valueType="num">
+                                      <p:cBhvr>
+                                        <p:cTn id="8" dur="1822" tmFilter="0,0; 0.14,0.36; 0.43,0.73; 0.71,0.91; 1.0,1.0">
+                                          <p:stCondLst>
+                                            <p:cond delay="0"/>
+                                          </p:stCondLst>
+                                        </p:cTn>
+                                        <p:tgtEl>
+                                          <p:spTgt spid="13"/>
+                                        </p:tgtEl>
+                                        <p:attrNameLst>
+                                          <p:attrName>ppt_x</p:attrName>
+                                        </p:attrNameLst>
+                                      </p:cBhvr>
+                                      <p:tavLst>
+                                        <p:tav tm="0">
+                                          <p:val>
+                                            <p:strVal val="#ppt_x-0.25"/>
+                                          </p:val>
+                                        </p:tav>
+                                        <p:tav tm="100000">
+                                          <p:val>
+                                            <p:strVal val="#ppt_x"/>
+                                          </p:val>
+                                        </p:tav>
+                                      </p:tavLst>
+                                    </p:anim>
+                                    <p:anim calcmode="lin" valueType="num">
+                                      <p:cBhvr>
+                                        <p:cTn id="9" dur="664" tmFilter="0.0,0.0; 0.25,0.07; 0.50,0.2; 0.75,0.467; 1.0,1.0">
+                                          <p:stCondLst>
+                                            <p:cond delay="0"/>
+                                          </p:stCondLst>
+                                        </p:cTn>
+                                        <p:tgtEl>
+                                          <p:spTgt spid="13"/>
+                                        </p:tgtEl>
+                                        <p:attrNameLst>
+                                          <p:attrName>ppt_y</p:attrName>
+                                        </p:attrNameLst>
+                                      </p:cBhvr>
+                                      <p:tavLst>
+                                        <p:tav tm="0" fmla="#ppt_y-sin(pi*$)/3">
+                                          <p:val>
+                                            <p:fltVal val="0.5"/>
+                                          </p:val>
+                                        </p:tav>
+                                        <p:tav tm="100000">
+                                          <p:val>
+                                            <p:fltVal val="1"/>
+                                          </p:val>
+                                        </p:tav>
+                                      </p:tavLst>
+                                    </p:anim>
+                                    <p:anim calcmode="lin" valueType="num">
+                                      <p:cBhvr>
+                                        <p:cTn id="10" dur="664" tmFilter="0, 0; 0.125,0.2665; 0.25,0.4; 0.375,0.465; 0.5,0.5;  0.625,0.535; 0.75,0.6; 0.875,0.7335; 1,1">
+                                          <p:stCondLst>
+                                            <p:cond delay="664"/>
+                                          </p:stCondLst>
+                                        </p:cTn>
+                                        <p:tgtEl>
+                                          <p:spTgt spid="13"/>
+                                        </p:tgtEl>
+                                        <p:attrNameLst>
+                                          <p:attrName>ppt_y</p:attrName>
+                                        </p:attrNameLst>
+                                      </p:cBhvr>
+                                      <p:tavLst>
+                                        <p:tav tm="0" fmla="#ppt_y-sin(pi*$)/9">
+                                          <p:val>
+                                            <p:fltVal val="0"/>
+                                          </p:val>
+                                        </p:tav>
+                                        <p:tav tm="100000">
+                                          <p:val>
+                                            <p:fltVal val="1"/>
+                                          </p:val>
+                                        </p:tav>
+                                      </p:tavLst>
+                                    </p:anim>
+                                    <p:anim calcmode="lin" valueType="num">
+                                      <p:cBhvr>
+                                        <p:cTn id="11" dur="332" tmFilter="0, 0; 0.125,0.2665; 0.25,0.4; 0.375,0.465; 0.5,0.5;  0.625,0.535; 0.75,0.6; 0.875,0.7335; 1,1">
+                                          <p:stCondLst>
+                                            <p:cond delay="1324"/>
+                                          </p:stCondLst>
+                                        </p:cTn>
+                                        <p:tgtEl>
+                                          <p:spTgt spid="13"/>
+                                        </p:tgtEl>
+                                        <p:attrNameLst>
+                                          <p:attrName>ppt_y</p:attrName>
+                                        </p:attrNameLst>
+                                      </p:cBhvr>
+                                      <p:tavLst>
+                                        <p:tav tm="0" fmla="#ppt_y-sin(pi*$)/27">
+                                          <p:val>
+                                            <p:fltVal val="0"/>
+                                          </p:val>
+                                        </p:tav>
+                                        <p:tav tm="100000">
+                                          <p:val>
+                                            <p:fltVal val="1"/>
+                                          </p:val>
+                                        </p:tav>
+                                      </p:tavLst>
+                                    </p:anim>
+                                    <p:anim calcmode="lin" valueType="num">
+                                      <p:cBhvr>
+                                        <p:cTn id="12" dur="164" tmFilter="0, 0; 0.125,0.2665; 0.25,0.4; 0.375,0.465; 0.5,0.5;  0.625,0.535; 0.75,0.6; 0.875,0.7335; 1,1">
+                                          <p:stCondLst>
+                                            <p:cond delay="1656"/>
+                                          </p:stCondLst>
+                                        </p:cTn>
+                                        <p:tgtEl>
+                                          <p:spTgt spid="13"/>
+                                        </p:tgtEl>
+                                        <p:attrNameLst>
+                                          <p:attrName>ppt_y</p:attrName>
+                                        </p:attrNameLst>
+                                      </p:cBhvr>
+                                      <p:tavLst>
+                                        <p:tav tm="0" fmla="#ppt_y-sin(pi*$)/81">
+                                          <p:val>
+                                            <p:fltVal val="0"/>
+                                          </p:val>
+                                        </p:tav>
+                                        <p:tav tm="100000">
+                                          <p:val>
+                                            <p:fltVal val="1"/>
+                                          </p:val>
+                                        </p:tav>
+                                      </p:tavLst>
+                                    </p:anim>
+                                    <p:animScale>
+                                      <p:cBhvr>
+                                        <p:cTn id="13" dur="26">
+                                          <p:stCondLst>
+                                            <p:cond delay="650"/>
+                                          </p:stCondLst>
+                                        </p:cTn>
+                                        <p:tgtEl>
+                                          <p:spTgt spid="13"/>
+                                        </p:tgtEl>
+                                      </p:cBhvr>
+                                      <p:to x="100000" y="60000"/>
+                                    </p:animScale>
+                                    <p:animScale>
+                                      <p:cBhvr>
+                                        <p:cTn id="14" dur="166" decel="50000">
+                                          <p:stCondLst>
+                                            <p:cond delay="676"/>
+                                          </p:stCondLst>
+                                        </p:cTn>
+                                        <p:tgtEl>
+                                          <p:spTgt spid="13"/>
+                                        </p:tgtEl>
+                                      </p:cBhvr>
+                                      <p:to x="100000" y="100000"/>
+                                    </p:animScale>
+                                    <p:animScale>
+                                      <p:cBhvr>
+                                        <p:cTn id="15" dur="26">
+                                          <p:stCondLst>
+                                            <p:cond delay="1312"/>
+                                          </p:stCondLst>
+                                        </p:cTn>
+                                        <p:tgtEl>
+                                          <p:spTgt spid="13"/>
+                                        </p:tgtEl>
+                                      </p:cBhvr>
+                                      <p:to x="100000" y="80000"/>
+                                    </p:animScale>
+                                    <p:animScale>
+                                      <p:cBhvr>
+                                        <p:cTn id="16" dur="166" decel="50000">
+                                          <p:stCondLst>
+                                            <p:cond delay="1338"/>
+                                          </p:stCondLst>
+                                        </p:cTn>
+                                        <p:tgtEl>
+                                          <p:spTgt spid="13"/>
+                                        </p:tgtEl>
+                                      </p:cBhvr>
+                                      <p:to x="100000" y="100000"/>
+                                    </p:animScale>
+                                    <p:animScale>
+                                      <p:cBhvr>
+                                        <p:cTn id="17" dur="26">
+                                          <p:stCondLst>
+                                            <p:cond delay="1642"/>
+                                          </p:stCondLst>
+                                        </p:cTn>
+                                        <p:tgtEl>
+                                          <p:spTgt spid="13"/>
+                                        </p:tgtEl>
+                                      </p:cBhvr>
+                                      <p:to x="100000" y="90000"/>
+                                    </p:animScale>
+                                    <p:animScale>
+                                      <p:cBhvr>
+                                        <p:cTn id="18" dur="166" decel="50000">
+                                          <p:stCondLst>
+                                            <p:cond delay="1668"/>
+                                          </p:stCondLst>
+                                        </p:cTn>
+                                        <p:tgtEl>
+                                          <p:spTgt spid="13"/>
+                                        </p:tgtEl>
+                                      </p:cBhvr>
+                                      <p:to x="100000" y="100000"/>
+                                    </p:animScale>
+                                    <p:animScale>
+                                      <p:cBhvr>
+                                        <p:cTn id="19" dur="26">
+                                          <p:stCondLst>
+                                            <p:cond delay="1808"/>
+                                          </p:stCondLst>
+                                        </p:cTn>
+                                        <p:tgtEl>
+                                          <p:spTgt spid="13"/>
+                                        </p:tgtEl>
+                                      </p:cBhvr>
+                                      <p:to x="100000" y="95000"/>
+                                    </p:animScale>
+                                    <p:animScale>
+                                      <p:cBhvr>
+                                        <p:cTn id="20" dur="166" decel="50000">
+                                          <p:stCondLst>
+                                            <p:cond delay="1834"/>
+                                          </p:stCondLst>
+                                        </p:cTn>
+                                        <p:tgtEl>
+                                          <p:spTgt spid="13"/>
+                                        </p:tgtEl>
+                                      </p:cBhvr>
+                                      <p:to x="100000" y="100000"/>
+                                    </p:animScale>
+                                  </p:childTnLst>
+                                </p:cTn>
+                              </p:par>
+                            </p:childTnLst>
+                          </p:cTn>
+                        </p:par>
+                      </p:childTnLst>
+                    </p:cTn>
+                  </p:par>
+                </p:childTnLst>
+              </p:cTn>
+              <p:prevCondLst>
+                <p:cond evt="onPrev" delay="0">
+                  <p:tgtEl>
+                    <p:sldTgt/>
+                  </p:tgtEl>
+                </p:cond>
+              </p:prevCondLst>
+              <p:nextCondLst>
+                <p:cond evt="onNext" delay="0">
+                  <p:tgtEl>
+                    <p:sldTgt/>
+                  </p:tgtEl>
+                </p:cond>
+              </p:nextCondLst>
+            </p:seq>
+          </p:childTnLst>
+        </p:cTn>
+      </p:par>
+    </p:tnLst>
+  </p:timing>
+</p:sld>
+</file>
+
+<file path=ppt/slides/slide21.xml><?xml version="1.0" encoding="utf-8"?>
+<p:sld xmlns:a="http://schemas.openxmlformats.org/drawingml/2006/main" xmlns:r="http://schemas.openxmlformats.org/officeDocument/2006/relationships" xmlns:p="http://schemas.openxmlformats.org/presentationml/2006/main">
+  <p:cSld>
+    <p:spTree>
+      <p:nvGrpSpPr>
+        <p:cNvPr id="1" name=""/>
+        <p:cNvGrpSpPr/>
+        <p:nvPr/>
+      </p:nvGrpSpPr>
+      <p:grpSpPr>
+        <a:xfrm>
+          <a:off x="0" y="0"/>
+          <a:ext cx="0" cy="0"/>
+          <a:chOff x="0" y="0"/>
+          <a:chExt cx="0" cy="0"/>
+        </a:xfrm>
+      </p:grpSpPr>
+      <p:sp>
+        <p:nvSpPr>
+          <p:cNvPr id="2" name="제목 1" hidden="1"/>
+          <p:cNvSpPr>
+            <a:spLocks noGrp="1"/>
+          </p:cNvSpPr>
+          <p:nvPr>
+            <p:ph type="title"/>
+          </p:nvPr>
+        </p:nvSpPr>
+        <p:spPr/>
+        <p:txBody>
+          <a:bodyPr/>
+          <a:lstStyle/>
+          <a:p>
+            <a:endParaRPr lang="ko-KR" altLang="en-US"/>
+          </a:p>
+        </p:txBody>
+      </p:sp>
+      <p:pic>
+        <p:nvPicPr>
+          <p:cNvPr id="3" name="그림 2"/>
+          <p:cNvPicPr/>
+          <p:nvPr/>
+        </p:nvPicPr>
+        <p:blipFill>
+          <a:blip r:embed="rId2"/>
+          <a:stretch>
+            <a:fillRect/>
+          </a:stretch>
+        </p:blipFill>
+        <p:spPr>
+          <a:xfrm>
+            <a:off x="0" y="0"/>
+            <a:ext cx="12192000" cy="6858000"/>
+          </a:xfrm>
+          <a:prstGeom prst="rect">
+            <a:avLst/>
+          </a:prstGeom>
+        </p:spPr>
+      </p:pic>
+    </p:spTree>
+    <p:extLst>
+      <p:ext uri="{BB962C8B-B14F-4D97-AF65-F5344CB8AC3E}">
+        <p14:creationId xmlns:p14="http://schemas.microsoft.com/office/powerpoint/2010/main" val="315249219"/>
+      </p:ext>
+    </p:extLst>
+  </p:cSld>
+  <p:clrMapOvr>
+    <a:masterClrMapping/>
+  </p:clrMapOvr>
+  <p:timing>
+    <p:tnLst>
+      <p:par>
+        <p:cTn id="1" dur="indefinite" restart="never" nodeType="tmRoot"/>
+      </p:par>
+    </p:tnLst>
   </p:timing>
 </p:sld>
 </file>
@@ -20772,7 +24584,7 @@
         </p:blipFill>
         <p:spPr bwMode="auto">
           <a:xfrm>
-            <a:off x="3448550" y="1721268"/>
+            <a:off x="3596034" y="1849129"/>
             <a:ext cx="6978817" cy="4657179"/>
           </a:xfrm>
           <a:prstGeom prst="rect">

--- a/Presentation/2uzuBook _1011.pptx
+++ b/Presentation/2uzuBook _1011.pptx
@@ -5,7 +5,7 @@
     <p:sldMasterId id="2147483648" r:id="rId1"/>
   </p:sldMasterIdLst>
   <p:notesMasterIdLst>
-    <p:notesMasterId r:id="rId23"/>
+    <p:notesMasterId r:id="rId24"/>
   </p:notesMasterIdLst>
   <p:sldIdLst>
     <p:sldId id="256" r:id="rId2"/>
@@ -26,9 +26,10 @@
     <p:sldId id="275" r:id="rId17"/>
     <p:sldId id="315" r:id="rId18"/>
     <p:sldId id="312" r:id="rId19"/>
-    <p:sldId id="313" r:id="rId20"/>
-    <p:sldId id="314" r:id="rId21"/>
-    <p:sldId id="294" r:id="rId22"/>
+    <p:sldId id="316" r:id="rId20"/>
+    <p:sldId id="313" r:id="rId21"/>
+    <p:sldId id="314" r:id="rId22"/>
+    <p:sldId id="294" r:id="rId23"/>
   </p:sldIdLst>
   <p:sldSz cx="12192000" cy="6858000"/>
   <p:notesSz cx="6858000" cy="9144000"/>
@@ -1666,13 +1667,6 @@
           <a:lstStyle/>
           <a:p>
             <a:r>
-              <a:rPr lang="ko-KR" altLang="en-US" dirty="0" smtClean="0"/>
-              <a:t/>
-            </a:r>
-            <a:br>
-              <a:rPr lang="ko-KR" altLang="en-US" dirty="0" smtClean="0"/>
-            </a:br>
-            <a:r>
               <a:rPr lang="en-US" altLang="ko-KR" sz="1200" b="0" i="0" kern="1200" dirty="0" smtClean="0">
                 <a:solidFill>
                   <a:schemeClr val="tx1"/>
@@ -1682,7 +1676,7 @@
                 <a:ea typeface="+mn-ea"/>
                 <a:cs typeface="+mn-cs"/>
               </a:rPr>
-              <a:t>12. </a:t>
+              <a:t>18. </a:t>
             </a:r>
             <a:r>
               <a:rPr lang="ko-KR" altLang="en-US" sz="1200" b="0" i="0" kern="1200" dirty="0" smtClean="0">
@@ -1694,10 +1688,10 @@
                 <a:ea typeface="+mn-ea"/>
                 <a:cs typeface="+mn-cs"/>
               </a:rPr>
-              <a:t>저희는 </a:t>
-            </a:r>
-            <a:r>
-              <a:rPr lang="en-US" altLang="ko-KR" sz="1200" b="0" i="0" kern="1200" dirty="0" smtClean="0">
+              <a:t>마지막 목차인 </a:t>
+            </a:r>
+            <a:r>
+              <a:rPr lang="ko-KR" altLang="en-US" sz="1200" b="0" i="0" kern="1200" dirty="0" err="1" smtClean="0">
                 <a:solidFill>
                   <a:schemeClr val="tx1"/>
                 </a:solidFill>
@@ -1706,7 +1700,7 @@
                 <a:ea typeface="+mn-ea"/>
                 <a:cs typeface="+mn-cs"/>
               </a:rPr>
-              <a:t>WBS</a:t>
+              <a:t>요구분석</a:t>
             </a:r>
             <a:r>
               <a:rPr lang="ko-KR" altLang="en-US" sz="1200" b="0" i="0" kern="1200" dirty="0" smtClean="0">
@@ -1718,10 +1712,10 @@
                 <a:ea typeface="+mn-ea"/>
                 <a:cs typeface="+mn-cs"/>
               </a:rPr>
-              <a:t>를 엑셀로 작성하고 </a:t>
-            </a:r>
-            <a:r>
-              <a:rPr lang="ko-KR" altLang="en-US" sz="1200" b="0" i="0" kern="1200" dirty="0" err="1" smtClean="0">
+              <a:t> 단계입니다</a:t>
+            </a:r>
+            <a:r>
+              <a:rPr lang="en-US" altLang="ko-KR" sz="1200" b="0" i="0" kern="1200" dirty="0" smtClean="0">
                 <a:solidFill>
                   <a:schemeClr val="tx1"/>
                 </a:solidFill>
@@ -1730,7 +1724,7 @@
                 <a:ea typeface="+mn-ea"/>
                 <a:cs typeface="+mn-cs"/>
               </a:rPr>
-              <a:t>간트</a:t>
+              <a:t>!!!! </a:t>
             </a:r>
             <a:r>
               <a:rPr lang="ko-KR" altLang="en-US" sz="1200" b="0" i="0" kern="1200" dirty="0" smtClean="0">
@@ -1742,7 +1736,31 @@
                 <a:ea typeface="+mn-ea"/>
                 <a:cs typeface="+mn-cs"/>
               </a:rPr>
-              <a:t> 차트를 그려서 일정 및 인원 조직을 하였습니다</a:t>
+              <a:t>요구 분석 단계에서는 요구사항 도출을 하고 그것은 분석하고 </a:t>
+            </a:r>
+            <a:r>
+              <a:rPr lang="ko-KR" altLang="en-US" sz="1200" b="0" i="0" kern="1200" dirty="0" err="1" smtClean="0">
+                <a:solidFill>
+                  <a:schemeClr val="tx1"/>
+                </a:solidFill>
+                <a:effectLst/>
+                <a:latin typeface="+mn-lt"/>
+                <a:ea typeface="+mn-ea"/>
+                <a:cs typeface="+mn-cs"/>
+              </a:rPr>
+              <a:t>유스케이스를</a:t>
+            </a:r>
+            <a:r>
+              <a:rPr lang="ko-KR" altLang="en-US" sz="1200" b="0" i="0" kern="1200" dirty="0" smtClean="0">
+                <a:solidFill>
+                  <a:schemeClr val="tx1"/>
+                </a:solidFill>
+                <a:effectLst/>
+                <a:latin typeface="+mn-lt"/>
+                <a:ea typeface="+mn-ea"/>
+                <a:cs typeface="+mn-cs"/>
+              </a:rPr>
+              <a:t> 설명하도록 하겠습니다</a:t>
             </a:r>
             <a:r>
               <a:rPr lang="en-US" altLang="ko-KR" sz="1200" b="0" i="0" kern="1200" dirty="0" smtClean="0">
@@ -1786,7 +1804,7 @@
     </p:spTree>
     <p:extLst>
       <p:ext uri="{BB962C8B-B14F-4D97-AF65-F5344CB8AC3E}">
-        <p14:creationId xmlns:p14="http://schemas.microsoft.com/office/powerpoint/2010/main" val="3704898044"/>
+        <p14:creationId xmlns:p14="http://schemas.microsoft.com/office/powerpoint/2010/main" val="596969685"/>
       </p:ext>
     </p:extLst>
   </p:cSld>
@@ -1841,54 +1859,97 @@
           <a:lstStyle/>
           <a:p>
             <a:r>
-              <a:rPr lang="ko-KR" altLang="en-US" dirty="0" err="1" smtClean="0"/>
-              <a:t>윤정현</a:t>
-            </a:r>
-            <a:r>
               <a:rPr lang="ko-KR" altLang="en-US" dirty="0" smtClean="0"/>
-              <a:t> </a:t>
-            </a:r>
-            <a:r>
-              <a:rPr lang="en-US" altLang="ko-KR" dirty="0" smtClean="0"/>
-              <a:t>: 4</a:t>
-            </a:r>
-            <a:r>
-              <a:rPr lang="ko-KR" altLang="en-US" dirty="0" err="1" smtClean="0"/>
-              <a:t>명이서</a:t>
-            </a:r>
-            <a:r>
+              <a:t/>
+            </a:r>
+            <a:br>
               <a:rPr lang="ko-KR" altLang="en-US" dirty="0" smtClean="0"/>
-              <a:t> 다 처음 접하는 웹프로젝트를</a:t>
-            </a:r>
-            <a:r>
-              <a:rPr lang="ko-KR" altLang="en-US" baseline="0" dirty="0" smtClean="0"/>
-              <a:t> </a:t>
-            </a:r>
-            <a:r>
-              <a:rPr lang="ko-KR" altLang="en-US" baseline="0" dirty="0" err="1" smtClean="0"/>
-              <a:t>하다보니</a:t>
-            </a:r>
-            <a:r>
-              <a:rPr lang="ko-KR" altLang="en-US" baseline="0" dirty="0" smtClean="0"/>
-              <a:t> 서로 미숙한 부분이 많았고 서로 많이 안 맞았지만 교장선생님을 위하여 </a:t>
-            </a:r>
-            <a:endParaRPr lang="en-US" altLang="ko-KR" baseline="0" dirty="0" smtClean="0"/>
-          </a:p>
-          <a:p>
-            <a:endParaRPr lang="en-US" altLang="ko-KR" baseline="0" dirty="0" smtClean="0"/>
-          </a:p>
-          <a:p>
-            <a:endParaRPr lang="en-US" altLang="ko-KR" baseline="0" dirty="0" smtClean="0"/>
-          </a:p>
-          <a:p>
-            <a:r>
-              <a:rPr lang="ko-KR" altLang="en-US" baseline="0" dirty="0" smtClean="0"/>
-              <a:t>박규리</a:t>
-            </a:r>
-            <a:r>
-              <a:rPr lang="en-US" altLang="ko-KR" baseline="0" dirty="0" smtClean="0"/>
-              <a:t>:</a:t>
-            </a:r>
+            </a:br>
+            <a:r>
+              <a:rPr lang="en-US" altLang="ko-KR" sz="1200" b="0" i="0" kern="1200" dirty="0" smtClean="0">
+                <a:solidFill>
+                  <a:schemeClr val="tx1"/>
+                </a:solidFill>
+                <a:effectLst/>
+                <a:latin typeface="+mn-lt"/>
+                <a:ea typeface="+mn-ea"/>
+                <a:cs typeface="+mn-cs"/>
+              </a:rPr>
+              <a:t>12. </a:t>
+            </a:r>
+            <a:r>
+              <a:rPr lang="ko-KR" altLang="en-US" sz="1200" b="0" i="0" kern="1200" dirty="0" smtClean="0">
+                <a:solidFill>
+                  <a:schemeClr val="tx1"/>
+                </a:solidFill>
+                <a:effectLst/>
+                <a:latin typeface="+mn-lt"/>
+                <a:ea typeface="+mn-ea"/>
+                <a:cs typeface="+mn-cs"/>
+              </a:rPr>
+              <a:t>저희는 </a:t>
+            </a:r>
+            <a:r>
+              <a:rPr lang="en-US" altLang="ko-KR" sz="1200" b="0" i="0" kern="1200" dirty="0" smtClean="0">
+                <a:solidFill>
+                  <a:schemeClr val="tx1"/>
+                </a:solidFill>
+                <a:effectLst/>
+                <a:latin typeface="+mn-lt"/>
+                <a:ea typeface="+mn-ea"/>
+                <a:cs typeface="+mn-cs"/>
+              </a:rPr>
+              <a:t>WBS</a:t>
+            </a:r>
+            <a:r>
+              <a:rPr lang="ko-KR" altLang="en-US" sz="1200" b="0" i="0" kern="1200" dirty="0" smtClean="0">
+                <a:solidFill>
+                  <a:schemeClr val="tx1"/>
+                </a:solidFill>
+                <a:effectLst/>
+                <a:latin typeface="+mn-lt"/>
+                <a:ea typeface="+mn-ea"/>
+                <a:cs typeface="+mn-cs"/>
+              </a:rPr>
+              <a:t>를 엑셀로 작성하고 </a:t>
+            </a:r>
+            <a:r>
+              <a:rPr lang="ko-KR" altLang="en-US" sz="1200" b="0" i="0" kern="1200" dirty="0" err="1" smtClean="0">
+                <a:solidFill>
+                  <a:schemeClr val="tx1"/>
+                </a:solidFill>
+                <a:effectLst/>
+                <a:latin typeface="+mn-lt"/>
+                <a:ea typeface="+mn-ea"/>
+                <a:cs typeface="+mn-cs"/>
+              </a:rPr>
+              <a:t>간트</a:t>
+            </a:r>
+            <a:r>
+              <a:rPr lang="ko-KR" altLang="en-US" sz="1200" b="0" i="0" kern="1200" dirty="0" smtClean="0">
+                <a:solidFill>
+                  <a:schemeClr val="tx1"/>
+                </a:solidFill>
+                <a:effectLst/>
+                <a:latin typeface="+mn-lt"/>
+                <a:ea typeface="+mn-ea"/>
+                <a:cs typeface="+mn-cs"/>
+              </a:rPr>
+              <a:t> 차트를 그려서 일정 및 인원 조직을 하였습니다</a:t>
+            </a:r>
+            <a:r>
+              <a:rPr lang="en-US" altLang="ko-KR" sz="1200" b="0" i="0" kern="1200" dirty="0" smtClean="0">
+                <a:solidFill>
+                  <a:schemeClr val="tx1"/>
+                </a:solidFill>
+                <a:effectLst/>
+                <a:latin typeface="+mn-lt"/>
+                <a:ea typeface="+mn-ea"/>
+                <a:cs typeface="+mn-cs"/>
+              </a:rPr>
+              <a:t>.</a:t>
+            </a:r>
+            <a:endParaRPr lang="ko-KR" altLang="en-US" dirty="0"/>
           </a:p>
         </p:txBody>
       </p:sp>
@@ -1910,6 +1971,138 @@
             <a:fld id="{EEF45E8E-B871-465E-A211-1FB7C7D4BEA7}" type="slidenum">
               <a:rPr lang="ko-KR" altLang="en-US" smtClean="0"/>
               <a:t>20</a:t>
+            </a:fld>
+            <a:endParaRPr lang="ko-KR" altLang="en-US"/>
+          </a:p>
+        </p:txBody>
+      </p:sp>
+    </p:spTree>
+    <p:extLst>
+      <p:ext uri="{BB962C8B-B14F-4D97-AF65-F5344CB8AC3E}">
+        <p14:creationId xmlns:p14="http://schemas.microsoft.com/office/powerpoint/2010/main" val="3704898044"/>
+      </p:ext>
+    </p:extLst>
+  </p:cSld>
+  <p:clrMapOvr>
+    <a:masterClrMapping/>
+  </p:clrMapOvr>
+</p:notes>
+</file>
+
+<file path=ppt/notesSlides/notesSlide17.xml><?xml version="1.0" encoding="utf-8"?>
+<p:notes xmlns:a="http://schemas.openxmlformats.org/drawingml/2006/main" xmlns:r="http://schemas.openxmlformats.org/officeDocument/2006/relationships" xmlns:p="http://schemas.openxmlformats.org/presentationml/2006/main">
+  <p:cSld>
+    <p:spTree>
+      <p:nvGrpSpPr>
+        <p:cNvPr id="1" name=""/>
+        <p:cNvGrpSpPr/>
+        <p:nvPr/>
+      </p:nvGrpSpPr>
+      <p:grpSpPr>
+        <a:xfrm>
+          <a:off x="0" y="0"/>
+          <a:ext cx="0" cy="0"/>
+          <a:chOff x="0" y="0"/>
+          <a:chExt cx="0" cy="0"/>
+        </a:xfrm>
+      </p:grpSpPr>
+      <p:sp>
+        <p:nvSpPr>
+          <p:cNvPr id="2" name="슬라이드 이미지 개체 틀 1"/>
+          <p:cNvSpPr>
+            <a:spLocks noGrp="1" noRot="1" noChangeAspect="1"/>
+          </p:cNvSpPr>
+          <p:nvPr>
+            <p:ph type="sldImg"/>
+          </p:nvPr>
+        </p:nvSpPr>
+        <p:spPr/>
+      </p:sp>
+      <p:sp>
+        <p:nvSpPr>
+          <p:cNvPr id="3" name="슬라이드 노트 개체 틀 2"/>
+          <p:cNvSpPr>
+            <a:spLocks noGrp="1"/>
+          </p:cNvSpPr>
+          <p:nvPr>
+            <p:ph type="body" idx="1"/>
+          </p:nvPr>
+        </p:nvSpPr>
+        <p:spPr/>
+        <p:txBody>
+          <a:bodyPr/>
+          <a:lstStyle/>
+          <a:p>
+            <a:r>
+              <a:rPr lang="ko-KR" altLang="en-US" dirty="0" err="1" smtClean="0"/>
+              <a:t>윤정현</a:t>
+            </a:r>
+            <a:r>
+              <a:rPr lang="ko-KR" altLang="en-US" dirty="0" smtClean="0"/>
+              <a:t> </a:t>
+            </a:r>
+            <a:r>
+              <a:rPr lang="en-US" altLang="ko-KR" dirty="0" smtClean="0"/>
+              <a:t>: 4</a:t>
+            </a:r>
+            <a:r>
+              <a:rPr lang="ko-KR" altLang="en-US" dirty="0" err="1" smtClean="0"/>
+              <a:t>명이서</a:t>
+            </a:r>
+            <a:r>
+              <a:rPr lang="ko-KR" altLang="en-US" dirty="0" smtClean="0"/>
+              <a:t> 다 처음 접하는 웹프로젝트를</a:t>
+            </a:r>
+            <a:r>
+              <a:rPr lang="ko-KR" altLang="en-US" baseline="0" dirty="0" smtClean="0"/>
+              <a:t> </a:t>
+            </a:r>
+            <a:r>
+              <a:rPr lang="ko-KR" altLang="en-US" baseline="0" dirty="0" err="1" smtClean="0"/>
+              <a:t>하다보니</a:t>
+            </a:r>
+            <a:r>
+              <a:rPr lang="ko-KR" altLang="en-US" baseline="0" dirty="0" smtClean="0"/>
+              <a:t> 서로 미숙한 부분이 많았고 서로 많이 안 맞았지만 교장선생님을 위하여 </a:t>
+            </a:r>
+            <a:endParaRPr lang="en-US" altLang="ko-KR" baseline="0" dirty="0" smtClean="0"/>
+          </a:p>
+          <a:p>
+            <a:endParaRPr lang="en-US" altLang="ko-KR" baseline="0" dirty="0" smtClean="0"/>
+          </a:p>
+          <a:p>
+            <a:endParaRPr lang="en-US" altLang="ko-KR" baseline="0" dirty="0" smtClean="0"/>
+          </a:p>
+          <a:p>
+            <a:r>
+              <a:rPr lang="ko-KR" altLang="en-US" baseline="0" dirty="0" smtClean="0"/>
+              <a:t>박규리</a:t>
+            </a:r>
+            <a:r>
+              <a:rPr lang="en-US" altLang="ko-KR" baseline="0" dirty="0" smtClean="0"/>
+              <a:t>:</a:t>
+            </a:r>
+          </a:p>
+        </p:txBody>
+      </p:sp>
+      <p:sp>
+        <p:nvSpPr>
+          <p:cNvPr id="4" name="슬라이드 번호 개체 틀 3"/>
+          <p:cNvSpPr>
+            <a:spLocks noGrp="1"/>
+          </p:cNvSpPr>
+          <p:nvPr>
+            <p:ph type="sldNum" sz="quarter" idx="10"/>
+          </p:nvPr>
+        </p:nvSpPr>
+        <p:spPr/>
+        <p:txBody>
+          <a:bodyPr/>
+          <a:lstStyle/>
+          <a:p>
+            <a:fld id="{EEF45E8E-B871-465E-A211-1FB7C7D4BEA7}" type="slidenum">
+              <a:rPr lang="ko-KR" altLang="en-US" smtClean="0"/>
+              <a:t>21</a:t>
             </a:fld>
             <a:endParaRPr lang="ko-KR" altLang="en-US"/>
           </a:p>
@@ -17159,23 +17352,93 @@
           <a:bodyPr/>
           <a:lstStyle/>
           <a:p>
-            <a:r>
-              <a:rPr lang="ko-KR" altLang="en-US" dirty="0" err="1"/>
-              <a:t>ㅋ</a:t>
-            </a:r>
-            <a:endParaRPr lang="ko-KR" altLang="en-US" dirty="0"/>
+            <a:endParaRPr lang="ko-KR" altLang="en-US"/>
+          </a:p>
+        </p:txBody>
+      </p:sp>
+      <p:pic>
+        <p:nvPicPr>
+          <p:cNvPr id="3" name="그림 2"/>
+          <p:cNvPicPr/>
+          <p:nvPr/>
+        </p:nvPicPr>
+        <p:blipFill>
+          <a:blip r:embed="rId3"/>
+          <a:stretch>
+            <a:fillRect/>
+          </a:stretch>
+        </p:blipFill>
+        <p:spPr>
+          <a:xfrm>
+            <a:off x="0" y="0"/>
+            <a:ext cx="12192000" cy="6858000"/>
+          </a:xfrm>
+          <a:prstGeom prst="rect">
+            <a:avLst/>
+          </a:prstGeom>
+        </p:spPr>
+      </p:pic>
+      <p:sp>
+        <p:nvSpPr>
+          <p:cNvPr id="4" name="TextBox 3"/>
+          <p:cNvSpPr txBox="1"/>
+          <p:nvPr/>
+        </p:nvSpPr>
+        <p:spPr>
+          <a:xfrm>
+            <a:off x="6532652" y="774618"/>
+            <a:ext cx="926983" cy="307777"/>
+          </a:xfrm>
+          <a:prstGeom prst="rect">
+            <a:avLst/>
+          </a:prstGeom>
+          <a:noFill/>
+        </p:spPr>
+        <p:txBody>
+          <a:bodyPr wrap="square" rtlCol="0">
+            <a:spAutoFit/>
+          </a:bodyPr>
+          <a:lstStyle>
+            <a:defPPr>
+              <a:defRPr lang="ko-KR"/>
+            </a:defPPr>
+            <a:lvl1pPr>
+              <a:defRPr sz="1200">
+                <a:ln>
+                  <a:solidFill>
+                    <a:schemeClr val="accent1">
+                      <a:alpha val="0"/>
+                    </a:schemeClr>
+                  </a:solidFill>
+                </a:ln>
+                <a:solidFill>
+                  <a:prstClr val="white">
+                    <a:lumMod val="75000"/>
+                  </a:prstClr>
+                </a:solidFill>
+                <a:latin typeface="-윤고딕330" pitchFamily="18" charset="-127"/>
+                <a:ea typeface="-윤고딕330" pitchFamily="18" charset="-127"/>
+              </a:defRPr>
+            </a:lvl1pPr>
+          </a:lstStyle>
+          <a:p>
+            <a:r>
+              <a:rPr lang="en-US" altLang="ko-KR" sz="1400" dirty="0"/>
+              <a:t>Strategy</a:t>
+            </a:r>
+            <a:endParaRPr lang="ko-KR" altLang="en-US" sz="1400" dirty="0"/>
           </a:p>
         </p:txBody>
       </p:sp>
       <p:cxnSp>
         <p:nvCxnSpPr>
-          <p:cNvPr id="5" name="직선 연결선 4"/>
+          <p:cNvPr id="6" name="직선 연결선 5"/>
           <p:cNvCxnSpPr/>
           <p:nvPr/>
         </p:nvCxnSpPr>
         <p:spPr>
           <a:xfrm>
-            <a:off x="463854" y="555894"/>
+            <a:off x="5744639" y="1146276"/>
             <a:ext cx="560439" cy="0"/>
           </a:xfrm>
           <a:prstGeom prst="line">
@@ -17204,13 +17467,13 @@
       </p:cxnSp>
       <p:cxnSp>
         <p:nvCxnSpPr>
-          <p:cNvPr id="6" name="직선 연결선 5"/>
+          <p:cNvPr id="7" name="직선 연결선 6"/>
           <p:cNvCxnSpPr/>
           <p:nvPr/>
         </p:nvCxnSpPr>
         <p:spPr>
           <a:xfrm>
-            <a:off x="486696" y="2257425"/>
+            <a:off x="5767481" y="2847807"/>
             <a:ext cx="560439" cy="0"/>
           </a:xfrm>
           <a:prstGeom prst="line">
@@ -17239,14 +17502,14 @@
       </p:cxnSp>
       <p:sp>
         <p:nvSpPr>
-          <p:cNvPr id="7" name="TextBox 6"/>
+          <p:cNvPr id="8" name="TextBox 7"/>
           <p:cNvSpPr txBox="1"/>
           <p:nvPr/>
         </p:nvSpPr>
         <p:spPr>
           <a:xfrm>
-            <a:off x="353419" y="796300"/>
-            <a:ext cx="1557774" cy="1461125"/>
+            <a:off x="5631994" y="1746569"/>
+            <a:ext cx="3655282" cy="1461125"/>
           </a:xfrm>
           <a:prstGeom prst="rect">
             <a:avLst/>
@@ -17369,1045 +17632,15 @@
           </a:lstStyle>
           <a:p>
             <a:r>
-              <a:rPr lang="en-US" altLang="ko-KR" sz="2400" dirty="0" smtClean="0">
+              <a:rPr lang="ko-KR" altLang="en-US" sz="2800" dirty="0" smtClean="0">
                 <a:latin typeface="Noto Sans CJK KR Medium" panose="020B0600000000000000" pitchFamily="34" charset="-127"/>
                 <a:ea typeface="Noto Sans CJK KR Medium" panose="020B0600000000000000" pitchFamily="34" charset="-127"/>
               </a:rPr>
-              <a:t>17</a:t>
-            </a:r>
-            <a:endParaRPr lang="en-US" altLang="ko-KR" sz="2400" dirty="0">
+              <a:t>시연</a:t>
+            </a:r>
+            <a:endParaRPr lang="en-US" altLang="ko-KR" sz="2800" dirty="0">
               <a:latin typeface="Noto Sans CJK KR Medium" panose="020B0600000000000000" pitchFamily="34" charset="-127"/>
               <a:ea typeface="Noto Sans CJK KR Medium" panose="020B0600000000000000" pitchFamily="34" charset="-127"/>
-            </a:endParaRPr>
-          </a:p>
-          <a:p>
-            <a:r>
-              <a:rPr lang="ko-KR" altLang="en-US" sz="2400" dirty="0" smtClean="0">
-                <a:latin typeface="Noto Sans CJK KR Medium" panose="020B0600000000000000" pitchFamily="34" charset="-127"/>
-                <a:ea typeface="Noto Sans CJK KR Medium" panose="020B0600000000000000" pitchFamily="34" charset="-127"/>
-              </a:rPr>
-              <a:t>앞으로의 계획</a:t>
-            </a:r>
-            <a:endParaRPr lang="en-US" altLang="ko-KR" sz="2400" dirty="0" smtClean="0">
-              <a:latin typeface="Noto Sans CJK KR Medium" panose="020B0600000000000000" pitchFamily="34" charset="-127"/>
-              <a:ea typeface="Noto Sans CJK KR Medium" panose="020B0600000000000000" pitchFamily="34" charset="-127"/>
-            </a:endParaRPr>
-          </a:p>
-        </p:txBody>
-      </p:sp>
-      <p:sp>
-        <p:nvSpPr>
-          <p:cNvPr id="9" name="직사각형 8"/>
-          <p:cNvSpPr/>
-          <p:nvPr/>
-        </p:nvSpPr>
-        <p:spPr>
-          <a:xfrm>
-            <a:off x="2752166" y="1089843"/>
-            <a:ext cx="8309124" cy="461665"/>
-          </a:xfrm>
-          <a:prstGeom prst="rect">
-            <a:avLst/>
-          </a:prstGeom>
-        </p:spPr>
-        <p:txBody>
-          <a:bodyPr wrap="square">
-            <a:spAutoFit/>
-          </a:bodyPr>
-          <a:lstStyle/>
-          <a:p>
-            <a:pPr>
-              <a:spcBef>
-                <a:spcPts val="1000"/>
-              </a:spcBef>
-            </a:pPr>
-            <a:r>
-              <a:rPr lang="ko-KR" altLang="en-US" sz="2400" spc="-150" dirty="0" err="1">
-                <a:ln>
-                  <a:solidFill>
-                    <a:schemeClr val="accent1">
-                      <a:alpha val="0"/>
-                    </a:schemeClr>
-                  </a:solidFill>
-                </a:ln>
-                <a:solidFill>
-                  <a:srgbClr val="282421"/>
-                </a:solidFill>
-                <a:latin typeface="Noto Sans CJK KR Medium" panose="020B0600000000000000" pitchFamily="34" charset="-127"/>
-                <a:ea typeface="Noto Sans CJK KR Medium" panose="020B0600000000000000" pitchFamily="34" charset="-127"/>
-              </a:rPr>
-              <a:t>레주메북을</a:t>
-            </a:r>
-            <a:r>
-              <a:rPr lang="ko-KR" altLang="en-US" sz="2400" spc="-150" dirty="0">
-                <a:ln>
-                  <a:solidFill>
-                    <a:schemeClr val="accent1">
-                      <a:alpha val="0"/>
-                    </a:schemeClr>
-                  </a:solidFill>
-                </a:ln>
-                <a:solidFill>
-                  <a:srgbClr val="282421"/>
-                </a:solidFill>
-                <a:latin typeface="Noto Sans CJK KR Medium" panose="020B0600000000000000" pitchFamily="34" charset="-127"/>
-                <a:ea typeface="Noto Sans CJK KR Medium" panose="020B0600000000000000" pitchFamily="34" charset="-127"/>
-              </a:rPr>
-              <a:t> </a:t>
-            </a:r>
-            <a:r>
-              <a:rPr lang="en-US" altLang="ko-KR" sz="2400" spc="-150" dirty="0">
-                <a:ln>
-                  <a:solidFill>
-                    <a:schemeClr val="accent1">
-                      <a:alpha val="0"/>
-                    </a:schemeClr>
-                  </a:solidFill>
-                </a:ln>
-                <a:solidFill>
-                  <a:srgbClr val="282421"/>
-                </a:solidFill>
-                <a:latin typeface="Noto Sans CJK KR Medium" panose="020B0600000000000000" pitchFamily="34" charset="-127"/>
-                <a:ea typeface="Noto Sans CJK KR Medium" panose="020B0600000000000000" pitchFamily="34" charset="-127"/>
-              </a:rPr>
-              <a:t>“2uzuBook”</a:t>
-            </a:r>
-            <a:r>
-              <a:rPr lang="ko-KR" altLang="en-US" sz="2400" spc="-150" dirty="0">
-                <a:ln>
-                  <a:solidFill>
-                    <a:schemeClr val="accent1">
-                      <a:alpha val="0"/>
-                    </a:schemeClr>
-                  </a:solidFill>
-                </a:ln>
-                <a:solidFill>
-                  <a:srgbClr val="282421"/>
-                </a:solidFill>
-                <a:latin typeface="Noto Sans CJK KR Medium" panose="020B0600000000000000" pitchFamily="34" charset="-127"/>
-                <a:ea typeface="Noto Sans CJK KR Medium" panose="020B0600000000000000" pitchFamily="34" charset="-127"/>
-              </a:rPr>
-              <a:t>로 </a:t>
-            </a:r>
-            <a:r>
-              <a:rPr lang="ko-KR" altLang="en-US" sz="2400" spc="-150" dirty="0" smtClean="0">
-                <a:ln>
-                  <a:solidFill>
-                    <a:schemeClr val="accent1">
-                      <a:alpha val="0"/>
-                    </a:schemeClr>
-                  </a:solidFill>
-                </a:ln>
-                <a:solidFill>
-                  <a:srgbClr val="282421"/>
-                </a:solidFill>
-                <a:latin typeface="Noto Sans CJK KR Medium" panose="020B0600000000000000" pitchFamily="34" charset="-127"/>
-                <a:ea typeface="Noto Sans CJK KR Medium" panose="020B0600000000000000" pitchFamily="34" charset="-127"/>
-              </a:rPr>
-              <a:t>바꾸다</a:t>
-            </a:r>
-            <a:r>
-              <a:rPr lang="en-US" altLang="ko-KR" sz="2400" spc="-150" dirty="0">
-                <a:ln>
-                  <a:solidFill>
-                    <a:schemeClr val="accent1">
-                      <a:alpha val="0"/>
-                    </a:schemeClr>
-                  </a:solidFill>
-                </a:ln>
-                <a:solidFill>
-                  <a:srgbClr val="282421"/>
-                </a:solidFill>
-                <a:latin typeface="Noto Sans CJK KR Medium" panose="020B0600000000000000" pitchFamily="34" charset="-127"/>
-                <a:ea typeface="Noto Sans CJK KR Medium" panose="020B0600000000000000" pitchFamily="34" charset="-127"/>
-              </a:rPr>
-              <a:t> </a:t>
-            </a:r>
-            <a:r>
-              <a:rPr lang="en-US" altLang="ko-KR" sz="2400" spc="-150" dirty="0" smtClean="0">
-                <a:ln>
-                  <a:solidFill>
-                    <a:schemeClr val="accent1">
-                      <a:alpha val="0"/>
-                    </a:schemeClr>
-                  </a:solidFill>
-                </a:ln>
-                <a:solidFill>
-                  <a:srgbClr val="282421"/>
-                </a:solidFill>
-                <a:latin typeface="Noto Sans CJK KR Medium" panose="020B0600000000000000" pitchFamily="34" charset="-127"/>
-                <a:ea typeface="Noto Sans CJK KR Medium" panose="020B0600000000000000" pitchFamily="34" charset="-127"/>
-              </a:rPr>
-              <a:t>– </a:t>
-            </a:r>
-            <a:r>
-              <a:rPr lang="ko-KR" altLang="en-US" sz="2400" spc="-150" dirty="0" smtClean="0">
-                <a:ln>
-                  <a:solidFill>
-                    <a:schemeClr val="accent1">
-                      <a:alpha val="0"/>
-                    </a:schemeClr>
-                  </a:solidFill>
-                </a:ln>
-                <a:solidFill>
-                  <a:srgbClr val="282421"/>
-                </a:solidFill>
-                <a:latin typeface="Noto Sans CJK KR Medium" panose="020B0600000000000000" pitchFamily="34" charset="-127"/>
-                <a:ea typeface="Noto Sans CJK KR Medium" panose="020B0600000000000000" pitchFamily="34" charset="-127"/>
-              </a:rPr>
-              <a:t>앞으로의 계획</a:t>
-            </a:r>
-            <a:endParaRPr lang="en-US" altLang="ko-KR" sz="2400" spc="-150" dirty="0">
-              <a:ln>
-                <a:solidFill>
-                  <a:schemeClr val="accent1">
-                    <a:alpha val="0"/>
-                  </a:schemeClr>
-                </a:solidFill>
-              </a:ln>
-              <a:solidFill>
-                <a:srgbClr val="282421"/>
-              </a:solidFill>
-              <a:latin typeface="Noto Sans CJK KR Medium" panose="020B0600000000000000" pitchFamily="34" charset="-127"/>
-              <a:ea typeface="Noto Sans CJK KR Medium" panose="020B0600000000000000" pitchFamily="34" charset="-127"/>
-            </a:endParaRPr>
-          </a:p>
-        </p:txBody>
-      </p:sp>
-      <p:sp>
-        <p:nvSpPr>
-          <p:cNvPr id="24" name="직사각형 23"/>
-          <p:cNvSpPr/>
-          <p:nvPr/>
-        </p:nvSpPr>
-        <p:spPr>
-          <a:xfrm>
-            <a:off x="9291319" y="6537278"/>
-            <a:ext cx="2900681" cy="320722"/>
-          </a:xfrm>
-          <a:prstGeom prst="rect">
-            <a:avLst/>
-          </a:prstGeom>
-          <a:solidFill>
-            <a:schemeClr val="bg1"/>
-          </a:solidFill>
-          <a:ln>
-            <a:solidFill>
-              <a:schemeClr val="bg1"/>
-            </a:solidFill>
-          </a:ln>
-        </p:spPr>
-        <p:style>
-          <a:lnRef idx="2">
-            <a:schemeClr val="accent1">
-              <a:shade val="50000"/>
-            </a:schemeClr>
-          </a:lnRef>
-          <a:fillRef idx="1">
-            <a:schemeClr val="accent1"/>
-          </a:fillRef>
-          <a:effectRef idx="0">
-            <a:schemeClr val="accent1"/>
-          </a:effectRef>
-          <a:fontRef idx="minor">
-            <a:schemeClr val="lt1"/>
-          </a:fontRef>
-        </p:style>
-        <p:txBody>
-          <a:bodyPr rtlCol="0" anchor="ctr"/>
-          <a:lstStyle/>
-          <a:p>
-            <a:pPr algn="ctr"/>
-            <a:endParaRPr lang="ko-KR" altLang="en-US"/>
-          </a:p>
-        </p:txBody>
-      </p:sp>
-      <p:sp>
-        <p:nvSpPr>
-          <p:cNvPr id="4" name="Rectangle 2"/>
-          <p:cNvSpPr>
-            <a:spLocks noChangeArrowheads="1"/>
-          </p:cNvSpPr>
-          <p:nvPr/>
-        </p:nvSpPr>
-        <p:spPr bwMode="auto">
-          <a:xfrm>
-            <a:off x="0" y="0"/>
-            <a:ext cx="12192000" cy="457200"/>
-          </a:xfrm>
-          <a:prstGeom prst="rect">
-            <a:avLst/>
-          </a:prstGeom>
-          <a:noFill/>
-          <a:ln>
-            <a:noFill/>
-          </a:ln>
-          <a:effectLst/>
-          <a:extLst>
-            <a:ext uri="{909E8E84-426E-40DD-AFC4-6F175D3DCCD1}">
-              <a14:hiddenFill xmlns:a14="http://schemas.microsoft.com/office/drawing/2010/main">
-                <a:solidFill>
-                  <a:schemeClr val="accent1"/>
-                </a:solidFill>
-              </a14:hiddenFill>
-            </a:ext>
-            <a:ext uri="{91240B29-F687-4F45-9708-019B960494DF}">
-              <a14:hiddenLine xmlns:a14="http://schemas.microsoft.com/office/drawing/2010/main" w="9525">
-                <a:solidFill>
-                  <a:schemeClr val="tx1"/>
-                </a:solidFill>
-                <a:miter lim="800000"/>
-                <a:headEnd/>
-                <a:tailEnd/>
-              </a14:hiddenLine>
-            </a:ext>
-            <a:ext uri="{AF507438-7753-43E0-B8FC-AC1667EBCBE1}">
-              <a14:hiddenEffects xmlns:a14="http://schemas.microsoft.com/office/drawing/2010/main">
-                <a:effectLst>
-                  <a:outerShdw dist="35921" dir="2700000" algn="ctr" rotWithShape="0">
-                    <a:schemeClr val="bg2"/>
-                  </a:outerShdw>
-                </a:effectLst>
-              </a14:hiddenEffects>
-            </a:ext>
-          </a:extLst>
-        </p:spPr>
-        <p:txBody>
-          <a:bodyPr vert="horz" wrap="none" lIns="91440" tIns="45720" rIns="91440" bIns="45720" numCol="1" anchor="ctr" anchorCtr="0" compatLnSpc="1">
-            <a:prstTxWarp prst="textNoShape">
-              <a:avLst/>
-            </a:prstTxWarp>
-            <a:spAutoFit/>
-          </a:bodyPr>
-          <a:lstStyle/>
-          <a:p>
-            <a:endParaRPr lang="ko-KR" altLang="en-US"/>
-          </a:p>
-        </p:txBody>
-      </p:sp>
-      <p:sp>
-        <p:nvSpPr>
-          <p:cNvPr id="10" name="Rectangle 4"/>
-          <p:cNvSpPr>
-            <a:spLocks noChangeArrowheads="1"/>
-          </p:cNvSpPr>
-          <p:nvPr/>
-        </p:nvSpPr>
-        <p:spPr bwMode="auto">
-          <a:xfrm>
-            <a:off x="0" y="0"/>
-            <a:ext cx="12192000" cy="457200"/>
-          </a:xfrm>
-          <a:prstGeom prst="rect">
-            <a:avLst/>
-          </a:prstGeom>
-          <a:noFill/>
-          <a:ln>
-            <a:noFill/>
-          </a:ln>
-          <a:effectLst/>
-          <a:extLst>
-            <a:ext uri="{909E8E84-426E-40DD-AFC4-6F175D3DCCD1}">
-              <a14:hiddenFill xmlns:a14="http://schemas.microsoft.com/office/drawing/2010/main">
-                <a:solidFill>
-                  <a:schemeClr val="accent1"/>
-                </a:solidFill>
-              </a14:hiddenFill>
-            </a:ext>
-            <a:ext uri="{91240B29-F687-4F45-9708-019B960494DF}">
-              <a14:hiddenLine xmlns:a14="http://schemas.microsoft.com/office/drawing/2010/main" w="9525">
-                <a:solidFill>
-                  <a:schemeClr val="tx1"/>
-                </a:solidFill>
-                <a:miter lim="800000"/>
-                <a:headEnd/>
-                <a:tailEnd/>
-              </a14:hiddenLine>
-            </a:ext>
-            <a:ext uri="{AF507438-7753-43E0-B8FC-AC1667EBCBE1}">
-              <a14:hiddenEffects xmlns:a14="http://schemas.microsoft.com/office/drawing/2010/main">
-                <a:effectLst>
-                  <a:outerShdw dist="35921" dir="2700000" algn="ctr" rotWithShape="0">
-                    <a:schemeClr val="bg2"/>
-                  </a:outerShdw>
-                </a:effectLst>
-              </a14:hiddenEffects>
-            </a:ext>
-          </a:extLst>
-        </p:spPr>
-        <p:txBody>
-          <a:bodyPr vert="horz" wrap="none" lIns="91440" tIns="45720" rIns="91440" bIns="45720" numCol="1" anchor="ctr" anchorCtr="0" compatLnSpc="1">
-            <a:prstTxWarp prst="textNoShape">
-              <a:avLst/>
-            </a:prstTxWarp>
-            <a:spAutoFit/>
-          </a:bodyPr>
-          <a:lstStyle/>
-          <a:p>
-            <a:endParaRPr lang="ko-KR" altLang="en-US"/>
-          </a:p>
-        </p:txBody>
-      </p:sp>
-      <p:sp>
-        <p:nvSpPr>
-          <p:cNvPr id="14" name="TextBox 13"/>
-          <p:cNvSpPr txBox="1"/>
-          <p:nvPr/>
-        </p:nvSpPr>
-        <p:spPr>
-          <a:xfrm>
-            <a:off x="2752863" y="792222"/>
-            <a:ext cx="5315879" cy="369332"/>
-          </a:xfrm>
-          <a:prstGeom prst="rect">
-            <a:avLst/>
-          </a:prstGeom>
-        </p:spPr>
-        <p:txBody>
-          <a:bodyPr wrap="none">
-            <a:spAutoFit/>
-          </a:bodyPr>
-          <a:lstStyle>
-            <a:defPPr>
-              <a:defRPr lang="ko-KR"/>
-            </a:defPPr>
-            <a:lvl1pPr>
-              <a:spcBef>
-                <a:spcPts val="1000"/>
-              </a:spcBef>
-              <a:defRPr sz="2000">
-                <a:ln>
-                  <a:solidFill>
-                    <a:schemeClr val="accent1">
-                      <a:alpha val="0"/>
-                    </a:schemeClr>
-                  </a:solidFill>
-                </a:ln>
-                <a:solidFill>
-                  <a:schemeClr val="bg1"/>
-                </a:solidFill>
-                <a:latin typeface="Noto Sans CJK KR Medium" panose="020B0600000000000000" pitchFamily="34" charset="-127"/>
-                <a:ea typeface="Noto Sans CJK KR Medium" panose="020B0600000000000000" pitchFamily="34" charset="-127"/>
-              </a:defRPr>
-            </a:lvl1pPr>
-          </a:lstStyle>
-          <a:p>
-            <a:r>
-              <a:rPr lang="ko-KR" altLang="en-US" sz="1800" dirty="0">
-                <a:solidFill>
-                  <a:schemeClr val="bg1">
-                    <a:lumMod val="75000"/>
-                  </a:schemeClr>
-                </a:solidFill>
-              </a:rPr>
-              <a:t>기존의 </a:t>
-            </a:r>
-            <a:r>
-              <a:rPr lang="ko-KR" altLang="en-US" sz="1800" dirty="0" err="1">
-                <a:solidFill>
-                  <a:schemeClr val="bg1">
-                    <a:lumMod val="75000"/>
-                  </a:schemeClr>
-                </a:solidFill>
-              </a:rPr>
-              <a:t>책으로된</a:t>
-            </a:r>
-            <a:r>
-              <a:rPr lang="ko-KR" altLang="en-US" sz="1800" dirty="0">
-                <a:solidFill>
-                  <a:schemeClr val="bg1">
-                    <a:lumMod val="75000"/>
-                  </a:schemeClr>
-                </a:solidFill>
-              </a:rPr>
-              <a:t> </a:t>
-            </a:r>
-            <a:r>
-              <a:rPr lang="en-US" altLang="ko-KR" sz="1800" dirty="0">
-                <a:solidFill>
-                  <a:schemeClr val="bg1">
-                    <a:lumMod val="75000"/>
-                  </a:schemeClr>
-                </a:solidFill>
-              </a:rPr>
-              <a:t>“</a:t>
-            </a:r>
-            <a:r>
-              <a:rPr lang="ko-KR" altLang="en-US" sz="1800" dirty="0" err="1">
-                <a:solidFill>
-                  <a:schemeClr val="bg1">
-                    <a:lumMod val="75000"/>
-                  </a:schemeClr>
-                </a:solidFill>
-              </a:rPr>
-              <a:t>레주메북</a:t>
-            </a:r>
-            <a:r>
-              <a:rPr lang="en-US" altLang="ko-KR" sz="1800" dirty="0">
-                <a:solidFill>
-                  <a:schemeClr val="bg1">
-                    <a:lumMod val="75000"/>
-                  </a:schemeClr>
-                </a:solidFill>
-              </a:rPr>
-              <a:t>”</a:t>
-            </a:r>
-            <a:r>
-              <a:rPr lang="ko-KR" altLang="en-US" sz="1800" dirty="0">
-                <a:solidFill>
-                  <a:schemeClr val="bg1">
-                    <a:lumMod val="75000"/>
-                  </a:schemeClr>
-                </a:solidFill>
-              </a:rPr>
-              <a:t>의 불편함을 없앤</a:t>
-            </a:r>
-          </a:p>
-        </p:txBody>
-      </p:sp>
-      <p:sp>
-        <p:nvSpPr>
-          <p:cNvPr id="12" name="직사각형 11"/>
-          <p:cNvSpPr/>
-          <p:nvPr/>
-        </p:nvSpPr>
-        <p:spPr>
-          <a:xfrm>
-            <a:off x="2752863" y="2010860"/>
-            <a:ext cx="5686172" cy="4252446"/>
-          </a:xfrm>
-          <a:prstGeom prst="rect">
-            <a:avLst/>
-          </a:prstGeom>
-        </p:spPr>
-        <p:txBody>
-          <a:bodyPr wrap="none">
-            <a:spAutoFit/>
-          </a:bodyPr>
-          <a:lstStyle/>
-          <a:p>
-            <a:pPr>
-              <a:spcBef>
-                <a:spcPts val="1000"/>
-              </a:spcBef>
-            </a:pPr>
-            <a:r>
-              <a:rPr lang="ko-KR" altLang="en-US" sz="3200" spc="-150" dirty="0" smtClean="0">
-                <a:ln>
-                  <a:solidFill>
-                    <a:schemeClr val="accent1">
-                      <a:alpha val="0"/>
-                    </a:schemeClr>
-                  </a:solidFill>
-                </a:ln>
-                <a:solidFill>
-                  <a:srgbClr val="282421"/>
-                </a:solidFill>
-                <a:latin typeface="a옛날사진관2" panose="02020600000000000000" pitchFamily="18" charset="-127"/>
-                <a:ea typeface="배달의민족 도현" panose="020B0600000101010101"/>
-              </a:rPr>
-              <a:t>유지보수</a:t>
-            </a:r>
-            <a:endParaRPr lang="en-US" altLang="ko-KR" sz="3200" spc="-150" dirty="0" smtClean="0">
-              <a:ln>
-                <a:solidFill>
-                  <a:schemeClr val="accent1">
-                    <a:alpha val="0"/>
-                  </a:schemeClr>
-                </a:solidFill>
-              </a:ln>
-              <a:solidFill>
-                <a:srgbClr val="282421"/>
-              </a:solidFill>
-              <a:latin typeface="a옛날사진관2" panose="02020600000000000000" pitchFamily="18" charset="-127"/>
-              <a:ea typeface="배달의민족 도현" panose="020B0600000101010101"/>
-            </a:endParaRPr>
-          </a:p>
-          <a:p>
-            <a:pPr>
-              <a:spcBef>
-                <a:spcPts val="1000"/>
-              </a:spcBef>
-            </a:pPr>
-            <a:r>
-              <a:rPr lang="en-US" altLang="ko-KR" sz="2000" spc="-150" dirty="0" smtClean="0">
-                <a:ln>
-                  <a:solidFill>
-                    <a:schemeClr val="accent1">
-                      <a:alpha val="0"/>
-                    </a:schemeClr>
-                  </a:solidFill>
-                </a:ln>
-                <a:solidFill>
-                  <a:srgbClr val="282421"/>
-                </a:solidFill>
-                <a:latin typeface="a옛날사진관2" panose="02020600000000000000" pitchFamily="18" charset="-127"/>
-                <a:ea typeface="배달의민족 도현" panose="020B0600000101010101"/>
-              </a:rPr>
-              <a:t>-&gt; </a:t>
-            </a:r>
-            <a:r>
-              <a:rPr lang="ko-KR" altLang="en-US" sz="2000" spc="-150" dirty="0" smtClean="0">
-                <a:ln>
-                  <a:solidFill>
-                    <a:schemeClr val="accent1">
-                      <a:alpha val="0"/>
-                    </a:schemeClr>
-                  </a:solidFill>
-                </a:ln>
-                <a:solidFill>
-                  <a:srgbClr val="282421"/>
-                </a:solidFill>
-                <a:latin typeface="a옛날사진관2" panose="02020600000000000000" pitchFamily="18" charset="-127"/>
-                <a:ea typeface="배달의민족 도현" panose="020B0600000101010101"/>
-              </a:rPr>
-              <a:t>수정 및 보안</a:t>
-            </a:r>
-            <a:endParaRPr lang="en-US" altLang="ko-KR" sz="2000" spc="-150" dirty="0" smtClean="0">
-              <a:ln>
-                <a:solidFill>
-                  <a:schemeClr val="accent1">
-                    <a:alpha val="0"/>
-                  </a:schemeClr>
-                </a:solidFill>
-              </a:ln>
-              <a:solidFill>
-                <a:srgbClr val="282421"/>
-              </a:solidFill>
-              <a:latin typeface="a옛날사진관2" panose="02020600000000000000" pitchFamily="18" charset="-127"/>
-              <a:ea typeface="배달의민족 도현" panose="020B0600000101010101"/>
-            </a:endParaRPr>
-          </a:p>
-          <a:p>
-            <a:pPr>
-              <a:spcBef>
-                <a:spcPts val="1000"/>
-              </a:spcBef>
-            </a:pPr>
-            <a:r>
-              <a:rPr lang="en-US" altLang="ko-KR" sz="2000" spc="-150" dirty="0" smtClean="0">
-                <a:ln>
-                  <a:solidFill>
-                    <a:schemeClr val="accent1">
-                      <a:alpha val="0"/>
-                    </a:schemeClr>
-                  </a:solidFill>
-                </a:ln>
-                <a:solidFill>
-                  <a:srgbClr val="282421"/>
-                </a:solidFill>
-                <a:latin typeface="a옛날사진관2" panose="02020600000000000000" pitchFamily="18" charset="-127"/>
-                <a:ea typeface="배달의민족 도현" panose="020B0600000101010101"/>
-              </a:rPr>
-              <a:t>-&gt; </a:t>
-            </a:r>
-            <a:r>
-              <a:rPr lang="ko-KR" altLang="en-US" sz="2000" spc="-150" dirty="0" smtClean="0">
-                <a:ln>
-                  <a:solidFill>
-                    <a:schemeClr val="accent1">
-                      <a:alpha val="0"/>
-                    </a:schemeClr>
-                  </a:solidFill>
-                </a:ln>
-                <a:solidFill>
-                  <a:srgbClr val="282421"/>
-                </a:solidFill>
-                <a:latin typeface="a옛날사진관2" panose="02020600000000000000" pitchFamily="18" charset="-127"/>
-                <a:ea typeface="배달의민족 도현" panose="020B0600000101010101"/>
-              </a:rPr>
-              <a:t>업그레이드 </a:t>
-            </a:r>
-            <a:endParaRPr lang="en-US" altLang="ko-KR" sz="2000" spc="-150" dirty="0" smtClean="0">
-              <a:ln>
-                <a:solidFill>
-                  <a:schemeClr val="accent1">
-                    <a:alpha val="0"/>
-                  </a:schemeClr>
-                </a:solidFill>
-              </a:ln>
-              <a:solidFill>
-                <a:srgbClr val="282421"/>
-              </a:solidFill>
-              <a:latin typeface="a옛날사진관2" panose="02020600000000000000" pitchFamily="18" charset="-127"/>
-              <a:ea typeface="배달의민족 도현" panose="020B0600000101010101"/>
-            </a:endParaRPr>
-          </a:p>
-          <a:p>
-            <a:pPr>
-              <a:spcBef>
-                <a:spcPts val="1000"/>
-              </a:spcBef>
-            </a:pPr>
-            <a:endParaRPr lang="en-US" altLang="ko-KR" sz="2400" spc="-150" dirty="0">
-              <a:ln>
-                <a:solidFill>
-                  <a:schemeClr val="accent1">
-                    <a:alpha val="0"/>
-                  </a:schemeClr>
-                </a:solidFill>
-              </a:ln>
-              <a:solidFill>
-                <a:srgbClr val="282421"/>
-              </a:solidFill>
-              <a:latin typeface="a옛날사진관2" panose="02020600000000000000" pitchFamily="18" charset="-127"/>
-              <a:ea typeface="배달의민족 도현" panose="020B0600000101010101"/>
-            </a:endParaRPr>
-          </a:p>
-          <a:p>
-            <a:pPr>
-              <a:spcBef>
-                <a:spcPts val="1000"/>
-              </a:spcBef>
-            </a:pPr>
-            <a:r>
-              <a:rPr lang="ko-KR" altLang="en-US" sz="3200" spc="-150" dirty="0" err="1" smtClean="0">
-                <a:ln>
-                  <a:solidFill>
-                    <a:schemeClr val="accent1">
-                      <a:alpha val="0"/>
-                    </a:schemeClr>
-                  </a:solidFill>
-                </a:ln>
-                <a:solidFill>
-                  <a:srgbClr val="282421"/>
-                </a:solidFill>
-                <a:latin typeface="a옛날사진관2" panose="02020600000000000000" pitchFamily="18" charset="-127"/>
-                <a:ea typeface="배달의민족 도현" panose="020B0600000101010101"/>
-              </a:rPr>
-              <a:t>레주메북대신</a:t>
-            </a:r>
-            <a:r>
-              <a:rPr lang="ko-KR" altLang="en-US" sz="3200" spc="-150" dirty="0" smtClean="0">
-                <a:ln>
-                  <a:solidFill>
-                    <a:schemeClr val="accent1">
-                      <a:alpha val="0"/>
-                    </a:schemeClr>
-                  </a:solidFill>
-                </a:ln>
-                <a:solidFill>
-                  <a:srgbClr val="282421"/>
-                </a:solidFill>
-                <a:latin typeface="a옛날사진관2" panose="02020600000000000000" pitchFamily="18" charset="-127"/>
-                <a:ea typeface="배달의민족 도현" panose="020B0600000101010101"/>
-              </a:rPr>
-              <a:t> 우리 </a:t>
-            </a:r>
-            <a:r>
-              <a:rPr lang="ko-KR" altLang="en-US" sz="3200" spc="-150" dirty="0" err="1" smtClean="0">
-                <a:ln>
-                  <a:solidFill>
-                    <a:schemeClr val="accent1">
-                      <a:alpha val="0"/>
-                    </a:schemeClr>
-                  </a:solidFill>
-                </a:ln>
-                <a:solidFill>
-                  <a:srgbClr val="282421"/>
-                </a:solidFill>
-                <a:latin typeface="a옛날사진관2" panose="02020600000000000000" pitchFamily="18" charset="-127"/>
-                <a:ea typeface="배달의민족 도현" panose="020B0600000101010101"/>
-              </a:rPr>
-              <a:t>웹페이지</a:t>
-            </a:r>
-            <a:r>
-              <a:rPr lang="ko-KR" altLang="en-US" sz="3200" spc="-150" dirty="0" smtClean="0">
-                <a:ln>
-                  <a:solidFill>
-                    <a:schemeClr val="accent1">
-                      <a:alpha val="0"/>
-                    </a:schemeClr>
-                  </a:solidFill>
-                </a:ln>
-                <a:solidFill>
-                  <a:srgbClr val="282421"/>
-                </a:solidFill>
-                <a:latin typeface="a옛날사진관2" panose="02020600000000000000" pitchFamily="18" charset="-127"/>
-                <a:ea typeface="배달의민족 도현" panose="020B0600000101010101"/>
-              </a:rPr>
-              <a:t> 사용</a:t>
-            </a:r>
-            <a:endParaRPr lang="en-US" altLang="ko-KR" sz="3200" spc="-150" dirty="0" smtClean="0">
-              <a:ln>
-                <a:solidFill>
-                  <a:schemeClr val="accent1">
-                    <a:alpha val="0"/>
-                  </a:schemeClr>
-                </a:solidFill>
-              </a:ln>
-              <a:solidFill>
-                <a:srgbClr val="282421"/>
-              </a:solidFill>
-              <a:latin typeface="a옛날사진관2" panose="02020600000000000000" pitchFamily="18" charset="-127"/>
-              <a:ea typeface="배달의민족 도현" panose="020B0600000101010101"/>
-            </a:endParaRPr>
-          </a:p>
-          <a:p>
-            <a:pPr>
-              <a:spcBef>
-                <a:spcPts val="1000"/>
-              </a:spcBef>
-            </a:pPr>
-            <a:r>
-              <a:rPr lang="en-US" altLang="ko-KR" sz="2000" spc="-150" dirty="0" smtClean="0">
-                <a:ln>
-                  <a:solidFill>
-                    <a:schemeClr val="accent1">
-                      <a:alpha val="0"/>
-                    </a:schemeClr>
-                  </a:solidFill>
-                </a:ln>
-                <a:solidFill>
-                  <a:srgbClr val="282421"/>
-                </a:solidFill>
-                <a:latin typeface="a옛날사진관2" panose="02020600000000000000" pitchFamily="18" charset="-127"/>
-                <a:ea typeface="배달의민족 도현" panose="020B0600000101010101"/>
-              </a:rPr>
-              <a:t>-&gt; </a:t>
-            </a:r>
-            <a:r>
-              <a:rPr lang="ko-KR" altLang="en-US" sz="2000" spc="-150" dirty="0" smtClean="0">
-                <a:ln>
-                  <a:solidFill>
-                    <a:schemeClr val="accent1">
-                      <a:alpha val="0"/>
-                    </a:schemeClr>
-                  </a:solidFill>
-                </a:ln>
-                <a:solidFill>
-                  <a:srgbClr val="282421"/>
-                </a:solidFill>
-                <a:latin typeface="a옛날사진관2" panose="02020600000000000000" pitchFamily="18" charset="-127"/>
-                <a:ea typeface="배달의민족 도현" panose="020B0600000101010101"/>
-              </a:rPr>
-              <a:t>시간</a:t>
-            </a:r>
-            <a:r>
-              <a:rPr lang="en-US" altLang="ko-KR" sz="2000" spc="-150" dirty="0" smtClean="0">
-                <a:ln>
-                  <a:solidFill>
-                    <a:schemeClr val="accent1">
-                      <a:alpha val="0"/>
-                    </a:schemeClr>
-                  </a:solidFill>
-                </a:ln>
-                <a:solidFill>
-                  <a:srgbClr val="282421"/>
-                </a:solidFill>
-                <a:latin typeface="a옛날사진관2" panose="02020600000000000000" pitchFamily="18" charset="-127"/>
-                <a:ea typeface="배달의민족 도현" panose="020B0600000101010101"/>
-              </a:rPr>
-              <a:t>, </a:t>
-            </a:r>
-            <a:r>
-              <a:rPr lang="ko-KR" altLang="en-US" sz="2000" spc="-150" dirty="0" err="1" smtClean="0">
-                <a:ln>
-                  <a:solidFill>
-                    <a:schemeClr val="accent1">
-                      <a:alpha val="0"/>
-                    </a:schemeClr>
-                  </a:solidFill>
-                </a:ln>
-                <a:solidFill>
-                  <a:srgbClr val="282421"/>
-                </a:solidFill>
-                <a:latin typeface="a옛날사진관2" panose="02020600000000000000" pitchFamily="18" charset="-127"/>
-                <a:ea typeface="배달의민족 도현" panose="020B0600000101010101"/>
-              </a:rPr>
-              <a:t>종이절약</a:t>
-            </a:r>
-            <a:r>
-              <a:rPr lang="ko-KR" altLang="en-US" sz="2000" spc="-150" dirty="0" smtClean="0">
-                <a:ln>
-                  <a:solidFill>
-                    <a:schemeClr val="accent1">
-                      <a:alpha val="0"/>
-                    </a:schemeClr>
-                  </a:solidFill>
-                </a:ln>
-                <a:solidFill>
-                  <a:srgbClr val="282421"/>
-                </a:solidFill>
-                <a:latin typeface="a옛날사진관2" panose="02020600000000000000" pitchFamily="18" charset="-127"/>
-                <a:ea typeface="배달의민족 도현" panose="020B0600000101010101"/>
-              </a:rPr>
-              <a:t> </a:t>
-            </a:r>
-            <a:r>
-              <a:rPr lang="ko-KR" altLang="en-US" sz="2000" spc="-150" dirty="0">
-                <a:ln>
-                  <a:solidFill>
-                    <a:schemeClr val="accent1">
-                      <a:alpha val="0"/>
-                    </a:schemeClr>
-                  </a:solidFill>
-                </a:ln>
-                <a:solidFill>
-                  <a:srgbClr val="282421"/>
-                </a:solidFill>
-                <a:latin typeface="a옛날사진관2" panose="02020600000000000000" pitchFamily="18" charset="-127"/>
-                <a:ea typeface="배달의민족 도현" panose="020B0600000101010101"/>
-              </a:rPr>
-              <a:t>및 </a:t>
-            </a:r>
-            <a:r>
-              <a:rPr lang="ko-KR" altLang="en-US" sz="2000" spc="-150" dirty="0" smtClean="0">
-                <a:ln>
-                  <a:solidFill>
-                    <a:schemeClr val="accent1">
-                      <a:alpha val="0"/>
-                    </a:schemeClr>
-                  </a:solidFill>
-                </a:ln>
-                <a:solidFill>
-                  <a:srgbClr val="282421"/>
-                </a:solidFill>
-                <a:latin typeface="a옛날사진관2" panose="02020600000000000000" pitchFamily="18" charset="-127"/>
-                <a:ea typeface="배달의민족 도현" panose="020B0600000101010101"/>
-              </a:rPr>
-              <a:t>홍보가 </a:t>
-            </a:r>
-            <a:r>
-              <a:rPr lang="ko-KR" altLang="en-US" sz="2000" spc="-150" dirty="0" err="1" smtClean="0">
-                <a:ln>
-                  <a:solidFill>
-                    <a:schemeClr val="accent1">
-                      <a:alpha val="0"/>
-                    </a:schemeClr>
-                  </a:solidFill>
-                </a:ln>
-                <a:solidFill>
-                  <a:srgbClr val="282421"/>
-                </a:solidFill>
-                <a:latin typeface="a옛날사진관2" panose="02020600000000000000" pitchFamily="18" charset="-127"/>
-                <a:ea typeface="배달의민족 도현" panose="020B0600000101010101"/>
-              </a:rPr>
-              <a:t>쉬워짐</a:t>
-            </a:r>
-            <a:r>
-              <a:rPr lang="ko-KR" altLang="en-US" sz="2000" spc="-150" dirty="0" smtClean="0">
-                <a:ln>
-                  <a:solidFill>
-                    <a:schemeClr val="accent1">
-                      <a:alpha val="0"/>
-                    </a:schemeClr>
-                  </a:solidFill>
-                </a:ln>
-                <a:solidFill>
-                  <a:srgbClr val="282421"/>
-                </a:solidFill>
-                <a:latin typeface="a옛날사진관2" panose="02020600000000000000" pitchFamily="18" charset="-127"/>
-                <a:ea typeface="배달의민족 도현" panose="020B0600000101010101"/>
-              </a:rPr>
-              <a:t> </a:t>
-            </a:r>
-            <a:endParaRPr lang="en-US" altLang="ko-KR" sz="2000" spc="-150" dirty="0" smtClean="0">
-              <a:ln>
-                <a:solidFill>
-                  <a:schemeClr val="accent1">
-                    <a:alpha val="0"/>
-                  </a:schemeClr>
-                </a:solidFill>
-              </a:ln>
-              <a:solidFill>
-                <a:srgbClr val="282421"/>
-              </a:solidFill>
-              <a:latin typeface="a옛날사진관2" panose="02020600000000000000" pitchFamily="18" charset="-127"/>
-              <a:ea typeface="배달의민족 도현" panose="020B0600000101010101"/>
-            </a:endParaRPr>
-          </a:p>
-          <a:p>
-            <a:pPr>
-              <a:spcBef>
-                <a:spcPts val="1000"/>
-              </a:spcBef>
-            </a:pPr>
-            <a:r>
-              <a:rPr lang="en-US" altLang="ko-KR" sz="2000" spc="-150" dirty="0">
-                <a:ln>
-                  <a:solidFill>
-                    <a:schemeClr val="accent1">
-                      <a:alpha val="0"/>
-                    </a:schemeClr>
-                  </a:solidFill>
-                </a:ln>
-                <a:solidFill>
-                  <a:srgbClr val="282421"/>
-                </a:solidFill>
-                <a:latin typeface="a옛날사진관2" panose="02020600000000000000" pitchFamily="18" charset="-127"/>
-                <a:ea typeface="배달의민족 도현" panose="020B0600000101010101"/>
-              </a:rPr>
-              <a:t>-&gt; </a:t>
-            </a:r>
-            <a:r>
-              <a:rPr lang="ko-KR" altLang="en-US" sz="2000" spc="-150" dirty="0" smtClean="0">
-                <a:ln>
-                  <a:solidFill>
-                    <a:schemeClr val="accent1">
-                      <a:alpha val="0"/>
-                    </a:schemeClr>
-                  </a:solidFill>
-                </a:ln>
-                <a:solidFill>
-                  <a:srgbClr val="282421"/>
-                </a:solidFill>
-                <a:latin typeface="a옛날사진관2" panose="02020600000000000000" pitchFamily="18" charset="-127"/>
-                <a:ea typeface="배달의민족 도현" panose="020B0600000101010101"/>
-              </a:rPr>
-              <a:t>회사입장에서는 인재를 빨리 찾을 수 있음</a:t>
-            </a:r>
-            <a:r>
-              <a:rPr lang="ko-KR" altLang="en-US" sz="3200" spc="-150" dirty="0" smtClean="0">
-                <a:ln>
-                  <a:solidFill>
-                    <a:schemeClr val="accent1">
-                      <a:alpha val="0"/>
-                    </a:schemeClr>
-                  </a:solidFill>
-                </a:ln>
-                <a:solidFill>
-                  <a:srgbClr val="282421"/>
-                </a:solidFill>
-                <a:latin typeface="a옛날사진관2" panose="02020600000000000000" pitchFamily="18" charset="-127"/>
-                <a:ea typeface="배달의민족 도현" panose="020B0600000101010101"/>
-              </a:rPr>
-              <a:t> </a:t>
-            </a:r>
-            <a:endParaRPr lang="en-US" altLang="ko-KR" sz="3200" spc="-150" dirty="0">
-              <a:ln>
-                <a:solidFill>
-                  <a:schemeClr val="accent1">
-                    <a:alpha val="0"/>
-                  </a:schemeClr>
-                </a:solidFill>
-              </a:ln>
-              <a:solidFill>
-                <a:srgbClr val="282421"/>
-              </a:solidFill>
-              <a:latin typeface="a옛날사진관2" panose="02020600000000000000" pitchFamily="18" charset="-127"/>
-              <a:ea typeface="배달의민족 도현" panose="020B0600000101010101"/>
-            </a:endParaRPr>
-          </a:p>
-          <a:p>
-            <a:pPr>
-              <a:spcBef>
-                <a:spcPts val="1000"/>
-              </a:spcBef>
-            </a:pPr>
-            <a:endParaRPr lang="en-US" altLang="ko-KR" sz="3200" spc="-150" dirty="0">
-              <a:ln>
-                <a:solidFill>
-                  <a:schemeClr val="accent1">
-                    <a:alpha val="0"/>
-                  </a:schemeClr>
-                </a:solidFill>
-              </a:ln>
-              <a:solidFill>
-                <a:srgbClr val="282421"/>
-              </a:solidFill>
-              <a:latin typeface="a옛날사진관2" panose="02020600000000000000" pitchFamily="18" charset="-127"/>
-              <a:ea typeface="배달의민족 도현" panose="020B0600000101010101"/>
             </a:endParaRPr>
           </a:p>
         </p:txBody>
@@ -18415,7 +17648,7 @@
     </p:spTree>
     <p:extLst>
       <p:ext uri="{BB962C8B-B14F-4D97-AF65-F5344CB8AC3E}">
-        <p14:creationId xmlns:p14="http://schemas.microsoft.com/office/powerpoint/2010/main" val="3718302309"/>
+        <p14:creationId xmlns:p14="http://schemas.microsoft.com/office/powerpoint/2010/main" val="2431992595"/>
       </p:ext>
     </p:extLst>
   </p:cSld>
@@ -18425,134 +17658,9 @@
   <p:timing>
     <p:tnLst>
       <p:par>
-        <p:cTn id="1" dur="indefinite" restart="never" nodeType="tmRoot">
-          <p:childTnLst>
-            <p:seq concurrent="1" nextAc="seek">
-              <p:cTn id="2" dur="indefinite" nodeType="mainSeq">
-                <p:childTnLst>
-                  <p:par>
-                    <p:cTn id="3" fill="hold">
-                      <p:stCondLst>
-                        <p:cond delay="indefinite"/>
-                      </p:stCondLst>
-                      <p:childTnLst>
-                        <p:par>
-                          <p:cTn id="4" fill="hold">
-                            <p:stCondLst>
-                              <p:cond delay="0"/>
-                            </p:stCondLst>
-                            <p:childTnLst>
-                              <p:par>
-                                <p:cTn id="5" presetID="42" presetClass="entr" presetSubtype="0" fill="hold" grpId="0" nodeType="clickEffect">
-                                  <p:stCondLst>
-                                    <p:cond delay="0"/>
-                                  </p:stCondLst>
-                                  <p:childTnLst>
-                                    <p:set>
-                                      <p:cBhvr>
-                                        <p:cTn id="6" dur="1" fill="hold">
-                                          <p:stCondLst>
-                                            <p:cond delay="0"/>
-                                          </p:stCondLst>
-                                        </p:cTn>
-                                        <p:tgtEl>
-                                          <p:spTgt spid="12"/>
-                                        </p:tgtEl>
-                                        <p:attrNameLst>
-                                          <p:attrName>style.visibility</p:attrName>
-                                        </p:attrNameLst>
-                                      </p:cBhvr>
-                                      <p:to>
-                                        <p:strVal val="visible"/>
-                                      </p:to>
-                                    </p:set>
-                                    <p:animEffect transition="in" filter="fade">
-                                      <p:cBhvr>
-                                        <p:cTn id="7" dur="1000"/>
-                                        <p:tgtEl>
-                                          <p:spTgt spid="12"/>
-                                        </p:tgtEl>
-                                      </p:cBhvr>
-                                    </p:animEffect>
-                                    <p:anim calcmode="lin" valueType="num">
-                                      <p:cBhvr>
-                                        <p:cTn id="8" dur="1000" fill="hold"/>
-                                        <p:tgtEl>
-                                          <p:spTgt spid="12"/>
-                                        </p:tgtEl>
-                                        <p:attrNameLst>
-                                          <p:attrName>ppt_x</p:attrName>
-                                        </p:attrNameLst>
-                                      </p:cBhvr>
-                                      <p:tavLst>
-                                        <p:tav tm="0">
-                                          <p:val>
-                                            <p:strVal val="#ppt_x"/>
-                                          </p:val>
-                                        </p:tav>
-                                        <p:tav tm="100000">
-                                          <p:val>
-                                            <p:strVal val="#ppt_x"/>
-                                          </p:val>
-                                        </p:tav>
-                                      </p:tavLst>
-                                    </p:anim>
-                                    <p:anim calcmode="lin" valueType="num">
-                                      <p:cBhvr>
-                                        <p:cTn id="9" dur="1000" fill="hold"/>
-                                        <p:tgtEl>
-                                          <p:spTgt spid="12"/>
-                                        </p:tgtEl>
-                                        <p:attrNameLst>
-                                          <p:attrName>ppt_y</p:attrName>
-                                        </p:attrNameLst>
-                                      </p:cBhvr>
-                                      <p:tavLst>
-                                        <p:tav tm="0">
-                                          <p:val>
-                                            <p:strVal val="#ppt_y+.1"/>
-                                          </p:val>
-                                        </p:tav>
-                                        <p:tav tm="100000">
-                                          <p:val>
-                                            <p:strVal val="#ppt_y"/>
-                                          </p:val>
-                                        </p:tav>
-                                      </p:tavLst>
-                                    </p:anim>
-                                  </p:childTnLst>
-                                </p:cTn>
-                              </p:par>
-                            </p:childTnLst>
-                          </p:cTn>
-                        </p:par>
-                      </p:childTnLst>
-                    </p:cTn>
-                  </p:par>
-                </p:childTnLst>
-              </p:cTn>
-              <p:prevCondLst>
-                <p:cond evt="onPrev" delay="0">
-                  <p:tgtEl>
-                    <p:sldTgt/>
-                  </p:tgtEl>
-                </p:cond>
-              </p:prevCondLst>
-              <p:nextCondLst>
-                <p:cond evt="onNext" delay="0">
-                  <p:tgtEl>
-                    <p:sldTgt/>
-                  </p:tgtEl>
-                </p:cond>
-              </p:nextCondLst>
-            </p:seq>
-          </p:childTnLst>
-        </p:cTn>
+        <p:cTn id="1" dur="indefinite" restart="never" nodeType="tmRoot"/>
       </p:par>
     </p:tnLst>
-    <p:bldLst>
-      <p:bldP spid="12" grpId="0"/>
-    </p:bldLst>
   </p:timing>
 </p:sld>
 </file>
@@ -19508,6 +18616,1436 @@
 </file>
 
 <file path=ppt/slides/slide20.xml><?xml version="1.0" encoding="utf-8"?>
+<p:sld xmlns:a="http://schemas.openxmlformats.org/drawingml/2006/main" xmlns:r="http://schemas.openxmlformats.org/officeDocument/2006/relationships" xmlns:p="http://schemas.openxmlformats.org/presentationml/2006/main">
+  <p:cSld>
+    <p:spTree>
+      <p:nvGrpSpPr>
+        <p:cNvPr id="1" name=""/>
+        <p:cNvGrpSpPr/>
+        <p:nvPr/>
+      </p:nvGrpSpPr>
+      <p:grpSpPr>
+        <a:xfrm>
+          <a:off x="0" y="0"/>
+          <a:ext cx="0" cy="0"/>
+          <a:chOff x="0" y="0"/>
+          <a:chExt cx="0" cy="0"/>
+        </a:xfrm>
+      </p:grpSpPr>
+      <p:sp>
+        <p:nvSpPr>
+          <p:cNvPr id="2" name="제목 1" hidden="1"/>
+          <p:cNvSpPr>
+            <a:spLocks noGrp="1"/>
+          </p:cNvSpPr>
+          <p:nvPr>
+            <p:ph type="title"/>
+          </p:nvPr>
+        </p:nvSpPr>
+        <p:spPr/>
+        <p:txBody>
+          <a:bodyPr/>
+          <a:lstStyle/>
+          <a:p>
+            <a:r>
+              <a:rPr lang="ko-KR" altLang="en-US" dirty="0" err="1"/>
+              <a:t>ㅋ</a:t>
+            </a:r>
+            <a:endParaRPr lang="ko-KR" altLang="en-US" dirty="0"/>
+          </a:p>
+        </p:txBody>
+      </p:sp>
+      <p:cxnSp>
+        <p:nvCxnSpPr>
+          <p:cNvPr id="5" name="직선 연결선 4"/>
+          <p:cNvCxnSpPr/>
+          <p:nvPr/>
+        </p:nvCxnSpPr>
+        <p:spPr>
+          <a:xfrm>
+            <a:off x="463854" y="555894"/>
+            <a:ext cx="560439" cy="0"/>
+          </a:xfrm>
+          <a:prstGeom prst="line">
+            <a:avLst/>
+          </a:prstGeom>
+          <a:ln>
+            <a:solidFill>
+              <a:schemeClr val="bg1"/>
+            </a:solidFill>
+          </a:ln>
+        </p:spPr>
+        <p:style>
+          <a:lnRef idx="1">
+            <a:schemeClr val="accent1"/>
+          </a:lnRef>
+          <a:fillRef idx="0">
+            <a:schemeClr val="accent1"/>
+          </a:fillRef>
+          <a:effectRef idx="0">
+            <a:schemeClr val="accent1"/>
+          </a:effectRef>
+          <a:fontRef idx="minor">
+            <a:schemeClr val="tx1"/>
+          </a:fontRef>
+        </p:style>
+      </p:cxnSp>
+      <p:cxnSp>
+        <p:nvCxnSpPr>
+          <p:cNvPr id="6" name="직선 연결선 5"/>
+          <p:cNvCxnSpPr/>
+          <p:nvPr/>
+        </p:nvCxnSpPr>
+        <p:spPr>
+          <a:xfrm>
+            <a:off x="486696" y="2257425"/>
+            <a:ext cx="560439" cy="0"/>
+          </a:xfrm>
+          <a:prstGeom prst="line">
+            <a:avLst/>
+          </a:prstGeom>
+          <a:ln>
+            <a:solidFill>
+              <a:schemeClr val="bg1"/>
+            </a:solidFill>
+          </a:ln>
+        </p:spPr>
+        <p:style>
+          <a:lnRef idx="1">
+            <a:schemeClr val="accent1"/>
+          </a:lnRef>
+          <a:fillRef idx="0">
+            <a:schemeClr val="accent1"/>
+          </a:fillRef>
+          <a:effectRef idx="0">
+            <a:schemeClr val="accent1"/>
+          </a:effectRef>
+          <a:fontRef idx="minor">
+            <a:schemeClr val="tx1"/>
+          </a:fontRef>
+        </p:style>
+      </p:cxnSp>
+      <p:sp>
+        <p:nvSpPr>
+          <p:cNvPr id="7" name="TextBox 6"/>
+          <p:cNvSpPr txBox="1"/>
+          <p:nvPr/>
+        </p:nvSpPr>
+        <p:spPr>
+          <a:xfrm>
+            <a:off x="353419" y="796300"/>
+            <a:ext cx="1557774" cy="1461125"/>
+          </a:xfrm>
+          <a:prstGeom prst="rect">
+            <a:avLst/>
+          </a:prstGeom>
+        </p:spPr>
+        <p:txBody>
+          <a:bodyPr vert="horz" lIns="91440" tIns="45720" rIns="91440" bIns="45720" rtlCol="0">
+            <a:noAutofit/>
+          </a:bodyPr>
+          <a:lstStyle>
+            <a:defPPr>
+              <a:defRPr lang="ko-KR"/>
+            </a:defPPr>
+            <a:lvl1pPr indent="0">
+              <a:lnSpc>
+                <a:spcPct val="100000"/>
+              </a:lnSpc>
+              <a:spcBef>
+                <a:spcPts val="1000"/>
+              </a:spcBef>
+              <a:buFont typeface="Arial" panose="020B0604020202020204" pitchFamily="34" charset="0"/>
+              <a:buNone/>
+              <a:defRPr sz="1100">
+                <a:ln>
+                  <a:solidFill>
+                    <a:schemeClr val="accent1">
+                      <a:alpha val="0"/>
+                    </a:schemeClr>
+                  </a:solidFill>
+                </a:ln>
+                <a:solidFill>
+                  <a:schemeClr val="bg1"/>
+                </a:solidFill>
+                <a:latin typeface="-윤고딕330" panose="02030504000101010101" pitchFamily="18" charset="-127"/>
+                <a:ea typeface="-윤고딕330" panose="02030504000101010101" pitchFamily="18" charset="-127"/>
+              </a:defRPr>
+            </a:lvl1pPr>
+            <a:lvl2pPr marL="685800" indent="-228600">
+              <a:lnSpc>
+                <a:spcPct val="90000"/>
+              </a:lnSpc>
+              <a:spcBef>
+                <a:spcPts val="500"/>
+              </a:spcBef>
+              <a:buFont typeface="Arial" panose="020B0604020202020204" pitchFamily="34" charset="0"/>
+              <a:buChar char="•"/>
+              <a:defRPr sz="2400"/>
+            </a:lvl2pPr>
+            <a:lvl3pPr marL="1143000" indent="-228600">
+              <a:lnSpc>
+                <a:spcPct val="90000"/>
+              </a:lnSpc>
+              <a:spcBef>
+                <a:spcPts val="500"/>
+              </a:spcBef>
+              <a:buFont typeface="Arial" panose="020B0604020202020204" pitchFamily="34" charset="0"/>
+              <a:buChar char="•"/>
+              <a:defRPr sz="2000"/>
+            </a:lvl3pPr>
+            <a:lvl4pPr marL="1600200" indent="-228600">
+              <a:lnSpc>
+                <a:spcPct val="90000"/>
+              </a:lnSpc>
+              <a:spcBef>
+                <a:spcPts val="500"/>
+              </a:spcBef>
+              <a:buFont typeface="Arial" panose="020B0604020202020204" pitchFamily="34" charset="0"/>
+              <a:buChar char="•"/>
+            </a:lvl4pPr>
+            <a:lvl5pPr marL="2057400" indent="-228600">
+              <a:lnSpc>
+                <a:spcPct val="90000"/>
+              </a:lnSpc>
+              <a:spcBef>
+                <a:spcPts val="500"/>
+              </a:spcBef>
+              <a:buFont typeface="Arial" panose="020B0604020202020204" pitchFamily="34" charset="0"/>
+              <a:buChar char="•"/>
+            </a:lvl5pPr>
+            <a:lvl6pPr marL="2514600" indent="-228600">
+              <a:lnSpc>
+                <a:spcPct val="90000"/>
+              </a:lnSpc>
+              <a:spcBef>
+                <a:spcPts val="500"/>
+              </a:spcBef>
+              <a:buFont typeface="Arial" panose="020B0604020202020204" pitchFamily="34" charset="0"/>
+              <a:buChar char="•"/>
+            </a:lvl6pPr>
+            <a:lvl7pPr marL="2971800" indent="-228600">
+              <a:lnSpc>
+                <a:spcPct val="90000"/>
+              </a:lnSpc>
+              <a:spcBef>
+                <a:spcPts val="500"/>
+              </a:spcBef>
+              <a:buFont typeface="Arial" panose="020B0604020202020204" pitchFamily="34" charset="0"/>
+              <a:buChar char="•"/>
+            </a:lvl7pPr>
+            <a:lvl8pPr marL="3429000" indent="-228600">
+              <a:lnSpc>
+                <a:spcPct val="90000"/>
+              </a:lnSpc>
+              <a:spcBef>
+                <a:spcPts val="500"/>
+              </a:spcBef>
+              <a:buFont typeface="Arial" panose="020B0604020202020204" pitchFamily="34" charset="0"/>
+              <a:buChar char="•"/>
+            </a:lvl8pPr>
+            <a:lvl9pPr marL="3886200" indent="-228600">
+              <a:lnSpc>
+                <a:spcPct val="90000"/>
+              </a:lnSpc>
+              <a:spcBef>
+                <a:spcPts val="500"/>
+              </a:spcBef>
+              <a:buFont typeface="Arial" panose="020B0604020202020204" pitchFamily="34" charset="0"/>
+              <a:buChar char="•"/>
+            </a:lvl9pPr>
+          </a:lstStyle>
+          <a:p>
+            <a:r>
+              <a:rPr lang="en-US" altLang="ko-KR" sz="2400" dirty="0" smtClean="0">
+                <a:latin typeface="Noto Sans CJK KR Medium" panose="020B0600000000000000" pitchFamily="34" charset="-127"/>
+                <a:ea typeface="Noto Sans CJK KR Medium" panose="020B0600000000000000" pitchFamily="34" charset="-127"/>
+              </a:rPr>
+              <a:t>17</a:t>
+            </a:r>
+            <a:endParaRPr lang="en-US" altLang="ko-KR" sz="2400" dirty="0">
+              <a:latin typeface="Noto Sans CJK KR Medium" panose="020B0600000000000000" pitchFamily="34" charset="-127"/>
+              <a:ea typeface="Noto Sans CJK KR Medium" panose="020B0600000000000000" pitchFamily="34" charset="-127"/>
+            </a:endParaRPr>
+          </a:p>
+          <a:p>
+            <a:r>
+              <a:rPr lang="ko-KR" altLang="en-US" sz="2400" dirty="0" smtClean="0">
+                <a:latin typeface="Noto Sans CJK KR Medium" panose="020B0600000000000000" pitchFamily="34" charset="-127"/>
+                <a:ea typeface="Noto Sans CJK KR Medium" panose="020B0600000000000000" pitchFamily="34" charset="-127"/>
+              </a:rPr>
+              <a:t>앞으로의 계획</a:t>
+            </a:r>
+            <a:endParaRPr lang="en-US" altLang="ko-KR" sz="2400" dirty="0" smtClean="0">
+              <a:latin typeface="Noto Sans CJK KR Medium" panose="020B0600000000000000" pitchFamily="34" charset="-127"/>
+              <a:ea typeface="Noto Sans CJK KR Medium" panose="020B0600000000000000" pitchFamily="34" charset="-127"/>
+            </a:endParaRPr>
+          </a:p>
+        </p:txBody>
+      </p:sp>
+      <p:sp>
+        <p:nvSpPr>
+          <p:cNvPr id="9" name="직사각형 8"/>
+          <p:cNvSpPr/>
+          <p:nvPr/>
+        </p:nvSpPr>
+        <p:spPr>
+          <a:xfrm>
+            <a:off x="2752166" y="1089843"/>
+            <a:ext cx="8309124" cy="461665"/>
+          </a:xfrm>
+          <a:prstGeom prst="rect">
+            <a:avLst/>
+          </a:prstGeom>
+        </p:spPr>
+        <p:txBody>
+          <a:bodyPr wrap="square">
+            <a:spAutoFit/>
+          </a:bodyPr>
+          <a:lstStyle/>
+          <a:p>
+            <a:pPr>
+              <a:spcBef>
+                <a:spcPts val="1000"/>
+              </a:spcBef>
+            </a:pPr>
+            <a:r>
+              <a:rPr lang="ko-KR" altLang="en-US" sz="2400" spc="-150" dirty="0" err="1">
+                <a:ln>
+                  <a:solidFill>
+                    <a:schemeClr val="accent1">
+                      <a:alpha val="0"/>
+                    </a:schemeClr>
+                  </a:solidFill>
+                </a:ln>
+                <a:solidFill>
+                  <a:srgbClr val="282421"/>
+                </a:solidFill>
+                <a:latin typeface="Noto Sans CJK KR Medium" panose="020B0600000000000000" pitchFamily="34" charset="-127"/>
+                <a:ea typeface="Noto Sans CJK KR Medium" panose="020B0600000000000000" pitchFamily="34" charset="-127"/>
+              </a:rPr>
+              <a:t>레주메북을</a:t>
+            </a:r>
+            <a:r>
+              <a:rPr lang="ko-KR" altLang="en-US" sz="2400" spc="-150" dirty="0">
+                <a:ln>
+                  <a:solidFill>
+                    <a:schemeClr val="accent1">
+                      <a:alpha val="0"/>
+                    </a:schemeClr>
+                  </a:solidFill>
+                </a:ln>
+                <a:solidFill>
+                  <a:srgbClr val="282421"/>
+                </a:solidFill>
+                <a:latin typeface="Noto Sans CJK KR Medium" panose="020B0600000000000000" pitchFamily="34" charset="-127"/>
+                <a:ea typeface="Noto Sans CJK KR Medium" panose="020B0600000000000000" pitchFamily="34" charset="-127"/>
+              </a:rPr>
+              <a:t> </a:t>
+            </a:r>
+            <a:r>
+              <a:rPr lang="en-US" altLang="ko-KR" sz="2400" spc="-150" dirty="0">
+                <a:ln>
+                  <a:solidFill>
+                    <a:schemeClr val="accent1">
+                      <a:alpha val="0"/>
+                    </a:schemeClr>
+                  </a:solidFill>
+                </a:ln>
+                <a:solidFill>
+                  <a:srgbClr val="282421"/>
+                </a:solidFill>
+                <a:latin typeface="Noto Sans CJK KR Medium" panose="020B0600000000000000" pitchFamily="34" charset="-127"/>
+                <a:ea typeface="Noto Sans CJK KR Medium" panose="020B0600000000000000" pitchFamily="34" charset="-127"/>
+              </a:rPr>
+              <a:t>“2uzuBook”</a:t>
+            </a:r>
+            <a:r>
+              <a:rPr lang="ko-KR" altLang="en-US" sz="2400" spc="-150" dirty="0">
+                <a:ln>
+                  <a:solidFill>
+                    <a:schemeClr val="accent1">
+                      <a:alpha val="0"/>
+                    </a:schemeClr>
+                  </a:solidFill>
+                </a:ln>
+                <a:solidFill>
+                  <a:srgbClr val="282421"/>
+                </a:solidFill>
+                <a:latin typeface="Noto Sans CJK KR Medium" panose="020B0600000000000000" pitchFamily="34" charset="-127"/>
+                <a:ea typeface="Noto Sans CJK KR Medium" panose="020B0600000000000000" pitchFamily="34" charset="-127"/>
+              </a:rPr>
+              <a:t>로 </a:t>
+            </a:r>
+            <a:r>
+              <a:rPr lang="ko-KR" altLang="en-US" sz="2400" spc="-150" dirty="0" smtClean="0">
+                <a:ln>
+                  <a:solidFill>
+                    <a:schemeClr val="accent1">
+                      <a:alpha val="0"/>
+                    </a:schemeClr>
+                  </a:solidFill>
+                </a:ln>
+                <a:solidFill>
+                  <a:srgbClr val="282421"/>
+                </a:solidFill>
+                <a:latin typeface="Noto Sans CJK KR Medium" panose="020B0600000000000000" pitchFamily="34" charset="-127"/>
+                <a:ea typeface="Noto Sans CJK KR Medium" panose="020B0600000000000000" pitchFamily="34" charset="-127"/>
+              </a:rPr>
+              <a:t>바꾸다</a:t>
+            </a:r>
+            <a:r>
+              <a:rPr lang="en-US" altLang="ko-KR" sz="2400" spc="-150" dirty="0">
+                <a:ln>
+                  <a:solidFill>
+                    <a:schemeClr val="accent1">
+                      <a:alpha val="0"/>
+                    </a:schemeClr>
+                  </a:solidFill>
+                </a:ln>
+                <a:solidFill>
+                  <a:srgbClr val="282421"/>
+                </a:solidFill>
+                <a:latin typeface="Noto Sans CJK KR Medium" panose="020B0600000000000000" pitchFamily="34" charset="-127"/>
+                <a:ea typeface="Noto Sans CJK KR Medium" panose="020B0600000000000000" pitchFamily="34" charset="-127"/>
+              </a:rPr>
+              <a:t> </a:t>
+            </a:r>
+            <a:r>
+              <a:rPr lang="en-US" altLang="ko-KR" sz="2400" spc="-150" dirty="0" smtClean="0">
+                <a:ln>
+                  <a:solidFill>
+                    <a:schemeClr val="accent1">
+                      <a:alpha val="0"/>
+                    </a:schemeClr>
+                  </a:solidFill>
+                </a:ln>
+                <a:solidFill>
+                  <a:srgbClr val="282421"/>
+                </a:solidFill>
+                <a:latin typeface="Noto Sans CJK KR Medium" panose="020B0600000000000000" pitchFamily="34" charset="-127"/>
+                <a:ea typeface="Noto Sans CJK KR Medium" panose="020B0600000000000000" pitchFamily="34" charset="-127"/>
+              </a:rPr>
+              <a:t>– </a:t>
+            </a:r>
+            <a:r>
+              <a:rPr lang="ko-KR" altLang="en-US" sz="2400" spc="-150" dirty="0" smtClean="0">
+                <a:ln>
+                  <a:solidFill>
+                    <a:schemeClr val="accent1">
+                      <a:alpha val="0"/>
+                    </a:schemeClr>
+                  </a:solidFill>
+                </a:ln>
+                <a:solidFill>
+                  <a:srgbClr val="282421"/>
+                </a:solidFill>
+                <a:latin typeface="Noto Sans CJK KR Medium" panose="020B0600000000000000" pitchFamily="34" charset="-127"/>
+                <a:ea typeface="Noto Sans CJK KR Medium" panose="020B0600000000000000" pitchFamily="34" charset="-127"/>
+              </a:rPr>
+              <a:t>앞으로의 계획</a:t>
+            </a:r>
+            <a:endParaRPr lang="en-US" altLang="ko-KR" sz="2400" spc="-150" dirty="0">
+              <a:ln>
+                <a:solidFill>
+                  <a:schemeClr val="accent1">
+                    <a:alpha val="0"/>
+                  </a:schemeClr>
+                </a:solidFill>
+              </a:ln>
+              <a:solidFill>
+                <a:srgbClr val="282421"/>
+              </a:solidFill>
+              <a:latin typeface="Noto Sans CJK KR Medium" panose="020B0600000000000000" pitchFamily="34" charset="-127"/>
+              <a:ea typeface="Noto Sans CJK KR Medium" panose="020B0600000000000000" pitchFamily="34" charset="-127"/>
+            </a:endParaRPr>
+          </a:p>
+        </p:txBody>
+      </p:sp>
+      <p:sp>
+        <p:nvSpPr>
+          <p:cNvPr id="24" name="직사각형 23"/>
+          <p:cNvSpPr/>
+          <p:nvPr/>
+        </p:nvSpPr>
+        <p:spPr>
+          <a:xfrm>
+            <a:off x="9291319" y="6537278"/>
+            <a:ext cx="2900681" cy="320722"/>
+          </a:xfrm>
+          <a:prstGeom prst="rect">
+            <a:avLst/>
+          </a:prstGeom>
+          <a:solidFill>
+            <a:schemeClr val="bg1"/>
+          </a:solidFill>
+          <a:ln>
+            <a:solidFill>
+              <a:schemeClr val="bg1"/>
+            </a:solidFill>
+          </a:ln>
+        </p:spPr>
+        <p:style>
+          <a:lnRef idx="2">
+            <a:schemeClr val="accent1">
+              <a:shade val="50000"/>
+            </a:schemeClr>
+          </a:lnRef>
+          <a:fillRef idx="1">
+            <a:schemeClr val="accent1"/>
+          </a:fillRef>
+          <a:effectRef idx="0">
+            <a:schemeClr val="accent1"/>
+          </a:effectRef>
+          <a:fontRef idx="minor">
+            <a:schemeClr val="lt1"/>
+          </a:fontRef>
+        </p:style>
+        <p:txBody>
+          <a:bodyPr rtlCol="0" anchor="ctr"/>
+          <a:lstStyle/>
+          <a:p>
+            <a:pPr algn="ctr"/>
+            <a:endParaRPr lang="ko-KR" altLang="en-US"/>
+          </a:p>
+        </p:txBody>
+      </p:sp>
+      <p:sp>
+        <p:nvSpPr>
+          <p:cNvPr id="4" name="Rectangle 2"/>
+          <p:cNvSpPr>
+            <a:spLocks noChangeArrowheads="1"/>
+          </p:cNvSpPr>
+          <p:nvPr/>
+        </p:nvSpPr>
+        <p:spPr bwMode="auto">
+          <a:xfrm>
+            <a:off x="0" y="0"/>
+            <a:ext cx="12192000" cy="457200"/>
+          </a:xfrm>
+          <a:prstGeom prst="rect">
+            <a:avLst/>
+          </a:prstGeom>
+          <a:noFill/>
+          <a:ln>
+            <a:noFill/>
+          </a:ln>
+          <a:effectLst/>
+          <a:extLst>
+            <a:ext uri="{909E8E84-426E-40DD-AFC4-6F175D3DCCD1}">
+              <a14:hiddenFill xmlns:a14="http://schemas.microsoft.com/office/drawing/2010/main">
+                <a:solidFill>
+                  <a:schemeClr val="accent1"/>
+                </a:solidFill>
+              </a14:hiddenFill>
+            </a:ext>
+            <a:ext uri="{91240B29-F687-4F45-9708-019B960494DF}">
+              <a14:hiddenLine xmlns:a14="http://schemas.microsoft.com/office/drawing/2010/main" w="9525">
+                <a:solidFill>
+                  <a:schemeClr val="tx1"/>
+                </a:solidFill>
+                <a:miter lim="800000"/>
+                <a:headEnd/>
+                <a:tailEnd/>
+              </a14:hiddenLine>
+            </a:ext>
+            <a:ext uri="{AF507438-7753-43E0-B8FC-AC1667EBCBE1}">
+              <a14:hiddenEffects xmlns:a14="http://schemas.microsoft.com/office/drawing/2010/main">
+                <a:effectLst>
+                  <a:outerShdw dist="35921" dir="2700000" algn="ctr" rotWithShape="0">
+                    <a:schemeClr val="bg2"/>
+                  </a:outerShdw>
+                </a:effectLst>
+              </a14:hiddenEffects>
+            </a:ext>
+          </a:extLst>
+        </p:spPr>
+        <p:txBody>
+          <a:bodyPr vert="horz" wrap="none" lIns="91440" tIns="45720" rIns="91440" bIns="45720" numCol="1" anchor="ctr" anchorCtr="0" compatLnSpc="1">
+            <a:prstTxWarp prst="textNoShape">
+              <a:avLst/>
+            </a:prstTxWarp>
+            <a:spAutoFit/>
+          </a:bodyPr>
+          <a:lstStyle/>
+          <a:p>
+            <a:endParaRPr lang="ko-KR" altLang="en-US"/>
+          </a:p>
+        </p:txBody>
+      </p:sp>
+      <p:sp>
+        <p:nvSpPr>
+          <p:cNvPr id="10" name="Rectangle 4"/>
+          <p:cNvSpPr>
+            <a:spLocks noChangeArrowheads="1"/>
+          </p:cNvSpPr>
+          <p:nvPr/>
+        </p:nvSpPr>
+        <p:spPr bwMode="auto">
+          <a:xfrm>
+            <a:off x="0" y="0"/>
+            <a:ext cx="12192000" cy="457200"/>
+          </a:xfrm>
+          <a:prstGeom prst="rect">
+            <a:avLst/>
+          </a:prstGeom>
+          <a:noFill/>
+          <a:ln>
+            <a:noFill/>
+          </a:ln>
+          <a:effectLst/>
+          <a:extLst>
+            <a:ext uri="{909E8E84-426E-40DD-AFC4-6F175D3DCCD1}">
+              <a14:hiddenFill xmlns:a14="http://schemas.microsoft.com/office/drawing/2010/main">
+                <a:solidFill>
+                  <a:schemeClr val="accent1"/>
+                </a:solidFill>
+              </a14:hiddenFill>
+            </a:ext>
+            <a:ext uri="{91240B29-F687-4F45-9708-019B960494DF}">
+              <a14:hiddenLine xmlns:a14="http://schemas.microsoft.com/office/drawing/2010/main" w="9525">
+                <a:solidFill>
+                  <a:schemeClr val="tx1"/>
+                </a:solidFill>
+                <a:miter lim="800000"/>
+                <a:headEnd/>
+                <a:tailEnd/>
+              </a14:hiddenLine>
+            </a:ext>
+            <a:ext uri="{AF507438-7753-43E0-B8FC-AC1667EBCBE1}">
+              <a14:hiddenEffects xmlns:a14="http://schemas.microsoft.com/office/drawing/2010/main">
+                <a:effectLst>
+                  <a:outerShdw dist="35921" dir="2700000" algn="ctr" rotWithShape="0">
+                    <a:schemeClr val="bg2"/>
+                  </a:outerShdw>
+                </a:effectLst>
+              </a14:hiddenEffects>
+            </a:ext>
+          </a:extLst>
+        </p:spPr>
+        <p:txBody>
+          <a:bodyPr vert="horz" wrap="none" lIns="91440" tIns="45720" rIns="91440" bIns="45720" numCol="1" anchor="ctr" anchorCtr="0" compatLnSpc="1">
+            <a:prstTxWarp prst="textNoShape">
+              <a:avLst/>
+            </a:prstTxWarp>
+            <a:spAutoFit/>
+          </a:bodyPr>
+          <a:lstStyle/>
+          <a:p>
+            <a:endParaRPr lang="ko-KR" altLang="en-US"/>
+          </a:p>
+        </p:txBody>
+      </p:sp>
+      <p:sp>
+        <p:nvSpPr>
+          <p:cNvPr id="14" name="TextBox 13"/>
+          <p:cNvSpPr txBox="1"/>
+          <p:nvPr/>
+        </p:nvSpPr>
+        <p:spPr>
+          <a:xfrm>
+            <a:off x="2752863" y="792222"/>
+            <a:ext cx="5315879" cy="369332"/>
+          </a:xfrm>
+          <a:prstGeom prst="rect">
+            <a:avLst/>
+          </a:prstGeom>
+        </p:spPr>
+        <p:txBody>
+          <a:bodyPr wrap="none">
+            <a:spAutoFit/>
+          </a:bodyPr>
+          <a:lstStyle>
+            <a:defPPr>
+              <a:defRPr lang="ko-KR"/>
+            </a:defPPr>
+            <a:lvl1pPr>
+              <a:spcBef>
+                <a:spcPts val="1000"/>
+              </a:spcBef>
+              <a:defRPr sz="2000">
+                <a:ln>
+                  <a:solidFill>
+                    <a:schemeClr val="accent1">
+                      <a:alpha val="0"/>
+                    </a:schemeClr>
+                  </a:solidFill>
+                </a:ln>
+                <a:solidFill>
+                  <a:schemeClr val="bg1"/>
+                </a:solidFill>
+                <a:latin typeface="Noto Sans CJK KR Medium" panose="020B0600000000000000" pitchFamily="34" charset="-127"/>
+                <a:ea typeface="Noto Sans CJK KR Medium" panose="020B0600000000000000" pitchFamily="34" charset="-127"/>
+              </a:defRPr>
+            </a:lvl1pPr>
+          </a:lstStyle>
+          <a:p>
+            <a:r>
+              <a:rPr lang="ko-KR" altLang="en-US" sz="1800" dirty="0">
+                <a:solidFill>
+                  <a:schemeClr val="bg1">
+                    <a:lumMod val="75000"/>
+                  </a:schemeClr>
+                </a:solidFill>
+              </a:rPr>
+              <a:t>기존의 </a:t>
+            </a:r>
+            <a:r>
+              <a:rPr lang="ko-KR" altLang="en-US" sz="1800" dirty="0" err="1">
+                <a:solidFill>
+                  <a:schemeClr val="bg1">
+                    <a:lumMod val="75000"/>
+                  </a:schemeClr>
+                </a:solidFill>
+              </a:rPr>
+              <a:t>책으로된</a:t>
+            </a:r>
+            <a:r>
+              <a:rPr lang="ko-KR" altLang="en-US" sz="1800" dirty="0">
+                <a:solidFill>
+                  <a:schemeClr val="bg1">
+                    <a:lumMod val="75000"/>
+                  </a:schemeClr>
+                </a:solidFill>
+              </a:rPr>
+              <a:t> </a:t>
+            </a:r>
+            <a:r>
+              <a:rPr lang="en-US" altLang="ko-KR" sz="1800" dirty="0">
+                <a:solidFill>
+                  <a:schemeClr val="bg1">
+                    <a:lumMod val="75000"/>
+                  </a:schemeClr>
+                </a:solidFill>
+              </a:rPr>
+              <a:t>“</a:t>
+            </a:r>
+            <a:r>
+              <a:rPr lang="ko-KR" altLang="en-US" sz="1800" dirty="0" err="1">
+                <a:solidFill>
+                  <a:schemeClr val="bg1">
+                    <a:lumMod val="75000"/>
+                  </a:schemeClr>
+                </a:solidFill>
+              </a:rPr>
+              <a:t>레주메북</a:t>
+            </a:r>
+            <a:r>
+              <a:rPr lang="en-US" altLang="ko-KR" sz="1800" dirty="0">
+                <a:solidFill>
+                  <a:schemeClr val="bg1">
+                    <a:lumMod val="75000"/>
+                  </a:schemeClr>
+                </a:solidFill>
+              </a:rPr>
+              <a:t>”</a:t>
+            </a:r>
+            <a:r>
+              <a:rPr lang="ko-KR" altLang="en-US" sz="1800" dirty="0">
+                <a:solidFill>
+                  <a:schemeClr val="bg1">
+                    <a:lumMod val="75000"/>
+                  </a:schemeClr>
+                </a:solidFill>
+              </a:rPr>
+              <a:t>의 불편함을 없앤</a:t>
+            </a:r>
+          </a:p>
+        </p:txBody>
+      </p:sp>
+      <p:sp>
+        <p:nvSpPr>
+          <p:cNvPr id="12" name="직사각형 11"/>
+          <p:cNvSpPr/>
+          <p:nvPr/>
+        </p:nvSpPr>
+        <p:spPr>
+          <a:xfrm>
+            <a:off x="2752863" y="2010860"/>
+            <a:ext cx="5686172" cy="4252446"/>
+          </a:xfrm>
+          <a:prstGeom prst="rect">
+            <a:avLst/>
+          </a:prstGeom>
+        </p:spPr>
+        <p:txBody>
+          <a:bodyPr wrap="none">
+            <a:spAutoFit/>
+          </a:bodyPr>
+          <a:lstStyle/>
+          <a:p>
+            <a:pPr>
+              <a:spcBef>
+                <a:spcPts val="1000"/>
+              </a:spcBef>
+            </a:pPr>
+            <a:r>
+              <a:rPr lang="ko-KR" altLang="en-US" sz="3200" spc="-150" dirty="0" smtClean="0">
+                <a:ln>
+                  <a:solidFill>
+                    <a:schemeClr val="accent1">
+                      <a:alpha val="0"/>
+                    </a:schemeClr>
+                  </a:solidFill>
+                </a:ln>
+                <a:solidFill>
+                  <a:srgbClr val="282421"/>
+                </a:solidFill>
+                <a:latin typeface="a옛날사진관2" panose="02020600000000000000" pitchFamily="18" charset="-127"/>
+                <a:ea typeface="배달의민족 도현" panose="020B0600000101010101"/>
+              </a:rPr>
+              <a:t>유지보수</a:t>
+            </a:r>
+            <a:endParaRPr lang="en-US" altLang="ko-KR" sz="3200" spc="-150" dirty="0" smtClean="0">
+              <a:ln>
+                <a:solidFill>
+                  <a:schemeClr val="accent1">
+                    <a:alpha val="0"/>
+                  </a:schemeClr>
+                </a:solidFill>
+              </a:ln>
+              <a:solidFill>
+                <a:srgbClr val="282421"/>
+              </a:solidFill>
+              <a:latin typeface="a옛날사진관2" panose="02020600000000000000" pitchFamily="18" charset="-127"/>
+              <a:ea typeface="배달의민족 도현" panose="020B0600000101010101"/>
+            </a:endParaRPr>
+          </a:p>
+          <a:p>
+            <a:pPr>
+              <a:spcBef>
+                <a:spcPts val="1000"/>
+              </a:spcBef>
+            </a:pPr>
+            <a:r>
+              <a:rPr lang="en-US" altLang="ko-KR" sz="2000" spc="-150" dirty="0" smtClean="0">
+                <a:ln>
+                  <a:solidFill>
+                    <a:schemeClr val="accent1">
+                      <a:alpha val="0"/>
+                    </a:schemeClr>
+                  </a:solidFill>
+                </a:ln>
+                <a:solidFill>
+                  <a:srgbClr val="282421"/>
+                </a:solidFill>
+                <a:latin typeface="a옛날사진관2" panose="02020600000000000000" pitchFamily="18" charset="-127"/>
+                <a:ea typeface="배달의민족 도현" panose="020B0600000101010101"/>
+              </a:rPr>
+              <a:t>-&gt; </a:t>
+            </a:r>
+            <a:r>
+              <a:rPr lang="ko-KR" altLang="en-US" sz="2000" spc="-150" dirty="0" smtClean="0">
+                <a:ln>
+                  <a:solidFill>
+                    <a:schemeClr val="accent1">
+                      <a:alpha val="0"/>
+                    </a:schemeClr>
+                  </a:solidFill>
+                </a:ln>
+                <a:solidFill>
+                  <a:srgbClr val="282421"/>
+                </a:solidFill>
+                <a:latin typeface="a옛날사진관2" panose="02020600000000000000" pitchFamily="18" charset="-127"/>
+                <a:ea typeface="배달의민족 도현" panose="020B0600000101010101"/>
+              </a:rPr>
+              <a:t>수정 및 보안</a:t>
+            </a:r>
+            <a:endParaRPr lang="en-US" altLang="ko-KR" sz="2000" spc="-150" dirty="0" smtClean="0">
+              <a:ln>
+                <a:solidFill>
+                  <a:schemeClr val="accent1">
+                    <a:alpha val="0"/>
+                  </a:schemeClr>
+                </a:solidFill>
+              </a:ln>
+              <a:solidFill>
+                <a:srgbClr val="282421"/>
+              </a:solidFill>
+              <a:latin typeface="a옛날사진관2" panose="02020600000000000000" pitchFamily="18" charset="-127"/>
+              <a:ea typeface="배달의민족 도현" panose="020B0600000101010101"/>
+            </a:endParaRPr>
+          </a:p>
+          <a:p>
+            <a:pPr>
+              <a:spcBef>
+                <a:spcPts val="1000"/>
+              </a:spcBef>
+            </a:pPr>
+            <a:r>
+              <a:rPr lang="en-US" altLang="ko-KR" sz="2000" spc="-150" dirty="0" smtClean="0">
+                <a:ln>
+                  <a:solidFill>
+                    <a:schemeClr val="accent1">
+                      <a:alpha val="0"/>
+                    </a:schemeClr>
+                  </a:solidFill>
+                </a:ln>
+                <a:solidFill>
+                  <a:srgbClr val="282421"/>
+                </a:solidFill>
+                <a:latin typeface="a옛날사진관2" panose="02020600000000000000" pitchFamily="18" charset="-127"/>
+                <a:ea typeface="배달의민족 도현" panose="020B0600000101010101"/>
+              </a:rPr>
+              <a:t>-&gt; </a:t>
+            </a:r>
+            <a:r>
+              <a:rPr lang="ko-KR" altLang="en-US" sz="2000" spc="-150" dirty="0" smtClean="0">
+                <a:ln>
+                  <a:solidFill>
+                    <a:schemeClr val="accent1">
+                      <a:alpha val="0"/>
+                    </a:schemeClr>
+                  </a:solidFill>
+                </a:ln>
+                <a:solidFill>
+                  <a:srgbClr val="282421"/>
+                </a:solidFill>
+                <a:latin typeface="a옛날사진관2" panose="02020600000000000000" pitchFamily="18" charset="-127"/>
+                <a:ea typeface="배달의민족 도현" panose="020B0600000101010101"/>
+              </a:rPr>
+              <a:t>업그레이드 </a:t>
+            </a:r>
+            <a:endParaRPr lang="en-US" altLang="ko-KR" sz="2000" spc="-150" dirty="0" smtClean="0">
+              <a:ln>
+                <a:solidFill>
+                  <a:schemeClr val="accent1">
+                    <a:alpha val="0"/>
+                  </a:schemeClr>
+                </a:solidFill>
+              </a:ln>
+              <a:solidFill>
+                <a:srgbClr val="282421"/>
+              </a:solidFill>
+              <a:latin typeface="a옛날사진관2" panose="02020600000000000000" pitchFamily="18" charset="-127"/>
+              <a:ea typeface="배달의민족 도현" panose="020B0600000101010101"/>
+            </a:endParaRPr>
+          </a:p>
+          <a:p>
+            <a:pPr>
+              <a:spcBef>
+                <a:spcPts val="1000"/>
+              </a:spcBef>
+            </a:pPr>
+            <a:endParaRPr lang="en-US" altLang="ko-KR" sz="2400" spc="-150" dirty="0">
+              <a:ln>
+                <a:solidFill>
+                  <a:schemeClr val="accent1">
+                    <a:alpha val="0"/>
+                  </a:schemeClr>
+                </a:solidFill>
+              </a:ln>
+              <a:solidFill>
+                <a:srgbClr val="282421"/>
+              </a:solidFill>
+              <a:latin typeface="a옛날사진관2" panose="02020600000000000000" pitchFamily="18" charset="-127"/>
+              <a:ea typeface="배달의민족 도현" panose="020B0600000101010101"/>
+            </a:endParaRPr>
+          </a:p>
+          <a:p>
+            <a:pPr>
+              <a:spcBef>
+                <a:spcPts val="1000"/>
+              </a:spcBef>
+            </a:pPr>
+            <a:r>
+              <a:rPr lang="ko-KR" altLang="en-US" sz="3200" spc="-150" dirty="0" err="1" smtClean="0">
+                <a:ln>
+                  <a:solidFill>
+                    <a:schemeClr val="accent1">
+                      <a:alpha val="0"/>
+                    </a:schemeClr>
+                  </a:solidFill>
+                </a:ln>
+                <a:solidFill>
+                  <a:srgbClr val="282421"/>
+                </a:solidFill>
+                <a:latin typeface="a옛날사진관2" panose="02020600000000000000" pitchFamily="18" charset="-127"/>
+                <a:ea typeface="배달의민족 도현" panose="020B0600000101010101"/>
+              </a:rPr>
+              <a:t>레주메북대신</a:t>
+            </a:r>
+            <a:r>
+              <a:rPr lang="ko-KR" altLang="en-US" sz="3200" spc="-150" dirty="0" smtClean="0">
+                <a:ln>
+                  <a:solidFill>
+                    <a:schemeClr val="accent1">
+                      <a:alpha val="0"/>
+                    </a:schemeClr>
+                  </a:solidFill>
+                </a:ln>
+                <a:solidFill>
+                  <a:srgbClr val="282421"/>
+                </a:solidFill>
+                <a:latin typeface="a옛날사진관2" panose="02020600000000000000" pitchFamily="18" charset="-127"/>
+                <a:ea typeface="배달의민족 도현" panose="020B0600000101010101"/>
+              </a:rPr>
+              <a:t> 우리 </a:t>
+            </a:r>
+            <a:r>
+              <a:rPr lang="ko-KR" altLang="en-US" sz="3200" spc="-150" dirty="0" err="1" smtClean="0">
+                <a:ln>
+                  <a:solidFill>
+                    <a:schemeClr val="accent1">
+                      <a:alpha val="0"/>
+                    </a:schemeClr>
+                  </a:solidFill>
+                </a:ln>
+                <a:solidFill>
+                  <a:srgbClr val="282421"/>
+                </a:solidFill>
+                <a:latin typeface="a옛날사진관2" panose="02020600000000000000" pitchFamily="18" charset="-127"/>
+                <a:ea typeface="배달의민족 도현" panose="020B0600000101010101"/>
+              </a:rPr>
+              <a:t>웹페이지</a:t>
+            </a:r>
+            <a:r>
+              <a:rPr lang="ko-KR" altLang="en-US" sz="3200" spc="-150" dirty="0" smtClean="0">
+                <a:ln>
+                  <a:solidFill>
+                    <a:schemeClr val="accent1">
+                      <a:alpha val="0"/>
+                    </a:schemeClr>
+                  </a:solidFill>
+                </a:ln>
+                <a:solidFill>
+                  <a:srgbClr val="282421"/>
+                </a:solidFill>
+                <a:latin typeface="a옛날사진관2" panose="02020600000000000000" pitchFamily="18" charset="-127"/>
+                <a:ea typeface="배달의민족 도현" panose="020B0600000101010101"/>
+              </a:rPr>
+              <a:t> 사용</a:t>
+            </a:r>
+            <a:endParaRPr lang="en-US" altLang="ko-KR" sz="3200" spc="-150" dirty="0" smtClean="0">
+              <a:ln>
+                <a:solidFill>
+                  <a:schemeClr val="accent1">
+                    <a:alpha val="0"/>
+                  </a:schemeClr>
+                </a:solidFill>
+              </a:ln>
+              <a:solidFill>
+                <a:srgbClr val="282421"/>
+              </a:solidFill>
+              <a:latin typeface="a옛날사진관2" panose="02020600000000000000" pitchFamily="18" charset="-127"/>
+              <a:ea typeface="배달의민족 도현" panose="020B0600000101010101"/>
+            </a:endParaRPr>
+          </a:p>
+          <a:p>
+            <a:pPr>
+              <a:spcBef>
+                <a:spcPts val="1000"/>
+              </a:spcBef>
+            </a:pPr>
+            <a:r>
+              <a:rPr lang="en-US" altLang="ko-KR" sz="2000" spc="-150" dirty="0" smtClean="0">
+                <a:ln>
+                  <a:solidFill>
+                    <a:schemeClr val="accent1">
+                      <a:alpha val="0"/>
+                    </a:schemeClr>
+                  </a:solidFill>
+                </a:ln>
+                <a:solidFill>
+                  <a:srgbClr val="282421"/>
+                </a:solidFill>
+                <a:latin typeface="a옛날사진관2" panose="02020600000000000000" pitchFamily="18" charset="-127"/>
+                <a:ea typeface="배달의민족 도현" panose="020B0600000101010101"/>
+              </a:rPr>
+              <a:t>-&gt; </a:t>
+            </a:r>
+            <a:r>
+              <a:rPr lang="ko-KR" altLang="en-US" sz="2000" spc="-150" dirty="0" smtClean="0">
+                <a:ln>
+                  <a:solidFill>
+                    <a:schemeClr val="accent1">
+                      <a:alpha val="0"/>
+                    </a:schemeClr>
+                  </a:solidFill>
+                </a:ln>
+                <a:solidFill>
+                  <a:srgbClr val="282421"/>
+                </a:solidFill>
+                <a:latin typeface="a옛날사진관2" panose="02020600000000000000" pitchFamily="18" charset="-127"/>
+                <a:ea typeface="배달의민족 도현" panose="020B0600000101010101"/>
+              </a:rPr>
+              <a:t>시간</a:t>
+            </a:r>
+            <a:r>
+              <a:rPr lang="en-US" altLang="ko-KR" sz="2000" spc="-150" dirty="0" smtClean="0">
+                <a:ln>
+                  <a:solidFill>
+                    <a:schemeClr val="accent1">
+                      <a:alpha val="0"/>
+                    </a:schemeClr>
+                  </a:solidFill>
+                </a:ln>
+                <a:solidFill>
+                  <a:srgbClr val="282421"/>
+                </a:solidFill>
+                <a:latin typeface="a옛날사진관2" panose="02020600000000000000" pitchFamily="18" charset="-127"/>
+                <a:ea typeface="배달의민족 도현" panose="020B0600000101010101"/>
+              </a:rPr>
+              <a:t>, </a:t>
+            </a:r>
+            <a:r>
+              <a:rPr lang="ko-KR" altLang="en-US" sz="2000" spc="-150" dirty="0" err="1" smtClean="0">
+                <a:ln>
+                  <a:solidFill>
+                    <a:schemeClr val="accent1">
+                      <a:alpha val="0"/>
+                    </a:schemeClr>
+                  </a:solidFill>
+                </a:ln>
+                <a:solidFill>
+                  <a:srgbClr val="282421"/>
+                </a:solidFill>
+                <a:latin typeface="a옛날사진관2" panose="02020600000000000000" pitchFamily="18" charset="-127"/>
+                <a:ea typeface="배달의민족 도현" panose="020B0600000101010101"/>
+              </a:rPr>
+              <a:t>종이절약</a:t>
+            </a:r>
+            <a:r>
+              <a:rPr lang="ko-KR" altLang="en-US" sz="2000" spc="-150" dirty="0" smtClean="0">
+                <a:ln>
+                  <a:solidFill>
+                    <a:schemeClr val="accent1">
+                      <a:alpha val="0"/>
+                    </a:schemeClr>
+                  </a:solidFill>
+                </a:ln>
+                <a:solidFill>
+                  <a:srgbClr val="282421"/>
+                </a:solidFill>
+                <a:latin typeface="a옛날사진관2" panose="02020600000000000000" pitchFamily="18" charset="-127"/>
+                <a:ea typeface="배달의민족 도현" panose="020B0600000101010101"/>
+              </a:rPr>
+              <a:t> </a:t>
+            </a:r>
+            <a:r>
+              <a:rPr lang="ko-KR" altLang="en-US" sz="2000" spc="-150" dirty="0">
+                <a:ln>
+                  <a:solidFill>
+                    <a:schemeClr val="accent1">
+                      <a:alpha val="0"/>
+                    </a:schemeClr>
+                  </a:solidFill>
+                </a:ln>
+                <a:solidFill>
+                  <a:srgbClr val="282421"/>
+                </a:solidFill>
+                <a:latin typeface="a옛날사진관2" panose="02020600000000000000" pitchFamily="18" charset="-127"/>
+                <a:ea typeface="배달의민족 도현" panose="020B0600000101010101"/>
+              </a:rPr>
+              <a:t>및 </a:t>
+            </a:r>
+            <a:r>
+              <a:rPr lang="ko-KR" altLang="en-US" sz="2000" spc="-150" dirty="0" smtClean="0">
+                <a:ln>
+                  <a:solidFill>
+                    <a:schemeClr val="accent1">
+                      <a:alpha val="0"/>
+                    </a:schemeClr>
+                  </a:solidFill>
+                </a:ln>
+                <a:solidFill>
+                  <a:srgbClr val="282421"/>
+                </a:solidFill>
+                <a:latin typeface="a옛날사진관2" panose="02020600000000000000" pitchFamily="18" charset="-127"/>
+                <a:ea typeface="배달의민족 도현" panose="020B0600000101010101"/>
+              </a:rPr>
+              <a:t>홍보가 </a:t>
+            </a:r>
+            <a:r>
+              <a:rPr lang="ko-KR" altLang="en-US" sz="2000" spc="-150" dirty="0" err="1" smtClean="0">
+                <a:ln>
+                  <a:solidFill>
+                    <a:schemeClr val="accent1">
+                      <a:alpha val="0"/>
+                    </a:schemeClr>
+                  </a:solidFill>
+                </a:ln>
+                <a:solidFill>
+                  <a:srgbClr val="282421"/>
+                </a:solidFill>
+                <a:latin typeface="a옛날사진관2" panose="02020600000000000000" pitchFamily="18" charset="-127"/>
+                <a:ea typeface="배달의민족 도현" panose="020B0600000101010101"/>
+              </a:rPr>
+              <a:t>쉬워짐</a:t>
+            </a:r>
+            <a:r>
+              <a:rPr lang="ko-KR" altLang="en-US" sz="2000" spc="-150" dirty="0" smtClean="0">
+                <a:ln>
+                  <a:solidFill>
+                    <a:schemeClr val="accent1">
+                      <a:alpha val="0"/>
+                    </a:schemeClr>
+                  </a:solidFill>
+                </a:ln>
+                <a:solidFill>
+                  <a:srgbClr val="282421"/>
+                </a:solidFill>
+                <a:latin typeface="a옛날사진관2" panose="02020600000000000000" pitchFamily="18" charset="-127"/>
+                <a:ea typeface="배달의민족 도현" panose="020B0600000101010101"/>
+              </a:rPr>
+              <a:t> </a:t>
+            </a:r>
+            <a:endParaRPr lang="en-US" altLang="ko-KR" sz="2000" spc="-150" dirty="0" smtClean="0">
+              <a:ln>
+                <a:solidFill>
+                  <a:schemeClr val="accent1">
+                    <a:alpha val="0"/>
+                  </a:schemeClr>
+                </a:solidFill>
+              </a:ln>
+              <a:solidFill>
+                <a:srgbClr val="282421"/>
+              </a:solidFill>
+              <a:latin typeface="a옛날사진관2" panose="02020600000000000000" pitchFamily="18" charset="-127"/>
+              <a:ea typeface="배달의민족 도현" panose="020B0600000101010101"/>
+            </a:endParaRPr>
+          </a:p>
+          <a:p>
+            <a:pPr>
+              <a:spcBef>
+                <a:spcPts val="1000"/>
+              </a:spcBef>
+            </a:pPr>
+            <a:r>
+              <a:rPr lang="en-US" altLang="ko-KR" sz="2000" spc="-150" dirty="0">
+                <a:ln>
+                  <a:solidFill>
+                    <a:schemeClr val="accent1">
+                      <a:alpha val="0"/>
+                    </a:schemeClr>
+                  </a:solidFill>
+                </a:ln>
+                <a:solidFill>
+                  <a:srgbClr val="282421"/>
+                </a:solidFill>
+                <a:latin typeface="a옛날사진관2" panose="02020600000000000000" pitchFamily="18" charset="-127"/>
+                <a:ea typeface="배달의민족 도현" panose="020B0600000101010101"/>
+              </a:rPr>
+              <a:t>-&gt; </a:t>
+            </a:r>
+            <a:r>
+              <a:rPr lang="ko-KR" altLang="en-US" sz="2000" spc="-150" dirty="0" smtClean="0">
+                <a:ln>
+                  <a:solidFill>
+                    <a:schemeClr val="accent1">
+                      <a:alpha val="0"/>
+                    </a:schemeClr>
+                  </a:solidFill>
+                </a:ln>
+                <a:solidFill>
+                  <a:srgbClr val="282421"/>
+                </a:solidFill>
+                <a:latin typeface="a옛날사진관2" panose="02020600000000000000" pitchFamily="18" charset="-127"/>
+                <a:ea typeface="배달의민족 도현" panose="020B0600000101010101"/>
+              </a:rPr>
+              <a:t>회사입장에서는 인재를 빨리 찾을 수 있음</a:t>
+            </a:r>
+            <a:r>
+              <a:rPr lang="ko-KR" altLang="en-US" sz="3200" spc="-150" dirty="0" smtClean="0">
+                <a:ln>
+                  <a:solidFill>
+                    <a:schemeClr val="accent1">
+                      <a:alpha val="0"/>
+                    </a:schemeClr>
+                  </a:solidFill>
+                </a:ln>
+                <a:solidFill>
+                  <a:srgbClr val="282421"/>
+                </a:solidFill>
+                <a:latin typeface="a옛날사진관2" panose="02020600000000000000" pitchFamily="18" charset="-127"/>
+                <a:ea typeface="배달의민족 도현" panose="020B0600000101010101"/>
+              </a:rPr>
+              <a:t> </a:t>
+            </a:r>
+            <a:endParaRPr lang="en-US" altLang="ko-KR" sz="3200" spc="-150" dirty="0">
+              <a:ln>
+                <a:solidFill>
+                  <a:schemeClr val="accent1">
+                    <a:alpha val="0"/>
+                  </a:schemeClr>
+                </a:solidFill>
+              </a:ln>
+              <a:solidFill>
+                <a:srgbClr val="282421"/>
+              </a:solidFill>
+              <a:latin typeface="a옛날사진관2" panose="02020600000000000000" pitchFamily="18" charset="-127"/>
+              <a:ea typeface="배달의민족 도현" panose="020B0600000101010101"/>
+            </a:endParaRPr>
+          </a:p>
+          <a:p>
+            <a:pPr>
+              <a:spcBef>
+                <a:spcPts val="1000"/>
+              </a:spcBef>
+            </a:pPr>
+            <a:endParaRPr lang="en-US" altLang="ko-KR" sz="3200" spc="-150" dirty="0">
+              <a:ln>
+                <a:solidFill>
+                  <a:schemeClr val="accent1">
+                    <a:alpha val="0"/>
+                  </a:schemeClr>
+                </a:solidFill>
+              </a:ln>
+              <a:solidFill>
+                <a:srgbClr val="282421"/>
+              </a:solidFill>
+              <a:latin typeface="a옛날사진관2" panose="02020600000000000000" pitchFamily="18" charset="-127"/>
+              <a:ea typeface="배달의민족 도현" panose="020B0600000101010101"/>
+            </a:endParaRPr>
+          </a:p>
+        </p:txBody>
+      </p:sp>
+    </p:spTree>
+    <p:extLst>
+      <p:ext uri="{BB962C8B-B14F-4D97-AF65-F5344CB8AC3E}">
+        <p14:creationId xmlns:p14="http://schemas.microsoft.com/office/powerpoint/2010/main" val="3718302309"/>
+      </p:ext>
+    </p:extLst>
+  </p:cSld>
+  <p:clrMapOvr>
+    <a:masterClrMapping/>
+  </p:clrMapOvr>
+  <p:timing>
+    <p:tnLst>
+      <p:par>
+        <p:cTn id="1" dur="indefinite" restart="never" nodeType="tmRoot">
+          <p:childTnLst>
+            <p:seq concurrent="1" nextAc="seek">
+              <p:cTn id="2" dur="indefinite" nodeType="mainSeq">
+                <p:childTnLst>
+                  <p:par>
+                    <p:cTn id="3" fill="hold">
+                      <p:stCondLst>
+                        <p:cond delay="indefinite"/>
+                      </p:stCondLst>
+                      <p:childTnLst>
+                        <p:par>
+                          <p:cTn id="4" fill="hold">
+                            <p:stCondLst>
+                              <p:cond delay="0"/>
+                            </p:stCondLst>
+                            <p:childTnLst>
+                              <p:par>
+                                <p:cTn id="5" presetID="42" presetClass="entr" presetSubtype="0" fill="hold" grpId="0" nodeType="clickEffect">
+                                  <p:stCondLst>
+                                    <p:cond delay="0"/>
+                                  </p:stCondLst>
+                                  <p:childTnLst>
+                                    <p:set>
+                                      <p:cBhvr>
+                                        <p:cTn id="6" dur="1" fill="hold">
+                                          <p:stCondLst>
+                                            <p:cond delay="0"/>
+                                          </p:stCondLst>
+                                        </p:cTn>
+                                        <p:tgtEl>
+                                          <p:spTgt spid="12"/>
+                                        </p:tgtEl>
+                                        <p:attrNameLst>
+                                          <p:attrName>style.visibility</p:attrName>
+                                        </p:attrNameLst>
+                                      </p:cBhvr>
+                                      <p:to>
+                                        <p:strVal val="visible"/>
+                                      </p:to>
+                                    </p:set>
+                                    <p:animEffect transition="in" filter="fade">
+                                      <p:cBhvr>
+                                        <p:cTn id="7" dur="1000"/>
+                                        <p:tgtEl>
+                                          <p:spTgt spid="12"/>
+                                        </p:tgtEl>
+                                      </p:cBhvr>
+                                    </p:animEffect>
+                                    <p:anim calcmode="lin" valueType="num">
+                                      <p:cBhvr>
+                                        <p:cTn id="8" dur="1000" fill="hold"/>
+                                        <p:tgtEl>
+                                          <p:spTgt spid="12"/>
+                                        </p:tgtEl>
+                                        <p:attrNameLst>
+                                          <p:attrName>ppt_x</p:attrName>
+                                        </p:attrNameLst>
+                                      </p:cBhvr>
+                                      <p:tavLst>
+                                        <p:tav tm="0">
+                                          <p:val>
+                                            <p:strVal val="#ppt_x"/>
+                                          </p:val>
+                                        </p:tav>
+                                        <p:tav tm="100000">
+                                          <p:val>
+                                            <p:strVal val="#ppt_x"/>
+                                          </p:val>
+                                        </p:tav>
+                                      </p:tavLst>
+                                    </p:anim>
+                                    <p:anim calcmode="lin" valueType="num">
+                                      <p:cBhvr>
+                                        <p:cTn id="9" dur="1000" fill="hold"/>
+                                        <p:tgtEl>
+                                          <p:spTgt spid="12"/>
+                                        </p:tgtEl>
+                                        <p:attrNameLst>
+                                          <p:attrName>ppt_y</p:attrName>
+                                        </p:attrNameLst>
+                                      </p:cBhvr>
+                                      <p:tavLst>
+                                        <p:tav tm="0">
+                                          <p:val>
+                                            <p:strVal val="#ppt_y+.1"/>
+                                          </p:val>
+                                        </p:tav>
+                                        <p:tav tm="100000">
+                                          <p:val>
+                                            <p:strVal val="#ppt_y"/>
+                                          </p:val>
+                                        </p:tav>
+                                      </p:tavLst>
+                                    </p:anim>
+                                  </p:childTnLst>
+                                </p:cTn>
+                              </p:par>
+                            </p:childTnLst>
+                          </p:cTn>
+                        </p:par>
+                      </p:childTnLst>
+                    </p:cTn>
+                  </p:par>
+                </p:childTnLst>
+              </p:cTn>
+              <p:prevCondLst>
+                <p:cond evt="onPrev" delay="0">
+                  <p:tgtEl>
+                    <p:sldTgt/>
+                  </p:tgtEl>
+                </p:cond>
+              </p:prevCondLst>
+              <p:nextCondLst>
+                <p:cond evt="onNext" delay="0">
+                  <p:tgtEl>
+                    <p:sldTgt/>
+                  </p:tgtEl>
+                </p:cond>
+              </p:nextCondLst>
+            </p:seq>
+          </p:childTnLst>
+        </p:cTn>
+      </p:par>
+    </p:tnLst>
+    <p:bldLst>
+      <p:bldP spid="12" grpId="0"/>
+    </p:bldLst>
+  </p:timing>
+</p:sld>
+</file>
+
+<file path=ppt/slides/slide21.xml><?xml version="1.0" encoding="utf-8"?>
 <p:sld xmlns:a="http://schemas.openxmlformats.org/drawingml/2006/main" xmlns:r="http://schemas.openxmlformats.org/officeDocument/2006/relationships" xmlns:p="http://schemas.openxmlformats.org/presentationml/2006/main">
   <p:cSld>
     <p:spTree>
@@ -20700,7 +21238,7 @@
 </p:sld>
 </file>
 
-<file path=ppt/slides/slide21.xml><?xml version="1.0" encoding="utf-8"?>
+<file path=ppt/slides/slide22.xml><?xml version="1.0" encoding="utf-8"?>
 <p:sld xmlns:a="http://schemas.openxmlformats.org/drawingml/2006/main" xmlns:r="http://schemas.openxmlformats.org/officeDocument/2006/relationships" xmlns:p="http://schemas.openxmlformats.org/presentationml/2006/main">
   <p:cSld>
     <p:spTree>

--- a/Presentation/2uzuBook _1011.pptx
+++ b/Presentation/2uzuBook _1011.pptx
@@ -146,6 +146,10 @@
 </p:presentation>
 </file>
 
+<file path=ppt/revisionInfo.xml><?xml version="1.0" encoding="utf-8"?>
+<p1510:revInfo xmlns:a="http://schemas.openxmlformats.org/drawingml/2006/main" xmlns:r="http://schemas.openxmlformats.org/officeDocument/2006/relationships" xmlns:p1510="http://schemas.microsoft.com/office/powerpoint/2015/10/main"/>
+</file>
+
 <file path=ppt/notesMasters/notesMaster1.xml><?xml version="1.0" encoding="utf-8"?>
 <p:notesMaster xmlns:a="http://schemas.openxmlformats.org/drawingml/2006/main" xmlns:r="http://schemas.openxmlformats.org/officeDocument/2006/relationships" xmlns:p="http://schemas.openxmlformats.org/presentationml/2006/main">
   <p:cSld>
@@ -292,38 +296,37 @@
           <a:p>
             <a:pPr lvl="0"/>
             <a:r>
-              <a:rPr lang="ko-KR" altLang="en-US" smtClean="0"/>
+              <a:rPr lang="ko-KR" altLang="en-US"/>
               <a:t>마스터 텍스트 스타일 편집</a:t>
             </a:r>
           </a:p>
           <a:p>
             <a:pPr lvl="1"/>
             <a:r>
-              <a:rPr lang="ko-KR" altLang="en-US" smtClean="0"/>
+              <a:rPr lang="ko-KR" altLang="en-US"/>
               <a:t>둘째 수준</a:t>
             </a:r>
           </a:p>
           <a:p>
             <a:pPr lvl="2"/>
             <a:r>
-              <a:rPr lang="ko-KR" altLang="en-US" smtClean="0"/>
+              <a:rPr lang="ko-KR" altLang="en-US"/>
               <a:t>셋째 수준</a:t>
             </a:r>
           </a:p>
           <a:p>
             <a:pPr lvl="3"/>
             <a:r>
-              <a:rPr lang="ko-KR" altLang="en-US" smtClean="0"/>
+              <a:rPr lang="ko-KR" altLang="en-US"/>
               <a:t>넷째 수준</a:t>
             </a:r>
           </a:p>
           <a:p>
             <a:pPr lvl="4"/>
             <a:r>
-              <a:rPr lang="ko-KR" altLang="en-US" smtClean="0"/>
+              <a:rPr lang="ko-KR" altLang="en-US"/>
               <a:t>다섯째 수준</a:t>
             </a:r>
-            <a:endParaRPr lang="ko-KR" altLang="en-US"/>
           </a:p>
         </p:txBody>
       </p:sp>
@@ -541,7 +544,7 @@
           <a:lstStyle/>
           <a:p>
             <a:r>
-              <a:rPr lang="en-US" altLang="ko-KR" sz="1200" b="0" i="0" kern="1200" dirty="0" smtClean="0">
+              <a:rPr lang="en-US" altLang="ko-KR" sz="1200" b="0" i="0" kern="1200" dirty="0">
                 <a:solidFill>
                   <a:schemeClr val="tx1"/>
                 </a:solidFill>
@@ -553,7 +556,7 @@
               <a:t>1. </a:t>
             </a:r>
             <a:r>
-              <a:rPr lang="ko-KR" altLang="en-US" sz="1200" b="0" i="0" kern="1200" dirty="0" smtClean="0">
+              <a:rPr lang="ko-KR" altLang="en-US" sz="1200" b="0" i="0" kern="1200" dirty="0">
                 <a:solidFill>
                   <a:schemeClr val="tx1"/>
                 </a:solidFill>
@@ -565,7 +568,7 @@
               <a:t>안녕하세요 이번에 </a:t>
             </a:r>
             <a:r>
-              <a:rPr lang="en-US" altLang="ko-KR" sz="1200" b="0" i="0" kern="1200" dirty="0" smtClean="0">
+              <a:rPr lang="en-US" altLang="ko-KR" sz="1200" b="0" i="0" kern="1200" dirty="0">
                 <a:solidFill>
                   <a:schemeClr val="tx1"/>
                 </a:solidFill>
@@ -577,7 +580,7 @@
               <a:t>2uzubook </a:t>
             </a:r>
             <a:r>
-              <a:rPr lang="ko-KR" altLang="en-US" sz="1200" b="0" i="0" kern="1200" dirty="0" smtClean="0">
+              <a:rPr lang="ko-KR" altLang="en-US" sz="1200" b="0" i="0" kern="1200" dirty="0">
                 <a:solidFill>
                   <a:schemeClr val="tx1"/>
                 </a:solidFill>
@@ -589,7 +592,7 @@
               <a:t>개발 프로젝트를 맡은 박규리</a:t>
             </a:r>
             <a:r>
-              <a:rPr lang="en-US" altLang="ko-KR" sz="1200" b="0" i="0" kern="1200" dirty="0" smtClean="0">
+              <a:rPr lang="en-US" altLang="ko-KR" sz="1200" b="0" i="0" kern="1200" dirty="0">
                 <a:solidFill>
                   <a:schemeClr val="tx1"/>
                 </a:solidFill>
@@ -601,7 +604,7 @@
               <a:t>, </a:t>
             </a:r>
             <a:r>
-              <a:rPr lang="ko-KR" altLang="en-US" sz="1200" b="0" i="0" kern="1200" dirty="0" smtClean="0">
+              <a:rPr lang="ko-KR" altLang="en-US" sz="1200" b="0" i="0" kern="1200" dirty="0">
                 <a:solidFill>
                   <a:schemeClr val="tx1"/>
                 </a:solidFill>
@@ -613,7 +616,7 @@
               <a:t>김소연</a:t>
             </a:r>
             <a:r>
-              <a:rPr lang="en-US" altLang="ko-KR" sz="1200" b="0" i="0" kern="1200" dirty="0" smtClean="0">
+              <a:rPr lang="en-US" altLang="ko-KR" sz="1200" b="0" i="0" kern="1200" dirty="0">
                 <a:solidFill>
                   <a:schemeClr val="tx1"/>
                 </a:solidFill>
@@ -625,7 +628,7 @@
               <a:t>, </a:t>
             </a:r>
             <a:r>
-              <a:rPr lang="ko-KR" altLang="en-US" sz="1200" b="0" i="0" kern="1200" dirty="0" err="1" smtClean="0">
+              <a:rPr lang="ko-KR" altLang="en-US" sz="1200" b="0" i="0" kern="1200" dirty="0" err="1">
                 <a:solidFill>
                   <a:schemeClr val="tx1"/>
                 </a:solidFill>
@@ -637,7 +640,7 @@
               <a:t>윤정현</a:t>
             </a:r>
             <a:r>
-              <a:rPr lang="en-US" altLang="ko-KR" sz="1200" b="0" i="0" kern="1200" dirty="0" smtClean="0">
+              <a:rPr lang="en-US" altLang="ko-KR" sz="1200" b="0" i="0" kern="1200" dirty="0">
                 <a:solidFill>
                   <a:schemeClr val="tx1"/>
                 </a:solidFill>
@@ -649,7 +652,7 @@
               <a:t>, </a:t>
             </a:r>
             <a:r>
-              <a:rPr lang="ko-KR" altLang="en-US" sz="1200" b="0" i="0" kern="1200" dirty="0" err="1" smtClean="0">
+              <a:rPr lang="ko-KR" altLang="en-US" sz="1200" b="0" i="0" kern="1200" dirty="0" err="1">
                 <a:solidFill>
                   <a:schemeClr val="tx1"/>
                 </a:solidFill>
@@ -661,7 +664,7 @@
               <a:t>배용호</a:t>
             </a:r>
             <a:r>
-              <a:rPr lang="ko-KR" altLang="en-US" sz="1200" b="0" i="0" kern="1200" dirty="0" smtClean="0">
+              <a:rPr lang="ko-KR" altLang="en-US" sz="1200" b="0" i="0" kern="1200" dirty="0">
                 <a:solidFill>
                   <a:schemeClr val="tx1"/>
                 </a:solidFill>
@@ -757,7 +760,7 @@
           <a:lstStyle/>
           <a:p>
             <a:r>
-              <a:rPr lang="en-US" altLang="ko-KR" sz="1200" b="0" i="0" kern="1200" dirty="0" smtClean="0">
+              <a:rPr lang="en-US" altLang="ko-KR" sz="1200" b="0" i="0" kern="1200" dirty="0">
                 <a:solidFill>
                   <a:schemeClr val="tx1"/>
                 </a:solidFill>
@@ -769,7 +772,7 @@
               <a:t>25 ~ 32 . </a:t>
             </a:r>
             <a:r>
-              <a:rPr lang="ko-KR" altLang="en-US" sz="1200" b="0" i="0" kern="1200" dirty="0" smtClean="0">
+              <a:rPr lang="ko-KR" altLang="en-US" sz="1200" b="0" i="0" kern="1200" dirty="0">
                 <a:solidFill>
                   <a:schemeClr val="tx1"/>
                 </a:solidFill>
@@ -781,7 +784,7 @@
               <a:t>저희의 </a:t>
             </a:r>
             <a:r>
-              <a:rPr lang="ko-KR" altLang="en-US" sz="1200" b="0" i="0" kern="1200" dirty="0" err="1" smtClean="0">
+              <a:rPr lang="ko-KR" altLang="en-US" sz="1200" b="0" i="0" kern="1200" dirty="0" err="1">
                 <a:solidFill>
                   <a:schemeClr val="tx1"/>
                 </a:solidFill>
@@ -793,7 +796,7 @@
               <a:t>유스케이스</a:t>
             </a:r>
             <a:r>
-              <a:rPr lang="ko-KR" altLang="en-US" sz="1200" b="0" i="0" kern="1200" dirty="0" smtClean="0">
+              <a:rPr lang="ko-KR" altLang="en-US" sz="1200" b="0" i="0" kern="1200" dirty="0">
                 <a:solidFill>
                   <a:schemeClr val="tx1"/>
                 </a:solidFill>
@@ -805,7 +808,7 @@
               <a:t> 시나리오 인데요 </a:t>
             </a:r>
             <a:r>
-              <a:rPr lang="en-US" altLang="ko-KR" sz="1200" b="0" i="0" kern="1200" dirty="0" smtClean="0">
+              <a:rPr lang="en-US" altLang="ko-KR" sz="1200" b="0" i="0" kern="1200" dirty="0">
                 <a:solidFill>
                   <a:schemeClr val="tx1"/>
                 </a:solidFill>
@@ -817,7 +820,7 @@
               <a:t>( </a:t>
             </a:r>
             <a:r>
-              <a:rPr lang="ko-KR" altLang="en-US" sz="1200" b="0" i="0" kern="1200" dirty="0" smtClean="0">
+              <a:rPr lang="ko-KR" altLang="en-US" sz="1200" b="0" i="0" kern="1200" dirty="0">
                 <a:solidFill>
                   <a:schemeClr val="tx1"/>
                 </a:solidFill>
@@ -829,7 +832,7 @@
               <a:t>읽어주기</a:t>
             </a:r>
             <a:r>
-              <a:rPr lang="en-US" altLang="ko-KR" sz="1200" b="0" i="0" kern="1200" dirty="0" smtClean="0">
+              <a:rPr lang="en-US" altLang="ko-KR" sz="1200" b="0" i="0" kern="1200" dirty="0">
                 <a:solidFill>
                   <a:schemeClr val="tx1"/>
                 </a:solidFill>
@@ -925,7 +928,7 @@
           <a:lstStyle/>
           <a:p>
             <a:r>
-              <a:rPr lang="en-US" altLang="ko-KR" sz="1200" b="0" i="0" kern="1200" dirty="0" smtClean="0">
+              <a:rPr lang="en-US" altLang="ko-KR" sz="1200" b="0" i="0" kern="1200" dirty="0">
                 <a:solidFill>
                   <a:schemeClr val="tx1"/>
                 </a:solidFill>
@@ -937,7 +940,7 @@
               <a:t>24. </a:t>
             </a:r>
             <a:r>
-              <a:rPr lang="ko-KR" altLang="en-US" sz="1200" b="0" i="0" kern="1200" dirty="0" smtClean="0">
+              <a:rPr lang="ko-KR" altLang="en-US" sz="1200" b="0" i="0" kern="1200" dirty="0">
                 <a:solidFill>
                   <a:schemeClr val="tx1"/>
                 </a:solidFill>
@@ -949,7 +952,7 @@
               <a:t>저희의 </a:t>
             </a:r>
             <a:r>
-              <a:rPr lang="ko-KR" altLang="en-US" sz="1200" b="0" i="0" kern="1200" dirty="0" err="1" smtClean="0">
+              <a:rPr lang="ko-KR" altLang="en-US" sz="1200" b="0" i="0" kern="1200" dirty="0" err="1">
                 <a:solidFill>
                   <a:schemeClr val="tx1"/>
                 </a:solidFill>
@@ -961,7 +964,7 @@
               <a:t>유스케이스</a:t>
             </a:r>
             <a:r>
-              <a:rPr lang="ko-KR" altLang="en-US" sz="1200" b="0" i="0" kern="1200" dirty="0" smtClean="0">
+              <a:rPr lang="ko-KR" altLang="en-US" sz="1200" b="0" i="0" kern="1200" dirty="0">
                 <a:solidFill>
                   <a:schemeClr val="tx1"/>
                 </a:solidFill>
@@ -973,7 +976,7 @@
               <a:t> 사용자 다이어그램 인데요 </a:t>
             </a:r>
             <a:r>
-              <a:rPr lang="ko-KR" altLang="en-US" sz="1200" b="0" i="0" kern="1200" dirty="0" err="1" smtClean="0">
+              <a:rPr lang="ko-KR" altLang="en-US" sz="1200" b="0" i="0" kern="1200" dirty="0" err="1">
                 <a:solidFill>
                   <a:schemeClr val="tx1"/>
                 </a:solidFill>
@@ -985,7 +988,7 @@
               <a:t>액터는</a:t>
             </a:r>
             <a:r>
-              <a:rPr lang="ko-KR" altLang="en-US" sz="1200" b="0" i="0" kern="1200" dirty="0" smtClean="0">
+              <a:rPr lang="ko-KR" altLang="en-US" sz="1200" b="0" i="0" kern="1200" dirty="0">
                 <a:solidFill>
                   <a:schemeClr val="tx1"/>
                 </a:solidFill>
@@ -997,7 +1000,7 @@
               <a:t> </a:t>
             </a:r>
             <a:r>
-              <a:rPr lang="ko-KR" altLang="en-US" sz="1200" b="0" i="0" kern="1200" dirty="0" err="1" smtClean="0">
+              <a:rPr lang="ko-KR" altLang="en-US" sz="1200" b="0" i="0" kern="1200" dirty="0" err="1">
                 <a:solidFill>
                   <a:schemeClr val="tx1"/>
                 </a:solidFill>
@@ -1009,7 +1012,7 @@
               <a:t>대마고</a:t>
             </a:r>
             <a:r>
-              <a:rPr lang="ko-KR" altLang="en-US" sz="1200" b="0" i="0" kern="1200" dirty="0" smtClean="0">
+              <a:rPr lang="ko-KR" altLang="en-US" sz="1200" b="0" i="0" kern="1200" dirty="0">
                 <a:solidFill>
                   <a:schemeClr val="tx1"/>
                 </a:solidFill>
@@ -1021,7 +1024,7 @@
               <a:t> 학생 </a:t>
             </a:r>
             <a:r>
-              <a:rPr lang="en-US" altLang="ko-KR" sz="1200" b="0" i="0" kern="1200" dirty="0" smtClean="0">
+              <a:rPr lang="en-US" altLang="ko-KR" sz="1200" b="0" i="0" kern="1200" dirty="0">
                 <a:solidFill>
                   <a:schemeClr val="tx1"/>
                 </a:solidFill>
@@ -1033,7 +1036,7 @@
               <a:t>~~~(</a:t>
             </a:r>
             <a:r>
-              <a:rPr lang="ko-KR" altLang="en-US" sz="1200" b="0" i="0" kern="1200" dirty="0" smtClean="0">
+              <a:rPr lang="ko-KR" altLang="en-US" sz="1200" b="0" i="0" kern="1200" dirty="0">
                 <a:solidFill>
                   <a:schemeClr val="tx1"/>
                 </a:solidFill>
@@ -1045,7 +1048,7 @@
               <a:t>읽어주기</a:t>
             </a:r>
             <a:r>
-              <a:rPr lang="en-US" altLang="ko-KR" sz="1200" b="0" i="0" kern="1200" dirty="0" smtClean="0">
+              <a:rPr lang="en-US" altLang="ko-KR" sz="1200" b="0" i="0" kern="1200" dirty="0">
                 <a:solidFill>
                   <a:schemeClr val="tx1"/>
                 </a:solidFill>
@@ -1140,15 +1143,11 @@
           <a:bodyPr/>
           <a:lstStyle/>
           <a:p>
-            <a:r>
-              <a:rPr lang="ko-KR" altLang="en-US" dirty="0" smtClean="0"/>
-              <a:t/>
-            </a:r>
             <a:br>
-              <a:rPr lang="ko-KR" altLang="en-US" dirty="0" smtClean="0"/>
+              <a:rPr lang="ko-KR" altLang="en-US" dirty="0"/>
             </a:br>
             <a:r>
-              <a:rPr lang="en-US" altLang="ko-KR" sz="1200" b="0" i="0" kern="1200" dirty="0" smtClean="0">
+              <a:rPr lang="en-US" altLang="ko-KR" sz="1200" b="0" i="0" kern="1200" dirty="0">
                 <a:solidFill>
                   <a:schemeClr val="tx1"/>
                 </a:solidFill>
@@ -1160,7 +1159,7 @@
               <a:t>12. </a:t>
             </a:r>
             <a:r>
-              <a:rPr lang="ko-KR" altLang="en-US" sz="1200" b="0" i="0" kern="1200" dirty="0" smtClean="0">
+              <a:rPr lang="ko-KR" altLang="en-US" sz="1200" b="0" i="0" kern="1200" dirty="0">
                 <a:solidFill>
                   <a:schemeClr val="tx1"/>
                 </a:solidFill>
@@ -1172,7 +1171,7 @@
               <a:t>저희는 </a:t>
             </a:r>
             <a:r>
-              <a:rPr lang="en-US" altLang="ko-KR" sz="1200" b="0" i="0" kern="1200" dirty="0" smtClean="0">
+              <a:rPr lang="en-US" altLang="ko-KR" sz="1200" b="0" i="0" kern="1200" dirty="0">
                 <a:solidFill>
                   <a:schemeClr val="tx1"/>
                 </a:solidFill>
@@ -1184,7 +1183,7 @@
               <a:t>WBS</a:t>
             </a:r>
             <a:r>
-              <a:rPr lang="ko-KR" altLang="en-US" sz="1200" b="0" i="0" kern="1200" dirty="0" smtClean="0">
+              <a:rPr lang="ko-KR" altLang="en-US" sz="1200" b="0" i="0" kern="1200" dirty="0">
                 <a:solidFill>
                   <a:schemeClr val="tx1"/>
                 </a:solidFill>
@@ -1196,7 +1195,7 @@
               <a:t>를 엑셀로 작성하고 </a:t>
             </a:r>
             <a:r>
-              <a:rPr lang="ko-KR" altLang="en-US" sz="1200" b="0" i="0" kern="1200" dirty="0" err="1" smtClean="0">
+              <a:rPr lang="ko-KR" altLang="en-US" sz="1200" b="0" i="0" kern="1200" dirty="0" err="1">
                 <a:solidFill>
                   <a:schemeClr val="tx1"/>
                 </a:solidFill>
@@ -1208,7 +1207,7 @@
               <a:t>간트</a:t>
             </a:r>
             <a:r>
-              <a:rPr lang="ko-KR" altLang="en-US" sz="1200" b="0" i="0" kern="1200" dirty="0" smtClean="0">
+              <a:rPr lang="ko-KR" altLang="en-US" sz="1200" b="0" i="0" kern="1200" dirty="0">
                 <a:solidFill>
                   <a:schemeClr val="tx1"/>
                 </a:solidFill>
@@ -1220,7 +1219,7 @@
               <a:t> 차트를 그려서 일정 및 인원 조직을 하였습니다</a:t>
             </a:r>
             <a:r>
-              <a:rPr lang="en-US" altLang="ko-KR" sz="1200" b="0" i="0" kern="1200" dirty="0" smtClean="0">
+              <a:rPr lang="en-US" altLang="ko-KR" sz="1200" b="0" i="0" kern="1200" dirty="0">
                 <a:solidFill>
                   <a:schemeClr val="tx1"/>
                 </a:solidFill>
@@ -1315,15 +1314,11 @@
           <a:bodyPr/>
           <a:lstStyle/>
           <a:p>
-            <a:r>
-              <a:rPr lang="ko-KR" altLang="en-US" dirty="0" smtClean="0"/>
-              <a:t/>
-            </a:r>
             <a:br>
-              <a:rPr lang="ko-KR" altLang="en-US" dirty="0" smtClean="0"/>
+              <a:rPr lang="ko-KR" altLang="en-US" dirty="0"/>
             </a:br>
             <a:r>
-              <a:rPr lang="en-US" altLang="ko-KR" sz="1200" b="0" i="0" kern="1200" dirty="0" smtClean="0">
+              <a:rPr lang="en-US" altLang="ko-KR" sz="1200" b="0" i="0" kern="1200" dirty="0">
                 <a:solidFill>
                   <a:schemeClr val="tx1"/>
                 </a:solidFill>
@@ -1335,7 +1330,7 @@
               <a:t>12. </a:t>
             </a:r>
             <a:r>
-              <a:rPr lang="ko-KR" altLang="en-US" sz="1200" b="0" i="0" kern="1200" dirty="0" smtClean="0">
+              <a:rPr lang="ko-KR" altLang="en-US" sz="1200" b="0" i="0" kern="1200" dirty="0">
                 <a:solidFill>
                   <a:schemeClr val="tx1"/>
                 </a:solidFill>
@@ -1347,7 +1342,7 @@
               <a:t>저희는 </a:t>
             </a:r>
             <a:r>
-              <a:rPr lang="en-US" altLang="ko-KR" sz="1200" b="0" i="0" kern="1200" dirty="0" smtClean="0">
+              <a:rPr lang="en-US" altLang="ko-KR" sz="1200" b="0" i="0" kern="1200" dirty="0">
                 <a:solidFill>
                   <a:schemeClr val="tx1"/>
                 </a:solidFill>
@@ -1359,7 +1354,7 @@
               <a:t>WBS</a:t>
             </a:r>
             <a:r>
-              <a:rPr lang="ko-KR" altLang="en-US" sz="1200" b="0" i="0" kern="1200" dirty="0" smtClean="0">
+              <a:rPr lang="ko-KR" altLang="en-US" sz="1200" b="0" i="0" kern="1200" dirty="0">
                 <a:solidFill>
                   <a:schemeClr val="tx1"/>
                 </a:solidFill>
@@ -1371,7 +1366,7 @@
               <a:t>를 엑셀로 작성하고 </a:t>
             </a:r>
             <a:r>
-              <a:rPr lang="ko-KR" altLang="en-US" sz="1200" b="0" i="0" kern="1200" dirty="0" err="1" smtClean="0">
+              <a:rPr lang="ko-KR" altLang="en-US" sz="1200" b="0" i="0" kern="1200" dirty="0" err="1">
                 <a:solidFill>
                   <a:schemeClr val="tx1"/>
                 </a:solidFill>
@@ -1383,7 +1378,7 @@
               <a:t>간트</a:t>
             </a:r>
             <a:r>
-              <a:rPr lang="ko-KR" altLang="en-US" sz="1200" b="0" i="0" kern="1200" dirty="0" smtClean="0">
+              <a:rPr lang="ko-KR" altLang="en-US" sz="1200" b="0" i="0" kern="1200" dirty="0">
                 <a:solidFill>
                   <a:schemeClr val="tx1"/>
                 </a:solidFill>
@@ -1395,7 +1390,7 @@
               <a:t> 차트를 그려서 일정 및 인원 조직을 하였습니다</a:t>
             </a:r>
             <a:r>
-              <a:rPr lang="en-US" altLang="ko-KR" sz="1200" b="0" i="0" kern="1200" dirty="0" smtClean="0">
+              <a:rPr lang="en-US" altLang="ko-KR" sz="1200" b="0" i="0" kern="1200" dirty="0">
                 <a:solidFill>
                   <a:schemeClr val="tx1"/>
                 </a:solidFill>
@@ -1490,15 +1485,11 @@
           <a:bodyPr/>
           <a:lstStyle/>
           <a:p>
-            <a:r>
-              <a:rPr lang="ko-KR" altLang="en-US" dirty="0" smtClean="0"/>
-              <a:t/>
-            </a:r>
             <a:br>
-              <a:rPr lang="ko-KR" altLang="en-US" dirty="0" smtClean="0"/>
+              <a:rPr lang="ko-KR" altLang="en-US" dirty="0"/>
             </a:br>
             <a:r>
-              <a:rPr lang="en-US" altLang="ko-KR" sz="1200" b="0" i="0" kern="1200" dirty="0" smtClean="0">
+              <a:rPr lang="en-US" altLang="ko-KR" sz="1200" b="0" i="0" kern="1200" dirty="0">
                 <a:solidFill>
                   <a:schemeClr val="tx1"/>
                 </a:solidFill>
@@ -1510,7 +1501,7 @@
               <a:t>12. </a:t>
             </a:r>
             <a:r>
-              <a:rPr lang="ko-KR" altLang="en-US" sz="1200" b="0" i="0" kern="1200" dirty="0" smtClean="0">
+              <a:rPr lang="ko-KR" altLang="en-US" sz="1200" b="0" i="0" kern="1200" dirty="0">
                 <a:solidFill>
                   <a:schemeClr val="tx1"/>
                 </a:solidFill>
@@ -1522,7 +1513,7 @@
               <a:t>저희는 </a:t>
             </a:r>
             <a:r>
-              <a:rPr lang="en-US" altLang="ko-KR" sz="1200" b="0" i="0" kern="1200" dirty="0" smtClean="0">
+              <a:rPr lang="en-US" altLang="ko-KR" sz="1200" b="0" i="0" kern="1200" dirty="0">
                 <a:solidFill>
                   <a:schemeClr val="tx1"/>
                 </a:solidFill>
@@ -1534,7 +1525,7 @@
               <a:t>WBS</a:t>
             </a:r>
             <a:r>
-              <a:rPr lang="ko-KR" altLang="en-US" sz="1200" b="0" i="0" kern="1200" dirty="0" smtClean="0">
+              <a:rPr lang="ko-KR" altLang="en-US" sz="1200" b="0" i="0" kern="1200" dirty="0">
                 <a:solidFill>
                   <a:schemeClr val="tx1"/>
                 </a:solidFill>
@@ -1546,7 +1537,7 @@
               <a:t>를 엑셀로 작성하고 </a:t>
             </a:r>
             <a:r>
-              <a:rPr lang="ko-KR" altLang="en-US" sz="1200" b="0" i="0" kern="1200" dirty="0" err="1" smtClean="0">
+              <a:rPr lang="ko-KR" altLang="en-US" sz="1200" b="0" i="0" kern="1200" dirty="0" err="1">
                 <a:solidFill>
                   <a:schemeClr val="tx1"/>
                 </a:solidFill>
@@ -1558,7 +1549,7 @@
               <a:t>간트</a:t>
             </a:r>
             <a:r>
-              <a:rPr lang="ko-KR" altLang="en-US" sz="1200" b="0" i="0" kern="1200" dirty="0" smtClean="0">
+              <a:rPr lang="ko-KR" altLang="en-US" sz="1200" b="0" i="0" kern="1200" dirty="0">
                 <a:solidFill>
                   <a:schemeClr val="tx1"/>
                 </a:solidFill>
@@ -1570,7 +1561,7 @@
               <a:t> 차트를 그려서 일정 및 인원 조직을 하였습니다</a:t>
             </a:r>
             <a:r>
-              <a:rPr lang="en-US" altLang="ko-KR" sz="1200" b="0" i="0" kern="1200" dirty="0" smtClean="0">
+              <a:rPr lang="en-US" altLang="ko-KR" sz="1200" b="0" i="0" kern="1200" dirty="0">
                 <a:solidFill>
                   <a:schemeClr val="tx1"/>
                 </a:solidFill>
@@ -1665,15 +1656,11 @@
           <a:bodyPr/>
           <a:lstStyle/>
           <a:p>
-            <a:r>
-              <a:rPr lang="ko-KR" altLang="en-US" dirty="0" smtClean="0"/>
-              <a:t/>
-            </a:r>
             <a:br>
-              <a:rPr lang="ko-KR" altLang="en-US" dirty="0" smtClean="0"/>
+              <a:rPr lang="ko-KR" altLang="en-US" dirty="0"/>
             </a:br>
             <a:r>
-              <a:rPr lang="en-US" altLang="ko-KR" sz="1200" b="0" i="0" kern="1200" dirty="0" smtClean="0">
+              <a:rPr lang="en-US" altLang="ko-KR" sz="1200" b="0" i="0" kern="1200" dirty="0">
                 <a:solidFill>
                   <a:schemeClr val="tx1"/>
                 </a:solidFill>
@@ -1685,7 +1672,7 @@
               <a:t>12. </a:t>
             </a:r>
             <a:r>
-              <a:rPr lang="ko-KR" altLang="en-US" sz="1200" b="0" i="0" kern="1200" dirty="0" smtClean="0">
+              <a:rPr lang="ko-KR" altLang="en-US" sz="1200" b="0" i="0" kern="1200" dirty="0">
                 <a:solidFill>
                   <a:schemeClr val="tx1"/>
                 </a:solidFill>
@@ -1697,7 +1684,7 @@
               <a:t>저희는 </a:t>
             </a:r>
             <a:r>
-              <a:rPr lang="en-US" altLang="ko-KR" sz="1200" b="0" i="0" kern="1200" dirty="0" smtClean="0">
+              <a:rPr lang="en-US" altLang="ko-KR" sz="1200" b="0" i="0" kern="1200" dirty="0">
                 <a:solidFill>
                   <a:schemeClr val="tx1"/>
                 </a:solidFill>
@@ -1709,7 +1696,7 @@
               <a:t>WBS</a:t>
             </a:r>
             <a:r>
-              <a:rPr lang="ko-KR" altLang="en-US" sz="1200" b="0" i="0" kern="1200" dirty="0" smtClean="0">
+              <a:rPr lang="ko-KR" altLang="en-US" sz="1200" b="0" i="0" kern="1200" dirty="0">
                 <a:solidFill>
                   <a:schemeClr val="tx1"/>
                 </a:solidFill>
@@ -1721,7 +1708,7 @@
               <a:t>를 엑셀로 작성하고 </a:t>
             </a:r>
             <a:r>
-              <a:rPr lang="ko-KR" altLang="en-US" sz="1200" b="0" i="0" kern="1200" dirty="0" err="1" smtClean="0">
+              <a:rPr lang="ko-KR" altLang="en-US" sz="1200" b="0" i="0" kern="1200" dirty="0" err="1">
                 <a:solidFill>
                   <a:schemeClr val="tx1"/>
                 </a:solidFill>
@@ -1733,7 +1720,7 @@
               <a:t>간트</a:t>
             </a:r>
             <a:r>
-              <a:rPr lang="ko-KR" altLang="en-US" sz="1200" b="0" i="0" kern="1200" dirty="0" smtClean="0">
+              <a:rPr lang="ko-KR" altLang="en-US" sz="1200" b="0" i="0" kern="1200" dirty="0">
                 <a:solidFill>
                   <a:schemeClr val="tx1"/>
                 </a:solidFill>
@@ -1745,7 +1732,7 @@
               <a:t> 차트를 그려서 일정 및 인원 조직을 하였습니다</a:t>
             </a:r>
             <a:r>
-              <a:rPr lang="en-US" altLang="ko-KR" sz="1200" b="0" i="0" kern="1200" dirty="0" smtClean="0">
+              <a:rPr lang="en-US" altLang="ko-KR" sz="1200" b="0" i="0" kern="1200" dirty="0">
                 <a:solidFill>
                   <a:schemeClr val="tx1"/>
                 </a:solidFill>
@@ -1841,52 +1828,52 @@
           <a:lstStyle/>
           <a:p>
             <a:r>
-              <a:rPr lang="ko-KR" altLang="en-US" dirty="0" err="1" smtClean="0"/>
+              <a:rPr lang="ko-KR" altLang="en-US" dirty="0" err="1"/>
               <a:t>윤정현</a:t>
             </a:r>
             <a:r>
-              <a:rPr lang="ko-KR" altLang="en-US" dirty="0" smtClean="0"/>
+              <a:rPr lang="ko-KR" altLang="en-US" dirty="0"/>
               <a:t> </a:t>
             </a:r>
             <a:r>
-              <a:rPr lang="en-US" altLang="ko-KR" dirty="0" smtClean="0"/>
+              <a:rPr lang="en-US" altLang="ko-KR" dirty="0"/>
               <a:t>: 4</a:t>
             </a:r>
             <a:r>
-              <a:rPr lang="ko-KR" altLang="en-US" dirty="0" err="1" smtClean="0"/>
+              <a:rPr lang="ko-KR" altLang="en-US" dirty="0" err="1"/>
               <a:t>명이서</a:t>
             </a:r>
             <a:r>
-              <a:rPr lang="ko-KR" altLang="en-US" dirty="0" smtClean="0"/>
+              <a:rPr lang="ko-KR" altLang="en-US" dirty="0"/>
               <a:t> 다 처음 접하는 웹프로젝트를</a:t>
             </a:r>
             <a:r>
-              <a:rPr lang="ko-KR" altLang="en-US" baseline="0" dirty="0" smtClean="0"/>
+              <a:rPr lang="ko-KR" altLang="en-US" baseline="0" dirty="0"/>
               <a:t> </a:t>
             </a:r>
             <a:r>
-              <a:rPr lang="ko-KR" altLang="en-US" baseline="0" dirty="0" err="1" smtClean="0"/>
+              <a:rPr lang="ko-KR" altLang="en-US" baseline="0" dirty="0" err="1"/>
               <a:t>하다보니</a:t>
             </a:r>
             <a:r>
-              <a:rPr lang="ko-KR" altLang="en-US" baseline="0" dirty="0" smtClean="0"/>
+              <a:rPr lang="ko-KR" altLang="en-US" baseline="0" dirty="0"/>
               <a:t> 서로 미숙한 부분이 많았고 서로 많이 안 맞았지만 교장선생님을 위하여 </a:t>
             </a:r>
-            <a:endParaRPr lang="en-US" altLang="ko-KR" baseline="0" dirty="0" smtClean="0"/>
+            <a:endParaRPr lang="en-US" altLang="ko-KR" baseline="0" dirty="0"/>
           </a:p>
           <a:p>
-            <a:endParaRPr lang="en-US" altLang="ko-KR" baseline="0" dirty="0" smtClean="0"/>
+            <a:endParaRPr lang="en-US" altLang="ko-KR" baseline="0" dirty="0"/>
           </a:p>
           <a:p>
-            <a:endParaRPr lang="en-US" altLang="ko-KR" baseline="0" dirty="0" smtClean="0"/>
+            <a:endParaRPr lang="en-US" altLang="ko-KR" baseline="0" dirty="0"/>
           </a:p>
           <a:p>
             <a:r>
-              <a:rPr lang="ko-KR" altLang="en-US" baseline="0" dirty="0" smtClean="0"/>
+              <a:rPr lang="ko-KR" altLang="en-US" baseline="0" dirty="0"/>
               <a:t>박규리</a:t>
             </a:r>
             <a:r>
-              <a:rPr lang="en-US" altLang="ko-KR" baseline="0" dirty="0" smtClean="0"/>
+              <a:rPr lang="en-US" altLang="ko-KR" baseline="0" dirty="0"/>
               <a:t>:</a:t>
             </a:r>
           </a:p>
@@ -1973,7 +1960,7 @@
           <a:lstStyle/>
           <a:p>
             <a:r>
-              <a:rPr lang="en-US" altLang="ko-KR" sz="1200" b="0" i="0" kern="1200" dirty="0" smtClean="0">
+              <a:rPr lang="en-US" altLang="ko-KR" sz="1200" b="0" i="0" kern="1200" dirty="0">
                 <a:solidFill>
                   <a:schemeClr val="tx1"/>
                 </a:solidFill>
@@ -1985,7 +1972,7 @@
               <a:t>5. </a:t>
             </a:r>
             <a:r>
-              <a:rPr lang="ko-KR" altLang="en-US" sz="1200" b="0" i="0" kern="1200" dirty="0" err="1" smtClean="0">
+              <a:rPr lang="ko-KR" altLang="en-US" sz="1200" b="0" i="0" kern="1200" dirty="0" err="1">
                 <a:solidFill>
                   <a:schemeClr val="tx1"/>
                 </a:solidFill>
@@ -1997,7 +1984,7 @@
               <a:t>대덕소프트웨어마이스터고등학교</a:t>
             </a:r>
             <a:r>
-              <a:rPr lang="ko-KR" altLang="en-US" sz="1200" b="0" i="0" kern="1200" dirty="0" smtClean="0">
+              <a:rPr lang="ko-KR" altLang="en-US" sz="1200" b="0" i="0" kern="1200" dirty="0">
                 <a:solidFill>
                   <a:schemeClr val="tx1"/>
                 </a:solidFill>
@@ -2009,7 +1996,7 @@
               <a:t> 뿐만 아니라 거의 모든 특성화고등학교의 홍보가 중요합니다</a:t>
             </a:r>
             <a:r>
-              <a:rPr lang="en-US" altLang="ko-KR" sz="1200" b="0" i="0" kern="1200" dirty="0" smtClean="0">
+              <a:rPr lang="en-US" altLang="ko-KR" sz="1200" b="0" i="0" kern="1200" dirty="0">
                 <a:solidFill>
                   <a:schemeClr val="tx1"/>
                 </a:solidFill>
@@ -2021,7 +2008,7 @@
               <a:t>. </a:t>
             </a:r>
             <a:r>
-              <a:rPr lang="ko-KR" altLang="en-US" sz="1200" b="0" i="0" kern="1200" dirty="0" err="1" smtClean="0">
+              <a:rPr lang="ko-KR" altLang="en-US" sz="1200" b="0" i="0" kern="1200" dirty="0" err="1">
                 <a:solidFill>
                   <a:schemeClr val="tx1"/>
                 </a:solidFill>
@@ -2033,7 +2020,7 @@
               <a:t>저희학교는</a:t>
             </a:r>
             <a:r>
-              <a:rPr lang="ko-KR" altLang="en-US" sz="1200" b="0" i="0" kern="1200" dirty="0" smtClean="0">
+              <a:rPr lang="ko-KR" altLang="en-US" sz="1200" b="0" i="0" kern="1200" dirty="0">
                 <a:solidFill>
                   <a:schemeClr val="tx1"/>
                 </a:solidFill>
@@ -2045,7 +2032,7 @@
               <a:t> </a:t>
             </a:r>
             <a:r>
-              <a:rPr lang="ko-KR" altLang="en-US" sz="1200" b="0" i="0" kern="1200" dirty="0" err="1" smtClean="0">
+              <a:rPr lang="ko-KR" altLang="en-US" sz="1200" b="0" i="0" kern="1200" dirty="0" err="1">
                 <a:solidFill>
                   <a:schemeClr val="tx1"/>
                 </a:solidFill>
@@ -2057,7 +2044,7 @@
               <a:t>레주메북을</a:t>
             </a:r>
             <a:r>
-              <a:rPr lang="ko-KR" altLang="en-US" sz="1200" b="0" i="0" kern="1200" dirty="0" smtClean="0">
+              <a:rPr lang="ko-KR" altLang="en-US" sz="1200" b="0" i="0" kern="1200" dirty="0">
                 <a:solidFill>
                   <a:schemeClr val="tx1"/>
                 </a:solidFill>
@@ -2069,7 +2056,7 @@
               <a:t> 통해서 학생들을 홍보 했습니다</a:t>
             </a:r>
             <a:r>
-              <a:rPr lang="en-US" altLang="ko-KR" sz="1200" b="0" i="0" kern="1200" dirty="0" smtClean="0">
+              <a:rPr lang="en-US" altLang="ko-KR" sz="1200" b="0" i="0" kern="1200" dirty="0">
                 <a:solidFill>
                   <a:schemeClr val="tx1"/>
                 </a:solidFill>
@@ -2081,7 +2068,7 @@
               <a:t>. </a:t>
             </a:r>
             <a:r>
-              <a:rPr lang="ko-KR" altLang="en-US" sz="1200" b="0" i="0" kern="1200" dirty="0" smtClean="0">
+              <a:rPr lang="ko-KR" altLang="en-US" sz="1200" b="0" i="0" kern="1200" dirty="0">
                 <a:solidFill>
                   <a:schemeClr val="tx1"/>
                 </a:solidFill>
@@ -2093,7 +2080,7 @@
               <a:t>하지만 기존의 우리가 사용한 </a:t>
             </a:r>
             <a:r>
-              <a:rPr lang="ko-KR" altLang="en-US" sz="1200" b="0" i="0" kern="1200" dirty="0" err="1" smtClean="0">
+              <a:rPr lang="ko-KR" altLang="en-US" sz="1200" b="0" i="0" kern="1200" dirty="0" err="1">
                 <a:solidFill>
                   <a:schemeClr val="tx1"/>
                 </a:solidFill>
@@ -2105,7 +2092,7 @@
               <a:t>레주메북은</a:t>
             </a:r>
             <a:r>
-              <a:rPr lang="ko-KR" altLang="en-US" sz="1200" b="0" i="0" kern="1200" dirty="0" smtClean="0">
+              <a:rPr lang="ko-KR" altLang="en-US" sz="1200" b="0" i="0" kern="1200" dirty="0">
                 <a:solidFill>
                   <a:schemeClr val="tx1"/>
                 </a:solidFill>
@@ -2117,7 +2104,7 @@
               <a:t> 방법은 선생님에게 </a:t>
             </a:r>
             <a:r>
-              <a:rPr lang="ko-KR" altLang="en-US" sz="1200" b="0" i="0" kern="1200" dirty="0" err="1" smtClean="0">
+              <a:rPr lang="ko-KR" altLang="en-US" sz="1200" b="0" i="0" kern="1200" dirty="0" err="1">
                 <a:solidFill>
                   <a:schemeClr val="tx1"/>
                 </a:solidFill>
@@ -2129,7 +2116,7 @@
               <a:t>레주메</a:t>
             </a:r>
             <a:r>
-              <a:rPr lang="ko-KR" altLang="en-US" sz="1200" b="0" i="0" kern="1200" dirty="0" smtClean="0">
+              <a:rPr lang="ko-KR" altLang="en-US" sz="1200" b="0" i="0" kern="1200" dirty="0">
                 <a:solidFill>
                   <a:schemeClr val="tx1"/>
                 </a:solidFill>
@@ -2141,7 +2128,7 @@
               <a:t> 양식을 받아 내용을 각자 알아서 잘 </a:t>
             </a:r>
             <a:r>
-              <a:rPr lang="ko-KR" altLang="en-US" sz="1200" b="0" i="0" kern="1200" dirty="0" err="1" smtClean="0">
+              <a:rPr lang="ko-KR" altLang="en-US" sz="1200" b="0" i="0" kern="1200" dirty="0" err="1">
                 <a:solidFill>
                   <a:schemeClr val="tx1"/>
                 </a:solidFill>
@@ -2153,7 +2140,7 @@
               <a:t>채운뒤</a:t>
             </a:r>
             <a:r>
-              <a:rPr lang="ko-KR" altLang="en-US" sz="1200" b="0" i="0" kern="1200" dirty="0" smtClean="0">
+              <a:rPr lang="ko-KR" altLang="en-US" sz="1200" b="0" i="0" kern="1200" dirty="0">
                 <a:solidFill>
                   <a:schemeClr val="tx1"/>
                 </a:solidFill>
@@ -2165,7 +2152,7 @@
               <a:t> 지정한 메일로 보내는 형식이었습니다</a:t>
             </a:r>
             <a:r>
-              <a:rPr lang="en-US" altLang="ko-KR" sz="1200" b="0" i="0" kern="1200" dirty="0" smtClean="0">
+              <a:rPr lang="en-US" altLang="ko-KR" sz="1200" b="0" i="0" kern="1200" dirty="0">
                 <a:solidFill>
                   <a:schemeClr val="tx1"/>
                 </a:solidFill>
@@ -2177,7 +2164,7 @@
               <a:t>. </a:t>
             </a:r>
             <a:r>
-              <a:rPr lang="ko-KR" altLang="en-US" sz="1200" b="0" i="0" kern="1200" dirty="0" smtClean="0">
+              <a:rPr lang="ko-KR" altLang="en-US" sz="1200" b="0" i="0" kern="1200" dirty="0">
                 <a:solidFill>
                   <a:schemeClr val="tx1"/>
                 </a:solidFill>
@@ -2189,7 +2176,7 @@
               <a:t>갑자기 </a:t>
             </a:r>
             <a:r>
-              <a:rPr lang="ko-KR" altLang="en-US" sz="1200" b="0" i="0" kern="1200" dirty="0" err="1" smtClean="0">
+              <a:rPr lang="ko-KR" altLang="en-US" sz="1200" b="0" i="0" kern="1200" dirty="0" err="1">
                 <a:solidFill>
                   <a:schemeClr val="tx1"/>
                 </a:solidFill>
@@ -2201,7 +2188,7 @@
               <a:t>레주메를</a:t>
             </a:r>
             <a:r>
-              <a:rPr lang="ko-KR" altLang="en-US" sz="1200" b="0" i="0" kern="1200" dirty="0" smtClean="0">
+              <a:rPr lang="ko-KR" altLang="en-US" sz="1200" b="0" i="0" kern="1200" dirty="0">
                 <a:solidFill>
                   <a:schemeClr val="tx1"/>
                 </a:solidFill>
@@ -2213,7 +2200,7 @@
               <a:t> 쓰라고 하면 아주 바쁜 저희는 </a:t>
             </a:r>
             <a:r>
-              <a:rPr lang="ko-KR" altLang="en-US" sz="1200" b="0" i="0" kern="1200" dirty="0" err="1" smtClean="0">
+              <a:rPr lang="ko-KR" altLang="en-US" sz="1200" b="0" i="0" kern="1200" dirty="0" err="1">
                 <a:solidFill>
                   <a:schemeClr val="tx1"/>
                 </a:solidFill>
@@ -2225,7 +2212,7 @@
               <a:t>레주메북을</a:t>
             </a:r>
             <a:r>
-              <a:rPr lang="ko-KR" altLang="en-US" sz="1200" b="0" i="0" kern="1200" dirty="0" smtClean="0">
+              <a:rPr lang="ko-KR" altLang="en-US" sz="1200" b="0" i="0" kern="1200" dirty="0">
                 <a:solidFill>
                   <a:schemeClr val="tx1"/>
                 </a:solidFill>
@@ -2237,7 +2224,7 @@
               <a:t> 잘 쓰지 못했죠</a:t>
             </a:r>
             <a:r>
-              <a:rPr lang="en-US" altLang="ko-KR" sz="1200" b="0" i="0" kern="1200" dirty="0" smtClean="0">
+              <a:rPr lang="en-US" altLang="ko-KR" sz="1200" b="0" i="0" kern="1200" dirty="0">
                 <a:solidFill>
                   <a:schemeClr val="tx1"/>
                 </a:solidFill>
@@ -2249,7 +2236,7 @@
               <a:t>, </a:t>
             </a:r>
             <a:r>
-              <a:rPr lang="ko-KR" altLang="en-US" sz="1200" b="0" i="0" kern="1200" dirty="0" smtClean="0">
+              <a:rPr lang="ko-KR" altLang="en-US" sz="1200" b="0" i="0" kern="1200" dirty="0">
                 <a:solidFill>
                   <a:schemeClr val="tx1"/>
                 </a:solidFill>
@@ -2261,7 +2248,7 @@
               <a:t>일단 내가 한 활동을 한번에 </a:t>
             </a:r>
             <a:r>
-              <a:rPr lang="ko-KR" altLang="en-US" sz="1200" b="0" i="0" kern="1200" dirty="0" err="1" smtClean="0">
+              <a:rPr lang="ko-KR" altLang="en-US" sz="1200" b="0" i="0" kern="1200" dirty="0" err="1">
                 <a:solidFill>
                   <a:schemeClr val="tx1"/>
                 </a:solidFill>
@@ -2273,7 +2260,7 @@
               <a:t>적으려고하니</a:t>
             </a:r>
             <a:r>
-              <a:rPr lang="ko-KR" altLang="en-US" sz="1200" b="0" i="0" kern="1200" dirty="0" smtClean="0">
+              <a:rPr lang="ko-KR" altLang="en-US" sz="1200" b="0" i="0" kern="1200" dirty="0">
                 <a:solidFill>
                   <a:schemeClr val="tx1"/>
                 </a:solidFill>
@@ -2285,7 +2272,7 @@
               <a:t> 기억이 나지 않았고</a:t>
             </a:r>
             <a:r>
-              <a:rPr lang="en-US" altLang="ko-KR" sz="1200" b="0" i="0" kern="1200" dirty="0" smtClean="0">
+              <a:rPr lang="en-US" altLang="ko-KR" sz="1200" b="0" i="0" kern="1200" dirty="0">
                 <a:solidFill>
                   <a:schemeClr val="tx1"/>
                 </a:solidFill>
@@ -2297,7 +2284,7 @@
               <a:t>, </a:t>
             </a:r>
             <a:r>
-              <a:rPr lang="ko-KR" altLang="en-US" sz="1200" b="0" i="0" kern="1200" dirty="0" smtClean="0">
+              <a:rPr lang="ko-KR" altLang="en-US" sz="1200" b="0" i="0" kern="1200" dirty="0">
                 <a:solidFill>
                   <a:schemeClr val="tx1"/>
                 </a:solidFill>
@@ -2309,7 +2296,7 @@
               <a:t>빨리 써서 내라고 하니 내용의 질은 떨어질 수 밖에 없었습니다</a:t>
             </a:r>
             <a:r>
-              <a:rPr lang="en-US" altLang="ko-KR" sz="1200" b="0" i="0" kern="1200" dirty="0" smtClean="0">
+              <a:rPr lang="en-US" altLang="ko-KR" sz="1200" b="0" i="0" kern="1200" dirty="0">
                 <a:solidFill>
                   <a:schemeClr val="tx1"/>
                 </a:solidFill>
@@ -2321,7 +2308,7 @@
               <a:t>. </a:t>
             </a:r>
             <a:r>
-              <a:rPr lang="ko-KR" altLang="en-US" sz="1200" b="0" i="0" kern="1200" dirty="0" smtClean="0">
+              <a:rPr lang="ko-KR" altLang="en-US" sz="1200" b="0" i="0" kern="1200" dirty="0">
                 <a:solidFill>
                   <a:schemeClr val="tx1"/>
                 </a:solidFill>
@@ -2333,7 +2320,7 @@
               <a:t>선생님도 아이들의 </a:t>
             </a:r>
             <a:r>
-              <a:rPr lang="ko-KR" altLang="en-US" sz="1200" b="0" i="0" kern="1200" dirty="0" err="1" smtClean="0">
+              <a:rPr lang="ko-KR" altLang="en-US" sz="1200" b="0" i="0" kern="1200" dirty="0" err="1">
                 <a:solidFill>
                   <a:schemeClr val="tx1"/>
                 </a:solidFill>
@@ -2345,7 +2332,7 @@
               <a:t>레주메를</a:t>
             </a:r>
             <a:r>
-              <a:rPr lang="ko-KR" altLang="en-US" sz="1200" b="0" i="0" kern="1200" dirty="0" smtClean="0">
+              <a:rPr lang="ko-KR" altLang="en-US" sz="1200" b="0" i="0" kern="1200" dirty="0">
                 <a:solidFill>
                   <a:schemeClr val="tx1"/>
                 </a:solidFill>
@@ -2357,7 +2344,7 @@
               <a:t> 하나하나 모아서 또 </a:t>
             </a:r>
             <a:r>
-              <a:rPr lang="ko-KR" altLang="en-US" sz="1200" b="0" i="0" kern="1200" dirty="0" err="1" smtClean="0">
+              <a:rPr lang="ko-KR" altLang="en-US" sz="1200" b="0" i="0" kern="1200" dirty="0" err="1">
                 <a:solidFill>
                   <a:schemeClr val="tx1"/>
                 </a:solidFill>
@@ -2369,7 +2356,7 @@
               <a:t>잘못된게</a:t>
             </a:r>
             <a:r>
-              <a:rPr lang="ko-KR" altLang="en-US" sz="1200" b="0" i="0" kern="1200" dirty="0" smtClean="0">
+              <a:rPr lang="ko-KR" altLang="en-US" sz="1200" b="0" i="0" kern="1200" dirty="0">
                 <a:solidFill>
                   <a:schemeClr val="tx1"/>
                 </a:solidFill>
@@ -2381,7 +2368,7 @@
               <a:t> 있으면 고쳐오라고 하고</a:t>
             </a:r>
             <a:r>
-              <a:rPr lang="en-US" altLang="ko-KR" sz="1200" b="0" i="0" kern="1200" dirty="0" smtClean="0">
+              <a:rPr lang="en-US" altLang="ko-KR" sz="1200" b="0" i="0" kern="1200" dirty="0">
                 <a:solidFill>
                   <a:schemeClr val="tx1"/>
                 </a:solidFill>
@@ -2393,7 +2380,7 @@
               <a:t>... </a:t>
             </a:r>
             <a:r>
-              <a:rPr lang="ko-KR" altLang="en-US" sz="1200" b="0" i="0" kern="1200" dirty="0" smtClean="0">
+              <a:rPr lang="ko-KR" altLang="en-US" sz="1200" b="0" i="0" kern="1200" dirty="0">
                 <a:solidFill>
                   <a:schemeClr val="tx1"/>
                 </a:solidFill>
@@ -2405,7 +2392,7 @@
               <a:t>애들은 제대로 하지도 않고 대충대충해서 내고 마음이 타죠</a:t>
             </a:r>
             <a:r>
-              <a:rPr lang="en-US" altLang="ko-KR" sz="1200" b="0" i="0" kern="1200" dirty="0" smtClean="0">
+              <a:rPr lang="en-US" altLang="ko-KR" sz="1200" b="0" i="0" kern="1200" dirty="0">
                 <a:solidFill>
                   <a:schemeClr val="tx1"/>
                 </a:solidFill>
@@ -2417,7 +2404,7 @@
               <a:t>... </a:t>
             </a:r>
             <a:r>
-              <a:rPr lang="ko-KR" altLang="en-US" sz="1200" b="0" i="0" kern="1200" dirty="0" smtClean="0">
+              <a:rPr lang="ko-KR" altLang="en-US" sz="1200" b="0" i="0" kern="1200" dirty="0">
                 <a:solidFill>
                   <a:schemeClr val="tx1"/>
                 </a:solidFill>
@@ -2429,7 +2416,7 @@
               <a:t>또 </a:t>
             </a:r>
             <a:r>
-              <a:rPr lang="ko-KR" altLang="en-US" sz="1200" b="0" i="0" kern="1200" dirty="0" err="1" smtClean="0">
+              <a:rPr lang="ko-KR" altLang="en-US" sz="1200" b="0" i="0" kern="1200" dirty="0" err="1">
                 <a:solidFill>
                   <a:schemeClr val="tx1"/>
                 </a:solidFill>
@@ -2441,7 +2428,7 @@
               <a:t>레주매북을</a:t>
             </a:r>
             <a:r>
-              <a:rPr lang="ko-KR" altLang="en-US" sz="1200" b="0" i="0" kern="1200" dirty="0" smtClean="0">
+              <a:rPr lang="ko-KR" altLang="en-US" sz="1200" b="0" i="0" kern="1200" dirty="0">
                 <a:solidFill>
                   <a:schemeClr val="tx1"/>
                 </a:solidFill>
@@ -2453,7 +2440,7 @@
               <a:t> 한 학기마다 제작하니 그전 </a:t>
             </a:r>
             <a:r>
-              <a:rPr lang="ko-KR" altLang="en-US" sz="1200" b="0" i="0" kern="1200" dirty="0" err="1" smtClean="0">
+              <a:rPr lang="ko-KR" altLang="en-US" sz="1200" b="0" i="0" kern="1200" dirty="0" err="1">
                 <a:solidFill>
                   <a:schemeClr val="tx1"/>
                 </a:solidFill>
@@ -2465,7 +2452,7 @@
               <a:t>레주메는</a:t>
             </a:r>
             <a:r>
-              <a:rPr lang="ko-KR" altLang="en-US" sz="1200" b="0" i="0" kern="1200" dirty="0" smtClean="0">
+              <a:rPr lang="ko-KR" altLang="en-US" sz="1200" b="0" i="0" kern="1200" dirty="0">
                 <a:solidFill>
                   <a:schemeClr val="tx1"/>
                 </a:solidFill>
@@ -2477,7 +2464,7 @@
               <a:t> 쓸모가 없어지고 또 책으로 되어있어 더 많은 사람들에게 보여주기 어려웠습니다</a:t>
             </a:r>
             <a:r>
-              <a:rPr lang="en-US" altLang="ko-KR" sz="1200" b="0" i="0" kern="1200" dirty="0" smtClean="0">
+              <a:rPr lang="en-US" altLang="ko-KR" sz="1200" b="0" i="0" kern="1200" dirty="0">
                 <a:solidFill>
                   <a:schemeClr val="tx1"/>
                 </a:solidFill>
@@ -2489,7 +2476,7 @@
               <a:t>. </a:t>
             </a:r>
             <a:r>
-              <a:rPr lang="ko-KR" altLang="en-US" sz="1200" b="0" i="0" kern="1200" dirty="0" smtClean="0">
+              <a:rPr lang="ko-KR" altLang="en-US" sz="1200" b="0" i="0" kern="1200" dirty="0">
                 <a:solidFill>
                   <a:schemeClr val="tx1"/>
                 </a:solidFill>
@@ -2501,7 +2488,7 @@
               <a:t>또</a:t>
             </a:r>
             <a:r>
-              <a:rPr lang="en-US" altLang="ko-KR" sz="1200" b="0" i="0" kern="1200" dirty="0" smtClean="0">
+              <a:rPr lang="en-US" altLang="ko-KR" sz="1200" b="0" i="0" kern="1200" dirty="0">
                 <a:solidFill>
                   <a:schemeClr val="tx1"/>
                 </a:solidFill>
@@ -2513,7 +2500,7 @@
               <a:t>, </a:t>
             </a:r>
             <a:r>
-              <a:rPr lang="ko-KR" altLang="en-US" sz="1200" b="0" i="0" kern="1200" dirty="0" smtClean="0">
+              <a:rPr lang="ko-KR" altLang="en-US" sz="1200" b="0" i="0" kern="1200" dirty="0">
                 <a:solidFill>
                   <a:schemeClr val="tx1"/>
                 </a:solidFill>
@@ -2525,7 +2512,7 @@
               <a:t>회사 입장에서는 자신의 회사에 맞는 학생들을 찾고 싶어 하잖아요</a:t>
             </a:r>
             <a:r>
-              <a:rPr lang="en-US" altLang="ko-KR" sz="1200" b="0" i="0" kern="1200" dirty="0" smtClean="0">
+              <a:rPr lang="en-US" altLang="ko-KR" sz="1200" b="0" i="0" kern="1200" dirty="0">
                 <a:solidFill>
                   <a:schemeClr val="tx1"/>
                 </a:solidFill>
@@ -2537,7 +2524,7 @@
               <a:t>? </a:t>
             </a:r>
             <a:r>
-              <a:rPr lang="ko-KR" altLang="en-US" sz="1200" b="0" i="0" kern="1200" dirty="0" smtClean="0">
+              <a:rPr lang="ko-KR" altLang="en-US" sz="1200" b="0" i="0" kern="1200" dirty="0">
                 <a:solidFill>
                   <a:schemeClr val="tx1"/>
                 </a:solidFill>
@@ -2549,7 +2536,7 @@
               <a:t>근데 </a:t>
             </a:r>
             <a:r>
-              <a:rPr lang="ko-KR" altLang="en-US" sz="1200" b="0" i="0" kern="1200" dirty="0" err="1" smtClean="0">
+              <a:rPr lang="ko-KR" altLang="en-US" sz="1200" b="0" i="0" kern="1200" dirty="0" err="1">
                 <a:solidFill>
                   <a:schemeClr val="tx1"/>
                 </a:solidFill>
@@ -2561,7 +2548,7 @@
               <a:t>레주메북을</a:t>
             </a:r>
             <a:r>
-              <a:rPr lang="ko-KR" altLang="en-US" sz="1200" b="0" i="0" kern="1200" dirty="0" smtClean="0">
+              <a:rPr lang="ko-KR" altLang="en-US" sz="1200" b="0" i="0" kern="1200" dirty="0">
                 <a:solidFill>
                   <a:schemeClr val="tx1"/>
                 </a:solidFill>
@@ -2573,7 +2560,7 @@
               <a:t> 언제 한 </a:t>
             </a:r>
             <a:r>
-              <a:rPr lang="ko-KR" altLang="en-US" sz="1200" b="0" i="0" kern="1200" dirty="0" err="1" smtClean="0">
+              <a:rPr lang="ko-KR" altLang="en-US" sz="1200" b="0" i="0" kern="1200" dirty="0" err="1">
                 <a:solidFill>
                   <a:schemeClr val="tx1"/>
                 </a:solidFill>
@@ -2585,7 +2572,7 @@
               <a:t>장한장</a:t>
             </a:r>
             <a:r>
-              <a:rPr lang="ko-KR" altLang="en-US" sz="1200" b="0" i="0" kern="1200" dirty="0" smtClean="0">
+              <a:rPr lang="ko-KR" altLang="en-US" sz="1200" b="0" i="0" kern="1200" dirty="0">
                 <a:solidFill>
                   <a:schemeClr val="tx1"/>
                 </a:solidFill>
@@ -2597,7 +2584,7 @@
               <a:t> 다봅니까</a:t>
             </a:r>
             <a:r>
-              <a:rPr lang="en-US" altLang="ko-KR" sz="1200" b="0" i="0" kern="1200" dirty="0" smtClean="0">
+              <a:rPr lang="en-US" altLang="ko-KR" sz="1200" b="0" i="0" kern="1200" dirty="0">
                 <a:solidFill>
                   <a:schemeClr val="tx1"/>
                 </a:solidFill>
@@ -2609,7 +2596,7 @@
               <a:t>~? </a:t>
             </a:r>
             <a:r>
-              <a:rPr lang="ko-KR" altLang="en-US" sz="1200" b="0" i="0" kern="1200" dirty="0" smtClean="0">
+              <a:rPr lang="ko-KR" altLang="en-US" sz="1200" b="0" i="0" kern="1200" dirty="0">
                 <a:solidFill>
                   <a:schemeClr val="tx1"/>
                 </a:solidFill>
@@ -2621,7 +2608,7 @@
               <a:t>저희는 이러한 불편을 해소 할 수 있는 </a:t>
             </a:r>
             <a:r>
-              <a:rPr lang="en-US" altLang="ko-KR" sz="1200" b="0" i="0" kern="1200" dirty="0" smtClean="0">
+              <a:rPr lang="en-US" altLang="ko-KR" sz="1200" b="0" i="0" kern="1200" dirty="0">
                 <a:solidFill>
                   <a:schemeClr val="tx1"/>
                 </a:solidFill>
@@ -2633,7 +2620,7 @@
               <a:t>2uzuBook</a:t>
             </a:r>
             <a:r>
-              <a:rPr lang="ko-KR" altLang="en-US" sz="1200" b="0" i="0" kern="1200" dirty="0" smtClean="0">
+              <a:rPr lang="ko-KR" altLang="en-US" sz="1200" b="0" i="0" kern="1200" dirty="0">
                 <a:solidFill>
                   <a:schemeClr val="tx1"/>
                 </a:solidFill>
@@ -2645,7 +2632,7 @@
               <a:t>을 개발 하게 되었습니다</a:t>
             </a:r>
             <a:r>
-              <a:rPr lang="en-US" altLang="ko-KR" sz="1200" b="0" i="0" kern="1200" dirty="0" smtClean="0">
+              <a:rPr lang="en-US" altLang="ko-KR" sz="1200" b="0" i="0" kern="1200" dirty="0">
                 <a:solidFill>
                   <a:schemeClr val="tx1"/>
                 </a:solidFill>
@@ -2741,7 +2728,7 @@
           <a:lstStyle/>
           <a:p>
             <a:r>
-              <a:rPr lang="en-US" altLang="ko-KR" sz="1200" b="0" i="0" kern="1200" dirty="0" smtClean="0">
+              <a:rPr lang="en-US" altLang="ko-KR" sz="1200" b="0" i="0" kern="1200" dirty="0">
                 <a:solidFill>
                   <a:schemeClr val="tx1"/>
                 </a:solidFill>
@@ -2753,7 +2740,7 @@
               <a:t>9.</a:t>
             </a:r>
             <a:r>
-              <a:rPr lang="ko-KR" altLang="en-US" sz="1200" b="0" i="0" kern="1200" dirty="0" smtClean="0">
+              <a:rPr lang="ko-KR" altLang="en-US" sz="1200" b="0" i="0" kern="1200" dirty="0">
                 <a:solidFill>
                   <a:schemeClr val="tx1"/>
                 </a:solidFill>
@@ -2765,7 +2752,7 @@
               <a:t>저희의 프로젝트는 사이트를 통한 </a:t>
             </a:r>
             <a:r>
-              <a:rPr lang="ko-KR" altLang="en-US" sz="1200" b="0" i="0" kern="1200" dirty="0" err="1" smtClean="0">
+              <a:rPr lang="ko-KR" altLang="en-US" sz="1200" b="0" i="0" kern="1200" dirty="0" err="1">
                 <a:solidFill>
                   <a:schemeClr val="tx1"/>
                 </a:solidFill>
@@ -2777,7 +2764,7 @@
               <a:t>레주메</a:t>
             </a:r>
             <a:r>
-              <a:rPr lang="ko-KR" altLang="en-US" sz="1200" b="0" i="0" kern="1200" dirty="0" smtClean="0">
+              <a:rPr lang="ko-KR" altLang="en-US" sz="1200" b="0" i="0" kern="1200" dirty="0">
                 <a:solidFill>
                   <a:schemeClr val="tx1"/>
                 </a:solidFill>
@@ -2789,7 +2776,7 @@
               <a:t> 작성으로 현재로서는 대덕소프트웨어 마이스터고를 위한 것이지만 대덕 </a:t>
             </a:r>
             <a:r>
-              <a:rPr lang="en-US" altLang="ko-KR" sz="1200" b="0" i="0" kern="1200" dirty="0" err="1" smtClean="0">
+              <a:rPr lang="en-US" altLang="ko-KR" sz="1200" b="0" i="0" kern="1200" dirty="0" err="1">
                 <a:solidFill>
                   <a:schemeClr val="tx1"/>
                 </a:solidFill>
@@ -2801,7 +2788,7 @@
               <a:t>sw</a:t>
             </a:r>
             <a:r>
-              <a:rPr lang="en-US" altLang="ko-KR" sz="1200" b="0" i="0" kern="1200" dirty="0" smtClean="0">
+              <a:rPr lang="en-US" altLang="ko-KR" sz="1200" b="0" i="0" kern="1200" dirty="0">
                 <a:solidFill>
                   <a:schemeClr val="tx1"/>
                 </a:solidFill>
@@ -2813,7 +2800,7 @@
               <a:t> </a:t>
             </a:r>
             <a:r>
-              <a:rPr lang="ko-KR" altLang="en-US" sz="1200" b="0" i="0" kern="1200" dirty="0" smtClean="0">
+              <a:rPr lang="ko-KR" altLang="en-US" sz="1200" b="0" i="0" kern="1200" dirty="0">
                 <a:solidFill>
                   <a:schemeClr val="tx1"/>
                 </a:solidFill>
@@ -2825,7 +2812,7 @@
               <a:t>고등학교뿐만 아니라 더 나아가</a:t>
             </a:r>
             <a:r>
-              <a:rPr lang="en-US" altLang="ko-KR" sz="1200" b="0" i="0" kern="1200" dirty="0" smtClean="0">
+              <a:rPr lang="en-US" altLang="ko-KR" sz="1200" b="0" i="0" kern="1200" dirty="0">
                 <a:solidFill>
                   <a:schemeClr val="tx1"/>
                 </a:solidFill>
@@ -2837,7 +2824,7 @@
               <a:t>, </a:t>
             </a:r>
             <a:r>
-              <a:rPr lang="ko-KR" altLang="en-US" sz="1200" b="0" i="0" kern="1200" dirty="0" smtClean="0">
+              <a:rPr lang="ko-KR" altLang="en-US" sz="1200" b="0" i="0" kern="1200" dirty="0">
                 <a:solidFill>
                   <a:schemeClr val="tx1"/>
                 </a:solidFill>
@@ -2849,7 +2836,7 @@
               <a:t>전국에 분포되어 있는 특성화 고등학교도 저희의 </a:t>
             </a:r>
             <a:r>
-              <a:rPr lang="en-US" altLang="ko-KR" sz="1200" b="0" i="0" kern="1200" dirty="0" smtClean="0">
+              <a:rPr lang="en-US" altLang="ko-KR" sz="1200" b="0" i="0" kern="1200" dirty="0">
                 <a:solidFill>
                   <a:schemeClr val="tx1"/>
                 </a:solidFill>
@@ -2861,7 +2848,7 @@
               <a:t>2uzubook</a:t>
             </a:r>
             <a:r>
-              <a:rPr lang="ko-KR" altLang="en-US" sz="1200" b="0" i="0" kern="1200" dirty="0" smtClean="0">
+              <a:rPr lang="ko-KR" altLang="en-US" sz="1200" b="0" i="0" kern="1200" dirty="0">
                 <a:solidFill>
                   <a:schemeClr val="tx1"/>
                 </a:solidFill>
@@ -2873,7 +2860,7 @@
               <a:t>을 효과적으로 사용할 수 있다고 생각합니다</a:t>
             </a:r>
             <a:r>
-              <a:rPr lang="en-US" altLang="ko-KR" sz="1200" b="0" i="0" kern="1200" dirty="0" smtClean="0">
+              <a:rPr lang="en-US" altLang="ko-KR" sz="1200" b="0" i="0" kern="1200" dirty="0">
                 <a:solidFill>
                   <a:schemeClr val="tx1"/>
                 </a:solidFill>
@@ -2885,7 +2872,7 @@
               <a:t>. </a:t>
             </a:r>
             <a:r>
-              <a:rPr lang="ko-KR" altLang="en-US" sz="1200" b="0" i="0" kern="1200" dirty="0" smtClean="0">
+              <a:rPr lang="ko-KR" altLang="en-US" sz="1200" b="0" i="0" kern="1200" dirty="0">
                 <a:solidFill>
                   <a:schemeClr val="tx1"/>
                 </a:solidFill>
@@ -2897,7 +2884,7 @@
               <a:t>또 기존의 </a:t>
             </a:r>
             <a:r>
-              <a:rPr lang="ko-KR" altLang="en-US" sz="1200" b="0" i="0" kern="1200" dirty="0" err="1" smtClean="0">
+              <a:rPr lang="ko-KR" altLang="en-US" sz="1200" b="0" i="0" kern="1200" dirty="0" err="1">
                 <a:solidFill>
                   <a:schemeClr val="tx1"/>
                 </a:solidFill>
@@ -2909,7 +2896,7 @@
               <a:t>레주메북과</a:t>
             </a:r>
             <a:r>
-              <a:rPr lang="ko-KR" altLang="en-US" sz="1200" b="0" i="0" kern="1200" dirty="0" smtClean="0">
+              <a:rPr lang="ko-KR" altLang="en-US" sz="1200" b="0" i="0" kern="1200" dirty="0">
                 <a:solidFill>
                   <a:schemeClr val="tx1"/>
                 </a:solidFill>
@@ -2921,7 +2908,7 @@
               <a:t> 달리 쉽고 빠른 작성과 열람</a:t>
             </a:r>
             <a:r>
-              <a:rPr lang="en-US" altLang="ko-KR" sz="1200" b="0" i="0" kern="1200" dirty="0" smtClean="0">
+              <a:rPr lang="en-US" altLang="ko-KR" sz="1200" b="0" i="0" kern="1200" dirty="0">
                 <a:solidFill>
                   <a:schemeClr val="tx1"/>
                 </a:solidFill>
@@ -2933,7 +2920,7 @@
               <a:t>, </a:t>
             </a:r>
             <a:r>
-              <a:rPr lang="ko-KR" altLang="en-US" sz="1200" b="0" i="0" kern="1200" dirty="0" smtClean="0">
+              <a:rPr lang="ko-KR" altLang="en-US" sz="1200" b="0" i="0" kern="1200" dirty="0">
                 <a:solidFill>
                   <a:schemeClr val="tx1"/>
                 </a:solidFill>
@@ -2945,7 +2932,7 @@
               <a:t>또한 검색으로 시간</a:t>
             </a:r>
             <a:r>
-              <a:rPr lang="en-US" altLang="ko-KR" sz="1200" b="0" i="0" kern="1200" dirty="0" smtClean="0">
+              <a:rPr lang="en-US" altLang="ko-KR" sz="1200" b="0" i="0" kern="1200" dirty="0">
                 <a:solidFill>
                   <a:schemeClr val="tx1"/>
                 </a:solidFill>
@@ -2957,7 +2944,7 @@
               <a:t>, </a:t>
             </a:r>
             <a:r>
-              <a:rPr lang="ko-KR" altLang="en-US" sz="1200" b="0" i="0" kern="1200" dirty="0" err="1" smtClean="0">
+              <a:rPr lang="ko-KR" altLang="en-US" sz="1200" b="0" i="0" kern="1200" dirty="0" err="1">
                 <a:solidFill>
                   <a:schemeClr val="tx1"/>
                 </a:solidFill>
@@ -2969,7 +2956,7 @@
               <a:t>종이절약</a:t>
             </a:r>
             <a:r>
-              <a:rPr lang="ko-KR" altLang="en-US" sz="1200" b="0" i="0" kern="1200" dirty="0" smtClean="0">
+              <a:rPr lang="ko-KR" altLang="en-US" sz="1200" b="0" i="0" kern="1200" dirty="0">
                 <a:solidFill>
                   <a:schemeClr val="tx1"/>
                 </a:solidFill>
@@ -2981,7 +2968,7 @@
               <a:t> 및 홍보가 </a:t>
             </a:r>
             <a:r>
-              <a:rPr lang="ko-KR" altLang="en-US" sz="1200" b="0" i="0" kern="1200" dirty="0" err="1" smtClean="0">
+              <a:rPr lang="ko-KR" altLang="en-US" sz="1200" b="0" i="0" kern="1200" dirty="0" err="1">
                 <a:solidFill>
                   <a:schemeClr val="tx1"/>
                 </a:solidFill>
@@ -2993,7 +2980,7 @@
               <a:t>훨</a:t>
             </a:r>
             <a:r>
-              <a:rPr lang="ko-KR" altLang="en-US" sz="1200" b="0" i="0" kern="1200" dirty="0" smtClean="0">
+              <a:rPr lang="ko-KR" altLang="en-US" sz="1200" b="0" i="0" kern="1200" dirty="0">
                 <a:solidFill>
                   <a:schemeClr val="tx1"/>
                 </a:solidFill>
@@ -3005,7 +2992,7 @@
               <a:t> 쉬워지면서 회사는 자신들에게 맞는 인재를 빠르게 찾을 수 있습니다</a:t>
             </a:r>
             <a:r>
-              <a:rPr lang="en-US" altLang="ko-KR" sz="1200" b="0" i="0" kern="1200" dirty="0" smtClean="0">
+              <a:rPr lang="en-US" altLang="ko-KR" sz="1200" b="0" i="0" kern="1200" dirty="0">
                 <a:solidFill>
                   <a:schemeClr val="tx1"/>
                 </a:solidFill>
@@ -3017,7 +3004,7 @@
               <a:t>. </a:t>
             </a:r>
             <a:r>
-              <a:rPr lang="ko-KR" altLang="en-US" sz="1200" b="0" i="0" kern="1200" dirty="0" err="1" smtClean="0">
+              <a:rPr lang="ko-KR" altLang="en-US" sz="1200" b="0" i="0" kern="1200" dirty="0" err="1">
                 <a:solidFill>
                   <a:schemeClr val="tx1"/>
                 </a:solidFill>
@@ -3029,7 +3016,7 @@
               <a:t>레주메</a:t>
             </a:r>
             <a:r>
-              <a:rPr lang="ko-KR" altLang="en-US" sz="1200" b="0" i="0" kern="1200" dirty="0" smtClean="0">
+              <a:rPr lang="ko-KR" altLang="en-US" sz="1200" b="0" i="0" kern="1200" dirty="0">
                 <a:solidFill>
                   <a:schemeClr val="tx1"/>
                 </a:solidFill>
@@ -3041,7 +3028,7 @@
               <a:t> 북에 대해 불편함을 느끼고 있는 여러 사람들을 생각하면 발전 가능성이 매우 크다고 생각합니다</a:t>
             </a:r>
             <a:r>
-              <a:rPr lang="en-US" altLang="ko-KR" sz="1200" b="0" i="0" kern="1200" dirty="0" smtClean="0">
+              <a:rPr lang="en-US" altLang="ko-KR" sz="1200" b="0" i="0" kern="1200" dirty="0">
                 <a:solidFill>
                   <a:schemeClr val="tx1"/>
                 </a:solidFill>
@@ -3221,32 +3208,32 @@
           <a:lstStyle/>
           <a:p>
             <a:r>
-              <a:rPr lang="ko-KR" altLang="en-US" dirty="0" smtClean="0"/>
+              <a:rPr lang="ko-KR" altLang="en-US" dirty="0"/>
               <a:t>아무래도 </a:t>
             </a:r>
             <a:r>
-              <a:rPr lang="en-US" altLang="ko-KR" dirty="0" smtClean="0"/>
+              <a:rPr lang="en-US" altLang="ko-KR" dirty="0"/>
               <a:t>java </a:t>
             </a:r>
             <a:r>
-              <a:rPr lang="ko-KR" altLang="en-US" dirty="0" smtClean="0"/>
+              <a:rPr lang="ko-KR" altLang="en-US" dirty="0"/>
               <a:t>프로젝트였으니 저희는 </a:t>
             </a:r>
             <a:r>
-              <a:rPr lang="en-US" altLang="ko-KR" dirty="0" smtClean="0"/>
+              <a:rPr lang="en-US" altLang="ko-KR" dirty="0"/>
               <a:t>java</a:t>
             </a:r>
             <a:r>
-              <a:rPr lang="ko-KR" altLang="en-US" dirty="0" smtClean="0"/>
+              <a:rPr lang="ko-KR" altLang="en-US" dirty="0"/>
               <a:t>를 많이 사용하는 쪽으로 처음부터 계획을 잡았습니다</a:t>
             </a:r>
             <a:r>
-              <a:rPr lang="en-US" altLang="ko-KR" dirty="0" smtClean="0"/>
+              <a:rPr lang="en-US" altLang="ko-KR" dirty="0"/>
               <a:t>.</a:t>
             </a:r>
           </a:p>
           <a:p>
-            <a:endParaRPr lang="en-US" altLang="ko-KR" dirty="0" smtClean="0"/>
+            <a:endParaRPr lang="en-US" altLang="ko-KR" dirty="0"/>
           </a:p>
           <a:p>
             <a:endParaRPr lang="ko-KR" altLang="en-US" dirty="0"/>
@@ -3334,7 +3321,7 @@
           <a:lstStyle/>
           <a:p>
             <a:r>
-              <a:rPr lang="en-US" altLang="ko-KR" sz="1200" b="0" i="0" kern="1200" dirty="0" smtClean="0">
+              <a:rPr lang="en-US" altLang="ko-KR" sz="1200" b="0" i="0" kern="1200" dirty="0">
                 <a:solidFill>
                   <a:schemeClr val="tx1"/>
                 </a:solidFill>
@@ -3346,7 +3333,7 @@
               <a:t>19. </a:t>
             </a:r>
             <a:r>
-              <a:rPr lang="ko-KR" altLang="en-US" sz="1200" b="0" i="0" kern="1200" dirty="0" smtClean="0">
+              <a:rPr lang="ko-KR" altLang="en-US" sz="1200" b="0" i="0" kern="1200" dirty="0">
                 <a:solidFill>
                   <a:schemeClr val="tx1"/>
                 </a:solidFill>
@@ -3358,7 +3345,7 @@
               <a:t>저희는 저희 조원 끼리 </a:t>
             </a:r>
             <a:r>
-              <a:rPr lang="ko-KR" altLang="en-US" sz="1200" b="0" i="0" kern="1200" dirty="0" err="1" smtClean="0">
+              <a:rPr lang="ko-KR" altLang="en-US" sz="1200" b="0" i="0" kern="1200" dirty="0" err="1">
                 <a:solidFill>
                   <a:schemeClr val="tx1"/>
                 </a:solidFill>
@@ -3370,7 +3357,7 @@
               <a:t>브레인스토밍과</a:t>
             </a:r>
             <a:r>
-              <a:rPr lang="ko-KR" altLang="en-US" sz="1200" b="0" i="0" kern="1200" dirty="0" smtClean="0">
+              <a:rPr lang="ko-KR" altLang="en-US" sz="1200" b="0" i="0" kern="1200" dirty="0">
                 <a:solidFill>
                   <a:schemeClr val="tx1"/>
                 </a:solidFill>
@@ -3382,7 +3369,7 @@
               <a:t> </a:t>
             </a:r>
             <a:r>
-              <a:rPr lang="ko-KR" altLang="en-US" sz="1200" b="0" i="0" kern="1200" dirty="0" err="1" smtClean="0">
+              <a:rPr lang="ko-KR" altLang="en-US" sz="1200" b="0" i="0" kern="1200" dirty="0" err="1">
                 <a:solidFill>
                   <a:schemeClr val="tx1"/>
                 </a:solidFill>
@@ -3394,7 +3381,7 @@
               <a:t>직접도출을</a:t>
             </a:r>
             <a:r>
-              <a:rPr lang="ko-KR" altLang="en-US" sz="1200" b="0" i="0" kern="1200" dirty="0" smtClean="0">
+              <a:rPr lang="ko-KR" altLang="en-US" sz="1200" b="0" i="0" kern="1200" dirty="0">
                 <a:solidFill>
                   <a:schemeClr val="tx1"/>
                 </a:solidFill>
@@ -3406,7 +3393,7 @@
               <a:t> 통해 요구사항을 도출하였습니다</a:t>
             </a:r>
             <a:r>
-              <a:rPr lang="en-US" altLang="ko-KR" sz="1200" b="0" i="0" kern="1200" dirty="0" smtClean="0">
+              <a:rPr lang="en-US" altLang="ko-KR" sz="1200" b="0" i="0" kern="1200" dirty="0">
                 <a:solidFill>
                   <a:schemeClr val="tx1"/>
                 </a:solidFill>
@@ -3502,7 +3489,7 @@
           <a:lstStyle/>
           <a:p>
             <a:r>
-              <a:rPr lang="en-US" altLang="ko-KR" sz="1200" b="0" i="0" kern="1200" dirty="0" smtClean="0">
+              <a:rPr lang="en-US" altLang="ko-KR" sz="1200" b="0" i="0" kern="1200" dirty="0">
                 <a:solidFill>
                   <a:schemeClr val="tx1"/>
                 </a:solidFill>
@@ -3514,7 +3501,7 @@
               <a:t>20. </a:t>
             </a:r>
             <a:r>
-              <a:rPr lang="ko-KR" altLang="en-US" sz="1200" b="0" i="0" kern="1200" dirty="0" smtClean="0">
+              <a:rPr lang="ko-KR" altLang="en-US" sz="1200" b="0" i="0" kern="1200" dirty="0">
                 <a:solidFill>
                   <a:schemeClr val="tx1"/>
                 </a:solidFill>
@@ -3526,7 +3513,7 @@
               <a:t>저희가 도출한 요구사항으로는 </a:t>
             </a:r>
             <a:r>
-              <a:rPr lang="en-US" altLang="ko-KR" sz="1200" b="0" i="0" kern="1200" dirty="0" smtClean="0">
+              <a:rPr lang="en-US" altLang="ko-KR" sz="1200" b="0" i="0" kern="1200" dirty="0">
                 <a:solidFill>
                   <a:schemeClr val="tx1"/>
                 </a:solidFill>
@@ -3538,7 +3525,7 @@
               <a:t>19</a:t>
             </a:r>
             <a:r>
-              <a:rPr lang="ko-KR" altLang="en-US" sz="1200" b="0" i="0" kern="1200" dirty="0" smtClean="0">
+              <a:rPr lang="ko-KR" altLang="en-US" sz="1200" b="0" i="0" kern="1200" dirty="0">
                 <a:solidFill>
                   <a:schemeClr val="tx1"/>
                 </a:solidFill>
@@ -3550,7 +3537,7 @@
               <a:t>가지가 나왔는데요 </a:t>
             </a:r>
             <a:r>
-              <a:rPr lang="ko-KR" altLang="en-US" sz="1200" b="0" i="0" kern="1200" dirty="0" err="1" smtClean="0">
+              <a:rPr lang="ko-KR" altLang="en-US" sz="1200" b="0" i="0" kern="1200" dirty="0" err="1">
                 <a:solidFill>
                   <a:schemeClr val="tx1"/>
                 </a:solidFill>
@@ -3562,7 +3549,7 @@
               <a:t>몇몇개의</a:t>
             </a:r>
             <a:r>
-              <a:rPr lang="ko-KR" altLang="en-US" sz="1200" b="0" i="0" kern="1200" dirty="0" smtClean="0">
+              <a:rPr lang="ko-KR" altLang="en-US" sz="1200" b="0" i="0" kern="1200" dirty="0">
                 <a:solidFill>
                   <a:schemeClr val="tx1"/>
                 </a:solidFill>
@@ -3574,7 +3561,7 @@
               <a:t> 중요한 것만 </a:t>
             </a:r>
             <a:r>
-              <a:rPr lang="ko-KR" altLang="en-US" sz="1200" b="0" i="0" kern="1200" dirty="0" err="1" smtClean="0">
+              <a:rPr lang="ko-KR" altLang="en-US" sz="1200" b="0" i="0" kern="1200" dirty="0" err="1">
                 <a:solidFill>
                   <a:schemeClr val="tx1"/>
                 </a:solidFill>
@@ -3586,7 +3573,7 @@
               <a:t>읽자면</a:t>
             </a:r>
             <a:r>
-              <a:rPr lang="ko-KR" altLang="en-US" sz="1200" b="0" i="0" kern="1200" dirty="0" smtClean="0">
+              <a:rPr lang="ko-KR" altLang="en-US" sz="1200" b="0" i="0" kern="1200" dirty="0">
                 <a:solidFill>
                   <a:schemeClr val="tx1"/>
                 </a:solidFill>
@@ -3598,7 +3585,7 @@
               <a:t> </a:t>
             </a:r>
             <a:r>
-              <a:rPr lang="en-US" altLang="ko-KR" sz="1200" b="0" i="0" kern="1200" dirty="0" smtClean="0">
+              <a:rPr lang="en-US" altLang="ko-KR" sz="1200" b="0" i="0" kern="1200" dirty="0">
                 <a:solidFill>
                   <a:schemeClr val="tx1"/>
                 </a:solidFill>
@@ -3610,7 +3597,7 @@
               <a:t>(</a:t>
             </a:r>
             <a:r>
-              <a:rPr lang="ko-KR" altLang="en-US" sz="1200" b="0" i="0" kern="1200" dirty="0" smtClean="0">
+              <a:rPr lang="ko-KR" altLang="en-US" sz="1200" b="0" i="0" kern="1200" dirty="0">
                 <a:solidFill>
                   <a:schemeClr val="tx1"/>
                 </a:solidFill>
@@ -3622,7 +3609,7 @@
               <a:t>읽어주기</a:t>
             </a:r>
             <a:r>
-              <a:rPr lang="en-US" altLang="ko-KR" sz="1200" b="0" i="0" kern="1200" dirty="0" smtClean="0">
+              <a:rPr lang="en-US" altLang="ko-KR" sz="1200" b="0" i="0" kern="1200" dirty="0">
                 <a:solidFill>
                   <a:schemeClr val="tx1"/>
                 </a:solidFill>
@@ -3718,7 +3705,7 @@
           <a:lstStyle/>
           <a:p>
             <a:r>
-              <a:rPr lang="en-US" altLang="ko-KR" sz="1200" b="0" i="0" kern="1200" dirty="0" smtClean="0">
+              <a:rPr lang="en-US" altLang="ko-KR" sz="1200" b="0" i="0" kern="1200" dirty="0">
                 <a:solidFill>
                   <a:schemeClr val="tx1"/>
                 </a:solidFill>
@@ -3730,7 +3717,7 @@
               <a:t>21. </a:t>
             </a:r>
             <a:r>
-              <a:rPr lang="ko-KR" altLang="en-US" sz="1200" b="0" i="0" kern="1200" dirty="0" smtClean="0">
+              <a:rPr lang="ko-KR" altLang="en-US" sz="1200" b="0" i="0" kern="1200" dirty="0">
                 <a:solidFill>
                   <a:schemeClr val="tx1"/>
                 </a:solidFill>
@@ -3742,7 +3729,7 @@
               <a:t>도메인 분석으로는 </a:t>
             </a:r>
             <a:r>
-              <a:rPr lang="en-US" altLang="ko-KR" sz="1200" b="0" i="0" kern="1200" dirty="0" smtClean="0">
+              <a:rPr lang="en-US" altLang="ko-KR" sz="1200" b="0" i="0" kern="1200" dirty="0">
                 <a:solidFill>
                   <a:schemeClr val="tx1"/>
                 </a:solidFill>
@@ -3754,7 +3741,7 @@
               <a:t>(</a:t>
             </a:r>
             <a:r>
-              <a:rPr lang="ko-KR" altLang="en-US" sz="1200" b="0" i="0" kern="1200" dirty="0" smtClean="0">
+              <a:rPr lang="ko-KR" altLang="en-US" sz="1200" b="0" i="0" kern="1200" dirty="0">
                 <a:solidFill>
                   <a:schemeClr val="tx1"/>
                 </a:solidFill>
@@ -3766,7 +3753,7 @@
               <a:t>읽어주기</a:t>
             </a:r>
             <a:r>
-              <a:rPr lang="en-US" altLang="ko-KR" sz="1200" b="0" i="0" kern="1200" dirty="0" smtClean="0">
+              <a:rPr lang="en-US" altLang="ko-KR" sz="1200" b="0" i="0" kern="1200" dirty="0">
                 <a:solidFill>
                   <a:schemeClr val="tx1"/>
                 </a:solidFill>
@@ -3862,7 +3849,7 @@
           <a:lstStyle/>
           <a:p>
             <a:r>
-              <a:rPr lang="en-US" altLang="ko-KR" sz="1200" b="0" i="0" kern="1200" dirty="0" smtClean="0">
+              <a:rPr lang="en-US" altLang="ko-KR" sz="1200" b="0" i="0" kern="1200" dirty="0">
                 <a:solidFill>
                   <a:schemeClr val="tx1"/>
                 </a:solidFill>
@@ -3874,7 +3861,7 @@
               <a:t>22. </a:t>
             </a:r>
             <a:r>
-              <a:rPr lang="ko-KR" altLang="en-US" sz="1200" b="0" i="0" kern="1200" dirty="0" smtClean="0">
+              <a:rPr lang="ko-KR" altLang="en-US" sz="1200" b="0" i="0" kern="1200" dirty="0">
                 <a:solidFill>
                   <a:schemeClr val="tx1"/>
                 </a:solidFill>
@@ -3886,7 +3873,7 @@
               <a:t>아까 도출한 요구사항을 기능적 요구사항으로 </a:t>
             </a:r>
             <a:r>
-              <a:rPr lang="ko-KR" altLang="en-US" sz="1200" b="0" i="0" kern="1200" dirty="0" err="1" smtClean="0">
+              <a:rPr lang="ko-KR" altLang="en-US" sz="1200" b="0" i="0" kern="1200" dirty="0" err="1">
                 <a:solidFill>
                   <a:schemeClr val="tx1"/>
                 </a:solidFill>
@@ -3898,7 +3885,7 @@
               <a:t>나누워서</a:t>
             </a:r>
             <a:r>
-              <a:rPr lang="ko-KR" altLang="en-US" sz="1200" b="0" i="0" kern="1200" dirty="0" smtClean="0">
+              <a:rPr lang="ko-KR" altLang="en-US" sz="1200" b="0" i="0" kern="1200" dirty="0">
                 <a:solidFill>
                   <a:schemeClr val="tx1"/>
                 </a:solidFill>
@@ -3910,7 +3897,7 @@
               <a:t> 우선 순위에 따라 분류 하였습니다</a:t>
             </a:r>
             <a:r>
-              <a:rPr lang="en-US" altLang="ko-KR" sz="1200" b="0" i="0" kern="1200" dirty="0" smtClean="0">
+              <a:rPr lang="en-US" altLang="ko-KR" sz="1200" b="0" i="0" kern="1200" dirty="0">
                 <a:solidFill>
                   <a:schemeClr val="tx1"/>
                 </a:solidFill>
@@ -3922,7 +3909,7 @@
               <a:t>. (</a:t>
             </a:r>
             <a:r>
-              <a:rPr lang="ko-KR" altLang="en-US" sz="1200" b="0" i="0" kern="1200" dirty="0" smtClean="0">
+              <a:rPr lang="ko-KR" altLang="en-US" sz="1200" b="0" i="0" kern="1200" dirty="0">
                 <a:solidFill>
                   <a:schemeClr val="tx1"/>
                 </a:solidFill>
@@ -3934,7 +3921,7 @@
               <a:t>읽어주기</a:t>
             </a:r>
             <a:r>
-              <a:rPr lang="en-US" altLang="ko-KR" sz="1200" b="0" i="0" kern="1200" dirty="0" smtClean="0">
+              <a:rPr lang="en-US" altLang="ko-KR" sz="1200" b="0" i="0" kern="1200" dirty="0">
                 <a:solidFill>
                   <a:schemeClr val="tx1"/>
                 </a:solidFill>
@@ -5011,13 +4998,6 @@
   <p:clrMapOvr>
     <a:masterClrMapping/>
   </p:clrMapOvr>
-  <p:timing>
-    <p:tnLst>
-      <p:par>
-        <p:cTn id="1" dur="indefinite" restart="never" nodeType="tmRoot"/>
-      </p:par>
-    </p:tnLst>
-  </p:timing>
 </p:sld>
 </file>
 
@@ -5259,16 +5239,12 @@
           </a:lstStyle>
           <a:p>
             <a:r>
-              <a:rPr lang="en-US" altLang="ko-KR" sz="2400" dirty="0" smtClean="0">
+              <a:rPr lang="en-US" altLang="ko-KR" sz="2400" dirty="0">
                 <a:latin typeface="Noto Sans CJK KR Medium" panose="020B0600000000000000" pitchFamily="34" charset="-127"/>
                 <a:ea typeface="Noto Sans CJK KR Medium" panose="020B0600000000000000" pitchFamily="34" charset="-127"/>
               </a:rPr>
               <a:t>09</a:t>
             </a:r>
-            <a:endParaRPr lang="en-US" altLang="ko-KR" sz="2400" dirty="0">
-              <a:latin typeface="Noto Sans CJK KR Medium" panose="020B0600000000000000" pitchFamily="34" charset="-127"/>
-              <a:ea typeface="Noto Sans CJK KR Medium" panose="020B0600000000000000" pitchFamily="34" charset="-127"/>
-            </a:endParaRPr>
           </a:p>
           <a:p>
             <a:r>
@@ -5800,7 +5776,7 @@
                     <a:lstStyle/>
                     <a:p>
                       <a:r>
-                        <a:rPr lang="ko-KR" altLang="en-US" sz="1800" b="0" kern="1200" dirty="0" smtClean="0">
+                        <a:rPr lang="ko-KR" altLang="en-US" sz="1800" b="0" kern="1200" dirty="0">
                           <a:solidFill>
                             <a:schemeClr val="tx1">
                               <a:lumMod val="85000"/>
@@ -5842,7 +5818,7 @@
                     <a:p>
                       <a:pPr algn="ctr" latinLnBrk="1"/>
                       <a:r>
-                        <a:rPr lang="ko-KR" altLang="en-US" b="1" dirty="0" smtClean="0">
+                        <a:rPr lang="ko-KR" altLang="en-US" b="1" dirty="0">
                           <a:solidFill>
                             <a:schemeClr val="tx1">
                               <a:lumMod val="85000"/>
@@ -5855,7 +5831,7 @@
                         <a:t> </a:t>
                       </a:r>
                       <a:r>
-                        <a:rPr lang="ko-KR" altLang="en-US" b="1" dirty="0" err="1" smtClean="0">
+                        <a:rPr lang="ko-KR" altLang="en-US" b="1" dirty="0" err="1">
                           <a:solidFill>
                             <a:schemeClr val="tx1">
                               <a:lumMod val="85000"/>
@@ -5868,7 +5844,7 @@
                         <a:t>액터</a:t>
                       </a:r>
                       <a:r>
-                        <a:rPr lang="ko-KR" altLang="en-US" b="1" dirty="0" smtClean="0">
+                        <a:rPr lang="ko-KR" altLang="en-US" b="1" dirty="0">
                           <a:solidFill>
                             <a:schemeClr val="tx1">
                               <a:lumMod val="85000"/>
@@ -5880,16 +5856,6 @@
                         </a:rPr>
                         <a:t> 명</a:t>
                       </a:r>
-                      <a:endParaRPr lang="ko-KR" altLang="en-US" b="1" dirty="0">
-                        <a:solidFill>
-                          <a:schemeClr val="tx1">
-                            <a:lumMod val="85000"/>
-                            <a:lumOff val="15000"/>
-                          </a:schemeClr>
-                        </a:solidFill>
-                        <a:latin typeface="HY헤드라인M" pitchFamily="18" charset="-127"/>
-                        <a:ea typeface="HY헤드라인M" pitchFamily="18" charset="-127"/>
-                      </a:endParaRPr>
                     </a:p>
                   </a:txBody>
                   <a:tcPr/>
@@ -5900,7 +5866,7 @@
                     <a:lstStyle/>
                     <a:p>
                       <a:r>
-                        <a:rPr lang="ko-KR" altLang="en-US" sz="1800" kern="1200" dirty="0" smtClean="0">
+                        <a:rPr lang="ko-KR" altLang="en-US" sz="1800" kern="1200" dirty="0">
                           <a:solidFill>
                             <a:schemeClr val="tx1">
                               <a:lumMod val="85000"/>
@@ -5981,7 +5947,7 @@
                         <a:defRPr/>
                       </a:pPr>
                       <a:r>
-                        <a:rPr lang="ko-KR" altLang="en-US" sz="1800" kern="1200" dirty="0" smtClean="0">
+                        <a:rPr lang="ko-KR" altLang="en-US" sz="1800" kern="1200" dirty="0">
                           <a:solidFill>
                             <a:schemeClr val="tx1">
                               <a:lumMod val="85000"/>
@@ -5995,7 +5961,7 @@
                         <a:t> 학생</a:t>
                       </a:r>
                       <a:r>
-                        <a:rPr lang="en-US" altLang="ko-KR" sz="1800" kern="1200" dirty="0" smtClean="0">
+                        <a:rPr lang="en-US" altLang="ko-KR" sz="1800" kern="1200" dirty="0">
                           <a:solidFill>
                             <a:schemeClr val="tx1">
                               <a:lumMod val="85000"/>
@@ -6009,7 +5975,7 @@
                         <a:t>- DSM </a:t>
                       </a:r>
                       <a:r>
-                        <a:rPr lang="ko-KR" altLang="en-US" sz="1800" kern="1200" dirty="0" err="1" smtClean="0">
+                        <a:rPr lang="ko-KR" altLang="en-US" sz="1800" kern="1200" dirty="0" err="1">
                           <a:solidFill>
                             <a:schemeClr val="tx1">
                               <a:lumMod val="85000"/>
@@ -6023,7 +5989,7 @@
                         <a:t>연장신청</a:t>
                       </a:r>
                       <a:r>
-                        <a:rPr lang="ko-KR" altLang="en-US" sz="1800" kern="1200" dirty="0" smtClean="0">
+                        <a:rPr lang="ko-KR" altLang="en-US" sz="1800" kern="1200" dirty="0">
                           <a:solidFill>
                             <a:schemeClr val="tx1">
                               <a:lumMod val="85000"/>
@@ -6037,7 +6003,7 @@
                         <a:t> 페이지 가입이 되어 있어야 한다</a:t>
                       </a:r>
                       <a:r>
-                        <a:rPr lang="en-US" altLang="ko-KR" sz="1800" kern="1200" dirty="0" smtClean="0">
+                        <a:rPr lang="en-US" altLang="ko-KR" sz="1800" kern="1200" dirty="0">
                           <a:solidFill>
                             <a:schemeClr val="tx1">
                               <a:lumMod val="85000"/>
@@ -6050,17 +6016,6 @@
                         </a:rPr>
                         <a:t>..</a:t>
                       </a:r>
-                      <a:endParaRPr lang="en-US" altLang="ko-KR" sz="1800" kern="1200" dirty="0">
-                        <a:solidFill>
-                          <a:schemeClr val="tx1">
-                            <a:lumMod val="85000"/>
-                            <a:lumOff val="15000"/>
-                          </a:schemeClr>
-                        </a:solidFill>
-                        <a:latin typeface="HY헤드라인M" pitchFamily="18" charset="-127"/>
-                        <a:ea typeface="HY헤드라인M" pitchFamily="18" charset="-127"/>
-                        <a:cs typeface="+mn-cs"/>
-                      </a:endParaRPr>
                     </a:p>
                   </a:txBody>
                   <a:tcPr/>
@@ -6105,7 +6060,7 @@
                         <a:buAutoNum type="arabicPeriod"/>
                       </a:pPr>
                       <a:r>
-                        <a:rPr lang="ko-KR" altLang="en-US" sz="1800" kern="1200" dirty="0" smtClean="0">
+                        <a:rPr lang="ko-KR" altLang="en-US" sz="1800" kern="1200" dirty="0">
                           <a:solidFill>
                             <a:schemeClr val="tx1">
                               <a:lumMod val="85000"/>
@@ -6120,7 +6075,7 @@
                         <a:t>로그인 버튼을 클릭한다</a:t>
                       </a:r>
                       <a:r>
-                        <a:rPr lang="en-US" altLang="ko-KR" sz="1800" kern="1200" dirty="0" smtClean="0">
+                        <a:rPr lang="en-US" altLang="ko-KR" sz="1800" kern="1200" dirty="0">
                           <a:solidFill>
                             <a:schemeClr val="tx1">
                               <a:lumMod val="85000"/>
@@ -6135,7 +6090,7 @@
                         <a:t>. (</a:t>
                       </a:r>
                       <a:r>
-                        <a:rPr lang="ko-KR" altLang="en-US" sz="1800" kern="1200" dirty="0" err="1" smtClean="0">
+                        <a:rPr lang="ko-KR" altLang="en-US" sz="1800" kern="1200" dirty="0" err="1">
                           <a:solidFill>
                             <a:schemeClr val="tx1">
                               <a:lumMod val="85000"/>
@@ -6150,7 +6105,7 @@
                         <a:t>액터</a:t>
                       </a:r>
                       <a:r>
-                        <a:rPr lang="en-US" altLang="ko-KR" sz="1800" kern="1200" dirty="0" smtClean="0">
+                        <a:rPr lang="en-US" altLang="ko-KR" sz="1800" kern="1200" dirty="0">
                           <a:solidFill>
                             <a:schemeClr val="tx1">
                               <a:lumMod val="85000"/>
@@ -6171,7 +6126,7 @@
                         <a:buAutoNum type="arabicPeriod"/>
                       </a:pPr>
                       <a:r>
-                        <a:rPr lang="ko-KR" altLang="en-US" sz="1800" kern="1200" dirty="0" smtClean="0">
+                        <a:rPr lang="ko-KR" altLang="en-US" sz="1800" kern="1200" dirty="0">
                           <a:solidFill>
                             <a:schemeClr val="tx1">
                               <a:lumMod val="85000"/>
@@ -6186,7 +6141,7 @@
                         <a:t>로그인 창을 띄운다</a:t>
                       </a:r>
                       <a:r>
-                        <a:rPr lang="en-US" altLang="ko-KR" sz="1800" kern="1200" dirty="0" smtClean="0">
+                        <a:rPr lang="en-US" altLang="ko-KR" sz="1800" kern="1200" dirty="0">
                           <a:solidFill>
                             <a:schemeClr val="tx1">
                               <a:lumMod val="85000"/>
@@ -6201,7 +6156,7 @@
                         <a:t>. (</a:t>
                       </a:r>
                       <a:r>
-                        <a:rPr lang="ko-KR" altLang="en-US" sz="1800" kern="1200" dirty="0" smtClean="0">
+                        <a:rPr lang="ko-KR" altLang="en-US" sz="1800" kern="1200" dirty="0">
                           <a:solidFill>
                             <a:schemeClr val="tx1">
                               <a:lumMod val="85000"/>
@@ -6216,7 +6171,7 @@
                         <a:t>시스템</a:t>
                       </a:r>
                       <a:r>
-                        <a:rPr lang="en-US" altLang="ko-KR" sz="1800" kern="1200" dirty="0" smtClean="0">
+                        <a:rPr lang="en-US" altLang="ko-KR" sz="1800" kern="1200" dirty="0">
                           <a:solidFill>
                             <a:schemeClr val="tx1">
                               <a:lumMod val="85000"/>
@@ -6237,7 +6192,7 @@
                         <a:buAutoNum type="arabicPeriod"/>
                       </a:pPr>
                       <a:r>
-                        <a:rPr lang="ko-KR" altLang="en-US" sz="1800" kern="1200" dirty="0" smtClean="0">
+                        <a:rPr lang="ko-KR" altLang="en-US" sz="1800" kern="1200" dirty="0">
                           <a:solidFill>
                             <a:schemeClr val="tx1">
                               <a:lumMod val="85000"/>
@@ -6252,7 +6207,7 @@
                         <a:t>아이디와 패스워드를 입력한다</a:t>
                       </a:r>
                       <a:r>
-                        <a:rPr lang="en-US" altLang="ko-KR" sz="1800" kern="1200" dirty="0" smtClean="0">
+                        <a:rPr lang="en-US" altLang="ko-KR" sz="1800" kern="1200" dirty="0">
                           <a:solidFill>
                             <a:schemeClr val="tx1">
                               <a:lumMod val="85000"/>
@@ -6267,7 +6222,7 @@
                         <a:t>. (</a:t>
                       </a:r>
                       <a:r>
-                        <a:rPr lang="ko-KR" altLang="en-US" sz="1800" kern="1200" dirty="0" err="1" smtClean="0">
+                        <a:rPr lang="ko-KR" altLang="en-US" sz="1800" kern="1200" dirty="0" err="1">
                           <a:solidFill>
                             <a:schemeClr val="tx1">
                               <a:lumMod val="85000"/>
@@ -6282,7 +6237,7 @@
                         <a:t>액터</a:t>
                       </a:r>
                       <a:r>
-                        <a:rPr lang="en-US" altLang="ko-KR" sz="1800" kern="1200" dirty="0" smtClean="0">
+                        <a:rPr lang="en-US" altLang="ko-KR" sz="1800" kern="1200" dirty="0">
                           <a:solidFill>
                             <a:schemeClr val="tx1">
                               <a:lumMod val="85000"/>
@@ -6303,7 +6258,7 @@
                         <a:buAutoNum type="arabicPeriod"/>
                       </a:pPr>
                       <a:r>
-                        <a:rPr lang="ko-KR" altLang="en-US" sz="1800" kern="1200" dirty="0" smtClean="0">
+                        <a:rPr lang="ko-KR" altLang="en-US" sz="1800" kern="1200" dirty="0">
                           <a:solidFill>
                             <a:schemeClr val="tx1">
                               <a:lumMod val="85000"/>
@@ -6318,7 +6273,7 @@
                         <a:t>저장 되어 있는 </a:t>
                       </a:r>
                       <a:r>
-                        <a:rPr lang="en-US" altLang="ko-KR" sz="1800" kern="1200" dirty="0" smtClean="0">
+                        <a:rPr lang="en-US" altLang="ko-KR" sz="1800" kern="1200" dirty="0">
                           <a:solidFill>
                             <a:schemeClr val="tx1">
                               <a:lumMod val="85000"/>
@@ -6333,7 +6288,7 @@
                         <a:t>DB</a:t>
                       </a:r>
                       <a:r>
-                        <a:rPr lang="ko-KR" altLang="en-US" sz="1800" kern="1200" dirty="0" smtClean="0">
+                        <a:rPr lang="ko-KR" altLang="en-US" sz="1800" kern="1200" dirty="0">
                           <a:solidFill>
                             <a:schemeClr val="tx1">
                               <a:lumMod val="85000"/>
@@ -6348,7 +6303,7 @@
                         <a:t>와 일치하는지 매치한다</a:t>
                       </a:r>
                       <a:r>
-                        <a:rPr lang="en-US" altLang="ko-KR" sz="1800" kern="1200" dirty="0" smtClean="0">
+                        <a:rPr lang="en-US" altLang="ko-KR" sz="1800" kern="1200" dirty="0">
                           <a:solidFill>
                             <a:schemeClr val="tx1">
                               <a:lumMod val="85000"/>
@@ -6363,7 +6318,7 @@
                         <a:t>. (</a:t>
                       </a:r>
                       <a:r>
-                        <a:rPr lang="ko-KR" altLang="en-US" sz="1800" kern="1200" dirty="0" smtClean="0">
+                        <a:rPr lang="ko-KR" altLang="en-US" sz="1800" kern="1200" dirty="0">
                           <a:solidFill>
                             <a:schemeClr val="tx1">
                               <a:lumMod val="85000"/>
@@ -6378,7 +6333,7 @@
                         <a:t>시스템</a:t>
                       </a:r>
                       <a:r>
-                        <a:rPr lang="en-US" altLang="ko-KR" sz="1800" kern="1200" dirty="0" smtClean="0">
+                        <a:rPr lang="en-US" altLang="ko-KR" sz="1800" kern="1200" dirty="0">
                           <a:solidFill>
                             <a:schemeClr val="tx1">
                               <a:lumMod val="85000"/>
@@ -6399,7 +6354,7 @@
                         <a:buAutoNum type="arabicPeriod"/>
                       </a:pPr>
                       <a:r>
-                        <a:rPr lang="ko-KR" altLang="en-US" sz="1800" kern="1200" dirty="0" smtClean="0">
+                        <a:rPr lang="ko-KR" altLang="en-US" sz="1800" kern="1200" dirty="0">
                           <a:solidFill>
                             <a:schemeClr val="tx1">
                               <a:lumMod val="85000"/>
@@ -6414,7 +6369,7 @@
                         <a:t>정상적으로 로그인 후 메인 페이지로 넘어간다</a:t>
                       </a:r>
                       <a:r>
-                        <a:rPr lang="en-US" altLang="ko-KR" sz="1800" kern="1200" dirty="0" smtClean="0">
+                        <a:rPr lang="en-US" altLang="ko-KR" sz="1800" kern="1200" dirty="0">
                           <a:solidFill>
                             <a:schemeClr val="tx1">
                               <a:lumMod val="85000"/>
@@ -6429,7 +6384,7 @@
                         <a:t>. (</a:t>
                       </a:r>
                       <a:r>
-                        <a:rPr lang="ko-KR" altLang="en-US" sz="1800" kern="1200" dirty="0" smtClean="0">
+                        <a:rPr lang="ko-KR" altLang="en-US" sz="1800" kern="1200" dirty="0">
                           <a:solidFill>
                             <a:schemeClr val="tx1">
                               <a:lumMod val="85000"/>
@@ -6444,7 +6399,7 @@
                         <a:t>시스템</a:t>
                       </a:r>
                       <a:r>
-                        <a:rPr lang="en-US" altLang="ko-KR" sz="1800" kern="1200" dirty="0" smtClean="0">
+                        <a:rPr lang="en-US" altLang="ko-KR" sz="1800" kern="1200" dirty="0">
                           <a:solidFill>
                             <a:schemeClr val="tx1">
                               <a:lumMod val="85000"/>
@@ -6514,7 +6469,7 @@
                         <a:buChar char="-"/>
                       </a:pPr>
                       <a:r>
-                        <a:rPr lang="ko-KR" altLang="en-US" sz="1800" kern="1200" dirty="0" smtClean="0">
+                        <a:rPr lang="ko-KR" altLang="en-US" sz="1800" kern="1200" dirty="0">
                           <a:solidFill>
                             <a:schemeClr val="tx1">
                               <a:lumMod val="85000"/>
@@ -6529,7 +6484,7 @@
                         <a:t>아이디나 패스워드가 맞지 않으면 “아이디나 패스워드를 </a:t>
                       </a:r>
                       <a:r>
-                        <a:rPr lang="ko-KR" altLang="en-US" sz="1800" kern="1200" dirty="0" err="1" smtClean="0">
+                        <a:rPr lang="ko-KR" altLang="en-US" sz="1800" kern="1200" dirty="0" err="1">
                           <a:solidFill>
                             <a:schemeClr val="tx1">
                               <a:lumMod val="85000"/>
@@ -6544,7 +6499,7 @@
                         <a:t>잘못입력했거나</a:t>
                       </a:r>
                       <a:r>
-                        <a:rPr lang="ko-KR" altLang="en-US" sz="1800" kern="1200" dirty="0" smtClean="0">
+                        <a:rPr lang="ko-KR" altLang="en-US" sz="1800" kern="1200" dirty="0">
                           <a:solidFill>
                             <a:schemeClr val="tx1">
                               <a:lumMod val="85000"/>
@@ -6559,7 +6514,7 @@
                         <a:t> 등록되지 않은 아이디 입니다</a:t>
                       </a:r>
                       <a:r>
-                        <a:rPr lang="en-US" altLang="ko-KR" sz="1800" kern="1200" dirty="0" smtClean="0">
+                        <a:rPr lang="en-US" altLang="ko-KR" sz="1800" kern="1200" dirty="0">
                           <a:solidFill>
                             <a:schemeClr val="tx1">
                               <a:lumMod val="85000"/>
@@ -6574,7 +6529,7 @@
                         <a:t>.”</a:t>
                       </a:r>
                       <a:r>
-                        <a:rPr lang="ko-KR" altLang="en-US" sz="1800" kern="1200" dirty="0" smtClean="0">
+                        <a:rPr lang="ko-KR" altLang="en-US" sz="1800" kern="1200" dirty="0">
                           <a:solidFill>
                             <a:schemeClr val="tx1">
                               <a:lumMod val="85000"/>
@@ -6588,18 +6543,6 @@
                         </a:rPr>
                         <a:t>메시지 출력</a:t>
                       </a:r>
-                      <a:endParaRPr lang="ko-KR" altLang="en-US" sz="1800" kern="1200" dirty="0">
-                        <a:solidFill>
-                          <a:schemeClr val="tx1">
-                            <a:lumMod val="85000"/>
-                            <a:lumOff val="15000"/>
-                          </a:schemeClr>
-                        </a:solidFill>
-                        <a:effectLst/>
-                        <a:latin typeface="배달의민족 도현" pitchFamily="50" charset="-127"/>
-                        <a:ea typeface="배달의민족 도현" pitchFamily="50" charset="-127"/>
-                        <a:cs typeface="+mn-cs"/>
-                      </a:endParaRPr>
                     </a:p>
                   </a:txBody>
                   <a:tcPr/>
@@ -7114,16 +7057,12 @@
           </a:lstStyle>
           <a:p>
             <a:r>
-              <a:rPr lang="en-US" altLang="ko-KR" sz="2400" dirty="0" smtClean="0">
+              <a:rPr lang="en-US" altLang="ko-KR" sz="2400" dirty="0">
                 <a:latin typeface="Noto Sans CJK KR Medium" panose="020B0600000000000000" pitchFamily="34" charset="-127"/>
                 <a:ea typeface="Noto Sans CJK KR Medium" panose="020B0600000000000000" pitchFamily="34" charset="-127"/>
               </a:rPr>
               <a:t>10</a:t>
             </a:r>
-            <a:endParaRPr lang="en-US" altLang="ko-KR" sz="2400" dirty="0">
-              <a:latin typeface="Noto Sans CJK KR Medium" panose="020B0600000000000000" pitchFamily="34" charset="-127"/>
-              <a:ea typeface="Noto Sans CJK KR Medium" panose="020B0600000000000000" pitchFamily="34" charset="-127"/>
-            </a:endParaRPr>
           </a:p>
           <a:p>
             <a:r>
@@ -7680,24 +7619,10 @@
                           <a:ea typeface="HY헤드라인M" pitchFamily="18" charset="-127"/>
                           <a:cs typeface="+mn-cs"/>
                         </a:rPr>
-                        <a:t> 작성 </a:t>
-                      </a:r>
-                      <a:r>
-                        <a:rPr lang="ko-KR" altLang="en-US" sz="1800" b="0" kern="1200" dirty="0" smtClean="0">
-                          <a:solidFill>
-                            <a:schemeClr val="tx1">
-                              <a:lumMod val="85000"/>
-                              <a:lumOff val="15000"/>
-                            </a:schemeClr>
-                          </a:solidFill>
-                          <a:latin typeface="HY헤드라인M" pitchFamily="18" charset="-127"/>
-                          <a:ea typeface="HY헤드라인M" pitchFamily="18" charset="-127"/>
-                          <a:cs typeface="+mn-cs"/>
-                        </a:rPr>
-                        <a:t>및</a:t>
-                      </a:r>
-                      <a:r>
-                        <a:rPr lang="ko-KR" altLang="en-US" sz="1800" b="0" kern="1200" baseline="0" dirty="0" smtClean="0">
+                        <a:t> 작성 및</a:t>
+                      </a:r>
+                      <a:r>
+                        <a:rPr lang="ko-KR" altLang="en-US" sz="1800" b="0" kern="1200" baseline="0" dirty="0">
                           <a:solidFill>
                             <a:schemeClr val="tx1">
                               <a:lumMod val="85000"/>
@@ -8126,7 +8051,7 @@
                         <a:buAutoNum type="arabicPeriod"/>
                       </a:pPr>
                       <a:r>
-                        <a:rPr lang="ko-KR" altLang="en-US" sz="1800" kern="1200" dirty="0" err="1" smtClean="0">
+                        <a:rPr lang="ko-KR" altLang="en-US" sz="1800" kern="1200" dirty="0" err="1">
                           <a:solidFill>
                             <a:schemeClr val="tx1">
                               <a:lumMod val="85000"/>
@@ -8139,21 +8064,6 @@
                           <a:cs typeface="+mn-cs"/>
                         </a:rPr>
                         <a:t>레주메</a:t>
-                      </a:r>
-                      <a:r>
-                        <a:rPr lang="ko-KR" altLang="en-US" sz="1800" kern="1200" dirty="0" smtClean="0">
-                          <a:solidFill>
-                            <a:schemeClr val="tx1">
-                              <a:lumMod val="85000"/>
-                              <a:lumOff val="15000"/>
-                            </a:schemeClr>
-                          </a:solidFill>
-                          <a:effectLst/>
-                          <a:latin typeface="배달의민족 도현" pitchFamily="50" charset="-127"/>
-                          <a:ea typeface="배달의민족 도현" pitchFamily="50" charset="-127"/>
-                          <a:cs typeface="+mn-cs"/>
-                        </a:rPr>
-                        <a:t> </a:t>
                       </a:r>
                       <a:r>
                         <a:rPr lang="ko-KR" altLang="en-US" sz="1800" kern="1200" dirty="0">
@@ -8168,25 +8078,10 @@
                           <a:ea typeface="배달의민족 도현" pitchFamily="50" charset="-127"/>
                           <a:cs typeface="+mn-cs"/>
                         </a:rPr>
-                        <a:t>수정 및 </a:t>
-                      </a:r>
-                      <a:r>
-                        <a:rPr lang="ko-KR" altLang="en-US" sz="1800" kern="1200" dirty="0" smtClean="0">
-                          <a:solidFill>
-                            <a:schemeClr val="tx1">
-                              <a:lumMod val="85000"/>
-                              <a:lumOff val="15000"/>
-                            </a:schemeClr>
-                          </a:solidFill>
-                          <a:effectLst/>
-                          <a:latin typeface="배달의민족 도현" pitchFamily="50" charset="-127"/>
-                          <a:ea typeface="배달의민족 도현" pitchFamily="50" charset="-127"/>
-                          <a:cs typeface="+mn-cs"/>
-                        </a:rPr>
-                        <a:t>삭제</a:t>
-                      </a:r>
-                      <a:r>
-                        <a:rPr lang="en-US" altLang="ko-KR" sz="1800" kern="1200" dirty="0" smtClean="0">
+                        <a:t> 수정 및 삭제</a:t>
+                      </a:r>
+                      <a:r>
+                        <a:rPr lang="en-US" altLang="ko-KR" sz="1800" kern="1200" dirty="0">
                           <a:solidFill>
                             <a:schemeClr val="tx1">
                               <a:lumMod val="85000"/>
@@ -9063,7 +8958,7 @@
           </a:lstStyle>
           <a:p>
             <a:r>
-              <a:rPr lang="en-US" altLang="ko-KR" sz="2400" dirty="0" smtClean="0">
+              <a:rPr lang="en-US" altLang="ko-KR" sz="2400" dirty="0">
                 <a:latin typeface="Noto Sans CJK KR Medium" panose="020B0600000000000000" pitchFamily="34" charset="-127"/>
                 <a:ea typeface="Noto Sans CJK KR Medium" panose="020B0600000000000000" pitchFamily="34" charset="-127"/>
               </a:rPr>
@@ -9072,7 +8967,7 @@
           </a:p>
           <a:p>
             <a:r>
-              <a:rPr lang="ko-KR" altLang="en-US" sz="2400" dirty="0" err="1" smtClean="0">
+              <a:rPr lang="ko-KR" altLang="en-US" sz="2400" dirty="0" err="1">
                 <a:latin typeface="Noto Sans CJK KR Medium" panose="020B0600000000000000" pitchFamily="34" charset="-127"/>
                 <a:ea typeface="Noto Sans CJK KR Medium" panose="020B0600000000000000" pitchFamily="34" charset="-127"/>
               </a:rPr>
@@ -9949,7 +9844,7 @@
                         <a:buAutoNum type="arabicPeriod"/>
                       </a:pPr>
                       <a:r>
-                        <a:rPr lang="en-US" altLang="ko-KR" sz="1800" kern="1200" dirty="0" smtClean="0">
+                        <a:rPr lang="en-US" altLang="ko-KR" sz="1800" kern="1200" dirty="0">
                           <a:solidFill>
                             <a:schemeClr val="tx1">
                               <a:lumMod val="85000"/>
@@ -9964,7 +9859,7 @@
                         <a:t>Search</a:t>
                       </a:r>
                       <a:r>
-                        <a:rPr lang="en-US" altLang="ko-KR" sz="1800" kern="1200" baseline="0" dirty="0" smtClean="0">
+                        <a:rPr lang="en-US" altLang="ko-KR" sz="1800" kern="1200" baseline="0" dirty="0">
                           <a:solidFill>
                             <a:schemeClr val="tx1">
                               <a:lumMod val="85000"/>
@@ -9979,7 +9874,7 @@
                         <a:t> </a:t>
                       </a:r>
                       <a:r>
-                        <a:rPr lang="ko-KR" altLang="en-US" sz="1800" kern="1200" baseline="0" dirty="0" smtClean="0">
+                        <a:rPr lang="ko-KR" altLang="en-US" sz="1800" kern="1200" baseline="0" dirty="0">
                           <a:solidFill>
                             <a:schemeClr val="tx1">
                               <a:lumMod val="85000"/>
@@ -9994,7 +9889,7 @@
                         <a:t>페이지로 접근 </a:t>
                       </a:r>
                       <a:r>
-                        <a:rPr lang="en-US" altLang="ko-KR" sz="1800" kern="1200" baseline="0" dirty="0" smtClean="0">
+                        <a:rPr lang="en-US" altLang="ko-KR" sz="1800" kern="1200" baseline="0" dirty="0">
                           <a:solidFill>
                             <a:schemeClr val="tx1">
                               <a:lumMod val="85000"/>
@@ -10009,7 +9904,7 @@
                         <a:t>(</a:t>
                       </a:r>
                       <a:r>
-                        <a:rPr lang="ko-KR" altLang="en-US" sz="1800" kern="1200" baseline="0" dirty="0" err="1" smtClean="0">
+                        <a:rPr lang="ko-KR" altLang="en-US" sz="1800" kern="1200" baseline="0" dirty="0" err="1">
                           <a:solidFill>
                             <a:schemeClr val="tx1">
                               <a:lumMod val="85000"/>
@@ -10024,7 +9919,7 @@
                         <a:t>액터</a:t>
                       </a:r>
                       <a:r>
-                        <a:rPr lang="en-US" altLang="ko-KR" sz="1800" kern="1200" baseline="0" dirty="0" smtClean="0">
+                        <a:rPr lang="en-US" altLang="ko-KR" sz="1800" kern="1200" baseline="0" dirty="0">
                           <a:solidFill>
                             <a:schemeClr val="tx1">
                               <a:lumMod val="85000"/>
@@ -10045,7 +9940,7 @@
                         <a:buAutoNum type="arabicPeriod"/>
                       </a:pPr>
                       <a:r>
-                        <a:rPr lang="ko-KR" altLang="en-US" sz="1800" kern="1200" dirty="0" smtClean="0">
+                        <a:rPr lang="ko-KR" altLang="en-US" sz="1800" kern="1200" dirty="0">
                           <a:solidFill>
                             <a:schemeClr val="tx1">
                               <a:lumMod val="85000"/>
@@ -10060,7 +9955,7 @@
                         <a:t>검색한다</a:t>
                       </a:r>
                       <a:r>
-                        <a:rPr lang="en-US" altLang="ko-KR" sz="1800" kern="1200" dirty="0" smtClean="0">
+                        <a:rPr lang="en-US" altLang="ko-KR" sz="1800" kern="1200" dirty="0">
                           <a:solidFill>
                             <a:schemeClr val="tx1">
                               <a:lumMod val="85000"/>
@@ -10985,16 +10880,12 @@
           </a:lstStyle>
           <a:p>
             <a:r>
-              <a:rPr lang="en-US" altLang="ko-KR" sz="2400" dirty="0" smtClean="0">
+              <a:rPr lang="en-US" altLang="ko-KR" sz="2400" dirty="0">
                 <a:latin typeface="Noto Sans CJK KR Medium" panose="020B0600000000000000" pitchFamily="34" charset="-127"/>
                 <a:ea typeface="Noto Sans CJK KR Medium" panose="020B0600000000000000" pitchFamily="34" charset="-127"/>
               </a:rPr>
               <a:t>12</a:t>
             </a:r>
-            <a:endParaRPr lang="en-US" altLang="ko-KR" sz="2400" dirty="0">
-              <a:latin typeface="Noto Sans CJK KR Medium" panose="020B0600000000000000" pitchFamily="34" charset="-127"/>
-              <a:ea typeface="Noto Sans CJK KR Medium" panose="020B0600000000000000" pitchFamily="34" charset="-127"/>
-            </a:endParaRPr>
           </a:p>
           <a:p>
             <a:r>
@@ -11526,7 +11417,7 @@
                     <a:lstStyle/>
                     <a:p>
                       <a:r>
-                        <a:rPr lang="ko-KR" altLang="en-US" sz="1800" b="0" kern="1200" dirty="0" smtClean="0">
+                        <a:rPr lang="ko-KR" altLang="en-US" sz="1800" b="0" kern="1200" dirty="0">
                           <a:solidFill>
                             <a:schemeClr val="tx1">
                               <a:lumMod val="85000"/>
@@ -11613,7 +11504,7 @@
                     <a:lstStyle/>
                     <a:p>
                       <a:r>
-                        <a:rPr lang="ko-KR" altLang="en-US" sz="1800" kern="1200" dirty="0" smtClean="0">
+                        <a:rPr lang="ko-KR" altLang="en-US" sz="1800" kern="1200" dirty="0">
                           <a:solidFill>
                             <a:schemeClr val="tx1">
                               <a:lumMod val="85000"/>
@@ -11694,7 +11585,7 @@
                         <a:defRPr/>
                       </a:pPr>
                       <a:r>
-                        <a:rPr lang="ko-KR" altLang="en-US" sz="1800" kern="1200" dirty="0" err="1" smtClean="0">
+                        <a:rPr lang="ko-KR" altLang="en-US" sz="1800" kern="1200" dirty="0" err="1">
                           <a:solidFill>
                             <a:schemeClr val="tx1">
                               <a:lumMod val="85000"/>
@@ -11708,7 +11599,7 @@
                         <a:t>로그인이</a:t>
                       </a:r>
                       <a:r>
-                        <a:rPr lang="ko-KR" altLang="en-US" sz="1800" kern="1200" dirty="0" smtClean="0">
+                        <a:rPr lang="ko-KR" altLang="en-US" sz="1800" kern="1200" dirty="0">
                           <a:solidFill>
                             <a:schemeClr val="tx1">
                               <a:lumMod val="85000"/>
@@ -11722,7 +11613,7 @@
                         <a:t> 되어 있는 상태여야 한다</a:t>
                       </a:r>
                       <a:r>
-                        <a:rPr lang="en-US" altLang="ko-KR" sz="1800" kern="1200" dirty="0" smtClean="0">
+                        <a:rPr lang="en-US" altLang="ko-KR" sz="1800" kern="1200" dirty="0">
                           <a:solidFill>
                             <a:schemeClr val="tx1">
                               <a:lumMod val="85000"/>
@@ -11735,17 +11626,6 @@
                         </a:rPr>
                         <a:t>.</a:t>
                       </a:r>
-                      <a:endParaRPr lang="en-US" altLang="ko-KR" sz="1800" kern="1200" dirty="0">
-                        <a:solidFill>
-                          <a:schemeClr val="tx1">
-                            <a:lumMod val="85000"/>
-                            <a:lumOff val="15000"/>
-                          </a:schemeClr>
-                        </a:solidFill>
-                        <a:latin typeface="HY헤드라인M" pitchFamily="18" charset="-127"/>
-                        <a:ea typeface="HY헤드라인M" pitchFamily="18" charset="-127"/>
-                        <a:cs typeface="+mn-cs"/>
-                      </a:endParaRPr>
                     </a:p>
                   </a:txBody>
                   <a:tcPr/>
@@ -11787,7 +11667,7 @@
                     <a:p>
                       <a:pPr fontAlgn="base" latinLnBrk="1"/>
                       <a:r>
-                        <a:rPr lang="en-US" altLang="ko-KR" sz="1800" kern="1200" dirty="0" smtClean="0">
+                        <a:rPr lang="en-US" altLang="ko-KR" sz="1800" kern="1200" dirty="0">
                           <a:solidFill>
                             <a:schemeClr val="tx1"/>
                           </a:solidFill>
@@ -11796,10 +11676,10 @@
                           <a:ea typeface="배달의민족 도현" panose="020B0600000101010101" pitchFamily="50" charset="-127"/>
                           <a:cs typeface="+mn-cs"/>
                         </a:rPr>
-                        <a:t>1</a:t>
-                      </a:r>
-                      <a:r>
-                        <a:rPr lang="en-US" altLang="ko-KR" sz="1800" kern="1200" dirty="0" smtClean="0">
+                        <a:t>1. </a:t>
+                      </a:r>
+                      <a:r>
+                        <a:rPr lang="ko-KR" altLang="en-US" sz="1800" kern="1200" dirty="0">
                           <a:solidFill>
                             <a:schemeClr val="tx1"/>
                           </a:solidFill>
@@ -11808,10 +11688,10 @@
                           <a:ea typeface="배달의민족 도현" panose="020B0600000101010101" pitchFamily="50" charset="-127"/>
                           <a:cs typeface="+mn-cs"/>
                         </a:rPr>
-                        <a:t>. </a:t>
-                      </a:r>
-                      <a:r>
-                        <a:rPr lang="ko-KR" altLang="en-US" sz="1800" kern="1200" dirty="0" smtClean="0">
+                        <a:t>키워드를 입력한다</a:t>
+                      </a:r>
+                      <a:r>
+                        <a:rPr lang="en-US" altLang="ko-KR" sz="1800" kern="1200" dirty="0">
                           <a:solidFill>
                             <a:schemeClr val="tx1"/>
                           </a:solidFill>
@@ -11820,10 +11700,10 @@
                           <a:ea typeface="배달의민족 도현" panose="020B0600000101010101" pitchFamily="50" charset="-127"/>
                           <a:cs typeface="+mn-cs"/>
                         </a:rPr>
-                        <a:t>키워드를 입력한다</a:t>
-                      </a:r>
-                      <a:r>
-                        <a:rPr lang="en-US" altLang="ko-KR" sz="1800" kern="1200" dirty="0" smtClean="0">
+                        <a:t>. (</a:t>
+                      </a:r>
+                      <a:r>
+                        <a:rPr lang="ko-KR" altLang="en-US" sz="1800" kern="1200" dirty="0" err="1">
                           <a:solidFill>
                             <a:schemeClr val="tx1"/>
                           </a:solidFill>
@@ -11832,10 +11712,10 @@
                           <a:ea typeface="배달의민족 도현" panose="020B0600000101010101" pitchFamily="50" charset="-127"/>
                           <a:cs typeface="+mn-cs"/>
                         </a:rPr>
-                        <a:t>. </a:t>
-                      </a:r>
-                      <a:r>
-                        <a:rPr lang="en-US" altLang="ko-KR" sz="1800" kern="1200" dirty="0" smtClean="0">
+                        <a:t>액터</a:t>
+                      </a:r>
+                      <a:r>
+                        <a:rPr lang="en-US" altLang="ko-KR" sz="1800" kern="1200" dirty="0">
                           <a:solidFill>
                             <a:schemeClr val="tx1"/>
                           </a:solidFill>
@@ -11844,33 +11724,9 @@
                           <a:ea typeface="배달의민족 도현" panose="020B0600000101010101" pitchFamily="50" charset="-127"/>
                           <a:cs typeface="+mn-cs"/>
                         </a:rPr>
-                        <a:t>(</a:t>
-                      </a:r>
-                      <a:r>
-                        <a:rPr lang="ko-KR" altLang="en-US" sz="1800" kern="1200" dirty="0" err="1" smtClean="0">
-                          <a:solidFill>
-                            <a:schemeClr val="tx1"/>
-                          </a:solidFill>
-                          <a:effectLst/>
-                          <a:latin typeface="배달의민족 도현" panose="020B0600000101010101" pitchFamily="50" charset="-127"/>
-                          <a:ea typeface="배달의민족 도현" panose="020B0600000101010101" pitchFamily="50" charset="-127"/>
-                          <a:cs typeface="+mn-cs"/>
-                        </a:rPr>
-                        <a:t>액터</a:t>
-                      </a:r>
-                      <a:r>
-                        <a:rPr lang="en-US" altLang="ko-KR" sz="1800" kern="1200" dirty="0" smtClean="0">
-                          <a:solidFill>
-                            <a:schemeClr val="tx1"/>
-                          </a:solidFill>
-                          <a:effectLst/>
-                          <a:latin typeface="배달의민족 도현" panose="020B0600000101010101" pitchFamily="50" charset="-127"/>
-                          <a:ea typeface="배달의민족 도현" panose="020B0600000101010101" pitchFamily="50" charset="-127"/>
-                          <a:cs typeface="+mn-cs"/>
-                        </a:rPr>
                         <a:t>)</a:t>
                       </a:r>
-                      <a:endParaRPr lang="ko-KR" altLang="en-US" sz="1800" kern="1200" dirty="0" smtClean="0">
+                      <a:endParaRPr lang="ko-KR" altLang="en-US" sz="1800" kern="1200" dirty="0">
                         <a:solidFill>
                           <a:schemeClr val="tx1"/>
                         </a:solidFill>
@@ -11883,7 +11739,7 @@
                     <a:p>
                       <a:pPr fontAlgn="base" latinLnBrk="1"/>
                       <a:r>
-                        <a:rPr lang="en-US" altLang="ko-KR" sz="1800" kern="1200" dirty="0" smtClean="0">
+                        <a:rPr lang="en-US" altLang="ko-KR" sz="1800" kern="1200" dirty="0">
                           <a:solidFill>
                             <a:schemeClr val="tx1"/>
                           </a:solidFill>
@@ -11895,7 +11751,7 @@
                         <a:t>2.  </a:t>
                       </a:r>
                       <a:r>
-                        <a:rPr lang="ko-KR" altLang="en-US" sz="1800" kern="1200" dirty="0" smtClean="0">
+                        <a:rPr lang="ko-KR" altLang="en-US" sz="1800" kern="1200" dirty="0">
                           <a:solidFill>
                             <a:schemeClr val="tx1"/>
                           </a:solidFill>
@@ -11907,7 +11763,7 @@
                         <a:t>검색 키워드와 </a:t>
                       </a:r>
                       <a:r>
-                        <a:rPr lang="ko-KR" altLang="en-US" sz="1800" kern="1200" dirty="0" err="1" smtClean="0">
+                        <a:rPr lang="ko-KR" altLang="en-US" sz="1800" kern="1200" dirty="0" err="1">
                           <a:solidFill>
                             <a:schemeClr val="tx1"/>
                           </a:solidFill>
@@ -11919,7 +11775,7 @@
                         <a:t>관련있는</a:t>
                       </a:r>
                       <a:r>
-                        <a:rPr lang="ko-KR" altLang="en-US" sz="1800" kern="1200" dirty="0" smtClean="0">
+                        <a:rPr lang="ko-KR" altLang="en-US" sz="1800" kern="1200" dirty="0">
                           <a:solidFill>
                             <a:schemeClr val="tx1"/>
                           </a:solidFill>
@@ -11931,7 +11787,7 @@
                         <a:t> </a:t>
                       </a:r>
                       <a:r>
-                        <a:rPr lang="ko-KR" altLang="en-US" sz="1800" kern="1200" dirty="0" err="1" smtClean="0">
+                        <a:rPr lang="ko-KR" altLang="en-US" sz="1800" kern="1200" dirty="0" err="1">
                           <a:solidFill>
                             <a:schemeClr val="tx1"/>
                           </a:solidFill>
@@ -11943,7 +11799,7 @@
                         <a:t>레주메</a:t>
                       </a:r>
                       <a:r>
-                        <a:rPr lang="ko-KR" altLang="en-US" sz="1800" kern="1200" dirty="0" smtClean="0">
+                        <a:rPr lang="ko-KR" altLang="en-US" sz="1800" kern="1200" dirty="0">
                           <a:solidFill>
                             <a:schemeClr val="tx1"/>
                           </a:solidFill>
@@ -11955,7 +11811,7 @@
                         <a:t> 리스트를 나열한다</a:t>
                       </a:r>
                       <a:r>
-                        <a:rPr lang="en-US" altLang="ko-KR" sz="1800" kern="1200" dirty="0" smtClean="0">
+                        <a:rPr lang="en-US" altLang="ko-KR" sz="1800" kern="1200" dirty="0">
                           <a:solidFill>
                             <a:schemeClr val="tx1"/>
                           </a:solidFill>
@@ -11967,7 +11823,7 @@
                         <a:t>. (</a:t>
                       </a:r>
                       <a:r>
-                        <a:rPr lang="ko-KR" altLang="en-US" sz="1800" kern="1200" dirty="0" smtClean="0">
+                        <a:rPr lang="ko-KR" altLang="en-US" sz="1800" kern="1200" dirty="0">
                           <a:solidFill>
                             <a:schemeClr val="tx1"/>
                           </a:solidFill>
@@ -11979,7 +11835,7 @@
                         <a:t>시스템</a:t>
                       </a:r>
                       <a:r>
-                        <a:rPr lang="en-US" altLang="ko-KR" sz="1800" kern="1200" dirty="0" smtClean="0">
+                        <a:rPr lang="en-US" altLang="ko-KR" sz="1800" kern="1200" dirty="0">
                           <a:solidFill>
                             <a:schemeClr val="tx1"/>
                           </a:solidFill>
@@ -11990,7 +11846,7 @@
                         </a:rPr>
                         <a:t>) </a:t>
                       </a:r>
-                      <a:endParaRPr lang="ko-KR" altLang="en-US" sz="1800" kern="1200" dirty="0" smtClean="0">
+                      <a:endParaRPr lang="ko-KR" altLang="en-US" sz="1800" kern="1200" dirty="0">
                         <a:solidFill>
                           <a:schemeClr val="tx1"/>
                         </a:solidFill>
@@ -12003,7 +11859,7 @@
                     <a:p>
                       <a:pPr fontAlgn="base" latinLnBrk="1"/>
                       <a:r>
-                        <a:rPr lang="en-US" altLang="ko-KR" sz="1800" kern="1200" dirty="0" smtClean="0">
+                        <a:rPr lang="en-US" altLang="ko-KR" sz="1800" kern="1200" dirty="0">
                           <a:solidFill>
                             <a:schemeClr val="tx1"/>
                           </a:solidFill>
@@ -12015,7 +11871,7 @@
                         <a:t>3.  </a:t>
                       </a:r>
                       <a:r>
-                        <a:rPr lang="ko-KR" altLang="en-US" sz="1800" kern="1200" dirty="0" smtClean="0">
+                        <a:rPr lang="ko-KR" altLang="en-US" sz="1800" kern="1200" dirty="0">
                           <a:solidFill>
                             <a:schemeClr val="tx1"/>
                           </a:solidFill>
@@ -12027,7 +11883,7 @@
                         <a:t>찾고자 하는 </a:t>
                       </a:r>
                       <a:r>
-                        <a:rPr lang="ko-KR" altLang="en-US" sz="1800" kern="1200" dirty="0" err="1" smtClean="0">
+                        <a:rPr lang="ko-KR" altLang="en-US" sz="1800" kern="1200" dirty="0" err="1">
                           <a:solidFill>
                             <a:schemeClr val="tx1"/>
                           </a:solidFill>
@@ -12039,7 +11895,7 @@
                         <a:t>레주메를</a:t>
                       </a:r>
                       <a:r>
-                        <a:rPr lang="ko-KR" altLang="en-US" sz="1800" kern="1200" dirty="0" smtClean="0">
+                        <a:rPr lang="ko-KR" altLang="en-US" sz="1800" kern="1200" dirty="0">
                           <a:solidFill>
                             <a:schemeClr val="tx1"/>
                           </a:solidFill>
@@ -12051,7 +11907,7 @@
                         <a:t> 클릭한다</a:t>
                       </a:r>
                       <a:r>
-                        <a:rPr lang="en-US" altLang="ko-KR" sz="1800" kern="1200" dirty="0" smtClean="0">
+                        <a:rPr lang="en-US" altLang="ko-KR" sz="1800" kern="1200" dirty="0">
                           <a:solidFill>
                             <a:schemeClr val="tx1"/>
                           </a:solidFill>
@@ -12063,7 +11919,7 @@
                         <a:t>. (</a:t>
                       </a:r>
                       <a:r>
-                        <a:rPr lang="ko-KR" altLang="en-US" sz="1800" kern="1200" dirty="0" err="1" smtClean="0">
+                        <a:rPr lang="ko-KR" altLang="en-US" sz="1800" kern="1200" dirty="0" err="1">
                           <a:solidFill>
                             <a:schemeClr val="tx1"/>
                           </a:solidFill>
@@ -12075,7 +11931,7 @@
                         <a:t>액터</a:t>
                       </a:r>
                       <a:r>
-                        <a:rPr lang="en-US" altLang="ko-KR" sz="1800" kern="1200" dirty="0" smtClean="0">
+                        <a:rPr lang="en-US" altLang="ko-KR" sz="1800" kern="1200" dirty="0">
                           <a:solidFill>
                             <a:schemeClr val="tx1"/>
                           </a:solidFill>
@@ -12086,7 +11942,7 @@
                         </a:rPr>
                         <a:t>)</a:t>
                       </a:r>
-                      <a:endParaRPr lang="ko-KR" altLang="en-US" sz="1800" kern="1200" dirty="0" smtClean="0">
+                      <a:endParaRPr lang="ko-KR" altLang="en-US" sz="1800" kern="1200" dirty="0">
                         <a:solidFill>
                           <a:schemeClr val="tx1"/>
                         </a:solidFill>
@@ -12099,7 +11955,7 @@
                     <a:p>
                       <a:pPr fontAlgn="base" latinLnBrk="1"/>
                       <a:r>
-                        <a:rPr lang="en-US" altLang="ko-KR" sz="1800" kern="1200" dirty="0" smtClean="0">
+                        <a:rPr lang="en-US" altLang="ko-KR" sz="1800" kern="1200" dirty="0">
                           <a:solidFill>
                             <a:schemeClr val="tx1"/>
                           </a:solidFill>
@@ -12111,7 +11967,7 @@
                         <a:t>4.  </a:t>
                       </a:r>
                       <a:r>
-                        <a:rPr lang="ko-KR" altLang="en-US" sz="1800" kern="1200" dirty="0" smtClean="0">
+                        <a:rPr lang="ko-KR" altLang="en-US" sz="1800" kern="1200" dirty="0">
                           <a:solidFill>
                             <a:schemeClr val="tx1"/>
                           </a:solidFill>
@@ -12123,7 +11979,7 @@
                         <a:t>그 학생의 </a:t>
                       </a:r>
                       <a:r>
-                        <a:rPr lang="ko-KR" altLang="en-US" sz="1800" kern="1200" dirty="0" err="1" smtClean="0">
+                        <a:rPr lang="ko-KR" altLang="en-US" sz="1800" kern="1200" dirty="0" err="1">
                           <a:solidFill>
                             <a:schemeClr val="tx1"/>
                           </a:solidFill>
@@ -12135,7 +11991,7 @@
                         <a:t>레주메</a:t>
                       </a:r>
                       <a:r>
-                        <a:rPr lang="ko-KR" altLang="en-US" sz="1800" kern="1200" dirty="0" smtClean="0">
+                        <a:rPr lang="ko-KR" altLang="en-US" sz="1800" kern="1200" dirty="0">
                           <a:solidFill>
                             <a:schemeClr val="tx1"/>
                           </a:solidFill>
@@ -12147,7 +12003,7 @@
                         <a:t> 페이지로 넘어간다</a:t>
                       </a:r>
                       <a:r>
-                        <a:rPr lang="en-US" altLang="ko-KR" sz="1800" kern="1200" dirty="0" smtClean="0">
+                        <a:rPr lang="en-US" altLang="ko-KR" sz="1800" kern="1200" dirty="0">
                           <a:solidFill>
                             <a:schemeClr val="tx1"/>
                           </a:solidFill>
@@ -12159,7 +12015,7 @@
                         <a:t>. (</a:t>
                       </a:r>
                       <a:r>
-                        <a:rPr lang="ko-KR" altLang="en-US" sz="1800" kern="1200" dirty="0" smtClean="0">
+                        <a:rPr lang="ko-KR" altLang="en-US" sz="1800" kern="1200" dirty="0">
                           <a:solidFill>
                             <a:schemeClr val="tx1"/>
                           </a:solidFill>
@@ -12171,7 +12027,7 @@
                         <a:t>시스템</a:t>
                       </a:r>
                       <a:r>
-                        <a:rPr lang="en-US" altLang="ko-KR" sz="1800" kern="1200" dirty="0" smtClean="0">
+                        <a:rPr lang="en-US" altLang="ko-KR" sz="1800" kern="1200" dirty="0">
                           <a:solidFill>
                             <a:schemeClr val="tx1"/>
                           </a:solidFill>
@@ -12248,7 +12104,7 @@
                         <a:defRPr/>
                       </a:pPr>
                       <a:r>
-                        <a:rPr lang="ko-KR" altLang="en-US" sz="1800" kern="1200" dirty="0" smtClean="0">
+                        <a:rPr lang="ko-KR" altLang="en-US" sz="1800" kern="1200" dirty="0">
                           <a:solidFill>
                             <a:schemeClr val="tx1"/>
                           </a:solidFill>
@@ -12777,16 +12633,12 @@
           </a:lstStyle>
           <a:p>
             <a:r>
-              <a:rPr lang="en-US" altLang="ko-KR" sz="2400" dirty="0" smtClean="0">
+              <a:rPr lang="en-US" altLang="ko-KR" sz="2400" dirty="0">
                 <a:latin typeface="Noto Sans CJK KR Medium" panose="020B0600000000000000" pitchFamily="34" charset="-127"/>
                 <a:ea typeface="Noto Sans CJK KR Medium" panose="020B0600000000000000" pitchFamily="34" charset="-127"/>
               </a:rPr>
               <a:t>13</a:t>
             </a:r>
-            <a:endParaRPr lang="en-US" altLang="ko-KR" sz="2400" dirty="0">
-              <a:latin typeface="Noto Sans CJK KR Medium" panose="020B0600000000000000" pitchFamily="34" charset="-127"/>
-              <a:ea typeface="Noto Sans CJK KR Medium" panose="020B0600000000000000" pitchFamily="34" charset="-127"/>
-            </a:endParaRPr>
           </a:p>
           <a:p>
             <a:r>
@@ -13319,7 +13171,7 @@
                     <a:p>
                       <a:pPr fontAlgn="base" latinLnBrk="1"/>
                       <a:r>
-                        <a:rPr lang="ko-KR" altLang="en-US" sz="1800" b="1" kern="1200" dirty="0" err="1" smtClean="0">
+                        <a:rPr lang="ko-KR" altLang="en-US" sz="1800" b="1" kern="1200" dirty="0" err="1">
                           <a:solidFill>
                             <a:schemeClr val="tx1"/>
                           </a:solidFill>
@@ -13331,7 +13183,7 @@
                         <a:t>레주메</a:t>
                       </a:r>
                       <a:r>
-                        <a:rPr lang="ko-KR" altLang="en-US" sz="1800" b="1" kern="1200" dirty="0" smtClean="0">
+                        <a:rPr lang="ko-KR" altLang="en-US" sz="1800" b="1" kern="1200" dirty="0">
                           <a:solidFill>
                             <a:schemeClr val="tx1"/>
                           </a:solidFill>
@@ -13342,15 +13194,6 @@
                         </a:rPr>
                         <a:t> 출력</a:t>
                       </a:r>
-                      <a:endParaRPr lang="ko-KR" altLang="en-US" sz="1800" b="1" kern="1200" dirty="0">
-                        <a:solidFill>
-                          <a:schemeClr val="tx1"/>
-                        </a:solidFill>
-                        <a:effectLst/>
-                        <a:latin typeface="+mn-lt"/>
-                        <a:ea typeface="+mn-ea"/>
-                        <a:cs typeface="+mn-cs"/>
-                      </a:endParaRPr>
                     </a:p>
                   </a:txBody>
                   <a:tcPr/>
@@ -13414,7 +13257,7 @@
                     <a:lstStyle/>
                     <a:p>
                       <a:r>
-                        <a:rPr lang="ko-KR" altLang="en-US" sz="1800" kern="1200" dirty="0" smtClean="0">
+                        <a:rPr lang="ko-KR" altLang="en-US" sz="1800" kern="1200" dirty="0">
                           <a:solidFill>
                             <a:schemeClr val="tx1">
                               <a:lumMod val="85000"/>
@@ -13495,7 +13338,7 @@
                         <a:defRPr/>
                       </a:pPr>
                       <a:r>
-                        <a:rPr lang="ko-KR" altLang="en-US" sz="1800" kern="1200" dirty="0" smtClean="0">
+                        <a:rPr lang="ko-KR" altLang="en-US" sz="1800" kern="1200" dirty="0">
                           <a:solidFill>
                             <a:schemeClr val="tx1">
                               <a:lumMod val="85000"/>
@@ -13506,10 +13349,10 @@
                           <a:ea typeface="HY헤드라인M" pitchFamily="18" charset="-127"/>
                           <a:cs typeface="+mn-cs"/>
                         </a:rPr>
-                        <a:t>검색을 한 상태여야 </a:t>
-                      </a:r>
-                      <a:r>
-                        <a:rPr lang="ko-KR" altLang="en-US" sz="1800" kern="1200" dirty="0" smtClean="0">
+                        <a:t>검색을 한 상태여야 한다</a:t>
+                      </a:r>
+                      <a:r>
+                        <a:rPr lang="en-US" altLang="ko-KR" sz="1800" kern="1200" dirty="0">
                           <a:solidFill>
                             <a:schemeClr val="tx1">
                               <a:lumMod val="85000"/>
@@ -13520,33 +13363,8 @@
                           <a:ea typeface="HY헤드라인M" pitchFamily="18" charset="-127"/>
                           <a:cs typeface="+mn-cs"/>
                         </a:rPr>
-                        <a:t>한다</a:t>
-                      </a:r>
-                      <a:r>
-                        <a:rPr lang="en-US" altLang="ko-KR" sz="1800" kern="1200" dirty="0" smtClean="0">
-                          <a:solidFill>
-                            <a:schemeClr val="tx1">
-                              <a:lumMod val="85000"/>
-                              <a:lumOff val="15000"/>
-                            </a:schemeClr>
-                          </a:solidFill>
-                          <a:latin typeface="HY헤드라인M" pitchFamily="18" charset="-127"/>
-                          <a:ea typeface="HY헤드라인M" pitchFamily="18" charset="-127"/>
-                          <a:cs typeface="+mn-cs"/>
-                        </a:rPr>
                         <a:t>.</a:t>
                       </a:r>
-                      <a:endParaRPr lang="en-US" altLang="ko-KR" sz="1800" kern="1200" dirty="0">
-                        <a:solidFill>
-                          <a:schemeClr val="tx1">
-                            <a:lumMod val="85000"/>
-                            <a:lumOff val="15000"/>
-                          </a:schemeClr>
-                        </a:solidFill>
-                        <a:latin typeface="HY헤드라인M" pitchFamily="18" charset="-127"/>
-                        <a:ea typeface="HY헤드라인M" pitchFamily="18" charset="-127"/>
-                        <a:cs typeface="+mn-cs"/>
-                      </a:endParaRPr>
                     </a:p>
                   </a:txBody>
                   <a:tcPr/>
@@ -13588,7 +13406,7 @@
                     <a:p>
                       <a:pPr fontAlgn="base" latinLnBrk="1"/>
                       <a:r>
-                        <a:rPr lang="en-US" altLang="ko-KR" sz="1800" kern="1200" dirty="0" smtClean="0">
+                        <a:rPr lang="en-US" altLang="ko-KR" sz="1800" kern="1200" dirty="0">
                           <a:solidFill>
                             <a:schemeClr val="tx1"/>
                           </a:solidFill>
@@ -13600,7 +13418,7 @@
                         <a:t>1. </a:t>
                       </a:r>
                       <a:r>
-                        <a:rPr lang="ko-KR" altLang="en-US" sz="1800" kern="1200" dirty="0" smtClean="0">
+                        <a:rPr lang="ko-KR" altLang="en-US" sz="1800" kern="1200" dirty="0">
                           <a:solidFill>
                             <a:schemeClr val="tx1"/>
                           </a:solidFill>
@@ -13612,7 +13430,7 @@
                         <a:t>검색 결과 창에서 전체 </a:t>
                       </a:r>
                       <a:r>
-                        <a:rPr lang="ko-KR" altLang="en-US" sz="1800" kern="1200" dirty="0" err="1" smtClean="0">
+                        <a:rPr lang="ko-KR" altLang="en-US" sz="1800" kern="1200" dirty="0" err="1">
                           <a:solidFill>
                             <a:schemeClr val="tx1"/>
                           </a:solidFill>
@@ -13624,7 +13442,7 @@
                         <a:t>레주메</a:t>
                       </a:r>
                       <a:r>
-                        <a:rPr lang="ko-KR" altLang="en-US" sz="1800" kern="1200" dirty="0" smtClean="0">
+                        <a:rPr lang="ko-KR" altLang="en-US" sz="1800" kern="1200" dirty="0">
                           <a:solidFill>
                             <a:schemeClr val="tx1"/>
                           </a:solidFill>
@@ -13636,7 +13454,7 @@
                         <a:t> 인쇄 버튼을 클릭한다</a:t>
                       </a:r>
                       <a:r>
-                        <a:rPr lang="en-US" altLang="ko-KR" sz="1800" kern="1200" dirty="0" smtClean="0">
+                        <a:rPr lang="en-US" altLang="ko-KR" sz="1800" kern="1200" dirty="0">
                           <a:solidFill>
                             <a:schemeClr val="tx1"/>
                           </a:solidFill>
@@ -13648,7 +13466,7 @@
                         <a:t>.</a:t>
                       </a:r>
                       <a:r>
-                        <a:rPr lang="en-US" altLang="ko-KR" sz="1800" kern="1200" baseline="0" dirty="0" smtClean="0">
+                        <a:rPr lang="en-US" altLang="ko-KR" sz="1800" kern="1200" baseline="0" dirty="0">
                           <a:solidFill>
                             <a:schemeClr val="tx1"/>
                           </a:solidFill>
@@ -13660,7 +13478,7 @@
                         <a:t> (</a:t>
                       </a:r>
                       <a:r>
-                        <a:rPr lang="ko-KR" altLang="en-US" sz="1800" kern="1200" baseline="0" dirty="0" err="1" smtClean="0">
+                        <a:rPr lang="ko-KR" altLang="en-US" sz="1800" kern="1200" baseline="0" dirty="0" err="1">
                           <a:solidFill>
                             <a:schemeClr val="tx1"/>
                           </a:solidFill>
@@ -13672,7 +13490,7 @@
                         <a:t>액터</a:t>
                       </a:r>
                       <a:r>
-                        <a:rPr lang="en-US" altLang="ko-KR" sz="1800" kern="1200" baseline="0" dirty="0" smtClean="0">
+                        <a:rPr lang="en-US" altLang="ko-KR" sz="1800" kern="1200" baseline="0" dirty="0">
                           <a:solidFill>
                             <a:schemeClr val="tx1"/>
                           </a:solidFill>
@@ -13684,7 +13502,7 @@
                         <a:t>)</a:t>
                       </a:r>
                       <a:br>
-                        <a:rPr lang="en-US" altLang="ko-KR" sz="1800" kern="1200" baseline="0" dirty="0" smtClean="0">
+                        <a:rPr lang="en-US" altLang="ko-KR" sz="1800" kern="1200" baseline="0" dirty="0">
                           <a:solidFill>
                             <a:schemeClr val="tx1"/>
                           </a:solidFill>
@@ -13695,7 +13513,7 @@
                         </a:rPr>
                       </a:br>
                       <a:r>
-                        <a:rPr lang="en-US" altLang="ko-KR" sz="1800" kern="1200" baseline="0" dirty="0" smtClean="0">
+                        <a:rPr lang="en-US" altLang="ko-KR" sz="1800" kern="1200" baseline="0" dirty="0">
                           <a:solidFill>
                             <a:schemeClr val="tx1"/>
                           </a:solidFill>
@@ -13707,7 +13525,7 @@
                         <a:t>2. </a:t>
                       </a:r>
                       <a:r>
-                        <a:rPr lang="ko-KR" altLang="en-US" sz="1800" kern="1200" baseline="0" dirty="0" smtClean="0">
+                        <a:rPr lang="ko-KR" altLang="en-US" sz="1800" kern="1200" baseline="0" dirty="0">
                           <a:solidFill>
                             <a:schemeClr val="tx1"/>
                           </a:solidFill>
@@ -13719,7 +13537,7 @@
                         <a:t>프린트 창을 </a:t>
                       </a:r>
                       <a:r>
-                        <a:rPr lang="ko-KR" altLang="en-US" sz="1800" kern="1200" baseline="0" dirty="0" err="1" smtClean="0">
+                        <a:rPr lang="ko-KR" altLang="en-US" sz="1800" kern="1200" baseline="0" dirty="0" err="1">
                           <a:solidFill>
                             <a:schemeClr val="tx1"/>
                           </a:solidFill>
@@ -13731,7 +13549,7 @@
                         <a:t>띄어준다</a:t>
                       </a:r>
                       <a:r>
-                        <a:rPr lang="en-US" altLang="ko-KR" sz="1800" kern="1200" baseline="0" dirty="0" smtClean="0">
+                        <a:rPr lang="en-US" altLang="ko-KR" sz="1800" kern="1200" baseline="0" dirty="0">
                           <a:solidFill>
                             <a:schemeClr val="tx1"/>
                           </a:solidFill>
@@ -13743,7 +13561,7 @@
                         <a:t>. (</a:t>
                       </a:r>
                       <a:r>
-                        <a:rPr lang="ko-KR" altLang="en-US" sz="1800" kern="1200" baseline="0" dirty="0" smtClean="0">
+                        <a:rPr lang="ko-KR" altLang="en-US" sz="1800" kern="1200" baseline="0" dirty="0">
                           <a:solidFill>
                             <a:schemeClr val="tx1"/>
                           </a:solidFill>
@@ -13755,7 +13573,7 @@
                         <a:t>시스템</a:t>
                       </a:r>
                       <a:r>
-                        <a:rPr lang="en-US" altLang="ko-KR" sz="1800" kern="1200" baseline="0" dirty="0" smtClean="0">
+                        <a:rPr lang="en-US" altLang="ko-KR" sz="1800" kern="1200" baseline="0" dirty="0">
                           <a:solidFill>
                             <a:schemeClr val="tx1"/>
                           </a:solidFill>
@@ -13766,8 +13584,8 @@
                         </a:rPr>
                         <a:t>)</a:t>
                       </a:r>
-                      <a:r>
-                        <a:rPr lang="en-US" altLang="ko-KR" sz="1800" kern="1200" baseline="0" dirty="0" smtClean="0">
+                      <a:br>
+                        <a:rPr lang="en-US" altLang="ko-KR" sz="1800" kern="1200" baseline="0" dirty="0">
                           <a:solidFill>
                             <a:schemeClr val="tx1"/>
                           </a:solidFill>
@@ -13776,20 +13594,8 @@
                           <a:ea typeface="+mn-ea"/>
                           <a:cs typeface="+mn-cs"/>
                         </a:rPr>
-                        <a:t/>
-                      </a:r>
-                      <a:br>
-                        <a:rPr lang="en-US" altLang="ko-KR" sz="1800" kern="1200" baseline="0" dirty="0" smtClean="0">
-                          <a:solidFill>
-                            <a:schemeClr val="tx1"/>
-                          </a:solidFill>
-                          <a:effectLst/>
-                          <a:latin typeface="+mn-lt"/>
-                          <a:ea typeface="+mn-ea"/>
-                          <a:cs typeface="+mn-cs"/>
-                        </a:rPr>
                       </a:br>
-                      <a:endParaRPr lang="en-US" altLang="ko-KR" sz="1800" kern="1200" dirty="0" smtClean="0">
+                      <a:endParaRPr lang="en-US" altLang="ko-KR" sz="1800" kern="1200" dirty="0">
                         <a:solidFill>
                           <a:schemeClr val="tx1"/>
                         </a:solidFill>
@@ -13839,7 +13645,7 @@
                     <a:p>
                       <a:pPr fontAlgn="base" latinLnBrk="1"/>
                       <a:r>
-                        <a:rPr lang="ko-KR" altLang="en-US" sz="1800" kern="1200" dirty="0" smtClean="0">
+                        <a:rPr lang="ko-KR" altLang="en-US" sz="1800" kern="1200" dirty="0">
                           <a:solidFill>
                             <a:schemeClr val="tx1"/>
                           </a:solidFill>
@@ -13850,15 +13656,6 @@
                         </a:rPr>
                         <a:t>프린트 시스템 오류 발생시 “프린트 오류 발생” 메시지 출력</a:t>
                       </a:r>
-                      <a:endParaRPr lang="ko-KR" altLang="en-US" sz="1800" kern="1200" dirty="0">
-                        <a:solidFill>
-                          <a:schemeClr val="tx1"/>
-                        </a:solidFill>
-                        <a:effectLst/>
-                        <a:latin typeface="+mn-lt"/>
-                        <a:ea typeface="+mn-ea"/>
-                        <a:cs typeface="+mn-cs"/>
-                      </a:endParaRPr>
                     </a:p>
                   </a:txBody>
                   <a:tcPr/>
@@ -14369,19 +14166,8 @@
                 <a:latin typeface="Noto Sans CJK KR Medium" panose="020B0600000000000000" pitchFamily="34" charset="-127"/>
                 <a:ea typeface="Noto Sans CJK KR Medium" panose="020B0600000000000000" pitchFamily="34" charset="-127"/>
               </a:rPr>
-              <a:t>1</a:t>
-            </a:r>
-            <a:r>
-              <a:rPr lang="en-US" altLang="ko-KR" sz="2400" dirty="0" smtClean="0">
-                <a:latin typeface="Noto Sans CJK KR Medium" panose="020B0600000000000000" pitchFamily="34" charset="-127"/>
-                <a:ea typeface="Noto Sans CJK KR Medium" panose="020B0600000000000000" pitchFamily="34" charset="-127"/>
-              </a:rPr>
-              <a:t>4</a:t>
-            </a:r>
-            <a:endParaRPr lang="en-US" altLang="ko-KR" sz="2400" dirty="0">
-              <a:latin typeface="Noto Sans CJK KR Medium" panose="020B0600000000000000" pitchFamily="34" charset="-127"/>
-              <a:ea typeface="Noto Sans CJK KR Medium" panose="020B0600000000000000" pitchFamily="34" charset="-127"/>
-            </a:endParaRPr>
+              <a:t>14</a:t>
+            </a:r>
           </a:p>
           <a:p>
             <a:r>
@@ -14649,19 +14435,7 @@
                 <a:latin typeface="Noto Sans CJK KR Medium" panose="020B0600000000000000" pitchFamily="34" charset="-127"/>
                 <a:ea typeface="Noto Sans CJK KR Medium" panose="020B0600000000000000" pitchFamily="34" charset="-127"/>
               </a:rPr>
-              <a:t> </a:t>
-            </a:r>
-            <a:r>
-              <a:rPr lang="ko-KR" altLang="en-US" sz="1100" b="1" dirty="0" smtClean="0">
-                <a:solidFill>
-                  <a:schemeClr val="bg2">
-                    <a:lumMod val="75000"/>
-                  </a:schemeClr>
-                </a:solidFill>
-                <a:latin typeface="Noto Sans CJK KR Medium" panose="020B0600000000000000" pitchFamily="34" charset="-127"/>
-                <a:ea typeface="Noto Sans CJK KR Medium" panose="020B0600000000000000" pitchFamily="34" charset="-127"/>
-              </a:rPr>
-              <a:t>작성</a:t>
+              <a:t> 작성</a:t>
             </a:r>
           </a:p>
           <a:p>
@@ -14672,7 +14446,7 @@
               <a:buNone/>
             </a:pPr>
             <a:r>
-              <a:rPr lang="en-US" altLang="ko-KR" sz="1100" b="1" dirty="0" smtClean="0">
+              <a:rPr lang="en-US" altLang="ko-KR" sz="1100" b="1" dirty="0">
                 <a:solidFill>
                   <a:schemeClr val="bg1"/>
                 </a:solidFill>
@@ -14682,7 +14456,7 @@
               <a:t>04 </a:t>
             </a:r>
             <a:r>
-              <a:rPr lang="ko-KR" altLang="en-US" sz="1100" b="1" dirty="0" smtClean="0">
+              <a:rPr lang="ko-KR" altLang="en-US" sz="1100" b="1" dirty="0">
                 <a:solidFill>
                   <a:schemeClr val="bg1"/>
                 </a:solidFill>
@@ -14692,7 +14466,7 @@
               <a:t>요구사항 </a:t>
             </a:r>
             <a:r>
-              <a:rPr lang="ko-KR" altLang="en-US" sz="1100" b="1" dirty="0" err="1" smtClean="0">
+              <a:rPr lang="ko-KR" altLang="en-US" sz="1100" b="1" dirty="0" err="1">
                 <a:solidFill>
                   <a:schemeClr val="bg1"/>
                 </a:solidFill>
@@ -14702,7 +14476,7 @@
               <a:t>분석서</a:t>
             </a:r>
             <a:r>
-              <a:rPr lang="ko-KR" altLang="en-US" sz="1100" b="1" dirty="0" smtClean="0">
+              <a:rPr lang="ko-KR" altLang="en-US" sz="1100" b="1" dirty="0">
                 <a:solidFill>
                   <a:schemeClr val="bg1"/>
                 </a:solidFill>
@@ -14712,7 +14486,7 @@
               <a:t> </a:t>
             </a:r>
             <a:r>
-              <a:rPr lang="en-US" altLang="ko-KR" sz="1100" b="1" dirty="0" smtClean="0">
+              <a:rPr lang="en-US" altLang="ko-KR" sz="1100" b="1" dirty="0">
                 <a:solidFill>
                   <a:schemeClr val="bg1"/>
                 </a:solidFill>
@@ -14722,7 +14496,7 @@
               <a:t>&amp; </a:t>
             </a:r>
             <a:r>
-              <a:rPr lang="ko-KR" altLang="en-US" sz="1100" b="1" dirty="0" smtClean="0">
+              <a:rPr lang="ko-KR" altLang="en-US" sz="1100" b="1" dirty="0">
                 <a:solidFill>
                   <a:schemeClr val="bg1"/>
                 </a:solidFill>
@@ -14731,13 +14505,6 @@
               </a:rPr>
               <a:t>검증 및 확인</a:t>
             </a:r>
-            <a:endParaRPr lang="ko-KR" altLang="en-US" sz="1100" b="1" dirty="0">
-              <a:solidFill>
-                <a:schemeClr val="bg1"/>
-              </a:solidFill>
-              <a:latin typeface="Noto Sans CJK KR Medium" panose="020B0600000000000000" pitchFamily="34" charset="-127"/>
-              <a:ea typeface="Noto Sans CJK KR Medium" panose="020B0600000000000000" pitchFamily="34" charset="-127"/>
-            </a:endParaRPr>
           </a:p>
         </p:txBody>
       </p:sp>
@@ -14850,7 +14617,7 @@
               <a:t>– </a:t>
             </a:r>
             <a:r>
-              <a:rPr lang="ko-KR" altLang="en-US" sz="2400" spc="-150" dirty="0" smtClean="0">
+              <a:rPr lang="ko-KR" altLang="en-US" sz="2400" spc="-150" dirty="0">
                 <a:ln>
                   <a:solidFill>
                     <a:schemeClr val="accent1">
@@ -15040,13 +14807,6 @@
   <p:clrMapOvr>
     <a:masterClrMapping/>
   </p:clrMapOvr>
-  <p:timing>
-    <p:tnLst>
-      <p:par>
-        <p:cTn id="1" dur="indefinite" restart="never" nodeType="tmRoot"/>
-      </p:par>
-    </p:tnLst>
-  </p:timing>
 </p:sld>
 </file>
 
@@ -15292,27 +15052,23 @@
           </a:lstStyle>
           <a:p>
             <a:r>
-              <a:rPr lang="en-US" altLang="ko-KR" sz="2400" dirty="0" smtClean="0">
+              <a:rPr lang="en-US" altLang="ko-KR" sz="2400" dirty="0">
                 <a:latin typeface="Noto Sans CJK KR Medium" panose="020B0600000000000000" pitchFamily="34" charset="-127"/>
                 <a:ea typeface="Noto Sans CJK KR Medium" panose="020B0600000000000000" pitchFamily="34" charset="-127"/>
               </a:rPr>
               <a:t>15</a:t>
             </a:r>
-            <a:endParaRPr lang="en-US" altLang="ko-KR" sz="2400" dirty="0" smtClean="0">
-              <a:latin typeface="Noto Sans CJK KR Medium" panose="020B0600000000000000" pitchFamily="34" charset="-127"/>
-              <a:ea typeface="Noto Sans CJK KR Medium" panose="020B0600000000000000" pitchFamily="34" charset="-127"/>
-            </a:endParaRPr>
           </a:p>
           <a:p>
             <a:r>
-              <a:rPr lang="en-US" altLang="ko-KR" sz="2400" dirty="0" smtClean="0">
+              <a:rPr lang="en-US" altLang="ko-KR" sz="2400" dirty="0">
                 <a:latin typeface="Noto Sans CJK KR Medium" panose="020B0600000000000000" pitchFamily="34" charset="-127"/>
                 <a:ea typeface="Noto Sans CJK KR Medium" panose="020B0600000000000000" pitchFamily="34" charset="-127"/>
               </a:rPr>
               <a:t>DB </a:t>
             </a:r>
             <a:r>
-              <a:rPr lang="ko-KR" altLang="en-US" sz="2400" dirty="0" smtClean="0">
+              <a:rPr lang="ko-KR" altLang="en-US" sz="2400" dirty="0">
                 <a:latin typeface="Noto Sans CJK KR Medium" panose="020B0600000000000000" pitchFamily="34" charset="-127"/>
                 <a:ea typeface="Noto Sans CJK KR Medium" panose="020B0600000000000000" pitchFamily="34" charset="-127"/>
               </a:rPr>
@@ -15352,7 +15108,7 @@
               </a:spcBef>
             </a:pPr>
             <a:r>
-              <a:rPr lang="en-US" altLang="ko-KR" sz="2400" spc="-150" dirty="0" smtClean="0">
+              <a:rPr lang="en-US" altLang="ko-KR" sz="2400" spc="-150" dirty="0">
                 <a:ln>
                   <a:solidFill>
                     <a:schemeClr val="accent1">
@@ -15369,7 +15125,7 @@
               <a:t>DB </a:t>
             </a:r>
             <a:r>
-              <a:rPr lang="ko-KR" altLang="en-US" sz="2400" spc="-150" dirty="0" smtClean="0">
+              <a:rPr lang="ko-KR" altLang="en-US" sz="2400" spc="-150" dirty="0">
                 <a:ln>
                   <a:solidFill>
                     <a:schemeClr val="accent1">
@@ -15733,13 +15489,6 @@
   <p:clrMapOvr>
     <a:masterClrMapping/>
   </p:clrMapOvr>
-  <p:timing>
-    <p:tnLst>
-      <p:par>
-        <p:cTn id="1" dur="indefinite" restart="never" nodeType="tmRoot"/>
-      </p:par>
-    </p:tnLst>
-  </p:timing>
 </p:sld>
 </file>
 
@@ -15985,20 +15734,16 @@
           </a:lstStyle>
           <a:p>
             <a:r>
-              <a:rPr lang="en-US" altLang="ko-KR" sz="2400" dirty="0" smtClean="0">
+              <a:rPr lang="en-US" altLang="ko-KR" sz="2400" dirty="0">
                 <a:latin typeface="Noto Sans CJK KR Medium" panose="020B0600000000000000" pitchFamily="34" charset="-127"/>
                 <a:ea typeface="Noto Sans CJK KR Medium" panose="020B0600000000000000" pitchFamily="34" charset="-127"/>
               </a:rPr>
               <a:t>16-1</a:t>
             </a:r>
-            <a:endParaRPr lang="en-US" altLang="ko-KR" sz="2400" dirty="0" smtClean="0">
-              <a:latin typeface="Noto Sans CJK KR Medium" panose="020B0600000000000000" pitchFamily="34" charset="-127"/>
-              <a:ea typeface="Noto Sans CJK KR Medium" panose="020B0600000000000000" pitchFamily="34" charset="-127"/>
-            </a:endParaRPr>
           </a:p>
           <a:p>
             <a:r>
-              <a:rPr lang="ko-KR" altLang="en-US" sz="2400" dirty="0" smtClean="0">
+              <a:rPr lang="ko-KR" altLang="en-US" sz="2400" dirty="0">
                 <a:latin typeface="Noto Sans CJK KR Medium" panose="020B0600000000000000" pitchFamily="34" charset="-127"/>
                 <a:ea typeface="Noto Sans CJK KR Medium" panose="020B0600000000000000" pitchFamily="34" charset="-127"/>
               </a:rPr>
@@ -16038,7 +15783,7 @@
               </a:spcBef>
             </a:pPr>
             <a:r>
-              <a:rPr lang="ko-KR" altLang="en-US" sz="2400" spc="-150" smtClean="0">
+              <a:rPr lang="ko-KR" altLang="en-US" sz="2400" spc="-150">
                 <a:ln>
                   <a:solidFill>
                     <a:schemeClr val="accent1">
@@ -16415,23 +16160,23 @@
           <a:lstStyle/>
           <a:p>
             <a:r>
-              <a:rPr lang="ko-KR" altLang="en-US" dirty="0" smtClean="0"/>
+              <a:rPr lang="ko-KR" altLang="en-US" dirty="0"/>
               <a:t>페이지 </a:t>
             </a:r>
             <a:r>
-              <a:rPr lang="en-US" altLang="ko-KR" dirty="0" smtClean="0"/>
+              <a:rPr lang="en-US" altLang="ko-KR" dirty="0"/>
               <a:t>-&gt; </a:t>
             </a:r>
             <a:r>
-              <a:rPr lang="en-US" altLang="ko-KR" dirty="0" err="1" smtClean="0"/>
+              <a:rPr lang="en-US" altLang="ko-KR" dirty="0" err="1"/>
               <a:t>Servelt</a:t>
             </a:r>
             <a:r>
-              <a:rPr lang="en-US" altLang="ko-KR" dirty="0" smtClean="0"/>
+              <a:rPr lang="en-US" altLang="ko-KR" dirty="0"/>
               <a:t> -&gt; </a:t>
             </a:r>
             <a:r>
-              <a:rPr lang="en-US" altLang="ko-KR" dirty="0" err="1" smtClean="0"/>
+              <a:rPr lang="en-US" altLang="ko-KR" dirty="0" err="1"/>
               <a:t>Databaes</a:t>
             </a:r>
             <a:endParaRPr lang="ko-KR" altLang="en-US" dirty="0"/>
@@ -16448,13 +16193,6 @@
   <p:clrMapOvr>
     <a:masterClrMapping/>
   </p:clrMapOvr>
-  <p:timing>
-    <p:tnLst>
-      <p:par>
-        <p:cTn id="1" dur="indefinite" restart="never" nodeType="tmRoot"/>
-      </p:par>
-    </p:tnLst>
-  </p:timing>
 </p:sld>
 </file>
 
@@ -16700,20 +16438,16 @@
           </a:lstStyle>
           <a:p>
             <a:r>
-              <a:rPr lang="en-US" altLang="ko-KR" sz="2400" dirty="0" smtClean="0">
+              <a:rPr lang="en-US" altLang="ko-KR" sz="2400" dirty="0">
                 <a:latin typeface="Noto Sans CJK KR Medium" panose="020B0600000000000000" pitchFamily="34" charset="-127"/>
                 <a:ea typeface="Noto Sans CJK KR Medium" panose="020B0600000000000000" pitchFamily="34" charset="-127"/>
               </a:rPr>
               <a:t>16-2</a:t>
             </a:r>
-            <a:endParaRPr lang="en-US" altLang="ko-KR" sz="2400" dirty="0" smtClean="0">
-              <a:latin typeface="Noto Sans CJK KR Medium" panose="020B0600000000000000" pitchFamily="34" charset="-127"/>
-              <a:ea typeface="Noto Sans CJK KR Medium" panose="020B0600000000000000" pitchFamily="34" charset="-127"/>
-            </a:endParaRPr>
           </a:p>
           <a:p>
             <a:r>
-              <a:rPr lang="ko-KR" altLang="en-US" sz="2400" dirty="0" smtClean="0">
+              <a:rPr lang="ko-KR" altLang="en-US" sz="2400" dirty="0">
                 <a:latin typeface="Noto Sans CJK KR Medium" panose="020B0600000000000000" pitchFamily="34" charset="-127"/>
                 <a:ea typeface="Noto Sans CJK KR Medium" panose="020B0600000000000000" pitchFamily="34" charset="-127"/>
               </a:rPr>
@@ -16753,7 +16487,7 @@
               </a:spcBef>
             </a:pPr>
             <a:r>
-              <a:rPr lang="ko-KR" altLang="en-US" sz="2400" spc="-150" smtClean="0">
+              <a:rPr lang="ko-KR" altLang="en-US" sz="2400" spc="-150">
                 <a:ln>
                   <a:solidFill>
                     <a:schemeClr val="accent1">
@@ -17117,13 +16851,6 @@
   <p:clrMapOvr>
     <a:masterClrMapping/>
   </p:clrMapOvr>
-  <p:timing>
-    <p:tnLst>
-      <p:par>
-        <p:cTn id="1" dur="indefinite" restart="never" nodeType="tmRoot"/>
-      </p:par>
-    </p:tnLst>
-  </p:timing>
 </p:sld>
 </file>
 
@@ -17369,26 +17096,22 @@
           </a:lstStyle>
           <a:p>
             <a:r>
-              <a:rPr lang="en-US" altLang="ko-KR" sz="2400" dirty="0" smtClean="0">
+              <a:rPr lang="en-US" altLang="ko-KR" sz="2400" dirty="0">
                 <a:latin typeface="Noto Sans CJK KR Medium" panose="020B0600000000000000" pitchFamily="34" charset="-127"/>
                 <a:ea typeface="Noto Sans CJK KR Medium" panose="020B0600000000000000" pitchFamily="34" charset="-127"/>
               </a:rPr>
               <a:t>17</a:t>
             </a:r>
-            <a:endParaRPr lang="en-US" altLang="ko-KR" sz="2400" dirty="0">
-              <a:latin typeface="Noto Sans CJK KR Medium" panose="020B0600000000000000" pitchFamily="34" charset="-127"/>
-              <a:ea typeface="Noto Sans CJK KR Medium" panose="020B0600000000000000" pitchFamily="34" charset="-127"/>
-            </a:endParaRPr>
           </a:p>
           <a:p>
             <a:r>
-              <a:rPr lang="ko-KR" altLang="en-US" sz="2400" dirty="0" smtClean="0">
+              <a:rPr lang="ko-KR" altLang="en-US" sz="2400" dirty="0">
                 <a:latin typeface="Noto Sans CJK KR Medium" panose="020B0600000000000000" pitchFamily="34" charset="-127"/>
                 <a:ea typeface="Noto Sans CJK KR Medium" panose="020B0600000000000000" pitchFamily="34" charset="-127"/>
               </a:rPr>
               <a:t>앞으로의 계획</a:t>
             </a:r>
-            <a:endParaRPr lang="en-US" altLang="ko-KR" sz="2400" dirty="0" smtClean="0">
+            <a:endParaRPr lang="en-US" altLang="ko-KR" sz="2400" dirty="0">
               <a:latin typeface="Noto Sans CJK KR Medium" panose="020B0600000000000000" pitchFamily="34" charset="-127"/>
               <a:ea typeface="Noto Sans CJK KR Medium" panose="020B0600000000000000" pitchFamily="34" charset="-127"/>
             </a:endParaRPr>
@@ -17487,24 +17210,7 @@
                 <a:latin typeface="Noto Sans CJK KR Medium" panose="020B0600000000000000" pitchFamily="34" charset="-127"/>
                 <a:ea typeface="Noto Sans CJK KR Medium" panose="020B0600000000000000" pitchFamily="34" charset="-127"/>
               </a:rPr>
-              <a:t>로 </a:t>
-            </a:r>
-            <a:r>
-              <a:rPr lang="ko-KR" altLang="en-US" sz="2400" spc="-150" dirty="0" smtClean="0">
-                <a:ln>
-                  <a:solidFill>
-                    <a:schemeClr val="accent1">
-                      <a:alpha val="0"/>
-                    </a:schemeClr>
-                  </a:solidFill>
-                </a:ln>
-                <a:solidFill>
-                  <a:srgbClr val="282421"/>
-                </a:solidFill>
-                <a:latin typeface="Noto Sans CJK KR Medium" panose="020B0600000000000000" pitchFamily="34" charset="-127"/>
-                <a:ea typeface="Noto Sans CJK KR Medium" panose="020B0600000000000000" pitchFamily="34" charset="-127"/>
-              </a:rPr>
-              <a:t>바꾸다</a:t>
+              <a:t>로 바꾸다</a:t>
             </a:r>
             <a:r>
               <a:rPr lang="en-US" altLang="ko-KR" sz="2400" spc="-150" dirty="0">
@@ -17521,27 +17227,10 @@
                 <a:latin typeface="Noto Sans CJK KR Medium" panose="020B0600000000000000" pitchFamily="34" charset="-127"/>
                 <a:ea typeface="Noto Sans CJK KR Medium" panose="020B0600000000000000" pitchFamily="34" charset="-127"/>
               </a:rPr>
-              <a:t> </a:t>
-            </a:r>
-            <a:r>
-              <a:rPr lang="en-US" altLang="ko-KR" sz="2400" spc="-150" dirty="0" smtClean="0">
-                <a:ln>
-                  <a:solidFill>
-                    <a:schemeClr val="accent1">
-                      <a:alpha val="0"/>
-                    </a:schemeClr>
-                  </a:solidFill>
-                </a:ln>
-                <a:solidFill>
-                  <a:srgbClr val="282421"/>
-                </a:solidFill>
-                <a:latin typeface="Noto Sans CJK KR Medium" panose="020B0600000000000000" pitchFamily="34" charset="-127"/>
-                <a:ea typeface="Noto Sans CJK KR Medium" panose="020B0600000000000000" pitchFamily="34" charset="-127"/>
-              </a:rPr>
-              <a:t>– </a:t>
-            </a:r>
-            <a:r>
-              <a:rPr lang="ko-KR" altLang="en-US" sz="2400" spc="-150" dirty="0" smtClean="0">
+              <a:t> – </a:t>
+            </a:r>
+            <a:r>
+              <a:rPr lang="ko-KR" altLang="en-US" sz="2400" spc="-150" dirty="0">
                 <a:ln>
                   <a:solidFill>
                     <a:schemeClr val="accent1">
@@ -17892,7 +17581,7 @@
               </a:spcBef>
             </a:pPr>
             <a:r>
-              <a:rPr lang="ko-KR" altLang="en-US" sz="3200" spc="-150" dirty="0" smtClean="0">
+              <a:rPr lang="ko-KR" altLang="en-US" sz="3200" spc="-150" dirty="0">
                 <a:ln>
                   <a:solidFill>
                     <a:schemeClr val="accent1">
@@ -17908,7 +17597,7 @@
               </a:rPr>
               <a:t>유지보수</a:t>
             </a:r>
-            <a:endParaRPr lang="en-US" altLang="ko-KR" sz="3200" spc="-150" dirty="0" smtClean="0">
+            <a:endParaRPr lang="en-US" altLang="ko-KR" sz="3200" spc="-150" dirty="0">
               <a:ln>
                 <a:solidFill>
                   <a:schemeClr val="accent1">
@@ -17930,7 +17619,7 @@
               </a:spcBef>
             </a:pPr>
             <a:r>
-              <a:rPr lang="en-US" altLang="ko-KR" sz="2000" spc="-150" dirty="0" smtClean="0">
+              <a:rPr lang="en-US" altLang="ko-KR" sz="2000" spc="-150" dirty="0">
                 <a:ln>
                   <a:solidFill>
                     <a:schemeClr val="accent1">
@@ -17947,7 +17636,7 @@
               <a:t>-&gt; </a:t>
             </a:r>
             <a:r>
-              <a:rPr lang="ko-KR" altLang="en-US" sz="2000" spc="-150" dirty="0" smtClean="0">
+              <a:rPr lang="ko-KR" altLang="en-US" sz="2000" spc="-150" dirty="0">
                 <a:ln>
                   <a:solidFill>
                     <a:schemeClr val="accent1">
@@ -17963,7 +17652,7 @@
               </a:rPr>
               <a:t>수정 및 보안</a:t>
             </a:r>
-            <a:endParaRPr lang="en-US" altLang="ko-KR" sz="2000" spc="-150" dirty="0" smtClean="0">
+            <a:endParaRPr lang="en-US" altLang="ko-KR" sz="2000" spc="-150" dirty="0">
               <a:ln>
                 <a:solidFill>
                   <a:schemeClr val="accent1">
@@ -17985,7 +17674,7 @@
               </a:spcBef>
             </a:pPr>
             <a:r>
-              <a:rPr lang="en-US" altLang="ko-KR" sz="2000" spc="-150" dirty="0" smtClean="0">
+              <a:rPr lang="en-US" altLang="ko-KR" sz="2000" spc="-150" dirty="0">
                 <a:ln>
                   <a:solidFill>
                     <a:schemeClr val="accent1">
@@ -18002,7 +17691,7 @@
               <a:t>-&gt; </a:t>
             </a:r>
             <a:r>
-              <a:rPr lang="ko-KR" altLang="en-US" sz="2000" spc="-150" dirty="0" smtClean="0">
+              <a:rPr lang="ko-KR" altLang="en-US" sz="2000" spc="-150" dirty="0">
                 <a:ln>
                   <a:solidFill>
                     <a:schemeClr val="accent1">
@@ -18018,7 +17707,7 @@
               </a:rPr>
               <a:t>업그레이드 </a:t>
             </a:r>
-            <a:endParaRPr lang="en-US" altLang="ko-KR" sz="2000" spc="-150" dirty="0" smtClean="0">
+            <a:endParaRPr lang="en-US" altLang="ko-KR" sz="2000" spc="-150" dirty="0">
               <a:ln>
                 <a:solidFill>
                   <a:schemeClr val="accent1">
@@ -18061,7 +17750,7 @@
               </a:spcBef>
             </a:pPr>
             <a:r>
-              <a:rPr lang="ko-KR" altLang="en-US" sz="3200" spc="-150" dirty="0" err="1" smtClean="0">
+              <a:rPr lang="ko-KR" altLang="en-US" sz="3200" spc="-150" dirty="0" err="1">
                 <a:ln>
                   <a:solidFill>
                     <a:schemeClr val="accent1">
@@ -18078,7 +17767,7 @@
               <a:t>레주메북대신</a:t>
             </a:r>
             <a:r>
-              <a:rPr lang="ko-KR" altLang="en-US" sz="3200" spc="-150" dirty="0" smtClean="0">
+              <a:rPr lang="ko-KR" altLang="en-US" sz="3200" spc="-150" dirty="0">
                 <a:ln>
                   <a:solidFill>
                     <a:schemeClr val="accent1">
@@ -18095,7 +17784,7 @@
               <a:t> 우리 </a:t>
             </a:r>
             <a:r>
-              <a:rPr lang="ko-KR" altLang="en-US" sz="3200" spc="-150" dirty="0" err="1" smtClean="0">
+              <a:rPr lang="ko-KR" altLang="en-US" sz="3200" spc="-150" dirty="0" err="1">
                 <a:ln>
                   <a:solidFill>
                     <a:schemeClr val="accent1">
@@ -18112,7 +17801,7 @@
               <a:t>웹페이지</a:t>
             </a:r>
             <a:r>
-              <a:rPr lang="ko-KR" altLang="en-US" sz="3200" spc="-150" dirty="0" smtClean="0">
+              <a:rPr lang="ko-KR" altLang="en-US" sz="3200" spc="-150" dirty="0">
                 <a:ln>
                   <a:solidFill>
                     <a:schemeClr val="accent1">
@@ -18128,7 +17817,7 @@
               </a:rPr>
               <a:t> 사용</a:t>
             </a:r>
-            <a:endParaRPr lang="en-US" altLang="ko-KR" sz="3200" spc="-150" dirty="0" smtClean="0">
+            <a:endParaRPr lang="en-US" altLang="ko-KR" sz="3200" spc="-150" dirty="0">
               <a:ln>
                 <a:solidFill>
                   <a:schemeClr val="accent1">
@@ -18150,7 +17839,7 @@
               </a:spcBef>
             </a:pPr>
             <a:r>
-              <a:rPr lang="en-US" altLang="ko-KR" sz="2000" spc="-150" dirty="0" smtClean="0">
+              <a:rPr lang="en-US" altLang="ko-KR" sz="2000" spc="-150" dirty="0">
                 <a:ln>
                   <a:solidFill>
                     <a:schemeClr val="accent1">
@@ -18165,74 +17854,6 @@
                 <a:ea typeface="배달의민족 도현" panose="020B0600000101010101"/>
               </a:rPr>
               <a:t>-&gt; </a:t>
-            </a:r>
-            <a:r>
-              <a:rPr lang="ko-KR" altLang="en-US" sz="2000" spc="-150" dirty="0" smtClean="0">
-                <a:ln>
-                  <a:solidFill>
-                    <a:schemeClr val="accent1">
-                      <a:alpha val="0"/>
-                    </a:schemeClr>
-                  </a:solidFill>
-                </a:ln>
-                <a:solidFill>
-                  <a:srgbClr val="282421"/>
-                </a:solidFill>
-                <a:latin typeface="a옛날사진관2" panose="02020600000000000000" pitchFamily="18" charset="-127"/>
-                <a:ea typeface="배달의민족 도현" panose="020B0600000101010101"/>
-              </a:rPr>
-              <a:t>시간</a:t>
-            </a:r>
-            <a:r>
-              <a:rPr lang="en-US" altLang="ko-KR" sz="2000" spc="-150" dirty="0" smtClean="0">
-                <a:ln>
-                  <a:solidFill>
-                    <a:schemeClr val="accent1">
-                      <a:alpha val="0"/>
-                    </a:schemeClr>
-                  </a:solidFill>
-                </a:ln>
-                <a:solidFill>
-                  <a:srgbClr val="282421"/>
-                </a:solidFill>
-                <a:latin typeface="a옛날사진관2" panose="02020600000000000000" pitchFamily="18" charset="-127"/>
-                <a:ea typeface="배달의민족 도현" panose="020B0600000101010101"/>
-              </a:rPr>
-              <a:t>, </a:t>
-            </a:r>
-            <a:r>
-              <a:rPr lang="ko-KR" altLang="en-US" sz="2000" spc="-150" dirty="0" err="1" smtClean="0">
-                <a:ln>
-                  <a:solidFill>
-                    <a:schemeClr val="accent1">
-                      <a:alpha val="0"/>
-                    </a:schemeClr>
-                  </a:solidFill>
-                </a:ln>
-                <a:solidFill>
-                  <a:srgbClr val="282421"/>
-                </a:solidFill>
-                <a:latin typeface="a옛날사진관2" panose="02020600000000000000" pitchFamily="18" charset="-127"/>
-                <a:ea typeface="배달의민족 도현" panose="020B0600000101010101"/>
-              </a:rPr>
-              <a:t>종이절약</a:t>
-            </a:r>
-            <a:r>
-              <a:rPr lang="ko-KR" altLang="en-US" sz="2000" spc="-150" dirty="0" smtClean="0">
-                <a:ln>
-                  <a:solidFill>
-                    <a:schemeClr val="accent1">
-                      <a:alpha val="0"/>
-                    </a:schemeClr>
-                  </a:solidFill>
-                </a:ln>
-                <a:solidFill>
-                  <a:srgbClr val="282421"/>
-                </a:solidFill>
-                <a:latin typeface="a옛날사진관2" panose="02020600000000000000" pitchFamily="18" charset="-127"/>
-                <a:ea typeface="배달의민족 도현" panose="020B0600000101010101"/>
-              </a:rPr>
-              <a:t> </a:t>
             </a:r>
             <a:r>
               <a:rPr lang="ko-KR" altLang="en-US" sz="2000" spc="-150" dirty="0">
@@ -18249,10 +17870,10 @@
                 <a:latin typeface="a옛날사진관2" panose="02020600000000000000" pitchFamily="18" charset="-127"/>
                 <a:ea typeface="배달의민족 도현" panose="020B0600000101010101"/>
               </a:rPr>
-              <a:t>및 </a:t>
-            </a:r>
-            <a:r>
-              <a:rPr lang="ko-KR" altLang="en-US" sz="2000" spc="-150" dirty="0" smtClean="0">
+              <a:t>시간</a:t>
+            </a:r>
+            <a:r>
+              <a:rPr lang="en-US" altLang="ko-KR" sz="2000" spc="-150" dirty="0">
                 <a:ln>
                   <a:solidFill>
                     <a:schemeClr val="accent1">
@@ -18266,10 +17887,10 @@
                 <a:latin typeface="a옛날사진관2" panose="02020600000000000000" pitchFamily="18" charset="-127"/>
                 <a:ea typeface="배달의민족 도현" panose="020B0600000101010101"/>
               </a:rPr>
-              <a:t>홍보가 </a:t>
-            </a:r>
-            <a:r>
-              <a:rPr lang="ko-KR" altLang="en-US" sz="2000" spc="-150" dirty="0" err="1" smtClean="0">
+              <a:t>, </a:t>
+            </a:r>
+            <a:r>
+              <a:rPr lang="ko-KR" altLang="en-US" sz="2000" spc="-150" dirty="0" err="1">
                 <a:ln>
                   <a:solidFill>
                     <a:schemeClr val="accent1">
@@ -18283,10 +17904,10 @@
                 <a:latin typeface="a옛날사진관2" panose="02020600000000000000" pitchFamily="18" charset="-127"/>
                 <a:ea typeface="배달의민족 도현" panose="020B0600000101010101"/>
               </a:rPr>
-              <a:t>쉬워짐</a:t>
-            </a:r>
-            <a:r>
-              <a:rPr lang="ko-KR" altLang="en-US" sz="2000" spc="-150" dirty="0" smtClean="0">
+              <a:t>종이절약</a:t>
+            </a:r>
+            <a:r>
+              <a:rPr lang="ko-KR" altLang="en-US" sz="2000" spc="-150" dirty="0">
                 <a:ln>
                   <a:solidFill>
                     <a:schemeClr val="accent1">
@@ -18300,9 +17921,43 @@
                 <a:latin typeface="a옛날사진관2" panose="02020600000000000000" pitchFamily="18" charset="-127"/>
                 <a:ea typeface="배달의민족 도현" panose="020B0600000101010101"/>
               </a:rPr>
+              <a:t> 및 홍보가 </a:t>
+            </a:r>
+            <a:r>
+              <a:rPr lang="ko-KR" altLang="en-US" sz="2000" spc="-150" dirty="0" err="1">
+                <a:ln>
+                  <a:solidFill>
+                    <a:schemeClr val="accent1">
+                      <a:alpha val="0"/>
+                    </a:schemeClr>
+                  </a:solidFill>
+                </a:ln>
+                <a:solidFill>
+                  <a:srgbClr val="282421"/>
+                </a:solidFill>
+                <a:latin typeface="a옛날사진관2" panose="02020600000000000000" pitchFamily="18" charset="-127"/>
+                <a:ea typeface="배달의민족 도현" panose="020B0600000101010101"/>
+              </a:rPr>
+              <a:t>쉬워짐</a:t>
+            </a:r>
+            <a:r>
+              <a:rPr lang="ko-KR" altLang="en-US" sz="2000" spc="-150" dirty="0">
+                <a:ln>
+                  <a:solidFill>
+                    <a:schemeClr val="accent1">
+                      <a:alpha val="0"/>
+                    </a:schemeClr>
+                  </a:solidFill>
+                </a:ln>
+                <a:solidFill>
+                  <a:srgbClr val="282421"/>
+                </a:solidFill>
+                <a:latin typeface="a옛날사진관2" panose="02020600000000000000" pitchFamily="18" charset="-127"/>
+                <a:ea typeface="배달의민족 도현" panose="020B0600000101010101"/>
+              </a:rPr>
               <a:t> </a:t>
             </a:r>
-            <a:endParaRPr lang="en-US" altLang="ko-KR" sz="2000" spc="-150" dirty="0" smtClean="0">
+            <a:endParaRPr lang="en-US" altLang="ko-KR" sz="2000" spc="-150" dirty="0">
               <a:ln>
                 <a:solidFill>
                   <a:schemeClr val="accent1">
@@ -18341,7 +17996,7 @@
               <a:t>-&gt; </a:t>
             </a:r>
             <a:r>
-              <a:rPr lang="ko-KR" altLang="en-US" sz="2000" spc="-150" dirty="0" smtClean="0">
+              <a:rPr lang="ko-KR" altLang="en-US" sz="2000" spc="-150" dirty="0">
                 <a:ln>
                   <a:solidFill>
                     <a:schemeClr val="accent1">
@@ -18358,7 +18013,7 @@
               <a:t>회사입장에서는 인재를 빨리 찾을 수 있음</a:t>
             </a:r>
             <a:r>
-              <a:rPr lang="ko-KR" altLang="en-US" sz="3200" spc="-150" dirty="0" smtClean="0">
+              <a:rPr lang="ko-KR" altLang="en-US" sz="3200" spc="-150" dirty="0">
                 <a:ln>
                   <a:solidFill>
                     <a:schemeClr val="accent1">
@@ -19291,41 +18946,7 @@
                 <a:latin typeface="Noto Sans CJK KR Medium" panose="020B0600000000000000" pitchFamily="34" charset="-127"/>
                 <a:ea typeface="Noto Sans CJK KR Medium" panose="020B0600000000000000" pitchFamily="34" charset="-127"/>
               </a:rPr>
-              <a:t>“</a:t>
-            </a:r>
-            <a:r>
-              <a:rPr lang="en-US" altLang="ko-KR" sz="2400" spc="-150" dirty="0" smtClean="0">
-                <a:ln>
-                  <a:solidFill>
-                    <a:schemeClr val="accent1">
-                      <a:alpha val="0"/>
-                    </a:schemeClr>
-                  </a:solidFill>
-                </a:ln>
-                <a:solidFill>
-                  <a:srgbClr val="282421"/>
-                </a:solidFill>
-                <a:latin typeface="Noto Sans CJK KR Medium" panose="020B0600000000000000" pitchFamily="34" charset="-127"/>
-                <a:ea typeface="Noto Sans CJK KR Medium" panose="020B0600000000000000" pitchFamily="34" charset="-127"/>
-              </a:rPr>
-              <a:t>2uZuBook</a:t>
-            </a:r>
-            <a:r>
-              <a:rPr lang="en-US" altLang="ko-KR" sz="2400" spc="-150" dirty="0">
-                <a:ln>
-                  <a:solidFill>
-                    <a:schemeClr val="accent1">
-                      <a:alpha val="0"/>
-                    </a:schemeClr>
-                  </a:solidFill>
-                </a:ln>
-                <a:solidFill>
-                  <a:srgbClr val="282421"/>
-                </a:solidFill>
-                <a:latin typeface="Noto Sans CJK KR Medium" panose="020B0600000000000000" pitchFamily="34" charset="-127"/>
-                <a:ea typeface="Noto Sans CJK KR Medium" panose="020B0600000000000000" pitchFamily="34" charset="-127"/>
-              </a:rPr>
-              <a:t>”</a:t>
+              <a:t>“2uZuBook”</a:t>
             </a:r>
             <a:r>
               <a:rPr lang="ko-KR" altLang="en-US" sz="2400" spc="-150" dirty="0">
@@ -19749,7 +19370,7 @@
           </a:lstStyle>
           <a:p>
             <a:r>
-              <a:rPr lang="en-US" altLang="ko-KR" sz="2400" dirty="0" smtClean="0">
+              <a:rPr lang="en-US" altLang="ko-KR" sz="2400" dirty="0">
                 <a:latin typeface="Noto Sans CJK KR Medium" panose="020B0600000000000000" pitchFamily="34" charset="-127"/>
                 <a:ea typeface="Noto Sans CJK KR Medium" panose="020B0600000000000000" pitchFamily="34" charset="-127"/>
               </a:rPr>
@@ -19758,20 +19379,20 @@
           </a:p>
           <a:p>
             <a:r>
-              <a:rPr lang="ko-KR" altLang="en-US" sz="2400" dirty="0" smtClean="0">
+              <a:rPr lang="ko-KR" altLang="en-US" sz="2400" dirty="0">
                 <a:latin typeface="Noto Sans CJK KR Medium" panose="020B0600000000000000" pitchFamily="34" charset="-127"/>
                 <a:ea typeface="Noto Sans CJK KR Medium" panose="020B0600000000000000" pitchFamily="34" charset="-127"/>
               </a:rPr>
               <a:t>프로젝트 </a:t>
             </a:r>
             <a:r>
-              <a:rPr lang="ko-KR" altLang="en-US" sz="2400" dirty="0" err="1" smtClean="0">
+              <a:rPr lang="ko-KR" altLang="en-US" sz="2400" dirty="0" err="1">
                 <a:latin typeface="Noto Sans CJK KR Medium" panose="020B0600000000000000" pitchFamily="34" charset="-127"/>
                 <a:ea typeface="Noto Sans CJK KR Medium" panose="020B0600000000000000" pitchFamily="34" charset="-127"/>
               </a:rPr>
               <a:t>느낀점</a:t>
             </a:r>
-            <a:endParaRPr lang="en-US" altLang="ko-KR" sz="2400" dirty="0" smtClean="0">
+            <a:endParaRPr lang="en-US" altLang="ko-KR" sz="2400" dirty="0">
               <a:latin typeface="Noto Sans CJK KR Medium" panose="020B0600000000000000" pitchFamily="34" charset="-127"/>
               <a:ea typeface="Noto Sans CJK KR Medium" panose="020B0600000000000000" pitchFamily="34" charset="-127"/>
             </a:endParaRPr>
@@ -19870,24 +19491,7 @@
                 <a:latin typeface="Noto Sans CJK KR Medium" panose="020B0600000000000000" pitchFamily="34" charset="-127"/>
                 <a:ea typeface="Noto Sans CJK KR Medium" panose="020B0600000000000000" pitchFamily="34" charset="-127"/>
               </a:rPr>
-              <a:t>로 </a:t>
-            </a:r>
-            <a:r>
-              <a:rPr lang="ko-KR" altLang="en-US" sz="2400" spc="-150" dirty="0" smtClean="0">
-                <a:ln>
-                  <a:solidFill>
-                    <a:schemeClr val="accent1">
-                      <a:alpha val="0"/>
-                    </a:schemeClr>
-                  </a:solidFill>
-                </a:ln>
-                <a:solidFill>
-                  <a:srgbClr val="282421"/>
-                </a:solidFill>
-                <a:latin typeface="Noto Sans CJK KR Medium" panose="020B0600000000000000" pitchFamily="34" charset="-127"/>
-                <a:ea typeface="Noto Sans CJK KR Medium" panose="020B0600000000000000" pitchFamily="34" charset="-127"/>
-              </a:rPr>
-              <a:t>바꾸다</a:t>
+              <a:t>로 바꾸다</a:t>
             </a:r>
             <a:r>
               <a:rPr lang="en-US" altLang="ko-KR" sz="2400" spc="-150" dirty="0">
@@ -19906,20 +19510,6 @@
               </a:rPr>
               <a:t> </a:t>
             </a:r>
-            <a:endParaRPr lang="en-US" altLang="ko-KR" sz="2400" spc="-150" dirty="0">
-              <a:ln>
-                <a:solidFill>
-                  <a:schemeClr val="accent1">
-                    <a:alpha val="0"/>
-                  </a:schemeClr>
-                </a:solidFill>
-              </a:ln>
-              <a:solidFill>
-                <a:srgbClr val="282421"/>
-              </a:solidFill>
-              <a:latin typeface="Noto Sans CJK KR Medium" panose="020B0600000000000000" pitchFamily="34" charset="-127"/>
-              <a:ea typeface="Noto Sans CJK KR Medium" panose="020B0600000000000000" pitchFamily="34" charset="-127"/>
-            </a:endParaRPr>
           </a:p>
         </p:txBody>
       </p:sp>
@@ -20768,13 +20358,6 @@
   <p:clrMapOvr>
     <a:masterClrMapping/>
   </p:clrMapOvr>
-  <p:timing>
-    <p:tnLst>
-      <p:par>
-        <p:cTn id="1" dur="indefinite" restart="never" nodeType="tmRoot"/>
-      </p:par>
-    </p:tnLst>
-  </p:timing>
 </p:sld>
 </file>
 
@@ -20981,16 +20564,12 @@
           </a:lstStyle>
           <a:p>
             <a:r>
-              <a:rPr lang="en-US" altLang="ko-KR" sz="2400" dirty="0" smtClean="0">
+              <a:rPr lang="en-US" altLang="ko-KR" sz="2400" dirty="0">
                 <a:latin typeface="Noto Sans CJK KR Medium" panose="020B0600000000000000" pitchFamily="34" charset="-127"/>
                 <a:ea typeface="Noto Sans CJK KR Medium" panose="020B0600000000000000" pitchFamily="34" charset="-127"/>
               </a:rPr>
               <a:t>02.</a:t>
             </a:r>
-            <a:endParaRPr lang="en-US" altLang="ko-KR" sz="2400" dirty="0">
-              <a:latin typeface="Noto Sans CJK KR Medium" panose="020B0600000000000000" pitchFamily="34" charset="-127"/>
-              <a:ea typeface="Noto Sans CJK KR Medium" panose="020B0600000000000000" pitchFamily="34" charset="-127"/>
-            </a:endParaRPr>
           </a:p>
           <a:p>
             <a:r>
@@ -21104,57 +20683,6 @@
               </a:spcBef>
             </a:pPr>
             <a:r>
-              <a:rPr lang="ko-KR" altLang="en-US" sz="3200" spc="-150" dirty="0" smtClean="0">
-                <a:ln>
-                  <a:solidFill>
-                    <a:schemeClr val="accent1">
-                      <a:alpha val="0"/>
-                    </a:schemeClr>
-                  </a:solidFill>
-                </a:ln>
-                <a:solidFill>
-                  <a:srgbClr val="282421"/>
-                </a:solidFill>
-                <a:latin typeface="a옛날사진관2" panose="02020600000000000000" pitchFamily="18" charset="-127"/>
-                <a:ea typeface="배달의민족 도현" panose="020B0600000101010101"/>
-              </a:rPr>
-              <a:t>사이트를 통한  </a:t>
-            </a:r>
-            <a:r>
-              <a:rPr lang="ko-KR" altLang="en-US" sz="3200" spc="-150" dirty="0" err="1" smtClean="0">
-                <a:ln>
-                  <a:solidFill>
-                    <a:schemeClr val="accent1">
-                      <a:alpha val="0"/>
-                    </a:schemeClr>
-                  </a:solidFill>
-                </a:ln>
-                <a:solidFill>
-                  <a:srgbClr val="282421"/>
-                </a:solidFill>
-                <a:latin typeface="a옛날사진관2" panose="02020600000000000000" pitchFamily="18" charset="-127"/>
-                <a:ea typeface="배달의민족 도현" panose="020B0600000101010101"/>
-              </a:rPr>
-              <a:t>레쥬메</a:t>
-            </a:r>
-            <a:r>
-              <a:rPr lang="ko-KR" altLang="en-US" sz="3200" spc="-150" dirty="0" smtClean="0">
-                <a:ln>
-                  <a:solidFill>
-                    <a:schemeClr val="accent1">
-                      <a:alpha val="0"/>
-                    </a:schemeClr>
-                  </a:solidFill>
-                </a:ln>
-                <a:solidFill>
-                  <a:srgbClr val="282421"/>
-                </a:solidFill>
-                <a:latin typeface="a옛날사진관2" panose="02020600000000000000" pitchFamily="18" charset="-127"/>
-                <a:ea typeface="배달의민족 도현" panose="020B0600000101010101"/>
-              </a:rPr>
-              <a:t> </a:t>
-            </a:r>
-            <a:r>
               <a:rPr lang="ko-KR" altLang="en-US" sz="3200" spc="-150" dirty="0">
                 <a:ln>
                   <a:solidFill>
@@ -21169,7 +20697,41 @@
                 <a:latin typeface="a옛날사진관2" panose="02020600000000000000" pitchFamily="18" charset="-127"/>
                 <a:ea typeface="배달의민족 도현" panose="020B0600000101010101"/>
               </a:rPr>
-              <a:t>작성</a:t>
+              <a:t>사이트를 통한  </a:t>
+            </a:r>
+            <a:r>
+              <a:rPr lang="ko-KR" altLang="en-US" sz="3200" spc="-150" dirty="0" err="1">
+                <a:ln>
+                  <a:solidFill>
+                    <a:schemeClr val="accent1">
+                      <a:alpha val="0"/>
+                    </a:schemeClr>
+                  </a:solidFill>
+                </a:ln>
+                <a:solidFill>
+                  <a:srgbClr val="282421"/>
+                </a:solidFill>
+                <a:latin typeface="a옛날사진관2" panose="02020600000000000000" pitchFamily="18" charset="-127"/>
+                <a:ea typeface="배달의민족 도현" panose="020B0600000101010101"/>
+              </a:rPr>
+              <a:t>레쥬메</a:t>
+            </a:r>
+            <a:r>
+              <a:rPr lang="ko-KR" altLang="en-US" sz="3200" spc="-150" dirty="0">
+                <a:ln>
+                  <a:solidFill>
+                    <a:schemeClr val="accent1">
+                      <a:alpha val="0"/>
+                    </a:schemeClr>
+                  </a:solidFill>
+                </a:ln>
+                <a:solidFill>
+                  <a:srgbClr val="282421"/>
+                </a:solidFill>
+                <a:latin typeface="a옛날사진관2" panose="02020600000000000000" pitchFamily="18" charset="-127"/>
+                <a:ea typeface="배달의민족 도현" panose="020B0600000101010101"/>
+              </a:rPr>
+              <a:t> 작성</a:t>
             </a:r>
             <a:endParaRPr lang="en-US" altLang="ko-KR" sz="3200" spc="-150" dirty="0">
               <a:ln>
@@ -21193,7 +20755,7 @@
               </a:spcBef>
             </a:pPr>
             <a:r>
-              <a:rPr lang="en-US" altLang="ko-KR" sz="2000" spc="-150" dirty="0" smtClean="0">
+              <a:rPr lang="en-US" altLang="ko-KR" sz="2000" spc="-150" dirty="0">
                 <a:ln>
                   <a:solidFill>
                     <a:schemeClr val="accent1">
@@ -21210,7 +20772,7 @@
               <a:t>-&gt; </a:t>
             </a:r>
             <a:r>
-              <a:rPr lang="ko-KR" altLang="en-US" sz="2000" spc="-150" dirty="0" smtClean="0">
+              <a:rPr lang="ko-KR" altLang="en-US" sz="2000" spc="-150" dirty="0">
                 <a:ln>
                   <a:solidFill>
                     <a:schemeClr val="accent1">
@@ -21226,7 +20788,7 @@
               </a:rPr>
               <a:t>더 많은 사람들과 회사에게 홍보 가능</a:t>
             </a:r>
-            <a:endParaRPr lang="en-US" altLang="ko-KR" sz="2000" spc="-150" dirty="0" smtClean="0">
+            <a:endParaRPr lang="en-US" altLang="ko-KR" sz="2000" spc="-150" dirty="0">
               <a:ln>
                 <a:solidFill>
                   <a:schemeClr val="accent1">
@@ -21248,7 +20810,7 @@
               </a:spcBef>
             </a:pPr>
             <a:r>
-              <a:rPr lang="en-US" altLang="ko-KR" sz="2000" spc="-150" dirty="0" smtClean="0">
+              <a:rPr lang="en-US" altLang="ko-KR" sz="2000" spc="-150" dirty="0">
                 <a:ln>
                   <a:solidFill>
                     <a:schemeClr val="accent1">
@@ -21265,7 +20827,7 @@
               <a:t>-&gt; </a:t>
             </a:r>
             <a:r>
-              <a:rPr lang="ko-KR" altLang="en-US" sz="2000" spc="-150" dirty="0" smtClean="0">
+              <a:rPr lang="ko-KR" altLang="en-US" sz="2000" spc="-150" dirty="0">
                 <a:ln>
                   <a:solidFill>
                     <a:schemeClr val="accent1">
@@ -21281,7 +20843,7 @@
               </a:rPr>
               <a:t>많은 특성화고에서 활용 가능</a:t>
             </a:r>
-            <a:endParaRPr lang="en-US" altLang="ko-KR" sz="2000" spc="-150" dirty="0" smtClean="0">
+            <a:endParaRPr lang="en-US" altLang="ko-KR" sz="2000" spc="-150" dirty="0">
               <a:ln>
                 <a:solidFill>
                   <a:schemeClr val="accent1">
@@ -21324,7 +20886,7 @@
               </a:spcBef>
             </a:pPr>
             <a:r>
-              <a:rPr lang="ko-KR" altLang="en-US" sz="3200" spc="-150" dirty="0" smtClean="0">
+              <a:rPr lang="ko-KR" altLang="en-US" sz="3200" spc="-150" dirty="0">
                 <a:ln>
                   <a:solidFill>
                     <a:schemeClr val="accent1">
@@ -21341,7 +20903,7 @@
               <a:t>쉽고 빠른 작성 과 열람</a:t>
             </a:r>
             <a:r>
-              <a:rPr lang="en-US" altLang="ko-KR" sz="3200" spc="-150" dirty="0" smtClean="0">
+              <a:rPr lang="en-US" altLang="ko-KR" sz="3200" spc="-150" dirty="0">
                 <a:ln>
                   <a:solidFill>
                     <a:schemeClr val="accent1">
@@ -21358,7 +20920,7 @@
               <a:t>, </a:t>
             </a:r>
             <a:r>
-              <a:rPr lang="ko-KR" altLang="en-US" sz="3200" spc="-150" dirty="0" smtClean="0">
+              <a:rPr lang="ko-KR" altLang="en-US" sz="3200" spc="-150" dirty="0">
                 <a:ln>
                   <a:solidFill>
                     <a:schemeClr val="accent1">
@@ -21374,7 +20936,7 @@
               </a:rPr>
               <a:t>검색</a:t>
             </a:r>
-            <a:endParaRPr lang="en-US" altLang="ko-KR" sz="3200" spc="-150" dirty="0" smtClean="0">
+            <a:endParaRPr lang="en-US" altLang="ko-KR" sz="3200" spc="-150" dirty="0">
               <a:ln>
                 <a:solidFill>
                   <a:schemeClr val="accent1">
@@ -21396,7 +20958,7 @@
               </a:spcBef>
             </a:pPr>
             <a:r>
-              <a:rPr lang="en-US" altLang="ko-KR" sz="2000" spc="-150" dirty="0" smtClean="0">
+              <a:rPr lang="en-US" altLang="ko-KR" sz="2000" spc="-150" dirty="0">
                 <a:ln>
                   <a:solidFill>
                     <a:schemeClr val="accent1">
@@ -21411,74 +20973,6 @@
                 <a:ea typeface="배달의민족 도현" panose="020B0600000101010101"/>
               </a:rPr>
               <a:t>-&gt; </a:t>
-            </a:r>
-            <a:r>
-              <a:rPr lang="ko-KR" altLang="en-US" sz="2000" spc="-150" dirty="0" smtClean="0">
-                <a:ln>
-                  <a:solidFill>
-                    <a:schemeClr val="accent1">
-                      <a:alpha val="0"/>
-                    </a:schemeClr>
-                  </a:solidFill>
-                </a:ln>
-                <a:solidFill>
-                  <a:srgbClr val="282421"/>
-                </a:solidFill>
-                <a:latin typeface="a옛날사진관2" panose="02020600000000000000" pitchFamily="18" charset="-127"/>
-                <a:ea typeface="배달의민족 도현" panose="020B0600000101010101"/>
-              </a:rPr>
-              <a:t>시간</a:t>
-            </a:r>
-            <a:r>
-              <a:rPr lang="en-US" altLang="ko-KR" sz="2000" spc="-150" dirty="0" smtClean="0">
-                <a:ln>
-                  <a:solidFill>
-                    <a:schemeClr val="accent1">
-                      <a:alpha val="0"/>
-                    </a:schemeClr>
-                  </a:solidFill>
-                </a:ln>
-                <a:solidFill>
-                  <a:srgbClr val="282421"/>
-                </a:solidFill>
-                <a:latin typeface="a옛날사진관2" panose="02020600000000000000" pitchFamily="18" charset="-127"/>
-                <a:ea typeface="배달의민족 도현" panose="020B0600000101010101"/>
-              </a:rPr>
-              <a:t>, </a:t>
-            </a:r>
-            <a:r>
-              <a:rPr lang="ko-KR" altLang="en-US" sz="2000" spc="-150" dirty="0" err="1" smtClean="0">
-                <a:ln>
-                  <a:solidFill>
-                    <a:schemeClr val="accent1">
-                      <a:alpha val="0"/>
-                    </a:schemeClr>
-                  </a:solidFill>
-                </a:ln>
-                <a:solidFill>
-                  <a:srgbClr val="282421"/>
-                </a:solidFill>
-                <a:latin typeface="a옛날사진관2" panose="02020600000000000000" pitchFamily="18" charset="-127"/>
-                <a:ea typeface="배달의민족 도현" panose="020B0600000101010101"/>
-              </a:rPr>
-              <a:t>종이절약</a:t>
-            </a:r>
-            <a:r>
-              <a:rPr lang="ko-KR" altLang="en-US" sz="2000" spc="-150" dirty="0" smtClean="0">
-                <a:ln>
-                  <a:solidFill>
-                    <a:schemeClr val="accent1">
-                      <a:alpha val="0"/>
-                    </a:schemeClr>
-                  </a:solidFill>
-                </a:ln>
-                <a:solidFill>
-                  <a:srgbClr val="282421"/>
-                </a:solidFill>
-                <a:latin typeface="a옛날사진관2" panose="02020600000000000000" pitchFamily="18" charset="-127"/>
-                <a:ea typeface="배달의민족 도현" panose="020B0600000101010101"/>
-              </a:rPr>
-              <a:t> </a:t>
             </a:r>
             <a:r>
               <a:rPr lang="ko-KR" altLang="en-US" sz="2000" spc="-150" dirty="0">
@@ -21495,10 +20989,10 @@
                 <a:latin typeface="a옛날사진관2" panose="02020600000000000000" pitchFamily="18" charset="-127"/>
                 <a:ea typeface="배달의민족 도현" panose="020B0600000101010101"/>
               </a:rPr>
-              <a:t>및 </a:t>
-            </a:r>
-            <a:r>
-              <a:rPr lang="ko-KR" altLang="en-US" sz="2000" spc="-150" dirty="0" smtClean="0">
+              <a:t>시간</a:t>
+            </a:r>
+            <a:r>
+              <a:rPr lang="en-US" altLang="ko-KR" sz="2000" spc="-150" dirty="0">
                 <a:ln>
                   <a:solidFill>
                     <a:schemeClr val="accent1">
@@ -21512,10 +21006,10 @@
                 <a:latin typeface="a옛날사진관2" panose="02020600000000000000" pitchFamily="18" charset="-127"/>
                 <a:ea typeface="배달의민족 도현" panose="020B0600000101010101"/>
               </a:rPr>
-              <a:t>홍보가 </a:t>
-            </a:r>
-            <a:r>
-              <a:rPr lang="ko-KR" altLang="en-US" sz="2000" spc="-150" dirty="0" err="1" smtClean="0">
+              <a:t>, </a:t>
+            </a:r>
+            <a:r>
+              <a:rPr lang="ko-KR" altLang="en-US" sz="2000" spc="-150" dirty="0" err="1">
                 <a:ln>
                   <a:solidFill>
                     <a:schemeClr val="accent1">
@@ -21529,10 +21023,10 @@
                 <a:latin typeface="a옛날사진관2" panose="02020600000000000000" pitchFamily="18" charset="-127"/>
                 <a:ea typeface="배달의민족 도현" panose="020B0600000101010101"/>
               </a:rPr>
-              <a:t>쉬워짐</a:t>
-            </a:r>
-            <a:r>
-              <a:rPr lang="ko-KR" altLang="en-US" sz="2000" spc="-150" dirty="0" smtClean="0">
+              <a:t>종이절약</a:t>
+            </a:r>
+            <a:r>
+              <a:rPr lang="ko-KR" altLang="en-US" sz="2000" spc="-150" dirty="0">
                 <a:ln>
                   <a:solidFill>
                     <a:schemeClr val="accent1">
@@ -21546,9 +21040,43 @@
                 <a:latin typeface="a옛날사진관2" panose="02020600000000000000" pitchFamily="18" charset="-127"/>
                 <a:ea typeface="배달의민족 도현" panose="020B0600000101010101"/>
               </a:rPr>
+              <a:t> 및 홍보가 </a:t>
+            </a:r>
+            <a:r>
+              <a:rPr lang="ko-KR" altLang="en-US" sz="2000" spc="-150" dirty="0" err="1">
+                <a:ln>
+                  <a:solidFill>
+                    <a:schemeClr val="accent1">
+                      <a:alpha val="0"/>
+                    </a:schemeClr>
+                  </a:solidFill>
+                </a:ln>
+                <a:solidFill>
+                  <a:srgbClr val="282421"/>
+                </a:solidFill>
+                <a:latin typeface="a옛날사진관2" panose="02020600000000000000" pitchFamily="18" charset="-127"/>
+                <a:ea typeface="배달의민족 도현" panose="020B0600000101010101"/>
+              </a:rPr>
+              <a:t>쉬워짐</a:t>
+            </a:r>
+            <a:r>
+              <a:rPr lang="ko-KR" altLang="en-US" sz="2000" spc="-150" dirty="0">
+                <a:ln>
+                  <a:solidFill>
+                    <a:schemeClr val="accent1">
+                      <a:alpha val="0"/>
+                    </a:schemeClr>
+                  </a:solidFill>
+                </a:ln>
+                <a:solidFill>
+                  <a:srgbClr val="282421"/>
+                </a:solidFill>
+                <a:latin typeface="a옛날사진관2" panose="02020600000000000000" pitchFamily="18" charset="-127"/>
+                <a:ea typeface="배달의민족 도현" panose="020B0600000101010101"/>
+              </a:rPr>
               <a:t> </a:t>
             </a:r>
-            <a:endParaRPr lang="en-US" altLang="ko-KR" sz="2000" spc="-150" dirty="0" smtClean="0">
+            <a:endParaRPr lang="en-US" altLang="ko-KR" sz="2000" spc="-150" dirty="0">
               <a:ln>
                 <a:solidFill>
                   <a:schemeClr val="accent1">
@@ -21587,7 +21115,7 @@
               <a:t>-&gt; </a:t>
             </a:r>
             <a:r>
-              <a:rPr lang="ko-KR" altLang="en-US" sz="2000" spc="-150" dirty="0" smtClean="0">
+              <a:rPr lang="ko-KR" altLang="en-US" sz="2000" spc="-150" dirty="0">
                 <a:ln>
                   <a:solidFill>
                     <a:schemeClr val="accent1">
@@ -21604,7 +21132,7 @@
               <a:t>회사입장에서는 인재를 빨리 찾을 수 있음</a:t>
             </a:r>
             <a:r>
-              <a:rPr lang="ko-KR" altLang="en-US" sz="3200" spc="-150" dirty="0" smtClean="0">
+              <a:rPr lang="ko-KR" altLang="en-US" sz="3200" spc="-150" dirty="0">
                 <a:ln>
                   <a:solidFill>
                     <a:schemeClr val="accent1">
@@ -21881,7 +21409,7 @@
               <a:buNone/>
             </a:pPr>
             <a:r>
-              <a:rPr lang="en-US" altLang="ko-KR" sz="1100" b="1" dirty="0" smtClean="0">
+              <a:rPr lang="en-US" altLang="ko-KR" sz="1100" b="1" dirty="0">
                 <a:solidFill>
                   <a:schemeClr val="bg2">
                     <a:lumMod val="50000"/>
@@ -21922,7 +21450,7 @@
               <a:buNone/>
             </a:pPr>
             <a:r>
-              <a:rPr lang="en-US" altLang="ko-KR" sz="1100" b="1" dirty="0" smtClean="0">
+              <a:rPr lang="en-US" altLang="ko-KR" sz="1100" b="1" dirty="0">
                 <a:solidFill>
                   <a:schemeClr val="bg1"/>
                 </a:solidFill>
@@ -22459,16 +21987,12 @@
           </a:lstStyle>
           <a:p>
             <a:r>
-              <a:rPr lang="en-US" altLang="ko-KR" sz="2400" dirty="0" smtClean="0">
+              <a:rPr lang="en-US" altLang="ko-KR" sz="2400" dirty="0">
                 <a:latin typeface="Noto Sans CJK KR Medium" panose="020B0600000000000000" pitchFamily="34" charset="-127"/>
                 <a:ea typeface="Noto Sans CJK KR Medium" panose="020B0600000000000000" pitchFamily="34" charset="-127"/>
               </a:rPr>
               <a:t>03.</a:t>
             </a:r>
-            <a:endParaRPr lang="en-US" altLang="ko-KR" sz="2400" dirty="0">
-              <a:latin typeface="Noto Sans CJK KR Medium" panose="020B0600000000000000" pitchFamily="34" charset="-127"/>
-              <a:ea typeface="Noto Sans CJK KR Medium" panose="020B0600000000000000" pitchFamily="34" charset="-127"/>
-            </a:endParaRPr>
           </a:p>
           <a:p>
             <a:r>
@@ -22900,7 +22424,7 @@
           <a:lstStyle/>
           <a:p>
             <a:r>
-              <a:rPr lang="ko-KR" altLang="en-US" sz="2400" dirty="0" smtClean="0">
+              <a:rPr lang="ko-KR" altLang="en-US" sz="2400" dirty="0">
                 <a:latin typeface="HY헤드라인M" panose="02030600000101010101" pitchFamily="18" charset="-127"/>
                 <a:ea typeface="HY헤드라인M" panose="02030600000101010101" pitchFamily="18" charset="-127"/>
               </a:rPr>
@@ -22913,14 +22437,14 @@
           </a:p>
           <a:p>
             <a:r>
-              <a:rPr lang="ko-KR" altLang="en-US" dirty="0" smtClean="0">
+              <a:rPr lang="ko-KR" altLang="en-US" dirty="0">
                 <a:latin typeface="HY헤드라인M" panose="02030600000101010101" pitchFamily="18" charset="-127"/>
                 <a:ea typeface="HY헤드라인M" panose="02030600000101010101" pitchFamily="18" charset="-127"/>
               </a:rPr>
               <a:t>프론트 </a:t>
             </a:r>
             <a:r>
-              <a:rPr lang="ko-KR" altLang="en-US" dirty="0" err="1" smtClean="0">
+              <a:rPr lang="ko-KR" altLang="en-US" dirty="0" err="1">
                 <a:latin typeface="HY헤드라인M" panose="02030600000101010101" pitchFamily="18" charset="-127"/>
                 <a:ea typeface="HY헤드라인M" panose="02030600000101010101" pitchFamily="18" charset="-127"/>
               </a:rPr>
@@ -22956,7 +22480,7 @@
           <a:lstStyle/>
           <a:p>
             <a:r>
-              <a:rPr lang="ko-KR" altLang="en-US" sz="2400" dirty="0" err="1" smtClean="0">
+              <a:rPr lang="ko-KR" altLang="en-US" sz="2400" dirty="0" err="1">
                 <a:latin typeface="HY헤드라인M" panose="02030600000101010101" pitchFamily="18" charset="-127"/>
                 <a:ea typeface="HY헤드라인M" panose="02030600000101010101" pitchFamily="18" charset="-127"/>
               </a:rPr>
@@ -22969,16 +22493,12 @@
           </a:p>
           <a:p>
             <a:r>
-              <a:rPr lang="ko-KR" altLang="en-US" dirty="0" smtClean="0">
+              <a:rPr lang="ko-KR" altLang="en-US" dirty="0">
                 <a:latin typeface="HY헤드라인M" panose="02030600000101010101" pitchFamily="18" charset="-127"/>
                 <a:ea typeface="HY헤드라인M" panose="02030600000101010101" pitchFamily="18" charset="-127"/>
               </a:rPr>
               <a:t>서버 </a:t>
             </a:r>
-            <a:endParaRPr lang="ko-KR" altLang="en-US" dirty="0">
-              <a:latin typeface="HY헤드라인M" panose="02030600000101010101" pitchFamily="18" charset="-127"/>
-              <a:ea typeface="HY헤드라인M" panose="02030600000101010101" pitchFamily="18" charset="-127"/>
-            </a:endParaRPr>
           </a:p>
         </p:txBody>
       </p:sp>
@@ -23005,7 +22525,7 @@
           <a:lstStyle/>
           <a:p>
             <a:r>
-              <a:rPr lang="ko-KR" altLang="en-US" sz="2400" dirty="0" err="1" smtClean="0">
+              <a:rPr lang="ko-KR" altLang="en-US" sz="2400" dirty="0" err="1">
                 <a:latin typeface="HY헤드라인M" panose="02030600000101010101" pitchFamily="18" charset="-127"/>
                 <a:ea typeface="HY헤드라인M" panose="02030600000101010101" pitchFamily="18" charset="-127"/>
               </a:rPr>
@@ -23018,16 +22538,12 @@
           </a:p>
           <a:p>
             <a:r>
-              <a:rPr lang="ko-KR" altLang="en-US" dirty="0" smtClean="0">
+              <a:rPr lang="ko-KR" altLang="en-US" dirty="0">
                 <a:latin typeface="HY헤드라인M" panose="02030600000101010101" pitchFamily="18" charset="-127"/>
                 <a:ea typeface="HY헤드라인M" panose="02030600000101010101" pitchFamily="18" charset="-127"/>
               </a:rPr>
               <a:t>서버</a:t>
             </a:r>
-            <a:endParaRPr lang="ko-KR" altLang="en-US" dirty="0">
-              <a:latin typeface="HY헤드라인M" panose="02030600000101010101" pitchFamily="18" charset="-127"/>
-              <a:ea typeface="HY헤드라인M" panose="02030600000101010101" pitchFamily="18" charset="-127"/>
-            </a:endParaRPr>
           </a:p>
         </p:txBody>
       </p:sp>
@@ -23054,29 +22570,25 @@
           <a:lstStyle/>
           <a:p>
             <a:r>
-              <a:rPr lang="ko-KR" altLang="en-US" sz="2400" dirty="0" smtClean="0">
+              <a:rPr lang="ko-KR" altLang="en-US" sz="2400" dirty="0">
                 <a:latin typeface="HY헤드라인M" panose="02030600000101010101" pitchFamily="18" charset="-127"/>
                 <a:ea typeface="HY헤드라인M" panose="02030600000101010101" pitchFamily="18" charset="-127"/>
               </a:rPr>
               <a:t>김소연</a:t>
             </a:r>
-            <a:endParaRPr lang="en-US" altLang="ko-KR" sz="2400" dirty="0" smtClean="0">
+            <a:endParaRPr lang="en-US" altLang="ko-KR" sz="2400" dirty="0">
               <a:latin typeface="HY헤드라인M" panose="02030600000101010101" pitchFamily="18" charset="-127"/>
               <a:ea typeface="HY헤드라인M" panose="02030600000101010101" pitchFamily="18" charset="-127"/>
             </a:endParaRPr>
           </a:p>
           <a:p>
             <a:r>
-              <a:rPr lang="ko-KR" altLang="en-US" dirty="0" smtClean="0">
+              <a:rPr lang="ko-KR" altLang="en-US" dirty="0">
                 <a:latin typeface="HY헤드라인M" panose="02030600000101010101" pitchFamily="18" charset="-127"/>
                 <a:ea typeface="HY헤드라인M" panose="02030600000101010101" pitchFamily="18" charset="-127"/>
               </a:rPr>
               <a:t>연동</a:t>
             </a:r>
-            <a:endParaRPr lang="ko-KR" altLang="en-US" dirty="0">
-              <a:latin typeface="HY헤드라인M" panose="02030600000101010101" pitchFamily="18" charset="-127"/>
-              <a:ea typeface="HY헤드라인M" panose="02030600000101010101" pitchFamily="18" charset="-127"/>
-            </a:endParaRPr>
           </a:p>
         </p:txBody>
       </p:sp>
@@ -23090,13 +22602,6 @@
   <p:clrMapOvr>
     <a:masterClrMapping/>
   </p:clrMapOvr>
-  <p:timing>
-    <p:tnLst>
-      <p:par>
-        <p:cTn id="1" dur="indefinite" restart="never" nodeType="tmRoot"/>
-      </p:par>
-    </p:tnLst>
-  </p:timing>
 </p:sld>
 </file>
 
@@ -23338,29 +22843,21 @@
           </a:lstStyle>
           <a:p>
             <a:r>
-              <a:rPr lang="en-US" altLang="ko-KR" sz="2400" dirty="0" smtClean="0">
+              <a:rPr lang="en-US" altLang="ko-KR" sz="2400" dirty="0">
                 <a:latin typeface="Noto Sans CJK KR Medium" panose="020B0600000000000000" pitchFamily="34" charset="-127"/>
                 <a:ea typeface="Noto Sans CJK KR Medium" panose="020B0600000000000000" pitchFamily="34" charset="-127"/>
               </a:rPr>
               <a:t>04.</a:t>
             </a:r>
-            <a:endParaRPr lang="en-US" altLang="ko-KR" sz="2400" dirty="0">
-              <a:latin typeface="Noto Sans CJK KR Medium" panose="020B0600000000000000" pitchFamily="34" charset="-127"/>
-              <a:ea typeface="Noto Sans CJK KR Medium" panose="020B0600000000000000" pitchFamily="34" charset="-127"/>
-            </a:endParaRPr>
           </a:p>
           <a:p>
             <a:r>
-              <a:rPr lang="ko-KR" altLang="en-US" sz="2400" dirty="0" smtClean="0">
+              <a:rPr lang="ko-KR" altLang="en-US" sz="2400" dirty="0">
                 <a:latin typeface="Noto Sans CJK KR Medium" panose="020B0600000000000000" pitchFamily="34" charset="-127"/>
                 <a:ea typeface="Noto Sans CJK KR Medium" panose="020B0600000000000000" pitchFamily="34" charset="-127"/>
               </a:rPr>
               <a:t>개발 </a:t>
             </a:r>
-            <a:endParaRPr lang="ko-KR" altLang="en-US" sz="2400" dirty="0">
-              <a:latin typeface="Noto Sans CJK KR Medium" panose="020B0600000000000000" pitchFamily="34" charset="-127"/>
-              <a:ea typeface="Noto Sans CJK KR Medium" panose="020B0600000000000000" pitchFamily="34" charset="-127"/>
-            </a:endParaRPr>
           </a:p>
         </p:txBody>
       </p:sp>
@@ -24344,16 +23841,12 @@
           </a:lstStyle>
           <a:p>
             <a:r>
-              <a:rPr lang="en-US" altLang="ko-KR" sz="2400" dirty="0" smtClean="0">
+              <a:rPr lang="en-US" altLang="ko-KR" sz="2400" dirty="0">
                 <a:latin typeface="Noto Sans CJK KR Medium" panose="020B0600000000000000" pitchFamily="34" charset="-127"/>
                 <a:ea typeface="Noto Sans CJK KR Medium" panose="020B0600000000000000" pitchFamily="34" charset="-127"/>
               </a:rPr>
               <a:t>05</a:t>
             </a:r>
-            <a:endParaRPr lang="en-US" altLang="ko-KR" sz="2400" dirty="0">
-              <a:latin typeface="Noto Sans CJK KR Medium" panose="020B0600000000000000" pitchFamily="34" charset="-127"/>
-              <a:ea typeface="Noto Sans CJK KR Medium" panose="020B0600000000000000" pitchFamily="34" charset="-127"/>
-            </a:endParaRPr>
           </a:p>
           <a:p>
             <a:r>
@@ -24729,13 +24222,6 @@
   <p:clrMapOvr>
     <a:masterClrMapping/>
   </p:clrMapOvr>
-  <p:timing>
-    <p:tnLst>
-      <p:par>
-        <p:cTn id="1" dur="indefinite" restart="never" nodeType="tmRoot"/>
-      </p:par>
-    </p:tnLst>
-  </p:timing>
 </p:sld>
 </file>
 
@@ -24977,16 +24463,12 @@
           </a:lstStyle>
           <a:p>
             <a:r>
-              <a:rPr lang="en-US" altLang="ko-KR" sz="2400" dirty="0" smtClean="0">
+              <a:rPr lang="en-US" altLang="ko-KR" sz="2400" dirty="0">
                 <a:latin typeface="Noto Sans CJK KR Medium" panose="020B0600000000000000" pitchFamily="34" charset="-127"/>
                 <a:ea typeface="Noto Sans CJK KR Medium" panose="020B0600000000000000" pitchFamily="34" charset="-127"/>
               </a:rPr>
               <a:t>06</a:t>
             </a:r>
-            <a:endParaRPr lang="en-US" altLang="ko-KR" sz="2400" dirty="0">
-              <a:latin typeface="Noto Sans CJK KR Medium" panose="020B0600000000000000" pitchFamily="34" charset="-127"/>
-              <a:ea typeface="Noto Sans CJK KR Medium" panose="020B0600000000000000" pitchFamily="34" charset="-127"/>
-            </a:endParaRPr>
           </a:p>
           <a:p>
             <a:r>
@@ -25398,7 +24880,7 @@
               <a:t>요구사항 도출 </a:t>
             </a:r>
             <a:r>
-              <a:rPr lang="en-US" altLang="ko-KR" sz="2400" spc="-150" dirty="0" smtClean="0">
+              <a:rPr lang="en-US" altLang="ko-KR" sz="2400" spc="-150" dirty="0">
                 <a:ln>
                   <a:solidFill>
                     <a:schemeClr val="accent1">
@@ -25415,7 +24897,7 @@
               <a:t>–</a:t>
             </a:r>
             <a:r>
-              <a:rPr lang="ko-KR" altLang="en-US" sz="2400" spc="-150" dirty="0" smtClean="0">
+              <a:rPr lang="ko-KR" altLang="en-US" sz="2400" spc="-150" dirty="0">
                 <a:ln>
                   <a:solidFill>
                     <a:schemeClr val="accent1">
@@ -25720,7 +25202,7 @@
               <a:t>분야 또는 특성 키워드를 이용하여 알맞은 </a:t>
             </a:r>
             <a:r>
-              <a:rPr lang="ko-KR" altLang="en-US" sz="1800" b="1" dirty="0" err="1" smtClean="0">
+              <a:rPr lang="ko-KR" altLang="en-US" sz="1800" b="1" dirty="0" err="1">
                 <a:solidFill>
                   <a:schemeClr val="tx1">
                     <a:lumMod val="85000"/>
@@ -25746,7 +25228,7 @@
               <a:t> </a:t>
             </a:r>
             <a:r>
-              <a:rPr lang="ko-KR" altLang="en-US" sz="1800" b="1" dirty="0" smtClean="0">
+              <a:rPr lang="ko-KR" altLang="en-US" sz="1800" b="1" dirty="0">
                 <a:solidFill>
                   <a:schemeClr val="tx1">
                     <a:lumMod val="85000"/>
@@ -25756,20 +25238,7 @@
                 <a:latin typeface="배달의민족 도현" pitchFamily="50" charset="-127"/>
                 <a:ea typeface="배달의민족 도현" pitchFamily="50" charset="-127"/>
               </a:rPr>
-              <a:t>검색 </a:t>
-            </a:r>
-            <a:r>
-              <a:rPr lang="ko-KR" altLang="en-US" sz="1800" b="1" dirty="0">
-                <a:solidFill>
-                  <a:schemeClr val="tx1">
-                    <a:lumMod val="85000"/>
-                    <a:lumOff val="15000"/>
-                  </a:schemeClr>
-                </a:solidFill>
-                <a:latin typeface="배달의민족 도현" pitchFamily="50" charset="-127"/>
-                <a:ea typeface="배달의민족 도현" pitchFamily="50" charset="-127"/>
-              </a:rPr>
-              <a:t>기능 및 고급검색 기능</a:t>
+              <a:t>검색 기능 및 고급검색 기능</a:t>
             </a:r>
             <a:r>
               <a:rPr lang="en-US" altLang="ko-KR" sz="1800" b="1" dirty="0">
@@ -26711,40 +26180,30 @@
                   </a:schemeClr>
                 </a:solidFill>
               </a:rPr>
-              <a:t>기존의 </a:t>
-            </a:r>
-            <a:r>
-              <a:rPr lang="ko-KR" altLang="en-US" sz="1800" dirty="0" smtClean="0">
+              <a:t>기존의 책으로 된 </a:t>
+            </a:r>
+            <a:r>
+              <a:rPr lang="en-US" altLang="ko-KR" sz="1800" dirty="0">
                 <a:solidFill>
                   <a:schemeClr val="bg1">
                     <a:lumMod val="75000"/>
                   </a:schemeClr>
                 </a:solidFill>
               </a:rPr>
-              <a:t>책으로 된 </a:t>
-            </a:r>
-            <a:r>
-              <a:rPr lang="en-US" altLang="ko-KR" sz="1800" dirty="0">
+              <a:t>“</a:t>
+            </a:r>
+            <a:r>
+              <a:rPr lang="ko-KR" altLang="en-US" sz="1800" dirty="0" err="1">
                 <a:solidFill>
                   <a:schemeClr val="bg1">
                     <a:lumMod val="75000"/>
                   </a:schemeClr>
                 </a:solidFill>
               </a:rPr>
-              <a:t>“</a:t>
-            </a:r>
-            <a:r>
-              <a:rPr lang="ko-KR" altLang="en-US" sz="1800" dirty="0" err="1" smtClean="0">
-                <a:solidFill>
-                  <a:schemeClr val="bg1">
-                    <a:lumMod val="75000"/>
-                  </a:schemeClr>
-                </a:solidFill>
-              </a:rPr>
               <a:t>레주메</a:t>
             </a:r>
             <a:r>
-              <a:rPr lang="ko-KR" altLang="en-US" sz="1800" dirty="0" smtClean="0">
+              <a:rPr lang="ko-KR" altLang="en-US" sz="1800" dirty="0">
                 <a:solidFill>
                   <a:schemeClr val="bg1">
                     <a:lumMod val="75000"/>
@@ -27113,16 +26572,12 @@
           </a:lstStyle>
           <a:p>
             <a:r>
-              <a:rPr lang="en-US" altLang="ko-KR" sz="2400" dirty="0" smtClean="0">
+              <a:rPr lang="en-US" altLang="ko-KR" sz="2400" dirty="0">
                 <a:latin typeface="Noto Sans CJK KR Medium" panose="020B0600000000000000" pitchFamily="34" charset="-127"/>
                 <a:ea typeface="Noto Sans CJK KR Medium" panose="020B0600000000000000" pitchFamily="34" charset="-127"/>
               </a:rPr>
               <a:t>07</a:t>
             </a:r>
-            <a:endParaRPr lang="en-US" altLang="ko-KR" sz="2400" dirty="0">
-              <a:latin typeface="Noto Sans CJK KR Medium" panose="020B0600000000000000" pitchFamily="34" charset="-127"/>
-              <a:ea typeface="Noto Sans CJK KR Medium" panose="020B0600000000000000" pitchFamily="34" charset="-127"/>
-            </a:endParaRPr>
           </a:p>
           <a:p>
             <a:r>
@@ -27637,7 +27092,7 @@
         </p:nvGraphicFramePr>
         <p:xfrm>
           <a:off x="2857298" y="1849129"/>
-          <a:ext cx="8725102" cy="4736447"/>
+          <a:ext cx="8725102" cy="4761847"/>
         </p:xfrm>
         <a:graphic>
           <a:graphicData uri="http://schemas.openxmlformats.org/drawingml/2006/table">
@@ -28784,16 +28239,12 @@
           </a:lstStyle>
           <a:p>
             <a:r>
-              <a:rPr lang="en-US" altLang="ko-KR" sz="2400" dirty="0" smtClean="0">
+              <a:rPr lang="en-US" altLang="ko-KR" sz="2400" dirty="0">
                 <a:latin typeface="Noto Sans CJK KR Medium" panose="020B0600000000000000" pitchFamily="34" charset="-127"/>
                 <a:ea typeface="Noto Sans CJK KR Medium" panose="020B0600000000000000" pitchFamily="34" charset="-127"/>
               </a:rPr>
               <a:t>08</a:t>
             </a:r>
-            <a:endParaRPr lang="en-US" altLang="ko-KR" sz="2400" dirty="0">
-              <a:latin typeface="Noto Sans CJK KR Medium" panose="020B0600000000000000" pitchFamily="34" charset="-127"/>
-              <a:ea typeface="Noto Sans CJK KR Medium" panose="020B0600000000000000" pitchFamily="34" charset="-127"/>
-            </a:endParaRPr>
           </a:p>
           <a:p>
             <a:r>
@@ -29271,7 +28722,7 @@
         </p:nvGraphicFramePr>
         <p:xfrm>
           <a:off x="2919663" y="1849129"/>
-          <a:ext cx="8181477" cy="5264458"/>
+          <a:ext cx="8181477" cy="5282174"/>
         </p:xfrm>
         <a:graphic>
           <a:graphicData uri="http://schemas.openxmlformats.org/drawingml/2006/table">
@@ -29432,7 +28883,7 @@
                         <a:t> 실시간 수정 </a:t>
                       </a:r>
                       <a:r>
-                        <a:rPr lang="ko-KR" sz="1400" b="0" kern="100" dirty="0" smtClean="0">
+                        <a:rPr lang="ko-KR" sz="1400" b="0" kern="100" dirty="0">
                           <a:effectLst/>
                         </a:rPr>
                         <a:t>기능</a:t>
@@ -29485,16 +28936,10 @@
                         <a:rPr lang="ko-KR" sz="1400" kern="100" dirty="0">
                           <a:effectLst/>
                         </a:rPr>
-                        <a:t>으로 올리는 </a:t>
-                      </a:r>
-                      <a:r>
-                        <a:rPr lang="ko-KR" sz="1400" kern="100" dirty="0" smtClean="0">
-                          <a:effectLst/>
-                        </a:rPr>
-                        <a:t>기</a:t>
-                      </a:r>
-                      <a:r>
-                        <a:rPr lang="ko-KR" altLang="en-US" sz="1400" kern="100" dirty="0" smtClean="0">
+                        <a:t>으로 올리는 기</a:t>
+                      </a:r>
+                      <a:r>
+                        <a:rPr lang="ko-KR" altLang="en-US" sz="1400" kern="100" dirty="0">
                           <a:effectLst/>
                         </a:rPr>
                         <a:t>능</a:t>
@@ -29577,7 +29022,7 @@
                         <a:t>로그인 </a:t>
                       </a:r>
                       <a:r>
-                        <a:rPr lang="ko-KR" sz="1400" b="0" kern="100" dirty="0" smtClean="0">
+                        <a:rPr lang="ko-KR" sz="1400" b="0" kern="100" dirty="0">
                           <a:effectLst/>
                         </a:rPr>
                         <a:t>기능</a:t>
@@ -29618,24 +29063,24 @@
                         <a:defRPr/>
                       </a:pPr>
                       <a:r>
-                        <a:rPr lang="ko-KR" altLang="ko-KR" sz="1400" kern="100" dirty="0" smtClean="0">
+                        <a:rPr lang="ko-KR" altLang="ko-KR" sz="1400" kern="100" dirty="0">
                           <a:effectLst/>
                         </a:rPr>
                         <a:t>회사 사용자가 관심이 가는 학생을 자신의 </a:t>
                       </a:r>
                       <a:r>
-                        <a:rPr lang="ko-KR" altLang="ko-KR" sz="1400" b="1" kern="100" dirty="0" smtClean="0">
+                        <a:rPr lang="ko-KR" altLang="ko-KR" sz="1400" b="1" kern="100" dirty="0">
                           <a:effectLst/>
                         </a:rPr>
                         <a:t>관심 목록에 저장</a:t>
                       </a:r>
                       <a:r>
-                        <a:rPr lang="ko-KR" altLang="ko-KR" sz="1400" kern="100" dirty="0" smtClean="0">
+                        <a:rPr lang="ko-KR" altLang="ko-KR" sz="1400" kern="100" dirty="0">
                           <a:effectLst/>
                         </a:rPr>
                         <a:t>할 수 있는 기능</a:t>
                       </a:r>
-                      <a:endParaRPr lang="ko-KR" altLang="ko-KR" sz="1400" kern="100" dirty="0" smtClean="0">
+                      <a:endParaRPr lang="ko-KR" altLang="ko-KR" sz="1400" kern="100" dirty="0">
                         <a:solidFill>
                           <a:srgbClr val="000000"/>
                         </a:solidFill>
@@ -29654,7 +29099,7 @@
                           <a:spcPts val="0"/>
                         </a:spcAft>
                       </a:pPr>
-                      <a:endParaRPr lang="ko-KR" altLang="ko-KR" sz="1400" kern="100" dirty="0" smtClean="0">
+                      <a:endParaRPr lang="ko-KR" altLang="ko-KR" sz="1400" kern="100" dirty="0">
                         <a:solidFill>
                           <a:srgbClr val="000000"/>
                         </a:solidFill>
@@ -29709,42 +29154,42 @@
                         <a:defRPr/>
                       </a:pPr>
                       <a:r>
-                        <a:rPr lang="ko-KR" altLang="ko-KR" sz="1400" kern="100" dirty="0" smtClean="0">
+                        <a:rPr lang="ko-KR" altLang="ko-KR" sz="1400" kern="100" dirty="0">
                           <a:effectLst/>
                         </a:rPr>
                         <a:t>사용자 </a:t>
                       </a:r>
                       <a:r>
-                        <a:rPr lang="ko-KR" altLang="ko-KR" sz="1400" b="1" kern="100" dirty="0" smtClean="0">
+                        <a:rPr lang="ko-KR" altLang="ko-KR" sz="1400" b="1" kern="100" dirty="0">
                           <a:effectLst/>
                         </a:rPr>
                         <a:t>마다 각 년도 별 </a:t>
                       </a:r>
                       <a:r>
-                        <a:rPr lang="ko-KR" altLang="ko-KR" sz="1400" b="1" kern="100" dirty="0" err="1" smtClean="0">
+                        <a:rPr lang="ko-KR" altLang="ko-KR" sz="1400" b="1" kern="100" dirty="0" err="1">
                           <a:effectLst/>
                         </a:rPr>
                         <a:t>레주메</a:t>
                       </a:r>
                       <a:r>
-                        <a:rPr lang="ko-KR" altLang="ko-KR" sz="1400" b="1" kern="100" dirty="0" smtClean="0">
+                        <a:rPr lang="ko-KR" altLang="ko-KR" sz="1400" b="1" kern="100" dirty="0">
                           <a:effectLst/>
                         </a:rPr>
                         <a:t> 목록 등록</a:t>
                       </a:r>
                       <a:r>
-                        <a:rPr lang="en-US" altLang="ko-KR" sz="1400" b="1" kern="100" dirty="0" smtClean="0">
+                        <a:rPr lang="en-US" altLang="ko-KR" sz="1400" b="1" kern="100" dirty="0">
                           <a:effectLst/>
                         </a:rPr>
                         <a:t>   </a:t>
                       </a:r>
                       <a:r>
-                        <a:rPr lang="ko-KR" altLang="ko-KR" sz="1400" kern="100" dirty="0" smtClean="0">
+                        <a:rPr lang="ko-KR" altLang="ko-KR" sz="1400" kern="100" dirty="0">
                           <a:effectLst/>
                         </a:rPr>
                         <a:t>기능</a:t>
                       </a:r>
-                      <a:endParaRPr lang="ko-KR" altLang="ko-KR" sz="1400" kern="100" dirty="0" smtClean="0">
+                      <a:endParaRPr lang="ko-KR" altLang="ko-KR" sz="1400" kern="100" dirty="0">
                         <a:solidFill>
                           <a:srgbClr val="000000"/>
                         </a:solidFill>
@@ -29830,13 +29275,7 @@
                         <a:rPr lang="ko-KR" sz="1400" b="0" kern="100" dirty="0">
                           <a:effectLst/>
                         </a:rPr>
-                        <a:t> </a:t>
-                      </a:r>
-                      <a:r>
-                        <a:rPr lang="ko-KR" sz="1400" b="0" kern="100" dirty="0" smtClean="0">
-                          <a:effectLst/>
-                        </a:rPr>
-                        <a:t>기능</a:t>
+                        <a:t> 기능</a:t>
                       </a:r>
                       <a:endParaRPr lang="ko-KR" sz="1400" b="0" kern="100" dirty="0">
                         <a:solidFill>
@@ -29874,60 +29313,60 @@
                         <a:defRPr/>
                       </a:pPr>
                       <a:r>
-                        <a:rPr lang="ko-KR" altLang="ko-KR" sz="1400" kern="100" dirty="0" smtClean="0">
+                        <a:rPr lang="ko-KR" altLang="ko-KR" sz="1400" kern="100" dirty="0">
                           <a:effectLst/>
                         </a:rPr>
                         <a:t>학생들의 </a:t>
                       </a:r>
                       <a:r>
-                        <a:rPr lang="ko-KR" altLang="ko-KR" sz="1400" kern="100" dirty="0" err="1" smtClean="0">
+                        <a:rPr lang="ko-KR" altLang="ko-KR" sz="1400" kern="100" dirty="0" err="1">
                           <a:effectLst/>
                         </a:rPr>
                         <a:t>레주메를</a:t>
                       </a:r>
                       <a:r>
-                        <a:rPr lang="ko-KR" altLang="ko-KR" sz="1400" kern="100" dirty="0" smtClean="0">
+                        <a:rPr lang="ko-KR" altLang="ko-KR" sz="1400" kern="100" dirty="0">
                           <a:effectLst/>
                         </a:rPr>
                         <a:t> 학년</a:t>
                       </a:r>
                       <a:r>
-                        <a:rPr lang="en-US" altLang="ko-KR" sz="1400" kern="100" dirty="0" smtClean="0">
+                        <a:rPr lang="en-US" altLang="ko-KR" sz="1400" kern="100" dirty="0">
                           <a:effectLst/>
                         </a:rPr>
                         <a:t>, </a:t>
                       </a:r>
                       <a:r>
-                        <a:rPr lang="ko-KR" altLang="ko-KR" sz="1400" kern="100" dirty="0" smtClean="0">
+                        <a:rPr lang="ko-KR" altLang="ko-KR" sz="1400" kern="100" dirty="0">
                           <a:effectLst/>
                         </a:rPr>
                         <a:t>반</a:t>
                       </a:r>
                       <a:r>
-                        <a:rPr lang="en-US" altLang="ko-KR" sz="1400" kern="100" dirty="0" smtClean="0">
+                        <a:rPr lang="en-US" altLang="ko-KR" sz="1400" kern="100" dirty="0">
                           <a:effectLst/>
                         </a:rPr>
                         <a:t>, </a:t>
                       </a:r>
                       <a:r>
-                        <a:rPr lang="ko-KR" altLang="ko-KR" sz="1400" kern="100" dirty="0" smtClean="0">
+                        <a:rPr lang="ko-KR" altLang="ko-KR" sz="1400" kern="100" dirty="0">
                           <a:effectLst/>
                         </a:rPr>
                         <a:t>과로 </a:t>
                       </a:r>
                       <a:r>
-                        <a:rPr lang="ko-KR" altLang="ko-KR" sz="1400" b="1" kern="100" dirty="0" smtClean="0">
+                        <a:rPr lang="ko-KR" altLang="ko-KR" sz="1400" b="1" kern="100" dirty="0">
                           <a:effectLst/>
                         </a:rPr>
                         <a:t>카테고리 분류해주는 </a:t>
                       </a:r>
                       <a:r>
-                        <a:rPr lang="ko-KR" altLang="ko-KR" sz="1400" kern="100" dirty="0" smtClean="0">
+                        <a:rPr lang="ko-KR" altLang="ko-KR" sz="1400" kern="100" dirty="0">
                           <a:effectLst/>
                         </a:rPr>
                         <a:t>기능</a:t>
                       </a:r>
-                      <a:endParaRPr lang="ko-KR" altLang="ko-KR" sz="1400" kern="100" dirty="0" smtClean="0">
+                      <a:endParaRPr lang="ko-KR" altLang="ko-KR" sz="1400" kern="100" dirty="0">
                         <a:solidFill>
                           <a:srgbClr val="000000"/>
                         </a:solidFill>
@@ -30006,37 +29445,37 @@
                         </a:spcAft>
                       </a:pPr>
                       <a:r>
-                        <a:rPr lang="ko-KR" altLang="ko-KR" sz="1400" b="0" kern="100" dirty="0" smtClean="0">
+                        <a:rPr lang="ko-KR" altLang="ko-KR" sz="1400" b="0" kern="100" dirty="0">
                           <a:effectLst/>
                         </a:rPr>
                         <a:t>회사 사용자의 </a:t>
                       </a:r>
                       <a:r>
-                        <a:rPr lang="ko-KR" altLang="ko-KR" sz="1400" b="1" kern="100" dirty="0" smtClean="0">
+                        <a:rPr lang="ko-KR" altLang="ko-KR" sz="1400" b="1" kern="100" dirty="0">
                           <a:effectLst/>
                         </a:rPr>
                         <a:t>시리얼 키를 회사가 원하는 분야와 매칭</a:t>
                       </a:r>
                       <a:r>
-                        <a:rPr lang="ko-KR" altLang="ko-KR" sz="1400" b="0" kern="100" dirty="0" smtClean="0">
+                        <a:rPr lang="ko-KR" altLang="ko-KR" sz="1400" b="0" kern="100" dirty="0">
                           <a:effectLst/>
                         </a:rPr>
                         <a:t>되는 값을 포함시켜서 나중에 회사 사용자 로그인 시 해당 분야의 </a:t>
                       </a:r>
                       <a:r>
-                        <a:rPr lang="ko-KR" altLang="ko-KR" sz="1400" b="1" kern="100" dirty="0" smtClean="0">
+                        <a:rPr lang="ko-KR" altLang="ko-KR" sz="1400" b="1" kern="100" dirty="0">
                           <a:effectLst/>
                         </a:rPr>
                         <a:t>학생들의 </a:t>
                       </a:r>
                       <a:r>
-                        <a:rPr lang="ko-KR" altLang="ko-KR" sz="1400" b="1" kern="100" dirty="0" err="1" smtClean="0">
+                        <a:rPr lang="ko-KR" altLang="ko-KR" sz="1400" b="1" kern="100" dirty="0" err="1">
                           <a:effectLst/>
                         </a:rPr>
                         <a:t>레주메</a:t>
                       </a:r>
                       <a:r>
-                        <a:rPr lang="ko-KR" altLang="ko-KR" sz="1400" b="1" kern="100" dirty="0" smtClean="0">
+                        <a:rPr lang="ko-KR" altLang="ko-KR" sz="1400" b="1" kern="100" dirty="0">
                           <a:effectLst/>
                         </a:rPr>
                         <a:t> 목록을 보여주는 기능</a:t>
@@ -30068,66 +29507,66 @@
                         </a:spcAft>
                       </a:pPr>
                       <a:r>
-                        <a:rPr lang="ko-KR" altLang="ko-KR" sz="1400" kern="100" dirty="0" smtClean="0">
+                        <a:rPr lang="ko-KR" altLang="ko-KR" sz="1400" kern="100" dirty="0">
                           <a:effectLst/>
                         </a:rPr>
                         <a:t>대회 참여 또는 수상 경력을 입력할 때 </a:t>
                       </a:r>
                       <a:r>
-                        <a:rPr lang="ko-KR" altLang="ko-KR" sz="1400" b="1" kern="100" dirty="0" smtClean="0">
+                        <a:rPr lang="ko-KR" altLang="ko-KR" sz="1400" b="1" kern="100" dirty="0">
                           <a:effectLst/>
                         </a:rPr>
                         <a:t>참여한 대회를 등록</a:t>
                       </a:r>
                       <a:r>
-                        <a:rPr lang="ko-KR" altLang="ko-KR" sz="1400" kern="100" dirty="0" smtClean="0">
+                        <a:rPr lang="ko-KR" altLang="ko-KR" sz="1400" kern="100" dirty="0">
                           <a:effectLst/>
                         </a:rPr>
                         <a:t>하는 기능</a:t>
                       </a:r>
                       <a:r>
-                        <a:rPr lang="en-US" altLang="ko-KR" sz="1400" kern="100" dirty="0" smtClean="0">
+                        <a:rPr lang="en-US" altLang="ko-KR" sz="1400" kern="100" dirty="0">
                           <a:effectLst/>
                         </a:rPr>
                         <a:t>. (</a:t>
                       </a:r>
                       <a:r>
-                        <a:rPr lang="ko-KR" altLang="ko-KR" sz="1400" kern="100" dirty="0" smtClean="0">
+                        <a:rPr lang="ko-KR" altLang="ko-KR" sz="1400" kern="100" dirty="0">
                           <a:effectLst/>
                         </a:rPr>
                         <a:t>대회 명</a:t>
                       </a:r>
                       <a:r>
-                        <a:rPr lang="en-US" altLang="ko-KR" sz="1400" kern="100" dirty="0" smtClean="0">
+                        <a:rPr lang="en-US" altLang="ko-KR" sz="1400" kern="100" dirty="0">
                           <a:effectLst/>
                         </a:rPr>
                         <a:t>, </a:t>
                       </a:r>
                       <a:r>
-                        <a:rPr lang="ko-KR" altLang="ko-KR" sz="1400" kern="100" dirty="0" smtClean="0">
+                        <a:rPr lang="ko-KR" altLang="ko-KR" sz="1400" kern="100" dirty="0">
                           <a:effectLst/>
                         </a:rPr>
                         <a:t>주최자</a:t>
                       </a:r>
                       <a:r>
-                        <a:rPr lang="en-US" altLang="ko-KR" sz="1400" kern="100" dirty="0" smtClean="0">
+                        <a:rPr lang="en-US" altLang="ko-KR" sz="1400" kern="100" dirty="0">
                           <a:effectLst/>
                         </a:rPr>
                         <a:t>, </a:t>
                       </a:r>
                       <a:r>
-                        <a:rPr lang="ko-KR" altLang="ko-KR" sz="1400" kern="100" dirty="0" smtClean="0">
+                        <a:rPr lang="ko-KR" altLang="ko-KR" sz="1400" kern="100" dirty="0">
                           <a:effectLst/>
                         </a:rPr>
                         <a:t>대회 개최 장소 등 입력</a:t>
                       </a:r>
                       <a:r>
-                        <a:rPr lang="en-US" altLang="ko-KR" sz="1400" kern="100" dirty="0" smtClean="0">
+                        <a:rPr lang="en-US" altLang="ko-KR" sz="1400" kern="100" dirty="0">
                           <a:effectLst/>
                         </a:rPr>
                         <a:t>)</a:t>
                       </a:r>
-                      <a:endParaRPr lang="ko-KR" altLang="ko-KR" sz="1400" kern="100" dirty="0" smtClean="0">
+                      <a:endParaRPr lang="ko-KR" altLang="ko-KR" sz="1400" kern="100" dirty="0">
                         <a:effectLst/>
                       </a:endParaRPr>
                     </a:p>
@@ -30141,18 +29580,18 @@
                         </a:spcAft>
                       </a:pPr>
                       <a:r>
-                        <a:rPr lang="en-US" altLang="ko-KR" sz="1400" kern="100" dirty="0" smtClean="0">
+                        <a:rPr lang="en-US" altLang="ko-KR" sz="1400" kern="100" dirty="0">
                           <a:effectLst/>
                         </a:rPr>
                         <a:t>=&gt;</a:t>
                       </a:r>
                       <a:r>
-                        <a:rPr lang="ko-KR" altLang="ko-KR" sz="1400" kern="100" dirty="0" smtClean="0">
+                        <a:rPr lang="ko-KR" altLang="ko-KR" sz="1400" kern="100" dirty="0">
                           <a:effectLst/>
                         </a:rPr>
                         <a:t>다른 학생들은 바로 등록된 대회를 참조할 수 있음</a:t>
                       </a:r>
-                      <a:endParaRPr lang="en-US" altLang="ko-KR" sz="1400" kern="100" dirty="0" smtClean="0">
+                      <a:endParaRPr lang="en-US" altLang="ko-KR" sz="1400" kern="100" dirty="0">
                         <a:effectLst/>
                       </a:endParaRPr>
                     </a:p>
@@ -30240,37 +29679,37 @@
                         <a:defRPr/>
                       </a:pPr>
                       <a:r>
-                        <a:rPr lang="ko-KR" altLang="ko-KR" sz="1400" b="0" kern="100" dirty="0" err="1" smtClean="0">
+                        <a:rPr lang="ko-KR" altLang="ko-KR" sz="1400" b="0" kern="100" dirty="0" err="1">
                           <a:effectLst/>
                         </a:rPr>
                         <a:t>레주메</a:t>
                       </a:r>
                       <a:r>
-                        <a:rPr lang="ko-KR" altLang="ko-KR" sz="1400" kern="100" dirty="0" smtClean="0">
+                        <a:rPr lang="ko-KR" altLang="ko-KR" sz="1400" kern="100" dirty="0">
                           <a:effectLst/>
                         </a:rPr>
                         <a:t> 양식 틀 </a:t>
                       </a:r>
                       <a:r>
-                        <a:rPr lang="ko-KR" altLang="ko-KR" sz="1400" b="0" kern="100" dirty="0" smtClean="0">
+                        <a:rPr lang="ko-KR" altLang="ko-KR" sz="1400" b="0" kern="100" dirty="0">
                           <a:effectLst/>
                         </a:rPr>
                         <a:t>제공</a:t>
                       </a:r>
                       <a:r>
-                        <a:rPr lang="en-US" altLang="ko-KR" sz="1400" kern="100" dirty="0" smtClean="0">
+                        <a:rPr lang="en-US" altLang="ko-KR" sz="1400" kern="100" dirty="0">
                           <a:effectLst/>
                         </a:rPr>
                         <a:t> (</a:t>
                       </a:r>
                       <a:r>
-                        <a:rPr lang="ko-KR" altLang="ko-KR" sz="1400" kern="100" dirty="0" smtClean="0">
+                        <a:rPr lang="ko-KR" altLang="ko-KR" sz="1400" kern="100" dirty="0">
                           <a:effectLst/>
                         </a:rPr>
                         <a:t>자료</a:t>
                       </a:r>
                       <a:r>
-                        <a:rPr lang="en-US" altLang="ko-KR" sz="1400" kern="100" dirty="0" smtClean="0">
+                        <a:rPr lang="en-US" altLang="ko-KR" sz="1400" kern="100" dirty="0">
                           <a:effectLst/>
                         </a:rPr>
                         <a:t>)</a:t>
@@ -30303,18 +29742,18 @@
                         <a:defRPr/>
                       </a:pPr>
                       <a:r>
-                        <a:rPr lang="ko-KR" altLang="ko-KR" sz="1400" b="1" kern="100" dirty="0" smtClean="0">
+                        <a:rPr lang="ko-KR" altLang="ko-KR" sz="1400" b="1" kern="100" dirty="0">
                           <a:effectLst/>
                         </a:rPr>
                         <a:t>자동 로그인 </a:t>
                       </a:r>
                       <a:r>
-                        <a:rPr lang="ko-KR" altLang="ko-KR" sz="1400" kern="100" dirty="0" smtClean="0">
+                        <a:rPr lang="ko-KR" altLang="ko-KR" sz="1400" kern="100" dirty="0">
                           <a:effectLst/>
                         </a:rPr>
                         <a:t>기능</a:t>
                       </a:r>
-                      <a:endParaRPr lang="ko-KR" altLang="ko-KR" sz="1400" kern="100" dirty="0" smtClean="0">
+                      <a:endParaRPr lang="ko-KR" altLang="ko-KR" sz="1400" kern="100" dirty="0">
                         <a:solidFill>
                           <a:srgbClr val="000000"/>
                         </a:solidFill>
@@ -30403,30 +29842,30 @@
                         <a:t> </a:t>
                       </a:r>
                       <a:r>
-                        <a:rPr lang="ko-KR" altLang="ko-KR" sz="1400" b="0" kern="100" dirty="0" err="1" smtClean="0">
+                        <a:rPr lang="ko-KR" altLang="ko-KR" sz="1400" b="0" kern="100" dirty="0" err="1">
                           <a:effectLst/>
                         </a:rPr>
                         <a:t>레주메를</a:t>
                       </a:r>
                       <a:r>
-                        <a:rPr lang="ko-KR" altLang="ko-KR" sz="1400" b="0" kern="100" dirty="0" smtClean="0">
+                        <a:rPr lang="ko-KR" altLang="ko-KR" sz="1400" b="0" kern="100" dirty="0">
                           <a:effectLst/>
                         </a:rPr>
                         <a:t> </a:t>
                       </a:r>
                       <a:r>
-                        <a:rPr lang="ko-KR" altLang="en-US" sz="1400" b="1" kern="100" dirty="0" smtClean="0">
+                        <a:rPr lang="ko-KR" altLang="en-US" sz="1400" b="1" kern="100" dirty="0">
                           <a:effectLst/>
                         </a:rPr>
                         <a:t>출력</a:t>
                       </a:r>
                       <a:r>
-                        <a:rPr lang="ko-KR" altLang="ko-KR" sz="1400" b="0" kern="100" dirty="0" smtClean="0">
+                        <a:rPr lang="ko-KR" altLang="ko-KR" sz="1400" b="0" kern="100" dirty="0">
                           <a:effectLst/>
                         </a:rPr>
                         <a:t>하는 기능</a:t>
                       </a:r>
-                      <a:endParaRPr lang="ko-KR" altLang="ko-KR" sz="1400" b="0" kern="100" dirty="0" smtClean="0">
+                      <a:endParaRPr lang="ko-KR" altLang="ko-KR" sz="1400" b="0" kern="100" dirty="0">
                         <a:solidFill>
                           <a:srgbClr val="000000"/>
                         </a:solidFill>
@@ -30454,7 +29893,7 @@
                         <a:tabLst/>
                         <a:defRPr/>
                       </a:pPr>
-                      <a:endParaRPr lang="ko-KR" altLang="ko-KR" sz="1400" kern="100" dirty="0" smtClean="0">
+                      <a:endParaRPr lang="ko-KR" altLang="ko-KR" sz="1400" kern="100" dirty="0">
                         <a:solidFill>
                           <a:srgbClr val="000000"/>
                         </a:solidFill>

--- a/Presentation/2uzuBook _1011.pptx
+++ b/Presentation/2uzuBook _1011.pptx
@@ -11,8 +11,8 @@
     <p:sldId id="256" r:id="rId2"/>
     <p:sldId id="270" r:id="rId3"/>
     <p:sldId id="274" r:id="rId4"/>
-    <p:sldId id="269" r:id="rId5"/>
-    <p:sldId id="311" r:id="rId6"/>
+    <p:sldId id="311" r:id="rId5"/>
+    <p:sldId id="269" r:id="rId6"/>
     <p:sldId id="264" r:id="rId7"/>
     <p:sldId id="282" r:id="rId8"/>
     <p:sldId id="283" r:id="rId9"/>
@@ -1656,91 +1656,86 @@
           <a:bodyPr/>
           <a:lstStyle/>
           <a:p>
-            <a:br>
+            <a:r>
               <a:rPr lang="ko-KR" altLang="en-US" dirty="0"/>
-            </a:br>
-            <a:r>
-              <a:rPr lang="en-US" altLang="ko-KR" sz="1200" b="0" i="0" kern="1200" dirty="0">
-                <a:solidFill>
-                  <a:schemeClr val="tx1"/>
-                </a:solidFill>
-                <a:effectLst/>
-                <a:latin typeface="+mn-lt"/>
-                <a:ea typeface="+mn-ea"/>
-                <a:cs typeface="+mn-cs"/>
-              </a:rPr>
-              <a:t>12. </a:t>
-            </a:r>
-            <a:r>
-              <a:rPr lang="ko-KR" altLang="en-US" sz="1200" b="0" i="0" kern="1200" dirty="0">
-                <a:solidFill>
-                  <a:schemeClr val="tx1"/>
-                </a:solidFill>
-                <a:effectLst/>
-                <a:latin typeface="+mn-lt"/>
-                <a:ea typeface="+mn-ea"/>
-                <a:cs typeface="+mn-cs"/>
-              </a:rPr>
-              <a:t>저희는 </a:t>
-            </a:r>
-            <a:r>
-              <a:rPr lang="en-US" altLang="ko-KR" sz="1200" b="0" i="0" kern="1200" dirty="0">
-                <a:solidFill>
-                  <a:schemeClr val="tx1"/>
-                </a:solidFill>
-                <a:effectLst/>
-                <a:latin typeface="+mn-lt"/>
-                <a:ea typeface="+mn-ea"/>
-                <a:cs typeface="+mn-cs"/>
-              </a:rPr>
-              <a:t>WBS</a:t>
-            </a:r>
-            <a:r>
-              <a:rPr lang="ko-KR" altLang="en-US" sz="1200" b="0" i="0" kern="1200" dirty="0">
-                <a:solidFill>
-                  <a:schemeClr val="tx1"/>
-                </a:solidFill>
-                <a:effectLst/>
-                <a:latin typeface="+mn-lt"/>
-                <a:ea typeface="+mn-ea"/>
-                <a:cs typeface="+mn-cs"/>
-              </a:rPr>
-              <a:t>를 엑셀로 작성하고 </a:t>
-            </a:r>
-            <a:r>
-              <a:rPr lang="ko-KR" altLang="en-US" sz="1200" b="0" i="0" kern="1200" dirty="0" err="1">
-                <a:solidFill>
-                  <a:schemeClr val="tx1"/>
-                </a:solidFill>
-                <a:effectLst/>
-                <a:latin typeface="+mn-lt"/>
-                <a:ea typeface="+mn-ea"/>
-                <a:cs typeface="+mn-cs"/>
-              </a:rPr>
-              <a:t>간트</a:t>
-            </a:r>
-            <a:r>
-              <a:rPr lang="ko-KR" altLang="en-US" sz="1200" b="0" i="0" kern="1200" dirty="0">
-                <a:solidFill>
-                  <a:schemeClr val="tx1"/>
-                </a:solidFill>
-                <a:effectLst/>
-                <a:latin typeface="+mn-lt"/>
-                <a:ea typeface="+mn-ea"/>
-                <a:cs typeface="+mn-cs"/>
-              </a:rPr>
-              <a:t> 차트를 그려서 일정 및 인원 조직을 하였습니다</a:t>
-            </a:r>
-            <a:r>
-              <a:rPr lang="en-US" altLang="ko-KR" sz="1200" b="0" i="0" kern="1200" dirty="0">
-                <a:solidFill>
-                  <a:schemeClr val="tx1"/>
-                </a:solidFill>
-                <a:effectLst/>
-                <a:latin typeface="+mn-lt"/>
-                <a:ea typeface="+mn-ea"/>
-                <a:cs typeface="+mn-cs"/>
-              </a:rPr>
+              <a:t>저희가 </a:t>
+            </a:r>
+            <a:r>
+              <a:rPr lang="ko-KR" altLang="en-US" dirty="0" err="1"/>
+              <a:t>애초애</a:t>
+            </a:r>
+            <a:r>
+              <a:rPr lang="ko-KR" altLang="en-US" dirty="0"/>
+              <a:t> 이 프로젝트를 계획한 목적이 바로 </a:t>
+            </a:r>
+            <a:r>
+              <a:rPr lang="ko-KR" altLang="en-US" dirty="0" err="1"/>
+              <a:t>종이로된</a:t>
+            </a:r>
+            <a:r>
+              <a:rPr lang="ko-KR" altLang="en-US" dirty="0"/>
+              <a:t> </a:t>
+            </a:r>
+            <a:r>
+              <a:rPr lang="ko-KR" altLang="en-US" dirty="0" err="1"/>
+              <a:t>레주메</a:t>
+            </a:r>
+            <a:r>
+              <a:rPr lang="ko-KR" altLang="en-US" dirty="0"/>
+              <a:t> 대신에 저희의 웹사이트를 이용하는 것 이었습니다</a:t>
+            </a:r>
+            <a:r>
+              <a:rPr lang="en-US" altLang="ko-KR" dirty="0"/>
+              <a:t>.</a:t>
+            </a:r>
+          </a:p>
+          <a:p>
+            <a:endParaRPr lang="en-US" altLang="ko-KR" dirty="0"/>
+          </a:p>
+          <a:p>
+            <a:r>
+              <a:rPr lang="ko-KR" altLang="en-US" dirty="0"/>
+              <a:t>이렇게 저희의 본래 목적대로 저희의 웹사이트를 학교에서 </a:t>
+            </a:r>
+            <a:r>
+              <a:rPr lang="ko-KR" altLang="en-US" dirty="0" err="1"/>
+              <a:t>레주메북대신</a:t>
+            </a:r>
+            <a:r>
+              <a:rPr lang="ko-KR" altLang="en-US" dirty="0"/>
+              <a:t> 사용하는 것이 최종 계획이며</a:t>
+            </a:r>
+            <a:r>
+              <a:rPr lang="en-US" altLang="ko-KR" dirty="0"/>
+              <a:t>, </a:t>
+            </a:r>
+            <a:r>
+              <a:rPr lang="ko-KR" altLang="en-US" dirty="0"/>
+              <a:t>학교에서 사용하려면 아직 부족한 부분이 많다고 생각합니다</a:t>
+            </a:r>
+            <a:r>
+              <a:rPr lang="en-US" altLang="ko-KR" dirty="0"/>
+              <a:t>.</a:t>
+            </a:r>
+          </a:p>
+          <a:p>
+            <a:endParaRPr lang="en-US" altLang="ko-KR" dirty="0"/>
+          </a:p>
+          <a:p>
+            <a:r>
+              <a:rPr lang="ko-KR" altLang="en-US" dirty="0"/>
+              <a:t>따라서 저희의 프로젝트를 더 발전시키고 </a:t>
+            </a:r>
+            <a:r>
+              <a:rPr lang="ko-KR" altLang="en-US" dirty="0" err="1"/>
+              <a:t>유지보수하면서</a:t>
+            </a:r>
+            <a:r>
+              <a:rPr lang="ko-KR" altLang="en-US" dirty="0"/>
+              <a:t> 꼭 나중에 이 사이트를 여러분이 사용하는 날이 오게 만들겠습니다</a:t>
+            </a:r>
+            <a:r>
+              <a:rPr lang="en-US" altLang="ko-KR" dirty="0"/>
               <a:t>.</a:t>
             </a:r>
             <a:endParaRPr lang="ko-KR" altLang="en-US" dirty="0"/>
@@ -1874,8 +1869,109 @@
             </a:r>
             <a:r>
               <a:rPr lang="en-US" altLang="ko-KR" baseline="0" dirty="0"/>
-              <a:t>:</a:t>
-            </a:r>
+              <a:t>: </a:t>
+            </a:r>
+            <a:r>
+              <a:rPr lang="ko-KR" altLang="en-US" baseline="0" dirty="0"/>
+              <a:t>아직 부족하고 미숙한 </a:t>
+            </a:r>
+            <a:r>
+              <a:rPr lang="en-US" altLang="ko-KR" baseline="0" dirty="0"/>
+              <a:t>4</a:t>
+            </a:r>
+            <a:r>
+              <a:rPr lang="ko-KR" altLang="en-US" baseline="0" dirty="0"/>
+              <a:t>명이서 처음으로 웹페이지를 개발하다 보니 고비가 많이 있었습니다</a:t>
+            </a:r>
+            <a:r>
+              <a:rPr lang="en-US" altLang="ko-KR" baseline="0" dirty="0"/>
+              <a:t>. </a:t>
+            </a:r>
+            <a:r>
+              <a:rPr lang="ko-KR" altLang="en-US" baseline="0" dirty="0"/>
+              <a:t>저번 발표에서 </a:t>
+            </a:r>
+            <a:r>
+              <a:rPr lang="en-US" altLang="ko-KR" baseline="0" dirty="0"/>
+              <a:t>8</a:t>
+            </a:r>
+            <a:r>
+              <a:rPr lang="ko-KR" altLang="en-US" baseline="0" dirty="0"/>
+              <a:t>점을 </a:t>
+            </a:r>
+            <a:r>
+              <a:rPr lang="ko-KR" altLang="en-US" baseline="0" dirty="0" err="1"/>
+              <a:t>받았을때</a:t>
+            </a:r>
+            <a:r>
+              <a:rPr lang="ko-KR" altLang="en-US" baseline="0" dirty="0"/>
+              <a:t> 약간 충격을 받았습니다</a:t>
+            </a:r>
+            <a:r>
+              <a:rPr lang="en-US" altLang="ko-KR" baseline="0" dirty="0"/>
+              <a:t>. </a:t>
+            </a:r>
+            <a:r>
+              <a:rPr lang="ko-KR" altLang="en-US" baseline="0" dirty="0"/>
+              <a:t>하지만 저희는 평정심을 잃지않고 팀원들과 연휴</a:t>
+            </a:r>
+            <a:r>
+              <a:rPr lang="en-US" altLang="ko-KR" baseline="0" dirty="0"/>
+              <a:t>, </a:t>
+            </a:r>
+            <a:r>
+              <a:rPr lang="ko-KR" altLang="en-US" baseline="0" dirty="0"/>
+              <a:t>주말에도 꾸준히 개발하여 여기까지 도달할 수 있었던 것 같습니다</a:t>
+            </a:r>
+            <a:r>
+              <a:rPr lang="en-US" altLang="ko-KR" baseline="0" dirty="0"/>
+              <a:t>. </a:t>
+            </a:r>
+            <a:r>
+              <a:rPr lang="ko-KR" altLang="en-US" baseline="0" dirty="0"/>
+              <a:t>이 프로젝트는 제 </a:t>
+            </a:r>
+            <a:r>
+              <a:rPr lang="en-US" altLang="ko-KR" baseline="0" dirty="0"/>
+              <a:t>18</a:t>
+            </a:r>
+            <a:r>
+              <a:rPr lang="ko-KR" altLang="en-US" baseline="0" dirty="0"/>
+              <a:t>년 인생에서 가장 자랑하고 싶은 프로젝트라고 생각합니다</a:t>
+            </a:r>
+            <a:r>
+              <a:rPr lang="en-US" altLang="ko-KR" baseline="0" dirty="0"/>
+              <a:t>! </a:t>
+            </a:r>
+            <a:r>
+              <a:rPr lang="ko-KR" altLang="en-US" baseline="0" dirty="0"/>
+              <a:t>이렇게 제 인생의 선물을 주신 선생님께 정말 감사하고 우리 팀원들에게 마지막으로 수고했다는 </a:t>
+            </a:r>
+            <a:r>
+              <a:rPr lang="ko-KR" altLang="en-US" baseline="0"/>
+              <a:t>말을 전해주고 싶습니다</a:t>
+            </a:r>
+            <a:r>
+              <a:rPr lang="en-US" altLang="ko-KR" baseline="0" dirty="0"/>
+              <a:t>. </a:t>
+            </a:r>
+            <a:r>
+              <a:rPr lang="ko-KR" altLang="en-US" baseline="0" dirty="0"/>
+              <a:t>애들아 수고했다</a:t>
+            </a:r>
+            <a:r>
+              <a:rPr lang="en-US" altLang="ko-KR" baseline="0" dirty="0"/>
+              <a:t>~~</a:t>
+            </a:r>
+            <a:r>
+              <a:rPr lang="ko-KR" altLang="en-US" baseline="0" dirty="0"/>
+              <a:t>흑흑 </a:t>
+            </a:r>
+            <a:r>
+              <a:rPr lang="ko-KR" altLang="en-US" baseline="0" dirty="0" err="1"/>
+              <a:t>ㅜㅜㅜ</a:t>
+            </a:r>
+            <a:endParaRPr lang="en-US" altLang="ko-KR" baseline="0" dirty="0"/>
           </a:p>
         </p:txBody>
       </p:sp>
@@ -1969,10 +2065,10 @@
                 <a:ea typeface="+mn-ea"/>
                 <a:cs typeface="+mn-cs"/>
               </a:rPr>
-              <a:t>5. </a:t>
-            </a:r>
-            <a:r>
-              <a:rPr lang="ko-KR" altLang="en-US" sz="1200" b="0" i="0" kern="1200" dirty="0" err="1">
+              <a:t>10</a:t>
+            </a:r>
+            <a:r>
+              <a:rPr lang="ko-KR" altLang="en-US" sz="1200" b="0" i="0" kern="1200" dirty="0">
                 <a:solidFill>
                   <a:schemeClr val="tx1"/>
                 </a:solidFill>
@@ -1981,10 +2077,10 @@
                 <a:ea typeface="+mn-ea"/>
                 <a:cs typeface="+mn-cs"/>
               </a:rPr>
-              <a:t>대덕소프트웨어마이스터고등학교</a:t>
-            </a:r>
-            <a:r>
-              <a:rPr lang="ko-KR" altLang="en-US" sz="1200" b="0" i="0" kern="1200" dirty="0">
+              <a:t>월 </a:t>
+            </a:r>
+            <a:r>
+              <a:rPr lang="en-US" altLang="ko-KR" sz="1200" b="0" i="0" kern="1200" dirty="0">
                 <a:solidFill>
                   <a:schemeClr val="tx1"/>
                 </a:solidFill>
@@ -1993,10 +2089,10 @@
                 <a:ea typeface="+mn-ea"/>
                 <a:cs typeface="+mn-cs"/>
               </a:rPr>
-              <a:t> 뿐만 아니라 거의 모든 특성화고등학교의 홍보가 중요합니다</a:t>
-            </a:r>
-            <a:r>
-              <a:rPr lang="en-US" altLang="ko-KR" sz="1200" b="0" i="0" kern="1200" dirty="0">
+              <a:t>20</a:t>
+            </a:r>
+            <a:r>
+              <a:rPr lang="ko-KR" altLang="en-US" sz="1200" b="0" i="0" kern="1200" dirty="0">
                 <a:solidFill>
                   <a:schemeClr val="tx1"/>
                 </a:solidFill>
@@ -2005,10 +2101,10 @@
                 <a:ea typeface="+mn-ea"/>
                 <a:cs typeface="+mn-cs"/>
               </a:rPr>
-              <a:t>. </a:t>
-            </a:r>
-            <a:r>
-              <a:rPr lang="ko-KR" altLang="en-US" sz="1200" b="0" i="0" kern="1200" dirty="0" err="1">
+              <a:t>일 까지 뭘 내야하죠</a:t>
+            </a:r>
+            <a:r>
+              <a:rPr lang="en-US" altLang="ko-KR" sz="1200" b="0" i="0" kern="1200" dirty="0">
                 <a:solidFill>
                   <a:schemeClr val="tx1"/>
                 </a:solidFill>
@@ -2017,10 +2113,12 @@
                 <a:ea typeface="+mn-ea"/>
                 <a:cs typeface="+mn-cs"/>
               </a:rPr>
-              <a:t>저희학교는</a:t>
-            </a:r>
-            <a:r>
-              <a:rPr lang="ko-KR" altLang="en-US" sz="1200" b="0" i="0" kern="1200" dirty="0">
+              <a:t>? </a:t>
+            </a:r>
+          </a:p>
+          <a:p>
+            <a:r>
+              <a:rPr lang="ko-KR" altLang="en-US" sz="1200" b="0" i="0" kern="1200" dirty="0" err="1">
                 <a:solidFill>
                   <a:schemeClr val="tx1"/>
                 </a:solidFill>
@@ -2029,10 +2127,10 @@
                 <a:ea typeface="+mn-ea"/>
                 <a:cs typeface="+mn-cs"/>
               </a:rPr>
-              <a:t> </a:t>
-            </a:r>
-            <a:r>
-              <a:rPr lang="ko-KR" altLang="en-US" sz="1200" b="0" i="0" kern="1200" dirty="0" err="1">
+              <a:t>이번년도에도</a:t>
+            </a:r>
+            <a:r>
+              <a:rPr lang="ko-KR" altLang="en-US" sz="1200" b="0" i="0" kern="1200" dirty="0">
                 <a:solidFill>
                   <a:schemeClr val="tx1"/>
                 </a:solidFill>
@@ -2041,10 +2139,10 @@
                 <a:ea typeface="+mn-ea"/>
                 <a:cs typeface="+mn-cs"/>
               </a:rPr>
-              <a:t>레주메북을</a:t>
-            </a:r>
-            <a:r>
-              <a:rPr lang="ko-KR" altLang="en-US" sz="1200" b="0" i="0" kern="1200" dirty="0">
+              <a:t> 어김없이 </a:t>
+            </a:r>
+            <a:r>
+              <a:rPr lang="ko-KR" altLang="en-US" sz="1200" b="0" i="0" kern="1200" dirty="0" err="1">
                 <a:solidFill>
                   <a:schemeClr val="tx1"/>
                 </a:solidFill>
@@ -2053,10 +2151,10 @@
                 <a:ea typeface="+mn-ea"/>
                 <a:cs typeface="+mn-cs"/>
               </a:rPr>
-              <a:t> 통해서 학생들을 홍보 했습니다</a:t>
-            </a:r>
-            <a:r>
-              <a:rPr lang="en-US" altLang="ko-KR" sz="1200" b="0" i="0" kern="1200" dirty="0">
+              <a:t>레주메를</a:t>
+            </a:r>
+            <a:r>
+              <a:rPr lang="ko-KR" altLang="en-US" sz="1200" b="0" i="0" kern="1200" dirty="0">
                 <a:solidFill>
                   <a:schemeClr val="tx1"/>
                 </a:solidFill>
@@ -2065,10 +2163,10 @@
                 <a:ea typeface="+mn-ea"/>
                 <a:cs typeface="+mn-cs"/>
               </a:rPr>
-              <a:t>. </a:t>
-            </a:r>
-            <a:r>
-              <a:rPr lang="ko-KR" altLang="en-US" sz="1200" b="0" i="0" kern="1200" dirty="0">
+              <a:t> 작성하라는 진로 선생님</a:t>
+            </a:r>
+            <a:r>
+              <a:rPr lang="en-US" altLang="ko-KR" sz="1200" b="0" i="0" kern="1200" dirty="0">
                 <a:solidFill>
                   <a:schemeClr val="tx1"/>
                 </a:solidFill>
@@ -2077,10 +2175,23 @@
                 <a:ea typeface="+mn-ea"/>
                 <a:cs typeface="+mn-cs"/>
               </a:rPr>
-              <a:t>하지만 기존의 우리가 사용한 </a:t>
-            </a:r>
-            <a:r>
-              <a:rPr lang="ko-KR" altLang="en-US" sz="1200" b="0" i="0" kern="1200" dirty="0" err="1">
+              <a:t>…</a:t>
+            </a:r>
+          </a:p>
+          <a:p>
+            <a:endParaRPr lang="en-US" altLang="ko-KR" sz="1200" b="0" i="0" kern="1200" dirty="0">
+              <a:solidFill>
+                <a:schemeClr val="tx1"/>
+              </a:solidFill>
+              <a:effectLst/>
+              <a:latin typeface="+mn-lt"/>
+              <a:ea typeface="+mn-ea"/>
+              <a:cs typeface="+mn-cs"/>
+            </a:endParaRPr>
+          </a:p>
+          <a:p>
+            <a:r>
+              <a:rPr lang="ko-KR" altLang="en-US" sz="1200" b="0" i="0" kern="1200" dirty="0">
                 <a:solidFill>
                   <a:schemeClr val="tx1"/>
                 </a:solidFill>
@@ -2089,10 +2200,10 @@
                 <a:ea typeface="+mn-ea"/>
                 <a:cs typeface="+mn-cs"/>
               </a:rPr>
-              <a:t>레주메북은</a:t>
-            </a:r>
-            <a:r>
-              <a:rPr lang="ko-KR" altLang="en-US" sz="1200" b="0" i="0" kern="1200" dirty="0">
+              <a:t>원래 </a:t>
+            </a:r>
+            <a:r>
+              <a:rPr lang="ko-KR" altLang="en-US" sz="1200" b="0" i="0" kern="1200" dirty="0" err="1">
                 <a:solidFill>
                   <a:schemeClr val="tx1"/>
                 </a:solidFill>
@@ -2101,10 +2212,10 @@
                 <a:ea typeface="+mn-ea"/>
                 <a:cs typeface="+mn-cs"/>
               </a:rPr>
-              <a:t> 방법은 선생님에게 </a:t>
-            </a:r>
-            <a:r>
-              <a:rPr lang="ko-KR" altLang="en-US" sz="1200" b="0" i="0" kern="1200" dirty="0" err="1">
+              <a:t>레주매에다가</a:t>
+            </a:r>
+            <a:r>
+              <a:rPr lang="ko-KR" altLang="en-US" sz="1200" b="0" i="0" kern="1200" dirty="0">
                 <a:solidFill>
                   <a:schemeClr val="tx1"/>
                 </a:solidFill>
@@ -2113,10 +2224,10 @@
                 <a:ea typeface="+mn-ea"/>
                 <a:cs typeface="+mn-cs"/>
               </a:rPr>
-              <a:t>레주메</a:t>
-            </a:r>
-            <a:r>
-              <a:rPr lang="ko-KR" altLang="en-US" sz="1200" b="0" i="0" kern="1200" dirty="0">
+              <a:t> </a:t>
+            </a:r>
+            <a:r>
+              <a:rPr lang="ko-KR" altLang="en-US" sz="1200" b="0" i="0" kern="1200" dirty="0" err="1">
                 <a:solidFill>
                   <a:schemeClr val="tx1"/>
                 </a:solidFill>
@@ -2125,10 +2236,10 @@
                 <a:ea typeface="+mn-ea"/>
                 <a:cs typeface="+mn-cs"/>
               </a:rPr>
-              <a:t> 양식을 받아 내용을 각자 알아서 잘 </a:t>
-            </a:r>
-            <a:r>
-              <a:rPr lang="ko-KR" altLang="en-US" sz="1200" b="0" i="0" kern="1200" dirty="0" err="1">
+              <a:t>추가하는것도</a:t>
+            </a:r>
+            <a:r>
+              <a:rPr lang="ko-KR" altLang="en-US" sz="1200" b="0" i="0" kern="1200" dirty="0">
                 <a:solidFill>
                   <a:schemeClr val="tx1"/>
                 </a:solidFill>
@@ -2137,10 +2248,10 @@
                 <a:ea typeface="+mn-ea"/>
                 <a:cs typeface="+mn-cs"/>
               </a:rPr>
-              <a:t>채운뒤</a:t>
-            </a:r>
-            <a:r>
-              <a:rPr lang="ko-KR" altLang="en-US" sz="1200" b="0" i="0" kern="1200" dirty="0">
+              <a:t> 귀찮고 생각도 </a:t>
+            </a:r>
+            <a:r>
+              <a:rPr lang="ko-KR" altLang="en-US" sz="1200" b="0" i="0" kern="1200" dirty="0" err="1">
                 <a:solidFill>
                   <a:schemeClr val="tx1"/>
                 </a:solidFill>
@@ -2149,10 +2260,10 @@
                 <a:ea typeface="+mn-ea"/>
                 <a:cs typeface="+mn-cs"/>
               </a:rPr>
-              <a:t> 지정한 메일로 보내는 형식이었습니다</a:t>
-            </a:r>
-            <a:r>
-              <a:rPr lang="en-US" altLang="ko-KR" sz="1200" b="0" i="0" kern="1200" dirty="0">
+              <a:t>나지도</a:t>
+            </a:r>
+            <a:r>
+              <a:rPr lang="ko-KR" altLang="en-US" sz="1200" b="0" i="0" kern="1200" dirty="0">
                 <a:solidFill>
                   <a:schemeClr val="tx1"/>
                 </a:solidFill>
@@ -2161,8 +2272,30 @@
                 <a:ea typeface="+mn-ea"/>
                 <a:cs typeface="+mn-cs"/>
               </a:rPr>
-              <a:t>. </a:t>
-            </a:r>
+              <a:t> 않는데</a:t>
+            </a:r>
+            <a:endParaRPr lang="en-US" altLang="ko-KR" sz="1200" b="0" i="0" kern="1200" dirty="0">
+              <a:solidFill>
+                <a:schemeClr val="tx1"/>
+              </a:solidFill>
+              <a:effectLst/>
+              <a:latin typeface="+mn-lt"/>
+              <a:ea typeface="+mn-ea"/>
+              <a:cs typeface="+mn-cs"/>
+            </a:endParaRPr>
+          </a:p>
+          <a:p>
+            <a:endParaRPr lang="en-US" altLang="ko-KR" sz="1200" b="0" i="0" kern="1200" dirty="0">
+              <a:solidFill>
+                <a:schemeClr val="tx1"/>
+              </a:solidFill>
+              <a:effectLst/>
+              <a:latin typeface="+mn-lt"/>
+              <a:ea typeface="+mn-ea"/>
+              <a:cs typeface="+mn-cs"/>
+            </a:endParaRPr>
+          </a:p>
+          <a:p>
             <a:r>
               <a:rPr lang="ko-KR" altLang="en-US" sz="1200" b="0" i="0" kern="1200" dirty="0">
                 <a:solidFill>
@@ -2173,7 +2306,7 @@
                 <a:ea typeface="+mn-ea"/>
                 <a:cs typeface="+mn-cs"/>
               </a:rPr>
-              <a:t>갑자기 </a:t>
+              <a:t>진로선생님께서 새로운 </a:t>
             </a:r>
             <a:r>
               <a:rPr lang="ko-KR" altLang="en-US" sz="1200" b="0" i="0" kern="1200" dirty="0" err="1">
@@ -2185,7 +2318,7 @@
                 <a:ea typeface="+mn-ea"/>
                 <a:cs typeface="+mn-cs"/>
               </a:rPr>
-              <a:t>레주메를</a:t>
+              <a:t>레주메틀까지</a:t>
             </a:r>
             <a:r>
               <a:rPr lang="ko-KR" altLang="en-US" sz="1200" b="0" i="0" kern="1200" dirty="0">
@@ -2197,7 +2330,7 @@
                 <a:ea typeface="+mn-ea"/>
                 <a:cs typeface="+mn-cs"/>
               </a:rPr>
-              <a:t> 쓰라고 하면 아주 바쁜 저희는 </a:t>
+              <a:t> 주셔서 다시 처음부터 </a:t>
             </a:r>
             <a:r>
               <a:rPr lang="ko-KR" altLang="en-US" sz="1200" b="0" i="0" kern="1200" dirty="0" err="1">
@@ -2209,10 +2342,10 @@
                 <a:ea typeface="+mn-ea"/>
                 <a:cs typeface="+mn-cs"/>
               </a:rPr>
-              <a:t>레주메북을</a:t>
-            </a:r>
-            <a:r>
-              <a:rPr lang="ko-KR" altLang="en-US" sz="1200" b="0" i="0" kern="1200" dirty="0">
+              <a:t>작성해야합니다</a:t>
+            </a:r>
+            <a:r>
+              <a:rPr lang="en-US" altLang="ko-KR" sz="1200" b="0" i="0" kern="1200" dirty="0">
                 <a:solidFill>
                   <a:schemeClr val="tx1"/>
                 </a:solidFill>
@@ -2221,10 +2354,10 @@
                 <a:ea typeface="+mn-ea"/>
                 <a:cs typeface="+mn-cs"/>
               </a:rPr>
-              <a:t> 잘 쓰지 못했죠</a:t>
-            </a:r>
-            <a:r>
-              <a:rPr lang="en-US" altLang="ko-KR" sz="1200" b="0" i="0" kern="1200" dirty="0">
+              <a:t>. </a:t>
+            </a:r>
+            <a:r>
+              <a:rPr lang="ko-KR" altLang="en-US" sz="1200" b="0" i="0" kern="1200" dirty="0">
                 <a:solidFill>
                   <a:schemeClr val="tx1"/>
                 </a:solidFill>
@@ -2233,10 +2366,10 @@
                 <a:ea typeface="+mn-ea"/>
                 <a:cs typeface="+mn-cs"/>
               </a:rPr>
-              <a:t>, </a:t>
-            </a:r>
-            <a:r>
-              <a:rPr lang="ko-KR" altLang="en-US" sz="1200" b="0" i="0" kern="1200" dirty="0">
+              <a:t>이 얼마나 귀찮고 시간낭비 입니까</a:t>
+            </a:r>
+            <a:r>
+              <a:rPr lang="en-US" altLang="ko-KR" sz="1200" b="0" i="0" kern="1200" dirty="0">
                 <a:solidFill>
                   <a:schemeClr val="tx1"/>
                 </a:solidFill>
@@ -2245,402 +2378,56 @@
                 <a:ea typeface="+mn-ea"/>
                 <a:cs typeface="+mn-cs"/>
               </a:rPr>
-              <a:t>일단 내가 한 활동을 한번에 </a:t>
-            </a:r>
-            <a:r>
-              <a:rPr lang="ko-KR" altLang="en-US" sz="1200" b="0" i="0" kern="1200" dirty="0" err="1">
-                <a:solidFill>
-                  <a:schemeClr val="tx1"/>
-                </a:solidFill>
-                <a:effectLst/>
-                <a:latin typeface="+mn-lt"/>
-                <a:ea typeface="+mn-ea"/>
-                <a:cs typeface="+mn-cs"/>
-              </a:rPr>
-              <a:t>적으려고하니</a:t>
-            </a:r>
-            <a:r>
-              <a:rPr lang="ko-KR" altLang="en-US" sz="1200" b="0" i="0" kern="1200" dirty="0">
-                <a:solidFill>
-                  <a:schemeClr val="tx1"/>
-                </a:solidFill>
-                <a:effectLst/>
-                <a:latin typeface="+mn-lt"/>
-                <a:ea typeface="+mn-ea"/>
-                <a:cs typeface="+mn-cs"/>
-              </a:rPr>
-              <a:t> 기억이 나지 않았고</a:t>
-            </a:r>
-            <a:r>
-              <a:rPr lang="en-US" altLang="ko-KR" sz="1200" b="0" i="0" kern="1200" dirty="0">
-                <a:solidFill>
-                  <a:schemeClr val="tx1"/>
-                </a:solidFill>
-                <a:effectLst/>
-                <a:latin typeface="+mn-lt"/>
-                <a:ea typeface="+mn-ea"/>
-                <a:cs typeface="+mn-cs"/>
-              </a:rPr>
-              <a:t>, </a:t>
-            </a:r>
-            <a:r>
-              <a:rPr lang="ko-KR" altLang="en-US" sz="1200" b="0" i="0" kern="1200" dirty="0">
-                <a:solidFill>
-                  <a:schemeClr val="tx1"/>
-                </a:solidFill>
-                <a:effectLst/>
-                <a:latin typeface="+mn-lt"/>
-                <a:ea typeface="+mn-ea"/>
-                <a:cs typeface="+mn-cs"/>
-              </a:rPr>
-              <a:t>빨리 써서 내라고 하니 내용의 질은 떨어질 수 밖에 없었습니다</a:t>
-            </a:r>
-            <a:r>
-              <a:rPr lang="en-US" altLang="ko-KR" sz="1200" b="0" i="0" kern="1200" dirty="0">
-                <a:solidFill>
-                  <a:schemeClr val="tx1"/>
-                </a:solidFill>
-                <a:effectLst/>
-                <a:latin typeface="+mn-lt"/>
-                <a:ea typeface="+mn-ea"/>
-                <a:cs typeface="+mn-cs"/>
-              </a:rPr>
-              <a:t>. </a:t>
-            </a:r>
-            <a:r>
-              <a:rPr lang="ko-KR" altLang="en-US" sz="1200" b="0" i="0" kern="1200" dirty="0">
-                <a:solidFill>
-                  <a:schemeClr val="tx1"/>
-                </a:solidFill>
-                <a:effectLst/>
-                <a:latin typeface="+mn-lt"/>
-                <a:ea typeface="+mn-ea"/>
-                <a:cs typeface="+mn-cs"/>
-              </a:rPr>
-              <a:t>선생님도 아이들의 </a:t>
-            </a:r>
-            <a:r>
-              <a:rPr lang="ko-KR" altLang="en-US" sz="1200" b="0" i="0" kern="1200" dirty="0" err="1">
-                <a:solidFill>
-                  <a:schemeClr val="tx1"/>
-                </a:solidFill>
-                <a:effectLst/>
-                <a:latin typeface="+mn-lt"/>
-                <a:ea typeface="+mn-ea"/>
-                <a:cs typeface="+mn-cs"/>
-              </a:rPr>
-              <a:t>레주메를</a:t>
-            </a:r>
-            <a:r>
-              <a:rPr lang="ko-KR" altLang="en-US" sz="1200" b="0" i="0" kern="1200" dirty="0">
-                <a:solidFill>
-                  <a:schemeClr val="tx1"/>
-                </a:solidFill>
-                <a:effectLst/>
-                <a:latin typeface="+mn-lt"/>
-                <a:ea typeface="+mn-ea"/>
-                <a:cs typeface="+mn-cs"/>
-              </a:rPr>
-              <a:t> 하나하나 모아서 또 </a:t>
-            </a:r>
-            <a:r>
-              <a:rPr lang="ko-KR" altLang="en-US" sz="1200" b="0" i="0" kern="1200" dirty="0" err="1">
-                <a:solidFill>
-                  <a:schemeClr val="tx1"/>
-                </a:solidFill>
-                <a:effectLst/>
-                <a:latin typeface="+mn-lt"/>
-                <a:ea typeface="+mn-ea"/>
-                <a:cs typeface="+mn-cs"/>
-              </a:rPr>
-              <a:t>잘못된게</a:t>
-            </a:r>
-            <a:r>
-              <a:rPr lang="ko-KR" altLang="en-US" sz="1200" b="0" i="0" kern="1200" dirty="0">
-                <a:solidFill>
-                  <a:schemeClr val="tx1"/>
-                </a:solidFill>
-                <a:effectLst/>
-                <a:latin typeface="+mn-lt"/>
-                <a:ea typeface="+mn-ea"/>
-                <a:cs typeface="+mn-cs"/>
-              </a:rPr>
-              <a:t> 있으면 고쳐오라고 하고</a:t>
-            </a:r>
-            <a:r>
-              <a:rPr lang="en-US" altLang="ko-KR" sz="1200" b="0" i="0" kern="1200" dirty="0">
-                <a:solidFill>
-                  <a:schemeClr val="tx1"/>
-                </a:solidFill>
-                <a:effectLst/>
-                <a:latin typeface="+mn-lt"/>
-                <a:ea typeface="+mn-ea"/>
-                <a:cs typeface="+mn-cs"/>
-              </a:rPr>
-              <a:t>... </a:t>
-            </a:r>
-            <a:r>
-              <a:rPr lang="ko-KR" altLang="en-US" sz="1200" b="0" i="0" kern="1200" dirty="0">
-                <a:solidFill>
-                  <a:schemeClr val="tx1"/>
-                </a:solidFill>
-                <a:effectLst/>
-                <a:latin typeface="+mn-lt"/>
-                <a:ea typeface="+mn-ea"/>
-                <a:cs typeface="+mn-cs"/>
-              </a:rPr>
-              <a:t>애들은 제대로 하지도 않고 대충대충해서 내고 마음이 타죠</a:t>
-            </a:r>
-            <a:r>
-              <a:rPr lang="en-US" altLang="ko-KR" sz="1200" b="0" i="0" kern="1200" dirty="0">
-                <a:solidFill>
-                  <a:schemeClr val="tx1"/>
-                </a:solidFill>
-                <a:effectLst/>
-                <a:latin typeface="+mn-lt"/>
-                <a:ea typeface="+mn-ea"/>
-                <a:cs typeface="+mn-cs"/>
-              </a:rPr>
-              <a:t>... </a:t>
-            </a:r>
-            <a:r>
-              <a:rPr lang="ko-KR" altLang="en-US" sz="1200" b="0" i="0" kern="1200" dirty="0">
-                <a:solidFill>
-                  <a:schemeClr val="tx1"/>
-                </a:solidFill>
-                <a:effectLst/>
-                <a:latin typeface="+mn-lt"/>
-                <a:ea typeface="+mn-ea"/>
-                <a:cs typeface="+mn-cs"/>
-              </a:rPr>
-              <a:t>또 </a:t>
-            </a:r>
-            <a:r>
-              <a:rPr lang="ko-KR" altLang="en-US" sz="1200" b="0" i="0" kern="1200" dirty="0" err="1">
-                <a:solidFill>
-                  <a:schemeClr val="tx1"/>
-                </a:solidFill>
-                <a:effectLst/>
-                <a:latin typeface="+mn-lt"/>
-                <a:ea typeface="+mn-ea"/>
-                <a:cs typeface="+mn-cs"/>
-              </a:rPr>
-              <a:t>레주매북을</a:t>
-            </a:r>
-            <a:r>
-              <a:rPr lang="ko-KR" altLang="en-US" sz="1200" b="0" i="0" kern="1200" dirty="0">
-                <a:solidFill>
-                  <a:schemeClr val="tx1"/>
-                </a:solidFill>
-                <a:effectLst/>
-                <a:latin typeface="+mn-lt"/>
-                <a:ea typeface="+mn-ea"/>
-                <a:cs typeface="+mn-cs"/>
-              </a:rPr>
-              <a:t> 한 학기마다 제작하니 그전 </a:t>
-            </a:r>
-            <a:r>
-              <a:rPr lang="ko-KR" altLang="en-US" sz="1200" b="0" i="0" kern="1200" dirty="0" err="1">
-                <a:solidFill>
-                  <a:schemeClr val="tx1"/>
-                </a:solidFill>
-                <a:effectLst/>
-                <a:latin typeface="+mn-lt"/>
-                <a:ea typeface="+mn-ea"/>
-                <a:cs typeface="+mn-cs"/>
-              </a:rPr>
-              <a:t>레주메는</a:t>
-            </a:r>
-            <a:r>
-              <a:rPr lang="ko-KR" altLang="en-US" sz="1200" b="0" i="0" kern="1200" dirty="0">
-                <a:solidFill>
-                  <a:schemeClr val="tx1"/>
-                </a:solidFill>
-                <a:effectLst/>
-                <a:latin typeface="+mn-lt"/>
-                <a:ea typeface="+mn-ea"/>
-                <a:cs typeface="+mn-cs"/>
-              </a:rPr>
-              <a:t> 쓸모가 없어지고 또 책으로 되어있어 더 많은 사람들에게 보여주기 어려웠습니다</a:t>
-            </a:r>
-            <a:r>
-              <a:rPr lang="en-US" altLang="ko-KR" sz="1200" b="0" i="0" kern="1200" dirty="0">
-                <a:solidFill>
-                  <a:schemeClr val="tx1"/>
-                </a:solidFill>
-                <a:effectLst/>
-                <a:latin typeface="+mn-lt"/>
-                <a:ea typeface="+mn-ea"/>
-                <a:cs typeface="+mn-cs"/>
-              </a:rPr>
-              <a:t>. </a:t>
-            </a:r>
-            <a:r>
-              <a:rPr lang="ko-KR" altLang="en-US" sz="1200" b="0" i="0" kern="1200" dirty="0">
-                <a:solidFill>
-                  <a:schemeClr val="tx1"/>
-                </a:solidFill>
-                <a:effectLst/>
-                <a:latin typeface="+mn-lt"/>
-                <a:ea typeface="+mn-ea"/>
-                <a:cs typeface="+mn-cs"/>
-              </a:rPr>
-              <a:t>또</a:t>
-            </a:r>
-            <a:r>
-              <a:rPr lang="en-US" altLang="ko-KR" sz="1200" b="0" i="0" kern="1200" dirty="0">
-                <a:solidFill>
-                  <a:schemeClr val="tx1"/>
-                </a:solidFill>
-                <a:effectLst/>
-                <a:latin typeface="+mn-lt"/>
-                <a:ea typeface="+mn-ea"/>
-                <a:cs typeface="+mn-cs"/>
-              </a:rPr>
-              <a:t>, </a:t>
-            </a:r>
-            <a:r>
-              <a:rPr lang="ko-KR" altLang="en-US" sz="1200" b="0" i="0" kern="1200" dirty="0">
-                <a:solidFill>
-                  <a:schemeClr val="tx1"/>
-                </a:solidFill>
-                <a:effectLst/>
-                <a:latin typeface="+mn-lt"/>
-                <a:ea typeface="+mn-ea"/>
-                <a:cs typeface="+mn-cs"/>
-              </a:rPr>
-              <a:t>회사 입장에서는 자신의 회사에 맞는 학생들을 찾고 싶어 하잖아요</a:t>
-            </a:r>
-            <a:r>
-              <a:rPr lang="en-US" altLang="ko-KR" sz="1200" b="0" i="0" kern="1200" dirty="0">
-                <a:solidFill>
-                  <a:schemeClr val="tx1"/>
-                </a:solidFill>
-                <a:effectLst/>
-                <a:latin typeface="+mn-lt"/>
-                <a:ea typeface="+mn-ea"/>
-                <a:cs typeface="+mn-cs"/>
-              </a:rPr>
-              <a:t>? </a:t>
-            </a:r>
-            <a:r>
-              <a:rPr lang="ko-KR" altLang="en-US" sz="1200" b="0" i="0" kern="1200" dirty="0">
-                <a:solidFill>
-                  <a:schemeClr val="tx1"/>
-                </a:solidFill>
-                <a:effectLst/>
-                <a:latin typeface="+mn-lt"/>
-                <a:ea typeface="+mn-ea"/>
-                <a:cs typeface="+mn-cs"/>
-              </a:rPr>
-              <a:t>근데 </a:t>
-            </a:r>
-            <a:r>
-              <a:rPr lang="ko-KR" altLang="en-US" sz="1200" b="0" i="0" kern="1200" dirty="0" err="1">
-                <a:solidFill>
-                  <a:schemeClr val="tx1"/>
-                </a:solidFill>
-                <a:effectLst/>
-                <a:latin typeface="+mn-lt"/>
-                <a:ea typeface="+mn-ea"/>
-                <a:cs typeface="+mn-cs"/>
-              </a:rPr>
-              <a:t>레주메북을</a:t>
-            </a:r>
-            <a:r>
-              <a:rPr lang="ko-KR" altLang="en-US" sz="1200" b="0" i="0" kern="1200" dirty="0">
-                <a:solidFill>
-                  <a:schemeClr val="tx1"/>
-                </a:solidFill>
-                <a:effectLst/>
-                <a:latin typeface="+mn-lt"/>
-                <a:ea typeface="+mn-ea"/>
-                <a:cs typeface="+mn-cs"/>
-              </a:rPr>
-              <a:t> 언제 한 </a:t>
-            </a:r>
-            <a:r>
-              <a:rPr lang="ko-KR" altLang="en-US" sz="1200" b="0" i="0" kern="1200" dirty="0" err="1">
-                <a:solidFill>
-                  <a:schemeClr val="tx1"/>
-                </a:solidFill>
-                <a:effectLst/>
-                <a:latin typeface="+mn-lt"/>
-                <a:ea typeface="+mn-ea"/>
-                <a:cs typeface="+mn-cs"/>
-              </a:rPr>
-              <a:t>장한장</a:t>
-            </a:r>
-            <a:r>
-              <a:rPr lang="ko-KR" altLang="en-US" sz="1200" b="0" i="0" kern="1200" dirty="0">
-                <a:solidFill>
-                  <a:schemeClr val="tx1"/>
-                </a:solidFill>
-                <a:effectLst/>
-                <a:latin typeface="+mn-lt"/>
-                <a:ea typeface="+mn-ea"/>
-                <a:cs typeface="+mn-cs"/>
-              </a:rPr>
-              <a:t> 다봅니까</a:t>
-            </a:r>
-            <a:r>
-              <a:rPr lang="en-US" altLang="ko-KR" sz="1200" b="0" i="0" kern="1200" dirty="0">
-                <a:solidFill>
-                  <a:schemeClr val="tx1"/>
-                </a:solidFill>
-                <a:effectLst/>
-                <a:latin typeface="+mn-lt"/>
-                <a:ea typeface="+mn-ea"/>
-                <a:cs typeface="+mn-cs"/>
-              </a:rPr>
-              <a:t>~? </a:t>
-            </a:r>
-            <a:r>
-              <a:rPr lang="ko-KR" altLang="en-US" sz="1200" b="0" i="0" kern="1200" dirty="0">
-                <a:solidFill>
-                  <a:schemeClr val="tx1"/>
-                </a:solidFill>
-                <a:effectLst/>
-                <a:latin typeface="+mn-lt"/>
-                <a:ea typeface="+mn-ea"/>
-                <a:cs typeface="+mn-cs"/>
-              </a:rPr>
-              <a:t>저희는 이러한 불편을 해소 할 수 있는 </a:t>
-            </a:r>
-            <a:r>
-              <a:rPr lang="en-US" altLang="ko-KR" sz="1200" b="0" i="0" kern="1200" dirty="0">
-                <a:solidFill>
-                  <a:schemeClr val="tx1"/>
-                </a:solidFill>
-                <a:effectLst/>
-                <a:latin typeface="+mn-lt"/>
-                <a:ea typeface="+mn-ea"/>
-                <a:cs typeface="+mn-cs"/>
-              </a:rPr>
-              <a:t>2uzuBook</a:t>
-            </a:r>
-            <a:r>
-              <a:rPr lang="ko-KR" altLang="en-US" sz="1200" b="0" i="0" kern="1200" dirty="0">
-                <a:solidFill>
-                  <a:schemeClr val="tx1"/>
-                </a:solidFill>
-                <a:effectLst/>
-                <a:latin typeface="+mn-lt"/>
-                <a:ea typeface="+mn-ea"/>
-                <a:cs typeface="+mn-cs"/>
-              </a:rPr>
-              <a:t>을 개발 하게 되었습니다</a:t>
-            </a:r>
-            <a:r>
-              <a:rPr lang="en-US" altLang="ko-KR" sz="1200" b="0" i="0" kern="1200" dirty="0">
-                <a:solidFill>
-                  <a:schemeClr val="tx1"/>
-                </a:solidFill>
-                <a:effectLst/>
-                <a:latin typeface="+mn-lt"/>
-                <a:ea typeface="+mn-ea"/>
-                <a:cs typeface="+mn-cs"/>
-              </a:rPr>
+              <a:t>?</a:t>
+            </a:r>
+          </a:p>
+          <a:p>
+            <a:endParaRPr lang="en-US" altLang="ko-KR" sz="1200" b="0" i="0" kern="1200" dirty="0">
+              <a:solidFill>
+                <a:schemeClr val="tx1"/>
+              </a:solidFill>
+              <a:effectLst/>
+              <a:latin typeface="+mn-lt"/>
+              <a:ea typeface="+mn-ea"/>
+              <a:cs typeface="+mn-cs"/>
+            </a:endParaRPr>
+          </a:p>
+          <a:p>
+            <a:r>
+              <a:rPr lang="ko-KR" altLang="en-US" dirty="0"/>
+              <a:t>자기가 활동한 것을 바로바로 추가하고 보고 회사도 바로바로 인재를 검색하고 출력하고 </a:t>
+            </a:r>
+            <a:r>
+              <a:rPr lang="ko-KR" altLang="en-US" dirty="0" err="1"/>
+              <a:t>컨택한다면</a:t>
+            </a:r>
+            <a:r>
+              <a:rPr lang="ko-KR" altLang="en-US" dirty="0"/>
+              <a:t> 얼마나 좋을까요</a:t>
+            </a:r>
+            <a:r>
+              <a:rPr lang="en-US" altLang="ko-KR" dirty="0"/>
+              <a:t>?</a:t>
+            </a:r>
+          </a:p>
+          <a:p>
+            <a:endParaRPr lang="en-US" altLang="ko-KR" dirty="0"/>
+          </a:p>
+          <a:p>
+            <a:r>
+              <a:rPr lang="ko-KR" altLang="en-US" dirty="0"/>
+              <a:t>저희는 그래서 </a:t>
+            </a:r>
+            <a:r>
+              <a:rPr lang="ko-KR" altLang="en-US" dirty="0" err="1"/>
+              <a:t>이어주북이라는</a:t>
+            </a:r>
+            <a:r>
+              <a:rPr lang="ko-KR" altLang="en-US" dirty="0"/>
+              <a:t> 프로젝트를 진행하게 되었습니다</a:t>
+            </a:r>
+            <a:r>
+              <a:rPr lang="en-US" altLang="ko-KR" dirty="0"/>
               <a:t>.</a:t>
             </a:r>
             <a:endParaRPr lang="ko-KR" altLang="en-US" dirty="0"/>
@@ -3123,6 +2910,136 @@
           <a:bodyPr/>
           <a:lstStyle/>
           <a:p>
+            <a:r>
+              <a:rPr lang="ko-KR" altLang="en-US" dirty="0"/>
+              <a:t>아무래도 </a:t>
+            </a:r>
+            <a:r>
+              <a:rPr lang="en-US" altLang="ko-KR" dirty="0"/>
+              <a:t>java </a:t>
+            </a:r>
+            <a:r>
+              <a:rPr lang="ko-KR" altLang="en-US" dirty="0"/>
+              <a:t>프로젝트였으니 저희는 </a:t>
+            </a:r>
+            <a:r>
+              <a:rPr lang="en-US" altLang="ko-KR" dirty="0"/>
+              <a:t>java</a:t>
+            </a:r>
+            <a:r>
+              <a:rPr lang="ko-KR" altLang="en-US" dirty="0"/>
+              <a:t>를 많이 사용하는 쪽으로 처음부터 계획을 잡았습니다</a:t>
+            </a:r>
+            <a:r>
+              <a:rPr lang="en-US" altLang="ko-KR" dirty="0"/>
+              <a:t>.</a:t>
+            </a:r>
+          </a:p>
+          <a:p>
+            <a:endParaRPr lang="en-US" altLang="ko-KR" dirty="0"/>
+          </a:p>
+          <a:p>
+            <a:r>
+              <a:rPr lang="ko-KR" altLang="en-US" dirty="0"/>
+              <a:t>웹은 </a:t>
+            </a:r>
+            <a:r>
+              <a:rPr lang="en-US" altLang="ko-KR" dirty="0"/>
+              <a:t>html </a:t>
+            </a:r>
+            <a:r>
+              <a:rPr lang="en-US" altLang="ko-KR" dirty="0" err="1"/>
+              <a:t>css</a:t>
+            </a:r>
+            <a:r>
+              <a:rPr lang="en-US" altLang="ko-KR" dirty="0"/>
+              <a:t> </a:t>
+            </a:r>
+            <a:r>
+              <a:rPr lang="en-US" altLang="ko-KR" dirty="0" err="1"/>
+              <a:t>js</a:t>
+            </a:r>
+            <a:r>
+              <a:rPr lang="en-US" altLang="ko-KR" dirty="0"/>
+              <a:t> </a:t>
+            </a:r>
+            <a:r>
+              <a:rPr lang="ko-KR" altLang="en-US" dirty="0"/>
+              <a:t>기반으로 개발하였으며</a:t>
+            </a:r>
+            <a:endParaRPr lang="en-US" altLang="ko-KR" dirty="0"/>
+          </a:p>
+          <a:p>
+            <a:endParaRPr lang="en-US" altLang="ko-KR" dirty="0"/>
+          </a:p>
+          <a:p>
+            <a:r>
+              <a:rPr lang="ko-KR" altLang="en-US" dirty="0" err="1"/>
+              <a:t>서버단</a:t>
+            </a:r>
+            <a:r>
+              <a:rPr lang="ko-KR" altLang="en-US" dirty="0"/>
+              <a:t> </a:t>
+            </a:r>
+            <a:r>
+              <a:rPr lang="en-US" altLang="ko-KR" dirty="0" err="1"/>
+              <a:t>jsp</a:t>
+            </a:r>
+            <a:r>
+              <a:rPr lang="ko-KR" altLang="en-US" dirty="0"/>
+              <a:t> </a:t>
+            </a:r>
+            <a:r>
+              <a:rPr lang="ko-KR" altLang="en-US" dirty="0" err="1"/>
+              <a:t>서블릿으로</a:t>
+            </a:r>
+            <a:r>
+              <a:rPr lang="ko-KR" altLang="en-US" dirty="0"/>
+              <a:t> 개발하였고</a:t>
+            </a:r>
+            <a:endParaRPr lang="en-US" altLang="ko-KR" dirty="0"/>
+          </a:p>
+          <a:p>
+            <a:endParaRPr lang="en-US" altLang="ko-KR" dirty="0"/>
+          </a:p>
+          <a:p>
+            <a:r>
+              <a:rPr lang="ko-KR" altLang="en-US" dirty="0"/>
+              <a:t>개발 툴은 이클립스와 </a:t>
+            </a:r>
+            <a:r>
+              <a:rPr lang="en-US" altLang="ko-KR" dirty="0" err="1"/>
+              <a:t>mysql</a:t>
+            </a:r>
+            <a:r>
+              <a:rPr lang="ko-KR" altLang="en-US" dirty="0"/>
+              <a:t>을 사용하였습니다</a:t>
+            </a:r>
+            <a:r>
+              <a:rPr lang="en-US" altLang="ko-KR" dirty="0"/>
+              <a:t>.</a:t>
+            </a:r>
+          </a:p>
+          <a:p>
+            <a:endParaRPr lang="en-US" altLang="ko-KR" dirty="0"/>
+          </a:p>
+          <a:p>
+            <a:r>
+              <a:rPr lang="ko-KR" altLang="en-US" dirty="0"/>
+              <a:t>또한 버전관리는 </a:t>
+            </a:r>
+            <a:r>
+              <a:rPr lang="ko-KR" altLang="en-US" dirty="0" err="1"/>
+              <a:t>깃허브를</a:t>
+            </a:r>
+            <a:r>
+              <a:rPr lang="ko-KR" altLang="en-US" dirty="0"/>
+              <a:t> 이용하였습니다</a:t>
+            </a:r>
+            <a:r>
+              <a:rPr lang="en-US" altLang="ko-KR" dirty="0"/>
+              <a:t>.</a:t>
+            </a:r>
             <a:endParaRPr lang="ko-KR" altLang="en-US" dirty="0"/>
           </a:p>
         </p:txBody>
@@ -3153,7 +3070,7 @@
     </p:spTree>
     <p:extLst>
       <p:ext uri="{BB962C8B-B14F-4D97-AF65-F5344CB8AC3E}">
-        <p14:creationId xmlns:p14="http://schemas.microsoft.com/office/powerpoint/2010/main" val="2244635168"/>
+        <p14:creationId xmlns:p14="http://schemas.microsoft.com/office/powerpoint/2010/main" val="1188701363"/>
       </p:ext>
     </p:extLst>
   </p:cSld>
@@ -3209,23 +3126,27 @@
           <a:p>
             <a:r>
               <a:rPr lang="ko-KR" altLang="en-US" dirty="0"/>
-              <a:t>아무래도 </a:t>
+              <a:t>저희 팀원들은 </a:t>
+            </a:r>
+            <a:r>
+              <a:rPr lang="ko-KR" altLang="en-US" dirty="0" err="1"/>
+              <a:t>몇개월</a:t>
+            </a:r>
+            <a:r>
+              <a:rPr lang="ko-KR" altLang="en-US" dirty="0"/>
+              <a:t> 간의 시행착오 끝에 결국 약 </a:t>
             </a:r>
             <a:r>
               <a:rPr lang="en-US" altLang="ko-KR" dirty="0"/>
-              <a:t>java </a:t>
+              <a:t>1</a:t>
+            </a:r>
+            <a:r>
+              <a:rPr lang="ko-KR" altLang="en-US" dirty="0" err="1"/>
+              <a:t>달전에</a:t>
             </a:r>
             <a:r>
               <a:rPr lang="ko-KR" altLang="en-US" dirty="0"/>
-              <a:t>프로젝트였으니 저희는 </a:t>
-            </a:r>
-            <a:r>
-              <a:rPr lang="en-US" altLang="ko-KR" dirty="0"/>
-              <a:t>java</a:t>
-            </a:r>
-            <a:r>
-              <a:rPr lang="ko-KR" altLang="en-US" dirty="0"/>
-              <a:t>를 많이 사용하는 쪽으로 처음부터 계획을 잡았습니다</a:t>
+              <a:t> 갈아엎어 팀 역할 분담을 더욱 체계화 시키고 기능 명세화를 더욱 꼼꼼하고 정확하게 하여 프로젝트가 추후에 잘 진행되도록 더 분발하였습니다</a:t>
             </a:r>
             <a:r>
               <a:rPr lang="en-US" altLang="ko-KR" dirty="0"/>
@@ -3234,6 +3155,79 @@
           </a:p>
           <a:p>
             <a:endParaRPr lang="en-US" altLang="ko-KR" dirty="0"/>
+          </a:p>
+          <a:p>
+            <a:r>
+              <a:rPr lang="ko-KR" altLang="en-US" dirty="0"/>
+              <a:t>일단 저희 웹페이지의 프론트는 </a:t>
+            </a:r>
+            <a:r>
+              <a:rPr lang="ko-KR" altLang="en-US" dirty="0" err="1"/>
+              <a:t>박규라가</a:t>
+            </a:r>
+            <a:r>
+              <a:rPr lang="ko-KR" altLang="en-US" dirty="0"/>
+              <a:t> 담당하였습니다</a:t>
+            </a:r>
+            <a:r>
+              <a:rPr lang="en-US" altLang="ko-KR" dirty="0"/>
+              <a:t>. </a:t>
+            </a:r>
+          </a:p>
+          <a:p>
+            <a:endParaRPr lang="en-US" altLang="ko-KR" dirty="0"/>
+          </a:p>
+          <a:p>
+            <a:r>
+              <a:rPr lang="ko-KR" altLang="en-US" dirty="0"/>
+              <a:t>소연이가 서버와 </a:t>
+            </a:r>
+            <a:r>
+              <a:rPr lang="ko-KR" altLang="en-US" dirty="0" err="1"/>
+              <a:t>프론트엔드를</a:t>
+            </a:r>
+            <a:r>
+              <a:rPr lang="ko-KR" altLang="en-US" dirty="0"/>
+              <a:t> 이어주는 연동을  담당하였습니다</a:t>
+            </a:r>
+            <a:r>
+              <a:rPr lang="en-US" altLang="ko-KR" dirty="0"/>
+              <a:t>.</a:t>
+            </a:r>
+          </a:p>
+          <a:p>
+            <a:endParaRPr lang="en-US" altLang="ko-KR" dirty="0"/>
+          </a:p>
+          <a:p>
+            <a:r>
+              <a:rPr lang="ko-KR" altLang="en-US" dirty="0" err="1"/>
+              <a:t>윤정현이가</a:t>
+            </a:r>
+            <a:r>
+              <a:rPr lang="ko-KR" altLang="en-US" dirty="0"/>
+              <a:t> 데이터베이스 설계와 데이터베이스들의 정보를 클라이언트에 넘겨주는 역할을 했습니다</a:t>
+            </a:r>
+            <a:r>
+              <a:rPr lang="en-US" altLang="ko-KR" dirty="0"/>
+              <a:t>.</a:t>
+            </a:r>
+          </a:p>
+          <a:p>
+            <a:endParaRPr lang="en-US" altLang="ko-KR" dirty="0"/>
+          </a:p>
+          <a:p>
+            <a:r>
+              <a:rPr lang="ko-KR" altLang="en-US" dirty="0" err="1"/>
+              <a:t>배용호는</a:t>
+            </a:r>
+            <a:r>
+              <a:rPr lang="ko-KR" altLang="en-US" dirty="0"/>
+              <a:t> 전체적인 프로젝트를 관리하며 서버 뿐만 아니라 연동부분에서 오류를 고쳐주고 부가적인 기능을 구현하였습니다</a:t>
+            </a:r>
+            <a:r>
+              <a:rPr lang="en-US" altLang="ko-KR" dirty="0"/>
+              <a:t>.</a:t>
+            </a:r>
           </a:p>
           <a:p>
             <a:endParaRPr lang="ko-KR" altLang="en-US" dirty="0"/>
@@ -3266,7 +3260,7 @@
     </p:spTree>
     <p:extLst>
       <p:ext uri="{BB962C8B-B14F-4D97-AF65-F5344CB8AC3E}">
-        <p14:creationId xmlns:p14="http://schemas.microsoft.com/office/powerpoint/2010/main" val="1188701363"/>
+        <p14:creationId xmlns:p14="http://schemas.microsoft.com/office/powerpoint/2010/main" val="2244635168"/>
       </p:ext>
     </p:extLst>
   </p:cSld>
@@ -3510,7 +3504,31 @@
                 <a:ea typeface="+mn-ea"/>
                 <a:cs typeface="+mn-cs"/>
               </a:rPr>
-              <a:t>저희가 도출한 요구사항으로는 </a:t>
+              <a:t>처음 저희가 이 프로젝트를 </a:t>
+            </a:r>
+            <a:r>
+              <a:rPr lang="ko-KR" altLang="en-US" sz="1200" b="0" i="0" kern="1200" dirty="0" err="1">
+                <a:solidFill>
+                  <a:schemeClr val="tx1"/>
+                </a:solidFill>
+                <a:effectLst/>
+                <a:latin typeface="+mn-lt"/>
+                <a:ea typeface="+mn-ea"/>
+                <a:cs typeface="+mn-cs"/>
+              </a:rPr>
+              <a:t>계획할때</a:t>
+            </a:r>
+            <a:r>
+              <a:rPr lang="ko-KR" altLang="en-US" sz="1200" b="0" i="0" kern="1200" dirty="0">
+                <a:solidFill>
+                  <a:schemeClr val="tx1"/>
+                </a:solidFill>
+                <a:effectLst/>
+                <a:latin typeface="+mn-lt"/>
+                <a:ea typeface="+mn-ea"/>
+                <a:cs typeface="+mn-cs"/>
+              </a:rPr>
+              <a:t> 도출한 요구사항으로는 </a:t>
             </a:r>
             <a:r>
               <a:rPr lang="en-US" altLang="ko-KR" sz="1200" b="0" i="0" kern="1200" dirty="0">
@@ -17563,7 +17581,7 @@
         <p:spPr>
           <a:xfrm>
             <a:off x="2752863" y="2010860"/>
-            <a:ext cx="5686172" cy="4252446"/>
+            <a:ext cx="6160661" cy="4252446"/>
           </a:xfrm>
           <a:prstGeom prst="rect">
             <a:avLst/>
@@ -17781,41 +17799,7 @@
                 <a:latin typeface="a옛날사진관2" panose="02020600000000000000" pitchFamily="18" charset="-127"/>
                 <a:ea typeface="배달의민족 도현" panose="020B0600000101010101"/>
               </a:rPr>
-              <a:t> 우리 </a:t>
-            </a:r>
-            <a:r>
-              <a:rPr lang="ko-KR" altLang="en-US" sz="3200" spc="-150" dirty="0" err="1">
-                <a:ln>
-                  <a:solidFill>
-                    <a:schemeClr val="accent1">
-                      <a:alpha val="0"/>
-                    </a:schemeClr>
-                  </a:solidFill>
-                </a:ln>
-                <a:solidFill>
-                  <a:srgbClr val="282421"/>
-                </a:solidFill>
-                <a:latin typeface="a옛날사진관2" panose="02020600000000000000" pitchFamily="18" charset="-127"/>
-                <a:ea typeface="배달의민족 도현" panose="020B0600000101010101"/>
-              </a:rPr>
-              <a:t>웹페이지</a:t>
-            </a:r>
-            <a:r>
-              <a:rPr lang="ko-KR" altLang="en-US" sz="3200" spc="-150" dirty="0">
-                <a:ln>
-                  <a:solidFill>
-                    <a:schemeClr val="accent1">
-                      <a:alpha val="0"/>
-                    </a:schemeClr>
-                  </a:solidFill>
-                </a:ln>
-                <a:solidFill>
-                  <a:srgbClr val="282421"/>
-                </a:solidFill>
-                <a:latin typeface="a옛날사진관2" panose="02020600000000000000" pitchFamily="18" charset="-127"/>
-                <a:ea typeface="배달의민족 도현" panose="020B0600000101010101"/>
-              </a:rPr>
-              <a:t> 사용</a:t>
+              <a:t> 우리 웹페이지 사용</a:t>
             </a:r>
             <a:endParaRPr lang="en-US" altLang="ko-KR" sz="3200" spc="-150" dirty="0">
               <a:ln>
@@ -21738,20 +21722,6 @@
 <file path=ppt/slides/slide4.xml><?xml version="1.0" encoding="utf-8"?>
 <p:sld xmlns:a="http://schemas.openxmlformats.org/drawingml/2006/main" xmlns:r="http://schemas.openxmlformats.org/officeDocument/2006/relationships" xmlns:p="http://schemas.openxmlformats.org/presentationml/2006/main">
   <p:cSld>
-    <p:bg>
-      <p:bgPr>
-        <a:blipFill dpi="0" rotWithShape="1">
-          <a:blip r:embed="rId3">
-            <a:lum/>
-          </a:blip>
-          <a:srcRect/>
-          <a:stretch>
-            <a:fillRect/>
-          </a:stretch>
-        </a:blipFill>
-        <a:effectLst/>
-      </p:bgPr>
-    </p:bg>
     <p:spTree>
       <p:nvGrpSpPr>
         <p:cNvPr id="1" name=""/>
@@ -21992,862 +21962,6 @@
                 <a:ea typeface="Noto Sans CJK KR Medium" panose="020B0600000000000000" pitchFamily="34" charset="-127"/>
               </a:rPr>
               <a:t>03.</a:t>
-            </a:r>
-          </a:p>
-          <a:p>
-            <a:r>
-              <a:rPr lang="ko-KR" altLang="en-US" sz="2400" dirty="0">
-                <a:latin typeface="Noto Sans CJK KR Medium" panose="020B0600000000000000" pitchFamily="34" charset="-127"/>
-                <a:ea typeface="Noto Sans CJK KR Medium" panose="020B0600000000000000" pitchFamily="34" charset="-127"/>
-              </a:rPr>
-              <a:t>역할 분담</a:t>
-            </a:r>
-          </a:p>
-        </p:txBody>
-      </p:sp>
-      <p:sp>
-        <p:nvSpPr>
-          <p:cNvPr id="22" name="직사각형 21"/>
-          <p:cNvSpPr/>
-          <p:nvPr/>
-        </p:nvSpPr>
-        <p:spPr>
-          <a:xfrm>
-            <a:off x="9291319" y="6599184"/>
-            <a:ext cx="2900681" cy="320722"/>
-          </a:xfrm>
-          <a:prstGeom prst="rect">
-            <a:avLst/>
-          </a:prstGeom>
-          <a:solidFill>
-            <a:schemeClr val="bg1"/>
-          </a:solidFill>
-          <a:ln>
-            <a:solidFill>
-              <a:schemeClr val="bg1"/>
-            </a:solidFill>
-          </a:ln>
-        </p:spPr>
-        <p:style>
-          <a:lnRef idx="2">
-            <a:schemeClr val="accent1">
-              <a:shade val="50000"/>
-            </a:schemeClr>
-          </a:lnRef>
-          <a:fillRef idx="1">
-            <a:schemeClr val="accent1"/>
-          </a:fillRef>
-          <a:effectRef idx="0">
-            <a:schemeClr val="accent1"/>
-          </a:effectRef>
-          <a:fontRef idx="minor">
-            <a:schemeClr val="lt1"/>
-          </a:fontRef>
-        </p:style>
-        <p:txBody>
-          <a:bodyPr rtlCol="0" anchor="ctr"/>
-          <a:lstStyle/>
-          <a:p>
-            <a:pPr algn="ctr"/>
-            <a:endParaRPr lang="ko-KR" altLang="en-US"/>
-          </a:p>
-        </p:txBody>
-      </p:sp>
-      <p:sp>
-        <p:nvSpPr>
-          <p:cNvPr id="23" name="TextBox 22"/>
-          <p:cNvSpPr txBox="1"/>
-          <p:nvPr/>
-        </p:nvSpPr>
-        <p:spPr>
-          <a:xfrm>
-            <a:off x="2752863" y="792222"/>
-            <a:ext cx="5315879" cy="369332"/>
-          </a:xfrm>
-          <a:prstGeom prst="rect">
-            <a:avLst/>
-          </a:prstGeom>
-        </p:spPr>
-        <p:txBody>
-          <a:bodyPr wrap="none">
-            <a:spAutoFit/>
-          </a:bodyPr>
-          <a:lstStyle>
-            <a:defPPr>
-              <a:defRPr lang="ko-KR"/>
-            </a:defPPr>
-            <a:lvl1pPr>
-              <a:spcBef>
-                <a:spcPts val="1000"/>
-              </a:spcBef>
-              <a:defRPr sz="2000">
-                <a:ln>
-                  <a:solidFill>
-                    <a:schemeClr val="accent1">
-                      <a:alpha val="0"/>
-                    </a:schemeClr>
-                  </a:solidFill>
-                </a:ln>
-                <a:solidFill>
-                  <a:schemeClr val="bg1"/>
-                </a:solidFill>
-                <a:latin typeface="Noto Sans CJK KR Medium" panose="020B0600000000000000" pitchFamily="34" charset="-127"/>
-                <a:ea typeface="Noto Sans CJK KR Medium" panose="020B0600000000000000" pitchFamily="34" charset="-127"/>
-              </a:defRPr>
-            </a:lvl1pPr>
-          </a:lstStyle>
-          <a:p>
-            <a:r>
-              <a:rPr lang="ko-KR" altLang="en-US" sz="1800" dirty="0">
-                <a:solidFill>
-                  <a:schemeClr val="bg1">
-                    <a:lumMod val="75000"/>
-                  </a:schemeClr>
-                </a:solidFill>
-              </a:rPr>
-              <a:t>기존의 </a:t>
-            </a:r>
-            <a:r>
-              <a:rPr lang="ko-KR" altLang="en-US" sz="1800" dirty="0" err="1">
-                <a:solidFill>
-                  <a:schemeClr val="bg1">
-                    <a:lumMod val="75000"/>
-                  </a:schemeClr>
-                </a:solidFill>
-              </a:rPr>
-              <a:t>책으로된</a:t>
-            </a:r>
-            <a:r>
-              <a:rPr lang="ko-KR" altLang="en-US" sz="1800" dirty="0">
-                <a:solidFill>
-                  <a:schemeClr val="bg1">
-                    <a:lumMod val="75000"/>
-                  </a:schemeClr>
-                </a:solidFill>
-              </a:rPr>
-              <a:t> </a:t>
-            </a:r>
-            <a:r>
-              <a:rPr lang="en-US" altLang="ko-KR" sz="1800" dirty="0">
-                <a:solidFill>
-                  <a:schemeClr val="bg1">
-                    <a:lumMod val="75000"/>
-                  </a:schemeClr>
-                </a:solidFill>
-              </a:rPr>
-              <a:t>“</a:t>
-            </a:r>
-            <a:r>
-              <a:rPr lang="ko-KR" altLang="en-US" sz="1800" dirty="0" err="1">
-                <a:solidFill>
-                  <a:schemeClr val="bg1">
-                    <a:lumMod val="75000"/>
-                  </a:schemeClr>
-                </a:solidFill>
-              </a:rPr>
-              <a:t>레주메북</a:t>
-            </a:r>
-            <a:r>
-              <a:rPr lang="en-US" altLang="ko-KR" sz="1800" dirty="0">
-                <a:solidFill>
-                  <a:schemeClr val="bg1">
-                    <a:lumMod val="75000"/>
-                  </a:schemeClr>
-                </a:solidFill>
-              </a:rPr>
-              <a:t>”</a:t>
-            </a:r>
-            <a:r>
-              <a:rPr lang="ko-KR" altLang="en-US" sz="1800" dirty="0">
-                <a:solidFill>
-                  <a:schemeClr val="bg1">
-                    <a:lumMod val="75000"/>
-                  </a:schemeClr>
-                </a:solidFill>
-              </a:rPr>
-              <a:t>의 불편함을 없앤</a:t>
-            </a:r>
-          </a:p>
-        </p:txBody>
-      </p:sp>
-      <p:sp>
-        <p:nvSpPr>
-          <p:cNvPr id="24" name="직사각형 23"/>
-          <p:cNvSpPr/>
-          <p:nvPr/>
-        </p:nvSpPr>
-        <p:spPr>
-          <a:xfrm>
-            <a:off x="2752167" y="1089843"/>
-            <a:ext cx="4782078" cy="461665"/>
-          </a:xfrm>
-          <a:prstGeom prst="rect">
-            <a:avLst/>
-          </a:prstGeom>
-        </p:spPr>
-        <p:txBody>
-          <a:bodyPr wrap="none">
-            <a:spAutoFit/>
-          </a:bodyPr>
-          <a:lstStyle/>
-          <a:p>
-            <a:pPr>
-              <a:spcBef>
-                <a:spcPts val="1000"/>
-              </a:spcBef>
-            </a:pPr>
-            <a:r>
-              <a:rPr lang="ko-KR" altLang="en-US" sz="2400" spc="-150" dirty="0" err="1">
-                <a:ln>
-                  <a:solidFill>
-                    <a:schemeClr val="accent1">
-                      <a:alpha val="0"/>
-                    </a:schemeClr>
-                  </a:solidFill>
-                </a:ln>
-                <a:solidFill>
-                  <a:srgbClr val="282421"/>
-                </a:solidFill>
-                <a:latin typeface="Noto Sans CJK KR Medium" panose="020B0600000000000000" pitchFamily="34" charset="-127"/>
-                <a:ea typeface="Noto Sans CJK KR Medium" panose="020B0600000000000000" pitchFamily="34" charset="-127"/>
-              </a:rPr>
-              <a:t>레주메북을</a:t>
-            </a:r>
-            <a:r>
-              <a:rPr lang="ko-KR" altLang="en-US" sz="2400" spc="-150" dirty="0">
-                <a:ln>
-                  <a:solidFill>
-                    <a:schemeClr val="accent1">
-                      <a:alpha val="0"/>
-                    </a:schemeClr>
-                  </a:solidFill>
-                </a:ln>
-                <a:solidFill>
-                  <a:srgbClr val="282421"/>
-                </a:solidFill>
-                <a:latin typeface="Noto Sans CJK KR Medium" panose="020B0600000000000000" pitchFamily="34" charset="-127"/>
-                <a:ea typeface="Noto Sans CJK KR Medium" panose="020B0600000000000000" pitchFamily="34" charset="-127"/>
-              </a:rPr>
-              <a:t> </a:t>
-            </a:r>
-            <a:r>
-              <a:rPr lang="en-US" altLang="ko-KR" sz="2400" spc="-150" dirty="0">
-                <a:ln>
-                  <a:solidFill>
-                    <a:schemeClr val="accent1">
-                      <a:alpha val="0"/>
-                    </a:schemeClr>
-                  </a:solidFill>
-                </a:ln>
-                <a:solidFill>
-                  <a:srgbClr val="282421"/>
-                </a:solidFill>
-                <a:latin typeface="Noto Sans CJK KR Medium" panose="020B0600000000000000" pitchFamily="34" charset="-127"/>
-                <a:ea typeface="Noto Sans CJK KR Medium" panose="020B0600000000000000" pitchFamily="34" charset="-127"/>
-              </a:rPr>
-              <a:t>“2uzuBook”</a:t>
-            </a:r>
-            <a:r>
-              <a:rPr lang="ko-KR" altLang="en-US" sz="2400" spc="-150" dirty="0">
-                <a:ln>
-                  <a:solidFill>
-                    <a:schemeClr val="accent1">
-                      <a:alpha val="0"/>
-                    </a:schemeClr>
-                  </a:solidFill>
-                </a:ln>
-                <a:solidFill>
-                  <a:srgbClr val="282421"/>
-                </a:solidFill>
-                <a:latin typeface="Noto Sans CJK KR Medium" panose="020B0600000000000000" pitchFamily="34" charset="-127"/>
-                <a:ea typeface="Noto Sans CJK KR Medium" panose="020B0600000000000000" pitchFamily="34" charset="-127"/>
-              </a:rPr>
-              <a:t>로 바꾸다</a:t>
-            </a:r>
-            <a:endParaRPr lang="en-US" altLang="ko-KR" sz="2400" spc="-150" dirty="0">
-              <a:ln>
-                <a:solidFill>
-                  <a:schemeClr val="accent1">
-                    <a:alpha val="0"/>
-                  </a:schemeClr>
-                </a:solidFill>
-              </a:ln>
-              <a:solidFill>
-                <a:srgbClr val="282421"/>
-              </a:solidFill>
-              <a:latin typeface="Noto Sans CJK KR Medium" panose="020B0600000000000000" pitchFamily="34" charset="-127"/>
-              <a:ea typeface="Noto Sans CJK KR Medium" panose="020B0600000000000000" pitchFamily="34" charset="-127"/>
-            </a:endParaRPr>
-          </a:p>
-        </p:txBody>
-      </p:sp>
-      <p:pic>
-        <p:nvPicPr>
-          <p:cNvPr id="4" name="그림 3"/>
-          <p:cNvPicPr>
-            <a:picLocks noChangeAspect="1"/>
-          </p:cNvPicPr>
-          <p:nvPr/>
-        </p:nvPicPr>
-        <p:blipFill>
-          <a:blip r:embed="rId4" cstate="print">
-            <a:extLst>
-              <a:ext uri="{28A0092B-C50C-407E-A947-70E740481C1C}">
-                <a14:useLocalDpi xmlns:a14="http://schemas.microsoft.com/office/drawing/2010/main" val="0"/>
-              </a:ext>
-            </a:extLst>
-          </a:blip>
-          <a:stretch>
-            <a:fillRect/>
-          </a:stretch>
-        </p:blipFill>
-        <p:spPr>
-          <a:xfrm>
-            <a:off x="3114261" y="2145475"/>
-            <a:ext cx="1669323" cy="1669323"/>
-          </a:xfrm>
-          <a:prstGeom prst="rect">
-            <a:avLst/>
-          </a:prstGeom>
-        </p:spPr>
-      </p:pic>
-      <p:pic>
-        <p:nvPicPr>
-          <p:cNvPr id="16" name="그림 15"/>
-          <p:cNvPicPr>
-            <a:picLocks noChangeAspect="1"/>
-          </p:cNvPicPr>
-          <p:nvPr/>
-        </p:nvPicPr>
-        <p:blipFill>
-          <a:blip r:embed="rId4" cstate="print">
-            <a:extLst>
-              <a:ext uri="{28A0092B-C50C-407E-A947-70E740481C1C}">
-                <a14:useLocalDpi xmlns:a14="http://schemas.microsoft.com/office/drawing/2010/main" val="0"/>
-              </a:ext>
-            </a:extLst>
-          </a:blip>
-          <a:stretch>
-            <a:fillRect/>
-          </a:stretch>
-        </p:blipFill>
-        <p:spPr>
-          <a:xfrm>
-            <a:off x="7534246" y="2145474"/>
-            <a:ext cx="1669323" cy="1669323"/>
-          </a:xfrm>
-          <a:prstGeom prst="rect">
-            <a:avLst/>
-          </a:prstGeom>
-        </p:spPr>
-      </p:pic>
-      <p:pic>
-        <p:nvPicPr>
-          <p:cNvPr id="8" name="그림 7"/>
-          <p:cNvPicPr>
-            <a:picLocks noChangeAspect="1"/>
-          </p:cNvPicPr>
-          <p:nvPr/>
-        </p:nvPicPr>
-        <p:blipFill>
-          <a:blip r:embed="rId5" cstate="print">
-            <a:extLst>
-              <a:ext uri="{28A0092B-C50C-407E-A947-70E740481C1C}">
-                <a14:useLocalDpi xmlns:a14="http://schemas.microsoft.com/office/drawing/2010/main" val="0"/>
-              </a:ext>
-            </a:extLst>
-          </a:blip>
-          <a:stretch>
-            <a:fillRect/>
-          </a:stretch>
-        </p:blipFill>
-        <p:spPr>
-          <a:xfrm>
-            <a:off x="3114260" y="4542631"/>
-            <a:ext cx="1669323" cy="1669323"/>
-          </a:xfrm>
-          <a:prstGeom prst="rect">
-            <a:avLst/>
-          </a:prstGeom>
-        </p:spPr>
-      </p:pic>
-      <p:pic>
-        <p:nvPicPr>
-          <p:cNvPr id="21" name="그림 20"/>
-          <p:cNvPicPr>
-            <a:picLocks noChangeAspect="1"/>
-          </p:cNvPicPr>
-          <p:nvPr/>
-        </p:nvPicPr>
-        <p:blipFill>
-          <a:blip r:embed="rId5" cstate="print">
-            <a:extLst>
-              <a:ext uri="{28A0092B-C50C-407E-A947-70E740481C1C}">
-                <a14:useLocalDpi xmlns:a14="http://schemas.microsoft.com/office/drawing/2010/main" val="0"/>
-              </a:ext>
-            </a:extLst>
-          </a:blip>
-          <a:stretch>
-            <a:fillRect/>
-          </a:stretch>
-        </p:blipFill>
-        <p:spPr>
-          <a:xfrm>
-            <a:off x="7534245" y="4542630"/>
-            <a:ext cx="1669323" cy="1669323"/>
-          </a:xfrm>
-          <a:prstGeom prst="rect">
-            <a:avLst/>
-          </a:prstGeom>
-        </p:spPr>
-      </p:pic>
-      <p:sp>
-        <p:nvSpPr>
-          <p:cNvPr id="9" name="TextBox 8"/>
-          <p:cNvSpPr txBox="1"/>
-          <p:nvPr/>
-        </p:nvSpPr>
-        <p:spPr>
-          <a:xfrm>
-            <a:off x="4783583" y="2733261"/>
-            <a:ext cx="2183747" cy="738664"/>
-          </a:xfrm>
-          <a:prstGeom prst="rect">
-            <a:avLst/>
-          </a:prstGeom>
-          <a:noFill/>
-        </p:spPr>
-        <p:txBody>
-          <a:bodyPr wrap="square" rtlCol="0">
-            <a:spAutoFit/>
-          </a:bodyPr>
-          <a:lstStyle/>
-          <a:p>
-            <a:r>
-              <a:rPr lang="ko-KR" altLang="en-US" sz="2400" dirty="0">
-                <a:latin typeface="HY헤드라인M" panose="02030600000101010101" pitchFamily="18" charset="-127"/>
-                <a:ea typeface="HY헤드라인M" panose="02030600000101010101" pitchFamily="18" charset="-127"/>
-              </a:rPr>
-              <a:t>박규리</a:t>
-            </a:r>
-            <a:endParaRPr lang="en-US" altLang="ko-KR" sz="2400" dirty="0">
-              <a:latin typeface="HY헤드라인M" panose="02030600000101010101" pitchFamily="18" charset="-127"/>
-              <a:ea typeface="HY헤드라인M" panose="02030600000101010101" pitchFamily="18" charset="-127"/>
-            </a:endParaRPr>
-          </a:p>
-          <a:p>
-            <a:r>
-              <a:rPr lang="ko-KR" altLang="en-US" dirty="0">
-                <a:latin typeface="HY헤드라인M" panose="02030600000101010101" pitchFamily="18" charset="-127"/>
-                <a:ea typeface="HY헤드라인M" panose="02030600000101010101" pitchFamily="18" charset="-127"/>
-              </a:rPr>
-              <a:t>프론트 </a:t>
-            </a:r>
-            <a:r>
-              <a:rPr lang="ko-KR" altLang="en-US" dirty="0" err="1">
-                <a:latin typeface="HY헤드라인M" panose="02030600000101010101" pitchFamily="18" charset="-127"/>
-                <a:ea typeface="HY헤드라인M" panose="02030600000101010101" pitchFamily="18" charset="-127"/>
-              </a:rPr>
-              <a:t>엔드</a:t>
-            </a:r>
-            <a:endParaRPr lang="ko-KR" altLang="en-US" dirty="0">
-              <a:latin typeface="HY헤드라인M" panose="02030600000101010101" pitchFamily="18" charset="-127"/>
-              <a:ea typeface="HY헤드라인M" panose="02030600000101010101" pitchFamily="18" charset="-127"/>
-            </a:endParaRPr>
-          </a:p>
-        </p:txBody>
-      </p:sp>
-      <p:sp>
-        <p:nvSpPr>
-          <p:cNvPr id="25" name="TextBox 24"/>
-          <p:cNvSpPr txBox="1"/>
-          <p:nvPr/>
-        </p:nvSpPr>
-        <p:spPr>
-          <a:xfrm>
-            <a:off x="4783582" y="5131904"/>
-            <a:ext cx="2183747" cy="738664"/>
-          </a:xfrm>
-          <a:prstGeom prst="rect">
-            <a:avLst/>
-          </a:prstGeom>
-          <a:noFill/>
-        </p:spPr>
-        <p:txBody>
-          <a:bodyPr wrap="square" rtlCol="0">
-            <a:spAutoFit/>
-          </a:bodyPr>
-          <a:lstStyle/>
-          <a:p>
-            <a:r>
-              <a:rPr lang="ko-KR" altLang="en-US" sz="2400" dirty="0" err="1">
-                <a:latin typeface="HY헤드라인M" panose="02030600000101010101" pitchFamily="18" charset="-127"/>
-                <a:ea typeface="HY헤드라인M" panose="02030600000101010101" pitchFamily="18" charset="-127"/>
-              </a:rPr>
-              <a:t>윤정현</a:t>
-            </a:r>
-            <a:endParaRPr lang="en-US" altLang="ko-KR" sz="2400" dirty="0">
-              <a:latin typeface="HY헤드라인M" panose="02030600000101010101" pitchFamily="18" charset="-127"/>
-              <a:ea typeface="HY헤드라인M" panose="02030600000101010101" pitchFamily="18" charset="-127"/>
-            </a:endParaRPr>
-          </a:p>
-          <a:p>
-            <a:r>
-              <a:rPr lang="ko-KR" altLang="en-US" dirty="0">
-                <a:latin typeface="HY헤드라인M" panose="02030600000101010101" pitchFamily="18" charset="-127"/>
-                <a:ea typeface="HY헤드라인M" panose="02030600000101010101" pitchFamily="18" charset="-127"/>
-              </a:rPr>
-              <a:t>서버 </a:t>
-            </a:r>
-          </a:p>
-        </p:txBody>
-      </p:sp>
-      <p:sp>
-        <p:nvSpPr>
-          <p:cNvPr id="26" name="TextBox 25"/>
-          <p:cNvSpPr txBox="1"/>
-          <p:nvPr/>
-        </p:nvSpPr>
-        <p:spPr>
-          <a:xfrm>
-            <a:off x="9195879" y="5054125"/>
-            <a:ext cx="2183747" cy="738664"/>
-          </a:xfrm>
-          <a:prstGeom prst="rect">
-            <a:avLst/>
-          </a:prstGeom>
-          <a:noFill/>
-        </p:spPr>
-        <p:txBody>
-          <a:bodyPr wrap="square" rtlCol="0">
-            <a:spAutoFit/>
-          </a:bodyPr>
-          <a:lstStyle/>
-          <a:p>
-            <a:r>
-              <a:rPr lang="ko-KR" altLang="en-US" sz="2400" dirty="0" err="1">
-                <a:latin typeface="HY헤드라인M" panose="02030600000101010101" pitchFamily="18" charset="-127"/>
-                <a:ea typeface="HY헤드라인M" panose="02030600000101010101" pitchFamily="18" charset="-127"/>
-              </a:rPr>
-              <a:t>배용호</a:t>
-            </a:r>
-            <a:endParaRPr lang="en-US" altLang="ko-KR" sz="2400" dirty="0">
-              <a:latin typeface="HY헤드라인M" panose="02030600000101010101" pitchFamily="18" charset="-127"/>
-              <a:ea typeface="HY헤드라인M" panose="02030600000101010101" pitchFamily="18" charset="-127"/>
-            </a:endParaRPr>
-          </a:p>
-          <a:p>
-            <a:r>
-              <a:rPr lang="ko-KR" altLang="en-US" dirty="0">
-                <a:latin typeface="HY헤드라인M" panose="02030600000101010101" pitchFamily="18" charset="-127"/>
-                <a:ea typeface="HY헤드라인M" panose="02030600000101010101" pitchFamily="18" charset="-127"/>
-              </a:rPr>
-              <a:t>서버</a:t>
-            </a:r>
-          </a:p>
-        </p:txBody>
-      </p:sp>
-      <p:sp>
-        <p:nvSpPr>
-          <p:cNvPr id="27" name="TextBox 26"/>
-          <p:cNvSpPr txBox="1"/>
-          <p:nvPr/>
-        </p:nvSpPr>
-        <p:spPr>
-          <a:xfrm>
-            <a:off x="9195878" y="2656969"/>
-            <a:ext cx="2183747" cy="738664"/>
-          </a:xfrm>
-          <a:prstGeom prst="rect">
-            <a:avLst/>
-          </a:prstGeom>
-          <a:noFill/>
-        </p:spPr>
-        <p:txBody>
-          <a:bodyPr wrap="square" rtlCol="0">
-            <a:spAutoFit/>
-          </a:bodyPr>
-          <a:lstStyle/>
-          <a:p>
-            <a:r>
-              <a:rPr lang="ko-KR" altLang="en-US" sz="2400" dirty="0">
-                <a:latin typeface="HY헤드라인M" panose="02030600000101010101" pitchFamily="18" charset="-127"/>
-                <a:ea typeface="HY헤드라인M" panose="02030600000101010101" pitchFamily="18" charset="-127"/>
-              </a:rPr>
-              <a:t>김소연</a:t>
-            </a:r>
-            <a:endParaRPr lang="en-US" altLang="ko-KR" sz="2400" dirty="0">
-              <a:latin typeface="HY헤드라인M" panose="02030600000101010101" pitchFamily="18" charset="-127"/>
-              <a:ea typeface="HY헤드라인M" panose="02030600000101010101" pitchFamily="18" charset="-127"/>
-            </a:endParaRPr>
-          </a:p>
-          <a:p>
-            <a:r>
-              <a:rPr lang="ko-KR" altLang="en-US" dirty="0">
-                <a:latin typeface="HY헤드라인M" panose="02030600000101010101" pitchFamily="18" charset="-127"/>
-                <a:ea typeface="HY헤드라인M" panose="02030600000101010101" pitchFamily="18" charset="-127"/>
-              </a:rPr>
-              <a:t>연동</a:t>
-            </a:r>
-          </a:p>
-        </p:txBody>
-      </p:sp>
-    </p:spTree>
-    <p:extLst>
-      <p:ext uri="{BB962C8B-B14F-4D97-AF65-F5344CB8AC3E}">
-        <p14:creationId xmlns:p14="http://schemas.microsoft.com/office/powerpoint/2010/main" val="539094792"/>
-      </p:ext>
-    </p:extLst>
-  </p:cSld>
-  <p:clrMapOvr>
-    <a:masterClrMapping/>
-  </p:clrMapOvr>
-</p:sld>
-</file>
-
-<file path=ppt/slides/slide5.xml><?xml version="1.0" encoding="utf-8"?>
-<p:sld xmlns:a="http://schemas.openxmlformats.org/drawingml/2006/main" xmlns:r="http://schemas.openxmlformats.org/officeDocument/2006/relationships" xmlns:p="http://schemas.openxmlformats.org/presentationml/2006/main">
-  <p:cSld>
-    <p:spTree>
-      <p:nvGrpSpPr>
-        <p:cNvPr id="1" name=""/>
-        <p:cNvGrpSpPr/>
-        <p:nvPr/>
-      </p:nvGrpSpPr>
-      <p:grpSpPr>
-        <a:xfrm>
-          <a:off x="0" y="0"/>
-          <a:ext cx="0" cy="0"/>
-          <a:chOff x="0" y="0"/>
-          <a:chExt cx="0" cy="0"/>
-        </a:xfrm>
-      </p:grpSpPr>
-      <p:sp>
-        <p:nvSpPr>
-          <p:cNvPr id="2" name="제목 1" hidden="1"/>
-          <p:cNvSpPr>
-            <a:spLocks noGrp="1"/>
-          </p:cNvSpPr>
-          <p:nvPr>
-            <p:ph type="title"/>
-          </p:nvPr>
-        </p:nvSpPr>
-        <p:spPr/>
-        <p:txBody>
-          <a:bodyPr/>
-          <a:lstStyle/>
-          <a:p>
-            <a:endParaRPr lang="ko-KR" altLang="en-US"/>
-          </a:p>
-        </p:txBody>
-      </p:sp>
-      <p:cxnSp>
-        <p:nvCxnSpPr>
-          <p:cNvPr id="5" name="직선 연결선 4"/>
-          <p:cNvCxnSpPr/>
-          <p:nvPr/>
-        </p:nvCxnSpPr>
-        <p:spPr>
-          <a:xfrm>
-            <a:off x="463854" y="555894"/>
-            <a:ext cx="560439" cy="0"/>
-          </a:xfrm>
-          <a:prstGeom prst="line">
-            <a:avLst/>
-          </a:prstGeom>
-          <a:ln>
-            <a:solidFill>
-              <a:schemeClr val="bg1"/>
-            </a:solidFill>
-          </a:ln>
-        </p:spPr>
-        <p:style>
-          <a:lnRef idx="1">
-            <a:schemeClr val="accent1"/>
-          </a:lnRef>
-          <a:fillRef idx="0">
-            <a:schemeClr val="accent1"/>
-          </a:fillRef>
-          <a:effectRef idx="0">
-            <a:schemeClr val="accent1"/>
-          </a:effectRef>
-          <a:fontRef idx="minor">
-            <a:schemeClr val="tx1"/>
-          </a:fontRef>
-        </p:style>
-      </p:cxnSp>
-      <p:cxnSp>
-        <p:nvCxnSpPr>
-          <p:cNvPr id="6" name="직선 연결선 5"/>
-          <p:cNvCxnSpPr/>
-          <p:nvPr/>
-        </p:nvCxnSpPr>
-        <p:spPr>
-          <a:xfrm>
-            <a:off x="486696" y="2257425"/>
-            <a:ext cx="560439" cy="0"/>
-          </a:xfrm>
-          <a:prstGeom prst="line">
-            <a:avLst/>
-          </a:prstGeom>
-          <a:ln>
-            <a:solidFill>
-              <a:schemeClr val="bg1"/>
-            </a:solidFill>
-          </a:ln>
-        </p:spPr>
-        <p:style>
-          <a:lnRef idx="1">
-            <a:schemeClr val="accent1"/>
-          </a:lnRef>
-          <a:fillRef idx="0">
-            <a:schemeClr val="accent1"/>
-          </a:fillRef>
-          <a:effectRef idx="0">
-            <a:schemeClr val="accent1"/>
-          </a:effectRef>
-          <a:fontRef idx="minor">
-            <a:schemeClr val="tx1"/>
-          </a:fontRef>
-        </p:style>
-      </p:cxnSp>
-      <p:sp>
-        <p:nvSpPr>
-          <p:cNvPr id="7" name="TextBox 6"/>
-          <p:cNvSpPr txBox="1"/>
-          <p:nvPr/>
-        </p:nvSpPr>
-        <p:spPr>
-          <a:xfrm>
-            <a:off x="353419" y="796300"/>
-            <a:ext cx="1557774" cy="1461125"/>
-          </a:xfrm>
-          <a:prstGeom prst="rect">
-            <a:avLst/>
-          </a:prstGeom>
-        </p:spPr>
-        <p:txBody>
-          <a:bodyPr vert="horz" lIns="91440" tIns="45720" rIns="91440" bIns="45720" rtlCol="0">
-            <a:noAutofit/>
-          </a:bodyPr>
-          <a:lstStyle>
-            <a:defPPr>
-              <a:defRPr lang="ko-KR"/>
-            </a:defPPr>
-            <a:lvl1pPr indent="0">
-              <a:lnSpc>
-                <a:spcPct val="100000"/>
-              </a:lnSpc>
-              <a:spcBef>
-                <a:spcPts val="1000"/>
-              </a:spcBef>
-              <a:buFont typeface="Arial" panose="020B0604020202020204" pitchFamily="34" charset="0"/>
-              <a:buNone/>
-              <a:defRPr sz="1100">
-                <a:ln>
-                  <a:solidFill>
-                    <a:schemeClr val="accent1">
-                      <a:alpha val="0"/>
-                    </a:schemeClr>
-                  </a:solidFill>
-                </a:ln>
-                <a:solidFill>
-                  <a:schemeClr val="bg1"/>
-                </a:solidFill>
-                <a:latin typeface="-윤고딕330" panose="02030504000101010101" pitchFamily="18" charset="-127"/>
-                <a:ea typeface="-윤고딕330" panose="02030504000101010101" pitchFamily="18" charset="-127"/>
-              </a:defRPr>
-            </a:lvl1pPr>
-            <a:lvl2pPr marL="685800" indent="-228600">
-              <a:lnSpc>
-                <a:spcPct val="90000"/>
-              </a:lnSpc>
-              <a:spcBef>
-                <a:spcPts val="500"/>
-              </a:spcBef>
-              <a:buFont typeface="Arial" panose="020B0604020202020204" pitchFamily="34" charset="0"/>
-              <a:buChar char="•"/>
-              <a:defRPr sz="2400"/>
-            </a:lvl2pPr>
-            <a:lvl3pPr marL="1143000" indent="-228600">
-              <a:lnSpc>
-                <a:spcPct val="90000"/>
-              </a:lnSpc>
-              <a:spcBef>
-                <a:spcPts val="500"/>
-              </a:spcBef>
-              <a:buFont typeface="Arial" panose="020B0604020202020204" pitchFamily="34" charset="0"/>
-              <a:buChar char="•"/>
-              <a:defRPr sz="2000"/>
-            </a:lvl3pPr>
-            <a:lvl4pPr marL="1600200" indent="-228600">
-              <a:lnSpc>
-                <a:spcPct val="90000"/>
-              </a:lnSpc>
-              <a:spcBef>
-                <a:spcPts val="500"/>
-              </a:spcBef>
-              <a:buFont typeface="Arial" panose="020B0604020202020204" pitchFamily="34" charset="0"/>
-              <a:buChar char="•"/>
-            </a:lvl4pPr>
-            <a:lvl5pPr marL="2057400" indent="-228600">
-              <a:lnSpc>
-                <a:spcPct val="90000"/>
-              </a:lnSpc>
-              <a:spcBef>
-                <a:spcPts val="500"/>
-              </a:spcBef>
-              <a:buFont typeface="Arial" panose="020B0604020202020204" pitchFamily="34" charset="0"/>
-              <a:buChar char="•"/>
-            </a:lvl5pPr>
-            <a:lvl6pPr marL="2514600" indent="-228600">
-              <a:lnSpc>
-                <a:spcPct val="90000"/>
-              </a:lnSpc>
-              <a:spcBef>
-                <a:spcPts val="500"/>
-              </a:spcBef>
-              <a:buFont typeface="Arial" panose="020B0604020202020204" pitchFamily="34" charset="0"/>
-              <a:buChar char="•"/>
-            </a:lvl6pPr>
-            <a:lvl7pPr marL="2971800" indent="-228600">
-              <a:lnSpc>
-                <a:spcPct val="90000"/>
-              </a:lnSpc>
-              <a:spcBef>
-                <a:spcPts val="500"/>
-              </a:spcBef>
-              <a:buFont typeface="Arial" panose="020B0604020202020204" pitchFamily="34" charset="0"/>
-              <a:buChar char="•"/>
-            </a:lvl7pPr>
-            <a:lvl8pPr marL="3429000" indent="-228600">
-              <a:lnSpc>
-                <a:spcPct val="90000"/>
-              </a:lnSpc>
-              <a:spcBef>
-                <a:spcPts val="500"/>
-              </a:spcBef>
-              <a:buFont typeface="Arial" panose="020B0604020202020204" pitchFamily="34" charset="0"/>
-              <a:buChar char="•"/>
-            </a:lvl8pPr>
-            <a:lvl9pPr marL="3886200" indent="-228600">
-              <a:lnSpc>
-                <a:spcPct val="90000"/>
-              </a:lnSpc>
-              <a:spcBef>
-                <a:spcPts val="500"/>
-              </a:spcBef>
-              <a:buFont typeface="Arial" panose="020B0604020202020204" pitchFamily="34" charset="0"/>
-              <a:buChar char="•"/>
-            </a:lvl9pPr>
-          </a:lstStyle>
-          <a:p>
-            <a:r>
-              <a:rPr lang="en-US" altLang="ko-KR" sz="2400" dirty="0">
-                <a:latin typeface="Noto Sans CJK KR Medium" panose="020B0600000000000000" pitchFamily="34" charset="-127"/>
-                <a:ea typeface="Noto Sans CJK KR Medium" panose="020B0600000000000000" pitchFamily="34" charset="-127"/>
-              </a:rPr>
-              <a:t>04.</a:t>
             </a:r>
           </a:p>
           <a:p>
@@ -23596,6 +22710,876 @@
       </p:par>
     </p:tnLst>
   </p:timing>
+</p:sld>
+</file>
+
+<file path=ppt/slides/slide5.xml><?xml version="1.0" encoding="utf-8"?>
+<p:sld xmlns:a="http://schemas.openxmlformats.org/drawingml/2006/main" xmlns:r="http://schemas.openxmlformats.org/officeDocument/2006/relationships" xmlns:p="http://schemas.openxmlformats.org/presentationml/2006/main">
+  <p:cSld>
+    <p:bg>
+      <p:bgPr>
+        <a:blipFill dpi="0" rotWithShape="1">
+          <a:blip r:embed="rId3">
+            <a:lum/>
+          </a:blip>
+          <a:srcRect/>
+          <a:stretch>
+            <a:fillRect/>
+          </a:stretch>
+        </a:blipFill>
+        <a:effectLst/>
+      </p:bgPr>
+    </p:bg>
+    <p:spTree>
+      <p:nvGrpSpPr>
+        <p:cNvPr id="1" name=""/>
+        <p:cNvGrpSpPr/>
+        <p:nvPr/>
+      </p:nvGrpSpPr>
+      <p:grpSpPr>
+        <a:xfrm>
+          <a:off x="0" y="0"/>
+          <a:ext cx="0" cy="0"/>
+          <a:chOff x="0" y="0"/>
+          <a:chExt cx="0" cy="0"/>
+        </a:xfrm>
+      </p:grpSpPr>
+      <p:sp>
+        <p:nvSpPr>
+          <p:cNvPr id="2" name="제목 1" hidden="1"/>
+          <p:cNvSpPr>
+            <a:spLocks noGrp="1"/>
+          </p:cNvSpPr>
+          <p:nvPr>
+            <p:ph type="title"/>
+          </p:nvPr>
+        </p:nvSpPr>
+        <p:spPr/>
+        <p:txBody>
+          <a:bodyPr/>
+          <a:lstStyle/>
+          <a:p>
+            <a:endParaRPr lang="ko-KR" altLang="en-US"/>
+          </a:p>
+        </p:txBody>
+      </p:sp>
+      <p:cxnSp>
+        <p:nvCxnSpPr>
+          <p:cNvPr id="5" name="직선 연결선 4"/>
+          <p:cNvCxnSpPr/>
+          <p:nvPr/>
+        </p:nvCxnSpPr>
+        <p:spPr>
+          <a:xfrm>
+            <a:off x="463854" y="555894"/>
+            <a:ext cx="560439" cy="0"/>
+          </a:xfrm>
+          <a:prstGeom prst="line">
+            <a:avLst/>
+          </a:prstGeom>
+          <a:ln>
+            <a:solidFill>
+              <a:schemeClr val="bg1"/>
+            </a:solidFill>
+          </a:ln>
+        </p:spPr>
+        <p:style>
+          <a:lnRef idx="1">
+            <a:schemeClr val="accent1"/>
+          </a:lnRef>
+          <a:fillRef idx="0">
+            <a:schemeClr val="accent1"/>
+          </a:fillRef>
+          <a:effectRef idx="0">
+            <a:schemeClr val="accent1"/>
+          </a:effectRef>
+          <a:fontRef idx="minor">
+            <a:schemeClr val="tx1"/>
+          </a:fontRef>
+        </p:style>
+      </p:cxnSp>
+      <p:cxnSp>
+        <p:nvCxnSpPr>
+          <p:cNvPr id="6" name="직선 연결선 5"/>
+          <p:cNvCxnSpPr/>
+          <p:nvPr/>
+        </p:nvCxnSpPr>
+        <p:spPr>
+          <a:xfrm>
+            <a:off x="486696" y="2257425"/>
+            <a:ext cx="560439" cy="0"/>
+          </a:xfrm>
+          <a:prstGeom prst="line">
+            <a:avLst/>
+          </a:prstGeom>
+          <a:ln>
+            <a:solidFill>
+              <a:schemeClr val="bg1"/>
+            </a:solidFill>
+          </a:ln>
+        </p:spPr>
+        <p:style>
+          <a:lnRef idx="1">
+            <a:schemeClr val="accent1"/>
+          </a:lnRef>
+          <a:fillRef idx="0">
+            <a:schemeClr val="accent1"/>
+          </a:fillRef>
+          <a:effectRef idx="0">
+            <a:schemeClr val="accent1"/>
+          </a:effectRef>
+          <a:fontRef idx="minor">
+            <a:schemeClr val="tx1"/>
+          </a:fontRef>
+        </p:style>
+      </p:cxnSp>
+      <p:sp>
+        <p:nvSpPr>
+          <p:cNvPr id="7" name="TextBox 6"/>
+          <p:cNvSpPr txBox="1"/>
+          <p:nvPr/>
+        </p:nvSpPr>
+        <p:spPr>
+          <a:xfrm>
+            <a:off x="353419" y="796300"/>
+            <a:ext cx="1557774" cy="1461125"/>
+          </a:xfrm>
+          <a:prstGeom prst="rect">
+            <a:avLst/>
+          </a:prstGeom>
+        </p:spPr>
+        <p:txBody>
+          <a:bodyPr vert="horz" lIns="91440" tIns="45720" rIns="91440" bIns="45720" rtlCol="0">
+            <a:noAutofit/>
+          </a:bodyPr>
+          <a:lstStyle>
+            <a:defPPr>
+              <a:defRPr lang="ko-KR"/>
+            </a:defPPr>
+            <a:lvl1pPr indent="0">
+              <a:lnSpc>
+                <a:spcPct val="100000"/>
+              </a:lnSpc>
+              <a:spcBef>
+                <a:spcPts val="1000"/>
+              </a:spcBef>
+              <a:buFont typeface="Arial" panose="020B0604020202020204" pitchFamily="34" charset="0"/>
+              <a:buNone/>
+              <a:defRPr sz="1100">
+                <a:ln>
+                  <a:solidFill>
+                    <a:schemeClr val="accent1">
+                      <a:alpha val="0"/>
+                    </a:schemeClr>
+                  </a:solidFill>
+                </a:ln>
+                <a:solidFill>
+                  <a:schemeClr val="bg1"/>
+                </a:solidFill>
+                <a:latin typeface="-윤고딕330" panose="02030504000101010101" pitchFamily="18" charset="-127"/>
+                <a:ea typeface="-윤고딕330" panose="02030504000101010101" pitchFamily="18" charset="-127"/>
+              </a:defRPr>
+            </a:lvl1pPr>
+            <a:lvl2pPr marL="685800" indent="-228600">
+              <a:lnSpc>
+                <a:spcPct val="90000"/>
+              </a:lnSpc>
+              <a:spcBef>
+                <a:spcPts val="500"/>
+              </a:spcBef>
+              <a:buFont typeface="Arial" panose="020B0604020202020204" pitchFamily="34" charset="0"/>
+              <a:buChar char="•"/>
+              <a:defRPr sz="2400"/>
+            </a:lvl2pPr>
+            <a:lvl3pPr marL="1143000" indent="-228600">
+              <a:lnSpc>
+                <a:spcPct val="90000"/>
+              </a:lnSpc>
+              <a:spcBef>
+                <a:spcPts val="500"/>
+              </a:spcBef>
+              <a:buFont typeface="Arial" panose="020B0604020202020204" pitchFamily="34" charset="0"/>
+              <a:buChar char="•"/>
+              <a:defRPr sz="2000"/>
+            </a:lvl3pPr>
+            <a:lvl4pPr marL="1600200" indent="-228600">
+              <a:lnSpc>
+                <a:spcPct val="90000"/>
+              </a:lnSpc>
+              <a:spcBef>
+                <a:spcPts val="500"/>
+              </a:spcBef>
+              <a:buFont typeface="Arial" panose="020B0604020202020204" pitchFamily="34" charset="0"/>
+              <a:buChar char="•"/>
+            </a:lvl4pPr>
+            <a:lvl5pPr marL="2057400" indent="-228600">
+              <a:lnSpc>
+                <a:spcPct val="90000"/>
+              </a:lnSpc>
+              <a:spcBef>
+                <a:spcPts val="500"/>
+              </a:spcBef>
+              <a:buFont typeface="Arial" panose="020B0604020202020204" pitchFamily="34" charset="0"/>
+              <a:buChar char="•"/>
+            </a:lvl5pPr>
+            <a:lvl6pPr marL="2514600" indent="-228600">
+              <a:lnSpc>
+                <a:spcPct val="90000"/>
+              </a:lnSpc>
+              <a:spcBef>
+                <a:spcPts val="500"/>
+              </a:spcBef>
+              <a:buFont typeface="Arial" panose="020B0604020202020204" pitchFamily="34" charset="0"/>
+              <a:buChar char="•"/>
+            </a:lvl6pPr>
+            <a:lvl7pPr marL="2971800" indent="-228600">
+              <a:lnSpc>
+                <a:spcPct val="90000"/>
+              </a:lnSpc>
+              <a:spcBef>
+                <a:spcPts val="500"/>
+              </a:spcBef>
+              <a:buFont typeface="Arial" panose="020B0604020202020204" pitchFamily="34" charset="0"/>
+              <a:buChar char="•"/>
+            </a:lvl7pPr>
+            <a:lvl8pPr marL="3429000" indent="-228600">
+              <a:lnSpc>
+                <a:spcPct val="90000"/>
+              </a:lnSpc>
+              <a:spcBef>
+                <a:spcPts val="500"/>
+              </a:spcBef>
+              <a:buFont typeface="Arial" panose="020B0604020202020204" pitchFamily="34" charset="0"/>
+              <a:buChar char="•"/>
+            </a:lvl8pPr>
+            <a:lvl9pPr marL="3886200" indent="-228600">
+              <a:lnSpc>
+                <a:spcPct val="90000"/>
+              </a:lnSpc>
+              <a:spcBef>
+                <a:spcPts val="500"/>
+              </a:spcBef>
+              <a:buFont typeface="Arial" panose="020B0604020202020204" pitchFamily="34" charset="0"/>
+              <a:buChar char="•"/>
+            </a:lvl9pPr>
+          </a:lstStyle>
+          <a:p>
+            <a:r>
+              <a:rPr lang="en-US" altLang="ko-KR" sz="2400" dirty="0">
+                <a:latin typeface="Noto Sans CJK KR Medium" panose="020B0600000000000000" pitchFamily="34" charset="-127"/>
+                <a:ea typeface="Noto Sans CJK KR Medium" panose="020B0600000000000000" pitchFamily="34" charset="-127"/>
+              </a:rPr>
+              <a:t>04.</a:t>
+            </a:r>
+          </a:p>
+          <a:p>
+            <a:r>
+              <a:rPr lang="ko-KR" altLang="en-US" sz="2400" dirty="0">
+                <a:latin typeface="Noto Sans CJK KR Medium" panose="020B0600000000000000" pitchFamily="34" charset="-127"/>
+                <a:ea typeface="Noto Sans CJK KR Medium" panose="020B0600000000000000" pitchFamily="34" charset="-127"/>
+              </a:rPr>
+              <a:t>역할 분담</a:t>
+            </a:r>
+          </a:p>
+        </p:txBody>
+      </p:sp>
+      <p:sp>
+        <p:nvSpPr>
+          <p:cNvPr id="22" name="직사각형 21"/>
+          <p:cNvSpPr/>
+          <p:nvPr/>
+        </p:nvSpPr>
+        <p:spPr>
+          <a:xfrm>
+            <a:off x="9291319" y="6599184"/>
+            <a:ext cx="2900681" cy="320722"/>
+          </a:xfrm>
+          <a:prstGeom prst="rect">
+            <a:avLst/>
+          </a:prstGeom>
+          <a:solidFill>
+            <a:schemeClr val="bg1"/>
+          </a:solidFill>
+          <a:ln>
+            <a:solidFill>
+              <a:schemeClr val="bg1"/>
+            </a:solidFill>
+          </a:ln>
+        </p:spPr>
+        <p:style>
+          <a:lnRef idx="2">
+            <a:schemeClr val="accent1">
+              <a:shade val="50000"/>
+            </a:schemeClr>
+          </a:lnRef>
+          <a:fillRef idx="1">
+            <a:schemeClr val="accent1"/>
+          </a:fillRef>
+          <a:effectRef idx="0">
+            <a:schemeClr val="accent1"/>
+          </a:effectRef>
+          <a:fontRef idx="minor">
+            <a:schemeClr val="lt1"/>
+          </a:fontRef>
+        </p:style>
+        <p:txBody>
+          <a:bodyPr rtlCol="0" anchor="ctr"/>
+          <a:lstStyle/>
+          <a:p>
+            <a:pPr algn="ctr"/>
+            <a:endParaRPr lang="ko-KR" altLang="en-US"/>
+          </a:p>
+        </p:txBody>
+      </p:sp>
+      <p:sp>
+        <p:nvSpPr>
+          <p:cNvPr id="23" name="TextBox 22"/>
+          <p:cNvSpPr txBox="1"/>
+          <p:nvPr/>
+        </p:nvSpPr>
+        <p:spPr>
+          <a:xfrm>
+            <a:off x="2752863" y="792222"/>
+            <a:ext cx="5315879" cy="369332"/>
+          </a:xfrm>
+          <a:prstGeom prst="rect">
+            <a:avLst/>
+          </a:prstGeom>
+        </p:spPr>
+        <p:txBody>
+          <a:bodyPr wrap="none">
+            <a:spAutoFit/>
+          </a:bodyPr>
+          <a:lstStyle>
+            <a:defPPr>
+              <a:defRPr lang="ko-KR"/>
+            </a:defPPr>
+            <a:lvl1pPr>
+              <a:spcBef>
+                <a:spcPts val="1000"/>
+              </a:spcBef>
+              <a:defRPr sz="2000">
+                <a:ln>
+                  <a:solidFill>
+                    <a:schemeClr val="accent1">
+                      <a:alpha val="0"/>
+                    </a:schemeClr>
+                  </a:solidFill>
+                </a:ln>
+                <a:solidFill>
+                  <a:schemeClr val="bg1"/>
+                </a:solidFill>
+                <a:latin typeface="Noto Sans CJK KR Medium" panose="020B0600000000000000" pitchFamily="34" charset="-127"/>
+                <a:ea typeface="Noto Sans CJK KR Medium" panose="020B0600000000000000" pitchFamily="34" charset="-127"/>
+              </a:defRPr>
+            </a:lvl1pPr>
+          </a:lstStyle>
+          <a:p>
+            <a:r>
+              <a:rPr lang="ko-KR" altLang="en-US" sz="1800" dirty="0">
+                <a:solidFill>
+                  <a:schemeClr val="bg1">
+                    <a:lumMod val="75000"/>
+                  </a:schemeClr>
+                </a:solidFill>
+              </a:rPr>
+              <a:t>기존의 </a:t>
+            </a:r>
+            <a:r>
+              <a:rPr lang="ko-KR" altLang="en-US" sz="1800" dirty="0" err="1">
+                <a:solidFill>
+                  <a:schemeClr val="bg1">
+                    <a:lumMod val="75000"/>
+                  </a:schemeClr>
+                </a:solidFill>
+              </a:rPr>
+              <a:t>책으로된</a:t>
+            </a:r>
+            <a:r>
+              <a:rPr lang="ko-KR" altLang="en-US" sz="1800" dirty="0">
+                <a:solidFill>
+                  <a:schemeClr val="bg1">
+                    <a:lumMod val="75000"/>
+                  </a:schemeClr>
+                </a:solidFill>
+              </a:rPr>
+              <a:t> </a:t>
+            </a:r>
+            <a:r>
+              <a:rPr lang="en-US" altLang="ko-KR" sz="1800" dirty="0">
+                <a:solidFill>
+                  <a:schemeClr val="bg1">
+                    <a:lumMod val="75000"/>
+                  </a:schemeClr>
+                </a:solidFill>
+              </a:rPr>
+              <a:t>“</a:t>
+            </a:r>
+            <a:r>
+              <a:rPr lang="ko-KR" altLang="en-US" sz="1800" dirty="0" err="1">
+                <a:solidFill>
+                  <a:schemeClr val="bg1">
+                    <a:lumMod val="75000"/>
+                  </a:schemeClr>
+                </a:solidFill>
+              </a:rPr>
+              <a:t>레주메북</a:t>
+            </a:r>
+            <a:r>
+              <a:rPr lang="en-US" altLang="ko-KR" sz="1800" dirty="0">
+                <a:solidFill>
+                  <a:schemeClr val="bg1">
+                    <a:lumMod val="75000"/>
+                  </a:schemeClr>
+                </a:solidFill>
+              </a:rPr>
+              <a:t>”</a:t>
+            </a:r>
+            <a:r>
+              <a:rPr lang="ko-KR" altLang="en-US" sz="1800" dirty="0">
+                <a:solidFill>
+                  <a:schemeClr val="bg1">
+                    <a:lumMod val="75000"/>
+                  </a:schemeClr>
+                </a:solidFill>
+              </a:rPr>
+              <a:t>의 불편함을 없앤</a:t>
+            </a:r>
+          </a:p>
+        </p:txBody>
+      </p:sp>
+      <p:sp>
+        <p:nvSpPr>
+          <p:cNvPr id="24" name="직사각형 23"/>
+          <p:cNvSpPr/>
+          <p:nvPr/>
+        </p:nvSpPr>
+        <p:spPr>
+          <a:xfrm>
+            <a:off x="2752167" y="1089843"/>
+            <a:ext cx="4782078" cy="461665"/>
+          </a:xfrm>
+          <a:prstGeom prst="rect">
+            <a:avLst/>
+          </a:prstGeom>
+        </p:spPr>
+        <p:txBody>
+          <a:bodyPr wrap="none">
+            <a:spAutoFit/>
+          </a:bodyPr>
+          <a:lstStyle/>
+          <a:p>
+            <a:pPr>
+              <a:spcBef>
+                <a:spcPts val="1000"/>
+              </a:spcBef>
+            </a:pPr>
+            <a:r>
+              <a:rPr lang="ko-KR" altLang="en-US" sz="2400" spc="-150" dirty="0" err="1">
+                <a:ln>
+                  <a:solidFill>
+                    <a:schemeClr val="accent1">
+                      <a:alpha val="0"/>
+                    </a:schemeClr>
+                  </a:solidFill>
+                </a:ln>
+                <a:solidFill>
+                  <a:srgbClr val="282421"/>
+                </a:solidFill>
+                <a:latin typeface="Noto Sans CJK KR Medium" panose="020B0600000000000000" pitchFamily="34" charset="-127"/>
+                <a:ea typeface="Noto Sans CJK KR Medium" panose="020B0600000000000000" pitchFamily="34" charset="-127"/>
+              </a:rPr>
+              <a:t>레주메북을</a:t>
+            </a:r>
+            <a:r>
+              <a:rPr lang="ko-KR" altLang="en-US" sz="2400" spc="-150" dirty="0">
+                <a:ln>
+                  <a:solidFill>
+                    <a:schemeClr val="accent1">
+                      <a:alpha val="0"/>
+                    </a:schemeClr>
+                  </a:solidFill>
+                </a:ln>
+                <a:solidFill>
+                  <a:srgbClr val="282421"/>
+                </a:solidFill>
+                <a:latin typeface="Noto Sans CJK KR Medium" panose="020B0600000000000000" pitchFamily="34" charset="-127"/>
+                <a:ea typeface="Noto Sans CJK KR Medium" panose="020B0600000000000000" pitchFamily="34" charset="-127"/>
+              </a:rPr>
+              <a:t> </a:t>
+            </a:r>
+            <a:r>
+              <a:rPr lang="en-US" altLang="ko-KR" sz="2400" spc="-150" dirty="0">
+                <a:ln>
+                  <a:solidFill>
+                    <a:schemeClr val="accent1">
+                      <a:alpha val="0"/>
+                    </a:schemeClr>
+                  </a:solidFill>
+                </a:ln>
+                <a:solidFill>
+                  <a:srgbClr val="282421"/>
+                </a:solidFill>
+                <a:latin typeface="Noto Sans CJK KR Medium" panose="020B0600000000000000" pitchFamily="34" charset="-127"/>
+                <a:ea typeface="Noto Sans CJK KR Medium" panose="020B0600000000000000" pitchFamily="34" charset="-127"/>
+              </a:rPr>
+              <a:t>“2uzuBook”</a:t>
+            </a:r>
+            <a:r>
+              <a:rPr lang="ko-KR" altLang="en-US" sz="2400" spc="-150" dirty="0">
+                <a:ln>
+                  <a:solidFill>
+                    <a:schemeClr val="accent1">
+                      <a:alpha val="0"/>
+                    </a:schemeClr>
+                  </a:solidFill>
+                </a:ln>
+                <a:solidFill>
+                  <a:srgbClr val="282421"/>
+                </a:solidFill>
+                <a:latin typeface="Noto Sans CJK KR Medium" panose="020B0600000000000000" pitchFamily="34" charset="-127"/>
+                <a:ea typeface="Noto Sans CJK KR Medium" panose="020B0600000000000000" pitchFamily="34" charset="-127"/>
+              </a:rPr>
+              <a:t>로 바꾸다</a:t>
+            </a:r>
+            <a:endParaRPr lang="en-US" altLang="ko-KR" sz="2400" spc="-150" dirty="0">
+              <a:ln>
+                <a:solidFill>
+                  <a:schemeClr val="accent1">
+                    <a:alpha val="0"/>
+                  </a:schemeClr>
+                </a:solidFill>
+              </a:ln>
+              <a:solidFill>
+                <a:srgbClr val="282421"/>
+              </a:solidFill>
+              <a:latin typeface="Noto Sans CJK KR Medium" panose="020B0600000000000000" pitchFamily="34" charset="-127"/>
+              <a:ea typeface="Noto Sans CJK KR Medium" panose="020B0600000000000000" pitchFamily="34" charset="-127"/>
+            </a:endParaRPr>
+          </a:p>
+        </p:txBody>
+      </p:sp>
+      <p:pic>
+        <p:nvPicPr>
+          <p:cNvPr id="4" name="그림 3"/>
+          <p:cNvPicPr>
+            <a:picLocks noChangeAspect="1"/>
+          </p:cNvPicPr>
+          <p:nvPr/>
+        </p:nvPicPr>
+        <p:blipFill>
+          <a:blip r:embed="rId4" cstate="print">
+            <a:extLst>
+              <a:ext uri="{28A0092B-C50C-407E-A947-70E740481C1C}">
+                <a14:useLocalDpi xmlns:a14="http://schemas.microsoft.com/office/drawing/2010/main" val="0"/>
+              </a:ext>
+            </a:extLst>
+          </a:blip>
+          <a:stretch>
+            <a:fillRect/>
+          </a:stretch>
+        </p:blipFill>
+        <p:spPr>
+          <a:xfrm>
+            <a:off x="3114261" y="2145475"/>
+            <a:ext cx="1669323" cy="1669323"/>
+          </a:xfrm>
+          <a:prstGeom prst="rect">
+            <a:avLst/>
+          </a:prstGeom>
+        </p:spPr>
+      </p:pic>
+      <p:pic>
+        <p:nvPicPr>
+          <p:cNvPr id="16" name="그림 15"/>
+          <p:cNvPicPr>
+            <a:picLocks noChangeAspect="1"/>
+          </p:cNvPicPr>
+          <p:nvPr/>
+        </p:nvPicPr>
+        <p:blipFill>
+          <a:blip r:embed="rId4" cstate="print">
+            <a:extLst>
+              <a:ext uri="{28A0092B-C50C-407E-A947-70E740481C1C}">
+                <a14:useLocalDpi xmlns:a14="http://schemas.microsoft.com/office/drawing/2010/main" val="0"/>
+              </a:ext>
+            </a:extLst>
+          </a:blip>
+          <a:stretch>
+            <a:fillRect/>
+          </a:stretch>
+        </p:blipFill>
+        <p:spPr>
+          <a:xfrm>
+            <a:off x="7534246" y="2145474"/>
+            <a:ext cx="1669323" cy="1669323"/>
+          </a:xfrm>
+          <a:prstGeom prst="rect">
+            <a:avLst/>
+          </a:prstGeom>
+        </p:spPr>
+      </p:pic>
+      <p:pic>
+        <p:nvPicPr>
+          <p:cNvPr id="8" name="그림 7"/>
+          <p:cNvPicPr>
+            <a:picLocks noChangeAspect="1"/>
+          </p:cNvPicPr>
+          <p:nvPr/>
+        </p:nvPicPr>
+        <p:blipFill>
+          <a:blip r:embed="rId5" cstate="print">
+            <a:extLst>
+              <a:ext uri="{28A0092B-C50C-407E-A947-70E740481C1C}">
+                <a14:useLocalDpi xmlns:a14="http://schemas.microsoft.com/office/drawing/2010/main" val="0"/>
+              </a:ext>
+            </a:extLst>
+          </a:blip>
+          <a:stretch>
+            <a:fillRect/>
+          </a:stretch>
+        </p:blipFill>
+        <p:spPr>
+          <a:xfrm>
+            <a:off x="3114260" y="4542631"/>
+            <a:ext cx="1669323" cy="1669323"/>
+          </a:xfrm>
+          <a:prstGeom prst="rect">
+            <a:avLst/>
+          </a:prstGeom>
+        </p:spPr>
+      </p:pic>
+      <p:pic>
+        <p:nvPicPr>
+          <p:cNvPr id="21" name="그림 20"/>
+          <p:cNvPicPr>
+            <a:picLocks noChangeAspect="1"/>
+          </p:cNvPicPr>
+          <p:nvPr/>
+        </p:nvPicPr>
+        <p:blipFill>
+          <a:blip r:embed="rId5" cstate="print">
+            <a:extLst>
+              <a:ext uri="{28A0092B-C50C-407E-A947-70E740481C1C}">
+                <a14:useLocalDpi xmlns:a14="http://schemas.microsoft.com/office/drawing/2010/main" val="0"/>
+              </a:ext>
+            </a:extLst>
+          </a:blip>
+          <a:stretch>
+            <a:fillRect/>
+          </a:stretch>
+        </p:blipFill>
+        <p:spPr>
+          <a:xfrm>
+            <a:off x="7534245" y="4542630"/>
+            <a:ext cx="1669323" cy="1669323"/>
+          </a:xfrm>
+          <a:prstGeom prst="rect">
+            <a:avLst/>
+          </a:prstGeom>
+        </p:spPr>
+      </p:pic>
+      <p:sp>
+        <p:nvSpPr>
+          <p:cNvPr id="9" name="TextBox 8"/>
+          <p:cNvSpPr txBox="1"/>
+          <p:nvPr/>
+        </p:nvSpPr>
+        <p:spPr>
+          <a:xfrm>
+            <a:off x="4783583" y="2733261"/>
+            <a:ext cx="2183747" cy="738664"/>
+          </a:xfrm>
+          <a:prstGeom prst="rect">
+            <a:avLst/>
+          </a:prstGeom>
+          <a:noFill/>
+        </p:spPr>
+        <p:txBody>
+          <a:bodyPr wrap="square" rtlCol="0">
+            <a:spAutoFit/>
+          </a:bodyPr>
+          <a:lstStyle/>
+          <a:p>
+            <a:r>
+              <a:rPr lang="ko-KR" altLang="en-US" sz="2400" dirty="0">
+                <a:latin typeface="HY헤드라인M" panose="02030600000101010101" pitchFamily="18" charset="-127"/>
+                <a:ea typeface="HY헤드라인M" panose="02030600000101010101" pitchFamily="18" charset="-127"/>
+              </a:rPr>
+              <a:t>박규리</a:t>
+            </a:r>
+            <a:endParaRPr lang="en-US" altLang="ko-KR" sz="2400" dirty="0">
+              <a:latin typeface="HY헤드라인M" panose="02030600000101010101" pitchFamily="18" charset="-127"/>
+              <a:ea typeface="HY헤드라인M" panose="02030600000101010101" pitchFamily="18" charset="-127"/>
+            </a:endParaRPr>
+          </a:p>
+          <a:p>
+            <a:r>
+              <a:rPr lang="ko-KR" altLang="en-US" dirty="0">
+                <a:latin typeface="HY헤드라인M" panose="02030600000101010101" pitchFamily="18" charset="-127"/>
+                <a:ea typeface="HY헤드라인M" panose="02030600000101010101" pitchFamily="18" charset="-127"/>
+              </a:rPr>
+              <a:t>프론트 </a:t>
+            </a:r>
+            <a:r>
+              <a:rPr lang="ko-KR" altLang="en-US" dirty="0" err="1">
+                <a:latin typeface="HY헤드라인M" panose="02030600000101010101" pitchFamily="18" charset="-127"/>
+                <a:ea typeface="HY헤드라인M" panose="02030600000101010101" pitchFamily="18" charset="-127"/>
+              </a:rPr>
+              <a:t>엔드</a:t>
+            </a:r>
+            <a:endParaRPr lang="ko-KR" altLang="en-US" dirty="0">
+              <a:latin typeface="HY헤드라인M" panose="02030600000101010101" pitchFamily="18" charset="-127"/>
+              <a:ea typeface="HY헤드라인M" panose="02030600000101010101" pitchFamily="18" charset="-127"/>
+            </a:endParaRPr>
+          </a:p>
+        </p:txBody>
+      </p:sp>
+      <p:sp>
+        <p:nvSpPr>
+          <p:cNvPr id="25" name="TextBox 24"/>
+          <p:cNvSpPr txBox="1"/>
+          <p:nvPr/>
+        </p:nvSpPr>
+        <p:spPr>
+          <a:xfrm>
+            <a:off x="4783582" y="5131904"/>
+            <a:ext cx="2183747" cy="738664"/>
+          </a:xfrm>
+          <a:prstGeom prst="rect">
+            <a:avLst/>
+          </a:prstGeom>
+          <a:noFill/>
+        </p:spPr>
+        <p:txBody>
+          <a:bodyPr wrap="square" rtlCol="0">
+            <a:spAutoFit/>
+          </a:bodyPr>
+          <a:lstStyle/>
+          <a:p>
+            <a:r>
+              <a:rPr lang="ko-KR" altLang="en-US" sz="2400" dirty="0" err="1">
+                <a:latin typeface="HY헤드라인M" panose="02030600000101010101" pitchFamily="18" charset="-127"/>
+                <a:ea typeface="HY헤드라인M" panose="02030600000101010101" pitchFamily="18" charset="-127"/>
+              </a:rPr>
+              <a:t>윤정현</a:t>
+            </a:r>
+            <a:endParaRPr lang="en-US" altLang="ko-KR" sz="2400" dirty="0">
+              <a:latin typeface="HY헤드라인M" panose="02030600000101010101" pitchFamily="18" charset="-127"/>
+              <a:ea typeface="HY헤드라인M" panose="02030600000101010101" pitchFamily="18" charset="-127"/>
+            </a:endParaRPr>
+          </a:p>
+          <a:p>
+            <a:r>
+              <a:rPr lang="ko-KR" altLang="en-US" dirty="0">
+                <a:latin typeface="HY헤드라인M" panose="02030600000101010101" pitchFamily="18" charset="-127"/>
+                <a:ea typeface="HY헤드라인M" panose="02030600000101010101" pitchFamily="18" charset="-127"/>
+              </a:rPr>
+              <a:t>서버 </a:t>
+            </a:r>
+          </a:p>
+        </p:txBody>
+      </p:sp>
+      <p:sp>
+        <p:nvSpPr>
+          <p:cNvPr id="26" name="TextBox 25"/>
+          <p:cNvSpPr txBox="1"/>
+          <p:nvPr/>
+        </p:nvSpPr>
+        <p:spPr>
+          <a:xfrm>
+            <a:off x="9195879" y="5054125"/>
+            <a:ext cx="2183747" cy="738664"/>
+          </a:xfrm>
+          <a:prstGeom prst="rect">
+            <a:avLst/>
+          </a:prstGeom>
+          <a:noFill/>
+        </p:spPr>
+        <p:txBody>
+          <a:bodyPr wrap="square" rtlCol="0">
+            <a:spAutoFit/>
+          </a:bodyPr>
+          <a:lstStyle/>
+          <a:p>
+            <a:r>
+              <a:rPr lang="ko-KR" altLang="en-US" sz="2400" dirty="0" err="1">
+                <a:latin typeface="HY헤드라인M" panose="02030600000101010101" pitchFamily="18" charset="-127"/>
+                <a:ea typeface="HY헤드라인M" panose="02030600000101010101" pitchFamily="18" charset="-127"/>
+              </a:rPr>
+              <a:t>배용호</a:t>
+            </a:r>
+            <a:endParaRPr lang="en-US" altLang="ko-KR" sz="2400" dirty="0">
+              <a:latin typeface="HY헤드라인M" panose="02030600000101010101" pitchFamily="18" charset="-127"/>
+              <a:ea typeface="HY헤드라인M" panose="02030600000101010101" pitchFamily="18" charset="-127"/>
+            </a:endParaRPr>
+          </a:p>
+          <a:p>
+            <a:r>
+              <a:rPr lang="ko-KR" altLang="en-US" dirty="0">
+                <a:latin typeface="HY헤드라인M" panose="02030600000101010101" pitchFamily="18" charset="-127"/>
+                <a:ea typeface="HY헤드라인M" panose="02030600000101010101" pitchFamily="18" charset="-127"/>
+              </a:rPr>
+              <a:t>서버</a:t>
+            </a:r>
+          </a:p>
+        </p:txBody>
+      </p:sp>
+      <p:sp>
+        <p:nvSpPr>
+          <p:cNvPr id="27" name="TextBox 26"/>
+          <p:cNvSpPr txBox="1"/>
+          <p:nvPr/>
+        </p:nvSpPr>
+        <p:spPr>
+          <a:xfrm>
+            <a:off x="9195878" y="2656969"/>
+            <a:ext cx="2183747" cy="738664"/>
+          </a:xfrm>
+          <a:prstGeom prst="rect">
+            <a:avLst/>
+          </a:prstGeom>
+          <a:noFill/>
+        </p:spPr>
+        <p:txBody>
+          <a:bodyPr wrap="square" rtlCol="0">
+            <a:spAutoFit/>
+          </a:bodyPr>
+          <a:lstStyle/>
+          <a:p>
+            <a:r>
+              <a:rPr lang="ko-KR" altLang="en-US" sz="2400" dirty="0">
+                <a:latin typeface="HY헤드라인M" panose="02030600000101010101" pitchFamily="18" charset="-127"/>
+                <a:ea typeface="HY헤드라인M" panose="02030600000101010101" pitchFamily="18" charset="-127"/>
+              </a:rPr>
+              <a:t>김소연</a:t>
+            </a:r>
+            <a:endParaRPr lang="en-US" altLang="ko-KR" sz="2400" dirty="0">
+              <a:latin typeface="HY헤드라인M" panose="02030600000101010101" pitchFamily="18" charset="-127"/>
+              <a:ea typeface="HY헤드라인M" panose="02030600000101010101" pitchFamily="18" charset="-127"/>
+            </a:endParaRPr>
+          </a:p>
+          <a:p>
+            <a:r>
+              <a:rPr lang="ko-KR" altLang="en-US" dirty="0">
+                <a:latin typeface="HY헤드라인M" panose="02030600000101010101" pitchFamily="18" charset="-127"/>
+                <a:ea typeface="HY헤드라인M" panose="02030600000101010101" pitchFamily="18" charset="-127"/>
+              </a:rPr>
+              <a:t>연동</a:t>
+            </a:r>
+          </a:p>
+        </p:txBody>
+      </p:sp>
+    </p:spTree>
+    <p:extLst>
+      <p:ext uri="{BB962C8B-B14F-4D97-AF65-F5344CB8AC3E}">
+        <p14:creationId xmlns:p14="http://schemas.microsoft.com/office/powerpoint/2010/main" val="539094792"/>
+      </p:ext>
+    </p:extLst>
+  </p:cSld>
+  <p:clrMapOvr>
+    <a:masterClrMapping/>
+  </p:clrMapOvr>
 </p:sld>
 </file>
 

--- a/Presentation/2uzuBook _1011.pptx
+++ b/Presentation/2uzuBook _1011.pptx
@@ -1945,11 +1945,7 @@
             </a:r>
             <a:r>
               <a:rPr lang="ko-KR" altLang="en-US" baseline="0" dirty="0"/>
-              <a:t>이렇게 제 인생의 선물을 주신 선생님께 정말 감사하고 우리 팀원들에게 마지막으로 수고했다는 </a:t>
-            </a:r>
-            <a:r>
-              <a:rPr lang="ko-KR" altLang="en-US" baseline="0"/>
-              <a:t>말을 전해주고 싶습니다</a:t>
+              <a:t>이렇게 제 인생의 선물을 주신 선생님께 정말 감사하고 우리 팀원들에게 마지막으로 수고했다는 말을 전해주고 싶습니다</a:t>
             </a:r>
             <a:r>
               <a:rPr lang="en-US" altLang="ko-KR" baseline="0" dirty="0"/>

--- a/Presentation/2uzuBook _1011.pptx
+++ b/Presentation/2uzuBook _1011.pptx
@@ -5,7 +5,7 @@
     <p:sldMasterId id="2147483648" r:id="rId1"/>
   </p:sldMasterIdLst>
   <p:notesMasterIdLst>
-    <p:notesMasterId r:id="rId23"/>
+    <p:notesMasterId r:id="rId24"/>
   </p:notesMasterIdLst>
   <p:sldIdLst>
     <p:sldId id="256" r:id="rId2"/>
@@ -26,9 +26,10 @@
     <p:sldId id="275" r:id="rId17"/>
     <p:sldId id="315" r:id="rId18"/>
     <p:sldId id="312" r:id="rId19"/>
-    <p:sldId id="313" r:id="rId20"/>
-    <p:sldId id="314" r:id="rId21"/>
-    <p:sldId id="294" r:id="rId22"/>
+    <p:sldId id="316" r:id="rId20"/>
+    <p:sldId id="313" r:id="rId21"/>
+    <p:sldId id="314" r:id="rId22"/>
+    <p:sldId id="294" r:id="rId23"/>
   </p:sldIdLst>
   <p:sldSz cx="12192000" cy="6858000"/>
   <p:notesSz cx="6858000" cy="9144000"/>
@@ -1656,86 +1657,91 @@
           <a:bodyPr/>
           <a:lstStyle/>
           <a:p>
-            <a:r>
+            <a:br>
               <a:rPr lang="ko-KR" altLang="en-US" dirty="0"/>
-              <a:t>저희가 </a:t>
-            </a:r>
-            <a:r>
-              <a:rPr lang="ko-KR" altLang="en-US" dirty="0" err="1"/>
-              <a:t>애초애</a:t>
-            </a:r>
-            <a:r>
-              <a:rPr lang="ko-KR" altLang="en-US" dirty="0"/>
-              <a:t> 이 프로젝트를 계획한 목적이 바로 </a:t>
-            </a:r>
-            <a:r>
-              <a:rPr lang="ko-KR" altLang="en-US" dirty="0" err="1"/>
-              <a:t>종이로된</a:t>
-            </a:r>
-            <a:r>
-              <a:rPr lang="ko-KR" altLang="en-US" dirty="0"/>
-              <a:t> </a:t>
-            </a:r>
-            <a:r>
-              <a:rPr lang="ko-KR" altLang="en-US" dirty="0" err="1"/>
-              <a:t>레주메</a:t>
-            </a:r>
-            <a:r>
-              <a:rPr lang="ko-KR" altLang="en-US" dirty="0"/>
-              <a:t> 대신에 저희의 웹사이트를 이용하는 것 이었습니다</a:t>
-            </a:r>
-            <a:r>
-              <a:rPr lang="en-US" altLang="ko-KR" dirty="0"/>
-              <a:t>.</a:t>
-            </a:r>
-          </a:p>
-          <a:p>
-            <a:endParaRPr lang="en-US" altLang="ko-KR" dirty="0"/>
-          </a:p>
-          <a:p>
-            <a:r>
-              <a:rPr lang="ko-KR" altLang="en-US" dirty="0"/>
-              <a:t>이렇게 저희의 본래 목적대로 저희의 웹사이트를 학교에서 </a:t>
-            </a:r>
-            <a:r>
-              <a:rPr lang="ko-KR" altLang="en-US" dirty="0" err="1"/>
-              <a:t>레주메북대신</a:t>
-            </a:r>
-            <a:r>
-              <a:rPr lang="ko-KR" altLang="en-US" dirty="0"/>
-              <a:t> 사용하는 것이 최종 계획이며</a:t>
-            </a:r>
-            <a:r>
-              <a:rPr lang="en-US" altLang="ko-KR" dirty="0"/>
-              <a:t>, </a:t>
-            </a:r>
-            <a:r>
-              <a:rPr lang="ko-KR" altLang="en-US" dirty="0"/>
-              <a:t>학교에서 사용하려면 아직 부족한 부분이 많다고 생각합니다</a:t>
-            </a:r>
-            <a:r>
-              <a:rPr lang="en-US" altLang="ko-KR" dirty="0"/>
-              <a:t>.</a:t>
-            </a:r>
-          </a:p>
-          <a:p>
-            <a:endParaRPr lang="en-US" altLang="ko-KR" dirty="0"/>
-          </a:p>
-          <a:p>
-            <a:r>
-              <a:rPr lang="ko-KR" altLang="en-US" dirty="0"/>
-              <a:t>따라서 저희의 프로젝트를 더 발전시키고 </a:t>
-            </a:r>
-            <a:r>
-              <a:rPr lang="ko-KR" altLang="en-US" dirty="0" err="1"/>
-              <a:t>유지보수하면서</a:t>
-            </a:r>
-            <a:r>
-              <a:rPr lang="ko-KR" altLang="en-US" dirty="0"/>
-              <a:t> 꼭 나중에 이 사이트를 여러분이 사용하는 날이 오게 만들겠습니다</a:t>
-            </a:r>
-            <a:r>
-              <a:rPr lang="en-US" altLang="ko-KR" dirty="0"/>
+            </a:br>
+            <a:r>
+              <a:rPr lang="en-US" altLang="ko-KR" sz="1200" b="0" i="0" kern="1200" dirty="0">
+                <a:solidFill>
+                  <a:schemeClr val="tx1"/>
+                </a:solidFill>
+                <a:effectLst/>
+                <a:latin typeface="+mn-lt"/>
+                <a:ea typeface="+mn-ea"/>
+                <a:cs typeface="+mn-cs"/>
+              </a:rPr>
+              <a:t>12. </a:t>
+            </a:r>
+            <a:r>
+              <a:rPr lang="ko-KR" altLang="en-US" sz="1200" b="0" i="0" kern="1200" dirty="0">
+                <a:solidFill>
+                  <a:schemeClr val="tx1"/>
+                </a:solidFill>
+                <a:effectLst/>
+                <a:latin typeface="+mn-lt"/>
+                <a:ea typeface="+mn-ea"/>
+                <a:cs typeface="+mn-cs"/>
+              </a:rPr>
+              <a:t>저희는 </a:t>
+            </a:r>
+            <a:r>
+              <a:rPr lang="en-US" altLang="ko-KR" sz="1200" b="0" i="0" kern="1200" dirty="0">
+                <a:solidFill>
+                  <a:schemeClr val="tx1"/>
+                </a:solidFill>
+                <a:effectLst/>
+                <a:latin typeface="+mn-lt"/>
+                <a:ea typeface="+mn-ea"/>
+                <a:cs typeface="+mn-cs"/>
+              </a:rPr>
+              <a:t>WBS</a:t>
+            </a:r>
+            <a:r>
+              <a:rPr lang="ko-KR" altLang="en-US" sz="1200" b="0" i="0" kern="1200" dirty="0">
+                <a:solidFill>
+                  <a:schemeClr val="tx1"/>
+                </a:solidFill>
+                <a:effectLst/>
+                <a:latin typeface="+mn-lt"/>
+                <a:ea typeface="+mn-ea"/>
+                <a:cs typeface="+mn-cs"/>
+              </a:rPr>
+              <a:t>를 엑셀로 작성하고 </a:t>
+            </a:r>
+            <a:r>
+              <a:rPr lang="ko-KR" altLang="en-US" sz="1200" b="0" i="0" kern="1200" dirty="0" err="1">
+                <a:solidFill>
+                  <a:schemeClr val="tx1"/>
+                </a:solidFill>
+                <a:effectLst/>
+                <a:latin typeface="+mn-lt"/>
+                <a:ea typeface="+mn-ea"/>
+                <a:cs typeface="+mn-cs"/>
+              </a:rPr>
+              <a:t>간트</a:t>
+            </a:r>
+            <a:r>
+              <a:rPr lang="ko-KR" altLang="en-US" sz="1200" b="0" i="0" kern="1200" dirty="0">
+                <a:solidFill>
+                  <a:schemeClr val="tx1"/>
+                </a:solidFill>
+                <a:effectLst/>
+                <a:latin typeface="+mn-lt"/>
+                <a:ea typeface="+mn-ea"/>
+                <a:cs typeface="+mn-cs"/>
+              </a:rPr>
+              <a:t> 차트를 그려서 일정 및 인원 조직을 하였습니다</a:t>
+            </a:r>
+            <a:r>
+              <a:rPr lang="en-US" altLang="ko-KR" sz="1200" b="0" i="0" kern="1200" dirty="0">
+                <a:solidFill>
+                  <a:schemeClr val="tx1"/>
+                </a:solidFill>
+                <a:effectLst/>
+                <a:latin typeface="+mn-lt"/>
+                <a:ea typeface="+mn-ea"/>
+                <a:cs typeface="+mn-cs"/>
+              </a:rPr>
               <a:t>.</a:t>
             </a:r>
             <a:endParaRPr lang="ko-KR" altLang="en-US" dirty="0"/>
@@ -1768,7 +1774,7 @@
     </p:spTree>
     <p:extLst>
       <p:ext uri="{BB962C8B-B14F-4D97-AF65-F5344CB8AC3E}">
-        <p14:creationId xmlns:p14="http://schemas.microsoft.com/office/powerpoint/2010/main" val="3704898044"/>
+        <p14:creationId xmlns:p14="http://schemas.microsoft.com/office/powerpoint/2010/main" val="1386805967"/>
       </p:ext>
     </p:extLst>
   </p:cSld>
@@ -1823,151 +1829,88 @@
           <a:lstStyle/>
           <a:p>
             <a:r>
+              <a:rPr lang="ko-KR" altLang="en-US" dirty="0"/>
+              <a:t>저희가 </a:t>
+            </a:r>
+            <a:r>
               <a:rPr lang="ko-KR" altLang="en-US" dirty="0" err="1"/>
-              <a:t>윤정현</a:t>
+              <a:t>애초애</a:t>
+            </a:r>
+            <a:r>
+              <a:rPr lang="ko-KR" altLang="en-US" dirty="0"/>
+              <a:t> 이 프로젝트를 계획한 목적이 바로 </a:t>
+            </a:r>
+            <a:r>
+              <a:rPr lang="ko-KR" altLang="en-US" dirty="0" err="1"/>
+              <a:t>종이로된</a:t>
             </a:r>
             <a:r>
               <a:rPr lang="ko-KR" altLang="en-US" dirty="0"/>
               <a:t> </a:t>
             </a:r>
             <a:r>
+              <a:rPr lang="ko-KR" altLang="en-US" dirty="0" err="1"/>
+              <a:t>레주메</a:t>
+            </a:r>
+            <a:r>
+              <a:rPr lang="ko-KR" altLang="en-US" dirty="0"/>
+              <a:t> 대신에 저희의 웹사이트를 이용하는 것 이었습니다</a:t>
+            </a:r>
+            <a:r>
               <a:rPr lang="en-US" altLang="ko-KR" dirty="0"/>
-              <a:t>: 4</a:t>
+              <a:t>.</a:t>
+            </a:r>
+          </a:p>
+          <a:p>
+            <a:endParaRPr lang="en-US" altLang="ko-KR" dirty="0"/>
+          </a:p>
+          <a:p>
+            <a:r>
+              <a:rPr lang="ko-KR" altLang="en-US" dirty="0"/>
+              <a:t>이렇게 저희의 본래 목적대로 저희의 웹사이트를 학교에서 </a:t>
             </a:r>
             <a:r>
               <a:rPr lang="ko-KR" altLang="en-US" dirty="0" err="1"/>
-              <a:t>명이서</a:t>
+              <a:t>레주메북대신</a:t>
             </a:r>
             <a:r>
               <a:rPr lang="ko-KR" altLang="en-US" dirty="0"/>
-              <a:t> 다 처음 접하는 웹프로젝트를</a:t>
-            </a:r>
-            <a:r>
-              <a:rPr lang="ko-KR" altLang="en-US" baseline="0" dirty="0"/>
-              <a:t> </a:t>
-            </a:r>
-            <a:r>
-              <a:rPr lang="ko-KR" altLang="en-US" baseline="0" dirty="0" err="1"/>
-              <a:t>하다보니</a:t>
-            </a:r>
-            <a:r>
-              <a:rPr lang="ko-KR" altLang="en-US" baseline="0" dirty="0"/>
-              <a:t> 서로 미숙한 부분이 많았고 서로 많이 안 맞았지만 교장선생님을 위하여 </a:t>
-            </a:r>
-            <a:endParaRPr lang="en-US" altLang="ko-KR" baseline="0" dirty="0"/>
-          </a:p>
-          <a:p>
-            <a:endParaRPr lang="en-US" altLang="ko-KR" baseline="0" dirty="0"/>
-          </a:p>
-          <a:p>
-            <a:endParaRPr lang="en-US" altLang="ko-KR" baseline="0" dirty="0"/>
-          </a:p>
-          <a:p>
-            <a:r>
-              <a:rPr lang="ko-KR" altLang="en-US" baseline="0" dirty="0"/>
-              <a:t>박규리</a:t>
-            </a:r>
-            <a:r>
-              <a:rPr lang="en-US" altLang="ko-KR" baseline="0" dirty="0"/>
-              <a:t>: </a:t>
-            </a:r>
-            <a:r>
-              <a:rPr lang="ko-KR" altLang="en-US" baseline="0" dirty="0"/>
-              <a:t>아직 부족하고 미숙한 </a:t>
-            </a:r>
-            <a:r>
-              <a:rPr lang="en-US" altLang="ko-KR" baseline="0" dirty="0"/>
-              <a:t>4</a:t>
-            </a:r>
-            <a:r>
-              <a:rPr lang="ko-KR" altLang="en-US" baseline="0" dirty="0"/>
-              <a:t>명이서 처음으로 웹페이지를 개발하다 보니 고비가 많이 있었습니다</a:t>
-            </a:r>
-            <a:r>
-              <a:rPr lang="en-US" altLang="ko-KR" baseline="0" dirty="0"/>
-              <a:t>. </a:t>
-            </a:r>
-            <a:r>
-              <a:rPr lang="ko-KR" altLang="en-US" baseline="0" dirty="0"/>
-              <a:t>저번 발표에서 </a:t>
-            </a:r>
-            <a:r>
-              <a:rPr lang="en-US" altLang="ko-KR" baseline="0" dirty="0"/>
-              <a:t>8</a:t>
-            </a:r>
-            <a:r>
-              <a:rPr lang="ko-KR" altLang="en-US" baseline="0" dirty="0"/>
-              <a:t>점을 </a:t>
-            </a:r>
-            <a:r>
-              <a:rPr lang="ko-KR" altLang="en-US" baseline="0" dirty="0" err="1"/>
-              <a:t>받았을때</a:t>
-            </a:r>
-            <a:r>
-              <a:rPr lang="ko-KR" altLang="en-US" baseline="0" dirty="0"/>
-              <a:t> 약간 충격을 받았습니다</a:t>
-            </a:r>
-            <a:r>
-              <a:rPr lang="en-US" altLang="ko-KR" baseline="0" dirty="0"/>
-              <a:t>. </a:t>
-            </a:r>
-            <a:r>
-              <a:rPr lang="ko-KR" altLang="en-US" baseline="0" dirty="0"/>
-              <a:t>하지만 저희는 평정심을 잃지않고 팀원들과 연휴</a:t>
-            </a:r>
-            <a:r>
-              <a:rPr lang="en-US" altLang="ko-KR" baseline="0" dirty="0"/>
+              <a:t> 사용하는 것이 최종 계획이며</a:t>
+            </a:r>
+            <a:r>
+              <a:rPr lang="en-US" altLang="ko-KR" dirty="0"/>
               <a:t>, </a:t>
             </a:r>
             <a:r>
-              <a:rPr lang="ko-KR" altLang="en-US" baseline="0" dirty="0"/>
-              <a:t>주말에도 꾸준히 개발하여 여기까지 도달할 수 있었던 것 같습니다</a:t>
-            </a:r>
-            <a:r>
-              <a:rPr lang="en-US" altLang="ko-KR" baseline="0" dirty="0"/>
-              <a:t>. </a:t>
-            </a:r>
-            <a:r>
-              <a:rPr lang="ko-KR" altLang="en-US" baseline="0" dirty="0"/>
-              <a:t>이 프로젝트는 제 </a:t>
-            </a:r>
-            <a:r>
-              <a:rPr lang="en-US" altLang="ko-KR" baseline="0" dirty="0"/>
-              <a:t>18</a:t>
-            </a:r>
-            <a:r>
-              <a:rPr lang="ko-KR" altLang="en-US" baseline="0" dirty="0"/>
-              <a:t>년 인생에서 가장 자랑하고 싶은 프로젝트라고 생각합니다</a:t>
-            </a:r>
-            <a:r>
-              <a:rPr lang="en-US" altLang="ko-KR" baseline="0" dirty="0"/>
-              <a:t>! </a:t>
-            </a:r>
-            <a:r>
-              <a:rPr lang="ko-KR" altLang="en-US" baseline="0" dirty="0"/>
-              <a:t>이렇게 제 인생의 선물을 주신 선생님께 정말 감사하고 우리 팀원들에게 마지막으로 수고했다는 말을 전해주고 싶습니다</a:t>
-            </a:r>
-            <a:r>
-              <a:rPr lang="en-US" altLang="ko-KR" baseline="0" dirty="0"/>
-              <a:t>. </a:t>
-            </a:r>
-            <a:r>
-              <a:rPr lang="ko-KR" altLang="en-US" baseline="0" dirty="0"/>
-              <a:t>애들아 수고했다</a:t>
-            </a:r>
-            <a:r>
-              <a:rPr lang="en-US" altLang="ko-KR" baseline="0" dirty="0"/>
-              <a:t>~~</a:t>
-            </a:r>
-            <a:r>
-              <a:rPr lang="ko-KR" altLang="en-US" baseline="0" dirty="0"/>
-              <a:t>흑흑 </a:t>
-            </a:r>
-            <a:r>
-              <a:rPr lang="ko-KR" altLang="en-US" baseline="0" dirty="0" err="1"/>
-              <a:t>ㅜㅜㅜ</a:t>
-            </a:r>
-            <a:endParaRPr lang="en-US" altLang="ko-KR" baseline="0" dirty="0"/>
+              <a:rPr lang="ko-KR" altLang="en-US" dirty="0"/>
+              <a:t>학교에서 사용하려면 아직 부족한 부분이 많다고 생각합니다</a:t>
+            </a:r>
+            <a:r>
+              <a:rPr lang="en-US" altLang="ko-KR" dirty="0"/>
+              <a:t>.</a:t>
+            </a:r>
+          </a:p>
+          <a:p>
+            <a:endParaRPr lang="en-US" altLang="ko-KR" dirty="0"/>
+          </a:p>
+          <a:p>
+            <a:r>
+              <a:rPr lang="ko-KR" altLang="en-US" dirty="0"/>
+              <a:t>따라서 저희의 프로젝트를 더 발전시키고 </a:t>
+            </a:r>
+            <a:r>
+              <a:rPr lang="ko-KR" altLang="en-US" dirty="0" err="1"/>
+              <a:t>유지보수하면서</a:t>
+            </a:r>
+            <a:r>
+              <a:rPr lang="ko-KR" altLang="en-US" dirty="0"/>
+              <a:t> 꼭 나중에 이 사이트를 여러분이 사용하는 날이 오게 만들겠습니다</a:t>
+            </a:r>
+            <a:r>
+              <a:rPr lang="en-US" altLang="ko-KR" dirty="0"/>
+              <a:t>.</a:t>
+            </a:r>
+            <a:endParaRPr lang="ko-KR" altLang="en-US" dirty="0"/>
           </a:p>
         </p:txBody>
       </p:sp>
@@ -1989,6 +1932,235 @@
             <a:fld id="{EEF45E8E-B871-465E-A211-1FB7C7D4BEA7}" type="slidenum">
               <a:rPr lang="ko-KR" altLang="en-US" smtClean="0"/>
               <a:t>20</a:t>
+            </a:fld>
+            <a:endParaRPr lang="ko-KR" altLang="en-US"/>
+          </a:p>
+        </p:txBody>
+      </p:sp>
+    </p:spTree>
+    <p:extLst>
+      <p:ext uri="{BB962C8B-B14F-4D97-AF65-F5344CB8AC3E}">
+        <p14:creationId xmlns:p14="http://schemas.microsoft.com/office/powerpoint/2010/main" val="3704898044"/>
+      </p:ext>
+    </p:extLst>
+  </p:cSld>
+  <p:clrMapOvr>
+    <a:masterClrMapping/>
+  </p:clrMapOvr>
+</p:notes>
+</file>
+
+<file path=ppt/notesSlides/notesSlide17.xml><?xml version="1.0" encoding="utf-8"?>
+<p:notes xmlns:a="http://schemas.openxmlformats.org/drawingml/2006/main" xmlns:r="http://schemas.openxmlformats.org/officeDocument/2006/relationships" xmlns:p="http://schemas.openxmlformats.org/presentationml/2006/main">
+  <p:cSld>
+    <p:spTree>
+      <p:nvGrpSpPr>
+        <p:cNvPr id="1" name=""/>
+        <p:cNvGrpSpPr/>
+        <p:nvPr/>
+      </p:nvGrpSpPr>
+      <p:grpSpPr>
+        <a:xfrm>
+          <a:off x="0" y="0"/>
+          <a:ext cx="0" cy="0"/>
+          <a:chOff x="0" y="0"/>
+          <a:chExt cx="0" cy="0"/>
+        </a:xfrm>
+      </p:grpSpPr>
+      <p:sp>
+        <p:nvSpPr>
+          <p:cNvPr id="2" name="슬라이드 이미지 개체 틀 1"/>
+          <p:cNvSpPr>
+            <a:spLocks noGrp="1" noRot="1" noChangeAspect="1"/>
+          </p:cNvSpPr>
+          <p:nvPr>
+            <p:ph type="sldImg"/>
+          </p:nvPr>
+        </p:nvSpPr>
+        <p:spPr/>
+      </p:sp>
+      <p:sp>
+        <p:nvSpPr>
+          <p:cNvPr id="3" name="슬라이드 노트 개체 틀 2"/>
+          <p:cNvSpPr>
+            <a:spLocks noGrp="1"/>
+          </p:cNvSpPr>
+          <p:nvPr>
+            <p:ph type="body" idx="1"/>
+          </p:nvPr>
+        </p:nvSpPr>
+        <p:spPr/>
+        <p:txBody>
+          <a:bodyPr/>
+          <a:lstStyle/>
+          <a:p>
+            <a:r>
+              <a:rPr lang="ko-KR" altLang="en-US" dirty="0" err="1"/>
+              <a:t>윤정현</a:t>
+            </a:r>
+            <a:r>
+              <a:rPr lang="ko-KR" altLang="en-US" dirty="0"/>
+              <a:t> </a:t>
+            </a:r>
+            <a:r>
+              <a:rPr lang="en-US" altLang="ko-KR" dirty="0"/>
+              <a:t>: 4</a:t>
+            </a:r>
+            <a:r>
+              <a:rPr lang="ko-KR" altLang="en-US" dirty="0" err="1"/>
+              <a:t>명이서</a:t>
+            </a:r>
+            <a:r>
+              <a:rPr lang="ko-KR" altLang="en-US" dirty="0"/>
+              <a:t> 다 처음 접하는 웹프로젝트를</a:t>
+            </a:r>
+            <a:r>
+              <a:rPr lang="ko-KR" altLang="en-US" baseline="0" dirty="0"/>
+              <a:t> </a:t>
+            </a:r>
+            <a:r>
+              <a:rPr lang="ko-KR" altLang="en-US" baseline="0" dirty="0" err="1"/>
+              <a:t>하다보니</a:t>
+            </a:r>
+            <a:r>
+              <a:rPr lang="ko-KR" altLang="en-US" baseline="0" dirty="0"/>
+              <a:t> 서로 미숙한 부분이 많았고 서로 많이 안 맞았지만 교장선생님을 위하여 </a:t>
+            </a:r>
+            <a:endParaRPr lang="en-US" altLang="ko-KR" baseline="0" dirty="0"/>
+          </a:p>
+          <a:p>
+            <a:endParaRPr lang="en-US" altLang="ko-KR" baseline="0" dirty="0"/>
+          </a:p>
+          <a:p>
+            <a:endParaRPr lang="en-US" altLang="ko-KR" baseline="0" dirty="0"/>
+          </a:p>
+          <a:p>
+            <a:r>
+              <a:rPr lang="ko-KR" altLang="en-US" baseline="0" dirty="0"/>
+              <a:t>박규리</a:t>
+            </a:r>
+            <a:r>
+              <a:rPr lang="en-US" altLang="ko-KR" baseline="0" dirty="0"/>
+              <a:t>: </a:t>
+            </a:r>
+            <a:r>
+              <a:rPr lang="ko-KR" altLang="en-US" baseline="0" dirty="0"/>
+              <a:t>아직 부족하고 미숙한 </a:t>
+            </a:r>
+            <a:r>
+              <a:rPr lang="en-US" altLang="ko-KR" baseline="0" dirty="0"/>
+              <a:t>4</a:t>
+            </a:r>
+            <a:r>
+              <a:rPr lang="ko-KR" altLang="en-US" baseline="0" dirty="0"/>
+              <a:t>명이서 처음으로 웹페이지를 개발하다 보니 고비가 많이 있었습니다</a:t>
+            </a:r>
+            <a:r>
+              <a:rPr lang="en-US" altLang="ko-KR" baseline="0" dirty="0"/>
+              <a:t>. </a:t>
+            </a:r>
+            <a:r>
+              <a:rPr lang="ko-KR" altLang="en-US" baseline="0" dirty="0"/>
+              <a:t>저번 발표에서 </a:t>
+            </a:r>
+            <a:r>
+              <a:rPr lang="en-US" altLang="ko-KR" baseline="0" dirty="0"/>
+              <a:t>8</a:t>
+            </a:r>
+            <a:r>
+              <a:rPr lang="ko-KR" altLang="en-US" baseline="0" dirty="0"/>
+              <a:t>점을 </a:t>
+            </a:r>
+            <a:r>
+              <a:rPr lang="ko-KR" altLang="en-US" baseline="0" dirty="0" err="1"/>
+              <a:t>받았을때</a:t>
+            </a:r>
+            <a:r>
+              <a:rPr lang="ko-KR" altLang="en-US" baseline="0" dirty="0"/>
+              <a:t> 약간 충격을 받았습니다</a:t>
+            </a:r>
+            <a:r>
+              <a:rPr lang="en-US" altLang="ko-KR" baseline="0" dirty="0"/>
+              <a:t>. </a:t>
+            </a:r>
+            <a:r>
+              <a:rPr lang="ko-KR" altLang="en-US" baseline="0" dirty="0"/>
+              <a:t>하지만 저희는 평정심을 잃지않고 팀원들과 연휴</a:t>
+            </a:r>
+            <a:r>
+              <a:rPr lang="en-US" altLang="ko-KR" baseline="0" dirty="0"/>
+              <a:t>, </a:t>
+            </a:r>
+            <a:r>
+              <a:rPr lang="ko-KR" altLang="en-US" baseline="0" dirty="0"/>
+              <a:t>주말에도 꾸준히 개발하여 여기까지 도달할 수 있었던 것 같습니다</a:t>
+            </a:r>
+            <a:r>
+              <a:rPr lang="en-US" altLang="ko-KR" baseline="0" dirty="0"/>
+              <a:t>. </a:t>
+            </a:r>
+            <a:r>
+              <a:rPr lang="ko-KR" altLang="en-US" baseline="0" dirty="0"/>
+              <a:t>이 프로젝트는 제 </a:t>
+            </a:r>
+            <a:r>
+              <a:rPr lang="en-US" altLang="ko-KR" baseline="0" dirty="0"/>
+              <a:t>18</a:t>
+            </a:r>
+            <a:r>
+              <a:rPr lang="ko-KR" altLang="en-US" baseline="0" dirty="0"/>
+              <a:t>년 인생에서 가장 자랑하고 싶은 프로젝트라고 생각합니다</a:t>
+            </a:r>
+            <a:r>
+              <a:rPr lang="en-US" altLang="ko-KR" baseline="0" dirty="0"/>
+              <a:t>! </a:t>
+            </a:r>
+            <a:r>
+              <a:rPr lang="ko-KR" altLang="en-US" baseline="0" dirty="0"/>
+              <a:t>이렇게 제 인생의 선물을 주신 선생님께 정말 감사하고 우리 팀원들에게 마지막으로 수고했다는 말을 전해주고 싶습니다</a:t>
+            </a:r>
+            <a:r>
+              <a:rPr lang="en-US" altLang="ko-KR" baseline="0" dirty="0"/>
+              <a:t>. </a:t>
+            </a:r>
+            <a:r>
+              <a:rPr lang="ko-KR" altLang="en-US" baseline="0" dirty="0"/>
+              <a:t>애들아 수고했다</a:t>
+            </a:r>
+            <a:r>
+              <a:rPr lang="en-US" altLang="ko-KR" baseline="0" dirty="0"/>
+              <a:t>~~</a:t>
+            </a:r>
+            <a:r>
+              <a:rPr lang="ko-KR" altLang="en-US" baseline="0" dirty="0"/>
+              <a:t>흑흑 </a:t>
+            </a:r>
+            <a:r>
+              <a:rPr lang="ko-KR" altLang="en-US" baseline="0" dirty="0" err="1"/>
+              <a:t>ㅜㅜㅜ</a:t>
+            </a:r>
+            <a:endParaRPr lang="en-US" altLang="ko-KR" baseline="0" dirty="0"/>
+          </a:p>
+        </p:txBody>
+      </p:sp>
+      <p:sp>
+        <p:nvSpPr>
+          <p:cNvPr id="4" name="슬라이드 번호 개체 틀 3"/>
+          <p:cNvSpPr>
+            <a:spLocks noGrp="1"/>
+          </p:cNvSpPr>
+          <p:nvPr>
+            <p:ph type="sldNum" sz="quarter" idx="10"/>
+          </p:nvPr>
+        </p:nvSpPr>
+        <p:spPr/>
+        <p:txBody>
+          <a:bodyPr/>
+          <a:lstStyle/>
+          <a:p>
+            <a:fld id="{EEF45E8E-B871-465E-A211-1FB7C7D4BEA7}" type="slidenum">
+              <a:rPr lang="ko-KR" altLang="en-US" smtClean="0"/>
+              <a:t>21</a:t>
             </a:fld>
             <a:endParaRPr lang="ko-KR" altLang="en-US"/>
           </a:p>
@@ -17114,7 +17286,7 @@
                 <a:latin typeface="Noto Sans CJK KR Medium" panose="020B0600000000000000" pitchFamily="34" charset="-127"/>
                 <a:ea typeface="Noto Sans CJK KR Medium" panose="020B0600000000000000" pitchFamily="34" charset="-127"/>
               </a:rPr>
-              <a:t>17</a:t>
+              <a:t>16-3</a:t>
             </a:r>
           </a:p>
           <a:p>
@@ -17123,7 +17295,7 @@
                 <a:latin typeface="Noto Sans CJK KR Medium" panose="020B0600000000000000" pitchFamily="34" charset="-127"/>
                 <a:ea typeface="Noto Sans CJK KR Medium" panose="020B0600000000000000" pitchFamily="34" charset="-127"/>
               </a:rPr>
-              <a:t>앞으로의 계획</a:t>
+              <a:t>클래스 다이어그램</a:t>
             </a:r>
             <a:endParaRPr lang="en-US" altLang="ko-KR" sz="2400" dirty="0">
               <a:latin typeface="Noto Sans CJK KR Medium" panose="020B0600000000000000" pitchFamily="34" charset="-127"/>
@@ -17141,7 +17313,7 @@
         <p:spPr>
           <a:xfrm>
             <a:off x="2752166" y="1089843"/>
-            <a:ext cx="8309124" cy="461665"/>
+            <a:ext cx="4936660" cy="461665"/>
           </a:xfrm>
           <a:prstGeom prst="rect">
             <a:avLst/>
@@ -17159,23 +17331,6 @@
               </a:spcBef>
             </a:pPr>
             <a:r>
-              <a:rPr lang="ko-KR" altLang="en-US" sz="2400" spc="-150" dirty="0" err="1">
-                <a:ln>
-                  <a:solidFill>
-                    <a:schemeClr val="accent1">
-                      <a:alpha val="0"/>
-                    </a:schemeClr>
-                  </a:solidFill>
-                </a:ln>
-                <a:solidFill>
-                  <a:srgbClr val="282421"/>
-                </a:solidFill>
-                <a:latin typeface="Noto Sans CJK KR Medium" panose="020B0600000000000000" pitchFamily="34" charset="-127"/>
-                <a:ea typeface="Noto Sans CJK KR Medium" panose="020B0600000000000000" pitchFamily="34" charset="-127"/>
-              </a:rPr>
-              <a:t>레주메북을</a:t>
-            </a:r>
-            <a:r>
               <a:rPr lang="ko-KR" altLang="en-US" sz="2400" spc="-150" dirty="0">
                 <a:ln>
                   <a:solidFill>
@@ -17190,75 +17345,7 @@
                 <a:latin typeface="Noto Sans CJK KR Medium" panose="020B0600000000000000" pitchFamily="34" charset="-127"/>
                 <a:ea typeface="Noto Sans CJK KR Medium" panose="020B0600000000000000" pitchFamily="34" charset="-127"/>
               </a:rPr>
-              <a:t> </a:t>
-            </a:r>
-            <a:r>
-              <a:rPr lang="en-US" altLang="ko-KR" sz="2400" spc="-150" dirty="0">
-                <a:ln>
-                  <a:solidFill>
-                    <a:schemeClr val="accent1">
-                      <a:alpha val="0"/>
-                    </a:schemeClr>
-                  </a:solidFill>
-                </a:ln>
-                <a:solidFill>
-                  <a:srgbClr val="282421"/>
-                </a:solidFill>
-                <a:latin typeface="Noto Sans CJK KR Medium" panose="020B0600000000000000" pitchFamily="34" charset="-127"/>
-                <a:ea typeface="Noto Sans CJK KR Medium" panose="020B0600000000000000" pitchFamily="34" charset="-127"/>
-              </a:rPr>
-              <a:t>“2uzuBook”</a:t>
-            </a:r>
-            <a:r>
-              <a:rPr lang="ko-KR" altLang="en-US" sz="2400" spc="-150" dirty="0">
-                <a:ln>
-                  <a:solidFill>
-                    <a:schemeClr val="accent1">
-                      <a:alpha val="0"/>
-                    </a:schemeClr>
-                  </a:solidFill>
-                </a:ln>
-                <a:solidFill>
-                  <a:srgbClr val="282421"/>
-                </a:solidFill>
-                <a:latin typeface="Noto Sans CJK KR Medium" panose="020B0600000000000000" pitchFamily="34" charset="-127"/>
-                <a:ea typeface="Noto Sans CJK KR Medium" panose="020B0600000000000000" pitchFamily="34" charset="-127"/>
-              </a:rPr>
-              <a:t>로 바꾸다</a:t>
-            </a:r>
-            <a:r>
-              <a:rPr lang="en-US" altLang="ko-KR" sz="2400" spc="-150" dirty="0">
-                <a:ln>
-                  <a:solidFill>
-                    <a:schemeClr val="accent1">
-                      <a:alpha val="0"/>
-                    </a:schemeClr>
-                  </a:solidFill>
-                </a:ln>
-                <a:solidFill>
-                  <a:srgbClr val="282421"/>
-                </a:solidFill>
-                <a:latin typeface="Noto Sans CJK KR Medium" panose="020B0600000000000000" pitchFamily="34" charset="-127"/>
-                <a:ea typeface="Noto Sans CJK KR Medium" panose="020B0600000000000000" pitchFamily="34" charset="-127"/>
-              </a:rPr>
-              <a:t> – </a:t>
-            </a:r>
-            <a:r>
-              <a:rPr lang="ko-KR" altLang="en-US" sz="2400" spc="-150" dirty="0">
-                <a:ln>
-                  <a:solidFill>
-                    <a:schemeClr val="accent1">
-                      <a:alpha val="0"/>
-                    </a:schemeClr>
-                  </a:solidFill>
-                </a:ln>
-                <a:solidFill>
-                  <a:srgbClr val="282421"/>
-                </a:solidFill>
-                <a:latin typeface="Noto Sans CJK KR Medium" panose="020B0600000000000000" pitchFamily="34" charset="-127"/>
-                <a:ea typeface="Noto Sans CJK KR Medium" panose="020B0600000000000000" pitchFamily="34" charset="-127"/>
-              </a:rPr>
-              <a:t>앞으로의 계획</a:t>
+              <a:t>클래스 다이어그램</a:t>
             </a:r>
             <a:endParaRPr lang="en-US" altLang="ko-KR" sz="2400" spc="-150" dirty="0">
               <a:ln>
@@ -17568,627 +17655,63 @@
           </a:p>
         </p:txBody>
       </p:sp>
-      <p:sp>
-        <p:nvSpPr>
-          <p:cNvPr id="12" name="직사각형 11"/>
-          <p:cNvSpPr/>
+      <p:pic>
+        <p:nvPicPr>
+          <p:cNvPr id="1026" name="Picture 2" descr="https://scontent-icn1-1.xx.fbcdn.net/v/t35.0-12/22550967_498916957144560_1950549918_o.png?oh=52ea60943ba456bedf68e18e8bdc5462&amp;oe=59E675B8">
+            <a:extLst>
+              <a:ext uri="{FF2B5EF4-FFF2-40B4-BE49-F238E27FC236}">
+                <a16:creationId xmlns:a16="http://schemas.microsoft.com/office/drawing/2014/main" id="{BB12E9B4-EAB1-49AA-90AE-63655D68160E}"/>
+              </a:ext>
+            </a:extLst>
+          </p:cNvPr>
+          <p:cNvPicPr>
+            <a:picLocks noChangeAspect="1" noChangeArrowheads="1"/>
+          </p:cNvPicPr>
           <p:nvPr/>
-        </p:nvSpPr>
-        <p:spPr>
+        </p:nvPicPr>
+        <p:blipFill>
+          <a:blip r:embed="rId3">
+            <a:extLst>
+              <a:ext uri="{28A0092B-C50C-407E-A947-70E740481C1C}">
+                <a14:useLocalDpi xmlns:a14="http://schemas.microsoft.com/office/drawing/2010/main" val="0"/>
+              </a:ext>
+            </a:extLst>
+          </a:blip>
+          <a:srcRect/>
+          <a:stretch>
+            <a:fillRect/>
+          </a:stretch>
+        </p:blipFill>
+        <p:spPr bwMode="auto">
           <a:xfrm>
-            <a:off x="2752863" y="2010860"/>
-            <a:ext cx="6160661" cy="4252446"/>
+            <a:off x="2752166" y="1459175"/>
+            <a:ext cx="8753859" cy="5012150"/>
           </a:xfrm>
           <a:prstGeom prst="rect">
             <a:avLst/>
           </a:prstGeom>
+          <a:noFill/>
+          <a:extLst>
+            <a:ext uri="{909E8E84-426E-40DD-AFC4-6F175D3DCCD1}">
+              <a14:hiddenFill xmlns:a14="http://schemas.microsoft.com/office/drawing/2010/main">
+                <a:solidFill>
+                  <a:srgbClr val="FFFFFF"/>
+                </a:solidFill>
+              </a14:hiddenFill>
+            </a:ext>
+          </a:extLst>
         </p:spPr>
-        <p:txBody>
-          <a:bodyPr wrap="none">
-            <a:spAutoFit/>
-          </a:bodyPr>
-          <a:lstStyle/>
-          <a:p>
-            <a:pPr>
-              <a:spcBef>
-                <a:spcPts val="1000"/>
-              </a:spcBef>
-            </a:pPr>
-            <a:r>
-              <a:rPr lang="ko-KR" altLang="en-US" sz="3200" spc="-150" dirty="0">
-                <a:ln>
-                  <a:solidFill>
-                    <a:schemeClr val="accent1">
-                      <a:alpha val="0"/>
-                    </a:schemeClr>
-                  </a:solidFill>
-                </a:ln>
-                <a:solidFill>
-                  <a:srgbClr val="282421"/>
-                </a:solidFill>
-                <a:latin typeface="a옛날사진관2" panose="02020600000000000000" pitchFamily="18" charset="-127"/>
-                <a:ea typeface="배달의민족 도현" panose="020B0600000101010101"/>
-              </a:rPr>
-              <a:t>유지보수</a:t>
-            </a:r>
-            <a:endParaRPr lang="en-US" altLang="ko-KR" sz="3200" spc="-150" dirty="0">
-              <a:ln>
-                <a:solidFill>
-                  <a:schemeClr val="accent1">
-                    <a:alpha val="0"/>
-                  </a:schemeClr>
-                </a:solidFill>
-              </a:ln>
-              <a:solidFill>
-                <a:srgbClr val="282421"/>
-              </a:solidFill>
-              <a:latin typeface="a옛날사진관2" panose="02020600000000000000" pitchFamily="18" charset="-127"/>
-              <a:ea typeface="배달의민족 도현" panose="020B0600000101010101"/>
-            </a:endParaRPr>
-          </a:p>
-          <a:p>
-            <a:pPr>
-              <a:spcBef>
-                <a:spcPts val="1000"/>
-              </a:spcBef>
-            </a:pPr>
-            <a:r>
-              <a:rPr lang="en-US" altLang="ko-KR" sz="2000" spc="-150" dirty="0">
-                <a:ln>
-                  <a:solidFill>
-                    <a:schemeClr val="accent1">
-                      <a:alpha val="0"/>
-                    </a:schemeClr>
-                  </a:solidFill>
-                </a:ln>
-                <a:solidFill>
-                  <a:srgbClr val="282421"/>
-                </a:solidFill>
-                <a:latin typeface="a옛날사진관2" panose="02020600000000000000" pitchFamily="18" charset="-127"/>
-                <a:ea typeface="배달의민족 도현" panose="020B0600000101010101"/>
-              </a:rPr>
-              <a:t>-&gt; </a:t>
-            </a:r>
-            <a:r>
-              <a:rPr lang="ko-KR" altLang="en-US" sz="2000" spc="-150" dirty="0">
-                <a:ln>
-                  <a:solidFill>
-                    <a:schemeClr val="accent1">
-                      <a:alpha val="0"/>
-                    </a:schemeClr>
-                  </a:solidFill>
-                </a:ln>
-                <a:solidFill>
-                  <a:srgbClr val="282421"/>
-                </a:solidFill>
-                <a:latin typeface="a옛날사진관2" panose="02020600000000000000" pitchFamily="18" charset="-127"/>
-                <a:ea typeface="배달의민족 도현" panose="020B0600000101010101"/>
-              </a:rPr>
-              <a:t>수정 및 보안</a:t>
-            </a:r>
-            <a:endParaRPr lang="en-US" altLang="ko-KR" sz="2000" spc="-150" dirty="0">
-              <a:ln>
-                <a:solidFill>
-                  <a:schemeClr val="accent1">
-                    <a:alpha val="0"/>
-                  </a:schemeClr>
-                </a:solidFill>
-              </a:ln>
-              <a:solidFill>
-                <a:srgbClr val="282421"/>
-              </a:solidFill>
-              <a:latin typeface="a옛날사진관2" panose="02020600000000000000" pitchFamily="18" charset="-127"/>
-              <a:ea typeface="배달의민족 도현" panose="020B0600000101010101"/>
-            </a:endParaRPr>
-          </a:p>
-          <a:p>
-            <a:pPr>
-              <a:spcBef>
-                <a:spcPts val="1000"/>
-              </a:spcBef>
-            </a:pPr>
-            <a:r>
-              <a:rPr lang="en-US" altLang="ko-KR" sz="2000" spc="-150" dirty="0">
-                <a:ln>
-                  <a:solidFill>
-                    <a:schemeClr val="accent1">
-                      <a:alpha val="0"/>
-                    </a:schemeClr>
-                  </a:solidFill>
-                </a:ln>
-                <a:solidFill>
-                  <a:srgbClr val="282421"/>
-                </a:solidFill>
-                <a:latin typeface="a옛날사진관2" panose="02020600000000000000" pitchFamily="18" charset="-127"/>
-                <a:ea typeface="배달의민족 도현" panose="020B0600000101010101"/>
-              </a:rPr>
-              <a:t>-&gt; </a:t>
-            </a:r>
-            <a:r>
-              <a:rPr lang="ko-KR" altLang="en-US" sz="2000" spc="-150" dirty="0">
-                <a:ln>
-                  <a:solidFill>
-                    <a:schemeClr val="accent1">
-                      <a:alpha val="0"/>
-                    </a:schemeClr>
-                  </a:solidFill>
-                </a:ln>
-                <a:solidFill>
-                  <a:srgbClr val="282421"/>
-                </a:solidFill>
-                <a:latin typeface="a옛날사진관2" panose="02020600000000000000" pitchFamily="18" charset="-127"/>
-                <a:ea typeface="배달의민족 도현" panose="020B0600000101010101"/>
-              </a:rPr>
-              <a:t>업그레이드 </a:t>
-            </a:r>
-            <a:endParaRPr lang="en-US" altLang="ko-KR" sz="2000" spc="-150" dirty="0">
-              <a:ln>
-                <a:solidFill>
-                  <a:schemeClr val="accent1">
-                    <a:alpha val="0"/>
-                  </a:schemeClr>
-                </a:solidFill>
-              </a:ln>
-              <a:solidFill>
-                <a:srgbClr val="282421"/>
-              </a:solidFill>
-              <a:latin typeface="a옛날사진관2" panose="02020600000000000000" pitchFamily="18" charset="-127"/>
-              <a:ea typeface="배달의민족 도현" panose="020B0600000101010101"/>
-            </a:endParaRPr>
-          </a:p>
-          <a:p>
-            <a:pPr>
-              <a:spcBef>
-                <a:spcPts val="1000"/>
-              </a:spcBef>
-            </a:pPr>
-            <a:endParaRPr lang="en-US" altLang="ko-KR" sz="2400" spc="-150" dirty="0">
-              <a:ln>
-                <a:solidFill>
-                  <a:schemeClr val="accent1">
-                    <a:alpha val="0"/>
-                  </a:schemeClr>
-                </a:solidFill>
-              </a:ln>
-              <a:solidFill>
-                <a:srgbClr val="282421"/>
-              </a:solidFill>
-              <a:latin typeface="a옛날사진관2" panose="02020600000000000000" pitchFamily="18" charset="-127"/>
-              <a:ea typeface="배달의민족 도현" panose="020B0600000101010101"/>
-            </a:endParaRPr>
-          </a:p>
-          <a:p>
-            <a:pPr>
-              <a:spcBef>
-                <a:spcPts val="1000"/>
-              </a:spcBef>
-            </a:pPr>
-            <a:r>
-              <a:rPr lang="ko-KR" altLang="en-US" sz="3200" spc="-150" dirty="0" err="1">
-                <a:ln>
-                  <a:solidFill>
-                    <a:schemeClr val="accent1">
-                      <a:alpha val="0"/>
-                    </a:schemeClr>
-                  </a:solidFill>
-                </a:ln>
-                <a:solidFill>
-                  <a:srgbClr val="282421"/>
-                </a:solidFill>
-                <a:latin typeface="a옛날사진관2" panose="02020600000000000000" pitchFamily="18" charset="-127"/>
-                <a:ea typeface="배달의민족 도현" panose="020B0600000101010101"/>
-              </a:rPr>
-              <a:t>레주메북대신</a:t>
-            </a:r>
-            <a:r>
-              <a:rPr lang="ko-KR" altLang="en-US" sz="3200" spc="-150" dirty="0">
-                <a:ln>
-                  <a:solidFill>
-                    <a:schemeClr val="accent1">
-                      <a:alpha val="0"/>
-                    </a:schemeClr>
-                  </a:solidFill>
-                </a:ln>
-                <a:solidFill>
-                  <a:srgbClr val="282421"/>
-                </a:solidFill>
-                <a:latin typeface="a옛날사진관2" panose="02020600000000000000" pitchFamily="18" charset="-127"/>
-                <a:ea typeface="배달의민족 도현" panose="020B0600000101010101"/>
-              </a:rPr>
-              <a:t> 우리 웹페이지 사용</a:t>
-            </a:r>
-            <a:endParaRPr lang="en-US" altLang="ko-KR" sz="3200" spc="-150" dirty="0">
-              <a:ln>
-                <a:solidFill>
-                  <a:schemeClr val="accent1">
-                    <a:alpha val="0"/>
-                  </a:schemeClr>
-                </a:solidFill>
-              </a:ln>
-              <a:solidFill>
-                <a:srgbClr val="282421"/>
-              </a:solidFill>
-              <a:latin typeface="a옛날사진관2" panose="02020600000000000000" pitchFamily="18" charset="-127"/>
-              <a:ea typeface="배달의민족 도현" panose="020B0600000101010101"/>
-            </a:endParaRPr>
-          </a:p>
-          <a:p>
-            <a:pPr>
-              <a:spcBef>
-                <a:spcPts val="1000"/>
-              </a:spcBef>
-            </a:pPr>
-            <a:r>
-              <a:rPr lang="en-US" altLang="ko-KR" sz="2000" spc="-150" dirty="0">
-                <a:ln>
-                  <a:solidFill>
-                    <a:schemeClr val="accent1">
-                      <a:alpha val="0"/>
-                    </a:schemeClr>
-                  </a:solidFill>
-                </a:ln>
-                <a:solidFill>
-                  <a:srgbClr val="282421"/>
-                </a:solidFill>
-                <a:latin typeface="a옛날사진관2" panose="02020600000000000000" pitchFamily="18" charset="-127"/>
-                <a:ea typeface="배달의민족 도현" panose="020B0600000101010101"/>
-              </a:rPr>
-              <a:t>-&gt; </a:t>
-            </a:r>
-            <a:r>
-              <a:rPr lang="ko-KR" altLang="en-US" sz="2000" spc="-150" dirty="0">
-                <a:ln>
-                  <a:solidFill>
-                    <a:schemeClr val="accent1">
-                      <a:alpha val="0"/>
-                    </a:schemeClr>
-                  </a:solidFill>
-                </a:ln>
-                <a:solidFill>
-                  <a:srgbClr val="282421"/>
-                </a:solidFill>
-                <a:latin typeface="a옛날사진관2" panose="02020600000000000000" pitchFamily="18" charset="-127"/>
-                <a:ea typeface="배달의민족 도현" panose="020B0600000101010101"/>
-              </a:rPr>
-              <a:t>시간</a:t>
-            </a:r>
-            <a:r>
-              <a:rPr lang="en-US" altLang="ko-KR" sz="2000" spc="-150" dirty="0">
-                <a:ln>
-                  <a:solidFill>
-                    <a:schemeClr val="accent1">
-                      <a:alpha val="0"/>
-                    </a:schemeClr>
-                  </a:solidFill>
-                </a:ln>
-                <a:solidFill>
-                  <a:srgbClr val="282421"/>
-                </a:solidFill>
-                <a:latin typeface="a옛날사진관2" panose="02020600000000000000" pitchFamily="18" charset="-127"/>
-                <a:ea typeface="배달의민족 도현" panose="020B0600000101010101"/>
-              </a:rPr>
-              <a:t>, </a:t>
-            </a:r>
-            <a:r>
-              <a:rPr lang="ko-KR" altLang="en-US" sz="2000" spc="-150" dirty="0" err="1">
-                <a:ln>
-                  <a:solidFill>
-                    <a:schemeClr val="accent1">
-                      <a:alpha val="0"/>
-                    </a:schemeClr>
-                  </a:solidFill>
-                </a:ln>
-                <a:solidFill>
-                  <a:srgbClr val="282421"/>
-                </a:solidFill>
-                <a:latin typeface="a옛날사진관2" panose="02020600000000000000" pitchFamily="18" charset="-127"/>
-                <a:ea typeface="배달의민족 도현" panose="020B0600000101010101"/>
-              </a:rPr>
-              <a:t>종이절약</a:t>
-            </a:r>
-            <a:r>
-              <a:rPr lang="ko-KR" altLang="en-US" sz="2000" spc="-150" dirty="0">
-                <a:ln>
-                  <a:solidFill>
-                    <a:schemeClr val="accent1">
-                      <a:alpha val="0"/>
-                    </a:schemeClr>
-                  </a:solidFill>
-                </a:ln>
-                <a:solidFill>
-                  <a:srgbClr val="282421"/>
-                </a:solidFill>
-                <a:latin typeface="a옛날사진관2" panose="02020600000000000000" pitchFamily="18" charset="-127"/>
-                <a:ea typeface="배달의민족 도현" panose="020B0600000101010101"/>
-              </a:rPr>
-              <a:t> 및 홍보가 </a:t>
-            </a:r>
-            <a:r>
-              <a:rPr lang="ko-KR" altLang="en-US" sz="2000" spc="-150" dirty="0" err="1">
-                <a:ln>
-                  <a:solidFill>
-                    <a:schemeClr val="accent1">
-                      <a:alpha val="0"/>
-                    </a:schemeClr>
-                  </a:solidFill>
-                </a:ln>
-                <a:solidFill>
-                  <a:srgbClr val="282421"/>
-                </a:solidFill>
-                <a:latin typeface="a옛날사진관2" panose="02020600000000000000" pitchFamily="18" charset="-127"/>
-                <a:ea typeface="배달의민족 도현" panose="020B0600000101010101"/>
-              </a:rPr>
-              <a:t>쉬워짐</a:t>
-            </a:r>
-            <a:r>
-              <a:rPr lang="ko-KR" altLang="en-US" sz="2000" spc="-150" dirty="0">
-                <a:ln>
-                  <a:solidFill>
-                    <a:schemeClr val="accent1">
-                      <a:alpha val="0"/>
-                    </a:schemeClr>
-                  </a:solidFill>
-                </a:ln>
-                <a:solidFill>
-                  <a:srgbClr val="282421"/>
-                </a:solidFill>
-                <a:latin typeface="a옛날사진관2" panose="02020600000000000000" pitchFamily="18" charset="-127"/>
-                <a:ea typeface="배달의민족 도현" panose="020B0600000101010101"/>
-              </a:rPr>
-              <a:t> </a:t>
-            </a:r>
-            <a:endParaRPr lang="en-US" altLang="ko-KR" sz="2000" spc="-150" dirty="0">
-              <a:ln>
-                <a:solidFill>
-                  <a:schemeClr val="accent1">
-                    <a:alpha val="0"/>
-                  </a:schemeClr>
-                </a:solidFill>
-              </a:ln>
-              <a:solidFill>
-                <a:srgbClr val="282421"/>
-              </a:solidFill>
-              <a:latin typeface="a옛날사진관2" panose="02020600000000000000" pitchFamily="18" charset="-127"/>
-              <a:ea typeface="배달의민족 도현" panose="020B0600000101010101"/>
-            </a:endParaRPr>
-          </a:p>
-          <a:p>
-            <a:pPr>
-              <a:spcBef>
-                <a:spcPts val="1000"/>
-              </a:spcBef>
-            </a:pPr>
-            <a:r>
-              <a:rPr lang="en-US" altLang="ko-KR" sz="2000" spc="-150" dirty="0">
-                <a:ln>
-                  <a:solidFill>
-                    <a:schemeClr val="accent1">
-                      <a:alpha val="0"/>
-                    </a:schemeClr>
-                  </a:solidFill>
-                </a:ln>
-                <a:solidFill>
-                  <a:srgbClr val="282421"/>
-                </a:solidFill>
-                <a:latin typeface="a옛날사진관2" panose="02020600000000000000" pitchFamily="18" charset="-127"/>
-                <a:ea typeface="배달의민족 도현" panose="020B0600000101010101"/>
-              </a:rPr>
-              <a:t>-&gt; </a:t>
-            </a:r>
-            <a:r>
-              <a:rPr lang="ko-KR" altLang="en-US" sz="2000" spc="-150" dirty="0">
-                <a:ln>
-                  <a:solidFill>
-                    <a:schemeClr val="accent1">
-                      <a:alpha val="0"/>
-                    </a:schemeClr>
-                  </a:solidFill>
-                </a:ln>
-                <a:solidFill>
-                  <a:srgbClr val="282421"/>
-                </a:solidFill>
-                <a:latin typeface="a옛날사진관2" panose="02020600000000000000" pitchFamily="18" charset="-127"/>
-                <a:ea typeface="배달의민족 도현" panose="020B0600000101010101"/>
-              </a:rPr>
-              <a:t>회사입장에서는 인재를 빨리 찾을 수 있음</a:t>
-            </a:r>
-            <a:r>
-              <a:rPr lang="ko-KR" altLang="en-US" sz="3200" spc="-150" dirty="0">
-                <a:ln>
-                  <a:solidFill>
-                    <a:schemeClr val="accent1">
-                      <a:alpha val="0"/>
-                    </a:schemeClr>
-                  </a:solidFill>
-                </a:ln>
-                <a:solidFill>
-                  <a:srgbClr val="282421"/>
-                </a:solidFill>
-                <a:latin typeface="a옛날사진관2" panose="02020600000000000000" pitchFamily="18" charset="-127"/>
-                <a:ea typeface="배달의민족 도현" panose="020B0600000101010101"/>
-              </a:rPr>
-              <a:t> </a:t>
-            </a:r>
-            <a:endParaRPr lang="en-US" altLang="ko-KR" sz="3200" spc="-150" dirty="0">
-              <a:ln>
-                <a:solidFill>
-                  <a:schemeClr val="accent1">
-                    <a:alpha val="0"/>
-                  </a:schemeClr>
-                </a:solidFill>
-              </a:ln>
-              <a:solidFill>
-                <a:srgbClr val="282421"/>
-              </a:solidFill>
-              <a:latin typeface="a옛날사진관2" panose="02020600000000000000" pitchFamily="18" charset="-127"/>
-              <a:ea typeface="배달의민족 도현" panose="020B0600000101010101"/>
-            </a:endParaRPr>
-          </a:p>
-          <a:p>
-            <a:pPr>
-              <a:spcBef>
-                <a:spcPts val="1000"/>
-              </a:spcBef>
-            </a:pPr>
-            <a:endParaRPr lang="en-US" altLang="ko-KR" sz="3200" spc="-150" dirty="0">
-              <a:ln>
-                <a:solidFill>
-                  <a:schemeClr val="accent1">
-                    <a:alpha val="0"/>
-                  </a:schemeClr>
-                </a:solidFill>
-              </a:ln>
-              <a:solidFill>
-                <a:srgbClr val="282421"/>
-              </a:solidFill>
-              <a:latin typeface="a옛날사진관2" panose="02020600000000000000" pitchFamily="18" charset="-127"/>
-              <a:ea typeface="배달의민족 도현" panose="020B0600000101010101"/>
-            </a:endParaRPr>
-          </a:p>
-        </p:txBody>
-      </p:sp>
+      </p:pic>
     </p:spTree>
     <p:extLst>
       <p:ext uri="{BB962C8B-B14F-4D97-AF65-F5344CB8AC3E}">
-        <p14:creationId xmlns:p14="http://schemas.microsoft.com/office/powerpoint/2010/main" val="3718302309"/>
+        <p14:creationId xmlns:p14="http://schemas.microsoft.com/office/powerpoint/2010/main" val="624937170"/>
       </p:ext>
     </p:extLst>
   </p:cSld>
   <p:clrMapOvr>
     <a:masterClrMapping/>
   </p:clrMapOvr>
-  <p:timing>
-    <p:tnLst>
-      <p:par>
-        <p:cTn id="1" dur="indefinite" restart="never" nodeType="tmRoot">
-          <p:childTnLst>
-            <p:seq concurrent="1" nextAc="seek">
-              <p:cTn id="2" dur="indefinite" nodeType="mainSeq">
-                <p:childTnLst>
-                  <p:par>
-                    <p:cTn id="3" fill="hold">
-                      <p:stCondLst>
-                        <p:cond delay="indefinite"/>
-                      </p:stCondLst>
-                      <p:childTnLst>
-                        <p:par>
-                          <p:cTn id="4" fill="hold">
-                            <p:stCondLst>
-                              <p:cond delay="0"/>
-                            </p:stCondLst>
-                            <p:childTnLst>
-                              <p:par>
-                                <p:cTn id="5" presetID="42" presetClass="entr" presetSubtype="0" fill="hold" grpId="0" nodeType="clickEffect">
-                                  <p:stCondLst>
-                                    <p:cond delay="0"/>
-                                  </p:stCondLst>
-                                  <p:childTnLst>
-                                    <p:set>
-                                      <p:cBhvr>
-                                        <p:cTn id="6" dur="1" fill="hold">
-                                          <p:stCondLst>
-                                            <p:cond delay="0"/>
-                                          </p:stCondLst>
-                                        </p:cTn>
-                                        <p:tgtEl>
-                                          <p:spTgt spid="12"/>
-                                        </p:tgtEl>
-                                        <p:attrNameLst>
-                                          <p:attrName>style.visibility</p:attrName>
-                                        </p:attrNameLst>
-                                      </p:cBhvr>
-                                      <p:to>
-                                        <p:strVal val="visible"/>
-                                      </p:to>
-                                    </p:set>
-                                    <p:animEffect transition="in" filter="fade">
-                                      <p:cBhvr>
-                                        <p:cTn id="7" dur="1000"/>
-                                        <p:tgtEl>
-                                          <p:spTgt spid="12"/>
-                                        </p:tgtEl>
-                                      </p:cBhvr>
-                                    </p:animEffect>
-                                    <p:anim calcmode="lin" valueType="num">
-                                      <p:cBhvr>
-                                        <p:cTn id="8" dur="1000" fill="hold"/>
-                                        <p:tgtEl>
-                                          <p:spTgt spid="12"/>
-                                        </p:tgtEl>
-                                        <p:attrNameLst>
-                                          <p:attrName>ppt_x</p:attrName>
-                                        </p:attrNameLst>
-                                      </p:cBhvr>
-                                      <p:tavLst>
-                                        <p:tav tm="0">
-                                          <p:val>
-                                            <p:strVal val="#ppt_x"/>
-                                          </p:val>
-                                        </p:tav>
-                                        <p:tav tm="100000">
-                                          <p:val>
-                                            <p:strVal val="#ppt_x"/>
-                                          </p:val>
-                                        </p:tav>
-                                      </p:tavLst>
-                                    </p:anim>
-                                    <p:anim calcmode="lin" valueType="num">
-                                      <p:cBhvr>
-                                        <p:cTn id="9" dur="1000" fill="hold"/>
-                                        <p:tgtEl>
-                                          <p:spTgt spid="12"/>
-                                        </p:tgtEl>
-                                        <p:attrNameLst>
-                                          <p:attrName>ppt_y</p:attrName>
-                                        </p:attrNameLst>
-                                      </p:cBhvr>
-                                      <p:tavLst>
-                                        <p:tav tm="0">
-                                          <p:val>
-                                            <p:strVal val="#ppt_y+.1"/>
-                                          </p:val>
-                                        </p:tav>
-                                        <p:tav tm="100000">
-                                          <p:val>
-                                            <p:strVal val="#ppt_y"/>
-                                          </p:val>
-                                        </p:tav>
-                                      </p:tavLst>
-                                    </p:anim>
-                                  </p:childTnLst>
-                                </p:cTn>
-                              </p:par>
-                            </p:childTnLst>
-                          </p:cTn>
-                        </p:par>
-                      </p:childTnLst>
-                    </p:cTn>
-                  </p:par>
-                </p:childTnLst>
-              </p:cTn>
-              <p:prevCondLst>
-                <p:cond evt="onPrev" delay="0">
-                  <p:tgtEl>
-                    <p:sldTgt/>
-                  </p:tgtEl>
-                </p:cond>
-              </p:prevCondLst>
-              <p:nextCondLst>
-                <p:cond evt="onNext" delay="0">
-                  <p:tgtEl>
-                    <p:sldTgt/>
-                  </p:tgtEl>
-                </p:cond>
-              </p:nextCondLst>
-            </p:seq>
-          </p:childTnLst>
-        </p:cTn>
-      </p:par>
-    </p:tnLst>
-    <p:bldLst>
-      <p:bldP spid="12" grpId="0"/>
-    </p:bldLst>
-  </p:timing>
 </p:sld>
 </file>
 
@@ -19109,6 +18632,1330 @@
 </file>
 
 <file path=ppt/slides/slide20.xml><?xml version="1.0" encoding="utf-8"?>
+<p:sld xmlns:a="http://schemas.openxmlformats.org/drawingml/2006/main" xmlns:r="http://schemas.openxmlformats.org/officeDocument/2006/relationships" xmlns:p="http://schemas.openxmlformats.org/presentationml/2006/main">
+  <p:cSld>
+    <p:spTree>
+      <p:nvGrpSpPr>
+        <p:cNvPr id="1" name=""/>
+        <p:cNvGrpSpPr/>
+        <p:nvPr/>
+      </p:nvGrpSpPr>
+      <p:grpSpPr>
+        <a:xfrm>
+          <a:off x="0" y="0"/>
+          <a:ext cx="0" cy="0"/>
+          <a:chOff x="0" y="0"/>
+          <a:chExt cx="0" cy="0"/>
+        </a:xfrm>
+      </p:grpSpPr>
+      <p:sp>
+        <p:nvSpPr>
+          <p:cNvPr id="2" name="제목 1" hidden="1"/>
+          <p:cNvSpPr>
+            <a:spLocks noGrp="1"/>
+          </p:cNvSpPr>
+          <p:nvPr>
+            <p:ph type="title"/>
+          </p:nvPr>
+        </p:nvSpPr>
+        <p:spPr/>
+        <p:txBody>
+          <a:bodyPr/>
+          <a:lstStyle/>
+          <a:p>
+            <a:r>
+              <a:rPr lang="ko-KR" altLang="en-US" dirty="0" err="1"/>
+              <a:t>ㅋ</a:t>
+            </a:r>
+            <a:endParaRPr lang="ko-KR" altLang="en-US" dirty="0"/>
+          </a:p>
+        </p:txBody>
+      </p:sp>
+      <p:cxnSp>
+        <p:nvCxnSpPr>
+          <p:cNvPr id="5" name="직선 연결선 4"/>
+          <p:cNvCxnSpPr/>
+          <p:nvPr/>
+        </p:nvCxnSpPr>
+        <p:spPr>
+          <a:xfrm>
+            <a:off x="463854" y="555894"/>
+            <a:ext cx="560439" cy="0"/>
+          </a:xfrm>
+          <a:prstGeom prst="line">
+            <a:avLst/>
+          </a:prstGeom>
+          <a:ln>
+            <a:solidFill>
+              <a:schemeClr val="bg1"/>
+            </a:solidFill>
+          </a:ln>
+        </p:spPr>
+        <p:style>
+          <a:lnRef idx="1">
+            <a:schemeClr val="accent1"/>
+          </a:lnRef>
+          <a:fillRef idx="0">
+            <a:schemeClr val="accent1"/>
+          </a:fillRef>
+          <a:effectRef idx="0">
+            <a:schemeClr val="accent1"/>
+          </a:effectRef>
+          <a:fontRef idx="minor">
+            <a:schemeClr val="tx1"/>
+          </a:fontRef>
+        </p:style>
+      </p:cxnSp>
+      <p:cxnSp>
+        <p:nvCxnSpPr>
+          <p:cNvPr id="6" name="직선 연결선 5"/>
+          <p:cNvCxnSpPr/>
+          <p:nvPr/>
+        </p:nvCxnSpPr>
+        <p:spPr>
+          <a:xfrm>
+            <a:off x="486696" y="2257425"/>
+            <a:ext cx="560439" cy="0"/>
+          </a:xfrm>
+          <a:prstGeom prst="line">
+            <a:avLst/>
+          </a:prstGeom>
+          <a:ln>
+            <a:solidFill>
+              <a:schemeClr val="bg1"/>
+            </a:solidFill>
+          </a:ln>
+        </p:spPr>
+        <p:style>
+          <a:lnRef idx="1">
+            <a:schemeClr val="accent1"/>
+          </a:lnRef>
+          <a:fillRef idx="0">
+            <a:schemeClr val="accent1"/>
+          </a:fillRef>
+          <a:effectRef idx="0">
+            <a:schemeClr val="accent1"/>
+          </a:effectRef>
+          <a:fontRef idx="minor">
+            <a:schemeClr val="tx1"/>
+          </a:fontRef>
+        </p:style>
+      </p:cxnSp>
+      <p:sp>
+        <p:nvSpPr>
+          <p:cNvPr id="7" name="TextBox 6"/>
+          <p:cNvSpPr txBox="1"/>
+          <p:nvPr/>
+        </p:nvSpPr>
+        <p:spPr>
+          <a:xfrm>
+            <a:off x="353419" y="796300"/>
+            <a:ext cx="1557774" cy="1461125"/>
+          </a:xfrm>
+          <a:prstGeom prst="rect">
+            <a:avLst/>
+          </a:prstGeom>
+        </p:spPr>
+        <p:txBody>
+          <a:bodyPr vert="horz" lIns="91440" tIns="45720" rIns="91440" bIns="45720" rtlCol="0">
+            <a:noAutofit/>
+          </a:bodyPr>
+          <a:lstStyle>
+            <a:defPPr>
+              <a:defRPr lang="ko-KR"/>
+            </a:defPPr>
+            <a:lvl1pPr indent="0">
+              <a:lnSpc>
+                <a:spcPct val="100000"/>
+              </a:lnSpc>
+              <a:spcBef>
+                <a:spcPts val="1000"/>
+              </a:spcBef>
+              <a:buFont typeface="Arial" panose="020B0604020202020204" pitchFamily="34" charset="0"/>
+              <a:buNone/>
+              <a:defRPr sz="1100">
+                <a:ln>
+                  <a:solidFill>
+                    <a:schemeClr val="accent1">
+                      <a:alpha val="0"/>
+                    </a:schemeClr>
+                  </a:solidFill>
+                </a:ln>
+                <a:solidFill>
+                  <a:schemeClr val="bg1"/>
+                </a:solidFill>
+                <a:latin typeface="-윤고딕330" panose="02030504000101010101" pitchFamily="18" charset="-127"/>
+                <a:ea typeface="-윤고딕330" panose="02030504000101010101" pitchFamily="18" charset="-127"/>
+              </a:defRPr>
+            </a:lvl1pPr>
+            <a:lvl2pPr marL="685800" indent="-228600">
+              <a:lnSpc>
+                <a:spcPct val="90000"/>
+              </a:lnSpc>
+              <a:spcBef>
+                <a:spcPts val="500"/>
+              </a:spcBef>
+              <a:buFont typeface="Arial" panose="020B0604020202020204" pitchFamily="34" charset="0"/>
+              <a:buChar char="•"/>
+              <a:defRPr sz="2400"/>
+            </a:lvl2pPr>
+            <a:lvl3pPr marL="1143000" indent="-228600">
+              <a:lnSpc>
+                <a:spcPct val="90000"/>
+              </a:lnSpc>
+              <a:spcBef>
+                <a:spcPts val="500"/>
+              </a:spcBef>
+              <a:buFont typeface="Arial" panose="020B0604020202020204" pitchFamily="34" charset="0"/>
+              <a:buChar char="•"/>
+              <a:defRPr sz="2000"/>
+            </a:lvl3pPr>
+            <a:lvl4pPr marL="1600200" indent="-228600">
+              <a:lnSpc>
+                <a:spcPct val="90000"/>
+              </a:lnSpc>
+              <a:spcBef>
+                <a:spcPts val="500"/>
+              </a:spcBef>
+              <a:buFont typeface="Arial" panose="020B0604020202020204" pitchFamily="34" charset="0"/>
+              <a:buChar char="•"/>
+            </a:lvl4pPr>
+            <a:lvl5pPr marL="2057400" indent="-228600">
+              <a:lnSpc>
+                <a:spcPct val="90000"/>
+              </a:lnSpc>
+              <a:spcBef>
+                <a:spcPts val="500"/>
+              </a:spcBef>
+              <a:buFont typeface="Arial" panose="020B0604020202020204" pitchFamily="34" charset="0"/>
+              <a:buChar char="•"/>
+            </a:lvl5pPr>
+            <a:lvl6pPr marL="2514600" indent="-228600">
+              <a:lnSpc>
+                <a:spcPct val="90000"/>
+              </a:lnSpc>
+              <a:spcBef>
+                <a:spcPts val="500"/>
+              </a:spcBef>
+              <a:buFont typeface="Arial" panose="020B0604020202020204" pitchFamily="34" charset="0"/>
+              <a:buChar char="•"/>
+            </a:lvl6pPr>
+            <a:lvl7pPr marL="2971800" indent="-228600">
+              <a:lnSpc>
+                <a:spcPct val="90000"/>
+              </a:lnSpc>
+              <a:spcBef>
+                <a:spcPts val="500"/>
+              </a:spcBef>
+              <a:buFont typeface="Arial" panose="020B0604020202020204" pitchFamily="34" charset="0"/>
+              <a:buChar char="•"/>
+            </a:lvl7pPr>
+            <a:lvl8pPr marL="3429000" indent="-228600">
+              <a:lnSpc>
+                <a:spcPct val="90000"/>
+              </a:lnSpc>
+              <a:spcBef>
+                <a:spcPts val="500"/>
+              </a:spcBef>
+              <a:buFont typeface="Arial" panose="020B0604020202020204" pitchFamily="34" charset="0"/>
+              <a:buChar char="•"/>
+            </a:lvl8pPr>
+            <a:lvl9pPr marL="3886200" indent="-228600">
+              <a:lnSpc>
+                <a:spcPct val="90000"/>
+              </a:lnSpc>
+              <a:spcBef>
+                <a:spcPts val="500"/>
+              </a:spcBef>
+              <a:buFont typeface="Arial" panose="020B0604020202020204" pitchFamily="34" charset="0"/>
+              <a:buChar char="•"/>
+            </a:lvl9pPr>
+          </a:lstStyle>
+          <a:p>
+            <a:r>
+              <a:rPr lang="en-US" altLang="ko-KR" sz="2400" dirty="0">
+                <a:latin typeface="Noto Sans CJK KR Medium" panose="020B0600000000000000" pitchFamily="34" charset="-127"/>
+                <a:ea typeface="Noto Sans CJK KR Medium" panose="020B0600000000000000" pitchFamily="34" charset="-127"/>
+              </a:rPr>
+              <a:t>17</a:t>
+            </a:r>
+          </a:p>
+          <a:p>
+            <a:r>
+              <a:rPr lang="ko-KR" altLang="en-US" sz="2400" dirty="0">
+                <a:latin typeface="Noto Sans CJK KR Medium" panose="020B0600000000000000" pitchFamily="34" charset="-127"/>
+                <a:ea typeface="Noto Sans CJK KR Medium" panose="020B0600000000000000" pitchFamily="34" charset="-127"/>
+              </a:rPr>
+              <a:t>앞으로의 계획</a:t>
+            </a:r>
+            <a:endParaRPr lang="en-US" altLang="ko-KR" sz="2400" dirty="0">
+              <a:latin typeface="Noto Sans CJK KR Medium" panose="020B0600000000000000" pitchFamily="34" charset="-127"/>
+              <a:ea typeface="Noto Sans CJK KR Medium" panose="020B0600000000000000" pitchFamily="34" charset="-127"/>
+            </a:endParaRPr>
+          </a:p>
+        </p:txBody>
+      </p:sp>
+      <p:sp>
+        <p:nvSpPr>
+          <p:cNvPr id="9" name="직사각형 8"/>
+          <p:cNvSpPr/>
+          <p:nvPr/>
+        </p:nvSpPr>
+        <p:spPr>
+          <a:xfrm>
+            <a:off x="2752166" y="1089843"/>
+            <a:ext cx="8309124" cy="461665"/>
+          </a:xfrm>
+          <a:prstGeom prst="rect">
+            <a:avLst/>
+          </a:prstGeom>
+        </p:spPr>
+        <p:txBody>
+          <a:bodyPr wrap="square">
+            <a:spAutoFit/>
+          </a:bodyPr>
+          <a:lstStyle/>
+          <a:p>
+            <a:pPr>
+              <a:spcBef>
+                <a:spcPts val="1000"/>
+              </a:spcBef>
+            </a:pPr>
+            <a:r>
+              <a:rPr lang="ko-KR" altLang="en-US" sz="2400" spc="-150" dirty="0" err="1">
+                <a:ln>
+                  <a:solidFill>
+                    <a:schemeClr val="accent1">
+                      <a:alpha val="0"/>
+                    </a:schemeClr>
+                  </a:solidFill>
+                </a:ln>
+                <a:solidFill>
+                  <a:srgbClr val="282421"/>
+                </a:solidFill>
+                <a:latin typeface="Noto Sans CJK KR Medium" panose="020B0600000000000000" pitchFamily="34" charset="-127"/>
+                <a:ea typeface="Noto Sans CJK KR Medium" panose="020B0600000000000000" pitchFamily="34" charset="-127"/>
+              </a:rPr>
+              <a:t>레주메북을</a:t>
+            </a:r>
+            <a:r>
+              <a:rPr lang="ko-KR" altLang="en-US" sz="2400" spc="-150" dirty="0">
+                <a:ln>
+                  <a:solidFill>
+                    <a:schemeClr val="accent1">
+                      <a:alpha val="0"/>
+                    </a:schemeClr>
+                  </a:solidFill>
+                </a:ln>
+                <a:solidFill>
+                  <a:srgbClr val="282421"/>
+                </a:solidFill>
+                <a:latin typeface="Noto Sans CJK KR Medium" panose="020B0600000000000000" pitchFamily="34" charset="-127"/>
+                <a:ea typeface="Noto Sans CJK KR Medium" panose="020B0600000000000000" pitchFamily="34" charset="-127"/>
+              </a:rPr>
+              <a:t> </a:t>
+            </a:r>
+            <a:r>
+              <a:rPr lang="en-US" altLang="ko-KR" sz="2400" spc="-150" dirty="0">
+                <a:ln>
+                  <a:solidFill>
+                    <a:schemeClr val="accent1">
+                      <a:alpha val="0"/>
+                    </a:schemeClr>
+                  </a:solidFill>
+                </a:ln>
+                <a:solidFill>
+                  <a:srgbClr val="282421"/>
+                </a:solidFill>
+                <a:latin typeface="Noto Sans CJK KR Medium" panose="020B0600000000000000" pitchFamily="34" charset="-127"/>
+                <a:ea typeface="Noto Sans CJK KR Medium" panose="020B0600000000000000" pitchFamily="34" charset="-127"/>
+              </a:rPr>
+              <a:t>“2uzuBook”</a:t>
+            </a:r>
+            <a:r>
+              <a:rPr lang="ko-KR" altLang="en-US" sz="2400" spc="-150" dirty="0">
+                <a:ln>
+                  <a:solidFill>
+                    <a:schemeClr val="accent1">
+                      <a:alpha val="0"/>
+                    </a:schemeClr>
+                  </a:solidFill>
+                </a:ln>
+                <a:solidFill>
+                  <a:srgbClr val="282421"/>
+                </a:solidFill>
+                <a:latin typeface="Noto Sans CJK KR Medium" panose="020B0600000000000000" pitchFamily="34" charset="-127"/>
+                <a:ea typeface="Noto Sans CJK KR Medium" panose="020B0600000000000000" pitchFamily="34" charset="-127"/>
+              </a:rPr>
+              <a:t>로 바꾸다</a:t>
+            </a:r>
+            <a:r>
+              <a:rPr lang="en-US" altLang="ko-KR" sz="2400" spc="-150" dirty="0">
+                <a:ln>
+                  <a:solidFill>
+                    <a:schemeClr val="accent1">
+                      <a:alpha val="0"/>
+                    </a:schemeClr>
+                  </a:solidFill>
+                </a:ln>
+                <a:solidFill>
+                  <a:srgbClr val="282421"/>
+                </a:solidFill>
+                <a:latin typeface="Noto Sans CJK KR Medium" panose="020B0600000000000000" pitchFamily="34" charset="-127"/>
+                <a:ea typeface="Noto Sans CJK KR Medium" panose="020B0600000000000000" pitchFamily="34" charset="-127"/>
+              </a:rPr>
+              <a:t> – </a:t>
+            </a:r>
+            <a:r>
+              <a:rPr lang="ko-KR" altLang="en-US" sz="2400" spc="-150" dirty="0">
+                <a:ln>
+                  <a:solidFill>
+                    <a:schemeClr val="accent1">
+                      <a:alpha val="0"/>
+                    </a:schemeClr>
+                  </a:solidFill>
+                </a:ln>
+                <a:solidFill>
+                  <a:srgbClr val="282421"/>
+                </a:solidFill>
+                <a:latin typeface="Noto Sans CJK KR Medium" panose="020B0600000000000000" pitchFamily="34" charset="-127"/>
+                <a:ea typeface="Noto Sans CJK KR Medium" panose="020B0600000000000000" pitchFamily="34" charset="-127"/>
+              </a:rPr>
+              <a:t>앞으로의 계획</a:t>
+            </a:r>
+            <a:endParaRPr lang="en-US" altLang="ko-KR" sz="2400" spc="-150" dirty="0">
+              <a:ln>
+                <a:solidFill>
+                  <a:schemeClr val="accent1">
+                    <a:alpha val="0"/>
+                  </a:schemeClr>
+                </a:solidFill>
+              </a:ln>
+              <a:solidFill>
+                <a:srgbClr val="282421"/>
+              </a:solidFill>
+              <a:latin typeface="Noto Sans CJK KR Medium" panose="020B0600000000000000" pitchFamily="34" charset="-127"/>
+              <a:ea typeface="Noto Sans CJK KR Medium" panose="020B0600000000000000" pitchFamily="34" charset="-127"/>
+            </a:endParaRPr>
+          </a:p>
+        </p:txBody>
+      </p:sp>
+      <p:sp>
+        <p:nvSpPr>
+          <p:cNvPr id="24" name="직사각형 23"/>
+          <p:cNvSpPr/>
+          <p:nvPr/>
+        </p:nvSpPr>
+        <p:spPr>
+          <a:xfrm>
+            <a:off x="9291319" y="6537278"/>
+            <a:ext cx="2900681" cy="320722"/>
+          </a:xfrm>
+          <a:prstGeom prst="rect">
+            <a:avLst/>
+          </a:prstGeom>
+          <a:solidFill>
+            <a:schemeClr val="bg1"/>
+          </a:solidFill>
+          <a:ln>
+            <a:solidFill>
+              <a:schemeClr val="bg1"/>
+            </a:solidFill>
+          </a:ln>
+        </p:spPr>
+        <p:style>
+          <a:lnRef idx="2">
+            <a:schemeClr val="accent1">
+              <a:shade val="50000"/>
+            </a:schemeClr>
+          </a:lnRef>
+          <a:fillRef idx="1">
+            <a:schemeClr val="accent1"/>
+          </a:fillRef>
+          <a:effectRef idx="0">
+            <a:schemeClr val="accent1"/>
+          </a:effectRef>
+          <a:fontRef idx="minor">
+            <a:schemeClr val="lt1"/>
+          </a:fontRef>
+        </p:style>
+        <p:txBody>
+          <a:bodyPr rtlCol="0" anchor="ctr"/>
+          <a:lstStyle/>
+          <a:p>
+            <a:pPr algn="ctr"/>
+            <a:endParaRPr lang="ko-KR" altLang="en-US"/>
+          </a:p>
+        </p:txBody>
+      </p:sp>
+      <p:sp>
+        <p:nvSpPr>
+          <p:cNvPr id="4" name="Rectangle 2"/>
+          <p:cNvSpPr>
+            <a:spLocks noChangeArrowheads="1"/>
+          </p:cNvSpPr>
+          <p:nvPr/>
+        </p:nvSpPr>
+        <p:spPr bwMode="auto">
+          <a:xfrm>
+            <a:off x="0" y="0"/>
+            <a:ext cx="12192000" cy="457200"/>
+          </a:xfrm>
+          <a:prstGeom prst="rect">
+            <a:avLst/>
+          </a:prstGeom>
+          <a:noFill/>
+          <a:ln>
+            <a:noFill/>
+          </a:ln>
+          <a:effectLst/>
+          <a:extLst>
+            <a:ext uri="{909E8E84-426E-40DD-AFC4-6F175D3DCCD1}">
+              <a14:hiddenFill xmlns:a14="http://schemas.microsoft.com/office/drawing/2010/main">
+                <a:solidFill>
+                  <a:schemeClr val="accent1"/>
+                </a:solidFill>
+              </a14:hiddenFill>
+            </a:ext>
+            <a:ext uri="{91240B29-F687-4F45-9708-019B960494DF}">
+              <a14:hiddenLine xmlns:a14="http://schemas.microsoft.com/office/drawing/2010/main" w="9525">
+                <a:solidFill>
+                  <a:schemeClr val="tx1"/>
+                </a:solidFill>
+                <a:miter lim="800000"/>
+                <a:headEnd/>
+                <a:tailEnd/>
+              </a14:hiddenLine>
+            </a:ext>
+            <a:ext uri="{AF507438-7753-43E0-B8FC-AC1667EBCBE1}">
+              <a14:hiddenEffects xmlns:a14="http://schemas.microsoft.com/office/drawing/2010/main">
+                <a:effectLst>
+                  <a:outerShdw dist="35921" dir="2700000" algn="ctr" rotWithShape="0">
+                    <a:schemeClr val="bg2"/>
+                  </a:outerShdw>
+                </a:effectLst>
+              </a14:hiddenEffects>
+            </a:ext>
+          </a:extLst>
+        </p:spPr>
+        <p:txBody>
+          <a:bodyPr vert="horz" wrap="none" lIns="91440" tIns="45720" rIns="91440" bIns="45720" numCol="1" anchor="ctr" anchorCtr="0" compatLnSpc="1">
+            <a:prstTxWarp prst="textNoShape">
+              <a:avLst/>
+            </a:prstTxWarp>
+            <a:spAutoFit/>
+          </a:bodyPr>
+          <a:lstStyle/>
+          <a:p>
+            <a:endParaRPr lang="ko-KR" altLang="en-US"/>
+          </a:p>
+        </p:txBody>
+      </p:sp>
+      <p:sp>
+        <p:nvSpPr>
+          <p:cNvPr id="10" name="Rectangle 4"/>
+          <p:cNvSpPr>
+            <a:spLocks noChangeArrowheads="1"/>
+          </p:cNvSpPr>
+          <p:nvPr/>
+        </p:nvSpPr>
+        <p:spPr bwMode="auto">
+          <a:xfrm>
+            <a:off x="0" y="0"/>
+            <a:ext cx="12192000" cy="457200"/>
+          </a:xfrm>
+          <a:prstGeom prst="rect">
+            <a:avLst/>
+          </a:prstGeom>
+          <a:noFill/>
+          <a:ln>
+            <a:noFill/>
+          </a:ln>
+          <a:effectLst/>
+          <a:extLst>
+            <a:ext uri="{909E8E84-426E-40DD-AFC4-6F175D3DCCD1}">
+              <a14:hiddenFill xmlns:a14="http://schemas.microsoft.com/office/drawing/2010/main">
+                <a:solidFill>
+                  <a:schemeClr val="accent1"/>
+                </a:solidFill>
+              </a14:hiddenFill>
+            </a:ext>
+            <a:ext uri="{91240B29-F687-4F45-9708-019B960494DF}">
+              <a14:hiddenLine xmlns:a14="http://schemas.microsoft.com/office/drawing/2010/main" w="9525">
+                <a:solidFill>
+                  <a:schemeClr val="tx1"/>
+                </a:solidFill>
+                <a:miter lim="800000"/>
+                <a:headEnd/>
+                <a:tailEnd/>
+              </a14:hiddenLine>
+            </a:ext>
+            <a:ext uri="{AF507438-7753-43E0-B8FC-AC1667EBCBE1}">
+              <a14:hiddenEffects xmlns:a14="http://schemas.microsoft.com/office/drawing/2010/main">
+                <a:effectLst>
+                  <a:outerShdw dist="35921" dir="2700000" algn="ctr" rotWithShape="0">
+                    <a:schemeClr val="bg2"/>
+                  </a:outerShdw>
+                </a:effectLst>
+              </a14:hiddenEffects>
+            </a:ext>
+          </a:extLst>
+        </p:spPr>
+        <p:txBody>
+          <a:bodyPr vert="horz" wrap="none" lIns="91440" tIns="45720" rIns="91440" bIns="45720" numCol="1" anchor="ctr" anchorCtr="0" compatLnSpc="1">
+            <a:prstTxWarp prst="textNoShape">
+              <a:avLst/>
+            </a:prstTxWarp>
+            <a:spAutoFit/>
+          </a:bodyPr>
+          <a:lstStyle/>
+          <a:p>
+            <a:endParaRPr lang="ko-KR" altLang="en-US"/>
+          </a:p>
+        </p:txBody>
+      </p:sp>
+      <p:sp>
+        <p:nvSpPr>
+          <p:cNvPr id="14" name="TextBox 13"/>
+          <p:cNvSpPr txBox="1"/>
+          <p:nvPr/>
+        </p:nvSpPr>
+        <p:spPr>
+          <a:xfrm>
+            <a:off x="2752863" y="792222"/>
+            <a:ext cx="5315879" cy="369332"/>
+          </a:xfrm>
+          <a:prstGeom prst="rect">
+            <a:avLst/>
+          </a:prstGeom>
+        </p:spPr>
+        <p:txBody>
+          <a:bodyPr wrap="none">
+            <a:spAutoFit/>
+          </a:bodyPr>
+          <a:lstStyle>
+            <a:defPPr>
+              <a:defRPr lang="ko-KR"/>
+            </a:defPPr>
+            <a:lvl1pPr>
+              <a:spcBef>
+                <a:spcPts val="1000"/>
+              </a:spcBef>
+              <a:defRPr sz="2000">
+                <a:ln>
+                  <a:solidFill>
+                    <a:schemeClr val="accent1">
+                      <a:alpha val="0"/>
+                    </a:schemeClr>
+                  </a:solidFill>
+                </a:ln>
+                <a:solidFill>
+                  <a:schemeClr val="bg1"/>
+                </a:solidFill>
+                <a:latin typeface="Noto Sans CJK KR Medium" panose="020B0600000000000000" pitchFamily="34" charset="-127"/>
+                <a:ea typeface="Noto Sans CJK KR Medium" panose="020B0600000000000000" pitchFamily="34" charset="-127"/>
+              </a:defRPr>
+            </a:lvl1pPr>
+          </a:lstStyle>
+          <a:p>
+            <a:r>
+              <a:rPr lang="ko-KR" altLang="en-US" sz="1800" dirty="0">
+                <a:solidFill>
+                  <a:schemeClr val="bg1">
+                    <a:lumMod val="75000"/>
+                  </a:schemeClr>
+                </a:solidFill>
+              </a:rPr>
+              <a:t>기존의 </a:t>
+            </a:r>
+            <a:r>
+              <a:rPr lang="ko-KR" altLang="en-US" sz="1800" dirty="0" err="1">
+                <a:solidFill>
+                  <a:schemeClr val="bg1">
+                    <a:lumMod val="75000"/>
+                  </a:schemeClr>
+                </a:solidFill>
+              </a:rPr>
+              <a:t>책으로된</a:t>
+            </a:r>
+            <a:r>
+              <a:rPr lang="ko-KR" altLang="en-US" sz="1800" dirty="0">
+                <a:solidFill>
+                  <a:schemeClr val="bg1">
+                    <a:lumMod val="75000"/>
+                  </a:schemeClr>
+                </a:solidFill>
+              </a:rPr>
+              <a:t> </a:t>
+            </a:r>
+            <a:r>
+              <a:rPr lang="en-US" altLang="ko-KR" sz="1800" dirty="0">
+                <a:solidFill>
+                  <a:schemeClr val="bg1">
+                    <a:lumMod val="75000"/>
+                  </a:schemeClr>
+                </a:solidFill>
+              </a:rPr>
+              <a:t>“</a:t>
+            </a:r>
+            <a:r>
+              <a:rPr lang="ko-KR" altLang="en-US" sz="1800" dirty="0" err="1">
+                <a:solidFill>
+                  <a:schemeClr val="bg1">
+                    <a:lumMod val="75000"/>
+                  </a:schemeClr>
+                </a:solidFill>
+              </a:rPr>
+              <a:t>레주메북</a:t>
+            </a:r>
+            <a:r>
+              <a:rPr lang="en-US" altLang="ko-KR" sz="1800" dirty="0">
+                <a:solidFill>
+                  <a:schemeClr val="bg1">
+                    <a:lumMod val="75000"/>
+                  </a:schemeClr>
+                </a:solidFill>
+              </a:rPr>
+              <a:t>”</a:t>
+            </a:r>
+            <a:r>
+              <a:rPr lang="ko-KR" altLang="en-US" sz="1800" dirty="0">
+                <a:solidFill>
+                  <a:schemeClr val="bg1">
+                    <a:lumMod val="75000"/>
+                  </a:schemeClr>
+                </a:solidFill>
+              </a:rPr>
+              <a:t>의 불편함을 없앤</a:t>
+            </a:r>
+          </a:p>
+        </p:txBody>
+      </p:sp>
+      <p:sp>
+        <p:nvSpPr>
+          <p:cNvPr id="12" name="직사각형 11"/>
+          <p:cNvSpPr/>
+          <p:nvPr/>
+        </p:nvSpPr>
+        <p:spPr>
+          <a:xfrm>
+            <a:off x="2752863" y="2010860"/>
+            <a:ext cx="6160661" cy="4252446"/>
+          </a:xfrm>
+          <a:prstGeom prst="rect">
+            <a:avLst/>
+          </a:prstGeom>
+        </p:spPr>
+        <p:txBody>
+          <a:bodyPr wrap="none">
+            <a:spAutoFit/>
+          </a:bodyPr>
+          <a:lstStyle/>
+          <a:p>
+            <a:pPr>
+              <a:spcBef>
+                <a:spcPts val="1000"/>
+              </a:spcBef>
+            </a:pPr>
+            <a:r>
+              <a:rPr lang="ko-KR" altLang="en-US" sz="3200" spc="-150" dirty="0">
+                <a:ln>
+                  <a:solidFill>
+                    <a:schemeClr val="accent1">
+                      <a:alpha val="0"/>
+                    </a:schemeClr>
+                  </a:solidFill>
+                </a:ln>
+                <a:solidFill>
+                  <a:srgbClr val="282421"/>
+                </a:solidFill>
+                <a:latin typeface="a옛날사진관2" panose="02020600000000000000" pitchFamily="18" charset="-127"/>
+                <a:ea typeface="배달의민족 도현" panose="020B0600000101010101"/>
+              </a:rPr>
+              <a:t>유지보수</a:t>
+            </a:r>
+            <a:endParaRPr lang="en-US" altLang="ko-KR" sz="3200" spc="-150" dirty="0">
+              <a:ln>
+                <a:solidFill>
+                  <a:schemeClr val="accent1">
+                    <a:alpha val="0"/>
+                  </a:schemeClr>
+                </a:solidFill>
+              </a:ln>
+              <a:solidFill>
+                <a:srgbClr val="282421"/>
+              </a:solidFill>
+              <a:latin typeface="a옛날사진관2" panose="02020600000000000000" pitchFamily="18" charset="-127"/>
+              <a:ea typeface="배달의민족 도현" panose="020B0600000101010101"/>
+            </a:endParaRPr>
+          </a:p>
+          <a:p>
+            <a:pPr>
+              <a:spcBef>
+                <a:spcPts val="1000"/>
+              </a:spcBef>
+            </a:pPr>
+            <a:r>
+              <a:rPr lang="en-US" altLang="ko-KR" sz="2000" spc="-150" dirty="0">
+                <a:ln>
+                  <a:solidFill>
+                    <a:schemeClr val="accent1">
+                      <a:alpha val="0"/>
+                    </a:schemeClr>
+                  </a:solidFill>
+                </a:ln>
+                <a:solidFill>
+                  <a:srgbClr val="282421"/>
+                </a:solidFill>
+                <a:latin typeface="a옛날사진관2" panose="02020600000000000000" pitchFamily="18" charset="-127"/>
+                <a:ea typeface="배달의민족 도현" panose="020B0600000101010101"/>
+              </a:rPr>
+              <a:t>-&gt; </a:t>
+            </a:r>
+            <a:r>
+              <a:rPr lang="ko-KR" altLang="en-US" sz="2000" spc="-150" dirty="0">
+                <a:ln>
+                  <a:solidFill>
+                    <a:schemeClr val="accent1">
+                      <a:alpha val="0"/>
+                    </a:schemeClr>
+                  </a:solidFill>
+                </a:ln>
+                <a:solidFill>
+                  <a:srgbClr val="282421"/>
+                </a:solidFill>
+                <a:latin typeface="a옛날사진관2" panose="02020600000000000000" pitchFamily="18" charset="-127"/>
+                <a:ea typeface="배달의민족 도현" panose="020B0600000101010101"/>
+              </a:rPr>
+              <a:t>수정 및 보안</a:t>
+            </a:r>
+            <a:endParaRPr lang="en-US" altLang="ko-KR" sz="2000" spc="-150" dirty="0">
+              <a:ln>
+                <a:solidFill>
+                  <a:schemeClr val="accent1">
+                    <a:alpha val="0"/>
+                  </a:schemeClr>
+                </a:solidFill>
+              </a:ln>
+              <a:solidFill>
+                <a:srgbClr val="282421"/>
+              </a:solidFill>
+              <a:latin typeface="a옛날사진관2" panose="02020600000000000000" pitchFamily="18" charset="-127"/>
+              <a:ea typeface="배달의민족 도현" panose="020B0600000101010101"/>
+            </a:endParaRPr>
+          </a:p>
+          <a:p>
+            <a:pPr>
+              <a:spcBef>
+                <a:spcPts val="1000"/>
+              </a:spcBef>
+            </a:pPr>
+            <a:r>
+              <a:rPr lang="en-US" altLang="ko-KR" sz="2000" spc="-150" dirty="0">
+                <a:ln>
+                  <a:solidFill>
+                    <a:schemeClr val="accent1">
+                      <a:alpha val="0"/>
+                    </a:schemeClr>
+                  </a:solidFill>
+                </a:ln>
+                <a:solidFill>
+                  <a:srgbClr val="282421"/>
+                </a:solidFill>
+                <a:latin typeface="a옛날사진관2" panose="02020600000000000000" pitchFamily="18" charset="-127"/>
+                <a:ea typeface="배달의민족 도현" panose="020B0600000101010101"/>
+              </a:rPr>
+              <a:t>-&gt; </a:t>
+            </a:r>
+            <a:r>
+              <a:rPr lang="ko-KR" altLang="en-US" sz="2000" spc="-150" dirty="0">
+                <a:ln>
+                  <a:solidFill>
+                    <a:schemeClr val="accent1">
+                      <a:alpha val="0"/>
+                    </a:schemeClr>
+                  </a:solidFill>
+                </a:ln>
+                <a:solidFill>
+                  <a:srgbClr val="282421"/>
+                </a:solidFill>
+                <a:latin typeface="a옛날사진관2" panose="02020600000000000000" pitchFamily="18" charset="-127"/>
+                <a:ea typeface="배달의민족 도현" panose="020B0600000101010101"/>
+              </a:rPr>
+              <a:t>업그레이드 </a:t>
+            </a:r>
+            <a:endParaRPr lang="en-US" altLang="ko-KR" sz="2000" spc="-150" dirty="0">
+              <a:ln>
+                <a:solidFill>
+                  <a:schemeClr val="accent1">
+                    <a:alpha val="0"/>
+                  </a:schemeClr>
+                </a:solidFill>
+              </a:ln>
+              <a:solidFill>
+                <a:srgbClr val="282421"/>
+              </a:solidFill>
+              <a:latin typeface="a옛날사진관2" panose="02020600000000000000" pitchFamily="18" charset="-127"/>
+              <a:ea typeface="배달의민족 도현" panose="020B0600000101010101"/>
+            </a:endParaRPr>
+          </a:p>
+          <a:p>
+            <a:pPr>
+              <a:spcBef>
+                <a:spcPts val="1000"/>
+              </a:spcBef>
+            </a:pPr>
+            <a:endParaRPr lang="en-US" altLang="ko-KR" sz="2400" spc="-150" dirty="0">
+              <a:ln>
+                <a:solidFill>
+                  <a:schemeClr val="accent1">
+                    <a:alpha val="0"/>
+                  </a:schemeClr>
+                </a:solidFill>
+              </a:ln>
+              <a:solidFill>
+                <a:srgbClr val="282421"/>
+              </a:solidFill>
+              <a:latin typeface="a옛날사진관2" panose="02020600000000000000" pitchFamily="18" charset="-127"/>
+              <a:ea typeface="배달의민족 도현" panose="020B0600000101010101"/>
+            </a:endParaRPr>
+          </a:p>
+          <a:p>
+            <a:pPr>
+              <a:spcBef>
+                <a:spcPts val="1000"/>
+              </a:spcBef>
+            </a:pPr>
+            <a:r>
+              <a:rPr lang="ko-KR" altLang="en-US" sz="3200" spc="-150" dirty="0" err="1">
+                <a:ln>
+                  <a:solidFill>
+                    <a:schemeClr val="accent1">
+                      <a:alpha val="0"/>
+                    </a:schemeClr>
+                  </a:solidFill>
+                </a:ln>
+                <a:solidFill>
+                  <a:srgbClr val="282421"/>
+                </a:solidFill>
+                <a:latin typeface="a옛날사진관2" panose="02020600000000000000" pitchFamily="18" charset="-127"/>
+                <a:ea typeface="배달의민족 도현" panose="020B0600000101010101"/>
+              </a:rPr>
+              <a:t>레주메북대신</a:t>
+            </a:r>
+            <a:r>
+              <a:rPr lang="ko-KR" altLang="en-US" sz="3200" spc="-150" dirty="0">
+                <a:ln>
+                  <a:solidFill>
+                    <a:schemeClr val="accent1">
+                      <a:alpha val="0"/>
+                    </a:schemeClr>
+                  </a:solidFill>
+                </a:ln>
+                <a:solidFill>
+                  <a:srgbClr val="282421"/>
+                </a:solidFill>
+                <a:latin typeface="a옛날사진관2" panose="02020600000000000000" pitchFamily="18" charset="-127"/>
+                <a:ea typeface="배달의민족 도현" panose="020B0600000101010101"/>
+              </a:rPr>
+              <a:t> 우리 웹페이지 사용</a:t>
+            </a:r>
+            <a:endParaRPr lang="en-US" altLang="ko-KR" sz="3200" spc="-150" dirty="0">
+              <a:ln>
+                <a:solidFill>
+                  <a:schemeClr val="accent1">
+                    <a:alpha val="0"/>
+                  </a:schemeClr>
+                </a:solidFill>
+              </a:ln>
+              <a:solidFill>
+                <a:srgbClr val="282421"/>
+              </a:solidFill>
+              <a:latin typeface="a옛날사진관2" panose="02020600000000000000" pitchFamily="18" charset="-127"/>
+              <a:ea typeface="배달의민족 도현" panose="020B0600000101010101"/>
+            </a:endParaRPr>
+          </a:p>
+          <a:p>
+            <a:pPr>
+              <a:spcBef>
+                <a:spcPts val="1000"/>
+              </a:spcBef>
+            </a:pPr>
+            <a:r>
+              <a:rPr lang="en-US" altLang="ko-KR" sz="2000" spc="-150" dirty="0">
+                <a:ln>
+                  <a:solidFill>
+                    <a:schemeClr val="accent1">
+                      <a:alpha val="0"/>
+                    </a:schemeClr>
+                  </a:solidFill>
+                </a:ln>
+                <a:solidFill>
+                  <a:srgbClr val="282421"/>
+                </a:solidFill>
+                <a:latin typeface="a옛날사진관2" panose="02020600000000000000" pitchFamily="18" charset="-127"/>
+                <a:ea typeface="배달의민족 도현" panose="020B0600000101010101"/>
+              </a:rPr>
+              <a:t>-&gt; </a:t>
+            </a:r>
+            <a:r>
+              <a:rPr lang="ko-KR" altLang="en-US" sz="2000" spc="-150" dirty="0">
+                <a:ln>
+                  <a:solidFill>
+                    <a:schemeClr val="accent1">
+                      <a:alpha val="0"/>
+                    </a:schemeClr>
+                  </a:solidFill>
+                </a:ln>
+                <a:solidFill>
+                  <a:srgbClr val="282421"/>
+                </a:solidFill>
+                <a:latin typeface="a옛날사진관2" panose="02020600000000000000" pitchFamily="18" charset="-127"/>
+                <a:ea typeface="배달의민족 도현" panose="020B0600000101010101"/>
+              </a:rPr>
+              <a:t>시간</a:t>
+            </a:r>
+            <a:r>
+              <a:rPr lang="en-US" altLang="ko-KR" sz="2000" spc="-150" dirty="0">
+                <a:ln>
+                  <a:solidFill>
+                    <a:schemeClr val="accent1">
+                      <a:alpha val="0"/>
+                    </a:schemeClr>
+                  </a:solidFill>
+                </a:ln>
+                <a:solidFill>
+                  <a:srgbClr val="282421"/>
+                </a:solidFill>
+                <a:latin typeface="a옛날사진관2" panose="02020600000000000000" pitchFamily="18" charset="-127"/>
+                <a:ea typeface="배달의민족 도현" panose="020B0600000101010101"/>
+              </a:rPr>
+              <a:t>, </a:t>
+            </a:r>
+            <a:r>
+              <a:rPr lang="ko-KR" altLang="en-US" sz="2000" spc="-150" dirty="0" err="1">
+                <a:ln>
+                  <a:solidFill>
+                    <a:schemeClr val="accent1">
+                      <a:alpha val="0"/>
+                    </a:schemeClr>
+                  </a:solidFill>
+                </a:ln>
+                <a:solidFill>
+                  <a:srgbClr val="282421"/>
+                </a:solidFill>
+                <a:latin typeface="a옛날사진관2" panose="02020600000000000000" pitchFamily="18" charset="-127"/>
+                <a:ea typeface="배달의민족 도현" panose="020B0600000101010101"/>
+              </a:rPr>
+              <a:t>종이절약</a:t>
+            </a:r>
+            <a:r>
+              <a:rPr lang="ko-KR" altLang="en-US" sz="2000" spc="-150" dirty="0">
+                <a:ln>
+                  <a:solidFill>
+                    <a:schemeClr val="accent1">
+                      <a:alpha val="0"/>
+                    </a:schemeClr>
+                  </a:solidFill>
+                </a:ln>
+                <a:solidFill>
+                  <a:srgbClr val="282421"/>
+                </a:solidFill>
+                <a:latin typeface="a옛날사진관2" panose="02020600000000000000" pitchFamily="18" charset="-127"/>
+                <a:ea typeface="배달의민족 도현" panose="020B0600000101010101"/>
+              </a:rPr>
+              <a:t> 및 홍보가 </a:t>
+            </a:r>
+            <a:r>
+              <a:rPr lang="ko-KR" altLang="en-US" sz="2000" spc="-150" dirty="0" err="1">
+                <a:ln>
+                  <a:solidFill>
+                    <a:schemeClr val="accent1">
+                      <a:alpha val="0"/>
+                    </a:schemeClr>
+                  </a:solidFill>
+                </a:ln>
+                <a:solidFill>
+                  <a:srgbClr val="282421"/>
+                </a:solidFill>
+                <a:latin typeface="a옛날사진관2" panose="02020600000000000000" pitchFamily="18" charset="-127"/>
+                <a:ea typeface="배달의민족 도현" panose="020B0600000101010101"/>
+              </a:rPr>
+              <a:t>쉬워짐</a:t>
+            </a:r>
+            <a:r>
+              <a:rPr lang="ko-KR" altLang="en-US" sz="2000" spc="-150" dirty="0">
+                <a:ln>
+                  <a:solidFill>
+                    <a:schemeClr val="accent1">
+                      <a:alpha val="0"/>
+                    </a:schemeClr>
+                  </a:solidFill>
+                </a:ln>
+                <a:solidFill>
+                  <a:srgbClr val="282421"/>
+                </a:solidFill>
+                <a:latin typeface="a옛날사진관2" panose="02020600000000000000" pitchFamily="18" charset="-127"/>
+                <a:ea typeface="배달의민족 도현" panose="020B0600000101010101"/>
+              </a:rPr>
+              <a:t> </a:t>
+            </a:r>
+            <a:endParaRPr lang="en-US" altLang="ko-KR" sz="2000" spc="-150" dirty="0">
+              <a:ln>
+                <a:solidFill>
+                  <a:schemeClr val="accent1">
+                    <a:alpha val="0"/>
+                  </a:schemeClr>
+                </a:solidFill>
+              </a:ln>
+              <a:solidFill>
+                <a:srgbClr val="282421"/>
+              </a:solidFill>
+              <a:latin typeface="a옛날사진관2" panose="02020600000000000000" pitchFamily="18" charset="-127"/>
+              <a:ea typeface="배달의민족 도현" panose="020B0600000101010101"/>
+            </a:endParaRPr>
+          </a:p>
+          <a:p>
+            <a:pPr>
+              <a:spcBef>
+                <a:spcPts val="1000"/>
+              </a:spcBef>
+            </a:pPr>
+            <a:r>
+              <a:rPr lang="en-US" altLang="ko-KR" sz="2000" spc="-150" dirty="0">
+                <a:ln>
+                  <a:solidFill>
+                    <a:schemeClr val="accent1">
+                      <a:alpha val="0"/>
+                    </a:schemeClr>
+                  </a:solidFill>
+                </a:ln>
+                <a:solidFill>
+                  <a:srgbClr val="282421"/>
+                </a:solidFill>
+                <a:latin typeface="a옛날사진관2" panose="02020600000000000000" pitchFamily="18" charset="-127"/>
+                <a:ea typeface="배달의민족 도현" panose="020B0600000101010101"/>
+              </a:rPr>
+              <a:t>-&gt; </a:t>
+            </a:r>
+            <a:r>
+              <a:rPr lang="ko-KR" altLang="en-US" sz="2000" spc="-150" dirty="0">
+                <a:ln>
+                  <a:solidFill>
+                    <a:schemeClr val="accent1">
+                      <a:alpha val="0"/>
+                    </a:schemeClr>
+                  </a:solidFill>
+                </a:ln>
+                <a:solidFill>
+                  <a:srgbClr val="282421"/>
+                </a:solidFill>
+                <a:latin typeface="a옛날사진관2" panose="02020600000000000000" pitchFamily="18" charset="-127"/>
+                <a:ea typeface="배달의민족 도현" panose="020B0600000101010101"/>
+              </a:rPr>
+              <a:t>회사입장에서는 인재를 빨리 찾을 수 있음</a:t>
+            </a:r>
+            <a:r>
+              <a:rPr lang="ko-KR" altLang="en-US" sz="3200" spc="-150" dirty="0">
+                <a:ln>
+                  <a:solidFill>
+                    <a:schemeClr val="accent1">
+                      <a:alpha val="0"/>
+                    </a:schemeClr>
+                  </a:solidFill>
+                </a:ln>
+                <a:solidFill>
+                  <a:srgbClr val="282421"/>
+                </a:solidFill>
+                <a:latin typeface="a옛날사진관2" panose="02020600000000000000" pitchFamily="18" charset="-127"/>
+                <a:ea typeface="배달의민족 도현" panose="020B0600000101010101"/>
+              </a:rPr>
+              <a:t> </a:t>
+            </a:r>
+            <a:endParaRPr lang="en-US" altLang="ko-KR" sz="3200" spc="-150" dirty="0">
+              <a:ln>
+                <a:solidFill>
+                  <a:schemeClr val="accent1">
+                    <a:alpha val="0"/>
+                  </a:schemeClr>
+                </a:solidFill>
+              </a:ln>
+              <a:solidFill>
+                <a:srgbClr val="282421"/>
+              </a:solidFill>
+              <a:latin typeface="a옛날사진관2" panose="02020600000000000000" pitchFamily="18" charset="-127"/>
+              <a:ea typeface="배달의민족 도현" panose="020B0600000101010101"/>
+            </a:endParaRPr>
+          </a:p>
+          <a:p>
+            <a:pPr>
+              <a:spcBef>
+                <a:spcPts val="1000"/>
+              </a:spcBef>
+            </a:pPr>
+            <a:endParaRPr lang="en-US" altLang="ko-KR" sz="3200" spc="-150" dirty="0">
+              <a:ln>
+                <a:solidFill>
+                  <a:schemeClr val="accent1">
+                    <a:alpha val="0"/>
+                  </a:schemeClr>
+                </a:solidFill>
+              </a:ln>
+              <a:solidFill>
+                <a:srgbClr val="282421"/>
+              </a:solidFill>
+              <a:latin typeface="a옛날사진관2" panose="02020600000000000000" pitchFamily="18" charset="-127"/>
+              <a:ea typeface="배달의민족 도현" panose="020B0600000101010101"/>
+            </a:endParaRPr>
+          </a:p>
+        </p:txBody>
+      </p:sp>
+    </p:spTree>
+    <p:extLst>
+      <p:ext uri="{BB962C8B-B14F-4D97-AF65-F5344CB8AC3E}">
+        <p14:creationId xmlns:p14="http://schemas.microsoft.com/office/powerpoint/2010/main" val="3718302309"/>
+      </p:ext>
+    </p:extLst>
+  </p:cSld>
+  <p:clrMapOvr>
+    <a:masterClrMapping/>
+  </p:clrMapOvr>
+  <p:timing>
+    <p:tnLst>
+      <p:par>
+        <p:cTn id="1" dur="indefinite" restart="never" nodeType="tmRoot">
+          <p:childTnLst>
+            <p:seq concurrent="1" nextAc="seek">
+              <p:cTn id="2" dur="indefinite" nodeType="mainSeq">
+                <p:childTnLst>
+                  <p:par>
+                    <p:cTn id="3" fill="hold">
+                      <p:stCondLst>
+                        <p:cond delay="indefinite"/>
+                      </p:stCondLst>
+                      <p:childTnLst>
+                        <p:par>
+                          <p:cTn id="4" fill="hold">
+                            <p:stCondLst>
+                              <p:cond delay="0"/>
+                            </p:stCondLst>
+                            <p:childTnLst>
+                              <p:par>
+                                <p:cTn id="5" presetID="42" presetClass="entr" presetSubtype="0" fill="hold" grpId="0" nodeType="clickEffect">
+                                  <p:stCondLst>
+                                    <p:cond delay="0"/>
+                                  </p:stCondLst>
+                                  <p:childTnLst>
+                                    <p:set>
+                                      <p:cBhvr>
+                                        <p:cTn id="6" dur="1" fill="hold">
+                                          <p:stCondLst>
+                                            <p:cond delay="0"/>
+                                          </p:stCondLst>
+                                        </p:cTn>
+                                        <p:tgtEl>
+                                          <p:spTgt spid="12"/>
+                                        </p:tgtEl>
+                                        <p:attrNameLst>
+                                          <p:attrName>style.visibility</p:attrName>
+                                        </p:attrNameLst>
+                                      </p:cBhvr>
+                                      <p:to>
+                                        <p:strVal val="visible"/>
+                                      </p:to>
+                                    </p:set>
+                                    <p:animEffect transition="in" filter="fade">
+                                      <p:cBhvr>
+                                        <p:cTn id="7" dur="1000"/>
+                                        <p:tgtEl>
+                                          <p:spTgt spid="12"/>
+                                        </p:tgtEl>
+                                      </p:cBhvr>
+                                    </p:animEffect>
+                                    <p:anim calcmode="lin" valueType="num">
+                                      <p:cBhvr>
+                                        <p:cTn id="8" dur="1000" fill="hold"/>
+                                        <p:tgtEl>
+                                          <p:spTgt spid="12"/>
+                                        </p:tgtEl>
+                                        <p:attrNameLst>
+                                          <p:attrName>ppt_x</p:attrName>
+                                        </p:attrNameLst>
+                                      </p:cBhvr>
+                                      <p:tavLst>
+                                        <p:tav tm="0">
+                                          <p:val>
+                                            <p:strVal val="#ppt_x"/>
+                                          </p:val>
+                                        </p:tav>
+                                        <p:tav tm="100000">
+                                          <p:val>
+                                            <p:strVal val="#ppt_x"/>
+                                          </p:val>
+                                        </p:tav>
+                                      </p:tavLst>
+                                    </p:anim>
+                                    <p:anim calcmode="lin" valueType="num">
+                                      <p:cBhvr>
+                                        <p:cTn id="9" dur="1000" fill="hold"/>
+                                        <p:tgtEl>
+                                          <p:spTgt spid="12"/>
+                                        </p:tgtEl>
+                                        <p:attrNameLst>
+                                          <p:attrName>ppt_y</p:attrName>
+                                        </p:attrNameLst>
+                                      </p:cBhvr>
+                                      <p:tavLst>
+                                        <p:tav tm="0">
+                                          <p:val>
+                                            <p:strVal val="#ppt_y+.1"/>
+                                          </p:val>
+                                        </p:tav>
+                                        <p:tav tm="100000">
+                                          <p:val>
+                                            <p:strVal val="#ppt_y"/>
+                                          </p:val>
+                                        </p:tav>
+                                      </p:tavLst>
+                                    </p:anim>
+                                  </p:childTnLst>
+                                </p:cTn>
+                              </p:par>
+                            </p:childTnLst>
+                          </p:cTn>
+                        </p:par>
+                      </p:childTnLst>
+                    </p:cTn>
+                  </p:par>
+                </p:childTnLst>
+              </p:cTn>
+              <p:prevCondLst>
+                <p:cond evt="onPrev" delay="0">
+                  <p:tgtEl>
+                    <p:sldTgt/>
+                  </p:tgtEl>
+                </p:cond>
+              </p:prevCondLst>
+              <p:nextCondLst>
+                <p:cond evt="onNext" delay="0">
+                  <p:tgtEl>
+                    <p:sldTgt/>
+                  </p:tgtEl>
+                </p:cond>
+              </p:nextCondLst>
+            </p:seq>
+          </p:childTnLst>
+        </p:cTn>
+      </p:par>
+    </p:tnLst>
+    <p:bldLst>
+      <p:bldP spid="12" grpId="0"/>
+    </p:bldLst>
+  </p:timing>
+</p:sld>
+</file>
+
+<file path=ppt/slides/slide21.xml><?xml version="1.0" encoding="utf-8"?>
 <p:sld xmlns:a="http://schemas.openxmlformats.org/drawingml/2006/main" xmlns:r="http://schemas.openxmlformats.org/officeDocument/2006/relationships" xmlns:p="http://schemas.openxmlformats.org/presentationml/2006/main">
   <p:cSld>
     <p:spTree>
@@ -20270,7 +21117,7 @@
 </p:sld>
 </file>
 
-<file path=ppt/slides/slide21.xml><?xml version="1.0" encoding="utf-8"?>
+<file path=ppt/slides/slide22.xml><?xml version="1.0" encoding="utf-8"?>
 <p:sld xmlns:a="http://schemas.openxmlformats.org/drawingml/2006/main" xmlns:r="http://schemas.openxmlformats.org/officeDocument/2006/relationships" xmlns:p="http://schemas.openxmlformats.org/presentationml/2006/main">
   <p:cSld>
     <p:spTree>

--- a/Presentation/2uzuBook _1011.pptx
+++ b/Presentation/2uzuBook _1011.pptx
@@ -27912,14 +27912,14 @@
           <p:nvPr>
             <p:extLst>
               <p:ext uri="{D42A27DB-BD31-4B8C-83A1-F6EECF244321}">
-                <p14:modId xmlns:p14="http://schemas.microsoft.com/office/powerpoint/2010/main" val="609067669"/>
+                <p14:modId xmlns:p14="http://schemas.microsoft.com/office/powerpoint/2010/main" val="2031209242"/>
               </p:ext>
             </p:extLst>
           </p:nvPr>
         </p:nvGraphicFramePr>
         <p:xfrm>
-          <a:off x="2857298" y="1849129"/>
-          <a:ext cx="8725102" cy="4761847"/>
+          <a:off x="2857298" y="1849130"/>
+          <a:ext cx="8725102" cy="4511124"/>
         </p:xfrm>
         <a:graphic>
           <a:graphicData uri="http://schemas.openxmlformats.org/drawingml/2006/table">
@@ -27928,14 +27928,14 @@
                 <a:tableStyleId>{3B4B98B0-60AC-42C2-AFA5-B58CD77FA1E5}</a:tableStyleId>
               </a:tblPr>
               <a:tblGrid>
-                <a:gridCol w="2876110">
+                <a:gridCol w="3028495">
                   <a:extLst>
                     <a:ext uri="{9D8B030D-6E8A-4147-A177-3AD203B41FA5}">
                       <a16:colId xmlns:a16="http://schemas.microsoft.com/office/drawing/2014/main" val="4285241245"/>
                     </a:ext>
                   </a:extLst>
                 </a:gridCol>
-                <a:gridCol w="5848992">
+                <a:gridCol w="5696607">
                   <a:extLst>
                     <a:ext uri="{9D8B030D-6E8A-4147-A177-3AD203B41FA5}">
                       <a16:colId xmlns:a16="http://schemas.microsoft.com/office/drawing/2014/main" val="2285487665"/>
@@ -27943,7 +27943,7 @@
                   </a:extLst>
                 </a:gridCol>
               </a:tblGrid>
-              <a:tr h="418105">
+              <a:tr h="369172">
                 <a:tc>
                   <a:txBody>
                     <a:bodyPr/>
@@ -28014,7 +28014,7 @@
                   </a:ext>
                 </a:extLst>
               </a:tr>
-              <a:tr h="931125">
+              <a:tr h="887225">
                 <a:tc>
                   <a:txBody>
                     <a:bodyPr/>
@@ -28171,7 +28171,7 @@
                   </a:ext>
                 </a:extLst>
               </a:tr>
-              <a:tr h="572958">
+              <a:tr h="505902">
                 <a:tc>
                   <a:txBody>
                     <a:bodyPr/>
@@ -28278,7 +28278,7 @@
                   </a:ext>
                 </a:extLst>
               </a:tr>
-              <a:tr h="1232362">
+              <a:tr h="1172500">
                 <a:tc>
                   <a:txBody>
                     <a:bodyPr/>
@@ -28440,7 +28440,7 @@
                   </a:ext>
                 </a:extLst>
               </a:tr>
-              <a:tr h="1533598">
+              <a:tr h="1354114">
                 <a:tc>
                   <a:txBody>
                     <a:bodyPr/>
@@ -28524,79 +28524,6 @@
                       </a:r>
                       <a:endParaRPr lang="ko-KR" sz="2000" kern="100" dirty="0">
                         <a:effectLst/>
-                      </a:endParaRPr>
-                    </a:p>
-                    <a:p>
-                      <a:pPr algn="ctr" latinLnBrk="1">
-                        <a:lnSpc>
-                          <a:spcPct val="106000"/>
-                        </a:lnSpc>
-                        <a:spcAft>
-                          <a:spcPts val="0"/>
-                        </a:spcAft>
-                      </a:pPr>
-                      <a:r>
-                        <a:rPr lang="en-US" sz="2000" kern="100" dirty="0">
-                          <a:effectLst/>
-                        </a:rPr>
-                        <a:t>-</a:t>
-                      </a:r>
-                      <a:r>
-                        <a:rPr lang="ko-KR" sz="2000" kern="100" dirty="0">
-                          <a:effectLst/>
-                        </a:rPr>
-                        <a:t>고급</a:t>
-                      </a:r>
-                      <a:r>
-                        <a:rPr lang="en-US" sz="2000" kern="100" dirty="0">
-                          <a:effectLst/>
-                        </a:rPr>
-                        <a:t>   </a:t>
-                      </a:r>
-                      <a:r>
-                        <a:rPr lang="ko-KR" sz="2000" kern="100" dirty="0">
-                          <a:effectLst/>
-                        </a:rPr>
-                        <a:t>검색</a:t>
-                      </a:r>
-                      <a:r>
-                        <a:rPr lang="en-US" sz="2000" kern="100" dirty="0">
-                          <a:effectLst/>
-                        </a:rPr>
-                        <a:t>(</a:t>
-                      </a:r>
-                      <a:r>
-                        <a:rPr lang="ko-KR" sz="2000" kern="100" dirty="0">
-                          <a:effectLst/>
-                        </a:rPr>
-                        <a:t>검색하는 이가 정한 구체적인 범위에 알맞은 학생 </a:t>
-                      </a:r>
-                      <a:r>
-                        <a:rPr lang="ko-KR" sz="2000" kern="100" dirty="0" err="1">
-                          <a:effectLst/>
-                        </a:rPr>
-                        <a:t>레주메</a:t>
-                      </a:r>
-                      <a:r>
-                        <a:rPr lang="ko-KR" sz="2000" kern="100" dirty="0">
-                          <a:effectLst/>
-                        </a:rPr>
-                        <a:t> 목록 제시</a:t>
-                      </a:r>
-                      <a:r>
-                        <a:rPr lang="en-US" sz="2000" kern="100" dirty="0">
-                          <a:effectLst/>
-                        </a:rPr>
-                        <a:t>.)</a:t>
-                      </a:r>
-                      <a:endParaRPr lang="ko-KR" sz="2000" kern="100" dirty="0">
-                        <a:solidFill>
-                          <a:srgbClr val="000000"/>
-                        </a:solidFill>
-                        <a:effectLst/>
-                        <a:latin typeface="맑은 고딕" panose="020B0503020000020004" pitchFamily="50" charset="-127"/>
-                        <a:ea typeface="맑은 고딕" panose="020B0503020000020004" pitchFamily="50" charset="-127"/>
-                        <a:cs typeface="Times New Roman" panose="02020603050405020304" pitchFamily="18" charset="0"/>
                       </a:endParaRPr>
                     </a:p>
                   </a:txBody>

--- a/Presentation/2uzuBook _1011.pptx
+++ b/Presentation/2uzuBook _1011.pptx
@@ -5,7 +5,7 @@
     <p:sldMasterId id="2147483648" r:id="rId1"/>
   </p:sldMasterIdLst>
   <p:notesMasterIdLst>
-    <p:notesMasterId r:id="rId24"/>
+    <p:notesMasterId r:id="rId25"/>
   </p:notesMasterIdLst>
   <p:sldIdLst>
     <p:sldId id="256" r:id="rId2"/>
@@ -27,9 +27,10 @@
     <p:sldId id="315" r:id="rId18"/>
     <p:sldId id="312" r:id="rId19"/>
     <p:sldId id="316" r:id="rId20"/>
-    <p:sldId id="313" r:id="rId21"/>
-    <p:sldId id="314" r:id="rId22"/>
-    <p:sldId id="294" r:id="rId23"/>
+    <p:sldId id="317" r:id="rId21"/>
+    <p:sldId id="313" r:id="rId22"/>
+    <p:sldId id="314" r:id="rId23"/>
+    <p:sldId id="294" r:id="rId24"/>
   </p:sldIdLst>
   <p:sldSz cx="12192000" cy="6858000"/>
   <p:notesSz cx="6858000" cy="9144000"/>
@@ -233,7 +234,7 @@
           <a:p>
             <a:fld id="{804355DA-3640-4518-B87F-45455F76D2CC}" type="datetimeFigureOut">
               <a:rPr lang="ko-KR" altLang="en-US" smtClean="0"/>
-              <a:t>2017-10-15</a:t>
+              <a:t>2017-10-16</a:t>
             </a:fld>
             <a:endParaRPr lang="ko-KR" altLang="en-US"/>
           </a:p>
@@ -1144,6 +1145,10 @@
           <a:bodyPr/>
           <a:lstStyle/>
           <a:p>
+            <a:r>
+              <a:rPr lang="ko-KR" altLang="en-US" dirty="0"/>
+              <a:t/>
+            </a:r>
             <a:br>
               <a:rPr lang="ko-KR" altLang="en-US" dirty="0"/>
             </a:br>
@@ -1315,6 +1320,10 @@
           <a:bodyPr/>
           <a:lstStyle/>
           <a:p>
+            <a:r>
+              <a:rPr lang="ko-KR" altLang="en-US" dirty="0"/>
+              <a:t/>
+            </a:r>
             <a:br>
               <a:rPr lang="ko-KR" altLang="en-US" dirty="0"/>
             </a:br>
@@ -1486,6 +1495,10 @@
           <a:bodyPr/>
           <a:lstStyle/>
           <a:p>
+            <a:r>
+              <a:rPr lang="ko-KR" altLang="en-US" dirty="0"/>
+              <a:t/>
+            </a:r>
             <a:br>
               <a:rPr lang="ko-KR" altLang="en-US" dirty="0"/>
             </a:br>
@@ -1657,6 +1670,10 @@
           <a:bodyPr/>
           <a:lstStyle/>
           <a:p>
+            <a:r>
+              <a:rPr lang="ko-KR" altLang="en-US" dirty="0"/>
+              <a:t/>
+            </a:r>
             <a:br>
               <a:rPr lang="ko-KR" altLang="en-US" dirty="0"/>
             </a:br>
@@ -1829,85 +1846,111 @@
           <a:lstStyle/>
           <a:p>
             <a:r>
-              <a:rPr lang="ko-KR" altLang="en-US" dirty="0"/>
-              <a:t>저희가 </a:t>
-            </a:r>
-            <a:r>
-              <a:rPr lang="ko-KR" altLang="en-US" dirty="0" err="1"/>
-              <a:t>애초애</a:t>
-            </a:r>
-            <a:r>
-              <a:rPr lang="ko-KR" altLang="en-US" dirty="0"/>
-              <a:t> 이 프로젝트를 계획한 목적이 바로 </a:t>
-            </a:r>
-            <a:r>
-              <a:rPr lang="ko-KR" altLang="en-US" dirty="0" err="1"/>
-              <a:t>종이로된</a:t>
-            </a:r>
-            <a:r>
-              <a:rPr lang="ko-KR" altLang="en-US" dirty="0"/>
-              <a:t> </a:t>
-            </a:r>
-            <a:r>
-              <a:rPr lang="ko-KR" altLang="en-US" dirty="0" err="1"/>
-              <a:t>레주메</a:t>
-            </a:r>
-            <a:r>
-              <a:rPr lang="ko-KR" altLang="en-US" dirty="0"/>
-              <a:t> 대신에 저희의 웹사이트를 이용하는 것 이었습니다</a:t>
-            </a:r>
-            <a:r>
-              <a:rPr lang="en-US" altLang="ko-KR" dirty="0"/>
-              <a:t>.</a:t>
-            </a:r>
-          </a:p>
-          <a:p>
-            <a:endParaRPr lang="en-US" altLang="ko-KR" dirty="0"/>
-          </a:p>
-          <a:p>
-            <a:r>
-              <a:rPr lang="ko-KR" altLang="en-US" dirty="0"/>
-              <a:t>이렇게 저희의 본래 목적대로 저희의 웹사이트를 학교에서 </a:t>
-            </a:r>
-            <a:r>
-              <a:rPr lang="ko-KR" altLang="en-US" dirty="0" err="1"/>
-              <a:t>레주메북대신</a:t>
-            </a:r>
-            <a:r>
-              <a:rPr lang="ko-KR" altLang="en-US" dirty="0"/>
-              <a:t> 사용하는 것이 최종 계획이며</a:t>
-            </a:r>
-            <a:r>
-              <a:rPr lang="en-US" altLang="ko-KR" dirty="0"/>
-              <a:t>, </a:t>
-            </a:r>
-            <a:r>
-              <a:rPr lang="ko-KR" altLang="en-US" dirty="0"/>
-              <a:t>학교에서 사용하려면 아직 부족한 부분이 많다고 생각합니다</a:t>
-            </a:r>
-            <a:r>
-              <a:rPr lang="en-US" altLang="ko-KR" dirty="0"/>
-              <a:t>.</a:t>
-            </a:r>
-          </a:p>
-          <a:p>
-            <a:endParaRPr lang="en-US" altLang="ko-KR" dirty="0"/>
-          </a:p>
-          <a:p>
-            <a:r>
-              <a:rPr lang="ko-KR" altLang="en-US" dirty="0"/>
-              <a:t>따라서 저희의 프로젝트를 더 발전시키고 </a:t>
-            </a:r>
-            <a:r>
-              <a:rPr lang="ko-KR" altLang="en-US" dirty="0" err="1"/>
-              <a:t>유지보수하면서</a:t>
-            </a:r>
-            <a:r>
-              <a:rPr lang="ko-KR" altLang="en-US" dirty="0"/>
-              <a:t> 꼭 나중에 이 사이트를 여러분이 사용하는 날이 오게 만들겠습니다</a:t>
-            </a:r>
-            <a:r>
-              <a:rPr lang="en-US" altLang="ko-KR" dirty="0"/>
+              <a:rPr lang="en-US" altLang="ko-KR" sz="1200" b="0" i="0" kern="1200" dirty="0" smtClean="0">
+                <a:solidFill>
+                  <a:schemeClr val="tx1"/>
+                </a:solidFill>
+                <a:effectLst/>
+                <a:latin typeface="+mn-lt"/>
+                <a:ea typeface="+mn-ea"/>
+                <a:cs typeface="+mn-cs"/>
+              </a:rPr>
+              <a:t>18. </a:t>
+            </a:r>
+            <a:r>
+              <a:rPr lang="ko-KR" altLang="en-US" sz="1200" b="0" i="0" kern="1200" dirty="0" smtClean="0">
+                <a:solidFill>
+                  <a:schemeClr val="tx1"/>
+                </a:solidFill>
+                <a:effectLst/>
+                <a:latin typeface="+mn-lt"/>
+                <a:ea typeface="+mn-ea"/>
+                <a:cs typeface="+mn-cs"/>
+              </a:rPr>
+              <a:t>마지막 목차인 </a:t>
+            </a:r>
+            <a:r>
+              <a:rPr lang="ko-KR" altLang="en-US" sz="1200" b="0" i="0" kern="1200" dirty="0" err="1" smtClean="0">
+                <a:solidFill>
+                  <a:schemeClr val="tx1"/>
+                </a:solidFill>
+                <a:effectLst/>
+                <a:latin typeface="+mn-lt"/>
+                <a:ea typeface="+mn-ea"/>
+                <a:cs typeface="+mn-cs"/>
+              </a:rPr>
+              <a:t>요구분석</a:t>
+            </a:r>
+            <a:r>
+              <a:rPr lang="ko-KR" altLang="en-US" sz="1200" b="0" i="0" kern="1200" dirty="0" smtClean="0">
+                <a:solidFill>
+                  <a:schemeClr val="tx1"/>
+                </a:solidFill>
+                <a:effectLst/>
+                <a:latin typeface="+mn-lt"/>
+                <a:ea typeface="+mn-ea"/>
+                <a:cs typeface="+mn-cs"/>
+              </a:rPr>
+              <a:t> 단계입니다</a:t>
+            </a:r>
+            <a:r>
+              <a:rPr lang="en-US" altLang="ko-KR" sz="1200" b="0" i="0" kern="1200" dirty="0" smtClean="0">
+                <a:solidFill>
+                  <a:schemeClr val="tx1"/>
+                </a:solidFill>
+                <a:effectLst/>
+                <a:latin typeface="+mn-lt"/>
+                <a:ea typeface="+mn-ea"/>
+                <a:cs typeface="+mn-cs"/>
+              </a:rPr>
+              <a:t>!!!! </a:t>
+            </a:r>
+            <a:r>
+              <a:rPr lang="ko-KR" altLang="en-US" sz="1200" b="0" i="0" kern="1200" dirty="0" smtClean="0">
+                <a:solidFill>
+                  <a:schemeClr val="tx1"/>
+                </a:solidFill>
+                <a:effectLst/>
+                <a:latin typeface="+mn-lt"/>
+                <a:ea typeface="+mn-ea"/>
+                <a:cs typeface="+mn-cs"/>
+              </a:rPr>
+              <a:t>요구 분석 단계에서는 요구사항 도출을 하고 그것은 분석하고 </a:t>
+            </a:r>
+            <a:r>
+              <a:rPr lang="ko-KR" altLang="en-US" sz="1200" b="0" i="0" kern="1200" dirty="0" err="1" smtClean="0">
+                <a:solidFill>
+                  <a:schemeClr val="tx1"/>
+                </a:solidFill>
+                <a:effectLst/>
+                <a:latin typeface="+mn-lt"/>
+                <a:ea typeface="+mn-ea"/>
+                <a:cs typeface="+mn-cs"/>
+              </a:rPr>
+              <a:t>유스케이스를</a:t>
+            </a:r>
+            <a:r>
+              <a:rPr lang="ko-KR" altLang="en-US" sz="1200" b="0" i="0" kern="1200" dirty="0" smtClean="0">
+                <a:solidFill>
+                  <a:schemeClr val="tx1"/>
+                </a:solidFill>
+                <a:effectLst/>
+                <a:latin typeface="+mn-lt"/>
+                <a:ea typeface="+mn-ea"/>
+                <a:cs typeface="+mn-cs"/>
+              </a:rPr>
+              <a:t> 설명하도록 하겠습니다</a:t>
+            </a:r>
+            <a:r>
+              <a:rPr lang="en-US" altLang="ko-KR" sz="1200" b="0" i="0" kern="1200" dirty="0" smtClean="0">
+                <a:solidFill>
+                  <a:schemeClr val="tx1"/>
+                </a:solidFill>
+                <a:effectLst/>
+                <a:latin typeface="+mn-lt"/>
+                <a:ea typeface="+mn-ea"/>
+                <a:cs typeface="+mn-cs"/>
+              </a:rPr>
               <a:t>.</a:t>
             </a:r>
             <a:endParaRPr lang="ko-KR" altLang="en-US" dirty="0"/>
@@ -1940,7 +1983,7 @@
     </p:spTree>
     <p:extLst>
       <p:ext uri="{BB962C8B-B14F-4D97-AF65-F5344CB8AC3E}">
-        <p14:creationId xmlns:p14="http://schemas.microsoft.com/office/powerpoint/2010/main" val="3704898044"/>
+        <p14:creationId xmlns:p14="http://schemas.microsoft.com/office/powerpoint/2010/main" val="3928041120"/>
       </p:ext>
     </p:extLst>
   </p:cSld>
@@ -1995,151 +2038,88 @@
           <a:lstStyle/>
           <a:p>
             <a:r>
+              <a:rPr lang="ko-KR" altLang="en-US" dirty="0"/>
+              <a:t>저희가 </a:t>
+            </a:r>
+            <a:r>
               <a:rPr lang="ko-KR" altLang="en-US" dirty="0" err="1"/>
-              <a:t>윤정현</a:t>
+              <a:t>애초애</a:t>
+            </a:r>
+            <a:r>
+              <a:rPr lang="ko-KR" altLang="en-US" dirty="0"/>
+              <a:t> 이 프로젝트를 계획한 목적이 바로 </a:t>
+            </a:r>
+            <a:r>
+              <a:rPr lang="ko-KR" altLang="en-US" dirty="0" err="1"/>
+              <a:t>종이로된</a:t>
             </a:r>
             <a:r>
               <a:rPr lang="ko-KR" altLang="en-US" dirty="0"/>
               <a:t> </a:t>
             </a:r>
             <a:r>
+              <a:rPr lang="ko-KR" altLang="en-US" dirty="0" err="1"/>
+              <a:t>레주메</a:t>
+            </a:r>
+            <a:r>
+              <a:rPr lang="ko-KR" altLang="en-US" dirty="0"/>
+              <a:t> 대신에 저희의 웹사이트를 이용하는 것 이었습니다</a:t>
+            </a:r>
+            <a:r>
               <a:rPr lang="en-US" altLang="ko-KR" dirty="0"/>
-              <a:t>: 4</a:t>
+              <a:t>.</a:t>
+            </a:r>
+          </a:p>
+          <a:p>
+            <a:endParaRPr lang="en-US" altLang="ko-KR" dirty="0"/>
+          </a:p>
+          <a:p>
+            <a:r>
+              <a:rPr lang="ko-KR" altLang="en-US" dirty="0"/>
+              <a:t>이렇게 저희의 본래 목적대로 저희의 웹사이트를 학교에서 </a:t>
             </a:r>
             <a:r>
               <a:rPr lang="ko-KR" altLang="en-US" dirty="0" err="1"/>
-              <a:t>명이서</a:t>
+              <a:t>레주메북대신</a:t>
             </a:r>
             <a:r>
               <a:rPr lang="ko-KR" altLang="en-US" dirty="0"/>
-              <a:t> 다 처음 접하는 웹프로젝트를</a:t>
-            </a:r>
-            <a:r>
-              <a:rPr lang="ko-KR" altLang="en-US" baseline="0" dirty="0"/>
-              <a:t> </a:t>
-            </a:r>
-            <a:r>
-              <a:rPr lang="ko-KR" altLang="en-US" baseline="0" dirty="0" err="1"/>
-              <a:t>하다보니</a:t>
-            </a:r>
-            <a:r>
-              <a:rPr lang="ko-KR" altLang="en-US" baseline="0" dirty="0"/>
-              <a:t> 서로 미숙한 부분이 많았고 서로 많이 안 맞았지만 교장선생님을 위하여 </a:t>
-            </a:r>
-            <a:endParaRPr lang="en-US" altLang="ko-KR" baseline="0" dirty="0"/>
-          </a:p>
-          <a:p>
-            <a:endParaRPr lang="en-US" altLang="ko-KR" baseline="0" dirty="0"/>
-          </a:p>
-          <a:p>
-            <a:endParaRPr lang="en-US" altLang="ko-KR" baseline="0" dirty="0"/>
-          </a:p>
-          <a:p>
-            <a:r>
-              <a:rPr lang="ko-KR" altLang="en-US" baseline="0" dirty="0"/>
-              <a:t>박규리</a:t>
-            </a:r>
-            <a:r>
-              <a:rPr lang="en-US" altLang="ko-KR" baseline="0" dirty="0"/>
-              <a:t>: </a:t>
-            </a:r>
-            <a:r>
-              <a:rPr lang="ko-KR" altLang="en-US" baseline="0" dirty="0"/>
-              <a:t>아직 부족하고 미숙한 </a:t>
-            </a:r>
-            <a:r>
-              <a:rPr lang="en-US" altLang="ko-KR" baseline="0" dirty="0"/>
-              <a:t>4</a:t>
-            </a:r>
-            <a:r>
-              <a:rPr lang="ko-KR" altLang="en-US" baseline="0" dirty="0"/>
-              <a:t>명이서 처음으로 웹페이지를 개발하다 보니 고비가 많이 있었습니다</a:t>
-            </a:r>
-            <a:r>
-              <a:rPr lang="en-US" altLang="ko-KR" baseline="0" dirty="0"/>
-              <a:t>. </a:t>
-            </a:r>
-            <a:r>
-              <a:rPr lang="ko-KR" altLang="en-US" baseline="0" dirty="0"/>
-              <a:t>저번 발표에서 </a:t>
-            </a:r>
-            <a:r>
-              <a:rPr lang="en-US" altLang="ko-KR" baseline="0" dirty="0"/>
-              <a:t>8</a:t>
-            </a:r>
-            <a:r>
-              <a:rPr lang="ko-KR" altLang="en-US" baseline="0" dirty="0"/>
-              <a:t>점을 </a:t>
-            </a:r>
-            <a:r>
-              <a:rPr lang="ko-KR" altLang="en-US" baseline="0" dirty="0" err="1"/>
-              <a:t>받았을때</a:t>
-            </a:r>
-            <a:r>
-              <a:rPr lang="ko-KR" altLang="en-US" baseline="0" dirty="0"/>
-              <a:t> 약간 충격을 받았습니다</a:t>
-            </a:r>
-            <a:r>
-              <a:rPr lang="en-US" altLang="ko-KR" baseline="0" dirty="0"/>
-              <a:t>. </a:t>
-            </a:r>
-            <a:r>
-              <a:rPr lang="ko-KR" altLang="en-US" baseline="0" dirty="0"/>
-              <a:t>하지만 저희는 평정심을 잃지않고 팀원들과 연휴</a:t>
-            </a:r>
-            <a:r>
-              <a:rPr lang="en-US" altLang="ko-KR" baseline="0" dirty="0"/>
+              <a:t> 사용하는 것이 최종 계획이며</a:t>
+            </a:r>
+            <a:r>
+              <a:rPr lang="en-US" altLang="ko-KR" dirty="0"/>
               <a:t>, </a:t>
             </a:r>
             <a:r>
-              <a:rPr lang="ko-KR" altLang="en-US" baseline="0" dirty="0"/>
-              <a:t>주말에도 꾸준히 개발하여 여기까지 도달할 수 있었던 것 같습니다</a:t>
-            </a:r>
-            <a:r>
-              <a:rPr lang="en-US" altLang="ko-KR" baseline="0" dirty="0"/>
-              <a:t>. </a:t>
-            </a:r>
-            <a:r>
-              <a:rPr lang="ko-KR" altLang="en-US" baseline="0" dirty="0"/>
-              <a:t>이 프로젝트는 제 </a:t>
-            </a:r>
-            <a:r>
-              <a:rPr lang="en-US" altLang="ko-KR" baseline="0" dirty="0"/>
-              <a:t>18</a:t>
-            </a:r>
-            <a:r>
-              <a:rPr lang="ko-KR" altLang="en-US" baseline="0" dirty="0"/>
-              <a:t>년 인생에서 가장 자랑하고 싶은 프로젝트라고 생각합니다</a:t>
-            </a:r>
-            <a:r>
-              <a:rPr lang="en-US" altLang="ko-KR" baseline="0" dirty="0"/>
-              <a:t>! </a:t>
-            </a:r>
-            <a:r>
-              <a:rPr lang="ko-KR" altLang="en-US" baseline="0" dirty="0"/>
-              <a:t>이렇게 제 인생의 선물을 주신 선생님께 정말 감사하고 우리 팀원들에게 마지막으로 수고했다는 말을 전해주고 싶습니다</a:t>
-            </a:r>
-            <a:r>
-              <a:rPr lang="en-US" altLang="ko-KR" baseline="0" dirty="0"/>
-              <a:t>. </a:t>
-            </a:r>
-            <a:r>
-              <a:rPr lang="ko-KR" altLang="en-US" baseline="0" dirty="0"/>
-              <a:t>애들아 수고했다</a:t>
-            </a:r>
-            <a:r>
-              <a:rPr lang="en-US" altLang="ko-KR" baseline="0" dirty="0"/>
-              <a:t>~~</a:t>
-            </a:r>
-            <a:r>
-              <a:rPr lang="ko-KR" altLang="en-US" baseline="0" dirty="0"/>
-              <a:t>흑흑 </a:t>
-            </a:r>
-            <a:r>
-              <a:rPr lang="ko-KR" altLang="en-US" baseline="0" dirty="0" err="1"/>
-              <a:t>ㅜㅜㅜ</a:t>
-            </a:r>
-            <a:endParaRPr lang="en-US" altLang="ko-KR" baseline="0" dirty="0"/>
+              <a:rPr lang="ko-KR" altLang="en-US" dirty="0"/>
+              <a:t>학교에서 사용하려면 아직 부족한 부분이 많다고 생각합니다</a:t>
+            </a:r>
+            <a:r>
+              <a:rPr lang="en-US" altLang="ko-KR" dirty="0"/>
+              <a:t>.</a:t>
+            </a:r>
+          </a:p>
+          <a:p>
+            <a:endParaRPr lang="en-US" altLang="ko-KR" dirty="0"/>
+          </a:p>
+          <a:p>
+            <a:r>
+              <a:rPr lang="ko-KR" altLang="en-US" dirty="0"/>
+              <a:t>따라서 저희의 프로젝트를 더 발전시키고 </a:t>
+            </a:r>
+            <a:r>
+              <a:rPr lang="ko-KR" altLang="en-US" dirty="0" err="1"/>
+              <a:t>유지보수하면서</a:t>
+            </a:r>
+            <a:r>
+              <a:rPr lang="ko-KR" altLang="en-US" dirty="0"/>
+              <a:t> 꼭 나중에 이 사이트를 여러분이 사용하는 날이 오게 만들겠습니다</a:t>
+            </a:r>
+            <a:r>
+              <a:rPr lang="en-US" altLang="ko-KR" dirty="0"/>
+              <a:t>.</a:t>
+            </a:r>
+            <a:endParaRPr lang="ko-KR" altLang="en-US" dirty="0"/>
           </a:p>
         </p:txBody>
       </p:sp>
@@ -2161,6 +2141,235 @@
             <a:fld id="{EEF45E8E-B871-465E-A211-1FB7C7D4BEA7}" type="slidenum">
               <a:rPr lang="ko-KR" altLang="en-US" smtClean="0"/>
               <a:t>21</a:t>
+            </a:fld>
+            <a:endParaRPr lang="ko-KR" altLang="en-US"/>
+          </a:p>
+        </p:txBody>
+      </p:sp>
+    </p:spTree>
+    <p:extLst>
+      <p:ext uri="{BB962C8B-B14F-4D97-AF65-F5344CB8AC3E}">
+        <p14:creationId xmlns:p14="http://schemas.microsoft.com/office/powerpoint/2010/main" val="3704898044"/>
+      </p:ext>
+    </p:extLst>
+  </p:cSld>
+  <p:clrMapOvr>
+    <a:masterClrMapping/>
+  </p:clrMapOvr>
+</p:notes>
+</file>
+
+<file path=ppt/notesSlides/notesSlide18.xml><?xml version="1.0" encoding="utf-8"?>
+<p:notes xmlns:a="http://schemas.openxmlformats.org/drawingml/2006/main" xmlns:r="http://schemas.openxmlformats.org/officeDocument/2006/relationships" xmlns:p="http://schemas.openxmlformats.org/presentationml/2006/main">
+  <p:cSld>
+    <p:spTree>
+      <p:nvGrpSpPr>
+        <p:cNvPr id="1" name=""/>
+        <p:cNvGrpSpPr/>
+        <p:nvPr/>
+      </p:nvGrpSpPr>
+      <p:grpSpPr>
+        <a:xfrm>
+          <a:off x="0" y="0"/>
+          <a:ext cx="0" cy="0"/>
+          <a:chOff x="0" y="0"/>
+          <a:chExt cx="0" cy="0"/>
+        </a:xfrm>
+      </p:grpSpPr>
+      <p:sp>
+        <p:nvSpPr>
+          <p:cNvPr id="2" name="슬라이드 이미지 개체 틀 1"/>
+          <p:cNvSpPr>
+            <a:spLocks noGrp="1" noRot="1" noChangeAspect="1"/>
+          </p:cNvSpPr>
+          <p:nvPr>
+            <p:ph type="sldImg"/>
+          </p:nvPr>
+        </p:nvSpPr>
+        <p:spPr/>
+      </p:sp>
+      <p:sp>
+        <p:nvSpPr>
+          <p:cNvPr id="3" name="슬라이드 노트 개체 틀 2"/>
+          <p:cNvSpPr>
+            <a:spLocks noGrp="1"/>
+          </p:cNvSpPr>
+          <p:nvPr>
+            <p:ph type="body" idx="1"/>
+          </p:nvPr>
+        </p:nvSpPr>
+        <p:spPr/>
+        <p:txBody>
+          <a:bodyPr/>
+          <a:lstStyle/>
+          <a:p>
+            <a:r>
+              <a:rPr lang="ko-KR" altLang="en-US" dirty="0" err="1"/>
+              <a:t>윤정현</a:t>
+            </a:r>
+            <a:r>
+              <a:rPr lang="ko-KR" altLang="en-US" dirty="0"/>
+              <a:t> </a:t>
+            </a:r>
+            <a:r>
+              <a:rPr lang="en-US" altLang="ko-KR" dirty="0"/>
+              <a:t>: 4</a:t>
+            </a:r>
+            <a:r>
+              <a:rPr lang="ko-KR" altLang="en-US" dirty="0" err="1"/>
+              <a:t>명이서</a:t>
+            </a:r>
+            <a:r>
+              <a:rPr lang="ko-KR" altLang="en-US" dirty="0"/>
+              <a:t> 다 처음 접하는 웹프로젝트를</a:t>
+            </a:r>
+            <a:r>
+              <a:rPr lang="ko-KR" altLang="en-US" baseline="0" dirty="0"/>
+              <a:t> </a:t>
+            </a:r>
+            <a:r>
+              <a:rPr lang="ko-KR" altLang="en-US" baseline="0" dirty="0" err="1"/>
+              <a:t>하다보니</a:t>
+            </a:r>
+            <a:r>
+              <a:rPr lang="ko-KR" altLang="en-US" baseline="0" dirty="0"/>
+              <a:t> 서로 미숙한 부분이 많았고 서로 많이 안 맞았지만 교장선생님을 위하여 </a:t>
+            </a:r>
+            <a:endParaRPr lang="en-US" altLang="ko-KR" baseline="0" dirty="0"/>
+          </a:p>
+          <a:p>
+            <a:endParaRPr lang="en-US" altLang="ko-KR" baseline="0" dirty="0"/>
+          </a:p>
+          <a:p>
+            <a:endParaRPr lang="en-US" altLang="ko-KR" baseline="0" dirty="0"/>
+          </a:p>
+          <a:p>
+            <a:r>
+              <a:rPr lang="ko-KR" altLang="en-US" baseline="0" dirty="0"/>
+              <a:t>박규리</a:t>
+            </a:r>
+            <a:r>
+              <a:rPr lang="en-US" altLang="ko-KR" baseline="0" dirty="0"/>
+              <a:t>: </a:t>
+            </a:r>
+            <a:r>
+              <a:rPr lang="ko-KR" altLang="en-US" baseline="0" dirty="0"/>
+              <a:t>아직 부족하고 미숙한 </a:t>
+            </a:r>
+            <a:r>
+              <a:rPr lang="en-US" altLang="ko-KR" baseline="0" dirty="0"/>
+              <a:t>4</a:t>
+            </a:r>
+            <a:r>
+              <a:rPr lang="ko-KR" altLang="en-US" baseline="0" dirty="0"/>
+              <a:t>명이서 처음으로 웹페이지를 개발하다 보니 고비가 많이 있었습니다</a:t>
+            </a:r>
+            <a:r>
+              <a:rPr lang="en-US" altLang="ko-KR" baseline="0" dirty="0"/>
+              <a:t>. </a:t>
+            </a:r>
+            <a:r>
+              <a:rPr lang="ko-KR" altLang="en-US" baseline="0" dirty="0"/>
+              <a:t>저번 발표에서 </a:t>
+            </a:r>
+            <a:r>
+              <a:rPr lang="en-US" altLang="ko-KR" baseline="0" dirty="0"/>
+              <a:t>8</a:t>
+            </a:r>
+            <a:r>
+              <a:rPr lang="ko-KR" altLang="en-US" baseline="0" dirty="0"/>
+              <a:t>점을 </a:t>
+            </a:r>
+            <a:r>
+              <a:rPr lang="ko-KR" altLang="en-US" baseline="0" dirty="0" err="1"/>
+              <a:t>받았을때</a:t>
+            </a:r>
+            <a:r>
+              <a:rPr lang="ko-KR" altLang="en-US" baseline="0" dirty="0"/>
+              <a:t> 약간 충격을 받았습니다</a:t>
+            </a:r>
+            <a:r>
+              <a:rPr lang="en-US" altLang="ko-KR" baseline="0" dirty="0"/>
+              <a:t>. </a:t>
+            </a:r>
+            <a:r>
+              <a:rPr lang="ko-KR" altLang="en-US" baseline="0" dirty="0"/>
+              <a:t>하지만 저희는 평정심을 잃지않고 팀원들과 연휴</a:t>
+            </a:r>
+            <a:r>
+              <a:rPr lang="en-US" altLang="ko-KR" baseline="0" dirty="0"/>
+              <a:t>, </a:t>
+            </a:r>
+            <a:r>
+              <a:rPr lang="ko-KR" altLang="en-US" baseline="0" dirty="0"/>
+              <a:t>주말에도 꾸준히 개발하여 여기까지 도달할 수 있었던 것 같습니다</a:t>
+            </a:r>
+            <a:r>
+              <a:rPr lang="en-US" altLang="ko-KR" baseline="0" dirty="0"/>
+              <a:t>. </a:t>
+            </a:r>
+            <a:r>
+              <a:rPr lang="ko-KR" altLang="en-US" baseline="0" dirty="0"/>
+              <a:t>이 프로젝트는 제 </a:t>
+            </a:r>
+            <a:r>
+              <a:rPr lang="en-US" altLang="ko-KR" baseline="0" dirty="0"/>
+              <a:t>18</a:t>
+            </a:r>
+            <a:r>
+              <a:rPr lang="ko-KR" altLang="en-US" baseline="0" dirty="0"/>
+              <a:t>년 인생에서 가장 자랑하고 싶은 프로젝트라고 생각합니다</a:t>
+            </a:r>
+            <a:r>
+              <a:rPr lang="en-US" altLang="ko-KR" baseline="0" dirty="0"/>
+              <a:t>! </a:t>
+            </a:r>
+            <a:r>
+              <a:rPr lang="ko-KR" altLang="en-US" baseline="0" dirty="0"/>
+              <a:t>이렇게 제 인생의 선물을 주신 선생님께 정말 감사하고 우리 팀원들에게 마지막으로 수고했다는 말을 전해주고 싶습니다</a:t>
+            </a:r>
+            <a:r>
+              <a:rPr lang="en-US" altLang="ko-KR" baseline="0" dirty="0"/>
+              <a:t>. </a:t>
+            </a:r>
+            <a:r>
+              <a:rPr lang="ko-KR" altLang="en-US" baseline="0" dirty="0"/>
+              <a:t>애들아 수고했다</a:t>
+            </a:r>
+            <a:r>
+              <a:rPr lang="en-US" altLang="ko-KR" baseline="0" dirty="0"/>
+              <a:t>~~</a:t>
+            </a:r>
+            <a:r>
+              <a:rPr lang="ko-KR" altLang="en-US" baseline="0" dirty="0"/>
+              <a:t>흑흑 </a:t>
+            </a:r>
+            <a:r>
+              <a:rPr lang="ko-KR" altLang="en-US" baseline="0" dirty="0" err="1"/>
+              <a:t>ㅜㅜㅜ</a:t>
+            </a:r>
+            <a:endParaRPr lang="en-US" altLang="ko-KR" baseline="0" dirty="0"/>
+          </a:p>
+        </p:txBody>
+      </p:sp>
+      <p:sp>
+        <p:nvSpPr>
+          <p:cNvPr id="4" name="슬라이드 번호 개체 틀 3"/>
+          <p:cNvSpPr>
+            <a:spLocks noGrp="1"/>
+          </p:cNvSpPr>
+          <p:nvPr>
+            <p:ph type="sldNum" sz="quarter" idx="10"/>
+          </p:nvPr>
+        </p:nvSpPr>
+        <p:spPr/>
+        <p:txBody>
+          <a:bodyPr/>
+          <a:lstStyle/>
+          <a:p>
+            <a:fld id="{EEF45E8E-B871-465E-A211-1FB7C7D4BEA7}" type="slidenum">
+              <a:rPr lang="ko-KR" altLang="en-US" smtClean="0"/>
+              <a:t>22</a:t>
             </a:fld>
             <a:endParaRPr lang="ko-KR" altLang="en-US"/>
           </a:p>
@@ -4214,7 +4423,7 @@
           <a:p>
             <a:fld id="{D8679A82-9205-4C4E-AE76-DC9B8C3BC3DB}" type="datetimeFigureOut">
               <a:rPr lang="ko-KR" altLang="en-US" smtClean="0"/>
-              <a:t>2017-10-15</a:t>
+              <a:t>2017-10-16</a:t>
             </a:fld>
             <a:endParaRPr lang="ko-KR" altLang="en-US"/>
           </a:p>
@@ -4434,7 +4643,7 @@
           <a:p>
             <a:fld id="{D8679A82-9205-4C4E-AE76-DC9B8C3BC3DB}" type="datetimeFigureOut">
               <a:rPr lang="ko-KR" altLang="en-US" smtClean="0"/>
-              <a:t>2017-10-15</a:t>
+              <a:t>2017-10-16</a:t>
             </a:fld>
             <a:endParaRPr lang="ko-KR" altLang="en-US"/>
           </a:p>
@@ -13770,6 +13979,18 @@
                         </a:rPr>
                         <a:t>)</a:t>
                       </a:r>
+                      <a:r>
+                        <a:rPr lang="en-US" altLang="ko-KR" sz="1800" kern="1200" baseline="0" dirty="0">
+                          <a:solidFill>
+                            <a:schemeClr val="tx1"/>
+                          </a:solidFill>
+                          <a:effectLst/>
+                          <a:latin typeface="+mn-lt"/>
+                          <a:ea typeface="+mn-ea"/>
+                          <a:cs typeface="+mn-cs"/>
+                        </a:rPr>
+                        <a:t/>
+                      </a:r>
                       <a:br>
                         <a:rPr lang="en-US" altLang="ko-KR" sz="1800" kern="1200" baseline="0" dirty="0">
                           <a:solidFill>
@@ -18663,6 +18884,351 @@
           <a:bodyPr/>
           <a:lstStyle/>
           <a:p>
+            <a:endParaRPr lang="ko-KR" altLang="en-US"/>
+          </a:p>
+        </p:txBody>
+      </p:sp>
+      <p:pic>
+        <p:nvPicPr>
+          <p:cNvPr id="3" name="그림 2"/>
+          <p:cNvPicPr/>
+          <p:nvPr/>
+        </p:nvPicPr>
+        <p:blipFill>
+          <a:blip r:embed="rId3"/>
+          <a:stretch>
+            <a:fillRect/>
+          </a:stretch>
+        </p:blipFill>
+        <p:spPr>
+          <a:xfrm>
+            <a:off x="0" y="0"/>
+            <a:ext cx="12192000" cy="6858000"/>
+          </a:xfrm>
+          <a:prstGeom prst="rect">
+            <a:avLst/>
+          </a:prstGeom>
+        </p:spPr>
+      </p:pic>
+      <p:sp>
+        <p:nvSpPr>
+          <p:cNvPr id="4" name="TextBox 3"/>
+          <p:cNvSpPr txBox="1"/>
+          <p:nvPr/>
+        </p:nvSpPr>
+        <p:spPr>
+          <a:xfrm>
+            <a:off x="6532652" y="774618"/>
+            <a:ext cx="926983" cy="307777"/>
+          </a:xfrm>
+          <a:prstGeom prst="rect">
+            <a:avLst/>
+          </a:prstGeom>
+          <a:noFill/>
+        </p:spPr>
+        <p:txBody>
+          <a:bodyPr wrap="square" rtlCol="0">
+            <a:spAutoFit/>
+          </a:bodyPr>
+          <a:lstStyle>
+            <a:defPPr>
+              <a:defRPr lang="ko-KR"/>
+            </a:defPPr>
+            <a:lvl1pPr>
+              <a:defRPr sz="1200">
+                <a:ln>
+                  <a:solidFill>
+                    <a:schemeClr val="accent1">
+                      <a:alpha val="0"/>
+                    </a:schemeClr>
+                  </a:solidFill>
+                </a:ln>
+                <a:solidFill>
+                  <a:prstClr val="white">
+                    <a:lumMod val="75000"/>
+                  </a:prstClr>
+                </a:solidFill>
+                <a:latin typeface="-윤고딕330" pitchFamily="18" charset="-127"/>
+                <a:ea typeface="-윤고딕330" pitchFamily="18" charset="-127"/>
+              </a:defRPr>
+            </a:lvl1pPr>
+          </a:lstStyle>
+          <a:p>
+            <a:r>
+              <a:rPr lang="en-US" altLang="ko-KR" sz="1400" dirty="0"/>
+              <a:t>Strategy</a:t>
+            </a:r>
+            <a:endParaRPr lang="ko-KR" altLang="en-US" sz="1400" dirty="0"/>
+          </a:p>
+        </p:txBody>
+      </p:sp>
+      <p:cxnSp>
+        <p:nvCxnSpPr>
+          <p:cNvPr id="6" name="직선 연결선 5"/>
+          <p:cNvCxnSpPr/>
+          <p:nvPr/>
+        </p:nvCxnSpPr>
+        <p:spPr>
+          <a:xfrm>
+            <a:off x="5744639" y="1146276"/>
+            <a:ext cx="560439" cy="0"/>
+          </a:xfrm>
+          <a:prstGeom prst="line">
+            <a:avLst/>
+          </a:prstGeom>
+          <a:ln>
+            <a:solidFill>
+              <a:schemeClr val="bg1"/>
+            </a:solidFill>
+          </a:ln>
+        </p:spPr>
+        <p:style>
+          <a:lnRef idx="1">
+            <a:schemeClr val="accent1"/>
+          </a:lnRef>
+          <a:fillRef idx="0">
+            <a:schemeClr val="accent1"/>
+          </a:fillRef>
+          <a:effectRef idx="0">
+            <a:schemeClr val="accent1"/>
+          </a:effectRef>
+          <a:fontRef idx="minor">
+            <a:schemeClr val="tx1"/>
+          </a:fontRef>
+        </p:style>
+      </p:cxnSp>
+      <p:cxnSp>
+        <p:nvCxnSpPr>
+          <p:cNvPr id="7" name="직선 연결선 6"/>
+          <p:cNvCxnSpPr/>
+          <p:nvPr/>
+        </p:nvCxnSpPr>
+        <p:spPr>
+          <a:xfrm>
+            <a:off x="5767481" y="2847807"/>
+            <a:ext cx="560439" cy="0"/>
+          </a:xfrm>
+          <a:prstGeom prst="line">
+            <a:avLst/>
+          </a:prstGeom>
+          <a:ln>
+            <a:solidFill>
+              <a:schemeClr val="bg1"/>
+            </a:solidFill>
+          </a:ln>
+        </p:spPr>
+        <p:style>
+          <a:lnRef idx="1">
+            <a:schemeClr val="accent1"/>
+          </a:lnRef>
+          <a:fillRef idx="0">
+            <a:schemeClr val="accent1"/>
+          </a:fillRef>
+          <a:effectRef idx="0">
+            <a:schemeClr val="accent1"/>
+          </a:effectRef>
+          <a:fontRef idx="minor">
+            <a:schemeClr val="tx1"/>
+          </a:fontRef>
+        </p:style>
+      </p:cxnSp>
+      <p:sp>
+        <p:nvSpPr>
+          <p:cNvPr id="8" name="TextBox 7"/>
+          <p:cNvSpPr txBox="1"/>
+          <p:nvPr/>
+        </p:nvSpPr>
+        <p:spPr>
+          <a:xfrm>
+            <a:off x="5631994" y="1746569"/>
+            <a:ext cx="3655282" cy="1461125"/>
+          </a:xfrm>
+          <a:prstGeom prst="rect">
+            <a:avLst/>
+          </a:prstGeom>
+        </p:spPr>
+        <p:txBody>
+          <a:bodyPr vert="horz" lIns="91440" tIns="45720" rIns="91440" bIns="45720" rtlCol="0">
+            <a:noAutofit/>
+          </a:bodyPr>
+          <a:lstStyle>
+            <a:defPPr>
+              <a:defRPr lang="ko-KR"/>
+            </a:defPPr>
+            <a:lvl1pPr indent="0">
+              <a:lnSpc>
+                <a:spcPct val="100000"/>
+              </a:lnSpc>
+              <a:spcBef>
+                <a:spcPts val="1000"/>
+              </a:spcBef>
+              <a:buFont typeface="Arial" panose="020B0604020202020204" pitchFamily="34" charset="0"/>
+              <a:buNone/>
+              <a:defRPr sz="1100">
+                <a:ln>
+                  <a:solidFill>
+                    <a:schemeClr val="accent1">
+                      <a:alpha val="0"/>
+                    </a:schemeClr>
+                  </a:solidFill>
+                </a:ln>
+                <a:solidFill>
+                  <a:schemeClr val="bg1"/>
+                </a:solidFill>
+                <a:latin typeface="-윤고딕330" panose="02030504000101010101" pitchFamily="18" charset="-127"/>
+                <a:ea typeface="-윤고딕330" panose="02030504000101010101" pitchFamily="18" charset="-127"/>
+              </a:defRPr>
+            </a:lvl1pPr>
+            <a:lvl2pPr marL="685800" indent="-228600">
+              <a:lnSpc>
+                <a:spcPct val="90000"/>
+              </a:lnSpc>
+              <a:spcBef>
+                <a:spcPts val="500"/>
+              </a:spcBef>
+              <a:buFont typeface="Arial" panose="020B0604020202020204" pitchFamily="34" charset="0"/>
+              <a:buChar char="•"/>
+              <a:defRPr sz="2400"/>
+            </a:lvl2pPr>
+            <a:lvl3pPr marL="1143000" indent="-228600">
+              <a:lnSpc>
+                <a:spcPct val="90000"/>
+              </a:lnSpc>
+              <a:spcBef>
+                <a:spcPts val="500"/>
+              </a:spcBef>
+              <a:buFont typeface="Arial" panose="020B0604020202020204" pitchFamily="34" charset="0"/>
+              <a:buChar char="•"/>
+              <a:defRPr sz="2000"/>
+            </a:lvl3pPr>
+            <a:lvl4pPr marL="1600200" indent="-228600">
+              <a:lnSpc>
+                <a:spcPct val="90000"/>
+              </a:lnSpc>
+              <a:spcBef>
+                <a:spcPts val="500"/>
+              </a:spcBef>
+              <a:buFont typeface="Arial" panose="020B0604020202020204" pitchFamily="34" charset="0"/>
+              <a:buChar char="•"/>
+            </a:lvl4pPr>
+            <a:lvl5pPr marL="2057400" indent="-228600">
+              <a:lnSpc>
+                <a:spcPct val="90000"/>
+              </a:lnSpc>
+              <a:spcBef>
+                <a:spcPts val="500"/>
+              </a:spcBef>
+              <a:buFont typeface="Arial" panose="020B0604020202020204" pitchFamily="34" charset="0"/>
+              <a:buChar char="•"/>
+            </a:lvl5pPr>
+            <a:lvl6pPr marL="2514600" indent="-228600">
+              <a:lnSpc>
+                <a:spcPct val="90000"/>
+              </a:lnSpc>
+              <a:spcBef>
+                <a:spcPts val="500"/>
+              </a:spcBef>
+              <a:buFont typeface="Arial" panose="020B0604020202020204" pitchFamily="34" charset="0"/>
+              <a:buChar char="•"/>
+            </a:lvl6pPr>
+            <a:lvl7pPr marL="2971800" indent="-228600">
+              <a:lnSpc>
+                <a:spcPct val="90000"/>
+              </a:lnSpc>
+              <a:spcBef>
+                <a:spcPts val="500"/>
+              </a:spcBef>
+              <a:buFont typeface="Arial" panose="020B0604020202020204" pitchFamily="34" charset="0"/>
+              <a:buChar char="•"/>
+            </a:lvl7pPr>
+            <a:lvl8pPr marL="3429000" indent="-228600">
+              <a:lnSpc>
+                <a:spcPct val="90000"/>
+              </a:lnSpc>
+              <a:spcBef>
+                <a:spcPts val="500"/>
+              </a:spcBef>
+              <a:buFont typeface="Arial" panose="020B0604020202020204" pitchFamily="34" charset="0"/>
+              <a:buChar char="•"/>
+            </a:lvl8pPr>
+            <a:lvl9pPr marL="3886200" indent="-228600">
+              <a:lnSpc>
+                <a:spcPct val="90000"/>
+              </a:lnSpc>
+              <a:spcBef>
+                <a:spcPts val="500"/>
+              </a:spcBef>
+              <a:buFont typeface="Arial" panose="020B0604020202020204" pitchFamily="34" charset="0"/>
+              <a:buChar char="•"/>
+            </a:lvl9pPr>
+          </a:lstStyle>
+          <a:p>
+            <a:r>
+              <a:rPr lang="ko-KR" altLang="en-US" sz="2800" smtClean="0">
+                <a:latin typeface="Noto Sans CJK KR Medium" panose="020B0600000000000000" pitchFamily="34" charset="-127"/>
+                <a:ea typeface="Noto Sans CJK KR Medium" panose="020B0600000000000000" pitchFamily="34" charset="-127"/>
+              </a:rPr>
+              <a:t>시연</a:t>
+            </a:r>
+            <a:endParaRPr lang="en-US" altLang="ko-KR" sz="2800" dirty="0">
+              <a:latin typeface="Noto Sans CJK KR Medium" panose="020B0600000000000000" pitchFamily="34" charset="-127"/>
+              <a:ea typeface="Noto Sans CJK KR Medium" panose="020B0600000000000000" pitchFamily="34" charset="-127"/>
+            </a:endParaRPr>
+          </a:p>
+        </p:txBody>
+      </p:sp>
+    </p:spTree>
+    <p:extLst>
+      <p:ext uri="{BB962C8B-B14F-4D97-AF65-F5344CB8AC3E}">
+        <p14:creationId xmlns:p14="http://schemas.microsoft.com/office/powerpoint/2010/main" val="3768848380"/>
+      </p:ext>
+    </p:extLst>
+  </p:cSld>
+  <p:clrMapOvr>
+    <a:masterClrMapping/>
+  </p:clrMapOvr>
+  <p:timing>
+    <p:tnLst>
+      <p:par>
+        <p:cTn id="1" dur="indefinite" restart="never" nodeType="tmRoot"/>
+      </p:par>
+    </p:tnLst>
+  </p:timing>
+</p:sld>
+</file>
+
+<file path=ppt/slides/slide21.xml><?xml version="1.0" encoding="utf-8"?>
+<p:sld xmlns:a="http://schemas.openxmlformats.org/drawingml/2006/main" xmlns:r="http://schemas.openxmlformats.org/officeDocument/2006/relationships" xmlns:p="http://schemas.openxmlformats.org/presentationml/2006/main">
+  <p:cSld>
+    <p:spTree>
+      <p:nvGrpSpPr>
+        <p:cNvPr id="1" name=""/>
+        <p:cNvGrpSpPr/>
+        <p:nvPr/>
+      </p:nvGrpSpPr>
+      <p:grpSpPr>
+        <a:xfrm>
+          <a:off x="0" y="0"/>
+          <a:ext cx="0" cy="0"/>
+          <a:chOff x="0" y="0"/>
+          <a:chExt cx="0" cy="0"/>
+        </a:xfrm>
+      </p:grpSpPr>
+      <p:sp>
+        <p:nvSpPr>
+          <p:cNvPr id="2" name="제목 1" hidden="1"/>
+          <p:cNvSpPr>
+            <a:spLocks noGrp="1"/>
+          </p:cNvSpPr>
+          <p:nvPr>
+            <p:ph type="title"/>
+          </p:nvPr>
+        </p:nvSpPr>
+        <p:spPr/>
+        <p:txBody>
+          <a:bodyPr/>
+          <a:lstStyle/>
+          <a:p>
             <a:r>
               <a:rPr lang="ko-KR" altLang="en-US" dirty="0" err="1"/>
               <a:t>ㅋ</a:t>
@@ -19955,7 +20521,7 @@
 </p:sld>
 </file>
 
-<file path=ppt/slides/slide21.xml><?xml version="1.0" encoding="utf-8"?>
+<file path=ppt/slides/slide22.xml><?xml version="1.0" encoding="utf-8"?>
 <p:sld xmlns:a="http://schemas.openxmlformats.org/drawingml/2006/main" xmlns:r="http://schemas.openxmlformats.org/officeDocument/2006/relationships" xmlns:p="http://schemas.openxmlformats.org/presentationml/2006/main">
   <p:cSld>
     <p:spTree>
@@ -21117,7 +21683,7 @@
 </p:sld>
 </file>
 
-<file path=ppt/slides/slide22.xml><?xml version="1.0" encoding="utf-8"?>
+<file path=ppt/slides/slide23.xml><?xml version="1.0" encoding="utf-8"?>
 <p:sld xmlns:a="http://schemas.openxmlformats.org/drawingml/2006/main" xmlns:r="http://schemas.openxmlformats.org/officeDocument/2006/relationships" xmlns:p="http://schemas.openxmlformats.org/presentationml/2006/main">
   <p:cSld>
     <p:spTree>

--- a/Presentation/2uzuBook _1011.pptx
+++ b/Presentation/2uzuBook _1011.pptx
@@ -5,7 +5,7 @@
     <p:sldMasterId id="2147483648" r:id="rId1"/>
   </p:sldMasterIdLst>
   <p:notesMasterIdLst>
-    <p:notesMasterId r:id="rId25"/>
+    <p:notesMasterId r:id="rId24"/>
   </p:notesMasterIdLst>
   <p:sldIdLst>
     <p:sldId id="256" r:id="rId2"/>
@@ -16,21 +16,20 @@
     <p:sldId id="264" r:id="rId7"/>
     <p:sldId id="282" r:id="rId8"/>
     <p:sldId id="283" r:id="rId9"/>
-    <p:sldId id="284" r:id="rId10"/>
-    <p:sldId id="304" r:id="rId11"/>
-    <p:sldId id="286" r:id="rId12"/>
-    <p:sldId id="303" r:id="rId13"/>
-    <p:sldId id="305" r:id="rId14"/>
-    <p:sldId id="307" r:id="rId15"/>
-    <p:sldId id="301" r:id="rId16"/>
-    <p:sldId id="275" r:id="rId17"/>
-    <p:sldId id="315" r:id="rId18"/>
-    <p:sldId id="312" r:id="rId19"/>
-    <p:sldId id="316" r:id="rId20"/>
-    <p:sldId id="317" r:id="rId21"/>
-    <p:sldId id="313" r:id="rId22"/>
-    <p:sldId id="314" r:id="rId23"/>
-    <p:sldId id="294" r:id="rId24"/>
+    <p:sldId id="304" r:id="rId10"/>
+    <p:sldId id="286" r:id="rId11"/>
+    <p:sldId id="303" r:id="rId12"/>
+    <p:sldId id="305" r:id="rId13"/>
+    <p:sldId id="307" r:id="rId14"/>
+    <p:sldId id="301" r:id="rId15"/>
+    <p:sldId id="275" r:id="rId16"/>
+    <p:sldId id="315" r:id="rId17"/>
+    <p:sldId id="312" r:id="rId18"/>
+    <p:sldId id="316" r:id="rId19"/>
+    <p:sldId id="317" r:id="rId20"/>
+    <p:sldId id="313" r:id="rId21"/>
+    <p:sldId id="314" r:id="rId22"/>
+    <p:sldId id="294" r:id="rId23"/>
   </p:sldIdLst>
   <p:sldSz cx="12192000" cy="6858000"/>
   <p:notesSz cx="6858000" cy="9144000"/>
@@ -771,7 +770,7 @@
                 <a:ea typeface="+mn-ea"/>
                 <a:cs typeface="+mn-cs"/>
               </a:rPr>
-              <a:t>25 ~ 32 . </a:t>
+              <a:t>24. </a:t>
             </a:r>
             <a:r>
               <a:rPr lang="ko-KR" altLang="en-US" sz="1200" b="0" i="0" kern="1200" dirty="0">
@@ -807,10 +806,10 @@
                 <a:ea typeface="+mn-ea"/>
                 <a:cs typeface="+mn-cs"/>
               </a:rPr>
-              <a:t> 시나리오 인데요 </a:t>
-            </a:r>
-            <a:r>
-              <a:rPr lang="en-US" altLang="ko-KR" sz="1200" b="0" i="0" kern="1200" dirty="0">
+              <a:t> 사용자 다이어그램 인데요 </a:t>
+            </a:r>
+            <a:r>
+              <a:rPr lang="ko-KR" altLang="en-US" sz="1200" b="0" i="0" kern="1200" dirty="0" err="1">
                 <a:solidFill>
                   <a:schemeClr val="tx1"/>
                 </a:solidFill>
@@ -819,7 +818,7 @@
                 <a:ea typeface="+mn-ea"/>
                 <a:cs typeface="+mn-cs"/>
               </a:rPr>
-              <a:t>( </a:t>
+              <a:t>액터는</a:t>
             </a:r>
             <a:r>
               <a:rPr lang="ko-KR" altLang="en-US" sz="1200" b="0" i="0" kern="1200" dirty="0">
@@ -831,10 +830,10 @@
                 <a:ea typeface="+mn-ea"/>
                 <a:cs typeface="+mn-cs"/>
               </a:rPr>
-              <a:t>읽어주기</a:t>
-            </a:r>
-            <a:r>
-              <a:rPr lang="en-US" altLang="ko-KR" sz="1200" b="0" i="0" kern="1200" dirty="0">
+              <a:t> </a:t>
+            </a:r>
+            <a:r>
+              <a:rPr lang="ko-KR" altLang="en-US" sz="1200" b="0" i="0" kern="1200" dirty="0" err="1">
                 <a:solidFill>
                   <a:schemeClr val="tx1"/>
                 </a:solidFill>
@@ -843,7 +842,55 @@
                 <a:ea typeface="+mn-ea"/>
                 <a:cs typeface="+mn-cs"/>
               </a:rPr>
-              <a:t>) </a:t>
+              <a:t>대마고</a:t>
+            </a:r>
+            <a:r>
+              <a:rPr lang="ko-KR" altLang="en-US" sz="1200" b="0" i="0" kern="1200" dirty="0">
+                <a:solidFill>
+                  <a:schemeClr val="tx1"/>
+                </a:solidFill>
+                <a:effectLst/>
+                <a:latin typeface="+mn-lt"/>
+                <a:ea typeface="+mn-ea"/>
+                <a:cs typeface="+mn-cs"/>
+              </a:rPr>
+              <a:t> 학생 </a:t>
+            </a:r>
+            <a:r>
+              <a:rPr lang="en-US" altLang="ko-KR" sz="1200" b="0" i="0" kern="1200" dirty="0">
+                <a:solidFill>
+                  <a:schemeClr val="tx1"/>
+                </a:solidFill>
+                <a:effectLst/>
+                <a:latin typeface="+mn-lt"/>
+                <a:ea typeface="+mn-ea"/>
+                <a:cs typeface="+mn-cs"/>
+              </a:rPr>
+              <a:t>~~~(</a:t>
+            </a:r>
+            <a:r>
+              <a:rPr lang="ko-KR" altLang="en-US" sz="1200" b="0" i="0" kern="1200" dirty="0">
+                <a:solidFill>
+                  <a:schemeClr val="tx1"/>
+                </a:solidFill>
+                <a:effectLst/>
+                <a:latin typeface="+mn-lt"/>
+                <a:ea typeface="+mn-ea"/>
+                <a:cs typeface="+mn-cs"/>
+              </a:rPr>
+              <a:t>읽어주기</a:t>
+            </a:r>
+            <a:r>
+              <a:rPr lang="en-US" altLang="ko-KR" sz="1200" b="0" i="0" kern="1200" dirty="0">
+                <a:solidFill>
+                  <a:schemeClr val="tx1"/>
+                </a:solidFill>
+                <a:effectLst/>
+                <a:latin typeface="+mn-lt"/>
+                <a:ea typeface="+mn-ea"/>
+                <a:cs typeface="+mn-cs"/>
+              </a:rPr>
+              <a:t>)</a:t>
             </a:r>
             <a:endParaRPr lang="ko-KR" altLang="en-US" dirty="0"/>
           </a:p>
@@ -866,7 +913,7 @@
           <a:p>
             <a:fld id="{EEF45E8E-B871-465E-A211-1FB7C7D4BEA7}" type="slidenum">
               <a:rPr lang="ko-KR" altLang="en-US" smtClean="0"/>
-              <a:t>10</a:t>
+              <a:t>14</a:t>
             </a:fld>
             <a:endParaRPr lang="ko-KR" altLang="en-US"/>
           </a:p>
@@ -875,7 +922,7 @@
     </p:spTree>
     <p:extLst>
       <p:ext uri="{BB962C8B-B14F-4D97-AF65-F5344CB8AC3E}">
-        <p14:creationId xmlns:p14="http://schemas.microsoft.com/office/powerpoint/2010/main" val="2598773253"/>
+        <p14:creationId xmlns:p14="http://schemas.microsoft.com/office/powerpoint/2010/main" val="2343462671"/>
       </p:ext>
     </p:extLst>
   </p:cSld>
@@ -929,6 +976,9 @@
           <a:bodyPr/>
           <a:lstStyle/>
           <a:p>
+            <a:br>
+              <a:rPr lang="ko-KR" altLang="en-US" dirty="0"/>
+            </a:br>
             <a:r>
               <a:rPr lang="en-US" altLang="ko-KR" sz="1200" b="0" i="0" kern="1200" dirty="0">
                 <a:solidFill>
@@ -939,7 +989,7 @@
                 <a:ea typeface="+mn-ea"/>
                 <a:cs typeface="+mn-cs"/>
               </a:rPr>
-              <a:t>24. </a:t>
+              <a:t>12. </a:t>
             </a:r>
             <a:r>
               <a:rPr lang="ko-KR" altLang="en-US" sz="1200" b="0" i="0" kern="1200" dirty="0">
@@ -951,10 +1001,10 @@
                 <a:ea typeface="+mn-ea"/>
                 <a:cs typeface="+mn-cs"/>
               </a:rPr>
-              <a:t>저희의 </a:t>
-            </a:r>
-            <a:r>
-              <a:rPr lang="ko-KR" altLang="en-US" sz="1200" b="0" i="0" kern="1200" dirty="0" err="1">
+              <a:t>저희는 </a:t>
+            </a:r>
+            <a:r>
+              <a:rPr lang="en-US" altLang="ko-KR" sz="1200" b="0" i="0" kern="1200" dirty="0">
                 <a:solidFill>
                   <a:schemeClr val="tx1"/>
                 </a:solidFill>
@@ -963,7 +1013,7 @@
                 <a:ea typeface="+mn-ea"/>
                 <a:cs typeface="+mn-cs"/>
               </a:rPr>
-              <a:t>유스케이스</a:t>
+              <a:t>WBS</a:t>
             </a:r>
             <a:r>
               <a:rPr lang="ko-KR" altLang="en-US" sz="1200" b="0" i="0" kern="1200" dirty="0">
@@ -975,7 +1025,7 @@
                 <a:ea typeface="+mn-ea"/>
                 <a:cs typeface="+mn-cs"/>
               </a:rPr>
-              <a:t> 사용자 다이어그램 인데요 </a:t>
+              <a:t>를 엑셀로 작성하고 </a:t>
             </a:r>
             <a:r>
               <a:rPr lang="ko-KR" altLang="en-US" sz="1200" b="0" i="0" kern="1200" dirty="0" err="1">
@@ -987,7 +1037,7 @@
                 <a:ea typeface="+mn-ea"/>
                 <a:cs typeface="+mn-cs"/>
               </a:rPr>
-              <a:t>액터는</a:t>
+              <a:t>간트</a:t>
             </a:r>
             <a:r>
               <a:rPr lang="ko-KR" altLang="en-US" sz="1200" b="0" i="0" kern="1200" dirty="0">
@@ -999,10 +1049,10 @@
                 <a:ea typeface="+mn-ea"/>
                 <a:cs typeface="+mn-cs"/>
               </a:rPr>
-              <a:t> </a:t>
-            </a:r>
-            <a:r>
-              <a:rPr lang="ko-KR" altLang="en-US" sz="1200" b="0" i="0" kern="1200" dirty="0" err="1">
+              <a:t> 차트를 그려서 일정 및 인원 조직을 하였습니다</a:t>
+            </a:r>
+            <a:r>
+              <a:rPr lang="en-US" altLang="ko-KR" sz="1200" b="0" i="0" kern="1200" dirty="0">
                 <a:solidFill>
                   <a:schemeClr val="tx1"/>
                 </a:solidFill>
@@ -1011,55 +1061,7 @@
                 <a:ea typeface="+mn-ea"/>
                 <a:cs typeface="+mn-cs"/>
               </a:rPr>
-              <a:t>대마고</a:t>
-            </a:r>
-            <a:r>
-              <a:rPr lang="ko-KR" altLang="en-US" sz="1200" b="0" i="0" kern="1200" dirty="0">
-                <a:solidFill>
-                  <a:schemeClr val="tx1"/>
-                </a:solidFill>
-                <a:effectLst/>
-                <a:latin typeface="+mn-lt"/>
-                <a:ea typeface="+mn-ea"/>
-                <a:cs typeface="+mn-cs"/>
-              </a:rPr>
-              <a:t> 학생 </a:t>
-            </a:r>
-            <a:r>
-              <a:rPr lang="en-US" altLang="ko-KR" sz="1200" b="0" i="0" kern="1200" dirty="0">
-                <a:solidFill>
-                  <a:schemeClr val="tx1"/>
-                </a:solidFill>
-                <a:effectLst/>
-                <a:latin typeface="+mn-lt"/>
-                <a:ea typeface="+mn-ea"/>
-                <a:cs typeface="+mn-cs"/>
-              </a:rPr>
-              <a:t>~~~(</a:t>
-            </a:r>
-            <a:r>
-              <a:rPr lang="ko-KR" altLang="en-US" sz="1200" b="0" i="0" kern="1200" dirty="0">
-                <a:solidFill>
-                  <a:schemeClr val="tx1"/>
-                </a:solidFill>
-                <a:effectLst/>
-                <a:latin typeface="+mn-lt"/>
-                <a:ea typeface="+mn-ea"/>
-                <a:cs typeface="+mn-cs"/>
-              </a:rPr>
-              <a:t>읽어주기</a:t>
-            </a:r>
-            <a:r>
-              <a:rPr lang="en-US" altLang="ko-KR" sz="1200" b="0" i="0" kern="1200" dirty="0">
-                <a:solidFill>
-                  <a:schemeClr val="tx1"/>
-                </a:solidFill>
-                <a:effectLst/>
-                <a:latin typeface="+mn-lt"/>
-                <a:ea typeface="+mn-ea"/>
-                <a:cs typeface="+mn-cs"/>
-              </a:rPr>
-              <a:t>)</a:t>
+              <a:t>.</a:t>
             </a:r>
             <a:endParaRPr lang="ko-KR" altLang="en-US" dirty="0"/>
           </a:p>
@@ -1091,7 +1093,7 @@
     </p:spTree>
     <p:extLst>
       <p:ext uri="{BB962C8B-B14F-4D97-AF65-F5344CB8AC3E}">
-        <p14:creationId xmlns:p14="http://schemas.microsoft.com/office/powerpoint/2010/main" val="2343462671"/>
+        <p14:creationId xmlns:p14="http://schemas.microsoft.com/office/powerpoint/2010/main" val="211289514"/>
       </p:ext>
     </p:extLst>
   </p:cSld>
@@ -1145,10 +1147,6 @@
           <a:bodyPr/>
           <a:lstStyle/>
           <a:p>
-            <a:r>
-              <a:rPr lang="ko-KR" altLang="en-US" dirty="0"/>
-              <a:t/>
-            </a:r>
             <a:br>
               <a:rPr lang="ko-KR" altLang="en-US" dirty="0"/>
             </a:br>
@@ -1266,7 +1264,7 @@
     </p:spTree>
     <p:extLst>
       <p:ext uri="{BB962C8B-B14F-4D97-AF65-F5344CB8AC3E}">
-        <p14:creationId xmlns:p14="http://schemas.microsoft.com/office/powerpoint/2010/main" val="211289514"/>
+        <p14:creationId xmlns:p14="http://schemas.microsoft.com/office/powerpoint/2010/main" val="1617589121"/>
       </p:ext>
     </p:extLst>
   </p:cSld>
@@ -1320,10 +1318,6 @@
           <a:bodyPr/>
           <a:lstStyle/>
           <a:p>
-            <a:r>
-              <a:rPr lang="ko-KR" altLang="en-US" dirty="0"/>
-              <a:t/>
-            </a:r>
             <a:br>
               <a:rPr lang="ko-KR" altLang="en-US" dirty="0"/>
             </a:br>
@@ -1441,7 +1435,7 @@
     </p:spTree>
     <p:extLst>
       <p:ext uri="{BB962C8B-B14F-4D97-AF65-F5344CB8AC3E}">
-        <p14:creationId xmlns:p14="http://schemas.microsoft.com/office/powerpoint/2010/main" val="1617589121"/>
+        <p14:creationId xmlns:p14="http://schemas.microsoft.com/office/powerpoint/2010/main" val="3764223207"/>
       </p:ext>
     </p:extLst>
   </p:cSld>
@@ -1495,10 +1489,6 @@
           <a:bodyPr/>
           <a:lstStyle/>
           <a:p>
-            <a:r>
-              <a:rPr lang="ko-KR" altLang="en-US" dirty="0"/>
-              <a:t/>
-            </a:r>
             <a:br>
               <a:rPr lang="ko-KR" altLang="en-US" dirty="0"/>
             </a:br>
@@ -1616,7 +1606,7 @@
     </p:spTree>
     <p:extLst>
       <p:ext uri="{BB962C8B-B14F-4D97-AF65-F5344CB8AC3E}">
-        <p14:creationId xmlns:p14="http://schemas.microsoft.com/office/powerpoint/2010/main" val="3764223207"/>
+        <p14:creationId xmlns:p14="http://schemas.microsoft.com/office/powerpoint/2010/main" val="1386805967"/>
       </p:ext>
     </p:extLst>
   </p:cSld>
@@ -1671,13 +1661,6 @@
           <a:lstStyle/>
           <a:p>
             <a:r>
-              <a:rPr lang="ko-KR" altLang="en-US" dirty="0"/>
-              <a:t/>
-            </a:r>
-            <a:br>
-              <a:rPr lang="ko-KR" altLang="en-US" dirty="0"/>
-            </a:br>
-            <a:r>
               <a:rPr lang="en-US" altLang="ko-KR" sz="1200" b="0" i="0" kern="1200" dirty="0">
                 <a:solidFill>
                   <a:schemeClr val="tx1"/>
@@ -1687,7 +1670,7 @@
                 <a:ea typeface="+mn-ea"/>
                 <a:cs typeface="+mn-cs"/>
               </a:rPr>
-              <a:t>12. </a:t>
+              <a:t>18. </a:t>
             </a:r>
             <a:r>
               <a:rPr lang="ko-KR" altLang="en-US" sz="1200" b="0" i="0" kern="1200" dirty="0">
@@ -1699,10 +1682,10 @@
                 <a:ea typeface="+mn-ea"/>
                 <a:cs typeface="+mn-cs"/>
               </a:rPr>
-              <a:t>저희는 </a:t>
-            </a:r>
-            <a:r>
-              <a:rPr lang="en-US" altLang="ko-KR" sz="1200" b="0" i="0" kern="1200" dirty="0">
+              <a:t>마지막 목차인 </a:t>
+            </a:r>
+            <a:r>
+              <a:rPr lang="ko-KR" altLang="en-US" sz="1200" b="0" i="0" kern="1200" dirty="0" err="1">
                 <a:solidFill>
                   <a:schemeClr val="tx1"/>
                 </a:solidFill>
@@ -1711,7 +1694,7 @@
                 <a:ea typeface="+mn-ea"/>
                 <a:cs typeface="+mn-cs"/>
               </a:rPr>
-              <a:t>WBS</a:t>
+              <a:t>요구분석</a:t>
             </a:r>
             <a:r>
               <a:rPr lang="ko-KR" altLang="en-US" sz="1200" b="0" i="0" kern="1200" dirty="0">
@@ -1723,10 +1706,10 @@
                 <a:ea typeface="+mn-ea"/>
                 <a:cs typeface="+mn-cs"/>
               </a:rPr>
-              <a:t>를 엑셀로 작성하고 </a:t>
-            </a:r>
-            <a:r>
-              <a:rPr lang="ko-KR" altLang="en-US" sz="1200" b="0" i="0" kern="1200" dirty="0" err="1">
+              <a:t> 단계입니다</a:t>
+            </a:r>
+            <a:r>
+              <a:rPr lang="en-US" altLang="ko-KR" sz="1200" b="0" i="0" kern="1200" dirty="0">
                 <a:solidFill>
                   <a:schemeClr val="tx1"/>
                 </a:solidFill>
@@ -1735,7 +1718,7 @@
                 <a:ea typeface="+mn-ea"/>
                 <a:cs typeface="+mn-cs"/>
               </a:rPr>
-              <a:t>간트</a:t>
+              <a:t>!!!! </a:t>
             </a:r>
             <a:r>
               <a:rPr lang="ko-KR" altLang="en-US" sz="1200" b="0" i="0" kern="1200" dirty="0">
@@ -1747,7 +1730,31 @@
                 <a:ea typeface="+mn-ea"/>
                 <a:cs typeface="+mn-cs"/>
               </a:rPr>
-              <a:t> 차트를 그려서 일정 및 인원 조직을 하였습니다</a:t>
+              <a:t>요구 분석 단계에서는 요구사항 도출을 하고 그것은 분석하고 </a:t>
+            </a:r>
+            <a:r>
+              <a:rPr lang="ko-KR" altLang="en-US" sz="1200" b="0" i="0" kern="1200" dirty="0" err="1">
+                <a:solidFill>
+                  <a:schemeClr val="tx1"/>
+                </a:solidFill>
+                <a:effectLst/>
+                <a:latin typeface="+mn-lt"/>
+                <a:ea typeface="+mn-ea"/>
+                <a:cs typeface="+mn-cs"/>
+              </a:rPr>
+              <a:t>유스케이스를</a:t>
+            </a:r>
+            <a:r>
+              <a:rPr lang="ko-KR" altLang="en-US" sz="1200" b="0" i="0" kern="1200" dirty="0">
+                <a:solidFill>
+                  <a:schemeClr val="tx1"/>
+                </a:solidFill>
+                <a:effectLst/>
+                <a:latin typeface="+mn-lt"/>
+                <a:ea typeface="+mn-ea"/>
+                <a:cs typeface="+mn-cs"/>
+              </a:rPr>
+              <a:t> 설명하도록 하겠습니다</a:t>
             </a:r>
             <a:r>
               <a:rPr lang="en-US" altLang="ko-KR" sz="1200" b="0" i="0" kern="1200" dirty="0">
@@ -1791,7 +1798,7 @@
     </p:spTree>
     <p:extLst>
       <p:ext uri="{BB962C8B-B14F-4D97-AF65-F5344CB8AC3E}">
-        <p14:creationId xmlns:p14="http://schemas.microsoft.com/office/powerpoint/2010/main" val="1386805967"/>
+        <p14:creationId xmlns:p14="http://schemas.microsoft.com/office/powerpoint/2010/main" val="3928041120"/>
       </p:ext>
     </p:extLst>
   </p:cSld>
@@ -1846,111 +1853,85 @@
           <a:lstStyle/>
           <a:p>
             <a:r>
-              <a:rPr lang="en-US" altLang="ko-KR" sz="1200" b="0" i="0" kern="1200" dirty="0" smtClean="0">
-                <a:solidFill>
-                  <a:schemeClr val="tx1"/>
-                </a:solidFill>
-                <a:effectLst/>
-                <a:latin typeface="+mn-lt"/>
-                <a:ea typeface="+mn-ea"/>
-                <a:cs typeface="+mn-cs"/>
-              </a:rPr>
-              <a:t>18. </a:t>
-            </a:r>
-            <a:r>
-              <a:rPr lang="ko-KR" altLang="en-US" sz="1200" b="0" i="0" kern="1200" dirty="0" smtClean="0">
-                <a:solidFill>
-                  <a:schemeClr val="tx1"/>
-                </a:solidFill>
-                <a:effectLst/>
-                <a:latin typeface="+mn-lt"/>
-                <a:ea typeface="+mn-ea"/>
-                <a:cs typeface="+mn-cs"/>
-              </a:rPr>
-              <a:t>마지막 목차인 </a:t>
-            </a:r>
-            <a:r>
-              <a:rPr lang="ko-KR" altLang="en-US" sz="1200" b="0" i="0" kern="1200" dirty="0" err="1" smtClean="0">
-                <a:solidFill>
-                  <a:schemeClr val="tx1"/>
-                </a:solidFill>
-                <a:effectLst/>
-                <a:latin typeface="+mn-lt"/>
-                <a:ea typeface="+mn-ea"/>
-                <a:cs typeface="+mn-cs"/>
-              </a:rPr>
-              <a:t>요구분석</a:t>
-            </a:r>
-            <a:r>
-              <a:rPr lang="ko-KR" altLang="en-US" sz="1200" b="0" i="0" kern="1200" dirty="0" smtClean="0">
-                <a:solidFill>
-                  <a:schemeClr val="tx1"/>
-                </a:solidFill>
-                <a:effectLst/>
-                <a:latin typeface="+mn-lt"/>
-                <a:ea typeface="+mn-ea"/>
-                <a:cs typeface="+mn-cs"/>
-              </a:rPr>
-              <a:t> 단계입니다</a:t>
-            </a:r>
-            <a:r>
-              <a:rPr lang="en-US" altLang="ko-KR" sz="1200" b="0" i="0" kern="1200" dirty="0" smtClean="0">
-                <a:solidFill>
-                  <a:schemeClr val="tx1"/>
-                </a:solidFill>
-                <a:effectLst/>
-                <a:latin typeface="+mn-lt"/>
-                <a:ea typeface="+mn-ea"/>
-                <a:cs typeface="+mn-cs"/>
-              </a:rPr>
-              <a:t>!!!! </a:t>
-            </a:r>
-            <a:r>
-              <a:rPr lang="ko-KR" altLang="en-US" sz="1200" b="0" i="0" kern="1200" dirty="0" smtClean="0">
-                <a:solidFill>
-                  <a:schemeClr val="tx1"/>
-                </a:solidFill>
-                <a:effectLst/>
-                <a:latin typeface="+mn-lt"/>
-                <a:ea typeface="+mn-ea"/>
-                <a:cs typeface="+mn-cs"/>
-              </a:rPr>
-              <a:t>요구 분석 단계에서는 요구사항 도출을 하고 그것은 분석하고 </a:t>
-            </a:r>
-            <a:r>
-              <a:rPr lang="ko-KR" altLang="en-US" sz="1200" b="0" i="0" kern="1200" dirty="0" err="1" smtClean="0">
-                <a:solidFill>
-                  <a:schemeClr val="tx1"/>
-                </a:solidFill>
-                <a:effectLst/>
-                <a:latin typeface="+mn-lt"/>
-                <a:ea typeface="+mn-ea"/>
-                <a:cs typeface="+mn-cs"/>
-              </a:rPr>
-              <a:t>유스케이스를</a:t>
-            </a:r>
-            <a:r>
-              <a:rPr lang="ko-KR" altLang="en-US" sz="1200" b="0" i="0" kern="1200" dirty="0" smtClean="0">
-                <a:solidFill>
-                  <a:schemeClr val="tx1"/>
-                </a:solidFill>
-                <a:effectLst/>
-                <a:latin typeface="+mn-lt"/>
-                <a:ea typeface="+mn-ea"/>
-                <a:cs typeface="+mn-cs"/>
-              </a:rPr>
-              <a:t> 설명하도록 하겠습니다</a:t>
-            </a:r>
-            <a:r>
-              <a:rPr lang="en-US" altLang="ko-KR" sz="1200" b="0" i="0" kern="1200" dirty="0" smtClean="0">
-                <a:solidFill>
-                  <a:schemeClr val="tx1"/>
-                </a:solidFill>
-                <a:effectLst/>
-                <a:latin typeface="+mn-lt"/>
-                <a:ea typeface="+mn-ea"/>
-                <a:cs typeface="+mn-cs"/>
-              </a:rPr>
+              <a:rPr lang="ko-KR" altLang="en-US" dirty="0"/>
+              <a:t>저희가 </a:t>
+            </a:r>
+            <a:r>
+              <a:rPr lang="ko-KR" altLang="en-US" dirty="0" err="1"/>
+              <a:t>애초애</a:t>
+            </a:r>
+            <a:r>
+              <a:rPr lang="ko-KR" altLang="en-US" dirty="0"/>
+              <a:t> 이 프로젝트를 계획한 목적이 바로 </a:t>
+            </a:r>
+            <a:r>
+              <a:rPr lang="ko-KR" altLang="en-US" dirty="0" err="1"/>
+              <a:t>종이로된</a:t>
+            </a:r>
+            <a:r>
+              <a:rPr lang="ko-KR" altLang="en-US" dirty="0"/>
+              <a:t> </a:t>
+            </a:r>
+            <a:r>
+              <a:rPr lang="ko-KR" altLang="en-US" dirty="0" err="1"/>
+              <a:t>레주메</a:t>
+            </a:r>
+            <a:r>
+              <a:rPr lang="ko-KR" altLang="en-US" dirty="0"/>
+              <a:t> 대신에 저희의 웹사이트를 이용하는 것 이었습니다</a:t>
+            </a:r>
+            <a:r>
+              <a:rPr lang="en-US" altLang="ko-KR" dirty="0"/>
+              <a:t>.</a:t>
+            </a:r>
+          </a:p>
+          <a:p>
+            <a:endParaRPr lang="en-US" altLang="ko-KR" dirty="0"/>
+          </a:p>
+          <a:p>
+            <a:r>
+              <a:rPr lang="ko-KR" altLang="en-US" dirty="0"/>
+              <a:t>이렇게 저희의 본래 목적대로 저희의 웹사이트를 학교에서 </a:t>
+            </a:r>
+            <a:r>
+              <a:rPr lang="ko-KR" altLang="en-US" dirty="0" err="1"/>
+              <a:t>레주메북대신</a:t>
+            </a:r>
+            <a:r>
+              <a:rPr lang="ko-KR" altLang="en-US" dirty="0"/>
+              <a:t> 사용하는 것이 최종 계획이며</a:t>
+            </a:r>
+            <a:r>
+              <a:rPr lang="en-US" altLang="ko-KR" dirty="0"/>
+              <a:t>, </a:t>
+            </a:r>
+            <a:r>
+              <a:rPr lang="ko-KR" altLang="en-US" dirty="0"/>
+              <a:t>학교에서 사용하려면 아직 부족한 부분이 많다고 생각합니다</a:t>
+            </a:r>
+            <a:r>
+              <a:rPr lang="en-US" altLang="ko-KR" dirty="0"/>
+              <a:t>.</a:t>
+            </a:r>
+          </a:p>
+          <a:p>
+            <a:endParaRPr lang="en-US" altLang="ko-KR" dirty="0"/>
+          </a:p>
+          <a:p>
+            <a:r>
+              <a:rPr lang="ko-KR" altLang="en-US" dirty="0"/>
+              <a:t>따라서 저희의 프로젝트를 더 발전시키고 </a:t>
+            </a:r>
+            <a:r>
+              <a:rPr lang="ko-KR" altLang="en-US" dirty="0" err="1"/>
+              <a:t>유지보수하면서</a:t>
+            </a:r>
+            <a:r>
+              <a:rPr lang="ko-KR" altLang="en-US" dirty="0"/>
+              <a:t> 꼭 나중에 이 사이트를 여러분이 사용하는 날이 오게 만들겠습니다</a:t>
+            </a:r>
+            <a:r>
+              <a:rPr lang="en-US" altLang="ko-KR" dirty="0"/>
               <a:t>.</a:t>
             </a:r>
             <a:endParaRPr lang="ko-KR" altLang="en-US" dirty="0"/>
@@ -1983,7 +1964,7 @@
     </p:spTree>
     <p:extLst>
       <p:ext uri="{BB962C8B-B14F-4D97-AF65-F5344CB8AC3E}">
-        <p14:creationId xmlns:p14="http://schemas.microsoft.com/office/powerpoint/2010/main" val="3928041120"/>
+        <p14:creationId xmlns:p14="http://schemas.microsoft.com/office/powerpoint/2010/main" val="3704898044"/>
       </p:ext>
     </p:extLst>
   </p:cSld>
@@ -2038,88 +2019,151 @@
           <a:lstStyle/>
           <a:p>
             <a:r>
-              <a:rPr lang="ko-KR" altLang="en-US" dirty="0"/>
-              <a:t>저희가 </a:t>
-            </a:r>
-            <a:r>
               <a:rPr lang="ko-KR" altLang="en-US" dirty="0" err="1"/>
-              <a:t>애초애</a:t>
-            </a:r>
-            <a:r>
-              <a:rPr lang="ko-KR" altLang="en-US" dirty="0"/>
-              <a:t> 이 프로젝트를 계획한 목적이 바로 </a:t>
-            </a:r>
-            <a:r>
-              <a:rPr lang="ko-KR" altLang="en-US" dirty="0" err="1"/>
-              <a:t>종이로된</a:t>
+              <a:t>윤정현</a:t>
             </a:r>
             <a:r>
               <a:rPr lang="ko-KR" altLang="en-US" dirty="0"/>
               <a:t> </a:t>
             </a:r>
             <a:r>
+              <a:rPr lang="en-US" altLang="ko-KR" dirty="0"/>
+              <a:t>: 4</a:t>
+            </a:r>
+            <a:r>
               <a:rPr lang="ko-KR" altLang="en-US" dirty="0" err="1"/>
-              <a:t>레주메</a:t>
+              <a:t>명이서</a:t>
             </a:r>
             <a:r>
               <a:rPr lang="ko-KR" altLang="en-US" dirty="0"/>
-              <a:t> 대신에 저희의 웹사이트를 이용하는 것 이었습니다</a:t>
-            </a:r>
-            <a:r>
-              <a:rPr lang="en-US" altLang="ko-KR" dirty="0"/>
-              <a:t>.</a:t>
-            </a:r>
-          </a:p>
-          <a:p>
-            <a:endParaRPr lang="en-US" altLang="ko-KR" dirty="0"/>
-          </a:p>
-          <a:p>
-            <a:r>
-              <a:rPr lang="ko-KR" altLang="en-US" dirty="0"/>
-              <a:t>이렇게 저희의 본래 목적대로 저희의 웹사이트를 학교에서 </a:t>
-            </a:r>
-            <a:r>
-              <a:rPr lang="ko-KR" altLang="en-US" dirty="0" err="1"/>
-              <a:t>레주메북대신</a:t>
-            </a:r>
-            <a:r>
-              <a:rPr lang="ko-KR" altLang="en-US" dirty="0"/>
-              <a:t> 사용하는 것이 최종 계획이며</a:t>
-            </a:r>
-            <a:r>
-              <a:rPr lang="en-US" altLang="ko-KR" dirty="0"/>
+              <a:t> 다 처음 접하는 웹프로젝트를</a:t>
+            </a:r>
+            <a:r>
+              <a:rPr lang="ko-KR" altLang="en-US" baseline="0" dirty="0"/>
+              <a:t> </a:t>
+            </a:r>
+            <a:r>
+              <a:rPr lang="ko-KR" altLang="en-US" baseline="0" dirty="0" err="1"/>
+              <a:t>하다보니</a:t>
+            </a:r>
+            <a:r>
+              <a:rPr lang="ko-KR" altLang="en-US" baseline="0" dirty="0"/>
+              <a:t> 서로 미숙한 부분이 많았고 서로 많이 안 맞았지만 교장선생님을 위하여 </a:t>
+            </a:r>
+            <a:endParaRPr lang="en-US" altLang="ko-KR" baseline="0" dirty="0"/>
+          </a:p>
+          <a:p>
+            <a:endParaRPr lang="en-US" altLang="ko-KR" baseline="0" dirty="0"/>
+          </a:p>
+          <a:p>
+            <a:endParaRPr lang="en-US" altLang="ko-KR" baseline="0" dirty="0"/>
+          </a:p>
+          <a:p>
+            <a:r>
+              <a:rPr lang="ko-KR" altLang="en-US" baseline="0" dirty="0"/>
+              <a:t>박규리</a:t>
+            </a:r>
+            <a:r>
+              <a:rPr lang="en-US" altLang="ko-KR" baseline="0" dirty="0"/>
+              <a:t>: </a:t>
+            </a:r>
+            <a:r>
+              <a:rPr lang="ko-KR" altLang="en-US" baseline="0" dirty="0"/>
+              <a:t>아직 부족하고 미숙한 </a:t>
+            </a:r>
+            <a:r>
+              <a:rPr lang="en-US" altLang="ko-KR" baseline="0" dirty="0"/>
+              <a:t>4</a:t>
+            </a:r>
+            <a:r>
+              <a:rPr lang="ko-KR" altLang="en-US" baseline="0" dirty="0"/>
+              <a:t>명이서 처음으로 웹페이지를 개발하다 보니 고비가 많이 있었습니다</a:t>
+            </a:r>
+            <a:r>
+              <a:rPr lang="en-US" altLang="ko-KR" baseline="0" dirty="0"/>
+              <a:t>. </a:t>
+            </a:r>
+            <a:r>
+              <a:rPr lang="ko-KR" altLang="en-US" baseline="0" dirty="0"/>
+              <a:t>저번 발표에서 </a:t>
+            </a:r>
+            <a:r>
+              <a:rPr lang="en-US" altLang="ko-KR" baseline="0" dirty="0"/>
+              <a:t>8</a:t>
+            </a:r>
+            <a:r>
+              <a:rPr lang="ko-KR" altLang="en-US" baseline="0" dirty="0"/>
+              <a:t>점을 </a:t>
+            </a:r>
+            <a:r>
+              <a:rPr lang="ko-KR" altLang="en-US" baseline="0" dirty="0" err="1"/>
+              <a:t>받았을때</a:t>
+            </a:r>
+            <a:r>
+              <a:rPr lang="ko-KR" altLang="en-US" baseline="0" dirty="0"/>
+              <a:t> 약간 충격을 받았습니다</a:t>
+            </a:r>
+            <a:r>
+              <a:rPr lang="en-US" altLang="ko-KR" baseline="0" dirty="0"/>
+              <a:t>. </a:t>
+            </a:r>
+            <a:r>
+              <a:rPr lang="ko-KR" altLang="en-US" baseline="0" dirty="0"/>
+              <a:t>하지만 저희는 평정심을 잃지않고 팀원들과 연휴</a:t>
+            </a:r>
+            <a:r>
+              <a:rPr lang="en-US" altLang="ko-KR" baseline="0" dirty="0"/>
               <a:t>, </a:t>
             </a:r>
             <a:r>
-              <a:rPr lang="ko-KR" altLang="en-US" dirty="0"/>
-              <a:t>학교에서 사용하려면 아직 부족한 부분이 많다고 생각합니다</a:t>
-            </a:r>
-            <a:r>
-              <a:rPr lang="en-US" altLang="ko-KR" dirty="0"/>
-              <a:t>.</a:t>
-            </a:r>
-          </a:p>
-          <a:p>
-            <a:endParaRPr lang="en-US" altLang="ko-KR" dirty="0"/>
-          </a:p>
-          <a:p>
-            <a:r>
-              <a:rPr lang="ko-KR" altLang="en-US" dirty="0"/>
-              <a:t>따라서 저희의 프로젝트를 더 발전시키고 </a:t>
-            </a:r>
-            <a:r>
-              <a:rPr lang="ko-KR" altLang="en-US" dirty="0" err="1"/>
-              <a:t>유지보수하면서</a:t>
-            </a:r>
-            <a:r>
-              <a:rPr lang="ko-KR" altLang="en-US" dirty="0"/>
-              <a:t> 꼭 나중에 이 사이트를 여러분이 사용하는 날이 오게 만들겠습니다</a:t>
-            </a:r>
-            <a:r>
-              <a:rPr lang="en-US" altLang="ko-KR" dirty="0"/>
-              <a:t>.</a:t>
-            </a:r>
-            <a:endParaRPr lang="ko-KR" altLang="en-US" dirty="0"/>
+              <a:rPr lang="ko-KR" altLang="en-US" baseline="0" dirty="0"/>
+              <a:t>주말에도 꾸준히 개발하여 여기까지 도달할 수 있었던 것 같습니다</a:t>
+            </a:r>
+            <a:r>
+              <a:rPr lang="en-US" altLang="ko-KR" baseline="0" dirty="0"/>
+              <a:t>. </a:t>
+            </a:r>
+            <a:r>
+              <a:rPr lang="ko-KR" altLang="en-US" baseline="0" dirty="0"/>
+              <a:t>이 프로젝트는 제 </a:t>
+            </a:r>
+            <a:r>
+              <a:rPr lang="en-US" altLang="ko-KR" baseline="0" dirty="0"/>
+              <a:t>18</a:t>
+            </a:r>
+            <a:r>
+              <a:rPr lang="ko-KR" altLang="en-US" baseline="0" dirty="0"/>
+              <a:t>년 인생에서 가장 자랑하고 싶은 프로젝트라고 생각합니다</a:t>
+            </a:r>
+            <a:r>
+              <a:rPr lang="en-US" altLang="ko-KR" baseline="0" dirty="0"/>
+              <a:t>! </a:t>
+            </a:r>
+            <a:r>
+              <a:rPr lang="ko-KR" altLang="en-US" baseline="0" dirty="0"/>
+              <a:t>이렇게 제 인생의 선물을 주신 선생님께 정말 감사하고 우리 팀원들에게 마지막으로 수고했다는 말을 전해주고 싶습니다</a:t>
+            </a:r>
+            <a:r>
+              <a:rPr lang="en-US" altLang="ko-KR" baseline="0" dirty="0"/>
+              <a:t>. </a:t>
+            </a:r>
+            <a:r>
+              <a:rPr lang="ko-KR" altLang="en-US" baseline="0" dirty="0"/>
+              <a:t>애들아 수고했다</a:t>
+            </a:r>
+            <a:r>
+              <a:rPr lang="en-US" altLang="ko-KR" baseline="0" dirty="0"/>
+              <a:t>~~</a:t>
+            </a:r>
+            <a:r>
+              <a:rPr lang="ko-KR" altLang="en-US" baseline="0" dirty="0"/>
+              <a:t>흑흑 </a:t>
+            </a:r>
+            <a:r>
+              <a:rPr lang="ko-KR" altLang="en-US" baseline="0" dirty="0" err="1"/>
+              <a:t>ㅜㅜㅜ</a:t>
+            </a:r>
+            <a:endParaRPr lang="en-US" altLang="ko-KR" baseline="0" dirty="0"/>
           </a:p>
         </p:txBody>
       </p:sp>
@@ -2141,235 +2185,6 @@
             <a:fld id="{EEF45E8E-B871-465E-A211-1FB7C7D4BEA7}" type="slidenum">
               <a:rPr lang="ko-KR" altLang="en-US" smtClean="0"/>
               <a:t>21</a:t>
-            </a:fld>
-            <a:endParaRPr lang="ko-KR" altLang="en-US"/>
-          </a:p>
-        </p:txBody>
-      </p:sp>
-    </p:spTree>
-    <p:extLst>
-      <p:ext uri="{BB962C8B-B14F-4D97-AF65-F5344CB8AC3E}">
-        <p14:creationId xmlns:p14="http://schemas.microsoft.com/office/powerpoint/2010/main" val="3704898044"/>
-      </p:ext>
-    </p:extLst>
-  </p:cSld>
-  <p:clrMapOvr>
-    <a:masterClrMapping/>
-  </p:clrMapOvr>
-</p:notes>
-</file>
-
-<file path=ppt/notesSlides/notesSlide18.xml><?xml version="1.0" encoding="utf-8"?>
-<p:notes xmlns:a="http://schemas.openxmlformats.org/drawingml/2006/main" xmlns:r="http://schemas.openxmlformats.org/officeDocument/2006/relationships" xmlns:p="http://schemas.openxmlformats.org/presentationml/2006/main">
-  <p:cSld>
-    <p:spTree>
-      <p:nvGrpSpPr>
-        <p:cNvPr id="1" name=""/>
-        <p:cNvGrpSpPr/>
-        <p:nvPr/>
-      </p:nvGrpSpPr>
-      <p:grpSpPr>
-        <a:xfrm>
-          <a:off x="0" y="0"/>
-          <a:ext cx="0" cy="0"/>
-          <a:chOff x="0" y="0"/>
-          <a:chExt cx="0" cy="0"/>
-        </a:xfrm>
-      </p:grpSpPr>
-      <p:sp>
-        <p:nvSpPr>
-          <p:cNvPr id="2" name="슬라이드 이미지 개체 틀 1"/>
-          <p:cNvSpPr>
-            <a:spLocks noGrp="1" noRot="1" noChangeAspect="1"/>
-          </p:cNvSpPr>
-          <p:nvPr>
-            <p:ph type="sldImg"/>
-          </p:nvPr>
-        </p:nvSpPr>
-        <p:spPr/>
-      </p:sp>
-      <p:sp>
-        <p:nvSpPr>
-          <p:cNvPr id="3" name="슬라이드 노트 개체 틀 2"/>
-          <p:cNvSpPr>
-            <a:spLocks noGrp="1"/>
-          </p:cNvSpPr>
-          <p:nvPr>
-            <p:ph type="body" idx="1"/>
-          </p:nvPr>
-        </p:nvSpPr>
-        <p:spPr/>
-        <p:txBody>
-          <a:bodyPr/>
-          <a:lstStyle/>
-          <a:p>
-            <a:r>
-              <a:rPr lang="ko-KR" altLang="en-US" dirty="0" err="1"/>
-              <a:t>윤정현</a:t>
-            </a:r>
-            <a:r>
-              <a:rPr lang="ko-KR" altLang="en-US" dirty="0"/>
-              <a:t> </a:t>
-            </a:r>
-            <a:r>
-              <a:rPr lang="en-US" altLang="ko-KR" dirty="0"/>
-              <a:t>: 4</a:t>
-            </a:r>
-            <a:r>
-              <a:rPr lang="ko-KR" altLang="en-US" dirty="0" err="1"/>
-              <a:t>명이서</a:t>
-            </a:r>
-            <a:r>
-              <a:rPr lang="ko-KR" altLang="en-US" dirty="0"/>
-              <a:t> 다 처음 접하는 웹프로젝트를</a:t>
-            </a:r>
-            <a:r>
-              <a:rPr lang="ko-KR" altLang="en-US" baseline="0" dirty="0"/>
-              <a:t> </a:t>
-            </a:r>
-            <a:r>
-              <a:rPr lang="ko-KR" altLang="en-US" baseline="0" dirty="0" err="1"/>
-              <a:t>하다보니</a:t>
-            </a:r>
-            <a:r>
-              <a:rPr lang="ko-KR" altLang="en-US" baseline="0" dirty="0"/>
-              <a:t> 서로 미숙한 부분이 많았고 서로 많이 안 맞았지만 교장선생님을 위하여 </a:t>
-            </a:r>
-            <a:endParaRPr lang="en-US" altLang="ko-KR" baseline="0" dirty="0"/>
-          </a:p>
-          <a:p>
-            <a:endParaRPr lang="en-US" altLang="ko-KR" baseline="0" dirty="0"/>
-          </a:p>
-          <a:p>
-            <a:endParaRPr lang="en-US" altLang="ko-KR" baseline="0" dirty="0"/>
-          </a:p>
-          <a:p>
-            <a:r>
-              <a:rPr lang="ko-KR" altLang="en-US" baseline="0" dirty="0"/>
-              <a:t>박규리</a:t>
-            </a:r>
-            <a:r>
-              <a:rPr lang="en-US" altLang="ko-KR" baseline="0" dirty="0"/>
-              <a:t>: </a:t>
-            </a:r>
-            <a:r>
-              <a:rPr lang="ko-KR" altLang="en-US" baseline="0" dirty="0"/>
-              <a:t>아직 부족하고 미숙한 </a:t>
-            </a:r>
-            <a:r>
-              <a:rPr lang="en-US" altLang="ko-KR" baseline="0" dirty="0"/>
-              <a:t>4</a:t>
-            </a:r>
-            <a:r>
-              <a:rPr lang="ko-KR" altLang="en-US" baseline="0" dirty="0"/>
-              <a:t>명이서 처음으로 웹페이지를 개발하다 보니 고비가 많이 있었습니다</a:t>
-            </a:r>
-            <a:r>
-              <a:rPr lang="en-US" altLang="ko-KR" baseline="0" dirty="0"/>
-              <a:t>. </a:t>
-            </a:r>
-            <a:r>
-              <a:rPr lang="ko-KR" altLang="en-US" baseline="0" dirty="0"/>
-              <a:t>저번 발표에서 </a:t>
-            </a:r>
-            <a:r>
-              <a:rPr lang="en-US" altLang="ko-KR" baseline="0" dirty="0"/>
-              <a:t>8</a:t>
-            </a:r>
-            <a:r>
-              <a:rPr lang="ko-KR" altLang="en-US" baseline="0" dirty="0"/>
-              <a:t>점을 </a:t>
-            </a:r>
-            <a:r>
-              <a:rPr lang="ko-KR" altLang="en-US" baseline="0" dirty="0" err="1"/>
-              <a:t>받았을때</a:t>
-            </a:r>
-            <a:r>
-              <a:rPr lang="ko-KR" altLang="en-US" baseline="0" dirty="0"/>
-              <a:t> 약간 충격을 받았습니다</a:t>
-            </a:r>
-            <a:r>
-              <a:rPr lang="en-US" altLang="ko-KR" baseline="0" dirty="0"/>
-              <a:t>. </a:t>
-            </a:r>
-            <a:r>
-              <a:rPr lang="ko-KR" altLang="en-US" baseline="0" dirty="0"/>
-              <a:t>하지만 저희는 평정심을 잃지않고 팀원들과 연휴</a:t>
-            </a:r>
-            <a:r>
-              <a:rPr lang="en-US" altLang="ko-KR" baseline="0" dirty="0"/>
-              <a:t>, </a:t>
-            </a:r>
-            <a:r>
-              <a:rPr lang="ko-KR" altLang="en-US" baseline="0" dirty="0"/>
-              <a:t>주말에도 꾸준히 개발하여 여기까지 도달할 수 있었던 것 같습니다</a:t>
-            </a:r>
-            <a:r>
-              <a:rPr lang="en-US" altLang="ko-KR" baseline="0" dirty="0"/>
-              <a:t>. </a:t>
-            </a:r>
-            <a:r>
-              <a:rPr lang="ko-KR" altLang="en-US" baseline="0" dirty="0"/>
-              <a:t>이 프로젝트는 제 </a:t>
-            </a:r>
-            <a:r>
-              <a:rPr lang="en-US" altLang="ko-KR" baseline="0" dirty="0"/>
-              <a:t>18</a:t>
-            </a:r>
-            <a:r>
-              <a:rPr lang="ko-KR" altLang="en-US" baseline="0" dirty="0"/>
-              <a:t>년 인생에서 가장 자랑하고 싶은 프로젝트라고 생각합니다</a:t>
-            </a:r>
-            <a:r>
-              <a:rPr lang="en-US" altLang="ko-KR" baseline="0" dirty="0"/>
-              <a:t>! </a:t>
-            </a:r>
-            <a:r>
-              <a:rPr lang="ko-KR" altLang="en-US" baseline="0" dirty="0"/>
-              <a:t>이렇게 제 인생의 선물을 주신 선생님께 정말 감사하고 우리 팀원들에게 마지막으로 수고했다는 말을 전해주고 싶습니다</a:t>
-            </a:r>
-            <a:r>
-              <a:rPr lang="en-US" altLang="ko-KR" baseline="0" dirty="0"/>
-              <a:t>. </a:t>
-            </a:r>
-            <a:r>
-              <a:rPr lang="ko-KR" altLang="en-US" baseline="0" dirty="0"/>
-              <a:t>애들아 수고했다</a:t>
-            </a:r>
-            <a:r>
-              <a:rPr lang="en-US" altLang="ko-KR" baseline="0" dirty="0"/>
-              <a:t>~~</a:t>
-            </a:r>
-            <a:r>
-              <a:rPr lang="ko-KR" altLang="en-US" baseline="0" dirty="0"/>
-              <a:t>흑흑 </a:t>
-            </a:r>
-            <a:r>
-              <a:rPr lang="ko-KR" altLang="en-US" baseline="0" dirty="0" err="1"/>
-              <a:t>ㅜㅜㅜ</a:t>
-            </a:r>
-            <a:endParaRPr lang="en-US" altLang="ko-KR" baseline="0" dirty="0"/>
-          </a:p>
-        </p:txBody>
-      </p:sp>
-      <p:sp>
-        <p:nvSpPr>
-          <p:cNvPr id="4" name="슬라이드 번호 개체 틀 3"/>
-          <p:cNvSpPr>
-            <a:spLocks noGrp="1"/>
-          </p:cNvSpPr>
-          <p:nvPr>
-            <p:ph type="sldNum" sz="quarter" idx="10"/>
-          </p:nvPr>
-        </p:nvSpPr>
-        <p:spPr/>
-        <p:txBody>
-          <a:bodyPr/>
-          <a:lstStyle/>
-          <a:p>
-            <a:fld id="{EEF45E8E-B871-465E-A211-1FB7C7D4BEA7}" type="slidenum">
-              <a:rPr lang="ko-KR" altLang="en-US" smtClean="0"/>
-              <a:t>22</a:t>
             </a:fld>
             <a:endParaRPr lang="ko-KR" altLang="en-US"/>
           </a:p>
@@ -4253,7 +4068,7 @@
                 <a:ea typeface="+mn-ea"/>
                 <a:cs typeface="+mn-cs"/>
               </a:rPr>
-              <a:t>22. </a:t>
+              <a:t>25 ~ 32 . </a:t>
             </a:r>
             <a:r>
               <a:rPr lang="ko-KR" altLang="en-US" sz="1200" b="0" i="0" kern="1200" dirty="0">
@@ -4265,7 +4080,7 @@
                 <a:ea typeface="+mn-ea"/>
                 <a:cs typeface="+mn-cs"/>
               </a:rPr>
-              <a:t>아까 도출한 요구사항을 기능적 요구사항으로 </a:t>
+              <a:t>저희의 </a:t>
             </a:r>
             <a:r>
               <a:rPr lang="ko-KR" altLang="en-US" sz="1200" b="0" i="0" kern="1200" dirty="0" err="1">
@@ -4277,7 +4092,7 @@
                 <a:ea typeface="+mn-ea"/>
                 <a:cs typeface="+mn-cs"/>
               </a:rPr>
-              <a:t>나누워서</a:t>
+              <a:t>유스케이스</a:t>
             </a:r>
             <a:r>
               <a:rPr lang="ko-KR" altLang="en-US" sz="1200" b="0" i="0" kern="1200" dirty="0">
@@ -4289,7 +4104,7 @@
                 <a:ea typeface="+mn-ea"/>
                 <a:cs typeface="+mn-cs"/>
               </a:rPr>
-              <a:t> 우선 순위에 따라 분류 하였습니다</a:t>
+              <a:t> 시나리오 인데요 </a:t>
             </a:r>
             <a:r>
               <a:rPr lang="en-US" altLang="ko-KR" sz="1200" b="0" i="0" kern="1200" dirty="0">
@@ -4301,7 +4116,7 @@
                 <a:ea typeface="+mn-ea"/>
                 <a:cs typeface="+mn-cs"/>
               </a:rPr>
-              <a:t>. (</a:t>
+              <a:t>( </a:t>
             </a:r>
             <a:r>
               <a:rPr lang="ko-KR" altLang="en-US" sz="1200" b="0" i="0" kern="1200" dirty="0">
@@ -4325,7 +4140,7 @@
                 <a:ea typeface="+mn-ea"/>
                 <a:cs typeface="+mn-cs"/>
               </a:rPr>
-              <a:t>)</a:t>
+              <a:t>) </a:t>
             </a:r>
             <a:endParaRPr lang="ko-KR" altLang="en-US" dirty="0"/>
           </a:p>
@@ -4357,7 +4172,7 @@
     </p:spTree>
     <p:extLst>
       <p:ext uri="{BB962C8B-B14F-4D97-AF65-F5344CB8AC3E}">
-        <p14:creationId xmlns:p14="http://schemas.microsoft.com/office/powerpoint/2010/main" val="4182123361"/>
+        <p14:creationId xmlns:p14="http://schemas.microsoft.com/office/powerpoint/2010/main" val="2598773253"/>
       </p:ext>
     </p:extLst>
   </p:cSld>
@@ -5397,1824 +5212,6 @@
 </file>
 
 <file path=ppt/slides/slide10.xml><?xml version="1.0" encoding="utf-8"?>
-<p:sld xmlns:a="http://schemas.openxmlformats.org/drawingml/2006/main" xmlns:r="http://schemas.openxmlformats.org/officeDocument/2006/relationships" xmlns:p="http://schemas.openxmlformats.org/presentationml/2006/main">
-  <p:cSld>
-    <p:spTree>
-      <p:nvGrpSpPr>
-        <p:cNvPr id="1" name=""/>
-        <p:cNvGrpSpPr/>
-        <p:nvPr/>
-      </p:nvGrpSpPr>
-      <p:grpSpPr>
-        <a:xfrm>
-          <a:off x="0" y="0"/>
-          <a:ext cx="0" cy="0"/>
-          <a:chOff x="0" y="0"/>
-          <a:chExt cx="0" cy="0"/>
-        </a:xfrm>
-      </p:grpSpPr>
-      <p:sp>
-        <p:nvSpPr>
-          <p:cNvPr id="2" name="제목 1" hidden="1"/>
-          <p:cNvSpPr>
-            <a:spLocks noGrp="1"/>
-          </p:cNvSpPr>
-          <p:nvPr>
-            <p:ph type="title"/>
-          </p:nvPr>
-        </p:nvSpPr>
-        <p:spPr/>
-        <p:txBody>
-          <a:bodyPr/>
-          <a:lstStyle/>
-          <a:p>
-            <a:endParaRPr lang="ko-KR" altLang="en-US"/>
-          </a:p>
-        </p:txBody>
-      </p:sp>
-      <p:cxnSp>
-        <p:nvCxnSpPr>
-          <p:cNvPr id="6" name="직선 연결선 5"/>
-          <p:cNvCxnSpPr/>
-          <p:nvPr/>
-        </p:nvCxnSpPr>
-        <p:spPr>
-          <a:xfrm>
-            <a:off x="463854" y="555894"/>
-            <a:ext cx="560439" cy="0"/>
-          </a:xfrm>
-          <a:prstGeom prst="line">
-            <a:avLst/>
-          </a:prstGeom>
-          <a:ln>
-            <a:solidFill>
-              <a:schemeClr val="bg1"/>
-            </a:solidFill>
-          </a:ln>
-        </p:spPr>
-        <p:style>
-          <a:lnRef idx="1">
-            <a:schemeClr val="accent1"/>
-          </a:lnRef>
-          <a:fillRef idx="0">
-            <a:schemeClr val="accent1"/>
-          </a:fillRef>
-          <a:effectRef idx="0">
-            <a:schemeClr val="accent1"/>
-          </a:effectRef>
-          <a:fontRef idx="minor">
-            <a:schemeClr val="tx1"/>
-          </a:fontRef>
-        </p:style>
-      </p:cxnSp>
-      <p:cxnSp>
-        <p:nvCxnSpPr>
-          <p:cNvPr id="7" name="직선 연결선 6"/>
-          <p:cNvCxnSpPr/>
-          <p:nvPr/>
-        </p:nvCxnSpPr>
-        <p:spPr>
-          <a:xfrm>
-            <a:off x="486696" y="2257425"/>
-            <a:ext cx="560439" cy="0"/>
-          </a:xfrm>
-          <a:prstGeom prst="line">
-            <a:avLst/>
-          </a:prstGeom>
-          <a:ln>
-            <a:solidFill>
-              <a:schemeClr val="bg1"/>
-            </a:solidFill>
-          </a:ln>
-        </p:spPr>
-        <p:style>
-          <a:lnRef idx="1">
-            <a:schemeClr val="accent1"/>
-          </a:lnRef>
-          <a:fillRef idx="0">
-            <a:schemeClr val="accent1"/>
-          </a:fillRef>
-          <a:effectRef idx="0">
-            <a:schemeClr val="accent1"/>
-          </a:effectRef>
-          <a:fontRef idx="minor">
-            <a:schemeClr val="tx1"/>
-          </a:fontRef>
-        </p:style>
-      </p:cxnSp>
-      <p:sp>
-        <p:nvSpPr>
-          <p:cNvPr id="8" name="TextBox 7"/>
-          <p:cNvSpPr txBox="1"/>
-          <p:nvPr/>
-        </p:nvSpPr>
-        <p:spPr>
-          <a:xfrm>
-            <a:off x="353419" y="796300"/>
-            <a:ext cx="1557774" cy="1461125"/>
-          </a:xfrm>
-          <a:prstGeom prst="rect">
-            <a:avLst/>
-          </a:prstGeom>
-        </p:spPr>
-        <p:txBody>
-          <a:bodyPr vert="horz" lIns="91440" tIns="45720" rIns="91440" bIns="45720" rtlCol="0">
-            <a:noAutofit/>
-          </a:bodyPr>
-          <a:lstStyle>
-            <a:defPPr>
-              <a:defRPr lang="ko-KR"/>
-            </a:defPPr>
-            <a:lvl1pPr indent="0">
-              <a:lnSpc>
-                <a:spcPct val="100000"/>
-              </a:lnSpc>
-              <a:spcBef>
-                <a:spcPts val="1000"/>
-              </a:spcBef>
-              <a:buFont typeface="Arial" panose="020B0604020202020204" pitchFamily="34" charset="0"/>
-              <a:buNone/>
-              <a:defRPr sz="1100">
-                <a:ln>
-                  <a:solidFill>
-                    <a:schemeClr val="accent1">
-                      <a:alpha val="0"/>
-                    </a:schemeClr>
-                  </a:solidFill>
-                </a:ln>
-                <a:solidFill>
-                  <a:schemeClr val="bg1"/>
-                </a:solidFill>
-                <a:latin typeface="-윤고딕330" panose="02030504000101010101" pitchFamily="18" charset="-127"/>
-                <a:ea typeface="-윤고딕330" panose="02030504000101010101" pitchFamily="18" charset="-127"/>
-              </a:defRPr>
-            </a:lvl1pPr>
-            <a:lvl2pPr marL="685800" indent="-228600">
-              <a:lnSpc>
-                <a:spcPct val="90000"/>
-              </a:lnSpc>
-              <a:spcBef>
-                <a:spcPts val="500"/>
-              </a:spcBef>
-              <a:buFont typeface="Arial" panose="020B0604020202020204" pitchFamily="34" charset="0"/>
-              <a:buChar char="•"/>
-              <a:defRPr sz="2400"/>
-            </a:lvl2pPr>
-            <a:lvl3pPr marL="1143000" indent="-228600">
-              <a:lnSpc>
-                <a:spcPct val="90000"/>
-              </a:lnSpc>
-              <a:spcBef>
-                <a:spcPts val="500"/>
-              </a:spcBef>
-              <a:buFont typeface="Arial" panose="020B0604020202020204" pitchFamily="34" charset="0"/>
-              <a:buChar char="•"/>
-              <a:defRPr sz="2000"/>
-            </a:lvl3pPr>
-            <a:lvl4pPr marL="1600200" indent="-228600">
-              <a:lnSpc>
-                <a:spcPct val="90000"/>
-              </a:lnSpc>
-              <a:spcBef>
-                <a:spcPts val="500"/>
-              </a:spcBef>
-              <a:buFont typeface="Arial" panose="020B0604020202020204" pitchFamily="34" charset="0"/>
-              <a:buChar char="•"/>
-            </a:lvl4pPr>
-            <a:lvl5pPr marL="2057400" indent="-228600">
-              <a:lnSpc>
-                <a:spcPct val="90000"/>
-              </a:lnSpc>
-              <a:spcBef>
-                <a:spcPts val="500"/>
-              </a:spcBef>
-              <a:buFont typeface="Arial" panose="020B0604020202020204" pitchFamily="34" charset="0"/>
-              <a:buChar char="•"/>
-            </a:lvl5pPr>
-            <a:lvl6pPr marL="2514600" indent="-228600">
-              <a:lnSpc>
-                <a:spcPct val="90000"/>
-              </a:lnSpc>
-              <a:spcBef>
-                <a:spcPts val="500"/>
-              </a:spcBef>
-              <a:buFont typeface="Arial" panose="020B0604020202020204" pitchFamily="34" charset="0"/>
-              <a:buChar char="•"/>
-            </a:lvl6pPr>
-            <a:lvl7pPr marL="2971800" indent="-228600">
-              <a:lnSpc>
-                <a:spcPct val="90000"/>
-              </a:lnSpc>
-              <a:spcBef>
-                <a:spcPts val="500"/>
-              </a:spcBef>
-              <a:buFont typeface="Arial" panose="020B0604020202020204" pitchFamily="34" charset="0"/>
-              <a:buChar char="•"/>
-            </a:lvl7pPr>
-            <a:lvl8pPr marL="3429000" indent="-228600">
-              <a:lnSpc>
-                <a:spcPct val="90000"/>
-              </a:lnSpc>
-              <a:spcBef>
-                <a:spcPts val="500"/>
-              </a:spcBef>
-              <a:buFont typeface="Arial" panose="020B0604020202020204" pitchFamily="34" charset="0"/>
-              <a:buChar char="•"/>
-            </a:lvl8pPr>
-            <a:lvl9pPr marL="3886200" indent="-228600">
-              <a:lnSpc>
-                <a:spcPct val="90000"/>
-              </a:lnSpc>
-              <a:spcBef>
-                <a:spcPts val="500"/>
-              </a:spcBef>
-              <a:buFont typeface="Arial" panose="020B0604020202020204" pitchFamily="34" charset="0"/>
-              <a:buChar char="•"/>
-            </a:lvl9pPr>
-          </a:lstStyle>
-          <a:p>
-            <a:r>
-              <a:rPr lang="en-US" altLang="ko-KR" sz="2400" dirty="0">
-                <a:latin typeface="Noto Sans CJK KR Medium" panose="020B0600000000000000" pitchFamily="34" charset="-127"/>
-                <a:ea typeface="Noto Sans CJK KR Medium" panose="020B0600000000000000" pitchFamily="34" charset="-127"/>
-              </a:rPr>
-              <a:t>09</a:t>
-            </a:r>
-          </a:p>
-          <a:p>
-            <a:r>
-              <a:rPr lang="ko-KR" altLang="en-US" sz="2400" dirty="0">
-                <a:latin typeface="Noto Sans CJK KR Medium" panose="020B0600000000000000" pitchFamily="34" charset="-127"/>
-                <a:ea typeface="Noto Sans CJK KR Medium" panose="020B0600000000000000" pitchFamily="34" charset="-127"/>
-              </a:rPr>
-              <a:t>요구분석</a:t>
-            </a:r>
-          </a:p>
-        </p:txBody>
-      </p:sp>
-      <p:sp>
-        <p:nvSpPr>
-          <p:cNvPr id="28" name="TextBox 27"/>
-          <p:cNvSpPr txBox="1"/>
-          <p:nvPr/>
-        </p:nvSpPr>
-        <p:spPr>
-          <a:xfrm>
-            <a:off x="239309" y="3707886"/>
-            <a:ext cx="1785991" cy="3087656"/>
-          </a:xfrm>
-          <a:prstGeom prst="rect">
-            <a:avLst/>
-          </a:prstGeom>
-        </p:spPr>
-        <p:txBody>
-          <a:bodyPr vert="horz" lIns="91440" tIns="45720" rIns="91440" bIns="45720" rtlCol="0">
-            <a:noAutofit/>
-          </a:bodyPr>
-          <a:lstStyle>
-            <a:defPPr>
-              <a:defRPr lang="ko-KR"/>
-            </a:defPPr>
-            <a:lvl1pPr marL="228600" indent="-228600">
-              <a:lnSpc>
-                <a:spcPct val="170000"/>
-              </a:lnSpc>
-              <a:spcBef>
-                <a:spcPts val="1000"/>
-              </a:spcBef>
-              <a:buFont typeface="Arial" panose="020B0604020202020204" pitchFamily="34" charset="0"/>
-              <a:buChar char="•"/>
-              <a:defRPr>
-                <a:ln>
-                  <a:solidFill>
-                    <a:schemeClr val="accent1">
-                      <a:alpha val="0"/>
-                    </a:schemeClr>
-                  </a:solidFill>
-                </a:ln>
-                <a:solidFill>
-                  <a:schemeClr val="bg1">
-                    <a:lumMod val="50000"/>
-                  </a:schemeClr>
-                </a:solidFill>
-                <a:latin typeface="-윤고딕330" panose="02030504000101010101" pitchFamily="18" charset="-127"/>
-                <a:ea typeface="-윤고딕330" panose="02030504000101010101" pitchFamily="18" charset="-127"/>
-              </a:defRPr>
-            </a:lvl1pPr>
-            <a:lvl2pPr marL="685800" indent="-228600">
-              <a:lnSpc>
-                <a:spcPct val="90000"/>
-              </a:lnSpc>
-              <a:spcBef>
-                <a:spcPts val="500"/>
-              </a:spcBef>
-              <a:buFont typeface="Arial" panose="020B0604020202020204" pitchFamily="34" charset="0"/>
-              <a:buChar char="•"/>
-              <a:defRPr sz="2400"/>
-            </a:lvl2pPr>
-            <a:lvl3pPr marL="1143000" indent="-228600">
-              <a:lnSpc>
-                <a:spcPct val="90000"/>
-              </a:lnSpc>
-              <a:spcBef>
-                <a:spcPts val="500"/>
-              </a:spcBef>
-              <a:buFont typeface="Arial" panose="020B0604020202020204" pitchFamily="34" charset="0"/>
-              <a:buChar char="•"/>
-              <a:defRPr sz="2000"/>
-            </a:lvl3pPr>
-            <a:lvl4pPr marL="1600200" indent="-228600">
-              <a:lnSpc>
-                <a:spcPct val="90000"/>
-              </a:lnSpc>
-              <a:spcBef>
-                <a:spcPts val="500"/>
-              </a:spcBef>
-              <a:buFont typeface="Arial" panose="020B0604020202020204" pitchFamily="34" charset="0"/>
-              <a:buChar char="•"/>
-            </a:lvl4pPr>
-            <a:lvl5pPr marL="2057400" indent="-228600">
-              <a:lnSpc>
-                <a:spcPct val="90000"/>
-              </a:lnSpc>
-              <a:spcBef>
-                <a:spcPts val="500"/>
-              </a:spcBef>
-              <a:buFont typeface="Arial" panose="020B0604020202020204" pitchFamily="34" charset="0"/>
-              <a:buChar char="•"/>
-            </a:lvl5pPr>
-            <a:lvl6pPr marL="2514600" indent="-228600">
-              <a:lnSpc>
-                <a:spcPct val="90000"/>
-              </a:lnSpc>
-              <a:spcBef>
-                <a:spcPts val="500"/>
-              </a:spcBef>
-              <a:buFont typeface="Arial" panose="020B0604020202020204" pitchFamily="34" charset="0"/>
-              <a:buChar char="•"/>
-            </a:lvl6pPr>
-            <a:lvl7pPr marL="2971800" indent="-228600">
-              <a:lnSpc>
-                <a:spcPct val="90000"/>
-              </a:lnSpc>
-              <a:spcBef>
-                <a:spcPts val="500"/>
-              </a:spcBef>
-              <a:buFont typeface="Arial" panose="020B0604020202020204" pitchFamily="34" charset="0"/>
-              <a:buChar char="•"/>
-            </a:lvl7pPr>
-            <a:lvl8pPr marL="3429000" indent="-228600">
-              <a:lnSpc>
-                <a:spcPct val="90000"/>
-              </a:lnSpc>
-              <a:spcBef>
-                <a:spcPts val="500"/>
-              </a:spcBef>
-              <a:buFont typeface="Arial" panose="020B0604020202020204" pitchFamily="34" charset="0"/>
-              <a:buChar char="•"/>
-            </a:lvl8pPr>
-            <a:lvl9pPr marL="3886200" indent="-228600">
-              <a:lnSpc>
-                <a:spcPct val="90000"/>
-              </a:lnSpc>
-              <a:spcBef>
-                <a:spcPts val="500"/>
-              </a:spcBef>
-              <a:buFont typeface="Arial" panose="020B0604020202020204" pitchFamily="34" charset="0"/>
-              <a:buChar char="•"/>
-            </a:lvl9pPr>
-          </a:lstStyle>
-          <a:p>
-            <a:pPr marL="0" indent="0">
-              <a:lnSpc>
-                <a:spcPct val="100000"/>
-              </a:lnSpc>
-              <a:buNone/>
-            </a:pPr>
-            <a:r>
-              <a:rPr lang="en-US" altLang="ko-KR" sz="1100" b="1" dirty="0">
-                <a:solidFill>
-                  <a:schemeClr val="bg2">
-                    <a:lumMod val="75000"/>
-                  </a:schemeClr>
-                </a:solidFill>
-                <a:latin typeface="Noto Sans CJK KR Medium" panose="020B0600000000000000" pitchFamily="34" charset="-127"/>
-                <a:ea typeface="Noto Sans CJK KR Medium" panose="020B0600000000000000" pitchFamily="34" charset="-127"/>
-              </a:rPr>
-              <a:t>01 </a:t>
-            </a:r>
-            <a:r>
-              <a:rPr lang="ko-KR" altLang="en-US" sz="1100" b="1" dirty="0">
-                <a:solidFill>
-                  <a:schemeClr val="bg2">
-                    <a:lumMod val="75000"/>
-                  </a:schemeClr>
-                </a:solidFill>
-                <a:latin typeface="Noto Sans CJK KR Medium" panose="020B0600000000000000" pitchFamily="34" charset="-127"/>
-                <a:ea typeface="Noto Sans CJK KR Medium" panose="020B0600000000000000" pitchFamily="34" charset="-127"/>
-              </a:rPr>
-              <a:t>요구사항 도출</a:t>
-            </a:r>
-            <a:endParaRPr lang="en-US" altLang="ko-KR" sz="1100" b="1" dirty="0">
-              <a:solidFill>
-                <a:schemeClr val="bg2">
-                  <a:lumMod val="75000"/>
-                </a:schemeClr>
-              </a:solidFill>
-              <a:latin typeface="Noto Sans CJK KR Medium" panose="020B0600000000000000" pitchFamily="34" charset="-127"/>
-              <a:ea typeface="Noto Sans CJK KR Medium" panose="020B0600000000000000" pitchFamily="34" charset="-127"/>
-            </a:endParaRPr>
-          </a:p>
-          <a:p>
-            <a:pPr marL="0" indent="0">
-              <a:lnSpc>
-                <a:spcPct val="100000"/>
-              </a:lnSpc>
-              <a:buNone/>
-            </a:pPr>
-            <a:r>
-              <a:rPr lang="en-US" altLang="ko-KR" sz="1100" b="1" dirty="0">
-                <a:solidFill>
-                  <a:schemeClr val="bg2">
-                    <a:lumMod val="75000"/>
-                  </a:schemeClr>
-                </a:solidFill>
-                <a:latin typeface="Noto Sans CJK KR Medium" panose="020B0600000000000000" pitchFamily="34" charset="-127"/>
-                <a:ea typeface="Noto Sans CJK KR Medium" panose="020B0600000000000000" pitchFamily="34" charset="-127"/>
-              </a:rPr>
-              <a:t>02 </a:t>
-            </a:r>
-            <a:r>
-              <a:rPr lang="ko-KR" altLang="en-US" sz="1100" b="1" dirty="0">
-                <a:solidFill>
-                  <a:schemeClr val="bg2">
-                    <a:lumMod val="75000"/>
-                  </a:schemeClr>
-                </a:solidFill>
-                <a:latin typeface="Noto Sans CJK KR Medium" panose="020B0600000000000000" pitchFamily="34" charset="-127"/>
-                <a:ea typeface="Noto Sans CJK KR Medium" panose="020B0600000000000000" pitchFamily="34" charset="-127"/>
-              </a:rPr>
-              <a:t>요구사항 분석</a:t>
-            </a:r>
-            <a:endParaRPr lang="en-US" altLang="ko-KR" sz="1100" b="1" dirty="0">
-              <a:solidFill>
-                <a:schemeClr val="bg2">
-                  <a:lumMod val="75000"/>
-                </a:schemeClr>
-              </a:solidFill>
-              <a:latin typeface="Noto Sans CJK KR Medium" panose="020B0600000000000000" pitchFamily="34" charset="-127"/>
-              <a:ea typeface="Noto Sans CJK KR Medium" panose="020B0600000000000000" pitchFamily="34" charset="-127"/>
-            </a:endParaRPr>
-          </a:p>
-          <a:p>
-            <a:pPr marL="0" indent="0">
-              <a:lnSpc>
-                <a:spcPct val="100000"/>
-              </a:lnSpc>
-              <a:buNone/>
-            </a:pPr>
-            <a:r>
-              <a:rPr lang="en-US" altLang="ko-KR" sz="1100" b="1" dirty="0">
-                <a:solidFill>
-                  <a:schemeClr val="bg1"/>
-                </a:solidFill>
-                <a:latin typeface="Noto Sans CJK KR Medium" panose="020B0600000000000000" pitchFamily="34" charset="-127"/>
-                <a:ea typeface="Noto Sans CJK KR Medium" panose="020B0600000000000000" pitchFamily="34" charset="-127"/>
-              </a:rPr>
-              <a:t>03 </a:t>
-            </a:r>
-            <a:r>
-              <a:rPr lang="ko-KR" altLang="en-US" sz="1100" b="1" dirty="0">
-                <a:solidFill>
-                  <a:schemeClr val="bg1"/>
-                </a:solidFill>
-                <a:latin typeface="Noto Sans CJK KR Medium" panose="020B0600000000000000" pitchFamily="34" charset="-127"/>
-                <a:ea typeface="Noto Sans CJK KR Medium" panose="020B0600000000000000" pitchFamily="34" charset="-127"/>
-              </a:rPr>
-              <a:t>사용사례 작성</a:t>
-            </a:r>
-            <a:endParaRPr lang="en-US" altLang="ko-KR" sz="1100" b="1" dirty="0">
-              <a:solidFill>
-                <a:schemeClr val="bg1"/>
-              </a:solidFill>
-              <a:latin typeface="Noto Sans CJK KR Medium" panose="020B0600000000000000" pitchFamily="34" charset="-127"/>
-              <a:ea typeface="Noto Sans CJK KR Medium" panose="020B0600000000000000" pitchFamily="34" charset="-127"/>
-            </a:endParaRPr>
-          </a:p>
-          <a:p>
-            <a:pPr marL="0" indent="0">
-              <a:lnSpc>
-                <a:spcPct val="100000"/>
-              </a:lnSpc>
-              <a:buNone/>
-            </a:pPr>
-            <a:r>
-              <a:rPr lang="en-US" altLang="ko-KR" sz="1100" dirty="0">
-                <a:solidFill>
-                  <a:schemeClr val="bg2">
-                    <a:lumMod val="75000"/>
-                  </a:schemeClr>
-                </a:solidFill>
-                <a:latin typeface="Noto Sans CJK KR Medium" panose="020B0600000000000000" pitchFamily="34" charset="-127"/>
-                <a:ea typeface="Noto Sans CJK KR Medium" panose="020B0600000000000000" pitchFamily="34" charset="-127"/>
-              </a:rPr>
-              <a:t>04 </a:t>
-            </a:r>
-            <a:r>
-              <a:rPr lang="ko-KR" altLang="en-US" sz="1100" dirty="0">
-                <a:solidFill>
-                  <a:schemeClr val="bg2">
-                    <a:lumMod val="75000"/>
-                  </a:schemeClr>
-                </a:solidFill>
-                <a:latin typeface="Noto Sans CJK KR Medium" panose="020B0600000000000000" pitchFamily="34" charset="-127"/>
-                <a:ea typeface="Noto Sans CJK KR Medium" panose="020B0600000000000000" pitchFamily="34" charset="-127"/>
-              </a:rPr>
-              <a:t>요구사항 분석서 </a:t>
-            </a:r>
-            <a:r>
-              <a:rPr lang="en-US" altLang="ko-KR" sz="1100" dirty="0">
-                <a:solidFill>
-                  <a:schemeClr val="bg2">
-                    <a:lumMod val="75000"/>
-                  </a:schemeClr>
-                </a:solidFill>
-                <a:latin typeface="Noto Sans CJK KR Medium" panose="020B0600000000000000" pitchFamily="34" charset="-127"/>
-                <a:ea typeface="Noto Sans CJK KR Medium" panose="020B0600000000000000" pitchFamily="34" charset="-127"/>
-              </a:rPr>
-              <a:t>&amp; </a:t>
-            </a:r>
-            <a:r>
-              <a:rPr lang="ko-KR" altLang="en-US" sz="1100" dirty="0">
-                <a:solidFill>
-                  <a:schemeClr val="bg2">
-                    <a:lumMod val="75000"/>
-                  </a:schemeClr>
-                </a:solidFill>
-                <a:latin typeface="Noto Sans CJK KR Medium" panose="020B0600000000000000" pitchFamily="34" charset="-127"/>
-                <a:ea typeface="Noto Sans CJK KR Medium" panose="020B0600000000000000" pitchFamily="34" charset="-127"/>
-              </a:rPr>
-              <a:t>검증 및 확인</a:t>
-            </a:r>
-          </a:p>
-        </p:txBody>
-      </p:sp>
-      <p:sp>
-        <p:nvSpPr>
-          <p:cNvPr id="29" name="직사각형 28"/>
-          <p:cNvSpPr/>
-          <p:nvPr/>
-        </p:nvSpPr>
-        <p:spPr>
-          <a:xfrm>
-            <a:off x="9291319" y="6537278"/>
-            <a:ext cx="2900681" cy="320722"/>
-          </a:xfrm>
-          <a:prstGeom prst="rect">
-            <a:avLst/>
-          </a:prstGeom>
-          <a:solidFill>
-            <a:schemeClr val="bg1"/>
-          </a:solidFill>
-          <a:ln>
-            <a:solidFill>
-              <a:schemeClr val="bg1"/>
-            </a:solidFill>
-          </a:ln>
-        </p:spPr>
-        <p:style>
-          <a:lnRef idx="2">
-            <a:schemeClr val="accent1">
-              <a:shade val="50000"/>
-            </a:schemeClr>
-          </a:lnRef>
-          <a:fillRef idx="1">
-            <a:schemeClr val="accent1"/>
-          </a:fillRef>
-          <a:effectRef idx="0">
-            <a:schemeClr val="accent1"/>
-          </a:effectRef>
-          <a:fontRef idx="minor">
-            <a:schemeClr val="lt1"/>
-          </a:fontRef>
-        </p:style>
-        <p:txBody>
-          <a:bodyPr rtlCol="0" anchor="ctr"/>
-          <a:lstStyle/>
-          <a:p>
-            <a:pPr algn="ctr"/>
-            <a:endParaRPr lang="ko-KR" altLang="en-US"/>
-          </a:p>
-        </p:txBody>
-      </p:sp>
-      <p:sp>
-        <p:nvSpPr>
-          <p:cNvPr id="31" name="직사각형 30"/>
-          <p:cNvSpPr/>
-          <p:nvPr/>
-        </p:nvSpPr>
-        <p:spPr>
-          <a:xfrm>
-            <a:off x="2752167" y="1089843"/>
-            <a:ext cx="4115229" cy="461665"/>
-          </a:xfrm>
-          <a:prstGeom prst="rect">
-            <a:avLst/>
-          </a:prstGeom>
-        </p:spPr>
-        <p:txBody>
-          <a:bodyPr wrap="none">
-            <a:spAutoFit/>
-          </a:bodyPr>
-          <a:lstStyle/>
-          <a:p>
-            <a:pPr>
-              <a:spcBef>
-                <a:spcPts val="1000"/>
-              </a:spcBef>
-            </a:pPr>
-            <a:r>
-              <a:rPr lang="ko-KR" altLang="en-US" sz="2400" spc="-150" dirty="0">
-                <a:ln>
-                  <a:solidFill>
-                    <a:schemeClr val="accent1">
-                      <a:alpha val="0"/>
-                    </a:schemeClr>
-                  </a:solidFill>
-                </a:ln>
-                <a:solidFill>
-                  <a:srgbClr val="282421"/>
-                </a:solidFill>
-                <a:latin typeface="Noto Sans CJK KR Medium" panose="020B0600000000000000" pitchFamily="34" charset="-127"/>
-                <a:ea typeface="Noto Sans CJK KR Medium" panose="020B0600000000000000" pitchFamily="34" charset="-127"/>
-              </a:rPr>
-              <a:t>사용사례 작성 </a:t>
-            </a:r>
-            <a:r>
-              <a:rPr lang="en-US" altLang="ko-KR" sz="2400" spc="-150" dirty="0">
-                <a:ln>
-                  <a:solidFill>
-                    <a:schemeClr val="accent1">
-                      <a:alpha val="0"/>
-                    </a:schemeClr>
-                  </a:solidFill>
-                </a:ln>
-                <a:solidFill>
-                  <a:srgbClr val="282421"/>
-                </a:solidFill>
-                <a:latin typeface="Noto Sans CJK KR Medium" panose="020B0600000000000000" pitchFamily="34" charset="-127"/>
-                <a:ea typeface="Noto Sans CJK KR Medium" panose="020B0600000000000000" pitchFamily="34" charset="-127"/>
-              </a:rPr>
-              <a:t>– </a:t>
-            </a:r>
-            <a:r>
-              <a:rPr lang="ko-KR" altLang="en-US" sz="2400" spc="-150" dirty="0">
-                <a:ln>
-                  <a:solidFill>
-                    <a:schemeClr val="accent1">
-                      <a:alpha val="0"/>
-                    </a:schemeClr>
-                  </a:solidFill>
-                </a:ln>
-                <a:solidFill>
-                  <a:srgbClr val="282421"/>
-                </a:solidFill>
-                <a:latin typeface="Noto Sans CJK KR Medium" panose="020B0600000000000000" pitchFamily="34" charset="-127"/>
-                <a:ea typeface="Noto Sans CJK KR Medium" panose="020B0600000000000000" pitchFamily="34" charset="-127"/>
-              </a:rPr>
-              <a:t>시나리오 작성</a:t>
-            </a:r>
-            <a:endParaRPr lang="en-US" altLang="ko-KR" sz="2400" spc="-150" dirty="0">
-              <a:ln>
-                <a:solidFill>
-                  <a:schemeClr val="accent1">
-                    <a:alpha val="0"/>
-                  </a:schemeClr>
-                </a:solidFill>
-              </a:ln>
-              <a:solidFill>
-                <a:srgbClr val="282421"/>
-              </a:solidFill>
-              <a:latin typeface="Noto Sans CJK KR Medium" panose="020B0600000000000000" pitchFamily="34" charset="-127"/>
-              <a:ea typeface="Noto Sans CJK KR Medium" panose="020B0600000000000000" pitchFamily="34" charset="-127"/>
-            </a:endParaRPr>
-          </a:p>
-        </p:txBody>
-      </p:sp>
-      <p:graphicFrame>
-        <p:nvGraphicFramePr>
-          <p:cNvPr id="12" name="내용 개체 틀 4"/>
-          <p:cNvGraphicFramePr>
-            <a:graphicFrameLocks/>
-          </p:cNvGraphicFramePr>
-          <p:nvPr>
-            <p:extLst>
-              <p:ext uri="{D42A27DB-BD31-4B8C-83A1-F6EECF244321}">
-                <p14:modId xmlns:p14="http://schemas.microsoft.com/office/powerpoint/2010/main" val="1232235331"/>
-              </p:ext>
-            </p:extLst>
-          </p:nvPr>
-        </p:nvGraphicFramePr>
-        <p:xfrm>
-          <a:off x="2574745" y="2107300"/>
-          <a:ext cx="9257167" cy="4285962"/>
-        </p:xfrm>
-        <a:graphic>
-          <a:graphicData uri="http://schemas.openxmlformats.org/drawingml/2006/table">
-            <a:tbl>
-              <a:tblPr firstRow="1" bandRow="1">
-                <a:tableStyleId>{3B4B98B0-60AC-42C2-AFA5-B58CD77FA1E5}</a:tableStyleId>
-              </a:tblPr>
-              <a:tblGrid>
-                <a:gridCol w="1466806">
-                  <a:extLst>
-                    <a:ext uri="{9D8B030D-6E8A-4147-A177-3AD203B41FA5}">
-                      <a16:colId xmlns:a16="http://schemas.microsoft.com/office/drawing/2014/main" val="20000"/>
-                    </a:ext>
-                  </a:extLst>
-                </a:gridCol>
-                <a:gridCol w="7790361">
-                  <a:extLst>
-                    <a:ext uri="{9D8B030D-6E8A-4147-A177-3AD203B41FA5}">
-                      <a16:colId xmlns:a16="http://schemas.microsoft.com/office/drawing/2014/main" val="20001"/>
-                    </a:ext>
-                  </a:extLst>
-                </a:gridCol>
-              </a:tblGrid>
-              <a:tr h="600289">
-                <a:tc>
-                  <a:txBody>
-                    <a:bodyPr/>
-                    <a:lstStyle/>
-                    <a:p>
-                      <a:pPr algn="ctr" latinLnBrk="1"/>
-                      <a:r>
-                        <a:rPr lang="ko-KR" altLang="en-US" b="1" dirty="0">
-                          <a:solidFill>
-                            <a:schemeClr val="tx1">
-                              <a:lumMod val="85000"/>
-                              <a:lumOff val="15000"/>
-                            </a:schemeClr>
-                          </a:solidFill>
-                          <a:latin typeface="HY헤드라인M" pitchFamily="18" charset="-127"/>
-                          <a:ea typeface="HY헤드라인M" pitchFamily="18" charset="-127"/>
-                        </a:rPr>
-                        <a:t>시나리오 이름</a:t>
-                      </a:r>
-                    </a:p>
-                  </a:txBody>
-                  <a:tcPr/>
-                </a:tc>
-                <a:tc>
-                  <a:txBody>
-                    <a:bodyPr/>
-                    <a:lstStyle/>
-                    <a:p>
-                      <a:r>
-                        <a:rPr lang="ko-KR" altLang="en-US" sz="1800" b="0" kern="1200" dirty="0">
-                          <a:solidFill>
-                            <a:schemeClr val="tx1">
-                              <a:lumMod val="85000"/>
-                              <a:lumOff val="15000"/>
-                            </a:schemeClr>
-                          </a:solidFill>
-                          <a:latin typeface="HY헤드라인M" pitchFamily="18" charset="-127"/>
-                          <a:ea typeface="HY헤드라인M" pitchFamily="18" charset="-127"/>
-                          <a:cs typeface="+mn-cs"/>
-                        </a:rPr>
-                        <a:t>학생 로그인</a:t>
-                      </a:r>
-                      <a:endParaRPr lang="en-US" sz="1800" b="0" kern="1200" dirty="0">
-                        <a:solidFill>
-                          <a:schemeClr val="tx1">
-                            <a:lumMod val="85000"/>
-                            <a:lumOff val="15000"/>
-                          </a:schemeClr>
-                        </a:solidFill>
-                        <a:latin typeface="HY헤드라인M" pitchFamily="18" charset="-127"/>
-                        <a:ea typeface="HY헤드라인M" pitchFamily="18" charset="-127"/>
-                        <a:cs typeface="+mn-cs"/>
-                      </a:endParaRPr>
-                    </a:p>
-                  </a:txBody>
-                  <a:tcPr/>
-                </a:tc>
-                <a:extLst>
-                  <a:ext uri="{0D108BD9-81ED-4DB2-BD59-A6C34878D82A}">
-                    <a16:rowId xmlns:a16="http://schemas.microsoft.com/office/drawing/2014/main" val="10000"/>
-                  </a:ext>
-                </a:extLst>
-              </a:tr>
-              <a:tr h="343022">
-                <a:tc>
-                  <a:txBody>
-                    <a:bodyPr/>
-                    <a:lstStyle/>
-                    <a:p>
-                      <a:pPr algn="ctr" latinLnBrk="1"/>
-                      <a:r>
-                        <a:rPr lang="ko-KR" altLang="en-US" b="1" dirty="0">
-                          <a:solidFill>
-                            <a:schemeClr val="tx1">
-                              <a:lumMod val="85000"/>
-                              <a:lumOff val="15000"/>
-                            </a:schemeClr>
-                          </a:solidFill>
-                          <a:latin typeface="HY헤드라인M" pitchFamily="18" charset="-127"/>
-                          <a:ea typeface="HY헤드라인M" pitchFamily="18" charset="-127"/>
-                        </a:rPr>
-                        <a:t> </a:t>
-                      </a:r>
-                      <a:r>
-                        <a:rPr lang="ko-KR" altLang="en-US" b="1" dirty="0" err="1">
-                          <a:solidFill>
-                            <a:schemeClr val="tx1">
-                              <a:lumMod val="85000"/>
-                              <a:lumOff val="15000"/>
-                            </a:schemeClr>
-                          </a:solidFill>
-                          <a:latin typeface="HY헤드라인M" pitchFamily="18" charset="-127"/>
-                          <a:ea typeface="HY헤드라인M" pitchFamily="18" charset="-127"/>
-                        </a:rPr>
-                        <a:t>액터</a:t>
-                      </a:r>
-                      <a:r>
-                        <a:rPr lang="ko-KR" altLang="en-US" b="1" dirty="0">
-                          <a:solidFill>
-                            <a:schemeClr val="tx1">
-                              <a:lumMod val="85000"/>
-                              <a:lumOff val="15000"/>
-                            </a:schemeClr>
-                          </a:solidFill>
-                          <a:latin typeface="HY헤드라인M" pitchFamily="18" charset="-127"/>
-                          <a:ea typeface="HY헤드라인M" pitchFamily="18" charset="-127"/>
-                        </a:rPr>
-                        <a:t> 명</a:t>
-                      </a:r>
-                    </a:p>
-                  </a:txBody>
-                  <a:tcPr/>
-                </a:tc>
-                <a:tc>
-                  <a:txBody>
-                    <a:bodyPr/>
-                    <a:lstStyle/>
-                    <a:p>
-                      <a:r>
-                        <a:rPr lang="ko-KR" altLang="en-US" sz="1800" kern="1200" dirty="0">
-                          <a:solidFill>
-                            <a:schemeClr val="tx1">
-                              <a:lumMod val="85000"/>
-                              <a:lumOff val="15000"/>
-                            </a:schemeClr>
-                          </a:solidFill>
-                          <a:latin typeface="HY헤드라인M" pitchFamily="18" charset="-127"/>
-                          <a:ea typeface="HY헤드라인M" pitchFamily="18" charset="-127"/>
-                          <a:cs typeface="+mn-cs"/>
-                        </a:rPr>
-                        <a:t>사용자</a:t>
-                      </a:r>
-                      <a:endParaRPr lang="en-US" sz="1800" kern="1200" dirty="0">
-                        <a:solidFill>
-                          <a:schemeClr val="tx1">
-                            <a:lumMod val="85000"/>
-                            <a:lumOff val="15000"/>
-                          </a:schemeClr>
-                        </a:solidFill>
-                        <a:latin typeface="HY헤드라인M" pitchFamily="18" charset="-127"/>
-                        <a:ea typeface="HY헤드라인M" pitchFamily="18" charset="-127"/>
-                        <a:cs typeface="+mn-cs"/>
-                      </a:endParaRPr>
-                    </a:p>
-                  </a:txBody>
-                  <a:tcPr/>
-                </a:tc>
-                <a:extLst>
-                  <a:ext uri="{0D108BD9-81ED-4DB2-BD59-A6C34878D82A}">
-                    <a16:rowId xmlns:a16="http://schemas.microsoft.com/office/drawing/2014/main" val="10001"/>
-                  </a:ext>
-                </a:extLst>
-              </a:tr>
-              <a:tr h="343022">
-                <a:tc>
-                  <a:txBody>
-                    <a:bodyPr/>
-                    <a:lstStyle/>
-                    <a:p>
-                      <a:pPr algn="ctr" latinLnBrk="1"/>
-                      <a:r>
-                        <a:rPr lang="ko-KR" altLang="en-US" b="1" dirty="0">
-                          <a:solidFill>
-                            <a:schemeClr val="tx1">
-                              <a:lumMod val="85000"/>
-                              <a:lumOff val="15000"/>
-                            </a:schemeClr>
-                          </a:solidFill>
-                          <a:latin typeface="HY헤드라인M" pitchFamily="18" charset="-127"/>
-                          <a:ea typeface="HY헤드라인M" pitchFamily="18" charset="-127"/>
-                        </a:rPr>
-                        <a:t>시작 조건</a:t>
-                      </a:r>
-                    </a:p>
-                  </a:txBody>
-                  <a:tcPr/>
-                </a:tc>
-                <a:tc>
-                  <a:txBody>
-                    <a:bodyPr/>
-                    <a:lstStyle/>
-                    <a:p>
-                      <a:pPr marL="0" marR="0" indent="0" algn="l" defTabSz="914400" rtl="0" eaLnBrk="1" fontAlgn="auto" latinLnBrk="1" hangingPunct="1">
-                        <a:lnSpc>
-                          <a:spcPct val="100000"/>
-                        </a:lnSpc>
-                        <a:spcBef>
-                          <a:spcPts val="0"/>
-                        </a:spcBef>
-                        <a:spcAft>
-                          <a:spcPts val="0"/>
-                        </a:spcAft>
-                        <a:buClrTx/>
-                        <a:buSzTx/>
-                        <a:buFontTx/>
-                        <a:buNone/>
-                        <a:tabLst/>
-                        <a:defRPr/>
-                      </a:pPr>
-                      <a:r>
-                        <a:rPr lang="ko-KR" altLang="en-US" sz="1800" kern="1200" dirty="0">
-                          <a:solidFill>
-                            <a:schemeClr val="tx1">
-                              <a:lumMod val="85000"/>
-                              <a:lumOff val="15000"/>
-                            </a:schemeClr>
-                          </a:solidFill>
-                          <a:latin typeface="HY헤드라인M" pitchFamily="18" charset="-127"/>
-                          <a:ea typeface="HY헤드라인M" pitchFamily="18" charset="-127"/>
-                          <a:cs typeface="+mn-cs"/>
-                        </a:rPr>
-                        <a:t> 학생</a:t>
-                      </a:r>
-                      <a:r>
-                        <a:rPr lang="en-US" altLang="ko-KR" sz="1800" kern="1200" dirty="0">
-                          <a:solidFill>
-                            <a:schemeClr val="tx1">
-                              <a:lumMod val="85000"/>
-                              <a:lumOff val="15000"/>
-                            </a:schemeClr>
-                          </a:solidFill>
-                          <a:latin typeface="HY헤드라인M" pitchFamily="18" charset="-127"/>
-                          <a:ea typeface="HY헤드라인M" pitchFamily="18" charset="-127"/>
-                          <a:cs typeface="+mn-cs"/>
-                        </a:rPr>
-                        <a:t>- DSM </a:t>
-                      </a:r>
-                      <a:r>
-                        <a:rPr lang="ko-KR" altLang="en-US" sz="1800" kern="1200" dirty="0" err="1">
-                          <a:solidFill>
-                            <a:schemeClr val="tx1">
-                              <a:lumMod val="85000"/>
-                              <a:lumOff val="15000"/>
-                            </a:schemeClr>
-                          </a:solidFill>
-                          <a:latin typeface="HY헤드라인M" pitchFamily="18" charset="-127"/>
-                          <a:ea typeface="HY헤드라인M" pitchFamily="18" charset="-127"/>
-                          <a:cs typeface="+mn-cs"/>
-                        </a:rPr>
-                        <a:t>연장신청</a:t>
-                      </a:r>
-                      <a:r>
-                        <a:rPr lang="ko-KR" altLang="en-US" sz="1800" kern="1200" dirty="0">
-                          <a:solidFill>
-                            <a:schemeClr val="tx1">
-                              <a:lumMod val="85000"/>
-                              <a:lumOff val="15000"/>
-                            </a:schemeClr>
-                          </a:solidFill>
-                          <a:latin typeface="HY헤드라인M" pitchFamily="18" charset="-127"/>
-                          <a:ea typeface="HY헤드라인M" pitchFamily="18" charset="-127"/>
-                          <a:cs typeface="+mn-cs"/>
-                        </a:rPr>
-                        <a:t> 페이지 가입이 되어 있어야 한다</a:t>
-                      </a:r>
-                      <a:r>
-                        <a:rPr lang="en-US" altLang="ko-KR" sz="1800" kern="1200" dirty="0">
-                          <a:solidFill>
-                            <a:schemeClr val="tx1">
-                              <a:lumMod val="85000"/>
-                              <a:lumOff val="15000"/>
-                            </a:schemeClr>
-                          </a:solidFill>
-                          <a:latin typeface="HY헤드라인M" pitchFamily="18" charset="-127"/>
-                          <a:ea typeface="HY헤드라인M" pitchFamily="18" charset="-127"/>
-                          <a:cs typeface="+mn-cs"/>
-                        </a:rPr>
-                        <a:t>..</a:t>
-                      </a:r>
-                    </a:p>
-                  </a:txBody>
-                  <a:tcPr/>
-                </a:tc>
-                <a:extLst>
-                  <a:ext uri="{0D108BD9-81ED-4DB2-BD59-A6C34878D82A}">
-                    <a16:rowId xmlns:a16="http://schemas.microsoft.com/office/drawing/2014/main" val="10002"/>
-                  </a:ext>
-                </a:extLst>
-              </a:tr>
-              <a:tr h="1451322">
-                <a:tc>
-                  <a:txBody>
-                    <a:bodyPr/>
-                    <a:lstStyle/>
-                    <a:p>
-                      <a:pPr algn="ctr" latinLnBrk="1"/>
-                      <a:r>
-                        <a:rPr lang="ko-KR" altLang="en-US" b="1" dirty="0">
-                          <a:solidFill>
-                            <a:schemeClr val="tx1">
-                              <a:lumMod val="85000"/>
-                              <a:lumOff val="15000"/>
-                            </a:schemeClr>
-                          </a:solidFill>
-                          <a:latin typeface="HY헤드라인M" pitchFamily="18" charset="-127"/>
-                          <a:ea typeface="HY헤드라인M" pitchFamily="18" charset="-127"/>
-                        </a:rPr>
-                        <a:t>정상 흐름</a:t>
-                      </a:r>
-                    </a:p>
-                  </a:txBody>
-                  <a:tcPr/>
-                </a:tc>
-                <a:tc>
-                  <a:txBody>
-                    <a:bodyPr/>
-                    <a:lstStyle/>
-                    <a:p>
-                      <a:pPr marL="342900" lvl="0" indent="-342900" fontAlgn="base" latinLnBrk="1">
-                        <a:buFont typeface="+mj-lt"/>
-                        <a:buAutoNum type="arabicPeriod"/>
-                      </a:pPr>
-                      <a:r>
-                        <a:rPr lang="ko-KR" altLang="en-US" sz="1800" kern="1200" dirty="0">
-                          <a:solidFill>
-                            <a:schemeClr val="tx1">
-                              <a:lumMod val="85000"/>
-                              <a:lumOff val="15000"/>
-                            </a:schemeClr>
-                          </a:solidFill>
-                          <a:effectLst/>
-                          <a:latin typeface="배달의민족 도현" pitchFamily="50" charset="-127"/>
-                          <a:ea typeface="배달의민족 도현" pitchFamily="50" charset="-127"/>
-                          <a:cs typeface="+mn-cs"/>
-                        </a:rPr>
-                        <a:t>로그인 버튼을 클릭한다</a:t>
-                      </a:r>
-                      <a:r>
-                        <a:rPr lang="en-US" altLang="ko-KR" sz="1800" kern="1200" dirty="0">
-                          <a:solidFill>
-                            <a:schemeClr val="tx1">
-                              <a:lumMod val="85000"/>
-                              <a:lumOff val="15000"/>
-                            </a:schemeClr>
-                          </a:solidFill>
-                          <a:effectLst/>
-                          <a:latin typeface="배달의민족 도현" pitchFamily="50" charset="-127"/>
-                          <a:ea typeface="배달의민족 도현" pitchFamily="50" charset="-127"/>
-                          <a:cs typeface="+mn-cs"/>
-                        </a:rPr>
-                        <a:t>. (</a:t>
-                      </a:r>
-                      <a:r>
-                        <a:rPr lang="ko-KR" altLang="en-US" sz="1800" kern="1200" dirty="0" err="1">
-                          <a:solidFill>
-                            <a:schemeClr val="tx1">
-                              <a:lumMod val="85000"/>
-                              <a:lumOff val="15000"/>
-                            </a:schemeClr>
-                          </a:solidFill>
-                          <a:effectLst/>
-                          <a:latin typeface="배달의민족 도현" pitchFamily="50" charset="-127"/>
-                          <a:ea typeface="배달의민족 도현" pitchFamily="50" charset="-127"/>
-                          <a:cs typeface="+mn-cs"/>
-                        </a:rPr>
-                        <a:t>액터</a:t>
-                      </a:r>
-                      <a:r>
-                        <a:rPr lang="en-US" altLang="ko-KR" sz="1800" kern="1200" dirty="0">
-                          <a:solidFill>
-                            <a:schemeClr val="tx1">
-                              <a:lumMod val="85000"/>
-                              <a:lumOff val="15000"/>
-                            </a:schemeClr>
-                          </a:solidFill>
-                          <a:effectLst/>
-                          <a:latin typeface="배달의민족 도현" pitchFamily="50" charset="-127"/>
-                          <a:ea typeface="배달의민족 도현" pitchFamily="50" charset="-127"/>
-                          <a:cs typeface="+mn-cs"/>
-                        </a:rPr>
-                        <a:t>)</a:t>
-                      </a:r>
-                    </a:p>
-                    <a:p>
-                      <a:pPr marL="342900" lvl="0" indent="-342900" fontAlgn="base" latinLnBrk="1">
-                        <a:buFont typeface="+mj-lt"/>
-                        <a:buAutoNum type="arabicPeriod"/>
-                      </a:pPr>
-                      <a:r>
-                        <a:rPr lang="ko-KR" altLang="en-US" sz="1800" kern="1200" dirty="0">
-                          <a:solidFill>
-                            <a:schemeClr val="tx1">
-                              <a:lumMod val="85000"/>
-                              <a:lumOff val="15000"/>
-                            </a:schemeClr>
-                          </a:solidFill>
-                          <a:effectLst/>
-                          <a:latin typeface="배달의민족 도현" pitchFamily="50" charset="-127"/>
-                          <a:ea typeface="배달의민족 도현" pitchFamily="50" charset="-127"/>
-                          <a:cs typeface="+mn-cs"/>
-                        </a:rPr>
-                        <a:t>로그인 창을 띄운다</a:t>
-                      </a:r>
-                      <a:r>
-                        <a:rPr lang="en-US" altLang="ko-KR" sz="1800" kern="1200" dirty="0">
-                          <a:solidFill>
-                            <a:schemeClr val="tx1">
-                              <a:lumMod val="85000"/>
-                              <a:lumOff val="15000"/>
-                            </a:schemeClr>
-                          </a:solidFill>
-                          <a:effectLst/>
-                          <a:latin typeface="배달의민족 도현" pitchFamily="50" charset="-127"/>
-                          <a:ea typeface="배달의민족 도현" pitchFamily="50" charset="-127"/>
-                          <a:cs typeface="+mn-cs"/>
-                        </a:rPr>
-                        <a:t>. (</a:t>
-                      </a:r>
-                      <a:r>
-                        <a:rPr lang="ko-KR" altLang="en-US" sz="1800" kern="1200" dirty="0">
-                          <a:solidFill>
-                            <a:schemeClr val="tx1">
-                              <a:lumMod val="85000"/>
-                              <a:lumOff val="15000"/>
-                            </a:schemeClr>
-                          </a:solidFill>
-                          <a:effectLst/>
-                          <a:latin typeface="배달의민족 도현" pitchFamily="50" charset="-127"/>
-                          <a:ea typeface="배달의민족 도현" pitchFamily="50" charset="-127"/>
-                          <a:cs typeface="+mn-cs"/>
-                        </a:rPr>
-                        <a:t>시스템</a:t>
-                      </a:r>
-                      <a:r>
-                        <a:rPr lang="en-US" altLang="ko-KR" sz="1800" kern="1200" dirty="0">
-                          <a:solidFill>
-                            <a:schemeClr val="tx1">
-                              <a:lumMod val="85000"/>
-                              <a:lumOff val="15000"/>
-                            </a:schemeClr>
-                          </a:solidFill>
-                          <a:effectLst/>
-                          <a:latin typeface="배달의민족 도현" pitchFamily="50" charset="-127"/>
-                          <a:ea typeface="배달의민족 도현" pitchFamily="50" charset="-127"/>
-                          <a:cs typeface="+mn-cs"/>
-                        </a:rPr>
-                        <a:t>) </a:t>
-                      </a:r>
-                    </a:p>
-                    <a:p>
-                      <a:pPr marL="342900" lvl="0" indent="-342900" fontAlgn="base" latinLnBrk="1">
-                        <a:buFont typeface="+mj-lt"/>
-                        <a:buAutoNum type="arabicPeriod"/>
-                      </a:pPr>
-                      <a:r>
-                        <a:rPr lang="ko-KR" altLang="en-US" sz="1800" kern="1200" dirty="0">
-                          <a:solidFill>
-                            <a:schemeClr val="tx1">
-                              <a:lumMod val="85000"/>
-                              <a:lumOff val="15000"/>
-                            </a:schemeClr>
-                          </a:solidFill>
-                          <a:effectLst/>
-                          <a:latin typeface="배달의민족 도현" pitchFamily="50" charset="-127"/>
-                          <a:ea typeface="배달의민족 도현" pitchFamily="50" charset="-127"/>
-                          <a:cs typeface="+mn-cs"/>
-                        </a:rPr>
-                        <a:t>아이디와 패스워드를 입력한다</a:t>
-                      </a:r>
-                      <a:r>
-                        <a:rPr lang="en-US" altLang="ko-KR" sz="1800" kern="1200" dirty="0">
-                          <a:solidFill>
-                            <a:schemeClr val="tx1">
-                              <a:lumMod val="85000"/>
-                              <a:lumOff val="15000"/>
-                            </a:schemeClr>
-                          </a:solidFill>
-                          <a:effectLst/>
-                          <a:latin typeface="배달의민족 도현" pitchFamily="50" charset="-127"/>
-                          <a:ea typeface="배달의민족 도현" pitchFamily="50" charset="-127"/>
-                          <a:cs typeface="+mn-cs"/>
-                        </a:rPr>
-                        <a:t>. (</a:t>
-                      </a:r>
-                      <a:r>
-                        <a:rPr lang="ko-KR" altLang="en-US" sz="1800" kern="1200" dirty="0" err="1">
-                          <a:solidFill>
-                            <a:schemeClr val="tx1">
-                              <a:lumMod val="85000"/>
-                              <a:lumOff val="15000"/>
-                            </a:schemeClr>
-                          </a:solidFill>
-                          <a:effectLst/>
-                          <a:latin typeface="배달의민족 도현" pitchFamily="50" charset="-127"/>
-                          <a:ea typeface="배달의민족 도현" pitchFamily="50" charset="-127"/>
-                          <a:cs typeface="+mn-cs"/>
-                        </a:rPr>
-                        <a:t>액터</a:t>
-                      </a:r>
-                      <a:r>
-                        <a:rPr lang="en-US" altLang="ko-KR" sz="1800" kern="1200" dirty="0">
-                          <a:solidFill>
-                            <a:schemeClr val="tx1">
-                              <a:lumMod val="85000"/>
-                              <a:lumOff val="15000"/>
-                            </a:schemeClr>
-                          </a:solidFill>
-                          <a:effectLst/>
-                          <a:latin typeface="배달의민족 도현" pitchFamily="50" charset="-127"/>
-                          <a:ea typeface="배달의민족 도현" pitchFamily="50" charset="-127"/>
-                          <a:cs typeface="+mn-cs"/>
-                        </a:rPr>
-                        <a:t>)</a:t>
-                      </a:r>
-                    </a:p>
-                    <a:p>
-                      <a:pPr marL="342900" lvl="0" indent="-342900" fontAlgn="base" latinLnBrk="1">
-                        <a:buFont typeface="+mj-lt"/>
-                        <a:buAutoNum type="arabicPeriod"/>
-                      </a:pPr>
-                      <a:r>
-                        <a:rPr lang="ko-KR" altLang="en-US" sz="1800" kern="1200" dirty="0">
-                          <a:solidFill>
-                            <a:schemeClr val="tx1">
-                              <a:lumMod val="85000"/>
-                              <a:lumOff val="15000"/>
-                            </a:schemeClr>
-                          </a:solidFill>
-                          <a:effectLst/>
-                          <a:latin typeface="배달의민족 도현" pitchFamily="50" charset="-127"/>
-                          <a:ea typeface="배달의민족 도현" pitchFamily="50" charset="-127"/>
-                          <a:cs typeface="+mn-cs"/>
-                        </a:rPr>
-                        <a:t>저장 되어 있는 </a:t>
-                      </a:r>
-                      <a:r>
-                        <a:rPr lang="en-US" altLang="ko-KR" sz="1800" kern="1200" dirty="0">
-                          <a:solidFill>
-                            <a:schemeClr val="tx1">
-                              <a:lumMod val="85000"/>
-                              <a:lumOff val="15000"/>
-                            </a:schemeClr>
-                          </a:solidFill>
-                          <a:effectLst/>
-                          <a:latin typeface="배달의민족 도현" pitchFamily="50" charset="-127"/>
-                          <a:ea typeface="배달의민족 도현" pitchFamily="50" charset="-127"/>
-                          <a:cs typeface="+mn-cs"/>
-                        </a:rPr>
-                        <a:t>DB</a:t>
-                      </a:r>
-                      <a:r>
-                        <a:rPr lang="ko-KR" altLang="en-US" sz="1800" kern="1200" dirty="0">
-                          <a:solidFill>
-                            <a:schemeClr val="tx1">
-                              <a:lumMod val="85000"/>
-                              <a:lumOff val="15000"/>
-                            </a:schemeClr>
-                          </a:solidFill>
-                          <a:effectLst/>
-                          <a:latin typeface="배달의민족 도현" pitchFamily="50" charset="-127"/>
-                          <a:ea typeface="배달의민족 도현" pitchFamily="50" charset="-127"/>
-                          <a:cs typeface="+mn-cs"/>
-                        </a:rPr>
-                        <a:t>와 일치하는지 매치한다</a:t>
-                      </a:r>
-                      <a:r>
-                        <a:rPr lang="en-US" altLang="ko-KR" sz="1800" kern="1200" dirty="0">
-                          <a:solidFill>
-                            <a:schemeClr val="tx1">
-                              <a:lumMod val="85000"/>
-                              <a:lumOff val="15000"/>
-                            </a:schemeClr>
-                          </a:solidFill>
-                          <a:effectLst/>
-                          <a:latin typeface="배달의민족 도현" pitchFamily="50" charset="-127"/>
-                          <a:ea typeface="배달의민족 도현" pitchFamily="50" charset="-127"/>
-                          <a:cs typeface="+mn-cs"/>
-                        </a:rPr>
-                        <a:t>. (</a:t>
-                      </a:r>
-                      <a:r>
-                        <a:rPr lang="ko-KR" altLang="en-US" sz="1800" kern="1200" dirty="0">
-                          <a:solidFill>
-                            <a:schemeClr val="tx1">
-                              <a:lumMod val="85000"/>
-                              <a:lumOff val="15000"/>
-                            </a:schemeClr>
-                          </a:solidFill>
-                          <a:effectLst/>
-                          <a:latin typeface="배달의민족 도현" pitchFamily="50" charset="-127"/>
-                          <a:ea typeface="배달의민족 도현" pitchFamily="50" charset="-127"/>
-                          <a:cs typeface="+mn-cs"/>
-                        </a:rPr>
-                        <a:t>시스템</a:t>
-                      </a:r>
-                      <a:r>
-                        <a:rPr lang="en-US" altLang="ko-KR" sz="1800" kern="1200" dirty="0">
-                          <a:solidFill>
-                            <a:schemeClr val="tx1">
-                              <a:lumMod val="85000"/>
-                              <a:lumOff val="15000"/>
-                            </a:schemeClr>
-                          </a:solidFill>
-                          <a:effectLst/>
-                          <a:latin typeface="배달의민족 도현" pitchFamily="50" charset="-127"/>
-                          <a:ea typeface="배달의민족 도현" pitchFamily="50" charset="-127"/>
-                          <a:cs typeface="+mn-cs"/>
-                        </a:rPr>
-                        <a:t>)</a:t>
-                      </a:r>
-                    </a:p>
-                    <a:p>
-                      <a:pPr marL="342900" lvl="0" indent="-342900" fontAlgn="base" latinLnBrk="1">
-                        <a:buFont typeface="+mj-lt"/>
-                        <a:buAutoNum type="arabicPeriod"/>
-                      </a:pPr>
-                      <a:r>
-                        <a:rPr lang="ko-KR" altLang="en-US" sz="1800" kern="1200" dirty="0">
-                          <a:solidFill>
-                            <a:schemeClr val="tx1">
-                              <a:lumMod val="85000"/>
-                              <a:lumOff val="15000"/>
-                            </a:schemeClr>
-                          </a:solidFill>
-                          <a:effectLst/>
-                          <a:latin typeface="배달의민족 도현" pitchFamily="50" charset="-127"/>
-                          <a:ea typeface="배달의민족 도현" pitchFamily="50" charset="-127"/>
-                          <a:cs typeface="+mn-cs"/>
-                        </a:rPr>
-                        <a:t>정상적으로 로그인 후 메인 페이지로 넘어간다</a:t>
-                      </a:r>
-                      <a:r>
-                        <a:rPr lang="en-US" altLang="ko-KR" sz="1800" kern="1200" dirty="0">
-                          <a:solidFill>
-                            <a:schemeClr val="tx1">
-                              <a:lumMod val="85000"/>
-                              <a:lumOff val="15000"/>
-                            </a:schemeClr>
-                          </a:solidFill>
-                          <a:effectLst/>
-                          <a:latin typeface="배달의민족 도현" pitchFamily="50" charset="-127"/>
-                          <a:ea typeface="배달의민족 도현" pitchFamily="50" charset="-127"/>
-                          <a:cs typeface="+mn-cs"/>
-                        </a:rPr>
-                        <a:t>. (</a:t>
-                      </a:r>
-                      <a:r>
-                        <a:rPr lang="ko-KR" altLang="en-US" sz="1800" kern="1200" dirty="0">
-                          <a:solidFill>
-                            <a:schemeClr val="tx1">
-                              <a:lumMod val="85000"/>
-                              <a:lumOff val="15000"/>
-                            </a:schemeClr>
-                          </a:solidFill>
-                          <a:effectLst/>
-                          <a:latin typeface="배달의민족 도현" pitchFamily="50" charset="-127"/>
-                          <a:ea typeface="배달의민족 도현" pitchFamily="50" charset="-127"/>
-                          <a:cs typeface="+mn-cs"/>
-                        </a:rPr>
-                        <a:t>시스템</a:t>
-                      </a:r>
-                      <a:r>
-                        <a:rPr lang="en-US" altLang="ko-KR" sz="1800" kern="1200" dirty="0">
-                          <a:solidFill>
-                            <a:schemeClr val="tx1">
-                              <a:lumMod val="85000"/>
-                              <a:lumOff val="15000"/>
-                            </a:schemeClr>
-                          </a:solidFill>
-                          <a:effectLst/>
-                          <a:latin typeface="배달의민족 도현" pitchFamily="50" charset="-127"/>
-                          <a:ea typeface="배달의민족 도현" pitchFamily="50" charset="-127"/>
-                          <a:cs typeface="+mn-cs"/>
-                        </a:rPr>
-                        <a:t>)</a:t>
-                      </a:r>
-                      <a:endParaRPr lang="ko-KR" altLang="en-US" sz="1800" kern="1200" dirty="0">
-                        <a:solidFill>
-                          <a:schemeClr val="tx1">
-                            <a:lumMod val="85000"/>
-                            <a:lumOff val="15000"/>
-                          </a:schemeClr>
-                        </a:solidFill>
-                        <a:effectLst/>
-                        <a:latin typeface="배달의민족 도현" pitchFamily="50" charset="-127"/>
-                        <a:ea typeface="배달의민족 도현" pitchFamily="50" charset="-127"/>
-                        <a:cs typeface="+mn-cs"/>
-                      </a:endParaRPr>
-                    </a:p>
-                  </a:txBody>
-                  <a:tcPr/>
-                </a:tc>
-                <a:extLst>
-                  <a:ext uri="{0D108BD9-81ED-4DB2-BD59-A6C34878D82A}">
-                    <a16:rowId xmlns:a16="http://schemas.microsoft.com/office/drawing/2014/main" val="10003"/>
-                  </a:ext>
-                </a:extLst>
-              </a:tr>
-              <a:tr h="1451322">
-                <a:tc>
-                  <a:txBody>
-                    <a:bodyPr/>
-                    <a:lstStyle/>
-                    <a:p>
-                      <a:pPr algn="ctr" latinLnBrk="1"/>
-                      <a:r>
-                        <a:rPr lang="ko-KR" altLang="en-US" b="1" dirty="0">
-                          <a:solidFill>
-                            <a:schemeClr val="tx1">
-                              <a:lumMod val="85000"/>
-                              <a:lumOff val="15000"/>
-                            </a:schemeClr>
-                          </a:solidFill>
-                          <a:latin typeface="HY헤드라인M" pitchFamily="18" charset="-127"/>
-                          <a:ea typeface="HY헤드라인M" pitchFamily="18" charset="-127"/>
-                        </a:rPr>
-                        <a:t>선택흐름</a:t>
-                      </a:r>
-                    </a:p>
-                  </a:txBody>
-                  <a:tcPr/>
-                </a:tc>
-                <a:tc>
-                  <a:txBody>
-                    <a:bodyPr/>
-                    <a:lstStyle/>
-                    <a:p>
-                      <a:pPr marL="285750" lvl="0" indent="-285750" fontAlgn="base" latinLnBrk="1">
-                        <a:buFontTx/>
-                        <a:buChar char="-"/>
-                      </a:pPr>
-                      <a:r>
-                        <a:rPr lang="ko-KR" altLang="en-US" sz="1800" kern="1200" dirty="0">
-                          <a:solidFill>
-                            <a:schemeClr val="tx1">
-                              <a:lumMod val="85000"/>
-                              <a:lumOff val="15000"/>
-                            </a:schemeClr>
-                          </a:solidFill>
-                          <a:effectLst/>
-                          <a:latin typeface="배달의민족 도현" pitchFamily="50" charset="-127"/>
-                          <a:ea typeface="배달의민족 도현" pitchFamily="50" charset="-127"/>
-                          <a:cs typeface="+mn-cs"/>
-                        </a:rPr>
-                        <a:t>아이디나 패스워드가 맞지 않으면 “아이디나 패스워드를 </a:t>
-                      </a:r>
-                      <a:r>
-                        <a:rPr lang="ko-KR" altLang="en-US" sz="1800" kern="1200" dirty="0" err="1">
-                          <a:solidFill>
-                            <a:schemeClr val="tx1">
-                              <a:lumMod val="85000"/>
-                              <a:lumOff val="15000"/>
-                            </a:schemeClr>
-                          </a:solidFill>
-                          <a:effectLst/>
-                          <a:latin typeface="배달의민족 도현" pitchFamily="50" charset="-127"/>
-                          <a:ea typeface="배달의민족 도현" pitchFamily="50" charset="-127"/>
-                          <a:cs typeface="+mn-cs"/>
-                        </a:rPr>
-                        <a:t>잘못입력했거나</a:t>
-                      </a:r>
-                      <a:r>
-                        <a:rPr lang="ko-KR" altLang="en-US" sz="1800" kern="1200" dirty="0">
-                          <a:solidFill>
-                            <a:schemeClr val="tx1">
-                              <a:lumMod val="85000"/>
-                              <a:lumOff val="15000"/>
-                            </a:schemeClr>
-                          </a:solidFill>
-                          <a:effectLst/>
-                          <a:latin typeface="배달의민족 도현" pitchFamily="50" charset="-127"/>
-                          <a:ea typeface="배달의민족 도현" pitchFamily="50" charset="-127"/>
-                          <a:cs typeface="+mn-cs"/>
-                        </a:rPr>
-                        <a:t> 등록되지 않은 아이디 입니다</a:t>
-                      </a:r>
-                      <a:r>
-                        <a:rPr lang="en-US" altLang="ko-KR" sz="1800" kern="1200" dirty="0">
-                          <a:solidFill>
-                            <a:schemeClr val="tx1">
-                              <a:lumMod val="85000"/>
-                              <a:lumOff val="15000"/>
-                            </a:schemeClr>
-                          </a:solidFill>
-                          <a:effectLst/>
-                          <a:latin typeface="배달의민족 도현" pitchFamily="50" charset="-127"/>
-                          <a:ea typeface="배달의민족 도현" pitchFamily="50" charset="-127"/>
-                          <a:cs typeface="+mn-cs"/>
-                        </a:rPr>
-                        <a:t>.”</a:t>
-                      </a:r>
-                      <a:r>
-                        <a:rPr lang="ko-KR" altLang="en-US" sz="1800" kern="1200" dirty="0">
-                          <a:solidFill>
-                            <a:schemeClr val="tx1">
-                              <a:lumMod val="85000"/>
-                              <a:lumOff val="15000"/>
-                            </a:schemeClr>
-                          </a:solidFill>
-                          <a:effectLst/>
-                          <a:latin typeface="배달의민족 도현" pitchFamily="50" charset="-127"/>
-                          <a:ea typeface="배달의민족 도현" pitchFamily="50" charset="-127"/>
-                          <a:cs typeface="+mn-cs"/>
-                        </a:rPr>
-                        <a:t>메시지 출력</a:t>
-                      </a:r>
-                    </a:p>
-                  </a:txBody>
-                  <a:tcPr/>
-                </a:tc>
-                <a:extLst>
-                  <a:ext uri="{0D108BD9-81ED-4DB2-BD59-A6C34878D82A}">
-                    <a16:rowId xmlns:a16="http://schemas.microsoft.com/office/drawing/2014/main" val="994516010"/>
-                  </a:ext>
-                </a:extLst>
-              </a:tr>
-            </a:tbl>
-          </a:graphicData>
-        </a:graphic>
-      </p:graphicFrame>
-      <p:sp>
-        <p:nvSpPr>
-          <p:cNvPr id="11" name="TextBox 10"/>
-          <p:cNvSpPr txBox="1"/>
-          <p:nvPr/>
-        </p:nvSpPr>
-        <p:spPr>
-          <a:xfrm>
-            <a:off x="2752863" y="792222"/>
-            <a:ext cx="5315879" cy="369332"/>
-          </a:xfrm>
-          <a:prstGeom prst="rect">
-            <a:avLst/>
-          </a:prstGeom>
-        </p:spPr>
-        <p:txBody>
-          <a:bodyPr wrap="none">
-            <a:spAutoFit/>
-          </a:bodyPr>
-          <a:lstStyle>
-            <a:defPPr>
-              <a:defRPr lang="ko-KR"/>
-            </a:defPPr>
-            <a:lvl1pPr>
-              <a:spcBef>
-                <a:spcPts val="1000"/>
-              </a:spcBef>
-              <a:defRPr sz="2000">
-                <a:ln>
-                  <a:solidFill>
-                    <a:schemeClr val="accent1">
-                      <a:alpha val="0"/>
-                    </a:schemeClr>
-                  </a:solidFill>
-                </a:ln>
-                <a:solidFill>
-                  <a:schemeClr val="bg1"/>
-                </a:solidFill>
-                <a:latin typeface="Noto Sans CJK KR Medium" panose="020B0600000000000000" pitchFamily="34" charset="-127"/>
-                <a:ea typeface="Noto Sans CJK KR Medium" panose="020B0600000000000000" pitchFamily="34" charset="-127"/>
-              </a:defRPr>
-            </a:lvl1pPr>
-          </a:lstStyle>
-          <a:p>
-            <a:r>
-              <a:rPr lang="ko-KR" altLang="en-US" sz="1800" dirty="0">
-                <a:solidFill>
-                  <a:schemeClr val="bg1">
-                    <a:lumMod val="75000"/>
-                  </a:schemeClr>
-                </a:solidFill>
-              </a:rPr>
-              <a:t>기존의 </a:t>
-            </a:r>
-            <a:r>
-              <a:rPr lang="ko-KR" altLang="en-US" sz="1800" dirty="0" err="1">
-                <a:solidFill>
-                  <a:schemeClr val="bg1">
-                    <a:lumMod val="75000"/>
-                  </a:schemeClr>
-                </a:solidFill>
-              </a:rPr>
-              <a:t>책으로된</a:t>
-            </a:r>
-            <a:r>
-              <a:rPr lang="ko-KR" altLang="en-US" sz="1800" dirty="0">
-                <a:solidFill>
-                  <a:schemeClr val="bg1">
-                    <a:lumMod val="75000"/>
-                  </a:schemeClr>
-                </a:solidFill>
-              </a:rPr>
-              <a:t> </a:t>
-            </a:r>
-            <a:r>
-              <a:rPr lang="en-US" altLang="ko-KR" sz="1800" dirty="0">
-                <a:solidFill>
-                  <a:schemeClr val="bg1">
-                    <a:lumMod val="75000"/>
-                  </a:schemeClr>
-                </a:solidFill>
-              </a:rPr>
-              <a:t>“</a:t>
-            </a:r>
-            <a:r>
-              <a:rPr lang="ko-KR" altLang="en-US" sz="1800" dirty="0" err="1">
-                <a:solidFill>
-                  <a:schemeClr val="bg1">
-                    <a:lumMod val="75000"/>
-                  </a:schemeClr>
-                </a:solidFill>
-              </a:rPr>
-              <a:t>레주메북</a:t>
-            </a:r>
-            <a:r>
-              <a:rPr lang="en-US" altLang="ko-KR" sz="1800" dirty="0">
-                <a:solidFill>
-                  <a:schemeClr val="bg1">
-                    <a:lumMod val="75000"/>
-                  </a:schemeClr>
-                </a:solidFill>
-              </a:rPr>
-              <a:t>”</a:t>
-            </a:r>
-            <a:r>
-              <a:rPr lang="ko-KR" altLang="en-US" sz="1800" dirty="0">
-                <a:solidFill>
-                  <a:schemeClr val="bg1">
-                    <a:lumMod val="75000"/>
-                  </a:schemeClr>
-                </a:solidFill>
-              </a:rPr>
-              <a:t>의 불편함을 없앤</a:t>
-            </a:r>
-          </a:p>
-        </p:txBody>
-      </p:sp>
-    </p:spTree>
-    <p:extLst>
-      <p:ext uri="{BB962C8B-B14F-4D97-AF65-F5344CB8AC3E}">
-        <p14:creationId xmlns:p14="http://schemas.microsoft.com/office/powerpoint/2010/main" val="508042728"/>
-      </p:ext>
-    </p:extLst>
-  </p:cSld>
-  <p:clrMapOvr>
-    <a:masterClrMapping/>
-  </p:clrMapOvr>
-  <p:timing>
-    <p:tnLst>
-      <p:par>
-        <p:cTn id="1" dur="indefinite" restart="never" nodeType="tmRoot">
-          <p:childTnLst>
-            <p:seq concurrent="1" nextAc="seek">
-              <p:cTn id="2" dur="indefinite" nodeType="mainSeq">
-                <p:childTnLst>
-                  <p:par>
-                    <p:cTn id="3" fill="hold">
-                      <p:stCondLst>
-                        <p:cond delay="indefinite"/>
-                        <p:cond evt="onBegin" delay="0">
-                          <p:tn val="2"/>
-                        </p:cond>
-                      </p:stCondLst>
-                      <p:childTnLst>
-                        <p:par>
-                          <p:cTn id="4" fill="hold">
-                            <p:stCondLst>
-                              <p:cond delay="0"/>
-                            </p:stCondLst>
-                            <p:childTnLst>
-                              <p:par>
-                                <p:cTn id="5" presetID="42" presetClass="entr" presetSubtype="0" fill="hold" nodeType="afterEffect">
-                                  <p:stCondLst>
-                                    <p:cond delay="0"/>
-                                  </p:stCondLst>
-                                  <p:childTnLst>
-                                    <p:set>
-                                      <p:cBhvr>
-                                        <p:cTn id="6" dur="1" fill="hold">
-                                          <p:stCondLst>
-                                            <p:cond delay="0"/>
-                                          </p:stCondLst>
-                                        </p:cTn>
-                                        <p:tgtEl>
-                                          <p:spTgt spid="12"/>
-                                        </p:tgtEl>
-                                        <p:attrNameLst>
-                                          <p:attrName>style.visibility</p:attrName>
-                                        </p:attrNameLst>
-                                      </p:cBhvr>
-                                      <p:to>
-                                        <p:strVal val="visible"/>
-                                      </p:to>
-                                    </p:set>
-                                    <p:animEffect transition="in" filter="fade">
-                                      <p:cBhvr>
-                                        <p:cTn id="7" dur="1000"/>
-                                        <p:tgtEl>
-                                          <p:spTgt spid="12"/>
-                                        </p:tgtEl>
-                                      </p:cBhvr>
-                                    </p:animEffect>
-                                    <p:anim calcmode="lin" valueType="num">
-                                      <p:cBhvr>
-                                        <p:cTn id="8" dur="1000" fill="hold"/>
-                                        <p:tgtEl>
-                                          <p:spTgt spid="12"/>
-                                        </p:tgtEl>
-                                        <p:attrNameLst>
-                                          <p:attrName>ppt_x</p:attrName>
-                                        </p:attrNameLst>
-                                      </p:cBhvr>
-                                      <p:tavLst>
-                                        <p:tav tm="0">
-                                          <p:val>
-                                            <p:strVal val="#ppt_x"/>
-                                          </p:val>
-                                        </p:tav>
-                                        <p:tav tm="100000">
-                                          <p:val>
-                                            <p:strVal val="#ppt_x"/>
-                                          </p:val>
-                                        </p:tav>
-                                      </p:tavLst>
-                                    </p:anim>
-                                    <p:anim calcmode="lin" valueType="num">
-                                      <p:cBhvr>
-                                        <p:cTn id="9" dur="1000" fill="hold"/>
-                                        <p:tgtEl>
-                                          <p:spTgt spid="12"/>
-                                        </p:tgtEl>
-                                        <p:attrNameLst>
-                                          <p:attrName>ppt_y</p:attrName>
-                                        </p:attrNameLst>
-                                      </p:cBhvr>
-                                      <p:tavLst>
-                                        <p:tav tm="0">
-                                          <p:val>
-                                            <p:strVal val="#ppt_y+.1"/>
-                                          </p:val>
-                                        </p:tav>
-                                        <p:tav tm="100000">
-                                          <p:val>
-                                            <p:strVal val="#ppt_y"/>
-                                          </p:val>
-                                        </p:tav>
-                                      </p:tavLst>
-                                    </p:anim>
-                                  </p:childTnLst>
-                                </p:cTn>
-                              </p:par>
-                            </p:childTnLst>
-                          </p:cTn>
-                        </p:par>
-                      </p:childTnLst>
-                    </p:cTn>
-                  </p:par>
-                </p:childTnLst>
-              </p:cTn>
-              <p:prevCondLst>
-                <p:cond evt="onPrev" delay="0">
-                  <p:tgtEl>
-                    <p:sldTgt/>
-                  </p:tgtEl>
-                </p:cond>
-              </p:prevCondLst>
-              <p:nextCondLst>
-                <p:cond evt="onNext" delay="0">
-                  <p:tgtEl>
-                    <p:sldTgt/>
-                  </p:tgtEl>
-                </p:cond>
-              </p:nextCondLst>
-            </p:seq>
-          </p:childTnLst>
-        </p:cTn>
-      </p:par>
-    </p:tnLst>
-  </p:timing>
-</p:sld>
-</file>
-
-<file path=ppt/slides/slide11.xml><?xml version="1.0" encoding="utf-8"?>
 <p:sld xmlns:a="http://schemas.openxmlformats.org/drawingml/2006/main" xmlns:r="http://schemas.openxmlformats.org/officeDocument/2006/relationships" xmlns:p="http://schemas.openxmlformats.org/presentationml/2006/main">
   <p:cSld>
     <p:spTree>
@@ -9115,7 +7112,7 @@
 </p:sld>
 </file>
 
-<file path=ppt/slides/slide12.xml><?xml version="1.0" encoding="utf-8"?>
+<file path=ppt/slides/slide11.xml><?xml version="1.0" encoding="utf-8"?>
 <p:sld xmlns:a="http://schemas.openxmlformats.org/drawingml/2006/main" xmlns:r="http://schemas.openxmlformats.org/officeDocument/2006/relationships" xmlns:p="http://schemas.openxmlformats.org/presentationml/2006/main">
   <p:cSld>
     <p:spTree>
@@ -11037,7 +9034,7 @@
 </p:sld>
 </file>
 
-<file path=ppt/slides/slide13.xml><?xml version="1.0" encoding="utf-8"?>
+<file path=ppt/slides/slide12.xml><?xml version="1.0" encoding="utf-8"?>
 <p:sld xmlns:a="http://schemas.openxmlformats.org/drawingml/2006/main" xmlns:r="http://schemas.openxmlformats.org/officeDocument/2006/relationships" xmlns:p="http://schemas.openxmlformats.org/presentationml/2006/main">
   <p:cSld>
     <p:spTree>
@@ -12790,7 +10787,7 @@
 </p:sld>
 </file>
 
-<file path=ppt/slides/slide14.xml><?xml version="1.0" encoding="utf-8"?>
+<file path=ppt/slides/slide13.xml><?xml version="1.0" encoding="utf-8"?>
 <p:sld xmlns:a="http://schemas.openxmlformats.org/drawingml/2006/main" xmlns:r="http://schemas.openxmlformats.org/officeDocument/2006/relationships" xmlns:p="http://schemas.openxmlformats.org/presentationml/2006/main">
   <p:cSld>
     <p:spTree>
@@ -13979,18 +11976,6 @@
                         </a:rPr>
                         <a:t>)</a:t>
                       </a:r>
-                      <a:r>
-                        <a:rPr lang="en-US" altLang="ko-KR" sz="1800" kern="1200" baseline="0" dirty="0">
-                          <a:solidFill>
-                            <a:schemeClr val="tx1"/>
-                          </a:solidFill>
-                          <a:effectLst/>
-                          <a:latin typeface="+mn-lt"/>
-                          <a:ea typeface="+mn-ea"/>
-                          <a:cs typeface="+mn-cs"/>
-                        </a:rPr>
-                        <a:t/>
-                      </a:r>
                       <a:br>
                         <a:rPr lang="en-US" altLang="ko-KR" sz="1800" kern="1200" baseline="0" dirty="0">
                           <a:solidFill>
@@ -14331,7 +12316,7 @@
 </p:sld>
 </file>
 
-<file path=ppt/slides/slide15.xml><?xml version="1.0" encoding="utf-8"?>
+<file path=ppt/slides/slide14.xml><?xml version="1.0" encoding="utf-8"?>
 <p:sld xmlns:a="http://schemas.openxmlformats.org/drawingml/2006/main" xmlns:r="http://schemas.openxmlformats.org/officeDocument/2006/relationships" xmlns:p="http://schemas.openxmlformats.org/presentationml/2006/main">
   <p:cSld>
     <p:spTree>
@@ -15217,7 +13202,7 @@
 </p:sld>
 </file>
 
-<file path=ppt/slides/slide16.xml><?xml version="1.0" encoding="utf-8"?>
+<file path=ppt/slides/slide15.xml><?xml version="1.0" encoding="utf-8"?>
 <p:sld xmlns:a="http://schemas.openxmlformats.org/drawingml/2006/main" xmlns:r="http://schemas.openxmlformats.org/officeDocument/2006/relationships" xmlns:p="http://schemas.openxmlformats.org/presentationml/2006/main">
   <p:cSld>
     <p:spTree>
@@ -15899,7 +13884,7 @@
 </p:sld>
 </file>
 
-<file path=ppt/slides/slide17.xml><?xml version="1.0" encoding="utf-8"?>
+<file path=ppt/slides/slide16.xml><?xml version="1.0" encoding="utf-8"?>
 <p:sld xmlns:a="http://schemas.openxmlformats.org/drawingml/2006/main" xmlns:r="http://schemas.openxmlformats.org/officeDocument/2006/relationships" xmlns:p="http://schemas.openxmlformats.org/presentationml/2006/main">
   <p:cSld>
     <p:spTree>
@@ -16603,7 +14588,7 @@
 </p:sld>
 </file>
 
-<file path=ppt/slides/slide18.xml><?xml version="1.0" encoding="utf-8"?>
+<file path=ppt/slides/slide17.xml><?xml version="1.0" encoding="utf-8"?>
 <p:sld xmlns:a="http://schemas.openxmlformats.org/drawingml/2006/main" xmlns:r="http://schemas.openxmlformats.org/officeDocument/2006/relationships" xmlns:p="http://schemas.openxmlformats.org/presentationml/2006/main">
   <p:cSld>
     <p:spTree>
@@ -17261,7 +15246,7 @@
 </p:sld>
 </file>
 
-<file path=ppt/slides/slide19.xml><?xml version="1.0" encoding="utf-8"?>
+<file path=ppt/slides/slide18.xml><?xml version="1.0" encoding="utf-8"?>
 <p:sld xmlns:a="http://schemas.openxmlformats.org/drawingml/2006/main" xmlns:r="http://schemas.openxmlformats.org/officeDocument/2006/relationships" xmlns:p="http://schemas.openxmlformats.org/presentationml/2006/main">
   <p:cSld>
     <p:spTree>
@@ -17927,6 +15912,344 @@
     <p:extLst>
       <p:ext uri="{BB962C8B-B14F-4D97-AF65-F5344CB8AC3E}">
         <p14:creationId xmlns:p14="http://schemas.microsoft.com/office/powerpoint/2010/main" val="624937170"/>
+      </p:ext>
+    </p:extLst>
+  </p:cSld>
+  <p:clrMapOvr>
+    <a:masterClrMapping/>
+  </p:clrMapOvr>
+</p:sld>
+</file>
+
+<file path=ppt/slides/slide19.xml><?xml version="1.0" encoding="utf-8"?>
+<p:sld xmlns:a="http://schemas.openxmlformats.org/drawingml/2006/main" xmlns:r="http://schemas.openxmlformats.org/officeDocument/2006/relationships" xmlns:p="http://schemas.openxmlformats.org/presentationml/2006/main">
+  <p:cSld>
+    <p:spTree>
+      <p:nvGrpSpPr>
+        <p:cNvPr id="1" name=""/>
+        <p:cNvGrpSpPr/>
+        <p:nvPr/>
+      </p:nvGrpSpPr>
+      <p:grpSpPr>
+        <a:xfrm>
+          <a:off x="0" y="0"/>
+          <a:ext cx="0" cy="0"/>
+          <a:chOff x="0" y="0"/>
+          <a:chExt cx="0" cy="0"/>
+        </a:xfrm>
+      </p:grpSpPr>
+      <p:sp>
+        <p:nvSpPr>
+          <p:cNvPr id="2" name="제목 1" hidden="1"/>
+          <p:cNvSpPr>
+            <a:spLocks noGrp="1"/>
+          </p:cNvSpPr>
+          <p:nvPr>
+            <p:ph type="title"/>
+          </p:nvPr>
+        </p:nvSpPr>
+        <p:spPr/>
+        <p:txBody>
+          <a:bodyPr/>
+          <a:lstStyle/>
+          <a:p>
+            <a:endParaRPr lang="ko-KR" altLang="en-US"/>
+          </a:p>
+        </p:txBody>
+      </p:sp>
+      <p:pic>
+        <p:nvPicPr>
+          <p:cNvPr id="3" name="그림 2"/>
+          <p:cNvPicPr/>
+          <p:nvPr/>
+        </p:nvPicPr>
+        <p:blipFill>
+          <a:blip r:embed="rId3"/>
+          <a:stretch>
+            <a:fillRect/>
+          </a:stretch>
+        </p:blipFill>
+        <p:spPr>
+          <a:xfrm>
+            <a:off x="0" y="0"/>
+            <a:ext cx="12192000" cy="6858000"/>
+          </a:xfrm>
+          <a:prstGeom prst="rect">
+            <a:avLst/>
+          </a:prstGeom>
+        </p:spPr>
+      </p:pic>
+      <p:sp>
+        <p:nvSpPr>
+          <p:cNvPr id="4" name="TextBox 3"/>
+          <p:cNvSpPr txBox="1"/>
+          <p:nvPr/>
+        </p:nvSpPr>
+        <p:spPr>
+          <a:xfrm>
+            <a:off x="6532652" y="774618"/>
+            <a:ext cx="926983" cy="307777"/>
+          </a:xfrm>
+          <a:prstGeom prst="rect">
+            <a:avLst/>
+          </a:prstGeom>
+          <a:noFill/>
+        </p:spPr>
+        <p:txBody>
+          <a:bodyPr wrap="square" rtlCol="0">
+            <a:spAutoFit/>
+          </a:bodyPr>
+          <a:lstStyle>
+            <a:defPPr>
+              <a:defRPr lang="ko-KR"/>
+            </a:defPPr>
+            <a:lvl1pPr>
+              <a:defRPr sz="1200">
+                <a:ln>
+                  <a:solidFill>
+                    <a:schemeClr val="accent1">
+                      <a:alpha val="0"/>
+                    </a:schemeClr>
+                  </a:solidFill>
+                </a:ln>
+                <a:solidFill>
+                  <a:prstClr val="white">
+                    <a:lumMod val="75000"/>
+                  </a:prstClr>
+                </a:solidFill>
+                <a:latin typeface="-윤고딕330" pitchFamily="18" charset="-127"/>
+                <a:ea typeface="-윤고딕330" pitchFamily="18" charset="-127"/>
+              </a:defRPr>
+            </a:lvl1pPr>
+          </a:lstStyle>
+          <a:p>
+            <a:r>
+              <a:rPr lang="en-US" altLang="ko-KR" sz="1400" dirty="0"/>
+              <a:t>Strategy</a:t>
+            </a:r>
+            <a:endParaRPr lang="ko-KR" altLang="en-US" sz="1400" dirty="0"/>
+          </a:p>
+        </p:txBody>
+      </p:sp>
+      <p:cxnSp>
+        <p:nvCxnSpPr>
+          <p:cNvPr id="6" name="직선 연결선 5"/>
+          <p:cNvCxnSpPr/>
+          <p:nvPr/>
+        </p:nvCxnSpPr>
+        <p:spPr>
+          <a:xfrm>
+            <a:off x="5744639" y="1146276"/>
+            <a:ext cx="560439" cy="0"/>
+          </a:xfrm>
+          <a:prstGeom prst="line">
+            <a:avLst/>
+          </a:prstGeom>
+          <a:ln>
+            <a:solidFill>
+              <a:schemeClr val="bg1"/>
+            </a:solidFill>
+          </a:ln>
+        </p:spPr>
+        <p:style>
+          <a:lnRef idx="1">
+            <a:schemeClr val="accent1"/>
+          </a:lnRef>
+          <a:fillRef idx="0">
+            <a:schemeClr val="accent1"/>
+          </a:fillRef>
+          <a:effectRef idx="0">
+            <a:schemeClr val="accent1"/>
+          </a:effectRef>
+          <a:fontRef idx="minor">
+            <a:schemeClr val="tx1"/>
+          </a:fontRef>
+        </p:style>
+      </p:cxnSp>
+      <p:cxnSp>
+        <p:nvCxnSpPr>
+          <p:cNvPr id="7" name="직선 연결선 6"/>
+          <p:cNvCxnSpPr/>
+          <p:nvPr/>
+        </p:nvCxnSpPr>
+        <p:spPr>
+          <a:xfrm>
+            <a:off x="5767481" y="2847807"/>
+            <a:ext cx="560439" cy="0"/>
+          </a:xfrm>
+          <a:prstGeom prst="line">
+            <a:avLst/>
+          </a:prstGeom>
+          <a:ln>
+            <a:solidFill>
+              <a:schemeClr val="bg1"/>
+            </a:solidFill>
+          </a:ln>
+        </p:spPr>
+        <p:style>
+          <a:lnRef idx="1">
+            <a:schemeClr val="accent1"/>
+          </a:lnRef>
+          <a:fillRef idx="0">
+            <a:schemeClr val="accent1"/>
+          </a:fillRef>
+          <a:effectRef idx="0">
+            <a:schemeClr val="accent1"/>
+          </a:effectRef>
+          <a:fontRef idx="minor">
+            <a:schemeClr val="tx1"/>
+          </a:fontRef>
+        </p:style>
+      </p:cxnSp>
+      <p:sp>
+        <p:nvSpPr>
+          <p:cNvPr id="8" name="TextBox 7"/>
+          <p:cNvSpPr txBox="1"/>
+          <p:nvPr/>
+        </p:nvSpPr>
+        <p:spPr>
+          <a:xfrm>
+            <a:off x="5631994" y="1746569"/>
+            <a:ext cx="3655282" cy="1461125"/>
+          </a:xfrm>
+          <a:prstGeom prst="rect">
+            <a:avLst/>
+          </a:prstGeom>
+        </p:spPr>
+        <p:txBody>
+          <a:bodyPr vert="horz" lIns="91440" tIns="45720" rIns="91440" bIns="45720" rtlCol="0">
+            <a:noAutofit/>
+          </a:bodyPr>
+          <a:lstStyle>
+            <a:defPPr>
+              <a:defRPr lang="ko-KR"/>
+            </a:defPPr>
+            <a:lvl1pPr indent="0">
+              <a:lnSpc>
+                <a:spcPct val="100000"/>
+              </a:lnSpc>
+              <a:spcBef>
+                <a:spcPts val="1000"/>
+              </a:spcBef>
+              <a:buFont typeface="Arial" panose="020B0604020202020204" pitchFamily="34" charset="0"/>
+              <a:buNone/>
+              <a:defRPr sz="1100">
+                <a:ln>
+                  <a:solidFill>
+                    <a:schemeClr val="accent1">
+                      <a:alpha val="0"/>
+                    </a:schemeClr>
+                  </a:solidFill>
+                </a:ln>
+                <a:solidFill>
+                  <a:schemeClr val="bg1"/>
+                </a:solidFill>
+                <a:latin typeface="-윤고딕330" panose="02030504000101010101" pitchFamily="18" charset="-127"/>
+                <a:ea typeface="-윤고딕330" panose="02030504000101010101" pitchFamily="18" charset="-127"/>
+              </a:defRPr>
+            </a:lvl1pPr>
+            <a:lvl2pPr marL="685800" indent="-228600">
+              <a:lnSpc>
+                <a:spcPct val="90000"/>
+              </a:lnSpc>
+              <a:spcBef>
+                <a:spcPts val="500"/>
+              </a:spcBef>
+              <a:buFont typeface="Arial" panose="020B0604020202020204" pitchFamily="34" charset="0"/>
+              <a:buChar char="•"/>
+              <a:defRPr sz="2400"/>
+            </a:lvl2pPr>
+            <a:lvl3pPr marL="1143000" indent="-228600">
+              <a:lnSpc>
+                <a:spcPct val="90000"/>
+              </a:lnSpc>
+              <a:spcBef>
+                <a:spcPts val="500"/>
+              </a:spcBef>
+              <a:buFont typeface="Arial" panose="020B0604020202020204" pitchFamily="34" charset="0"/>
+              <a:buChar char="•"/>
+              <a:defRPr sz="2000"/>
+            </a:lvl3pPr>
+            <a:lvl4pPr marL="1600200" indent="-228600">
+              <a:lnSpc>
+                <a:spcPct val="90000"/>
+              </a:lnSpc>
+              <a:spcBef>
+                <a:spcPts val="500"/>
+              </a:spcBef>
+              <a:buFont typeface="Arial" panose="020B0604020202020204" pitchFamily="34" charset="0"/>
+              <a:buChar char="•"/>
+            </a:lvl4pPr>
+            <a:lvl5pPr marL="2057400" indent="-228600">
+              <a:lnSpc>
+                <a:spcPct val="90000"/>
+              </a:lnSpc>
+              <a:spcBef>
+                <a:spcPts val="500"/>
+              </a:spcBef>
+              <a:buFont typeface="Arial" panose="020B0604020202020204" pitchFamily="34" charset="0"/>
+              <a:buChar char="•"/>
+            </a:lvl5pPr>
+            <a:lvl6pPr marL="2514600" indent="-228600">
+              <a:lnSpc>
+                <a:spcPct val="90000"/>
+              </a:lnSpc>
+              <a:spcBef>
+                <a:spcPts val="500"/>
+              </a:spcBef>
+              <a:buFont typeface="Arial" panose="020B0604020202020204" pitchFamily="34" charset="0"/>
+              <a:buChar char="•"/>
+            </a:lvl6pPr>
+            <a:lvl7pPr marL="2971800" indent="-228600">
+              <a:lnSpc>
+                <a:spcPct val="90000"/>
+              </a:lnSpc>
+              <a:spcBef>
+                <a:spcPts val="500"/>
+              </a:spcBef>
+              <a:buFont typeface="Arial" panose="020B0604020202020204" pitchFamily="34" charset="0"/>
+              <a:buChar char="•"/>
+            </a:lvl7pPr>
+            <a:lvl8pPr marL="3429000" indent="-228600">
+              <a:lnSpc>
+                <a:spcPct val="90000"/>
+              </a:lnSpc>
+              <a:spcBef>
+                <a:spcPts val="500"/>
+              </a:spcBef>
+              <a:buFont typeface="Arial" panose="020B0604020202020204" pitchFamily="34" charset="0"/>
+              <a:buChar char="•"/>
+            </a:lvl8pPr>
+            <a:lvl9pPr marL="3886200" indent="-228600">
+              <a:lnSpc>
+                <a:spcPct val="90000"/>
+              </a:lnSpc>
+              <a:spcBef>
+                <a:spcPts val="500"/>
+              </a:spcBef>
+              <a:buFont typeface="Arial" panose="020B0604020202020204" pitchFamily="34" charset="0"/>
+              <a:buChar char="•"/>
+            </a:lvl9pPr>
+          </a:lstStyle>
+          <a:p>
+            <a:r>
+              <a:rPr lang="ko-KR" altLang="en-US" sz="2800">
+                <a:latin typeface="Noto Sans CJK KR Medium" panose="020B0600000000000000" pitchFamily="34" charset="-127"/>
+                <a:ea typeface="Noto Sans CJK KR Medium" panose="020B0600000000000000" pitchFamily="34" charset="-127"/>
+              </a:rPr>
+              <a:t>시연</a:t>
+            </a:r>
+            <a:endParaRPr lang="en-US" altLang="ko-KR" sz="2800" dirty="0">
+              <a:latin typeface="Noto Sans CJK KR Medium" panose="020B0600000000000000" pitchFamily="34" charset="-127"/>
+              <a:ea typeface="Noto Sans CJK KR Medium" panose="020B0600000000000000" pitchFamily="34" charset="-127"/>
+            </a:endParaRPr>
+          </a:p>
+        </p:txBody>
+      </p:sp>
+    </p:spTree>
+    <p:extLst>
+      <p:ext uri="{BB962C8B-B14F-4D97-AF65-F5344CB8AC3E}">
+        <p14:creationId xmlns:p14="http://schemas.microsoft.com/office/powerpoint/2010/main" val="3768848380"/>
       </p:ext>
     </p:extLst>
   </p:cSld>
@@ -18884,351 +17207,6 @@
           <a:bodyPr/>
           <a:lstStyle/>
           <a:p>
-            <a:endParaRPr lang="ko-KR" altLang="en-US"/>
-          </a:p>
-        </p:txBody>
-      </p:sp>
-      <p:pic>
-        <p:nvPicPr>
-          <p:cNvPr id="3" name="그림 2"/>
-          <p:cNvPicPr/>
-          <p:nvPr/>
-        </p:nvPicPr>
-        <p:blipFill>
-          <a:blip r:embed="rId3"/>
-          <a:stretch>
-            <a:fillRect/>
-          </a:stretch>
-        </p:blipFill>
-        <p:spPr>
-          <a:xfrm>
-            <a:off x="0" y="0"/>
-            <a:ext cx="12192000" cy="6858000"/>
-          </a:xfrm>
-          <a:prstGeom prst="rect">
-            <a:avLst/>
-          </a:prstGeom>
-        </p:spPr>
-      </p:pic>
-      <p:sp>
-        <p:nvSpPr>
-          <p:cNvPr id="4" name="TextBox 3"/>
-          <p:cNvSpPr txBox="1"/>
-          <p:nvPr/>
-        </p:nvSpPr>
-        <p:spPr>
-          <a:xfrm>
-            <a:off x="6532652" y="774618"/>
-            <a:ext cx="926983" cy="307777"/>
-          </a:xfrm>
-          <a:prstGeom prst="rect">
-            <a:avLst/>
-          </a:prstGeom>
-          <a:noFill/>
-        </p:spPr>
-        <p:txBody>
-          <a:bodyPr wrap="square" rtlCol="0">
-            <a:spAutoFit/>
-          </a:bodyPr>
-          <a:lstStyle>
-            <a:defPPr>
-              <a:defRPr lang="ko-KR"/>
-            </a:defPPr>
-            <a:lvl1pPr>
-              <a:defRPr sz="1200">
-                <a:ln>
-                  <a:solidFill>
-                    <a:schemeClr val="accent1">
-                      <a:alpha val="0"/>
-                    </a:schemeClr>
-                  </a:solidFill>
-                </a:ln>
-                <a:solidFill>
-                  <a:prstClr val="white">
-                    <a:lumMod val="75000"/>
-                  </a:prstClr>
-                </a:solidFill>
-                <a:latin typeface="-윤고딕330" pitchFamily="18" charset="-127"/>
-                <a:ea typeface="-윤고딕330" pitchFamily="18" charset="-127"/>
-              </a:defRPr>
-            </a:lvl1pPr>
-          </a:lstStyle>
-          <a:p>
-            <a:r>
-              <a:rPr lang="en-US" altLang="ko-KR" sz="1400" dirty="0"/>
-              <a:t>Strategy</a:t>
-            </a:r>
-            <a:endParaRPr lang="ko-KR" altLang="en-US" sz="1400" dirty="0"/>
-          </a:p>
-        </p:txBody>
-      </p:sp>
-      <p:cxnSp>
-        <p:nvCxnSpPr>
-          <p:cNvPr id="6" name="직선 연결선 5"/>
-          <p:cNvCxnSpPr/>
-          <p:nvPr/>
-        </p:nvCxnSpPr>
-        <p:spPr>
-          <a:xfrm>
-            <a:off x="5744639" y="1146276"/>
-            <a:ext cx="560439" cy="0"/>
-          </a:xfrm>
-          <a:prstGeom prst="line">
-            <a:avLst/>
-          </a:prstGeom>
-          <a:ln>
-            <a:solidFill>
-              <a:schemeClr val="bg1"/>
-            </a:solidFill>
-          </a:ln>
-        </p:spPr>
-        <p:style>
-          <a:lnRef idx="1">
-            <a:schemeClr val="accent1"/>
-          </a:lnRef>
-          <a:fillRef idx="0">
-            <a:schemeClr val="accent1"/>
-          </a:fillRef>
-          <a:effectRef idx="0">
-            <a:schemeClr val="accent1"/>
-          </a:effectRef>
-          <a:fontRef idx="minor">
-            <a:schemeClr val="tx1"/>
-          </a:fontRef>
-        </p:style>
-      </p:cxnSp>
-      <p:cxnSp>
-        <p:nvCxnSpPr>
-          <p:cNvPr id="7" name="직선 연결선 6"/>
-          <p:cNvCxnSpPr/>
-          <p:nvPr/>
-        </p:nvCxnSpPr>
-        <p:spPr>
-          <a:xfrm>
-            <a:off x="5767481" y="2847807"/>
-            <a:ext cx="560439" cy="0"/>
-          </a:xfrm>
-          <a:prstGeom prst="line">
-            <a:avLst/>
-          </a:prstGeom>
-          <a:ln>
-            <a:solidFill>
-              <a:schemeClr val="bg1"/>
-            </a:solidFill>
-          </a:ln>
-        </p:spPr>
-        <p:style>
-          <a:lnRef idx="1">
-            <a:schemeClr val="accent1"/>
-          </a:lnRef>
-          <a:fillRef idx="0">
-            <a:schemeClr val="accent1"/>
-          </a:fillRef>
-          <a:effectRef idx="0">
-            <a:schemeClr val="accent1"/>
-          </a:effectRef>
-          <a:fontRef idx="minor">
-            <a:schemeClr val="tx1"/>
-          </a:fontRef>
-        </p:style>
-      </p:cxnSp>
-      <p:sp>
-        <p:nvSpPr>
-          <p:cNvPr id="8" name="TextBox 7"/>
-          <p:cNvSpPr txBox="1"/>
-          <p:nvPr/>
-        </p:nvSpPr>
-        <p:spPr>
-          <a:xfrm>
-            <a:off x="5631994" y="1746569"/>
-            <a:ext cx="3655282" cy="1461125"/>
-          </a:xfrm>
-          <a:prstGeom prst="rect">
-            <a:avLst/>
-          </a:prstGeom>
-        </p:spPr>
-        <p:txBody>
-          <a:bodyPr vert="horz" lIns="91440" tIns="45720" rIns="91440" bIns="45720" rtlCol="0">
-            <a:noAutofit/>
-          </a:bodyPr>
-          <a:lstStyle>
-            <a:defPPr>
-              <a:defRPr lang="ko-KR"/>
-            </a:defPPr>
-            <a:lvl1pPr indent="0">
-              <a:lnSpc>
-                <a:spcPct val="100000"/>
-              </a:lnSpc>
-              <a:spcBef>
-                <a:spcPts val="1000"/>
-              </a:spcBef>
-              <a:buFont typeface="Arial" panose="020B0604020202020204" pitchFamily="34" charset="0"/>
-              <a:buNone/>
-              <a:defRPr sz="1100">
-                <a:ln>
-                  <a:solidFill>
-                    <a:schemeClr val="accent1">
-                      <a:alpha val="0"/>
-                    </a:schemeClr>
-                  </a:solidFill>
-                </a:ln>
-                <a:solidFill>
-                  <a:schemeClr val="bg1"/>
-                </a:solidFill>
-                <a:latin typeface="-윤고딕330" panose="02030504000101010101" pitchFamily="18" charset="-127"/>
-                <a:ea typeface="-윤고딕330" panose="02030504000101010101" pitchFamily="18" charset="-127"/>
-              </a:defRPr>
-            </a:lvl1pPr>
-            <a:lvl2pPr marL="685800" indent="-228600">
-              <a:lnSpc>
-                <a:spcPct val="90000"/>
-              </a:lnSpc>
-              <a:spcBef>
-                <a:spcPts val="500"/>
-              </a:spcBef>
-              <a:buFont typeface="Arial" panose="020B0604020202020204" pitchFamily="34" charset="0"/>
-              <a:buChar char="•"/>
-              <a:defRPr sz="2400"/>
-            </a:lvl2pPr>
-            <a:lvl3pPr marL="1143000" indent="-228600">
-              <a:lnSpc>
-                <a:spcPct val="90000"/>
-              </a:lnSpc>
-              <a:spcBef>
-                <a:spcPts val="500"/>
-              </a:spcBef>
-              <a:buFont typeface="Arial" panose="020B0604020202020204" pitchFamily="34" charset="0"/>
-              <a:buChar char="•"/>
-              <a:defRPr sz="2000"/>
-            </a:lvl3pPr>
-            <a:lvl4pPr marL="1600200" indent="-228600">
-              <a:lnSpc>
-                <a:spcPct val="90000"/>
-              </a:lnSpc>
-              <a:spcBef>
-                <a:spcPts val="500"/>
-              </a:spcBef>
-              <a:buFont typeface="Arial" panose="020B0604020202020204" pitchFamily="34" charset="0"/>
-              <a:buChar char="•"/>
-            </a:lvl4pPr>
-            <a:lvl5pPr marL="2057400" indent="-228600">
-              <a:lnSpc>
-                <a:spcPct val="90000"/>
-              </a:lnSpc>
-              <a:spcBef>
-                <a:spcPts val="500"/>
-              </a:spcBef>
-              <a:buFont typeface="Arial" panose="020B0604020202020204" pitchFamily="34" charset="0"/>
-              <a:buChar char="•"/>
-            </a:lvl5pPr>
-            <a:lvl6pPr marL="2514600" indent="-228600">
-              <a:lnSpc>
-                <a:spcPct val="90000"/>
-              </a:lnSpc>
-              <a:spcBef>
-                <a:spcPts val="500"/>
-              </a:spcBef>
-              <a:buFont typeface="Arial" panose="020B0604020202020204" pitchFamily="34" charset="0"/>
-              <a:buChar char="•"/>
-            </a:lvl6pPr>
-            <a:lvl7pPr marL="2971800" indent="-228600">
-              <a:lnSpc>
-                <a:spcPct val="90000"/>
-              </a:lnSpc>
-              <a:spcBef>
-                <a:spcPts val="500"/>
-              </a:spcBef>
-              <a:buFont typeface="Arial" panose="020B0604020202020204" pitchFamily="34" charset="0"/>
-              <a:buChar char="•"/>
-            </a:lvl7pPr>
-            <a:lvl8pPr marL="3429000" indent="-228600">
-              <a:lnSpc>
-                <a:spcPct val="90000"/>
-              </a:lnSpc>
-              <a:spcBef>
-                <a:spcPts val="500"/>
-              </a:spcBef>
-              <a:buFont typeface="Arial" panose="020B0604020202020204" pitchFamily="34" charset="0"/>
-              <a:buChar char="•"/>
-            </a:lvl8pPr>
-            <a:lvl9pPr marL="3886200" indent="-228600">
-              <a:lnSpc>
-                <a:spcPct val="90000"/>
-              </a:lnSpc>
-              <a:spcBef>
-                <a:spcPts val="500"/>
-              </a:spcBef>
-              <a:buFont typeface="Arial" panose="020B0604020202020204" pitchFamily="34" charset="0"/>
-              <a:buChar char="•"/>
-            </a:lvl9pPr>
-          </a:lstStyle>
-          <a:p>
-            <a:r>
-              <a:rPr lang="ko-KR" altLang="en-US" sz="2800" smtClean="0">
-                <a:latin typeface="Noto Sans CJK KR Medium" panose="020B0600000000000000" pitchFamily="34" charset="-127"/>
-                <a:ea typeface="Noto Sans CJK KR Medium" panose="020B0600000000000000" pitchFamily="34" charset="-127"/>
-              </a:rPr>
-              <a:t>시연</a:t>
-            </a:r>
-            <a:endParaRPr lang="en-US" altLang="ko-KR" sz="2800" dirty="0">
-              <a:latin typeface="Noto Sans CJK KR Medium" panose="020B0600000000000000" pitchFamily="34" charset="-127"/>
-              <a:ea typeface="Noto Sans CJK KR Medium" panose="020B0600000000000000" pitchFamily="34" charset="-127"/>
-            </a:endParaRPr>
-          </a:p>
-        </p:txBody>
-      </p:sp>
-    </p:spTree>
-    <p:extLst>
-      <p:ext uri="{BB962C8B-B14F-4D97-AF65-F5344CB8AC3E}">
-        <p14:creationId xmlns:p14="http://schemas.microsoft.com/office/powerpoint/2010/main" val="3768848380"/>
-      </p:ext>
-    </p:extLst>
-  </p:cSld>
-  <p:clrMapOvr>
-    <a:masterClrMapping/>
-  </p:clrMapOvr>
-  <p:timing>
-    <p:tnLst>
-      <p:par>
-        <p:cTn id="1" dur="indefinite" restart="never" nodeType="tmRoot"/>
-      </p:par>
-    </p:tnLst>
-  </p:timing>
-</p:sld>
-</file>
-
-<file path=ppt/slides/slide21.xml><?xml version="1.0" encoding="utf-8"?>
-<p:sld xmlns:a="http://schemas.openxmlformats.org/drawingml/2006/main" xmlns:r="http://schemas.openxmlformats.org/officeDocument/2006/relationships" xmlns:p="http://schemas.openxmlformats.org/presentationml/2006/main">
-  <p:cSld>
-    <p:spTree>
-      <p:nvGrpSpPr>
-        <p:cNvPr id="1" name=""/>
-        <p:cNvGrpSpPr/>
-        <p:nvPr/>
-      </p:nvGrpSpPr>
-      <p:grpSpPr>
-        <a:xfrm>
-          <a:off x="0" y="0"/>
-          <a:ext cx="0" cy="0"/>
-          <a:chOff x="0" y="0"/>
-          <a:chExt cx="0" cy="0"/>
-        </a:xfrm>
-      </p:grpSpPr>
-      <p:sp>
-        <p:nvSpPr>
-          <p:cNvPr id="2" name="제목 1" hidden="1"/>
-          <p:cNvSpPr>
-            <a:spLocks noGrp="1"/>
-          </p:cNvSpPr>
-          <p:nvPr>
-            <p:ph type="title"/>
-          </p:nvPr>
-        </p:nvSpPr>
-        <p:spPr/>
-        <p:txBody>
-          <a:bodyPr/>
-          <a:lstStyle/>
-          <a:p>
             <a:r>
               <a:rPr lang="ko-KR" altLang="en-US" dirty="0" err="1"/>
               <a:t>ㅋ</a:t>
@@ -20521,7 +18499,7 @@
 </p:sld>
 </file>
 
-<file path=ppt/slides/slide22.xml><?xml version="1.0" encoding="utf-8"?>
+<file path=ppt/slides/slide21.xml><?xml version="1.0" encoding="utf-8"?>
 <p:sld xmlns:a="http://schemas.openxmlformats.org/drawingml/2006/main" xmlns:r="http://schemas.openxmlformats.org/officeDocument/2006/relationships" xmlns:p="http://schemas.openxmlformats.org/presentationml/2006/main">
   <p:cSld>
     <p:spTree>
@@ -21683,7 +19661,7 @@
 </p:sld>
 </file>
 
-<file path=ppt/slides/slide23.xml><?xml version="1.0" encoding="utf-8"?>
+<file path=ppt/slides/slide22.xml><?xml version="1.0" encoding="utf-8"?>
 <p:sld xmlns:a="http://schemas.openxmlformats.org/drawingml/2006/main" xmlns:r="http://schemas.openxmlformats.org/officeDocument/2006/relationships" xmlns:p="http://schemas.openxmlformats.org/presentationml/2006/main">
   <p:cSld>
     <p:spTree>
@@ -28485,7 +26463,7 @@
         </p:nvGraphicFramePr>
         <p:xfrm>
           <a:off x="2857298" y="1849130"/>
-          <a:ext cx="8725102" cy="4511124"/>
+          <a:ext cx="8725102" cy="4561924"/>
         </p:xfrm>
         <a:graphic>
           <a:graphicData uri="http://schemas.openxmlformats.org/drawingml/2006/table">
@@ -29563,7 +27541,7 @@
                 <a:latin typeface="Noto Sans CJK KR Medium" panose="020B0600000000000000" pitchFamily="34" charset="-127"/>
                 <a:ea typeface="Noto Sans CJK KR Medium" panose="020B0600000000000000" pitchFamily="34" charset="-127"/>
               </a:rPr>
-              <a:t>08</a:t>
+              <a:t>09</a:t>
             </a:r>
           </a:p>
           <a:p>
@@ -29760,7 +27738,9 @@
             <a:r>
               <a:rPr lang="en-US" altLang="ko-KR" sz="1100" b="1" dirty="0">
                 <a:solidFill>
-                  <a:schemeClr val="bg1"/>
+                  <a:schemeClr val="bg2">
+                    <a:lumMod val="75000"/>
+                  </a:schemeClr>
                 </a:solidFill>
                 <a:latin typeface="Noto Sans CJK KR Medium" panose="020B0600000000000000" pitchFamily="34" charset="-127"/>
                 <a:ea typeface="Noto Sans CJK KR Medium" panose="020B0600000000000000" pitchFamily="34" charset="-127"/>
@@ -29770,7 +27750,9 @@
             <a:r>
               <a:rPr lang="ko-KR" altLang="en-US" sz="1100" b="1" dirty="0">
                 <a:solidFill>
-                  <a:schemeClr val="bg1"/>
+                  <a:schemeClr val="bg2">
+                    <a:lumMod val="75000"/>
+                  </a:schemeClr>
                 </a:solidFill>
                 <a:latin typeface="Noto Sans CJK KR Medium" panose="020B0600000000000000" pitchFamily="34" charset="-127"/>
                 <a:ea typeface="Noto Sans CJK KR Medium" panose="020B0600000000000000" pitchFamily="34" charset="-127"/>
@@ -29779,7 +27761,9 @@
             </a:r>
             <a:endParaRPr lang="en-US" altLang="ko-KR" sz="1100" b="1" dirty="0">
               <a:solidFill>
-                <a:schemeClr val="bg1"/>
+                <a:schemeClr val="bg2">
+                  <a:lumMod val="75000"/>
+                </a:schemeClr>
               </a:solidFill>
               <a:latin typeface="Noto Sans CJK KR Medium" panose="020B0600000000000000" pitchFamily="34" charset="-127"/>
               <a:ea typeface="Noto Sans CJK KR Medium" panose="020B0600000000000000" pitchFamily="34" charset="-127"/>
@@ -29793,11 +27777,9 @@
               <a:buNone/>
             </a:pPr>
             <a:r>
-              <a:rPr lang="en-US" altLang="ko-KR" sz="1100" dirty="0">
-                <a:solidFill>
-                  <a:schemeClr val="bg2">
-                    <a:lumMod val="75000"/>
-                  </a:schemeClr>
+              <a:rPr lang="en-US" altLang="ko-KR" sz="1100" b="1" dirty="0">
+                <a:solidFill>
+                  <a:schemeClr val="bg1"/>
                 </a:solidFill>
                 <a:latin typeface="Noto Sans CJK KR Medium" panose="020B0600000000000000" pitchFamily="34" charset="-127"/>
                 <a:ea typeface="Noto Sans CJK KR Medium" panose="020B0600000000000000" pitchFamily="34" charset="-127"/>
@@ -29805,22 +27787,18 @@
               <a:t>03 </a:t>
             </a:r>
             <a:r>
-              <a:rPr lang="ko-KR" altLang="en-US" sz="1100" dirty="0">
-                <a:solidFill>
-                  <a:schemeClr val="bg2">
-                    <a:lumMod val="75000"/>
-                  </a:schemeClr>
+              <a:rPr lang="ko-KR" altLang="en-US" sz="1100" b="1" dirty="0">
+                <a:solidFill>
+                  <a:schemeClr val="bg1"/>
                 </a:solidFill>
                 <a:latin typeface="Noto Sans CJK KR Medium" panose="020B0600000000000000" pitchFamily="34" charset="-127"/>
                 <a:ea typeface="Noto Sans CJK KR Medium" panose="020B0600000000000000" pitchFamily="34" charset="-127"/>
               </a:rPr>
               <a:t>사용사례 작성</a:t>
             </a:r>
-            <a:endParaRPr lang="en-US" altLang="ko-KR" sz="1100" dirty="0">
+            <a:endParaRPr lang="en-US" altLang="ko-KR" sz="1100" b="1" dirty="0">
               <a:solidFill>
-                <a:schemeClr val="bg2">
-                  <a:lumMod val="75000"/>
-                </a:schemeClr>
+                <a:schemeClr val="bg1"/>
               </a:solidFill>
               <a:latin typeface="Noto Sans CJK KR Medium" panose="020B0600000000000000" pitchFamily="34" charset="-127"/>
               <a:ea typeface="Noto Sans CJK KR Medium" panose="020B0600000000000000" pitchFamily="34" charset="-127"/>
@@ -29941,7 +27919,7 @@
         <p:spPr>
           <a:xfrm>
             <a:off x="2752167" y="1089843"/>
-            <a:ext cx="6013185" cy="461665"/>
+            <a:ext cx="4115229" cy="461665"/>
           </a:xfrm>
           <a:prstGeom prst="rect">
             <a:avLst/>
@@ -29973,7 +27951,7 @@
                 <a:latin typeface="Noto Sans CJK KR Medium" panose="020B0600000000000000" pitchFamily="34" charset="-127"/>
                 <a:ea typeface="Noto Sans CJK KR Medium" panose="020B0600000000000000" pitchFamily="34" charset="-127"/>
               </a:rPr>
-              <a:t>요구사항 분석</a:t>
+              <a:t>사용사례 작성 </a:t>
             </a:r>
             <a:r>
               <a:rPr lang="en-US" altLang="ko-KR" sz="2400" spc="-150" dirty="0">
@@ -29990,7 +27968,7 @@
                 <a:latin typeface="Noto Sans CJK KR Medium" panose="020B0600000000000000" pitchFamily="34" charset="-127"/>
                 <a:ea typeface="Noto Sans CJK KR Medium" panose="020B0600000000000000" pitchFamily="34" charset="-127"/>
               </a:rPr>
-              <a:t>–  </a:t>
+              <a:t>– </a:t>
             </a:r>
             <a:r>
               <a:rPr lang="ko-KR" altLang="en-US" sz="2400" spc="-150" dirty="0">
@@ -30007,7 +27985,7 @@
                 <a:latin typeface="Noto Sans CJK KR Medium" panose="020B0600000000000000" pitchFamily="34" charset="-127"/>
                 <a:ea typeface="Noto Sans CJK KR Medium" panose="020B0600000000000000" pitchFamily="34" charset="-127"/>
               </a:rPr>
-              <a:t>기능적 요구사항 및 우선순위</a:t>
+              <a:t>시나리오 작성</a:t>
             </a:r>
             <a:endParaRPr lang="en-US" altLang="ko-KR" sz="2400" spc="-150" dirty="0">
               <a:ln>
@@ -30028,1016 +28006,221 @@
       </p:sp>
       <p:graphicFrame>
         <p:nvGraphicFramePr>
-          <p:cNvPr id="4" name="표 3"/>
+          <p:cNvPr id="12" name="내용 개체 틀 4"/>
           <p:cNvGraphicFramePr>
-            <a:graphicFrameLocks noGrp="1"/>
+            <a:graphicFrameLocks/>
           </p:cNvGraphicFramePr>
           <p:nvPr>
             <p:extLst>
               <p:ext uri="{D42A27DB-BD31-4B8C-83A1-F6EECF244321}">
-                <p14:modId xmlns:p14="http://schemas.microsoft.com/office/powerpoint/2010/main" val="1525646577"/>
+                <p14:modId xmlns:p14="http://schemas.microsoft.com/office/powerpoint/2010/main" val="1232235331"/>
               </p:ext>
             </p:extLst>
           </p:nvPr>
         </p:nvGraphicFramePr>
         <p:xfrm>
-          <a:off x="2919663" y="1849129"/>
-          <a:ext cx="8181477" cy="5282174"/>
+          <a:off x="2574745" y="2107300"/>
+          <a:ext cx="9257167" cy="4285962"/>
         </p:xfrm>
         <a:graphic>
           <a:graphicData uri="http://schemas.openxmlformats.org/drawingml/2006/table">
             <a:tbl>
-              <a:tblPr firstRow="1" firstCol="1" bandRow="1">
+              <a:tblPr firstRow="1" bandRow="1">
                 <a:tableStyleId>{3B4B98B0-60AC-42C2-AFA5-B58CD77FA1E5}</a:tableStyleId>
               </a:tblPr>
               <a:tblGrid>
-                <a:gridCol w="2726878">
+                <a:gridCol w="1466806">
                   <a:extLst>
                     <a:ext uri="{9D8B030D-6E8A-4147-A177-3AD203B41FA5}">
-                      <a16:colId xmlns:a16="http://schemas.microsoft.com/office/drawing/2014/main" val="1361614601"/>
+                      <a16:colId xmlns:a16="http://schemas.microsoft.com/office/drawing/2014/main" val="20000"/>
                     </a:ext>
                   </a:extLst>
                 </a:gridCol>
-                <a:gridCol w="2726878">
+                <a:gridCol w="7790361">
                   <a:extLst>
                     <a:ext uri="{9D8B030D-6E8A-4147-A177-3AD203B41FA5}">
-                      <a16:colId xmlns:a16="http://schemas.microsoft.com/office/drawing/2014/main" val="880986269"/>
-                    </a:ext>
-                  </a:extLst>
-                </a:gridCol>
-                <a:gridCol w="2727721">
-                  <a:extLst>
-                    <a:ext uri="{9D8B030D-6E8A-4147-A177-3AD203B41FA5}">
-                      <a16:colId xmlns:a16="http://schemas.microsoft.com/office/drawing/2014/main" val="4208636590"/>
+                      <a16:colId xmlns:a16="http://schemas.microsoft.com/office/drawing/2014/main" val="20001"/>
                     </a:ext>
                   </a:extLst>
                 </a:gridCol>
               </a:tblGrid>
-              <a:tr h="206426">
+              <a:tr h="600289">
                 <a:tc>
                   <a:txBody>
                     <a:bodyPr/>
                     <a:lstStyle/>
                     <a:p>
-                      <a:pPr algn="ctr" latinLnBrk="0">
-                        <a:lnSpc>
-                          <a:spcPct val="106000"/>
-                        </a:lnSpc>
-                        <a:spcAft>
-                          <a:spcPts val="0"/>
-                        </a:spcAft>
-                      </a:pPr>
+                      <a:pPr algn="ctr" latinLnBrk="1"/>
                       <a:r>
-                        <a:rPr lang="ko-KR" sz="1400" kern="100">
-                          <a:effectLst/>
+                        <a:rPr lang="ko-KR" altLang="en-US" b="1" dirty="0">
+                          <a:solidFill>
+                            <a:schemeClr val="tx1">
+                              <a:lumMod val="85000"/>
+                              <a:lumOff val="15000"/>
+                            </a:schemeClr>
+                          </a:solidFill>
+                          <a:latin typeface="HY헤드라인M" pitchFamily="18" charset="-127"/>
+                          <a:ea typeface="HY헤드라인M" pitchFamily="18" charset="-127"/>
                         </a:rPr>
-                        <a:t>절대적으로 필요한 요구</a:t>
+                        <a:t>시나리오 이름</a:t>
                       </a:r>
-                      <a:endParaRPr lang="ko-KR" sz="1400" kern="100">
-                        <a:solidFill>
-                          <a:srgbClr val="000000"/>
-                        </a:solidFill>
-                        <a:effectLst/>
-                        <a:latin typeface="맑은 고딕" panose="020B0503020000020004" pitchFamily="50" charset="-127"/>
-                        <a:ea typeface="맑은 고딕" panose="020B0503020000020004" pitchFamily="50" charset="-127"/>
-                        <a:cs typeface="Times New Roman" panose="02020603050405020304" pitchFamily="18" charset="0"/>
-                      </a:endParaRPr>
                     </a:p>
                   </a:txBody>
-                  <a:tcPr marL="44436" marR="44436" marT="12198" marB="12198"/>
+                  <a:tcPr/>
                 </a:tc>
                 <a:tc>
                   <a:txBody>
                     <a:bodyPr/>
                     <a:lstStyle/>
                     <a:p>
-                      <a:pPr algn="ctr" latinLnBrk="0">
-                        <a:lnSpc>
-                          <a:spcPct val="106000"/>
-                        </a:lnSpc>
-                        <a:spcAft>
-                          <a:spcPts val="0"/>
-                        </a:spcAft>
-                      </a:pPr>
                       <a:r>
-                        <a:rPr lang="ko-KR" sz="1400" kern="100">
-                          <a:effectLst/>
+                        <a:rPr lang="ko-KR" altLang="en-US" sz="1800" b="0" kern="1200" dirty="0">
+                          <a:solidFill>
+                            <a:schemeClr val="tx1">
+                              <a:lumMod val="85000"/>
+                              <a:lumOff val="15000"/>
+                            </a:schemeClr>
+                          </a:solidFill>
+                          <a:latin typeface="HY헤드라인M" pitchFamily="18" charset="-127"/>
+                          <a:ea typeface="HY헤드라인M" pitchFamily="18" charset="-127"/>
+                          <a:cs typeface="+mn-cs"/>
                         </a:rPr>
-                        <a:t>꼭 필요한 것은 아닌 요구</a:t>
+                        <a:t>학생 로그인</a:t>
                       </a:r>
-                      <a:endParaRPr lang="ko-KR" sz="1400" kern="100">
+                      <a:endParaRPr lang="en-US" sz="1800" b="0" kern="1200" dirty="0">
                         <a:solidFill>
-                          <a:srgbClr val="000000"/>
+                          <a:schemeClr val="tx1">
+                            <a:lumMod val="85000"/>
+                            <a:lumOff val="15000"/>
+                          </a:schemeClr>
                         </a:solidFill>
-                        <a:effectLst/>
-                        <a:latin typeface="맑은 고딕" panose="020B0503020000020004" pitchFamily="50" charset="-127"/>
-                        <a:ea typeface="맑은 고딕" panose="020B0503020000020004" pitchFamily="50" charset="-127"/>
-                        <a:cs typeface="Times New Roman" panose="02020603050405020304" pitchFamily="18" charset="0"/>
+                        <a:latin typeface="HY헤드라인M" pitchFamily="18" charset="-127"/>
+                        <a:ea typeface="HY헤드라인M" pitchFamily="18" charset="-127"/>
+                        <a:cs typeface="+mn-cs"/>
                       </a:endParaRPr>
                     </a:p>
                   </a:txBody>
-                  <a:tcPr marL="44436" marR="44436" marT="12198" marB="12198"/>
+                  <a:tcPr/>
+                </a:tc>
+                <a:extLst>
+                  <a:ext uri="{0D108BD9-81ED-4DB2-BD59-A6C34878D82A}">
+                    <a16:rowId xmlns:a16="http://schemas.microsoft.com/office/drawing/2014/main" val="10000"/>
+                  </a:ext>
+                </a:extLst>
+              </a:tr>
+              <a:tr h="343022">
+                <a:tc>
+                  <a:txBody>
+                    <a:bodyPr/>
+                    <a:lstStyle/>
+                    <a:p>
+                      <a:pPr algn="ctr" latinLnBrk="1"/>
+                      <a:r>
+                        <a:rPr lang="ko-KR" altLang="en-US" b="1" dirty="0">
+                          <a:solidFill>
+                            <a:schemeClr val="tx1">
+                              <a:lumMod val="85000"/>
+                              <a:lumOff val="15000"/>
+                            </a:schemeClr>
+                          </a:solidFill>
+                          <a:latin typeface="HY헤드라인M" pitchFamily="18" charset="-127"/>
+                          <a:ea typeface="HY헤드라인M" pitchFamily="18" charset="-127"/>
+                        </a:rPr>
+                        <a:t> </a:t>
+                      </a:r>
+                      <a:r>
+                        <a:rPr lang="ko-KR" altLang="en-US" b="1" dirty="0" err="1">
+                          <a:solidFill>
+                            <a:schemeClr val="tx1">
+                              <a:lumMod val="85000"/>
+                              <a:lumOff val="15000"/>
+                            </a:schemeClr>
+                          </a:solidFill>
+                          <a:latin typeface="HY헤드라인M" pitchFamily="18" charset="-127"/>
+                          <a:ea typeface="HY헤드라인M" pitchFamily="18" charset="-127"/>
+                        </a:rPr>
+                        <a:t>액터</a:t>
+                      </a:r>
+                      <a:r>
+                        <a:rPr lang="ko-KR" altLang="en-US" b="1" dirty="0">
+                          <a:solidFill>
+                            <a:schemeClr val="tx1">
+                              <a:lumMod val="85000"/>
+                              <a:lumOff val="15000"/>
+                            </a:schemeClr>
+                          </a:solidFill>
+                          <a:latin typeface="HY헤드라인M" pitchFamily="18" charset="-127"/>
+                          <a:ea typeface="HY헤드라인M" pitchFamily="18" charset="-127"/>
+                        </a:rPr>
+                        <a:t> 명</a:t>
+                      </a:r>
+                    </a:p>
+                  </a:txBody>
+                  <a:tcPr/>
                 </a:tc>
                 <a:tc>
                   <a:txBody>
                     <a:bodyPr/>
                     <a:lstStyle/>
                     <a:p>
-                      <a:pPr algn="ctr" latinLnBrk="0">
-                        <a:lnSpc>
-                          <a:spcPct val="106000"/>
-                        </a:lnSpc>
-                        <a:spcAft>
-                          <a:spcPts val="0"/>
-                        </a:spcAft>
-                      </a:pPr>
                       <a:r>
-                        <a:rPr lang="ko-KR" sz="1400" kern="100" dirty="0">
-                          <a:effectLst/>
+                        <a:rPr lang="ko-KR" altLang="en-US" sz="1800" kern="1200" dirty="0">
+                          <a:solidFill>
+                            <a:schemeClr val="tx1">
+                              <a:lumMod val="85000"/>
+                              <a:lumOff val="15000"/>
+                            </a:schemeClr>
+                          </a:solidFill>
+                          <a:latin typeface="HY헤드라인M" pitchFamily="18" charset="-127"/>
+                          <a:ea typeface="HY헤드라인M" pitchFamily="18" charset="-127"/>
+                          <a:cs typeface="+mn-cs"/>
                         </a:rPr>
-                        <a:t>제외 될 수 있는 요구</a:t>
+                        <a:t>사용자</a:t>
                       </a:r>
-                      <a:endParaRPr lang="ko-KR" sz="1400" kern="100" dirty="0">
+                      <a:endParaRPr lang="en-US" sz="1800" kern="1200" dirty="0">
                         <a:solidFill>
-                          <a:srgbClr val="000000"/>
+                          <a:schemeClr val="tx1">
+                            <a:lumMod val="85000"/>
+                            <a:lumOff val="15000"/>
+                          </a:schemeClr>
                         </a:solidFill>
-                        <a:effectLst/>
-                        <a:latin typeface="맑은 고딕" panose="020B0503020000020004" pitchFamily="50" charset="-127"/>
-                        <a:ea typeface="맑은 고딕" panose="020B0503020000020004" pitchFamily="50" charset="-127"/>
-                        <a:cs typeface="Times New Roman" panose="02020603050405020304" pitchFamily="18" charset="0"/>
+                        <a:latin typeface="HY헤드라인M" pitchFamily="18" charset="-127"/>
+                        <a:ea typeface="HY헤드라인M" pitchFamily="18" charset="-127"/>
+                        <a:cs typeface="+mn-cs"/>
                       </a:endParaRPr>
                     </a:p>
                   </a:txBody>
-                  <a:tcPr marL="44436" marR="44436" marT="12198" marB="12198"/>
+                  <a:tcPr/>
                 </a:tc>
                 <a:extLst>
                   <a:ext uri="{0D108BD9-81ED-4DB2-BD59-A6C34878D82A}">
-                    <a16:rowId xmlns:a16="http://schemas.microsoft.com/office/drawing/2014/main" val="3204075270"/>
+                    <a16:rowId xmlns:a16="http://schemas.microsoft.com/office/drawing/2014/main" val="10001"/>
                   </a:ext>
                 </a:extLst>
               </a:tr>
-              <a:tr h="302990">
+              <a:tr h="343022">
                 <a:tc>
                   <a:txBody>
                     <a:bodyPr/>
                     <a:lstStyle/>
                     <a:p>
-                      <a:pPr algn="just" latinLnBrk="1">
-                        <a:lnSpc>
-                          <a:spcPct val="100000"/>
-                        </a:lnSpc>
-                        <a:spcAft>
-                          <a:spcPts val="0"/>
-                        </a:spcAft>
-                      </a:pPr>
+                      <a:pPr algn="ctr" latinLnBrk="1"/>
                       <a:r>
-                        <a:rPr lang="ko-KR" sz="1400" b="0" kern="100" dirty="0" err="1">
-                          <a:effectLst/>
+                        <a:rPr lang="ko-KR" altLang="en-US" b="1" dirty="0">
+                          <a:solidFill>
+                            <a:schemeClr val="tx1">
+                              <a:lumMod val="85000"/>
+                              <a:lumOff val="15000"/>
+                            </a:schemeClr>
+                          </a:solidFill>
+                          <a:latin typeface="HY헤드라인M" pitchFamily="18" charset="-127"/>
+                          <a:ea typeface="HY헤드라인M" pitchFamily="18" charset="-127"/>
                         </a:rPr>
-                        <a:t>레주메</a:t>
+                        <a:t>시작 조건</a:t>
                       </a:r>
-                      <a:r>
-                        <a:rPr lang="ko-KR" sz="1400" kern="100" dirty="0">
-                          <a:effectLst/>
-                        </a:rPr>
-                        <a:t> 실시간 수정 </a:t>
-                      </a:r>
-                      <a:r>
-                        <a:rPr lang="ko-KR" sz="1400" b="0" kern="100" dirty="0">
-                          <a:effectLst/>
-                        </a:rPr>
-                        <a:t>기능</a:t>
-                      </a:r>
-                      <a:endParaRPr lang="ko-KR" sz="1400" kern="100" dirty="0">
-                        <a:solidFill>
-                          <a:srgbClr val="000000"/>
-                        </a:solidFill>
-                        <a:effectLst/>
-                        <a:latin typeface="맑은 고딕" panose="020B0503020000020004" pitchFamily="50" charset="-127"/>
-                        <a:ea typeface="맑은 고딕" panose="020B0503020000020004" pitchFamily="50" charset="-127"/>
-                        <a:cs typeface="Times New Roman" panose="02020603050405020304" pitchFamily="18" charset="0"/>
-                      </a:endParaRPr>
                     </a:p>
                   </a:txBody>
-                  <a:tcPr marL="44436" marR="44436" marT="12198" marB="12198"/>
-                </a:tc>
-                <a:tc>
-                  <a:txBody>
-                    <a:bodyPr/>
-                    <a:lstStyle/>
-                    <a:p>
-                      <a:pPr algn="just" latinLnBrk="1">
-                        <a:lnSpc>
-                          <a:spcPct val="100000"/>
-                        </a:lnSpc>
-                        <a:spcAft>
-                          <a:spcPts val="0"/>
-                        </a:spcAft>
-                      </a:pPr>
-                      <a:r>
-                        <a:rPr lang="ko-KR" sz="1400" b="1" kern="100" dirty="0">
-                          <a:effectLst/>
-                        </a:rPr>
-                        <a:t>상장</a:t>
-                      </a:r>
-                      <a:r>
-                        <a:rPr lang="ko-KR" sz="1400" kern="100" dirty="0">
-                          <a:effectLst/>
-                        </a:rPr>
-                        <a:t>을 </a:t>
-                      </a:r>
-                      <a:r>
-                        <a:rPr lang="ko-KR" sz="1400" b="1" kern="100" dirty="0">
-                          <a:effectLst/>
-                        </a:rPr>
-                        <a:t>스캔 본</a:t>
-                      </a:r>
-                      <a:r>
-                        <a:rPr lang="ko-KR" sz="1400" kern="100" dirty="0">
-                          <a:effectLst/>
-                        </a:rPr>
-                        <a:t>으로 올리는 기</a:t>
-                      </a:r>
-                      <a:r>
-                        <a:rPr lang="ko-KR" altLang="en-US" sz="1400" kern="100" dirty="0">
-                          <a:effectLst/>
-                        </a:rPr>
-                        <a:t>능</a:t>
-                      </a:r>
-                      <a:endParaRPr lang="ko-KR" sz="1400" kern="100" dirty="0">
-                        <a:solidFill>
-                          <a:srgbClr val="000000"/>
-                        </a:solidFill>
-                        <a:effectLst/>
-                        <a:latin typeface="맑은 고딕" panose="020B0503020000020004" pitchFamily="50" charset="-127"/>
-                        <a:ea typeface="맑은 고딕" panose="020B0503020000020004" pitchFamily="50" charset="-127"/>
-                        <a:cs typeface="Times New Roman" panose="02020603050405020304" pitchFamily="18" charset="0"/>
-                      </a:endParaRPr>
-                    </a:p>
-                  </a:txBody>
-                  <a:tcPr marL="44436" marR="44436" marT="12198" marB="12198"/>
-                </a:tc>
-                <a:tc>
-                  <a:txBody>
-                    <a:bodyPr/>
-                    <a:lstStyle/>
-                    <a:p>
-                      <a:pPr algn="just" latinLnBrk="1">
-                        <a:lnSpc>
-                          <a:spcPct val="100000"/>
-                        </a:lnSpc>
-                        <a:spcAft>
-                          <a:spcPts val="0"/>
-                        </a:spcAft>
-                      </a:pPr>
-                      <a:r>
-                        <a:rPr lang="ko-KR" sz="1400" b="1" kern="100" dirty="0">
-                          <a:effectLst/>
-                        </a:rPr>
-                        <a:t>좋아요</a:t>
-                      </a:r>
-                      <a:r>
-                        <a:rPr lang="ko-KR" sz="1400" kern="100" dirty="0">
-                          <a:effectLst/>
-                        </a:rPr>
-                        <a:t> 기능</a:t>
-                      </a:r>
-                      <a:endParaRPr lang="ko-KR" sz="1400" kern="100" dirty="0">
-                        <a:solidFill>
-                          <a:srgbClr val="000000"/>
-                        </a:solidFill>
-                        <a:effectLst/>
-                        <a:latin typeface="맑은 고딕" panose="020B0503020000020004" pitchFamily="50" charset="-127"/>
-                        <a:ea typeface="맑은 고딕" panose="020B0503020000020004" pitchFamily="50" charset="-127"/>
-                        <a:cs typeface="Times New Roman" panose="02020603050405020304" pitchFamily="18" charset="0"/>
-                      </a:endParaRPr>
-                    </a:p>
-                  </a:txBody>
-                  <a:tcPr marL="44436" marR="44436" marT="12198" marB="12198"/>
-                </a:tc>
-                <a:extLst>
-                  <a:ext uri="{0D108BD9-81ED-4DB2-BD59-A6C34878D82A}">
-                    <a16:rowId xmlns:a16="http://schemas.microsoft.com/office/drawing/2014/main" val="452993506"/>
-                  </a:ext>
-                </a:extLst>
-              </a:tr>
-              <a:tr h="953854">
-                <a:tc>
-                  <a:txBody>
-                    <a:bodyPr/>
-                    <a:lstStyle/>
-                    <a:p>
-                      <a:pPr algn="just" latinLnBrk="1">
-                        <a:lnSpc>
-                          <a:spcPct val="100000"/>
-                        </a:lnSpc>
-                        <a:spcAft>
-                          <a:spcPts val="0"/>
-                        </a:spcAft>
-                      </a:pPr>
-                      <a:r>
-                        <a:rPr lang="ko-KR" sz="1400" kern="100" dirty="0">
-                          <a:effectLst/>
-                        </a:rPr>
-                        <a:t>로그인 </a:t>
-                      </a:r>
-                      <a:r>
-                        <a:rPr lang="ko-KR" sz="1400" b="0" kern="100" dirty="0">
-                          <a:effectLst/>
-                        </a:rPr>
-                        <a:t>기능</a:t>
-                      </a:r>
-                      <a:endParaRPr lang="ko-KR" sz="1400" b="0" kern="100" dirty="0">
-                        <a:solidFill>
-                          <a:srgbClr val="000000"/>
-                        </a:solidFill>
-                        <a:effectLst/>
-                        <a:latin typeface="맑은 고딕" panose="020B0503020000020004" pitchFamily="50" charset="-127"/>
-                        <a:ea typeface="맑은 고딕" panose="020B0503020000020004" pitchFamily="50" charset="-127"/>
-                        <a:cs typeface="Times New Roman" panose="02020603050405020304" pitchFamily="18" charset="0"/>
-                      </a:endParaRPr>
-                    </a:p>
-                  </a:txBody>
-                  <a:tcPr marL="44436" marR="44436" marT="12198" marB="12198"/>
-                </a:tc>
-                <a:tc>
-                  <a:txBody>
-                    <a:bodyPr/>
-                    <a:lstStyle/>
-                    <a:p>
-                      <a:pPr marL="0" marR="0" indent="0" algn="just" defTabSz="914400" rtl="0" eaLnBrk="1" fontAlgn="auto" latinLnBrk="1" hangingPunct="1">
-                        <a:lnSpc>
-                          <a:spcPct val="100000"/>
-                        </a:lnSpc>
-                        <a:spcBef>
-                          <a:spcPts val="0"/>
-                        </a:spcBef>
-                        <a:spcAft>
-                          <a:spcPts val="0"/>
-                        </a:spcAft>
-                        <a:buClrTx/>
-                        <a:buSzTx/>
-                        <a:buFontTx/>
-                        <a:buNone/>
-                        <a:tabLst/>
-                        <a:defRPr/>
-                      </a:pPr>
-                      <a:r>
-                        <a:rPr lang="ko-KR" altLang="ko-KR" sz="1400" kern="100" dirty="0">
-                          <a:effectLst/>
-                        </a:rPr>
-                        <a:t>회사 사용자가 관심이 가는 학생을 자신의 </a:t>
-                      </a:r>
-                      <a:r>
-                        <a:rPr lang="ko-KR" altLang="ko-KR" sz="1400" b="1" kern="100" dirty="0">
-                          <a:effectLst/>
-                        </a:rPr>
-                        <a:t>관심 목록에 저장</a:t>
-                      </a:r>
-                      <a:r>
-                        <a:rPr lang="ko-KR" altLang="ko-KR" sz="1400" kern="100" dirty="0">
-                          <a:effectLst/>
-                        </a:rPr>
-                        <a:t>할 수 있는 기능</a:t>
-                      </a:r>
-                      <a:endParaRPr lang="ko-KR" altLang="ko-KR" sz="1400" kern="100" dirty="0">
-                        <a:solidFill>
-                          <a:srgbClr val="000000"/>
-                        </a:solidFill>
-                        <a:effectLst/>
-                        <a:latin typeface="맑은 고딕" panose="020B0503020000020004" pitchFamily="50" charset="-127"/>
-                        <a:ea typeface="+mn-ea"/>
-                        <a:cs typeface="Times New Roman" panose="02020603050405020304" pitchFamily="18" charset="0"/>
-                      </a:endParaRPr>
-                    </a:p>
-                    <a:p>
-                      <a:pPr algn="just" latinLnBrk="1">
-                        <a:lnSpc>
-                          <a:spcPct val="100000"/>
-                        </a:lnSpc>
-                        <a:spcAft>
-                          <a:spcPts val="0"/>
-                        </a:spcAft>
-                      </a:pPr>
-                      <a:endParaRPr lang="ko-KR" altLang="ko-KR" sz="1400" kern="100" dirty="0">
-                        <a:solidFill>
-                          <a:srgbClr val="000000"/>
-                        </a:solidFill>
-                        <a:effectLst/>
-                        <a:latin typeface="맑은 고딕" panose="020B0503020000020004" pitchFamily="50" charset="-127"/>
-                        <a:ea typeface="+mn-ea"/>
-                        <a:cs typeface="Times New Roman" panose="02020603050405020304" pitchFamily="18" charset="0"/>
-                      </a:endParaRPr>
-                    </a:p>
-                    <a:p>
-                      <a:pPr algn="just" latinLnBrk="1">
-                        <a:lnSpc>
-                          <a:spcPct val="100000"/>
-                        </a:lnSpc>
-                        <a:spcAft>
-                          <a:spcPts val="0"/>
-                        </a:spcAft>
-                      </a:pPr>
-                      <a:endParaRPr lang="ko-KR" sz="1400" kern="100" dirty="0">
-                        <a:solidFill>
-                          <a:srgbClr val="000000"/>
-                        </a:solidFill>
-                        <a:effectLst/>
-                        <a:latin typeface="맑은 고딕" panose="020B0503020000020004" pitchFamily="50" charset="-127"/>
-                        <a:ea typeface="맑은 고딕" panose="020B0503020000020004" pitchFamily="50" charset="-127"/>
-                        <a:cs typeface="Times New Roman" panose="02020603050405020304" pitchFamily="18" charset="0"/>
-                      </a:endParaRPr>
-                    </a:p>
-                  </a:txBody>
-                  <a:tcPr marL="44436" marR="44436" marT="12198" marB="12198"/>
-                </a:tc>
-                <a:tc>
-                  <a:txBody>
-                    <a:bodyPr/>
-                    <a:lstStyle/>
-                    <a:p>
-                      <a:pPr marL="0" marR="0" indent="0" algn="just" defTabSz="914400" rtl="0" eaLnBrk="1" fontAlgn="auto" latinLnBrk="1" hangingPunct="1">
-                        <a:lnSpc>
-                          <a:spcPct val="100000"/>
-                        </a:lnSpc>
-                        <a:spcBef>
-                          <a:spcPts val="0"/>
-                        </a:spcBef>
-                        <a:spcAft>
-                          <a:spcPts val="0"/>
-                        </a:spcAft>
-                        <a:buClrTx/>
-                        <a:buSzTx/>
-                        <a:buFontTx/>
-                        <a:buNone/>
-                        <a:tabLst/>
-                        <a:defRPr/>
-                      </a:pPr>
-                      <a:r>
-                        <a:rPr lang="ko-KR" altLang="ko-KR" sz="1400" kern="100" dirty="0">
-                          <a:effectLst/>
-                        </a:rPr>
-                        <a:t>사용자 </a:t>
-                      </a:r>
-                      <a:r>
-                        <a:rPr lang="ko-KR" altLang="ko-KR" sz="1400" b="1" kern="100" dirty="0">
-                          <a:effectLst/>
-                        </a:rPr>
-                        <a:t>마다 각 년도 별 </a:t>
-                      </a:r>
-                      <a:r>
-                        <a:rPr lang="ko-KR" altLang="ko-KR" sz="1400" b="1" kern="100" dirty="0" err="1">
-                          <a:effectLst/>
-                        </a:rPr>
-                        <a:t>레주메</a:t>
-                      </a:r>
-                      <a:r>
-                        <a:rPr lang="ko-KR" altLang="ko-KR" sz="1400" b="1" kern="100" dirty="0">
-                          <a:effectLst/>
-                        </a:rPr>
-                        <a:t> 목록 등록</a:t>
-                      </a:r>
-                      <a:r>
-                        <a:rPr lang="en-US" altLang="ko-KR" sz="1400" b="1" kern="100" dirty="0">
-                          <a:effectLst/>
-                        </a:rPr>
-                        <a:t>   </a:t>
-                      </a:r>
-                      <a:r>
-                        <a:rPr lang="ko-KR" altLang="ko-KR" sz="1400" kern="100" dirty="0">
-                          <a:effectLst/>
-                        </a:rPr>
-                        <a:t>기능</a:t>
-                      </a:r>
-                      <a:endParaRPr lang="ko-KR" altLang="ko-KR" sz="1400" kern="100" dirty="0">
-                        <a:solidFill>
-                          <a:srgbClr val="000000"/>
-                        </a:solidFill>
-                        <a:effectLst/>
-                        <a:latin typeface="맑은 고딕" panose="020B0503020000020004" pitchFamily="50" charset="-127"/>
-                        <a:ea typeface="+mn-ea"/>
-                        <a:cs typeface="Times New Roman" panose="02020603050405020304" pitchFamily="18" charset="0"/>
-                      </a:endParaRPr>
-                    </a:p>
-                    <a:p>
-                      <a:pPr algn="just" latinLnBrk="1">
-                        <a:lnSpc>
-                          <a:spcPct val="100000"/>
-                        </a:lnSpc>
-                        <a:spcAft>
-                          <a:spcPts val="0"/>
-                        </a:spcAft>
-                      </a:pPr>
-                      <a:endParaRPr lang="ko-KR" sz="1400" kern="100" dirty="0">
-                        <a:solidFill>
-                          <a:srgbClr val="000000"/>
-                        </a:solidFill>
-                        <a:effectLst/>
-                        <a:latin typeface="맑은 고딕" panose="020B0503020000020004" pitchFamily="50" charset="-127"/>
-                        <a:ea typeface="맑은 고딕" panose="020B0503020000020004" pitchFamily="50" charset="-127"/>
-                        <a:cs typeface="Times New Roman" panose="02020603050405020304" pitchFamily="18" charset="0"/>
-                      </a:endParaRPr>
-                    </a:p>
-                  </a:txBody>
-                  <a:tcPr marL="44436" marR="44436" marT="12198" marB="12198"/>
-                </a:tc>
-                <a:extLst>
-                  <a:ext uri="{0D108BD9-81ED-4DB2-BD59-A6C34878D82A}">
-                    <a16:rowId xmlns:a16="http://schemas.microsoft.com/office/drawing/2014/main" val="856548884"/>
-                  </a:ext>
-                </a:extLst>
-              </a:tr>
-              <a:tr h="580843">
-                <a:tc>
-                  <a:txBody>
-                    <a:bodyPr/>
-                    <a:lstStyle/>
-                    <a:p>
-                      <a:pPr algn="just" latinLnBrk="1">
-                        <a:lnSpc>
-                          <a:spcPct val="100000"/>
-                        </a:lnSpc>
-                        <a:spcAft>
-                          <a:spcPts val="0"/>
-                        </a:spcAft>
-                      </a:pPr>
-                      <a:r>
-                        <a:rPr lang="ko-KR" sz="1400" b="0" kern="100" dirty="0">
-                          <a:effectLst/>
-                        </a:rPr>
-                        <a:t>분야 또는 특성 키워드를 이용하여 알맞은 </a:t>
-                      </a:r>
-                      <a:r>
-                        <a:rPr lang="ko-KR" sz="1400" b="1" kern="100" dirty="0" err="1">
-                          <a:effectLst/>
-                        </a:rPr>
-                        <a:t>레주메</a:t>
-                      </a:r>
-                      <a:r>
-                        <a:rPr lang="ko-KR" sz="1400" b="1" kern="100" dirty="0">
-                          <a:effectLst/>
-                        </a:rPr>
-                        <a:t> 검색 </a:t>
-                      </a:r>
-                      <a:r>
-                        <a:rPr lang="ko-KR" sz="1400" b="0" kern="100" dirty="0">
-                          <a:effectLst/>
-                        </a:rPr>
-                        <a:t>기능 및 </a:t>
-                      </a:r>
-                      <a:r>
-                        <a:rPr lang="ko-KR" sz="1400" b="1" kern="100" dirty="0" err="1">
-                          <a:effectLst/>
-                        </a:rPr>
-                        <a:t>고급검색</a:t>
-                      </a:r>
-                      <a:r>
-                        <a:rPr lang="ko-KR" sz="1400" b="0" kern="100" dirty="0">
-                          <a:effectLst/>
-                        </a:rPr>
-                        <a:t> 기능</a:t>
-                      </a:r>
-                      <a:endParaRPr lang="ko-KR" sz="1400" b="0" kern="100" dirty="0">
-                        <a:solidFill>
-                          <a:srgbClr val="000000"/>
-                        </a:solidFill>
-                        <a:effectLst/>
-                        <a:latin typeface="맑은 고딕" panose="020B0503020000020004" pitchFamily="50" charset="-127"/>
-                        <a:ea typeface="맑은 고딕" panose="020B0503020000020004" pitchFamily="50" charset="-127"/>
-                        <a:cs typeface="Times New Roman" panose="02020603050405020304" pitchFamily="18" charset="0"/>
-                      </a:endParaRPr>
-                    </a:p>
-                  </a:txBody>
-                  <a:tcPr marL="44436" marR="44436" marT="12198" marB="12198"/>
-                </a:tc>
-                <a:tc>
-                  <a:txBody>
-                    <a:bodyPr/>
-                    <a:lstStyle/>
-                    <a:p>
-                      <a:pPr marL="0" marR="0" indent="0" algn="just" defTabSz="914400" rtl="0" eaLnBrk="1" fontAlgn="auto" latinLnBrk="1" hangingPunct="1">
-                        <a:lnSpc>
-                          <a:spcPct val="100000"/>
-                        </a:lnSpc>
-                        <a:spcBef>
-                          <a:spcPts val="0"/>
-                        </a:spcBef>
-                        <a:spcAft>
-                          <a:spcPts val="0"/>
-                        </a:spcAft>
-                        <a:buClrTx/>
-                        <a:buSzTx/>
-                        <a:buFontTx/>
-                        <a:buNone/>
-                        <a:tabLst/>
-                        <a:defRPr/>
-                      </a:pPr>
-                      <a:r>
-                        <a:rPr lang="ko-KR" altLang="ko-KR" sz="1400" kern="100" dirty="0">
-                          <a:effectLst/>
-                        </a:rPr>
-                        <a:t>학생들의 </a:t>
-                      </a:r>
-                      <a:r>
-                        <a:rPr lang="ko-KR" altLang="ko-KR" sz="1400" kern="100" dirty="0" err="1">
-                          <a:effectLst/>
-                        </a:rPr>
-                        <a:t>레주메를</a:t>
-                      </a:r>
-                      <a:r>
-                        <a:rPr lang="ko-KR" altLang="ko-KR" sz="1400" kern="100" dirty="0">
-                          <a:effectLst/>
-                        </a:rPr>
-                        <a:t> 학년</a:t>
-                      </a:r>
-                      <a:r>
-                        <a:rPr lang="en-US" altLang="ko-KR" sz="1400" kern="100" dirty="0">
-                          <a:effectLst/>
-                        </a:rPr>
-                        <a:t>, </a:t>
-                      </a:r>
-                      <a:r>
-                        <a:rPr lang="ko-KR" altLang="ko-KR" sz="1400" kern="100" dirty="0">
-                          <a:effectLst/>
-                        </a:rPr>
-                        <a:t>반</a:t>
-                      </a:r>
-                      <a:r>
-                        <a:rPr lang="en-US" altLang="ko-KR" sz="1400" kern="100" dirty="0">
-                          <a:effectLst/>
-                        </a:rPr>
-                        <a:t>, </a:t>
-                      </a:r>
-                      <a:r>
-                        <a:rPr lang="ko-KR" altLang="ko-KR" sz="1400" kern="100" dirty="0">
-                          <a:effectLst/>
-                        </a:rPr>
-                        <a:t>과로 </a:t>
-                      </a:r>
-                      <a:r>
-                        <a:rPr lang="ko-KR" altLang="ko-KR" sz="1400" b="1" kern="100" dirty="0">
-                          <a:effectLst/>
-                        </a:rPr>
-                        <a:t>카테고리 분류해주는 </a:t>
-                      </a:r>
-                      <a:r>
-                        <a:rPr lang="ko-KR" altLang="ko-KR" sz="1400" kern="100" dirty="0">
-                          <a:effectLst/>
-                        </a:rPr>
-                        <a:t>기능</a:t>
-                      </a:r>
-                      <a:endParaRPr lang="ko-KR" altLang="ko-KR" sz="1400" kern="100" dirty="0">
-                        <a:solidFill>
-                          <a:srgbClr val="000000"/>
-                        </a:solidFill>
-                        <a:effectLst/>
-                        <a:latin typeface="맑은 고딕" panose="020B0503020000020004" pitchFamily="50" charset="-127"/>
-                        <a:ea typeface="+mn-ea"/>
-                        <a:cs typeface="Times New Roman" panose="02020603050405020304" pitchFamily="18" charset="0"/>
-                      </a:endParaRPr>
-                    </a:p>
-                    <a:p>
-                      <a:pPr algn="just" latinLnBrk="1">
-                        <a:lnSpc>
-                          <a:spcPct val="100000"/>
-                        </a:lnSpc>
-                        <a:spcAft>
-                          <a:spcPts val="0"/>
-                        </a:spcAft>
-                      </a:pPr>
-                      <a:endParaRPr lang="ko-KR" sz="1400" kern="100" dirty="0">
-                        <a:solidFill>
-                          <a:srgbClr val="000000"/>
-                        </a:solidFill>
-                        <a:effectLst/>
-                        <a:latin typeface="맑은 고딕" panose="020B0503020000020004" pitchFamily="50" charset="-127"/>
-                        <a:ea typeface="맑은 고딕" panose="020B0503020000020004" pitchFamily="50" charset="-127"/>
-                        <a:cs typeface="Times New Roman" panose="02020603050405020304" pitchFamily="18" charset="0"/>
-                      </a:endParaRPr>
-                    </a:p>
-                  </a:txBody>
-                  <a:tcPr marL="44436" marR="44436" marT="12198" marB="12198"/>
-                </a:tc>
-                <a:tc>
-                  <a:txBody>
-                    <a:bodyPr/>
-                    <a:lstStyle/>
-                    <a:p>
-                      <a:pPr algn="just" latinLnBrk="1">
-                        <a:lnSpc>
-                          <a:spcPct val="100000"/>
-                        </a:lnSpc>
-                        <a:spcAft>
-                          <a:spcPts val="0"/>
-                        </a:spcAft>
-                      </a:pPr>
-                      <a:endParaRPr lang="ko-KR" sz="1400" kern="100" dirty="0">
-                        <a:solidFill>
-                          <a:srgbClr val="000000"/>
-                        </a:solidFill>
-                        <a:effectLst/>
-                        <a:latin typeface="맑은 고딕" panose="020B0503020000020004" pitchFamily="50" charset="-127"/>
-                        <a:ea typeface="맑은 고딕" panose="020B0503020000020004" pitchFamily="50" charset="-127"/>
-                        <a:cs typeface="Times New Roman" panose="02020603050405020304" pitchFamily="18" charset="0"/>
-                      </a:endParaRPr>
-                    </a:p>
-                  </a:txBody>
-                  <a:tcPr marL="44436" marR="44436" marT="12198" marB="12198"/>
-                </a:tc>
-                <a:extLst>
-                  <a:ext uri="{0D108BD9-81ED-4DB2-BD59-A6C34878D82A}">
-                    <a16:rowId xmlns:a16="http://schemas.microsoft.com/office/drawing/2014/main" val="405966015"/>
-                  </a:ext>
-                </a:extLst>
-              </a:tr>
-              <a:tr h="1326865">
-                <a:tc>
-                  <a:txBody>
-                    <a:bodyPr/>
-                    <a:lstStyle/>
-                    <a:p>
-                      <a:pPr algn="just" latinLnBrk="1">
-                        <a:lnSpc>
-                          <a:spcPct val="100000"/>
-                        </a:lnSpc>
-                        <a:spcAft>
-                          <a:spcPts val="0"/>
-                        </a:spcAft>
-                      </a:pPr>
-                      <a:r>
-                        <a:rPr lang="ko-KR" altLang="ko-KR" sz="1400" b="0" kern="100" dirty="0">
-                          <a:effectLst/>
-                        </a:rPr>
-                        <a:t>회사 사용자의 </a:t>
-                      </a:r>
-                      <a:r>
-                        <a:rPr lang="ko-KR" altLang="ko-KR" sz="1400" b="1" kern="100" dirty="0">
-                          <a:effectLst/>
-                        </a:rPr>
-                        <a:t>시리얼 키를 회사가 원하는 분야와 매칭</a:t>
-                      </a:r>
-                      <a:r>
-                        <a:rPr lang="ko-KR" altLang="ko-KR" sz="1400" b="0" kern="100" dirty="0">
-                          <a:effectLst/>
-                        </a:rPr>
-                        <a:t>되는 값을 포함시켜서 나중에 회사 사용자 로그인 시 해당 분야의 </a:t>
-                      </a:r>
-                      <a:r>
-                        <a:rPr lang="ko-KR" altLang="ko-KR" sz="1400" b="1" kern="100" dirty="0">
-                          <a:effectLst/>
-                        </a:rPr>
-                        <a:t>학생들의 </a:t>
-                      </a:r>
-                      <a:r>
-                        <a:rPr lang="ko-KR" altLang="ko-KR" sz="1400" b="1" kern="100" dirty="0" err="1">
-                          <a:effectLst/>
-                        </a:rPr>
-                        <a:t>레주메</a:t>
-                      </a:r>
-                      <a:r>
-                        <a:rPr lang="ko-KR" altLang="ko-KR" sz="1400" b="1" kern="100" dirty="0">
-                          <a:effectLst/>
-                        </a:rPr>
-                        <a:t> 목록을 보여주는 기능</a:t>
-                      </a:r>
-                      <a:endParaRPr lang="ko-KR" altLang="ko-KR" sz="1400" b="1" kern="100" dirty="0">
-                        <a:solidFill>
-                          <a:srgbClr val="000000"/>
-                        </a:solidFill>
-                        <a:effectLst/>
-                        <a:latin typeface="맑은 고딕" panose="020B0503020000020004" pitchFamily="50" charset="-127"/>
-                        <a:ea typeface="+mn-ea"/>
-                        <a:cs typeface="Times New Roman" panose="02020603050405020304" pitchFamily="18" charset="0"/>
-                      </a:endParaRPr>
-                    </a:p>
-                  </a:txBody>
-                  <a:tcPr marL="44436" marR="44436" marT="12198" marB="12198"/>
-                </a:tc>
-                <a:tc>
-                  <a:txBody>
-                    <a:bodyPr/>
-                    <a:lstStyle/>
-                    <a:p>
-                      <a:pPr algn="just" latinLnBrk="1">
-                        <a:lnSpc>
-                          <a:spcPct val="100000"/>
-                        </a:lnSpc>
-                        <a:spcAft>
-                          <a:spcPts val="0"/>
-                        </a:spcAft>
-                      </a:pPr>
-                      <a:r>
-                        <a:rPr lang="ko-KR" altLang="ko-KR" sz="1400" kern="100" dirty="0">
-                          <a:effectLst/>
-                        </a:rPr>
-                        <a:t>대회 참여 또는 수상 경력을 입력할 때 </a:t>
-                      </a:r>
-                      <a:r>
-                        <a:rPr lang="ko-KR" altLang="ko-KR" sz="1400" b="1" kern="100" dirty="0">
-                          <a:effectLst/>
-                        </a:rPr>
-                        <a:t>참여한 대회를 등록</a:t>
-                      </a:r>
-                      <a:r>
-                        <a:rPr lang="ko-KR" altLang="ko-KR" sz="1400" kern="100" dirty="0">
-                          <a:effectLst/>
-                        </a:rPr>
-                        <a:t>하는 기능</a:t>
-                      </a:r>
-                      <a:r>
-                        <a:rPr lang="en-US" altLang="ko-KR" sz="1400" kern="100" dirty="0">
-                          <a:effectLst/>
-                        </a:rPr>
-                        <a:t>. (</a:t>
-                      </a:r>
-                      <a:r>
-                        <a:rPr lang="ko-KR" altLang="ko-KR" sz="1400" kern="100" dirty="0">
-                          <a:effectLst/>
-                        </a:rPr>
-                        <a:t>대회 명</a:t>
-                      </a:r>
-                      <a:r>
-                        <a:rPr lang="en-US" altLang="ko-KR" sz="1400" kern="100" dirty="0">
-                          <a:effectLst/>
-                        </a:rPr>
-                        <a:t>, </a:t>
-                      </a:r>
-                      <a:r>
-                        <a:rPr lang="ko-KR" altLang="ko-KR" sz="1400" kern="100" dirty="0">
-                          <a:effectLst/>
-                        </a:rPr>
-                        <a:t>주최자</a:t>
-                      </a:r>
-                      <a:r>
-                        <a:rPr lang="en-US" altLang="ko-KR" sz="1400" kern="100" dirty="0">
-                          <a:effectLst/>
-                        </a:rPr>
-                        <a:t>, </a:t>
-                      </a:r>
-                      <a:r>
-                        <a:rPr lang="ko-KR" altLang="ko-KR" sz="1400" kern="100" dirty="0">
-                          <a:effectLst/>
-                        </a:rPr>
-                        <a:t>대회 개최 장소 등 입력</a:t>
-                      </a:r>
-                      <a:r>
-                        <a:rPr lang="en-US" altLang="ko-KR" sz="1400" kern="100" dirty="0">
-                          <a:effectLst/>
-                        </a:rPr>
-                        <a:t>)</a:t>
-                      </a:r>
-                      <a:endParaRPr lang="ko-KR" altLang="ko-KR" sz="1400" kern="100" dirty="0">
-                        <a:effectLst/>
-                      </a:endParaRPr>
-                    </a:p>
-                    <a:p>
-                      <a:pPr algn="just" latinLnBrk="1">
-                        <a:lnSpc>
-                          <a:spcPct val="100000"/>
-                        </a:lnSpc>
-                        <a:spcAft>
-                          <a:spcPts val="0"/>
-                        </a:spcAft>
-                      </a:pPr>
-                      <a:r>
-                        <a:rPr lang="en-US" altLang="ko-KR" sz="1400" kern="100" dirty="0">
-                          <a:effectLst/>
-                        </a:rPr>
-                        <a:t>=&gt;</a:t>
-                      </a:r>
-                      <a:r>
-                        <a:rPr lang="ko-KR" altLang="ko-KR" sz="1400" kern="100" dirty="0">
-                          <a:effectLst/>
-                        </a:rPr>
-                        <a:t>다른 학생들은 바로 등록된 대회를 참조할 수 있음</a:t>
-                      </a:r>
-                      <a:endParaRPr lang="en-US" altLang="ko-KR" sz="1400" kern="100" dirty="0">
-                        <a:effectLst/>
-                      </a:endParaRPr>
-                    </a:p>
-                    <a:p>
-                      <a:pPr algn="just" latinLnBrk="1">
-                        <a:lnSpc>
-                          <a:spcPct val="100000"/>
-                        </a:lnSpc>
-                        <a:spcAft>
-                          <a:spcPts val="0"/>
-                        </a:spcAft>
-                      </a:pPr>
-                      <a:endParaRPr lang="ko-KR" sz="1400" kern="100" dirty="0">
-                        <a:solidFill>
-                          <a:srgbClr val="000000"/>
-                        </a:solidFill>
-                        <a:effectLst/>
-                        <a:latin typeface="맑은 고딕" panose="020B0503020000020004" pitchFamily="50" charset="-127"/>
-                        <a:ea typeface="맑은 고딕" panose="020B0503020000020004" pitchFamily="50" charset="-127"/>
-                        <a:cs typeface="Times New Roman" panose="02020603050405020304" pitchFamily="18" charset="0"/>
-                      </a:endParaRPr>
-                    </a:p>
-                  </a:txBody>
-                  <a:tcPr marL="44436" marR="44436" marT="12198" marB="12198"/>
-                </a:tc>
-                <a:tc>
-                  <a:txBody>
-                    <a:bodyPr/>
-                    <a:lstStyle/>
-                    <a:p>
-                      <a:pPr algn="just" latinLnBrk="1">
-                        <a:lnSpc>
-                          <a:spcPct val="100000"/>
-                        </a:lnSpc>
-                        <a:spcAft>
-                          <a:spcPts val="0"/>
-                        </a:spcAft>
-                      </a:pPr>
-                      <a:r>
-                        <a:rPr lang="en-US" sz="1400" kern="100">
-                          <a:effectLst/>
-                        </a:rPr>
-                        <a:t> </a:t>
-                      </a:r>
-                      <a:endParaRPr lang="ko-KR" sz="1400" kern="100">
-                        <a:solidFill>
-                          <a:srgbClr val="000000"/>
-                        </a:solidFill>
-                        <a:effectLst/>
-                        <a:latin typeface="맑은 고딕" panose="020B0503020000020004" pitchFamily="50" charset="-127"/>
-                        <a:ea typeface="맑은 고딕" panose="020B0503020000020004" pitchFamily="50" charset="-127"/>
-                        <a:cs typeface="Times New Roman" panose="02020603050405020304" pitchFamily="18" charset="0"/>
-                      </a:endParaRPr>
-                    </a:p>
-                  </a:txBody>
-                  <a:tcPr marL="44436" marR="44436" marT="12198" marB="12198"/>
-                </a:tc>
-                <a:extLst>
-                  <a:ext uri="{0D108BD9-81ED-4DB2-BD59-A6C34878D82A}">
-                    <a16:rowId xmlns:a16="http://schemas.microsoft.com/office/drawing/2014/main" val="2478363627"/>
-                  </a:ext>
-                </a:extLst>
-              </a:tr>
-              <a:tr h="648275">
-                <a:tc>
-                  <a:txBody>
-                    <a:bodyPr/>
-                    <a:lstStyle/>
-                    <a:p>
-                      <a:pPr marL="0" marR="0" indent="0" algn="l" defTabSz="914400" rtl="0" eaLnBrk="1" fontAlgn="auto" latinLnBrk="1" hangingPunct="1">
-                        <a:lnSpc>
-                          <a:spcPct val="100000"/>
-                        </a:lnSpc>
-                        <a:spcBef>
-                          <a:spcPts val="0"/>
-                        </a:spcBef>
-                        <a:spcAft>
-                          <a:spcPts val="0"/>
-                        </a:spcAft>
-                        <a:buClrTx/>
-                        <a:buSzTx/>
-                        <a:buFontTx/>
-                        <a:buNone/>
-                        <a:tabLst/>
-                        <a:defRPr/>
-                      </a:pPr>
-                      <a:r>
-                        <a:rPr lang="ko-KR" altLang="ko-KR" sz="1400" b="0" kern="100" dirty="0" err="1">
-                          <a:effectLst/>
-                        </a:rPr>
-                        <a:t>레주메</a:t>
-                      </a:r>
-                      <a:r>
-                        <a:rPr lang="ko-KR" altLang="ko-KR" sz="1400" kern="100" dirty="0">
-                          <a:effectLst/>
-                        </a:rPr>
-                        <a:t> 양식 틀 </a:t>
-                      </a:r>
-                      <a:r>
-                        <a:rPr lang="ko-KR" altLang="ko-KR" sz="1400" b="0" kern="100" dirty="0">
-                          <a:effectLst/>
-                        </a:rPr>
-                        <a:t>제공</a:t>
-                      </a:r>
-                      <a:r>
-                        <a:rPr lang="en-US" altLang="ko-KR" sz="1400" kern="100" dirty="0">
-                          <a:effectLst/>
-                        </a:rPr>
-                        <a:t> (</a:t>
-                      </a:r>
-                      <a:r>
-                        <a:rPr lang="ko-KR" altLang="ko-KR" sz="1400" kern="100" dirty="0">
-                          <a:effectLst/>
-                        </a:rPr>
-                        <a:t>자료</a:t>
-                      </a:r>
-                      <a:r>
-                        <a:rPr lang="en-US" altLang="ko-KR" sz="1400" kern="100" dirty="0">
-                          <a:effectLst/>
-                        </a:rPr>
-                        <a:t>)</a:t>
-                      </a:r>
-                      <a:endParaRPr lang="ko-KR" altLang="en-US" dirty="0"/>
-                    </a:p>
-                  </a:txBody>
-                  <a:tcPr marL="44436" marR="44436" marT="12198" marB="12198"/>
+                  <a:tcPr/>
                 </a:tc>
                 <a:tc>
                   <a:txBody>
@@ -31062,250 +28245,609 @@
                         <a:defRPr/>
                       </a:pPr>
                       <a:r>
-                        <a:rPr lang="ko-KR" altLang="ko-KR" sz="1400" b="1" kern="100" dirty="0">
-                          <a:effectLst/>
+                        <a:rPr lang="ko-KR" altLang="en-US" sz="1800" kern="1200" dirty="0">
+                          <a:solidFill>
+                            <a:schemeClr val="tx1">
+                              <a:lumMod val="85000"/>
+                              <a:lumOff val="15000"/>
+                            </a:schemeClr>
+                          </a:solidFill>
+                          <a:latin typeface="HY헤드라인M" pitchFamily="18" charset="-127"/>
+                          <a:ea typeface="HY헤드라인M" pitchFamily="18" charset="-127"/>
+                          <a:cs typeface="+mn-cs"/>
                         </a:rPr>
-                        <a:t>자동 로그인 </a:t>
+                        <a:t> 학생</a:t>
                       </a:r>
                       <a:r>
-                        <a:rPr lang="ko-KR" altLang="ko-KR" sz="1400" kern="100" dirty="0">
-                          <a:effectLst/>
+                        <a:rPr lang="en-US" altLang="ko-KR" sz="1800" kern="1200" dirty="0">
+                          <a:solidFill>
+                            <a:schemeClr val="tx1">
+                              <a:lumMod val="85000"/>
+                              <a:lumOff val="15000"/>
+                            </a:schemeClr>
+                          </a:solidFill>
+                          <a:latin typeface="HY헤드라인M" pitchFamily="18" charset="-127"/>
+                          <a:ea typeface="HY헤드라인M" pitchFamily="18" charset="-127"/>
+                          <a:cs typeface="+mn-cs"/>
                         </a:rPr>
-                        <a:t>기능</a:t>
+                        <a:t>- DSM </a:t>
                       </a:r>
-                      <a:endParaRPr lang="ko-KR" altLang="ko-KR" sz="1400" kern="100" dirty="0">
-                        <a:solidFill>
-                          <a:srgbClr val="000000"/>
-                        </a:solidFill>
-                        <a:effectLst/>
-                        <a:latin typeface="맑은 고딕" panose="020B0503020000020004" pitchFamily="50" charset="-127"/>
-                        <a:ea typeface="+mn-ea"/>
-                        <a:cs typeface="Times New Roman" panose="02020603050405020304" pitchFamily="18" charset="0"/>
-                      </a:endParaRPr>
-                    </a:p>
-                    <a:p>
-                      <a:pPr>
-                        <a:lnSpc>
-                          <a:spcPct val="100000"/>
-                        </a:lnSpc>
-                      </a:pPr>
-                      <a:endParaRPr lang="ko-KR" altLang="en-US" dirty="0"/>
+                      <a:r>
+                        <a:rPr lang="ko-KR" altLang="en-US" sz="1800" kern="1200" dirty="0" err="1">
+                          <a:solidFill>
+                            <a:schemeClr val="tx1">
+                              <a:lumMod val="85000"/>
+                              <a:lumOff val="15000"/>
+                            </a:schemeClr>
+                          </a:solidFill>
+                          <a:latin typeface="HY헤드라인M" pitchFamily="18" charset="-127"/>
+                          <a:ea typeface="HY헤드라인M" pitchFamily="18" charset="-127"/>
+                          <a:cs typeface="+mn-cs"/>
+                        </a:rPr>
+                        <a:t>연장신청</a:t>
+                      </a:r>
+                      <a:r>
+                        <a:rPr lang="ko-KR" altLang="en-US" sz="1800" kern="1200" dirty="0">
+                          <a:solidFill>
+                            <a:schemeClr val="tx1">
+                              <a:lumMod val="85000"/>
+                              <a:lumOff val="15000"/>
+                            </a:schemeClr>
+                          </a:solidFill>
+                          <a:latin typeface="HY헤드라인M" pitchFamily="18" charset="-127"/>
+                          <a:ea typeface="HY헤드라인M" pitchFamily="18" charset="-127"/>
+                          <a:cs typeface="+mn-cs"/>
+                        </a:rPr>
+                        <a:t> 페이지 가입이 되어 있어야 한다</a:t>
+                      </a:r>
+                      <a:r>
+                        <a:rPr lang="en-US" altLang="ko-KR" sz="1800" kern="1200" dirty="0">
+                          <a:solidFill>
+                            <a:schemeClr val="tx1">
+                              <a:lumMod val="85000"/>
+                              <a:lumOff val="15000"/>
+                            </a:schemeClr>
+                          </a:solidFill>
+                          <a:latin typeface="HY헤드라인M" pitchFamily="18" charset="-127"/>
+                          <a:ea typeface="HY헤드라인M" pitchFamily="18" charset="-127"/>
+                          <a:cs typeface="+mn-cs"/>
+                        </a:rPr>
+                        <a:t>..</a:t>
+                      </a:r>
                     </a:p>
                   </a:txBody>
-                  <a:tcPr marL="44436" marR="44436" marT="12198" marB="12198"/>
+                  <a:tcPr/>
+                </a:tc>
+                <a:extLst>
+                  <a:ext uri="{0D108BD9-81ED-4DB2-BD59-A6C34878D82A}">
+                    <a16:rowId xmlns:a16="http://schemas.microsoft.com/office/drawing/2014/main" val="10002"/>
+                  </a:ext>
+                </a:extLst>
+              </a:tr>
+              <a:tr h="1451322">
+                <a:tc>
+                  <a:txBody>
+                    <a:bodyPr/>
+                    <a:lstStyle/>
+                    <a:p>
+                      <a:pPr algn="ctr" latinLnBrk="1"/>
+                      <a:r>
+                        <a:rPr lang="ko-KR" altLang="en-US" b="1" dirty="0">
+                          <a:solidFill>
+                            <a:schemeClr val="tx1">
+                              <a:lumMod val="85000"/>
+                              <a:lumOff val="15000"/>
+                            </a:schemeClr>
+                          </a:solidFill>
+                          <a:latin typeface="HY헤드라인M" pitchFamily="18" charset="-127"/>
+                          <a:ea typeface="HY헤드라인M" pitchFamily="18" charset="-127"/>
+                        </a:rPr>
+                        <a:t>정상 흐름</a:t>
+                      </a:r>
+                    </a:p>
+                  </a:txBody>
+                  <a:tcPr/>
                 </a:tc>
                 <a:tc>
                   <a:txBody>
                     <a:bodyPr/>
                     <a:lstStyle/>
                     <a:p>
-                      <a:pPr algn="just" latinLnBrk="1">
-                        <a:lnSpc>
-                          <a:spcPct val="100000"/>
-                        </a:lnSpc>
-                        <a:spcAft>
-                          <a:spcPts val="0"/>
-                        </a:spcAft>
+                      <a:pPr marL="342900" lvl="0" indent="-342900" fontAlgn="base" latinLnBrk="1">
+                        <a:buFont typeface="+mj-lt"/>
+                        <a:buAutoNum type="arabicPeriod"/>
                       </a:pPr>
                       <a:r>
-                        <a:rPr lang="en-US" sz="1400" kern="100" dirty="0">
+                        <a:rPr lang="ko-KR" altLang="en-US" sz="1800" kern="1200" dirty="0">
+                          <a:solidFill>
+                            <a:schemeClr val="tx1">
+                              <a:lumMod val="85000"/>
+                              <a:lumOff val="15000"/>
+                            </a:schemeClr>
+                          </a:solidFill>
                           <a:effectLst/>
+                          <a:latin typeface="배달의민족 도현" pitchFamily="50" charset="-127"/>
+                          <a:ea typeface="배달의민족 도현" pitchFamily="50" charset="-127"/>
+                          <a:cs typeface="+mn-cs"/>
                         </a:rPr>
-                        <a:t> </a:t>
+                        <a:t>로그인 버튼을 클릭한다</a:t>
                       </a:r>
-                      <a:endParaRPr lang="ko-KR" sz="1400" kern="100" dirty="0">
+                      <a:r>
+                        <a:rPr lang="en-US" altLang="ko-KR" sz="1800" kern="1200" dirty="0">
+                          <a:solidFill>
+                            <a:schemeClr val="tx1">
+                              <a:lumMod val="85000"/>
+                              <a:lumOff val="15000"/>
+                            </a:schemeClr>
+                          </a:solidFill>
+                          <a:effectLst/>
+                          <a:latin typeface="배달의민족 도현" pitchFamily="50" charset="-127"/>
+                          <a:ea typeface="배달의민족 도현" pitchFamily="50" charset="-127"/>
+                          <a:cs typeface="+mn-cs"/>
+                        </a:rPr>
+                        <a:t>. (</a:t>
+                      </a:r>
+                      <a:r>
+                        <a:rPr lang="ko-KR" altLang="en-US" sz="1800" kern="1200" dirty="0" err="1">
+                          <a:solidFill>
+                            <a:schemeClr val="tx1">
+                              <a:lumMod val="85000"/>
+                              <a:lumOff val="15000"/>
+                            </a:schemeClr>
+                          </a:solidFill>
+                          <a:effectLst/>
+                          <a:latin typeface="배달의민족 도현" pitchFamily="50" charset="-127"/>
+                          <a:ea typeface="배달의민족 도현" pitchFamily="50" charset="-127"/>
+                          <a:cs typeface="+mn-cs"/>
+                        </a:rPr>
+                        <a:t>액터</a:t>
+                      </a:r>
+                      <a:r>
+                        <a:rPr lang="en-US" altLang="ko-KR" sz="1800" kern="1200" dirty="0">
+                          <a:solidFill>
+                            <a:schemeClr val="tx1">
+                              <a:lumMod val="85000"/>
+                              <a:lumOff val="15000"/>
+                            </a:schemeClr>
+                          </a:solidFill>
+                          <a:effectLst/>
+                          <a:latin typeface="배달의민족 도현" pitchFamily="50" charset="-127"/>
+                          <a:ea typeface="배달의민족 도현" pitchFamily="50" charset="-127"/>
+                          <a:cs typeface="+mn-cs"/>
+                        </a:rPr>
+                        <a:t>)</a:t>
+                      </a:r>
+                    </a:p>
+                    <a:p>
+                      <a:pPr marL="342900" lvl="0" indent="-342900" fontAlgn="base" latinLnBrk="1">
+                        <a:buFont typeface="+mj-lt"/>
+                        <a:buAutoNum type="arabicPeriod"/>
+                      </a:pPr>
+                      <a:r>
+                        <a:rPr lang="ko-KR" altLang="en-US" sz="1800" kern="1200" dirty="0">
+                          <a:solidFill>
+                            <a:schemeClr val="tx1">
+                              <a:lumMod val="85000"/>
+                              <a:lumOff val="15000"/>
+                            </a:schemeClr>
+                          </a:solidFill>
+                          <a:effectLst/>
+                          <a:latin typeface="배달의민족 도현" pitchFamily="50" charset="-127"/>
+                          <a:ea typeface="배달의민족 도현" pitchFamily="50" charset="-127"/>
+                          <a:cs typeface="+mn-cs"/>
+                        </a:rPr>
+                        <a:t>로그인 창을 띄운다</a:t>
+                      </a:r>
+                      <a:r>
+                        <a:rPr lang="en-US" altLang="ko-KR" sz="1800" kern="1200" dirty="0">
+                          <a:solidFill>
+                            <a:schemeClr val="tx1">
+                              <a:lumMod val="85000"/>
+                              <a:lumOff val="15000"/>
+                            </a:schemeClr>
+                          </a:solidFill>
+                          <a:effectLst/>
+                          <a:latin typeface="배달의민족 도현" pitchFamily="50" charset="-127"/>
+                          <a:ea typeface="배달의민족 도현" pitchFamily="50" charset="-127"/>
+                          <a:cs typeface="+mn-cs"/>
+                        </a:rPr>
+                        <a:t>. (</a:t>
+                      </a:r>
+                      <a:r>
+                        <a:rPr lang="ko-KR" altLang="en-US" sz="1800" kern="1200" dirty="0">
+                          <a:solidFill>
+                            <a:schemeClr val="tx1">
+                              <a:lumMod val="85000"/>
+                              <a:lumOff val="15000"/>
+                            </a:schemeClr>
+                          </a:solidFill>
+                          <a:effectLst/>
+                          <a:latin typeface="배달의민족 도현" pitchFamily="50" charset="-127"/>
+                          <a:ea typeface="배달의민족 도현" pitchFamily="50" charset="-127"/>
+                          <a:cs typeface="+mn-cs"/>
+                        </a:rPr>
+                        <a:t>시스템</a:t>
+                      </a:r>
+                      <a:r>
+                        <a:rPr lang="en-US" altLang="ko-KR" sz="1800" kern="1200" dirty="0">
+                          <a:solidFill>
+                            <a:schemeClr val="tx1">
+                              <a:lumMod val="85000"/>
+                              <a:lumOff val="15000"/>
+                            </a:schemeClr>
+                          </a:solidFill>
+                          <a:effectLst/>
+                          <a:latin typeface="배달의민족 도현" pitchFamily="50" charset="-127"/>
+                          <a:ea typeface="배달의민족 도현" pitchFamily="50" charset="-127"/>
+                          <a:cs typeface="+mn-cs"/>
+                        </a:rPr>
+                        <a:t>) </a:t>
+                      </a:r>
+                    </a:p>
+                    <a:p>
+                      <a:pPr marL="342900" lvl="0" indent="-342900" fontAlgn="base" latinLnBrk="1">
+                        <a:buFont typeface="+mj-lt"/>
+                        <a:buAutoNum type="arabicPeriod"/>
+                      </a:pPr>
+                      <a:r>
+                        <a:rPr lang="ko-KR" altLang="en-US" sz="1800" kern="1200" dirty="0">
+                          <a:solidFill>
+                            <a:schemeClr val="tx1">
+                              <a:lumMod val="85000"/>
+                              <a:lumOff val="15000"/>
+                            </a:schemeClr>
+                          </a:solidFill>
+                          <a:effectLst/>
+                          <a:latin typeface="배달의민족 도현" pitchFamily="50" charset="-127"/>
+                          <a:ea typeface="배달의민족 도현" pitchFamily="50" charset="-127"/>
+                          <a:cs typeface="+mn-cs"/>
+                        </a:rPr>
+                        <a:t>아이디와 패스워드를 입력한다</a:t>
+                      </a:r>
+                      <a:r>
+                        <a:rPr lang="en-US" altLang="ko-KR" sz="1800" kern="1200" dirty="0">
+                          <a:solidFill>
+                            <a:schemeClr val="tx1">
+                              <a:lumMod val="85000"/>
+                              <a:lumOff val="15000"/>
+                            </a:schemeClr>
+                          </a:solidFill>
+                          <a:effectLst/>
+                          <a:latin typeface="배달의민족 도현" pitchFamily="50" charset="-127"/>
+                          <a:ea typeface="배달의민족 도현" pitchFamily="50" charset="-127"/>
+                          <a:cs typeface="+mn-cs"/>
+                        </a:rPr>
+                        <a:t>. (</a:t>
+                      </a:r>
+                      <a:r>
+                        <a:rPr lang="ko-KR" altLang="en-US" sz="1800" kern="1200" dirty="0" err="1">
+                          <a:solidFill>
+                            <a:schemeClr val="tx1">
+                              <a:lumMod val="85000"/>
+                              <a:lumOff val="15000"/>
+                            </a:schemeClr>
+                          </a:solidFill>
+                          <a:effectLst/>
+                          <a:latin typeface="배달의민족 도현" pitchFamily="50" charset="-127"/>
+                          <a:ea typeface="배달의민족 도현" pitchFamily="50" charset="-127"/>
+                          <a:cs typeface="+mn-cs"/>
+                        </a:rPr>
+                        <a:t>액터</a:t>
+                      </a:r>
+                      <a:r>
+                        <a:rPr lang="en-US" altLang="ko-KR" sz="1800" kern="1200" dirty="0">
+                          <a:solidFill>
+                            <a:schemeClr val="tx1">
+                              <a:lumMod val="85000"/>
+                              <a:lumOff val="15000"/>
+                            </a:schemeClr>
+                          </a:solidFill>
+                          <a:effectLst/>
+                          <a:latin typeface="배달의민족 도현" pitchFamily="50" charset="-127"/>
+                          <a:ea typeface="배달의민족 도현" pitchFamily="50" charset="-127"/>
+                          <a:cs typeface="+mn-cs"/>
+                        </a:rPr>
+                        <a:t>)</a:t>
+                      </a:r>
+                    </a:p>
+                    <a:p>
+                      <a:pPr marL="342900" lvl="0" indent="-342900" fontAlgn="base" latinLnBrk="1">
+                        <a:buFont typeface="+mj-lt"/>
+                        <a:buAutoNum type="arabicPeriod"/>
+                      </a:pPr>
+                      <a:r>
+                        <a:rPr lang="ko-KR" altLang="en-US" sz="1800" kern="1200" dirty="0">
+                          <a:solidFill>
+                            <a:schemeClr val="tx1">
+                              <a:lumMod val="85000"/>
+                              <a:lumOff val="15000"/>
+                            </a:schemeClr>
+                          </a:solidFill>
+                          <a:effectLst/>
+                          <a:latin typeface="배달의민족 도현" pitchFamily="50" charset="-127"/>
+                          <a:ea typeface="배달의민족 도현" pitchFamily="50" charset="-127"/>
+                          <a:cs typeface="+mn-cs"/>
+                        </a:rPr>
+                        <a:t>저장 되어 있는 </a:t>
+                      </a:r>
+                      <a:r>
+                        <a:rPr lang="en-US" altLang="ko-KR" sz="1800" kern="1200" dirty="0">
+                          <a:solidFill>
+                            <a:schemeClr val="tx1">
+                              <a:lumMod val="85000"/>
+                              <a:lumOff val="15000"/>
+                            </a:schemeClr>
+                          </a:solidFill>
+                          <a:effectLst/>
+                          <a:latin typeface="배달의민족 도현" pitchFamily="50" charset="-127"/>
+                          <a:ea typeface="배달의민족 도현" pitchFamily="50" charset="-127"/>
+                          <a:cs typeface="+mn-cs"/>
+                        </a:rPr>
+                        <a:t>DB</a:t>
+                      </a:r>
+                      <a:r>
+                        <a:rPr lang="ko-KR" altLang="en-US" sz="1800" kern="1200" dirty="0">
+                          <a:solidFill>
+                            <a:schemeClr val="tx1">
+                              <a:lumMod val="85000"/>
+                              <a:lumOff val="15000"/>
+                            </a:schemeClr>
+                          </a:solidFill>
+                          <a:effectLst/>
+                          <a:latin typeface="배달의민족 도현" pitchFamily="50" charset="-127"/>
+                          <a:ea typeface="배달의민족 도현" pitchFamily="50" charset="-127"/>
+                          <a:cs typeface="+mn-cs"/>
+                        </a:rPr>
+                        <a:t>와 일치하는지 매치한다</a:t>
+                      </a:r>
+                      <a:r>
+                        <a:rPr lang="en-US" altLang="ko-KR" sz="1800" kern="1200" dirty="0">
+                          <a:solidFill>
+                            <a:schemeClr val="tx1">
+                              <a:lumMod val="85000"/>
+                              <a:lumOff val="15000"/>
+                            </a:schemeClr>
+                          </a:solidFill>
+                          <a:effectLst/>
+                          <a:latin typeface="배달의민족 도현" pitchFamily="50" charset="-127"/>
+                          <a:ea typeface="배달의민족 도현" pitchFamily="50" charset="-127"/>
+                          <a:cs typeface="+mn-cs"/>
+                        </a:rPr>
+                        <a:t>. (</a:t>
+                      </a:r>
+                      <a:r>
+                        <a:rPr lang="ko-KR" altLang="en-US" sz="1800" kern="1200" dirty="0">
+                          <a:solidFill>
+                            <a:schemeClr val="tx1">
+                              <a:lumMod val="85000"/>
+                              <a:lumOff val="15000"/>
+                            </a:schemeClr>
+                          </a:solidFill>
+                          <a:effectLst/>
+                          <a:latin typeface="배달의민족 도현" pitchFamily="50" charset="-127"/>
+                          <a:ea typeface="배달의민족 도현" pitchFamily="50" charset="-127"/>
+                          <a:cs typeface="+mn-cs"/>
+                        </a:rPr>
+                        <a:t>시스템</a:t>
+                      </a:r>
+                      <a:r>
+                        <a:rPr lang="en-US" altLang="ko-KR" sz="1800" kern="1200" dirty="0">
+                          <a:solidFill>
+                            <a:schemeClr val="tx1">
+                              <a:lumMod val="85000"/>
+                              <a:lumOff val="15000"/>
+                            </a:schemeClr>
+                          </a:solidFill>
+                          <a:effectLst/>
+                          <a:latin typeface="배달의민족 도현" pitchFamily="50" charset="-127"/>
+                          <a:ea typeface="배달의민족 도현" pitchFamily="50" charset="-127"/>
+                          <a:cs typeface="+mn-cs"/>
+                        </a:rPr>
+                        <a:t>)</a:t>
+                      </a:r>
+                    </a:p>
+                    <a:p>
+                      <a:pPr marL="342900" lvl="0" indent="-342900" fontAlgn="base" latinLnBrk="1">
+                        <a:buFont typeface="+mj-lt"/>
+                        <a:buAutoNum type="arabicPeriod"/>
+                      </a:pPr>
+                      <a:r>
+                        <a:rPr lang="ko-KR" altLang="en-US" sz="1800" kern="1200" dirty="0">
+                          <a:solidFill>
+                            <a:schemeClr val="tx1">
+                              <a:lumMod val="85000"/>
+                              <a:lumOff val="15000"/>
+                            </a:schemeClr>
+                          </a:solidFill>
+                          <a:effectLst/>
+                          <a:latin typeface="배달의민족 도현" pitchFamily="50" charset="-127"/>
+                          <a:ea typeface="배달의민족 도현" pitchFamily="50" charset="-127"/>
+                          <a:cs typeface="+mn-cs"/>
+                        </a:rPr>
+                        <a:t>정상적으로 로그인 후 메인 페이지로 넘어간다</a:t>
+                      </a:r>
+                      <a:r>
+                        <a:rPr lang="en-US" altLang="ko-KR" sz="1800" kern="1200" dirty="0">
+                          <a:solidFill>
+                            <a:schemeClr val="tx1">
+                              <a:lumMod val="85000"/>
+                              <a:lumOff val="15000"/>
+                            </a:schemeClr>
+                          </a:solidFill>
+                          <a:effectLst/>
+                          <a:latin typeface="배달의민족 도현" pitchFamily="50" charset="-127"/>
+                          <a:ea typeface="배달의민족 도현" pitchFamily="50" charset="-127"/>
+                          <a:cs typeface="+mn-cs"/>
+                        </a:rPr>
+                        <a:t>. (</a:t>
+                      </a:r>
+                      <a:r>
+                        <a:rPr lang="ko-KR" altLang="en-US" sz="1800" kern="1200" dirty="0">
+                          <a:solidFill>
+                            <a:schemeClr val="tx1">
+                              <a:lumMod val="85000"/>
+                              <a:lumOff val="15000"/>
+                            </a:schemeClr>
+                          </a:solidFill>
+                          <a:effectLst/>
+                          <a:latin typeface="배달의민족 도현" pitchFamily="50" charset="-127"/>
+                          <a:ea typeface="배달의민족 도현" pitchFamily="50" charset="-127"/>
+                          <a:cs typeface="+mn-cs"/>
+                        </a:rPr>
+                        <a:t>시스템</a:t>
+                      </a:r>
+                      <a:r>
+                        <a:rPr lang="en-US" altLang="ko-KR" sz="1800" kern="1200" dirty="0">
+                          <a:solidFill>
+                            <a:schemeClr val="tx1">
+                              <a:lumMod val="85000"/>
+                              <a:lumOff val="15000"/>
+                            </a:schemeClr>
+                          </a:solidFill>
+                          <a:effectLst/>
+                          <a:latin typeface="배달의민족 도현" pitchFamily="50" charset="-127"/>
+                          <a:ea typeface="배달의민족 도현" pitchFamily="50" charset="-127"/>
+                          <a:cs typeface="+mn-cs"/>
+                        </a:rPr>
+                        <a:t>)</a:t>
+                      </a:r>
+                      <a:endParaRPr lang="ko-KR" altLang="en-US" sz="1800" kern="1200" dirty="0">
                         <a:solidFill>
-                          <a:srgbClr val="000000"/>
+                          <a:schemeClr val="tx1">
+                            <a:lumMod val="85000"/>
+                            <a:lumOff val="15000"/>
+                          </a:schemeClr>
                         </a:solidFill>
                         <a:effectLst/>
-                        <a:latin typeface="맑은 고딕" panose="020B0503020000020004" pitchFamily="50" charset="-127"/>
-                        <a:ea typeface="맑은 고딕" panose="020B0503020000020004" pitchFamily="50" charset="-127"/>
-                        <a:cs typeface="Times New Roman" panose="02020603050405020304" pitchFamily="18" charset="0"/>
+                        <a:latin typeface="배달의민족 도현" pitchFamily="50" charset="-127"/>
+                        <a:ea typeface="배달의민족 도현" pitchFamily="50" charset="-127"/>
+                        <a:cs typeface="+mn-cs"/>
                       </a:endParaRPr>
                     </a:p>
                   </a:txBody>
-                  <a:tcPr marL="44436" marR="44436" marT="12198" marB="12198"/>
+                  <a:tcPr/>
                 </a:tc>
                 <a:extLst>
                   <a:ext uri="{0D108BD9-81ED-4DB2-BD59-A6C34878D82A}">
-                    <a16:rowId xmlns:a16="http://schemas.microsoft.com/office/drawing/2014/main" val="3069572918"/>
+                    <a16:rowId xmlns:a16="http://schemas.microsoft.com/office/drawing/2014/main" val="10003"/>
                   </a:ext>
                 </a:extLst>
               </a:tr>
-              <a:tr h="806738">
+              <a:tr h="1451322">
                 <a:tc>
                   <a:txBody>
                     <a:bodyPr/>
                     <a:lstStyle/>
                     <a:p>
-                      <a:pPr marL="0" marR="0" indent="0" algn="just" defTabSz="914400" rtl="0" eaLnBrk="1" fontAlgn="auto" latinLnBrk="1" hangingPunct="1">
-                        <a:lnSpc>
-                          <a:spcPct val="100000"/>
-                        </a:lnSpc>
-                        <a:spcBef>
-                          <a:spcPts val="0"/>
-                        </a:spcBef>
-                        <a:spcAft>
-                          <a:spcPts val="0"/>
-                        </a:spcAft>
-                        <a:buClrTx/>
-                        <a:buSzTx/>
-                        <a:buFontTx/>
-                        <a:buNone/>
-                        <a:tabLst/>
-                        <a:defRPr/>
-                      </a:pPr>
+                      <a:pPr algn="ctr" latinLnBrk="1"/>
                       <a:r>
-                        <a:rPr lang="en-US" sz="1400" b="0" kern="100" dirty="0">
-                          <a:effectLst/>
+                        <a:rPr lang="ko-KR" altLang="en-US" b="1" dirty="0">
+                          <a:solidFill>
+                            <a:schemeClr val="tx1">
+                              <a:lumMod val="85000"/>
+                              <a:lumOff val="15000"/>
+                            </a:schemeClr>
+                          </a:solidFill>
+                          <a:latin typeface="HY헤드라인M" pitchFamily="18" charset="-127"/>
+                          <a:ea typeface="HY헤드라인M" pitchFamily="18" charset="-127"/>
                         </a:rPr>
-                        <a:t> </a:t>
+                        <a:t>선택흐름</a:t>
                       </a:r>
-                      <a:r>
-                        <a:rPr lang="ko-KR" altLang="ko-KR" sz="1400" b="0" kern="100" dirty="0" err="1">
-                          <a:effectLst/>
-                        </a:rPr>
-                        <a:t>레주메를</a:t>
-                      </a:r>
-                      <a:r>
-                        <a:rPr lang="ko-KR" altLang="ko-KR" sz="1400" b="0" kern="100" dirty="0">
-                          <a:effectLst/>
-                        </a:rPr>
-                        <a:t> </a:t>
-                      </a:r>
-                      <a:r>
-                        <a:rPr lang="ko-KR" altLang="en-US" sz="1400" b="1" kern="100" dirty="0">
-                          <a:effectLst/>
-                        </a:rPr>
-                        <a:t>출력</a:t>
-                      </a:r>
-                      <a:r>
-                        <a:rPr lang="ko-KR" altLang="ko-KR" sz="1400" b="0" kern="100" dirty="0">
-                          <a:effectLst/>
-                        </a:rPr>
-                        <a:t>하는 기능</a:t>
-                      </a:r>
-                      <a:endParaRPr lang="ko-KR" altLang="ko-KR" sz="1400" b="0" kern="100" dirty="0">
-                        <a:solidFill>
-                          <a:srgbClr val="000000"/>
-                        </a:solidFill>
-                        <a:effectLst/>
-                        <a:latin typeface="맑은 고딕" panose="020B0503020000020004" pitchFamily="50" charset="-127"/>
-                        <a:ea typeface="+mn-ea"/>
-                        <a:cs typeface="Times New Roman" panose="02020603050405020304" pitchFamily="18" charset="0"/>
-                      </a:endParaRPr>
-                    </a:p>
-                    <a:p>
-                      <a:pPr marL="0" marR="0" indent="0" algn="just" defTabSz="914400" rtl="0" eaLnBrk="1" fontAlgn="auto" latinLnBrk="1" hangingPunct="1">
-                        <a:lnSpc>
-                          <a:spcPct val="100000"/>
-                        </a:lnSpc>
-                        <a:spcBef>
-                          <a:spcPts val="0"/>
-                        </a:spcBef>
-                        <a:spcAft>
-                          <a:spcPts val="0"/>
-                        </a:spcAft>
-                        <a:buClrTx/>
-                        <a:buSzTx/>
-                        <a:buFontTx/>
-                        <a:buNone/>
-                        <a:tabLst/>
-                        <a:defRPr/>
-                      </a:pPr>
-                      <a:endParaRPr lang="ko-KR" altLang="ko-KR" sz="1400" kern="100" dirty="0">
-                        <a:solidFill>
-                          <a:srgbClr val="000000"/>
-                        </a:solidFill>
-                        <a:effectLst/>
-                        <a:latin typeface="맑은 고딕" panose="020B0503020000020004" pitchFamily="50" charset="-127"/>
-                        <a:ea typeface="+mn-ea"/>
-                        <a:cs typeface="Times New Roman" panose="02020603050405020304" pitchFamily="18" charset="0"/>
-                      </a:endParaRPr>
-                    </a:p>
-                    <a:p>
-                      <a:pPr algn="just" latinLnBrk="1">
-                        <a:lnSpc>
-                          <a:spcPct val="100000"/>
-                        </a:lnSpc>
-                        <a:spcAft>
-                          <a:spcPts val="0"/>
-                        </a:spcAft>
-                      </a:pPr>
-                      <a:endParaRPr lang="ko-KR" sz="1400" kern="100" dirty="0">
-                        <a:solidFill>
-                          <a:srgbClr val="000000"/>
-                        </a:solidFill>
-                        <a:effectLst/>
-                        <a:latin typeface="맑은 고딕" panose="020B0503020000020004" pitchFamily="50" charset="-127"/>
-                        <a:ea typeface="맑은 고딕" panose="020B0503020000020004" pitchFamily="50" charset="-127"/>
-                        <a:cs typeface="Times New Roman" panose="02020603050405020304" pitchFamily="18" charset="0"/>
-                      </a:endParaRPr>
                     </a:p>
                   </a:txBody>
-                  <a:tcPr marL="44436" marR="44436" marT="12198" marB="12198"/>
+                  <a:tcPr/>
                 </a:tc>
                 <a:tc>
                   <a:txBody>
                     <a:bodyPr/>
                     <a:lstStyle/>
                     <a:p>
-                      <a:pPr algn="just" latinLnBrk="1">
-                        <a:lnSpc>
-                          <a:spcPct val="100000"/>
-                        </a:lnSpc>
-                        <a:spcAft>
-                          <a:spcPts val="0"/>
-                        </a:spcAft>
+                      <a:pPr marL="285750" lvl="0" indent="-285750" fontAlgn="base" latinLnBrk="1">
+                        <a:buFontTx/>
+                        <a:buChar char="-"/>
                       </a:pPr>
-                      <a:endParaRPr lang="ko-KR" sz="1400" kern="100" dirty="0">
-                        <a:solidFill>
-                          <a:srgbClr val="000000"/>
-                        </a:solidFill>
-                        <a:effectLst/>
-                        <a:latin typeface="맑은 고딕" panose="020B0503020000020004" pitchFamily="50" charset="-127"/>
-                        <a:ea typeface="맑은 고딕" panose="020B0503020000020004" pitchFamily="50" charset="-127"/>
-                        <a:cs typeface="Times New Roman" panose="02020603050405020304" pitchFamily="18" charset="0"/>
-                      </a:endParaRPr>
+                      <a:r>
+                        <a:rPr lang="ko-KR" altLang="en-US" sz="1800" kern="1200" dirty="0">
+                          <a:solidFill>
+                            <a:schemeClr val="tx1">
+                              <a:lumMod val="85000"/>
+                              <a:lumOff val="15000"/>
+                            </a:schemeClr>
+                          </a:solidFill>
+                          <a:effectLst/>
+                          <a:latin typeface="배달의민족 도현" pitchFamily="50" charset="-127"/>
+                          <a:ea typeface="배달의민족 도현" pitchFamily="50" charset="-127"/>
+                          <a:cs typeface="+mn-cs"/>
+                        </a:rPr>
+                        <a:t>아이디나 패스워드가 맞지 않으면 “아이디나 패스워드를 </a:t>
+                      </a:r>
+                      <a:r>
+                        <a:rPr lang="ko-KR" altLang="en-US" sz="1800" kern="1200" dirty="0" err="1">
+                          <a:solidFill>
+                            <a:schemeClr val="tx1">
+                              <a:lumMod val="85000"/>
+                              <a:lumOff val="15000"/>
+                            </a:schemeClr>
+                          </a:solidFill>
+                          <a:effectLst/>
+                          <a:latin typeface="배달의민족 도현" pitchFamily="50" charset="-127"/>
+                          <a:ea typeface="배달의민족 도현" pitchFamily="50" charset="-127"/>
+                          <a:cs typeface="+mn-cs"/>
+                        </a:rPr>
+                        <a:t>잘못입력했거나</a:t>
+                      </a:r>
+                      <a:r>
+                        <a:rPr lang="ko-KR" altLang="en-US" sz="1800" kern="1200" dirty="0">
+                          <a:solidFill>
+                            <a:schemeClr val="tx1">
+                              <a:lumMod val="85000"/>
+                              <a:lumOff val="15000"/>
+                            </a:schemeClr>
+                          </a:solidFill>
+                          <a:effectLst/>
+                          <a:latin typeface="배달의민족 도현" pitchFamily="50" charset="-127"/>
+                          <a:ea typeface="배달의민족 도현" pitchFamily="50" charset="-127"/>
+                          <a:cs typeface="+mn-cs"/>
+                        </a:rPr>
+                        <a:t> 등록되지 않은 아이디 입니다</a:t>
+                      </a:r>
+                      <a:r>
+                        <a:rPr lang="en-US" altLang="ko-KR" sz="1800" kern="1200" dirty="0">
+                          <a:solidFill>
+                            <a:schemeClr val="tx1">
+                              <a:lumMod val="85000"/>
+                              <a:lumOff val="15000"/>
+                            </a:schemeClr>
+                          </a:solidFill>
+                          <a:effectLst/>
+                          <a:latin typeface="배달의민족 도현" pitchFamily="50" charset="-127"/>
+                          <a:ea typeface="배달의민족 도현" pitchFamily="50" charset="-127"/>
+                          <a:cs typeface="+mn-cs"/>
+                        </a:rPr>
+                        <a:t>.”</a:t>
+                      </a:r>
+                      <a:r>
+                        <a:rPr lang="ko-KR" altLang="en-US" sz="1800" kern="1200" dirty="0">
+                          <a:solidFill>
+                            <a:schemeClr val="tx1">
+                              <a:lumMod val="85000"/>
+                              <a:lumOff val="15000"/>
+                            </a:schemeClr>
+                          </a:solidFill>
+                          <a:effectLst/>
+                          <a:latin typeface="배달의민족 도현" pitchFamily="50" charset="-127"/>
+                          <a:ea typeface="배달의민족 도현" pitchFamily="50" charset="-127"/>
+                          <a:cs typeface="+mn-cs"/>
+                        </a:rPr>
+                        <a:t>메시지 출력</a:t>
+                      </a:r>
                     </a:p>
                   </a:txBody>
-                  <a:tcPr marL="44436" marR="44436" marT="12198" marB="12198"/>
-                </a:tc>
-                <a:tc>
-                  <a:txBody>
-                    <a:bodyPr/>
-                    <a:lstStyle/>
-                    <a:p>
-                      <a:pPr algn="just" latinLnBrk="1">
-                        <a:lnSpc>
-                          <a:spcPct val="100000"/>
-                        </a:lnSpc>
-                        <a:spcAft>
-                          <a:spcPts val="0"/>
-                        </a:spcAft>
-                      </a:pPr>
-                      <a:r>
-                        <a:rPr lang="en-US" sz="1400" kern="100" dirty="0">
-                          <a:effectLst/>
-                        </a:rPr>
-                        <a:t> </a:t>
-                      </a:r>
-                      <a:endParaRPr lang="ko-KR" sz="1400" kern="100" dirty="0">
-                        <a:solidFill>
-                          <a:srgbClr val="000000"/>
-                        </a:solidFill>
-                        <a:effectLst/>
-                        <a:latin typeface="맑은 고딕" panose="020B0503020000020004" pitchFamily="50" charset="-127"/>
-                        <a:ea typeface="맑은 고딕" panose="020B0503020000020004" pitchFamily="50" charset="-127"/>
-                        <a:cs typeface="Times New Roman" panose="02020603050405020304" pitchFamily="18" charset="0"/>
-                      </a:endParaRPr>
-                    </a:p>
-                  </a:txBody>
-                  <a:tcPr marL="44436" marR="44436" marT="12198" marB="12198"/>
+                  <a:tcPr/>
                 </a:tc>
                 <a:extLst>
                   <a:ext uri="{0D108BD9-81ED-4DB2-BD59-A6C34878D82A}">
-                    <a16:rowId xmlns:a16="http://schemas.microsoft.com/office/drawing/2014/main" val="3994741471"/>
+                    <a16:rowId xmlns:a16="http://schemas.microsoft.com/office/drawing/2014/main" val="994516010"/>
                   </a:ext>
                 </a:extLst>
               </a:tr>
@@ -31433,7 +28975,7 @@
     </p:spTree>
     <p:extLst>
       <p:ext uri="{BB962C8B-B14F-4D97-AF65-F5344CB8AC3E}">
-        <p14:creationId xmlns:p14="http://schemas.microsoft.com/office/powerpoint/2010/main" val="3725965654"/>
+        <p14:creationId xmlns:p14="http://schemas.microsoft.com/office/powerpoint/2010/main" val="508042728"/>
       </p:ext>
     </p:extLst>
   </p:cSld>
@@ -31464,7 +29006,7 @@
                             </p:stCondLst>
                             <p:childTnLst>
                               <p:par>
-                                <p:cTn id="5" presetID="16" presetClass="entr" presetSubtype="21" fill="hold" nodeType="afterEffect">
+                                <p:cTn id="5" presetID="42" presetClass="entr" presetSubtype="0" fill="hold" nodeType="afterEffect">
                                   <p:stCondLst>
                                     <p:cond delay="0"/>
                                   </p:stCondLst>
@@ -31477,7 +29019,7 @@
                                           </p:stCondLst>
                                         </p:cTn>
                                         <p:tgtEl>
-                                          <p:spTgt spid="4"/>
+                                          <p:spTgt spid="12"/>
                                         </p:tgtEl>
                                         <p:attrNameLst>
                                           <p:attrName>style.visibility</p:attrName>
@@ -31487,14 +29029,60 @@
                                         <p:strVal val="visible"/>
                                       </p:to>
                                     </p:set>
-                                    <p:animEffect transition="in" filter="barn(inVertical)">
+                                    <p:animEffect transition="in" filter="fade">
                                       <p:cBhvr>
-                                        <p:cTn id="7" dur="500"/>
+                                        <p:cTn id="7" dur="1000"/>
                                         <p:tgtEl>
-                                          <p:spTgt spid="4"/>
+                                          <p:spTgt spid="12"/>
                                         </p:tgtEl>
                                       </p:cBhvr>
                                     </p:animEffect>
+                                    <p:anim calcmode="lin" valueType="num">
+                                      <p:cBhvr>
+                                        <p:cTn id="8" dur="1000" fill="hold"/>
+                                        <p:tgtEl>
+                                          <p:spTgt spid="12"/>
+                                        </p:tgtEl>
+                                        <p:attrNameLst>
+                                          <p:attrName>ppt_x</p:attrName>
+                                        </p:attrNameLst>
+                                      </p:cBhvr>
+                                      <p:tavLst>
+                                        <p:tav tm="0">
+                                          <p:val>
+                                            <p:strVal val="#ppt_x"/>
+                                          </p:val>
+                                        </p:tav>
+                                        <p:tav tm="100000">
+                                          <p:val>
+                                            <p:strVal val="#ppt_x"/>
+                                          </p:val>
+                                        </p:tav>
+                                      </p:tavLst>
+                                    </p:anim>
+                                    <p:anim calcmode="lin" valueType="num">
+                                      <p:cBhvr>
+                                        <p:cTn id="9" dur="1000" fill="hold"/>
+                                        <p:tgtEl>
+                                          <p:spTgt spid="12"/>
+                                        </p:tgtEl>
+                                        <p:attrNameLst>
+                                          <p:attrName>ppt_y</p:attrName>
+                                        </p:attrNameLst>
+                                      </p:cBhvr>
+                                      <p:tavLst>
+                                        <p:tav tm="0">
+                                          <p:val>
+                                            <p:strVal val="#ppt_y+.1"/>
+                                          </p:val>
+                                        </p:tav>
+                                        <p:tav tm="100000">
+                                          <p:val>
+                                            <p:strVal val="#ppt_y"/>
+                                          </p:val>
+                                        </p:tav>
+                                      </p:tavLst>
+                                    </p:anim>
                                   </p:childTnLst>
                                 </p:cTn>
                               </p:par>

--- a/Presentation/2uzuBook _1011.pptx
+++ b/Presentation/2uzuBook _1011.pptx
@@ -2355,10 +2355,10 @@
                 <a:ea typeface="+mn-ea"/>
                 <a:cs typeface="+mn-cs"/>
               </a:rPr>
-              <a:t> 작성하라는 진로 선생님</a:t>
-            </a:r>
-            <a:r>
-              <a:rPr lang="en-US" altLang="ko-KR" sz="1200" b="0" i="0" kern="1200" dirty="0">
+              <a:t> </a:t>
+            </a:r>
+            <a:r>
+              <a:rPr lang="ko-KR" altLang="en-US" sz="1200" b="0" i="0" kern="1200" dirty="0" err="1">
                 <a:solidFill>
                   <a:schemeClr val="tx1"/>
                 </a:solidFill>
@@ -2367,7 +2367,19 @@
                 <a:ea typeface="+mn-ea"/>
                 <a:cs typeface="+mn-cs"/>
               </a:rPr>
-              <a:t>…</a:t>
+              <a:t>작성해야합니다</a:t>
+            </a:r>
+            <a:r>
+              <a:rPr lang="en-US" altLang="ko-KR" sz="1200" b="0" i="0" kern="1200" dirty="0">
+                <a:solidFill>
+                  <a:schemeClr val="tx1"/>
+                </a:solidFill>
+                <a:effectLst/>
+                <a:latin typeface="+mn-lt"/>
+                <a:ea typeface="+mn-ea"/>
+                <a:cs typeface="+mn-cs"/>
+              </a:rPr>
+              <a:t>.</a:t>
             </a:r>
           </a:p>
           <a:p>
@@ -2498,7 +2510,7 @@
                 <a:ea typeface="+mn-ea"/>
                 <a:cs typeface="+mn-cs"/>
               </a:rPr>
-              <a:t>진로선생님께서 새로운 </a:t>
+              <a:t>이번에는 심지어 새로운 </a:t>
             </a:r>
             <a:r>
               <a:rPr lang="ko-KR" altLang="en-US" sz="1200" b="0" i="0" kern="1200" dirty="0" err="1">
@@ -2802,6 +2814,19 @@
               </a:rPr>
               <a:t>, </a:t>
             </a:r>
+          </a:p>
+          <a:p>
+            <a:endParaRPr lang="en-US" altLang="ko-KR" sz="1200" b="0" i="0" kern="1200" dirty="0">
+              <a:solidFill>
+                <a:schemeClr val="tx1"/>
+              </a:solidFill>
+              <a:effectLst/>
+              <a:latin typeface="+mn-lt"/>
+              <a:ea typeface="+mn-ea"/>
+              <a:cs typeface="+mn-cs"/>
+            </a:endParaRPr>
+          </a:p>
+          <a:p>
             <a:r>
               <a:rPr lang="ko-KR" altLang="en-US" sz="1200" b="0" i="0" kern="1200" dirty="0">
                 <a:solidFill>
@@ -2850,6 +2875,19 @@
               </a:rPr>
               <a:t>. </a:t>
             </a:r>
+          </a:p>
+          <a:p>
+            <a:endParaRPr lang="en-US" altLang="ko-KR" sz="1200" b="0" i="0" kern="1200" dirty="0">
+              <a:solidFill>
+                <a:schemeClr val="tx1"/>
+              </a:solidFill>
+              <a:effectLst/>
+              <a:latin typeface="+mn-lt"/>
+              <a:ea typeface="+mn-ea"/>
+              <a:cs typeface="+mn-cs"/>
+            </a:endParaRPr>
+          </a:p>
+          <a:p>
             <a:r>
               <a:rPr lang="ko-KR" altLang="en-US" sz="1200" b="0" i="0" kern="1200" dirty="0">
                 <a:solidFill>
@@ -2923,7 +2961,7 @@
               <a:t>, </a:t>
             </a:r>
             <a:r>
-              <a:rPr lang="ko-KR" altLang="en-US" sz="1200" b="0" i="0" kern="1200" dirty="0" err="1">
+              <a:rPr lang="ko-KR" altLang="en-US" sz="1200" b="0" i="0" kern="1200" dirty="0">
                 <a:solidFill>
                   <a:schemeClr val="tx1"/>
                 </a:solidFill>
@@ -2932,10 +2970,10 @@
                 <a:ea typeface="+mn-ea"/>
                 <a:cs typeface="+mn-cs"/>
               </a:rPr>
-              <a:t>종이절약</a:t>
-            </a:r>
-            <a:r>
-              <a:rPr lang="ko-KR" altLang="en-US" sz="1200" b="0" i="0" kern="1200" dirty="0">
+              <a:t>종이절약 및 홍보가 </a:t>
+            </a:r>
+            <a:r>
+              <a:rPr lang="ko-KR" altLang="en-US" sz="1200" b="0" i="0" kern="1200" dirty="0" err="1">
                 <a:solidFill>
                   <a:schemeClr val="tx1"/>
                 </a:solidFill>
@@ -2944,10 +2982,10 @@
                 <a:ea typeface="+mn-ea"/>
                 <a:cs typeface="+mn-cs"/>
               </a:rPr>
-              <a:t> 및 홍보가 </a:t>
-            </a:r>
-            <a:r>
-              <a:rPr lang="ko-KR" altLang="en-US" sz="1200" b="0" i="0" kern="1200" dirty="0" err="1">
+              <a:t>훨</a:t>
+            </a:r>
+            <a:r>
+              <a:rPr lang="ko-KR" altLang="en-US" sz="1200" b="0" i="0" kern="1200" dirty="0">
                 <a:solidFill>
                   <a:schemeClr val="tx1"/>
                 </a:solidFill>
@@ -2956,8 +2994,30 @@
                 <a:ea typeface="+mn-ea"/>
                 <a:cs typeface="+mn-cs"/>
               </a:rPr>
-              <a:t>훨</a:t>
-            </a:r>
+              <a:t> 쉬워지면서 </a:t>
+            </a:r>
+            <a:endParaRPr lang="en-US" altLang="ko-KR" sz="1200" b="0" i="0" kern="1200" dirty="0">
+              <a:solidFill>
+                <a:schemeClr val="tx1"/>
+              </a:solidFill>
+              <a:effectLst/>
+              <a:latin typeface="+mn-lt"/>
+              <a:ea typeface="+mn-ea"/>
+              <a:cs typeface="+mn-cs"/>
+            </a:endParaRPr>
+          </a:p>
+          <a:p>
+            <a:endParaRPr lang="en-US" altLang="ko-KR" sz="1200" b="0" i="0" kern="1200" dirty="0">
+              <a:solidFill>
+                <a:schemeClr val="tx1"/>
+              </a:solidFill>
+              <a:effectLst/>
+              <a:latin typeface="+mn-lt"/>
+              <a:ea typeface="+mn-ea"/>
+              <a:cs typeface="+mn-cs"/>
+            </a:endParaRPr>
+          </a:p>
+          <a:p>
             <a:r>
               <a:rPr lang="ko-KR" altLang="en-US" sz="1200" b="0" i="0" kern="1200" dirty="0">
                 <a:solidFill>
@@ -2968,7 +3028,7 @@
                 <a:ea typeface="+mn-ea"/>
                 <a:cs typeface="+mn-cs"/>
               </a:rPr>
-              <a:t> 쉬워지면서 회사는 자신들에게 맞는 인재를 빠르게 찾을 수 있습니다</a:t>
+              <a:t>회사는 자신들에게 맞는 인재를 빠르게 찾을 수 있습니다</a:t>
             </a:r>
             <a:r>
               <a:rPr lang="en-US" altLang="ko-KR" sz="1200" b="0" i="0" kern="1200" dirty="0">
@@ -3675,7 +3735,7 @@
           <a:lstStyle/>
           <a:p>
             <a:r>
-              <a:rPr lang="en-US" altLang="ko-KR" sz="1200" b="0" i="0" kern="1200" dirty="0">
+              <a:rPr lang="ko-KR" altLang="en-US" sz="1200" b="0" i="0" kern="1200" dirty="0">
                 <a:solidFill>
                   <a:schemeClr val="tx1"/>
                 </a:solidFill>
@@ -3684,10 +3744,10 @@
                 <a:ea typeface="+mn-ea"/>
                 <a:cs typeface="+mn-cs"/>
               </a:rPr>
-              <a:t>20. </a:t>
-            </a:r>
-            <a:r>
-              <a:rPr lang="ko-KR" altLang="en-US" sz="1200" b="0" i="0" kern="1200" dirty="0">
+              <a:t>브레인스토밍 </a:t>
+            </a:r>
+            <a:r>
+              <a:rPr lang="ko-KR" altLang="en-US" sz="1200" b="0" i="0" kern="1200" dirty="0" err="1">
                 <a:solidFill>
                   <a:schemeClr val="tx1"/>
                 </a:solidFill>
@@ -3696,10 +3756,10 @@
                 <a:ea typeface="+mn-ea"/>
                 <a:cs typeface="+mn-cs"/>
               </a:rPr>
-              <a:t>처음 저희가 이 프로젝트를 </a:t>
-            </a:r>
-            <a:r>
-              <a:rPr lang="ko-KR" altLang="en-US" sz="1200" b="0" i="0" kern="1200" dirty="0" err="1">
+              <a:t>결과고</a:t>
+            </a:r>
+            <a:r>
+              <a:rPr lang="en-US" altLang="ko-KR" sz="1200" b="0" i="0" kern="1200" dirty="0">
                 <a:solidFill>
                   <a:schemeClr val="tx1"/>
                 </a:solidFill>
@@ -3708,7 +3768,7 @@
                 <a:ea typeface="+mn-ea"/>
                 <a:cs typeface="+mn-cs"/>
               </a:rPr>
-              <a:t>계획할때</a:t>
+              <a:t> </a:t>
             </a:r>
             <a:r>
               <a:rPr lang="ko-KR" altLang="en-US" sz="1200" b="0" i="0" kern="1200" dirty="0">
@@ -3720,10 +3780,10 @@
                 <a:ea typeface="+mn-ea"/>
                 <a:cs typeface="+mn-cs"/>
               </a:rPr>
-              <a:t> 도출한 요구사항으로는 </a:t>
-            </a:r>
-            <a:r>
-              <a:rPr lang="en-US" altLang="ko-KR" sz="1200" b="0" i="0" kern="1200" dirty="0">
+              <a:t>처음 저희가 이 프로젝트를 </a:t>
+            </a:r>
+            <a:r>
+              <a:rPr lang="ko-KR" altLang="en-US" sz="1200" b="0" i="0" kern="1200" dirty="0" err="1">
                 <a:solidFill>
                   <a:schemeClr val="tx1"/>
                 </a:solidFill>
@@ -3732,7 +3792,7 @@
                 <a:ea typeface="+mn-ea"/>
                 <a:cs typeface="+mn-cs"/>
               </a:rPr>
-              <a:t>19</a:t>
+              <a:t>계획할때</a:t>
             </a:r>
             <a:r>
               <a:rPr lang="ko-KR" altLang="en-US" sz="1200" b="0" i="0" kern="1200" dirty="0">
@@ -3744,10 +3804,10 @@
                 <a:ea typeface="+mn-ea"/>
                 <a:cs typeface="+mn-cs"/>
               </a:rPr>
-              <a:t>가지가 나왔는데요 </a:t>
-            </a:r>
-            <a:r>
-              <a:rPr lang="ko-KR" altLang="en-US" sz="1200" b="0" i="0" kern="1200" dirty="0" err="1">
+              <a:t> 도출한 요구사항입니다</a:t>
+            </a:r>
+            <a:r>
+              <a:rPr lang="en-US" altLang="ko-KR" sz="1200" b="0" i="0" kern="1200" dirty="0">
                 <a:solidFill>
                   <a:schemeClr val="tx1"/>
                 </a:solidFill>
@@ -3756,10 +3816,23 @@
                 <a:ea typeface="+mn-ea"/>
                 <a:cs typeface="+mn-cs"/>
               </a:rPr>
-              <a:t>몇몇개의</a:t>
-            </a:r>
-            <a:r>
-              <a:rPr lang="ko-KR" altLang="en-US" sz="1200" b="0" i="0" kern="1200" dirty="0">
+              <a:t>.</a:t>
+            </a:r>
+          </a:p>
+          <a:p>
+            <a:endParaRPr lang="en-US" altLang="ko-KR" sz="1200" b="0" i="0" kern="1200" dirty="0">
+              <a:solidFill>
+                <a:schemeClr val="tx1"/>
+              </a:solidFill>
+              <a:effectLst/>
+              <a:latin typeface="+mn-lt"/>
+              <a:ea typeface="+mn-ea"/>
+              <a:cs typeface="+mn-cs"/>
+            </a:endParaRPr>
+          </a:p>
+          <a:p>
+            <a:r>
+              <a:rPr lang="en-US" altLang="ko-KR" sz="1200" b="0" i="0" kern="1200" dirty="0">
                 <a:solidFill>
                   <a:schemeClr val="tx1"/>
                 </a:solidFill>
@@ -3768,10 +3841,10 @@
                 <a:ea typeface="+mn-ea"/>
                 <a:cs typeface="+mn-cs"/>
               </a:rPr>
-              <a:t> 중요한 것만 </a:t>
-            </a:r>
-            <a:r>
-              <a:rPr lang="ko-KR" altLang="en-US" sz="1200" b="0" i="0" kern="1200" dirty="0" err="1">
+              <a:t> </a:t>
+            </a:r>
+            <a:r>
+              <a:rPr lang="ko-KR" altLang="en-US" sz="1200" b="0" i="0" kern="1200" dirty="0">
                 <a:solidFill>
                   <a:schemeClr val="tx1"/>
                 </a:solidFill>
@@ -3780,10 +3853,10 @@
                 <a:ea typeface="+mn-ea"/>
                 <a:cs typeface="+mn-cs"/>
               </a:rPr>
-              <a:t>읽자면</a:t>
-            </a:r>
-            <a:r>
-              <a:rPr lang="ko-KR" altLang="en-US" sz="1200" b="0" i="0" kern="1200" dirty="0">
+              <a:t>이중에서 꼭 필요하지 않은 요구와 필요 없는 요구를 제외하여 꼭 필요한 요구인 이것들을 실제로 개발하였습니다</a:t>
+            </a:r>
+            <a:r>
+              <a:rPr lang="en-US" altLang="ko-KR" sz="1200" b="0" i="0" kern="1200" dirty="0">
                 <a:solidFill>
                   <a:schemeClr val="tx1"/>
                 </a:solidFill>
@@ -3792,44 +3865,21 @@
                 <a:ea typeface="+mn-ea"/>
                 <a:cs typeface="+mn-cs"/>
               </a:rPr>
-              <a:t> </a:t>
-            </a:r>
-            <a:r>
-              <a:rPr lang="en-US" altLang="ko-KR" sz="1200" b="0" i="0" kern="1200" dirty="0">
-                <a:solidFill>
-                  <a:schemeClr val="tx1"/>
-                </a:solidFill>
-                <a:effectLst/>
-                <a:latin typeface="+mn-lt"/>
-                <a:ea typeface="+mn-ea"/>
-                <a:cs typeface="+mn-cs"/>
-              </a:rPr>
-              <a:t>(</a:t>
-            </a:r>
-            <a:r>
-              <a:rPr lang="ko-KR" altLang="en-US" sz="1200" b="0" i="0" kern="1200" dirty="0">
-                <a:solidFill>
-                  <a:schemeClr val="tx1"/>
-                </a:solidFill>
-                <a:effectLst/>
-                <a:latin typeface="+mn-lt"/>
-                <a:ea typeface="+mn-ea"/>
-                <a:cs typeface="+mn-cs"/>
-              </a:rPr>
-              <a:t>읽어주기</a:t>
-            </a:r>
-            <a:r>
-              <a:rPr lang="en-US" altLang="ko-KR" sz="1200" b="0" i="0" kern="1200" dirty="0">
-                <a:solidFill>
-                  <a:schemeClr val="tx1"/>
-                </a:solidFill>
-                <a:effectLst/>
-                <a:latin typeface="+mn-lt"/>
-                <a:ea typeface="+mn-ea"/>
-                <a:cs typeface="+mn-cs"/>
-              </a:rPr>
-              <a:t>)</a:t>
-            </a:r>
+              <a:t>.</a:t>
+            </a:r>
+          </a:p>
+          <a:p>
+            <a:endParaRPr lang="en-US" altLang="ko-KR" sz="1200" b="0" i="0" kern="1200" dirty="0">
+              <a:solidFill>
+                <a:schemeClr val="tx1"/>
+              </a:solidFill>
+              <a:effectLst/>
+              <a:latin typeface="+mn-lt"/>
+              <a:ea typeface="+mn-ea"/>
+              <a:cs typeface="+mn-cs"/>
+            </a:endParaRPr>
+          </a:p>
+          <a:p>
             <a:endParaRPr lang="ko-KR" altLang="en-US" dirty="0"/>
           </a:p>
         </p:txBody>
@@ -15890,7 +15940,7 @@
         </p:blipFill>
         <p:spPr bwMode="auto">
           <a:xfrm>
-            <a:off x="2752166" y="1459175"/>
+            <a:off x="2663655" y="1089843"/>
             <a:ext cx="8753859" cy="5012150"/>
           </a:xfrm>
           <a:prstGeom prst="rect">
@@ -24532,7 +24582,7 @@
                 <a:latin typeface="배달의민족 도현" pitchFamily="50" charset="-127"/>
                 <a:ea typeface="배달의민족 도현" pitchFamily="50" charset="-127"/>
               </a:rPr>
-              <a:t> 실시간 수정기능</a:t>
+              <a:t> 실시간 작성기능</a:t>
             </a:r>
           </a:p>
           <a:p>
@@ -24541,7 +24591,7 @@
               <a:buAutoNum type="arabicPeriod"/>
             </a:pPr>
             <a:r>
-              <a:rPr lang="ko-KR" altLang="en-US" sz="1800" dirty="0">
+              <a:rPr lang="ko-KR" altLang="en-US" sz="1800" b="1" dirty="0">
                 <a:solidFill>
                   <a:schemeClr val="tx1">
                     <a:lumMod val="85000"/>
@@ -24609,7 +24659,7 @@
                 <a:latin typeface="배달의민족 도현" pitchFamily="50" charset="-127"/>
                 <a:ea typeface="배달의민족 도현" pitchFamily="50" charset="-127"/>
               </a:rPr>
-              <a:t>검색 기능 및 고급검색 기능</a:t>
+              <a:t>검색 기능 </a:t>
             </a:r>
             <a:r>
               <a:rPr lang="en-US" altLang="ko-KR" sz="1800" b="1" dirty="0">
@@ -24764,7 +24814,7 @@
               <a:buNone/>
             </a:pPr>
             <a:r>
-              <a:rPr lang="en-US" altLang="ko-KR" sz="1800" dirty="0">
+              <a:rPr lang="en-US" altLang="ko-KR" sz="1800" b="1" dirty="0">
                 <a:solidFill>
                   <a:schemeClr val="tx1">
                     <a:lumMod val="85000"/>
@@ -24777,7 +24827,7 @@
               <a:t>6.</a:t>
             </a:r>
             <a:r>
-              <a:rPr lang="ko-KR" altLang="en-US" sz="1800" dirty="0">
+              <a:rPr lang="ko-KR" altLang="en-US" sz="1800" b="1" dirty="0">
                 <a:solidFill>
                   <a:schemeClr val="tx1">
                     <a:lumMod val="85000"/>
@@ -24790,7 +24840,7 @@
               <a:t>   </a:t>
             </a:r>
             <a:r>
-              <a:rPr lang="ko-KR" altLang="en-US" sz="1800" dirty="0" err="1">
+              <a:rPr lang="ko-KR" altLang="en-US" sz="1800" b="1" dirty="0" err="1">
                 <a:solidFill>
                   <a:schemeClr val="tx1">
                     <a:lumMod val="85000"/>
@@ -24803,7 +24853,7 @@
               <a:t>레주메를</a:t>
             </a:r>
             <a:r>
-              <a:rPr lang="ko-KR" altLang="en-US" sz="1800" dirty="0">
+              <a:rPr lang="ko-KR" altLang="en-US" sz="1800" b="1" dirty="0">
                 <a:solidFill>
                   <a:schemeClr val="tx1">
                     <a:lumMod val="85000"/>
@@ -25117,7 +25167,7 @@
               <a:buNone/>
             </a:pPr>
             <a:r>
-              <a:rPr lang="en-US" altLang="ko-KR" sz="1800" b="1" dirty="0">
+              <a:rPr lang="en-US" altLang="ko-KR" sz="1800" dirty="0">
                 <a:solidFill>
                   <a:schemeClr val="tx1">
                     <a:lumMod val="85000"/>
@@ -25130,7 +25180,7 @@
               <a:t>12.  </a:t>
             </a:r>
             <a:r>
-              <a:rPr lang="ko-KR" altLang="en-US" sz="1800" b="1" dirty="0">
+              <a:rPr lang="ko-KR" altLang="en-US" sz="1800" dirty="0">
                 <a:solidFill>
                   <a:schemeClr val="tx1">
                     <a:lumMod val="85000"/>
@@ -25141,116 +25191,6 @@
                 <a:ea typeface="배달의민족 도현" pitchFamily="50" charset="-127"/>
               </a:rPr>
               <a:t>회사 사용자 로그인 시 시리얼</a:t>
-            </a:r>
-            <a:endParaRPr lang="en-US" altLang="ko-KR" sz="1800" b="1" dirty="0">
-              <a:solidFill>
-                <a:schemeClr val="tx1">
-                  <a:lumMod val="85000"/>
-                  <a:lumOff val="15000"/>
-                </a:schemeClr>
-              </a:solidFill>
-              <a:latin typeface="배달의민족 도현" pitchFamily="50" charset="-127"/>
-              <a:ea typeface="배달의민족 도현" pitchFamily="50" charset="-127"/>
-            </a:endParaRPr>
-          </a:p>
-          <a:p>
-            <a:pPr marL="0" indent="0" fontAlgn="base">
-              <a:buNone/>
-            </a:pPr>
-            <a:r>
-              <a:rPr lang="ko-KR" altLang="en-US" sz="1800" b="1" dirty="0">
-                <a:solidFill>
-                  <a:schemeClr val="tx1">
-                    <a:lumMod val="85000"/>
-                    <a:lumOff val="15000"/>
-                  </a:schemeClr>
-                </a:solidFill>
-                <a:latin typeface="배달의민족 도현" pitchFamily="50" charset="-127"/>
-                <a:ea typeface="배달의민족 도현" pitchFamily="50" charset="-127"/>
-              </a:rPr>
-              <a:t>키를 제공하여 해당 분야의</a:t>
-            </a:r>
-            <a:endParaRPr lang="en-US" altLang="ko-KR" sz="1800" b="1" dirty="0">
-              <a:solidFill>
-                <a:schemeClr val="tx1">
-                  <a:lumMod val="85000"/>
-                  <a:lumOff val="15000"/>
-                </a:schemeClr>
-              </a:solidFill>
-              <a:latin typeface="배달의민족 도현" pitchFamily="50" charset="-127"/>
-              <a:ea typeface="배달의민족 도현" pitchFamily="50" charset="-127"/>
-            </a:endParaRPr>
-          </a:p>
-          <a:p>
-            <a:pPr marL="0" indent="0" fontAlgn="base">
-              <a:buNone/>
-            </a:pPr>
-            <a:r>
-              <a:rPr lang="ko-KR" altLang="en-US" sz="1800" b="1" dirty="0">
-                <a:solidFill>
-                  <a:schemeClr val="tx1">
-                    <a:lumMod val="85000"/>
-                    <a:lumOff val="15000"/>
-                  </a:schemeClr>
-                </a:solidFill>
-                <a:latin typeface="배달의민족 도현" pitchFamily="50" charset="-127"/>
-                <a:ea typeface="배달의민족 도현" pitchFamily="50" charset="-127"/>
-              </a:rPr>
-              <a:t>학생들의 </a:t>
-            </a:r>
-            <a:r>
-              <a:rPr lang="ko-KR" altLang="en-US" sz="1800" b="1" dirty="0" err="1">
-                <a:solidFill>
-                  <a:schemeClr val="tx1">
-                    <a:lumMod val="85000"/>
-                    <a:lumOff val="15000"/>
-                  </a:schemeClr>
-                </a:solidFill>
-                <a:latin typeface="배달의민족 도현" pitchFamily="50" charset="-127"/>
-                <a:ea typeface="배달의민족 도현" pitchFamily="50" charset="-127"/>
-              </a:rPr>
-              <a:t>레주메</a:t>
-            </a:r>
-            <a:r>
-              <a:rPr lang="ko-KR" altLang="en-US" sz="1800" b="1" dirty="0">
-                <a:solidFill>
-                  <a:schemeClr val="tx1">
-                    <a:lumMod val="85000"/>
-                    <a:lumOff val="15000"/>
-                  </a:schemeClr>
-                </a:solidFill>
-                <a:latin typeface="배달의민족 도현" pitchFamily="50" charset="-127"/>
-                <a:ea typeface="배달의민족 도현" pitchFamily="50" charset="-127"/>
-              </a:rPr>
-              <a:t> 목록을 보여주는 기능</a:t>
-            </a:r>
-            <a:endParaRPr lang="en-US" altLang="ko-KR" sz="1800" b="1" dirty="0">
-              <a:solidFill>
-                <a:schemeClr val="tx1">
-                  <a:lumMod val="85000"/>
-                  <a:lumOff val="15000"/>
-                </a:schemeClr>
-              </a:solidFill>
-              <a:latin typeface="배달의민족 도현" pitchFamily="50" charset="-127"/>
-              <a:ea typeface="배달의민족 도현" pitchFamily="50" charset="-127"/>
-            </a:endParaRPr>
-          </a:p>
-          <a:p>
-            <a:pPr marL="342900" indent="-342900" fontAlgn="base">
-              <a:buAutoNum type="arabicPeriod" startAt="13"/>
-            </a:pPr>
-            <a:r>
-              <a:rPr lang="ko-KR" altLang="en-US" sz="1800" dirty="0">
-                <a:solidFill>
-                  <a:schemeClr val="tx1">
-                    <a:lumMod val="85000"/>
-                    <a:lumOff val="15000"/>
-                  </a:schemeClr>
-                </a:solidFill>
-                <a:latin typeface="배달의민족 도현" pitchFamily="50" charset="-127"/>
-                <a:ea typeface="배달의민족 도현" pitchFamily="50" charset="-127"/>
-              </a:rPr>
-              <a:t> 회사 사용자가 관심이 있는</a:t>
             </a:r>
             <a:endParaRPr lang="en-US" altLang="ko-KR" sz="1800" dirty="0">
               <a:solidFill>
@@ -25278,15 +25218,25 @@
                 <a:latin typeface="배달의민족 도현" pitchFamily="50" charset="-127"/>
                 <a:ea typeface="배달의민족 도현" pitchFamily="50" charset="-127"/>
               </a:rPr>
-              <a:t> 사용자에게 관심 목록에 저장하는 기능</a:t>
-            </a:r>
+              <a:t>키를 제공하여 해당 분야의</a:t>
+            </a:r>
+            <a:endParaRPr lang="en-US" altLang="ko-KR" sz="1800" dirty="0">
+              <a:solidFill>
+                <a:schemeClr val="tx1">
+                  <a:lumMod val="85000"/>
+                  <a:lumOff val="15000"/>
+                </a:schemeClr>
+              </a:solidFill>
+              <a:latin typeface="배달의민족 도현" pitchFamily="50" charset="-127"/>
+              <a:ea typeface="배달의민족 도현" pitchFamily="50" charset="-127"/>
+            </a:endParaRPr>
           </a:p>
           <a:p>
             <a:pPr marL="0" indent="0" fontAlgn="base">
               <a:buNone/>
             </a:pPr>
             <a:r>
-              <a:rPr lang="en-US" altLang="ko-KR" sz="1800" dirty="0">
+              <a:rPr lang="ko-KR" altLang="en-US" sz="1800" dirty="0">
                 <a:solidFill>
                   <a:schemeClr val="tx1">
                     <a:lumMod val="85000"/>
@@ -25296,10 +25246,10 @@
                 <a:latin typeface="배달의민족 도현" pitchFamily="50" charset="-127"/>
                 <a:ea typeface="배달의민족 도현" pitchFamily="50" charset="-127"/>
               </a:rPr>
-              <a:t>14.  </a:t>
-            </a:r>
-            <a:r>
-              <a:rPr lang="ko-KR" altLang="en-US" sz="1800" dirty="0">
+              <a:t>학생들의 </a:t>
+            </a:r>
+            <a:r>
+              <a:rPr lang="ko-KR" altLang="en-US" sz="1800" dirty="0" err="1">
                 <a:solidFill>
                   <a:schemeClr val="tx1">
                     <a:lumMod val="85000"/>
@@ -25309,15 +25259,10 @@
                 <a:latin typeface="배달의민족 도현" pitchFamily="50" charset="-127"/>
                 <a:ea typeface="배달의민족 도현" pitchFamily="50" charset="-127"/>
               </a:rPr>
-              <a:t>참여한 대회를 등록하는 기능</a:t>
-            </a:r>
-          </a:p>
-          <a:p>
-            <a:pPr marL="0" indent="0" fontAlgn="base">
-              <a:buNone/>
-            </a:pPr>
-            <a:r>
-              <a:rPr lang="en-US" altLang="ko-KR" sz="1800" dirty="0">
+              <a:t>레주메</a:t>
+            </a:r>
+            <a:r>
+              <a:rPr lang="ko-KR" altLang="en-US" sz="1800" dirty="0">
                 <a:solidFill>
                   <a:schemeClr val="tx1">
                     <a:lumMod val="85000"/>
@@ -25327,8 +25272,23 @@
                 <a:latin typeface="배달의민족 도현" pitchFamily="50" charset="-127"/>
                 <a:ea typeface="배달의민족 도현" pitchFamily="50" charset="-127"/>
               </a:rPr>
-              <a:t>15.</a:t>
-            </a:r>
+              <a:t> 목록을 보여주는 기능</a:t>
+            </a:r>
+            <a:endParaRPr lang="en-US" altLang="ko-KR" sz="1800" dirty="0">
+              <a:solidFill>
+                <a:schemeClr val="tx1">
+                  <a:lumMod val="85000"/>
+                  <a:lumOff val="15000"/>
+                </a:schemeClr>
+              </a:solidFill>
+              <a:latin typeface="배달의민족 도현" pitchFamily="50" charset="-127"/>
+              <a:ea typeface="배달의민족 도현" pitchFamily="50" charset="-127"/>
+            </a:endParaRPr>
+          </a:p>
+          <a:p>
+            <a:pPr marL="342900" indent="-342900" fontAlgn="base">
+              <a:buAutoNum type="arabicPeriod" startAt="13"/>
+            </a:pPr>
             <a:r>
               <a:rPr lang="ko-KR" altLang="en-US" sz="1800" dirty="0">
                 <a:solidFill>
@@ -25340,10 +25300,25 @@
                 <a:latin typeface="배달의민족 도현" pitchFamily="50" charset="-127"/>
                 <a:ea typeface="배달의민족 도현" pitchFamily="50" charset="-127"/>
               </a:rPr>
-              <a:t>  깔끔하고 쉬운 </a:t>
-            </a:r>
-            <a:r>
-              <a:rPr lang="en-US" altLang="ko-KR" sz="1800" dirty="0">
+              <a:t> 회사 사용자가 관심이 있는</a:t>
+            </a:r>
+            <a:endParaRPr lang="en-US" altLang="ko-KR" sz="1800" dirty="0">
+              <a:solidFill>
+                <a:schemeClr val="tx1">
+                  <a:lumMod val="85000"/>
+                  <a:lumOff val="15000"/>
+                </a:schemeClr>
+              </a:solidFill>
+              <a:latin typeface="배달의민족 도현" pitchFamily="50" charset="-127"/>
+              <a:ea typeface="배달의민족 도현" pitchFamily="50" charset="-127"/>
+            </a:endParaRPr>
+          </a:p>
+          <a:p>
+            <a:pPr marL="0" indent="0" fontAlgn="base">
+              <a:buNone/>
+            </a:pPr>
+            <a:r>
+              <a:rPr lang="ko-KR" altLang="en-US" sz="1800" dirty="0">
                 <a:solidFill>
                   <a:schemeClr val="tx1">
                     <a:lumMod val="85000"/>
@@ -25353,9 +25328,84 @@
                 <a:latin typeface="배달의민족 도현" pitchFamily="50" charset="-127"/>
                 <a:ea typeface="배달의민족 도현" pitchFamily="50" charset="-127"/>
               </a:rPr>
+              <a:t> 사용자에게 관심 목록에 저장하는 기능</a:t>
+            </a:r>
+          </a:p>
+          <a:p>
+            <a:pPr marL="0" indent="0" fontAlgn="base">
+              <a:buNone/>
+            </a:pPr>
+            <a:r>
+              <a:rPr lang="en-US" altLang="ko-KR" sz="1800" dirty="0">
+                <a:solidFill>
+                  <a:schemeClr val="tx1">
+                    <a:lumMod val="85000"/>
+                    <a:lumOff val="15000"/>
+                  </a:schemeClr>
+                </a:solidFill>
+                <a:latin typeface="배달의민족 도현" pitchFamily="50" charset="-127"/>
+                <a:ea typeface="배달의민족 도현" pitchFamily="50" charset="-127"/>
+              </a:rPr>
+              <a:t>14.  </a:t>
+            </a:r>
+            <a:r>
+              <a:rPr lang="ko-KR" altLang="en-US" sz="1800" dirty="0">
+                <a:solidFill>
+                  <a:schemeClr val="tx1">
+                    <a:lumMod val="85000"/>
+                    <a:lumOff val="15000"/>
+                  </a:schemeClr>
+                </a:solidFill>
+                <a:latin typeface="배달의민족 도현" pitchFamily="50" charset="-127"/>
+                <a:ea typeface="배달의민족 도현" pitchFamily="50" charset="-127"/>
+              </a:rPr>
+              <a:t>참여한 대회를 등록하는 기능</a:t>
+            </a:r>
+          </a:p>
+          <a:p>
+            <a:pPr marL="0" indent="0" fontAlgn="base">
+              <a:buNone/>
+            </a:pPr>
+            <a:r>
+              <a:rPr lang="en-US" altLang="ko-KR" sz="1800" b="1" dirty="0">
+                <a:solidFill>
+                  <a:schemeClr val="tx1">
+                    <a:lumMod val="85000"/>
+                    <a:lumOff val="15000"/>
+                  </a:schemeClr>
+                </a:solidFill>
+                <a:latin typeface="배달의민족 도현" pitchFamily="50" charset="-127"/>
+                <a:ea typeface="배달의민족 도현" pitchFamily="50" charset="-127"/>
+              </a:rPr>
+              <a:t>15.</a:t>
+            </a:r>
+            <a:r>
+              <a:rPr lang="ko-KR" altLang="en-US" sz="1800" b="1" dirty="0">
+                <a:solidFill>
+                  <a:schemeClr val="tx1">
+                    <a:lumMod val="85000"/>
+                    <a:lumOff val="15000"/>
+                  </a:schemeClr>
+                </a:solidFill>
+                <a:latin typeface="배달의민족 도현" pitchFamily="50" charset="-127"/>
+                <a:ea typeface="배달의민족 도현" pitchFamily="50" charset="-127"/>
+              </a:rPr>
+              <a:t>  깔끔하고 쉬운 </a:t>
+            </a:r>
+            <a:r>
+              <a:rPr lang="en-US" altLang="ko-KR" sz="1800" b="1" dirty="0">
+                <a:solidFill>
+                  <a:schemeClr val="tx1">
+                    <a:lumMod val="85000"/>
+                    <a:lumOff val="15000"/>
+                  </a:schemeClr>
+                </a:solidFill>
+                <a:latin typeface="배달의민족 도현" pitchFamily="50" charset="-127"/>
+                <a:ea typeface="배달의민족 도현" pitchFamily="50" charset="-127"/>
+              </a:rPr>
               <a:t>UI</a:t>
             </a:r>
-            <a:endParaRPr lang="ko-KR" altLang="en-US" sz="1800" dirty="0">
+            <a:endParaRPr lang="ko-KR" altLang="en-US" sz="1800" b="1" dirty="0">
               <a:solidFill>
                 <a:schemeClr val="tx1">
                   <a:lumMod val="85000"/>
@@ -25637,37 +25687,569 @@
                             </p:stCondLst>
                             <p:childTnLst>
                               <p:par>
-                                <p:cTn id="5" presetID="22" presetClass="entr" presetSubtype="1" fill="hold" grpId="0" nodeType="clickEffect">
+                                <p:cTn id="5" presetID="19" presetClass="emph" presetSubtype="0" fill="hold" nodeType="clickEffect">
                                   <p:stCondLst>
                                     <p:cond delay="0"/>
                                   </p:stCondLst>
                                   <p:childTnLst>
-                                    <p:set>
-                                      <p:cBhvr>
-                                        <p:cTn id="6" dur="1" fill="hold">
-                                          <p:stCondLst>
-                                            <p:cond delay="0"/>
-                                          </p:stCondLst>
-                                        </p:cTn>
+                                    <p:animClr clrSpc="rgb" dir="cw">
+                                      <p:cBhvr override="childStyle">
+                                        <p:cTn id="6" dur="500" fill="hold"/>
                                         <p:tgtEl>
-                                          <p:spTgt spid="11"/>
+                                          <p:spTgt spid="11">
+                                            <p:txEl>
+                                              <p:pRg st="0" end="0"/>
+                                            </p:txEl>
+                                          </p:spTgt>
                                         </p:tgtEl>
                                         <p:attrNameLst>
-                                          <p:attrName>style.visibility</p:attrName>
+                                          <p:attrName>style.color</p:attrName>
                                         </p:attrNameLst>
                                       </p:cBhvr>
                                       <p:to>
-                                        <p:strVal val="visible"/>
+                                        <a:schemeClr val="accent2"/>
+                                      </p:to>
+                                    </p:animClr>
+                                    <p:animClr clrSpc="rgb" dir="cw">
+                                      <p:cBhvr>
+                                        <p:cTn id="7" dur="500" fill="hold"/>
+                                        <p:tgtEl>
+                                          <p:spTgt spid="11">
+                                            <p:txEl>
+                                              <p:pRg st="0" end="0"/>
+                                            </p:txEl>
+                                          </p:spTgt>
+                                        </p:tgtEl>
+                                        <p:attrNameLst>
+                                          <p:attrName>fillcolor</p:attrName>
+                                        </p:attrNameLst>
+                                      </p:cBhvr>
+                                      <p:to>
+                                        <a:schemeClr val="accent2"/>
+                                      </p:to>
+                                    </p:animClr>
+                                    <p:set>
+                                      <p:cBhvr>
+                                        <p:cTn id="8" dur="500" fill="hold"/>
+                                        <p:tgtEl>
+                                          <p:spTgt spid="11">
+                                            <p:txEl>
+                                              <p:pRg st="0" end="0"/>
+                                            </p:txEl>
+                                          </p:spTgt>
+                                        </p:tgtEl>
+                                        <p:attrNameLst>
+                                          <p:attrName>fill.type</p:attrName>
+                                        </p:attrNameLst>
+                                      </p:cBhvr>
+                                      <p:to>
+                                        <p:strVal val="solid"/>
                                       </p:to>
                                     </p:set>
-                                    <p:animEffect transition="in" filter="wipe(up)">
+                                    <p:set>
                                       <p:cBhvr>
-                                        <p:cTn id="7" dur="500"/>
+                                        <p:cTn id="9" dur="500" fill="hold"/>
                                         <p:tgtEl>
-                                          <p:spTgt spid="11"/>
+                                          <p:spTgt spid="11">
+                                            <p:txEl>
+                                              <p:pRg st="0" end="0"/>
+                                            </p:txEl>
+                                          </p:spTgt>
                                         </p:tgtEl>
+                                        <p:attrNameLst>
+                                          <p:attrName>fill.on</p:attrName>
+                                        </p:attrNameLst>
                                       </p:cBhvr>
-                                    </p:animEffect>
+                                      <p:to>
+                                        <p:strVal val="true"/>
+                                      </p:to>
+                                    </p:set>
+                                  </p:childTnLst>
+                                </p:cTn>
+                              </p:par>
+                              <p:par>
+                                <p:cTn id="10" presetID="19" presetClass="emph" presetSubtype="0" fill="hold" nodeType="withEffect">
+                                  <p:stCondLst>
+                                    <p:cond delay="0"/>
+                                  </p:stCondLst>
+                                  <p:childTnLst>
+                                    <p:animClr clrSpc="rgb" dir="cw">
+                                      <p:cBhvr override="childStyle">
+                                        <p:cTn id="11" dur="500" fill="hold"/>
+                                        <p:tgtEl>
+                                          <p:spTgt spid="11">
+                                            <p:txEl>
+                                              <p:pRg st="1" end="1"/>
+                                            </p:txEl>
+                                          </p:spTgt>
+                                        </p:tgtEl>
+                                        <p:attrNameLst>
+                                          <p:attrName>style.color</p:attrName>
+                                        </p:attrNameLst>
+                                      </p:cBhvr>
+                                      <p:to>
+                                        <a:schemeClr val="accent2"/>
+                                      </p:to>
+                                    </p:animClr>
+                                    <p:animClr clrSpc="rgb" dir="cw">
+                                      <p:cBhvr>
+                                        <p:cTn id="12" dur="500" fill="hold"/>
+                                        <p:tgtEl>
+                                          <p:spTgt spid="11">
+                                            <p:txEl>
+                                              <p:pRg st="1" end="1"/>
+                                            </p:txEl>
+                                          </p:spTgt>
+                                        </p:tgtEl>
+                                        <p:attrNameLst>
+                                          <p:attrName>fillcolor</p:attrName>
+                                        </p:attrNameLst>
+                                      </p:cBhvr>
+                                      <p:to>
+                                        <a:schemeClr val="accent2"/>
+                                      </p:to>
+                                    </p:animClr>
+                                    <p:set>
+                                      <p:cBhvr>
+                                        <p:cTn id="13" dur="500" fill="hold"/>
+                                        <p:tgtEl>
+                                          <p:spTgt spid="11">
+                                            <p:txEl>
+                                              <p:pRg st="1" end="1"/>
+                                            </p:txEl>
+                                          </p:spTgt>
+                                        </p:tgtEl>
+                                        <p:attrNameLst>
+                                          <p:attrName>fill.type</p:attrName>
+                                        </p:attrNameLst>
+                                      </p:cBhvr>
+                                      <p:to>
+                                        <p:strVal val="solid"/>
+                                      </p:to>
+                                    </p:set>
+                                    <p:set>
+                                      <p:cBhvr>
+                                        <p:cTn id="14" dur="500" fill="hold"/>
+                                        <p:tgtEl>
+                                          <p:spTgt spid="11">
+                                            <p:txEl>
+                                              <p:pRg st="1" end="1"/>
+                                            </p:txEl>
+                                          </p:spTgt>
+                                        </p:tgtEl>
+                                        <p:attrNameLst>
+                                          <p:attrName>fill.on</p:attrName>
+                                        </p:attrNameLst>
+                                      </p:cBhvr>
+                                      <p:to>
+                                        <p:strVal val="true"/>
+                                      </p:to>
+                                    </p:set>
+                                  </p:childTnLst>
+                                </p:cTn>
+                              </p:par>
+                              <p:par>
+                                <p:cTn id="15" presetID="19" presetClass="emph" presetSubtype="0" fill="hold" nodeType="withEffect">
+                                  <p:stCondLst>
+                                    <p:cond delay="0"/>
+                                  </p:stCondLst>
+                                  <p:childTnLst>
+                                    <p:animClr clrSpc="rgb" dir="cw">
+                                      <p:cBhvr override="childStyle">
+                                        <p:cTn id="16" dur="500" fill="hold"/>
+                                        <p:tgtEl>
+                                          <p:spTgt spid="11">
+                                            <p:txEl>
+                                              <p:pRg st="2" end="2"/>
+                                            </p:txEl>
+                                          </p:spTgt>
+                                        </p:tgtEl>
+                                        <p:attrNameLst>
+                                          <p:attrName>style.color</p:attrName>
+                                        </p:attrNameLst>
+                                      </p:cBhvr>
+                                      <p:to>
+                                        <a:schemeClr val="accent2"/>
+                                      </p:to>
+                                    </p:animClr>
+                                    <p:animClr clrSpc="rgb" dir="cw">
+                                      <p:cBhvr>
+                                        <p:cTn id="17" dur="500" fill="hold"/>
+                                        <p:tgtEl>
+                                          <p:spTgt spid="11">
+                                            <p:txEl>
+                                              <p:pRg st="2" end="2"/>
+                                            </p:txEl>
+                                          </p:spTgt>
+                                        </p:tgtEl>
+                                        <p:attrNameLst>
+                                          <p:attrName>fillcolor</p:attrName>
+                                        </p:attrNameLst>
+                                      </p:cBhvr>
+                                      <p:to>
+                                        <a:schemeClr val="accent2"/>
+                                      </p:to>
+                                    </p:animClr>
+                                    <p:set>
+                                      <p:cBhvr>
+                                        <p:cTn id="18" dur="500" fill="hold"/>
+                                        <p:tgtEl>
+                                          <p:spTgt spid="11">
+                                            <p:txEl>
+                                              <p:pRg st="2" end="2"/>
+                                            </p:txEl>
+                                          </p:spTgt>
+                                        </p:tgtEl>
+                                        <p:attrNameLst>
+                                          <p:attrName>fill.type</p:attrName>
+                                        </p:attrNameLst>
+                                      </p:cBhvr>
+                                      <p:to>
+                                        <p:strVal val="solid"/>
+                                      </p:to>
+                                    </p:set>
+                                    <p:set>
+                                      <p:cBhvr>
+                                        <p:cTn id="19" dur="500" fill="hold"/>
+                                        <p:tgtEl>
+                                          <p:spTgt spid="11">
+                                            <p:txEl>
+                                              <p:pRg st="2" end="2"/>
+                                            </p:txEl>
+                                          </p:spTgt>
+                                        </p:tgtEl>
+                                        <p:attrNameLst>
+                                          <p:attrName>fill.on</p:attrName>
+                                        </p:attrNameLst>
+                                      </p:cBhvr>
+                                      <p:to>
+                                        <p:strVal val="true"/>
+                                      </p:to>
+                                    </p:set>
+                                  </p:childTnLst>
+                                </p:cTn>
+                              </p:par>
+                              <p:par>
+                                <p:cTn id="20" presetID="19" presetClass="emph" presetSubtype="0" fill="hold" nodeType="withEffect">
+                                  <p:stCondLst>
+                                    <p:cond delay="0"/>
+                                  </p:stCondLst>
+                                  <p:childTnLst>
+                                    <p:animClr clrSpc="rgb" dir="cw">
+                                      <p:cBhvr override="childStyle">
+                                        <p:cTn id="21" dur="500" fill="hold"/>
+                                        <p:tgtEl>
+                                          <p:spTgt spid="11">
+                                            <p:txEl>
+                                              <p:pRg st="3" end="3"/>
+                                            </p:txEl>
+                                          </p:spTgt>
+                                        </p:tgtEl>
+                                        <p:attrNameLst>
+                                          <p:attrName>style.color</p:attrName>
+                                        </p:attrNameLst>
+                                      </p:cBhvr>
+                                      <p:to>
+                                        <a:schemeClr val="accent2"/>
+                                      </p:to>
+                                    </p:animClr>
+                                    <p:animClr clrSpc="rgb" dir="cw">
+                                      <p:cBhvr>
+                                        <p:cTn id="22" dur="500" fill="hold"/>
+                                        <p:tgtEl>
+                                          <p:spTgt spid="11">
+                                            <p:txEl>
+                                              <p:pRg st="3" end="3"/>
+                                            </p:txEl>
+                                          </p:spTgt>
+                                        </p:tgtEl>
+                                        <p:attrNameLst>
+                                          <p:attrName>fillcolor</p:attrName>
+                                        </p:attrNameLst>
+                                      </p:cBhvr>
+                                      <p:to>
+                                        <a:schemeClr val="accent2"/>
+                                      </p:to>
+                                    </p:animClr>
+                                    <p:set>
+                                      <p:cBhvr>
+                                        <p:cTn id="23" dur="500" fill="hold"/>
+                                        <p:tgtEl>
+                                          <p:spTgt spid="11">
+                                            <p:txEl>
+                                              <p:pRg st="3" end="3"/>
+                                            </p:txEl>
+                                          </p:spTgt>
+                                        </p:tgtEl>
+                                        <p:attrNameLst>
+                                          <p:attrName>fill.type</p:attrName>
+                                        </p:attrNameLst>
+                                      </p:cBhvr>
+                                      <p:to>
+                                        <p:strVal val="solid"/>
+                                      </p:to>
+                                    </p:set>
+                                    <p:set>
+                                      <p:cBhvr>
+                                        <p:cTn id="24" dur="500" fill="hold"/>
+                                        <p:tgtEl>
+                                          <p:spTgt spid="11">
+                                            <p:txEl>
+                                              <p:pRg st="3" end="3"/>
+                                            </p:txEl>
+                                          </p:spTgt>
+                                        </p:tgtEl>
+                                        <p:attrNameLst>
+                                          <p:attrName>fill.on</p:attrName>
+                                        </p:attrNameLst>
+                                      </p:cBhvr>
+                                      <p:to>
+                                        <p:strVal val="true"/>
+                                      </p:to>
+                                    </p:set>
+                                  </p:childTnLst>
+                                </p:cTn>
+                              </p:par>
+                              <p:par>
+                                <p:cTn id="25" presetID="19" presetClass="emph" presetSubtype="0" fill="hold" nodeType="withEffect">
+                                  <p:stCondLst>
+                                    <p:cond delay="0"/>
+                                  </p:stCondLst>
+                                  <p:childTnLst>
+                                    <p:animClr clrSpc="rgb" dir="cw">
+                                      <p:cBhvr override="childStyle">
+                                        <p:cTn id="26" dur="500" fill="hold"/>
+                                        <p:tgtEl>
+                                          <p:spTgt spid="11">
+                                            <p:txEl>
+                                              <p:pRg st="5" end="5"/>
+                                            </p:txEl>
+                                          </p:spTgt>
+                                        </p:tgtEl>
+                                        <p:attrNameLst>
+                                          <p:attrName>style.color</p:attrName>
+                                        </p:attrNameLst>
+                                      </p:cBhvr>
+                                      <p:to>
+                                        <a:schemeClr val="accent2"/>
+                                      </p:to>
+                                    </p:animClr>
+                                    <p:animClr clrSpc="rgb" dir="cw">
+                                      <p:cBhvr>
+                                        <p:cTn id="27" dur="500" fill="hold"/>
+                                        <p:tgtEl>
+                                          <p:spTgt spid="11">
+                                            <p:txEl>
+                                              <p:pRg st="5" end="5"/>
+                                            </p:txEl>
+                                          </p:spTgt>
+                                        </p:tgtEl>
+                                        <p:attrNameLst>
+                                          <p:attrName>fillcolor</p:attrName>
+                                        </p:attrNameLst>
+                                      </p:cBhvr>
+                                      <p:to>
+                                        <a:schemeClr val="accent2"/>
+                                      </p:to>
+                                    </p:animClr>
+                                    <p:set>
+                                      <p:cBhvr>
+                                        <p:cTn id="28" dur="500" fill="hold"/>
+                                        <p:tgtEl>
+                                          <p:spTgt spid="11">
+                                            <p:txEl>
+                                              <p:pRg st="5" end="5"/>
+                                            </p:txEl>
+                                          </p:spTgt>
+                                        </p:tgtEl>
+                                        <p:attrNameLst>
+                                          <p:attrName>fill.type</p:attrName>
+                                        </p:attrNameLst>
+                                      </p:cBhvr>
+                                      <p:to>
+                                        <p:strVal val="solid"/>
+                                      </p:to>
+                                    </p:set>
+                                    <p:set>
+                                      <p:cBhvr>
+                                        <p:cTn id="29" dur="500" fill="hold"/>
+                                        <p:tgtEl>
+                                          <p:spTgt spid="11">
+                                            <p:txEl>
+                                              <p:pRg st="5" end="5"/>
+                                            </p:txEl>
+                                          </p:spTgt>
+                                        </p:tgtEl>
+                                        <p:attrNameLst>
+                                          <p:attrName>fill.on</p:attrName>
+                                        </p:attrNameLst>
+                                      </p:cBhvr>
+                                      <p:to>
+                                        <p:strVal val="true"/>
+                                      </p:to>
+                                    </p:set>
+                                  </p:childTnLst>
+                                </p:cTn>
+                              </p:par>
+                              <p:par>
+                                <p:cTn id="30" presetID="19" presetClass="emph" presetSubtype="0" fill="hold" nodeType="withEffect">
+                                  <p:stCondLst>
+                                    <p:cond delay="0"/>
+                                  </p:stCondLst>
+                                  <p:childTnLst>
+                                    <p:animClr clrSpc="rgb" dir="cw">
+                                      <p:cBhvr override="childStyle">
+                                        <p:cTn id="31" dur="500" fill="hold"/>
+                                        <p:tgtEl>
+                                          <p:spTgt spid="11">
+                                            <p:txEl>
+                                              <p:pRg st="19" end="19"/>
+                                            </p:txEl>
+                                          </p:spTgt>
+                                        </p:tgtEl>
+                                        <p:attrNameLst>
+                                          <p:attrName>style.color</p:attrName>
+                                        </p:attrNameLst>
+                                      </p:cBhvr>
+                                      <p:to>
+                                        <a:schemeClr val="accent2"/>
+                                      </p:to>
+                                    </p:animClr>
+                                    <p:animClr clrSpc="rgb" dir="cw">
+                                      <p:cBhvr>
+                                        <p:cTn id="32" dur="500" fill="hold"/>
+                                        <p:tgtEl>
+                                          <p:spTgt spid="11">
+                                            <p:txEl>
+                                              <p:pRg st="19" end="19"/>
+                                            </p:txEl>
+                                          </p:spTgt>
+                                        </p:tgtEl>
+                                        <p:attrNameLst>
+                                          <p:attrName>fillcolor</p:attrName>
+                                        </p:attrNameLst>
+                                      </p:cBhvr>
+                                      <p:to>
+                                        <a:schemeClr val="accent2"/>
+                                      </p:to>
+                                    </p:animClr>
+                                    <p:set>
+                                      <p:cBhvr>
+                                        <p:cTn id="33" dur="500" fill="hold"/>
+                                        <p:tgtEl>
+                                          <p:spTgt spid="11">
+                                            <p:txEl>
+                                              <p:pRg st="19" end="19"/>
+                                            </p:txEl>
+                                          </p:spTgt>
+                                        </p:tgtEl>
+                                        <p:attrNameLst>
+                                          <p:attrName>fill.type</p:attrName>
+                                        </p:attrNameLst>
+                                      </p:cBhvr>
+                                      <p:to>
+                                        <p:strVal val="solid"/>
+                                      </p:to>
+                                    </p:set>
+                                    <p:set>
+                                      <p:cBhvr>
+                                        <p:cTn id="34" dur="500" fill="hold"/>
+                                        <p:tgtEl>
+                                          <p:spTgt spid="11">
+                                            <p:txEl>
+                                              <p:pRg st="19" end="19"/>
+                                            </p:txEl>
+                                          </p:spTgt>
+                                        </p:tgtEl>
+                                        <p:attrNameLst>
+                                          <p:attrName>fill.on</p:attrName>
+                                        </p:attrNameLst>
+                                      </p:cBhvr>
+                                      <p:to>
+                                        <p:strVal val="true"/>
+                                      </p:to>
+                                    </p:set>
+                                  </p:childTnLst>
+                                </p:cTn>
+                              </p:par>
+                              <p:par>
+                                <p:cTn id="35" presetID="19" presetClass="emph" presetSubtype="0" fill="hold" nodeType="withEffect">
+                                  <p:stCondLst>
+                                    <p:cond delay="0"/>
+                                  </p:stCondLst>
+                                  <p:childTnLst>
+                                    <p:animClr clrSpc="rgb" dir="cw">
+                                      <p:cBhvr override="childStyle">
+                                        <p:cTn id="36" dur="500" fill="hold"/>
+                                        <p:tgtEl>
+                                          <p:spTgt spid="11">
+                                            <p:txEl>
+                                              <p:pRg st="21" end="21"/>
+                                            </p:txEl>
+                                          </p:spTgt>
+                                        </p:tgtEl>
+                                        <p:attrNameLst>
+                                          <p:attrName>style.color</p:attrName>
+                                        </p:attrNameLst>
+                                      </p:cBhvr>
+                                      <p:to>
+                                        <a:schemeClr val="accent2"/>
+                                      </p:to>
+                                    </p:animClr>
+                                    <p:animClr clrSpc="rgb" dir="cw">
+                                      <p:cBhvr>
+                                        <p:cTn id="37" dur="500" fill="hold"/>
+                                        <p:tgtEl>
+                                          <p:spTgt spid="11">
+                                            <p:txEl>
+                                              <p:pRg st="21" end="21"/>
+                                            </p:txEl>
+                                          </p:spTgt>
+                                        </p:tgtEl>
+                                        <p:attrNameLst>
+                                          <p:attrName>fillcolor</p:attrName>
+                                        </p:attrNameLst>
+                                      </p:cBhvr>
+                                      <p:to>
+                                        <a:schemeClr val="accent2"/>
+                                      </p:to>
+                                    </p:animClr>
+                                    <p:set>
+                                      <p:cBhvr>
+                                        <p:cTn id="38" dur="500" fill="hold"/>
+                                        <p:tgtEl>
+                                          <p:spTgt spid="11">
+                                            <p:txEl>
+                                              <p:pRg st="21" end="21"/>
+                                            </p:txEl>
+                                          </p:spTgt>
+                                        </p:tgtEl>
+                                        <p:attrNameLst>
+                                          <p:attrName>fill.type</p:attrName>
+                                        </p:attrNameLst>
+                                      </p:cBhvr>
+                                      <p:to>
+                                        <p:strVal val="solid"/>
+                                      </p:to>
+                                    </p:set>
+                                    <p:set>
+                                      <p:cBhvr>
+                                        <p:cTn id="39" dur="500" fill="hold"/>
+                                        <p:tgtEl>
+                                          <p:spTgt spid="11">
+                                            <p:txEl>
+                                              <p:pRg st="21" end="21"/>
+                                            </p:txEl>
+                                          </p:spTgt>
+                                        </p:tgtEl>
+                                        <p:attrNameLst>
+                                          <p:attrName>fill.on</p:attrName>
+                                        </p:attrNameLst>
+                                      </p:cBhvr>
+                                      <p:to>
+                                        <p:strVal val="true"/>
+                                      </p:to>
+                                    </p:set>
                                   </p:childTnLst>
                                 </p:cTn>
                               </p:par>
@@ -25698,9 +26280,6 @@
         </p:cTn>
       </p:par>
     </p:tnLst>
-    <p:bldLst>
-      <p:bldP spid="11" grpId="0"/>
-    </p:bldLst>
   </p:timing>
 </p:sld>
 </file>
@@ -26456,14 +27035,14 @@
           <p:nvPr>
             <p:extLst>
               <p:ext uri="{D42A27DB-BD31-4B8C-83A1-F6EECF244321}">
-                <p14:modId xmlns:p14="http://schemas.microsoft.com/office/powerpoint/2010/main" val="2031209242"/>
+                <p14:modId xmlns:p14="http://schemas.microsoft.com/office/powerpoint/2010/main" val="3255128665"/>
               </p:ext>
             </p:extLst>
           </p:nvPr>
         </p:nvGraphicFramePr>
         <p:xfrm>
           <a:off x="2857298" y="1849130"/>
-          <a:ext cx="8725102" cy="4561924"/>
+          <a:ext cx="8725102" cy="4385884"/>
         </p:xfrm>
         <a:graphic>
           <a:graphicData uri="http://schemas.openxmlformats.org/drawingml/2006/table">
@@ -26715,7 +27294,7 @@
                   </a:ext>
                 </a:extLst>
               </a:tr>
-              <a:tr h="505902">
+              <a:tr h="485274">
                 <a:tc>
                   <a:txBody>
                     <a:bodyPr/>
@@ -26768,40 +27347,22 @@
                         <a:t>-</a:t>
                       </a:r>
                       <a:r>
+                        <a:rPr lang="ko-KR" altLang="en-US" sz="2000" kern="100" dirty="0">
+                          <a:effectLst/>
+                        </a:rPr>
+                        <a:t>검색 학생</a:t>
+                      </a:r>
+                      <a:r>
                         <a:rPr lang="ko-KR" sz="2000" kern="100" dirty="0">
                           <a:effectLst/>
                         </a:rPr>
-                        <a:t>출력</a:t>
+                        <a:t> 출력</a:t>
                       </a:r>
                       <a:r>
                         <a:rPr lang="en-US" sz="2000" kern="100" dirty="0">
                           <a:effectLst/>
                         </a:rPr>
-                        <a:t>   </a:t>
-                      </a:r>
-                      <a:r>
-                        <a:rPr lang="ko-KR" sz="2000" kern="100" dirty="0">
-                          <a:effectLst/>
-                        </a:rPr>
-                        <a:t>범위 선정하여 출력</a:t>
-                      </a:r>
-                      <a:r>
-                        <a:rPr lang="en-US" sz="2000" kern="100" dirty="0">
-                          <a:effectLst/>
-                        </a:rPr>
-                        <a:t>. (ex. </a:t>
-                      </a:r>
-                      <a:r>
-                        <a:rPr lang="ko-KR" sz="2000" kern="100" dirty="0">
-                          <a:effectLst/>
-                        </a:rPr>
-                        <a:t>전체</a:t>
-                      </a:r>
-                      <a:r>
-                        <a:rPr lang="en-US" sz="2000" kern="100" dirty="0">
-                          <a:effectLst/>
-                        </a:rPr>
-                        <a:t>)</a:t>
+                        <a:t>.</a:t>
                       </a:r>
                       <a:endParaRPr lang="ko-KR" sz="2000" kern="100" dirty="0">
                         <a:solidFill>
@@ -26892,25 +27453,7 @@
                         </a:rPr>
                         <a:t>키 생성</a:t>
                       </a:r>
-                      <a:r>
-                        <a:rPr lang="en-US" sz="2000" kern="100" dirty="0">
-                          <a:effectLst/>
-                        </a:rPr>
-                        <a:t>. (</a:t>
-                      </a:r>
-                      <a:r>
-                        <a:rPr lang="ko-KR" sz="2000" kern="100" dirty="0">
-                          <a:effectLst/>
-                        </a:rPr>
-                        <a:t>회사가 원하는 분야가 포함된</a:t>
-                      </a:r>
-                      <a:r>
-                        <a:rPr lang="en-US" sz="2000" kern="100" dirty="0">
-                          <a:effectLst/>
-                        </a:rPr>
-                        <a:t>)</a:t>
-                      </a:r>
-                      <a:endParaRPr lang="ko-KR" sz="2000" kern="100" dirty="0">
+                      <a:endParaRPr lang="en-US" altLang="ko-KR" sz="2000" kern="100" dirty="0">
                         <a:effectLst/>
                       </a:endParaRPr>
                     </a:p>
@@ -27052,7 +27595,7 @@
                         <a:rPr lang="en-US" sz="2000" kern="100" dirty="0">
                           <a:effectLst/>
                         </a:rPr>
-                        <a:t>   </a:t>
+                        <a:t>  </a:t>
                       </a:r>
                       <a:r>
                         <a:rPr lang="ko-KR" sz="2000" kern="100" dirty="0">
@@ -28013,7 +28556,7 @@
           <p:nvPr>
             <p:extLst>
               <p:ext uri="{D42A27DB-BD31-4B8C-83A1-F6EECF244321}">
-                <p14:modId xmlns:p14="http://schemas.microsoft.com/office/powerpoint/2010/main" val="1232235331"/>
+                <p14:modId xmlns:p14="http://schemas.microsoft.com/office/powerpoint/2010/main" val="3351219000"/>
               </p:ext>
             </p:extLst>
           </p:nvPr>
@@ -28256,64 +28799,19 @@
                           <a:ea typeface="HY헤드라인M" pitchFamily="18" charset="-127"/>
                           <a:cs typeface="+mn-cs"/>
                         </a:rPr>
-                        <a:t> 학생</a:t>
+                        <a:t> 회원가입을 한 상태</a:t>
                       </a:r>
-                      <a:r>
-                        <a:rPr lang="en-US" altLang="ko-KR" sz="1800" kern="1200" dirty="0">
-                          <a:solidFill>
-                            <a:schemeClr val="tx1">
-                              <a:lumMod val="85000"/>
-                              <a:lumOff val="15000"/>
-                            </a:schemeClr>
-                          </a:solidFill>
-                          <a:latin typeface="HY헤드라인M" pitchFamily="18" charset="-127"/>
-                          <a:ea typeface="HY헤드라인M" pitchFamily="18" charset="-127"/>
-                          <a:cs typeface="+mn-cs"/>
-                        </a:rPr>
-                        <a:t>- DSM </a:t>
-                      </a:r>
-                      <a:r>
-                        <a:rPr lang="ko-KR" altLang="en-US" sz="1800" kern="1200" dirty="0" err="1">
-                          <a:solidFill>
-                            <a:schemeClr val="tx1">
-                              <a:lumMod val="85000"/>
-                              <a:lumOff val="15000"/>
-                            </a:schemeClr>
-                          </a:solidFill>
-                          <a:latin typeface="HY헤드라인M" pitchFamily="18" charset="-127"/>
-                          <a:ea typeface="HY헤드라인M" pitchFamily="18" charset="-127"/>
-                          <a:cs typeface="+mn-cs"/>
-                        </a:rPr>
-                        <a:t>연장신청</a:t>
-                      </a:r>
-                      <a:r>
-                        <a:rPr lang="ko-KR" altLang="en-US" sz="1800" kern="1200" dirty="0">
-                          <a:solidFill>
-                            <a:schemeClr val="tx1">
-                              <a:lumMod val="85000"/>
-                              <a:lumOff val="15000"/>
-                            </a:schemeClr>
-                          </a:solidFill>
-                          <a:latin typeface="HY헤드라인M" pitchFamily="18" charset="-127"/>
-                          <a:ea typeface="HY헤드라인M" pitchFamily="18" charset="-127"/>
-                          <a:cs typeface="+mn-cs"/>
-                        </a:rPr>
-                        <a:t> 페이지 가입이 되어 있어야 한다</a:t>
-                      </a:r>
-                      <a:r>
-                        <a:rPr lang="en-US" altLang="ko-KR" sz="1800" kern="1200" dirty="0">
-                          <a:solidFill>
-                            <a:schemeClr val="tx1">
-                              <a:lumMod val="85000"/>
-                              <a:lumOff val="15000"/>
-                            </a:schemeClr>
-                          </a:solidFill>
-                          <a:latin typeface="HY헤드라인M" pitchFamily="18" charset="-127"/>
-                          <a:ea typeface="HY헤드라인M" pitchFamily="18" charset="-127"/>
-                          <a:cs typeface="+mn-cs"/>
-                        </a:rPr>
-                        <a:t>..</a:t>
-                      </a:r>
+                      <a:endParaRPr lang="en-US" altLang="ko-KR" sz="1800" kern="1200" dirty="0">
+                        <a:solidFill>
+                          <a:schemeClr val="tx1">
+                            <a:lumMod val="85000"/>
+                            <a:lumOff val="15000"/>
+                          </a:schemeClr>
+                        </a:solidFill>
+                        <a:latin typeface="HY헤드라인M" pitchFamily="18" charset="-127"/>
+                        <a:ea typeface="HY헤드라인M" pitchFamily="18" charset="-127"/>
+                        <a:cs typeface="+mn-cs"/>
+                      </a:endParaRPr>
                     </a:p>
                   </a:txBody>
                   <a:tcPr/>

--- a/Presentation/2uzuBook _1011.pptx
+++ b/Presentation/2uzuBook _1011.pptx
@@ -233,7 +233,7 @@
           <a:p>
             <a:fld id="{804355DA-3640-4518-B87F-45455F76D2CC}" type="datetimeFigureOut">
               <a:rPr lang="ko-KR" altLang="en-US" smtClean="0"/>
-              <a:t>2017-10-16</a:t>
+              <a:t>2017-10-30</a:t>
             </a:fld>
             <a:endParaRPr lang="ko-KR" altLang="en-US"/>
           </a:p>
@@ -976,6 +976,10 @@
           <a:bodyPr/>
           <a:lstStyle/>
           <a:p>
+            <a:r>
+              <a:rPr lang="ko-KR" altLang="en-US" dirty="0"/>
+              <a:t/>
+            </a:r>
             <a:br>
               <a:rPr lang="ko-KR" altLang="en-US" dirty="0"/>
             </a:br>
@@ -1147,6 +1151,10 @@
           <a:bodyPr/>
           <a:lstStyle/>
           <a:p>
+            <a:r>
+              <a:rPr lang="ko-KR" altLang="en-US" dirty="0"/>
+              <a:t/>
+            </a:r>
             <a:br>
               <a:rPr lang="ko-KR" altLang="en-US" dirty="0"/>
             </a:br>
@@ -1318,6 +1326,10 @@
           <a:bodyPr/>
           <a:lstStyle/>
           <a:p>
+            <a:r>
+              <a:rPr lang="ko-KR" altLang="en-US" dirty="0"/>
+              <a:t/>
+            </a:r>
             <a:br>
               <a:rPr lang="ko-KR" altLang="en-US" dirty="0"/>
             </a:br>
@@ -1489,6 +1501,10 @@
           <a:bodyPr/>
           <a:lstStyle/>
           <a:p>
+            <a:r>
+              <a:rPr lang="ko-KR" altLang="en-US" dirty="0"/>
+              <a:t/>
+            </a:r>
             <a:br>
               <a:rPr lang="ko-KR" altLang="en-US" dirty="0"/>
             </a:br>
@@ -4288,7 +4304,7 @@
           <a:p>
             <a:fld id="{D8679A82-9205-4C4E-AE76-DC9B8C3BC3DB}" type="datetimeFigureOut">
               <a:rPr lang="ko-KR" altLang="en-US" smtClean="0"/>
-              <a:t>2017-10-16</a:t>
+              <a:t>2017-10-30</a:t>
             </a:fld>
             <a:endParaRPr lang="ko-KR" altLang="en-US"/>
           </a:p>
@@ -4508,7 +4524,7 @@
           <a:p>
             <a:fld id="{D8679A82-9205-4C4E-AE76-DC9B8C3BC3DB}" type="datetimeFigureOut">
               <a:rPr lang="ko-KR" altLang="en-US" smtClean="0"/>
-              <a:t>2017-10-16</a:t>
+              <a:t>2017-10-30</a:t>
             </a:fld>
             <a:endParaRPr lang="ko-KR" altLang="en-US"/>
           </a:p>
@@ -5994,14 +6010,14 @@
                 <a:gridCol w="1466806">
                   <a:extLst>
                     <a:ext uri="{9D8B030D-6E8A-4147-A177-3AD203B41FA5}">
-                      <a16:colId xmlns:a16="http://schemas.microsoft.com/office/drawing/2014/main" val="20000"/>
+                      <a16:colId xmlns:a16="http://schemas.microsoft.com/office/drawing/2014/main" xmlns="" val="20000"/>
                     </a:ext>
                   </a:extLst>
                 </a:gridCol>
                 <a:gridCol w="7790361">
                   <a:extLst>
                     <a:ext uri="{9D8B030D-6E8A-4147-A177-3AD203B41FA5}">
-                      <a16:colId xmlns:a16="http://schemas.microsoft.com/office/drawing/2014/main" val="20001"/>
+                      <a16:colId xmlns:a16="http://schemas.microsoft.com/office/drawing/2014/main" xmlns="" val="20001"/>
                     </a:ext>
                   </a:extLst>
                 </a:gridCol>
@@ -6094,7 +6110,7 @@
                 </a:tc>
                 <a:extLst>
                   <a:ext uri="{0D108BD9-81ED-4DB2-BD59-A6C34878D82A}">
-                    <a16:rowId xmlns:a16="http://schemas.microsoft.com/office/drawing/2014/main" val="10000"/>
+                    <a16:rowId xmlns:a16="http://schemas.microsoft.com/office/drawing/2014/main" xmlns="" val="10000"/>
                   </a:ext>
                 </a:extLst>
               </a:tr>
@@ -6170,7 +6186,7 @@
                 </a:tc>
                 <a:extLst>
                   <a:ext uri="{0D108BD9-81ED-4DB2-BD59-A6C34878D82A}">
-                    <a16:rowId xmlns:a16="http://schemas.microsoft.com/office/drawing/2014/main" val="10001"/>
+                    <a16:rowId xmlns:a16="http://schemas.microsoft.com/office/drawing/2014/main" xmlns="" val="10001"/>
                   </a:ext>
                 </a:extLst>
               </a:tr>
@@ -6254,7 +6270,7 @@
                 </a:tc>
                 <a:extLst>
                   <a:ext uri="{0D108BD9-81ED-4DB2-BD59-A6C34878D82A}">
-                    <a16:rowId xmlns:a16="http://schemas.microsoft.com/office/drawing/2014/main" val="10002"/>
+                    <a16:rowId xmlns:a16="http://schemas.microsoft.com/office/drawing/2014/main" xmlns="" val="10002"/>
                   </a:ext>
                 </a:extLst>
               </a:tr>
@@ -6666,7 +6682,7 @@
                 </a:tc>
                 <a:extLst>
                   <a:ext uri="{0D108BD9-81ED-4DB2-BD59-A6C34878D82A}">
-                    <a16:rowId xmlns:a16="http://schemas.microsoft.com/office/drawing/2014/main" val="10003"/>
+                    <a16:rowId xmlns:a16="http://schemas.microsoft.com/office/drawing/2014/main" xmlns="" val="10003"/>
                   </a:ext>
                 </a:extLst>
               </a:tr>
@@ -6892,7 +6908,7 @@
                 </a:tc>
                 <a:extLst>
                   <a:ext uri="{0D108BD9-81ED-4DB2-BD59-A6C34878D82A}">
-                    <a16:rowId xmlns:a16="http://schemas.microsoft.com/office/drawing/2014/main" val="994516010"/>
+                    <a16:rowId xmlns:a16="http://schemas.microsoft.com/office/drawing/2014/main" xmlns="" val="994516010"/>
                   </a:ext>
                 </a:extLst>
               </a:tr>
@@ -7899,14 +7915,14 @@
                 <a:gridCol w="1466806">
                   <a:extLst>
                     <a:ext uri="{9D8B030D-6E8A-4147-A177-3AD203B41FA5}">
-                      <a16:colId xmlns:a16="http://schemas.microsoft.com/office/drawing/2014/main" val="20000"/>
+                      <a16:colId xmlns:a16="http://schemas.microsoft.com/office/drawing/2014/main" xmlns="" val="20000"/>
                     </a:ext>
                   </a:extLst>
                 </a:gridCol>
                 <a:gridCol w="7790361">
                   <a:extLst>
                     <a:ext uri="{9D8B030D-6E8A-4147-A177-3AD203B41FA5}">
-                      <a16:colId xmlns:a16="http://schemas.microsoft.com/office/drawing/2014/main" val="20001"/>
+                      <a16:colId xmlns:a16="http://schemas.microsoft.com/office/drawing/2014/main" xmlns="" val="20001"/>
                     </a:ext>
                   </a:extLst>
                 </a:gridCol>
@@ -7971,7 +7987,7 @@
                 </a:tc>
                 <a:extLst>
                   <a:ext uri="{0D108BD9-81ED-4DB2-BD59-A6C34878D82A}">
-                    <a16:rowId xmlns:a16="http://schemas.microsoft.com/office/drawing/2014/main" val="10000"/>
+                    <a16:rowId xmlns:a16="http://schemas.microsoft.com/office/drawing/2014/main" xmlns="" val="10000"/>
                   </a:ext>
                 </a:extLst>
               </a:tr>
@@ -8058,7 +8074,7 @@
                 </a:tc>
                 <a:extLst>
                   <a:ext uri="{0D108BD9-81ED-4DB2-BD59-A6C34878D82A}">
-                    <a16:rowId xmlns:a16="http://schemas.microsoft.com/office/drawing/2014/main" val="10001"/>
+                    <a16:rowId xmlns:a16="http://schemas.microsoft.com/office/drawing/2014/main" xmlns="" val="10001"/>
                   </a:ext>
                 </a:extLst>
               </a:tr>
@@ -8170,7 +8186,7 @@
                 </a:tc>
                 <a:extLst>
                   <a:ext uri="{0D108BD9-81ED-4DB2-BD59-A6C34878D82A}">
-                    <a16:rowId xmlns:a16="http://schemas.microsoft.com/office/drawing/2014/main" val="10002"/>
+                    <a16:rowId xmlns:a16="http://schemas.microsoft.com/office/drawing/2014/main" xmlns="" val="10002"/>
                   </a:ext>
                 </a:extLst>
               </a:tr>
@@ -8543,7 +8559,7 @@
                 </a:tc>
                 <a:extLst>
                   <a:ext uri="{0D108BD9-81ED-4DB2-BD59-A6C34878D82A}">
-                    <a16:rowId xmlns:a16="http://schemas.microsoft.com/office/drawing/2014/main" val="10003"/>
+                    <a16:rowId xmlns:a16="http://schemas.microsoft.com/office/drawing/2014/main" xmlns="" val="10003"/>
                   </a:ext>
                 </a:extLst>
               </a:tr>
@@ -8822,7 +8838,7 @@
                 </a:tc>
                 <a:extLst>
                   <a:ext uri="{0D108BD9-81ED-4DB2-BD59-A6C34878D82A}">
-                    <a16:rowId xmlns:a16="http://schemas.microsoft.com/office/drawing/2014/main" val="994516010"/>
+                    <a16:rowId xmlns:a16="http://schemas.microsoft.com/office/drawing/2014/main" xmlns="" val="994516010"/>
                   </a:ext>
                 </a:extLst>
               </a:tr>
@@ -9817,14 +9833,14 @@
                 <a:gridCol w="1466806">
                   <a:extLst>
                     <a:ext uri="{9D8B030D-6E8A-4147-A177-3AD203B41FA5}">
-                      <a16:colId xmlns:a16="http://schemas.microsoft.com/office/drawing/2014/main" val="20000"/>
+                      <a16:colId xmlns:a16="http://schemas.microsoft.com/office/drawing/2014/main" xmlns="" val="20000"/>
                     </a:ext>
                   </a:extLst>
                 </a:gridCol>
                 <a:gridCol w="7790361">
                   <a:extLst>
                     <a:ext uri="{9D8B030D-6E8A-4147-A177-3AD203B41FA5}">
-                      <a16:colId xmlns:a16="http://schemas.microsoft.com/office/drawing/2014/main" val="20001"/>
+                      <a16:colId xmlns:a16="http://schemas.microsoft.com/office/drawing/2014/main" xmlns="" val="20001"/>
                     </a:ext>
                   </a:extLst>
                 </a:gridCol>
@@ -9889,7 +9905,7 @@
                 </a:tc>
                 <a:extLst>
                   <a:ext uri="{0D108BD9-81ED-4DB2-BD59-A6C34878D82A}">
-                    <a16:rowId xmlns:a16="http://schemas.microsoft.com/office/drawing/2014/main" val="10000"/>
+                    <a16:rowId xmlns:a16="http://schemas.microsoft.com/office/drawing/2014/main" xmlns="" val="10000"/>
                   </a:ext>
                 </a:extLst>
               </a:tr>
@@ -9976,7 +9992,7 @@
                 </a:tc>
                 <a:extLst>
                   <a:ext uri="{0D108BD9-81ED-4DB2-BD59-A6C34878D82A}">
-                    <a16:rowId xmlns:a16="http://schemas.microsoft.com/office/drawing/2014/main" val="10001"/>
+                    <a16:rowId xmlns:a16="http://schemas.microsoft.com/office/drawing/2014/main" xmlns="" val="10001"/>
                   </a:ext>
                 </a:extLst>
               </a:tr>
@@ -10074,7 +10090,7 @@
                 </a:tc>
                 <a:extLst>
                   <a:ext uri="{0D108BD9-81ED-4DB2-BD59-A6C34878D82A}">
-                    <a16:rowId xmlns:a16="http://schemas.microsoft.com/office/drawing/2014/main" val="10002"/>
+                    <a16:rowId xmlns:a16="http://schemas.microsoft.com/office/drawing/2014/main" xmlns="" val="10002"/>
                   </a:ext>
                 </a:extLst>
               </a:tr>
@@ -10495,7 +10511,7 @@
                 </a:tc>
                 <a:extLst>
                   <a:ext uri="{0D108BD9-81ED-4DB2-BD59-A6C34878D82A}">
-                    <a16:rowId xmlns:a16="http://schemas.microsoft.com/office/drawing/2014/main" val="10003"/>
+                    <a16:rowId xmlns:a16="http://schemas.microsoft.com/office/drawing/2014/main" xmlns="" val="10003"/>
                   </a:ext>
                 </a:extLst>
               </a:tr>
@@ -10575,7 +10591,7 @@
                 </a:tc>
                 <a:extLst>
                   <a:ext uri="{0D108BD9-81ED-4DB2-BD59-A6C34878D82A}">
-                    <a16:rowId xmlns:a16="http://schemas.microsoft.com/office/drawing/2014/main" val="994516010"/>
+                    <a16:rowId xmlns:a16="http://schemas.microsoft.com/office/drawing/2014/main" xmlns="" val="994516010"/>
                   </a:ext>
                 </a:extLst>
               </a:tr>
@@ -11570,14 +11586,14 @@
                 <a:gridCol w="1466806">
                   <a:extLst>
                     <a:ext uri="{9D8B030D-6E8A-4147-A177-3AD203B41FA5}">
-                      <a16:colId xmlns:a16="http://schemas.microsoft.com/office/drawing/2014/main" val="20000"/>
+                      <a16:colId xmlns:a16="http://schemas.microsoft.com/office/drawing/2014/main" xmlns="" val="20000"/>
                     </a:ext>
                   </a:extLst>
                 </a:gridCol>
                 <a:gridCol w="7790361">
                   <a:extLst>
                     <a:ext uri="{9D8B030D-6E8A-4147-A177-3AD203B41FA5}">
-                      <a16:colId xmlns:a16="http://schemas.microsoft.com/office/drawing/2014/main" val="20001"/>
+                      <a16:colId xmlns:a16="http://schemas.microsoft.com/office/drawing/2014/main" xmlns="" val="20001"/>
                     </a:ext>
                   </a:extLst>
                 </a:gridCol>
@@ -11642,7 +11658,7 @@
                 </a:tc>
                 <a:extLst>
                   <a:ext uri="{0D108BD9-81ED-4DB2-BD59-A6C34878D82A}">
-                    <a16:rowId xmlns:a16="http://schemas.microsoft.com/office/drawing/2014/main" val="10000"/>
+                    <a16:rowId xmlns:a16="http://schemas.microsoft.com/office/drawing/2014/main" xmlns="" val="10000"/>
                   </a:ext>
                 </a:extLst>
               </a:tr>
@@ -11729,7 +11745,7 @@
                 </a:tc>
                 <a:extLst>
                   <a:ext uri="{0D108BD9-81ED-4DB2-BD59-A6C34878D82A}">
-                    <a16:rowId xmlns:a16="http://schemas.microsoft.com/office/drawing/2014/main" val="10001"/>
+                    <a16:rowId xmlns:a16="http://schemas.microsoft.com/office/drawing/2014/main" xmlns="" val="10001"/>
                   </a:ext>
                 </a:extLst>
               </a:tr>
@@ -11813,7 +11829,7 @@
                 </a:tc>
                 <a:extLst>
                   <a:ext uri="{0D108BD9-81ED-4DB2-BD59-A6C34878D82A}">
-                    <a16:rowId xmlns:a16="http://schemas.microsoft.com/office/drawing/2014/main" val="10002"/>
+                    <a16:rowId xmlns:a16="http://schemas.microsoft.com/office/drawing/2014/main" xmlns="" val="10002"/>
                   </a:ext>
                 </a:extLst>
               </a:tr>
@@ -12026,6 +12042,18 @@
                         </a:rPr>
                         <a:t>)</a:t>
                       </a:r>
+                      <a:r>
+                        <a:rPr lang="en-US" altLang="ko-KR" sz="1800" kern="1200" baseline="0" dirty="0">
+                          <a:solidFill>
+                            <a:schemeClr val="tx1"/>
+                          </a:solidFill>
+                          <a:effectLst/>
+                          <a:latin typeface="+mn-lt"/>
+                          <a:ea typeface="+mn-ea"/>
+                          <a:cs typeface="+mn-cs"/>
+                        </a:rPr>
+                        <a:t/>
+                      </a:r>
                       <a:br>
                         <a:rPr lang="en-US" altLang="ko-KR" sz="1800" kern="1200" baseline="0" dirty="0">
                           <a:solidFill>
@@ -12052,7 +12080,7 @@
                 </a:tc>
                 <a:extLst>
                   <a:ext uri="{0D108BD9-81ED-4DB2-BD59-A6C34878D82A}">
-                    <a16:rowId xmlns:a16="http://schemas.microsoft.com/office/drawing/2014/main" val="10003"/>
+                    <a16:rowId xmlns:a16="http://schemas.microsoft.com/office/drawing/2014/main" xmlns="" val="10003"/>
                   </a:ext>
                 </a:extLst>
               </a:tr>
@@ -12104,7 +12132,7 @@
                 </a:tc>
                 <a:extLst>
                   <a:ext uri="{0D108BD9-81ED-4DB2-BD59-A6C34878D82A}">
-                    <a16:rowId xmlns:a16="http://schemas.microsoft.com/office/drawing/2014/main" val="994516010"/>
+                    <a16:rowId xmlns:a16="http://schemas.microsoft.com/office/drawing/2014/main" xmlns="" val="994516010"/>
                   </a:ext>
                 </a:extLst>
               </a:tr>
@@ -15916,7 +15944,7 @@
           <p:cNvPr id="1026" name="Picture 2" descr="https://scontent-icn1-1.xx.fbcdn.net/v/t35.0-12/22550967_498916957144560_1950549918_o.png?oh=52ea60943ba456bedf68e18e8bdc5462&amp;oe=59E675B8">
             <a:extLst>
               <a:ext uri="{FF2B5EF4-FFF2-40B4-BE49-F238E27FC236}">
-                <a16:creationId xmlns:a16="http://schemas.microsoft.com/office/drawing/2014/main" id="{BB12E9B4-EAB1-49AA-90AE-63655D68160E}"/>
+                <a16:creationId xmlns:a16="http://schemas.microsoft.com/office/drawing/2014/main" xmlns="" id="{BB12E9B4-EAB1-49AA-90AE-63655D68160E}"/>
               </a:ext>
             </a:extLst>
           </p:cNvPr>
@@ -19331,47 +19359,6 @@
           </a:extLst>
         </p:spPr>
       </p:pic>
-      <p:pic>
-        <p:nvPicPr>
-          <p:cNvPr id="13" name="그림 12"/>
-          <p:cNvPicPr>
-            <a:picLocks noChangeAspect="1"/>
-          </p:cNvPicPr>
-          <p:nvPr/>
-        </p:nvPicPr>
-        <p:blipFill>
-          <a:blip r:embed="rId6">
-            <a:extLst>
-              <a:ext uri="{BEBA8EAE-BF5A-486C-A8C5-ECC9F3942E4B}">
-                <a14:imgProps xmlns:a14="http://schemas.microsoft.com/office/drawing/2010/main">
-                  <a14:imgLayer r:embed="rId7">
-                    <a14:imgEffect>
-                      <a14:backgroundRemoval t="10000" b="90000" l="10000" r="90000">
-                        <a14:backgroundMark x1="67344" y1="62222" x2="60938" y2="86528"/>
-                      </a14:backgroundRemoval>
-                    </a14:imgEffect>
-                  </a14:imgLayer>
-                </a14:imgProps>
-              </a:ext>
-              <a:ext uri="{28A0092B-C50C-407E-A947-70E740481C1C}">
-                <a14:useLocalDpi xmlns:a14="http://schemas.microsoft.com/office/drawing/2010/main" val="0"/>
-              </a:ext>
-            </a:extLst>
-          </a:blip>
-          <a:stretch>
-            <a:fillRect/>
-          </a:stretch>
-        </p:blipFill>
-        <p:spPr>
-          <a:xfrm>
-            <a:off x="-593758" y="-120578"/>
-            <a:ext cx="14571411" cy="8196418"/>
-          </a:xfrm>
-          <a:prstGeom prst="rect">
-            <a:avLst/>
-          </a:prstGeom>
-        </p:spPr>
-      </p:pic>
     </p:spTree>
     <p:extLst>
       <p:ext uri="{BB962C8B-B14F-4D97-AF65-F5344CB8AC3E}">
@@ -19385,326 +19372,7 @@
   <p:timing>
     <p:tnLst>
       <p:par>
-        <p:cTn id="1" dur="indefinite" restart="never" nodeType="tmRoot">
-          <p:childTnLst>
-            <p:seq concurrent="1" nextAc="seek">
-              <p:cTn id="2" dur="indefinite" nodeType="mainSeq">
-                <p:childTnLst>
-                  <p:par>
-                    <p:cTn id="3" fill="hold">
-                      <p:stCondLst>
-                        <p:cond delay="indefinite"/>
-                      </p:stCondLst>
-                      <p:childTnLst>
-                        <p:par>
-                          <p:cTn id="4" fill="hold">
-                            <p:stCondLst>
-                              <p:cond delay="0"/>
-                            </p:stCondLst>
-                            <p:childTnLst>
-                              <p:par>
-                                <p:cTn id="5" presetID="26" presetClass="entr" presetSubtype="0" fill="hold" nodeType="clickEffect">
-                                  <p:stCondLst>
-                                    <p:cond delay="0"/>
-                                  </p:stCondLst>
-                                  <p:childTnLst>
-                                    <p:set>
-                                      <p:cBhvr>
-                                        <p:cTn id="6" dur="1" fill="hold">
-                                          <p:stCondLst>
-                                            <p:cond delay="0"/>
-                                          </p:stCondLst>
-                                        </p:cTn>
-                                        <p:tgtEl>
-                                          <p:spTgt spid="13"/>
-                                        </p:tgtEl>
-                                        <p:attrNameLst>
-                                          <p:attrName>style.visibility</p:attrName>
-                                        </p:attrNameLst>
-                                      </p:cBhvr>
-                                      <p:to>
-                                        <p:strVal val="visible"/>
-                                      </p:to>
-                                    </p:set>
-                                    <p:animEffect transition="in" filter="wipe(down)">
-                                      <p:cBhvr>
-                                        <p:cTn id="7" dur="580">
-                                          <p:stCondLst>
-                                            <p:cond delay="0"/>
-                                          </p:stCondLst>
-                                        </p:cTn>
-                                        <p:tgtEl>
-                                          <p:spTgt spid="13"/>
-                                        </p:tgtEl>
-                                      </p:cBhvr>
-                                    </p:animEffect>
-                                    <p:anim calcmode="lin" valueType="num">
-                                      <p:cBhvr>
-                                        <p:cTn id="8" dur="1822" tmFilter="0,0; 0.14,0.36; 0.43,0.73; 0.71,0.91; 1.0,1.0">
-                                          <p:stCondLst>
-                                            <p:cond delay="0"/>
-                                          </p:stCondLst>
-                                        </p:cTn>
-                                        <p:tgtEl>
-                                          <p:spTgt spid="13"/>
-                                        </p:tgtEl>
-                                        <p:attrNameLst>
-                                          <p:attrName>ppt_x</p:attrName>
-                                        </p:attrNameLst>
-                                      </p:cBhvr>
-                                      <p:tavLst>
-                                        <p:tav tm="0">
-                                          <p:val>
-                                            <p:strVal val="#ppt_x-0.25"/>
-                                          </p:val>
-                                        </p:tav>
-                                        <p:tav tm="100000">
-                                          <p:val>
-                                            <p:strVal val="#ppt_x"/>
-                                          </p:val>
-                                        </p:tav>
-                                      </p:tavLst>
-                                    </p:anim>
-                                    <p:anim calcmode="lin" valueType="num">
-                                      <p:cBhvr>
-                                        <p:cTn id="9" dur="664" tmFilter="0.0,0.0; 0.25,0.07; 0.50,0.2; 0.75,0.467; 1.0,1.0">
-                                          <p:stCondLst>
-                                            <p:cond delay="0"/>
-                                          </p:stCondLst>
-                                        </p:cTn>
-                                        <p:tgtEl>
-                                          <p:spTgt spid="13"/>
-                                        </p:tgtEl>
-                                        <p:attrNameLst>
-                                          <p:attrName>ppt_y</p:attrName>
-                                        </p:attrNameLst>
-                                      </p:cBhvr>
-                                      <p:tavLst>
-                                        <p:tav tm="0" fmla="#ppt_y-sin(pi*$)/3">
-                                          <p:val>
-                                            <p:fltVal val="0.5"/>
-                                          </p:val>
-                                        </p:tav>
-                                        <p:tav tm="100000">
-                                          <p:val>
-                                            <p:fltVal val="1"/>
-                                          </p:val>
-                                        </p:tav>
-                                      </p:tavLst>
-                                    </p:anim>
-                                    <p:anim calcmode="lin" valueType="num">
-                                      <p:cBhvr>
-                                        <p:cTn id="10" dur="664" tmFilter="0, 0; 0.125,0.2665; 0.25,0.4; 0.375,0.465; 0.5,0.5;  0.625,0.535; 0.75,0.6; 0.875,0.7335; 1,1">
-                                          <p:stCondLst>
-                                            <p:cond delay="664"/>
-                                          </p:stCondLst>
-                                        </p:cTn>
-                                        <p:tgtEl>
-                                          <p:spTgt spid="13"/>
-                                        </p:tgtEl>
-                                        <p:attrNameLst>
-                                          <p:attrName>ppt_y</p:attrName>
-                                        </p:attrNameLst>
-                                      </p:cBhvr>
-                                      <p:tavLst>
-                                        <p:tav tm="0" fmla="#ppt_y-sin(pi*$)/9">
-                                          <p:val>
-                                            <p:fltVal val="0"/>
-                                          </p:val>
-                                        </p:tav>
-                                        <p:tav tm="100000">
-                                          <p:val>
-                                            <p:fltVal val="1"/>
-                                          </p:val>
-                                        </p:tav>
-                                      </p:tavLst>
-                                    </p:anim>
-                                    <p:anim calcmode="lin" valueType="num">
-                                      <p:cBhvr>
-                                        <p:cTn id="11" dur="332" tmFilter="0, 0; 0.125,0.2665; 0.25,0.4; 0.375,0.465; 0.5,0.5;  0.625,0.535; 0.75,0.6; 0.875,0.7335; 1,1">
-                                          <p:stCondLst>
-                                            <p:cond delay="1324"/>
-                                          </p:stCondLst>
-                                        </p:cTn>
-                                        <p:tgtEl>
-                                          <p:spTgt spid="13"/>
-                                        </p:tgtEl>
-                                        <p:attrNameLst>
-                                          <p:attrName>ppt_y</p:attrName>
-                                        </p:attrNameLst>
-                                      </p:cBhvr>
-                                      <p:tavLst>
-                                        <p:tav tm="0" fmla="#ppt_y-sin(pi*$)/27">
-                                          <p:val>
-                                            <p:fltVal val="0"/>
-                                          </p:val>
-                                        </p:tav>
-                                        <p:tav tm="100000">
-                                          <p:val>
-                                            <p:fltVal val="1"/>
-                                          </p:val>
-                                        </p:tav>
-                                      </p:tavLst>
-                                    </p:anim>
-                                    <p:anim calcmode="lin" valueType="num">
-                                      <p:cBhvr>
-                                        <p:cTn id="12" dur="164" tmFilter="0, 0; 0.125,0.2665; 0.25,0.4; 0.375,0.465; 0.5,0.5;  0.625,0.535; 0.75,0.6; 0.875,0.7335; 1,1">
-                                          <p:stCondLst>
-                                            <p:cond delay="1656"/>
-                                          </p:stCondLst>
-                                        </p:cTn>
-                                        <p:tgtEl>
-                                          <p:spTgt spid="13"/>
-                                        </p:tgtEl>
-                                        <p:attrNameLst>
-                                          <p:attrName>ppt_y</p:attrName>
-                                        </p:attrNameLst>
-                                      </p:cBhvr>
-                                      <p:tavLst>
-                                        <p:tav tm="0" fmla="#ppt_y-sin(pi*$)/81">
-                                          <p:val>
-                                            <p:fltVal val="0"/>
-                                          </p:val>
-                                        </p:tav>
-                                        <p:tav tm="100000">
-                                          <p:val>
-                                            <p:fltVal val="1"/>
-                                          </p:val>
-                                        </p:tav>
-                                      </p:tavLst>
-                                    </p:anim>
-                                    <p:animScale>
-                                      <p:cBhvr>
-                                        <p:cTn id="13" dur="26">
-                                          <p:stCondLst>
-                                            <p:cond delay="650"/>
-                                          </p:stCondLst>
-                                        </p:cTn>
-                                        <p:tgtEl>
-                                          <p:spTgt spid="13"/>
-                                        </p:tgtEl>
-                                      </p:cBhvr>
-                                      <p:to x="100000" y="60000"/>
-                                    </p:animScale>
-                                    <p:animScale>
-                                      <p:cBhvr>
-                                        <p:cTn id="14" dur="166" decel="50000">
-                                          <p:stCondLst>
-                                            <p:cond delay="676"/>
-                                          </p:stCondLst>
-                                        </p:cTn>
-                                        <p:tgtEl>
-                                          <p:spTgt spid="13"/>
-                                        </p:tgtEl>
-                                      </p:cBhvr>
-                                      <p:to x="100000" y="100000"/>
-                                    </p:animScale>
-                                    <p:animScale>
-                                      <p:cBhvr>
-                                        <p:cTn id="15" dur="26">
-                                          <p:stCondLst>
-                                            <p:cond delay="1312"/>
-                                          </p:stCondLst>
-                                        </p:cTn>
-                                        <p:tgtEl>
-                                          <p:spTgt spid="13"/>
-                                        </p:tgtEl>
-                                      </p:cBhvr>
-                                      <p:to x="100000" y="80000"/>
-                                    </p:animScale>
-                                    <p:animScale>
-                                      <p:cBhvr>
-                                        <p:cTn id="16" dur="166" decel="50000">
-                                          <p:stCondLst>
-                                            <p:cond delay="1338"/>
-                                          </p:stCondLst>
-                                        </p:cTn>
-                                        <p:tgtEl>
-                                          <p:spTgt spid="13"/>
-                                        </p:tgtEl>
-                                      </p:cBhvr>
-                                      <p:to x="100000" y="100000"/>
-                                    </p:animScale>
-                                    <p:animScale>
-                                      <p:cBhvr>
-                                        <p:cTn id="17" dur="26">
-                                          <p:stCondLst>
-                                            <p:cond delay="1642"/>
-                                          </p:stCondLst>
-                                        </p:cTn>
-                                        <p:tgtEl>
-                                          <p:spTgt spid="13"/>
-                                        </p:tgtEl>
-                                      </p:cBhvr>
-                                      <p:to x="100000" y="90000"/>
-                                    </p:animScale>
-                                    <p:animScale>
-                                      <p:cBhvr>
-                                        <p:cTn id="18" dur="166" decel="50000">
-                                          <p:stCondLst>
-                                            <p:cond delay="1668"/>
-                                          </p:stCondLst>
-                                        </p:cTn>
-                                        <p:tgtEl>
-                                          <p:spTgt spid="13"/>
-                                        </p:tgtEl>
-                                      </p:cBhvr>
-                                      <p:to x="100000" y="100000"/>
-                                    </p:animScale>
-                                    <p:animScale>
-                                      <p:cBhvr>
-                                        <p:cTn id="19" dur="26">
-                                          <p:stCondLst>
-                                            <p:cond delay="1808"/>
-                                          </p:stCondLst>
-                                        </p:cTn>
-                                        <p:tgtEl>
-                                          <p:spTgt spid="13"/>
-                                        </p:tgtEl>
-                                      </p:cBhvr>
-                                      <p:to x="100000" y="95000"/>
-                                    </p:animScale>
-                                    <p:animScale>
-                                      <p:cBhvr>
-                                        <p:cTn id="20" dur="166" decel="50000">
-                                          <p:stCondLst>
-                                            <p:cond delay="1834"/>
-                                          </p:stCondLst>
-                                        </p:cTn>
-                                        <p:tgtEl>
-                                          <p:spTgt spid="13"/>
-                                        </p:tgtEl>
-                                      </p:cBhvr>
-                                      <p:to x="100000" y="100000"/>
-                                    </p:animScale>
-                                  </p:childTnLst>
-                                </p:cTn>
-                              </p:par>
-                            </p:childTnLst>
-                          </p:cTn>
-                        </p:par>
-                      </p:childTnLst>
-                    </p:cTn>
-                  </p:par>
-                </p:childTnLst>
-              </p:cTn>
-              <p:prevCondLst>
-                <p:cond evt="onPrev" delay="0">
-                  <p:tgtEl>
-                    <p:sldTgt/>
-                  </p:tgtEl>
-                </p:cond>
-              </p:prevCondLst>
-              <p:nextCondLst>
-                <p:cond evt="onNext" delay="0">
-                  <p:tgtEl>
-                    <p:sldTgt/>
-                  </p:tgtEl>
-                </p:cond>
-              </p:nextCondLst>
-            </p:seq>
-          </p:childTnLst>
-        </p:cTn>
+        <p:cTn id="1" dur="indefinite" restart="never" nodeType="tmRoot"/>
       </p:par>
     </p:tnLst>
   </p:timing>
@@ -27054,14 +26722,14 @@
                 <a:gridCol w="3028495">
                   <a:extLst>
                     <a:ext uri="{9D8B030D-6E8A-4147-A177-3AD203B41FA5}">
-                      <a16:colId xmlns:a16="http://schemas.microsoft.com/office/drawing/2014/main" val="4285241245"/>
+                      <a16:colId xmlns:a16="http://schemas.microsoft.com/office/drawing/2014/main" xmlns="" val="4285241245"/>
                     </a:ext>
                   </a:extLst>
                 </a:gridCol>
                 <a:gridCol w="5696607">
                   <a:extLst>
                     <a:ext uri="{9D8B030D-6E8A-4147-A177-3AD203B41FA5}">
-                      <a16:colId xmlns:a16="http://schemas.microsoft.com/office/drawing/2014/main" val="2285487665"/>
+                      <a16:colId xmlns:a16="http://schemas.microsoft.com/office/drawing/2014/main" xmlns="" val="2285487665"/>
                     </a:ext>
                   </a:extLst>
                 </a:gridCol>
@@ -27133,7 +26801,7 @@
                 </a:tc>
                 <a:extLst>
                   <a:ext uri="{0D108BD9-81ED-4DB2-BD59-A6C34878D82A}">
-                    <a16:rowId xmlns:a16="http://schemas.microsoft.com/office/drawing/2014/main" val="2978650689"/>
+                    <a16:rowId xmlns:a16="http://schemas.microsoft.com/office/drawing/2014/main" xmlns="" val="2978650689"/>
                   </a:ext>
                 </a:extLst>
               </a:tr>
@@ -27290,7 +26958,7 @@
                 </a:tc>
                 <a:extLst>
                   <a:ext uri="{0D108BD9-81ED-4DB2-BD59-A6C34878D82A}">
-                    <a16:rowId xmlns:a16="http://schemas.microsoft.com/office/drawing/2014/main" val="722364465"/>
+                    <a16:rowId xmlns:a16="http://schemas.microsoft.com/office/drawing/2014/main" xmlns="" val="722364465"/>
                   </a:ext>
                 </a:extLst>
               </a:tr>
@@ -27379,7 +27047,7 @@
                 </a:tc>
                 <a:extLst>
                   <a:ext uri="{0D108BD9-81ED-4DB2-BD59-A6C34878D82A}">
-                    <a16:rowId xmlns:a16="http://schemas.microsoft.com/office/drawing/2014/main" val="3930217102"/>
+                    <a16:rowId xmlns:a16="http://schemas.microsoft.com/office/drawing/2014/main" xmlns="" val="3930217102"/>
                   </a:ext>
                 </a:extLst>
               </a:tr>
@@ -27523,7 +27191,7 @@
                 </a:tc>
                 <a:extLst>
                   <a:ext uri="{0D108BD9-81ED-4DB2-BD59-A6C34878D82A}">
-                    <a16:rowId xmlns:a16="http://schemas.microsoft.com/office/drawing/2014/main" val="3904857863"/>
+                    <a16:rowId xmlns:a16="http://schemas.microsoft.com/office/drawing/2014/main" xmlns="" val="3904857863"/>
                   </a:ext>
                 </a:extLst>
               </a:tr>
@@ -27618,7 +27286,7 @@
                 </a:tc>
                 <a:extLst>
                   <a:ext uri="{0D108BD9-81ED-4DB2-BD59-A6C34878D82A}">
-                    <a16:rowId xmlns:a16="http://schemas.microsoft.com/office/drawing/2014/main" val="1814178378"/>
+                    <a16:rowId xmlns:a16="http://schemas.microsoft.com/office/drawing/2014/main" xmlns="" val="1814178378"/>
                   </a:ext>
                 </a:extLst>
               </a:tr>
@@ -28575,14 +28243,14 @@
                 <a:gridCol w="1466806">
                   <a:extLst>
                     <a:ext uri="{9D8B030D-6E8A-4147-A177-3AD203B41FA5}">
-                      <a16:colId xmlns:a16="http://schemas.microsoft.com/office/drawing/2014/main" val="20000"/>
+                      <a16:colId xmlns:a16="http://schemas.microsoft.com/office/drawing/2014/main" xmlns="" val="20000"/>
                     </a:ext>
                   </a:extLst>
                 </a:gridCol>
                 <a:gridCol w="7790361">
                   <a:extLst>
                     <a:ext uri="{9D8B030D-6E8A-4147-A177-3AD203B41FA5}">
-                      <a16:colId xmlns:a16="http://schemas.microsoft.com/office/drawing/2014/main" val="20001"/>
+                      <a16:colId xmlns:a16="http://schemas.microsoft.com/office/drawing/2014/main" xmlns="" val="20001"/>
                     </a:ext>
                   </a:extLst>
                 </a:gridCol>
@@ -28647,7 +28315,7 @@
                 </a:tc>
                 <a:extLst>
                   <a:ext uri="{0D108BD9-81ED-4DB2-BD59-A6C34878D82A}">
-                    <a16:rowId xmlns:a16="http://schemas.microsoft.com/office/drawing/2014/main" val="10000"/>
+                    <a16:rowId xmlns:a16="http://schemas.microsoft.com/office/drawing/2014/main" xmlns="" val="10000"/>
                   </a:ext>
                 </a:extLst>
               </a:tr>
@@ -28737,7 +28405,7 @@
                 </a:tc>
                 <a:extLst>
                   <a:ext uri="{0D108BD9-81ED-4DB2-BD59-A6C34878D82A}">
-                    <a16:rowId xmlns:a16="http://schemas.microsoft.com/office/drawing/2014/main" val="10001"/>
+                    <a16:rowId xmlns:a16="http://schemas.microsoft.com/office/drawing/2014/main" xmlns="" val="10001"/>
                   </a:ext>
                 </a:extLst>
               </a:tr>
@@ -28818,7 +28486,7 @@
                 </a:tc>
                 <a:extLst>
                   <a:ext uri="{0D108BD9-81ED-4DB2-BD59-A6C34878D82A}">
-                    <a16:rowId xmlns:a16="http://schemas.microsoft.com/office/drawing/2014/main" val="10002"/>
+                    <a16:rowId xmlns:a16="http://schemas.microsoft.com/office/drawing/2014/main" xmlns="" val="10002"/>
                   </a:ext>
                 </a:extLst>
               </a:tr>
@@ -29227,7 +28895,7 @@
                 </a:tc>
                 <a:extLst>
                   <a:ext uri="{0D108BD9-81ED-4DB2-BD59-A6C34878D82A}">
-                    <a16:rowId xmlns:a16="http://schemas.microsoft.com/office/drawing/2014/main" val="10003"/>
+                    <a16:rowId xmlns:a16="http://schemas.microsoft.com/office/drawing/2014/main" xmlns="" val="10003"/>
                   </a:ext>
                 </a:extLst>
               </a:tr>
@@ -29345,7 +29013,7 @@
                 </a:tc>
                 <a:extLst>
                   <a:ext uri="{0D108BD9-81ED-4DB2-BD59-A6C34878D82A}">
-                    <a16:rowId xmlns:a16="http://schemas.microsoft.com/office/drawing/2014/main" val="994516010"/>
+                    <a16:rowId xmlns:a16="http://schemas.microsoft.com/office/drawing/2014/main" xmlns="" val="994516010"/>
                   </a:ext>
                 </a:extLst>
               </a:tr>

--- a/Presentation/2uzuBook _1011.pptx
+++ b/Presentation/2uzuBook _1011.pptx
@@ -976,10 +976,6 @@
           <a:bodyPr/>
           <a:lstStyle/>
           <a:p>
-            <a:r>
-              <a:rPr lang="ko-KR" altLang="en-US" dirty="0"/>
-              <a:t/>
-            </a:r>
             <a:br>
               <a:rPr lang="ko-KR" altLang="en-US" dirty="0"/>
             </a:br>
@@ -1151,10 +1147,6 @@
           <a:bodyPr/>
           <a:lstStyle/>
           <a:p>
-            <a:r>
-              <a:rPr lang="ko-KR" altLang="en-US" dirty="0"/>
-              <a:t/>
-            </a:r>
             <a:br>
               <a:rPr lang="ko-KR" altLang="en-US" dirty="0"/>
             </a:br>
@@ -1326,10 +1318,6 @@
           <a:bodyPr/>
           <a:lstStyle/>
           <a:p>
-            <a:r>
-              <a:rPr lang="ko-KR" altLang="en-US" dirty="0"/>
-              <a:t/>
-            </a:r>
             <a:br>
               <a:rPr lang="ko-KR" altLang="en-US" dirty="0"/>
             </a:br>
@@ -1501,10 +1489,6 @@
           <a:bodyPr/>
           <a:lstStyle/>
           <a:p>
-            <a:r>
-              <a:rPr lang="ko-KR" altLang="en-US" dirty="0"/>
-              <a:t/>
-            </a:r>
             <a:br>
               <a:rPr lang="ko-KR" altLang="en-US" dirty="0"/>
             </a:br>
@@ -6010,14 +5994,14 @@
                 <a:gridCol w="1466806">
                   <a:extLst>
                     <a:ext uri="{9D8B030D-6E8A-4147-A177-3AD203B41FA5}">
-                      <a16:colId xmlns:a16="http://schemas.microsoft.com/office/drawing/2014/main" xmlns="" val="20000"/>
+                      <a16:colId xmlns:a16="http://schemas.microsoft.com/office/drawing/2014/main" val="20000"/>
                     </a:ext>
                   </a:extLst>
                 </a:gridCol>
                 <a:gridCol w="7790361">
                   <a:extLst>
                     <a:ext uri="{9D8B030D-6E8A-4147-A177-3AD203B41FA5}">
-                      <a16:colId xmlns:a16="http://schemas.microsoft.com/office/drawing/2014/main" xmlns="" val="20001"/>
+                      <a16:colId xmlns:a16="http://schemas.microsoft.com/office/drawing/2014/main" val="20001"/>
                     </a:ext>
                   </a:extLst>
                 </a:gridCol>
@@ -6110,7 +6094,7 @@
                 </a:tc>
                 <a:extLst>
                   <a:ext uri="{0D108BD9-81ED-4DB2-BD59-A6C34878D82A}">
-                    <a16:rowId xmlns:a16="http://schemas.microsoft.com/office/drawing/2014/main" xmlns="" val="10000"/>
+                    <a16:rowId xmlns:a16="http://schemas.microsoft.com/office/drawing/2014/main" val="10000"/>
                   </a:ext>
                 </a:extLst>
               </a:tr>
@@ -6186,7 +6170,7 @@
                 </a:tc>
                 <a:extLst>
                   <a:ext uri="{0D108BD9-81ED-4DB2-BD59-A6C34878D82A}">
-                    <a16:rowId xmlns:a16="http://schemas.microsoft.com/office/drawing/2014/main" xmlns="" val="10001"/>
+                    <a16:rowId xmlns:a16="http://schemas.microsoft.com/office/drawing/2014/main" val="10001"/>
                   </a:ext>
                 </a:extLst>
               </a:tr>
@@ -6270,7 +6254,7 @@
                 </a:tc>
                 <a:extLst>
                   <a:ext uri="{0D108BD9-81ED-4DB2-BD59-A6C34878D82A}">
-                    <a16:rowId xmlns:a16="http://schemas.microsoft.com/office/drawing/2014/main" xmlns="" val="10002"/>
+                    <a16:rowId xmlns:a16="http://schemas.microsoft.com/office/drawing/2014/main" val="10002"/>
                   </a:ext>
                 </a:extLst>
               </a:tr>
@@ -6682,7 +6666,7 @@
                 </a:tc>
                 <a:extLst>
                   <a:ext uri="{0D108BD9-81ED-4DB2-BD59-A6C34878D82A}">
-                    <a16:rowId xmlns:a16="http://schemas.microsoft.com/office/drawing/2014/main" xmlns="" val="10003"/>
+                    <a16:rowId xmlns:a16="http://schemas.microsoft.com/office/drawing/2014/main" val="10003"/>
                   </a:ext>
                 </a:extLst>
               </a:tr>
@@ -6908,7 +6892,7 @@
                 </a:tc>
                 <a:extLst>
                   <a:ext uri="{0D108BD9-81ED-4DB2-BD59-A6C34878D82A}">
-                    <a16:rowId xmlns:a16="http://schemas.microsoft.com/office/drawing/2014/main" xmlns="" val="994516010"/>
+                    <a16:rowId xmlns:a16="http://schemas.microsoft.com/office/drawing/2014/main" val="994516010"/>
                   </a:ext>
                 </a:extLst>
               </a:tr>
@@ -7915,14 +7899,14 @@
                 <a:gridCol w="1466806">
                   <a:extLst>
                     <a:ext uri="{9D8B030D-6E8A-4147-A177-3AD203B41FA5}">
-                      <a16:colId xmlns:a16="http://schemas.microsoft.com/office/drawing/2014/main" xmlns="" val="20000"/>
+                      <a16:colId xmlns:a16="http://schemas.microsoft.com/office/drawing/2014/main" val="20000"/>
                     </a:ext>
                   </a:extLst>
                 </a:gridCol>
                 <a:gridCol w="7790361">
                   <a:extLst>
                     <a:ext uri="{9D8B030D-6E8A-4147-A177-3AD203B41FA5}">
-                      <a16:colId xmlns:a16="http://schemas.microsoft.com/office/drawing/2014/main" xmlns="" val="20001"/>
+                      <a16:colId xmlns:a16="http://schemas.microsoft.com/office/drawing/2014/main" val="20001"/>
                     </a:ext>
                   </a:extLst>
                 </a:gridCol>
@@ -7987,7 +7971,7 @@
                 </a:tc>
                 <a:extLst>
                   <a:ext uri="{0D108BD9-81ED-4DB2-BD59-A6C34878D82A}">
-                    <a16:rowId xmlns:a16="http://schemas.microsoft.com/office/drawing/2014/main" xmlns="" val="10000"/>
+                    <a16:rowId xmlns:a16="http://schemas.microsoft.com/office/drawing/2014/main" val="10000"/>
                   </a:ext>
                 </a:extLst>
               </a:tr>
@@ -8074,7 +8058,7 @@
                 </a:tc>
                 <a:extLst>
                   <a:ext uri="{0D108BD9-81ED-4DB2-BD59-A6C34878D82A}">
-                    <a16:rowId xmlns:a16="http://schemas.microsoft.com/office/drawing/2014/main" xmlns="" val="10001"/>
+                    <a16:rowId xmlns:a16="http://schemas.microsoft.com/office/drawing/2014/main" val="10001"/>
                   </a:ext>
                 </a:extLst>
               </a:tr>
@@ -8186,7 +8170,7 @@
                 </a:tc>
                 <a:extLst>
                   <a:ext uri="{0D108BD9-81ED-4DB2-BD59-A6C34878D82A}">
-                    <a16:rowId xmlns:a16="http://schemas.microsoft.com/office/drawing/2014/main" xmlns="" val="10002"/>
+                    <a16:rowId xmlns:a16="http://schemas.microsoft.com/office/drawing/2014/main" val="10002"/>
                   </a:ext>
                 </a:extLst>
               </a:tr>
@@ -8559,7 +8543,7 @@
                 </a:tc>
                 <a:extLst>
                   <a:ext uri="{0D108BD9-81ED-4DB2-BD59-A6C34878D82A}">
-                    <a16:rowId xmlns:a16="http://schemas.microsoft.com/office/drawing/2014/main" xmlns="" val="10003"/>
+                    <a16:rowId xmlns:a16="http://schemas.microsoft.com/office/drawing/2014/main" val="10003"/>
                   </a:ext>
                 </a:extLst>
               </a:tr>
@@ -8838,7 +8822,7 @@
                 </a:tc>
                 <a:extLst>
                   <a:ext uri="{0D108BD9-81ED-4DB2-BD59-A6C34878D82A}">
-                    <a16:rowId xmlns:a16="http://schemas.microsoft.com/office/drawing/2014/main" xmlns="" val="994516010"/>
+                    <a16:rowId xmlns:a16="http://schemas.microsoft.com/office/drawing/2014/main" val="994516010"/>
                   </a:ext>
                 </a:extLst>
               </a:tr>
@@ -9833,14 +9817,14 @@
                 <a:gridCol w="1466806">
                   <a:extLst>
                     <a:ext uri="{9D8B030D-6E8A-4147-A177-3AD203B41FA5}">
-                      <a16:colId xmlns:a16="http://schemas.microsoft.com/office/drawing/2014/main" xmlns="" val="20000"/>
+                      <a16:colId xmlns:a16="http://schemas.microsoft.com/office/drawing/2014/main" val="20000"/>
                     </a:ext>
                   </a:extLst>
                 </a:gridCol>
                 <a:gridCol w="7790361">
                   <a:extLst>
                     <a:ext uri="{9D8B030D-6E8A-4147-A177-3AD203B41FA5}">
-                      <a16:colId xmlns:a16="http://schemas.microsoft.com/office/drawing/2014/main" xmlns="" val="20001"/>
+                      <a16:colId xmlns:a16="http://schemas.microsoft.com/office/drawing/2014/main" val="20001"/>
                     </a:ext>
                   </a:extLst>
                 </a:gridCol>
@@ -9905,7 +9889,7 @@
                 </a:tc>
                 <a:extLst>
                   <a:ext uri="{0D108BD9-81ED-4DB2-BD59-A6C34878D82A}">
-                    <a16:rowId xmlns:a16="http://schemas.microsoft.com/office/drawing/2014/main" xmlns="" val="10000"/>
+                    <a16:rowId xmlns:a16="http://schemas.microsoft.com/office/drawing/2014/main" val="10000"/>
                   </a:ext>
                 </a:extLst>
               </a:tr>
@@ -9992,7 +9976,7 @@
                 </a:tc>
                 <a:extLst>
                   <a:ext uri="{0D108BD9-81ED-4DB2-BD59-A6C34878D82A}">
-                    <a16:rowId xmlns:a16="http://schemas.microsoft.com/office/drawing/2014/main" xmlns="" val="10001"/>
+                    <a16:rowId xmlns:a16="http://schemas.microsoft.com/office/drawing/2014/main" val="10001"/>
                   </a:ext>
                 </a:extLst>
               </a:tr>
@@ -10090,7 +10074,7 @@
                 </a:tc>
                 <a:extLst>
                   <a:ext uri="{0D108BD9-81ED-4DB2-BD59-A6C34878D82A}">
-                    <a16:rowId xmlns:a16="http://schemas.microsoft.com/office/drawing/2014/main" xmlns="" val="10002"/>
+                    <a16:rowId xmlns:a16="http://schemas.microsoft.com/office/drawing/2014/main" val="10002"/>
                   </a:ext>
                 </a:extLst>
               </a:tr>
@@ -10511,7 +10495,7 @@
                 </a:tc>
                 <a:extLst>
                   <a:ext uri="{0D108BD9-81ED-4DB2-BD59-A6C34878D82A}">
-                    <a16:rowId xmlns:a16="http://schemas.microsoft.com/office/drawing/2014/main" xmlns="" val="10003"/>
+                    <a16:rowId xmlns:a16="http://schemas.microsoft.com/office/drawing/2014/main" val="10003"/>
                   </a:ext>
                 </a:extLst>
               </a:tr>
@@ -10591,7 +10575,7 @@
                 </a:tc>
                 <a:extLst>
                   <a:ext uri="{0D108BD9-81ED-4DB2-BD59-A6C34878D82A}">
-                    <a16:rowId xmlns:a16="http://schemas.microsoft.com/office/drawing/2014/main" xmlns="" val="994516010"/>
+                    <a16:rowId xmlns:a16="http://schemas.microsoft.com/office/drawing/2014/main" val="994516010"/>
                   </a:ext>
                 </a:extLst>
               </a:tr>
@@ -11586,14 +11570,14 @@
                 <a:gridCol w="1466806">
                   <a:extLst>
                     <a:ext uri="{9D8B030D-6E8A-4147-A177-3AD203B41FA5}">
-                      <a16:colId xmlns:a16="http://schemas.microsoft.com/office/drawing/2014/main" xmlns="" val="20000"/>
+                      <a16:colId xmlns:a16="http://schemas.microsoft.com/office/drawing/2014/main" val="20000"/>
                     </a:ext>
                   </a:extLst>
                 </a:gridCol>
                 <a:gridCol w="7790361">
                   <a:extLst>
                     <a:ext uri="{9D8B030D-6E8A-4147-A177-3AD203B41FA5}">
-                      <a16:colId xmlns:a16="http://schemas.microsoft.com/office/drawing/2014/main" xmlns="" val="20001"/>
+                      <a16:colId xmlns:a16="http://schemas.microsoft.com/office/drawing/2014/main" val="20001"/>
                     </a:ext>
                   </a:extLst>
                 </a:gridCol>
@@ -11658,7 +11642,7 @@
                 </a:tc>
                 <a:extLst>
                   <a:ext uri="{0D108BD9-81ED-4DB2-BD59-A6C34878D82A}">
-                    <a16:rowId xmlns:a16="http://schemas.microsoft.com/office/drawing/2014/main" xmlns="" val="10000"/>
+                    <a16:rowId xmlns:a16="http://schemas.microsoft.com/office/drawing/2014/main" val="10000"/>
                   </a:ext>
                 </a:extLst>
               </a:tr>
@@ -11745,7 +11729,7 @@
                 </a:tc>
                 <a:extLst>
                   <a:ext uri="{0D108BD9-81ED-4DB2-BD59-A6C34878D82A}">
-                    <a16:rowId xmlns:a16="http://schemas.microsoft.com/office/drawing/2014/main" xmlns="" val="10001"/>
+                    <a16:rowId xmlns:a16="http://schemas.microsoft.com/office/drawing/2014/main" val="10001"/>
                   </a:ext>
                 </a:extLst>
               </a:tr>
@@ -11829,7 +11813,7 @@
                 </a:tc>
                 <a:extLst>
                   <a:ext uri="{0D108BD9-81ED-4DB2-BD59-A6C34878D82A}">
-                    <a16:rowId xmlns:a16="http://schemas.microsoft.com/office/drawing/2014/main" xmlns="" val="10002"/>
+                    <a16:rowId xmlns:a16="http://schemas.microsoft.com/office/drawing/2014/main" val="10002"/>
                   </a:ext>
                 </a:extLst>
               </a:tr>
@@ -12042,18 +12026,6 @@
                         </a:rPr>
                         <a:t>)</a:t>
                       </a:r>
-                      <a:r>
-                        <a:rPr lang="en-US" altLang="ko-KR" sz="1800" kern="1200" baseline="0" dirty="0">
-                          <a:solidFill>
-                            <a:schemeClr val="tx1"/>
-                          </a:solidFill>
-                          <a:effectLst/>
-                          <a:latin typeface="+mn-lt"/>
-                          <a:ea typeface="+mn-ea"/>
-                          <a:cs typeface="+mn-cs"/>
-                        </a:rPr>
-                        <a:t/>
-                      </a:r>
                       <a:br>
                         <a:rPr lang="en-US" altLang="ko-KR" sz="1800" kern="1200" baseline="0" dirty="0">
                           <a:solidFill>
@@ -12080,7 +12052,7 @@
                 </a:tc>
                 <a:extLst>
                   <a:ext uri="{0D108BD9-81ED-4DB2-BD59-A6C34878D82A}">
-                    <a16:rowId xmlns:a16="http://schemas.microsoft.com/office/drawing/2014/main" xmlns="" val="10003"/>
+                    <a16:rowId xmlns:a16="http://schemas.microsoft.com/office/drawing/2014/main" val="10003"/>
                   </a:ext>
                 </a:extLst>
               </a:tr>
@@ -12132,7 +12104,7 @@
                 </a:tc>
                 <a:extLst>
                   <a:ext uri="{0D108BD9-81ED-4DB2-BD59-A6C34878D82A}">
-                    <a16:rowId xmlns:a16="http://schemas.microsoft.com/office/drawing/2014/main" xmlns="" val="994516010"/>
+                    <a16:rowId xmlns:a16="http://schemas.microsoft.com/office/drawing/2014/main" val="994516010"/>
                   </a:ext>
                 </a:extLst>
               </a:tr>
@@ -15944,7 +15916,7 @@
           <p:cNvPr id="1026" name="Picture 2" descr="https://scontent-icn1-1.xx.fbcdn.net/v/t35.0-12/22550967_498916957144560_1950549918_o.png?oh=52ea60943ba456bedf68e18e8bdc5462&amp;oe=59E675B8">
             <a:extLst>
               <a:ext uri="{FF2B5EF4-FFF2-40B4-BE49-F238E27FC236}">
-                <a16:creationId xmlns:a16="http://schemas.microsoft.com/office/drawing/2014/main" xmlns="" id="{BB12E9B4-EAB1-49AA-90AE-63655D68160E}"/>
+                <a16:creationId xmlns:a16="http://schemas.microsoft.com/office/drawing/2014/main" id="{BB12E9B4-EAB1-49AA-90AE-63655D68160E}"/>
               </a:ext>
             </a:extLst>
           </p:cNvPr>
@@ -19369,13 +19341,6 @@
   <p:clrMapOvr>
     <a:masterClrMapping/>
   </p:clrMapOvr>
-  <p:timing>
-    <p:tnLst>
-      <p:par>
-        <p:cTn id="1" dur="indefinite" restart="never" nodeType="tmRoot"/>
-      </p:par>
-    </p:tnLst>
-  </p:timing>
 </p:sld>
 </file>
 
@@ -21379,7 +21344,7 @@
         </p:blipFill>
         <p:spPr bwMode="auto">
           <a:xfrm>
-            <a:off x="2104557" y="4927618"/>
+            <a:off x="2432510" y="4752701"/>
             <a:ext cx="3388862" cy="1882089"/>
           </a:xfrm>
           <a:prstGeom prst="rect">
@@ -26722,14 +26687,14 @@
                 <a:gridCol w="3028495">
                   <a:extLst>
                     <a:ext uri="{9D8B030D-6E8A-4147-A177-3AD203B41FA5}">
-                      <a16:colId xmlns:a16="http://schemas.microsoft.com/office/drawing/2014/main" xmlns="" val="4285241245"/>
+                      <a16:colId xmlns:a16="http://schemas.microsoft.com/office/drawing/2014/main" val="4285241245"/>
                     </a:ext>
                   </a:extLst>
                 </a:gridCol>
                 <a:gridCol w="5696607">
                   <a:extLst>
                     <a:ext uri="{9D8B030D-6E8A-4147-A177-3AD203B41FA5}">
-                      <a16:colId xmlns:a16="http://schemas.microsoft.com/office/drawing/2014/main" xmlns="" val="2285487665"/>
+                      <a16:colId xmlns:a16="http://schemas.microsoft.com/office/drawing/2014/main" val="2285487665"/>
                     </a:ext>
                   </a:extLst>
                 </a:gridCol>
@@ -26801,7 +26766,7 @@
                 </a:tc>
                 <a:extLst>
                   <a:ext uri="{0D108BD9-81ED-4DB2-BD59-A6C34878D82A}">
-                    <a16:rowId xmlns:a16="http://schemas.microsoft.com/office/drawing/2014/main" xmlns="" val="2978650689"/>
+                    <a16:rowId xmlns:a16="http://schemas.microsoft.com/office/drawing/2014/main" val="2978650689"/>
                   </a:ext>
                 </a:extLst>
               </a:tr>
@@ -26958,7 +26923,7 @@
                 </a:tc>
                 <a:extLst>
                   <a:ext uri="{0D108BD9-81ED-4DB2-BD59-A6C34878D82A}">
-                    <a16:rowId xmlns:a16="http://schemas.microsoft.com/office/drawing/2014/main" xmlns="" val="722364465"/>
+                    <a16:rowId xmlns:a16="http://schemas.microsoft.com/office/drawing/2014/main" val="722364465"/>
                   </a:ext>
                 </a:extLst>
               </a:tr>
@@ -27047,7 +27012,7 @@
                 </a:tc>
                 <a:extLst>
                   <a:ext uri="{0D108BD9-81ED-4DB2-BD59-A6C34878D82A}">
-                    <a16:rowId xmlns:a16="http://schemas.microsoft.com/office/drawing/2014/main" xmlns="" val="3930217102"/>
+                    <a16:rowId xmlns:a16="http://schemas.microsoft.com/office/drawing/2014/main" val="3930217102"/>
                   </a:ext>
                 </a:extLst>
               </a:tr>
@@ -27191,7 +27156,7 @@
                 </a:tc>
                 <a:extLst>
                   <a:ext uri="{0D108BD9-81ED-4DB2-BD59-A6C34878D82A}">
-                    <a16:rowId xmlns:a16="http://schemas.microsoft.com/office/drawing/2014/main" xmlns="" val="3904857863"/>
+                    <a16:rowId xmlns:a16="http://schemas.microsoft.com/office/drawing/2014/main" val="3904857863"/>
                   </a:ext>
                 </a:extLst>
               </a:tr>
@@ -27286,7 +27251,7 @@
                 </a:tc>
                 <a:extLst>
                   <a:ext uri="{0D108BD9-81ED-4DB2-BD59-A6C34878D82A}">
-                    <a16:rowId xmlns:a16="http://schemas.microsoft.com/office/drawing/2014/main" xmlns="" val="1814178378"/>
+                    <a16:rowId xmlns:a16="http://schemas.microsoft.com/office/drawing/2014/main" val="1814178378"/>
                   </a:ext>
                 </a:extLst>
               </a:tr>
@@ -28243,14 +28208,14 @@
                 <a:gridCol w="1466806">
                   <a:extLst>
                     <a:ext uri="{9D8B030D-6E8A-4147-A177-3AD203B41FA5}">
-                      <a16:colId xmlns:a16="http://schemas.microsoft.com/office/drawing/2014/main" xmlns="" val="20000"/>
+                      <a16:colId xmlns:a16="http://schemas.microsoft.com/office/drawing/2014/main" val="20000"/>
                     </a:ext>
                   </a:extLst>
                 </a:gridCol>
                 <a:gridCol w="7790361">
                   <a:extLst>
                     <a:ext uri="{9D8B030D-6E8A-4147-A177-3AD203B41FA5}">
-                      <a16:colId xmlns:a16="http://schemas.microsoft.com/office/drawing/2014/main" xmlns="" val="20001"/>
+                      <a16:colId xmlns:a16="http://schemas.microsoft.com/office/drawing/2014/main" val="20001"/>
                     </a:ext>
                   </a:extLst>
                 </a:gridCol>
@@ -28315,7 +28280,7 @@
                 </a:tc>
                 <a:extLst>
                   <a:ext uri="{0D108BD9-81ED-4DB2-BD59-A6C34878D82A}">
-                    <a16:rowId xmlns:a16="http://schemas.microsoft.com/office/drawing/2014/main" xmlns="" val="10000"/>
+                    <a16:rowId xmlns:a16="http://schemas.microsoft.com/office/drawing/2014/main" val="10000"/>
                   </a:ext>
                 </a:extLst>
               </a:tr>
@@ -28405,7 +28370,7 @@
                 </a:tc>
                 <a:extLst>
                   <a:ext uri="{0D108BD9-81ED-4DB2-BD59-A6C34878D82A}">
-                    <a16:rowId xmlns:a16="http://schemas.microsoft.com/office/drawing/2014/main" xmlns="" val="10001"/>
+                    <a16:rowId xmlns:a16="http://schemas.microsoft.com/office/drawing/2014/main" val="10001"/>
                   </a:ext>
                 </a:extLst>
               </a:tr>
@@ -28486,7 +28451,7 @@
                 </a:tc>
                 <a:extLst>
                   <a:ext uri="{0D108BD9-81ED-4DB2-BD59-A6C34878D82A}">
-                    <a16:rowId xmlns:a16="http://schemas.microsoft.com/office/drawing/2014/main" xmlns="" val="10002"/>
+                    <a16:rowId xmlns:a16="http://schemas.microsoft.com/office/drawing/2014/main" val="10002"/>
                   </a:ext>
                 </a:extLst>
               </a:tr>
@@ -28895,7 +28860,7 @@
                 </a:tc>
                 <a:extLst>
                   <a:ext uri="{0D108BD9-81ED-4DB2-BD59-A6C34878D82A}">
-                    <a16:rowId xmlns:a16="http://schemas.microsoft.com/office/drawing/2014/main" xmlns="" val="10003"/>
+                    <a16:rowId xmlns:a16="http://schemas.microsoft.com/office/drawing/2014/main" val="10003"/>
                   </a:ext>
                 </a:extLst>
               </a:tr>
@@ -29013,7 +28978,7 @@
                 </a:tc>
                 <a:extLst>
                   <a:ext uri="{0D108BD9-81ED-4DB2-BD59-A6C34878D82A}">
-                    <a16:rowId xmlns:a16="http://schemas.microsoft.com/office/drawing/2014/main" xmlns="" val="994516010"/>
+                    <a16:rowId xmlns:a16="http://schemas.microsoft.com/office/drawing/2014/main" val="994516010"/>
                   </a:ext>
                 </a:extLst>
               </a:tr>
